--- a/Documents/FInal Presentation/Final_Presentation.pptx
+++ b/Documents/FInal Presentation/Final_Presentation.pptx
@@ -223,7 +223,7 @@
           <a:p>
             <a:fld id="{C3DCE7EF-75D0-4DB7-BD1A-FC94188B4058}" type="datetimeFigureOut">
               <a:rPr lang="en-US" smtClean="0"/>
-              <a:t>11/12/2024</a:t>
+              <a:t>11/14/2024</a:t>
             </a:fld>
             <a:endParaRPr lang="en-US"/>
           </a:p>
@@ -490,6 +490,90 @@
 </p:notesMaster>
 </file>
 
+<file path=ppt/notesSlides/notesSlide1.xml><?xml version="1.0" encoding="utf-8"?>
+<p:notes xmlns:a="http://schemas.openxmlformats.org/drawingml/2006/main" xmlns:r="http://schemas.openxmlformats.org/officeDocument/2006/relationships" xmlns:p="http://schemas.openxmlformats.org/presentationml/2006/main">
+  <p:cSld>
+    <p:spTree>
+      <p:nvGrpSpPr>
+        <p:cNvPr id="1" name=""/>
+        <p:cNvGrpSpPr/>
+        <p:nvPr/>
+      </p:nvGrpSpPr>
+      <p:grpSpPr>
+        <a:xfrm>
+          <a:off x="0" y="0"/>
+          <a:ext cx="0" cy="0"/>
+          <a:chOff x="0" y="0"/>
+          <a:chExt cx="0" cy="0"/>
+        </a:xfrm>
+      </p:grpSpPr>
+      <p:sp>
+        <p:nvSpPr>
+          <p:cNvPr id="2" name="Slide Image Placeholder 1"/>
+          <p:cNvSpPr>
+            <a:spLocks noGrp="1" noRot="1" noChangeAspect="1"/>
+          </p:cNvSpPr>
+          <p:nvPr>
+            <p:ph type="sldImg"/>
+          </p:nvPr>
+        </p:nvSpPr>
+        <p:spPr/>
+      </p:sp>
+      <p:sp>
+        <p:nvSpPr>
+          <p:cNvPr id="3" name="Notes Placeholder 2"/>
+          <p:cNvSpPr>
+            <a:spLocks noGrp="1"/>
+          </p:cNvSpPr>
+          <p:nvPr>
+            <p:ph type="body" idx="1"/>
+          </p:nvPr>
+        </p:nvSpPr>
+        <p:spPr/>
+        <p:txBody>
+          <a:bodyPr/>
+          <a:lstStyle/>
+          <a:p>
+            <a:endParaRPr lang="en-US" dirty="0"/>
+          </a:p>
+        </p:txBody>
+      </p:sp>
+      <p:sp>
+        <p:nvSpPr>
+          <p:cNvPr id="4" name="Slide Number Placeholder 3"/>
+          <p:cNvSpPr>
+            <a:spLocks noGrp="1"/>
+          </p:cNvSpPr>
+          <p:nvPr>
+            <p:ph type="sldNum" sz="quarter" idx="5"/>
+          </p:nvPr>
+        </p:nvSpPr>
+        <p:spPr/>
+        <p:txBody>
+          <a:bodyPr/>
+          <a:lstStyle/>
+          <a:p>
+            <a:fld id="{E30B86DD-1E4E-4BA9-90B9-02C65521F8DF}" type="slidenum">
+              <a:rPr lang="en-US" smtClean="0"/>
+              <a:t>7</a:t>
+            </a:fld>
+            <a:endParaRPr lang="en-US"/>
+          </a:p>
+        </p:txBody>
+      </p:sp>
+    </p:spTree>
+    <p:extLst>
+      <p:ext uri="{BB962C8B-B14F-4D97-AF65-F5344CB8AC3E}">
+        <p14:creationId xmlns:p14="http://schemas.microsoft.com/office/powerpoint/2010/main" val="3998667000"/>
+      </p:ext>
+    </p:extLst>
+  </p:cSld>
+  <p:clrMapOvr>
+    <a:masterClrMapping/>
+  </p:clrMapOvr>
+</p:notes>
+</file>
+
 <file path=ppt/slideLayouts/slideLayout1.xml><?xml version="1.0" encoding="utf-8"?>
 <p:sldLayout xmlns:a="http://schemas.openxmlformats.org/drawingml/2006/main" xmlns:r="http://schemas.openxmlformats.org/officeDocument/2006/relationships" xmlns:p="http://schemas.openxmlformats.org/presentationml/2006/main" type="title" preserve="1">
   <p:cSld name="Title Slide">
@@ -637,7 +721,7 @@
           <a:p>
             <a:fld id="{A749A21A-B890-4700-B57E-1CFFBFCC9631}" type="datetimeFigureOut">
               <a:rPr lang="en-US" smtClean="0"/>
-              <a:t>11/12/2024</a:t>
+              <a:t>11/14/2024</a:t>
             </a:fld>
             <a:endParaRPr lang="en-US"/>
           </a:p>
@@ -835,7 +919,7 @@
           <a:p>
             <a:fld id="{A749A21A-B890-4700-B57E-1CFFBFCC9631}" type="datetimeFigureOut">
               <a:rPr lang="en-US" smtClean="0"/>
-              <a:t>11/12/2024</a:t>
+              <a:t>11/14/2024</a:t>
             </a:fld>
             <a:endParaRPr lang="en-US"/>
           </a:p>
@@ -1043,7 +1127,7 @@
           <a:p>
             <a:fld id="{A749A21A-B890-4700-B57E-1CFFBFCC9631}" type="datetimeFigureOut">
               <a:rPr lang="en-US" smtClean="0"/>
-              <a:t>11/12/2024</a:t>
+              <a:t>11/14/2024</a:t>
             </a:fld>
             <a:endParaRPr lang="en-US"/>
           </a:p>
@@ -1241,7 +1325,7 @@
           <a:p>
             <a:fld id="{A749A21A-B890-4700-B57E-1CFFBFCC9631}" type="datetimeFigureOut">
               <a:rPr lang="en-US" smtClean="0"/>
-              <a:t>11/12/2024</a:t>
+              <a:t>11/14/2024</a:t>
             </a:fld>
             <a:endParaRPr lang="en-US"/>
           </a:p>
@@ -1516,7 +1600,7 @@
           <a:p>
             <a:fld id="{A749A21A-B890-4700-B57E-1CFFBFCC9631}" type="datetimeFigureOut">
               <a:rPr lang="en-US" smtClean="0"/>
-              <a:t>11/12/2024</a:t>
+              <a:t>11/14/2024</a:t>
             </a:fld>
             <a:endParaRPr lang="en-US"/>
           </a:p>
@@ -1781,7 +1865,7 @@
           <a:p>
             <a:fld id="{A749A21A-B890-4700-B57E-1CFFBFCC9631}" type="datetimeFigureOut">
               <a:rPr lang="en-US" smtClean="0"/>
-              <a:t>11/12/2024</a:t>
+              <a:t>11/14/2024</a:t>
             </a:fld>
             <a:endParaRPr lang="en-US"/>
           </a:p>
@@ -2193,7 +2277,7 @@
           <a:p>
             <a:fld id="{A749A21A-B890-4700-B57E-1CFFBFCC9631}" type="datetimeFigureOut">
               <a:rPr lang="en-US" smtClean="0"/>
-              <a:t>11/12/2024</a:t>
+              <a:t>11/14/2024</a:t>
             </a:fld>
             <a:endParaRPr lang="en-US"/>
           </a:p>
@@ -2334,7 +2418,7 @@
           <a:p>
             <a:fld id="{A749A21A-B890-4700-B57E-1CFFBFCC9631}" type="datetimeFigureOut">
               <a:rPr lang="en-US" smtClean="0"/>
-              <a:t>11/12/2024</a:t>
+              <a:t>11/14/2024</a:t>
             </a:fld>
             <a:endParaRPr lang="en-US"/>
           </a:p>
@@ -2447,7 +2531,7 @@
           <a:p>
             <a:fld id="{A749A21A-B890-4700-B57E-1CFFBFCC9631}" type="datetimeFigureOut">
               <a:rPr lang="en-US" smtClean="0"/>
-              <a:t>11/12/2024</a:t>
+              <a:t>11/14/2024</a:t>
             </a:fld>
             <a:endParaRPr lang="en-US"/>
           </a:p>
@@ -2758,7 +2842,7 @@
           <a:p>
             <a:fld id="{A749A21A-B890-4700-B57E-1CFFBFCC9631}" type="datetimeFigureOut">
               <a:rPr lang="en-US" smtClean="0"/>
-              <a:t>11/12/2024</a:t>
+              <a:t>11/14/2024</a:t>
             </a:fld>
             <a:endParaRPr lang="en-US"/>
           </a:p>
@@ -3046,7 +3130,7 @@
           <a:p>
             <a:fld id="{A749A21A-B890-4700-B57E-1CFFBFCC9631}" type="datetimeFigureOut">
               <a:rPr lang="en-US" smtClean="0"/>
-              <a:t>11/12/2024</a:t>
+              <a:t>11/14/2024</a:t>
             </a:fld>
             <a:endParaRPr lang="en-US"/>
           </a:p>
@@ -3287,7 +3371,7 @@
           <a:p>
             <a:fld id="{A749A21A-B890-4700-B57E-1CFFBFCC9631}" type="datetimeFigureOut">
               <a:rPr lang="en-US" smtClean="0"/>
-              <a:t>11/12/2024</a:t>
+              <a:t>11/14/2024</a:t>
             </a:fld>
             <a:endParaRPr lang="en-US"/>
           </a:p>
@@ -6779,6 +6863,489 @@
       </p:grpSpPr>
       <p:sp useBgFill="1">
         <p:nvSpPr>
+          <p:cNvPr id="19" name="Rectangle 18">
+            <a:extLst>
+              <a:ext uri="{FF2B5EF4-FFF2-40B4-BE49-F238E27FC236}">
+                <a16:creationId xmlns:a16="http://schemas.microsoft.com/office/drawing/2014/main" id="{2B97F24A-32CE-4C1C-A50D-3016B394DCFB}"/>
+              </a:ext>
+              <a:ext uri="{C183D7F6-B498-43B3-948B-1728B52AA6E4}">
+                <adec:decorative xmlns:adec="http://schemas.microsoft.com/office/drawing/2017/decorative" val="1"/>
+              </a:ext>
+            </a:extLst>
+          </p:cNvPr>
+          <p:cNvSpPr>
+            <a:spLocks noGrp="1" noRot="1" noChangeAspect="1" noMove="1" noResize="1" noEditPoints="1" noAdjustHandles="1" noChangeArrowheads="1" noChangeShapeType="1" noTextEdit="1"/>
+          </p:cNvSpPr>
+          <p:nvPr>
+            <p:extLst>
+              <p:ext uri="{386F3935-93C4-4BCD-93E2-E3B085C9AB24}">
+                <p16:designElem xmlns:p16="http://schemas.microsoft.com/office/powerpoint/2015/main" val="1"/>
+              </p:ext>
+            </p:extLst>
+          </p:nvPr>
+        </p:nvSpPr>
+        <p:spPr>
+          <a:xfrm>
+            <a:off x="0" y="0"/>
+            <a:ext cx="12192000" cy="6858000"/>
+          </a:xfrm>
+          <a:prstGeom prst="rect">
+            <a:avLst/>
+          </a:prstGeom>
+          <a:ln>
+            <a:noFill/>
+          </a:ln>
+        </p:spPr>
+        <p:style>
+          <a:lnRef idx="2">
+            <a:schemeClr val="accent1">
+              <a:shade val="50000"/>
+            </a:schemeClr>
+          </a:lnRef>
+          <a:fillRef idx="1">
+            <a:schemeClr val="accent1"/>
+          </a:fillRef>
+          <a:effectRef idx="0">
+            <a:schemeClr val="accent1"/>
+          </a:effectRef>
+          <a:fontRef idx="minor">
+            <a:schemeClr val="lt1"/>
+          </a:fontRef>
+        </p:style>
+        <p:txBody>
+          <a:bodyPr rtlCol="0" anchor="ctr"/>
+          <a:lstStyle/>
+          <a:p>
+            <a:pPr algn="ctr"/>
+            <a:endParaRPr lang="en-US"/>
+          </a:p>
+        </p:txBody>
+      </p:sp>
+      <p:sp>
+        <p:nvSpPr>
+          <p:cNvPr id="2" name="Title 1">
+            <a:extLst>
+              <a:ext uri="{FF2B5EF4-FFF2-40B4-BE49-F238E27FC236}">
+                <a16:creationId xmlns:a16="http://schemas.microsoft.com/office/drawing/2014/main" id="{EA6493CF-AA83-E5D3-C9E0-B7D3988E4628}"/>
+              </a:ext>
+            </a:extLst>
+          </p:cNvPr>
+          <p:cNvSpPr>
+            <a:spLocks noGrp="1"/>
+          </p:cNvSpPr>
+          <p:nvPr>
+            <p:ph type="title"/>
+          </p:nvPr>
+        </p:nvSpPr>
+        <p:spPr>
+          <a:xfrm>
+            <a:off x="630936" y="639520"/>
+            <a:ext cx="3429000" cy="1719072"/>
+          </a:xfrm>
+        </p:spPr>
+        <p:txBody>
+          <a:bodyPr anchor="b">
+            <a:normAutofit/>
+          </a:bodyPr>
+          <a:lstStyle/>
+          <a:p>
+            <a:r>
+              <a:rPr lang="en-US" sz="5400"/>
+              <a:t>Testing Board</a:t>
+            </a:r>
+          </a:p>
+        </p:txBody>
+      </p:sp>
+      <p:sp>
+        <p:nvSpPr>
+          <p:cNvPr id="20" name="sketch line">
+            <a:extLst>
+              <a:ext uri="{FF2B5EF4-FFF2-40B4-BE49-F238E27FC236}">
+                <a16:creationId xmlns:a16="http://schemas.microsoft.com/office/drawing/2014/main" id="{CD8B4F24-440B-49E9-B85D-733523DC064B}"/>
+              </a:ext>
+              <a:ext uri="{C183D7F6-B498-43B3-948B-1728B52AA6E4}">
+                <adec:decorative xmlns:adec="http://schemas.microsoft.com/office/drawing/2017/decorative" val="1"/>
+              </a:ext>
+            </a:extLst>
+          </p:cNvPr>
+          <p:cNvSpPr>
+            <a:spLocks noGrp="1" noRot="1" noChangeAspect="1" noMove="1" noResize="1" noEditPoints="1" noAdjustHandles="1" noChangeArrowheads="1" noChangeShapeType="1" noTextEdit="1"/>
+          </p:cNvSpPr>
+          <p:nvPr>
+            <p:extLst>
+              <p:ext uri="{386F3935-93C4-4BCD-93E2-E3B085C9AB24}">
+                <p16:designElem xmlns:p16="http://schemas.microsoft.com/office/powerpoint/2015/main" val="1"/>
+              </p:ext>
+            </p:extLst>
+          </p:nvPr>
+        </p:nvSpPr>
+        <p:spPr>
+          <a:xfrm>
+            <a:off x="643278" y="2573756"/>
+            <a:ext cx="3255095" cy="18288"/>
+          </a:xfrm>
+          <a:custGeom>
+            <a:avLst/>
+            <a:gdLst>
+              <a:gd name="connsiteX0" fmla="*/ 0 w 3255095"/>
+              <a:gd name="connsiteY0" fmla="*/ 0 h 18288"/>
+              <a:gd name="connsiteX1" fmla="*/ 618468 w 3255095"/>
+              <a:gd name="connsiteY1" fmla="*/ 0 h 18288"/>
+              <a:gd name="connsiteX2" fmla="*/ 1269487 w 3255095"/>
+              <a:gd name="connsiteY2" fmla="*/ 0 h 18288"/>
+              <a:gd name="connsiteX3" fmla="*/ 1953057 w 3255095"/>
+              <a:gd name="connsiteY3" fmla="*/ 0 h 18288"/>
+              <a:gd name="connsiteX4" fmla="*/ 2636627 w 3255095"/>
+              <a:gd name="connsiteY4" fmla="*/ 0 h 18288"/>
+              <a:gd name="connsiteX5" fmla="*/ 3255095 w 3255095"/>
+              <a:gd name="connsiteY5" fmla="*/ 0 h 18288"/>
+              <a:gd name="connsiteX6" fmla="*/ 3255095 w 3255095"/>
+              <a:gd name="connsiteY6" fmla="*/ 18288 h 18288"/>
+              <a:gd name="connsiteX7" fmla="*/ 2538974 w 3255095"/>
+              <a:gd name="connsiteY7" fmla="*/ 18288 h 18288"/>
+              <a:gd name="connsiteX8" fmla="*/ 1822853 w 3255095"/>
+              <a:gd name="connsiteY8" fmla="*/ 18288 h 18288"/>
+              <a:gd name="connsiteX9" fmla="*/ 1171834 w 3255095"/>
+              <a:gd name="connsiteY9" fmla="*/ 18288 h 18288"/>
+              <a:gd name="connsiteX10" fmla="*/ 0 w 3255095"/>
+              <a:gd name="connsiteY10" fmla="*/ 18288 h 18288"/>
+              <a:gd name="connsiteX11" fmla="*/ 0 w 3255095"/>
+              <a:gd name="connsiteY11" fmla="*/ 0 h 18288"/>
+            </a:gdLst>
+            <a:ahLst/>
+            <a:cxnLst>
+              <a:cxn ang="0">
+                <a:pos x="connsiteX0" y="connsiteY0"/>
+              </a:cxn>
+              <a:cxn ang="0">
+                <a:pos x="connsiteX1" y="connsiteY1"/>
+              </a:cxn>
+              <a:cxn ang="0">
+                <a:pos x="connsiteX2" y="connsiteY2"/>
+              </a:cxn>
+              <a:cxn ang="0">
+                <a:pos x="connsiteX3" y="connsiteY3"/>
+              </a:cxn>
+              <a:cxn ang="0">
+                <a:pos x="connsiteX4" y="connsiteY4"/>
+              </a:cxn>
+              <a:cxn ang="0">
+                <a:pos x="connsiteX5" y="connsiteY5"/>
+              </a:cxn>
+              <a:cxn ang="0">
+                <a:pos x="connsiteX6" y="connsiteY6"/>
+              </a:cxn>
+              <a:cxn ang="0">
+                <a:pos x="connsiteX7" y="connsiteY7"/>
+              </a:cxn>
+              <a:cxn ang="0">
+                <a:pos x="connsiteX8" y="connsiteY8"/>
+              </a:cxn>
+              <a:cxn ang="0">
+                <a:pos x="connsiteX9" y="connsiteY9"/>
+              </a:cxn>
+              <a:cxn ang="0">
+                <a:pos x="connsiteX10" y="connsiteY10"/>
+              </a:cxn>
+              <a:cxn ang="0">
+                <a:pos x="connsiteX11" y="connsiteY11"/>
+              </a:cxn>
+            </a:cxnLst>
+            <a:rect l="l" t="t" r="r" b="b"/>
+            <a:pathLst>
+              <a:path w="3255095" h="18288" fill="none" extrusionOk="0">
+                <a:moveTo>
+                  <a:pt x="0" y="0"/>
+                </a:moveTo>
+                <a:cubicBezTo>
+                  <a:pt x="240201" y="-22123"/>
+                  <a:pt x="462021" y="-19623"/>
+                  <a:pt x="618468" y="0"/>
+                </a:cubicBezTo>
+                <a:cubicBezTo>
+                  <a:pt x="774915" y="19623"/>
+                  <a:pt x="974734" y="2035"/>
+                  <a:pt x="1269487" y="0"/>
+                </a:cubicBezTo>
+                <a:cubicBezTo>
+                  <a:pt x="1564240" y="-2035"/>
+                  <a:pt x="1733579" y="10639"/>
+                  <a:pt x="1953057" y="0"/>
+                </a:cubicBezTo>
+                <a:cubicBezTo>
+                  <a:pt x="2172535" y="-10639"/>
+                  <a:pt x="2453962" y="14018"/>
+                  <a:pt x="2636627" y="0"/>
+                </a:cubicBezTo>
+                <a:cubicBezTo>
+                  <a:pt x="2819292" y="-14018"/>
+                  <a:pt x="3121375" y="5399"/>
+                  <a:pt x="3255095" y="0"/>
+                </a:cubicBezTo>
+                <a:cubicBezTo>
+                  <a:pt x="3254386" y="8157"/>
+                  <a:pt x="3254682" y="12125"/>
+                  <a:pt x="3255095" y="18288"/>
+                </a:cubicBezTo>
+                <a:cubicBezTo>
+                  <a:pt x="3088545" y="23203"/>
+                  <a:pt x="2687475" y="7419"/>
+                  <a:pt x="2538974" y="18288"/>
+                </a:cubicBezTo>
+                <a:cubicBezTo>
+                  <a:pt x="2390473" y="29157"/>
+                  <a:pt x="2137381" y="-8959"/>
+                  <a:pt x="1822853" y="18288"/>
+                </a:cubicBezTo>
+                <a:cubicBezTo>
+                  <a:pt x="1508325" y="45535"/>
+                  <a:pt x="1466437" y="20385"/>
+                  <a:pt x="1171834" y="18288"/>
+                </a:cubicBezTo>
+                <a:cubicBezTo>
+                  <a:pt x="877231" y="16191"/>
+                  <a:pt x="561097" y="37643"/>
+                  <a:pt x="0" y="18288"/>
+                </a:cubicBezTo>
+                <a:cubicBezTo>
+                  <a:pt x="-46" y="12483"/>
+                  <a:pt x="-203" y="6491"/>
+                  <a:pt x="0" y="0"/>
+                </a:cubicBezTo>
+                <a:close/>
+              </a:path>
+              <a:path w="3255095" h="18288" stroke="0" extrusionOk="0">
+                <a:moveTo>
+                  <a:pt x="0" y="0"/>
+                </a:moveTo>
+                <a:cubicBezTo>
+                  <a:pt x="291965" y="19429"/>
+                  <a:pt x="363155" y="8568"/>
+                  <a:pt x="618468" y="0"/>
+                </a:cubicBezTo>
+                <a:cubicBezTo>
+                  <a:pt x="873781" y="-8568"/>
+                  <a:pt x="904459" y="-19505"/>
+                  <a:pt x="1171834" y="0"/>
+                </a:cubicBezTo>
+                <a:cubicBezTo>
+                  <a:pt x="1439209" y="19505"/>
+                  <a:pt x="1744369" y="9790"/>
+                  <a:pt x="1887955" y="0"/>
+                </a:cubicBezTo>
+                <a:cubicBezTo>
+                  <a:pt x="2031541" y="-9790"/>
+                  <a:pt x="2346378" y="21240"/>
+                  <a:pt x="2506423" y="0"/>
+                </a:cubicBezTo>
+                <a:cubicBezTo>
+                  <a:pt x="2666468" y="-21240"/>
+                  <a:pt x="2990257" y="30414"/>
+                  <a:pt x="3255095" y="0"/>
+                </a:cubicBezTo>
+                <a:cubicBezTo>
+                  <a:pt x="3254831" y="4493"/>
+                  <a:pt x="3255479" y="9472"/>
+                  <a:pt x="3255095" y="18288"/>
+                </a:cubicBezTo>
+                <a:cubicBezTo>
+                  <a:pt x="3120743" y="16690"/>
+                  <a:pt x="2759628" y="42462"/>
+                  <a:pt x="2604076" y="18288"/>
+                </a:cubicBezTo>
+                <a:cubicBezTo>
+                  <a:pt x="2448524" y="-5886"/>
+                  <a:pt x="2184336" y="19599"/>
+                  <a:pt x="1887955" y="18288"/>
+                </a:cubicBezTo>
+                <a:cubicBezTo>
+                  <a:pt x="1591574" y="16977"/>
+                  <a:pt x="1548845" y="6870"/>
+                  <a:pt x="1334589" y="18288"/>
+                </a:cubicBezTo>
+                <a:cubicBezTo>
+                  <a:pt x="1120333" y="29706"/>
+                  <a:pt x="996014" y="9662"/>
+                  <a:pt x="683570" y="18288"/>
+                </a:cubicBezTo>
+                <a:cubicBezTo>
+                  <a:pt x="371126" y="26914"/>
+                  <a:pt x="198687" y="16167"/>
+                  <a:pt x="0" y="18288"/>
+                </a:cubicBezTo>
+                <a:cubicBezTo>
+                  <a:pt x="843" y="9577"/>
+                  <a:pt x="371" y="6900"/>
+                  <a:pt x="0" y="0"/>
+                </a:cubicBezTo>
+                <a:close/>
+              </a:path>
+            </a:pathLst>
+          </a:custGeom>
+          <a:solidFill>
+            <a:schemeClr val="accent2"/>
+          </a:solidFill>
+          <a:ln w="38100" cap="rnd">
+            <a:solidFill>
+              <a:schemeClr val="accent2"/>
+            </a:solidFill>
+            <a:round/>
+            <a:extLst>
+              <a:ext uri="{C807C97D-BFC1-408E-A445-0C87EB9F89A2}">
+                <ask:lineSketchStyleProps xmlns:ask="http://schemas.microsoft.com/office/drawing/2018/sketchyshapes" sd="1219033472">
+                  <a:prstGeom prst="rect">
+                    <a:avLst/>
+                  </a:prstGeom>
+                  <ask:type>
+                    <ask:lineSketchFreehand/>
+                  </ask:type>
+                </ask:lineSketchStyleProps>
+              </a:ext>
+            </a:extLst>
+          </a:ln>
+        </p:spPr>
+        <p:style>
+          <a:lnRef idx="2">
+            <a:schemeClr val="accent1">
+              <a:shade val="50000"/>
+            </a:schemeClr>
+          </a:lnRef>
+          <a:fillRef idx="1">
+            <a:schemeClr val="accent1"/>
+          </a:fillRef>
+          <a:effectRef idx="0">
+            <a:schemeClr val="accent1"/>
+          </a:effectRef>
+          <a:fontRef idx="minor">
+            <a:schemeClr val="lt1"/>
+          </a:fontRef>
+        </p:style>
+        <p:txBody>
+          <a:bodyPr rtlCol="0" anchor="ctr"/>
+          <a:lstStyle/>
+          <a:p>
+            <a:pPr algn="ctr"/>
+            <a:endParaRPr lang="en-US"/>
+          </a:p>
+        </p:txBody>
+      </p:sp>
+      <p:sp>
+        <p:nvSpPr>
+          <p:cNvPr id="3" name="Content Placeholder 2">
+            <a:extLst>
+              <a:ext uri="{FF2B5EF4-FFF2-40B4-BE49-F238E27FC236}">
+                <a16:creationId xmlns:a16="http://schemas.microsoft.com/office/drawing/2014/main" id="{2C73D345-D2BF-6E5E-484D-68E8E0B9872D}"/>
+              </a:ext>
+            </a:extLst>
+          </p:cNvPr>
+          <p:cNvSpPr>
+            <a:spLocks noGrp="1"/>
+          </p:cNvSpPr>
+          <p:nvPr>
+            <p:ph idx="1"/>
+          </p:nvPr>
+        </p:nvSpPr>
+        <p:spPr>
+          <a:xfrm>
+            <a:off x="630936" y="2807208"/>
+            <a:ext cx="3429000" cy="3410712"/>
+          </a:xfrm>
+        </p:spPr>
+        <p:txBody>
+          <a:bodyPr anchor="t">
+            <a:normAutofit/>
+          </a:bodyPr>
+          <a:lstStyle/>
+          <a:p>
+            <a:r>
+              <a:rPr lang="en-US" sz="2200" dirty="0"/>
+              <a:t>Large breakout of all sensors to allow for code development on hardware</a:t>
+            </a:r>
+          </a:p>
+          <a:p>
+            <a:r>
+              <a:rPr lang="en-US" sz="2200" dirty="0"/>
+              <a:t>Includes additional debug buttons, LEDs, and jumper configurable connections for testing</a:t>
+            </a:r>
+          </a:p>
+          <a:p>
+            <a:r>
+              <a:rPr lang="en-US" sz="2200" dirty="0"/>
+              <a:t>All extra µC pins expressed to Headers</a:t>
+            </a:r>
+          </a:p>
+        </p:txBody>
+      </p:sp>
+      <p:pic>
+        <p:nvPicPr>
+          <p:cNvPr id="5" name="Picture 4">
+            <a:extLst>
+              <a:ext uri="{FF2B5EF4-FFF2-40B4-BE49-F238E27FC236}">
+                <a16:creationId xmlns:a16="http://schemas.microsoft.com/office/drawing/2014/main" id="{877AEC40-AE84-18CF-D3C4-90FD7527106E}"/>
+              </a:ext>
+            </a:extLst>
+          </p:cNvPr>
+          <p:cNvPicPr>
+            <a:picLocks noChangeAspect="1"/>
+          </p:cNvPicPr>
+          <p:nvPr/>
+        </p:nvPicPr>
+        <p:blipFill>
+          <a:blip r:embed="rId2"/>
+          <a:stretch>
+            <a:fillRect/>
+          </a:stretch>
+        </p:blipFill>
+        <p:spPr>
+          <a:xfrm>
+            <a:off x="4654296" y="1608144"/>
+            <a:ext cx="6903720" cy="3641712"/>
+          </a:xfrm>
+          <a:prstGeom prst="rect">
+            <a:avLst/>
+          </a:prstGeom>
+        </p:spPr>
+      </p:pic>
+    </p:spTree>
+    <p:extLst>
+      <p:ext uri="{BB962C8B-B14F-4D97-AF65-F5344CB8AC3E}">
+        <p14:creationId xmlns:p14="http://schemas.microsoft.com/office/powerpoint/2010/main" val="1477455746"/>
+      </p:ext>
+    </p:extLst>
+  </p:cSld>
+  <p:clrMapOvr>
+    <a:masterClrMapping/>
+  </p:clrMapOvr>
+</p:sld>
+</file>
+
+<file path=ppt/slides/slide14.xml><?xml version="1.0" encoding="utf-8"?>
+<p:sld xmlns:a="http://schemas.openxmlformats.org/drawingml/2006/main" xmlns:r="http://schemas.openxmlformats.org/officeDocument/2006/relationships" xmlns:p="http://schemas.openxmlformats.org/presentationml/2006/main">
+  <p:cSld>
+    <p:bg>
+      <p:bgPr>
+        <a:solidFill>
+          <a:schemeClr val="bg1"/>
+        </a:solidFill>
+        <a:effectLst/>
+      </p:bgPr>
+    </p:bg>
+    <p:spTree>
+      <p:nvGrpSpPr>
+        <p:cNvPr id="1" name=""/>
+        <p:cNvGrpSpPr/>
+        <p:nvPr/>
+      </p:nvGrpSpPr>
+      <p:grpSpPr>
+        <a:xfrm>
+          <a:off x="0" y="0"/>
+          <a:ext cx="0" cy="0"/>
+          <a:chOff x="0" y="0"/>
+          <a:chExt cx="0" cy="0"/>
+        </a:xfrm>
+      </p:grpSpPr>
+      <p:sp useBgFill="1">
+        <p:nvSpPr>
           <p:cNvPr id="8" name="Rectangle 7">
             <a:extLst>
               <a:ext uri="{FF2B5EF4-FFF2-40B4-BE49-F238E27FC236}">
@@ -6842,7 +7409,7 @@
           <p:cNvPr id="2" name="Title 1">
             <a:extLst>
               <a:ext uri="{FF2B5EF4-FFF2-40B4-BE49-F238E27FC236}">
-                <a16:creationId xmlns:a16="http://schemas.microsoft.com/office/drawing/2014/main" id="{EA6493CF-AA83-E5D3-C9E0-B7D3988E4628}"/>
+                <a16:creationId xmlns:a16="http://schemas.microsoft.com/office/drawing/2014/main" id="{BC39229B-0F8D-F692-ABCF-791419D49A69}"/>
               </a:ext>
             </a:extLst>
           </p:cNvPr>
@@ -6867,7 +7434,7 @@
           <a:p>
             <a:r>
               <a:rPr lang="en-US" sz="5400"/>
-              <a:t>Testing Board</a:t>
+              <a:t>Verification Plan</a:t>
             </a:r>
           </a:p>
         </p:txBody>
@@ -7515,7 +8082,7 @@
           <p:cNvPr id="3" name="Content Placeholder 2">
             <a:extLst>
               <a:ext uri="{FF2B5EF4-FFF2-40B4-BE49-F238E27FC236}">
-                <a16:creationId xmlns:a16="http://schemas.microsoft.com/office/drawing/2014/main" id="{2C73D345-D2BF-6E5E-484D-68E8E0B9872D}"/>
+                <a16:creationId xmlns:a16="http://schemas.microsoft.com/office/drawing/2014/main" id="{3F6271E1-7B60-4352-8E96-48BDB05AAE09}"/>
               </a:ext>
             </a:extLst>
           </p:cNvPr>
@@ -7545,7 +8112,7 @@
     </p:spTree>
     <p:extLst>
       <p:ext uri="{BB962C8B-B14F-4D97-AF65-F5344CB8AC3E}">
-        <p14:creationId xmlns:p14="http://schemas.microsoft.com/office/powerpoint/2010/main" val="1477455746"/>
+        <p14:creationId xmlns:p14="http://schemas.microsoft.com/office/powerpoint/2010/main" val="498654753"/>
       </p:ext>
     </p:extLst>
   </p:cSld>
@@ -7555,7 +8122,7 @@
 </p:sld>
 </file>
 
-<file path=ppt/slides/slide14.xml><?xml version="1.0" encoding="utf-8"?>
+<file path=ppt/slides/slide15.xml><?xml version="1.0" encoding="utf-8"?>
 <p:sld xmlns:a="http://schemas.openxmlformats.org/drawingml/2006/main" xmlns:r="http://schemas.openxmlformats.org/officeDocument/2006/relationships" xmlns:p="http://schemas.openxmlformats.org/presentationml/2006/main">
   <p:cSld>
     <p:bg>
@@ -7582,7 +8149,7 @@
       </p:grpSpPr>
       <p:sp useBgFill="1">
         <p:nvSpPr>
-          <p:cNvPr id="8" name="Rectangle 7">
+          <p:cNvPr id="19" name="Rectangle 18">
             <a:extLst>
               <a:ext uri="{FF2B5EF4-FFF2-40B4-BE49-F238E27FC236}">
                 <a16:creationId xmlns:a16="http://schemas.microsoft.com/office/drawing/2014/main" id="{100EDD19-6802-4EC3-95CE-CFFAB042CFD6}"/>
@@ -7645,7 +8212,7 @@
           <p:cNvPr id="2" name="Title 1">
             <a:extLst>
               <a:ext uri="{FF2B5EF4-FFF2-40B4-BE49-F238E27FC236}">
-                <a16:creationId xmlns:a16="http://schemas.microsoft.com/office/drawing/2014/main" id="{BC39229B-0F8D-F692-ABCF-791419D49A69}"/>
+                <a16:creationId xmlns:a16="http://schemas.microsoft.com/office/drawing/2014/main" id="{2C307065-32DC-739E-03E0-40E8F07AEDED}"/>
               </a:ext>
             </a:extLst>
           </p:cNvPr>
@@ -7670,14 +8237,14 @@
           <a:p>
             <a:r>
               <a:rPr lang="en-US" sz="5400"/>
-              <a:t>Verification Plan</a:t>
+              <a:t>Budget</a:t>
             </a:r>
           </a:p>
         </p:txBody>
       </p:sp>
       <p:sp>
         <p:nvSpPr>
-          <p:cNvPr id="10" name="sketch line">
+          <p:cNvPr id="20" name="sketch line">
             <a:extLst>
               <a:ext uri="{FF2B5EF4-FFF2-40B4-BE49-F238E27FC236}">
                 <a16:creationId xmlns:a16="http://schemas.microsoft.com/office/drawing/2014/main" id="{DB17E863-922E-4C26-BD64-E8FD41D28661}"/>
@@ -8318,7 +8885,7 @@
           <p:cNvPr id="3" name="Content Placeholder 2">
             <a:extLst>
               <a:ext uri="{FF2B5EF4-FFF2-40B4-BE49-F238E27FC236}">
-                <a16:creationId xmlns:a16="http://schemas.microsoft.com/office/drawing/2014/main" id="{3F6271E1-7B60-4352-8E96-48BDB05AAE09}"/>
+                <a16:creationId xmlns:a16="http://schemas.microsoft.com/office/drawing/2014/main" id="{92294596-B68B-CE2F-E35F-9213150999E0}"/>
               </a:ext>
             </a:extLst>
           </p:cNvPr>
@@ -8341,14 +8908,14 @@
           </a:bodyPr>
           <a:lstStyle/>
           <a:p>
-            <a:endParaRPr lang="en-US" sz="2200"/>
+            <a:endParaRPr lang="en-US" sz="2200" dirty="0"/>
           </a:p>
         </p:txBody>
       </p:sp>
     </p:spTree>
     <p:extLst>
       <p:ext uri="{BB962C8B-B14F-4D97-AF65-F5344CB8AC3E}">
-        <p14:creationId xmlns:p14="http://schemas.microsoft.com/office/powerpoint/2010/main" val="498654753"/>
+        <p14:creationId xmlns:p14="http://schemas.microsoft.com/office/powerpoint/2010/main" val="756679770"/>
       </p:ext>
     </p:extLst>
   </p:cSld>
@@ -8358,7 +8925,7 @@
 </p:sld>
 </file>
 
-<file path=ppt/slides/slide15.xml><?xml version="1.0" encoding="utf-8"?>
+<file path=ppt/slides/slide16.xml><?xml version="1.0" encoding="utf-8"?>
 <p:sld xmlns:a="http://schemas.openxmlformats.org/drawingml/2006/main" xmlns:r="http://schemas.openxmlformats.org/officeDocument/2006/relationships" xmlns:p="http://schemas.openxmlformats.org/presentationml/2006/main">
   <p:cSld>
     <p:bg>
@@ -8385,7 +8952,7 @@
       </p:grpSpPr>
       <p:sp useBgFill="1">
         <p:nvSpPr>
-          <p:cNvPr id="19" name="Rectangle 18">
+          <p:cNvPr id="8" name="Rectangle 7">
             <a:extLst>
               <a:ext uri="{FF2B5EF4-FFF2-40B4-BE49-F238E27FC236}">
                 <a16:creationId xmlns:a16="http://schemas.microsoft.com/office/drawing/2014/main" id="{100EDD19-6802-4EC3-95CE-CFFAB042CFD6}"/>
@@ -8448,7 +9015,7 @@
           <p:cNvPr id="2" name="Title 1">
             <a:extLst>
               <a:ext uri="{FF2B5EF4-FFF2-40B4-BE49-F238E27FC236}">
-                <a16:creationId xmlns:a16="http://schemas.microsoft.com/office/drawing/2014/main" id="{2C307065-32DC-739E-03E0-40E8F07AEDED}"/>
+                <a16:creationId xmlns:a16="http://schemas.microsoft.com/office/drawing/2014/main" id="{B119264F-CC1A-0CE1-839C-3FB36B5A7D45}"/>
               </a:ext>
             </a:extLst>
           </p:cNvPr>
@@ -8473,14 +9040,14 @@
           <a:p>
             <a:r>
               <a:rPr lang="en-US" sz="5400"/>
-              <a:t>Budget</a:t>
+              <a:t>Gantt Chart</a:t>
             </a:r>
           </a:p>
         </p:txBody>
       </p:sp>
       <p:sp>
         <p:nvSpPr>
-          <p:cNvPr id="20" name="sketch line">
+          <p:cNvPr id="10" name="sketch line">
             <a:extLst>
               <a:ext uri="{FF2B5EF4-FFF2-40B4-BE49-F238E27FC236}">
                 <a16:creationId xmlns:a16="http://schemas.microsoft.com/office/drawing/2014/main" id="{DB17E863-922E-4C26-BD64-E8FD41D28661}"/>
@@ -9121,7 +9688,7 @@
           <p:cNvPr id="3" name="Content Placeholder 2">
             <a:extLst>
               <a:ext uri="{FF2B5EF4-FFF2-40B4-BE49-F238E27FC236}">
-                <a16:creationId xmlns:a16="http://schemas.microsoft.com/office/drawing/2014/main" id="{92294596-B68B-CE2F-E35F-9213150999E0}"/>
+                <a16:creationId xmlns:a16="http://schemas.microsoft.com/office/drawing/2014/main" id="{544CFAAD-8C64-DD5C-0908-8EA6B0B13FA2}"/>
               </a:ext>
             </a:extLst>
           </p:cNvPr>
@@ -9144,14 +9711,14 @@
           </a:bodyPr>
           <a:lstStyle/>
           <a:p>
-            <a:endParaRPr lang="en-US" sz="2200" dirty="0"/>
+            <a:endParaRPr lang="en-US" sz="2200"/>
           </a:p>
         </p:txBody>
       </p:sp>
     </p:spTree>
     <p:extLst>
       <p:ext uri="{BB962C8B-B14F-4D97-AF65-F5344CB8AC3E}">
-        <p14:creationId xmlns:p14="http://schemas.microsoft.com/office/powerpoint/2010/main" val="756679770"/>
+        <p14:creationId xmlns:p14="http://schemas.microsoft.com/office/powerpoint/2010/main" val="697815560"/>
       </p:ext>
     </p:extLst>
   </p:cSld>
@@ -9161,7 +9728,7 @@
 </p:sld>
 </file>
 
-<file path=ppt/slides/slide16.xml><?xml version="1.0" encoding="utf-8"?>
+<file path=ppt/slides/slide17.xml><?xml version="1.0" encoding="utf-8"?>
 <p:sld xmlns:a="http://schemas.openxmlformats.org/drawingml/2006/main" xmlns:r="http://schemas.openxmlformats.org/officeDocument/2006/relationships" xmlns:p="http://schemas.openxmlformats.org/presentationml/2006/main">
   <p:cSld>
     <p:bg>
@@ -9251,7 +9818,7 @@
           <p:cNvPr id="2" name="Title 1">
             <a:extLst>
               <a:ext uri="{FF2B5EF4-FFF2-40B4-BE49-F238E27FC236}">
-                <a16:creationId xmlns:a16="http://schemas.microsoft.com/office/drawing/2014/main" id="{B119264F-CC1A-0CE1-839C-3FB36B5A7D45}"/>
+                <a16:creationId xmlns:a16="http://schemas.microsoft.com/office/drawing/2014/main" id="{A166BA9D-0BB2-B4F5-FB89-55C16D7112A9}"/>
               </a:ext>
             </a:extLst>
           </p:cNvPr>
@@ -9276,7 +9843,7 @@
           <a:p>
             <a:r>
               <a:rPr lang="en-US" sz="5400"/>
-              <a:t>Gantt Chart</a:t>
+              <a:t>Work Breakdown</a:t>
             </a:r>
           </a:p>
         </p:txBody>
@@ -9924,7 +10491,7 @@
           <p:cNvPr id="3" name="Content Placeholder 2">
             <a:extLst>
               <a:ext uri="{FF2B5EF4-FFF2-40B4-BE49-F238E27FC236}">
-                <a16:creationId xmlns:a16="http://schemas.microsoft.com/office/drawing/2014/main" id="{544CFAAD-8C64-DD5C-0908-8EA6B0B13FA2}"/>
+                <a16:creationId xmlns:a16="http://schemas.microsoft.com/office/drawing/2014/main" id="{E70857F9-C7EB-B368-8DEC-64960DBAB638}"/>
               </a:ext>
             </a:extLst>
           </p:cNvPr>
@@ -9954,7 +10521,7 @@
     </p:spTree>
     <p:extLst>
       <p:ext uri="{BB962C8B-B14F-4D97-AF65-F5344CB8AC3E}">
-        <p14:creationId xmlns:p14="http://schemas.microsoft.com/office/powerpoint/2010/main" val="697815560"/>
+        <p14:creationId xmlns:p14="http://schemas.microsoft.com/office/powerpoint/2010/main" val="3666994296"/>
       </p:ext>
     </p:extLst>
   </p:cSld>
@@ -9964,7 +10531,7 @@
 </p:sld>
 </file>
 
-<file path=ppt/slides/slide17.xml><?xml version="1.0" encoding="utf-8"?>
+<file path=ppt/slides/slide18.xml><?xml version="1.0" encoding="utf-8"?>
 <p:sld xmlns:a="http://schemas.openxmlformats.org/drawingml/2006/main" xmlns:r="http://schemas.openxmlformats.org/officeDocument/2006/relationships" xmlns:p="http://schemas.openxmlformats.org/presentationml/2006/main">
   <p:cSld>
     <p:bg>
@@ -10054,7 +10621,7 @@
           <p:cNvPr id="2" name="Title 1">
             <a:extLst>
               <a:ext uri="{FF2B5EF4-FFF2-40B4-BE49-F238E27FC236}">
-                <a16:creationId xmlns:a16="http://schemas.microsoft.com/office/drawing/2014/main" id="{A166BA9D-0BB2-B4F5-FB89-55C16D7112A9}"/>
+                <a16:creationId xmlns:a16="http://schemas.microsoft.com/office/drawing/2014/main" id="{4B1E27C4-F89D-CFE7-2F18-9B5E3A72550B}"/>
               </a:ext>
             </a:extLst>
           </p:cNvPr>
@@ -10079,7 +10646,7 @@
           <a:p>
             <a:r>
               <a:rPr lang="en-US" sz="5400"/>
-              <a:t>Work Breakdown</a:t>
+              <a:t>Feasibility Assessment</a:t>
             </a:r>
           </a:p>
         </p:txBody>
@@ -10727,7 +11294,7 @@
           <p:cNvPr id="3" name="Content Placeholder 2">
             <a:extLst>
               <a:ext uri="{FF2B5EF4-FFF2-40B4-BE49-F238E27FC236}">
-                <a16:creationId xmlns:a16="http://schemas.microsoft.com/office/drawing/2014/main" id="{E70857F9-C7EB-B368-8DEC-64960DBAB638}"/>
+                <a16:creationId xmlns:a16="http://schemas.microsoft.com/office/drawing/2014/main" id="{9F7AB586-525F-7119-210E-93808F4331F4}"/>
               </a:ext>
             </a:extLst>
           </p:cNvPr>
@@ -10757,7 +11324,7 @@
     </p:spTree>
     <p:extLst>
       <p:ext uri="{BB962C8B-B14F-4D97-AF65-F5344CB8AC3E}">
-        <p14:creationId xmlns:p14="http://schemas.microsoft.com/office/powerpoint/2010/main" val="3666994296"/>
+        <p14:creationId xmlns:p14="http://schemas.microsoft.com/office/powerpoint/2010/main" val="2947093418"/>
       </p:ext>
     </p:extLst>
   </p:cSld>
@@ -10767,7 +11334,241 @@
 </p:sld>
 </file>
 
-<file path=ppt/slides/slide18.xml><?xml version="1.0" encoding="utf-8"?>
+<file path=ppt/slides/slide19.xml><?xml version="1.0" encoding="utf-8"?>
+<p:sld xmlns:a="http://schemas.openxmlformats.org/drawingml/2006/main" xmlns:r="http://schemas.openxmlformats.org/officeDocument/2006/relationships" xmlns:p="http://schemas.openxmlformats.org/presentationml/2006/main">
+  <p:cSld>
+    <p:spTree>
+      <p:nvGrpSpPr>
+        <p:cNvPr id="1" name=""/>
+        <p:cNvGrpSpPr/>
+        <p:nvPr/>
+      </p:nvGrpSpPr>
+      <p:grpSpPr>
+        <a:xfrm>
+          <a:off x="0" y="0"/>
+          <a:ext cx="0" cy="0"/>
+          <a:chOff x="0" y="0"/>
+          <a:chExt cx="0" cy="0"/>
+        </a:xfrm>
+      </p:grpSpPr>
+      <p:sp>
+        <p:nvSpPr>
+          <p:cNvPr id="9" name="TextBox 8">
+            <a:extLst>
+              <a:ext uri="{FF2B5EF4-FFF2-40B4-BE49-F238E27FC236}">
+                <a16:creationId xmlns:a16="http://schemas.microsoft.com/office/drawing/2014/main" id="{6E97C0A9-1672-CEC7-EEEE-0737C09CADF8}"/>
+              </a:ext>
+            </a:extLst>
+          </p:cNvPr>
+          <p:cNvSpPr txBox="1"/>
+          <p:nvPr/>
+        </p:nvSpPr>
+        <p:spPr>
+          <a:xfrm>
+            <a:off x="96927" y="6444022"/>
+            <a:ext cx="8388312" cy="3275659"/>
+          </a:xfrm>
+          <a:prstGeom prst="rect">
+            <a:avLst/>
+          </a:prstGeom>
+        </p:spPr>
+        <p:txBody>
+          <a:bodyPr vert="horz" lIns="91440" tIns="45720" rIns="91440" bIns="45720" rtlCol="0">
+            <a:normAutofit/>
+          </a:bodyPr>
+          <a:lstStyle/>
+          <a:p>
+            <a:pPr indent="-228600">
+              <a:lnSpc>
+                <a:spcPct val="90000"/>
+              </a:lnSpc>
+              <a:spcAft>
+                <a:spcPts val="600"/>
+              </a:spcAft>
+              <a:buFont typeface="Arial" panose="020B0604020202020204" pitchFamily="34" charset="0"/>
+              <a:buChar char="•"/>
+            </a:pPr>
+            <a:r>
+              <a:rPr lang="en-US" sz="1200" dirty="0"/>
+              <a:t>Image Credit: https://ffden-2.phys.uaf.edu/webproj/211_fall_2014/Adam_Kurzbard/Adam_Kurzbard/Page4.html</a:t>
+            </a:r>
+          </a:p>
+        </p:txBody>
+      </p:sp>
+      <p:pic>
+        <p:nvPicPr>
+          <p:cNvPr id="1026" name="Picture 2" descr="apogee">
+            <a:extLst>
+              <a:ext uri="{FF2B5EF4-FFF2-40B4-BE49-F238E27FC236}">
+                <a16:creationId xmlns:a16="http://schemas.microsoft.com/office/drawing/2014/main" id="{C1A6552C-E9B2-93E9-73A9-4B22428885F3}"/>
+              </a:ext>
+            </a:extLst>
+          </p:cNvPr>
+          <p:cNvPicPr>
+            <a:picLocks noChangeAspect="1" noChangeArrowheads="1"/>
+          </p:cNvPicPr>
+          <p:nvPr/>
+        </p:nvPicPr>
+        <p:blipFill>
+          <a:blip r:embed="rId2">
+            <a:extLst>
+              <a:ext uri="{28A0092B-C50C-407E-A947-70E740481C1C}">
+                <a14:useLocalDpi xmlns:a14="http://schemas.microsoft.com/office/drawing/2010/main" val="0"/>
+              </a:ext>
+            </a:extLst>
+          </a:blip>
+          <a:stretch>
+            <a:fillRect/>
+          </a:stretch>
+        </p:blipFill>
+        <p:spPr bwMode="auto">
+          <a:xfrm>
+            <a:off x="849818" y="2850727"/>
+            <a:ext cx="2071388" cy="3411036"/>
+          </a:xfrm>
+          <a:prstGeom prst="rect">
+            <a:avLst/>
+          </a:prstGeom>
+          <a:noFill/>
+          <a:extLst>
+            <a:ext uri="{909E8E84-426E-40DD-AFC4-6F175D3DCCD1}">
+              <a14:hiddenFill xmlns:a14="http://schemas.microsoft.com/office/drawing/2010/main">
+                <a:solidFill>
+                  <a:srgbClr val="FFFFFF"/>
+                </a:solidFill>
+              </a14:hiddenFill>
+            </a:ext>
+          </a:extLst>
+        </p:spPr>
+      </p:pic>
+      <p:pic>
+        <p:nvPicPr>
+          <p:cNvPr id="7" name="Picture 6">
+            <a:extLst>
+              <a:ext uri="{FF2B5EF4-FFF2-40B4-BE49-F238E27FC236}">
+                <a16:creationId xmlns:a16="http://schemas.microsoft.com/office/drawing/2014/main" id="{7AEE8599-21D5-6724-1C3A-9E8EDA71269C}"/>
+              </a:ext>
+            </a:extLst>
+          </p:cNvPr>
+          <p:cNvPicPr>
+            <a:picLocks noChangeAspect="1"/>
+          </p:cNvPicPr>
+          <p:nvPr/>
+        </p:nvPicPr>
+        <p:blipFill>
+          <a:blip r:embed="rId3"/>
+          <a:stretch>
+            <a:fillRect/>
+          </a:stretch>
+        </p:blipFill>
+        <p:spPr>
+          <a:xfrm>
+            <a:off x="5940181" y="401822"/>
+            <a:ext cx="6024237" cy="3027178"/>
+          </a:xfrm>
+          <a:prstGeom prst="rect">
+            <a:avLst/>
+          </a:prstGeom>
+        </p:spPr>
+      </p:pic>
+      <p:pic>
+        <p:nvPicPr>
+          <p:cNvPr id="5" name="Picture 4">
+            <a:extLst>
+              <a:ext uri="{FF2B5EF4-FFF2-40B4-BE49-F238E27FC236}">
+                <a16:creationId xmlns:a16="http://schemas.microsoft.com/office/drawing/2014/main" id="{65064539-5F83-BD6F-7FED-A7FD36648829}"/>
+              </a:ext>
+            </a:extLst>
+          </p:cNvPr>
+          <p:cNvPicPr>
+            <a:picLocks noChangeAspect="1"/>
+          </p:cNvPicPr>
+          <p:nvPr/>
+        </p:nvPicPr>
+        <p:blipFill>
+          <a:blip r:embed="rId4"/>
+          <a:stretch>
+            <a:fillRect/>
+          </a:stretch>
+        </p:blipFill>
+        <p:spPr>
+          <a:xfrm>
+            <a:off x="4413988" y="4189532"/>
+            <a:ext cx="5022846" cy="1280825"/>
+          </a:xfrm>
+          <a:prstGeom prst="rect">
+            <a:avLst/>
+          </a:prstGeom>
+        </p:spPr>
+      </p:pic>
+      <p:sp>
+        <p:nvSpPr>
+          <p:cNvPr id="4" name="Title 1">
+            <a:extLst>
+              <a:ext uri="{FF2B5EF4-FFF2-40B4-BE49-F238E27FC236}">
+                <a16:creationId xmlns:a16="http://schemas.microsoft.com/office/drawing/2014/main" id="{EC208223-617C-7561-6936-231B7337ED33}"/>
+              </a:ext>
+            </a:extLst>
+          </p:cNvPr>
+          <p:cNvSpPr txBox="1">
+            <a:spLocks/>
+          </p:cNvSpPr>
+          <p:nvPr/>
+        </p:nvSpPr>
+        <p:spPr>
+          <a:xfrm>
+            <a:off x="1291991" y="85928"/>
+            <a:ext cx="3734014" cy="2564253"/>
+          </a:xfrm>
+          <a:prstGeom prst="rect">
+            <a:avLst/>
+          </a:prstGeom>
+        </p:spPr>
+        <p:txBody>
+          <a:bodyPr vert="horz" lIns="91440" tIns="45720" rIns="91440" bIns="45720" rtlCol="0" anchor="b">
+            <a:normAutofit/>
+          </a:bodyPr>
+          <a:lstStyle>
+            <a:lvl1pPr algn="l" defTabSz="914400" rtl="0" eaLnBrk="1" latinLnBrk="0" hangingPunct="1">
+              <a:lnSpc>
+                <a:spcPct val="90000"/>
+              </a:lnSpc>
+              <a:spcBef>
+                <a:spcPct val="0"/>
+              </a:spcBef>
+              <a:buNone/>
+              <a:defRPr sz="4400" kern="1200">
+                <a:solidFill>
+                  <a:schemeClr val="tx1"/>
+                </a:solidFill>
+                <a:latin typeface="+mj-lt"/>
+                <a:ea typeface="+mj-ea"/>
+                <a:cs typeface="+mj-cs"/>
+              </a:defRPr>
+            </a:lvl1pPr>
+          </a:lstStyle>
+          <a:p>
+            <a:r>
+              <a:rPr lang="en-US" sz="5400" dirty="0"/>
+              <a:t>Questions</a:t>
+            </a:r>
+          </a:p>
+        </p:txBody>
+      </p:sp>
+    </p:spTree>
+    <p:extLst>
+      <p:ext uri="{BB962C8B-B14F-4D97-AF65-F5344CB8AC3E}">
+        <p14:creationId xmlns:p14="http://schemas.microsoft.com/office/powerpoint/2010/main" val="3288662779"/>
+      </p:ext>
+    </p:extLst>
+  </p:cSld>
+  <p:clrMapOvr>
+    <a:masterClrMapping/>
+  </p:clrMapOvr>
+</p:sld>
+</file>
+
+<file path=ppt/slides/slide2.xml><?xml version="1.0" encoding="utf-8"?>
 <p:sld xmlns:a="http://schemas.openxmlformats.org/drawingml/2006/main" xmlns:r="http://schemas.openxmlformats.org/officeDocument/2006/relationships" xmlns:p="http://schemas.openxmlformats.org/presentationml/2006/main">
   <p:cSld>
     <p:bg>
@@ -10857,7 +11658,7 @@
           <p:cNvPr id="2" name="Title 1">
             <a:extLst>
               <a:ext uri="{FF2B5EF4-FFF2-40B4-BE49-F238E27FC236}">
-                <a16:creationId xmlns:a16="http://schemas.microsoft.com/office/drawing/2014/main" id="{4B1E27C4-F89D-CFE7-2F18-9B5E3A72550B}"/>
+                <a16:creationId xmlns:a16="http://schemas.microsoft.com/office/drawing/2014/main" id="{DBE75319-DCBD-C53A-118E-BF8F5E5AC2E3}"/>
               </a:ext>
             </a:extLst>
           </p:cNvPr>
@@ -10882,7 +11683,7 @@
           <a:p>
             <a:r>
               <a:rPr lang="en-US" sz="5400"/>
-              <a:t>Feasibility Assessment</a:t>
+              <a:t>Objectives</a:t>
             </a:r>
           </a:p>
         </p:txBody>
@@ -11530,7 +12331,7 @@
           <p:cNvPr id="3" name="Content Placeholder 2">
             <a:extLst>
               <a:ext uri="{FF2B5EF4-FFF2-40B4-BE49-F238E27FC236}">
-                <a16:creationId xmlns:a16="http://schemas.microsoft.com/office/drawing/2014/main" id="{9F7AB586-525F-7119-210E-93808F4331F4}"/>
+                <a16:creationId xmlns:a16="http://schemas.microsoft.com/office/drawing/2014/main" id="{21DACDEB-6882-22BF-55E9-76D9F9E5F7B9}"/>
               </a:ext>
             </a:extLst>
           </p:cNvPr>
@@ -11560,7 +12361,7 @@
     </p:spTree>
     <p:extLst>
       <p:ext uri="{BB962C8B-B14F-4D97-AF65-F5344CB8AC3E}">
-        <p14:creationId xmlns:p14="http://schemas.microsoft.com/office/powerpoint/2010/main" val="2947093418"/>
+        <p14:creationId xmlns:p14="http://schemas.microsoft.com/office/powerpoint/2010/main" val="1272993298"/>
       </p:ext>
     </p:extLst>
   </p:cSld>
@@ -11570,241 +12371,7 @@
 </p:sld>
 </file>
 
-<file path=ppt/slides/slide19.xml><?xml version="1.0" encoding="utf-8"?>
-<p:sld xmlns:a="http://schemas.openxmlformats.org/drawingml/2006/main" xmlns:r="http://schemas.openxmlformats.org/officeDocument/2006/relationships" xmlns:p="http://schemas.openxmlformats.org/presentationml/2006/main">
-  <p:cSld>
-    <p:spTree>
-      <p:nvGrpSpPr>
-        <p:cNvPr id="1" name=""/>
-        <p:cNvGrpSpPr/>
-        <p:nvPr/>
-      </p:nvGrpSpPr>
-      <p:grpSpPr>
-        <a:xfrm>
-          <a:off x="0" y="0"/>
-          <a:ext cx="0" cy="0"/>
-          <a:chOff x="0" y="0"/>
-          <a:chExt cx="0" cy="0"/>
-        </a:xfrm>
-      </p:grpSpPr>
-      <p:sp>
-        <p:nvSpPr>
-          <p:cNvPr id="9" name="TextBox 8">
-            <a:extLst>
-              <a:ext uri="{FF2B5EF4-FFF2-40B4-BE49-F238E27FC236}">
-                <a16:creationId xmlns:a16="http://schemas.microsoft.com/office/drawing/2014/main" id="{6E97C0A9-1672-CEC7-EEEE-0737C09CADF8}"/>
-              </a:ext>
-            </a:extLst>
-          </p:cNvPr>
-          <p:cNvSpPr txBox="1"/>
-          <p:nvPr/>
-        </p:nvSpPr>
-        <p:spPr>
-          <a:xfrm>
-            <a:off x="96927" y="6444022"/>
-            <a:ext cx="8388312" cy="3275659"/>
-          </a:xfrm>
-          <a:prstGeom prst="rect">
-            <a:avLst/>
-          </a:prstGeom>
-        </p:spPr>
-        <p:txBody>
-          <a:bodyPr vert="horz" lIns="91440" tIns="45720" rIns="91440" bIns="45720" rtlCol="0">
-            <a:normAutofit/>
-          </a:bodyPr>
-          <a:lstStyle/>
-          <a:p>
-            <a:pPr indent="-228600">
-              <a:lnSpc>
-                <a:spcPct val="90000"/>
-              </a:lnSpc>
-              <a:spcAft>
-                <a:spcPts val="600"/>
-              </a:spcAft>
-              <a:buFont typeface="Arial" panose="020B0604020202020204" pitchFamily="34" charset="0"/>
-              <a:buChar char="•"/>
-            </a:pPr>
-            <a:r>
-              <a:rPr lang="en-US" sz="1200" dirty="0"/>
-              <a:t>Image Credit: https://ffden-2.phys.uaf.edu/webproj/211_fall_2014/Adam_Kurzbard/Adam_Kurzbard/Page4.html</a:t>
-            </a:r>
-          </a:p>
-        </p:txBody>
-      </p:sp>
-      <p:pic>
-        <p:nvPicPr>
-          <p:cNvPr id="1026" name="Picture 2" descr="apogee">
-            <a:extLst>
-              <a:ext uri="{FF2B5EF4-FFF2-40B4-BE49-F238E27FC236}">
-                <a16:creationId xmlns:a16="http://schemas.microsoft.com/office/drawing/2014/main" id="{C1A6552C-E9B2-93E9-73A9-4B22428885F3}"/>
-              </a:ext>
-            </a:extLst>
-          </p:cNvPr>
-          <p:cNvPicPr>
-            <a:picLocks noChangeAspect="1" noChangeArrowheads="1"/>
-          </p:cNvPicPr>
-          <p:nvPr/>
-        </p:nvPicPr>
-        <p:blipFill>
-          <a:blip r:embed="rId2">
-            <a:extLst>
-              <a:ext uri="{28A0092B-C50C-407E-A947-70E740481C1C}">
-                <a14:useLocalDpi xmlns:a14="http://schemas.microsoft.com/office/drawing/2010/main" val="0"/>
-              </a:ext>
-            </a:extLst>
-          </a:blip>
-          <a:stretch>
-            <a:fillRect/>
-          </a:stretch>
-        </p:blipFill>
-        <p:spPr bwMode="auto">
-          <a:xfrm>
-            <a:off x="849818" y="2850727"/>
-            <a:ext cx="2071388" cy="3411036"/>
-          </a:xfrm>
-          <a:prstGeom prst="rect">
-            <a:avLst/>
-          </a:prstGeom>
-          <a:noFill/>
-          <a:extLst>
-            <a:ext uri="{909E8E84-426E-40DD-AFC4-6F175D3DCCD1}">
-              <a14:hiddenFill xmlns:a14="http://schemas.microsoft.com/office/drawing/2010/main">
-                <a:solidFill>
-                  <a:srgbClr val="FFFFFF"/>
-                </a:solidFill>
-              </a14:hiddenFill>
-            </a:ext>
-          </a:extLst>
-        </p:spPr>
-      </p:pic>
-      <p:pic>
-        <p:nvPicPr>
-          <p:cNvPr id="7" name="Picture 6">
-            <a:extLst>
-              <a:ext uri="{FF2B5EF4-FFF2-40B4-BE49-F238E27FC236}">
-                <a16:creationId xmlns:a16="http://schemas.microsoft.com/office/drawing/2014/main" id="{7AEE8599-21D5-6724-1C3A-9E8EDA71269C}"/>
-              </a:ext>
-            </a:extLst>
-          </p:cNvPr>
-          <p:cNvPicPr>
-            <a:picLocks noChangeAspect="1"/>
-          </p:cNvPicPr>
-          <p:nvPr/>
-        </p:nvPicPr>
-        <p:blipFill>
-          <a:blip r:embed="rId3"/>
-          <a:stretch>
-            <a:fillRect/>
-          </a:stretch>
-        </p:blipFill>
-        <p:spPr>
-          <a:xfrm>
-            <a:off x="5940181" y="401822"/>
-            <a:ext cx="6024237" cy="3027178"/>
-          </a:xfrm>
-          <a:prstGeom prst="rect">
-            <a:avLst/>
-          </a:prstGeom>
-        </p:spPr>
-      </p:pic>
-      <p:pic>
-        <p:nvPicPr>
-          <p:cNvPr id="5" name="Picture 4">
-            <a:extLst>
-              <a:ext uri="{FF2B5EF4-FFF2-40B4-BE49-F238E27FC236}">
-                <a16:creationId xmlns:a16="http://schemas.microsoft.com/office/drawing/2014/main" id="{65064539-5F83-BD6F-7FED-A7FD36648829}"/>
-              </a:ext>
-            </a:extLst>
-          </p:cNvPr>
-          <p:cNvPicPr>
-            <a:picLocks noChangeAspect="1"/>
-          </p:cNvPicPr>
-          <p:nvPr/>
-        </p:nvPicPr>
-        <p:blipFill>
-          <a:blip r:embed="rId4"/>
-          <a:stretch>
-            <a:fillRect/>
-          </a:stretch>
-        </p:blipFill>
-        <p:spPr>
-          <a:xfrm>
-            <a:off x="4413988" y="4189532"/>
-            <a:ext cx="5022846" cy="1280825"/>
-          </a:xfrm>
-          <a:prstGeom prst="rect">
-            <a:avLst/>
-          </a:prstGeom>
-        </p:spPr>
-      </p:pic>
-      <p:sp>
-        <p:nvSpPr>
-          <p:cNvPr id="4" name="Title 1">
-            <a:extLst>
-              <a:ext uri="{FF2B5EF4-FFF2-40B4-BE49-F238E27FC236}">
-                <a16:creationId xmlns:a16="http://schemas.microsoft.com/office/drawing/2014/main" id="{EC208223-617C-7561-6936-231B7337ED33}"/>
-              </a:ext>
-            </a:extLst>
-          </p:cNvPr>
-          <p:cNvSpPr txBox="1">
-            <a:spLocks/>
-          </p:cNvSpPr>
-          <p:nvPr/>
-        </p:nvSpPr>
-        <p:spPr>
-          <a:xfrm>
-            <a:off x="1291991" y="85928"/>
-            <a:ext cx="3734014" cy="2564253"/>
-          </a:xfrm>
-          <a:prstGeom prst="rect">
-            <a:avLst/>
-          </a:prstGeom>
-        </p:spPr>
-        <p:txBody>
-          <a:bodyPr vert="horz" lIns="91440" tIns="45720" rIns="91440" bIns="45720" rtlCol="0" anchor="b">
-            <a:normAutofit/>
-          </a:bodyPr>
-          <a:lstStyle>
-            <a:lvl1pPr algn="l" defTabSz="914400" rtl="0" eaLnBrk="1" latinLnBrk="0" hangingPunct="1">
-              <a:lnSpc>
-                <a:spcPct val="90000"/>
-              </a:lnSpc>
-              <a:spcBef>
-                <a:spcPct val="0"/>
-              </a:spcBef>
-              <a:buNone/>
-              <a:defRPr sz="4400" kern="1200">
-                <a:solidFill>
-                  <a:schemeClr val="tx1"/>
-                </a:solidFill>
-                <a:latin typeface="+mj-lt"/>
-                <a:ea typeface="+mj-ea"/>
-                <a:cs typeface="+mj-cs"/>
-              </a:defRPr>
-            </a:lvl1pPr>
-          </a:lstStyle>
-          <a:p>
-            <a:r>
-              <a:rPr lang="en-US" sz="5400" dirty="0"/>
-              <a:t>Questions</a:t>
-            </a:r>
-          </a:p>
-        </p:txBody>
-      </p:sp>
-    </p:spTree>
-    <p:extLst>
-      <p:ext uri="{BB962C8B-B14F-4D97-AF65-F5344CB8AC3E}">
-        <p14:creationId xmlns:p14="http://schemas.microsoft.com/office/powerpoint/2010/main" val="3288662779"/>
-      </p:ext>
-    </p:extLst>
-  </p:cSld>
-  <p:clrMapOvr>
-    <a:masterClrMapping/>
-  </p:clrMapOvr>
-</p:sld>
-</file>
-
-<file path=ppt/slides/slide2.xml><?xml version="1.0" encoding="utf-8"?>
+<file path=ppt/slides/slide3.xml><?xml version="1.0" encoding="utf-8"?>
 <p:sld xmlns:a="http://schemas.openxmlformats.org/drawingml/2006/main" xmlns:r="http://schemas.openxmlformats.org/officeDocument/2006/relationships" xmlns:p="http://schemas.openxmlformats.org/presentationml/2006/main">
   <p:cSld>
     <p:bg>
@@ -11894,7 +12461,7 @@
           <p:cNvPr id="2" name="Title 1">
             <a:extLst>
               <a:ext uri="{FF2B5EF4-FFF2-40B4-BE49-F238E27FC236}">
-                <a16:creationId xmlns:a16="http://schemas.microsoft.com/office/drawing/2014/main" id="{DBE75319-DCBD-C53A-118E-BF8F5E5AC2E3}"/>
+                <a16:creationId xmlns:a16="http://schemas.microsoft.com/office/drawing/2014/main" id="{F00B6678-86F3-DEE0-4BFF-8E2165BC44E2}"/>
               </a:ext>
             </a:extLst>
           </p:cNvPr>
@@ -11919,7 +12486,7 @@
           <a:p>
             <a:r>
               <a:rPr lang="en-US" sz="5400"/>
-              <a:t>Objectives</a:t>
+              <a:t>Significance and Novelty</a:t>
             </a:r>
           </a:p>
         </p:txBody>
@@ -12567,7 +13134,7 @@
           <p:cNvPr id="3" name="Content Placeholder 2">
             <a:extLst>
               <a:ext uri="{FF2B5EF4-FFF2-40B4-BE49-F238E27FC236}">
-                <a16:creationId xmlns:a16="http://schemas.microsoft.com/office/drawing/2014/main" id="{21DACDEB-6882-22BF-55E9-76D9F9E5F7B9}"/>
+                <a16:creationId xmlns:a16="http://schemas.microsoft.com/office/drawing/2014/main" id="{0514BFC5-60FE-0F8E-8B7F-593EFBD889F4}"/>
               </a:ext>
             </a:extLst>
           </p:cNvPr>
@@ -12597,7 +13164,7 @@
     </p:spTree>
     <p:extLst>
       <p:ext uri="{BB962C8B-B14F-4D97-AF65-F5344CB8AC3E}">
-        <p14:creationId xmlns:p14="http://schemas.microsoft.com/office/powerpoint/2010/main" val="1272993298"/>
+        <p14:creationId xmlns:p14="http://schemas.microsoft.com/office/powerpoint/2010/main" val="1020047417"/>
       </p:ext>
     </p:extLst>
   </p:cSld>
@@ -12607,7 +13174,7 @@
 </p:sld>
 </file>
 
-<file path=ppt/slides/slide3.xml><?xml version="1.0" encoding="utf-8"?>
+<file path=ppt/slides/slide4.xml><?xml version="1.0" encoding="utf-8"?>
 <p:sld xmlns:a="http://schemas.openxmlformats.org/drawingml/2006/main" xmlns:r="http://schemas.openxmlformats.org/officeDocument/2006/relationships" xmlns:p="http://schemas.openxmlformats.org/presentationml/2006/main">
   <p:cSld>
     <p:bg>
@@ -12697,7 +13264,7 @@
           <p:cNvPr id="2" name="Title 1">
             <a:extLst>
               <a:ext uri="{FF2B5EF4-FFF2-40B4-BE49-F238E27FC236}">
-                <a16:creationId xmlns:a16="http://schemas.microsoft.com/office/drawing/2014/main" id="{F00B6678-86F3-DEE0-4BFF-8E2165BC44E2}"/>
+                <a16:creationId xmlns:a16="http://schemas.microsoft.com/office/drawing/2014/main" id="{9CDD2120-5116-F2D8-9BA1-4DE7BAB904FC}"/>
               </a:ext>
             </a:extLst>
           </p:cNvPr>
@@ -12722,7 +13289,7 @@
           <a:p>
             <a:r>
               <a:rPr lang="en-US" sz="5400"/>
-              <a:t>Significance and Novelty</a:t>
+              <a:t>Requirements</a:t>
             </a:r>
           </a:p>
         </p:txBody>
@@ -13370,7 +13937,7 @@
           <p:cNvPr id="3" name="Content Placeholder 2">
             <a:extLst>
               <a:ext uri="{FF2B5EF4-FFF2-40B4-BE49-F238E27FC236}">
-                <a16:creationId xmlns:a16="http://schemas.microsoft.com/office/drawing/2014/main" id="{0514BFC5-60FE-0F8E-8B7F-593EFBD889F4}"/>
+                <a16:creationId xmlns:a16="http://schemas.microsoft.com/office/drawing/2014/main" id="{59978E47-FDEB-3871-8686-CA2C98618F31}"/>
               </a:ext>
             </a:extLst>
           </p:cNvPr>
@@ -13393,14 +13960,22 @@
           </a:bodyPr>
           <a:lstStyle/>
           <a:p>
-            <a:endParaRPr lang="en-US" sz="2200"/>
+            <a:r>
+              <a:rPr lang="en-US" sz="2200" dirty="0"/>
+              <a:t>The ID table thing goes here for </a:t>
+            </a:r>
+            <a:r>
+              <a:rPr lang="en-US" sz="2200" dirty="0" err="1"/>
+              <a:t>requirments</a:t>
+            </a:r>
+            <a:endParaRPr lang="en-US" sz="2200" dirty="0"/>
           </a:p>
         </p:txBody>
       </p:sp>
     </p:spTree>
     <p:extLst>
       <p:ext uri="{BB962C8B-B14F-4D97-AF65-F5344CB8AC3E}">
-        <p14:creationId xmlns:p14="http://schemas.microsoft.com/office/powerpoint/2010/main" val="1020047417"/>
+        <p14:creationId xmlns:p14="http://schemas.microsoft.com/office/powerpoint/2010/main" val="65637012"/>
       </p:ext>
     </p:extLst>
   </p:cSld>
@@ -13410,7 +13985,7 @@
 </p:sld>
 </file>
 
-<file path=ppt/slides/slide4.xml><?xml version="1.0" encoding="utf-8"?>
+<file path=ppt/slides/slide5.xml><?xml version="1.0" encoding="utf-8"?>
 <p:sld xmlns:a="http://schemas.openxmlformats.org/drawingml/2006/main" xmlns:r="http://schemas.openxmlformats.org/officeDocument/2006/relationships" xmlns:p="http://schemas.openxmlformats.org/presentationml/2006/main">
   <p:cSld>
     <p:bg>
@@ -13500,7 +14075,7 @@
           <p:cNvPr id="2" name="Title 1">
             <a:extLst>
               <a:ext uri="{FF2B5EF4-FFF2-40B4-BE49-F238E27FC236}">
-                <a16:creationId xmlns:a16="http://schemas.microsoft.com/office/drawing/2014/main" id="{9CDD2120-5116-F2D8-9BA1-4DE7BAB904FC}"/>
+                <a16:creationId xmlns:a16="http://schemas.microsoft.com/office/drawing/2014/main" id="{ED8ACE76-5090-E75E-FBF2-1E2C6943295E}"/>
               </a:ext>
             </a:extLst>
           </p:cNvPr>
@@ -13525,7 +14100,7 @@
           <a:p>
             <a:r>
               <a:rPr lang="en-US" sz="5400"/>
-              <a:t>Requirements</a:t>
+              <a:t>Approach - Microcontroller</a:t>
             </a:r>
           </a:p>
         </p:txBody>
@@ -14173,7 +14748,7 @@
           <p:cNvPr id="3" name="Content Placeholder 2">
             <a:extLst>
               <a:ext uri="{FF2B5EF4-FFF2-40B4-BE49-F238E27FC236}">
-                <a16:creationId xmlns:a16="http://schemas.microsoft.com/office/drawing/2014/main" id="{59978E47-FDEB-3871-8686-CA2C98618F31}"/>
+                <a16:creationId xmlns:a16="http://schemas.microsoft.com/office/drawing/2014/main" id="{B8E2FD64-6097-466B-ED24-F803620FF970}"/>
               </a:ext>
             </a:extLst>
           </p:cNvPr>
@@ -14196,22 +14771,14 @@
           </a:bodyPr>
           <a:lstStyle/>
           <a:p>
-            <a:r>
-              <a:rPr lang="en-US" sz="2200" dirty="0"/>
-              <a:t>The ID table thing goes here for </a:t>
-            </a:r>
-            <a:r>
-              <a:rPr lang="en-US" sz="2200" dirty="0" err="1"/>
-              <a:t>requirments</a:t>
-            </a:r>
-            <a:endParaRPr lang="en-US" sz="2200" dirty="0"/>
+            <a:endParaRPr lang="en-US" sz="2200"/>
           </a:p>
         </p:txBody>
       </p:sp>
     </p:spTree>
     <p:extLst>
       <p:ext uri="{BB962C8B-B14F-4D97-AF65-F5344CB8AC3E}">
-        <p14:creationId xmlns:p14="http://schemas.microsoft.com/office/powerpoint/2010/main" val="65637012"/>
+        <p14:creationId xmlns:p14="http://schemas.microsoft.com/office/powerpoint/2010/main" val="1215303165"/>
       </p:ext>
     </p:extLst>
   </p:cSld>
@@ -14221,7 +14788,7 @@
 </p:sld>
 </file>
 
-<file path=ppt/slides/slide5.xml><?xml version="1.0" encoding="utf-8"?>
+<file path=ppt/slides/slide6.xml><?xml version="1.0" encoding="utf-8"?>
 <p:sld xmlns:a="http://schemas.openxmlformats.org/drawingml/2006/main" xmlns:r="http://schemas.openxmlformats.org/officeDocument/2006/relationships" xmlns:p="http://schemas.openxmlformats.org/presentationml/2006/main">
   <p:cSld>
     <p:bg>
@@ -14248,10 +14815,598 @@
       </p:grpSpPr>
       <p:sp useBgFill="1">
         <p:nvSpPr>
-          <p:cNvPr id="8" name="Rectangle 7">
+          <p:cNvPr id="22" name="Rectangle 21">
             <a:extLst>
               <a:ext uri="{FF2B5EF4-FFF2-40B4-BE49-F238E27FC236}">
-                <a16:creationId xmlns:a16="http://schemas.microsoft.com/office/drawing/2014/main" id="{100EDD19-6802-4EC3-95CE-CFFAB042CFD6}"/>
+                <a16:creationId xmlns:a16="http://schemas.microsoft.com/office/drawing/2014/main" id="{A8908DB7-C3A6-4FCB-9820-CEE02B398C4A}"/>
+              </a:ext>
+              <a:ext uri="{C183D7F6-B498-43B3-948B-1728B52AA6E4}">
+                <adec:decorative xmlns:adec="http://schemas.microsoft.com/office/drawing/2017/decorative" val="1"/>
+              </a:ext>
+            </a:extLst>
+          </p:cNvPr>
+          <p:cNvSpPr>
+            <a:spLocks noGrp="1" noRot="1" noChangeAspect="1" noMove="1" noResize="1" noEditPoints="1" noAdjustHandles="1" noChangeArrowheads="1" noChangeShapeType="1" noTextEdit="1"/>
+          </p:cNvSpPr>
+          <p:nvPr>
+            <p:extLst>
+              <p:ext uri="{386F3935-93C4-4BCD-93E2-E3B085C9AB24}">
+                <p16:designElem xmlns:p16="http://schemas.microsoft.com/office/powerpoint/2015/main" val="1"/>
+              </p:ext>
+            </p:extLst>
+          </p:nvPr>
+        </p:nvSpPr>
+        <p:spPr>
+          <a:xfrm>
+            <a:off x="0" y="0"/>
+            <a:ext cx="12192000" cy="6858000"/>
+          </a:xfrm>
+          <a:prstGeom prst="rect">
+            <a:avLst/>
+          </a:prstGeom>
+          <a:ln>
+            <a:noFill/>
+          </a:ln>
+        </p:spPr>
+        <p:style>
+          <a:lnRef idx="2">
+            <a:schemeClr val="accent1">
+              <a:shade val="50000"/>
+            </a:schemeClr>
+          </a:lnRef>
+          <a:fillRef idx="1">
+            <a:schemeClr val="accent1"/>
+          </a:fillRef>
+          <a:effectRef idx="0">
+            <a:schemeClr val="accent1"/>
+          </a:effectRef>
+          <a:fontRef idx="minor">
+            <a:schemeClr val="lt1"/>
+          </a:fontRef>
+        </p:style>
+        <p:txBody>
+          <a:bodyPr rtlCol="0" anchor="ctr"/>
+          <a:lstStyle/>
+          <a:p>
+            <a:pPr algn="ctr"/>
+            <a:endParaRPr lang="en-US"/>
+          </a:p>
+        </p:txBody>
+      </p:sp>
+      <p:sp>
+        <p:nvSpPr>
+          <p:cNvPr id="2" name="Title 1">
+            <a:extLst>
+              <a:ext uri="{FF2B5EF4-FFF2-40B4-BE49-F238E27FC236}">
+                <a16:creationId xmlns:a16="http://schemas.microsoft.com/office/drawing/2014/main" id="{94FFAA24-6B9D-AC0B-D569-A5E35BB2F736}"/>
+              </a:ext>
+            </a:extLst>
+          </p:cNvPr>
+          <p:cNvSpPr>
+            <a:spLocks noGrp="1"/>
+          </p:cNvSpPr>
+          <p:nvPr>
+            <p:ph type="title"/>
+          </p:nvPr>
+        </p:nvSpPr>
+        <p:spPr>
+          <a:xfrm>
+            <a:off x="630936" y="640823"/>
+            <a:ext cx="3419856" cy="5583148"/>
+          </a:xfrm>
+        </p:spPr>
+        <p:txBody>
+          <a:bodyPr anchor="ctr">
+            <a:normAutofit/>
+          </a:bodyPr>
+          <a:lstStyle/>
+          <a:p>
+            <a:r>
+              <a:rPr lang="en-US" sz="5400"/>
+              <a:t>Approach - Power Efficiency </a:t>
+            </a:r>
+          </a:p>
+        </p:txBody>
+      </p:sp>
+      <p:sp>
+        <p:nvSpPr>
+          <p:cNvPr id="24" name="sketch line">
+            <a:extLst>
+              <a:ext uri="{FF2B5EF4-FFF2-40B4-BE49-F238E27FC236}">
+                <a16:creationId xmlns:a16="http://schemas.microsoft.com/office/drawing/2014/main" id="{535742DD-1B16-4E9D-B715-0D74B4574A68}"/>
+              </a:ext>
+              <a:ext uri="{C183D7F6-B498-43B3-948B-1728B52AA6E4}">
+                <adec:decorative xmlns:adec="http://schemas.microsoft.com/office/drawing/2017/decorative" val="1"/>
+              </a:ext>
+            </a:extLst>
+          </p:cNvPr>
+          <p:cNvSpPr>
+            <a:spLocks noGrp="1" noRot="1" noChangeAspect="1" noMove="1" noResize="1" noEditPoints="1" noAdjustHandles="1" noChangeArrowheads="1" noChangeShapeType="1" noTextEdit="1"/>
+          </p:cNvSpPr>
+          <p:nvPr>
+            <p:extLst>
+              <p:ext uri="{386F3935-93C4-4BCD-93E2-E3B085C9AB24}">
+                <p16:designElem xmlns:p16="http://schemas.microsoft.com/office/powerpoint/2015/main" val="1"/>
+              </p:ext>
+            </p:extLst>
+          </p:nvPr>
+        </p:nvSpPr>
+        <p:spPr>
+          <a:xfrm flipH="1">
+            <a:off x="4267200" y="630936"/>
+            <a:ext cx="18288" cy="5590381"/>
+          </a:xfrm>
+          <a:custGeom>
+            <a:avLst/>
+            <a:gdLst>
+              <a:gd name="connsiteX0" fmla="*/ 0 w 18288"/>
+              <a:gd name="connsiteY0" fmla="*/ 0 h 5590381"/>
+              <a:gd name="connsiteX1" fmla="*/ 18288 w 18288"/>
+              <a:gd name="connsiteY1" fmla="*/ 0 h 5590381"/>
+              <a:gd name="connsiteX2" fmla="*/ 18288 w 18288"/>
+              <a:gd name="connsiteY2" fmla="*/ 754701 h 5590381"/>
+              <a:gd name="connsiteX3" fmla="*/ 18288 w 18288"/>
+              <a:gd name="connsiteY3" fmla="*/ 1565307 h 5590381"/>
+              <a:gd name="connsiteX4" fmla="*/ 18288 w 18288"/>
+              <a:gd name="connsiteY4" fmla="*/ 2152297 h 5590381"/>
+              <a:gd name="connsiteX5" fmla="*/ 18288 w 18288"/>
+              <a:gd name="connsiteY5" fmla="*/ 2906998 h 5590381"/>
+              <a:gd name="connsiteX6" fmla="*/ 18288 w 18288"/>
+              <a:gd name="connsiteY6" fmla="*/ 3549892 h 5590381"/>
+              <a:gd name="connsiteX7" fmla="*/ 18288 w 18288"/>
+              <a:gd name="connsiteY7" fmla="*/ 4080978 h 5590381"/>
+              <a:gd name="connsiteX8" fmla="*/ 18288 w 18288"/>
+              <a:gd name="connsiteY8" fmla="*/ 4835680 h 5590381"/>
+              <a:gd name="connsiteX9" fmla="*/ 18288 w 18288"/>
+              <a:gd name="connsiteY9" fmla="*/ 5590381 h 5590381"/>
+              <a:gd name="connsiteX10" fmla="*/ 0 w 18288"/>
+              <a:gd name="connsiteY10" fmla="*/ 5590381 h 5590381"/>
+              <a:gd name="connsiteX11" fmla="*/ 0 w 18288"/>
+              <a:gd name="connsiteY11" fmla="*/ 4835680 h 5590381"/>
+              <a:gd name="connsiteX12" fmla="*/ 0 w 18288"/>
+              <a:gd name="connsiteY12" fmla="*/ 4304593 h 5590381"/>
+              <a:gd name="connsiteX13" fmla="*/ 0 w 18288"/>
+              <a:gd name="connsiteY13" fmla="*/ 3773507 h 5590381"/>
+              <a:gd name="connsiteX14" fmla="*/ 0 w 18288"/>
+              <a:gd name="connsiteY14" fmla="*/ 3186517 h 5590381"/>
+              <a:gd name="connsiteX15" fmla="*/ 0 w 18288"/>
+              <a:gd name="connsiteY15" fmla="*/ 2487720 h 5590381"/>
+              <a:gd name="connsiteX16" fmla="*/ 0 w 18288"/>
+              <a:gd name="connsiteY16" fmla="*/ 1956633 h 5590381"/>
+              <a:gd name="connsiteX17" fmla="*/ 0 w 18288"/>
+              <a:gd name="connsiteY17" fmla="*/ 1425547 h 5590381"/>
+              <a:gd name="connsiteX18" fmla="*/ 0 w 18288"/>
+              <a:gd name="connsiteY18" fmla="*/ 614942 h 5590381"/>
+              <a:gd name="connsiteX19" fmla="*/ 0 w 18288"/>
+              <a:gd name="connsiteY19" fmla="*/ 0 h 5590381"/>
+            </a:gdLst>
+            <a:ahLst/>
+            <a:cxnLst>
+              <a:cxn ang="0">
+                <a:pos x="connsiteX0" y="connsiteY0"/>
+              </a:cxn>
+              <a:cxn ang="0">
+                <a:pos x="connsiteX1" y="connsiteY1"/>
+              </a:cxn>
+              <a:cxn ang="0">
+                <a:pos x="connsiteX2" y="connsiteY2"/>
+              </a:cxn>
+              <a:cxn ang="0">
+                <a:pos x="connsiteX3" y="connsiteY3"/>
+              </a:cxn>
+              <a:cxn ang="0">
+                <a:pos x="connsiteX4" y="connsiteY4"/>
+              </a:cxn>
+              <a:cxn ang="0">
+                <a:pos x="connsiteX5" y="connsiteY5"/>
+              </a:cxn>
+              <a:cxn ang="0">
+                <a:pos x="connsiteX6" y="connsiteY6"/>
+              </a:cxn>
+              <a:cxn ang="0">
+                <a:pos x="connsiteX7" y="connsiteY7"/>
+              </a:cxn>
+              <a:cxn ang="0">
+                <a:pos x="connsiteX8" y="connsiteY8"/>
+              </a:cxn>
+              <a:cxn ang="0">
+                <a:pos x="connsiteX9" y="connsiteY9"/>
+              </a:cxn>
+              <a:cxn ang="0">
+                <a:pos x="connsiteX10" y="connsiteY10"/>
+              </a:cxn>
+              <a:cxn ang="0">
+                <a:pos x="connsiteX11" y="connsiteY11"/>
+              </a:cxn>
+              <a:cxn ang="0">
+                <a:pos x="connsiteX12" y="connsiteY12"/>
+              </a:cxn>
+              <a:cxn ang="0">
+                <a:pos x="connsiteX13" y="connsiteY13"/>
+              </a:cxn>
+              <a:cxn ang="0">
+                <a:pos x="connsiteX14" y="connsiteY14"/>
+              </a:cxn>
+              <a:cxn ang="0">
+                <a:pos x="connsiteX15" y="connsiteY15"/>
+              </a:cxn>
+              <a:cxn ang="0">
+                <a:pos x="connsiteX16" y="connsiteY16"/>
+              </a:cxn>
+              <a:cxn ang="0">
+                <a:pos x="connsiteX17" y="connsiteY17"/>
+              </a:cxn>
+              <a:cxn ang="0">
+                <a:pos x="connsiteX18" y="connsiteY18"/>
+              </a:cxn>
+              <a:cxn ang="0">
+                <a:pos x="connsiteX19" y="connsiteY19"/>
+              </a:cxn>
+            </a:cxnLst>
+            <a:rect l="l" t="t" r="r" b="b"/>
+            <a:pathLst>
+              <a:path w="18288" h="5590381" fill="none" extrusionOk="0">
+                <a:moveTo>
+                  <a:pt x="0" y="0"/>
+                </a:moveTo>
+                <a:cubicBezTo>
+                  <a:pt x="7726" y="-435"/>
+                  <a:pt x="14198" y="437"/>
+                  <a:pt x="18288" y="0"/>
+                </a:cubicBezTo>
+                <a:cubicBezTo>
+                  <a:pt x="-5226" y="225076"/>
+                  <a:pt x="46275" y="562283"/>
+                  <a:pt x="18288" y="754701"/>
+                </a:cubicBezTo>
+                <a:cubicBezTo>
+                  <a:pt x="-9699" y="947119"/>
+                  <a:pt x="30081" y="1239251"/>
+                  <a:pt x="18288" y="1565307"/>
+                </a:cubicBezTo>
+                <a:cubicBezTo>
+                  <a:pt x="6495" y="1891363"/>
+                  <a:pt x="7160" y="1999140"/>
+                  <a:pt x="18288" y="2152297"/>
+                </a:cubicBezTo>
+                <a:cubicBezTo>
+                  <a:pt x="29417" y="2305454"/>
+                  <a:pt x="28705" y="2598333"/>
+                  <a:pt x="18288" y="2906998"/>
+                </a:cubicBezTo>
+                <a:cubicBezTo>
+                  <a:pt x="7871" y="3215663"/>
+                  <a:pt x="35263" y="3327412"/>
+                  <a:pt x="18288" y="3549892"/>
+                </a:cubicBezTo>
+                <a:cubicBezTo>
+                  <a:pt x="1313" y="3772372"/>
+                  <a:pt x="38561" y="3843836"/>
+                  <a:pt x="18288" y="4080978"/>
+                </a:cubicBezTo>
+                <a:cubicBezTo>
+                  <a:pt x="-1985" y="4318120"/>
+                  <a:pt x="-3806" y="4511166"/>
+                  <a:pt x="18288" y="4835680"/>
+                </a:cubicBezTo>
+                <a:cubicBezTo>
+                  <a:pt x="40382" y="5160194"/>
+                  <a:pt x="-13070" y="5401748"/>
+                  <a:pt x="18288" y="5590381"/>
+                </a:cubicBezTo>
+                <a:cubicBezTo>
+                  <a:pt x="12010" y="5589863"/>
+                  <a:pt x="6799" y="5589982"/>
+                  <a:pt x="0" y="5590381"/>
+                </a:cubicBezTo>
+                <a:cubicBezTo>
+                  <a:pt x="-6480" y="5250523"/>
+                  <a:pt x="-32148" y="5052531"/>
+                  <a:pt x="0" y="4835680"/>
+                </a:cubicBezTo>
+                <a:cubicBezTo>
+                  <a:pt x="32148" y="4618829"/>
+                  <a:pt x="5352" y="4496374"/>
+                  <a:pt x="0" y="4304593"/>
+                </a:cubicBezTo>
+                <a:cubicBezTo>
+                  <a:pt x="-5352" y="4112812"/>
+                  <a:pt x="9645" y="3919423"/>
+                  <a:pt x="0" y="3773507"/>
+                </a:cubicBezTo>
+                <a:cubicBezTo>
+                  <a:pt x="-9645" y="3627591"/>
+                  <a:pt x="-10654" y="3330687"/>
+                  <a:pt x="0" y="3186517"/>
+                </a:cubicBezTo>
+                <a:cubicBezTo>
+                  <a:pt x="10654" y="3042347"/>
+                  <a:pt x="18181" y="2635923"/>
+                  <a:pt x="0" y="2487720"/>
+                </a:cubicBezTo>
+                <a:cubicBezTo>
+                  <a:pt x="-18181" y="2339517"/>
+                  <a:pt x="-7947" y="2113537"/>
+                  <a:pt x="0" y="1956633"/>
+                </a:cubicBezTo>
+                <a:cubicBezTo>
+                  <a:pt x="7947" y="1799729"/>
+                  <a:pt x="-15145" y="1657735"/>
+                  <a:pt x="0" y="1425547"/>
+                </a:cubicBezTo>
+                <a:cubicBezTo>
+                  <a:pt x="15145" y="1193359"/>
+                  <a:pt x="-23832" y="948054"/>
+                  <a:pt x="0" y="614942"/>
+                </a:cubicBezTo>
+                <a:cubicBezTo>
+                  <a:pt x="23832" y="281831"/>
+                  <a:pt x="2816" y="129878"/>
+                  <a:pt x="0" y="0"/>
+                </a:cubicBezTo>
+                <a:close/>
+              </a:path>
+              <a:path w="18288" h="5590381" stroke="0" extrusionOk="0">
+                <a:moveTo>
+                  <a:pt x="0" y="0"/>
+                </a:moveTo>
+                <a:cubicBezTo>
+                  <a:pt x="5871" y="848"/>
+                  <a:pt x="11713" y="-200"/>
+                  <a:pt x="18288" y="0"/>
+                </a:cubicBezTo>
+                <a:cubicBezTo>
+                  <a:pt x="41141" y="165299"/>
+                  <a:pt x="3613" y="427555"/>
+                  <a:pt x="18288" y="698798"/>
+                </a:cubicBezTo>
+                <a:cubicBezTo>
+                  <a:pt x="32963" y="970041"/>
+                  <a:pt x="19680" y="1226199"/>
+                  <a:pt x="18288" y="1397595"/>
+                </a:cubicBezTo>
+                <a:cubicBezTo>
+                  <a:pt x="16896" y="1568991"/>
+                  <a:pt x="38798" y="1794517"/>
+                  <a:pt x="18288" y="2152297"/>
+                </a:cubicBezTo>
+                <a:cubicBezTo>
+                  <a:pt x="-2222" y="2510077"/>
+                  <a:pt x="40846" y="2594424"/>
+                  <a:pt x="18288" y="2739287"/>
+                </a:cubicBezTo>
+                <a:cubicBezTo>
+                  <a:pt x="-4270" y="2884150"/>
+                  <a:pt x="27117" y="3129706"/>
+                  <a:pt x="18288" y="3493988"/>
+                </a:cubicBezTo>
+                <a:cubicBezTo>
+                  <a:pt x="9459" y="3858270"/>
+                  <a:pt x="54201" y="4041447"/>
+                  <a:pt x="18288" y="4304593"/>
+                </a:cubicBezTo>
+                <a:cubicBezTo>
+                  <a:pt x="-17625" y="4567740"/>
+                  <a:pt x="49627" y="5149125"/>
+                  <a:pt x="18288" y="5590381"/>
+                </a:cubicBezTo>
+                <a:cubicBezTo>
+                  <a:pt x="10860" y="5590744"/>
+                  <a:pt x="7568" y="5590157"/>
+                  <a:pt x="0" y="5590381"/>
+                </a:cubicBezTo>
+                <a:cubicBezTo>
+                  <a:pt x="36767" y="5266821"/>
+                  <a:pt x="-16223" y="5116146"/>
+                  <a:pt x="0" y="4835680"/>
+                </a:cubicBezTo>
+                <a:cubicBezTo>
+                  <a:pt x="16223" y="4555214"/>
+                  <a:pt x="-16316" y="4356490"/>
+                  <a:pt x="0" y="4136882"/>
+                </a:cubicBezTo>
+                <a:cubicBezTo>
+                  <a:pt x="16316" y="3917274"/>
+                  <a:pt x="8005" y="3773465"/>
+                  <a:pt x="0" y="3549892"/>
+                </a:cubicBezTo>
+                <a:cubicBezTo>
+                  <a:pt x="-8005" y="3326319"/>
+                  <a:pt x="27623" y="3052456"/>
+                  <a:pt x="0" y="2851094"/>
+                </a:cubicBezTo>
+                <a:cubicBezTo>
+                  <a:pt x="-27623" y="2649732"/>
+                  <a:pt x="5614" y="2455815"/>
+                  <a:pt x="0" y="2264104"/>
+                </a:cubicBezTo>
+                <a:cubicBezTo>
+                  <a:pt x="-5614" y="2072393"/>
+                  <a:pt x="22598" y="1990723"/>
+                  <a:pt x="0" y="1733018"/>
+                </a:cubicBezTo>
+                <a:cubicBezTo>
+                  <a:pt x="-22598" y="1475313"/>
+                  <a:pt x="-6965" y="1369123"/>
+                  <a:pt x="0" y="1090124"/>
+                </a:cubicBezTo>
+                <a:cubicBezTo>
+                  <a:pt x="6965" y="811125"/>
+                  <a:pt x="-19273" y="507044"/>
+                  <a:pt x="0" y="0"/>
+                </a:cubicBezTo>
+                <a:close/>
+              </a:path>
+            </a:pathLst>
+          </a:custGeom>
+          <a:solidFill>
+            <a:schemeClr val="accent2"/>
+          </a:solidFill>
+          <a:ln w="41275" cap="rnd">
+            <a:solidFill>
+              <a:schemeClr val="accent2"/>
+            </a:solidFill>
+            <a:round/>
+            <a:extLst>
+              <a:ext uri="{C807C97D-BFC1-408E-A445-0C87EB9F89A2}">
+                <ask:lineSketchStyleProps xmlns:ask="http://schemas.microsoft.com/office/drawing/2018/sketchyshapes" sd="3114097614">
+                  <a:prstGeom prst="rect">
+                    <a:avLst/>
+                  </a:prstGeom>
+                  <ask:type>
+                    <ask:lineSketchFreehand/>
+                  </ask:type>
+                </ask:lineSketchStyleProps>
+              </a:ext>
+            </a:extLst>
+          </a:ln>
+        </p:spPr>
+        <p:style>
+          <a:lnRef idx="2">
+            <a:schemeClr val="accent1">
+              <a:shade val="50000"/>
+            </a:schemeClr>
+          </a:lnRef>
+          <a:fillRef idx="1">
+            <a:schemeClr val="accent1"/>
+          </a:fillRef>
+          <a:effectRef idx="0">
+            <a:schemeClr val="accent1"/>
+          </a:effectRef>
+          <a:fontRef idx="minor">
+            <a:schemeClr val="lt1"/>
+          </a:fontRef>
+        </p:style>
+        <p:txBody>
+          <a:bodyPr rtlCol="0" anchor="ctr"/>
+          <a:lstStyle/>
+          <a:p>
+            <a:pPr algn="ctr"/>
+            <a:endParaRPr lang="en-US"/>
+          </a:p>
+        </p:txBody>
+      </p:sp>
+      <p:pic>
+        <p:nvPicPr>
+          <p:cNvPr id="7" name="Picture 6">
+            <a:extLst>
+              <a:ext uri="{FF2B5EF4-FFF2-40B4-BE49-F238E27FC236}">
+                <a16:creationId xmlns:a16="http://schemas.microsoft.com/office/drawing/2014/main" id="{CB7A0C0B-ECD3-ABAC-800E-86B4F6A9FD48}"/>
+              </a:ext>
+            </a:extLst>
+          </p:cNvPr>
+          <p:cNvPicPr>
+            <a:picLocks noChangeAspect="1"/>
+          </p:cNvPicPr>
+          <p:nvPr/>
+        </p:nvPicPr>
+        <p:blipFill>
+          <a:blip r:embed="rId2"/>
+          <a:stretch>
+            <a:fillRect/>
+          </a:stretch>
+        </p:blipFill>
+        <p:spPr>
+          <a:xfrm>
+            <a:off x="4654296" y="993381"/>
+            <a:ext cx="6894576" cy="3188741"/>
+          </a:xfrm>
+          <a:prstGeom prst="rect">
+            <a:avLst/>
+          </a:prstGeom>
+        </p:spPr>
+      </p:pic>
+      <p:sp>
+        <p:nvSpPr>
+          <p:cNvPr id="3" name="Content Placeholder 2">
+            <a:extLst>
+              <a:ext uri="{FF2B5EF4-FFF2-40B4-BE49-F238E27FC236}">
+                <a16:creationId xmlns:a16="http://schemas.microsoft.com/office/drawing/2014/main" id="{28BAEAAB-DF37-F36D-766F-8413B96803B1}"/>
+              </a:ext>
+            </a:extLst>
+          </p:cNvPr>
+          <p:cNvSpPr>
+            <a:spLocks noGrp="1"/>
+          </p:cNvSpPr>
+          <p:nvPr>
+            <p:ph idx="1"/>
+          </p:nvPr>
+        </p:nvSpPr>
+        <p:spPr>
+          <a:xfrm>
+            <a:off x="4654296" y="4798577"/>
+            <a:ext cx="6894576" cy="1428487"/>
+          </a:xfrm>
+        </p:spPr>
+        <p:txBody>
+          <a:bodyPr anchor="t">
+            <a:normAutofit/>
+          </a:bodyPr>
+          <a:lstStyle/>
+          <a:p>
+            <a:r>
+              <a:rPr lang="en-US" sz="1700"/>
+              <a:t>Limited consideration for Sensor Test Board</a:t>
+            </a:r>
+          </a:p>
+          <a:p>
+            <a:r>
+              <a:rPr lang="en-US" sz="1700"/>
+              <a:t>Currently using Ultra Low Dropout Linear Regulator </a:t>
+            </a:r>
+          </a:p>
+          <a:p>
+            <a:r>
+              <a:rPr lang="en-US" sz="1700"/>
+              <a:t>Once we have power consumption of sensor test board the need for a Switching Mode Power Supply (SMPS) Topology will be explored.</a:t>
+            </a:r>
+          </a:p>
+        </p:txBody>
+      </p:sp>
+    </p:spTree>
+    <p:extLst>
+      <p:ext uri="{BB962C8B-B14F-4D97-AF65-F5344CB8AC3E}">
+        <p14:creationId xmlns:p14="http://schemas.microsoft.com/office/powerpoint/2010/main" val="17445567"/>
+      </p:ext>
+    </p:extLst>
+  </p:cSld>
+  <p:clrMapOvr>
+    <a:masterClrMapping/>
+  </p:clrMapOvr>
+</p:sld>
+</file>
+
+<file path=ppt/slides/slide7.xml><?xml version="1.0" encoding="utf-8"?>
+<p:sld xmlns:a="http://schemas.openxmlformats.org/drawingml/2006/main" xmlns:r="http://schemas.openxmlformats.org/officeDocument/2006/relationships" xmlns:p="http://schemas.openxmlformats.org/presentationml/2006/main">
+  <p:cSld>
+    <p:bg>
+      <p:bgPr>
+        <a:solidFill>
+          <a:schemeClr val="bg1"/>
+        </a:solidFill>
+        <a:effectLst/>
+      </p:bgPr>
+    </p:bg>
+    <p:spTree>
+      <p:nvGrpSpPr>
+        <p:cNvPr id="1" name=""/>
+        <p:cNvGrpSpPr/>
+        <p:nvPr/>
+      </p:nvGrpSpPr>
+      <p:grpSpPr>
+        <a:xfrm>
+          <a:off x="0" y="0"/>
+          <a:ext cx="0" cy="0"/>
+          <a:chOff x="0" y="0"/>
+          <a:chExt cx="0" cy="0"/>
+        </a:xfrm>
+      </p:grpSpPr>
+      <p:sp useBgFill="1">
+        <p:nvSpPr>
+          <p:cNvPr id="1031" name="Rectangle 1030">
+            <a:extLst>
+              <a:ext uri="{FF2B5EF4-FFF2-40B4-BE49-F238E27FC236}">
+                <a16:creationId xmlns:a16="http://schemas.microsoft.com/office/drawing/2014/main" id="{352BEC0E-22F8-46D0-9632-375DB541B06C}"/>
               </a:ext>
               <a:ext uri="{C183D7F6-B498-43B3-948B-1728B52AA6E4}">
                 <adec:decorative xmlns:adec="http://schemas.microsoft.com/office/drawing/2017/decorative" val="1"/>
@@ -14311,7 +15466,7 @@
           <p:cNvPr id="2" name="Title 1">
             <a:extLst>
               <a:ext uri="{FF2B5EF4-FFF2-40B4-BE49-F238E27FC236}">
-                <a16:creationId xmlns:a16="http://schemas.microsoft.com/office/drawing/2014/main" id="{ED8ACE76-5090-E75E-FBF2-1E2C6943295E}"/>
+                <a16:creationId xmlns:a16="http://schemas.microsoft.com/office/drawing/2014/main" id="{A03AD6F7-BC38-4892-3AFA-5698A84796D9}"/>
               </a:ext>
             </a:extLst>
           </p:cNvPr>
@@ -14324,29 +15479,29 @@
         </p:nvSpPr>
         <p:spPr>
           <a:xfrm>
-            <a:off x="838200" y="365125"/>
-            <a:ext cx="10515600" cy="1325563"/>
+            <a:off x="640080" y="329184"/>
+            <a:ext cx="6894576" cy="1783080"/>
           </a:xfrm>
         </p:spPr>
         <p:txBody>
-          <a:bodyPr>
+          <a:bodyPr anchor="b">
             <a:normAutofit/>
           </a:bodyPr>
           <a:lstStyle/>
           <a:p>
             <a:r>
               <a:rPr lang="en-US" sz="5400"/>
-              <a:t>Approach - Microcontroller</a:t>
+              <a:t>Approach - IMU</a:t>
             </a:r>
           </a:p>
         </p:txBody>
       </p:sp>
       <p:sp>
         <p:nvSpPr>
-          <p:cNvPr id="10" name="sketch line">
+          <p:cNvPr id="1033" name="sketch line">
             <a:extLst>
               <a:ext uri="{FF2B5EF4-FFF2-40B4-BE49-F238E27FC236}">
-                <a16:creationId xmlns:a16="http://schemas.microsoft.com/office/drawing/2014/main" id="{DB17E863-922E-4C26-BD64-E8FD41D28661}"/>
+                <a16:creationId xmlns:a16="http://schemas.microsoft.com/office/drawing/2014/main" id="{3FCFB1DE-0B7E-48CC-BA90-B2AB0889F9D6}"/>
               </a:ext>
               <a:ext uri="{C183D7F6-B498-43B3-948B-1728B52AA6E4}">
                 <adec:decorative xmlns:adec="http://schemas.microsoft.com/office/drawing/2017/decorative" val="1"/>
@@ -14366,84 +15521,46 @@
         </p:nvSpPr>
         <p:spPr>
           <a:xfrm>
-            <a:off x="669036" y="1677373"/>
-            <a:ext cx="10853928" cy="18288"/>
+            <a:off x="758952" y="2395728"/>
+            <a:ext cx="4243589" cy="18288"/>
           </a:xfrm>
           <a:custGeom>
             <a:avLst/>
             <a:gdLst>
-              <a:gd name="connsiteX0" fmla="*/ 0 w 10853928"/>
+              <a:gd name="connsiteX0" fmla="*/ 0 w 4243589"/>
               <a:gd name="connsiteY0" fmla="*/ 0 h 18288"/>
-              <a:gd name="connsiteX1" fmla="*/ 461292 w 10853928"/>
+              <a:gd name="connsiteX1" fmla="*/ 478919 w 4243589"/>
               <a:gd name="connsiteY1" fmla="*/ 0 h 18288"/>
-              <a:gd name="connsiteX2" fmla="*/ 1139662 w 10853928"/>
+              <a:gd name="connsiteX2" fmla="*/ 957839 w 4243589"/>
               <a:gd name="connsiteY2" fmla="*/ 0 h 18288"/>
-              <a:gd name="connsiteX3" fmla="*/ 1926572 w 10853928"/>
+              <a:gd name="connsiteX3" fmla="*/ 1521630 w 4243589"/>
               <a:gd name="connsiteY3" fmla="*/ 0 h 18288"/>
-              <a:gd name="connsiteX4" fmla="*/ 2279325 w 10853928"/>
+              <a:gd name="connsiteX4" fmla="*/ 2212729 w 4243589"/>
               <a:gd name="connsiteY4" fmla="*/ 0 h 18288"/>
-              <a:gd name="connsiteX5" fmla="*/ 2632078 w 10853928"/>
+              <a:gd name="connsiteX5" fmla="*/ 2734084 w 4243589"/>
               <a:gd name="connsiteY5" fmla="*/ 0 h 18288"/>
-              <a:gd name="connsiteX6" fmla="*/ 3527527 w 10853928"/>
+              <a:gd name="connsiteX6" fmla="*/ 3255439 w 4243589"/>
               <a:gd name="connsiteY6" fmla="*/ 0 h 18288"/>
-              <a:gd name="connsiteX7" fmla="*/ 4205897 w 10853928"/>
+              <a:gd name="connsiteX7" fmla="*/ 4243589 w 4243589"/>
               <a:gd name="connsiteY7" fmla="*/ 0 h 18288"/>
-              <a:gd name="connsiteX8" fmla="*/ 4558650 w 10853928"/>
-              <a:gd name="connsiteY8" fmla="*/ 0 h 18288"/>
-              <a:gd name="connsiteX9" fmla="*/ 5237020 w 10853928"/>
-              <a:gd name="connsiteY9" fmla="*/ 0 h 18288"/>
-              <a:gd name="connsiteX10" fmla="*/ 6132469 w 10853928"/>
-              <a:gd name="connsiteY10" fmla="*/ 0 h 18288"/>
-              <a:gd name="connsiteX11" fmla="*/ 6702301 w 10853928"/>
-              <a:gd name="connsiteY11" fmla="*/ 0 h 18288"/>
-              <a:gd name="connsiteX12" fmla="*/ 7272132 w 10853928"/>
-              <a:gd name="connsiteY12" fmla="*/ 0 h 18288"/>
-              <a:gd name="connsiteX13" fmla="*/ 7950502 w 10853928"/>
-              <a:gd name="connsiteY13" fmla="*/ 0 h 18288"/>
-              <a:gd name="connsiteX14" fmla="*/ 8737412 w 10853928"/>
-              <a:gd name="connsiteY14" fmla="*/ 0 h 18288"/>
-              <a:gd name="connsiteX15" fmla="*/ 9524322 w 10853928"/>
-              <a:gd name="connsiteY15" fmla="*/ 0 h 18288"/>
-              <a:gd name="connsiteX16" fmla="*/ 10853928 w 10853928"/>
+              <a:gd name="connsiteX8" fmla="*/ 4243589 w 4243589"/>
+              <a:gd name="connsiteY8" fmla="*/ 18288 h 18288"/>
+              <a:gd name="connsiteX9" fmla="*/ 3594926 w 4243589"/>
+              <a:gd name="connsiteY9" fmla="*/ 18288 h 18288"/>
+              <a:gd name="connsiteX10" fmla="*/ 3073571 w 4243589"/>
+              <a:gd name="connsiteY10" fmla="*/ 18288 h 18288"/>
+              <a:gd name="connsiteX11" fmla="*/ 2552216 w 4243589"/>
+              <a:gd name="connsiteY11" fmla="*/ 18288 h 18288"/>
+              <a:gd name="connsiteX12" fmla="*/ 1903553 w 4243589"/>
+              <a:gd name="connsiteY12" fmla="*/ 18288 h 18288"/>
+              <a:gd name="connsiteX13" fmla="*/ 1212454 w 4243589"/>
+              <a:gd name="connsiteY13" fmla="*/ 18288 h 18288"/>
+              <a:gd name="connsiteX14" fmla="*/ 733535 w 4243589"/>
+              <a:gd name="connsiteY14" fmla="*/ 18288 h 18288"/>
+              <a:gd name="connsiteX15" fmla="*/ 0 w 4243589"/>
+              <a:gd name="connsiteY15" fmla="*/ 18288 h 18288"/>
+              <a:gd name="connsiteX16" fmla="*/ 0 w 4243589"/>
               <a:gd name="connsiteY16" fmla="*/ 0 h 18288"/>
-              <a:gd name="connsiteX17" fmla="*/ 10853928 w 10853928"/>
-              <a:gd name="connsiteY17" fmla="*/ 18288 h 18288"/>
-              <a:gd name="connsiteX18" fmla="*/ 10392636 w 10853928"/>
-              <a:gd name="connsiteY18" fmla="*/ 18288 h 18288"/>
-              <a:gd name="connsiteX19" fmla="*/ 9497187 w 10853928"/>
-              <a:gd name="connsiteY19" fmla="*/ 18288 h 18288"/>
-              <a:gd name="connsiteX20" fmla="*/ 8818817 w 10853928"/>
-              <a:gd name="connsiteY20" fmla="*/ 18288 h 18288"/>
-              <a:gd name="connsiteX21" fmla="*/ 8466064 w 10853928"/>
-              <a:gd name="connsiteY21" fmla="*/ 18288 h 18288"/>
-              <a:gd name="connsiteX22" fmla="*/ 7787693 w 10853928"/>
-              <a:gd name="connsiteY22" fmla="*/ 18288 h 18288"/>
-              <a:gd name="connsiteX23" fmla="*/ 7217862 w 10853928"/>
-              <a:gd name="connsiteY23" fmla="*/ 18288 h 18288"/>
-              <a:gd name="connsiteX24" fmla="*/ 6648031 w 10853928"/>
-              <a:gd name="connsiteY24" fmla="*/ 18288 h 18288"/>
-              <a:gd name="connsiteX25" fmla="*/ 6078200 w 10853928"/>
-              <a:gd name="connsiteY25" fmla="*/ 18288 h 18288"/>
-              <a:gd name="connsiteX26" fmla="*/ 5508368 w 10853928"/>
-              <a:gd name="connsiteY26" fmla="*/ 18288 h 18288"/>
-              <a:gd name="connsiteX27" fmla="*/ 4721459 w 10853928"/>
-              <a:gd name="connsiteY27" fmla="*/ 18288 h 18288"/>
-              <a:gd name="connsiteX28" fmla="*/ 4043088 w 10853928"/>
-              <a:gd name="connsiteY28" fmla="*/ 18288 h 18288"/>
-              <a:gd name="connsiteX29" fmla="*/ 3690336 w 10853928"/>
-              <a:gd name="connsiteY29" fmla="*/ 18288 h 18288"/>
-              <a:gd name="connsiteX30" fmla="*/ 3120504 w 10853928"/>
-              <a:gd name="connsiteY30" fmla="*/ 18288 h 18288"/>
-              <a:gd name="connsiteX31" fmla="*/ 2333595 w 10853928"/>
-              <a:gd name="connsiteY31" fmla="*/ 18288 h 18288"/>
-              <a:gd name="connsiteX32" fmla="*/ 1872303 w 10853928"/>
-              <a:gd name="connsiteY32" fmla="*/ 18288 h 18288"/>
-              <a:gd name="connsiteX33" fmla="*/ 976854 w 10853928"/>
-              <a:gd name="connsiteY33" fmla="*/ 18288 h 18288"/>
-              <a:gd name="connsiteX34" fmla="*/ 0 w 10853928"/>
-              <a:gd name="connsiteY34" fmla="*/ 18288 h 18288"/>
-              <a:gd name="connsiteX35" fmla="*/ 0 w 10853928"/>
-              <a:gd name="connsiteY35" fmla="*/ 0 h 18288"/>
             </a:gdLst>
             <a:ahLst/>
             <a:cxnLst>
@@ -14498,434 +15615,177 @@
               <a:cxn ang="0">
                 <a:pos x="connsiteX16" y="connsiteY16"/>
               </a:cxn>
-              <a:cxn ang="0">
-                <a:pos x="connsiteX17" y="connsiteY17"/>
-              </a:cxn>
-              <a:cxn ang="0">
-                <a:pos x="connsiteX18" y="connsiteY18"/>
-              </a:cxn>
-              <a:cxn ang="0">
-                <a:pos x="connsiteX19" y="connsiteY19"/>
-              </a:cxn>
-              <a:cxn ang="0">
-                <a:pos x="connsiteX20" y="connsiteY20"/>
-              </a:cxn>
-              <a:cxn ang="0">
-                <a:pos x="connsiteX21" y="connsiteY21"/>
-              </a:cxn>
-              <a:cxn ang="0">
-                <a:pos x="connsiteX22" y="connsiteY22"/>
-              </a:cxn>
-              <a:cxn ang="0">
-                <a:pos x="connsiteX23" y="connsiteY23"/>
-              </a:cxn>
-              <a:cxn ang="0">
-                <a:pos x="connsiteX24" y="connsiteY24"/>
-              </a:cxn>
-              <a:cxn ang="0">
-                <a:pos x="connsiteX25" y="connsiteY25"/>
-              </a:cxn>
-              <a:cxn ang="0">
-                <a:pos x="connsiteX26" y="connsiteY26"/>
-              </a:cxn>
-              <a:cxn ang="0">
-                <a:pos x="connsiteX27" y="connsiteY27"/>
-              </a:cxn>
-              <a:cxn ang="0">
-                <a:pos x="connsiteX28" y="connsiteY28"/>
-              </a:cxn>
-              <a:cxn ang="0">
-                <a:pos x="connsiteX29" y="connsiteY29"/>
-              </a:cxn>
-              <a:cxn ang="0">
-                <a:pos x="connsiteX30" y="connsiteY30"/>
-              </a:cxn>
-              <a:cxn ang="0">
-                <a:pos x="connsiteX31" y="connsiteY31"/>
-              </a:cxn>
-              <a:cxn ang="0">
-                <a:pos x="connsiteX32" y="connsiteY32"/>
-              </a:cxn>
-              <a:cxn ang="0">
-                <a:pos x="connsiteX33" y="connsiteY33"/>
-              </a:cxn>
-              <a:cxn ang="0">
-                <a:pos x="connsiteX34" y="connsiteY34"/>
-              </a:cxn>
-              <a:cxn ang="0">
-                <a:pos x="connsiteX35" y="connsiteY35"/>
-              </a:cxn>
             </a:cxnLst>
             <a:rect l="l" t="t" r="r" b="b"/>
             <a:pathLst>
-              <a:path w="10853928" h="18288" fill="none" extrusionOk="0">
+              <a:path w="4243589" h="18288" fill="none" extrusionOk="0">
                 <a:moveTo>
                   <a:pt x="0" y="0"/>
                 </a:moveTo>
                 <a:cubicBezTo>
-                  <a:pt x="146993" y="-19076"/>
-                  <a:pt x="347684" y="-4790"/>
-                  <a:pt x="461292" y="0"/>
-                </a:cubicBezTo>
-                <a:cubicBezTo>
-                  <a:pt x="574900" y="4790"/>
-                  <a:pt x="808367" y="19821"/>
-                  <a:pt x="1139662" y="0"/>
-                </a:cubicBezTo>
-                <a:cubicBezTo>
-                  <a:pt x="1470957" y="-19821"/>
-                  <a:pt x="1627405" y="5721"/>
-                  <a:pt x="1926572" y="0"/>
-                </a:cubicBezTo>
-                <a:cubicBezTo>
-                  <a:pt x="2225739" y="-5721"/>
-                  <a:pt x="2137730" y="-3235"/>
-                  <a:pt x="2279325" y="0"/>
-                </a:cubicBezTo>
-                <a:cubicBezTo>
-                  <a:pt x="2420920" y="3235"/>
-                  <a:pt x="2456518" y="9685"/>
-                  <a:pt x="2632078" y="0"/>
-                </a:cubicBezTo>
-                <a:cubicBezTo>
-                  <a:pt x="2807638" y="-9685"/>
-                  <a:pt x="3211516" y="-43007"/>
-                  <a:pt x="3527527" y="0"/>
-                </a:cubicBezTo>
-                <a:cubicBezTo>
-                  <a:pt x="3843538" y="43007"/>
-                  <a:pt x="4058833" y="22042"/>
-                  <a:pt x="4205897" y="0"/>
-                </a:cubicBezTo>
-                <a:cubicBezTo>
-                  <a:pt x="4352961" y="-22042"/>
-                  <a:pt x="4474805" y="-11846"/>
-                  <a:pt x="4558650" y="0"/>
-                </a:cubicBezTo>
-                <a:cubicBezTo>
-                  <a:pt x="4642495" y="11846"/>
-                  <a:pt x="5041928" y="-6069"/>
-                  <a:pt x="5237020" y="0"/>
-                </a:cubicBezTo>
-                <a:cubicBezTo>
-                  <a:pt x="5432112" y="6069"/>
-                  <a:pt x="5943266" y="-17479"/>
-                  <a:pt x="6132469" y="0"/>
-                </a:cubicBezTo>
-                <a:cubicBezTo>
-                  <a:pt x="6321672" y="17479"/>
-                  <a:pt x="6483872" y="26234"/>
-                  <a:pt x="6702301" y="0"/>
-                </a:cubicBezTo>
-                <a:cubicBezTo>
-                  <a:pt x="6920730" y="-26234"/>
-                  <a:pt x="6991194" y="-15156"/>
-                  <a:pt x="7272132" y="0"/>
-                </a:cubicBezTo>
-                <a:cubicBezTo>
-                  <a:pt x="7553070" y="15156"/>
-                  <a:pt x="7684444" y="-32961"/>
-                  <a:pt x="7950502" y="0"/>
-                </a:cubicBezTo>
-                <a:cubicBezTo>
-                  <a:pt x="8216560" y="32961"/>
-                  <a:pt x="8493290" y="-10491"/>
-                  <a:pt x="8737412" y="0"/>
-                </a:cubicBezTo>
-                <a:cubicBezTo>
-                  <a:pt x="8981534" y="10491"/>
-                  <a:pt x="9191586" y="-13899"/>
-                  <a:pt x="9524322" y="0"/>
-                </a:cubicBezTo>
-                <a:cubicBezTo>
-                  <a:pt x="9857058" y="13899"/>
-                  <a:pt x="10297509" y="7485"/>
-                  <a:pt x="10853928" y="0"/>
-                </a:cubicBezTo>
-                <a:cubicBezTo>
-                  <a:pt x="10854574" y="4451"/>
-                  <a:pt x="10854418" y="9226"/>
-                  <a:pt x="10853928" y="18288"/>
-                </a:cubicBezTo>
-                <a:cubicBezTo>
-                  <a:pt x="10691638" y="28522"/>
-                  <a:pt x="10574319" y="29578"/>
-                  <a:pt x="10392636" y="18288"/>
-                </a:cubicBezTo>
-                <a:cubicBezTo>
-                  <a:pt x="10210953" y="6998"/>
-                  <a:pt x="9836277" y="-16742"/>
-                  <a:pt x="9497187" y="18288"/>
-                </a:cubicBezTo>
-                <a:cubicBezTo>
-                  <a:pt x="9158097" y="53318"/>
-                  <a:pt x="9119479" y="30714"/>
-                  <a:pt x="8818817" y="18288"/>
-                </a:cubicBezTo>
-                <a:cubicBezTo>
-                  <a:pt x="8518155" y="5863"/>
-                  <a:pt x="8640037" y="6483"/>
-                  <a:pt x="8466064" y="18288"/>
-                </a:cubicBezTo>
-                <a:cubicBezTo>
-                  <a:pt x="8292091" y="30093"/>
-                  <a:pt x="7997656" y="18914"/>
-                  <a:pt x="7787693" y="18288"/>
-                </a:cubicBezTo>
-                <a:cubicBezTo>
-                  <a:pt x="7577730" y="17662"/>
-                  <a:pt x="7412468" y="21416"/>
-                  <a:pt x="7217862" y="18288"/>
-                </a:cubicBezTo>
-                <a:cubicBezTo>
-                  <a:pt x="7023256" y="15160"/>
-                  <a:pt x="6898018" y="14824"/>
-                  <a:pt x="6648031" y="18288"/>
-                </a:cubicBezTo>
-                <a:cubicBezTo>
-                  <a:pt x="6398044" y="21752"/>
-                  <a:pt x="6254402" y="38625"/>
-                  <a:pt x="6078200" y="18288"/>
-                </a:cubicBezTo>
-                <a:cubicBezTo>
-                  <a:pt x="5901998" y="-2049"/>
-                  <a:pt x="5622886" y="3213"/>
-                  <a:pt x="5508368" y="18288"/>
-                </a:cubicBezTo>
-                <a:cubicBezTo>
-                  <a:pt x="5393850" y="33363"/>
-                  <a:pt x="5036260" y="26830"/>
-                  <a:pt x="4721459" y="18288"/>
-                </a:cubicBezTo>
-                <a:cubicBezTo>
-                  <a:pt x="4406658" y="9746"/>
-                  <a:pt x="4239221" y="41551"/>
-                  <a:pt x="4043088" y="18288"/>
-                </a:cubicBezTo>
-                <a:cubicBezTo>
-                  <a:pt x="3846955" y="-4975"/>
-                  <a:pt x="3818802" y="34658"/>
-                  <a:pt x="3690336" y="18288"/>
-                </a:cubicBezTo>
-                <a:cubicBezTo>
-                  <a:pt x="3561870" y="1918"/>
-                  <a:pt x="3265491" y="42194"/>
-                  <a:pt x="3120504" y="18288"/>
-                </a:cubicBezTo>
-                <a:cubicBezTo>
-                  <a:pt x="2975517" y="-5618"/>
-                  <a:pt x="2720254" y="36673"/>
-                  <a:pt x="2333595" y="18288"/>
-                </a:cubicBezTo>
-                <a:cubicBezTo>
-                  <a:pt x="1946936" y="-97"/>
-                  <a:pt x="2097241" y="5776"/>
-                  <a:pt x="1872303" y="18288"/>
-                </a:cubicBezTo>
-                <a:cubicBezTo>
-                  <a:pt x="1647365" y="30800"/>
-                  <a:pt x="1282708" y="45380"/>
-                  <a:pt x="976854" y="18288"/>
-                </a:cubicBezTo>
-                <a:cubicBezTo>
-                  <a:pt x="671000" y="-8804"/>
-                  <a:pt x="408401" y="-12775"/>
+                  <a:pt x="213395" y="-21006"/>
+                  <a:pt x="307421" y="-18116"/>
+                  <a:pt x="478919" y="0"/>
+                </a:cubicBezTo>
+                <a:cubicBezTo>
+                  <a:pt x="650417" y="18116"/>
+                  <a:pt x="831092" y="-21237"/>
+                  <a:pt x="957839" y="0"/>
+                </a:cubicBezTo>
+                <a:cubicBezTo>
+                  <a:pt x="1084586" y="21237"/>
+                  <a:pt x="1301682" y="25124"/>
+                  <a:pt x="1521630" y="0"/>
+                </a:cubicBezTo>
+                <a:cubicBezTo>
+                  <a:pt x="1741578" y="-25124"/>
+                  <a:pt x="1970269" y="-29139"/>
+                  <a:pt x="2212729" y="0"/>
+                </a:cubicBezTo>
+                <a:cubicBezTo>
+                  <a:pt x="2455189" y="29139"/>
+                  <a:pt x="2558847" y="-4796"/>
+                  <a:pt x="2734084" y="0"/>
+                </a:cubicBezTo>
+                <a:cubicBezTo>
+                  <a:pt x="2909321" y="4796"/>
+                  <a:pt x="3097217" y="-13409"/>
+                  <a:pt x="3255439" y="0"/>
+                </a:cubicBezTo>
+                <a:cubicBezTo>
+                  <a:pt x="3413662" y="13409"/>
+                  <a:pt x="3979999" y="-10121"/>
+                  <a:pt x="4243589" y="0"/>
+                </a:cubicBezTo>
+                <a:cubicBezTo>
+                  <a:pt x="4244484" y="8974"/>
+                  <a:pt x="4243043" y="9359"/>
+                  <a:pt x="4243589" y="18288"/>
+                </a:cubicBezTo>
+                <a:cubicBezTo>
+                  <a:pt x="4058777" y="31246"/>
+                  <a:pt x="3910348" y="3158"/>
+                  <a:pt x="3594926" y="18288"/>
+                </a:cubicBezTo>
+                <a:cubicBezTo>
+                  <a:pt x="3279504" y="33418"/>
+                  <a:pt x="3319955" y="-3977"/>
+                  <a:pt x="3073571" y="18288"/>
+                </a:cubicBezTo>
+                <a:cubicBezTo>
+                  <a:pt x="2827187" y="40553"/>
+                  <a:pt x="2767387" y="1863"/>
+                  <a:pt x="2552216" y="18288"/>
+                </a:cubicBezTo>
+                <a:cubicBezTo>
+                  <a:pt x="2337046" y="34713"/>
+                  <a:pt x="2181871" y="19527"/>
+                  <a:pt x="1903553" y="18288"/>
+                </a:cubicBezTo>
+                <a:cubicBezTo>
+                  <a:pt x="1625235" y="17049"/>
+                  <a:pt x="1557672" y="24174"/>
+                  <a:pt x="1212454" y="18288"/>
+                </a:cubicBezTo>
+                <a:cubicBezTo>
+                  <a:pt x="867236" y="12402"/>
+                  <a:pt x="874382" y="15627"/>
+                  <a:pt x="733535" y="18288"/>
+                </a:cubicBezTo>
+                <a:cubicBezTo>
+                  <a:pt x="592688" y="20949"/>
+                  <a:pt x="183477" y="14753"/>
                   <a:pt x="0" y="18288"/>
                 </a:cubicBezTo>
                 <a:cubicBezTo>
-                  <a:pt x="-213" y="9468"/>
-                  <a:pt x="187" y="4459"/>
+                  <a:pt x="-229" y="14222"/>
+                  <a:pt x="509" y="5816"/>
                   <a:pt x="0" y="0"/>
                 </a:cubicBezTo>
                 <a:close/>
               </a:path>
-              <a:path w="10853928" h="18288" stroke="0" extrusionOk="0">
+              <a:path w="4243589" h="18288" stroke="0" extrusionOk="0">
                 <a:moveTo>
                   <a:pt x="0" y="0"/>
                 </a:moveTo>
                 <a:cubicBezTo>
-                  <a:pt x="267322" y="15284"/>
-                  <a:pt x="415388" y="-21048"/>
-                  <a:pt x="569831" y="0"/>
-                </a:cubicBezTo>
-                <a:cubicBezTo>
-                  <a:pt x="724274" y="21048"/>
-                  <a:pt x="769333" y="-2353"/>
-                  <a:pt x="922584" y="0"/>
-                </a:cubicBezTo>
-                <a:cubicBezTo>
-                  <a:pt x="1075835" y="2353"/>
-                  <a:pt x="1399490" y="-145"/>
-                  <a:pt x="1818033" y="0"/>
-                </a:cubicBezTo>
-                <a:cubicBezTo>
-                  <a:pt x="2236576" y="145"/>
-                  <a:pt x="2145330" y="5482"/>
-                  <a:pt x="2387864" y="0"/>
-                </a:cubicBezTo>
-                <a:cubicBezTo>
-                  <a:pt x="2630398" y="-5482"/>
-                  <a:pt x="2793207" y="18487"/>
-                  <a:pt x="2957695" y="0"/>
-                </a:cubicBezTo>
-                <a:cubicBezTo>
-                  <a:pt x="3122183" y="-18487"/>
-                  <a:pt x="3579141" y="19003"/>
-                  <a:pt x="3853144" y="0"/>
-                </a:cubicBezTo>
-                <a:cubicBezTo>
-                  <a:pt x="4127147" y="-19003"/>
-                  <a:pt x="4209857" y="12211"/>
-                  <a:pt x="4314436" y="0"/>
-                </a:cubicBezTo>
-                <a:cubicBezTo>
-                  <a:pt x="4419015" y="-12211"/>
-                  <a:pt x="4762459" y="-17220"/>
-                  <a:pt x="5209885" y="0"/>
-                </a:cubicBezTo>
-                <a:cubicBezTo>
-                  <a:pt x="5657311" y="17220"/>
-                  <a:pt x="5692663" y="-3290"/>
-                  <a:pt x="6105335" y="0"/>
-                </a:cubicBezTo>
-                <a:cubicBezTo>
-                  <a:pt x="6518007" y="3290"/>
-                  <a:pt x="6455516" y="-5124"/>
-                  <a:pt x="6783705" y="0"/>
-                </a:cubicBezTo>
-                <a:cubicBezTo>
-                  <a:pt x="7111894" y="5124"/>
-                  <a:pt x="7441941" y="-17829"/>
-                  <a:pt x="7679154" y="0"/>
-                </a:cubicBezTo>
-                <a:cubicBezTo>
-                  <a:pt x="7916367" y="17829"/>
-                  <a:pt x="8102967" y="-24363"/>
-                  <a:pt x="8248985" y="0"/>
-                </a:cubicBezTo>
-                <a:cubicBezTo>
-                  <a:pt x="8395003" y="24363"/>
-                  <a:pt x="8552393" y="25505"/>
-                  <a:pt x="8818817" y="0"/>
-                </a:cubicBezTo>
-                <a:cubicBezTo>
-                  <a:pt x="9085241" y="-25505"/>
-                  <a:pt x="9411308" y="38000"/>
-                  <a:pt x="9605726" y="0"/>
-                </a:cubicBezTo>
-                <a:cubicBezTo>
-                  <a:pt x="9800144" y="-38000"/>
-                  <a:pt x="10006468" y="-25741"/>
-                  <a:pt x="10175558" y="0"/>
-                </a:cubicBezTo>
-                <a:cubicBezTo>
-                  <a:pt x="10344648" y="25741"/>
-                  <a:pt x="10696282" y="695"/>
-                  <a:pt x="10853928" y="0"/>
-                </a:cubicBezTo>
-                <a:cubicBezTo>
-                  <a:pt x="10853521" y="8690"/>
-                  <a:pt x="10853774" y="14141"/>
-                  <a:pt x="10853928" y="18288"/>
-                </a:cubicBezTo>
-                <a:cubicBezTo>
-                  <a:pt x="10608124" y="24255"/>
-                  <a:pt x="10343415" y="22307"/>
-                  <a:pt x="10067018" y="18288"/>
-                </a:cubicBezTo>
-                <a:cubicBezTo>
-                  <a:pt x="9790621" y="14270"/>
-                  <a:pt x="9843266" y="3564"/>
-                  <a:pt x="9714266" y="18288"/>
-                </a:cubicBezTo>
-                <a:cubicBezTo>
-                  <a:pt x="9585266" y="33012"/>
-                  <a:pt x="9379484" y="1875"/>
-                  <a:pt x="9252974" y="18288"/>
-                </a:cubicBezTo>
-                <a:cubicBezTo>
-                  <a:pt x="9126464" y="34701"/>
-                  <a:pt x="8580678" y="-4904"/>
-                  <a:pt x="8357525" y="18288"/>
-                </a:cubicBezTo>
-                <a:cubicBezTo>
-                  <a:pt x="8134372" y="41480"/>
-                  <a:pt x="7903199" y="26458"/>
-                  <a:pt x="7679154" y="18288"/>
-                </a:cubicBezTo>
-                <a:cubicBezTo>
-                  <a:pt x="7455109" y="10118"/>
-                  <a:pt x="7435944" y="27109"/>
-                  <a:pt x="7217862" y="18288"/>
-                </a:cubicBezTo>
-                <a:cubicBezTo>
-                  <a:pt x="6999780" y="9467"/>
-                  <a:pt x="6680409" y="18985"/>
-                  <a:pt x="6539492" y="18288"/>
-                </a:cubicBezTo>
-                <a:cubicBezTo>
-                  <a:pt x="6398575" y="17592"/>
-                  <a:pt x="6312077" y="33018"/>
-                  <a:pt x="6186739" y="18288"/>
-                </a:cubicBezTo>
-                <a:cubicBezTo>
-                  <a:pt x="6061401" y="3558"/>
-                  <a:pt x="5947033" y="12075"/>
-                  <a:pt x="5833986" y="18288"/>
-                </a:cubicBezTo>
-                <a:cubicBezTo>
-                  <a:pt x="5720939" y="24501"/>
-                  <a:pt x="5482226" y="8586"/>
-                  <a:pt x="5155616" y="18288"/>
-                </a:cubicBezTo>
-                <a:cubicBezTo>
-                  <a:pt x="4829006" y="27991"/>
-                  <a:pt x="4841274" y="29316"/>
-                  <a:pt x="4694324" y="18288"/>
-                </a:cubicBezTo>
-                <a:cubicBezTo>
-                  <a:pt x="4547374" y="7260"/>
-                  <a:pt x="4077675" y="7013"/>
-                  <a:pt x="3907414" y="18288"/>
-                </a:cubicBezTo>
-                <a:cubicBezTo>
-                  <a:pt x="3737153" y="29564"/>
-                  <a:pt x="3538393" y="21630"/>
-                  <a:pt x="3446122" y="18288"/>
-                </a:cubicBezTo>
-                <a:cubicBezTo>
-                  <a:pt x="3353851" y="14946"/>
-                  <a:pt x="2990320" y="-8091"/>
-                  <a:pt x="2659212" y="18288"/>
-                </a:cubicBezTo>
-                <a:cubicBezTo>
-                  <a:pt x="2328104" y="44667"/>
-                  <a:pt x="2427653" y="9607"/>
-                  <a:pt x="2306460" y="18288"/>
-                </a:cubicBezTo>
-                <a:cubicBezTo>
-                  <a:pt x="2185267" y="26969"/>
-                  <a:pt x="1719763" y="3717"/>
-                  <a:pt x="1519550" y="18288"/>
-                </a:cubicBezTo>
-                <a:cubicBezTo>
-                  <a:pt x="1319337" y="32860"/>
-                  <a:pt x="1167371" y="17040"/>
-                  <a:pt x="1058258" y="18288"/>
-                </a:cubicBezTo>
-                <a:cubicBezTo>
-                  <a:pt x="949145" y="19536"/>
-                  <a:pt x="780234" y="31447"/>
-                  <a:pt x="705505" y="18288"/>
-                </a:cubicBezTo>
-                <a:cubicBezTo>
-                  <a:pt x="630776" y="5129"/>
-                  <a:pt x="215796" y="30056"/>
+                  <a:pt x="143690" y="16630"/>
+                  <a:pt x="266667" y="14847"/>
+                  <a:pt x="521355" y="0"/>
+                </a:cubicBezTo>
+                <a:cubicBezTo>
+                  <a:pt x="776043" y="-14847"/>
+                  <a:pt x="814491" y="-17363"/>
+                  <a:pt x="1000275" y="0"/>
+                </a:cubicBezTo>
+                <a:cubicBezTo>
+                  <a:pt x="1186059" y="17363"/>
+                  <a:pt x="1352504" y="-23507"/>
+                  <a:pt x="1521630" y="0"/>
+                </a:cubicBezTo>
+                <a:cubicBezTo>
+                  <a:pt x="1690756" y="23507"/>
+                  <a:pt x="1889525" y="5871"/>
+                  <a:pt x="2127857" y="0"/>
+                </a:cubicBezTo>
+                <a:cubicBezTo>
+                  <a:pt x="2366189" y="-5871"/>
+                  <a:pt x="2620628" y="-27997"/>
+                  <a:pt x="2776520" y="0"/>
+                </a:cubicBezTo>
+                <a:cubicBezTo>
+                  <a:pt x="2932412" y="27997"/>
+                  <a:pt x="3131683" y="-25073"/>
+                  <a:pt x="3467618" y="0"/>
+                </a:cubicBezTo>
+                <a:cubicBezTo>
+                  <a:pt x="3803553" y="25073"/>
+                  <a:pt x="4017371" y="3071"/>
+                  <a:pt x="4243589" y="0"/>
+                </a:cubicBezTo>
+                <a:cubicBezTo>
+                  <a:pt x="4243134" y="6162"/>
+                  <a:pt x="4243492" y="11775"/>
+                  <a:pt x="4243589" y="18288"/>
+                </a:cubicBezTo>
+                <a:cubicBezTo>
+                  <a:pt x="4017834" y="-5779"/>
+                  <a:pt x="3834586" y="13376"/>
+                  <a:pt x="3594926" y="18288"/>
+                </a:cubicBezTo>
+                <a:cubicBezTo>
+                  <a:pt x="3355266" y="23200"/>
+                  <a:pt x="3204179" y="2869"/>
+                  <a:pt x="2903827" y="18288"/>
+                </a:cubicBezTo>
+                <a:cubicBezTo>
+                  <a:pt x="2603475" y="33707"/>
+                  <a:pt x="2526187" y="46187"/>
+                  <a:pt x="2212729" y="18288"/>
+                </a:cubicBezTo>
+                <a:cubicBezTo>
+                  <a:pt x="1899271" y="-9611"/>
+                  <a:pt x="1966289" y="29692"/>
+                  <a:pt x="1733809" y="18288"/>
+                </a:cubicBezTo>
+                <a:cubicBezTo>
+                  <a:pt x="1501329" y="6884"/>
+                  <a:pt x="1343612" y="12492"/>
+                  <a:pt x="1085146" y="18288"/>
+                </a:cubicBezTo>
+                <a:cubicBezTo>
+                  <a:pt x="826680" y="24084"/>
+                  <a:pt x="778184" y="35607"/>
+                  <a:pt x="521355" y="18288"/>
+                </a:cubicBezTo>
+                <a:cubicBezTo>
+                  <a:pt x="264526" y="969"/>
+                  <a:pt x="120277" y="4268"/>
                   <a:pt x="0" y="18288"/>
                 </a:cubicBezTo>
                 <a:cubicBezTo>
-                  <a:pt x="-53" y="11301"/>
-                  <a:pt x="-649" y="7756"/>
+                  <a:pt x="766" y="10800"/>
+                  <a:pt x="-457" y="8180"/>
                   <a:pt x="0" y="0"/>
                 </a:cubicBezTo>
                 <a:close/>
@@ -14942,7 +15802,7 @@
             <a:round/>
             <a:extLst>
               <a:ext uri="{C807C97D-BFC1-408E-A445-0C87EB9F89A2}">
-                <ask:lineSketchStyleProps xmlns:ask="http://schemas.microsoft.com/office/drawing/2018/sketchyshapes" sd="1219033472">
+                <ask:lineSketchStyleProps xmlns:ask="http://schemas.microsoft.com/office/drawing/2018/sketchyshapes" sd="2727557108">
                   <a:prstGeom prst="rect">
                     <a:avLst/>
                   </a:prstGeom>
@@ -14984,7 +15844,7 @@
           <p:cNvPr id="3" name="Content Placeholder 2">
             <a:extLst>
               <a:ext uri="{FF2B5EF4-FFF2-40B4-BE49-F238E27FC236}">
-                <a16:creationId xmlns:a16="http://schemas.microsoft.com/office/drawing/2014/main" id="{B8E2FD64-6097-466B-ED24-F803620FF970}"/>
+                <a16:creationId xmlns:a16="http://schemas.microsoft.com/office/drawing/2014/main" id="{EFCA95B8-C627-F183-42FC-E37C168A8FE5}"/>
               </a:ext>
             </a:extLst>
           </p:cNvPr>
@@ -14997,8 +15857,8 @@
         </p:nvSpPr>
         <p:spPr>
           <a:xfrm>
-            <a:off x="838200" y="1929384"/>
-            <a:ext cx="10515600" cy="4251960"/>
+            <a:off x="640080" y="2706624"/>
+            <a:ext cx="6894576" cy="3483864"/>
           </a:xfrm>
         </p:spPr>
         <p:txBody>
@@ -15007,1616 +15867,120 @@
           </a:bodyPr>
           <a:lstStyle/>
           <a:p>
-            <a:endParaRPr lang="en-US" sz="2200"/>
+            <a:r>
+              <a:rPr lang="en-US" sz="2200" dirty="0"/>
+              <a:t>BNO085 – Intelligent 9-axis Inertial Measurement Unit (IMU)</a:t>
+            </a:r>
+          </a:p>
+          <a:p>
+            <a:pPr lvl="1"/>
+            <a:r>
+              <a:rPr lang="en-US" sz="2200" dirty="0"/>
+              <a:t>Low G Accelerometer, Gyroscope, and Magnetometer</a:t>
+            </a:r>
+          </a:p>
+          <a:p>
+            <a:pPr lvl="1"/>
+            <a:r>
+              <a:rPr lang="en-US" sz="2200" dirty="0"/>
+              <a:t>Contains on chip signal processing and filtering for 3D orientation and position</a:t>
+            </a:r>
+          </a:p>
+          <a:p>
+            <a:pPr lvl="1"/>
+            <a:r>
+              <a:rPr lang="en-US" sz="2200" dirty="0"/>
+              <a:t>Supports additional sensors through secondary I2C bus connection</a:t>
+            </a:r>
+          </a:p>
+          <a:p>
+            <a:r>
+              <a:rPr lang="en-US" sz="2200"/>
+              <a:t>Used in application such as Tablets and VR/AR motion trackers</a:t>
+            </a:r>
+          </a:p>
+          <a:p>
+            <a:pPr lvl="1"/>
+            <a:endParaRPr lang="en-US" sz="2200" dirty="0"/>
           </a:p>
         </p:txBody>
       </p:sp>
-    </p:spTree>
-    <p:extLst>
-      <p:ext uri="{BB962C8B-B14F-4D97-AF65-F5344CB8AC3E}">
-        <p14:creationId xmlns:p14="http://schemas.microsoft.com/office/powerpoint/2010/main" val="1215303165"/>
-      </p:ext>
-    </p:extLst>
-  </p:cSld>
-  <p:clrMapOvr>
-    <a:masterClrMapping/>
-  </p:clrMapOvr>
-</p:sld>
-</file>
-
-<file path=ppt/slides/slide6.xml><?xml version="1.0" encoding="utf-8"?>
-<p:sld xmlns:a="http://schemas.openxmlformats.org/drawingml/2006/main" xmlns:r="http://schemas.openxmlformats.org/officeDocument/2006/relationships" xmlns:p="http://schemas.openxmlformats.org/presentationml/2006/main">
-  <p:cSld>
-    <p:bg>
-      <p:bgPr>
-        <a:solidFill>
-          <a:schemeClr val="bg1"/>
-        </a:solidFill>
-        <a:effectLst/>
-      </p:bgPr>
-    </p:bg>
-    <p:spTree>
-      <p:nvGrpSpPr>
-        <p:cNvPr id="1" name=""/>
-        <p:cNvGrpSpPr/>
-        <p:nvPr/>
-      </p:nvGrpSpPr>
-      <p:grpSpPr>
-        <a:xfrm>
-          <a:off x="0" y="0"/>
-          <a:ext cx="0" cy="0"/>
-          <a:chOff x="0" y="0"/>
-          <a:chExt cx="0" cy="0"/>
-        </a:xfrm>
-      </p:grpSpPr>
-      <p:sp useBgFill="1">
-        <p:nvSpPr>
-          <p:cNvPr id="8" name="Rectangle 7">
+      <p:pic>
+        <p:nvPicPr>
+          <p:cNvPr id="1026" name="Picture 2" descr="BNO085">
             <a:extLst>
               <a:ext uri="{FF2B5EF4-FFF2-40B4-BE49-F238E27FC236}">
-                <a16:creationId xmlns:a16="http://schemas.microsoft.com/office/drawing/2014/main" id="{100EDD19-6802-4EC3-95CE-CFFAB042CFD6}"/>
-              </a:ext>
-              <a:ext uri="{C183D7F6-B498-43B3-948B-1728B52AA6E4}">
-                <adec:decorative xmlns:adec="http://schemas.microsoft.com/office/drawing/2017/decorative" val="1"/>
+                <a16:creationId xmlns:a16="http://schemas.microsoft.com/office/drawing/2014/main" id="{CC4CE727-D079-FFFA-34FC-806C7F4D9947}"/>
               </a:ext>
             </a:extLst>
           </p:cNvPr>
-          <p:cNvSpPr>
-            <a:spLocks noGrp="1" noRot="1" noChangeAspect="1" noMove="1" noResize="1" noEditPoints="1" noAdjustHandles="1" noChangeArrowheads="1" noChangeShapeType="1" noTextEdit="1"/>
-          </p:cNvSpPr>
-          <p:nvPr>
-            <p:extLst>
-              <p:ext uri="{386F3935-93C4-4BCD-93E2-E3B085C9AB24}">
-                <p16:designElem xmlns:p16="http://schemas.microsoft.com/office/powerpoint/2015/main" val="1"/>
-              </p:ext>
-            </p:extLst>
-          </p:nvPr>
-        </p:nvSpPr>
-        <p:spPr>
+          <p:cNvPicPr>
+            <a:picLocks noChangeAspect="1" noChangeArrowheads="1"/>
+          </p:cNvPicPr>
+          <p:nvPr/>
+        </p:nvPicPr>
+        <p:blipFill>
+          <a:blip r:embed="rId3">
+            <a:extLst>
+              <a:ext uri="{28A0092B-C50C-407E-A947-70E740481C1C}">
+                <a14:useLocalDpi xmlns:a14="http://schemas.microsoft.com/office/drawing/2010/main" val="0"/>
+              </a:ext>
+            </a:extLst>
+          </a:blip>
+          <a:stretch>
+            <a:fillRect/>
+          </a:stretch>
+        </p:blipFill>
+        <p:spPr bwMode="auto">
           <a:xfrm>
-            <a:off x="0" y="0"/>
-            <a:ext cx="12188952" cy="6858000"/>
+            <a:off x="8155963" y="329183"/>
+            <a:ext cx="3429969" cy="3429969"/>
           </a:xfrm>
           <a:prstGeom prst="rect">
             <a:avLst/>
           </a:prstGeom>
-          <a:ln>
-            <a:noFill/>
-          </a:ln>
+          <a:noFill/>
+          <a:extLst>
+            <a:ext uri="{909E8E84-426E-40DD-AFC4-6F175D3DCCD1}">
+              <a14:hiddenFill xmlns:a14="http://schemas.microsoft.com/office/drawing/2010/main">
+                <a:solidFill>
+                  <a:srgbClr val="FFFFFF"/>
+                </a:solidFill>
+              </a14:hiddenFill>
+            </a:ext>
+          </a:extLst>
         </p:spPr>
-        <p:style>
-          <a:lnRef idx="2">
-            <a:schemeClr val="accent1">
-              <a:shade val="50000"/>
-            </a:schemeClr>
-          </a:lnRef>
-          <a:fillRef idx="1">
-            <a:schemeClr val="accent1"/>
-          </a:fillRef>
-          <a:effectRef idx="0">
-            <a:schemeClr val="accent1"/>
-          </a:effectRef>
-          <a:fontRef idx="minor">
-            <a:schemeClr val="lt1"/>
-          </a:fontRef>
-        </p:style>
-        <p:txBody>
-          <a:bodyPr rtlCol="0" anchor="ctr"/>
-          <a:lstStyle/>
-          <a:p>
-            <a:pPr algn="ctr"/>
-            <a:endParaRPr lang="en-US"/>
-          </a:p>
-        </p:txBody>
-      </p:sp>
-      <p:sp>
-        <p:nvSpPr>
-          <p:cNvPr id="2" name="Title 1">
+      </p:pic>
+      <p:pic>
+        <p:nvPicPr>
+          <p:cNvPr id="5" name="Picture 4" descr="A computer screen shot of a circuit&#10;&#10;Description automatically generated">
             <a:extLst>
               <a:ext uri="{FF2B5EF4-FFF2-40B4-BE49-F238E27FC236}">
-                <a16:creationId xmlns:a16="http://schemas.microsoft.com/office/drawing/2014/main" id="{94FFAA24-6B9D-AC0B-D569-A5E35BB2F736}"/>
+                <a16:creationId xmlns:a16="http://schemas.microsoft.com/office/drawing/2014/main" id="{9F63B1EE-859C-7168-CB55-9529C9B78241}"/>
               </a:ext>
             </a:extLst>
           </p:cNvPr>
-          <p:cNvSpPr>
-            <a:spLocks noGrp="1"/>
-          </p:cNvSpPr>
-          <p:nvPr>
-            <p:ph type="title"/>
-          </p:nvPr>
-        </p:nvSpPr>
+          <p:cNvPicPr>
+            <a:picLocks noChangeAspect="1"/>
+          </p:cNvPicPr>
+          <p:nvPr/>
+        </p:nvPicPr>
+        <p:blipFill>
+          <a:blip r:embed="rId4"/>
+          <a:stretch>
+            <a:fillRect/>
+          </a:stretch>
+        </p:blipFill>
         <p:spPr>
           <a:xfrm>
-            <a:off x="838200" y="365125"/>
-            <a:ext cx="10515600" cy="1325563"/>
-          </a:xfrm>
-        </p:spPr>
-        <p:txBody>
-          <a:bodyPr>
-            <a:normAutofit/>
-          </a:bodyPr>
-          <a:lstStyle/>
-          <a:p>
-            <a:r>
-              <a:rPr lang="en-US" sz="5400"/>
-              <a:t>Approach - Power Efficiency </a:t>
-            </a:r>
-          </a:p>
-        </p:txBody>
-      </p:sp>
-      <p:sp>
-        <p:nvSpPr>
-          <p:cNvPr id="10" name="sketch line">
-            <a:extLst>
-              <a:ext uri="{FF2B5EF4-FFF2-40B4-BE49-F238E27FC236}">
-                <a16:creationId xmlns:a16="http://schemas.microsoft.com/office/drawing/2014/main" id="{DB17E863-922E-4C26-BD64-E8FD41D28661}"/>
-              </a:ext>
-              <a:ext uri="{C183D7F6-B498-43B3-948B-1728B52AA6E4}">
-                <adec:decorative xmlns:adec="http://schemas.microsoft.com/office/drawing/2017/decorative" val="1"/>
-              </a:ext>
-            </a:extLst>
-          </p:cNvPr>
-          <p:cNvSpPr>
-            <a:spLocks noGrp="1" noRot="1" noChangeAspect="1" noMove="1" noResize="1" noEditPoints="1" noAdjustHandles="1" noChangeArrowheads="1" noChangeShapeType="1" noTextEdit="1"/>
-          </p:cNvSpPr>
-          <p:nvPr>
-            <p:extLst>
-              <p:ext uri="{386F3935-93C4-4BCD-93E2-E3B085C9AB24}">
-                <p16:designElem xmlns:p16="http://schemas.microsoft.com/office/powerpoint/2015/main" val="1"/>
-              </p:ext>
-            </p:extLst>
-          </p:nvPr>
-        </p:nvSpPr>
-        <p:spPr>
-          <a:xfrm>
-            <a:off x="669036" y="1677373"/>
-            <a:ext cx="10853928" cy="18288"/>
-          </a:xfrm>
-          <a:custGeom>
-            <a:avLst/>
-            <a:gdLst>
-              <a:gd name="connsiteX0" fmla="*/ 0 w 10853928"/>
-              <a:gd name="connsiteY0" fmla="*/ 0 h 18288"/>
-              <a:gd name="connsiteX1" fmla="*/ 461292 w 10853928"/>
-              <a:gd name="connsiteY1" fmla="*/ 0 h 18288"/>
-              <a:gd name="connsiteX2" fmla="*/ 1139662 w 10853928"/>
-              <a:gd name="connsiteY2" fmla="*/ 0 h 18288"/>
-              <a:gd name="connsiteX3" fmla="*/ 1926572 w 10853928"/>
-              <a:gd name="connsiteY3" fmla="*/ 0 h 18288"/>
-              <a:gd name="connsiteX4" fmla="*/ 2279325 w 10853928"/>
-              <a:gd name="connsiteY4" fmla="*/ 0 h 18288"/>
-              <a:gd name="connsiteX5" fmla="*/ 2632078 w 10853928"/>
-              <a:gd name="connsiteY5" fmla="*/ 0 h 18288"/>
-              <a:gd name="connsiteX6" fmla="*/ 3527527 w 10853928"/>
-              <a:gd name="connsiteY6" fmla="*/ 0 h 18288"/>
-              <a:gd name="connsiteX7" fmla="*/ 4205897 w 10853928"/>
-              <a:gd name="connsiteY7" fmla="*/ 0 h 18288"/>
-              <a:gd name="connsiteX8" fmla="*/ 4558650 w 10853928"/>
-              <a:gd name="connsiteY8" fmla="*/ 0 h 18288"/>
-              <a:gd name="connsiteX9" fmla="*/ 5237020 w 10853928"/>
-              <a:gd name="connsiteY9" fmla="*/ 0 h 18288"/>
-              <a:gd name="connsiteX10" fmla="*/ 6132469 w 10853928"/>
-              <a:gd name="connsiteY10" fmla="*/ 0 h 18288"/>
-              <a:gd name="connsiteX11" fmla="*/ 6702301 w 10853928"/>
-              <a:gd name="connsiteY11" fmla="*/ 0 h 18288"/>
-              <a:gd name="connsiteX12" fmla="*/ 7272132 w 10853928"/>
-              <a:gd name="connsiteY12" fmla="*/ 0 h 18288"/>
-              <a:gd name="connsiteX13" fmla="*/ 7950502 w 10853928"/>
-              <a:gd name="connsiteY13" fmla="*/ 0 h 18288"/>
-              <a:gd name="connsiteX14" fmla="*/ 8737412 w 10853928"/>
-              <a:gd name="connsiteY14" fmla="*/ 0 h 18288"/>
-              <a:gd name="connsiteX15" fmla="*/ 9524322 w 10853928"/>
-              <a:gd name="connsiteY15" fmla="*/ 0 h 18288"/>
-              <a:gd name="connsiteX16" fmla="*/ 10853928 w 10853928"/>
-              <a:gd name="connsiteY16" fmla="*/ 0 h 18288"/>
-              <a:gd name="connsiteX17" fmla="*/ 10853928 w 10853928"/>
-              <a:gd name="connsiteY17" fmla="*/ 18288 h 18288"/>
-              <a:gd name="connsiteX18" fmla="*/ 10392636 w 10853928"/>
-              <a:gd name="connsiteY18" fmla="*/ 18288 h 18288"/>
-              <a:gd name="connsiteX19" fmla="*/ 9497187 w 10853928"/>
-              <a:gd name="connsiteY19" fmla="*/ 18288 h 18288"/>
-              <a:gd name="connsiteX20" fmla="*/ 8818817 w 10853928"/>
-              <a:gd name="connsiteY20" fmla="*/ 18288 h 18288"/>
-              <a:gd name="connsiteX21" fmla="*/ 8466064 w 10853928"/>
-              <a:gd name="connsiteY21" fmla="*/ 18288 h 18288"/>
-              <a:gd name="connsiteX22" fmla="*/ 7787693 w 10853928"/>
-              <a:gd name="connsiteY22" fmla="*/ 18288 h 18288"/>
-              <a:gd name="connsiteX23" fmla="*/ 7217862 w 10853928"/>
-              <a:gd name="connsiteY23" fmla="*/ 18288 h 18288"/>
-              <a:gd name="connsiteX24" fmla="*/ 6648031 w 10853928"/>
-              <a:gd name="connsiteY24" fmla="*/ 18288 h 18288"/>
-              <a:gd name="connsiteX25" fmla="*/ 6078200 w 10853928"/>
-              <a:gd name="connsiteY25" fmla="*/ 18288 h 18288"/>
-              <a:gd name="connsiteX26" fmla="*/ 5508368 w 10853928"/>
-              <a:gd name="connsiteY26" fmla="*/ 18288 h 18288"/>
-              <a:gd name="connsiteX27" fmla="*/ 4721459 w 10853928"/>
-              <a:gd name="connsiteY27" fmla="*/ 18288 h 18288"/>
-              <a:gd name="connsiteX28" fmla="*/ 4043088 w 10853928"/>
-              <a:gd name="connsiteY28" fmla="*/ 18288 h 18288"/>
-              <a:gd name="connsiteX29" fmla="*/ 3690336 w 10853928"/>
-              <a:gd name="connsiteY29" fmla="*/ 18288 h 18288"/>
-              <a:gd name="connsiteX30" fmla="*/ 3120504 w 10853928"/>
-              <a:gd name="connsiteY30" fmla="*/ 18288 h 18288"/>
-              <a:gd name="connsiteX31" fmla="*/ 2333595 w 10853928"/>
-              <a:gd name="connsiteY31" fmla="*/ 18288 h 18288"/>
-              <a:gd name="connsiteX32" fmla="*/ 1872303 w 10853928"/>
-              <a:gd name="connsiteY32" fmla="*/ 18288 h 18288"/>
-              <a:gd name="connsiteX33" fmla="*/ 976854 w 10853928"/>
-              <a:gd name="connsiteY33" fmla="*/ 18288 h 18288"/>
-              <a:gd name="connsiteX34" fmla="*/ 0 w 10853928"/>
-              <a:gd name="connsiteY34" fmla="*/ 18288 h 18288"/>
-              <a:gd name="connsiteX35" fmla="*/ 0 w 10853928"/>
-              <a:gd name="connsiteY35" fmla="*/ 0 h 18288"/>
-            </a:gdLst>
-            <a:ahLst/>
-            <a:cxnLst>
-              <a:cxn ang="0">
-                <a:pos x="connsiteX0" y="connsiteY0"/>
-              </a:cxn>
-              <a:cxn ang="0">
-                <a:pos x="connsiteX1" y="connsiteY1"/>
-              </a:cxn>
-              <a:cxn ang="0">
-                <a:pos x="connsiteX2" y="connsiteY2"/>
-              </a:cxn>
-              <a:cxn ang="0">
-                <a:pos x="connsiteX3" y="connsiteY3"/>
-              </a:cxn>
-              <a:cxn ang="0">
-                <a:pos x="connsiteX4" y="connsiteY4"/>
-              </a:cxn>
-              <a:cxn ang="0">
-                <a:pos x="connsiteX5" y="connsiteY5"/>
-              </a:cxn>
-              <a:cxn ang="0">
-                <a:pos x="connsiteX6" y="connsiteY6"/>
-              </a:cxn>
-              <a:cxn ang="0">
-                <a:pos x="connsiteX7" y="connsiteY7"/>
-              </a:cxn>
-              <a:cxn ang="0">
-                <a:pos x="connsiteX8" y="connsiteY8"/>
-              </a:cxn>
-              <a:cxn ang="0">
-                <a:pos x="connsiteX9" y="connsiteY9"/>
-              </a:cxn>
-              <a:cxn ang="0">
-                <a:pos x="connsiteX10" y="connsiteY10"/>
-              </a:cxn>
-              <a:cxn ang="0">
-                <a:pos x="connsiteX11" y="connsiteY11"/>
-              </a:cxn>
-              <a:cxn ang="0">
-                <a:pos x="connsiteX12" y="connsiteY12"/>
-              </a:cxn>
-              <a:cxn ang="0">
-                <a:pos x="connsiteX13" y="connsiteY13"/>
-              </a:cxn>
-              <a:cxn ang="0">
-                <a:pos x="connsiteX14" y="connsiteY14"/>
-              </a:cxn>
-              <a:cxn ang="0">
-                <a:pos x="connsiteX15" y="connsiteY15"/>
-              </a:cxn>
-              <a:cxn ang="0">
-                <a:pos x="connsiteX16" y="connsiteY16"/>
-              </a:cxn>
-              <a:cxn ang="0">
-                <a:pos x="connsiteX17" y="connsiteY17"/>
-              </a:cxn>
-              <a:cxn ang="0">
-                <a:pos x="connsiteX18" y="connsiteY18"/>
-              </a:cxn>
-              <a:cxn ang="0">
-                <a:pos x="connsiteX19" y="connsiteY19"/>
-              </a:cxn>
-              <a:cxn ang="0">
-                <a:pos x="connsiteX20" y="connsiteY20"/>
-              </a:cxn>
-              <a:cxn ang="0">
-                <a:pos x="connsiteX21" y="connsiteY21"/>
-              </a:cxn>
-              <a:cxn ang="0">
-                <a:pos x="connsiteX22" y="connsiteY22"/>
-              </a:cxn>
-              <a:cxn ang="0">
-                <a:pos x="connsiteX23" y="connsiteY23"/>
-              </a:cxn>
-              <a:cxn ang="0">
-                <a:pos x="connsiteX24" y="connsiteY24"/>
-              </a:cxn>
-              <a:cxn ang="0">
-                <a:pos x="connsiteX25" y="connsiteY25"/>
-              </a:cxn>
-              <a:cxn ang="0">
-                <a:pos x="connsiteX26" y="connsiteY26"/>
-              </a:cxn>
-              <a:cxn ang="0">
-                <a:pos x="connsiteX27" y="connsiteY27"/>
-              </a:cxn>
-              <a:cxn ang="0">
-                <a:pos x="connsiteX28" y="connsiteY28"/>
-              </a:cxn>
-              <a:cxn ang="0">
-                <a:pos x="connsiteX29" y="connsiteY29"/>
-              </a:cxn>
-              <a:cxn ang="0">
-                <a:pos x="connsiteX30" y="connsiteY30"/>
-              </a:cxn>
-              <a:cxn ang="0">
-                <a:pos x="connsiteX31" y="connsiteY31"/>
-              </a:cxn>
-              <a:cxn ang="0">
-                <a:pos x="connsiteX32" y="connsiteY32"/>
-              </a:cxn>
-              <a:cxn ang="0">
-                <a:pos x="connsiteX33" y="connsiteY33"/>
-              </a:cxn>
-              <a:cxn ang="0">
-                <a:pos x="connsiteX34" y="connsiteY34"/>
-              </a:cxn>
-              <a:cxn ang="0">
-                <a:pos x="connsiteX35" y="connsiteY35"/>
-              </a:cxn>
-            </a:cxnLst>
-            <a:rect l="l" t="t" r="r" b="b"/>
-            <a:pathLst>
-              <a:path w="10853928" h="18288" fill="none" extrusionOk="0">
-                <a:moveTo>
-                  <a:pt x="0" y="0"/>
-                </a:moveTo>
-                <a:cubicBezTo>
-                  <a:pt x="146993" y="-19076"/>
-                  <a:pt x="347684" y="-4790"/>
-                  <a:pt x="461292" y="0"/>
-                </a:cubicBezTo>
-                <a:cubicBezTo>
-                  <a:pt x="574900" y="4790"/>
-                  <a:pt x="808367" y="19821"/>
-                  <a:pt x="1139662" y="0"/>
-                </a:cubicBezTo>
-                <a:cubicBezTo>
-                  <a:pt x="1470957" y="-19821"/>
-                  <a:pt x="1627405" y="5721"/>
-                  <a:pt x="1926572" y="0"/>
-                </a:cubicBezTo>
-                <a:cubicBezTo>
-                  <a:pt x="2225739" y="-5721"/>
-                  <a:pt x="2137730" y="-3235"/>
-                  <a:pt x="2279325" y="0"/>
-                </a:cubicBezTo>
-                <a:cubicBezTo>
-                  <a:pt x="2420920" y="3235"/>
-                  <a:pt x="2456518" y="9685"/>
-                  <a:pt x="2632078" y="0"/>
-                </a:cubicBezTo>
-                <a:cubicBezTo>
-                  <a:pt x="2807638" y="-9685"/>
-                  <a:pt x="3211516" y="-43007"/>
-                  <a:pt x="3527527" y="0"/>
-                </a:cubicBezTo>
-                <a:cubicBezTo>
-                  <a:pt x="3843538" y="43007"/>
-                  <a:pt x="4058833" y="22042"/>
-                  <a:pt x="4205897" y="0"/>
-                </a:cubicBezTo>
-                <a:cubicBezTo>
-                  <a:pt x="4352961" y="-22042"/>
-                  <a:pt x="4474805" y="-11846"/>
-                  <a:pt x="4558650" y="0"/>
-                </a:cubicBezTo>
-                <a:cubicBezTo>
-                  <a:pt x="4642495" y="11846"/>
-                  <a:pt x="5041928" y="-6069"/>
-                  <a:pt x="5237020" y="0"/>
-                </a:cubicBezTo>
-                <a:cubicBezTo>
-                  <a:pt x="5432112" y="6069"/>
-                  <a:pt x="5943266" y="-17479"/>
-                  <a:pt x="6132469" y="0"/>
-                </a:cubicBezTo>
-                <a:cubicBezTo>
-                  <a:pt x="6321672" y="17479"/>
-                  <a:pt x="6483872" y="26234"/>
-                  <a:pt x="6702301" y="0"/>
-                </a:cubicBezTo>
-                <a:cubicBezTo>
-                  <a:pt x="6920730" y="-26234"/>
-                  <a:pt x="6991194" y="-15156"/>
-                  <a:pt x="7272132" y="0"/>
-                </a:cubicBezTo>
-                <a:cubicBezTo>
-                  <a:pt x="7553070" y="15156"/>
-                  <a:pt x="7684444" y="-32961"/>
-                  <a:pt x="7950502" y="0"/>
-                </a:cubicBezTo>
-                <a:cubicBezTo>
-                  <a:pt x="8216560" y="32961"/>
-                  <a:pt x="8493290" y="-10491"/>
-                  <a:pt x="8737412" y="0"/>
-                </a:cubicBezTo>
-                <a:cubicBezTo>
-                  <a:pt x="8981534" y="10491"/>
-                  <a:pt x="9191586" y="-13899"/>
-                  <a:pt x="9524322" y="0"/>
-                </a:cubicBezTo>
-                <a:cubicBezTo>
-                  <a:pt x="9857058" y="13899"/>
-                  <a:pt x="10297509" y="7485"/>
-                  <a:pt x="10853928" y="0"/>
-                </a:cubicBezTo>
-                <a:cubicBezTo>
-                  <a:pt x="10854574" y="4451"/>
-                  <a:pt x="10854418" y="9226"/>
-                  <a:pt x="10853928" y="18288"/>
-                </a:cubicBezTo>
-                <a:cubicBezTo>
-                  <a:pt x="10691638" y="28522"/>
-                  <a:pt x="10574319" y="29578"/>
-                  <a:pt x="10392636" y="18288"/>
-                </a:cubicBezTo>
-                <a:cubicBezTo>
-                  <a:pt x="10210953" y="6998"/>
-                  <a:pt x="9836277" y="-16742"/>
-                  <a:pt x="9497187" y="18288"/>
-                </a:cubicBezTo>
-                <a:cubicBezTo>
-                  <a:pt x="9158097" y="53318"/>
-                  <a:pt x="9119479" y="30714"/>
-                  <a:pt x="8818817" y="18288"/>
-                </a:cubicBezTo>
-                <a:cubicBezTo>
-                  <a:pt x="8518155" y="5863"/>
-                  <a:pt x="8640037" y="6483"/>
-                  <a:pt x="8466064" y="18288"/>
-                </a:cubicBezTo>
-                <a:cubicBezTo>
-                  <a:pt x="8292091" y="30093"/>
-                  <a:pt x="7997656" y="18914"/>
-                  <a:pt x="7787693" y="18288"/>
-                </a:cubicBezTo>
-                <a:cubicBezTo>
-                  <a:pt x="7577730" y="17662"/>
-                  <a:pt x="7412468" y="21416"/>
-                  <a:pt x="7217862" y="18288"/>
-                </a:cubicBezTo>
-                <a:cubicBezTo>
-                  <a:pt x="7023256" y="15160"/>
-                  <a:pt x="6898018" y="14824"/>
-                  <a:pt x="6648031" y="18288"/>
-                </a:cubicBezTo>
-                <a:cubicBezTo>
-                  <a:pt x="6398044" y="21752"/>
-                  <a:pt x="6254402" y="38625"/>
-                  <a:pt x="6078200" y="18288"/>
-                </a:cubicBezTo>
-                <a:cubicBezTo>
-                  <a:pt x="5901998" y="-2049"/>
-                  <a:pt x="5622886" y="3213"/>
-                  <a:pt x="5508368" y="18288"/>
-                </a:cubicBezTo>
-                <a:cubicBezTo>
-                  <a:pt x="5393850" y="33363"/>
-                  <a:pt x="5036260" y="26830"/>
-                  <a:pt x="4721459" y="18288"/>
-                </a:cubicBezTo>
-                <a:cubicBezTo>
-                  <a:pt x="4406658" y="9746"/>
-                  <a:pt x="4239221" y="41551"/>
-                  <a:pt x="4043088" y="18288"/>
-                </a:cubicBezTo>
-                <a:cubicBezTo>
-                  <a:pt x="3846955" y="-4975"/>
-                  <a:pt x="3818802" y="34658"/>
-                  <a:pt x="3690336" y="18288"/>
-                </a:cubicBezTo>
-                <a:cubicBezTo>
-                  <a:pt x="3561870" y="1918"/>
-                  <a:pt x="3265491" y="42194"/>
-                  <a:pt x="3120504" y="18288"/>
-                </a:cubicBezTo>
-                <a:cubicBezTo>
-                  <a:pt x="2975517" y="-5618"/>
-                  <a:pt x="2720254" y="36673"/>
-                  <a:pt x="2333595" y="18288"/>
-                </a:cubicBezTo>
-                <a:cubicBezTo>
-                  <a:pt x="1946936" y="-97"/>
-                  <a:pt x="2097241" y="5776"/>
-                  <a:pt x="1872303" y="18288"/>
-                </a:cubicBezTo>
-                <a:cubicBezTo>
-                  <a:pt x="1647365" y="30800"/>
-                  <a:pt x="1282708" y="45380"/>
-                  <a:pt x="976854" y="18288"/>
-                </a:cubicBezTo>
-                <a:cubicBezTo>
-                  <a:pt x="671000" y="-8804"/>
-                  <a:pt x="408401" y="-12775"/>
-                  <a:pt x="0" y="18288"/>
-                </a:cubicBezTo>
-                <a:cubicBezTo>
-                  <a:pt x="-213" y="9468"/>
-                  <a:pt x="187" y="4459"/>
-                  <a:pt x="0" y="0"/>
-                </a:cubicBezTo>
-                <a:close/>
-              </a:path>
-              <a:path w="10853928" h="18288" stroke="0" extrusionOk="0">
-                <a:moveTo>
-                  <a:pt x="0" y="0"/>
-                </a:moveTo>
-                <a:cubicBezTo>
-                  <a:pt x="267322" y="15284"/>
-                  <a:pt x="415388" y="-21048"/>
-                  <a:pt x="569831" y="0"/>
-                </a:cubicBezTo>
-                <a:cubicBezTo>
-                  <a:pt x="724274" y="21048"/>
-                  <a:pt x="769333" y="-2353"/>
-                  <a:pt x="922584" y="0"/>
-                </a:cubicBezTo>
-                <a:cubicBezTo>
-                  <a:pt x="1075835" y="2353"/>
-                  <a:pt x="1399490" y="-145"/>
-                  <a:pt x="1818033" y="0"/>
-                </a:cubicBezTo>
-                <a:cubicBezTo>
-                  <a:pt x="2236576" y="145"/>
-                  <a:pt x="2145330" y="5482"/>
-                  <a:pt x="2387864" y="0"/>
-                </a:cubicBezTo>
-                <a:cubicBezTo>
-                  <a:pt x="2630398" y="-5482"/>
-                  <a:pt x="2793207" y="18487"/>
-                  <a:pt x="2957695" y="0"/>
-                </a:cubicBezTo>
-                <a:cubicBezTo>
-                  <a:pt x="3122183" y="-18487"/>
-                  <a:pt x="3579141" y="19003"/>
-                  <a:pt x="3853144" y="0"/>
-                </a:cubicBezTo>
-                <a:cubicBezTo>
-                  <a:pt x="4127147" y="-19003"/>
-                  <a:pt x="4209857" y="12211"/>
-                  <a:pt x="4314436" y="0"/>
-                </a:cubicBezTo>
-                <a:cubicBezTo>
-                  <a:pt x="4419015" y="-12211"/>
-                  <a:pt x="4762459" y="-17220"/>
-                  <a:pt x="5209885" y="0"/>
-                </a:cubicBezTo>
-                <a:cubicBezTo>
-                  <a:pt x="5657311" y="17220"/>
-                  <a:pt x="5692663" y="-3290"/>
-                  <a:pt x="6105335" y="0"/>
-                </a:cubicBezTo>
-                <a:cubicBezTo>
-                  <a:pt x="6518007" y="3290"/>
-                  <a:pt x="6455516" y="-5124"/>
-                  <a:pt x="6783705" y="0"/>
-                </a:cubicBezTo>
-                <a:cubicBezTo>
-                  <a:pt x="7111894" y="5124"/>
-                  <a:pt x="7441941" y="-17829"/>
-                  <a:pt x="7679154" y="0"/>
-                </a:cubicBezTo>
-                <a:cubicBezTo>
-                  <a:pt x="7916367" y="17829"/>
-                  <a:pt x="8102967" y="-24363"/>
-                  <a:pt x="8248985" y="0"/>
-                </a:cubicBezTo>
-                <a:cubicBezTo>
-                  <a:pt x="8395003" y="24363"/>
-                  <a:pt x="8552393" y="25505"/>
-                  <a:pt x="8818817" y="0"/>
-                </a:cubicBezTo>
-                <a:cubicBezTo>
-                  <a:pt x="9085241" y="-25505"/>
-                  <a:pt x="9411308" y="38000"/>
-                  <a:pt x="9605726" y="0"/>
-                </a:cubicBezTo>
-                <a:cubicBezTo>
-                  <a:pt x="9800144" y="-38000"/>
-                  <a:pt x="10006468" y="-25741"/>
-                  <a:pt x="10175558" y="0"/>
-                </a:cubicBezTo>
-                <a:cubicBezTo>
-                  <a:pt x="10344648" y="25741"/>
-                  <a:pt x="10696282" y="695"/>
-                  <a:pt x="10853928" y="0"/>
-                </a:cubicBezTo>
-                <a:cubicBezTo>
-                  <a:pt x="10853521" y="8690"/>
-                  <a:pt x="10853774" y="14141"/>
-                  <a:pt x="10853928" y="18288"/>
-                </a:cubicBezTo>
-                <a:cubicBezTo>
-                  <a:pt x="10608124" y="24255"/>
-                  <a:pt x="10343415" y="22307"/>
-                  <a:pt x="10067018" y="18288"/>
-                </a:cubicBezTo>
-                <a:cubicBezTo>
-                  <a:pt x="9790621" y="14270"/>
-                  <a:pt x="9843266" y="3564"/>
-                  <a:pt x="9714266" y="18288"/>
-                </a:cubicBezTo>
-                <a:cubicBezTo>
-                  <a:pt x="9585266" y="33012"/>
-                  <a:pt x="9379484" y="1875"/>
-                  <a:pt x="9252974" y="18288"/>
-                </a:cubicBezTo>
-                <a:cubicBezTo>
-                  <a:pt x="9126464" y="34701"/>
-                  <a:pt x="8580678" y="-4904"/>
-                  <a:pt x="8357525" y="18288"/>
-                </a:cubicBezTo>
-                <a:cubicBezTo>
-                  <a:pt x="8134372" y="41480"/>
-                  <a:pt x="7903199" y="26458"/>
-                  <a:pt x="7679154" y="18288"/>
-                </a:cubicBezTo>
-                <a:cubicBezTo>
-                  <a:pt x="7455109" y="10118"/>
-                  <a:pt x="7435944" y="27109"/>
-                  <a:pt x="7217862" y="18288"/>
-                </a:cubicBezTo>
-                <a:cubicBezTo>
-                  <a:pt x="6999780" y="9467"/>
-                  <a:pt x="6680409" y="18985"/>
-                  <a:pt x="6539492" y="18288"/>
-                </a:cubicBezTo>
-                <a:cubicBezTo>
-                  <a:pt x="6398575" y="17592"/>
-                  <a:pt x="6312077" y="33018"/>
-                  <a:pt x="6186739" y="18288"/>
-                </a:cubicBezTo>
-                <a:cubicBezTo>
-                  <a:pt x="6061401" y="3558"/>
-                  <a:pt x="5947033" y="12075"/>
-                  <a:pt x="5833986" y="18288"/>
-                </a:cubicBezTo>
-                <a:cubicBezTo>
-                  <a:pt x="5720939" y="24501"/>
-                  <a:pt x="5482226" y="8586"/>
-                  <a:pt x="5155616" y="18288"/>
-                </a:cubicBezTo>
-                <a:cubicBezTo>
-                  <a:pt x="4829006" y="27991"/>
-                  <a:pt x="4841274" y="29316"/>
-                  <a:pt x="4694324" y="18288"/>
-                </a:cubicBezTo>
-                <a:cubicBezTo>
-                  <a:pt x="4547374" y="7260"/>
-                  <a:pt x="4077675" y="7013"/>
-                  <a:pt x="3907414" y="18288"/>
-                </a:cubicBezTo>
-                <a:cubicBezTo>
-                  <a:pt x="3737153" y="29564"/>
-                  <a:pt x="3538393" y="21630"/>
-                  <a:pt x="3446122" y="18288"/>
-                </a:cubicBezTo>
-                <a:cubicBezTo>
-                  <a:pt x="3353851" y="14946"/>
-                  <a:pt x="2990320" y="-8091"/>
-                  <a:pt x="2659212" y="18288"/>
-                </a:cubicBezTo>
-                <a:cubicBezTo>
-                  <a:pt x="2328104" y="44667"/>
-                  <a:pt x="2427653" y="9607"/>
-                  <a:pt x="2306460" y="18288"/>
-                </a:cubicBezTo>
-                <a:cubicBezTo>
-                  <a:pt x="2185267" y="26969"/>
-                  <a:pt x="1719763" y="3717"/>
-                  <a:pt x="1519550" y="18288"/>
-                </a:cubicBezTo>
-                <a:cubicBezTo>
-                  <a:pt x="1319337" y="32860"/>
-                  <a:pt x="1167371" y="17040"/>
-                  <a:pt x="1058258" y="18288"/>
-                </a:cubicBezTo>
-                <a:cubicBezTo>
-                  <a:pt x="949145" y="19536"/>
-                  <a:pt x="780234" y="31447"/>
-                  <a:pt x="705505" y="18288"/>
-                </a:cubicBezTo>
-                <a:cubicBezTo>
-                  <a:pt x="630776" y="5129"/>
-                  <a:pt x="215796" y="30056"/>
-                  <a:pt x="0" y="18288"/>
-                </a:cubicBezTo>
-                <a:cubicBezTo>
-                  <a:pt x="-53" y="11301"/>
-                  <a:pt x="-649" y="7756"/>
-                  <a:pt x="0" y="0"/>
-                </a:cubicBezTo>
-                <a:close/>
-              </a:path>
-            </a:pathLst>
-          </a:custGeom>
-          <a:solidFill>
-            <a:schemeClr val="accent2"/>
-          </a:solidFill>
-          <a:ln w="41275" cap="rnd">
-            <a:solidFill>
-              <a:schemeClr val="accent2"/>
-            </a:solidFill>
-            <a:round/>
-            <a:extLst>
-              <a:ext uri="{C807C97D-BFC1-408E-A445-0C87EB9F89A2}">
-                <ask:lineSketchStyleProps xmlns:ask="http://schemas.microsoft.com/office/drawing/2018/sketchyshapes" sd="1219033472">
-                  <a:prstGeom prst="rect">
-                    <a:avLst/>
-                  </a:prstGeom>
-                  <ask:type>
-                    <ask:lineSketchFreehand/>
-                  </ask:type>
-                </ask:lineSketchStyleProps>
-              </a:ext>
-            </a:extLst>
-          </a:ln>
-        </p:spPr>
-        <p:style>
-          <a:lnRef idx="2">
-            <a:schemeClr val="accent1">
-              <a:shade val="50000"/>
-            </a:schemeClr>
-          </a:lnRef>
-          <a:fillRef idx="1">
-            <a:schemeClr val="accent1"/>
-          </a:fillRef>
-          <a:effectRef idx="0">
-            <a:schemeClr val="accent1"/>
-          </a:effectRef>
-          <a:fontRef idx="minor">
-            <a:schemeClr val="lt1"/>
-          </a:fontRef>
-        </p:style>
-        <p:txBody>
-          <a:bodyPr rtlCol="0" anchor="ctr"/>
-          <a:lstStyle/>
-          <a:p>
-            <a:pPr algn="ctr"/>
-            <a:endParaRPr lang="en-US"/>
-          </a:p>
-        </p:txBody>
-      </p:sp>
-      <p:sp>
-        <p:nvSpPr>
-          <p:cNvPr id="3" name="Content Placeholder 2">
-            <a:extLst>
-              <a:ext uri="{FF2B5EF4-FFF2-40B4-BE49-F238E27FC236}">
-                <a16:creationId xmlns:a16="http://schemas.microsoft.com/office/drawing/2014/main" id="{28BAEAAB-DF37-F36D-766F-8413B96803B1}"/>
-              </a:ext>
-            </a:extLst>
-          </p:cNvPr>
-          <p:cNvSpPr>
-            <a:spLocks noGrp="1"/>
-          </p:cNvSpPr>
-          <p:nvPr>
-            <p:ph idx="1"/>
-          </p:nvPr>
-        </p:nvSpPr>
-        <p:spPr>
-          <a:xfrm>
-            <a:off x="838200" y="1929384"/>
-            <a:ext cx="10515600" cy="4251960"/>
-          </a:xfrm>
-        </p:spPr>
-        <p:txBody>
-          <a:bodyPr>
-            <a:normAutofit/>
-          </a:bodyPr>
-          <a:lstStyle/>
-          <a:p>
-            <a:endParaRPr lang="en-US" sz="2200"/>
-          </a:p>
-        </p:txBody>
-      </p:sp>
-    </p:spTree>
-    <p:extLst>
-      <p:ext uri="{BB962C8B-B14F-4D97-AF65-F5344CB8AC3E}">
-        <p14:creationId xmlns:p14="http://schemas.microsoft.com/office/powerpoint/2010/main" val="17445567"/>
-      </p:ext>
-    </p:extLst>
-  </p:cSld>
-  <p:clrMapOvr>
-    <a:masterClrMapping/>
-  </p:clrMapOvr>
-</p:sld>
-</file>
-
-<file path=ppt/slides/slide7.xml><?xml version="1.0" encoding="utf-8"?>
-<p:sld xmlns:a="http://schemas.openxmlformats.org/drawingml/2006/main" xmlns:r="http://schemas.openxmlformats.org/officeDocument/2006/relationships" xmlns:p="http://schemas.openxmlformats.org/presentationml/2006/main">
-  <p:cSld>
-    <p:bg>
-      <p:bgPr>
-        <a:solidFill>
-          <a:schemeClr val="bg1"/>
-        </a:solidFill>
-        <a:effectLst/>
-      </p:bgPr>
-    </p:bg>
-    <p:spTree>
-      <p:nvGrpSpPr>
-        <p:cNvPr id="1" name=""/>
-        <p:cNvGrpSpPr/>
-        <p:nvPr/>
-      </p:nvGrpSpPr>
-      <p:grpSpPr>
-        <a:xfrm>
-          <a:off x="0" y="0"/>
-          <a:ext cx="0" cy="0"/>
-          <a:chOff x="0" y="0"/>
-          <a:chExt cx="0" cy="0"/>
-        </a:xfrm>
-      </p:grpSpPr>
-      <p:sp useBgFill="1">
-        <p:nvSpPr>
-          <p:cNvPr id="8" name="Rectangle 7">
-            <a:extLst>
-              <a:ext uri="{FF2B5EF4-FFF2-40B4-BE49-F238E27FC236}">
-                <a16:creationId xmlns:a16="http://schemas.microsoft.com/office/drawing/2014/main" id="{100EDD19-6802-4EC3-95CE-CFFAB042CFD6}"/>
-              </a:ext>
-              <a:ext uri="{C183D7F6-B498-43B3-948B-1728B52AA6E4}">
-                <adec:decorative xmlns:adec="http://schemas.microsoft.com/office/drawing/2017/decorative" val="1"/>
-              </a:ext>
-            </a:extLst>
-          </p:cNvPr>
-          <p:cNvSpPr>
-            <a:spLocks noGrp="1" noRot="1" noChangeAspect="1" noMove="1" noResize="1" noEditPoints="1" noAdjustHandles="1" noChangeArrowheads="1" noChangeShapeType="1" noTextEdit="1"/>
-          </p:cNvSpPr>
-          <p:nvPr>
-            <p:extLst>
-              <p:ext uri="{386F3935-93C4-4BCD-93E2-E3B085C9AB24}">
-                <p16:designElem xmlns:p16="http://schemas.microsoft.com/office/powerpoint/2015/main" val="1"/>
-              </p:ext>
-            </p:extLst>
-          </p:nvPr>
-        </p:nvSpPr>
-        <p:spPr>
-          <a:xfrm>
-            <a:off x="0" y="0"/>
-            <a:ext cx="12188952" cy="6858000"/>
+            <a:off x="8092477" y="4079193"/>
+            <a:ext cx="3538653" cy="2176272"/>
           </a:xfrm>
           <a:prstGeom prst="rect">
             <a:avLst/>
           </a:prstGeom>
-          <a:ln>
-            <a:noFill/>
-          </a:ln>
         </p:spPr>
-        <p:style>
-          <a:lnRef idx="2">
-            <a:schemeClr val="accent1">
-              <a:shade val="50000"/>
-            </a:schemeClr>
-          </a:lnRef>
-          <a:fillRef idx="1">
-            <a:schemeClr val="accent1"/>
-          </a:fillRef>
-          <a:effectRef idx="0">
-            <a:schemeClr val="accent1"/>
-          </a:effectRef>
-          <a:fontRef idx="minor">
-            <a:schemeClr val="lt1"/>
-          </a:fontRef>
-        </p:style>
-        <p:txBody>
-          <a:bodyPr rtlCol="0" anchor="ctr"/>
-          <a:lstStyle/>
-          <a:p>
-            <a:pPr algn="ctr"/>
-            <a:endParaRPr lang="en-US"/>
-          </a:p>
-        </p:txBody>
-      </p:sp>
-      <p:sp>
-        <p:nvSpPr>
-          <p:cNvPr id="2" name="Title 1">
-            <a:extLst>
-              <a:ext uri="{FF2B5EF4-FFF2-40B4-BE49-F238E27FC236}">
-                <a16:creationId xmlns:a16="http://schemas.microsoft.com/office/drawing/2014/main" id="{A03AD6F7-BC38-4892-3AFA-5698A84796D9}"/>
-              </a:ext>
-            </a:extLst>
-          </p:cNvPr>
-          <p:cNvSpPr>
-            <a:spLocks noGrp="1"/>
-          </p:cNvSpPr>
-          <p:nvPr>
-            <p:ph type="title"/>
-          </p:nvPr>
-        </p:nvSpPr>
-        <p:spPr>
-          <a:xfrm>
-            <a:off x="838200" y="365125"/>
-            <a:ext cx="10515600" cy="1325563"/>
-          </a:xfrm>
-        </p:spPr>
-        <p:txBody>
-          <a:bodyPr>
-            <a:normAutofit/>
-          </a:bodyPr>
-          <a:lstStyle/>
-          <a:p>
-            <a:r>
-              <a:rPr lang="en-US" sz="5400"/>
-              <a:t>Approach - IMU</a:t>
-            </a:r>
-          </a:p>
-        </p:txBody>
-      </p:sp>
-      <p:sp>
-        <p:nvSpPr>
-          <p:cNvPr id="10" name="sketch line">
-            <a:extLst>
-              <a:ext uri="{FF2B5EF4-FFF2-40B4-BE49-F238E27FC236}">
-                <a16:creationId xmlns:a16="http://schemas.microsoft.com/office/drawing/2014/main" id="{DB17E863-922E-4C26-BD64-E8FD41D28661}"/>
-              </a:ext>
-              <a:ext uri="{C183D7F6-B498-43B3-948B-1728B52AA6E4}">
-                <adec:decorative xmlns:adec="http://schemas.microsoft.com/office/drawing/2017/decorative" val="1"/>
-              </a:ext>
-            </a:extLst>
-          </p:cNvPr>
-          <p:cNvSpPr>
-            <a:spLocks noGrp="1" noRot="1" noChangeAspect="1" noMove="1" noResize="1" noEditPoints="1" noAdjustHandles="1" noChangeArrowheads="1" noChangeShapeType="1" noTextEdit="1"/>
-          </p:cNvSpPr>
-          <p:nvPr>
-            <p:extLst>
-              <p:ext uri="{386F3935-93C4-4BCD-93E2-E3B085C9AB24}">
-                <p16:designElem xmlns:p16="http://schemas.microsoft.com/office/powerpoint/2015/main" val="1"/>
-              </p:ext>
-            </p:extLst>
-          </p:nvPr>
-        </p:nvSpPr>
-        <p:spPr>
-          <a:xfrm>
-            <a:off x="669036" y="1677373"/>
-            <a:ext cx="10853928" cy="18288"/>
-          </a:xfrm>
-          <a:custGeom>
-            <a:avLst/>
-            <a:gdLst>
-              <a:gd name="connsiteX0" fmla="*/ 0 w 10853928"/>
-              <a:gd name="connsiteY0" fmla="*/ 0 h 18288"/>
-              <a:gd name="connsiteX1" fmla="*/ 461292 w 10853928"/>
-              <a:gd name="connsiteY1" fmla="*/ 0 h 18288"/>
-              <a:gd name="connsiteX2" fmla="*/ 1139662 w 10853928"/>
-              <a:gd name="connsiteY2" fmla="*/ 0 h 18288"/>
-              <a:gd name="connsiteX3" fmla="*/ 1926572 w 10853928"/>
-              <a:gd name="connsiteY3" fmla="*/ 0 h 18288"/>
-              <a:gd name="connsiteX4" fmla="*/ 2279325 w 10853928"/>
-              <a:gd name="connsiteY4" fmla="*/ 0 h 18288"/>
-              <a:gd name="connsiteX5" fmla="*/ 2632078 w 10853928"/>
-              <a:gd name="connsiteY5" fmla="*/ 0 h 18288"/>
-              <a:gd name="connsiteX6" fmla="*/ 3527527 w 10853928"/>
-              <a:gd name="connsiteY6" fmla="*/ 0 h 18288"/>
-              <a:gd name="connsiteX7" fmla="*/ 4205897 w 10853928"/>
-              <a:gd name="connsiteY7" fmla="*/ 0 h 18288"/>
-              <a:gd name="connsiteX8" fmla="*/ 4558650 w 10853928"/>
-              <a:gd name="connsiteY8" fmla="*/ 0 h 18288"/>
-              <a:gd name="connsiteX9" fmla="*/ 5237020 w 10853928"/>
-              <a:gd name="connsiteY9" fmla="*/ 0 h 18288"/>
-              <a:gd name="connsiteX10" fmla="*/ 6132469 w 10853928"/>
-              <a:gd name="connsiteY10" fmla="*/ 0 h 18288"/>
-              <a:gd name="connsiteX11" fmla="*/ 6702301 w 10853928"/>
-              <a:gd name="connsiteY11" fmla="*/ 0 h 18288"/>
-              <a:gd name="connsiteX12" fmla="*/ 7272132 w 10853928"/>
-              <a:gd name="connsiteY12" fmla="*/ 0 h 18288"/>
-              <a:gd name="connsiteX13" fmla="*/ 7950502 w 10853928"/>
-              <a:gd name="connsiteY13" fmla="*/ 0 h 18288"/>
-              <a:gd name="connsiteX14" fmla="*/ 8737412 w 10853928"/>
-              <a:gd name="connsiteY14" fmla="*/ 0 h 18288"/>
-              <a:gd name="connsiteX15" fmla="*/ 9524322 w 10853928"/>
-              <a:gd name="connsiteY15" fmla="*/ 0 h 18288"/>
-              <a:gd name="connsiteX16" fmla="*/ 10853928 w 10853928"/>
-              <a:gd name="connsiteY16" fmla="*/ 0 h 18288"/>
-              <a:gd name="connsiteX17" fmla="*/ 10853928 w 10853928"/>
-              <a:gd name="connsiteY17" fmla="*/ 18288 h 18288"/>
-              <a:gd name="connsiteX18" fmla="*/ 10392636 w 10853928"/>
-              <a:gd name="connsiteY18" fmla="*/ 18288 h 18288"/>
-              <a:gd name="connsiteX19" fmla="*/ 9497187 w 10853928"/>
-              <a:gd name="connsiteY19" fmla="*/ 18288 h 18288"/>
-              <a:gd name="connsiteX20" fmla="*/ 8818817 w 10853928"/>
-              <a:gd name="connsiteY20" fmla="*/ 18288 h 18288"/>
-              <a:gd name="connsiteX21" fmla="*/ 8466064 w 10853928"/>
-              <a:gd name="connsiteY21" fmla="*/ 18288 h 18288"/>
-              <a:gd name="connsiteX22" fmla="*/ 7787693 w 10853928"/>
-              <a:gd name="connsiteY22" fmla="*/ 18288 h 18288"/>
-              <a:gd name="connsiteX23" fmla="*/ 7217862 w 10853928"/>
-              <a:gd name="connsiteY23" fmla="*/ 18288 h 18288"/>
-              <a:gd name="connsiteX24" fmla="*/ 6648031 w 10853928"/>
-              <a:gd name="connsiteY24" fmla="*/ 18288 h 18288"/>
-              <a:gd name="connsiteX25" fmla="*/ 6078200 w 10853928"/>
-              <a:gd name="connsiteY25" fmla="*/ 18288 h 18288"/>
-              <a:gd name="connsiteX26" fmla="*/ 5508368 w 10853928"/>
-              <a:gd name="connsiteY26" fmla="*/ 18288 h 18288"/>
-              <a:gd name="connsiteX27" fmla="*/ 4721459 w 10853928"/>
-              <a:gd name="connsiteY27" fmla="*/ 18288 h 18288"/>
-              <a:gd name="connsiteX28" fmla="*/ 4043088 w 10853928"/>
-              <a:gd name="connsiteY28" fmla="*/ 18288 h 18288"/>
-              <a:gd name="connsiteX29" fmla="*/ 3690336 w 10853928"/>
-              <a:gd name="connsiteY29" fmla="*/ 18288 h 18288"/>
-              <a:gd name="connsiteX30" fmla="*/ 3120504 w 10853928"/>
-              <a:gd name="connsiteY30" fmla="*/ 18288 h 18288"/>
-              <a:gd name="connsiteX31" fmla="*/ 2333595 w 10853928"/>
-              <a:gd name="connsiteY31" fmla="*/ 18288 h 18288"/>
-              <a:gd name="connsiteX32" fmla="*/ 1872303 w 10853928"/>
-              <a:gd name="connsiteY32" fmla="*/ 18288 h 18288"/>
-              <a:gd name="connsiteX33" fmla="*/ 976854 w 10853928"/>
-              <a:gd name="connsiteY33" fmla="*/ 18288 h 18288"/>
-              <a:gd name="connsiteX34" fmla="*/ 0 w 10853928"/>
-              <a:gd name="connsiteY34" fmla="*/ 18288 h 18288"/>
-              <a:gd name="connsiteX35" fmla="*/ 0 w 10853928"/>
-              <a:gd name="connsiteY35" fmla="*/ 0 h 18288"/>
-            </a:gdLst>
-            <a:ahLst/>
-            <a:cxnLst>
-              <a:cxn ang="0">
-                <a:pos x="connsiteX0" y="connsiteY0"/>
-              </a:cxn>
-              <a:cxn ang="0">
-                <a:pos x="connsiteX1" y="connsiteY1"/>
-              </a:cxn>
-              <a:cxn ang="0">
-                <a:pos x="connsiteX2" y="connsiteY2"/>
-              </a:cxn>
-              <a:cxn ang="0">
-                <a:pos x="connsiteX3" y="connsiteY3"/>
-              </a:cxn>
-              <a:cxn ang="0">
-                <a:pos x="connsiteX4" y="connsiteY4"/>
-              </a:cxn>
-              <a:cxn ang="0">
-                <a:pos x="connsiteX5" y="connsiteY5"/>
-              </a:cxn>
-              <a:cxn ang="0">
-                <a:pos x="connsiteX6" y="connsiteY6"/>
-              </a:cxn>
-              <a:cxn ang="0">
-                <a:pos x="connsiteX7" y="connsiteY7"/>
-              </a:cxn>
-              <a:cxn ang="0">
-                <a:pos x="connsiteX8" y="connsiteY8"/>
-              </a:cxn>
-              <a:cxn ang="0">
-                <a:pos x="connsiteX9" y="connsiteY9"/>
-              </a:cxn>
-              <a:cxn ang="0">
-                <a:pos x="connsiteX10" y="connsiteY10"/>
-              </a:cxn>
-              <a:cxn ang="0">
-                <a:pos x="connsiteX11" y="connsiteY11"/>
-              </a:cxn>
-              <a:cxn ang="0">
-                <a:pos x="connsiteX12" y="connsiteY12"/>
-              </a:cxn>
-              <a:cxn ang="0">
-                <a:pos x="connsiteX13" y="connsiteY13"/>
-              </a:cxn>
-              <a:cxn ang="0">
-                <a:pos x="connsiteX14" y="connsiteY14"/>
-              </a:cxn>
-              <a:cxn ang="0">
-                <a:pos x="connsiteX15" y="connsiteY15"/>
-              </a:cxn>
-              <a:cxn ang="0">
-                <a:pos x="connsiteX16" y="connsiteY16"/>
-              </a:cxn>
-              <a:cxn ang="0">
-                <a:pos x="connsiteX17" y="connsiteY17"/>
-              </a:cxn>
-              <a:cxn ang="0">
-                <a:pos x="connsiteX18" y="connsiteY18"/>
-              </a:cxn>
-              <a:cxn ang="0">
-                <a:pos x="connsiteX19" y="connsiteY19"/>
-              </a:cxn>
-              <a:cxn ang="0">
-                <a:pos x="connsiteX20" y="connsiteY20"/>
-              </a:cxn>
-              <a:cxn ang="0">
-                <a:pos x="connsiteX21" y="connsiteY21"/>
-              </a:cxn>
-              <a:cxn ang="0">
-                <a:pos x="connsiteX22" y="connsiteY22"/>
-              </a:cxn>
-              <a:cxn ang="0">
-                <a:pos x="connsiteX23" y="connsiteY23"/>
-              </a:cxn>
-              <a:cxn ang="0">
-                <a:pos x="connsiteX24" y="connsiteY24"/>
-              </a:cxn>
-              <a:cxn ang="0">
-                <a:pos x="connsiteX25" y="connsiteY25"/>
-              </a:cxn>
-              <a:cxn ang="0">
-                <a:pos x="connsiteX26" y="connsiteY26"/>
-              </a:cxn>
-              <a:cxn ang="0">
-                <a:pos x="connsiteX27" y="connsiteY27"/>
-              </a:cxn>
-              <a:cxn ang="0">
-                <a:pos x="connsiteX28" y="connsiteY28"/>
-              </a:cxn>
-              <a:cxn ang="0">
-                <a:pos x="connsiteX29" y="connsiteY29"/>
-              </a:cxn>
-              <a:cxn ang="0">
-                <a:pos x="connsiteX30" y="connsiteY30"/>
-              </a:cxn>
-              <a:cxn ang="0">
-                <a:pos x="connsiteX31" y="connsiteY31"/>
-              </a:cxn>
-              <a:cxn ang="0">
-                <a:pos x="connsiteX32" y="connsiteY32"/>
-              </a:cxn>
-              <a:cxn ang="0">
-                <a:pos x="connsiteX33" y="connsiteY33"/>
-              </a:cxn>
-              <a:cxn ang="0">
-                <a:pos x="connsiteX34" y="connsiteY34"/>
-              </a:cxn>
-              <a:cxn ang="0">
-                <a:pos x="connsiteX35" y="connsiteY35"/>
-              </a:cxn>
-            </a:cxnLst>
-            <a:rect l="l" t="t" r="r" b="b"/>
-            <a:pathLst>
-              <a:path w="10853928" h="18288" fill="none" extrusionOk="0">
-                <a:moveTo>
-                  <a:pt x="0" y="0"/>
-                </a:moveTo>
-                <a:cubicBezTo>
-                  <a:pt x="146993" y="-19076"/>
-                  <a:pt x="347684" y="-4790"/>
-                  <a:pt x="461292" y="0"/>
-                </a:cubicBezTo>
-                <a:cubicBezTo>
-                  <a:pt x="574900" y="4790"/>
-                  <a:pt x="808367" y="19821"/>
-                  <a:pt x="1139662" y="0"/>
-                </a:cubicBezTo>
-                <a:cubicBezTo>
-                  <a:pt x="1470957" y="-19821"/>
-                  <a:pt x="1627405" y="5721"/>
-                  <a:pt x="1926572" y="0"/>
-                </a:cubicBezTo>
-                <a:cubicBezTo>
-                  <a:pt x="2225739" y="-5721"/>
-                  <a:pt x="2137730" y="-3235"/>
-                  <a:pt x="2279325" y="0"/>
-                </a:cubicBezTo>
-                <a:cubicBezTo>
-                  <a:pt x="2420920" y="3235"/>
-                  <a:pt x="2456518" y="9685"/>
-                  <a:pt x="2632078" y="0"/>
-                </a:cubicBezTo>
-                <a:cubicBezTo>
-                  <a:pt x="2807638" y="-9685"/>
-                  <a:pt x="3211516" y="-43007"/>
-                  <a:pt x="3527527" y="0"/>
-                </a:cubicBezTo>
-                <a:cubicBezTo>
-                  <a:pt x="3843538" y="43007"/>
-                  <a:pt x="4058833" y="22042"/>
-                  <a:pt x="4205897" y="0"/>
-                </a:cubicBezTo>
-                <a:cubicBezTo>
-                  <a:pt x="4352961" y="-22042"/>
-                  <a:pt x="4474805" y="-11846"/>
-                  <a:pt x="4558650" y="0"/>
-                </a:cubicBezTo>
-                <a:cubicBezTo>
-                  <a:pt x="4642495" y="11846"/>
-                  <a:pt x="5041928" y="-6069"/>
-                  <a:pt x="5237020" y="0"/>
-                </a:cubicBezTo>
-                <a:cubicBezTo>
-                  <a:pt x="5432112" y="6069"/>
-                  <a:pt x="5943266" y="-17479"/>
-                  <a:pt x="6132469" y="0"/>
-                </a:cubicBezTo>
-                <a:cubicBezTo>
-                  <a:pt x="6321672" y="17479"/>
-                  <a:pt x="6483872" y="26234"/>
-                  <a:pt x="6702301" y="0"/>
-                </a:cubicBezTo>
-                <a:cubicBezTo>
-                  <a:pt x="6920730" y="-26234"/>
-                  <a:pt x="6991194" y="-15156"/>
-                  <a:pt x="7272132" y="0"/>
-                </a:cubicBezTo>
-                <a:cubicBezTo>
-                  <a:pt x="7553070" y="15156"/>
-                  <a:pt x="7684444" y="-32961"/>
-                  <a:pt x="7950502" y="0"/>
-                </a:cubicBezTo>
-                <a:cubicBezTo>
-                  <a:pt x="8216560" y="32961"/>
-                  <a:pt x="8493290" y="-10491"/>
-                  <a:pt x="8737412" y="0"/>
-                </a:cubicBezTo>
-                <a:cubicBezTo>
-                  <a:pt x="8981534" y="10491"/>
-                  <a:pt x="9191586" y="-13899"/>
-                  <a:pt x="9524322" y="0"/>
-                </a:cubicBezTo>
-                <a:cubicBezTo>
-                  <a:pt x="9857058" y="13899"/>
-                  <a:pt x="10297509" y="7485"/>
-                  <a:pt x="10853928" y="0"/>
-                </a:cubicBezTo>
-                <a:cubicBezTo>
-                  <a:pt x="10854574" y="4451"/>
-                  <a:pt x="10854418" y="9226"/>
-                  <a:pt x="10853928" y="18288"/>
-                </a:cubicBezTo>
-                <a:cubicBezTo>
-                  <a:pt x="10691638" y="28522"/>
-                  <a:pt x="10574319" y="29578"/>
-                  <a:pt x="10392636" y="18288"/>
-                </a:cubicBezTo>
-                <a:cubicBezTo>
-                  <a:pt x="10210953" y="6998"/>
-                  <a:pt x="9836277" y="-16742"/>
-                  <a:pt x="9497187" y="18288"/>
-                </a:cubicBezTo>
-                <a:cubicBezTo>
-                  <a:pt x="9158097" y="53318"/>
-                  <a:pt x="9119479" y="30714"/>
-                  <a:pt x="8818817" y="18288"/>
-                </a:cubicBezTo>
-                <a:cubicBezTo>
-                  <a:pt x="8518155" y="5863"/>
-                  <a:pt x="8640037" y="6483"/>
-                  <a:pt x="8466064" y="18288"/>
-                </a:cubicBezTo>
-                <a:cubicBezTo>
-                  <a:pt x="8292091" y="30093"/>
-                  <a:pt x="7997656" y="18914"/>
-                  <a:pt x="7787693" y="18288"/>
-                </a:cubicBezTo>
-                <a:cubicBezTo>
-                  <a:pt x="7577730" y="17662"/>
-                  <a:pt x="7412468" y="21416"/>
-                  <a:pt x="7217862" y="18288"/>
-                </a:cubicBezTo>
-                <a:cubicBezTo>
-                  <a:pt x="7023256" y="15160"/>
-                  <a:pt x="6898018" y="14824"/>
-                  <a:pt x="6648031" y="18288"/>
-                </a:cubicBezTo>
-                <a:cubicBezTo>
-                  <a:pt x="6398044" y="21752"/>
-                  <a:pt x="6254402" y="38625"/>
-                  <a:pt x="6078200" y="18288"/>
-                </a:cubicBezTo>
-                <a:cubicBezTo>
-                  <a:pt x="5901998" y="-2049"/>
-                  <a:pt x="5622886" y="3213"/>
-                  <a:pt x="5508368" y="18288"/>
-                </a:cubicBezTo>
-                <a:cubicBezTo>
-                  <a:pt x="5393850" y="33363"/>
-                  <a:pt x="5036260" y="26830"/>
-                  <a:pt x="4721459" y="18288"/>
-                </a:cubicBezTo>
-                <a:cubicBezTo>
-                  <a:pt x="4406658" y="9746"/>
-                  <a:pt x="4239221" y="41551"/>
-                  <a:pt x="4043088" y="18288"/>
-                </a:cubicBezTo>
-                <a:cubicBezTo>
-                  <a:pt x="3846955" y="-4975"/>
-                  <a:pt x="3818802" y="34658"/>
-                  <a:pt x="3690336" y="18288"/>
-                </a:cubicBezTo>
-                <a:cubicBezTo>
-                  <a:pt x="3561870" y="1918"/>
-                  <a:pt x="3265491" y="42194"/>
-                  <a:pt x="3120504" y="18288"/>
-                </a:cubicBezTo>
-                <a:cubicBezTo>
-                  <a:pt x="2975517" y="-5618"/>
-                  <a:pt x="2720254" y="36673"/>
-                  <a:pt x="2333595" y="18288"/>
-                </a:cubicBezTo>
-                <a:cubicBezTo>
-                  <a:pt x="1946936" y="-97"/>
-                  <a:pt x="2097241" y="5776"/>
-                  <a:pt x="1872303" y="18288"/>
-                </a:cubicBezTo>
-                <a:cubicBezTo>
-                  <a:pt x="1647365" y="30800"/>
-                  <a:pt x="1282708" y="45380"/>
-                  <a:pt x="976854" y="18288"/>
-                </a:cubicBezTo>
-                <a:cubicBezTo>
-                  <a:pt x="671000" y="-8804"/>
-                  <a:pt x="408401" y="-12775"/>
-                  <a:pt x="0" y="18288"/>
-                </a:cubicBezTo>
-                <a:cubicBezTo>
-                  <a:pt x="-213" y="9468"/>
-                  <a:pt x="187" y="4459"/>
-                  <a:pt x="0" y="0"/>
-                </a:cubicBezTo>
-                <a:close/>
-              </a:path>
-              <a:path w="10853928" h="18288" stroke="0" extrusionOk="0">
-                <a:moveTo>
-                  <a:pt x="0" y="0"/>
-                </a:moveTo>
-                <a:cubicBezTo>
-                  <a:pt x="267322" y="15284"/>
-                  <a:pt x="415388" y="-21048"/>
-                  <a:pt x="569831" y="0"/>
-                </a:cubicBezTo>
-                <a:cubicBezTo>
-                  <a:pt x="724274" y="21048"/>
-                  <a:pt x="769333" y="-2353"/>
-                  <a:pt x="922584" y="0"/>
-                </a:cubicBezTo>
-                <a:cubicBezTo>
-                  <a:pt x="1075835" y="2353"/>
-                  <a:pt x="1399490" y="-145"/>
-                  <a:pt x="1818033" y="0"/>
-                </a:cubicBezTo>
-                <a:cubicBezTo>
-                  <a:pt x="2236576" y="145"/>
-                  <a:pt x="2145330" y="5482"/>
-                  <a:pt x="2387864" y="0"/>
-                </a:cubicBezTo>
-                <a:cubicBezTo>
-                  <a:pt x="2630398" y="-5482"/>
-                  <a:pt x="2793207" y="18487"/>
-                  <a:pt x="2957695" y="0"/>
-                </a:cubicBezTo>
-                <a:cubicBezTo>
-                  <a:pt x="3122183" y="-18487"/>
-                  <a:pt x="3579141" y="19003"/>
-                  <a:pt x="3853144" y="0"/>
-                </a:cubicBezTo>
-                <a:cubicBezTo>
-                  <a:pt x="4127147" y="-19003"/>
-                  <a:pt x="4209857" y="12211"/>
-                  <a:pt x="4314436" y="0"/>
-                </a:cubicBezTo>
-                <a:cubicBezTo>
-                  <a:pt x="4419015" y="-12211"/>
-                  <a:pt x="4762459" y="-17220"/>
-                  <a:pt x="5209885" y="0"/>
-                </a:cubicBezTo>
-                <a:cubicBezTo>
-                  <a:pt x="5657311" y="17220"/>
-                  <a:pt x="5692663" y="-3290"/>
-                  <a:pt x="6105335" y="0"/>
-                </a:cubicBezTo>
-                <a:cubicBezTo>
-                  <a:pt x="6518007" y="3290"/>
-                  <a:pt x="6455516" y="-5124"/>
-                  <a:pt x="6783705" y="0"/>
-                </a:cubicBezTo>
-                <a:cubicBezTo>
-                  <a:pt x="7111894" y="5124"/>
-                  <a:pt x="7441941" y="-17829"/>
-                  <a:pt x="7679154" y="0"/>
-                </a:cubicBezTo>
-                <a:cubicBezTo>
-                  <a:pt x="7916367" y="17829"/>
-                  <a:pt x="8102967" y="-24363"/>
-                  <a:pt x="8248985" y="0"/>
-                </a:cubicBezTo>
-                <a:cubicBezTo>
-                  <a:pt x="8395003" y="24363"/>
-                  <a:pt x="8552393" y="25505"/>
-                  <a:pt x="8818817" y="0"/>
-                </a:cubicBezTo>
-                <a:cubicBezTo>
-                  <a:pt x="9085241" y="-25505"/>
-                  <a:pt x="9411308" y="38000"/>
-                  <a:pt x="9605726" y="0"/>
-                </a:cubicBezTo>
-                <a:cubicBezTo>
-                  <a:pt x="9800144" y="-38000"/>
-                  <a:pt x="10006468" y="-25741"/>
-                  <a:pt x="10175558" y="0"/>
-                </a:cubicBezTo>
-                <a:cubicBezTo>
-                  <a:pt x="10344648" y="25741"/>
-                  <a:pt x="10696282" y="695"/>
-                  <a:pt x="10853928" y="0"/>
-                </a:cubicBezTo>
-                <a:cubicBezTo>
-                  <a:pt x="10853521" y="8690"/>
-                  <a:pt x="10853774" y="14141"/>
-                  <a:pt x="10853928" y="18288"/>
-                </a:cubicBezTo>
-                <a:cubicBezTo>
-                  <a:pt x="10608124" y="24255"/>
-                  <a:pt x="10343415" y="22307"/>
-                  <a:pt x="10067018" y="18288"/>
-                </a:cubicBezTo>
-                <a:cubicBezTo>
-                  <a:pt x="9790621" y="14270"/>
-                  <a:pt x="9843266" y="3564"/>
-                  <a:pt x="9714266" y="18288"/>
-                </a:cubicBezTo>
-                <a:cubicBezTo>
-                  <a:pt x="9585266" y="33012"/>
-                  <a:pt x="9379484" y="1875"/>
-                  <a:pt x="9252974" y="18288"/>
-                </a:cubicBezTo>
-                <a:cubicBezTo>
-                  <a:pt x="9126464" y="34701"/>
-                  <a:pt x="8580678" y="-4904"/>
-                  <a:pt x="8357525" y="18288"/>
-                </a:cubicBezTo>
-                <a:cubicBezTo>
-                  <a:pt x="8134372" y="41480"/>
-                  <a:pt x="7903199" y="26458"/>
-                  <a:pt x="7679154" y="18288"/>
-                </a:cubicBezTo>
-                <a:cubicBezTo>
-                  <a:pt x="7455109" y="10118"/>
-                  <a:pt x="7435944" y="27109"/>
-                  <a:pt x="7217862" y="18288"/>
-                </a:cubicBezTo>
-                <a:cubicBezTo>
-                  <a:pt x="6999780" y="9467"/>
-                  <a:pt x="6680409" y="18985"/>
-                  <a:pt x="6539492" y="18288"/>
-                </a:cubicBezTo>
-                <a:cubicBezTo>
-                  <a:pt x="6398575" y="17592"/>
-                  <a:pt x="6312077" y="33018"/>
-                  <a:pt x="6186739" y="18288"/>
-                </a:cubicBezTo>
-                <a:cubicBezTo>
-                  <a:pt x="6061401" y="3558"/>
-                  <a:pt x="5947033" y="12075"/>
-                  <a:pt x="5833986" y="18288"/>
-                </a:cubicBezTo>
-                <a:cubicBezTo>
-                  <a:pt x="5720939" y="24501"/>
-                  <a:pt x="5482226" y="8586"/>
-                  <a:pt x="5155616" y="18288"/>
-                </a:cubicBezTo>
-                <a:cubicBezTo>
-                  <a:pt x="4829006" y="27991"/>
-                  <a:pt x="4841274" y="29316"/>
-                  <a:pt x="4694324" y="18288"/>
-                </a:cubicBezTo>
-                <a:cubicBezTo>
-                  <a:pt x="4547374" y="7260"/>
-                  <a:pt x="4077675" y="7013"/>
-                  <a:pt x="3907414" y="18288"/>
-                </a:cubicBezTo>
-                <a:cubicBezTo>
-                  <a:pt x="3737153" y="29564"/>
-                  <a:pt x="3538393" y="21630"/>
-                  <a:pt x="3446122" y="18288"/>
-                </a:cubicBezTo>
-                <a:cubicBezTo>
-                  <a:pt x="3353851" y="14946"/>
-                  <a:pt x="2990320" y="-8091"/>
-                  <a:pt x="2659212" y="18288"/>
-                </a:cubicBezTo>
-                <a:cubicBezTo>
-                  <a:pt x="2328104" y="44667"/>
-                  <a:pt x="2427653" y="9607"/>
-                  <a:pt x="2306460" y="18288"/>
-                </a:cubicBezTo>
-                <a:cubicBezTo>
-                  <a:pt x="2185267" y="26969"/>
-                  <a:pt x="1719763" y="3717"/>
-                  <a:pt x="1519550" y="18288"/>
-                </a:cubicBezTo>
-                <a:cubicBezTo>
-                  <a:pt x="1319337" y="32860"/>
-                  <a:pt x="1167371" y="17040"/>
-                  <a:pt x="1058258" y="18288"/>
-                </a:cubicBezTo>
-                <a:cubicBezTo>
-                  <a:pt x="949145" y="19536"/>
-                  <a:pt x="780234" y="31447"/>
-                  <a:pt x="705505" y="18288"/>
-                </a:cubicBezTo>
-                <a:cubicBezTo>
-                  <a:pt x="630776" y="5129"/>
-                  <a:pt x="215796" y="30056"/>
-                  <a:pt x="0" y="18288"/>
-                </a:cubicBezTo>
-                <a:cubicBezTo>
-                  <a:pt x="-53" y="11301"/>
-                  <a:pt x="-649" y="7756"/>
-                  <a:pt x="0" y="0"/>
-                </a:cubicBezTo>
-                <a:close/>
-              </a:path>
-            </a:pathLst>
-          </a:custGeom>
-          <a:solidFill>
-            <a:schemeClr val="accent2"/>
-          </a:solidFill>
-          <a:ln w="41275" cap="rnd">
-            <a:solidFill>
-              <a:schemeClr val="accent2"/>
-            </a:solidFill>
-            <a:round/>
-            <a:extLst>
-              <a:ext uri="{C807C97D-BFC1-408E-A445-0C87EB9F89A2}">
-                <ask:lineSketchStyleProps xmlns:ask="http://schemas.microsoft.com/office/drawing/2018/sketchyshapes" sd="1219033472">
-                  <a:prstGeom prst="rect">
-                    <a:avLst/>
-                  </a:prstGeom>
-                  <ask:type>
-                    <ask:lineSketchFreehand/>
-                  </ask:type>
-                </ask:lineSketchStyleProps>
-              </a:ext>
-            </a:extLst>
-          </a:ln>
-        </p:spPr>
-        <p:style>
-          <a:lnRef idx="2">
-            <a:schemeClr val="accent1">
-              <a:shade val="50000"/>
-            </a:schemeClr>
-          </a:lnRef>
-          <a:fillRef idx="1">
-            <a:schemeClr val="accent1"/>
-          </a:fillRef>
-          <a:effectRef idx="0">
-            <a:schemeClr val="accent1"/>
-          </a:effectRef>
-          <a:fontRef idx="minor">
-            <a:schemeClr val="lt1"/>
-          </a:fontRef>
-        </p:style>
-        <p:txBody>
-          <a:bodyPr rtlCol="0" anchor="ctr"/>
-          <a:lstStyle/>
-          <a:p>
-            <a:pPr algn="ctr"/>
-            <a:endParaRPr lang="en-US"/>
-          </a:p>
-        </p:txBody>
-      </p:sp>
-      <p:sp>
-        <p:nvSpPr>
-          <p:cNvPr id="3" name="Content Placeholder 2">
-            <a:extLst>
-              <a:ext uri="{FF2B5EF4-FFF2-40B4-BE49-F238E27FC236}">
-                <a16:creationId xmlns:a16="http://schemas.microsoft.com/office/drawing/2014/main" id="{EFCA95B8-C627-F183-42FC-E37C168A8FE5}"/>
-              </a:ext>
-            </a:extLst>
-          </p:cNvPr>
-          <p:cNvSpPr>
-            <a:spLocks noGrp="1"/>
-          </p:cNvSpPr>
-          <p:nvPr>
-            <p:ph idx="1"/>
-          </p:nvPr>
-        </p:nvSpPr>
-        <p:spPr>
-          <a:xfrm>
-            <a:off x="838200" y="1929384"/>
-            <a:ext cx="10515600" cy="4251960"/>
-          </a:xfrm>
-        </p:spPr>
-        <p:txBody>
-          <a:bodyPr>
-            <a:normAutofit/>
-          </a:bodyPr>
-          <a:lstStyle/>
-          <a:p>
-            <a:endParaRPr lang="en-US" sz="2200"/>
-          </a:p>
-        </p:txBody>
-      </p:sp>
+      </p:pic>
     </p:spTree>
     <p:extLst>
       <p:ext uri="{BB962C8B-B14F-4D97-AF65-F5344CB8AC3E}">
@@ -16663,10 +16027,10 @@
       </p:grpSpPr>
       <p:sp useBgFill="1">
         <p:nvSpPr>
-          <p:cNvPr id="8" name="Rectangle 7">
+          <p:cNvPr id="22" name="Rectangle 21">
             <a:extLst>
               <a:ext uri="{FF2B5EF4-FFF2-40B4-BE49-F238E27FC236}">
-                <a16:creationId xmlns:a16="http://schemas.microsoft.com/office/drawing/2014/main" id="{100EDD19-6802-4EC3-95CE-CFFAB042CFD6}"/>
+                <a16:creationId xmlns:a16="http://schemas.microsoft.com/office/drawing/2014/main" id="{2B97F24A-32CE-4C1C-A50D-3016B394DCFB}"/>
               </a:ext>
               <a:ext uri="{C183D7F6-B498-43B3-948B-1728B52AA6E4}">
                 <adec:decorative xmlns:adec="http://schemas.microsoft.com/office/drawing/2017/decorative" val="1"/>
@@ -16687,7 +16051,7 @@
         <p:spPr>
           <a:xfrm>
             <a:off x="0" y="0"/>
-            <a:ext cx="12188952" cy="6858000"/>
+            <a:ext cx="12192000" cy="6858000"/>
           </a:xfrm>
           <a:prstGeom prst="rect">
             <a:avLst/>
@@ -16739,29 +16103,29 @@
         </p:nvSpPr>
         <p:spPr>
           <a:xfrm>
-            <a:off x="838200" y="365125"/>
-            <a:ext cx="10515600" cy="1325563"/>
+            <a:off x="630936" y="639520"/>
+            <a:ext cx="3429000" cy="1719072"/>
           </a:xfrm>
         </p:spPr>
         <p:txBody>
-          <a:bodyPr>
+          <a:bodyPr anchor="b">
             <a:normAutofit/>
           </a:bodyPr>
           <a:lstStyle/>
           <a:p>
             <a:r>
-              <a:rPr lang="en-US" sz="5400"/>
-              <a:t>Approach – PCB Assembly</a:t>
+              <a:rPr lang="en-US" sz="5000"/>
+              <a:t>Approach – PCB Design</a:t>
             </a:r>
           </a:p>
         </p:txBody>
       </p:sp>
       <p:sp>
         <p:nvSpPr>
-          <p:cNvPr id="10" name="sketch line">
+          <p:cNvPr id="24" name="sketch line">
             <a:extLst>
               <a:ext uri="{FF2B5EF4-FFF2-40B4-BE49-F238E27FC236}">
-                <a16:creationId xmlns:a16="http://schemas.microsoft.com/office/drawing/2014/main" id="{DB17E863-922E-4C26-BD64-E8FD41D28661}"/>
+                <a16:creationId xmlns:a16="http://schemas.microsoft.com/office/drawing/2014/main" id="{CD8B4F24-440B-49E9-B85D-733523DC064B}"/>
               </a:ext>
               <a:ext uri="{C183D7F6-B498-43B3-948B-1728B52AA6E4}">
                 <adec:decorative xmlns:adec="http://schemas.microsoft.com/office/drawing/2017/decorative" val="1"/>
@@ -16781,84 +16145,36 @@
         </p:nvSpPr>
         <p:spPr>
           <a:xfrm>
-            <a:off x="669036" y="1677373"/>
-            <a:ext cx="10853928" cy="18288"/>
+            <a:off x="643278" y="2573756"/>
+            <a:ext cx="3255095" cy="18288"/>
           </a:xfrm>
           <a:custGeom>
             <a:avLst/>
             <a:gdLst>
-              <a:gd name="connsiteX0" fmla="*/ 0 w 10853928"/>
+              <a:gd name="connsiteX0" fmla="*/ 0 w 3255095"/>
               <a:gd name="connsiteY0" fmla="*/ 0 h 18288"/>
-              <a:gd name="connsiteX1" fmla="*/ 461292 w 10853928"/>
+              <a:gd name="connsiteX1" fmla="*/ 618468 w 3255095"/>
               <a:gd name="connsiteY1" fmla="*/ 0 h 18288"/>
-              <a:gd name="connsiteX2" fmla="*/ 1139662 w 10853928"/>
+              <a:gd name="connsiteX2" fmla="*/ 1269487 w 3255095"/>
               <a:gd name="connsiteY2" fmla="*/ 0 h 18288"/>
-              <a:gd name="connsiteX3" fmla="*/ 1926572 w 10853928"/>
+              <a:gd name="connsiteX3" fmla="*/ 1953057 w 3255095"/>
               <a:gd name="connsiteY3" fmla="*/ 0 h 18288"/>
-              <a:gd name="connsiteX4" fmla="*/ 2279325 w 10853928"/>
+              <a:gd name="connsiteX4" fmla="*/ 2636627 w 3255095"/>
               <a:gd name="connsiteY4" fmla="*/ 0 h 18288"/>
-              <a:gd name="connsiteX5" fmla="*/ 2632078 w 10853928"/>
+              <a:gd name="connsiteX5" fmla="*/ 3255095 w 3255095"/>
               <a:gd name="connsiteY5" fmla="*/ 0 h 18288"/>
-              <a:gd name="connsiteX6" fmla="*/ 3527527 w 10853928"/>
-              <a:gd name="connsiteY6" fmla="*/ 0 h 18288"/>
-              <a:gd name="connsiteX7" fmla="*/ 4205897 w 10853928"/>
-              <a:gd name="connsiteY7" fmla="*/ 0 h 18288"/>
-              <a:gd name="connsiteX8" fmla="*/ 4558650 w 10853928"/>
-              <a:gd name="connsiteY8" fmla="*/ 0 h 18288"/>
-              <a:gd name="connsiteX9" fmla="*/ 5237020 w 10853928"/>
-              <a:gd name="connsiteY9" fmla="*/ 0 h 18288"/>
-              <a:gd name="connsiteX10" fmla="*/ 6132469 w 10853928"/>
-              <a:gd name="connsiteY10" fmla="*/ 0 h 18288"/>
-              <a:gd name="connsiteX11" fmla="*/ 6702301 w 10853928"/>
+              <a:gd name="connsiteX6" fmla="*/ 3255095 w 3255095"/>
+              <a:gd name="connsiteY6" fmla="*/ 18288 h 18288"/>
+              <a:gd name="connsiteX7" fmla="*/ 2538974 w 3255095"/>
+              <a:gd name="connsiteY7" fmla="*/ 18288 h 18288"/>
+              <a:gd name="connsiteX8" fmla="*/ 1822853 w 3255095"/>
+              <a:gd name="connsiteY8" fmla="*/ 18288 h 18288"/>
+              <a:gd name="connsiteX9" fmla="*/ 1171834 w 3255095"/>
+              <a:gd name="connsiteY9" fmla="*/ 18288 h 18288"/>
+              <a:gd name="connsiteX10" fmla="*/ 0 w 3255095"/>
+              <a:gd name="connsiteY10" fmla="*/ 18288 h 18288"/>
+              <a:gd name="connsiteX11" fmla="*/ 0 w 3255095"/>
               <a:gd name="connsiteY11" fmla="*/ 0 h 18288"/>
-              <a:gd name="connsiteX12" fmla="*/ 7272132 w 10853928"/>
-              <a:gd name="connsiteY12" fmla="*/ 0 h 18288"/>
-              <a:gd name="connsiteX13" fmla="*/ 7950502 w 10853928"/>
-              <a:gd name="connsiteY13" fmla="*/ 0 h 18288"/>
-              <a:gd name="connsiteX14" fmla="*/ 8737412 w 10853928"/>
-              <a:gd name="connsiteY14" fmla="*/ 0 h 18288"/>
-              <a:gd name="connsiteX15" fmla="*/ 9524322 w 10853928"/>
-              <a:gd name="connsiteY15" fmla="*/ 0 h 18288"/>
-              <a:gd name="connsiteX16" fmla="*/ 10853928 w 10853928"/>
-              <a:gd name="connsiteY16" fmla="*/ 0 h 18288"/>
-              <a:gd name="connsiteX17" fmla="*/ 10853928 w 10853928"/>
-              <a:gd name="connsiteY17" fmla="*/ 18288 h 18288"/>
-              <a:gd name="connsiteX18" fmla="*/ 10392636 w 10853928"/>
-              <a:gd name="connsiteY18" fmla="*/ 18288 h 18288"/>
-              <a:gd name="connsiteX19" fmla="*/ 9497187 w 10853928"/>
-              <a:gd name="connsiteY19" fmla="*/ 18288 h 18288"/>
-              <a:gd name="connsiteX20" fmla="*/ 8818817 w 10853928"/>
-              <a:gd name="connsiteY20" fmla="*/ 18288 h 18288"/>
-              <a:gd name="connsiteX21" fmla="*/ 8466064 w 10853928"/>
-              <a:gd name="connsiteY21" fmla="*/ 18288 h 18288"/>
-              <a:gd name="connsiteX22" fmla="*/ 7787693 w 10853928"/>
-              <a:gd name="connsiteY22" fmla="*/ 18288 h 18288"/>
-              <a:gd name="connsiteX23" fmla="*/ 7217862 w 10853928"/>
-              <a:gd name="connsiteY23" fmla="*/ 18288 h 18288"/>
-              <a:gd name="connsiteX24" fmla="*/ 6648031 w 10853928"/>
-              <a:gd name="connsiteY24" fmla="*/ 18288 h 18288"/>
-              <a:gd name="connsiteX25" fmla="*/ 6078200 w 10853928"/>
-              <a:gd name="connsiteY25" fmla="*/ 18288 h 18288"/>
-              <a:gd name="connsiteX26" fmla="*/ 5508368 w 10853928"/>
-              <a:gd name="connsiteY26" fmla="*/ 18288 h 18288"/>
-              <a:gd name="connsiteX27" fmla="*/ 4721459 w 10853928"/>
-              <a:gd name="connsiteY27" fmla="*/ 18288 h 18288"/>
-              <a:gd name="connsiteX28" fmla="*/ 4043088 w 10853928"/>
-              <a:gd name="connsiteY28" fmla="*/ 18288 h 18288"/>
-              <a:gd name="connsiteX29" fmla="*/ 3690336 w 10853928"/>
-              <a:gd name="connsiteY29" fmla="*/ 18288 h 18288"/>
-              <a:gd name="connsiteX30" fmla="*/ 3120504 w 10853928"/>
-              <a:gd name="connsiteY30" fmla="*/ 18288 h 18288"/>
-              <a:gd name="connsiteX31" fmla="*/ 2333595 w 10853928"/>
-              <a:gd name="connsiteY31" fmla="*/ 18288 h 18288"/>
-              <a:gd name="connsiteX32" fmla="*/ 1872303 w 10853928"/>
-              <a:gd name="connsiteY32" fmla="*/ 18288 h 18288"/>
-              <a:gd name="connsiteX33" fmla="*/ 976854 w 10853928"/>
-              <a:gd name="connsiteY33" fmla="*/ 18288 h 18288"/>
-              <a:gd name="connsiteX34" fmla="*/ 0 w 10853928"/>
-              <a:gd name="connsiteY34" fmla="*/ 18288 h 18288"/>
-              <a:gd name="connsiteX35" fmla="*/ 0 w 10853928"/>
-              <a:gd name="connsiteY35" fmla="*/ 0 h 18288"/>
             </a:gdLst>
             <a:ahLst/>
             <a:cxnLst>
@@ -16898,449 +16214,132 @@
               <a:cxn ang="0">
                 <a:pos x="connsiteX11" y="connsiteY11"/>
               </a:cxn>
-              <a:cxn ang="0">
-                <a:pos x="connsiteX12" y="connsiteY12"/>
-              </a:cxn>
-              <a:cxn ang="0">
-                <a:pos x="connsiteX13" y="connsiteY13"/>
-              </a:cxn>
-              <a:cxn ang="0">
-                <a:pos x="connsiteX14" y="connsiteY14"/>
-              </a:cxn>
-              <a:cxn ang="0">
-                <a:pos x="connsiteX15" y="connsiteY15"/>
-              </a:cxn>
-              <a:cxn ang="0">
-                <a:pos x="connsiteX16" y="connsiteY16"/>
-              </a:cxn>
-              <a:cxn ang="0">
-                <a:pos x="connsiteX17" y="connsiteY17"/>
-              </a:cxn>
-              <a:cxn ang="0">
-                <a:pos x="connsiteX18" y="connsiteY18"/>
-              </a:cxn>
-              <a:cxn ang="0">
-                <a:pos x="connsiteX19" y="connsiteY19"/>
-              </a:cxn>
-              <a:cxn ang="0">
-                <a:pos x="connsiteX20" y="connsiteY20"/>
-              </a:cxn>
-              <a:cxn ang="0">
-                <a:pos x="connsiteX21" y="connsiteY21"/>
-              </a:cxn>
-              <a:cxn ang="0">
-                <a:pos x="connsiteX22" y="connsiteY22"/>
-              </a:cxn>
-              <a:cxn ang="0">
-                <a:pos x="connsiteX23" y="connsiteY23"/>
-              </a:cxn>
-              <a:cxn ang="0">
-                <a:pos x="connsiteX24" y="connsiteY24"/>
-              </a:cxn>
-              <a:cxn ang="0">
-                <a:pos x="connsiteX25" y="connsiteY25"/>
-              </a:cxn>
-              <a:cxn ang="0">
-                <a:pos x="connsiteX26" y="connsiteY26"/>
-              </a:cxn>
-              <a:cxn ang="0">
-                <a:pos x="connsiteX27" y="connsiteY27"/>
-              </a:cxn>
-              <a:cxn ang="0">
-                <a:pos x="connsiteX28" y="connsiteY28"/>
-              </a:cxn>
-              <a:cxn ang="0">
-                <a:pos x="connsiteX29" y="connsiteY29"/>
-              </a:cxn>
-              <a:cxn ang="0">
-                <a:pos x="connsiteX30" y="connsiteY30"/>
-              </a:cxn>
-              <a:cxn ang="0">
-                <a:pos x="connsiteX31" y="connsiteY31"/>
-              </a:cxn>
-              <a:cxn ang="0">
-                <a:pos x="connsiteX32" y="connsiteY32"/>
-              </a:cxn>
-              <a:cxn ang="0">
-                <a:pos x="connsiteX33" y="connsiteY33"/>
-              </a:cxn>
-              <a:cxn ang="0">
-                <a:pos x="connsiteX34" y="connsiteY34"/>
-              </a:cxn>
-              <a:cxn ang="0">
-                <a:pos x="connsiteX35" y="connsiteY35"/>
-              </a:cxn>
             </a:cxnLst>
             <a:rect l="l" t="t" r="r" b="b"/>
             <a:pathLst>
-              <a:path w="10853928" h="18288" fill="none" extrusionOk="0">
+              <a:path w="3255095" h="18288" fill="none" extrusionOk="0">
                 <a:moveTo>
                   <a:pt x="0" y="0"/>
                 </a:moveTo>
                 <a:cubicBezTo>
-                  <a:pt x="146993" y="-19076"/>
-                  <a:pt x="347684" y="-4790"/>
-                  <a:pt x="461292" y="0"/>
-                </a:cubicBezTo>
-                <a:cubicBezTo>
-                  <a:pt x="574900" y="4790"/>
-                  <a:pt x="808367" y="19821"/>
-                  <a:pt x="1139662" y="0"/>
-                </a:cubicBezTo>
-                <a:cubicBezTo>
-                  <a:pt x="1470957" y="-19821"/>
-                  <a:pt x="1627405" y="5721"/>
-                  <a:pt x="1926572" y="0"/>
-                </a:cubicBezTo>
-                <a:cubicBezTo>
-                  <a:pt x="2225739" y="-5721"/>
-                  <a:pt x="2137730" y="-3235"/>
-                  <a:pt x="2279325" y="0"/>
-                </a:cubicBezTo>
-                <a:cubicBezTo>
-                  <a:pt x="2420920" y="3235"/>
-                  <a:pt x="2456518" y="9685"/>
-                  <a:pt x="2632078" y="0"/>
-                </a:cubicBezTo>
-                <a:cubicBezTo>
-                  <a:pt x="2807638" y="-9685"/>
-                  <a:pt x="3211516" y="-43007"/>
-                  <a:pt x="3527527" y="0"/>
-                </a:cubicBezTo>
-                <a:cubicBezTo>
-                  <a:pt x="3843538" y="43007"/>
-                  <a:pt x="4058833" y="22042"/>
-                  <a:pt x="4205897" y="0"/>
-                </a:cubicBezTo>
-                <a:cubicBezTo>
-                  <a:pt x="4352961" y="-22042"/>
-                  <a:pt x="4474805" y="-11846"/>
-                  <a:pt x="4558650" y="0"/>
-                </a:cubicBezTo>
-                <a:cubicBezTo>
-                  <a:pt x="4642495" y="11846"/>
-                  <a:pt x="5041928" y="-6069"/>
-                  <a:pt x="5237020" y="0"/>
-                </a:cubicBezTo>
-                <a:cubicBezTo>
-                  <a:pt x="5432112" y="6069"/>
-                  <a:pt x="5943266" y="-17479"/>
-                  <a:pt x="6132469" y="0"/>
-                </a:cubicBezTo>
-                <a:cubicBezTo>
-                  <a:pt x="6321672" y="17479"/>
-                  <a:pt x="6483872" y="26234"/>
-                  <a:pt x="6702301" y="0"/>
-                </a:cubicBezTo>
-                <a:cubicBezTo>
-                  <a:pt x="6920730" y="-26234"/>
-                  <a:pt x="6991194" y="-15156"/>
-                  <a:pt x="7272132" y="0"/>
-                </a:cubicBezTo>
-                <a:cubicBezTo>
-                  <a:pt x="7553070" y="15156"/>
-                  <a:pt x="7684444" y="-32961"/>
-                  <a:pt x="7950502" y="0"/>
-                </a:cubicBezTo>
-                <a:cubicBezTo>
-                  <a:pt x="8216560" y="32961"/>
-                  <a:pt x="8493290" y="-10491"/>
-                  <a:pt x="8737412" y="0"/>
-                </a:cubicBezTo>
-                <a:cubicBezTo>
-                  <a:pt x="8981534" y="10491"/>
-                  <a:pt x="9191586" y="-13899"/>
-                  <a:pt x="9524322" y="0"/>
-                </a:cubicBezTo>
-                <a:cubicBezTo>
-                  <a:pt x="9857058" y="13899"/>
-                  <a:pt x="10297509" y="7485"/>
-                  <a:pt x="10853928" y="0"/>
-                </a:cubicBezTo>
-                <a:cubicBezTo>
-                  <a:pt x="10854574" y="4451"/>
-                  <a:pt x="10854418" y="9226"/>
-                  <a:pt x="10853928" y="18288"/>
-                </a:cubicBezTo>
-                <a:cubicBezTo>
-                  <a:pt x="10691638" y="28522"/>
-                  <a:pt x="10574319" y="29578"/>
-                  <a:pt x="10392636" y="18288"/>
-                </a:cubicBezTo>
-                <a:cubicBezTo>
-                  <a:pt x="10210953" y="6998"/>
-                  <a:pt x="9836277" y="-16742"/>
-                  <a:pt x="9497187" y="18288"/>
-                </a:cubicBezTo>
-                <a:cubicBezTo>
-                  <a:pt x="9158097" y="53318"/>
-                  <a:pt x="9119479" y="30714"/>
-                  <a:pt x="8818817" y="18288"/>
-                </a:cubicBezTo>
-                <a:cubicBezTo>
-                  <a:pt x="8518155" y="5863"/>
-                  <a:pt x="8640037" y="6483"/>
-                  <a:pt x="8466064" y="18288"/>
-                </a:cubicBezTo>
-                <a:cubicBezTo>
-                  <a:pt x="8292091" y="30093"/>
-                  <a:pt x="7997656" y="18914"/>
-                  <a:pt x="7787693" y="18288"/>
-                </a:cubicBezTo>
-                <a:cubicBezTo>
-                  <a:pt x="7577730" y="17662"/>
-                  <a:pt x="7412468" y="21416"/>
-                  <a:pt x="7217862" y="18288"/>
-                </a:cubicBezTo>
-                <a:cubicBezTo>
-                  <a:pt x="7023256" y="15160"/>
-                  <a:pt x="6898018" y="14824"/>
-                  <a:pt x="6648031" y="18288"/>
-                </a:cubicBezTo>
-                <a:cubicBezTo>
-                  <a:pt x="6398044" y="21752"/>
-                  <a:pt x="6254402" y="38625"/>
-                  <a:pt x="6078200" y="18288"/>
-                </a:cubicBezTo>
-                <a:cubicBezTo>
-                  <a:pt x="5901998" y="-2049"/>
-                  <a:pt x="5622886" y="3213"/>
-                  <a:pt x="5508368" y="18288"/>
-                </a:cubicBezTo>
-                <a:cubicBezTo>
-                  <a:pt x="5393850" y="33363"/>
-                  <a:pt x="5036260" y="26830"/>
-                  <a:pt x="4721459" y="18288"/>
-                </a:cubicBezTo>
-                <a:cubicBezTo>
-                  <a:pt x="4406658" y="9746"/>
-                  <a:pt x="4239221" y="41551"/>
-                  <a:pt x="4043088" y="18288"/>
-                </a:cubicBezTo>
-                <a:cubicBezTo>
-                  <a:pt x="3846955" y="-4975"/>
-                  <a:pt x="3818802" y="34658"/>
-                  <a:pt x="3690336" y="18288"/>
-                </a:cubicBezTo>
-                <a:cubicBezTo>
-                  <a:pt x="3561870" y="1918"/>
-                  <a:pt x="3265491" y="42194"/>
-                  <a:pt x="3120504" y="18288"/>
-                </a:cubicBezTo>
-                <a:cubicBezTo>
-                  <a:pt x="2975517" y="-5618"/>
-                  <a:pt x="2720254" y="36673"/>
-                  <a:pt x="2333595" y="18288"/>
-                </a:cubicBezTo>
-                <a:cubicBezTo>
-                  <a:pt x="1946936" y="-97"/>
-                  <a:pt x="2097241" y="5776"/>
-                  <a:pt x="1872303" y="18288"/>
-                </a:cubicBezTo>
-                <a:cubicBezTo>
-                  <a:pt x="1647365" y="30800"/>
-                  <a:pt x="1282708" y="45380"/>
-                  <a:pt x="976854" y="18288"/>
-                </a:cubicBezTo>
-                <a:cubicBezTo>
-                  <a:pt x="671000" y="-8804"/>
-                  <a:pt x="408401" y="-12775"/>
+                  <a:pt x="240201" y="-22123"/>
+                  <a:pt x="462021" y="-19623"/>
+                  <a:pt x="618468" y="0"/>
+                </a:cubicBezTo>
+                <a:cubicBezTo>
+                  <a:pt x="774915" y="19623"/>
+                  <a:pt x="974734" y="2035"/>
+                  <a:pt x="1269487" y="0"/>
+                </a:cubicBezTo>
+                <a:cubicBezTo>
+                  <a:pt x="1564240" y="-2035"/>
+                  <a:pt x="1733579" y="10639"/>
+                  <a:pt x="1953057" y="0"/>
+                </a:cubicBezTo>
+                <a:cubicBezTo>
+                  <a:pt x="2172535" y="-10639"/>
+                  <a:pt x="2453962" y="14018"/>
+                  <a:pt x="2636627" y="0"/>
+                </a:cubicBezTo>
+                <a:cubicBezTo>
+                  <a:pt x="2819292" y="-14018"/>
+                  <a:pt x="3121375" y="5399"/>
+                  <a:pt x="3255095" y="0"/>
+                </a:cubicBezTo>
+                <a:cubicBezTo>
+                  <a:pt x="3254386" y="8157"/>
+                  <a:pt x="3254682" y="12125"/>
+                  <a:pt x="3255095" y="18288"/>
+                </a:cubicBezTo>
+                <a:cubicBezTo>
+                  <a:pt x="3088545" y="23203"/>
+                  <a:pt x="2687475" y="7419"/>
+                  <a:pt x="2538974" y="18288"/>
+                </a:cubicBezTo>
+                <a:cubicBezTo>
+                  <a:pt x="2390473" y="29157"/>
+                  <a:pt x="2137381" y="-8959"/>
+                  <a:pt x="1822853" y="18288"/>
+                </a:cubicBezTo>
+                <a:cubicBezTo>
+                  <a:pt x="1508325" y="45535"/>
+                  <a:pt x="1466437" y="20385"/>
+                  <a:pt x="1171834" y="18288"/>
+                </a:cubicBezTo>
+                <a:cubicBezTo>
+                  <a:pt x="877231" y="16191"/>
+                  <a:pt x="561097" y="37643"/>
                   <a:pt x="0" y="18288"/>
                 </a:cubicBezTo>
                 <a:cubicBezTo>
-                  <a:pt x="-213" y="9468"/>
-                  <a:pt x="187" y="4459"/>
+                  <a:pt x="-46" y="12483"/>
+                  <a:pt x="-203" y="6491"/>
                   <a:pt x="0" y="0"/>
                 </a:cubicBezTo>
                 <a:close/>
               </a:path>
-              <a:path w="10853928" h="18288" stroke="0" extrusionOk="0">
+              <a:path w="3255095" h="18288" stroke="0" extrusionOk="0">
                 <a:moveTo>
                   <a:pt x="0" y="0"/>
                 </a:moveTo>
                 <a:cubicBezTo>
-                  <a:pt x="267322" y="15284"/>
-                  <a:pt x="415388" y="-21048"/>
-                  <a:pt x="569831" y="0"/>
-                </a:cubicBezTo>
-                <a:cubicBezTo>
-                  <a:pt x="724274" y="21048"/>
-                  <a:pt x="769333" y="-2353"/>
-                  <a:pt x="922584" y="0"/>
-                </a:cubicBezTo>
-                <a:cubicBezTo>
-                  <a:pt x="1075835" y="2353"/>
-                  <a:pt x="1399490" y="-145"/>
-                  <a:pt x="1818033" y="0"/>
-                </a:cubicBezTo>
-                <a:cubicBezTo>
-                  <a:pt x="2236576" y="145"/>
-                  <a:pt x="2145330" y="5482"/>
-                  <a:pt x="2387864" y="0"/>
-                </a:cubicBezTo>
-                <a:cubicBezTo>
-                  <a:pt x="2630398" y="-5482"/>
-                  <a:pt x="2793207" y="18487"/>
-                  <a:pt x="2957695" y="0"/>
-                </a:cubicBezTo>
-                <a:cubicBezTo>
-                  <a:pt x="3122183" y="-18487"/>
-                  <a:pt x="3579141" y="19003"/>
-                  <a:pt x="3853144" y="0"/>
-                </a:cubicBezTo>
-                <a:cubicBezTo>
-                  <a:pt x="4127147" y="-19003"/>
-                  <a:pt x="4209857" y="12211"/>
-                  <a:pt x="4314436" y="0"/>
-                </a:cubicBezTo>
-                <a:cubicBezTo>
-                  <a:pt x="4419015" y="-12211"/>
-                  <a:pt x="4762459" y="-17220"/>
-                  <a:pt x="5209885" y="0"/>
-                </a:cubicBezTo>
-                <a:cubicBezTo>
-                  <a:pt x="5657311" y="17220"/>
-                  <a:pt x="5692663" y="-3290"/>
-                  <a:pt x="6105335" y="0"/>
-                </a:cubicBezTo>
-                <a:cubicBezTo>
-                  <a:pt x="6518007" y="3290"/>
-                  <a:pt x="6455516" y="-5124"/>
-                  <a:pt x="6783705" y="0"/>
-                </a:cubicBezTo>
-                <a:cubicBezTo>
-                  <a:pt x="7111894" y="5124"/>
-                  <a:pt x="7441941" y="-17829"/>
-                  <a:pt x="7679154" y="0"/>
-                </a:cubicBezTo>
-                <a:cubicBezTo>
-                  <a:pt x="7916367" y="17829"/>
-                  <a:pt x="8102967" y="-24363"/>
-                  <a:pt x="8248985" y="0"/>
-                </a:cubicBezTo>
-                <a:cubicBezTo>
-                  <a:pt x="8395003" y="24363"/>
-                  <a:pt x="8552393" y="25505"/>
-                  <a:pt x="8818817" y="0"/>
-                </a:cubicBezTo>
-                <a:cubicBezTo>
-                  <a:pt x="9085241" y="-25505"/>
-                  <a:pt x="9411308" y="38000"/>
-                  <a:pt x="9605726" y="0"/>
-                </a:cubicBezTo>
-                <a:cubicBezTo>
-                  <a:pt x="9800144" y="-38000"/>
-                  <a:pt x="10006468" y="-25741"/>
-                  <a:pt x="10175558" y="0"/>
-                </a:cubicBezTo>
-                <a:cubicBezTo>
-                  <a:pt x="10344648" y="25741"/>
-                  <a:pt x="10696282" y="695"/>
-                  <a:pt x="10853928" y="0"/>
-                </a:cubicBezTo>
-                <a:cubicBezTo>
-                  <a:pt x="10853521" y="8690"/>
-                  <a:pt x="10853774" y="14141"/>
-                  <a:pt x="10853928" y="18288"/>
-                </a:cubicBezTo>
-                <a:cubicBezTo>
-                  <a:pt x="10608124" y="24255"/>
-                  <a:pt x="10343415" y="22307"/>
-                  <a:pt x="10067018" y="18288"/>
-                </a:cubicBezTo>
-                <a:cubicBezTo>
-                  <a:pt x="9790621" y="14270"/>
-                  <a:pt x="9843266" y="3564"/>
-                  <a:pt x="9714266" y="18288"/>
-                </a:cubicBezTo>
-                <a:cubicBezTo>
-                  <a:pt x="9585266" y="33012"/>
-                  <a:pt x="9379484" y="1875"/>
-                  <a:pt x="9252974" y="18288"/>
-                </a:cubicBezTo>
-                <a:cubicBezTo>
-                  <a:pt x="9126464" y="34701"/>
-                  <a:pt x="8580678" y="-4904"/>
-                  <a:pt x="8357525" y="18288"/>
-                </a:cubicBezTo>
-                <a:cubicBezTo>
-                  <a:pt x="8134372" y="41480"/>
-                  <a:pt x="7903199" y="26458"/>
-                  <a:pt x="7679154" y="18288"/>
-                </a:cubicBezTo>
-                <a:cubicBezTo>
-                  <a:pt x="7455109" y="10118"/>
-                  <a:pt x="7435944" y="27109"/>
-                  <a:pt x="7217862" y="18288"/>
-                </a:cubicBezTo>
-                <a:cubicBezTo>
-                  <a:pt x="6999780" y="9467"/>
-                  <a:pt x="6680409" y="18985"/>
-                  <a:pt x="6539492" y="18288"/>
-                </a:cubicBezTo>
-                <a:cubicBezTo>
-                  <a:pt x="6398575" y="17592"/>
-                  <a:pt x="6312077" y="33018"/>
-                  <a:pt x="6186739" y="18288"/>
-                </a:cubicBezTo>
-                <a:cubicBezTo>
-                  <a:pt x="6061401" y="3558"/>
-                  <a:pt x="5947033" y="12075"/>
-                  <a:pt x="5833986" y="18288"/>
-                </a:cubicBezTo>
-                <a:cubicBezTo>
-                  <a:pt x="5720939" y="24501"/>
-                  <a:pt x="5482226" y="8586"/>
-                  <a:pt x="5155616" y="18288"/>
-                </a:cubicBezTo>
-                <a:cubicBezTo>
-                  <a:pt x="4829006" y="27991"/>
-                  <a:pt x="4841274" y="29316"/>
-                  <a:pt x="4694324" y="18288"/>
-                </a:cubicBezTo>
-                <a:cubicBezTo>
-                  <a:pt x="4547374" y="7260"/>
-                  <a:pt x="4077675" y="7013"/>
-                  <a:pt x="3907414" y="18288"/>
-                </a:cubicBezTo>
-                <a:cubicBezTo>
-                  <a:pt x="3737153" y="29564"/>
-                  <a:pt x="3538393" y="21630"/>
-                  <a:pt x="3446122" y="18288"/>
-                </a:cubicBezTo>
-                <a:cubicBezTo>
-                  <a:pt x="3353851" y="14946"/>
-                  <a:pt x="2990320" y="-8091"/>
-                  <a:pt x="2659212" y="18288"/>
-                </a:cubicBezTo>
-                <a:cubicBezTo>
-                  <a:pt x="2328104" y="44667"/>
-                  <a:pt x="2427653" y="9607"/>
-                  <a:pt x="2306460" y="18288"/>
-                </a:cubicBezTo>
-                <a:cubicBezTo>
-                  <a:pt x="2185267" y="26969"/>
-                  <a:pt x="1719763" y="3717"/>
-                  <a:pt x="1519550" y="18288"/>
-                </a:cubicBezTo>
-                <a:cubicBezTo>
-                  <a:pt x="1319337" y="32860"/>
-                  <a:pt x="1167371" y="17040"/>
-                  <a:pt x="1058258" y="18288"/>
-                </a:cubicBezTo>
-                <a:cubicBezTo>
-                  <a:pt x="949145" y="19536"/>
-                  <a:pt x="780234" y="31447"/>
-                  <a:pt x="705505" y="18288"/>
-                </a:cubicBezTo>
-                <a:cubicBezTo>
-                  <a:pt x="630776" y="5129"/>
-                  <a:pt x="215796" y="30056"/>
+                  <a:pt x="291965" y="19429"/>
+                  <a:pt x="363155" y="8568"/>
+                  <a:pt x="618468" y="0"/>
+                </a:cubicBezTo>
+                <a:cubicBezTo>
+                  <a:pt x="873781" y="-8568"/>
+                  <a:pt x="904459" y="-19505"/>
+                  <a:pt x="1171834" y="0"/>
+                </a:cubicBezTo>
+                <a:cubicBezTo>
+                  <a:pt x="1439209" y="19505"/>
+                  <a:pt x="1744369" y="9790"/>
+                  <a:pt x="1887955" y="0"/>
+                </a:cubicBezTo>
+                <a:cubicBezTo>
+                  <a:pt x="2031541" y="-9790"/>
+                  <a:pt x="2346378" y="21240"/>
+                  <a:pt x="2506423" y="0"/>
+                </a:cubicBezTo>
+                <a:cubicBezTo>
+                  <a:pt x="2666468" y="-21240"/>
+                  <a:pt x="2990257" y="30414"/>
+                  <a:pt x="3255095" y="0"/>
+                </a:cubicBezTo>
+                <a:cubicBezTo>
+                  <a:pt x="3254831" y="4493"/>
+                  <a:pt x="3255479" y="9472"/>
+                  <a:pt x="3255095" y="18288"/>
+                </a:cubicBezTo>
+                <a:cubicBezTo>
+                  <a:pt x="3120743" y="16690"/>
+                  <a:pt x="2759628" y="42462"/>
+                  <a:pt x="2604076" y="18288"/>
+                </a:cubicBezTo>
+                <a:cubicBezTo>
+                  <a:pt x="2448524" y="-5886"/>
+                  <a:pt x="2184336" y="19599"/>
+                  <a:pt x="1887955" y="18288"/>
+                </a:cubicBezTo>
+                <a:cubicBezTo>
+                  <a:pt x="1591574" y="16977"/>
+                  <a:pt x="1548845" y="6870"/>
+                  <a:pt x="1334589" y="18288"/>
+                </a:cubicBezTo>
+                <a:cubicBezTo>
+                  <a:pt x="1120333" y="29706"/>
+                  <a:pt x="996014" y="9662"/>
+                  <a:pt x="683570" y="18288"/>
+                </a:cubicBezTo>
+                <a:cubicBezTo>
+                  <a:pt x="371126" y="26914"/>
+                  <a:pt x="198687" y="16167"/>
                   <a:pt x="0" y="18288"/>
                 </a:cubicBezTo>
                 <a:cubicBezTo>
-                  <a:pt x="-53" y="11301"/>
-                  <a:pt x="-649" y="7756"/>
+                  <a:pt x="843" y="9577"/>
+                  <a:pt x="371" y="6900"/>
                   <a:pt x="0" y="0"/>
                 </a:cubicBezTo>
                 <a:close/>
@@ -17350,7 +16349,7 @@
           <a:solidFill>
             <a:schemeClr val="accent2"/>
           </a:solidFill>
-          <a:ln w="41275" cap="rnd">
+          <a:ln w="38100" cap="rnd">
             <a:solidFill>
               <a:schemeClr val="accent2"/>
             </a:solidFill>
@@ -17412,20 +16411,65 @@
         </p:nvSpPr>
         <p:spPr>
           <a:xfrm>
-            <a:off x="838200" y="1929384"/>
-            <a:ext cx="10515600" cy="4251960"/>
+            <a:off x="630936" y="2807208"/>
+            <a:ext cx="3429000" cy="3410712"/>
           </a:xfrm>
         </p:spPr>
         <p:txBody>
-          <a:bodyPr>
+          <a:bodyPr anchor="t">
             <a:normAutofit/>
           </a:bodyPr>
           <a:lstStyle/>
           <a:p>
-            <a:endParaRPr lang="en-US" sz="2200"/>
+            <a:r>
+              <a:rPr lang="en-US" sz="2200" dirty="0"/>
+              <a:t>Designed in KiCAD, board manufactured and populated by JLCPCB</a:t>
+            </a:r>
+          </a:p>
+          <a:p>
+            <a:r>
+              <a:rPr lang="en-US" sz="2200" dirty="0"/>
+              <a:t>Hierarchical design, each member design at least one schematic</a:t>
+            </a:r>
+          </a:p>
+          <a:p>
+            <a:r>
+              <a:rPr lang="en-US" sz="2200" dirty="0"/>
+              <a:t>Switched from initial IMU pick to another to avoid level shifting data line</a:t>
+            </a:r>
           </a:p>
         </p:txBody>
       </p:sp>
+      <p:pic>
+        <p:nvPicPr>
+          <p:cNvPr id="5" name="Picture 4" descr="A computer screen shot of a diagram&#10;&#10;Description automatically generated">
+            <a:extLst>
+              <a:ext uri="{FF2B5EF4-FFF2-40B4-BE49-F238E27FC236}">
+                <a16:creationId xmlns:a16="http://schemas.microsoft.com/office/drawing/2014/main" id="{D3012773-2183-4CA5-C708-D0CD447D1D8D}"/>
+              </a:ext>
+            </a:extLst>
+          </p:cNvPr>
+          <p:cNvPicPr>
+            <a:picLocks noChangeAspect="1"/>
+          </p:cNvPicPr>
+          <p:nvPr/>
+        </p:nvPicPr>
+        <p:blipFill>
+          <a:blip r:embed="rId2"/>
+          <a:stretch>
+            <a:fillRect/>
+          </a:stretch>
+        </p:blipFill>
+        <p:spPr>
+          <a:xfrm>
+            <a:off x="4654296" y="1047217"/>
+            <a:ext cx="6903720" cy="4763566"/>
+          </a:xfrm>
+          <a:prstGeom prst="rect">
+            <a:avLst/>
+          </a:prstGeom>
+        </p:spPr>
+      </p:pic>
     </p:spTree>
     <p:extLst>
       <p:ext uri="{BB962C8B-B14F-4D97-AF65-F5344CB8AC3E}">
@@ -18879,6 +17923,15 @@
 </file>
 
 <file path=customXml/item1.xml><?xml version="1.0" encoding="utf-8"?>
+<?mso-contentType ?>
+<FormTemplates xmlns="http://schemas.microsoft.com/sharepoint/v3/contenttype/forms">
+  <Display>DocumentLibraryForm</Display>
+  <Edit>DocumentLibraryForm</Edit>
+  <New>DocumentLibraryForm</New>
+</FormTemplates>
+</file>
+
+<file path=customXml/item2.xml><?xml version="1.0" encoding="utf-8"?>
 <ct:contentTypeSchema xmlns:ct="http://schemas.microsoft.com/office/2006/metadata/contentType" xmlns:ma="http://schemas.microsoft.com/office/2006/metadata/properties/metaAttributes" ct:_="" ma:_="" ma:contentTypeName="Document" ma:contentTypeID="0x0101009ADC84C2C2689F418E5BAD3CA70F51C1" ma:contentTypeVersion="15" ma:contentTypeDescription="Create a new document." ma:contentTypeScope="" ma:versionID="dfa36a507fa972b0dae0ef5557aeb3eb">
   <xsd:schema xmlns:xsd="http://www.w3.org/2001/XMLSchema" xmlns:xs="http://www.w3.org/2001/XMLSchema" xmlns:p="http://schemas.microsoft.com/office/2006/metadata/properties" xmlns:ns3="218cae68-0ddc-43bb-9a29-52a0402d6cb9" xmlns:ns4="703aeb73-56ce-48f3-9277-f60cff690132" targetNamespace="http://schemas.microsoft.com/office/2006/metadata/properties" ma:root="true" ma:fieldsID="cb78c5b39430d5080de0e1d97c12cd45" ns3:_="" ns4:_="">
     <xsd:import namespace="218cae68-0ddc-43bb-9a29-52a0402d6cb9"/>
@@ -19111,15 +18164,6 @@
 </ct:contentTypeSchema>
 </file>
 
-<file path=customXml/item2.xml><?xml version="1.0" encoding="utf-8"?>
-<?mso-contentType ?>
-<FormTemplates xmlns="http://schemas.microsoft.com/sharepoint/v3/contenttype/forms">
-  <Display>DocumentLibraryForm</Display>
-  <Edit>DocumentLibraryForm</Edit>
-  <New>DocumentLibraryForm</New>
-</FormTemplates>
-</file>
-
 <file path=customXml/item3.xml><?xml version="1.0" encoding="utf-8"?>
 <p:properties xmlns:p="http://schemas.microsoft.com/office/2006/metadata/properties" xmlns:xsi="http://www.w3.org/2001/XMLSchema-instance" xmlns:pc="http://schemas.microsoft.com/office/infopath/2007/PartnerControls">
   <documentManagement>
@@ -19129,6 +18173,14 @@
 </file>
 
 <file path=customXml/itemProps1.xml><?xml version="1.0" encoding="utf-8"?>
+<ds:datastoreItem xmlns:ds="http://schemas.openxmlformats.org/officeDocument/2006/customXml" ds:itemID="{3A69843A-82BD-41BC-9CFD-7A6BCBCF50D4}">
+  <ds:schemaRefs>
+    <ds:schemaRef ds:uri="http://schemas.microsoft.com/sharepoint/v3/contenttype/forms"/>
+  </ds:schemaRefs>
+</ds:datastoreItem>
+</file>
+
+<file path=customXml/itemProps2.xml><?xml version="1.0" encoding="utf-8"?>
 <ds:datastoreItem xmlns:ds="http://schemas.openxmlformats.org/officeDocument/2006/customXml" ds:itemID="{0058B037-F10E-47D7-816C-415ABC0EB55F}">
   <ds:schemaRefs>
     <ds:schemaRef ds:uri="http://schemas.microsoft.com/office/2006/metadata/contentType"/>
@@ -19143,14 +18195,6 @@
     <ds:schemaRef ds:uri="http://purl.org/dc/elements/1.1/"/>
     <ds:schemaRef ds:uri="http://purl.org/dc/terms/"/>
     <ds:schemaRef ds:uri="http://schemas.microsoft.com/internal/obd"/>
-  </ds:schemaRefs>
-</ds:datastoreItem>
-</file>
-
-<file path=customXml/itemProps2.xml><?xml version="1.0" encoding="utf-8"?>
-<ds:datastoreItem xmlns:ds="http://schemas.openxmlformats.org/officeDocument/2006/customXml" ds:itemID="{3A69843A-82BD-41BC-9CFD-7A6BCBCF50D4}">
-  <ds:schemaRefs>
-    <ds:schemaRef ds:uri="http://schemas.microsoft.com/sharepoint/v3/contenttype/forms"/>
   </ds:schemaRefs>
 </ds:datastoreItem>
 </file>

--- a/Documents/FInal Presentation/Final_Presentation.pptx
+++ b/Documents/FInal Presentation/Final_Presentation.pptx
@@ -223,7 +223,7 @@
           <a:p>
             <a:fld id="{C3DCE7EF-75D0-4DB7-BD1A-FC94188B4058}" type="datetimeFigureOut">
               <a:rPr lang="en-US" smtClean="0"/>
-              <a:t>11/14/2024</a:t>
+              <a:t>11/17/2024</a:t>
             </a:fld>
             <a:endParaRPr lang="en-US"/>
           </a:p>
@@ -721,7 +721,7 @@
           <a:p>
             <a:fld id="{A749A21A-B890-4700-B57E-1CFFBFCC9631}" type="datetimeFigureOut">
               <a:rPr lang="en-US" smtClean="0"/>
-              <a:t>11/14/2024</a:t>
+              <a:t>11/17/2024</a:t>
             </a:fld>
             <a:endParaRPr lang="en-US"/>
           </a:p>
@@ -919,7 +919,7 @@
           <a:p>
             <a:fld id="{A749A21A-B890-4700-B57E-1CFFBFCC9631}" type="datetimeFigureOut">
               <a:rPr lang="en-US" smtClean="0"/>
-              <a:t>11/14/2024</a:t>
+              <a:t>11/17/2024</a:t>
             </a:fld>
             <a:endParaRPr lang="en-US"/>
           </a:p>
@@ -1127,7 +1127,7 @@
           <a:p>
             <a:fld id="{A749A21A-B890-4700-B57E-1CFFBFCC9631}" type="datetimeFigureOut">
               <a:rPr lang="en-US" smtClean="0"/>
-              <a:t>11/14/2024</a:t>
+              <a:t>11/17/2024</a:t>
             </a:fld>
             <a:endParaRPr lang="en-US"/>
           </a:p>
@@ -1325,7 +1325,7 @@
           <a:p>
             <a:fld id="{A749A21A-B890-4700-B57E-1CFFBFCC9631}" type="datetimeFigureOut">
               <a:rPr lang="en-US" smtClean="0"/>
-              <a:t>11/14/2024</a:t>
+              <a:t>11/17/2024</a:t>
             </a:fld>
             <a:endParaRPr lang="en-US"/>
           </a:p>
@@ -1600,7 +1600,7 @@
           <a:p>
             <a:fld id="{A749A21A-B890-4700-B57E-1CFFBFCC9631}" type="datetimeFigureOut">
               <a:rPr lang="en-US" smtClean="0"/>
-              <a:t>11/14/2024</a:t>
+              <a:t>11/17/2024</a:t>
             </a:fld>
             <a:endParaRPr lang="en-US"/>
           </a:p>
@@ -1865,7 +1865,7 @@
           <a:p>
             <a:fld id="{A749A21A-B890-4700-B57E-1CFFBFCC9631}" type="datetimeFigureOut">
               <a:rPr lang="en-US" smtClean="0"/>
-              <a:t>11/14/2024</a:t>
+              <a:t>11/17/2024</a:t>
             </a:fld>
             <a:endParaRPr lang="en-US"/>
           </a:p>
@@ -2277,7 +2277,7 @@
           <a:p>
             <a:fld id="{A749A21A-B890-4700-B57E-1CFFBFCC9631}" type="datetimeFigureOut">
               <a:rPr lang="en-US" smtClean="0"/>
-              <a:t>11/14/2024</a:t>
+              <a:t>11/17/2024</a:t>
             </a:fld>
             <a:endParaRPr lang="en-US"/>
           </a:p>
@@ -2418,7 +2418,7 @@
           <a:p>
             <a:fld id="{A749A21A-B890-4700-B57E-1CFFBFCC9631}" type="datetimeFigureOut">
               <a:rPr lang="en-US" smtClean="0"/>
-              <a:t>11/14/2024</a:t>
+              <a:t>11/17/2024</a:t>
             </a:fld>
             <a:endParaRPr lang="en-US"/>
           </a:p>
@@ -2531,7 +2531,7 @@
           <a:p>
             <a:fld id="{A749A21A-B890-4700-B57E-1CFFBFCC9631}" type="datetimeFigureOut">
               <a:rPr lang="en-US" smtClean="0"/>
-              <a:t>11/14/2024</a:t>
+              <a:t>11/17/2024</a:t>
             </a:fld>
             <a:endParaRPr lang="en-US"/>
           </a:p>
@@ -2842,7 +2842,7 @@
           <a:p>
             <a:fld id="{A749A21A-B890-4700-B57E-1CFFBFCC9631}" type="datetimeFigureOut">
               <a:rPr lang="en-US" smtClean="0"/>
-              <a:t>11/14/2024</a:t>
+              <a:t>11/17/2024</a:t>
             </a:fld>
             <a:endParaRPr lang="en-US"/>
           </a:p>
@@ -3130,7 +3130,7 @@
           <a:p>
             <a:fld id="{A749A21A-B890-4700-B57E-1CFFBFCC9631}" type="datetimeFigureOut">
               <a:rPr lang="en-US" smtClean="0"/>
-              <a:t>11/14/2024</a:t>
+              <a:t>11/17/2024</a:t>
             </a:fld>
             <a:endParaRPr lang="en-US"/>
           </a:p>
@@ -3371,7 +3371,7 @@
           <a:p>
             <a:fld id="{A749A21A-B890-4700-B57E-1CFFBFCC9631}" type="datetimeFigureOut">
               <a:rPr lang="en-US" smtClean="0"/>
-              <a:t>11/14/2024</a:t>
+              <a:t>11/17/2024</a:t>
             </a:fld>
             <a:endParaRPr lang="en-US"/>
           </a:p>
@@ -5213,7 +5213,22 @@
           </a:bodyPr>
           <a:lstStyle/>
           <a:p>
-            <a:endParaRPr lang="en-US" sz="2200"/>
+            <a:r>
+              <a:rPr lang="en-US" sz="2200" dirty="0"/>
+              <a:t>Use ESP-Dash for fast and easy data visualization.</a:t>
+            </a:r>
+          </a:p>
+          <a:p>
+            <a:r>
+              <a:rPr lang="en-US" sz="2200" dirty="0"/>
+              <a:t>Picture to the right is of the Purple Roller ESP-Dash.</a:t>
+            </a:r>
+          </a:p>
+          <a:p>
+            <a:r>
+              <a:rPr lang="en-US" sz="2200" dirty="0"/>
+              <a:t>Still testing with ESP32-S3 development boards.</a:t>
+            </a:r>
           </a:p>
         </p:txBody>
       </p:sp>
@@ -6016,7 +6031,32 @@
           </a:bodyPr>
           <a:lstStyle/>
           <a:p>
-            <a:endParaRPr lang="en-US" sz="2200"/>
+            <a:r>
+              <a:rPr lang="en-US" sz="2200" dirty="0"/>
+              <a:t>I2C – Use I2C for barometer</a:t>
+            </a:r>
+          </a:p>
+          <a:p>
+            <a:r>
+              <a:rPr lang="en-US" sz="2200" dirty="0"/>
+              <a:t>SPI – Use SPI for IMU, Flash, and High G Accelerometer </a:t>
+            </a:r>
+            <a:endParaRPr lang="en-US" sz="1800" dirty="0"/>
+          </a:p>
+          <a:p>
+            <a:r>
+              <a:rPr lang="en-US" sz="2200" dirty="0"/>
+              <a:t>Wi-Fi – 802.11b/g/n Handled by the ESP32-S3</a:t>
+            </a:r>
+          </a:p>
+          <a:p>
+            <a:r>
+              <a:rPr lang="en-US" sz="2200" dirty="0"/>
+              <a:t>No RF certification since ESP32-S3 is already certified.</a:t>
+            </a:r>
+          </a:p>
+          <a:p>
+            <a:endParaRPr lang="en-US" sz="2200" dirty="0"/>
           </a:p>
         </p:txBody>
       </p:sp>
@@ -8105,7 +8145,10 @@
           </a:bodyPr>
           <a:lstStyle/>
           <a:p>
-            <a:endParaRPr lang="en-US" sz="2200"/>
+            <a:r>
+              <a:rPr lang="en-US" sz="2200" dirty="0"/>
+              <a:t>Test that shit</a:t>
+            </a:r>
           </a:p>
         </p:txBody>
       </p:sp>
@@ -8908,7 +8951,82 @@
           </a:bodyPr>
           <a:lstStyle/>
           <a:p>
-            <a:endParaRPr lang="en-US" sz="2200" dirty="0"/>
+            <a:r>
+              <a:rPr lang="en-US" sz="2200" dirty="0"/>
+              <a:t>Digi-Key Order: Total = $42.49</a:t>
+            </a:r>
+          </a:p>
+          <a:p>
+            <a:pPr lvl="1"/>
+            <a:r>
+              <a:rPr lang="en-US" sz="1800" dirty="0"/>
+              <a:t>2 IMU – $29.46</a:t>
+            </a:r>
+          </a:p>
+          <a:p>
+            <a:pPr lvl="1"/>
+            <a:r>
+              <a:rPr lang="en-US" sz="1800" dirty="0"/>
+              <a:t>2 6-Pin Screw Terminal = $3.98</a:t>
+            </a:r>
+          </a:p>
+          <a:p>
+            <a:pPr lvl="1"/>
+            <a:r>
+              <a:rPr lang="en-US" sz="1800" dirty="0"/>
+              <a:t>2 2-Pin Screw Terminal = $2.06</a:t>
+            </a:r>
+          </a:p>
+          <a:p>
+            <a:pPr lvl="1"/>
+            <a:r>
+              <a:rPr lang="en-US" sz="1800" dirty="0"/>
+              <a:t>Shipping - $6.99</a:t>
+            </a:r>
+          </a:p>
+          <a:p>
+            <a:r>
+              <a:rPr lang="en-US" sz="2200" dirty="0"/>
+              <a:t>JLC Assembly: Total ~ $120</a:t>
+            </a:r>
+          </a:p>
+          <a:p>
+            <a:pPr lvl="1"/>
+            <a:r>
+              <a:rPr lang="en-US" sz="1800" dirty="0">
+                <a:highlight>
+                  <a:srgbClr val="FFFF00"/>
+                </a:highlight>
+              </a:rPr>
+              <a:t>Get from Mayumi</a:t>
+            </a:r>
+          </a:p>
+          <a:p>
+            <a:r>
+              <a:rPr lang="en-US" sz="2200" dirty="0"/>
+              <a:t>Parts on Hand</a:t>
+            </a:r>
+            <a:endParaRPr lang="en-US" sz="1800" dirty="0"/>
+          </a:p>
+          <a:p>
+            <a:pPr lvl="1"/>
+            <a:r>
+              <a:rPr lang="en-US" sz="1800" dirty="0"/>
+              <a:t>2 ESP32-S3-WROOM-1-N8</a:t>
+            </a:r>
+          </a:p>
+          <a:p>
+            <a:pPr lvl="1"/>
+            <a:r>
+              <a:rPr lang="en-US" sz="1800" dirty="0"/>
+              <a:t>2 USB-C Connectors</a:t>
+            </a:r>
+          </a:p>
+          <a:p>
+            <a:r>
+              <a:rPr lang="en-US" sz="2200" dirty="0"/>
+              <a:t>Price for 5 boards (2 assembled) ~ $165</a:t>
+            </a:r>
           </a:p>
         </p:txBody>
       </p:sp>
@@ -9711,7 +9829,10 @@
           </a:bodyPr>
           <a:lstStyle/>
           <a:p>
-            <a:endParaRPr lang="en-US" sz="2200"/>
+            <a:r>
+              <a:rPr lang="en-US" sz="2200" dirty="0"/>
+              <a:t>Tannyr</a:t>
+            </a:r>
           </a:p>
         </p:txBody>
       </p:sp>
@@ -9729,6 +9850,3795 @@
 </file>
 
 <file path=ppt/slides/slide17.xml><?xml version="1.0" encoding="utf-8"?>
+<p:sld xmlns:a="http://schemas.openxmlformats.org/drawingml/2006/main" xmlns:r="http://schemas.openxmlformats.org/officeDocument/2006/relationships" xmlns:p="http://schemas.openxmlformats.org/presentationml/2006/main">
+  <p:cSld>
+    <p:bg>
+      <p:bgPr>
+        <a:solidFill>
+          <a:schemeClr val="bg1"/>
+        </a:solidFill>
+        <a:effectLst/>
+      </p:bgPr>
+    </p:bg>
+    <p:spTree>
+      <p:nvGrpSpPr>
+        <p:cNvPr id="1" name=""/>
+        <p:cNvGrpSpPr/>
+        <p:nvPr/>
+      </p:nvGrpSpPr>
+      <p:grpSpPr>
+        <a:xfrm>
+          <a:off x="0" y="0"/>
+          <a:ext cx="0" cy="0"/>
+          <a:chOff x="0" y="0"/>
+          <a:chExt cx="0" cy="0"/>
+        </a:xfrm>
+      </p:grpSpPr>
+      <p:sp useBgFill="1">
+        <p:nvSpPr>
+          <p:cNvPr id="15" name="Rectangle 14">
+            <a:extLst>
+              <a:ext uri="{FF2B5EF4-FFF2-40B4-BE49-F238E27FC236}">
+                <a16:creationId xmlns:a16="http://schemas.microsoft.com/office/drawing/2014/main" id="{2B97F24A-32CE-4C1C-A50D-3016B394DCFB}"/>
+              </a:ext>
+              <a:ext uri="{C183D7F6-B498-43B3-948B-1728B52AA6E4}">
+                <adec:decorative xmlns:adec="http://schemas.microsoft.com/office/drawing/2017/decorative" val="1"/>
+              </a:ext>
+            </a:extLst>
+          </p:cNvPr>
+          <p:cNvSpPr>
+            <a:spLocks noGrp="1" noRot="1" noChangeAspect="1" noMove="1" noResize="1" noEditPoints="1" noAdjustHandles="1" noChangeArrowheads="1" noChangeShapeType="1" noTextEdit="1"/>
+          </p:cNvSpPr>
+          <p:nvPr>
+            <p:extLst>
+              <p:ext uri="{386F3935-93C4-4BCD-93E2-E3B085C9AB24}">
+                <p16:designElem xmlns:p16="http://schemas.microsoft.com/office/powerpoint/2015/main" val="1"/>
+              </p:ext>
+            </p:extLst>
+          </p:nvPr>
+        </p:nvSpPr>
+        <p:spPr>
+          <a:xfrm>
+            <a:off x="0" y="0"/>
+            <a:ext cx="12192000" cy="6858000"/>
+          </a:xfrm>
+          <a:prstGeom prst="rect">
+            <a:avLst/>
+          </a:prstGeom>
+          <a:ln>
+            <a:noFill/>
+          </a:ln>
+        </p:spPr>
+        <p:style>
+          <a:lnRef idx="2">
+            <a:schemeClr val="accent1">
+              <a:shade val="50000"/>
+            </a:schemeClr>
+          </a:lnRef>
+          <a:fillRef idx="1">
+            <a:schemeClr val="accent1"/>
+          </a:fillRef>
+          <a:effectRef idx="0">
+            <a:schemeClr val="accent1"/>
+          </a:effectRef>
+          <a:fontRef idx="minor">
+            <a:schemeClr val="lt1"/>
+          </a:fontRef>
+        </p:style>
+        <p:txBody>
+          <a:bodyPr rtlCol="0" anchor="ctr"/>
+          <a:lstStyle/>
+          <a:p>
+            <a:pPr algn="ctr"/>
+            <a:endParaRPr lang="en-US"/>
+          </a:p>
+        </p:txBody>
+      </p:sp>
+      <p:sp>
+        <p:nvSpPr>
+          <p:cNvPr id="2" name="Title 1">
+            <a:extLst>
+              <a:ext uri="{FF2B5EF4-FFF2-40B4-BE49-F238E27FC236}">
+                <a16:creationId xmlns:a16="http://schemas.microsoft.com/office/drawing/2014/main" id="{A166BA9D-0BB2-B4F5-FB89-55C16D7112A9}"/>
+              </a:ext>
+            </a:extLst>
+          </p:cNvPr>
+          <p:cNvSpPr>
+            <a:spLocks noGrp="1"/>
+          </p:cNvSpPr>
+          <p:nvPr>
+            <p:ph type="title"/>
+          </p:nvPr>
+        </p:nvSpPr>
+        <p:spPr>
+          <a:xfrm>
+            <a:off x="630936" y="639520"/>
+            <a:ext cx="3429000" cy="1719072"/>
+          </a:xfrm>
+        </p:spPr>
+        <p:txBody>
+          <a:bodyPr anchor="b">
+            <a:normAutofit/>
+          </a:bodyPr>
+          <a:lstStyle/>
+          <a:p>
+            <a:r>
+              <a:rPr lang="en-US" sz="5400" dirty="0"/>
+              <a:t>Work Breakdown</a:t>
+            </a:r>
+          </a:p>
+        </p:txBody>
+      </p:sp>
+      <p:sp>
+        <p:nvSpPr>
+          <p:cNvPr id="17" name="sketch line">
+            <a:extLst>
+              <a:ext uri="{FF2B5EF4-FFF2-40B4-BE49-F238E27FC236}">
+                <a16:creationId xmlns:a16="http://schemas.microsoft.com/office/drawing/2014/main" id="{CD8B4F24-440B-49E9-B85D-733523DC064B}"/>
+              </a:ext>
+              <a:ext uri="{C183D7F6-B498-43B3-948B-1728B52AA6E4}">
+                <adec:decorative xmlns:adec="http://schemas.microsoft.com/office/drawing/2017/decorative" val="1"/>
+              </a:ext>
+            </a:extLst>
+          </p:cNvPr>
+          <p:cNvSpPr>
+            <a:spLocks noGrp="1" noRot="1" noChangeAspect="1" noMove="1" noResize="1" noEditPoints="1" noAdjustHandles="1" noChangeArrowheads="1" noChangeShapeType="1" noTextEdit="1"/>
+          </p:cNvSpPr>
+          <p:nvPr>
+            <p:extLst>
+              <p:ext uri="{386F3935-93C4-4BCD-93E2-E3B085C9AB24}">
+                <p16:designElem xmlns:p16="http://schemas.microsoft.com/office/powerpoint/2015/main" val="1"/>
+              </p:ext>
+            </p:extLst>
+          </p:nvPr>
+        </p:nvSpPr>
+        <p:spPr>
+          <a:xfrm>
+            <a:off x="643278" y="2573756"/>
+            <a:ext cx="3255095" cy="18288"/>
+          </a:xfrm>
+          <a:custGeom>
+            <a:avLst/>
+            <a:gdLst>
+              <a:gd name="connsiteX0" fmla="*/ 0 w 3255095"/>
+              <a:gd name="connsiteY0" fmla="*/ 0 h 18288"/>
+              <a:gd name="connsiteX1" fmla="*/ 618468 w 3255095"/>
+              <a:gd name="connsiteY1" fmla="*/ 0 h 18288"/>
+              <a:gd name="connsiteX2" fmla="*/ 1269487 w 3255095"/>
+              <a:gd name="connsiteY2" fmla="*/ 0 h 18288"/>
+              <a:gd name="connsiteX3" fmla="*/ 1953057 w 3255095"/>
+              <a:gd name="connsiteY3" fmla="*/ 0 h 18288"/>
+              <a:gd name="connsiteX4" fmla="*/ 2636627 w 3255095"/>
+              <a:gd name="connsiteY4" fmla="*/ 0 h 18288"/>
+              <a:gd name="connsiteX5" fmla="*/ 3255095 w 3255095"/>
+              <a:gd name="connsiteY5" fmla="*/ 0 h 18288"/>
+              <a:gd name="connsiteX6" fmla="*/ 3255095 w 3255095"/>
+              <a:gd name="connsiteY6" fmla="*/ 18288 h 18288"/>
+              <a:gd name="connsiteX7" fmla="*/ 2538974 w 3255095"/>
+              <a:gd name="connsiteY7" fmla="*/ 18288 h 18288"/>
+              <a:gd name="connsiteX8" fmla="*/ 1822853 w 3255095"/>
+              <a:gd name="connsiteY8" fmla="*/ 18288 h 18288"/>
+              <a:gd name="connsiteX9" fmla="*/ 1171834 w 3255095"/>
+              <a:gd name="connsiteY9" fmla="*/ 18288 h 18288"/>
+              <a:gd name="connsiteX10" fmla="*/ 0 w 3255095"/>
+              <a:gd name="connsiteY10" fmla="*/ 18288 h 18288"/>
+              <a:gd name="connsiteX11" fmla="*/ 0 w 3255095"/>
+              <a:gd name="connsiteY11" fmla="*/ 0 h 18288"/>
+            </a:gdLst>
+            <a:ahLst/>
+            <a:cxnLst>
+              <a:cxn ang="0">
+                <a:pos x="connsiteX0" y="connsiteY0"/>
+              </a:cxn>
+              <a:cxn ang="0">
+                <a:pos x="connsiteX1" y="connsiteY1"/>
+              </a:cxn>
+              <a:cxn ang="0">
+                <a:pos x="connsiteX2" y="connsiteY2"/>
+              </a:cxn>
+              <a:cxn ang="0">
+                <a:pos x="connsiteX3" y="connsiteY3"/>
+              </a:cxn>
+              <a:cxn ang="0">
+                <a:pos x="connsiteX4" y="connsiteY4"/>
+              </a:cxn>
+              <a:cxn ang="0">
+                <a:pos x="connsiteX5" y="connsiteY5"/>
+              </a:cxn>
+              <a:cxn ang="0">
+                <a:pos x="connsiteX6" y="connsiteY6"/>
+              </a:cxn>
+              <a:cxn ang="0">
+                <a:pos x="connsiteX7" y="connsiteY7"/>
+              </a:cxn>
+              <a:cxn ang="0">
+                <a:pos x="connsiteX8" y="connsiteY8"/>
+              </a:cxn>
+              <a:cxn ang="0">
+                <a:pos x="connsiteX9" y="connsiteY9"/>
+              </a:cxn>
+              <a:cxn ang="0">
+                <a:pos x="connsiteX10" y="connsiteY10"/>
+              </a:cxn>
+              <a:cxn ang="0">
+                <a:pos x="connsiteX11" y="connsiteY11"/>
+              </a:cxn>
+            </a:cxnLst>
+            <a:rect l="l" t="t" r="r" b="b"/>
+            <a:pathLst>
+              <a:path w="3255095" h="18288" fill="none" extrusionOk="0">
+                <a:moveTo>
+                  <a:pt x="0" y="0"/>
+                </a:moveTo>
+                <a:cubicBezTo>
+                  <a:pt x="240201" y="-22123"/>
+                  <a:pt x="462021" y="-19623"/>
+                  <a:pt x="618468" y="0"/>
+                </a:cubicBezTo>
+                <a:cubicBezTo>
+                  <a:pt x="774915" y="19623"/>
+                  <a:pt x="974734" y="2035"/>
+                  <a:pt x="1269487" y="0"/>
+                </a:cubicBezTo>
+                <a:cubicBezTo>
+                  <a:pt x="1564240" y="-2035"/>
+                  <a:pt x="1733579" y="10639"/>
+                  <a:pt x="1953057" y="0"/>
+                </a:cubicBezTo>
+                <a:cubicBezTo>
+                  <a:pt x="2172535" y="-10639"/>
+                  <a:pt x="2453962" y="14018"/>
+                  <a:pt x="2636627" y="0"/>
+                </a:cubicBezTo>
+                <a:cubicBezTo>
+                  <a:pt x="2819292" y="-14018"/>
+                  <a:pt x="3121375" y="5399"/>
+                  <a:pt x="3255095" y="0"/>
+                </a:cubicBezTo>
+                <a:cubicBezTo>
+                  <a:pt x="3254386" y="8157"/>
+                  <a:pt x="3254682" y="12125"/>
+                  <a:pt x="3255095" y="18288"/>
+                </a:cubicBezTo>
+                <a:cubicBezTo>
+                  <a:pt x="3088545" y="23203"/>
+                  <a:pt x="2687475" y="7419"/>
+                  <a:pt x="2538974" y="18288"/>
+                </a:cubicBezTo>
+                <a:cubicBezTo>
+                  <a:pt x="2390473" y="29157"/>
+                  <a:pt x="2137381" y="-8959"/>
+                  <a:pt x="1822853" y="18288"/>
+                </a:cubicBezTo>
+                <a:cubicBezTo>
+                  <a:pt x="1508325" y="45535"/>
+                  <a:pt x="1466437" y="20385"/>
+                  <a:pt x="1171834" y="18288"/>
+                </a:cubicBezTo>
+                <a:cubicBezTo>
+                  <a:pt x="877231" y="16191"/>
+                  <a:pt x="561097" y="37643"/>
+                  <a:pt x="0" y="18288"/>
+                </a:cubicBezTo>
+                <a:cubicBezTo>
+                  <a:pt x="-46" y="12483"/>
+                  <a:pt x="-203" y="6491"/>
+                  <a:pt x="0" y="0"/>
+                </a:cubicBezTo>
+                <a:close/>
+              </a:path>
+              <a:path w="3255095" h="18288" stroke="0" extrusionOk="0">
+                <a:moveTo>
+                  <a:pt x="0" y="0"/>
+                </a:moveTo>
+                <a:cubicBezTo>
+                  <a:pt x="291965" y="19429"/>
+                  <a:pt x="363155" y="8568"/>
+                  <a:pt x="618468" y="0"/>
+                </a:cubicBezTo>
+                <a:cubicBezTo>
+                  <a:pt x="873781" y="-8568"/>
+                  <a:pt x="904459" y="-19505"/>
+                  <a:pt x="1171834" y="0"/>
+                </a:cubicBezTo>
+                <a:cubicBezTo>
+                  <a:pt x="1439209" y="19505"/>
+                  <a:pt x="1744369" y="9790"/>
+                  <a:pt x="1887955" y="0"/>
+                </a:cubicBezTo>
+                <a:cubicBezTo>
+                  <a:pt x="2031541" y="-9790"/>
+                  <a:pt x="2346378" y="21240"/>
+                  <a:pt x="2506423" y="0"/>
+                </a:cubicBezTo>
+                <a:cubicBezTo>
+                  <a:pt x="2666468" y="-21240"/>
+                  <a:pt x="2990257" y="30414"/>
+                  <a:pt x="3255095" y="0"/>
+                </a:cubicBezTo>
+                <a:cubicBezTo>
+                  <a:pt x="3254831" y="4493"/>
+                  <a:pt x="3255479" y="9472"/>
+                  <a:pt x="3255095" y="18288"/>
+                </a:cubicBezTo>
+                <a:cubicBezTo>
+                  <a:pt x="3120743" y="16690"/>
+                  <a:pt x="2759628" y="42462"/>
+                  <a:pt x="2604076" y="18288"/>
+                </a:cubicBezTo>
+                <a:cubicBezTo>
+                  <a:pt x="2448524" y="-5886"/>
+                  <a:pt x="2184336" y="19599"/>
+                  <a:pt x="1887955" y="18288"/>
+                </a:cubicBezTo>
+                <a:cubicBezTo>
+                  <a:pt x="1591574" y="16977"/>
+                  <a:pt x="1548845" y="6870"/>
+                  <a:pt x="1334589" y="18288"/>
+                </a:cubicBezTo>
+                <a:cubicBezTo>
+                  <a:pt x="1120333" y="29706"/>
+                  <a:pt x="996014" y="9662"/>
+                  <a:pt x="683570" y="18288"/>
+                </a:cubicBezTo>
+                <a:cubicBezTo>
+                  <a:pt x="371126" y="26914"/>
+                  <a:pt x="198687" y="16167"/>
+                  <a:pt x="0" y="18288"/>
+                </a:cubicBezTo>
+                <a:cubicBezTo>
+                  <a:pt x="843" y="9577"/>
+                  <a:pt x="371" y="6900"/>
+                  <a:pt x="0" y="0"/>
+                </a:cubicBezTo>
+                <a:close/>
+              </a:path>
+            </a:pathLst>
+          </a:custGeom>
+          <a:solidFill>
+            <a:schemeClr val="accent2"/>
+          </a:solidFill>
+          <a:ln w="38100" cap="rnd">
+            <a:solidFill>
+              <a:schemeClr val="accent2"/>
+            </a:solidFill>
+            <a:round/>
+            <a:extLst>
+              <a:ext uri="{C807C97D-BFC1-408E-A445-0C87EB9F89A2}">
+                <ask:lineSketchStyleProps xmlns:ask="http://schemas.microsoft.com/office/drawing/2018/sketchyshapes" sd="1219033472">
+                  <a:prstGeom prst="rect">
+                    <a:avLst/>
+                  </a:prstGeom>
+                  <ask:type>
+                    <ask:lineSketchFreehand/>
+                  </ask:type>
+                </ask:lineSketchStyleProps>
+              </a:ext>
+            </a:extLst>
+          </a:ln>
+        </p:spPr>
+        <p:style>
+          <a:lnRef idx="2">
+            <a:schemeClr val="accent1">
+              <a:shade val="50000"/>
+            </a:schemeClr>
+          </a:lnRef>
+          <a:fillRef idx="1">
+            <a:schemeClr val="accent1"/>
+          </a:fillRef>
+          <a:effectRef idx="0">
+            <a:schemeClr val="accent1"/>
+          </a:effectRef>
+          <a:fontRef idx="minor">
+            <a:schemeClr val="lt1"/>
+          </a:fontRef>
+        </p:style>
+        <p:txBody>
+          <a:bodyPr rtlCol="0" anchor="ctr"/>
+          <a:lstStyle/>
+          <a:p>
+            <a:pPr algn="ctr"/>
+            <a:endParaRPr lang="en-US"/>
+          </a:p>
+        </p:txBody>
+      </p:sp>
+      <p:sp>
+        <p:nvSpPr>
+          <p:cNvPr id="3" name="Content Placeholder 2">
+            <a:extLst>
+              <a:ext uri="{FF2B5EF4-FFF2-40B4-BE49-F238E27FC236}">
+                <a16:creationId xmlns:a16="http://schemas.microsoft.com/office/drawing/2014/main" id="{E70857F9-C7EB-B368-8DEC-64960DBAB638}"/>
+              </a:ext>
+            </a:extLst>
+          </p:cNvPr>
+          <p:cNvSpPr>
+            <a:spLocks noGrp="1"/>
+          </p:cNvSpPr>
+          <p:nvPr>
+            <p:ph idx="1"/>
+          </p:nvPr>
+        </p:nvSpPr>
+        <p:spPr>
+          <a:xfrm>
+            <a:off x="630936" y="2807208"/>
+            <a:ext cx="3429000" cy="3410712"/>
+          </a:xfrm>
+        </p:spPr>
+        <p:txBody>
+          <a:bodyPr anchor="t">
+            <a:normAutofit/>
+          </a:bodyPr>
+          <a:lstStyle/>
+          <a:p>
+            <a:pPr marL="0" indent="0">
+              <a:buNone/>
+            </a:pPr>
+            <a:r>
+              <a:rPr lang="en-US" sz="2200" dirty="0"/>
+              <a:t>R = Responsible</a:t>
+            </a:r>
+          </a:p>
+          <a:p>
+            <a:pPr marL="0" indent="0">
+              <a:buNone/>
+            </a:pPr>
+            <a:r>
+              <a:rPr lang="en-US" sz="2200" dirty="0"/>
+              <a:t>A = Assisting</a:t>
+            </a:r>
+          </a:p>
+        </p:txBody>
+      </p:sp>
+      <p:graphicFrame>
+        <p:nvGraphicFramePr>
+          <p:cNvPr id="4" name="Table 3">
+            <a:extLst>
+              <a:ext uri="{FF2B5EF4-FFF2-40B4-BE49-F238E27FC236}">
+                <a16:creationId xmlns:a16="http://schemas.microsoft.com/office/drawing/2014/main" id="{DE6C5C07-E504-E7D5-2473-5CEA1C1EFCF3}"/>
+              </a:ext>
+            </a:extLst>
+          </p:cNvPr>
+          <p:cNvGraphicFramePr>
+            <a:graphicFrameLocks noGrp="1"/>
+          </p:cNvGraphicFramePr>
+          <p:nvPr>
+            <p:extLst>
+              <p:ext uri="{D42A27DB-BD31-4B8C-83A1-F6EECF244321}">
+                <p14:modId xmlns:p14="http://schemas.microsoft.com/office/powerpoint/2010/main" val="2496408068"/>
+              </p:ext>
+            </p:extLst>
+          </p:nvPr>
+        </p:nvGraphicFramePr>
+        <p:xfrm>
+          <a:off x="4804807" y="640080"/>
+          <a:ext cx="6602700" cy="5577846"/>
+        </p:xfrm>
+        <a:graphic>
+          <a:graphicData uri="http://schemas.openxmlformats.org/drawingml/2006/table">
+            <a:tbl>
+              <a:tblPr firstRow="1" firstCol="1" bandRow="1">
+                <a:tableStyleId>{5C22544A-7EE6-4342-B048-85BDC9FD1C3A}</a:tableStyleId>
+              </a:tblPr>
+              <a:tblGrid>
+                <a:gridCol w="855036">
+                  <a:extLst>
+                    <a:ext uri="{9D8B030D-6E8A-4147-A177-3AD203B41FA5}">
+                      <a16:colId xmlns:a16="http://schemas.microsoft.com/office/drawing/2014/main" val="567502455"/>
+                    </a:ext>
+                  </a:extLst>
+                </a:gridCol>
+                <a:gridCol w="2175480">
+                  <a:extLst>
+                    <a:ext uri="{9D8B030D-6E8A-4147-A177-3AD203B41FA5}">
+                      <a16:colId xmlns:a16="http://schemas.microsoft.com/office/drawing/2014/main" val="4212833163"/>
+                    </a:ext>
+                  </a:extLst>
+                </a:gridCol>
+                <a:gridCol w="875063">
+                  <a:extLst>
+                    <a:ext uri="{9D8B030D-6E8A-4147-A177-3AD203B41FA5}">
+                      <a16:colId xmlns:a16="http://schemas.microsoft.com/office/drawing/2014/main" val="606609323"/>
+                    </a:ext>
+                  </a:extLst>
+                </a:gridCol>
+                <a:gridCol w="980480">
+                  <a:extLst>
+                    <a:ext uri="{9D8B030D-6E8A-4147-A177-3AD203B41FA5}">
+                      <a16:colId xmlns:a16="http://schemas.microsoft.com/office/drawing/2014/main" val="2671848453"/>
+                    </a:ext>
+                  </a:extLst>
+                </a:gridCol>
+                <a:gridCol w="916396">
+                  <a:extLst>
+                    <a:ext uri="{9D8B030D-6E8A-4147-A177-3AD203B41FA5}">
+                      <a16:colId xmlns:a16="http://schemas.microsoft.com/office/drawing/2014/main" val="1681580260"/>
+                    </a:ext>
+                  </a:extLst>
+                </a:gridCol>
+                <a:gridCol w="800245">
+                  <a:extLst>
+                    <a:ext uri="{9D8B030D-6E8A-4147-A177-3AD203B41FA5}">
+                      <a16:colId xmlns:a16="http://schemas.microsoft.com/office/drawing/2014/main" val="4088735491"/>
+                    </a:ext>
+                  </a:extLst>
+                </a:gridCol>
+              </a:tblGrid>
+              <a:tr h="282449">
+                <a:tc>
+                  <a:txBody>
+                    <a:bodyPr/>
+                    <a:lstStyle/>
+                    <a:p>
+                      <a:pPr marL="0" marR="0" algn="ctr">
+                        <a:lnSpc>
+                          <a:spcPct val="107000"/>
+                        </a:lnSpc>
+                        <a:spcAft>
+                          <a:spcPts val="800"/>
+                        </a:spcAft>
+                      </a:pPr>
+                      <a:r>
+                        <a:rPr lang="en-US" sz="1500" kern="100">
+                          <a:effectLst/>
+                        </a:rPr>
+                        <a:t>Task #</a:t>
+                      </a:r>
+                      <a:endParaRPr lang="en-US" sz="1400" kern="100">
+                        <a:effectLst/>
+                        <a:latin typeface="Aptos" panose="020B0004020202020204" pitchFamily="34" charset="0"/>
+                        <a:ea typeface="Aptos" panose="020B0004020202020204" pitchFamily="34" charset="0"/>
+                        <a:cs typeface="Times New Roman" panose="02020603050405020304" pitchFamily="18" charset="0"/>
+                      </a:endParaRPr>
+                    </a:p>
+                  </a:txBody>
+                  <a:tcPr marL="86513" marR="86513" marT="0" marB="0"/>
+                </a:tc>
+                <a:tc>
+                  <a:txBody>
+                    <a:bodyPr/>
+                    <a:lstStyle/>
+                    <a:p>
+                      <a:pPr marL="0" marR="0" algn="ctr">
+                        <a:lnSpc>
+                          <a:spcPct val="107000"/>
+                        </a:lnSpc>
+                        <a:spcAft>
+                          <a:spcPts val="800"/>
+                        </a:spcAft>
+                      </a:pPr>
+                      <a:r>
+                        <a:rPr lang="en-US" sz="1500" kern="100">
+                          <a:effectLst/>
+                        </a:rPr>
+                        <a:t>Task</a:t>
+                      </a:r>
+                      <a:endParaRPr lang="en-US" sz="1400" kern="100">
+                        <a:effectLst/>
+                        <a:latin typeface="Aptos" panose="020B0004020202020204" pitchFamily="34" charset="0"/>
+                        <a:ea typeface="Aptos" panose="020B0004020202020204" pitchFamily="34" charset="0"/>
+                        <a:cs typeface="Times New Roman" panose="02020603050405020304" pitchFamily="18" charset="0"/>
+                      </a:endParaRPr>
+                    </a:p>
+                  </a:txBody>
+                  <a:tcPr marL="86513" marR="86513" marT="0" marB="0"/>
+                </a:tc>
+                <a:tc>
+                  <a:txBody>
+                    <a:bodyPr/>
+                    <a:lstStyle/>
+                    <a:p>
+                      <a:pPr marL="0" marR="0" algn="ctr">
+                        <a:lnSpc>
+                          <a:spcPct val="107000"/>
+                        </a:lnSpc>
+                        <a:spcAft>
+                          <a:spcPts val="800"/>
+                        </a:spcAft>
+                      </a:pPr>
+                      <a:r>
+                        <a:rPr lang="en-US" sz="1500" kern="100">
+                          <a:effectLst/>
+                        </a:rPr>
+                        <a:t>Tannyr</a:t>
+                      </a:r>
+                      <a:endParaRPr lang="en-US" sz="1400" kern="100">
+                        <a:effectLst/>
+                        <a:latin typeface="Aptos" panose="020B0004020202020204" pitchFamily="34" charset="0"/>
+                        <a:ea typeface="Aptos" panose="020B0004020202020204" pitchFamily="34" charset="0"/>
+                        <a:cs typeface="Times New Roman" panose="02020603050405020304" pitchFamily="18" charset="0"/>
+                      </a:endParaRPr>
+                    </a:p>
+                  </a:txBody>
+                  <a:tcPr marL="86513" marR="86513" marT="0" marB="0"/>
+                </a:tc>
+                <a:tc>
+                  <a:txBody>
+                    <a:bodyPr/>
+                    <a:lstStyle/>
+                    <a:p>
+                      <a:pPr marL="0" marR="0" algn="ctr">
+                        <a:lnSpc>
+                          <a:spcPct val="107000"/>
+                        </a:lnSpc>
+                        <a:spcAft>
+                          <a:spcPts val="800"/>
+                        </a:spcAft>
+                      </a:pPr>
+                      <a:r>
+                        <a:rPr lang="en-US" sz="1500" kern="100">
+                          <a:effectLst/>
+                        </a:rPr>
+                        <a:t>Gannon</a:t>
+                      </a:r>
+                      <a:endParaRPr lang="en-US" sz="1400" kern="100">
+                        <a:effectLst/>
+                        <a:latin typeface="Aptos" panose="020B0004020202020204" pitchFamily="34" charset="0"/>
+                        <a:ea typeface="Aptos" panose="020B0004020202020204" pitchFamily="34" charset="0"/>
+                        <a:cs typeface="Times New Roman" panose="02020603050405020304" pitchFamily="18" charset="0"/>
+                      </a:endParaRPr>
+                    </a:p>
+                  </a:txBody>
+                  <a:tcPr marL="86513" marR="86513" marT="0" marB="0"/>
+                </a:tc>
+                <a:tc>
+                  <a:txBody>
+                    <a:bodyPr/>
+                    <a:lstStyle/>
+                    <a:p>
+                      <a:pPr marL="0" marR="0" algn="ctr">
+                        <a:lnSpc>
+                          <a:spcPct val="107000"/>
+                        </a:lnSpc>
+                        <a:spcAft>
+                          <a:spcPts val="800"/>
+                        </a:spcAft>
+                      </a:pPr>
+                      <a:r>
+                        <a:rPr lang="en-US" sz="1500" kern="100">
+                          <a:effectLst/>
+                        </a:rPr>
+                        <a:t>Nathan</a:t>
+                      </a:r>
+                      <a:endParaRPr lang="en-US" sz="1400" kern="100">
+                        <a:effectLst/>
+                        <a:latin typeface="Aptos" panose="020B0004020202020204" pitchFamily="34" charset="0"/>
+                        <a:ea typeface="Aptos" panose="020B0004020202020204" pitchFamily="34" charset="0"/>
+                        <a:cs typeface="Times New Roman" panose="02020603050405020304" pitchFamily="18" charset="0"/>
+                      </a:endParaRPr>
+                    </a:p>
+                  </a:txBody>
+                  <a:tcPr marL="86513" marR="86513" marT="0" marB="0"/>
+                </a:tc>
+                <a:tc>
+                  <a:txBody>
+                    <a:bodyPr/>
+                    <a:lstStyle/>
+                    <a:p>
+                      <a:pPr marL="0" marR="0" algn="ctr">
+                        <a:lnSpc>
+                          <a:spcPct val="107000"/>
+                        </a:lnSpc>
+                        <a:spcAft>
+                          <a:spcPts val="800"/>
+                        </a:spcAft>
+                      </a:pPr>
+                      <a:r>
+                        <a:rPr lang="en-US" sz="1500" kern="100">
+                          <a:effectLst/>
+                        </a:rPr>
+                        <a:t>Ethan</a:t>
+                      </a:r>
+                      <a:endParaRPr lang="en-US" sz="1400" kern="100">
+                        <a:effectLst/>
+                        <a:latin typeface="Aptos" panose="020B0004020202020204" pitchFamily="34" charset="0"/>
+                        <a:ea typeface="Aptos" panose="020B0004020202020204" pitchFamily="34" charset="0"/>
+                        <a:cs typeface="Times New Roman" panose="02020603050405020304" pitchFamily="18" charset="0"/>
+                      </a:endParaRPr>
+                    </a:p>
+                  </a:txBody>
+                  <a:tcPr marL="86513" marR="86513" marT="0" marB="0"/>
+                </a:tc>
+                <a:extLst>
+                  <a:ext uri="{0D108BD9-81ED-4DB2-BD59-A6C34878D82A}">
+                    <a16:rowId xmlns:a16="http://schemas.microsoft.com/office/drawing/2014/main" val="69391621"/>
+                  </a:ext>
+                </a:extLst>
+              </a:tr>
+              <a:tr h="282449">
+                <a:tc>
+                  <a:txBody>
+                    <a:bodyPr/>
+                    <a:lstStyle/>
+                    <a:p>
+                      <a:pPr marL="0" marR="0" algn="r">
+                        <a:lnSpc>
+                          <a:spcPct val="107000"/>
+                        </a:lnSpc>
+                        <a:spcAft>
+                          <a:spcPts val="800"/>
+                        </a:spcAft>
+                      </a:pPr>
+                      <a:r>
+                        <a:rPr lang="en-US" sz="1500" kern="100">
+                          <a:effectLst/>
+                        </a:rPr>
+                        <a:t>1</a:t>
+                      </a:r>
+                      <a:endParaRPr lang="en-US" sz="1400" kern="100">
+                        <a:effectLst/>
+                        <a:latin typeface="Aptos" panose="020B0004020202020204" pitchFamily="34" charset="0"/>
+                        <a:ea typeface="Aptos" panose="020B0004020202020204" pitchFamily="34" charset="0"/>
+                        <a:cs typeface="Times New Roman" panose="02020603050405020304" pitchFamily="18" charset="0"/>
+                      </a:endParaRPr>
+                    </a:p>
+                  </a:txBody>
+                  <a:tcPr marL="86513" marR="86513" marT="0" marB="0"/>
+                </a:tc>
+                <a:tc>
+                  <a:txBody>
+                    <a:bodyPr/>
+                    <a:lstStyle/>
+                    <a:p>
+                      <a:pPr marL="0" marR="0" algn="ctr">
+                        <a:lnSpc>
+                          <a:spcPct val="107000"/>
+                        </a:lnSpc>
+                        <a:spcAft>
+                          <a:spcPts val="800"/>
+                        </a:spcAft>
+                      </a:pPr>
+                      <a:r>
+                        <a:rPr lang="en-US" sz="1500" kern="100">
+                          <a:effectLst/>
+                        </a:rPr>
+                        <a:t>Designing PCB</a:t>
+                      </a:r>
+                      <a:endParaRPr lang="en-US" sz="1400" kern="100">
+                        <a:effectLst/>
+                        <a:latin typeface="Aptos" panose="020B0004020202020204" pitchFamily="34" charset="0"/>
+                        <a:ea typeface="Aptos" panose="020B0004020202020204" pitchFamily="34" charset="0"/>
+                        <a:cs typeface="Times New Roman" panose="02020603050405020304" pitchFamily="18" charset="0"/>
+                      </a:endParaRPr>
+                    </a:p>
+                  </a:txBody>
+                  <a:tcPr marL="86513" marR="86513" marT="0" marB="0"/>
+                </a:tc>
+                <a:tc>
+                  <a:txBody>
+                    <a:bodyPr/>
+                    <a:lstStyle/>
+                    <a:p>
+                      <a:pPr marL="0" marR="0" algn="ctr">
+                        <a:lnSpc>
+                          <a:spcPct val="107000"/>
+                        </a:lnSpc>
+                        <a:spcAft>
+                          <a:spcPts val="800"/>
+                        </a:spcAft>
+                      </a:pPr>
+                      <a:r>
+                        <a:rPr lang="en-US" sz="1500" kern="100">
+                          <a:effectLst/>
+                        </a:rPr>
+                        <a:t>---</a:t>
+                      </a:r>
+                      <a:endParaRPr lang="en-US" sz="1400" kern="100">
+                        <a:effectLst/>
+                        <a:latin typeface="Aptos" panose="020B0004020202020204" pitchFamily="34" charset="0"/>
+                        <a:ea typeface="Aptos" panose="020B0004020202020204" pitchFamily="34" charset="0"/>
+                        <a:cs typeface="Times New Roman" panose="02020603050405020304" pitchFamily="18" charset="0"/>
+                      </a:endParaRPr>
+                    </a:p>
+                  </a:txBody>
+                  <a:tcPr marL="86513" marR="86513" marT="0" marB="0"/>
+                </a:tc>
+                <a:tc>
+                  <a:txBody>
+                    <a:bodyPr/>
+                    <a:lstStyle/>
+                    <a:p>
+                      <a:pPr marL="0" marR="0" algn="ctr">
+                        <a:lnSpc>
+                          <a:spcPct val="107000"/>
+                        </a:lnSpc>
+                        <a:spcAft>
+                          <a:spcPts val="800"/>
+                        </a:spcAft>
+                      </a:pPr>
+                      <a:r>
+                        <a:rPr lang="en-US" sz="1500" kern="100">
+                          <a:effectLst/>
+                        </a:rPr>
+                        <a:t>---</a:t>
+                      </a:r>
+                      <a:endParaRPr lang="en-US" sz="1400" kern="100">
+                        <a:effectLst/>
+                        <a:latin typeface="Aptos" panose="020B0004020202020204" pitchFamily="34" charset="0"/>
+                        <a:ea typeface="Aptos" panose="020B0004020202020204" pitchFamily="34" charset="0"/>
+                        <a:cs typeface="Times New Roman" panose="02020603050405020304" pitchFamily="18" charset="0"/>
+                      </a:endParaRPr>
+                    </a:p>
+                  </a:txBody>
+                  <a:tcPr marL="86513" marR="86513" marT="0" marB="0"/>
+                </a:tc>
+                <a:tc>
+                  <a:txBody>
+                    <a:bodyPr/>
+                    <a:lstStyle/>
+                    <a:p>
+                      <a:pPr marL="0" marR="0" algn="ctr">
+                        <a:lnSpc>
+                          <a:spcPct val="107000"/>
+                        </a:lnSpc>
+                        <a:spcAft>
+                          <a:spcPts val="800"/>
+                        </a:spcAft>
+                      </a:pPr>
+                      <a:r>
+                        <a:rPr lang="en-US" sz="1500" kern="100">
+                          <a:effectLst/>
+                        </a:rPr>
+                        <a:t>---</a:t>
+                      </a:r>
+                      <a:endParaRPr lang="en-US" sz="1400" kern="100">
+                        <a:effectLst/>
+                        <a:latin typeface="Aptos" panose="020B0004020202020204" pitchFamily="34" charset="0"/>
+                        <a:ea typeface="Aptos" panose="020B0004020202020204" pitchFamily="34" charset="0"/>
+                        <a:cs typeface="Times New Roman" panose="02020603050405020304" pitchFamily="18" charset="0"/>
+                      </a:endParaRPr>
+                    </a:p>
+                  </a:txBody>
+                  <a:tcPr marL="86513" marR="86513" marT="0" marB="0"/>
+                </a:tc>
+                <a:tc>
+                  <a:txBody>
+                    <a:bodyPr/>
+                    <a:lstStyle/>
+                    <a:p>
+                      <a:pPr marL="0" marR="0" algn="ctr">
+                        <a:lnSpc>
+                          <a:spcPct val="107000"/>
+                        </a:lnSpc>
+                        <a:spcAft>
+                          <a:spcPts val="800"/>
+                        </a:spcAft>
+                      </a:pPr>
+                      <a:r>
+                        <a:rPr lang="en-US" sz="1500" kern="100">
+                          <a:effectLst/>
+                        </a:rPr>
+                        <a:t>---</a:t>
+                      </a:r>
+                      <a:endParaRPr lang="en-US" sz="1400" kern="100">
+                        <a:effectLst/>
+                        <a:latin typeface="Aptos" panose="020B0004020202020204" pitchFamily="34" charset="0"/>
+                        <a:ea typeface="Aptos" panose="020B0004020202020204" pitchFamily="34" charset="0"/>
+                        <a:cs typeface="Times New Roman" panose="02020603050405020304" pitchFamily="18" charset="0"/>
+                      </a:endParaRPr>
+                    </a:p>
+                  </a:txBody>
+                  <a:tcPr marL="86513" marR="86513" marT="0" marB="0"/>
+                </a:tc>
+                <a:extLst>
+                  <a:ext uri="{0D108BD9-81ED-4DB2-BD59-A6C34878D82A}">
+                    <a16:rowId xmlns:a16="http://schemas.microsoft.com/office/drawing/2014/main" val="2537917514"/>
+                  </a:ext>
+                </a:extLst>
+              </a:tr>
+              <a:tr h="282449">
+                <a:tc>
+                  <a:txBody>
+                    <a:bodyPr/>
+                    <a:lstStyle/>
+                    <a:p>
+                      <a:pPr marL="0" marR="0" algn="r">
+                        <a:lnSpc>
+                          <a:spcPct val="107000"/>
+                        </a:lnSpc>
+                        <a:spcAft>
+                          <a:spcPts val="800"/>
+                        </a:spcAft>
+                      </a:pPr>
+                      <a:r>
+                        <a:rPr lang="en-US" sz="1500" kern="100">
+                          <a:effectLst/>
+                        </a:rPr>
+                        <a:t>1a</a:t>
+                      </a:r>
+                      <a:endParaRPr lang="en-US" sz="1400" kern="100">
+                        <a:effectLst/>
+                        <a:latin typeface="Aptos" panose="020B0004020202020204" pitchFamily="34" charset="0"/>
+                        <a:ea typeface="Aptos" panose="020B0004020202020204" pitchFamily="34" charset="0"/>
+                        <a:cs typeface="Times New Roman" panose="02020603050405020304" pitchFamily="18" charset="0"/>
+                      </a:endParaRPr>
+                    </a:p>
+                  </a:txBody>
+                  <a:tcPr marL="86513" marR="86513" marT="0" marB="0"/>
+                </a:tc>
+                <a:tc>
+                  <a:txBody>
+                    <a:bodyPr/>
+                    <a:lstStyle/>
+                    <a:p>
+                      <a:pPr marL="0" marR="0" algn="ctr">
+                        <a:lnSpc>
+                          <a:spcPct val="107000"/>
+                        </a:lnSpc>
+                        <a:spcAft>
+                          <a:spcPts val="800"/>
+                        </a:spcAft>
+                      </a:pPr>
+                      <a:r>
+                        <a:rPr lang="en-US" sz="1500" kern="100">
+                          <a:effectLst/>
+                        </a:rPr>
+                        <a:t>Footprints</a:t>
+                      </a:r>
+                      <a:endParaRPr lang="en-US" sz="1400" kern="100">
+                        <a:effectLst/>
+                        <a:latin typeface="Aptos" panose="020B0004020202020204" pitchFamily="34" charset="0"/>
+                        <a:ea typeface="Aptos" panose="020B0004020202020204" pitchFamily="34" charset="0"/>
+                        <a:cs typeface="Times New Roman" panose="02020603050405020304" pitchFamily="18" charset="0"/>
+                      </a:endParaRPr>
+                    </a:p>
+                  </a:txBody>
+                  <a:tcPr marL="86513" marR="86513" marT="0" marB="0"/>
+                </a:tc>
+                <a:tc>
+                  <a:txBody>
+                    <a:bodyPr/>
+                    <a:lstStyle/>
+                    <a:p>
+                      <a:pPr marL="0" marR="0" algn="ctr">
+                        <a:lnSpc>
+                          <a:spcPct val="107000"/>
+                        </a:lnSpc>
+                        <a:spcAft>
+                          <a:spcPts val="800"/>
+                        </a:spcAft>
+                      </a:pPr>
+                      <a:r>
+                        <a:rPr lang="en-US" sz="1500" kern="100">
+                          <a:effectLst/>
+                        </a:rPr>
+                        <a:t> </a:t>
+                      </a:r>
+                      <a:endParaRPr lang="en-US" sz="1400" kern="100">
+                        <a:effectLst/>
+                        <a:latin typeface="Aptos" panose="020B0004020202020204" pitchFamily="34" charset="0"/>
+                        <a:ea typeface="Aptos" panose="020B0004020202020204" pitchFamily="34" charset="0"/>
+                        <a:cs typeface="Times New Roman" panose="02020603050405020304" pitchFamily="18" charset="0"/>
+                      </a:endParaRPr>
+                    </a:p>
+                  </a:txBody>
+                  <a:tcPr marL="86513" marR="86513" marT="0" marB="0"/>
+                </a:tc>
+                <a:tc>
+                  <a:txBody>
+                    <a:bodyPr/>
+                    <a:lstStyle/>
+                    <a:p>
+                      <a:pPr marL="0" marR="0" algn="ctr">
+                        <a:lnSpc>
+                          <a:spcPct val="107000"/>
+                        </a:lnSpc>
+                        <a:spcAft>
+                          <a:spcPts val="800"/>
+                        </a:spcAft>
+                      </a:pPr>
+                      <a:r>
+                        <a:rPr lang="en-US" sz="1500" kern="100">
+                          <a:effectLst/>
+                        </a:rPr>
+                        <a:t>R</a:t>
+                      </a:r>
+                      <a:endParaRPr lang="en-US" sz="1400" kern="100">
+                        <a:effectLst/>
+                        <a:latin typeface="Aptos" panose="020B0004020202020204" pitchFamily="34" charset="0"/>
+                        <a:ea typeface="Aptos" panose="020B0004020202020204" pitchFamily="34" charset="0"/>
+                        <a:cs typeface="Times New Roman" panose="02020603050405020304" pitchFamily="18" charset="0"/>
+                      </a:endParaRPr>
+                    </a:p>
+                  </a:txBody>
+                  <a:tcPr marL="86513" marR="86513" marT="0" marB="0"/>
+                </a:tc>
+                <a:tc>
+                  <a:txBody>
+                    <a:bodyPr/>
+                    <a:lstStyle/>
+                    <a:p>
+                      <a:pPr marL="0" marR="0" algn="ctr">
+                        <a:lnSpc>
+                          <a:spcPct val="107000"/>
+                        </a:lnSpc>
+                        <a:spcAft>
+                          <a:spcPts val="800"/>
+                        </a:spcAft>
+                      </a:pPr>
+                      <a:r>
+                        <a:rPr lang="en-US" sz="1500" kern="100">
+                          <a:effectLst/>
+                        </a:rPr>
+                        <a:t> </a:t>
+                      </a:r>
+                      <a:endParaRPr lang="en-US" sz="1400" kern="100">
+                        <a:effectLst/>
+                        <a:latin typeface="Aptos" panose="020B0004020202020204" pitchFamily="34" charset="0"/>
+                        <a:ea typeface="Aptos" panose="020B0004020202020204" pitchFamily="34" charset="0"/>
+                        <a:cs typeface="Times New Roman" panose="02020603050405020304" pitchFamily="18" charset="0"/>
+                      </a:endParaRPr>
+                    </a:p>
+                  </a:txBody>
+                  <a:tcPr marL="86513" marR="86513" marT="0" marB="0"/>
+                </a:tc>
+                <a:tc>
+                  <a:txBody>
+                    <a:bodyPr/>
+                    <a:lstStyle/>
+                    <a:p>
+                      <a:pPr marL="0" marR="0" algn="ctr">
+                        <a:lnSpc>
+                          <a:spcPct val="107000"/>
+                        </a:lnSpc>
+                        <a:spcAft>
+                          <a:spcPts val="800"/>
+                        </a:spcAft>
+                      </a:pPr>
+                      <a:r>
+                        <a:rPr lang="en-US" sz="1500" kern="100">
+                          <a:effectLst/>
+                        </a:rPr>
+                        <a:t>A</a:t>
+                      </a:r>
+                      <a:endParaRPr lang="en-US" sz="1400" kern="100">
+                        <a:effectLst/>
+                        <a:latin typeface="Aptos" panose="020B0004020202020204" pitchFamily="34" charset="0"/>
+                        <a:ea typeface="Aptos" panose="020B0004020202020204" pitchFamily="34" charset="0"/>
+                        <a:cs typeface="Times New Roman" panose="02020603050405020304" pitchFamily="18" charset="0"/>
+                      </a:endParaRPr>
+                    </a:p>
+                  </a:txBody>
+                  <a:tcPr marL="86513" marR="86513" marT="0" marB="0"/>
+                </a:tc>
+                <a:extLst>
+                  <a:ext uri="{0D108BD9-81ED-4DB2-BD59-A6C34878D82A}">
+                    <a16:rowId xmlns:a16="http://schemas.microsoft.com/office/drawing/2014/main" val="2419676409"/>
+                  </a:ext>
+                </a:extLst>
+              </a:tr>
+              <a:tr h="282449">
+                <a:tc>
+                  <a:txBody>
+                    <a:bodyPr/>
+                    <a:lstStyle/>
+                    <a:p>
+                      <a:pPr marL="0" marR="0" algn="r">
+                        <a:lnSpc>
+                          <a:spcPct val="107000"/>
+                        </a:lnSpc>
+                        <a:spcAft>
+                          <a:spcPts val="800"/>
+                        </a:spcAft>
+                      </a:pPr>
+                      <a:r>
+                        <a:rPr lang="en-US" sz="1500" kern="100">
+                          <a:effectLst/>
+                        </a:rPr>
+                        <a:t>1b</a:t>
+                      </a:r>
+                      <a:endParaRPr lang="en-US" sz="1400" kern="100">
+                        <a:effectLst/>
+                        <a:latin typeface="Aptos" panose="020B0004020202020204" pitchFamily="34" charset="0"/>
+                        <a:ea typeface="Aptos" panose="020B0004020202020204" pitchFamily="34" charset="0"/>
+                        <a:cs typeface="Times New Roman" panose="02020603050405020304" pitchFamily="18" charset="0"/>
+                      </a:endParaRPr>
+                    </a:p>
+                  </a:txBody>
+                  <a:tcPr marL="86513" marR="86513" marT="0" marB="0"/>
+                </a:tc>
+                <a:tc>
+                  <a:txBody>
+                    <a:bodyPr/>
+                    <a:lstStyle/>
+                    <a:p>
+                      <a:pPr marL="0" marR="0" algn="ctr">
+                        <a:lnSpc>
+                          <a:spcPct val="107000"/>
+                        </a:lnSpc>
+                        <a:spcAft>
+                          <a:spcPts val="800"/>
+                        </a:spcAft>
+                      </a:pPr>
+                      <a:r>
+                        <a:rPr lang="en-US" sz="1500" kern="100">
+                          <a:effectLst/>
+                        </a:rPr>
+                        <a:t>Schematics</a:t>
+                      </a:r>
+                      <a:endParaRPr lang="en-US" sz="1400" kern="100">
+                        <a:effectLst/>
+                        <a:latin typeface="Aptos" panose="020B0004020202020204" pitchFamily="34" charset="0"/>
+                        <a:ea typeface="Aptos" panose="020B0004020202020204" pitchFamily="34" charset="0"/>
+                        <a:cs typeface="Times New Roman" panose="02020603050405020304" pitchFamily="18" charset="0"/>
+                      </a:endParaRPr>
+                    </a:p>
+                  </a:txBody>
+                  <a:tcPr marL="86513" marR="86513" marT="0" marB="0"/>
+                </a:tc>
+                <a:tc>
+                  <a:txBody>
+                    <a:bodyPr/>
+                    <a:lstStyle/>
+                    <a:p>
+                      <a:pPr marL="0" marR="0" algn="ctr">
+                        <a:lnSpc>
+                          <a:spcPct val="107000"/>
+                        </a:lnSpc>
+                        <a:spcAft>
+                          <a:spcPts val="800"/>
+                        </a:spcAft>
+                      </a:pPr>
+                      <a:r>
+                        <a:rPr lang="en-US" sz="1500" kern="100">
+                          <a:effectLst/>
+                        </a:rPr>
+                        <a:t>---</a:t>
+                      </a:r>
+                      <a:endParaRPr lang="en-US" sz="1400" kern="100">
+                        <a:effectLst/>
+                        <a:latin typeface="Aptos" panose="020B0004020202020204" pitchFamily="34" charset="0"/>
+                        <a:ea typeface="Aptos" panose="020B0004020202020204" pitchFamily="34" charset="0"/>
+                        <a:cs typeface="Times New Roman" panose="02020603050405020304" pitchFamily="18" charset="0"/>
+                      </a:endParaRPr>
+                    </a:p>
+                  </a:txBody>
+                  <a:tcPr marL="86513" marR="86513" marT="0" marB="0"/>
+                </a:tc>
+                <a:tc>
+                  <a:txBody>
+                    <a:bodyPr/>
+                    <a:lstStyle/>
+                    <a:p>
+                      <a:pPr marL="0" marR="0" algn="ctr">
+                        <a:lnSpc>
+                          <a:spcPct val="107000"/>
+                        </a:lnSpc>
+                        <a:spcAft>
+                          <a:spcPts val="800"/>
+                        </a:spcAft>
+                      </a:pPr>
+                      <a:r>
+                        <a:rPr lang="en-US" sz="1500" kern="100">
+                          <a:effectLst/>
+                        </a:rPr>
+                        <a:t>---</a:t>
+                      </a:r>
+                      <a:endParaRPr lang="en-US" sz="1400" kern="100">
+                        <a:effectLst/>
+                        <a:latin typeface="Aptos" panose="020B0004020202020204" pitchFamily="34" charset="0"/>
+                        <a:ea typeface="Aptos" panose="020B0004020202020204" pitchFamily="34" charset="0"/>
+                        <a:cs typeface="Times New Roman" panose="02020603050405020304" pitchFamily="18" charset="0"/>
+                      </a:endParaRPr>
+                    </a:p>
+                  </a:txBody>
+                  <a:tcPr marL="86513" marR="86513" marT="0" marB="0"/>
+                </a:tc>
+                <a:tc>
+                  <a:txBody>
+                    <a:bodyPr/>
+                    <a:lstStyle/>
+                    <a:p>
+                      <a:pPr marL="0" marR="0" algn="ctr">
+                        <a:lnSpc>
+                          <a:spcPct val="107000"/>
+                        </a:lnSpc>
+                        <a:spcAft>
+                          <a:spcPts val="800"/>
+                        </a:spcAft>
+                      </a:pPr>
+                      <a:r>
+                        <a:rPr lang="en-US" sz="1500" kern="100">
+                          <a:effectLst/>
+                        </a:rPr>
+                        <a:t>---</a:t>
+                      </a:r>
+                      <a:endParaRPr lang="en-US" sz="1400" kern="100">
+                        <a:effectLst/>
+                        <a:latin typeface="Aptos" panose="020B0004020202020204" pitchFamily="34" charset="0"/>
+                        <a:ea typeface="Aptos" panose="020B0004020202020204" pitchFamily="34" charset="0"/>
+                        <a:cs typeface="Times New Roman" panose="02020603050405020304" pitchFamily="18" charset="0"/>
+                      </a:endParaRPr>
+                    </a:p>
+                  </a:txBody>
+                  <a:tcPr marL="86513" marR="86513" marT="0" marB="0"/>
+                </a:tc>
+                <a:tc>
+                  <a:txBody>
+                    <a:bodyPr/>
+                    <a:lstStyle/>
+                    <a:p>
+                      <a:pPr marL="0" marR="0" algn="ctr">
+                        <a:lnSpc>
+                          <a:spcPct val="107000"/>
+                        </a:lnSpc>
+                        <a:spcAft>
+                          <a:spcPts val="800"/>
+                        </a:spcAft>
+                      </a:pPr>
+                      <a:r>
+                        <a:rPr lang="en-US" sz="1500" kern="100">
+                          <a:effectLst/>
+                        </a:rPr>
+                        <a:t>---</a:t>
+                      </a:r>
+                      <a:endParaRPr lang="en-US" sz="1400" kern="100">
+                        <a:effectLst/>
+                        <a:latin typeface="Aptos" panose="020B0004020202020204" pitchFamily="34" charset="0"/>
+                        <a:ea typeface="Aptos" panose="020B0004020202020204" pitchFamily="34" charset="0"/>
+                        <a:cs typeface="Times New Roman" panose="02020603050405020304" pitchFamily="18" charset="0"/>
+                      </a:endParaRPr>
+                    </a:p>
+                  </a:txBody>
+                  <a:tcPr marL="86513" marR="86513" marT="0" marB="0"/>
+                </a:tc>
+                <a:extLst>
+                  <a:ext uri="{0D108BD9-81ED-4DB2-BD59-A6C34878D82A}">
+                    <a16:rowId xmlns:a16="http://schemas.microsoft.com/office/drawing/2014/main" val="1696360398"/>
+                  </a:ext>
+                </a:extLst>
+              </a:tr>
+              <a:tr h="282449">
+                <a:tc>
+                  <a:txBody>
+                    <a:bodyPr/>
+                    <a:lstStyle/>
+                    <a:p>
+                      <a:pPr marL="0" marR="0" algn="r">
+                        <a:lnSpc>
+                          <a:spcPct val="107000"/>
+                        </a:lnSpc>
+                        <a:spcAft>
+                          <a:spcPts val="800"/>
+                        </a:spcAft>
+                      </a:pPr>
+                      <a:r>
+                        <a:rPr lang="en-US" sz="1500" kern="100">
+                          <a:effectLst/>
+                        </a:rPr>
+                        <a:t>1bi</a:t>
+                      </a:r>
+                      <a:endParaRPr lang="en-US" sz="1400" kern="100">
+                        <a:effectLst/>
+                        <a:latin typeface="Aptos" panose="020B0004020202020204" pitchFamily="34" charset="0"/>
+                        <a:ea typeface="Aptos" panose="020B0004020202020204" pitchFamily="34" charset="0"/>
+                        <a:cs typeface="Times New Roman" panose="02020603050405020304" pitchFamily="18" charset="0"/>
+                      </a:endParaRPr>
+                    </a:p>
+                  </a:txBody>
+                  <a:tcPr marL="86513" marR="86513" marT="0" marB="0"/>
+                </a:tc>
+                <a:tc>
+                  <a:txBody>
+                    <a:bodyPr/>
+                    <a:lstStyle/>
+                    <a:p>
+                      <a:pPr marL="0" marR="0" algn="ctr">
+                        <a:lnSpc>
+                          <a:spcPct val="107000"/>
+                        </a:lnSpc>
+                        <a:spcAft>
+                          <a:spcPts val="800"/>
+                        </a:spcAft>
+                      </a:pPr>
+                      <a:r>
+                        <a:rPr lang="en-US" sz="1500" kern="100">
+                          <a:effectLst/>
+                        </a:rPr>
+                        <a:t>ESP</a:t>
+                      </a:r>
+                      <a:endParaRPr lang="en-US" sz="1400" kern="100">
+                        <a:effectLst/>
+                        <a:latin typeface="Aptos" panose="020B0004020202020204" pitchFamily="34" charset="0"/>
+                        <a:ea typeface="Aptos" panose="020B0004020202020204" pitchFamily="34" charset="0"/>
+                        <a:cs typeface="Times New Roman" panose="02020603050405020304" pitchFamily="18" charset="0"/>
+                      </a:endParaRPr>
+                    </a:p>
+                  </a:txBody>
+                  <a:tcPr marL="86513" marR="86513" marT="0" marB="0"/>
+                </a:tc>
+                <a:tc>
+                  <a:txBody>
+                    <a:bodyPr/>
+                    <a:lstStyle/>
+                    <a:p>
+                      <a:pPr marL="0" marR="0" algn="ctr">
+                        <a:lnSpc>
+                          <a:spcPct val="107000"/>
+                        </a:lnSpc>
+                        <a:spcAft>
+                          <a:spcPts val="800"/>
+                        </a:spcAft>
+                      </a:pPr>
+                      <a:r>
+                        <a:rPr lang="en-US" sz="1500" kern="100">
+                          <a:effectLst/>
+                        </a:rPr>
+                        <a:t> </a:t>
+                      </a:r>
+                      <a:endParaRPr lang="en-US" sz="1400" kern="100">
+                        <a:effectLst/>
+                        <a:latin typeface="Aptos" panose="020B0004020202020204" pitchFamily="34" charset="0"/>
+                        <a:ea typeface="Aptos" panose="020B0004020202020204" pitchFamily="34" charset="0"/>
+                        <a:cs typeface="Times New Roman" panose="02020603050405020304" pitchFamily="18" charset="0"/>
+                      </a:endParaRPr>
+                    </a:p>
+                  </a:txBody>
+                  <a:tcPr marL="86513" marR="86513" marT="0" marB="0"/>
+                </a:tc>
+                <a:tc>
+                  <a:txBody>
+                    <a:bodyPr/>
+                    <a:lstStyle/>
+                    <a:p>
+                      <a:pPr marL="0" marR="0" algn="ctr">
+                        <a:lnSpc>
+                          <a:spcPct val="107000"/>
+                        </a:lnSpc>
+                        <a:spcAft>
+                          <a:spcPts val="800"/>
+                        </a:spcAft>
+                      </a:pPr>
+                      <a:r>
+                        <a:rPr lang="en-US" sz="1500" kern="100">
+                          <a:effectLst/>
+                        </a:rPr>
+                        <a:t>R</a:t>
+                      </a:r>
+                      <a:endParaRPr lang="en-US" sz="1400" kern="100">
+                        <a:effectLst/>
+                        <a:latin typeface="Aptos" panose="020B0004020202020204" pitchFamily="34" charset="0"/>
+                        <a:ea typeface="Aptos" panose="020B0004020202020204" pitchFamily="34" charset="0"/>
+                        <a:cs typeface="Times New Roman" panose="02020603050405020304" pitchFamily="18" charset="0"/>
+                      </a:endParaRPr>
+                    </a:p>
+                  </a:txBody>
+                  <a:tcPr marL="86513" marR="86513" marT="0" marB="0"/>
+                </a:tc>
+                <a:tc>
+                  <a:txBody>
+                    <a:bodyPr/>
+                    <a:lstStyle/>
+                    <a:p>
+                      <a:pPr marL="0" marR="0" algn="ctr">
+                        <a:lnSpc>
+                          <a:spcPct val="107000"/>
+                        </a:lnSpc>
+                        <a:spcAft>
+                          <a:spcPts val="800"/>
+                        </a:spcAft>
+                      </a:pPr>
+                      <a:r>
+                        <a:rPr lang="en-US" sz="1500" kern="100">
+                          <a:effectLst/>
+                        </a:rPr>
+                        <a:t> </a:t>
+                      </a:r>
+                      <a:endParaRPr lang="en-US" sz="1400" kern="100">
+                        <a:effectLst/>
+                        <a:latin typeface="Aptos" panose="020B0004020202020204" pitchFamily="34" charset="0"/>
+                        <a:ea typeface="Aptos" panose="020B0004020202020204" pitchFamily="34" charset="0"/>
+                        <a:cs typeface="Times New Roman" panose="02020603050405020304" pitchFamily="18" charset="0"/>
+                      </a:endParaRPr>
+                    </a:p>
+                  </a:txBody>
+                  <a:tcPr marL="86513" marR="86513" marT="0" marB="0"/>
+                </a:tc>
+                <a:tc>
+                  <a:txBody>
+                    <a:bodyPr/>
+                    <a:lstStyle/>
+                    <a:p>
+                      <a:pPr marL="0" marR="0" algn="ctr">
+                        <a:lnSpc>
+                          <a:spcPct val="107000"/>
+                        </a:lnSpc>
+                        <a:spcAft>
+                          <a:spcPts val="800"/>
+                        </a:spcAft>
+                      </a:pPr>
+                      <a:r>
+                        <a:rPr lang="en-US" sz="1500" kern="100">
+                          <a:effectLst/>
+                        </a:rPr>
+                        <a:t>A</a:t>
+                      </a:r>
+                      <a:endParaRPr lang="en-US" sz="1400" kern="100">
+                        <a:effectLst/>
+                        <a:latin typeface="Aptos" panose="020B0004020202020204" pitchFamily="34" charset="0"/>
+                        <a:ea typeface="Aptos" panose="020B0004020202020204" pitchFamily="34" charset="0"/>
+                        <a:cs typeface="Times New Roman" panose="02020603050405020304" pitchFamily="18" charset="0"/>
+                      </a:endParaRPr>
+                    </a:p>
+                  </a:txBody>
+                  <a:tcPr marL="86513" marR="86513" marT="0" marB="0"/>
+                </a:tc>
+                <a:extLst>
+                  <a:ext uri="{0D108BD9-81ED-4DB2-BD59-A6C34878D82A}">
+                    <a16:rowId xmlns:a16="http://schemas.microsoft.com/office/drawing/2014/main" val="1666172433"/>
+                  </a:ext>
+                </a:extLst>
+              </a:tr>
+              <a:tr h="282449">
+                <a:tc>
+                  <a:txBody>
+                    <a:bodyPr/>
+                    <a:lstStyle/>
+                    <a:p>
+                      <a:pPr marL="0" marR="0" algn="r">
+                        <a:lnSpc>
+                          <a:spcPct val="107000"/>
+                        </a:lnSpc>
+                        <a:spcAft>
+                          <a:spcPts val="800"/>
+                        </a:spcAft>
+                      </a:pPr>
+                      <a:r>
+                        <a:rPr lang="en-US" sz="1500" kern="100">
+                          <a:effectLst/>
+                        </a:rPr>
+                        <a:t>1bii</a:t>
+                      </a:r>
+                      <a:endParaRPr lang="en-US" sz="1400" kern="100">
+                        <a:effectLst/>
+                        <a:latin typeface="Aptos" panose="020B0004020202020204" pitchFamily="34" charset="0"/>
+                        <a:ea typeface="Aptos" panose="020B0004020202020204" pitchFamily="34" charset="0"/>
+                        <a:cs typeface="Times New Roman" panose="02020603050405020304" pitchFamily="18" charset="0"/>
+                      </a:endParaRPr>
+                    </a:p>
+                  </a:txBody>
+                  <a:tcPr marL="86513" marR="86513" marT="0" marB="0"/>
+                </a:tc>
+                <a:tc>
+                  <a:txBody>
+                    <a:bodyPr/>
+                    <a:lstStyle/>
+                    <a:p>
+                      <a:pPr marL="0" marR="0" algn="ctr">
+                        <a:lnSpc>
+                          <a:spcPct val="107000"/>
+                        </a:lnSpc>
+                        <a:spcAft>
+                          <a:spcPts val="800"/>
+                        </a:spcAft>
+                      </a:pPr>
+                      <a:r>
+                        <a:rPr lang="en-US" sz="1500" kern="100">
+                          <a:effectLst/>
+                        </a:rPr>
+                        <a:t>Power and USB</a:t>
+                      </a:r>
+                      <a:endParaRPr lang="en-US" sz="1400" kern="100">
+                        <a:effectLst/>
+                        <a:latin typeface="Aptos" panose="020B0004020202020204" pitchFamily="34" charset="0"/>
+                        <a:ea typeface="Aptos" panose="020B0004020202020204" pitchFamily="34" charset="0"/>
+                        <a:cs typeface="Times New Roman" panose="02020603050405020304" pitchFamily="18" charset="0"/>
+                      </a:endParaRPr>
+                    </a:p>
+                  </a:txBody>
+                  <a:tcPr marL="86513" marR="86513" marT="0" marB="0"/>
+                </a:tc>
+                <a:tc>
+                  <a:txBody>
+                    <a:bodyPr/>
+                    <a:lstStyle/>
+                    <a:p>
+                      <a:pPr marL="0" marR="0" algn="ctr">
+                        <a:lnSpc>
+                          <a:spcPct val="107000"/>
+                        </a:lnSpc>
+                        <a:spcAft>
+                          <a:spcPts val="800"/>
+                        </a:spcAft>
+                      </a:pPr>
+                      <a:r>
+                        <a:rPr lang="en-US" sz="1500" kern="100">
+                          <a:effectLst/>
+                        </a:rPr>
+                        <a:t> </a:t>
+                      </a:r>
+                      <a:endParaRPr lang="en-US" sz="1400" kern="100">
+                        <a:effectLst/>
+                        <a:latin typeface="Aptos" panose="020B0004020202020204" pitchFamily="34" charset="0"/>
+                        <a:ea typeface="Aptos" panose="020B0004020202020204" pitchFamily="34" charset="0"/>
+                        <a:cs typeface="Times New Roman" panose="02020603050405020304" pitchFamily="18" charset="0"/>
+                      </a:endParaRPr>
+                    </a:p>
+                  </a:txBody>
+                  <a:tcPr marL="86513" marR="86513" marT="0" marB="0"/>
+                </a:tc>
+                <a:tc>
+                  <a:txBody>
+                    <a:bodyPr/>
+                    <a:lstStyle/>
+                    <a:p>
+                      <a:pPr marL="0" marR="0" algn="ctr">
+                        <a:lnSpc>
+                          <a:spcPct val="107000"/>
+                        </a:lnSpc>
+                        <a:spcAft>
+                          <a:spcPts val="800"/>
+                        </a:spcAft>
+                      </a:pPr>
+                      <a:r>
+                        <a:rPr lang="en-US" sz="1500" kern="100">
+                          <a:effectLst/>
+                        </a:rPr>
+                        <a:t>R</a:t>
+                      </a:r>
+                      <a:endParaRPr lang="en-US" sz="1400" kern="100">
+                        <a:effectLst/>
+                        <a:latin typeface="Aptos" panose="020B0004020202020204" pitchFamily="34" charset="0"/>
+                        <a:ea typeface="Aptos" panose="020B0004020202020204" pitchFamily="34" charset="0"/>
+                        <a:cs typeface="Times New Roman" panose="02020603050405020304" pitchFamily="18" charset="0"/>
+                      </a:endParaRPr>
+                    </a:p>
+                  </a:txBody>
+                  <a:tcPr marL="86513" marR="86513" marT="0" marB="0"/>
+                </a:tc>
+                <a:tc>
+                  <a:txBody>
+                    <a:bodyPr/>
+                    <a:lstStyle/>
+                    <a:p>
+                      <a:pPr marL="0" marR="0" algn="ctr">
+                        <a:lnSpc>
+                          <a:spcPct val="107000"/>
+                        </a:lnSpc>
+                        <a:spcAft>
+                          <a:spcPts val="800"/>
+                        </a:spcAft>
+                      </a:pPr>
+                      <a:r>
+                        <a:rPr lang="en-US" sz="1500" kern="100">
+                          <a:effectLst/>
+                        </a:rPr>
+                        <a:t> </a:t>
+                      </a:r>
+                      <a:endParaRPr lang="en-US" sz="1400" kern="100">
+                        <a:effectLst/>
+                        <a:latin typeface="Aptos" panose="020B0004020202020204" pitchFamily="34" charset="0"/>
+                        <a:ea typeface="Aptos" panose="020B0004020202020204" pitchFamily="34" charset="0"/>
+                        <a:cs typeface="Times New Roman" panose="02020603050405020304" pitchFamily="18" charset="0"/>
+                      </a:endParaRPr>
+                    </a:p>
+                  </a:txBody>
+                  <a:tcPr marL="86513" marR="86513" marT="0" marB="0"/>
+                </a:tc>
+                <a:tc>
+                  <a:txBody>
+                    <a:bodyPr/>
+                    <a:lstStyle/>
+                    <a:p>
+                      <a:pPr marL="0" marR="0" algn="ctr">
+                        <a:lnSpc>
+                          <a:spcPct val="107000"/>
+                        </a:lnSpc>
+                        <a:spcAft>
+                          <a:spcPts val="800"/>
+                        </a:spcAft>
+                      </a:pPr>
+                      <a:r>
+                        <a:rPr lang="en-US" sz="1500" kern="100">
+                          <a:effectLst/>
+                        </a:rPr>
+                        <a:t>A</a:t>
+                      </a:r>
+                      <a:endParaRPr lang="en-US" sz="1400" kern="100">
+                        <a:effectLst/>
+                        <a:latin typeface="Aptos" panose="020B0004020202020204" pitchFamily="34" charset="0"/>
+                        <a:ea typeface="Aptos" panose="020B0004020202020204" pitchFamily="34" charset="0"/>
+                        <a:cs typeface="Times New Roman" panose="02020603050405020304" pitchFamily="18" charset="0"/>
+                      </a:endParaRPr>
+                    </a:p>
+                  </a:txBody>
+                  <a:tcPr marL="86513" marR="86513" marT="0" marB="0"/>
+                </a:tc>
+                <a:extLst>
+                  <a:ext uri="{0D108BD9-81ED-4DB2-BD59-A6C34878D82A}">
+                    <a16:rowId xmlns:a16="http://schemas.microsoft.com/office/drawing/2014/main" val="549425118"/>
+                  </a:ext>
+                </a:extLst>
+              </a:tr>
+              <a:tr h="282449">
+                <a:tc>
+                  <a:txBody>
+                    <a:bodyPr/>
+                    <a:lstStyle/>
+                    <a:p>
+                      <a:pPr marL="0" marR="0" algn="r">
+                        <a:lnSpc>
+                          <a:spcPct val="107000"/>
+                        </a:lnSpc>
+                        <a:spcAft>
+                          <a:spcPts val="800"/>
+                        </a:spcAft>
+                      </a:pPr>
+                      <a:r>
+                        <a:rPr lang="en-US" sz="1500" kern="100">
+                          <a:effectLst/>
+                        </a:rPr>
+                        <a:t>1biii</a:t>
+                      </a:r>
+                      <a:endParaRPr lang="en-US" sz="1400" kern="100">
+                        <a:effectLst/>
+                        <a:latin typeface="Aptos" panose="020B0004020202020204" pitchFamily="34" charset="0"/>
+                        <a:ea typeface="Aptos" panose="020B0004020202020204" pitchFamily="34" charset="0"/>
+                        <a:cs typeface="Times New Roman" panose="02020603050405020304" pitchFamily="18" charset="0"/>
+                      </a:endParaRPr>
+                    </a:p>
+                  </a:txBody>
+                  <a:tcPr marL="86513" marR="86513" marT="0" marB="0"/>
+                </a:tc>
+                <a:tc>
+                  <a:txBody>
+                    <a:bodyPr/>
+                    <a:lstStyle/>
+                    <a:p>
+                      <a:pPr marL="0" marR="0" algn="ctr">
+                        <a:lnSpc>
+                          <a:spcPct val="107000"/>
+                        </a:lnSpc>
+                        <a:spcAft>
+                          <a:spcPts val="800"/>
+                        </a:spcAft>
+                      </a:pPr>
+                      <a:r>
+                        <a:rPr lang="en-US" sz="1500" kern="100">
+                          <a:effectLst/>
+                        </a:rPr>
+                        <a:t>IMU</a:t>
+                      </a:r>
+                      <a:endParaRPr lang="en-US" sz="1400" kern="100">
+                        <a:effectLst/>
+                        <a:latin typeface="Aptos" panose="020B0004020202020204" pitchFamily="34" charset="0"/>
+                        <a:ea typeface="Aptos" panose="020B0004020202020204" pitchFamily="34" charset="0"/>
+                        <a:cs typeface="Times New Roman" panose="02020603050405020304" pitchFamily="18" charset="0"/>
+                      </a:endParaRPr>
+                    </a:p>
+                  </a:txBody>
+                  <a:tcPr marL="86513" marR="86513" marT="0" marB="0"/>
+                </a:tc>
+                <a:tc>
+                  <a:txBody>
+                    <a:bodyPr/>
+                    <a:lstStyle/>
+                    <a:p>
+                      <a:pPr marL="0" marR="0" algn="ctr">
+                        <a:lnSpc>
+                          <a:spcPct val="107000"/>
+                        </a:lnSpc>
+                        <a:spcAft>
+                          <a:spcPts val="800"/>
+                        </a:spcAft>
+                      </a:pPr>
+                      <a:r>
+                        <a:rPr lang="en-US" sz="1500" kern="100">
+                          <a:effectLst/>
+                        </a:rPr>
+                        <a:t> </a:t>
+                      </a:r>
+                      <a:endParaRPr lang="en-US" sz="1400" kern="100">
+                        <a:effectLst/>
+                        <a:latin typeface="Aptos" panose="020B0004020202020204" pitchFamily="34" charset="0"/>
+                        <a:ea typeface="Aptos" panose="020B0004020202020204" pitchFamily="34" charset="0"/>
+                        <a:cs typeface="Times New Roman" panose="02020603050405020304" pitchFamily="18" charset="0"/>
+                      </a:endParaRPr>
+                    </a:p>
+                  </a:txBody>
+                  <a:tcPr marL="86513" marR="86513" marT="0" marB="0"/>
+                </a:tc>
+                <a:tc>
+                  <a:txBody>
+                    <a:bodyPr/>
+                    <a:lstStyle/>
+                    <a:p>
+                      <a:pPr marL="0" marR="0" algn="ctr">
+                        <a:lnSpc>
+                          <a:spcPct val="107000"/>
+                        </a:lnSpc>
+                        <a:spcAft>
+                          <a:spcPts val="800"/>
+                        </a:spcAft>
+                      </a:pPr>
+                      <a:r>
+                        <a:rPr lang="en-US" sz="1500" kern="100">
+                          <a:effectLst/>
+                        </a:rPr>
+                        <a:t>A</a:t>
+                      </a:r>
+                      <a:endParaRPr lang="en-US" sz="1400" kern="100">
+                        <a:effectLst/>
+                        <a:latin typeface="Aptos" panose="020B0004020202020204" pitchFamily="34" charset="0"/>
+                        <a:ea typeface="Aptos" panose="020B0004020202020204" pitchFamily="34" charset="0"/>
+                        <a:cs typeface="Times New Roman" panose="02020603050405020304" pitchFamily="18" charset="0"/>
+                      </a:endParaRPr>
+                    </a:p>
+                  </a:txBody>
+                  <a:tcPr marL="86513" marR="86513" marT="0" marB="0"/>
+                </a:tc>
+                <a:tc>
+                  <a:txBody>
+                    <a:bodyPr/>
+                    <a:lstStyle/>
+                    <a:p>
+                      <a:pPr marL="0" marR="0" algn="ctr">
+                        <a:lnSpc>
+                          <a:spcPct val="107000"/>
+                        </a:lnSpc>
+                        <a:spcAft>
+                          <a:spcPts val="800"/>
+                        </a:spcAft>
+                      </a:pPr>
+                      <a:r>
+                        <a:rPr lang="en-US" sz="1500" kern="100">
+                          <a:effectLst/>
+                        </a:rPr>
+                        <a:t> </a:t>
+                      </a:r>
+                      <a:endParaRPr lang="en-US" sz="1400" kern="100">
+                        <a:effectLst/>
+                        <a:latin typeface="Aptos" panose="020B0004020202020204" pitchFamily="34" charset="0"/>
+                        <a:ea typeface="Aptos" panose="020B0004020202020204" pitchFamily="34" charset="0"/>
+                        <a:cs typeface="Times New Roman" panose="02020603050405020304" pitchFamily="18" charset="0"/>
+                      </a:endParaRPr>
+                    </a:p>
+                  </a:txBody>
+                  <a:tcPr marL="86513" marR="86513" marT="0" marB="0"/>
+                </a:tc>
+                <a:tc>
+                  <a:txBody>
+                    <a:bodyPr/>
+                    <a:lstStyle/>
+                    <a:p>
+                      <a:pPr marL="0" marR="0" algn="ctr">
+                        <a:lnSpc>
+                          <a:spcPct val="107000"/>
+                        </a:lnSpc>
+                        <a:spcAft>
+                          <a:spcPts val="800"/>
+                        </a:spcAft>
+                      </a:pPr>
+                      <a:r>
+                        <a:rPr lang="en-US" sz="1500" kern="100">
+                          <a:effectLst/>
+                        </a:rPr>
+                        <a:t>R</a:t>
+                      </a:r>
+                      <a:endParaRPr lang="en-US" sz="1400" kern="100">
+                        <a:effectLst/>
+                        <a:latin typeface="Aptos" panose="020B0004020202020204" pitchFamily="34" charset="0"/>
+                        <a:ea typeface="Aptos" panose="020B0004020202020204" pitchFamily="34" charset="0"/>
+                        <a:cs typeface="Times New Roman" panose="02020603050405020304" pitchFamily="18" charset="0"/>
+                      </a:endParaRPr>
+                    </a:p>
+                  </a:txBody>
+                  <a:tcPr marL="86513" marR="86513" marT="0" marB="0"/>
+                </a:tc>
+                <a:extLst>
+                  <a:ext uri="{0D108BD9-81ED-4DB2-BD59-A6C34878D82A}">
+                    <a16:rowId xmlns:a16="http://schemas.microsoft.com/office/drawing/2014/main" val="3524149370"/>
+                  </a:ext>
+                </a:extLst>
+              </a:tr>
+              <a:tr h="282449">
+                <a:tc>
+                  <a:txBody>
+                    <a:bodyPr/>
+                    <a:lstStyle/>
+                    <a:p>
+                      <a:pPr marL="0" marR="0" algn="r">
+                        <a:lnSpc>
+                          <a:spcPct val="107000"/>
+                        </a:lnSpc>
+                        <a:spcAft>
+                          <a:spcPts val="800"/>
+                        </a:spcAft>
+                      </a:pPr>
+                      <a:r>
+                        <a:rPr lang="en-US" sz="1500" kern="100">
+                          <a:effectLst/>
+                        </a:rPr>
+                        <a:t>1biv</a:t>
+                      </a:r>
+                      <a:endParaRPr lang="en-US" sz="1400" kern="100">
+                        <a:effectLst/>
+                        <a:latin typeface="Aptos" panose="020B0004020202020204" pitchFamily="34" charset="0"/>
+                        <a:ea typeface="Aptos" panose="020B0004020202020204" pitchFamily="34" charset="0"/>
+                        <a:cs typeface="Times New Roman" panose="02020603050405020304" pitchFamily="18" charset="0"/>
+                      </a:endParaRPr>
+                    </a:p>
+                  </a:txBody>
+                  <a:tcPr marL="86513" marR="86513" marT="0" marB="0"/>
+                </a:tc>
+                <a:tc>
+                  <a:txBody>
+                    <a:bodyPr/>
+                    <a:lstStyle/>
+                    <a:p>
+                      <a:pPr marL="0" marR="0" algn="ctr">
+                        <a:lnSpc>
+                          <a:spcPct val="107000"/>
+                        </a:lnSpc>
+                        <a:spcAft>
+                          <a:spcPts val="800"/>
+                        </a:spcAft>
+                      </a:pPr>
+                      <a:r>
+                        <a:rPr lang="en-US" sz="1500" kern="100">
+                          <a:effectLst/>
+                        </a:rPr>
+                        <a:t>Barometer</a:t>
+                      </a:r>
+                      <a:endParaRPr lang="en-US" sz="1400" kern="100">
+                        <a:effectLst/>
+                        <a:latin typeface="Aptos" panose="020B0004020202020204" pitchFamily="34" charset="0"/>
+                        <a:ea typeface="Aptos" panose="020B0004020202020204" pitchFamily="34" charset="0"/>
+                        <a:cs typeface="Times New Roman" panose="02020603050405020304" pitchFamily="18" charset="0"/>
+                      </a:endParaRPr>
+                    </a:p>
+                  </a:txBody>
+                  <a:tcPr marL="86513" marR="86513" marT="0" marB="0"/>
+                </a:tc>
+                <a:tc>
+                  <a:txBody>
+                    <a:bodyPr/>
+                    <a:lstStyle/>
+                    <a:p>
+                      <a:pPr marL="0" marR="0" algn="ctr">
+                        <a:lnSpc>
+                          <a:spcPct val="107000"/>
+                        </a:lnSpc>
+                        <a:spcAft>
+                          <a:spcPts val="800"/>
+                        </a:spcAft>
+                      </a:pPr>
+                      <a:r>
+                        <a:rPr lang="en-US" sz="1500" kern="100">
+                          <a:effectLst/>
+                        </a:rPr>
+                        <a:t> </a:t>
+                      </a:r>
+                      <a:endParaRPr lang="en-US" sz="1400" kern="100">
+                        <a:effectLst/>
+                        <a:latin typeface="Aptos" panose="020B0004020202020204" pitchFamily="34" charset="0"/>
+                        <a:ea typeface="Aptos" panose="020B0004020202020204" pitchFamily="34" charset="0"/>
+                        <a:cs typeface="Times New Roman" panose="02020603050405020304" pitchFamily="18" charset="0"/>
+                      </a:endParaRPr>
+                    </a:p>
+                  </a:txBody>
+                  <a:tcPr marL="86513" marR="86513" marT="0" marB="0"/>
+                </a:tc>
+                <a:tc>
+                  <a:txBody>
+                    <a:bodyPr/>
+                    <a:lstStyle/>
+                    <a:p>
+                      <a:pPr marL="0" marR="0" algn="ctr">
+                        <a:lnSpc>
+                          <a:spcPct val="107000"/>
+                        </a:lnSpc>
+                        <a:spcAft>
+                          <a:spcPts val="800"/>
+                        </a:spcAft>
+                      </a:pPr>
+                      <a:r>
+                        <a:rPr lang="en-US" sz="1500" kern="100">
+                          <a:effectLst/>
+                        </a:rPr>
+                        <a:t>A</a:t>
+                      </a:r>
+                      <a:endParaRPr lang="en-US" sz="1400" kern="100">
+                        <a:effectLst/>
+                        <a:latin typeface="Aptos" panose="020B0004020202020204" pitchFamily="34" charset="0"/>
+                        <a:ea typeface="Aptos" panose="020B0004020202020204" pitchFamily="34" charset="0"/>
+                        <a:cs typeface="Times New Roman" panose="02020603050405020304" pitchFamily="18" charset="0"/>
+                      </a:endParaRPr>
+                    </a:p>
+                  </a:txBody>
+                  <a:tcPr marL="86513" marR="86513" marT="0" marB="0"/>
+                </a:tc>
+                <a:tc>
+                  <a:txBody>
+                    <a:bodyPr/>
+                    <a:lstStyle/>
+                    <a:p>
+                      <a:pPr marL="0" marR="0" algn="ctr">
+                        <a:lnSpc>
+                          <a:spcPct val="107000"/>
+                        </a:lnSpc>
+                        <a:spcAft>
+                          <a:spcPts val="800"/>
+                        </a:spcAft>
+                      </a:pPr>
+                      <a:r>
+                        <a:rPr lang="en-US" sz="1500" kern="100">
+                          <a:effectLst/>
+                        </a:rPr>
+                        <a:t> </a:t>
+                      </a:r>
+                      <a:endParaRPr lang="en-US" sz="1400" kern="100">
+                        <a:effectLst/>
+                        <a:latin typeface="Aptos" panose="020B0004020202020204" pitchFamily="34" charset="0"/>
+                        <a:ea typeface="Aptos" panose="020B0004020202020204" pitchFamily="34" charset="0"/>
+                        <a:cs typeface="Times New Roman" panose="02020603050405020304" pitchFamily="18" charset="0"/>
+                      </a:endParaRPr>
+                    </a:p>
+                  </a:txBody>
+                  <a:tcPr marL="86513" marR="86513" marT="0" marB="0"/>
+                </a:tc>
+                <a:tc>
+                  <a:txBody>
+                    <a:bodyPr/>
+                    <a:lstStyle/>
+                    <a:p>
+                      <a:pPr marL="0" marR="0" algn="ctr">
+                        <a:lnSpc>
+                          <a:spcPct val="107000"/>
+                        </a:lnSpc>
+                        <a:spcAft>
+                          <a:spcPts val="800"/>
+                        </a:spcAft>
+                      </a:pPr>
+                      <a:r>
+                        <a:rPr lang="en-US" sz="1500" kern="100">
+                          <a:effectLst/>
+                        </a:rPr>
+                        <a:t>R</a:t>
+                      </a:r>
+                      <a:endParaRPr lang="en-US" sz="1400" kern="100">
+                        <a:effectLst/>
+                        <a:latin typeface="Aptos" panose="020B0004020202020204" pitchFamily="34" charset="0"/>
+                        <a:ea typeface="Aptos" panose="020B0004020202020204" pitchFamily="34" charset="0"/>
+                        <a:cs typeface="Times New Roman" panose="02020603050405020304" pitchFamily="18" charset="0"/>
+                      </a:endParaRPr>
+                    </a:p>
+                  </a:txBody>
+                  <a:tcPr marL="86513" marR="86513" marT="0" marB="0"/>
+                </a:tc>
+                <a:extLst>
+                  <a:ext uri="{0D108BD9-81ED-4DB2-BD59-A6C34878D82A}">
+                    <a16:rowId xmlns:a16="http://schemas.microsoft.com/office/drawing/2014/main" val="260548083"/>
+                  </a:ext>
+                </a:extLst>
+              </a:tr>
+              <a:tr h="282449">
+                <a:tc>
+                  <a:txBody>
+                    <a:bodyPr/>
+                    <a:lstStyle/>
+                    <a:p>
+                      <a:pPr marL="0" marR="0" algn="r">
+                        <a:lnSpc>
+                          <a:spcPct val="107000"/>
+                        </a:lnSpc>
+                        <a:spcAft>
+                          <a:spcPts val="800"/>
+                        </a:spcAft>
+                      </a:pPr>
+                      <a:r>
+                        <a:rPr lang="en-US" sz="1500" kern="100">
+                          <a:effectLst/>
+                        </a:rPr>
+                        <a:t>1bv</a:t>
+                      </a:r>
+                      <a:endParaRPr lang="en-US" sz="1400" kern="100">
+                        <a:effectLst/>
+                        <a:latin typeface="Aptos" panose="020B0004020202020204" pitchFamily="34" charset="0"/>
+                        <a:ea typeface="Aptos" panose="020B0004020202020204" pitchFamily="34" charset="0"/>
+                        <a:cs typeface="Times New Roman" panose="02020603050405020304" pitchFamily="18" charset="0"/>
+                      </a:endParaRPr>
+                    </a:p>
+                  </a:txBody>
+                  <a:tcPr marL="86513" marR="86513" marT="0" marB="0"/>
+                </a:tc>
+                <a:tc>
+                  <a:txBody>
+                    <a:bodyPr/>
+                    <a:lstStyle/>
+                    <a:p>
+                      <a:pPr marL="0" marR="0" algn="ctr">
+                        <a:lnSpc>
+                          <a:spcPct val="107000"/>
+                        </a:lnSpc>
+                        <a:spcAft>
+                          <a:spcPts val="800"/>
+                        </a:spcAft>
+                      </a:pPr>
+                      <a:r>
+                        <a:rPr lang="en-US" sz="1500" kern="100">
+                          <a:effectLst/>
+                        </a:rPr>
+                        <a:t>High G Accelerometer</a:t>
+                      </a:r>
+                      <a:endParaRPr lang="en-US" sz="1400" kern="100">
+                        <a:effectLst/>
+                        <a:latin typeface="Aptos" panose="020B0004020202020204" pitchFamily="34" charset="0"/>
+                        <a:ea typeface="Aptos" panose="020B0004020202020204" pitchFamily="34" charset="0"/>
+                        <a:cs typeface="Times New Roman" panose="02020603050405020304" pitchFamily="18" charset="0"/>
+                      </a:endParaRPr>
+                    </a:p>
+                  </a:txBody>
+                  <a:tcPr marL="86513" marR="86513" marT="0" marB="0"/>
+                </a:tc>
+                <a:tc>
+                  <a:txBody>
+                    <a:bodyPr/>
+                    <a:lstStyle/>
+                    <a:p>
+                      <a:pPr marL="0" marR="0" algn="ctr">
+                        <a:lnSpc>
+                          <a:spcPct val="107000"/>
+                        </a:lnSpc>
+                        <a:spcAft>
+                          <a:spcPts val="800"/>
+                        </a:spcAft>
+                      </a:pPr>
+                      <a:r>
+                        <a:rPr lang="en-US" sz="1500" kern="100">
+                          <a:effectLst/>
+                        </a:rPr>
+                        <a:t> </a:t>
+                      </a:r>
+                      <a:endParaRPr lang="en-US" sz="1400" kern="100">
+                        <a:effectLst/>
+                        <a:latin typeface="Aptos" panose="020B0004020202020204" pitchFamily="34" charset="0"/>
+                        <a:ea typeface="Aptos" panose="020B0004020202020204" pitchFamily="34" charset="0"/>
+                        <a:cs typeface="Times New Roman" panose="02020603050405020304" pitchFamily="18" charset="0"/>
+                      </a:endParaRPr>
+                    </a:p>
+                  </a:txBody>
+                  <a:tcPr marL="86513" marR="86513" marT="0" marB="0"/>
+                </a:tc>
+                <a:tc>
+                  <a:txBody>
+                    <a:bodyPr/>
+                    <a:lstStyle/>
+                    <a:p>
+                      <a:pPr marL="0" marR="0" algn="ctr">
+                        <a:lnSpc>
+                          <a:spcPct val="107000"/>
+                        </a:lnSpc>
+                        <a:spcAft>
+                          <a:spcPts val="800"/>
+                        </a:spcAft>
+                      </a:pPr>
+                      <a:r>
+                        <a:rPr lang="en-US" sz="1500" kern="100">
+                          <a:effectLst/>
+                        </a:rPr>
+                        <a:t>A</a:t>
+                      </a:r>
+                      <a:endParaRPr lang="en-US" sz="1400" kern="100">
+                        <a:effectLst/>
+                        <a:latin typeface="Aptos" panose="020B0004020202020204" pitchFamily="34" charset="0"/>
+                        <a:ea typeface="Aptos" panose="020B0004020202020204" pitchFamily="34" charset="0"/>
+                        <a:cs typeface="Times New Roman" panose="02020603050405020304" pitchFamily="18" charset="0"/>
+                      </a:endParaRPr>
+                    </a:p>
+                  </a:txBody>
+                  <a:tcPr marL="86513" marR="86513" marT="0" marB="0"/>
+                </a:tc>
+                <a:tc>
+                  <a:txBody>
+                    <a:bodyPr/>
+                    <a:lstStyle/>
+                    <a:p>
+                      <a:pPr marL="0" marR="0" algn="ctr">
+                        <a:lnSpc>
+                          <a:spcPct val="107000"/>
+                        </a:lnSpc>
+                        <a:spcAft>
+                          <a:spcPts val="800"/>
+                        </a:spcAft>
+                      </a:pPr>
+                      <a:r>
+                        <a:rPr lang="en-US" sz="1500" kern="100">
+                          <a:effectLst/>
+                        </a:rPr>
+                        <a:t> </a:t>
+                      </a:r>
+                      <a:endParaRPr lang="en-US" sz="1400" kern="100">
+                        <a:effectLst/>
+                        <a:latin typeface="Aptos" panose="020B0004020202020204" pitchFamily="34" charset="0"/>
+                        <a:ea typeface="Aptos" panose="020B0004020202020204" pitchFamily="34" charset="0"/>
+                        <a:cs typeface="Times New Roman" panose="02020603050405020304" pitchFamily="18" charset="0"/>
+                      </a:endParaRPr>
+                    </a:p>
+                  </a:txBody>
+                  <a:tcPr marL="86513" marR="86513" marT="0" marB="0"/>
+                </a:tc>
+                <a:tc>
+                  <a:txBody>
+                    <a:bodyPr/>
+                    <a:lstStyle/>
+                    <a:p>
+                      <a:pPr marL="0" marR="0" algn="ctr">
+                        <a:lnSpc>
+                          <a:spcPct val="107000"/>
+                        </a:lnSpc>
+                        <a:spcAft>
+                          <a:spcPts val="800"/>
+                        </a:spcAft>
+                      </a:pPr>
+                      <a:r>
+                        <a:rPr lang="en-US" sz="1500" kern="100">
+                          <a:effectLst/>
+                        </a:rPr>
+                        <a:t>R</a:t>
+                      </a:r>
+                      <a:endParaRPr lang="en-US" sz="1400" kern="100">
+                        <a:effectLst/>
+                        <a:latin typeface="Aptos" panose="020B0004020202020204" pitchFamily="34" charset="0"/>
+                        <a:ea typeface="Aptos" panose="020B0004020202020204" pitchFamily="34" charset="0"/>
+                        <a:cs typeface="Times New Roman" panose="02020603050405020304" pitchFamily="18" charset="0"/>
+                      </a:endParaRPr>
+                    </a:p>
+                  </a:txBody>
+                  <a:tcPr marL="86513" marR="86513" marT="0" marB="0"/>
+                </a:tc>
+                <a:extLst>
+                  <a:ext uri="{0D108BD9-81ED-4DB2-BD59-A6C34878D82A}">
+                    <a16:rowId xmlns:a16="http://schemas.microsoft.com/office/drawing/2014/main" val="2923910419"/>
+                  </a:ext>
+                </a:extLst>
+              </a:tr>
+              <a:tr h="282449">
+                <a:tc>
+                  <a:txBody>
+                    <a:bodyPr/>
+                    <a:lstStyle/>
+                    <a:p>
+                      <a:pPr marL="0" marR="0" algn="r">
+                        <a:lnSpc>
+                          <a:spcPct val="107000"/>
+                        </a:lnSpc>
+                        <a:spcAft>
+                          <a:spcPts val="800"/>
+                        </a:spcAft>
+                      </a:pPr>
+                      <a:r>
+                        <a:rPr lang="en-US" sz="1500" kern="100">
+                          <a:effectLst/>
+                        </a:rPr>
+                        <a:t>1bvi</a:t>
+                      </a:r>
+                      <a:endParaRPr lang="en-US" sz="1400" kern="100">
+                        <a:effectLst/>
+                        <a:latin typeface="Aptos" panose="020B0004020202020204" pitchFamily="34" charset="0"/>
+                        <a:ea typeface="Aptos" panose="020B0004020202020204" pitchFamily="34" charset="0"/>
+                        <a:cs typeface="Times New Roman" panose="02020603050405020304" pitchFamily="18" charset="0"/>
+                      </a:endParaRPr>
+                    </a:p>
+                  </a:txBody>
+                  <a:tcPr marL="86513" marR="86513" marT="0" marB="0"/>
+                </a:tc>
+                <a:tc>
+                  <a:txBody>
+                    <a:bodyPr/>
+                    <a:lstStyle/>
+                    <a:p>
+                      <a:pPr marL="0" marR="0" algn="ctr">
+                        <a:lnSpc>
+                          <a:spcPct val="107000"/>
+                        </a:lnSpc>
+                        <a:spcAft>
+                          <a:spcPts val="800"/>
+                        </a:spcAft>
+                      </a:pPr>
+                      <a:r>
+                        <a:rPr lang="en-US" sz="1500" kern="100">
+                          <a:effectLst/>
+                        </a:rPr>
+                        <a:t>Flash</a:t>
+                      </a:r>
+                      <a:endParaRPr lang="en-US" sz="1400" kern="100">
+                        <a:effectLst/>
+                        <a:latin typeface="Aptos" panose="020B0004020202020204" pitchFamily="34" charset="0"/>
+                        <a:ea typeface="Aptos" panose="020B0004020202020204" pitchFamily="34" charset="0"/>
+                        <a:cs typeface="Times New Roman" panose="02020603050405020304" pitchFamily="18" charset="0"/>
+                      </a:endParaRPr>
+                    </a:p>
+                  </a:txBody>
+                  <a:tcPr marL="86513" marR="86513" marT="0" marB="0"/>
+                </a:tc>
+                <a:tc>
+                  <a:txBody>
+                    <a:bodyPr/>
+                    <a:lstStyle/>
+                    <a:p>
+                      <a:pPr marL="0" marR="0" algn="ctr">
+                        <a:lnSpc>
+                          <a:spcPct val="107000"/>
+                        </a:lnSpc>
+                        <a:spcAft>
+                          <a:spcPts val="800"/>
+                        </a:spcAft>
+                      </a:pPr>
+                      <a:r>
+                        <a:rPr lang="en-US" sz="1500" kern="100">
+                          <a:effectLst/>
+                        </a:rPr>
+                        <a:t> </a:t>
+                      </a:r>
+                      <a:endParaRPr lang="en-US" sz="1400" kern="100">
+                        <a:effectLst/>
+                        <a:latin typeface="Aptos" panose="020B0004020202020204" pitchFamily="34" charset="0"/>
+                        <a:ea typeface="Aptos" panose="020B0004020202020204" pitchFamily="34" charset="0"/>
+                        <a:cs typeface="Times New Roman" panose="02020603050405020304" pitchFamily="18" charset="0"/>
+                      </a:endParaRPr>
+                    </a:p>
+                  </a:txBody>
+                  <a:tcPr marL="86513" marR="86513" marT="0" marB="0"/>
+                </a:tc>
+                <a:tc>
+                  <a:txBody>
+                    <a:bodyPr/>
+                    <a:lstStyle/>
+                    <a:p>
+                      <a:pPr marL="0" marR="0" algn="ctr">
+                        <a:lnSpc>
+                          <a:spcPct val="107000"/>
+                        </a:lnSpc>
+                        <a:spcAft>
+                          <a:spcPts val="800"/>
+                        </a:spcAft>
+                      </a:pPr>
+                      <a:r>
+                        <a:rPr lang="en-US" sz="1500" kern="100">
+                          <a:effectLst/>
+                        </a:rPr>
+                        <a:t>A</a:t>
+                      </a:r>
+                      <a:endParaRPr lang="en-US" sz="1400" kern="100">
+                        <a:effectLst/>
+                        <a:latin typeface="Aptos" panose="020B0004020202020204" pitchFamily="34" charset="0"/>
+                        <a:ea typeface="Aptos" panose="020B0004020202020204" pitchFamily="34" charset="0"/>
+                        <a:cs typeface="Times New Roman" panose="02020603050405020304" pitchFamily="18" charset="0"/>
+                      </a:endParaRPr>
+                    </a:p>
+                  </a:txBody>
+                  <a:tcPr marL="86513" marR="86513" marT="0" marB="0"/>
+                </a:tc>
+                <a:tc>
+                  <a:txBody>
+                    <a:bodyPr/>
+                    <a:lstStyle/>
+                    <a:p>
+                      <a:pPr marL="0" marR="0" algn="ctr">
+                        <a:lnSpc>
+                          <a:spcPct val="107000"/>
+                        </a:lnSpc>
+                        <a:spcAft>
+                          <a:spcPts val="800"/>
+                        </a:spcAft>
+                      </a:pPr>
+                      <a:r>
+                        <a:rPr lang="en-US" sz="1500" kern="100">
+                          <a:effectLst/>
+                        </a:rPr>
+                        <a:t>R</a:t>
+                      </a:r>
+                      <a:endParaRPr lang="en-US" sz="1400" kern="100">
+                        <a:effectLst/>
+                        <a:latin typeface="Aptos" panose="020B0004020202020204" pitchFamily="34" charset="0"/>
+                        <a:ea typeface="Aptos" panose="020B0004020202020204" pitchFamily="34" charset="0"/>
+                        <a:cs typeface="Times New Roman" panose="02020603050405020304" pitchFamily="18" charset="0"/>
+                      </a:endParaRPr>
+                    </a:p>
+                  </a:txBody>
+                  <a:tcPr marL="86513" marR="86513" marT="0" marB="0"/>
+                </a:tc>
+                <a:tc>
+                  <a:txBody>
+                    <a:bodyPr/>
+                    <a:lstStyle/>
+                    <a:p>
+                      <a:pPr marL="0" marR="0" algn="ctr">
+                        <a:lnSpc>
+                          <a:spcPct val="107000"/>
+                        </a:lnSpc>
+                        <a:spcAft>
+                          <a:spcPts val="800"/>
+                        </a:spcAft>
+                      </a:pPr>
+                      <a:r>
+                        <a:rPr lang="en-US" sz="1500" kern="100">
+                          <a:effectLst/>
+                        </a:rPr>
+                        <a:t>A</a:t>
+                      </a:r>
+                      <a:endParaRPr lang="en-US" sz="1400" kern="100">
+                        <a:effectLst/>
+                        <a:latin typeface="Aptos" panose="020B0004020202020204" pitchFamily="34" charset="0"/>
+                        <a:ea typeface="Aptos" panose="020B0004020202020204" pitchFamily="34" charset="0"/>
+                        <a:cs typeface="Times New Roman" panose="02020603050405020304" pitchFamily="18" charset="0"/>
+                      </a:endParaRPr>
+                    </a:p>
+                  </a:txBody>
+                  <a:tcPr marL="86513" marR="86513" marT="0" marB="0"/>
+                </a:tc>
+                <a:extLst>
+                  <a:ext uri="{0D108BD9-81ED-4DB2-BD59-A6C34878D82A}">
+                    <a16:rowId xmlns:a16="http://schemas.microsoft.com/office/drawing/2014/main" val="3255424278"/>
+                  </a:ext>
+                </a:extLst>
+              </a:tr>
+              <a:tr h="282449">
+                <a:tc>
+                  <a:txBody>
+                    <a:bodyPr/>
+                    <a:lstStyle/>
+                    <a:p>
+                      <a:pPr marL="0" marR="0" algn="r">
+                        <a:lnSpc>
+                          <a:spcPct val="107000"/>
+                        </a:lnSpc>
+                        <a:spcAft>
+                          <a:spcPts val="800"/>
+                        </a:spcAft>
+                      </a:pPr>
+                      <a:r>
+                        <a:rPr lang="en-US" sz="1500" kern="100">
+                          <a:effectLst/>
+                        </a:rPr>
+                        <a:t>1bvii</a:t>
+                      </a:r>
+                      <a:endParaRPr lang="en-US" sz="1400" kern="100">
+                        <a:effectLst/>
+                        <a:latin typeface="Aptos" panose="020B0004020202020204" pitchFamily="34" charset="0"/>
+                        <a:ea typeface="Aptos" panose="020B0004020202020204" pitchFamily="34" charset="0"/>
+                        <a:cs typeface="Times New Roman" panose="02020603050405020304" pitchFamily="18" charset="0"/>
+                      </a:endParaRPr>
+                    </a:p>
+                  </a:txBody>
+                  <a:tcPr marL="86513" marR="86513" marT="0" marB="0"/>
+                </a:tc>
+                <a:tc>
+                  <a:txBody>
+                    <a:bodyPr/>
+                    <a:lstStyle/>
+                    <a:p>
+                      <a:pPr marL="0" marR="0" algn="ctr">
+                        <a:lnSpc>
+                          <a:spcPct val="107000"/>
+                        </a:lnSpc>
+                        <a:spcAft>
+                          <a:spcPts val="800"/>
+                        </a:spcAft>
+                      </a:pPr>
+                      <a:r>
+                        <a:rPr lang="en-US" sz="1500" kern="100">
+                          <a:effectLst/>
+                        </a:rPr>
+                        <a:t>Debug</a:t>
+                      </a:r>
+                      <a:endParaRPr lang="en-US" sz="1400" kern="100">
+                        <a:effectLst/>
+                        <a:latin typeface="Aptos" panose="020B0004020202020204" pitchFamily="34" charset="0"/>
+                        <a:ea typeface="Aptos" panose="020B0004020202020204" pitchFamily="34" charset="0"/>
+                        <a:cs typeface="Times New Roman" panose="02020603050405020304" pitchFamily="18" charset="0"/>
+                      </a:endParaRPr>
+                    </a:p>
+                  </a:txBody>
+                  <a:tcPr marL="86513" marR="86513" marT="0" marB="0"/>
+                </a:tc>
+                <a:tc>
+                  <a:txBody>
+                    <a:bodyPr/>
+                    <a:lstStyle/>
+                    <a:p>
+                      <a:pPr marL="0" marR="0" algn="ctr">
+                        <a:lnSpc>
+                          <a:spcPct val="107000"/>
+                        </a:lnSpc>
+                        <a:spcAft>
+                          <a:spcPts val="800"/>
+                        </a:spcAft>
+                      </a:pPr>
+                      <a:r>
+                        <a:rPr lang="en-US" sz="1500" kern="100">
+                          <a:effectLst/>
+                        </a:rPr>
+                        <a:t>R</a:t>
+                      </a:r>
+                      <a:endParaRPr lang="en-US" sz="1400" kern="100">
+                        <a:effectLst/>
+                        <a:latin typeface="Aptos" panose="020B0004020202020204" pitchFamily="34" charset="0"/>
+                        <a:ea typeface="Aptos" panose="020B0004020202020204" pitchFamily="34" charset="0"/>
+                        <a:cs typeface="Times New Roman" panose="02020603050405020304" pitchFamily="18" charset="0"/>
+                      </a:endParaRPr>
+                    </a:p>
+                  </a:txBody>
+                  <a:tcPr marL="86513" marR="86513" marT="0" marB="0"/>
+                </a:tc>
+                <a:tc>
+                  <a:txBody>
+                    <a:bodyPr/>
+                    <a:lstStyle/>
+                    <a:p>
+                      <a:pPr marL="0" marR="0" algn="ctr">
+                        <a:lnSpc>
+                          <a:spcPct val="107000"/>
+                        </a:lnSpc>
+                        <a:spcAft>
+                          <a:spcPts val="800"/>
+                        </a:spcAft>
+                      </a:pPr>
+                      <a:r>
+                        <a:rPr lang="en-US" sz="1500" kern="100">
+                          <a:effectLst/>
+                        </a:rPr>
+                        <a:t>A</a:t>
+                      </a:r>
+                      <a:endParaRPr lang="en-US" sz="1400" kern="100">
+                        <a:effectLst/>
+                        <a:latin typeface="Aptos" panose="020B0004020202020204" pitchFamily="34" charset="0"/>
+                        <a:ea typeface="Aptos" panose="020B0004020202020204" pitchFamily="34" charset="0"/>
+                        <a:cs typeface="Times New Roman" panose="02020603050405020304" pitchFamily="18" charset="0"/>
+                      </a:endParaRPr>
+                    </a:p>
+                  </a:txBody>
+                  <a:tcPr marL="86513" marR="86513" marT="0" marB="0"/>
+                </a:tc>
+                <a:tc>
+                  <a:txBody>
+                    <a:bodyPr/>
+                    <a:lstStyle/>
+                    <a:p>
+                      <a:pPr marL="0" marR="0" algn="ctr">
+                        <a:lnSpc>
+                          <a:spcPct val="107000"/>
+                        </a:lnSpc>
+                        <a:spcAft>
+                          <a:spcPts val="800"/>
+                        </a:spcAft>
+                      </a:pPr>
+                      <a:r>
+                        <a:rPr lang="en-US" sz="1500" kern="100">
+                          <a:effectLst/>
+                        </a:rPr>
+                        <a:t> </a:t>
+                      </a:r>
+                      <a:endParaRPr lang="en-US" sz="1400" kern="100">
+                        <a:effectLst/>
+                        <a:latin typeface="Aptos" panose="020B0004020202020204" pitchFamily="34" charset="0"/>
+                        <a:ea typeface="Aptos" panose="020B0004020202020204" pitchFamily="34" charset="0"/>
+                        <a:cs typeface="Times New Roman" panose="02020603050405020304" pitchFamily="18" charset="0"/>
+                      </a:endParaRPr>
+                    </a:p>
+                  </a:txBody>
+                  <a:tcPr marL="86513" marR="86513" marT="0" marB="0"/>
+                </a:tc>
+                <a:tc>
+                  <a:txBody>
+                    <a:bodyPr/>
+                    <a:lstStyle/>
+                    <a:p>
+                      <a:pPr marL="0" marR="0" algn="ctr">
+                        <a:lnSpc>
+                          <a:spcPct val="107000"/>
+                        </a:lnSpc>
+                        <a:spcAft>
+                          <a:spcPts val="800"/>
+                        </a:spcAft>
+                      </a:pPr>
+                      <a:r>
+                        <a:rPr lang="en-US" sz="1500" kern="100">
+                          <a:effectLst/>
+                        </a:rPr>
+                        <a:t>A</a:t>
+                      </a:r>
+                      <a:endParaRPr lang="en-US" sz="1400" kern="100">
+                        <a:effectLst/>
+                        <a:latin typeface="Aptos" panose="020B0004020202020204" pitchFamily="34" charset="0"/>
+                        <a:ea typeface="Aptos" panose="020B0004020202020204" pitchFamily="34" charset="0"/>
+                        <a:cs typeface="Times New Roman" panose="02020603050405020304" pitchFamily="18" charset="0"/>
+                      </a:endParaRPr>
+                    </a:p>
+                  </a:txBody>
+                  <a:tcPr marL="86513" marR="86513" marT="0" marB="0"/>
+                </a:tc>
+                <a:extLst>
+                  <a:ext uri="{0D108BD9-81ED-4DB2-BD59-A6C34878D82A}">
+                    <a16:rowId xmlns:a16="http://schemas.microsoft.com/office/drawing/2014/main" val="4134594166"/>
+                  </a:ext>
+                </a:extLst>
+              </a:tr>
+              <a:tr h="282449">
+                <a:tc>
+                  <a:txBody>
+                    <a:bodyPr/>
+                    <a:lstStyle/>
+                    <a:p>
+                      <a:pPr marL="0" marR="0" algn="r">
+                        <a:lnSpc>
+                          <a:spcPct val="107000"/>
+                        </a:lnSpc>
+                        <a:spcAft>
+                          <a:spcPts val="800"/>
+                        </a:spcAft>
+                      </a:pPr>
+                      <a:r>
+                        <a:rPr lang="en-US" sz="1500" kern="100">
+                          <a:effectLst/>
+                        </a:rPr>
+                        <a:t>1c</a:t>
+                      </a:r>
+                      <a:endParaRPr lang="en-US" sz="1400" kern="100">
+                        <a:effectLst/>
+                        <a:latin typeface="Aptos" panose="020B0004020202020204" pitchFamily="34" charset="0"/>
+                        <a:ea typeface="Aptos" panose="020B0004020202020204" pitchFamily="34" charset="0"/>
+                        <a:cs typeface="Times New Roman" panose="02020603050405020304" pitchFamily="18" charset="0"/>
+                      </a:endParaRPr>
+                    </a:p>
+                  </a:txBody>
+                  <a:tcPr marL="86513" marR="86513" marT="0" marB="0"/>
+                </a:tc>
+                <a:tc>
+                  <a:txBody>
+                    <a:bodyPr/>
+                    <a:lstStyle/>
+                    <a:p>
+                      <a:pPr marL="0" marR="0" algn="ctr">
+                        <a:lnSpc>
+                          <a:spcPct val="107000"/>
+                        </a:lnSpc>
+                        <a:spcAft>
+                          <a:spcPts val="800"/>
+                        </a:spcAft>
+                      </a:pPr>
+                      <a:r>
+                        <a:rPr lang="en-US" sz="1500" kern="100" dirty="0">
+                          <a:effectLst/>
+                        </a:rPr>
+                        <a:t>PCB Layout</a:t>
+                      </a:r>
+                      <a:endParaRPr lang="en-US" sz="1400" kern="100" dirty="0">
+                        <a:effectLst/>
+                        <a:latin typeface="Aptos" panose="020B0004020202020204" pitchFamily="34" charset="0"/>
+                        <a:ea typeface="Aptos" panose="020B0004020202020204" pitchFamily="34" charset="0"/>
+                        <a:cs typeface="Times New Roman" panose="02020603050405020304" pitchFamily="18" charset="0"/>
+                      </a:endParaRPr>
+                    </a:p>
+                  </a:txBody>
+                  <a:tcPr marL="86513" marR="86513" marT="0" marB="0"/>
+                </a:tc>
+                <a:tc>
+                  <a:txBody>
+                    <a:bodyPr/>
+                    <a:lstStyle/>
+                    <a:p>
+                      <a:pPr marL="0" marR="0" algn="ctr">
+                        <a:lnSpc>
+                          <a:spcPct val="107000"/>
+                        </a:lnSpc>
+                        <a:spcAft>
+                          <a:spcPts val="800"/>
+                        </a:spcAft>
+                      </a:pPr>
+                      <a:r>
+                        <a:rPr lang="en-US" sz="1500" kern="100">
+                          <a:effectLst/>
+                        </a:rPr>
+                        <a:t> </a:t>
+                      </a:r>
+                      <a:endParaRPr lang="en-US" sz="1400" kern="100">
+                        <a:effectLst/>
+                        <a:latin typeface="Aptos" panose="020B0004020202020204" pitchFamily="34" charset="0"/>
+                        <a:ea typeface="Aptos" panose="020B0004020202020204" pitchFamily="34" charset="0"/>
+                        <a:cs typeface="Times New Roman" panose="02020603050405020304" pitchFamily="18" charset="0"/>
+                      </a:endParaRPr>
+                    </a:p>
+                  </a:txBody>
+                  <a:tcPr marL="86513" marR="86513" marT="0" marB="0"/>
+                </a:tc>
+                <a:tc>
+                  <a:txBody>
+                    <a:bodyPr/>
+                    <a:lstStyle/>
+                    <a:p>
+                      <a:pPr marL="0" marR="0" algn="ctr">
+                        <a:lnSpc>
+                          <a:spcPct val="107000"/>
+                        </a:lnSpc>
+                        <a:spcAft>
+                          <a:spcPts val="800"/>
+                        </a:spcAft>
+                      </a:pPr>
+                      <a:r>
+                        <a:rPr lang="en-US" sz="1500" kern="100">
+                          <a:effectLst/>
+                        </a:rPr>
+                        <a:t>R</a:t>
+                      </a:r>
+                      <a:endParaRPr lang="en-US" sz="1400" kern="100">
+                        <a:effectLst/>
+                        <a:latin typeface="Aptos" panose="020B0004020202020204" pitchFamily="34" charset="0"/>
+                        <a:ea typeface="Aptos" panose="020B0004020202020204" pitchFamily="34" charset="0"/>
+                        <a:cs typeface="Times New Roman" panose="02020603050405020304" pitchFamily="18" charset="0"/>
+                      </a:endParaRPr>
+                    </a:p>
+                  </a:txBody>
+                  <a:tcPr marL="86513" marR="86513" marT="0" marB="0"/>
+                </a:tc>
+                <a:tc>
+                  <a:txBody>
+                    <a:bodyPr/>
+                    <a:lstStyle/>
+                    <a:p>
+                      <a:pPr marL="0" marR="0" algn="ctr">
+                        <a:lnSpc>
+                          <a:spcPct val="107000"/>
+                        </a:lnSpc>
+                        <a:spcAft>
+                          <a:spcPts val="800"/>
+                        </a:spcAft>
+                      </a:pPr>
+                      <a:r>
+                        <a:rPr lang="en-US" sz="1500" kern="100">
+                          <a:effectLst/>
+                        </a:rPr>
+                        <a:t> </a:t>
+                      </a:r>
+                      <a:endParaRPr lang="en-US" sz="1400" kern="100">
+                        <a:effectLst/>
+                        <a:latin typeface="Aptos" panose="020B0004020202020204" pitchFamily="34" charset="0"/>
+                        <a:ea typeface="Aptos" panose="020B0004020202020204" pitchFamily="34" charset="0"/>
+                        <a:cs typeface="Times New Roman" panose="02020603050405020304" pitchFamily="18" charset="0"/>
+                      </a:endParaRPr>
+                    </a:p>
+                  </a:txBody>
+                  <a:tcPr marL="86513" marR="86513" marT="0" marB="0"/>
+                </a:tc>
+                <a:tc>
+                  <a:txBody>
+                    <a:bodyPr/>
+                    <a:lstStyle/>
+                    <a:p>
+                      <a:pPr marL="0" marR="0" algn="ctr">
+                        <a:lnSpc>
+                          <a:spcPct val="107000"/>
+                        </a:lnSpc>
+                        <a:spcAft>
+                          <a:spcPts val="800"/>
+                        </a:spcAft>
+                      </a:pPr>
+                      <a:r>
+                        <a:rPr lang="en-US" sz="1500" kern="100">
+                          <a:effectLst/>
+                        </a:rPr>
+                        <a:t>A</a:t>
+                      </a:r>
+                      <a:endParaRPr lang="en-US" sz="1400" kern="100">
+                        <a:effectLst/>
+                        <a:latin typeface="Aptos" panose="020B0004020202020204" pitchFamily="34" charset="0"/>
+                        <a:ea typeface="Aptos" panose="020B0004020202020204" pitchFamily="34" charset="0"/>
+                        <a:cs typeface="Times New Roman" panose="02020603050405020304" pitchFamily="18" charset="0"/>
+                      </a:endParaRPr>
+                    </a:p>
+                  </a:txBody>
+                  <a:tcPr marL="86513" marR="86513" marT="0" marB="0"/>
+                </a:tc>
+                <a:extLst>
+                  <a:ext uri="{0D108BD9-81ED-4DB2-BD59-A6C34878D82A}">
+                    <a16:rowId xmlns:a16="http://schemas.microsoft.com/office/drawing/2014/main" val="4263340238"/>
+                  </a:ext>
+                </a:extLst>
+              </a:tr>
+              <a:tr h="282449">
+                <a:tc>
+                  <a:txBody>
+                    <a:bodyPr/>
+                    <a:lstStyle/>
+                    <a:p>
+                      <a:pPr marL="0" marR="0" algn="r">
+                        <a:lnSpc>
+                          <a:spcPct val="107000"/>
+                        </a:lnSpc>
+                        <a:spcAft>
+                          <a:spcPts val="800"/>
+                        </a:spcAft>
+                      </a:pPr>
+                      <a:r>
+                        <a:rPr lang="en-US" sz="1500" kern="100">
+                          <a:effectLst/>
+                        </a:rPr>
+                        <a:t>2</a:t>
+                      </a:r>
+                      <a:endParaRPr lang="en-US" sz="1400" kern="100">
+                        <a:effectLst/>
+                        <a:latin typeface="Aptos" panose="020B0004020202020204" pitchFamily="34" charset="0"/>
+                        <a:ea typeface="Aptos" panose="020B0004020202020204" pitchFamily="34" charset="0"/>
+                        <a:cs typeface="Times New Roman" panose="02020603050405020304" pitchFamily="18" charset="0"/>
+                      </a:endParaRPr>
+                    </a:p>
+                  </a:txBody>
+                  <a:tcPr marL="86513" marR="86513" marT="0" marB="0"/>
+                </a:tc>
+                <a:tc>
+                  <a:txBody>
+                    <a:bodyPr/>
+                    <a:lstStyle/>
+                    <a:p>
+                      <a:pPr marL="0" marR="0" algn="ctr">
+                        <a:lnSpc>
+                          <a:spcPct val="107000"/>
+                        </a:lnSpc>
+                        <a:spcAft>
+                          <a:spcPts val="800"/>
+                        </a:spcAft>
+                      </a:pPr>
+                      <a:r>
+                        <a:rPr lang="en-US" sz="1500" kern="100">
+                          <a:effectLst/>
+                        </a:rPr>
+                        <a:t>Design Software</a:t>
+                      </a:r>
+                      <a:endParaRPr lang="en-US" sz="1400" kern="100">
+                        <a:effectLst/>
+                        <a:latin typeface="Aptos" panose="020B0004020202020204" pitchFamily="34" charset="0"/>
+                        <a:ea typeface="Aptos" panose="020B0004020202020204" pitchFamily="34" charset="0"/>
+                        <a:cs typeface="Times New Roman" panose="02020603050405020304" pitchFamily="18" charset="0"/>
+                      </a:endParaRPr>
+                    </a:p>
+                  </a:txBody>
+                  <a:tcPr marL="86513" marR="86513" marT="0" marB="0"/>
+                </a:tc>
+                <a:tc>
+                  <a:txBody>
+                    <a:bodyPr/>
+                    <a:lstStyle/>
+                    <a:p>
+                      <a:pPr marL="0" marR="0" algn="ctr">
+                        <a:lnSpc>
+                          <a:spcPct val="107000"/>
+                        </a:lnSpc>
+                        <a:spcAft>
+                          <a:spcPts val="800"/>
+                        </a:spcAft>
+                      </a:pPr>
+                      <a:r>
+                        <a:rPr lang="en-US" sz="1500" kern="100">
+                          <a:effectLst/>
+                        </a:rPr>
+                        <a:t>---</a:t>
+                      </a:r>
+                      <a:endParaRPr lang="en-US" sz="1400" kern="100">
+                        <a:effectLst/>
+                        <a:latin typeface="Aptos" panose="020B0004020202020204" pitchFamily="34" charset="0"/>
+                        <a:ea typeface="Aptos" panose="020B0004020202020204" pitchFamily="34" charset="0"/>
+                        <a:cs typeface="Times New Roman" panose="02020603050405020304" pitchFamily="18" charset="0"/>
+                      </a:endParaRPr>
+                    </a:p>
+                  </a:txBody>
+                  <a:tcPr marL="86513" marR="86513" marT="0" marB="0"/>
+                </a:tc>
+                <a:tc>
+                  <a:txBody>
+                    <a:bodyPr/>
+                    <a:lstStyle/>
+                    <a:p>
+                      <a:pPr marL="0" marR="0" algn="ctr">
+                        <a:lnSpc>
+                          <a:spcPct val="107000"/>
+                        </a:lnSpc>
+                        <a:spcAft>
+                          <a:spcPts val="800"/>
+                        </a:spcAft>
+                      </a:pPr>
+                      <a:r>
+                        <a:rPr lang="en-US" sz="1500" kern="100">
+                          <a:effectLst/>
+                        </a:rPr>
+                        <a:t>---</a:t>
+                      </a:r>
+                      <a:endParaRPr lang="en-US" sz="1400" kern="100">
+                        <a:effectLst/>
+                        <a:latin typeface="Aptos" panose="020B0004020202020204" pitchFamily="34" charset="0"/>
+                        <a:ea typeface="Aptos" panose="020B0004020202020204" pitchFamily="34" charset="0"/>
+                        <a:cs typeface="Times New Roman" panose="02020603050405020304" pitchFamily="18" charset="0"/>
+                      </a:endParaRPr>
+                    </a:p>
+                  </a:txBody>
+                  <a:tcPr marL="86513" marR="86513" marT="0" marB="0"/>
+                </a:tc>
+                <a:tc>
+                  <a:txBody>
+                    <a:bodyPr/>
+                    <a:lstStyle/>
+                    <a:p>
+                      <a:pPr marL="0" marR="0" algn="ctr">
+                        <a:lnSpc>
+                          <a:spcPct val="107000"/>
+                        </a:lnSpc>
+                        <a:spcAft>
+                          <a:spcPts val="800"/>
+                        </a:spcAft>
+                      </a:pPr>
+                      <a:r>
+                        <a:rPr lang="en-US" sz="1500" kern="100">
+                          <a:effectLst/>
+                        </a:rPr>
+                        <a:t>---</a:t>
+                      </a:r>
+                      <a:endParaRPr lang="en-US" sz="1400" kern="100">
+                        <a:effectLst/>
+                        <a:latin typeface="Aptos" panose="020B0004020202020204" pitchFamily="34" charset="0"/>
+                        <a:ea typeface="Aptos" panose="020B0004020202020204" pitchFamily="34" charset="0"/>
+                        <a:cs typeface="Times New Roman" panose="02020603050405020304" pitchFamily="18" charset="0"/>
+                      </a:endParaRPr>
+                    </a:p>
+                  </a:txBody>
+                  <a:tcPr marL="86513" marR="86513" marT="0" marB="0"/>
+                </a:tc>
+                <a:tc>
+                  <a:txBody>
+                    <a:bodyPr/>
+                    <a:lstStyle/>
+                    <a:p>
+                      <a:pPr marL="0" marR="0" algn="ctr">
+                        <a:lnSpc>
+                          <a:spcPct val="107000"/>
+                        </a:lnSpc>
+                        <a:spcAft>
+                          <a:spcPts val="800"/>
+                        </a:spcAft>
+                      </a:pPr>
+                      <a:r>
+                        <a:rPr lang="en-US" sz="1500" kern="100">
+                          <a:effectLst/>
+                        </a:rPr>
+                        <a:t>---</a:t>
+                      </a:r>
+                      <a:endParaRPr lang="en-US" sz="1400" kern="100">
+                        <a:effectLst/>
+                        <a:latin typeface="Aptos" panose="020B0004020202020204" pitchFamily="34" charset="0"/>
+                        <a:ea typeface="Aptos" panose="020B0004020202020204" pitchFamily="34" charset="0"/>
+                        <a:cs typeface="Times New Roman" panose="02020603050405020304" pitchFamily="18" charset="0"/>
+                      </a:endParaRPr>
+                    </a:p>
+                  </a:txBody>
+                  <a:tcPr marL="86513" marR="86513" marT="0" marB="0"/>
+                </a:tc>
+                <a:extLst>
+                  <a:ext uri="{0D108BD9-81ED-4DB2-BD59-A6C34878D82A}">
+                    <a16:rowId xmlns:a16="http://schemas.microsoft.com/office/drawing/2014/main" val="3544019106"/>
+                  </a:ext>
+                </a:extLst>
+              </a:tr>
+              <a:tr h="282449">
+                <a:tc>
+                  <a:txBody>
+                    <a:bodyPr/>
+                    <a:lstStyle/>
+                    <a:p>
+                      <a:pPr marL="0" marR="0" algn="r">
+                        <a:lnSpc>
+                          <a:spcPct val="107000"/>
+                        </a:lnSpc>
+                        <a:spcAft>
+                          <a:spcPts val="800"/>
+                        </a:spcAft>
+                      </a:pPr>
+                      <a:r>
+                        <a:rPr lang="en-US" sz="1500" kern="100">
+                          <a:effectLst/>
+                        </a:rPr>
+                        <a:t>2a</a:t>
+                      </a:r>
+                      <a:endParaRPr lang="en-US" sz="1400" kern="100">
+                        <a:effectLst/>
+                        <a:latin typeface="Aptos" panose="020B0004020202020204" pitchFamily="34" charset="0"/>
+                        <a:ea typeface="Aptos" panose="020B0004020202020204" pitchFamily="34" charset="0"/>
+                        <a:cs typeface="Times New Roman" panose="02020603050405020304" pitchFamily="18" charset="0"/>
+                      </a:endParaRPr>
+                    </a:p>
+                  </a:txBody>
+                  <a:tcPr marL="86513" marR="86513" marT="0" marB="0"/>
+                </a:tc>
+                <a:tc>
+                  <a:txBody>
+                    <a:bodyPr/>
+                    <a:lstStyle/>
+                    <a:p>
+                      <a:pPr marL="0" marR="0" algn="ctr">
+                        <a:lnSpc>
+                          <a:spcPct val="107000"/>
+                        </a:lnSpc>
+                        <a:spcAft>
+                          <a:spcPts val="800"/>
+                        </a:spcAft>
+                      </a:pPr>
+                      <a:r>
+                        <a:rPr lang="en-US" sz="1500" kern="100">
+                          <a:effectLst/>
+                        </a:rPr>
+                        <a:t>Flight Software</a:t>
+                      </a:r>
+                      <a:endParaRPr lang="en-US" sz="1400" kern="100">
+                        <a:effectLst/>
+                        <a:latin typeface="Aptos" panose="020B0004020202020204" pitchFamily="34" charset="0"/>
+                        <a:ea typeface="Aptos" panose="020B0004020202020204" pitchFamily="34" charset="0"/>
+                        <a:cs typeface="Times New Roman" panose="02020603050405020304" pitchFamily="18" charset="0"/>
+                      </a:endParaRPr>
+                    </a:p>
+                  </a:txBody>
+                  <a:tcPr marL="86513" marR="86513" marT="0" marB="0"/>
+                </a:tc>
+                <a:tc>
+                  <a:txBody>
+                    <a:bodyPr/>
+                    <a:lstStyle/>
+                    <a:p>
+                      <a:pPr marL="0" marR="0" algn="ctr">
+                        <a:lnSpc>
+                          <a:spcPct val="107000"/>
+                        </a:lnSpc>
+                        <a:spcAft>
+                          <a:spcPts val="800"/>
+                        </a:spcAft>
+                      </a:pPr>
+                      <a:r>
+                        <a:rPr lang="en-US" sz="1500" kern="100">
+                          <a:effectLst/>
+                        </a:rPr>
+                        <a:t>R</a:t>
+                      </a:r>
+                      <a:endParaRPr lang="en-US" sz="1400" kern="100">
+                        <a:effectLst/>
+                        <a:latin typeface="Aptos" panose="020B0004020202020204" pitchFamily="34" charset="0"/>
+                        <a:ea typeface="Aptos" panose="020B0004020202020204" pitchFamily="34" charset="0"/>
+                        <a:cs typeface="Times New Roman" panose="02020603050405020304" pitchFamily="18" charset="0"/>
+                      </a:endParaRPr>
+                    </a:p>
+                  </a:txBody>
+                  <a:tcPr marL="86513" marR="86513" marT="0" marB="0"/>
+                </a:tc>
+                <a:tc>
+                  <a:txBody>
+                    <a:bodyPr/>
+                    <a:lstStyle/>
+                    <a:p>
+                      <a:pPr marL="0" marR="0" algn="ctr">
+                        <a:lnSpc>
+                          <a:spcPct val="107000"/>
+                        </a:lnSpc>
+                        <a:spcAft>
+                          <a:spcPts val="800"/>
+                        </a:spcAft>
+                      </a:pPr>
+                      <a:r>
+                        <a:rPr lang="en-US" sz="1500" kern="100">
+                          <a:effectLst/>
+                        </a:rPr>
+                        <a:t> </a:t>
+                      </a:r>
+                      <a:endParaRPr lang="en-US" sz="1400" kern="100">
+                        <a:effectLst/>
+                        <a:latin typeface="Aptos" panose="020B0004020202020204" pitchFamily="34" charset="0"/>
+                        <a:ea typeface="Aptos" panose="020B0004020202020204" pitchFamily="34" charset="0"/>
+                        <a:cs typeface="Times New Roman" panose="02020603050405020304" pitchFamily="18" charset="0"/>
+                      </a:endParaRPr>
+                    </a:p>
+                  </a:txBody>
+                  <a:tcPr marL="86513" marR="86513" marT="0" marB="0"/>
+                </a:tc>
+                <a:tc>
+                  <a:txBody>
+                    <a:bodyPr/>
+                    <a:lstStyle/>
+                    <a:p>
+                      <a:pPr marL="0" marR="0" algn="ctr">
+                        <a:lnSpc>
+                          <a:spcPct val="107000"/>
+                        </a:lnSpc>
+                        <a:spcAft>
+                          <a:spcPts val="800"/>
+                        </a:spcAft>
+                      </a:pPr>
+                      <a:r>
+                        <a:rPr lang="en-US" sz="1500" kern="100">
+                          <a:effectLst/>
+                        </a:rPr>
+                        <a:t>A</a:t>
+                      </a:r>
+                      <a:endParaRPr lang="en-US" sz="1400" kern="100">
+                        <a:effectLst/>
+                        <a:latin typeface="Aptos" panose="020B0004020202020204" pitchFamily="34" charset="0"/>
+                        <a:ea typeface="Aptos" panose="020B0004020202020204" pitchFamily="34" charset="0"/>
+                        <a:cs typeface="Times New Roman" panose="02020603050405020304" pitchFamily="18" charset="0"/>
+                      </a:endParaRPr>
+                    </a:p>
+                  </a:txBody>
+                  <a:tcPr marL="86513" marR="86513" marT="0" marB="0"/>
+                </a:tc>
+                <a:tc>
+                  <a:txBody>
+                    <a:bodyPr/>
+                    <a:lstStyle/>
+                    <a:p>
+                      <a:pPr marL="0" marR="0" algn="ctr">
+                        <a:lnSpc>
+                          <a:spcPct val="107000"/>
+                        </a:lnSpc>
+                        <a:spcAft>
+                          <a:spcPts val="800"/>
+                        </a:spcAft>
+                      </a:pPr>
+                      <a:r>
+                        <a:rPr lang="en-US" sz="1500" kern="100">
+                          <a:effectLst/>
+                        </a:rPr>
+                        <a:t> </a:t>
+                      </a:r>
+                      <a:endParaRPr lang="en-US" sz="1400" kern="100">
+                        <a:effectLst/>
+                        <a:latin typeface="Aptos" panose="020B0004020202020204" pitchFamily="34" charset="0"/>
+                        <a:ea typeface="Aptos" panose="020B0004020202020204" pitchFamily="34" charset="0"/>
+                        <a:cs typeface="Times New Roman" panose="02020603050405020304" pitchFamily="18" charset="0"/>
+                      </a:endParaRPr>
+                    </a:p>
+                  </a:txBody>
+                  <a:tcPr marL="86513" marR="86513" marT="0" marB="0"/>
+                </a:tc>
+                <a:extLst>
+                  <a:ext uri="{0D108BD9-81ED-4DB2-BD59-A6C34878D82A}">
+                    <a16:rowId xmlns:a16="http://schemas.microsoft.com/office/drawing/2014/main" val="1231948931"/>
+                  </a:ext>
+                </a:extLst>
+              </a:tr>
+              <a:tr h="282449">
+                <a:tc>
+                  <a:txBody>
+                    <a:bodyPr/>
+                    <a:lstStyle/>
+                    <a:p>
+                      <a:pPr marL="0" marR="0" algn="r">
+                        <a:lnSpc>
+                          <a:spcPct val="107000"/>
+                        </a:lnSpc>
+                        <a:spcAft>
+                          <a:spcPts val="800"/>
+                        </a:spcAft>
+                      </a:pPr>
+                      <a:r>
+                        <a:rPr lang="en-US" sz="1500" kern="100">
+                          <a:effectLst/>
+                        </a:rPr>
+                        <a:t>2b</a:t>
+                      </a:r>
+                      <a:endParaRPr lang="en-US" sz="1400" kern="100">
+                        <a:effectLst/>
+                        <a:latin typeface="Aptos" panose="020B0004020202020204" pitchFamily="34" charset="0"/>
+                        <a:ea typeface="Aptos" panose="020B0004020202020204" pitchFamily="34" charset="0"/>
+                        <a:cs typeface="Times New Roman" panose="02020603050405020304" pitchFamily="18" charset="0"/>
+                      </a:endParaRPr>
+                    </a:p>
+                  </a:txBody>
+                  <a:tcPr marL="86513" marR="86513" marT="0" marB="0"/>
+                </a:tc>
+                <a:tc>
+                  <a:txBody>
+                    <a:bodyPr/>
+                    <a:lstStyle/>
+                    <a:p>
+                      <a:pPr marL="0" marR="0" algn="ctr">
+                        <a:lnSpc>
+                          <a:spcPct val="107000"/>
+                        </a:lnSpc>
+                        <a:spcAft>
+                          <a:spcPts val="800"/>
+                        </a:spcAft>
+                      </a:pPr>
+                      <a:r>
+                        <a:rPr lang="en-US" sz="1500" kern="100">
+                          <a:effectLst/>
+                        </a:rPr>
+                        <a:t>Data Visualization</a:t>
+                      </a:r>
+                      <a:endParaRPr lang="en-US" sz="1400" kern="100">
+                        <a:effectLst/>
+                        <a:latin typeface="Aptos" panose="020B0004020202020204" pitchFamily="34" charset="0"/>
+                        <a:ea typeface="Aptos" panose="020B0004020202020204" pitchFamily="34" charset="0"/>
+                        <a:cs typeface="Times New Roman" panose="02020603050405020304" pitchFamily="18" charset="0"/>
+                      </a:endParaRPr>
+                    </a:p>
+                  </a:txBody>
+                  <a:tcPr marL="86513" marR="86513" marT="0" marB="0"/>
+                </a:tc>
+                <a:tc>
+                  <a:txBody>
+                    <a:bodyPr/>
+                    <a:lstStyle/>
+                    <a:p>
+                      <a:pPr marL="0" marR="0" algn="ctr">
+                        <a:lnSpc>
+                          <a:spcPct val="107000"/>
+                        </a:lnSpc>
+                        <a:spcAft>
+                          <a:spcPts val="800"/>
+                        </a:spcAft>
+                      </a:pPr>
+                      <a:r>
+                        <a:rPr lang="en-US" sz="1500" kern="100">
+                          <a:effectLst/>
+                        </a:rPr>
+                        <a:t>A</a:t>
+                      </a:r>
+                      <a:endParaRPr lang="en-US" sz="1400" kern="100">
+                        <a:effectLst/>
+                        <a:latin typeface="Aptos" panose="020B0004020202020204" pitchFamily="34" charset="0"/>
+                        <a:ea typeface="Aptos" panose="020B0004020202020204" pitchFamily="34" charset="0"/>
+                        <a:cs typeface="Times New Roman" panose="02020603050405020304" pitchFamily="18" charset="0"/>
+                      </a:endParaRPr>
+                    </a:p>
+                  </a:txBody>
+                  <a:tcPr marL="86513" marR="86513" marT="0" marB="0"/>
+                </a:tc>
+                <a:tc>
+                  <a:txBody>
+                    <a:bodyPr/>
+                    <a:lstStyle/>
+                    <a:p>
+                      <a:pPr marL="0" marR="0" algn="ctr">
+                        <a:lnSpc>
+                          <a:spcPct val="107000"/>
+                        </a:lnSpc>
+                        <a:spcAft>
+                          <a:spcPts val="800"/>
+                        </a:spcAft>
+                      </a:pPr>
+                      <a:r>
+                        <a:rPr lang="en-US" sz="1500" kern="100">
+                          <a:effectLst/>
+                        </a:rPr>
+                        <a:t> </a:t>
+                      </a:r>
+                      <a:endParaRPr lang="en-US" sz="1400" kern="100">
+                        <a:effectLst/>
+                        <a:latin typeface="Aptos" panose="020B0004020202020204" pitchFamily="34" charset="0"/>
+                        <a:ea typeface="Aptos" panose="020B0004020202020204" pitchFamily="34" charset="0"/>
+                        <a:cs typeface="Times New Roman" panose="02020603050405020304" pitchFamily="18" charset="0"/>
+                      </a:endParaRPr>
+                    </a:p>
+                  </a:txBody>
+                  <a:tcPr marL="86513" marR="86513" marT="0" marB="0"/>
+                </a:tc>
+                <a:tc>
+                  <a:txBody>
+                    <a:bodyPr/>
+                    <a:lstStyle/>
+                    <a:p>
+                      <a:pPr marL="0" marR="0" algn="ctr">
+                        <a:lnSpc>
+                          <a:spcPct val="107000"/>
+                        </a:lnSpc>
+                        <a:spcAft>
+                          <a:spcPts val="800"/>
+                        </a:spcAft>
+                      </a:pPr>
+                      <a:r>
+                        <a:rPr lang="en-US" sz="1500" kern="100">
+                          <a:effectLst/>
+                        </a:rPr>
+                        <a:t>R</a:t>
+                      </a:r>
+                      <a:endParaRPr lang="en-US" sz="1400" kern="100">
+                        <a:effectLst/>
+                        <a:latin typeface="Aptos" panose="020B0004020202020204" pitchFamily="34" charset="0"/>
+                        <a:ea typeface="Aptos" panose="020B0004020202020204" pitchFamily="34" charset="0"/>
+                        <a:cs typeface="Times New Roman" panose="02020603050405020304" pitchFamily="18" charset="0"/>
+                      </a:endParaRPr>
+                    </a:p>
+                  </a:txBody>
+                  <a:tcPr marL="86513" marR="86513" marT="0" marB="0"/>
+                </a:tc>
+                <a:tc>
+                  <a:txBody>
+                    <a:bodyPr/>
+                    <a:lstStyle/>
+                    <a:p>
+                      <a:pPr marL="0" marR="0" algn="ctr">
+                        <a:lnSpc>
+                          <a:spcPct val="107000"/>
+                        </a:lnSpc>
+                        <a:spcAft>
+                          <a:spcPts val="800"/>
+                        </a:spcAft>
+                      </a:pPr>
+                      <a:r>
+                        <a:rPr lang="en-US" sz="1500" kern="100">
+                          <a:effectLst/>
+                        </a:rPr>
+                        <a:t> </a:t>
+                      </a:r>
+                      <a:endParaRPr lang="en-US" sz="1400" kern="100">
+                        <a:effectLst/>
+                        <a:latin typeface="Aptos" panose="020B0004020202020204" pitchFamily="34" charset="0"/>
+                        <a:ea typeface="Aptos" panose="020B0004020202020204" pitchFamily="34" charset="0"/>
+                        <a:cs typeface="Times New Roman" panose="02020603050405020304" pitchFamily="18" charset="0"/>
+                      </a:endParaRPr>
+                    </a:p>
+                  </a:txBody>
+                  <a:tcPr marL="86513" marR="86513" marT="0" marB="0"/>
+                </a:tc>
+                <a:extLst>
+                  <a:ext uri="{0D108BD9-81ED-4DB2-BD59-A6C34878D82A}">
+                    <a16:rowId xmlns:a16="http://schemas.microsoft.com/office/drawing/2014/main" val="1932938436"/>
+                  </a:ext>
+                </a:extLst>
+              </a:tr>
+              <a:tr h="529331">
+                <a:tc>
+                  <a:txBody>
+                    <a:bodyPr/>
+                    <a:lstStyle/>
+                    <a:p>
+                      <a:pPr marL="0" marR="0" algn="r">
+                        <a:lnSpc>
+                          <a:spcPct val="107000"/>
+                        </a:lnSpc>
+                        <a:spcAft>
+                          <a:spcPts val="800"/>
+                        </a:spcAft>
+                      </a:pPr>
+                      <a:r>
+                        <a:rPr lang="en-US" sz="1500" kern="100">
+                          <a:effectLst/>
+                        </a:rPr>
+                        <a:t>3</a:t>
+                      </a:r>
+                      <a:endParaRPr lang="en-US" sz="1400" kern="100">
+                        <a:effectLst/>
+                        <a:latin typeface="Aptos" panose="020B0004020202020204" pitchFamily="34" charset="0"/>
+                        <a:ea typeface="Aptos" panose="020B0004020202020204" pitchFamily="34" charset="0"/>
+                        <a:cs typeface="Times New Roman" panose="02020603050405020304" pitchFamily="18" charset="0"/>
+                      </a:endParaRPr>
+                    </a:p>
+                  </a:txBody>
+                  <a:tcPr marL="86513" marR="86513" marT="0" marB="0"/>
+                </a:tc>
+                <a:tc>
+                  <a:txBody>
+                    <a:bodyPr/>
+                    <a:lstStyle/>
+                    <a:p>
+                      <a:pPr marL="0" marR="0" algn="ctr">
+                        <a:lnSpc>
+                          <a:spcPct val="107000"/>
+                        </a:lnSpc>
+                        <a:spcAft>
+                          <a:spcPts val="800"/>
+                        </a:spcAft>
+                      </a:pPr>
+                      <a:r>
+                        <a:rPr lang="en-US" sz="1500" kern="100">
+                          <a:effectLst/>
+                        </a:rPr>
+                        <a:t>Communicating with Client</a:t>
+                      </a:r>
+                      <a:endParaRPr lang="en-US" sz="1400" kern="100">
+                        <a:effectLst/>
+                        <a:latin typeface="Aptos" panose="020B0004020202020204" pitchFamily="34" charset="0"/>
+                        <a:ea typeface="Aptos" panose="020B0004020202020204" pitchFamily="34" charset="0"/>
+                        <a:cs typeface="Times New Roman" panose="02020603050405020304" pitchFamily="18" charset="0"/>
+                      </a:endParaRPr>
+                    </a:p>
+                  </a:txBody>
+                  <a:tcPr marL="86513" marR="86513" marT="0" marB="0"/>
+                </a:tc>
+                <a:tc>
+                  <a:txBody>
+                    <a:bodyPr/>
+                    <a:lstStyle/>
+                    <a:p>
+                      <a:pPr marL="0" marR="0" algn="ctr">
+                        <a:lnSpc>
+                          <a:spcPct val="107000"/>
+                        </a:lnSpc>
+                        <a:spcAft>
+                          <a:spcPts val="800"/>
+                        </a:spcAft>
+                      </a:pPr>
+                      <a:r>
+                        <a:rPr lang="en-US" sz="1500" kern="100">
+                          <a:effectLst/>
+                        </a:rPr>
+                        <a:t>R</a:t>
+                      </a:r>
+                      <a:endParaRPr lang="en-US" sz="1400" kern="100">
+                        <a:effectLst/>
+                        <a:latin typeface="Aptos" panose="020B0004020202020204" pitchFamily="34" charset="0"/>
+                        <a:ea typeface="Aptos" panose="020B0004020202020204" pitchFamily="34" charset="0"/>
+                        <a:cs typeface="Times New Roman" panose="02020603050405020304" pitchFamily="18" charset="0"/>
+                      </a:endParaRPr>
+                    </a:p>
+                  </a:txBody>
+                  <a:tcPr marL="86513" marR="86513" marT="0" marB="0"/>
+                </a:tc>
+                <a:tc>
+                  <a:txBody>
+                    <a:bodyPr/>
+                    <a:lstStyle/>
+                    <a:p>
+                      <a:pPr marL="0" marR="0" algn="ctr">
+                        <a:lnSpc>
+                          <a:spcPct val="107000"/>
+                        </a:lnSpc>
+                        <a:spcAft>
+                          <a:spcPts val="800"/>
+                        </a:spcAft>
+                      </a:pPr>
+                      <a:r>
+                        <a:rPr lang="en-US" sz="1500" kern="100">
+                          <a:effectLst/>
+                        </a:rPr>
+                        <a:t> </a:t>
+                      </a:r>
+                      <a:endParaRPr lang="en-US" sz="1400" kern="100">
+                        <a:effectLst/>
+                        <a:latin typeface="Aptos" panose="020B0004020202020204" pitchFamily="34" charset="0"/>
+                        <a:ea typeface="Aptos" panose="020B0004020202020204" pitchFamily="34" charset="0"/>
+                        <a:cs typeface="Times New Roman" panose="02020603050405020304" pitchFamily="18" charset="0"/>
+                      </a:endParaRPr>
+                    </a:p>
+                  </a:txBody>
+                  <a:tcPr marL="86513" marR="86513" marT="0" marB="0"/>
+                </a:tc>
+                <a:tc>
+                  <a:txBody>
+                    <a:bodyPr/>
+                    <a:lstStyle/>
+                    <a:p>
+                      <a:pPr marL="0" marR="0" algn="ctr">
+                        <a:lnSpc>
+                          <a:spcPct val="107000"/>
+                        </a:lnSpc>
+                        <a:spcAft>
+                          <a:spcPts val="800"/>
+                        </a:spcAft>
+                      </a:pPr>
+                      <a:r>
+                        <a:rPr lang="en-US" sz="1500" kern="100">
+                          <a:effectLst/>
+                        </a:rPr>
+                        <a:t> </a:t>
+                      </a:r>
+                      <a:endParaRPr lang="en-US" sz="1400" kern="100">
+                        <a:effectLst/>
+                        <a:latin typeface="Aptos" panose="020B0004020202020204" pitchFamily="34" charset="0"/>
+                        <a:ea typeface="Aptos" panose="020B0004020202020204" pitchFamily="34" charset="0"/>
+                        <a:cs typeface="Times New Roman" panose="02020603050405020304" pitchFamily="18" charset="0"/>
+                      </a:endParaRPr>
+                    </a:p>
+                  </a:txBody>
+                  <a:tcPr marL="86513" marR="86513" marT="0" marB="0"/>
+                </a:tc>
+                <a:tc>
+                  <a:txBody>
+                    <a:bodyPr/>
+                    <a:lstStyle/>
+                    <a:p>
+                      <a:pPr marL="0" marR="0" algn="ctr">
+                        <a:lnSpc>
+                          <a:spcPct val="107000"/>
+                        </a:lnSpc>
+                        <a:spcAft>
+                          <a:spcPts val="800"/>
+                        </a:spcAft>
+                      </a:pPr>
+                      <a:r>
+                        <a:rPr lang="en-US" sz="1500" kern="100">
+                          <a:effectLst/>
+                        </a:rPr>
+                        <a:t> </a:t>
+                      </a:r>
+                      <a:endParaRPr lang="en-US" sz="1400" kern="100">
+                        <a:effectLst/>
+                        <a:latin typeface="Aptos" panose="020B0004020202020204" pitchFamily="34" charset="0"/>
+                        <a:ea typeface="Aptos" panose="020B0004020202020204" pitchFamily="34" charset="0"/>
+                        <a:cs typeface="Times New Roman" panose="02020603050405020304" pitchFamily="18" charset="0"/>
+                      </a:endParaRPr>
+                    </a:p>
+                  </a:txBody>
+                  <a:tcPr marL="86513" marR="86513" marT="0" marB="0"/>
+                </a:tc>
+                <a:extLst>
+                  <a:ext uri="{0D108BD9-81ED-4DB2-BD59-A6C34878D82A}">
+                    <a16:rowId xmlns:a16="http://schemas.microsoft.com/office/drawing/2014/main" val="669048899"/>
+                  </a:ext>
+                </a:extLst>
+              </a:tr>
+              <a:tr h="529331">
+                <a:tc>
+                  <a:txBody>
+                    <a:bodyPr/>
+                    <a:lstStyle/>
+                    <a:p>
+                      <a:pPr marL="0" marR="0" algn="r">
+                        <a:lnSpc>
+                          <a:spcPct val="107000"/>
+                        </a:lnSpc>
+                        <a:spcAft>
+                          <a:spcPts val="800"/>
+                        </a:spcAft>
+                      </a:pPr>
+                      <a:r>
+                        <a:rPr lang="en-US" sz="1500" kern="100">
+                          <a:effectLst/>
+                        </a:rPr>
+                        <a:t>4</a:t>
+                      </a:r>
+                      <a:endParaRPr lang="en-US" sz="1400" kern="100">
+                        <a:effectLst/>
+                        <a:latin typeface="Aptos" panose="020B0004020202020204" pitchFamily="34" charset="0"/>
+                        <a:ea typeface="Aptos" panose="020B0004020202020204" pitchFamily="34" charset="0"/>
+                        <a:cs typeface="Times New Roman" panose="02020603050405020304" pitchFamily="18" charset="0"/>
+                      </a:endParaRPr>
+                    </a:p>
+                  </a:txBody>
+                  <a:tcPr marL="86513" marR="86513" marT="0" marB="0"/>
+                </a:tc>
+                <a:tc>
+                  <a:txBody>
+                    <a:bodyPr/>
+                    <a:lstStyle/>
+                    <a:p>
+                      <a:pPr marL="0" marR="0" algn="ctr">
+                        <a:lnSpc>
+                          <a:spcPct val="107000"/>
+                        </a:lnSpc>
+                        <a:spcAft>
+                          <a:spcPts val="800"/>
+                        </a:spcAft>
+                      </a:pPr>
+                      <a:r>
+                        <a:rPr lang="en-US" sz="1500" kern="100">
+                          <a:effectLst/>
+                        </a:rPr>
+                        <a:t>Possible Board Assembly</a:t>
+                      </a:r>
+                      <a:endParaRPr lang="en-US" sz="1400" kern="100">
+                        <a:effectLst/>
+                        <a:latin typeface="Aptos" panose="020B0004020202020204" pitchFamily="34" charset="0"/>
+                        <a:ea typeface="Aptos" panose="020B0004020202020204" pitchFamily="34" charset="0"/>
+                        <a:cs typeface="Times New Roman" panose="02020603050405020304" pitchFamily="18" charset="0"/>
+                      </a:endParaRPr>
+                    </a:p>
+                  </a:txBody>
+                  <a:tcPr marL="86513" marR="86513" marT="0" marB="0"/>
+                </a:tc>
+                <a:tc>
+                  <a:txBody>
+                    <a:bodyPr/>
+                    <a:lstStyle/>
+                    <a:p>
+                      <a:pPr marL="0" marR="0" algn="ctr">
+                        <a:lnSpc>
+                          <a:spcPct val="107000"/>
+                        </a:lnSpc>
+                        <a:spcAft>
+                          <a:spcPts val="800"/>
+                        </a:spcAft>
+                      </a:pPr>
+                      <a:r>
+                        <a:rPr lang="en-US" sz="1500" kern="100">
+                          <a:effectLst/>
+                        </a:rPr>
+                        <a:t>A</a:t>
+                      </a:r>
+                      <a:endParaRPr lang="en-US" sz="1400" kern="100">
+                        <a:effectLst/>
+                        <a:latin typeface="Aptos" panose="020B0004020202020204" pitchFamily="34" charset="0"/>
+                        <a:ea typeface="Aptos" panose="020B0004020202020204" pitchFamily="34" charset="0"/>
+                        <a:cs typeface="Times New Roman" panose="02020603050405020304" pitchFamily="18" charset="0"/>
+                      </a:endParaRPr>
+                    </a:p>
+                  </a:txBody>
+                  <a:tcPr marL="86513" marR="86513" marT="0" marB="0"/>
+                </a:tc>
+                <a:tc>
+                  <a:txBody>
+                    <a:bodyPr/>
+                    <a:lstStyle/>
+                    <a:p>
+                      <a:pPr marL="0" marR="0" algn="ctr">
+                        <a:lnSpc>
+                          <a:spcPct val="107000"/>
+                        </a:lnSpc>
+                        <a:spcAft>
+                          <a:spcPts val="800"/>
+                        </a:spcAft>
+                      </a:pPr>
+                      <a:r>
+                        <a:rPr lang="en-US" sz="1500" kern="100">
+                          <a:effectLst/>
+                        </a:rPr>
+                        <a:t>A</a:t>
+                      </a:r>
+                      <a:endParaRPr lang="en-US" sz="1400" kern="100">
+                        <a:effectLst/>
+                        <a:latin typeface="Aptos" panose="020B0004020202020204" pitchFamily="34" charset="0"/>
+                        <a:ea typeface="Aptos" panose="020B0004020202020204" pitchFamily="34" charset="0"/>
+                        <a:cs typeface="Times New Roman" panose="02020603050405020304" pitchFamily="18" charset="0"/>
+                      </a:endParaRPr>
+                    </a:p>
+                  </a:txBody>
+                  <a:tcPr marL="86513" marR="86513" marT="0" marB="0"/>
+                </a:tc>
+                <a:tc>
+                  <a:txBody>
+                    <a:bodyPr/>
+                    <a:lstStyle/>
+                    <a:p>
+                      <a:pPr marL="0" marR="0" algn="ctr">
+                        <a:lnSpc>
+                          <a:spcPct val="107000"/>
+                        </a:lnSpc>
+                        <a:spcAft>
+                          <a:spcPts val="800"/>
+                        </a:spcAft>
+                      </a:pPr>
+                      <a:r>
+                        <a:rPr lang="en-US" sz="1500" kern="100">
+                          <a:effectLst/>
+                        </a:rPr>
+                        <a:t>A</a:t>
+                      </a:r>
+                      <a:endParaRPr lang="en-US" sz="1400" kern="100">
+                        <a:effectLst/>
+                        <a:latin typeface="Aptos" panose="020B0004020202020204" pitchFamily="34" charset="0"/>
+                        <a:ea typeface="Aptos" panose="020B0004020202020204" pitchFamily="34" charset="0"/>
+                        <a:cs typeface="Times New Roman" panose="02020603050405020304" pitchFamily="18" charset="0"/>
+                      </a:endParaRPr>
+                    </a:p>
+                  </a:txBody>
+                  <a:tcPr marL="86513" marR="86513" marT="0" marB="0"/>
+                </a:tc>
+                <a:tc>
+                  <a:txBody>
+                    <a:bodyPr/>
+                    <a:lstStyle/>
+                    <a:p>
+                      <a:pPr marL="0" marR="0" algn="ctr">
+                        <a:lnSpc>
+                          <a:spcPct val="107000"/>
+                        </a:lnSpc>
+                        <a:spcAft>
+                          <a:spcPts val="800"/>
+                        </a:spcAft>
+                      </a:pPr>
+                      <a:r>
+                        <a:rPr lang="en-US" sz="1500" kern="100">
+                          <a:effectLst/>
+                        </a:rPr>
+                        <a:t>R</a:t>
+                      </a:r>
+                      <a:endParaRPr lang="en-US" sz="1400" kern="100">
+                        <a:effectLst/>
+                        <a:latin typeface="Aptos" panose="020B0004020202020204" pitchFamily="34" charset="0"/>
+                        <a:ea typeface="Aptos" panose="020B0004020202020204" pitchFamily="34" charset="0"/>
+                        <a:cs typeface="Times New Roman" panose="02020603050405020304" pitchFamily="18" charset="0"/>
+                      </a:endParaRPr>
+                    </a:p>
+                  </a:txBody>
+                  <a:tcPr marL="86513" marR="86513" marT="0" marB="0"/>
+                </a:tc>
+                <a:extLst>
+                  <a:ext uri="{0D108BD9-81ED-4DB2-BD59-A6C34878D82A}">
+                    <a16:rowId xmlns:a16="http://schemas.microsoft.com/office/drawing/2014/main" val="26814812"/>
+                  </a:ext>
+                </a:extLst>
+              </a:tr>
+              <a:tr h="282449">
+                <a:tc>
+                  <a:txBody>
+                    <a:bodyPr/>
+                    <a:lstStyle/>
+                    <a:p>
+                      <a:pPr marL="0" marR="0" algn="r">
+                        <a:lnSpc>
+                          <a:spcPct val="107000"/>
+                        </a:lnSpc>
+                        <a:spcAft>
+                          <a:spcPts val="800"/>
+                        </a:spcAft>
+                      </a:pPr>
+                      <a:r>
+                        <a:rPr lang="en-US" sz="1500" kern="100">
+                          <a:effectLst/>
+                        </a:rPr>
+                        <a:t>5</a:t>
+                      </a:r>
+                      <a:endParaRPr lang="en-US" sz="1400" kern="100">
+                        <a:effectLst/>
+                        <a:latin typeface="Aptos" panose="020B0004020202020204" pitchFamily="34" charset="0"/>
+                        <a:ea typeface="Aptos" panose="020B0004020202020204" pitchFamily="34" charset="0"/>
+                        <a:cs typeface="Times New Roman" panose="02020603050405020304" pitchFamily="18" charset="0"/>
+                      </a:endParaRPr>
+                    </a:p>
+                  </a:txBody>
+                  <a:tcPr marL="86513" marR="86513" marT="0" marB="0"/>
+                </a:tc>
+                <a:tc>
+                  <a:txBody>
+                    <a:bodyPr/>
+                    <a:lstStyle/>
+                    <a:p>
+                      <a:pPr marL="0" marR="0" algn="ctr">
+                        <a:lnSpc>
+                          <a:spcPct val="107000"/>
+                        </a:lnSpc>
+                        <a:spcAft>
+                          <a:spcPts val="800"/>
+                        </a:spcAft>
+                      </a:pPr>
+                      <a:r>
+                        <a:rPr lang="en-US" sz="1500" kern="100">
+                          <a:effectLst/>
+                        </a:rPr>
+                        <a:t>Testing</a:t>
+                      </a:r>
+                      <a:endParaRPr lang="en-US" sz="1400" kern="100">
+                        <a:effectLst/>
+                        <a:latin typeface="Aptos" panose="020B0004020202020204" pitchFamily="34" charset="0"/>
+                        <a:ea typeface="Aptos" panose="020B0004020202020204" pitchFamily="34" charset="0"/>
+                        <a:cs typeface="Times New Roman" panose="02020603050405020304" pitchFamily="18" charset="0"/>
+                      </a:endParaRPr>
+                    </a:p>
+                  </a:txBody>
+                  <a:tcPr marL="86513" marR="86513" marT="0" marB="0"/>
+                </a:tc>
+                <a:tc>
+                  <a:txBody>
+                    <a:bodyPr/>
+                    <a:lstStyle/>
+                    <a:p>
+                      <a:pPr marL="0" marR="0" algn="ctr">
+                        <a:lnSpc>
+                          <a:spcPct val="107000"/>
+                        </a:lnSpc>
+                        <a:spcAft>
+                          <a:spcPts val="800"/>
+                        </a:spcAft>
+                      </a:pPr>
+                      <a:r>
+                        <a:rPr lang="en-US" sz="1500" kern="100">
+                          <a:effectLst/>
+                        </a:rPr>
+                        <a:t>A</a:t>
+                      </a:r>
+                      <a:endParaRPr lang="en-US" sz="1400" kern="100">
+                        <a:effectLst/>
+                        <a:latin typeface="Aptos" panose="020B0004020202020204" pitchFamily="34" charset="0"/>
+                        <a:ea typeface="Aptos" panose="020B0004020202020204" pitchFamily="34" charset="0"/>
+                        <a:cs typeface="Times New Roman" panose="02020603050405020304" pitchFamily="18" charset="0"/>
+                      </a:endParaRPr>
+                    </a:p>
+                  </a:txBody>
+                  <a:tcPr marL="86513" marR="86513" marT="0" marB="0"/>
+                </a:tc>
+                <a:tc>
+                  <a:txBody>
+                    <a:bodyPr/>
+                    <a:lstStyle/>
+                    <a:p>
+                      <a:pPr marL="0" marR="0" algn="ctr">
+                        <a:lnSpc>
+                          <a:spcPct val="107000"/>
+                        </a:lnSpc>
+                        <a:spcAft>
+                          <a:spcPts val="800"/>
+                        </a:spcAft>
+                      </a:pPr>
+                      <a:r>
+                        <a:rPr lang="en-US" sz="1500" kern="100">
+                          <a:effectLst/>
+                        </a:rPr>
+                        <a:t> </a:t>
+                      </a:r>
+                      <a:endParaRPr lang="en-US" sz="1400" kern="100">
+                        <a:effectLst/>
+                        <a:latin typeface="Aptos" panose="020B0004020202020204" pitchFamily="34" charset="0"/>
+                        <a:ea typeface="Aptos" panose="020B0004020202020204" pitchFamily="34" charset="0"/>
+                        <a:cs typeface="Times New Roman" panose="02020603050405020304" pitchFamily="18" charset="0"/>
+                      </a:endParaRPr>
+                    </a:p>
+                  </a:txBody>
+                  <a:tcPr marL="86513" marR="86513" marT="0" marB="0"/>
+                </a:tc>
+                <a:tc>
+                  <a:txBody>
+                    <a:bodyPr/>
+                    <a:lstStyle/>
+                    <a:p>
+                      <a:pPr marL="0" marR="0" algn="ctr">
+                        <a:lnSpc>
+                          <a:spcPct val="107000"/>
+                        </a:lnSpc>
+                        <a:spcAft>
+                          <a:spcPts val="800"/>
+                        </a:spcAft>
+                      </a:pPr>
+                      <a:r>
+                        <a:rPr lang="en-US" sz="1500" kern="100">
+                          <a:effectLst/>
+                        </a:rPr>
+                        <a:t>R</a:t>
+                      </a:r>
+                      <a:endParaRPr lang="en-US" sz="1400" kern="100">
+                        <a:effectLst/>
+                        <a:latin typeface="Aptos" panose="020B0004020202020204" pitchFamily="34" charset="0"/>
+                        <a:ea typeface="Aptos" panose="020B0004020202020204" pitchFamily="34" charset="0"/>
+                        <a:cs typeface="Times New Roman" panose="02020603050405020304" pitchFamily="18" charset="0"/>
+                      </a:endParaRPr>
+                    </a:p>
+                  </a:txBody>
+                  <a:tcPr marL="86513" marR="86513" marT="0" marB="0"/>
+                </a:tc>
+                <a:tc>
+                  <a:txBody>
+                    <a:bodyPr/>
+                    <a:lstStyle/>
+                    <a:p>
+                      <a:pPr marL="0" marR="0" algn="ctr">
+                        <a:lnSpc>
+                          <a:spcPct val="107000"/>
+                        </a:lnSpc>
+                        <a:spcAft>
+                          <a:spcPts val="800"/>
+                        </a:spcAft>
+                      </a:pPr>
+                      <a:r>
+                        <a:rPr lang="en-US" sz="1500" kern="100" dirty="0">
+                          <a:effectLst/>
+                        </a:rPr>
+                        <a:t> </a:t>
+                      </a:r>
+                      <a:endParaRPr lang="en-US" sz="1400" kern="100" dirty="0">
+                        <a:effectLst/>
+                        <a:latin typeface="Aptos" panose="020B0004020202020204" pitchFamily="34" charset="0"/>
+                        <a:ea typeface="Aptos" panose="020B0004020202020204" pitchFamily="34" charset="0"/>
+                        <a:cs typeface="Times New Roman" panose="02020603050405020304" pitchFamily="18" charset="0"/>
+                      </a:endParaRPr>
+                    </a:p>
+                  </a:txBody>
+                  <a:tcPr marL="86513" marR="86513" marT="0" marB="0"/>
+                </a:tc>
+                <a:extLst>
+                  <a:ext uri="{0D108BD9-81ED-4DB2-BD59-A6C34878D82A}">
+                    <a16:rowId xmlns:a16="http://schemas.microsoft.com/office/drawing/2014/main" val="1031966489"/>
+                  </a:ext>
+                </a:extLst>
+              </a:tr>
+            </a:tbl>
+          </a:graphicData>
+        </a:graphic>
+      </p:graphicFrame>
+    </p:spTree>
+    <p:extLst>
+      <p:ext uri="{BB962C8B-B14F-4D97-AF65-F5344CB8AC3E}">
+        <p14:creationId xmlns:p14="http://schemas.microsoft.com/office/powerpoint/2010/main" val="3666994296"/>
+      </p:ext>
+    </p:extLst>
+  </p:cSld>
+  <p:clrMapOvr>
+    <a:masterClrMapping/>
+  </p:clrMapOvr>
+</p:sld>
+</file>
+
+<file path=ppt/slides/slide18.xml><?xml version="1.0" encoding="utf-8"?>
 <p:sld xmlns:a="http://schemas.openxmlformats.org/drawingml/2006/main" xmlns:r="http://schemas.openxmlformats.org/officeDocument/2006/relationships" xmlns:p="http://schemas.openxmlformats.org/presentationml/2006/main">
   <p:cSld>
     <p:bg>
@@ -9818,7 +13728,7 @@
           <p:cNvPr id="2" name="Title 1">
             <a:extLst>
               <a:ext uri="{FF2B5EF4-FFF2-40B4-BE49-F238E27FC236}">
-                <a16:creationId xmlns:a16="http://schemas.microsoft.com/office/drawing/2014/main" id="{A166BA9D-0BB2-B4F5-FB89-55C16D7112A9}"/>
+                <a16:creationId xmlns:a16="http://schemas.microsoft.com/office/drawing/2014/main" id="{4B1E27C4-F89D-CFE7-2F18-9B5E3A72550B}"/>
               </a:ext>
             </a:extLst>
           </p:cNvPr>
@@ -9843,7 +13753,7 @@
           <a:p>
             <a:r>
               <a:rPr lang="en-US" sz="5400"/>
-              <a:t>Work Breakdown</a:t>
+              <a:t>Feasibility Assessment</a:t>
             </a:r>
           </a:p>
         </p:txBody>
@@ -10491,809 +14401,6 @@
           <p:cNvPr id="3" name="Content Placeholder 2">
             <a:extLst>
               <a:ext uri="{FF2B5EF4-FFF2-40B4-BE49-F238E27FC236}">
-                <a16:creationId xmlns:a16="http://schemas.microsoft.com/office/drawing/2014/main" id="{E70857F9-C7EB-B368-8DEC-64960DBAB638}"/>
-              </a:ext>
-            </a:extLst>
-          </p:cNvPr>
-          <p:cNvSpPr>
-            <a:spLocks noGrp="1"/>
-          </p:cNvSpPr>
-          <p:nvPr>
-            <p:ph idx="1"/>
-          </p:nvPr>
-        </p:nvSpPr>
-        <p:spPr>
-          <a:xfrm>
-            <a:off x="838200" y="1929384"/>
-            <a:ext cx="10515600" cy="4251960"/>
-          </a:xfrm>
-        </p:spPr>
-        <p:txBody>
-          <a:bodyPr>
-            <a:normAutofit/>
-          </a:bodyPr>
-          <a:lstStyle/>
-          <a:p>
-            <a:endParaRPr lang="en-US" sz="2200"/>
-          </a:p>
-        </p:txBody>
-      </p:sp>
-    </p:spTree>
-    <p:extLst>
-      <p:ext uri="{BB962C8B-B14F-4D97-AF65-F5344CB8AC3E}">
-        <p14:creationId xmlns:p14="http://schemas.microsoft.com/office/powerpoint/2010/main" val="3666994296"/>
-      </p:ext>
-    </p:extLst>
-  </p:cSld>
-  <p:clrMapOvr>
-    <a:masterClrMapping/>
-  </p:clrMapOvr>
-</p:sld>
-</file>
-
-<file path=ppt/slides/slide18.xml><?xml version="1.0" encoding="utf-8"?>
-<p:sld xmlns:a="http://schemas.openxmlformats.org/drawingml/2006/main" xmlns:r="http://schemas.openxmlformats.org/officeDocument/2006/relationships" xmlns:p="http://schemas.openxmlformats.org/presentationml/2006/main">
-  <p:cSld>
-    <p:bg>
-      <p:bgPr>
-        <a:solidFill>
-          <a:schemeClr val="bg1"/>
-        </a:solidFill>
-        <a:effectLst/>
-      </p:bgPr>
-    </p:bg>
-    <p:spTree>
-      <p:nvGrpSpPr>
-        <p:cNvPr id="1" name=""/>
-        <p:cNvGrpSpPr/>
-        <p:nvPr/>
-      </p:nvGrpSpPr>
-      <p:grpSpPr>
-        <a:xfrm>
-          <a:off x="0" y="0"/>
-          <a:ext cx="0" cy="0"/>
-          <a:chOff x="0" y="0"/>
-          <a:chExt cx="0" cy="0"/>
-        </a:xfrm>
-      </p:grpSpPr>
-      <p:sp useBgFill="1">
-        <p:nvSpPr>
-          <p:cNvPr id="8" name="Rectangle 7">
-            <a:extLst>
-              <a:ext uri="{FF2B5EF4-FFF2-40B4-BE49-F238E27FC236}">
-                <a16:creationId xmlns:a16="http://schemas.microsoft.com/office/drawing/2014/main" id="{100EDD19-6802-4EC3-95CE-CFFAB042CFD6}"/>
-              </a:ext>
-              <a:ext uri="{C183D7F6-B498-43B3-948B-1728B52AA6E4}">
-                <adec:decorative xmlns:adec="http://schemas.microsoft.com/office/drawing/2017/decorative" val="1"/>
-              </a:ext>
-            </a:extLst>
-          </p:cNvPr>
-          <p:cNvSpPr>
-            <a:spLocks noGrp="1" noRot="1" noChangeAspect="1" noMove="1" noResize="1" noEditPoints="1" noAdjustHandles="1" noChangeArrowheads="1" noChangeShapeType="1" noTextEdit="1"/>
-          </p:cNvSpPr>
-          <p:nvPr>
-            <p:extLst>
-              <p:ext uri="{386F3935-93C4-4BCD-93E2-E3B085C9AB24}">
-                <p16:designElem xmlns:p16="http://schemas.microsoft.com/office/powerpoint/2015/main" val="1"/>
-              </p:ext>
-            </p:extLst>
-          </p:nvPr>
-        </p:nvSpPr>
-        <p:spPr>
-          <a:xfrm>
-            <a:off x="0" y="0"/>
-            <a:ext cx="12188952" cy="6858000"/>
-          </a:xfrm>
-          <a:prstGeom prst="rect">
-            <a:avLst/>
-          </a:prstGeom>
-          <a:ln>
-            <a:noFill/>
-          </a:ln>
-        </p:spPr>
-        <p:style>
-          <a:lnRef idx="2">
-            <a:schemeClr val="accent1">
-              <a:shade val="50000"/>
-            </a:schemeClr>
-          </a:lnRef>
-          <a:fillRef idx="1">
-            <a:schemeClr val="accent1"/>
-          </a:fillRef>
-          <a:effectRef idx="0">
-            <a:schemeClr val="accent1"/>
-          </a:effectRef>
-          <a:fontRef idx="minor">
-            <a:schemeClr val="lt1"/>
-          </a:fontRef>
-        </p:style>
-        <p:txBody>
-          <a:bodyPr rtlCol="0" anchor="ctr"/>
-          <a:lstStyle/>
-          <a:p>
-            <a:pPr algn="ctr"/>
-            <a:endParaRPr lang="en-US"/>
-          </a:p>
-        </p:txBody>
-      </p:sp>
-      <p:sp>
-        <p:nvSpPr>
-          <p:cNvPr id="2" name="Title 1">
-            <a:extLst>
-              <a:ext uri="{FF2B5EF4-FFF2-40B4-BE49-F238E27FC236}">
-                <a16:creationId xmlns:a16="http://schemas.microsoft.com/office/drawing/2014/main" id="{4B1E27C4-F89D-CFE7-2F18-9B5E3A72550B}"/>
-              </a:ext>
-            </a:extLst>
-          </p:cNvPr>
-          <p:cNvSpPr>
-            <a:spLocks noGrp="1"/>
-          </p:cNvSpPr>
-          <p:nvPr>
-            <p:ph type="title"/>
-          </p:nvPr>
-        </p:nvSpPr>
-        <p:spPr>
-          <a:xfrm>
-            <a:off x="838200" y="365125"/>
-            <a:ext cx="10515600" cy="1325563"/>
-          </a:xfrm>
-        </p:spPr>
-        <p:txBody>
-          <a:bodyPr>
-            <a:normAutofit/>
-          </a:bodyPr>
-          <a:lstStyle/>
-          <a:p>
-            <a:r>
-              <a:rPr lang="en-US" sz="5400"/>
-              <a:t>Feasibility Assessment</a:t>
-            </a:r>
-          </a:p>
-        </p:txBody>
-      </p:sp>
-      <p:sp>
-        <p:nvSpPr>
-          <p:cNvPr id="10" name="sketch line">
-            <a:extLst>
-              <a:ext uri="{FF2B5EF4-FFF2-40B4-BE49-F238E27FC236}">
-                <a16:creationId xmlns:a16="http://schemas.microsoft.com/office/drawing/2014/main" id="{DB17E863-922E-4C26-BD64-E8FD41D28661}"/>
-              </a:ext>
-              <a:ext uri="{C183D7F6-B498-43B3-948B-1728B52AA6E4}">
-                <adec:decorative xmlns:adec="http://schemas.microsoft.com/office/drawing/2017/decorative" val="1"/>
-              </a:ext>
-            </a:extLst>
-          </p:cNvPr>
-          <p:cNvSpPr>
-            <a:spLocks noGrp="1" noRot="1" noChangeAspect="1" noMove="1" noResize="1" noEditPoints="1" noAdjustHandles="1" noChangeArrowheads="1" noChangeShapeType="1" noTextEdit="1"/>
-          </p:cNvSpPr>
-          <p:nvPr>
-            <p:extLst>
-              <p:ext uri="{386F3935-93C4-4BCD-93E2-E3B085C9AB24}">
-                <p16:designElem xmlns:p16="http://schemas.microsoft.com/office/powerpoint/2015/main" val="1"/>
-              </p:ext>
-            </p:extLst>
-          </p:nvPr>
-        </p:nvSpPr>
-        <p:spPr>
-          <a:xfrm>
-            <a:off x="669036" y="1677373"/>
-            <a:ext cx="10853928" cy="18288"/>
-          </a:xfrm>
-          <a:custGeom>
-            <a:avLst/>
-            <a:gdLst>
-              <a:gd name="connsiteX0" fmla="*/ 0 w 10853928"/>
-              <a:gd name="connsiteY0" fmla="*/ 0 h 18288"/>
-              <a:gd name="connsiteX1" fmla="*/ 461292 w 10853928"/>
-              <a:gd name="connsiteY1" fmla="*/ 0 h 18288"/>
-              <a:gd name="connsiteX2" fmla="*/ 1139662 w 10853928"/>
-              <a:gd name="connsiteY2" fmla="*/ 0 h 18288"/>
-              <a:gd name="connsiteX3" fmla="*/ 1926572 w 10853928"/>
-              <a:gd name="connsiteY3" fmla="*/ 0 h 18288"/>
-              <a:gd name="connsiteX4" fmla="*/ 2279325 w 10853928"/>
-              <a:gd name="connsiteY4" fmla="*/ 0 h 18288"/>
-              <a:gd name="connsiteX5" fmla="*/ 2632078 w 10853928"/>
-              <a:gd name="connsiteY5" fmla="*/ 0 h 18288"/>
-              <a:gd name="connsiteX6" fmla="*/ 3527527 w 10853928"/>
-              <a:gd name="connsiteY6" fmla="*/ 0 h 18288"/>
-              <a:gd name="connsiteX7" fmla="*/ 4205897 w 10853928"/>
-              <a:gd name="connsiteY7" fmla="*/ 0 h 18288"/>
-              <a:gd name="connsiteX8" fmla="*/ 4558650 w 10853928"/>
-              <a:gd name="connsiteY8" fmla="*/ 0 h 18288"/>
-              <a:gd name="connsiteX9" fmla="*/ 5237020 w 10853928"/>
-              <a:gd name="connsiteY9" fmla="*/ 0 h 18288"/>
-              <a:gd name="connsiteX10" fmla="*/ 6132469 w 10853928"/>
-              <a:gd name="connsiteY10" fmla="*/ 0 h 18288"/>
-              <a:gd name="connsiteX11" fmla="*/ 6702301 w 10853928"/>
-              <a:gd name="connsiteY11" fmla="*/ 0 h 18288"/>
-              <a:gd name="connsiteX12" fmla="*/ 7272132 w 10853928"/>
-              <a:gd name="connsiteY12" fmla="*/ 0 h 18288"/>
-              <a:gd name="connsiteX13" fmla="*/ 7950502 w 10853928"/>
-              <a:gd name="connsiteY13" fmla="*/ 0 h 18288"/>
-              <a:gd name="connsiteX14" fmla="*/ 8737412 w 10853928"/>
-              <a:gd name="connsiteY14" fmla="*/ 0 h 18288"/>
-              <a:gd name="connsiteX15" fmla="*/ 9524322 w 10853928"/>
-              <a:gd name="connsiteY15" fmla="*/ 0 h 18288"/>
-              <a:gd name="connsiteX16" fmla="*/ 10853928 w 10853928"/>
-              <a:gd name="connsiteY16" fmla="*/ 0 h 18288"/>
-              <a:gd name="connsiteX17" fmla="*/ 10853928 w 10853928"/>
-              <a:gd name="connsiteY17" fmla="*/ 18288 h 18288"/>
-              <a:gd name="connsiteX18" fmla="*/ 10392636 w 10853928"/>
-              <a:gd name="connsiteY18" fmla="*/ 18288 h 18288"/>
-              <a:gd name="connsiteX19" fmla="*/ 9497187 w 10853928"/>
-              <a:gd name="connsiteY19" fmla="*/ 18288 h 18288"/>
-              <a:gd name="connsiteX20" fmla="*/ 8818817 w 10853928"/>
-              <a:gd name="connsiteY20" fmla="*/ 18288 h 18288"/>
-              <a:gd name="connsiteX21" fmla="*/ 8466064 w 10853928"/>
-              <a:gd name="connsiteY21" fmla="*/ 18288 h 18288"/>
-              <a:gd name="connsiteX22" fmla="*/ 7787693 w 10853928"/>
-              <a:gd name="connsiteY22" fmla="*/ 18288 h 18288"/>
-              <a:gd name="connsiteX23" fmla="*/ 7217862 w 10853928"/>
-              <a:gd name="connsiteY23" fmla="*/ 18288 h 18288"/>
-              <a:gd name="connsiteX24" fmla="*/ 6648031 w 10853928"/>
-              <a:gd name="connsiteY24" fmla="*/ 18288 h 18288"/>
-              <a:gd name="connsiteX25" fmla="*/ 6078200 w 10853928"/>
-              <a:gd name="connsiteY25" fmla="*/ 18288 h 18288"/>
-              <a:gd name="connsiteX26" fmla="*/ 5508368 w 10853928"/>
-              <a:gd name="connsiteY26" fmla="*/ 18288 h 18288"/>
-              <a:gd name="connsiteX27" fmla="*/ 4721459 w 10853928"/>
-              <a:gd name="connsiteY27" fmla="*/ 18288 h 18288"/>
-              <a:gd name="connsiteX28" fmla="*/ 4043088 w 10853928"/>
-              <a:gd name="connsiteY28" fmla="*/ 18288 h 18288"/>
-              <a:gd name="connsiteX29" fmla="*/ 3690336 w 10853928"/>
-              <a:gd name="connsiteY29" fmla="*/ 18288 h 18288"/>
-              <a:gd name="connsiteX30" fmla="*/ 3120504 w 10853928"/>
-              <a:gd name="connsiteY30" fmla="*/ 18288 h 18288"/>
-              <a:gd name="connsiteX31" fmla="*/ 2333595 w 10853928"/>
-              <a:gd name="connsiteY31" fmla="*/ 18288 h 18288"/>
-              <a:gd name="connsiteX32" fmla="*/ 1872303 w 10853928"/>
-              <a:gd name="connsiteY32" fmla="*/ 18288 h 18288"/>
-              <a:gd name="connsiteX33" fmla="*/ 976854 w 10853928"/>
-              <a:gd name="connsiteY33" fmla="*/ 18288 h 18288"/>
-              <a:gd name="connsiteX34" fmla="*/ 0 w 10853928"/>
-              <a:gd name="connsiteY34" fmla="*/ 18288 h 18288"/>
-              <a:gd name="connsiteX35" fmla="*/ 0 w 10853928"/>
-              <a:gd name="connsiteY35" fmla="*/ 0 h 18288"/>
-            </a:gdLst>
-            <a:ahLst/>
-            <a:cxnLst>
-              <a:cxn ang="0">
-                <a:pos x="connsiteX0" y="connsiteY0"/>
-              </a:cxn>
-              <a:cxn ang="0">
-                <a:pos x="connsiteX1" y="connsiteY1"/>
-              </a:cxn>
-              <a:cxn ang="0">
-                <a:pos x="connsiteX2" y="connsiteY2"/>
-              </a:cxn>
-              <a:cxn ang="0">
-                <a:pos x="connsiteX3" y="connsiteY3"/>
-              </a:cxn>
-              <a:cxn ang="0">
-                <a:pos x="connsiteX4" y="connsiteY4"/>
-              </a:cxn>
-              <a:cxn ang="0">
-                <a:pos x="connsiteX5" y="connsiteY5"/>
-              </a:cxn>
-              <a:cxn ang="0">
-                <a:pos x="connsiteX6" y="connsiteY6"/>
-              </a:cxn>
-              <a:cxn ang="0">
-                <a:pos x="connsiteX7" y="connsiteY7"/>
-              </a:cxn>
-              <a:cxn ang="0">
-                <a:pos x="connsiteX8" y="connsiteY8"/>
-              </a:cxn>
-              <a:cxn ang="0">
-                <a:pos x="connsiteX9" y="connsiteY9"/>
-              </a:cxn>
-              <a:cxn ang="0">
-                <a:pos x="connsiteX10" y="connsiteY10"/>
-              </a:cxn>
-              <a:cxn ang="0">
-                <a:pos x="connsiteX11" y="connsiteY11"/>
-              </a:cxn>
-              <a:cxn ang="0">
-                <a:pos x="connsiteX12" y="connsiteY12"/>
-              </a:cxn>
-              <a:cxn ang="0">
-                <a:pos x="connsiteX13" y="connsiteY13"/>
-              </a:cxn>
-              <a:cxn ang="0">
-                <a:pos x="connsiteX14" y="connsiteY14"/>
-              </a:cxn>
-              <a:cxn ang="0">
-                <a:pos x="connsiteX15" y="connsiteY15"/>
-              </a:cxn>
-              <a:cxn ang="0">
-                <a:pos x="connsiteX16" y="connsiteY16"/>
-              </a:cxn>
-              <a:cxn ang="0">
-                <a:pos x="connsiteX17" y="connsiteY17"/>
-              </a:cxn>
-              <a:cxn ang="0">
-                <a:pos x="connsiteX18" y="connsiteY18"/>
-              </a:cxn>
-              <a:cxn ang="0">
-                <a:pos x="connsiteX19" y="connsiteY19"/>
-              </a:cxn>
-              <a:cxn ang="0">
-                <a:pos x="connsiteX20" y="connsiteY20"/>
-              </a:cxn>
-              <a:cxn ang="0">
-                <a:pos x="connsiteX21" y="connsiteY21"/>
-              </a:cxn>
-              <a:cxn ang="0">
-                <a:pos x="connsiteX22" y="connsiteY22"/>
-              </a:cxn>
-              <a:cxn ang="0">
-                <a:pos x="connsiteX23" y="connsiteY23"/>
-              </a:cxn>
-              <a:cxn ang="0">
-                <a:pos x="connsiteX24" y="connsiteY24"/>
-              </a:cxn>
-              <a:cxn ang="0">
-                <a:pos x="connsiteX25" y="connsiteY25"/>
-              </a:cxn>
-              <a:cxn ang="0">
-                <a:pos x="connsiteX26" y="connsiteY26"/>
-              </a:cxn>
-              <a:cxn ang="0">
-                <a:pos x="connsiteX27" y="connsiteY27"/>
-              </a:cxn>
-              <a:cxn ang="0">
-                <a:pos x="connsiteX28" y="connsiteY28"/>
-              </a:cxn>
-              <a:cxn ang="0">
-                <a:pos x="connsiteX29" y="connsiteY29"/>
-              </a:cxn>
-              <a:cxn ang="0">
-                <a:pos x="connsiteX30" y="connsiteY30"/>
-              </a:cxn>
-              <a:cxn ang="0">
-                <a:pos x="connsiteX31" y="connsiteY31"/>
-              </a:cxn>
-              <a:cxn ang="0">
-                <a:pos x="connsiteX32" y="connsiteY32"/>
-              </a:cxn>
-              <a:cxn ang="0">
-                <a:pos x="connsiteX33" y="connsiteY33"/>
-              </a:cxn>
-              <a:cxn ang="0">
-                <a:pos x="connsiteX34" y="connsiteY34"/>
-              </a:cxn>
-              <a:cxn ang="0">
-                <a:pos x="connsiteX35" y="connsiteY35"/>
-              </a:cxn>
-            </a:cxnLst>
-            <a:rect l="l" t="t" r="r" b="b"/>
-            <a:pathLst>
-              <a:path w="10853928" h="18288" fill="none" extrusionOk="0">
-                <a:moveTo>
-                  <a:pt x="0" y="0"/>
-                </a:moveTo>
-                <a:cubicBezTo>
-                  <a:pt x="146993" y="-19076"/>
-                  <a:pt x="347684" y="-4790"/>
-                  <a:pt x="461292" y="0"/>
-                </a:cubicBezTo>
-                <a:cubicBezTo>
-                  <a:pt x="574900" y="4790"/>
-                  <a:pt x="808367" y="19821"/>
-                  <a:pt x="1139662" y="0"/>
-                </a:cubicBezTo>
-                <a:cubicBezTo>
-                  <a:pt x="1470957" y="-19821"/>
-                  <a:pt x="1627405" y="5721"/>
-                  <a:pt x="1926572" y="0"/>
-                </a:cubicBezTo>
-                <a:cubicBezTo>
-                  <a:pt x="2225739" y="-5721"/>
-                  <a:pt x="2137730" y="-3235"/>
-                  <a:pt x="2279325" y="0"/>
-                </a:cubicBezTo>
-                <a:cubicBezTo>
-                  <a:pt x="2420920" y="3235"/>
-                  <a:pt x="2456518" y="9685"/>
-                  <a:pt x="2632078" y="0"/>
-                </a:cubicBezTo>
-                <a:cubicBezTo>
-                  <a:pt x="2807638" y="-9685"/>
-                  <a:pt x="3211516" y="-43007"/>
-                  <a:pt x="3527527" y="0"/>
-                </a:cubicBezTo>
-                <a:cubicBezTo>
-                  <a:pt x="3843538" y="43007"/>
-                  <a:pt x="4058833" y="22042"/>
-                  <a:pt x="4205897" y="0"/>
-                </a:cubicBezTo>
-                <a:cubicBezTo>
-                  <a:pt x="4352961" y="-22042"/>
-                  <a:pt x="4474805" y="-11846"/>
-                  <a:pt x="4558650" y="0"/>
-                </a:cubicBezTo>
-                <a:cubicBezTo>
-                  <a:pt x="4642495" y="11846"/>
-                  <a:pt x="5041928" y="-6069"/>
-                  <a:pt x="5237020" y="0"/>
-                </a:cubicBezTo>
-                <a:cubicBezTo>
-                  <a:pt x="5432112" y="6069"/>
-                  <a:pt x="5943266" y="-17479"/>
-                  <a:pt x="6132469" y="0"/>
-                </a:cubicBezTo>
-                <a:cubicBezTo>
-                  <a:pt x="6321672" y="17479"/>
-                  <a:pt x="6483872" y="26234"/>
-                  <a:pt x="6702301" y="0"/>
-                </a:cubicBezTo>
-                <a:cubicBezTo>
-                  <a:pt x="6920730" y="-26234"/>
-                  <a:pt x="6991194" y="-15156"/>
-                  <a:pt x="7272132" y="0"/>
-                </a:cubicBezTo>
-                <a:cubicBezTo>
-                  <a:pt x="7553070" y="15156"/>
-                  <a:pt x="7684444" y="-32961"/>
-                  <a:pt x="7950502" y="0"/>
-                </a:cubicBezTo>
-                <a:cubicBezTo>
-                  <a:pt x="8216560" y="32961"/>
-                  <a:pt x="8493290" y="-10491"/>
-                  <a:pt x="8737412" y="0"/>
-                </a:cubicBezTo>
-                <a:cubicBezTo>
-                  <a:pt x="8981534" y="10491"/>
-                  <a:pt x="9191586" y="-13899"/>
-                  <a:pt x="9524322" y="0"/>
-                </a:cubicBezTo>
-                <a:cubicBezTo>
-                  <a:pt x="9857058" y="13899"/>
-                  <a:pt x="10297509" y="7485"/>
-                  <a:pt x="10853928" y="0"/>
-                </a:cubicBezTo>
-                <a:cubicBezTo>
-                  <a:pt x="10854574" y="4451"/>
-                  <a:pt x="10854418" y="9226"/>
-                  <a:pt x="10853928" y="18288"/>
-                </a:cubicBezTo>
-                <a:cubicBezTo>
-                  <a:pt x="10691638" y="28522"/>
-                  <a:pt x="10574319" y="29578"/>
-                  <a:pt x="10392636" y="18288"/>
-                </a:cubicBezTo>
-                <a:cubicBezTo>
-                  <a:pt x="10210953" y="6998"/>
-                  <a:pt x="9836277" y="-16742"/>
-                  <a:pt x="9497187" y="18288"/>
-                </a:cubicBezTo>
-                <a:cubicBezTo>
-                  <a:pt x="9158097" y="53318"/>
-                  <a:pt x="9119479" y="30714"/>
-                  <a:pt x="8818817" y="18288"/>
-                </a:cubicBezTo>
-                <a:cubicBezTo>
-                  <a:pt x="8518155" y="5863"/>
-                  <a:pt x="8640037" y="6483"/>
-                  <a:pt x="8466064" y="18288"/>
-                </a:cubicBezTo>
-                <a:cubicBezTo>
-                  <a:pt x="8292091" y="30093"/>
-                  <a:pt x="7997656" y="18914"/>
-                  <a:pt x="7787693" y="18288"/>
-                </a:cubicBezTo>
-                <a:cubicBezTo>
-                  <a:pt x="7577730" y="17662"/>
-                  <a:pt x="7412468" y="21416"/>
-                  <a:pt x="7217862" y="18288"/>
-                </a:cubicBezTo>
-                <a:cubicBezTo>
-                  <a:pt x="7023256" y="15160"/>
-                  <a:pt x="6898018" y="14824"/>
-                  <a:pt x="6648031" y="18288"/>
-                </a:cubicBezTo>
-                <a:cubicBezTo>
-                  <a:pt x="6398044" y="21752"/>
-                  <a:pt x="6254402" y="38625"/>
-                  <a:pt x="6078200" y="18288"/>
-                </a:cubicBezTo>
-                <a:cubicBezTo>
-                  <a:pt x="5901998" y="-2049"/>
-                  <a:pt x="5622886" y="3213"/>
-                  <a:pt x="5508368" y="18288"/>
-                </a:cubicBezTo>
-                <a:cubicBezTo>
-                  <a:pt x="5393850" y="33363"/>
-                  <a:pt x="5036260" y="26830"/>
-                  <a:pt x="4721459" y="18288"/>
-                </a:cubicBezTo>
-                <a:cubicBezTo>
-                  <a:pt x="4406658" y="9746"/>
-                  <a:pt x="4239221" y="41551"/>
-                  <a:pt x="4043088" y="18288"/>
-                </a:cubicBezTo>
-                <a:cubicBezTo>
-                  <a:pt x="3846955" y="-4975"/>
-                  <a:pt x="3818802" y="34658"/>
-                  <a:pt x="3690336" y="18288"/>
-                </a:cubicBezTo>
-                <a:cubicBezTo>
-                  <a:pt x="3561870" y="1918"/>
-                  <a:pt x="3265491" y="42194"/>
-                  <a:pt x="3120504" y="18288"/>
-                </a:cubicBezTo>
-                <a:cubicBezTo>
-                  <a:pt x="2975517" y="-5618"/>
-                  <a:pt x="2720254" y="36673"/>
-                  <a:pt x="2333595" y="18288"/>
-                </a:cubicBezTo>
-                <a:cubicBezTo>
-                  <a:pt x="1946936" y="-97"/>
-                  <a:pt x="2097241" y="5776"/>
-                  <a:pt x="1872303" y="18288"/>
-                </a:cubicBezTo>
-                <a:cubicBezTo>
-                  <a:pt x="1647365" y="30800"/>
-                  <a:pt x="1282708" y="45380"/>
-                  <a:pt x="976854" y="18288"/>
-                </a:cubicBezTo>
-                <a:cubicBezTo>
-                  <a:pt x="671000" y="-8804"/>
-                  <a:pt x="408401" y="-12775"/>
-                  <a:pt x="0" y="18288"/>
-                </a:cubicBezTo>
-                <a:cubicBezTo>
-                  <a:pt x="-213" y="9468"/>
-                  <a:pt x="187" y="4459"/>
-                  <a:pt x="0" y="0"/>
-                </a:cubicBezTo>
-                <a:close/>
-              </a:path>
-              <a:path w="10853928" h="18288" stroke="0" extrusionOk="0">
-                <a:moveTo>
-                  <a:pt x="0" y="0"/>
-                </a:moveTo>
-                <a:cubicBezTo>
-                  <a:pt x="267322" y="15284"/>
-                  <a:pt x="415388" y="-21048"/>
-                  <a:pt x="569831" y="0"/>
-                </a:cubicBezTo>
-                <a:cubicBezTo>
-                  <a:pt x="724274" y="21048"/>
-                  <a:pt x="769333" y="-2353"/>
-                  <a:pt x="922584" y="0"/>
-                </a:cubicBezTo>
-                <a:cubicBezTo>
-                  <a:pt x="1075835" y="2353"/>
-                  <a:pt x="1399490" y="-145"/>
-                  <a:pt x="1818033" y="0"/>
-                </a:cubicBezTo>
-                <a:cubicBezTo>
-                  <a:pt x="2236576" y="145"/>
-                  <a:pt x="2145330" y="5482"/>
-                  <a:pt x="2387864" y="0"/>
-                </a:cubicBezTo>
-                <a:cubicBezTo>
-                  <a:pt x="2630398" y="-5482"/>
-                  <a:pt x="2793207" y="18487"/>
-                  <a:pt x="2957695" y="0"/>
-                </a:cubicBezTo>
-                <a:cubicBezTo>
-                  <a:pt x="3122183" y="-18487"/>
-                  <a:pt x="3579141" y="19003"/>
-                  <a:pt x="3853144" y="0"/>
-                </a:cubicBezTo>
-                <a:cubicBezTo>
-                  <a:pt x="4127147" y="-19003"/>
-                  <a:pt x="4209857" y="12211"/>
-                  <a:pt x="4314436" y="0"/>
-                </a:cubicBezTo>
-                <a:cubicBezTo>
-                  <a:pt x="4419015" y="-12211"/>
-                  <a:pt x="4762459" y="-17220"/>
-                  <a:pt x="5209885" y="0"/>
-                </a:cubicBezTo>
-                <a:cubicBezTo>
-                  <a:pt x="5657311" y="17220"/>
-                  <a:pt x="5692663" y="-3290"/>
-                  <a:pt x="6105335" y="0"/>
-                </a:cubicBezTo>
-                <a:cubicBezTo>
-                  <a:pt x="6518007" y="3290"/>
-                  <a:pt x="6455516" y="-5124"/>
-                  <a:pt x="6783705" y="0"/>
-                </a:cubicBezTo>
-                <a:cubicBezTo>
-                  <a:pt x="7111894" y="5124"/>
-                  <a:pt x="7441941" y="-17829"/>
-                  <a:pt x="7679154" y="0"/>
-                </a:cubicBezTo>
-                <a:cubicBezTo>
-                  <a:pt x="7916367" y="17829"/>
-                  <a:pt x="8102967" y="-24363"/>
-                  <a:pt x="8248985" y="0"/>
-                </a:cubicBezTo>
-                <a:cubicBezTo>
-                  <a:pt x="8395003" y="24363"/>
-                  <a:pt x="8552393" y="25505"/>
-                  <a:pt x="8818817" y="0"/>
-                </a:cubicBezTo>
-                <a:cubicBezTo>
-                  <a:pt x="9085241" y="-25505"/>
-                  <a:pt x="9411308" y="38000"/>
-                  <a:pt x="9605726" y="0"/>
-                </a:cubicBezTo>
-                <a:cubicBezTo>
-                  <a:pt x="9800144" y="-38000"/>
-                  <a:pt x="10006468" y="-25741"/>
-                  <a:pt x="10175558" y="0"/>
-                </a:cubicBezTo>
-                <a:cubicBezTo>
-                  <a:pt x="10344648" y="25741"/>
-                  <a:pt x="10696282" y="695"/>
-                  <a:pt x="10853928" y="0"/>
-                </a:cubicBezTo>
-                <a:cubicBezTo>
-                  <a:pt x="10853521" y="8690"/>
-                  <a:pt x="10853774" y="14141"/>
-                  <a:pt x="10853928" y="18288"/>
-                </a:cubicBezTo>
-                <a:cubicBezTo>
-                  <a:pt x="10608124" y="24255"/>
-                  <a:pt x="10343415" y="22307"/>
-                  <a:pt x="10067018" y="18288"/>
-                </a:cubicBezTo>
-                <a:cubicBezTo>
-                  <a:pt x="9790621" y="14270"/>
-                  <a:pt x="9843266" y="3564"/>
-                  <a:pt x="9714266" y="18288"/>
-                </a:cubicBezTo>
-                <a:cubicBezTo>
-                  <a:pt x="9585266" y="33012"/>
-                  <a:pt x="9379484" y="1875"/>
-                  <a:pt x="9252974" y="18288"/>
-                </a:cubicBezTo>
-                <a:cubicBezTo>
-                  <a:pt x="9126464" y="34701"/>
-                  <a:pt x="8580678" y="-4904"/>
-                  <a:pt x="8357525" y="18288"/>
-                </a:cubicBezTo>
-                <a:cubicBezTo>
-                  <a:pt x="8134372" y="41480"/>
-                  <a:pt x="7903199" y="26458"/>
-                  <a:pt x="7679154" y="18288"/>
-                </a:cubicBezTo>
-                <a:cubicBezTo>
-                  <a:pt x="7455109" y="10118"/>
-                  <a:pt x="7435944" y="27109"/>
-                  <a:pt x="7217862" y="18288"/>
-                </a:cubicBezTo>
-                <a:cubicBezTo>
-                  <a:pt x="6999780" y="9467"/>
-                  <a:pt x="6680409" y="18985"/>
-                  <a:pt x="6539492" y="18288"/>
-                </a:cubicBezTo>
-                <a:cubicBezTo>
-                  <a:pt x="6398575" y="17592"/>
-                  <a:pt x="6312077" y="33018"/>
-                  <a:pt x="6186739" y="18288"/>
-                </a:cubicBezTo>
-                <a:cubicBezTo>
-                  <a:pt x="6061401" y="3558"/>
-                  <a:pt x="5947033" y="12075"/>
-                  <a:pt x="5833986" y="18288"/>
-                </a:cubicBezTo>
-                <a:cubicBezTo>
-                  <a:pt x="5720939" y="24501"/>
-                  <a:pt x="5482226" y="8586"/>
-                  <a:pt x="5155616" y="18288"/>
-                </a:cubicBezTo>
-                <a:cubicBezTo>
-                  <a:pt x="4829006" y="27991"/>
-                  <a:pt x="4841274" y="29316"/>
-                  <a:pt x="4694324" y="18288"/>
-                </a:cubicBezTo>
-                <a:cubicBezTo>
-                  <a:pt x="4547374" y="7260"/>
-                  <a:pt x="4077675" y="7013"/>
-                  <a:pt x="3907414" y="18288"/>
-                </a:cubicBezTo>
-                <a:cubicBezTo>
-                  <a:pt x="3737153" y="29564"/>
-                  <a:pt x="3538393" y="21630"/>
-                  <a:pt x="3446122" y="18288"/>
-                </a:cubicBezTo>
-                <a:cubicBezTo>
-                  <a:pt x="3353851" y="14946"/>
-                  <a:pt x="2990320" y="-8091"/>
-                  <a:pt x="2659212" y="18288"/>
-                </a:cubicBezTo>
-                <a:cubicBezTo>
-                  <a:pt x="2328104" y="44667"/>
-                  <a:pt x="2427653" y="9607"/>
-                  <a:pt x="2306460" y="18288"/>
-                </a:cubicBezTo>
-                <a:cubicBezTo>
-                  <a:pt x="2185267" y="26969"/>
-                  <a:pt x="1719763" y="3717"/>
-                  <a:pt x="1519550" y="18288"/>
-                </a:cubicBezTo>
-                <a:cubicBezTo>
-                  <a:pt x="1319337" y="32860"/>
-                  <a:pt x="1167371" y="17040"/>
-                  <a:pt x="1058258" y="18288"/>
-                </a:cubicBezTo>
-                <a:cubicBezTo>
-                  <a:pt x="949145" y="19536"/>
-                  <a:pt x="780234" y="31447"/>
-                  <a:pt x="705505" y="18288"/>
-                </a:cubicBezTo>
-                <a:cubicBezTo>
-                  <a:pt x="630776" y="5129"/>
-                  <a:pt x="215796" y="30056"/>
-                  <a:pt x="0" y="18288"/>
-                </a:cubicBezTo>
-                <a:cubicBezTo>
-                  <a:pt x="-53" y="11301"/>
-                  <a:pt x="-649" y="7756"/>
-                  <a:pt x="0" y="0"/>
-                </a:cubicBezTo>
-                <a:close/>
-              </a:path>
-            </a:pathLst>
-          </a:custGeom>
-          <a:solidFill>
-            <a:schemeClr val="accent2"/>
-          </a:solidFill>
-          <a:ln w="41275" cap="rnd">
-            <a:solidFill>
-              <a:schemeClr val="accent2"/>
-            </a:solidFill>
-            <a:round/>
-            <a:extLst>
-              <a:ext uri="{C807C97D-BFC1-408E-A445-0C87EB9F89A2}">
-                <ask:lineSketchStyleProps xmlns:ask="http://schemas.microsoft.com/office/drawing/2018/sketchyshapes" sd="1219033472">
-                  <a:prstGeom prst="rect">
-                    <a:avLst/>
-                  </a:prstGeom>
-                  <ask:type>
-                    <ask:lineSketchFreehand/>
-                  </ask:type>
-                </ask:lineSketchStyleProps>
-              </a:ext>
-            </a:extLst>
-          </a:ln>
-        </p:spPr>
-        <p:style>
-          <a:lnRef idx="2">
-            <a:schemeClr val="accent1">
-              <a:shade val="50000"/>
-            </a:schemeClr>
-          </a:lnRef>
-          <a:fillRef idx="1">
-            <a:schemeClr val="accent1"/>
-          </a:fillRef>
-          <a:effectRef idx="0">
-            <a:schemeClr val="accent1"/>
-          </a:effectRef>
-          <a:fontRef idx="minor">
-            <a:schemeClr val="lt1"/>
-          </a:fontRef>
-        </p:style>
-        <p:txBody>
-          <a:bodyPr rtlCol="0" anchor="ctr"/>
-          <a:lstStyle/>
-          <a:p>
-            <a:pPr algn="ctr"/>
-            <a:endParaRPr lang="en-US"/>
-          </a:p>
-        </p:txBody>
-      </p:sp>
-      <p:sp>
-        <p:nvSpPr>
-          <p:cNvPr id="3" name="Content Placeholder 2">
-            <a:extLst>
-              <a:ext uri="{FF2B5EF4-FFF2-40B4-BE49-F238E27FC236}">
                 <a16:creationId xmlns:a16="http://schemas.microsoft.com/office/drawing/2014/main" id="{9F7AB586-525F-7119-210E-93808F4331F4}"/>
               </a:ext>
             </a:extLst>
@@ -11317,7 +14424,10 @@
           </a:bodyPr>
           <a:lstStyle/>
           <a:p>
-            <a:endParaRPr lang="en-US" sz="2200"/>
+            <a:r>
+              <a:rPr lang="en-US" sz="2200" dirty="0"/>
+              <a:t>Tannyr</a:t>
+            </a:r>
           </a:p>
         </p:txBody>
       </p:sp>
@@ -12354,7 +15464,10 @@
           </a:bodyPr>
           <a:lstStyle/>
           <a:p>
-            <a:endParaRPr lang="en-US" sz="2200"/>
+            <a:r>
+              <a:rPr lang="en-US" sz="2200" dirty="0"/>
+              <a:t>Tannyr</a:t>
+            </a:r>
           </a:p>
         </p:txBody>
       </p:sp>
@@ -13157,7 +16270,10 @@
           </a:bodyPr>
           <a:lstStyle/>
           <a:p>
-            <a:endParaRPr lang="en-US" sz="2200"/>
+            <a:r>
+              <a:rPr lang="en-US" sz="2200" dirty="0"/>
+              <a:t>Tannyr</a:t>
+            </a:r>
           </a:p>
         </p:txBody>
       </p:sp>
@@ -13962,13 +17078,14 @@
           <a:p>
             <a:r>
               <a:rPr lang="en-US" sz="2200" dirty="0"/>
-              <a:t>The ID table thing goes here for </a:t>
+              <a:t>The ID table thing goes here for requirements</a:t>
             </a:r>
+          </a:p>
+          <a:p>
             <a:r>
-              <a:rPr lang="en-US" sz="2200" dirty="0" err="1"/>
-              <a:t>requirments</a:t>
+              <a:rPr lang="en-US" sz="2200" dirty="0"/>
+              <a:t>Tannyr</a:t>
             </a:r>
-            <a:endParaRPr lang="en-US" sz="2200" dirty="0"/>
           </a:p>
         </p:txBody>
       </p:sp>
@@ -14771,7 +17888,10 @@
           </a:bodyPr>
           <a:lstStyle/>
           <a:p>
-            <a:endParaRPr lang="en-US" sz="2200"/>
+            <a:r>
+              <a:rPr lang="en-US" sz="2200" dirty="0"/>
+              <a:t>Gannon and Ethan</a:t>
+            </a:r>
           </a:p>
         </p:txBody>
       </p:sp>
@@ -16514,12 +19634,12 @@
           <a:chExt cx="0" cy="0"/>
         </a:xfrm>
       </p:grpSpPr>
-      <p:sp useBgFill="1">
+      <p:sp>
         <p:nvSpPr>
-          <p:cNvPr id="8" name="Rectangle 7">
+          <p:cNvPr id="15" name="Down Arrow 7">
             <a:extLst>
               <a:ext uri="{FF2B5EF4-FFF2-40B4-BE49-F238E27FC236}">
-                <a16:creationId xmlns:a16="http://schemas.microsoft.com/office/drawing/2014/main" id="{100EDD19-6802-4EC3-95CE-CFFAB042CFD6}"/>
+                <a16:creationId xmlns:a16="http://schemas.microsoft.com/office/drawing/2014/main" id="{D4771268-CB57-404A-9271-370EB28F6090}"/>
               </a:ext>
               <a:ext uri="{C183D7F6-B498-43B3-948B-1728B52AA6E4}">
                 <adec:decorative xmlns:adec="http://schemas.microsoft.com/office/drawing/2017/decorative" val="1"/>
@@ -16538,14 +19658,20 @@
           </p:nvPr>
         </p:nvSpPr>
         <p:spPr>
-          <a:xfrm>
-            <a:off x="0" y="0"/>
-            <a:ext cx="12188952" cy="6858000"/>
+          <a:xfrm rot="16200000">
+            <a:off x="800100" y="1491343"/>
+            <a:ext cx="3333749" cy="3499103"/>
           </a:xfrm>
-          <a:prstGeom prst="rect">
-            <a:avLst/>
+          <a:prstGeom prst="downArrow">
+            <a:avLst>
+              <a:gd name="adj1" fmla="val 100000"/>
+              <a:gd name="adj2" fmla="val 15788"/>
+            </a:avLst>
           </a:prstGeom>
-          <a:ln>
+          <a:solidFill>
+            <a:srgbClr val="404040"/>
+          </a:solidFill>
+          <a:ln w="53975">
             <a:noFill/>
           </a:ln>
         </p:spPr>
@@ -16592,693 +19718,70 @@
         </p:nvSpPr>
         <p:spPr>
           <a:xfrm>
-            <a:off x="838200" y="365125"/>
-            <a:ext cx="10515600" cy="1325563"/>
+            <a:off x="1028700" y="1967266"/>
+            <a:ext cx="2628900" cy="2547257"/>
           </a:xfrm>
+          <a:noFill/>
         </p:spPr>
         <p:txBody>
-          <a:bodyPr>
+          <a:bodyPr vert="horz" lIns="91440" tIns="45720" rIns="91440" bIns="45720" rtlCol="0" anchor="ctr">
             <a:normAutofit/>
           </a:bodyPr>
           <a:lstStyle/>
           <a:p>
+            <a:pPr algn="ctr"/>
             <a:r>
-              <a:rPr lang="en-US" sz="5400"/>
-              <a:t>Approach – UML? </a:t>
+              <a:rPr lang="en-US" sz="3600" kern="1200" dirty="0">
+                <a:solidFill>
+                  <a:srgbClr val="FFFFFF"/>
+                </a:solidFill>
+                <a:latin typeface="+mj-lt"/>
+                <a:ea typeface="+mj-ea"/>
+                <a:cs typeface="+mj-cs"/>
+              </a:rPr>
+              <a:t>Approach – Code Block Diagram </a:t>
             </a:r>
           </a:p>
         </p:txBody>
       </p:sp>
-      <p:sp>
-        <p:nvSpPr>
-          <p:cNvPr id="10" name="sketch line">
+      <p:pic>
+        <p:nvPicPr>
+          <p:cNvPr id="5" name="Content Placeholder 4">
             <a:extLst>
               <a:ext uri="{FF2B5EF4-FFF2-40B4-BE49-F238E27FC236}">
-                <a16:creationId xmlns:a16="http://schemas.microsoft.com/office/drawing/2014/main" id="{DB17E863-922E-4C26-BD64-E8FD41D28661}"/>
-              </a:ext>
-              <a:ext uri="{C183D7F6-B498-43B3-948B-1728B52AA6E4}">
-                <adec:decorative xmlns:adec="http://schemas.microsoft.com/office/drawing/2017/decorative" val="1"/>
+                <a16:creationId xmlns:a16="http://schemas.microsoft.com/office/drawing/2014/main" id="{9BE5538A-12FB-7DE9-2D7F-81657C72626A}"/>
               </a:ext>
             </a:extLst>
           </p:cNvPr>
-          <p:cNvSpPr>
-            <a:spLocks noGrp="1" noRot="1" noChangeAspect="1" noMove="1" noResize="1" noEditPoints="1" noAdjustHandles="1" noChangeArrowheads="1" noChangeShapeType="1" noTextEdit="1"/>
-          </p:cNvSpPr>
-          <p:nvPr>
-            <p:extLst>
-              <p:ext uri="{386F3935-93C4-4BCD-93E2-E3B085C9AB24}">
-                <p16:designElem xmlns:p16="http://schemas.microsoft.com/office/powerpoint/2015/main" val="1"/>
-              </p:ext>
-            </p:extLst>
-          </p:nvPr>
-        </p:nvSpPr>
-        <p:spPr>
-          <a:xfrm>
-            <a:off x="669036" y="1677373"/>
-            <a:ext cx="10853928" cy="18288"/>
-          </a:xfrm>
-          <a:custGeom>
-            <a:avLst/>
-            <a:gdLst>
-              <a:gd name="connsiteX0" fmla="*/ 0 w 10853928"/>
-              <a:gd name="connsiteY0" fmla="*/ 0 h 18288"/>
-              <a:gd name="connsiteX1" fmla="*/ 461292 w 10853928"/>
-              <a:gd name="connsiteY1" fmla="*/ 0 h 18288"/>
-              <a:gd name="connsiteX2" fmla="*/ 1139662 w 10853928"/>
-              <a:gd name="connsiteY2" fmla="*/ 0 h 18288"/>
-              <a:gd name="connsiteX3" fmla="*/ 1926572 w 10853928"/>
-              <a:gd name="connsiteY3" fmla="*/ 0 h 18288"/>
-              <a:gd name="connsiteX4" fmla="*/ 2279325 w 10853928"/>
-              <a:gd name="connsiteY4" fmla="*/ 0 h 18288"/>
-              <a:gd name="connsiteX5" fmla="*/ 2632078 w 10853928"/>
-              <a:gd name="connsiteY5" fmla="*/ 0 h 18288"/>
-              <a:gd name="connsiteX6" fmla="*/ 3527527 w 10853928"/>
-              <a:gd name="connsiteY6" fmla="*/ 0 h 18288"/>
-              <a:gd name="connsiteX7" fmla="*/ 4205897 w 10853928"/>
-              <a:gd name="connsiteY7" fmla="*/ 0 h 18288"/>
-              <a:gd name="connsiteX8" fmla="*/ 4558650 w 10853928"/>
-              <a:gd name="connsiteY8" fmla="*/ 0 h 18288"/>
-              <a:gd name="connsiteX9" fmla="*/ 5237020 w 10853928"/>
-              <a:gd name="connsiteY9" fmla="*/ 0 h 18288"/>
-              <a:gd name="connsiteX10" fmla="*/ 6132469 w 10853928"/>
-              <a:gd name="connsiteY10" fmla="*/ 0 h 18288"/>
-              <a:gd name="connsiteX11" fmla="*/ 6702301 w 10853928"/>
-              <a:gd name="connsiteY11" fmla="*/ 0 h 18288"/>
-              <a:gd name="connsiteX12" fmla="*/ 7272132 w 10853928"/>
-              <a:gd name="connsiteY12" fmla="*/ 0 h 18288"/>
-              <a:gd name="connsiteX13" fmla="*/ 7950502 w 10853928"/>
-              <a:gd name="connsiteY13" fmla="*/ 0 h 18288"/>
-              <a:gd name="connsiteX14" fmla="*/ 8737412 w 10853928"/>
-              <a:gd name="connsiteY14" fmla="*/ 0 h 18288"/>
-              <a:gd name="connsiteX15" fmla="*/ 9524322 w 10853928"/>
-              <a:gd name="connsiteY15" fmla="*/ 0 h 18288"/>
-              <a:gd name="connsiteX16" fmla="*/ 10853928 w 10853928"/>
-              <a:gd name="connsiteY16" fmla="*/ 0 h 18288"/>
-              <a:gd name="connsiteX17" fmla="*/ 10853928 w 10853928"/>
-              <a:gd name="connsiteY17" fmla="*/ 18288 h 18288"/>
-              <a:gd name="connsiteX18" fmla="*/ 10392636 w 10853928"/>
-              <a:gd name="connsiteY18" fmla="*/ 18288 h 18288"/>
-              <a:gd name="connsiteX19" fmla="*/ 9497187 w 10853928"/>
-              <a:gd name="connsiteY19" fmla="*/ 18288 h 18288"/>
-              <a:gd name="connsiteX20" fmla="*/ 8818817 w 10853928"/>
-              <a:gd name="connsiteY20" fmla="*/ 18288 h 18288"/>
-              <a:gd name="connsiteX21" fmla="*/ 8466064 w 10853928"/>
-              <a:gd name="connsiteY21" fmla="*/ 18288 h 18288"/>
-              <a:gd name="connsiteX22" fmla="*/ 7787693 w 10853928"/>
-              <a:gd name="connsiteY22" fmla="*/ 18288 h 18288"/>
-              <a:gd name="connsiteX23" fmla="*/ 7217862 w 10853928"/>
-              <a:gd name="connsiteY23" fmla="*/ 18288 h 18288"/>
-              <a:gd name="connsiteX24" fmla="*/ 6648031 w 10853928"/>
-              <a:gd name="connsiteY24" fmla="*/ 18288 h 18288"/>
-              <a:gd name="connsiteX25" fmla="*/ 6078200 w 10853928"/>
-              <a:gd name="connsiteY25" fmla="*/ 18288 h 18288"/>
-              <a:gd name="connsiteX26" fmla="*/ 5508368 w 10853928"/>
-              <a:gd name="connsiteY26" fmla="*/ 18288 h 18288"/>
-              <a:gd name="connsiteX27" fmla="*/ 4721459 w 10853928"/>
-              <a:gd name="connsiteY27" fmla="*/ 18288 h 18288"/>
-              <a:gd name="connsiteX28" fmla="*/ 4043088 w 10853928"/>
-              <a:gd name="connsiteY28" fmla="*/ 18288 h 18288"/>
-              <a:gd name="connsiteX29" fmla="*/ 3690336 w 10853928"/>
-              <a:gd name="connsiteY29" fmla="*/ 18288 h 18288"/>
-              <a:gd name="connsiteX30" fmla="*/ 3120504 w 10853928"/>
-              <a:gd name="connsiteY30" fmla="*/ 18288 h 18288"/>
-              <a:gd name="connsiteX31" fmla="*/ 2333595 w 10853928"/>
-              <a:gd name="connsiteY31" fmla="*/ 18288 h 18288"/>
-              <a:gd name="connsiteX32" fmla="*/ 1872303 w 10853928"/>
-              <a:gd name="connsiteY32" fmla="*/ 18288 h 18288"/>
-              <a:gd name="connsiteX33" fmla="*/ 976854 w 10853928"/>
-              <a:gd name="connsiteY33" fmla="*/ 18288 h 18288"/>
-              <a:gd name="connsiteX34" fmla="*/ 0 w 10853928"/>
-              <a:gd name="connsiteY34" fmla="*/ 18288 h 18288"/>
-              <a:gd name="connsiteX35" fmla="*/ 0 w 10853928"/>
-              <a:gd name="connsiteY35" fmla="*/ 0 h 18288"/>
-            </a:gdLst>
-            <a:ahLst/>
-            <a:cxnLst>
-              <a:cxn ang="0">
-                <a:pos x="connsiteX0" y="connsiteY0"/>
-              </a:cxn>
-              <a:cxn ang="0">
-                <a:pos x="connsiteX1" y="connsiteY1"/>
-              </a:cxn>
-              <a:cxn ang="0">
-                <a:pos x="connsiteX2" y="connsiteY2"/>
-              </a:cxn>
-              <a:cxn ang="0">
-                <a:pos x="connsiteX3" y="connsiteY3"/>
-              </a:cxn>
-              <a:cxn ang="0">
-                <a:pos x="connsiteX4" y="connsiteY4"/>
-              </a:cxn>
-              <a:cxn ang="0">
-                <a:pos x="connsiteX5" y="connsiteY5"/>
-              </a:cxn>
-              <a:cxn ang="0">
-                <a:pos x="connsiteX6" y="connsiteY6"/>
-              </a:cxn>
-              <a:cxn ang="0">
-                <a:pos x="connsiteX7" y="connsiteY7"/>
-              </a:cxn>
-              <a:cxn ang="0">
-                <a:pos x="connsiteX8" y="connsiteY8"/>
-              </a:cxn>
-              <a:cxn ang="0">
-                <a:pos x="connsiteX9" y="connsiteY9"/>
-              </a:cxn>
-              <a:cxn ang="0">
-                <a:pos x="connsiteX10" y="connsiteY10"/>
-              </a:cxn>
-              <a:cxn ang="0">
-                <a:pos x="connsiteX11" y="connsiteY11"/>
-              </a:cxn>
-              <a:cxn ang="0">
-                <a:pos x="connsiteX12" y="connsiteY12"/>
-              </a:cxn>
-              <a:cxn ang="0">
-                <a:pos x="connsiteX13" y="connsiteY13"/>
-              </a:cxn>
-              <a:cxn ang="0">
-                <a:pos x="connsiteX14" y="connsiteY14"/>
-              </a:cxn>
-              <a:cxn ang="0">
-                <a:pos x="connsiteX15" y="connsiteY15"/>
-              </a:cxn>
-              <a:cxn ang="0">
-                <a:pos x="connsiteX16" y="connsiteY16"/>
-              </a:cxn>
-              <a:cxn ang="0">
-                <a:pos x="connsiteX17" y="connsiteY17"/>
-              </a:cxn>
-              <a:cxn ang="0">
-                <a:pos x="connsiteX18" y="connsiteY18"/>
-              </a:cxn>
-              <a:cxn ang="0">
-                <a:pos x="connsiteX19" y="connsiteY19"/>
-              </a:cxn>
-              <a:cxn ang="0">
-                <a:pos x="connsiteX20" y="connsiteY20"/>
-              </a:cxn>
-              <a:cxn ang="0">
-                <a:pos x="connsiteX21" y="connsiteY21"/>
-              </a:cxn>
-              <a:cxn ang="0">
-                <a:pos x="connsiteX22" y="connsiteY22"/>
-              </a:cxn>
-              <a:cxn ang="0">
-                <a:pos x="connsiteX23" y="connsiteY23"/>
-              </a:cxn>
-              <a:cxn ang="0">
-                <a:pos x="connsiteX24" y="connsiteY24"/>
-              </a:cxn>
-              <a:cxn ang="0">
-                <a:pos x="connsiteX25" y="connsiteY25"/>
-              </a:cxn>
-              <a:cxn ang="0">
-                <a:pos x="connsiteX26" y="connsiteY26"/>
-              </a:cxn>
-              <a:cxn ang="0">
-                <a:pos x="connsiteX27" y="connsiteY27"/>
-              </a:cxn>
-              <a:cxn ang="0">
-                <a:pos x="connsiteX28" y="connsiteY28"/>
-              </a:cxn>
-              <a:cxn ang="0">
-                <a:pos x="connsiteX29" y="connsiteY29"/>
-              </a:cxn>
-              <a:cxn ang="0">
-                <a:pos x="connsiteX30" y="connsiteY30"/>
-              </a:cxn>
-              <a:cxn ang="0">
-                <a:pos x="connsiteX31" y="connsiteY31"/>
-              </a:cxn>
-              <a:cxn ang="0">
-                <a:pos x="connsiteX32" y="connsiteY32"/>
-              </a:cxn>
-              <a:cxn ang="0">
-                <a:pos x="connsiteX33" y="connsiteY33"/>
-              </a:cxn>
-              <a:cxn ang="0">
-                <a:pos x="connsiteX34" y="connsiteY34"/>
-              </a:cxn>
-              <a:cxn ang="0">
-                <a:pos x="connsiteX35" y="connsiteY35"/>
-              </a:cxn>
-            </a:cxnLst>
-            <a:rect l="l" t="t" r="r" b="b"/>
-            <a:pathLst>
-              <a:path w="10853928" h="18288" fill="none" extrusionOk="0">
-                <a:moveTo>
-                  <a:pt x="0" y="0"/>
-                </a:moveTo>
-                <a:cubicBezTo>
-                  <a:pt x="146993" y="-19076"/>
-                  <a:pt x="347684" y="-4790"/>
-                  <a:pt x="461292" y="0"/>
-                </a:cubicBezTo>
-                <a:cubicBezTo>
-                  <a:pt x="574900" y="4790"/>
-                  <a:pt x="808367" y="19821"/>
-                  <a:pt x="1139662" y="0"/>
-                </a:cubicBezTo>
-                <a:cubicBezTo>
-                  <a:pt x="1470957" y="-19821"/>
-                  <a:pt x="1627405" y="5721"/>
-                  <a:pt x="1926572" y="0"/>
-                </a:cubicBezTo>
-                <a:cubicBezTo>
-                  <a:pt x="2225739" y="-5721"/>
-                  <a:pt x="2137730" y="-3235"/>
-                  <a:pt x="2279325" y="0"/>
-                </a:cubicBezTo>
-                <a:cubicBezTo>
-                  <a:pt x="2420920" y="3235"/>
-                  <a:pt x="2456518" y="9685"/>
-                  <a:pt x="2632078" y="0"/>
-                </a:cubicBezTo>
-                <a:cubicBezTo>
-                  <a:pt x="2807638" y="-9685"/>
-                  <a:pt x="3211516" y="-43007"/>
-                  <a:pt x="3527527" y="0"/>
-                </a:cubicBezTo>
-                <a:cubicBezTo>
-                  <a:pt x="3843538" y="43007"/>
-                  <a:pt x="4058833" y="22042"/>
-                  <a:pt x="4205897" y="0"/>
-                </a:cubicBezTo>
-                <a:cubicBezTo>
-                  <a:pt x="4352961" y="-22042"/>
-                  <a:pt x="4474805" y="-11846"/>
-                  <a:pt x="4558650" y="0"/>
-                </a:cubicBezTo>
-                <a:cubicBezTo>
-                  <a:pt x="4642495" y="11846"/>
-                  <a:pt x="5041928" y="-6069"/>
-                  <a:pt x="5237020" y="0"/>
-                </a:cubicBezTo>
-                <a:cubicBezTo>
-                  <a:pt x="5432112" y="6069"/>
-                  <a:pt x="5943266" y="-17479"/>
-                  <a:pt x="6132469" y="0"/>
-                </a:cubicBezTo>
-                <a:cubicBezTo>
-                  <a:pt x="6321672" y="17479"/>
-                  <a:pt x="6483872" y="26234"/>
-                  <a:pt x="6702301" y="0"/>
-                </a:cubicBezTo>
-                <a:cubicBezTo>
-                  <a:pt x="6920730" y="-26234"/>
-                  <a:pt x="6991194" y="-15156"/>
-                  <a:pt x="7272132" y="0"/>
-                </a:cubicBezTo>
-                <a:cubicBezTo>
-                  <a:pt x="7553070" y="15156"/>
-                  <a:pt x="7684444" y="-32961"/>
-                  <a:pt x="7950502" y="0"/>
-                </a:cubicBezTo>
-                <a:cubicBezTo>
-                  <a:pt x="8216560" y="32961"/>
-                  <a:pt x="8493290" y="-10491"/>
-                  <a:pt x="8737412" y="0"/>
-                </a:cubicBezTo>
-                <a:cubicBezTo>
-                  <a:pt x="8981534" y="10491"/>
-                  <a:pt x="9191586" y="-13899"/>
-                  <a:pt x="9524322" y="0"/>
-                </a:cubicBezTo>
-                <a:cubicBezTo>
-                  <a:pt x="9857058" y="13899"/>
-                  <a:pt x="10297509" y="7485"/>
-                  <a:pt x="10853928" y="0"/>
-                </a:cubicBezTo>
-                <a:cubicBezTo>
-                  <a:pt x="10854574" y="4451"/>
-                  <a:pt x="10854418" y="9226"/>
-                  <a:pt x="10853928" y="18288"/>
-                </a:cubicBezTo>
-                <a:cubicBezTo>
-                  <a:pt x="10691638" y="28522"/>
-                  <a:pt x="10574319" y="29578"/>
-                  <a:pt x="10392636" y="18288"/>
-                </a:cubicBezTo>
-                <a:cubicBezTo>
-                  <a:pt x="10210953" y="6998"/>
-                  <a:pt x="9836277" y="-16742"/>
-                  <a:pt x="9497187" y="18288"/>
-                </a:cubicBezTo>
-                <a:cubicBezTo>
-                  <a:pt x="9158097" y="53318"/>
-                  <a:pt x="9119479" y="30714"/>
-                  <a:pt x="8818817" y="18288"/>
-                </a:cubicBezTo>
-                <a:cubicBezTo>
-                  <a:pt x="8518155" y="5863"/>
-                  <a:pt x="8640037" y="6483"/>
-                  <a:pt x="8466064" y="18288"/>
-                </a:cubicBezTo>
-                <a:cubicBezTo>
-                  <a:pt x="8292091" y="30093"/>
-                  <a:pt x="7997656" y="18914"/>
-                  <a:pt x="7787693" y="18288"/>
-                </a:cubicBezTo>
-                <a:cubicBezTo>
-                  <a:pt x="7577730" y="17662"/>
-                  <a:pt x="7412468" y="21416"/>
-                  <a:pt x="7217862" y="18288"/>
-                </a:cubicBezTo>
-                <a:cubicBezTo>
-                  <a:pt x="7023256" y="15160"/>
-                  <a:pt x="6898018" y="14824"/>
-                  <a:pt x="6648031" y="18288"/>
-                </a:cubicBezTo>
-                <a:cubicBezTo>
-                  <a:pt x="6398044" y="21752"/>
-                  <a:pt x="6254402" y="38625"/>
-                  <a:pt x="6078200" y="18288"/>
-                </a:cubicBezTo>
-                <a:cubicBezTo>
-                  <a:pt x="5901998" y="-2049"/>
-                  <a:pt x="5622886" y="3213"/>
-                  <a:pt x="5508368" y="18288"/>
-                </a:cubicBezTo>
-                <a:cubicBezTo>
-                  <a:pt x="5393850" y="33363"/>
-                  <a:pt x="5036260" y="26830"/>
-                  <a:pt x="4721459" y="18288"/>
-                </a:cubicBezTo>
-                <a:cubicBezTo>
-                  <a:pt x="4406658" y="9746"/>
-                  <a:pt x="4239221" y="41551"/>
-                  <a:pt x="4043088" y="18288"/>
-                </a:cubicBezTo>
-                <a:cubicBezTo>
-                  <a:pt x="3846955" y="-4975"/>
-                  <a:pt x="3818802" y="34658"/>
-                  <a:pt x="3690336" y="18288"/>
-                </a:cubicBezTo>
-                <a:cubicBezTo>
-                  <a:pt x="3561870" y="1918"/>
-                  <a:pt x="3265491" y="42194"/>
-                  <a:pt x="3120504" y="18288"/>
-                </a:cubicBezTo>
-                <a:cubicBezTo>
-                  <a:pt x="2975517" y="-5618"/>
-                  <a:pt x="2720254" y="36673"/>
-                  <a:pt x="2333595" y="18288"/>
-                </a:cubicBezTo>
-                <a:cubicBezTo>
-                  <a:pt x="1946936" y="-97"/>
-                  <a:pt x="2097241" y="5776"/>
-                  <a:pt x="1872303" y="18288"/>
-                </a:cubicBezTo>
-                <a:cubicBezTo>
-                  <a:pt x="1647365" y="30800"/>
-                  <a:pt x="1282708" y="45380"/>
-                  <a:pt x="976854" y="18288"/>
-                </a:cubicBezTo>
-                <a:cubicBezTo>
-                  <a:pt x="671000" y="-8804"/>
-                  <a:pt x="408401" y="-12775"/>
-                  <a:pt x="0" y="18288"/>
-                </a:cubicBezTo>
-                <a:cubicBezTo>
-                  <a:pt x="-213" y="9468"/>
-                  <a:pt x="187" y="4459"/>
-                  <a:pt x="0" y="0"/>
-                </a:cubicBezTo>
-                <a:close/>
-              </a:path>
-              <a:path w="10853928" h="18288" stroke="0" extrusionOk="0">
-                <a:moveTo>
-                  <a:pt x="0" y="0"/>
-                </a:moveTo>
-                <a:cubicBezTo>
-                  <a:pt x="267322" y="15284"/>
-                  <a:pt x="415388" y="-21048"/>
-                  <a:pt x="569831" y="0"/>
-                </a:cubicBezTo>
-                <a:cubicBezTo>
-                  <a:pt x="724274" y="21048"/>
-                  <a:pt x="769333" y="-2353"/>
-                  <a:pt x="922584" y="0"/>
-                </a:cubicBezTo>
-                <a:cubicBezTo>
-                  <a:pt x="1075835" y="2353"/>
-                  <a:pt x="1399490" y="-145"/>
-                  <a:pt x="1818033" y="0"/>
-                </a:cubicBezTo>
-                <a:cubicBezTo>
-                  <a:pt x="2236576" y="145"/>
-                  <a:pt x="2145330" y="5482"/>
-                  <a:pt x="2387864" y="0"/>
-                </a:cubicBezTo>
-                <a:cubicBezTo>
-                  <a:pt x="2630398" y="-5482"/>
-                  <a:pt x="2793207" y="18487"/>
-                  <a:pt x="2957695" y="0"/>
-                </a:cubicBezTo>
-                <a:cubicBezTo>
-                  <a:pt x="3122183" y="-18487"/>
-                  <a:pt x="3579141" y="19003"/>
-                  <a:pt x="3853144" y="0"/>
-                </a:cubicBezTo>
-                <a:cubicBezTo>
-                  <a:pt x="4127147" y="-19003"/>
-                  <a:pt x="4209857" y="12211"/>
-                  <a:pt x="4314436" y="0"/>
-                </a:cubicBezTo>
-                <a:cubicBezTo>
-                  <a:pt x="4419015" y="-12211"/>
-                  <a:pt x="4762459" y="-17220"/>
-                  <a:pt x="5209885" y="0"/>
-                </a:cubicBezTo>
-                <a:cubicBezTo>
-                  <a:pt x="5657311" y="17220"/>
-                  <a:pt x="5692663" y="-3290"/>
-                  <a:pt x="6105335" y="0"/>
-                </a:cubicBezTo>
-                <a:cubicBezTo>
-                  <a:pt x="6518007" y="3290"/>
-                  <a:pt x="6455516" y="-5124"/>
-                  <a:pt x="6783705" y="0"/>
-                </a:cubicBezTo>
-                <a:cubicBezTo>
-                  <a:pt x="7111894" y="5124"/>
-                  <a:pt x="7441941" y="-17829"/>
-                  <a:pt x="7679154" y="0"/>
-                </a:cubicBezTo>
-                <a:cubicBezTo>
-                  <a:pt x="7916367" y="17829"/>
-                  <a:pt x="8102967" y="-24363"/>
-                  <a:pt x="8248985" y="0"/>
-                </a:cubicBezTo>
-                <a:cubicBezTo>
-                  <a:pt x="8395003" y="24363"/>
-                  <a:pt x="8552393" y="25505"/>
-                  <a:pt x="8818817" y="0"/>
-                </a:cubicBezTo>
-                <a:cubicBezTo>
-                  <a:pt x="9085241" y="-25505"/>
-                  <a:pt x="9411308" y="38000"/>
-                  <a:pt x="9605726" y="0"/>
-                </a:cubicBezTo>
-                <a:cubicBezTo>
-                  <a:pt x="9800144" y="-38000"/>
-                  <a:pt x="10006468" y="-25741"/>
-                  <a:pt x="10175558" y="0"/>
-                </a:cubicBezTo>
-                <a:cubicBezTo>
-                  <a:pt x="10344648" y="25741"/>
-                  <a:pt x="10696282" y="695"/>
-                  <a:pt x="10853928" y="0"/>
-                </a:cubicBezTo>
-                <a:cubicBezTo>
-                  <a:pt x="10853521" y="8690"/>
-                  <a:pt x="10853774" y="14141"/>
-                  <a:pt x="10853928" y="18288"/>
-                </a:cubicBezTo>
-                <a:cubicBezTo>
-                  <a:pt x="10608124" y="24255"/>
-                  <a:pt x="10343415" y="22307"/>
-                  <a:pt x="10067018" y="18288"/>
-                </a:cubicBezTo>
-                <a:cubicBezTo>
-                  <a:pt x="9790621" y="14270"/>
-                  <a:pt x="9843266" y="3564"/>
-                  <a:pt x="9714266" y="18288"/>
-                </a:cubicBezTo>
-                <a:cubicBezTo>
-                  <a:pt x="9585266" y="33012"/>
-                  <a:pt x="9379484" y="1875"/>
-                  <a:pt x="9252974" y="18288"/>
-                </a:cubicBezTo>
-                <a:cubicBezTo>
-                  <a:pt x="9126464" y="34701"/>
-                  <a:pt x="8580678" y="-4904"/>
-                  <a:pt x="8357525" y="18288"/>
-                </a:cubicBezTo>
-                <a:cubicBezTo>
-                  <a:pt x="8134372" y="41480"/>
-                  <a:pt x="7903199" y="26458"/>
-                  <a:pt x="7679154" y="18288"/>
-                </a:cubicBezTo>
-                <a:cubicBezTo>
-                  <a:pt x="7455109" y="10118"/>
-                  <a:pt x="7435944" y="27109"/>
-                  <a:pt x="7217862" y="18288"/>
-                </a:cubicBezTo>
-                <a:cubicBezTo>
-                  <a:pt x="6999780" y="9467"/>
-                  <a:pt x="6680409" y="18985"/>
-                  <a:pt x="6539492" y="18288"/>
-                </a:cubicBezTo>
-                <a:cubicBezTo>
-                  <a:pt x="6398575" y="17592"/>
-                  <a:pt x="6312077" y="33018"/>
-                  <a:pt x="6186739" y="18288"/>
-                </a:cubicBezTo>
-                <a:cubicBezTo>
-                  <a:pt x="6061401" y="3558"/>
-                  <a:pt x="5947033" y="12075"/>
-                  <a:pt x="5833986" y="18288"/>
-                </a:cubicBezTo>
-                <a:cubicBezTo>
-                  <a:pt x="5720939" y="24501"/>
-                  <a:pt x="5482226" y="8586"/>
-                  <a:pt x="5155616" y="18288"/>
-                </a:cubicBezTo>
-                <a:cubicBezTo>
-                  <a:pt x="4829006" y="27991"/>
-                  <a:pt x="4841274" y="29316"/>
-                  <a:pt x="4694324" y="18288"/>
-                </a:cubicBezTo>
-                <a:cubicBezTo>
-                  <a:pt x="4547374" y="7260"/>
-                  <a:pt x="4077675" y="7013"/>
-                  <a:pt x="3907414" y="18288"/>
-                </a:cubicBezTo>
-                <a:cubicBezTo>
-                  <a:pt x="3737153" y="29564"/>
-                  <a:pt x="3538393" y="21630"/>
-                  <a:pt x="3446122" y="18288"/>
-                </a:cubicBezTo>
-                <a:cubicBezTo>
-                  <a:pt x="3353851" y="14946"/>
-                  <a:pt x="2990320" y="-8091"/>
-                  <a:pt x="2659212" y="18288"/>
-                </a:cubicBezTo>
-                <a:cubicBezTo>
-                  <a:pt x="2328104" y="44667"/>
-                  <a:pt x="2427653" y="9607"/>
-                  <a:pt x="2306460" y="18288"/>
-                </a:cubicBezTo>
-                <a:cubicBezTo>
-                  <a:pt x="2185267" y="26969"/>
-                  <a:pt x="1719763" y="3717"/>
-                  <a:pt x="1519550" y="18288"/>
-                </a:cubicBezTo>
-                <a:cubicBezTo>
-                  <a:pt x="1319337" y="32860"/>
-                  <a:pt x="1167371" y="17040"/>
-                  <a:pt x="1058258" y="18288"/>
-                </a:cubicBezTo>
-                <a:cubicBezTo>
-                  <a:pt x="949145" y="19536"/>
-                  <a:pt x="780234" y="31447"/>
-                  <a:pt x="705505" y="18288"/>
-                </a:cubicBezTo>
-                <a:cubicBezTo>
-                  <a:pt x="630776" y="5129"/>
-                  <a:pt x="215796" y="30056"/>
-                  <a:pt x="0" y="18288"/>
-                </a:cubicBezTo>
-                <a:cubicBezTo>
-                  <a:pt x="-53" y="11301"/>
-                  <a:pt x="-649" y="7756"/>
-                  <a:pt x="0" y="0"/>
-                </a:cubicBezTo>
-                <a:close/>
-              </a:path>
-            </a:pathLst>
-          </a:custGeom>
-          <a:solidFill>
-            <a:schemeClr val="accent2"/>
-          </a:solidFill>
-          <a:ln w="41275" cap="rnd">
-            <a:solidFill>
-              <a:schemeClr val="accent2"/>
-            </a:solidFill>
-            <a:round/>
-            <a:extLst>
-              <a:ext uri="{C807C97D-BFC1-408E-A445-0C87EB9F89A2}">
-                <ask:lineSketchStyleProps xmlns:ask="http://schemas.microsoft.com/office/drawing/2018/sketchyshapes" sd="1219033472">
-                  <a:prstGeom prst="rect">
-                    <a:avLst/>
-                  </a:prstGeom>
-                  <ask:type>
-                    <ask:lineSketchFreehand/>
-                  </ask:type>
-                </ask:lineSketchStyleProps>
-              </a:ext>
-            </a:extLst>
-          </a:ln>
-        </p:spPr>
-        <p:style>
-          <a:lnRef idx="2">
-            <a:schemeClr val="accent1">
-              <a:shade val="50000"/>
-            </a:schemeClr>
-          </a:lnRef>
-          <a:fillRef idx="1">
-            <a:schemeClr val="accent1"/>
-          </a:fillRef>
-          <a:effectRef idx="0">
-            <a:schemeClr val="accent1"/>
-          </a:effectRef>
-          <a:fontRef idx="minor">
-            <a:schemeClr val="lt1"/>
-          </a:fontRef>
-        </p:style>
-        <p:txBody>
-          <a:bodyPr rtlCol="0" anchor="ctr"/>
-          <a:lstStyle/>
-          <a:p>
-            <a:pPr algn="ctr"/>
-            <a:endParaRPr lang="en-US"/>
-          </a:p>
-        </p:txBody>
-      </p:sp>
-      <p:sp>
-        <p:nvSpPr>
-          <p:cNvPr id="3" name="Content Placeholder 2">
-            <a:extLst>
-              <a:ext uri="{FF2B5EF4-FFF2-40B4-BE49-F238E27FC236}">
-                <a16:creationId xmlns:a16="http://schemas.microsoft.com/office/drawing/2014/main" id="{D4EA23A1-19F6-E31E-CF29-FC78BD24A049}"/>
-              </a:ext>
-            </a:extLst>
-          </p:cNvPr>
-          <p:cNvSpPr>
-            <a:spLocks noGrp="1"/>
-          </p:cNvSpPr>
+          <p:cNvPicPr>
+            <a:picLocks noGrp="1" noChangeAspect="1"/>
+          </p:cNvPicPr>
           <p:nvPr>
             <p:ph idx="1"/>
           </p:nvPr>
-        </p:nvSpPr>
+        </p:nvPicPr>
+        <p:blipFill>
+          <a:blip r:embed="rId2">
+            <a:extLst>
+              <a:ext uri="{28A0092B-C50C-407E-A947-70E740481C1C}">
+                <a14:useLocalDpi xmlns:a14="http://schemas.microsoft.com/office/drawing/2010/main" val="0"/>
+              </a:ext>
+            </a:extLst>
+          </a:blip>
+          <a:stretch>
+            <a:fillRect/>
+          </a:stretch>
+        </p:blipFill>
         <p:spPr>
           <a:xfrm>
-            <a:off x="838200" y="1929384"/>
-            <a:ext cx="10515600" cy="4251960"/>
+            <a:off x="4815192" y="372965"/>
+            <a:ext cx="6925856" cy="6112069"/>
           </a:xfrm>
+          <a:prstGeom prst="rect">
+            <a:avLst/>
+          </a:prstGeom>
         </p:spPr>
-        <p:txBody>
-          <a:bodyPr>
-            <a:normAutofit/>
-          </a:bodyPr>
-          <a:lstStyle/>
-          <a:p>
-            <a:endParaRPr lang="en-US" sz="2200"/>
-          </a:p>
-        </p:txBody>
-      </p:sp>
+      </p:pic>
     </p:spTree>
     <p:extLst>
       <p:ext uri="{BB962C8B-B14F-4D97-AF65-F5344CB8AC3E}">
@@ -17923,15 +20426,6 @@
 </file>
 
 <file path=customXml/item1.xml><?xml version="1.0" encoding="utf-8"?>
-<?mso-contentType ?>
-<FormTemplates xmlns="http://schemas.microsoft.com/sharepoint/v3/contenttype/forms">
-  <Display>DocumentLibraryForm</Display>
-  <Edit>DocumentLibraryForm</Edit>
-  <New>DocumentLibraryForm</New>
-</FormTemplates>
-</file>
-
-<file path=customXml/item2.xml><?xml version="1.0" encoding="utf-8"?>
 <ct:contentTypeSchema xmlns:ct="http://schemas.microsoft.com/office/2006/metadata/contentType" xmlns:ma="http://schemas.microsoft.com/office/2006/metadata/properties/metaAttributes" ct:_="" ma:_="" ma:contentTypeName="Document" ma:contentTypeID="0x0101009ADC84C2C2689F418E5BAD3CA70F51C1" ma:contentTypeVersion="15" ma:contentTypeDescription="Create a new document." ma:contentTypeScope="" ma:versionID="dfa36a507fa972b0dae0ef5557aeb3eb">
   <xsd:schema xmlns:xsd="http://www.w3.org/2001/XMLSchema" xmlns:xs="http://www.w3.org/2001/XMLSchema" xmlns:p="http://schemas.microsoft.com/office/2006/metadata/properties" xmlns:ns3="218cae68-0ddc-43bb-9a29-52a0402d6cb9" xmlns:ns4="703aeb73-56ce-48f3-9277-f60cff690132" targetNamespace="http://schemas.microsoft.com/office/2006/metadata/properties" ma:root="true" ma:fieldsID="cb78c5b39430d5080de0e1d97c12cd45" ns3:_="" ns4:_="">
     <xsd:import namespace="218cae68-0ddc-43bb-9a29-52a0402d6cb9"/>
@@ -18164,6 +20658,15 @@
 </ct:contentTypeSchema>
 </file>
 
+<file path=customXml/item2.xml><?xml version="1.0" encoding="utf-8"?>
+<?mso-contentType ?>
+<FormTemplates xmlns="http://schemas.microsoft.com/sharepoint/v3/contenttype/forms">
+  <Display>DocumentLibraryForm</Display>
+  <Edit>DocumentLibraryForm</Edit>
+  <New>DocumentLibraryForm</New>
+</FormTemplates>
+</file>
+
 <file path=customXml/item3.xml><?xml version="1.0" encoding="utf-8"?>
 <p:properties xmlns:p="http://schemas.microsoft.com/office/2006/metadata/properties" xmlns:xsi="http://www.w3.org/2001/XMLSchema-instance" xmlns:pc="http://schemas.microsoft.com/office/infopath/2007/PartnerControls">
   <documentManagement>
@@ -18173,14 +20676,6 @@
 </file>
 
 <file path=customXml/itemProps1.xml><?xml version="1.0" encoding="utf-8"?>
-<ds:datastoreItem xmlns:ds="http://schemas.openxmlformats.org/officeDocument/2006/customXml" ds:itemID="{3A69843A-82BD-41BC-9CFD-7A6BCBCF50D4}">
-  <ds:schemaRefs>
-    <ds:schemaRef ds:uri="http://schemas.microsoft.com/sharepoint/v3/contenttype/forms"/>
-  </ds:schemaRefs>
-</ds:datastoreItem>
-</file>
-
-<file path=customXml/itemProps2.xml><?xml version="1.0" encoding="utf-8"?>
 <ds:datastoreItem xmlns:ds="http://schemas.openxmlformats.org/officeDocument/2006/customXml" ds:itemID="{0058B037-F10E-47D7-816C-415ABC0EB55F}">
   <ds:schemaRefs>
     <ds:schemaRef ds:uri="http://schemas.microsoft.com/office/2006/metadata/contentType"/>
@@ -18195,6 +20690,14 @@
     <ds:schemaRef ds:uri="http://purl.org/dc/elements/1.1/"/>
     <ds:schemaRef ds:uri="http://purl.org/dc/terms/"/>
     <ds:schemaRef ds:uri="http://schemas.microsoft.com/internal/obd"/>
+  </ds:schemaRefs>
+</ds:datastoreItem>
+</file>
+
+<file path=customXml/itemProps2.xml><?xml version="1.0" encoding="utf-8"?>
+<ds:datastoreItem xmlns:ds="http://schemas.openxmlformats.org/officeDocument/2006/customXml" ds:itemID="{3A69843A-82BD-41BC-9CFD-7A6BCBCF50D4}">
+  <ds:schemaRefs>
+    <ds:schemaRef ds:uri="http://schemas.microsoft.com/sharepoint/v3/contenttype/forms"/>
   </ds:schemaRefs>
 </ds:datastoreItem>
 </file>

--- a/Documents/FInal Presentation/Final_Presentation.pptx
+++ b/Documents/FInal Presentation/Final_Presentation.pptx
@@ -223,7 +223,7 @@
           <a:p>
             <a:fld id="{C3DCE7EF-75D0-4DB7-BD1A-FC94188B4058}" type="datetimeFigureOut">
               <a:rPr lang="en-US" smtClean="0"/>
-              <a:t>11/17/2024</a:t>
+              <a:t>11/19/2024</a:t>
             </a:fld>
             <a:endParaRPr lang="en-US"/>
           </a:p>
@@ -721,7 +721,7 @@
           <a:p>
             <a:fld id="{A749A21A-B890-4700-B57E-1CFFBFCC9631}" type="datetimeFigureOut">
               <a:rPr lang="en-US" smtClean="0"/>
-              <a:t>11/17/2024</a:t>
+              <a:t>11/19/2024</a:t>
             </a:fld>
             <a:endParaRPr lang="en-US"/>
           </a:p>
@@ -919,7 +919,7 @@
           <a:p>
             <a:fld id="{A749A21A-B890-4700-B57E-1CFFBFCC9631}" type="datetimeFigureOut">
               <a:rPr lang="en-US" smtClean="0"/>
-              <a:t>11/17/2024</a:t>
+              <a:t>11/19/2024</a:t>
             </a:fld>
             <a:endParaRPr lang="en-US"/>
           </a:p>
@@ -1127,7 +1127,7 @@
           <a:p>
             <a:fld id="{A749A21A-B890-4700-B57E-1CFFBFCC9631}" type="datetimeFigureOut">
               <a:rPr lang="en-US" smtClean="0"/>
-              <a:t>11/17/2024</a:t>
+              <a:t>11/19/2024</a:t>
             </a:fld>
             <a:endParaRPr lang="en-US"/>
           </a:p>
@@ -1325,7 +1325,7 @@
           <a:p>
             <a:fld id="{A749A21A-B890-4700-B57E-1CFFBFCC9631}" type="datetimeFigureOut">
               <a:rPr lang="en-US" smtClean="0"/>
-              <a:t>11/17/2024</a:t>
+              <a:t>11/19/2024</a:t>
             </a:fld>
             <a:endParaRPr lang="en-US"/>
           </a:p>
@@ -1600,7 +1600,7 @@
           <a:p>
             <a:fld id="{A749A21A-B890-4700-B57E-1CFFBFCC9631}" type="datetimeFigureOut">
               <a:rPr lang="en-US" smtClean="0"/>
-              <a:t>11/17/2024</a:t>
+              <a:t>11/19/2024</a:t>
             </a:fld>
             <a:endParaRPr lang="en-US"/>
           </a:p>
@@ -1865,7 +1865,7 @@
           <a:p>
             <a:fld id="{A749A21A-B890-4700-B57E-1CFFBFCC9631}" type="datetimeFigureOut">
               <a:rPr lang="en-US" smtClean="0"/>
-              <a:t>11/17/2024</a:t>
+              <a:t>11/19/2024</a:t>
             </a:fld>
             <a:endParaRPr lang="en-US"/>
           </a:p>
@@ -2277,7 +2277,7 @@
           <a:p>
             <a:fld id="{A749A21A-B890-4700-B57E-1CFFBFCC9631}" type="datetimeFigureOut">
               <a:rPr lang="en-US" smtClean="0"/>
-              <a:t>11/17/2024</a:t>
+              <a:t>11/19/2024</a:t>
             </a:fld>
             <a:endParaRPr lang="en-US"/>
           </a:p>
@@ -2418,7 +2418,7 @@
           <a:p>
             <a:fld id="{A749A21A-B890-4700-B57E-1CFFBFCC9631}" type="datetimeFigureOut">
               <a:rPr lang="en-US" smtClean="0"/>
-              <a:t>11/17/2024</a:t>
+              <a:t>11/19/2024</a:t>
             </a:fld>
             <a:endParaRPr lang="en-US"/>
           </a:p>
@@ -2531,7 +2531,7 @@
           <a:p>
             <a:fld id="{A749A21A-B890-4700-B57E-1CFFBFCC9631}" type="datetimeFigureOut">
               <a:rPr lang="en-US" smtClean="0"/>
-              <a:t>11/17/2024</a:t>
+              <a:t>11/19/2024</a:t>
             </a:fld>
             <a:endParaRPr lang="en-US"/>
           </a:p>
@@ -2842,7 +2842,7 @@
           <a:p>
             <a:fld id="{A749A21A-B890-4700-B57E-1CFFBFCC9631}" type="datetimeFigureOut">
               <a:rPr lang="en-US" smtClean="0"/>
-              <a:t>11/17/2024</a:t>
+              <a:t>11/19/2024</a:t>
             </a:fld>
             <a:endParaRPr lang="en-US"/>
           </a:p>
@@ -3130,7 +3130,7 @@
           <a:p>
             <a:fld id="{A749A21A-B890-4700-B57E-1CFFBFCC9631}" type="datetimeFigureOut">
               <a:rPr lang="en-US" smtClean="0"/>
-              <a:t>11/17/2024</a:t>
+              <a:t>11/19/2024</a:t>
             </a:fld>
             <a:endParaRPr lang="en-US"/>
           </a:p>
@@ -3371,7 +3371,7 @@
           <a:p>
             <a:fld id="{A749A21A-B890-4700-B57E-1CFFBFCC9631}" type="datetimeFigureOut">
               <a:rPr lang="en-US" smtClean="0"/>
-              <a:t>11/17/2024</a:t>
+              <a:t>11/19/2024</a:t>
             </a:fld>
             <a:endParaRPr lang="en-US"/>
           </a:p>
@@ -14425,9 +14425,68 @@
           <a:lstStyle/>
           <a:p>
             <a:r>
-              <a:rPr lang="en-US" sz="2200" dirty="0"/>
-              <a:t>Tannyr</a:t>
+              <a:rPr lang="en-US" dirty="0"/>
+              <a:t>Feasibility</a:t>
             </a:r>
+          </a:p>
+          <a:p>
+            <a:pPr lvl="1"/>
+            <a:r>
+              <a:rPr lang="en-US" sz="2800" dirty="0"/>
+              <a:t>So far, this project has been doable.</a:t>
+            </a:r>
+          </a:p>
+          <a:p>
+            <a:pPr lvl="1"/>
+            <a:r>
+              <a:rPr lang="en-US" sz="2800" dirty="0"/>
+              <a:t>Team works well together to accomplish goals.</a:t>
+            </a:r>
+          </a:p>
+          <a:p>
+            <a:pPr lvl="1"/>
+            <a:r>
+              <a:rPr lang="en-US" sz="2800" dirty="0"/>
+              <a:t>Only issue so far is being over budget.</a:t>
+            </a:r>
+          </a:p>
+          <a:p>
+            <a:r>
+              <a:rPr lang="en-US" dirty="0"/>
+              <a:t>Risks</a:t>
+            </a:r>
+          </a:p>
+          <a:p>
+            <a:pPr lvl="1"/>
+            <a:r>
+              <a:rPr lang="en-US" sz="2800" dirty="0"/>
+              <a:t>Drop in communication</a:t>
+            </a:r>
+          </a:p>
+          <a:p>
+            <a:pPr lvl="2"/>
+            <a:r>
+              <a:rPr lang="en-US" sz="2800" dirty="0"/>
+              <a:t>We have communicated well so far with needs and issues.</a:t>
+            </a:r>
+          </a:p>
+          <a:p>
+            <a:pPr lvl="1"/>
+            <a:r>
+              <a:rPr lang="en-US" sz="2800" dirty="0"/>
+              <a:t>Watch for burnout</a:t>
+            </a:r>
+          </a:p>
+          <a:p>
+            <a:pPr lvl="2"/>
+            <a:r>
+              <a:rPr lang="en-US" sz="2800" dirty="0"/>
+              <a:t>We have shot out the gate fast, we want to keep it up.</a:t>
+            </a:r>
+          </a:p>
+          <a:p>
+            <a:pPr lvl="1"/>
+            <a:endParaRPr lang="en-US" sz="1800" dirty="0"/>
           </a:p>
         </p:txBody>
       </p:sp>
@@ -15466,7 +15525,36 @@
           <a:p>
             <a:r>
               <a:rPr lang="en-US" sz="2200" dirty="0"/>
-              <a:t>Tannyr</a:t>
+              <a:t>Design and build a traditional flight computer for Wildcat Rocketry</a:t>
+            </a:r>
+          </a:p>
+          <a:p>
+            <a:r>
+              <a:rPr lang="en-US" sz="2200" dirty="0"/>
+              <a:t>Be able to receive data during flight.</a:t>
+            </a:r>
+          </a:p>
+          <a:p>
+            <a:r>
+              <a:rPr lang="en-US" sz="2200" dirty="0"/>
+              <a:t>Accurately display flight data via </a:t>
+            </a:r>
+            <a:r>
+              <a:rPr lang="en-US" sz="2200" dirty="0" err="1"/>
+              <a:t>WiFi</a:t>
+            </a:r>
+            <a:r>
+              <a:rPr lang="en-US" sz="2200" dirty="0"/>
+              <a:t> or data export USB.</a:t>
+            </a:r>
+          </a:p>
+          <a:p>
+            <a:endParaRPr lang="en-US" sz="2200" dirty="0"/>
+          </a:p>
+          <a:p>
+            <a:r>
+              <a:rPr lang="en-US" sz="2200" dirty="0"/>
+              <a:t>POSSIBLY ADD PICTURE</a:t>
             </a:r>
           </a:p>
         </p:txBody>
@@ -16272,8 +16360,23 @@
           <a:p>
             <a:r>
               <a:rPr lang="en-US" sz="2200" dirty="0"/>
-              <a:t>Tannyr</a:t>
+              <a:t>Wildcat Rocketry has tried doing various flight computer before to varying degrees of success. None of them either being fully functional or going past one revision.</a:t>
             </a:r>
+          </a:p>
+          <a:p>
+            <a:r>
+              <a:rPr lang="en-US" sz="2200" dirty="0"/>
+              <a:t>Wildcat Rocketry this year is taking a step back from trying to design a traditional flight computer and is going towards long range tracking problem solving.</a:t>
+            </a:r>
+          </a:p>
+          <a:p>
+            <a:r>
+              <a:rPr lang="en-US" sz="2200" dirty="0"/>
+              <a:t>This project is to make a dedicated flight computer for Wildcat Rocketry to use or build upon later.</a:t>
+            </a:r>
+          </a:p>
+          <a:p>
+            <a:endParaRPr lang="en-US" sz="2200" dirty="0"/>
           </a:p>
         </p:txBody>
       </p:sp>
@@ -17076,19 +17179,1183 @@
           </a:bodyPr>
           <a:lstStyle/>
           <a:p>
-            <a:r>
-              <a:rPr lang="en-US" sz="2200" dirty="0"/>
-              <a:t>The ID table thing goes here for requirements</a:t>
-            </a:r>
-          </a:p>
-          <a:p>
-            <a:r>
-              <a:rPr lang="en-US" sz="2200" dirty="0"/>
-              <a:t>Tannyr</a:t>
-            </a:r>
+            <a:endParaRPr lang="en-US" sz="2200" dirty="0"/>
           </a:p>
         </p:txBody>
       </p:sp>
+      <p:graphicFrame>
+        <p:nvGraphicFramePr>
+          <p:cNvPr id="4" name="Content Placeholder 11">
+            <a:extLst>
+              <a:ext uri="{FF2B5EF4-FFF2-40B4-BE49-F238E27FC236}">
+                <a16:creationId xmlns:a16="http://schemas.microsoft.com/office/drawing/2014/main" id="{590E39F1-C1DF-5D74-20A5-1888BB74C59E}"/>
+              </a:ext>
+            </a:extLst>
+          </p:cNvPr>
+          <p:cNvGraphicFramePr>
+            <a:graphicFrameLocks/>
+          </p:cNvGraphicFramePr>
+          <p:nvPr>
+            <p:extLst>
+              <p:ext uri="{D42A27DB-BD31-4B8C-83A1-F6EECF244321}">
+                <p14:modId xmlns:p14="http://schemas.microsoft.com/office/powerpoint/2010/main" val="3980159106"/>
+              </p:ext>
+            </p:extLst>
+          </p:nvPr>
+        </p:nvGraphicFramePr>
+        <p:xfrm>
+          <a:off x="838200" y="1929384"/>
+          <a:ext cx="10311063" cy="4403971"/>
+        </p:xfrm>
+        <a:graphic>
+          <a:graphicData uri="http://schemas.openxmlformats.org/drawingml/2006/table">
+            <a:tbl>
+              <a:tblPr/>
+              <a:tblGrid>
+                <a:gridCol w="872475">
+                  <a:extLst>
+                    <a:ext uri="{9D8B030D-6E8A-4147-A177-3AD203B41FA5}">
+                      <a16:colId xmlns:a16="http://schemas.microsoft.com/office/drawing/2014/main" val="358797537"/>
+                    </a:ext>
+                  </a:extLst>
+                </a:gridCol>
+                <a:gridCol w="2835542">
+                  <a:extLst>
+                    <a:ext uri="{9D8B030D-6E8A-4147-A177-3AD203B41FA5}">
+                      <a16:colId xmlns:a16="http://schemas.microsoft.com/office/drawing/2014/main" val="1441499404"/>
+                    </a:ext>
+                  </a:extLst>
+                </a:gridCol>
+                <a:gridCol w="6603046">
+                  <a:extLst>
+                    <a:ext uri="{9D8B030D-6E8A-4147-A177-3AD203B41FA5}">
+                      <a16:colId xmlns:a16="http://schemas.microsoft.com/office/drawing/2014/main" val="1940263452"/>
+                    </a:ext>
+                  </a:extLst>
+                </a:gridCol>
+              </a:tblGrid>
+              <a:tr h="440397">
+                <a:tc>
+                  <a:txBody>
+                    <a:bodyPr/>
+                    <a:lstStyle/>
+                    <a:p>
+                      <a:pPr algn="ctr" fontAlgn="b"/>
+                      <a:r>
+                        <a:rPr lang="en-US" sz="1800" b="1" i="0" u="none" strike="noStrike" dirty="0">
+                          <a:solidFill>
+                            <a:srgbClr val="FFFFFF"/>
+                          </a:solidFill>
+                          <a:effectLst/>
+                          <a:latin typeface="Aptos Narrow" panose="020B0004020202020204" pitchFamily="34" charset="0"/>
+                        </a:rPr>
+                        <a:t>ID</a:t>
+                      </a:r>
+                    </a:p>
+                  </a:txBody>
+                  <a:tcPr marL="7620" marR="7620" marT="7620" marB="0" anchor="b">
+                    <a:lnL>
+                      <a:noFill/>
+                    </a:lnL>
+                    <a:lnR>
+                      <a:noFill/>
+                    </a:lnR>
+                    <a:lnT w="12700" cap="flat" cmpd="sng" algn="ctr">
+                      <a:solidFill>
+                        <a:srgbClr val="000000"/>
+                      </a:solidFill>
+                      <a:prstDash val="solid"/>
+                      <a:round/>
+                      <a:headEnd type="none" w="med" len="med"/>
+                      <a:tailEnd type="none" w="med" len="med"/>
+                    </a:lnT>
+                    <a:lnB w="12700" cap="flat" cmpd="sng" algn="ctr">
+                      <a:solidFill>
+                        <a:srgbClr val="000000"/>
+                      </a:solidFill>
+                      <a:prstDash val="solid"/>
+                      <a:round/>
+                      <a:headEnd type="none" w="med" len="med"/>
+                      <a:tailEnd type="none" w="med" len="med"/>
+                    </a:lnB>
+                    <a:solidFill>
+                      <a:srgbClr val="A02B93"/>
+                    </a:solidFill>
+                  </a:tcPr>
+                </a:tc>
+                <a:tc>
+                  <a:txBody>
+                    <a:bodyPr/>
+                    <a:lstStyle/>
+                    <a:p>
+                      <a:pPr algn="ctr" fontAlgn="b"/>
+                      <a:r>
+                        <a:rPr lang="en-US" sz="1800" b="1" i="0" u="none" strike="noStrike" dirty="0">
+                          <a:solidFill>
+                            <a:srgbClr val="FFFFFF"/>
+                          </a:solidFill>
+                          <a:effectLst/>
+                          <a:latin typeface="Aptos Narrow" panose="020B0004020202020204" pitchFamily="34" charset="0"/>
+                        </a:rPr>
+                        <a:t>Requirement</a:t>
+                      </a:r>
+                    </a:p>
+                  </a:txBody>
+                  <a:tcPr marL="7620" marR="7620" marT="7620" marB="0" anchor="b">
+                    <a:lnL>
+                      <a:noFill/>
+                    </a:lnL>
+                    <a:lnR>
+                      <a:noFill/>
+                    </a:lnR>
+                    <a:lnT w="12700" cap="flat" cmpd="sng" algn="ctr">
+                      <a:solidFill>
+                        <a:srgbClr val="000000"/>
+                      </a:solidFill>
+                      <a:prstDash val="solid"/>
+                      <a:round/>
+                      <a:headEnd type="none" w="med" len="med"/>
+                      <a:tailEnd type="none" w="med" len="med"/>
+                    </a:lnT>
+                    <a:lnB w="12700" cap="flat" cmpd="sng" algn="ctr">
+                      <a:solidFill>
+                        <a:srgbClr val="000000"/>
+                      </a:solidFill>
+                      <a:prstDash val="solid"/>
+                      <a:round/>
+                      <a:headEnd type="none" w="med" len="med"/>
+                      <a:tailEnd type="none" w="med" len="med"/>
+                    </a:lnB>
+                    <a:solidFill>
+                      <a:srgbClr val="A02B93"/>
+                    </a:solidFill>
+                  </a:tcPr>
+                </a:tc>
+                <a:tc>
+                  <a:txBody>
+                    <a:bodyPr/>
+                    <a:lstStyle/>
+                    <a:p>
+                      <a:pPr algn="ctr" fontAlgn="b"/>
+                      <a:r>
+                        <a:rPr lang="en-US" sz="1800" b="1" i="0" u="none" strike="noStrike">
+                          <a:solidFill>
+                            <a:srgbClr val="FFFFFF"/>
+                          </a:solidFill>
+                          <a:effectLst/>
+                          <a:latin typeface="Aptos Narrow" panose="020B0004020202020204" pitchFamily="34" charset="0"/>
+                        </a:rPr>
+                        <a:t>Description</a:t>
+                      </a:r>
+                    </a:p>
+                  </a:txBody>
+                  <a:tcPr marL="7620" marR="7620" marT="7620" marB="0" anchor="b">
+                    <a:lnL>
+                      <a:noFill/>
+                    </a:lnL>
+                    <a:lnR>
+                      <a:noFill/>
+                    </a:lnR>
+                    <a:lnT w="12700" cap="flat" cmpd="sng" algn="ctr">
+                      <a:solidFill>
+                        <a:srgbClr val="000000"/>
+                      </a:solidFill>
+                      <a:prstDash val="solid"/>
+                      <a:round/>
+                      <a:headEnd type="none" w="med" len="med"/>
+                      <a:tailEnd type="none" w="med" len="med"/>
+                    </a:lnT>
+                    <a:lnB w="12700" cap="flat" cmpd="sng" algn="ctr">
+                      <a:solidFill>
+                        <a:srgbClr val="000000"/>
+                      </a:solidFill>
+                      <a:prstDash val="solid"/>
+                      <a:round/>
+                      <a:headEnd type="none" w="med" len="med"/>
+                      <a:tailEnd type="none" w="med" len="med"/>
+                    </a:lnB>
+                    <a:solidFill>
+                      <a:srgbClr val="A02B93"/>
+                    </a:solidFill>
+                  </a:tcPr>
+                </a:tc>
+                <a:extLst>
+                  <a:ext uri="{0D108BD9-81ED-4DB2-BD59-A6C34878D82A}">
+                    <a16:rowId xmlns:a16="http://schemas.microsoft.com/office/drawing/2014/main" val="4291199994"/>
+                  </a:ext>
+                </a:extLst>
+              </a:tr>
+              <a:tr h="440397">
+                <a:tc>
+                  <a:txBody>
+                    <a:bodyPr/>
+                    <a:lstStyle/>
+                    <a:p>
+                      <a:pPr algn="ctr" fontAlgn="b"/>
+                      <a:r>
+                        <a:rPr lang="en-US" sz="1800" b="1" i="0" u="none" strike="noStrike">
+                          <a:solidFill>
+                            <a:srgbClr val="FFFFFF"/>
+                          </a:solidFill>
+                          <a:effectLst/>
+                          <a:latin typeface="Aptos Narrow" panose="020B0004020202020204" pitchFamily="34" charset="0"/>
+                        </a:rPr>
+                        <a:t>1.0</a:t>
+                      </a:r>
+                    </a:p>
+                  </a:txBody>
+                  <a:tcPr marL="7620" marR="7620" marT="7620" marB="0" anchor="b">
+                    <a:lnL>
+                      <a:noFill/>
+                    </a:lnL>
+                    <a:lnR>
+                      <a:noFill/>
+                    </a:lnR>
+                    <a:lnT w="12700" cap="flat" cmpd="sng" algn="ctr">
+                      <a:solidFill>
+                        <a:srgbClr val="000000"/>
+                      </a:solidFill>
+                      <a:prstDash val="solid"/>
+                      <a:round/>
+                      <a:headEnd type="none" w="med" len="med"/>
+                      <a:tailEnd type="none" w="med" len="med"/>
+                    </a:lnT>
+                    <a:lnB>
+                      <a:noFill/>
+                    </a:lnB>
+                    <a:solidFill>
+                      <a:srgbClr val="A02B93"/>
+                    </a:solidFill>
+                  </a:tcPr>
+                </a:tc>
+                <a:tc>
+                  <a:txBody>
+                    <a:bodyPr/>
+                    <a:lstStyle/>
+                    <a:p>
+                      <a:pPr algn="l" fontAlgn="b"/>
+                      <a:r>
+                        <a:rPr lang="en-US" sz="1800" b="0" i="0" u="none" strike="noStrike" dirty="0">
+                          <a:solidFill>
+                            <a:srgbClr val="000000"/>
+                          </a:solidFill>
+                          <a:effectLst/>
+                          <a:latin typeface="Aptos Narrow" panose="020B0004020202020204" pitchFamily="34" charset="0"/>
+                        </a:rPr>
+                        <a:t>Input Voltage and Current</a:t>
+                      </a:r>
+                    </a:p>
+                  </a:txBody>
+                  <a:tcPr marL="7620" marR="7620" marT="7620" marB="0" anchor="b">
+                    <a:lnL>
+                      <a:noFill/>
+                    </a:lnL>
+                    <a:lnR>
+                      <a:noFill/>
+                    </a:lnR>
+                    <a:lnT w="12700" cap="flat" cmpd="sng" algn="ctr">
+                      <a:solidFill>
+                        <a:srgbClr val="000000"/>
+                      </a:solidFill>
+                      <a:prstDash val="solid"/>
+                      <a:round/>
+                      <a:headEnd type="none" w="med" len="med"/>
+                      <a:tailEnd type="none" w="med" len="med"/>
+                    </a:lnT>
+                    <a:lnB>
+                      <a:noFill/>
+                    </a:lnB>
+                    <a:solidFill>
+                      <a:srgbClr val="D9D9D9"/>
+                    </a:solidFill>
+                  </a:tcPr>
+                </a:tc>
+                <a:tc>
+                  <a:txBody>
+                    <a:bodyPr/>
+                    <a:lstStyle/>
+                    <a:p>
+                      <a:pPr algn="l" fontAlgn="b"/>
+                      <a:r>
+                        <a:rPr lang="en-US" sz="1800" b="0" i="0" u="none" strike="noStrike">
+                          <a:solidFill>
+                            <a:srgbClr val="000000"/>
+                          </a:solidFill>
+                          <a:effectLst/>
+                          <a:latin typeface="Aptos Narrow" panose="020B0004020202020204" pitchFamily="34" charset="0"/>
+                        </a:rPr>
+                        <a:t>2S LiPo</a:t>
+                      </a:r>
+                    </a:p>
+                  </a:txBody>
+                  <a:tcPr marL="7620" marR="7620" marT="7620" marB="0" anchor="b">
+                    <a:lnL>
+                      <a:noFill/>
+                    </a:lnL>
+                    <a:lnR>
+                      <a:noFill/>
+                    </a:lnR>
+                    <a:lnT w="12700" cap="flat" cmpd="sng" algn="ctr">
+                      <a:solidFill>
+                        <a:srgbClr val="000000"/>
+                      </a:solidFill>
+                      <a:prstDash val="solid"/>
+                      <a:round/>
+                      <a:headEnd type="none" w="med" len="med"/>
+                      <a:tailEnd type="none" w="med" len="med"/>
+                    </a:lnT>
+                    <a:lnB>
+                      <a:noFill/>
+                    </a:lnB>
+                    <a:solidFill>
+                      <a:srgbClr val="D9D9D9"/>
+                    </a:solidFill>
+                  </a:tcPr>
+                </a:tc>
+                <a:extLst>
+                  <a:ext uri="{0D108BD9-81ED-4DB2-BD59-A6C34878D82A}">
+                    <a16:rowId xmlns:a16="http://schemas.microsoft.com/office/drawing/2014/main" val="2692210998"/>
+                  </a:ext>
+                </a:extLst>
+              </a:tr>
+              <a:tr h="880795">
+                <a:tc>
+                  <a:txBody>
+                    <a:bodyPr/>
+                    <a:lstStyle/>
+                    <a:p>
+                      <a:pPr algn="ctr" fontAlgn="b"/>
+                      <a:r>
+                        <a:rPr lang="en-US" sz="1800" b="1" i="0" u="none" strike="noStrike">
+                          <a:solidFill>
+                            <a:srgbClr val="FFFFFF"/>
+                          </a:solidFill>
+                          <a:effectLst/>
+                          <a:latin typeface="Aptos Narrow" panose="020B0004020202020204" pitchFamily="34" charset="0"/>
+                        </a:rPr>
+                        <a:t>1.a</a:t>
+                      </a:r>
+                    </a:p>
+                  </a:txBody>
+                  <a:tcPr marL="7620" marR="7620" marT="7620" marB="0" anchor="b">
+                    <a:lnL>
+                      <a:noFill/>
+                    </a:lnL>
+                    <a:lnR>
+                      <a:noFill/>
+                    </a:lnR>
+                    <a:lnT>
+                      <a:noFill/>
+                    </a:lnT>
+                    <a:lnB>
+                      <a:noFill/>
+                    </a:lnB>
+                    <a:solidFill>
+                      <a:srgbClr val="A02B93"/>
+                    </a:solidFill>
+                  </a:tcPr>
+                </a:tc>
+                <a:tc>
+                  <a:txBody>
+                    <a:bodyPr/>
+                    <a:lstStyle/>
+                    <a:p>
+                      <a:pPr algn="l" fontAlgn="b"/>
+                      <a:r>
+                        <a:rPr lang="en-US" sz="1800" b="0" i="0" u="none" strike="noStrike" dirty="0">
+                          <a:solidFill>
+                            <a:srgbClr val="000000"/>
+                          </a:solidFill>
+                          <a:effectLst/>
+                          <a:latin typeface="Aptos Narrow" panose="020B0004020202020204" pitchFamily="34" charset="0"/>
+                        </a:rPr>
+                        <a:t>Minimize Power Use</a:t>
+                      </a:r>
+                    </a:p>
+                  </a:txBody>
+                  <a:tcPr marL="7620" marR="7620" marT="7620" marB="0" anchor="b">
+                    <a:lnL>
+                      <a:noFill/>
+                    </a:lnL>
+                    <a:lnR>
+                      <a:noFill/>
+                    </a:lnR>
+                    <a:lnT>
+                      <a:noFill/>
+                    </a:lnT>
+                    <a:lnB>
+                      <a:noFill/>
+                    </a:lnB>
+                    <a:noFill/>
+                  </a:tcPr>
+                </a:tc>
+                <a:tc>
+                  <a:txBody>
+                    <a:bodyPr/>
+                    <a:lstStyle/>
+                    <a:p>
+                      <a:pPr algn="l" fontAlgn="b"/>
+                      <a:r>
+                        <a:rPr lang="en-US" sz="1800" b="0" i="0" u="none" strike="noStrike" dirty="0" err="1">
+                          <a:solidFill>
+                            <a:srgbClr val="000000"/>
+                          </a:solidFill>
+                          <a:effectLst/>
+                          <a:latin typeface="Aptos Narrow" panose="020B0004020202020204" pitchFamily="34" charset="0"/>
+                        </a:rPr>
+                        <a:t>Desgin</a:t>
+                      </a:r>
+                      <a:r>
+                        <a:rPr lang="en-US" sz="1800" b="0" i="0" u="none" strike="noStrike" dirty="0">
+                          <a:solidFill>
+                            <a:srgbClr val="000000"/>
+                          </a:solidFill>
+                          <a:effectLst/>
+                          <a:latin typeface="Aptos Narrow" panose="020B0004020202020204" pitchFamily="34" charset="0"/>
+                        </a:rPr>
+                        <a:t> Goal: The longer we can power the board the better. Minimum of 2  hours of battery life. Would like 3-4 hours</a:t>
+                      </a:r>
+                    </a:p>
+                  </a:txBody>
+                  <a:tcPr marL="7620" marR="7620" marT="7620" marB="0" anchor="b">
+                    <a:lnL>
+                      <a:noFill/>
+                    </a:lnL>
+                    <a:lnR>
+                      <a:noFill/>
+                    </a:lnR>
+                    <a:lnT>
+                      <a:noFill/>
+                    </a:lnT>
+                    <a:lnB>
+                      <a:noFill/>
+                    </a:lnB>
+                    <a:noFill/>
+                  </a:tcPr>
+                </a:tc>
+                <a:extLst>
+                  <a:ext uri="{0D108BD9-81ED-4DB2-BD59-A6C34878D82A}">
+                    <a16:rowId xmlns:a16="http://schemas.microsoft.com/office/drawing/2014/main" val="3250886383"/>
+                  </a:ext>
+                </a:extLst>
+              </a:tr>
+              <a:tr h="440397">
+                <a:tc>
+                  <a:txBody>
+                    <a:bodyPr/>
+                    <a:lstStyle/>
+                    <a:p>
+                      <a:pPr algn="ctr" fontAlgn="b"/>
+                      <a:r>
+                        <a:rPr lang="en-US" sz="1800" b="1" i="0" u="none" strike="noStrike">
+                          <a:solidFill>
+                            <a:srgbClr val="FFFFFF"/>
+                          </a:solidFill>
+                          <a:effectLst/>
+                          <a:latin typeface="Aptos Narrow" panose="020B0004020202020204" pitchFamily="34" charset="0"/>
+                        </a:rPr>
+                        <a:t>2.0</a:t>
+                      </a:r>
+                    </a:p>
+                  </a:txBody>
+                  <a:tcPr marL="7620" marR="7620" marT="7620" marB="0" anchor="b">
+                    <a:lnL>
+                      <a:noFill/>
+                    </a:lnL>
+                    <a:lnR>
+                      <a:noFill/>
+                    </a:lnR>
+                    <a:lnT>
+                      <a:noFill/>
+                    </a:lnT>
+                    <a:lnB>
+                      <a:noFill/>
+                    </a:lnB>
+                    <a:solidFill>
+                      <a:srgbClr val="A02B93"/>
+                    </a:solidFill>
+                  </a:tcPr>
+                </a:tc>
+                <a:tc>
+                  <a:txBody>
+                    <a:bodyPr/>
+                    <a:lstStyle/>
+                    <a:p>
+                      <a:pPr algn="l" fontAlgn="b"/>
+                      <a:r>
+                        <a:rPr lang="en-US" sz="1800" b="0" i="0" u="none" strike="noStrike">
+                          <a:solidFill>
+                            <a:srgbClr val="000000"/>
+                          </a:solidFill>
+                          <a:effectLst/>
+                          <a:latin typeface="Aptos Narrow" panose="020B0004020202020204" pitchFamily="34" charset="0"/>
+                        </a:rPr>
+                        <a:t>Weight</a:t>
+                      </a:r>
+                    </a:p>
+                  </a:txBody>
+                  <a:tcPr marL="7620" marR="7620" marT="7620" marB="0" anchor="b">
+                    <a:lnL>
+                      <a:noFill/>
+                    </a:lnL>
+                    <a:lnR>
+                      <a:noFill/>
+                    </a:lnR>
+                    <a:lnT>
+                      <a:noFill/>
+                    </a:lnT>
+                    <a:lnB>
+                      <a:noFill/>
+                    </a:lnB>
+                    <a:solidFill>
+                      <a:srgbClr val="D9D9D9"/>
+                    </a:solidFill>
+                  </a:tcPr>
+                </a:tc>
+                <a:tc>
+                  <a:txBody>
+                    <a:bodyPr/>
+                    <a:lstStyle/>
+                    <a:p>
+                      <a:pPr algn="l" fontAlgn="b"/>
+                      <a:r>
+                        <a:rPr lang="en-US" sz="1800" b="0" i="0" u="none" strike="noStrike" dirty="0">
+                          <a:solidFill>
+                            <a:srgbClr val="000000"/>
+                          </a:solidFill>
+                          <a:effectLst/>
+                          <a:latin typeface="Aptos Narrow" panose="020B0004020202020204" pitchFamily="34" charset="0"/>
+                        </a:rPr>
+                        <a:t>Maximum 100 grams</a:t>
+                      </a:r>
+                    </a:p>
+                  </a:txBody>
+                  <a:tcPr marL="7620" marR="7620" marT="7620" marB="0" anchor="b">
+                    <a:lnL>
+                      <a:noFill/>
+                    </a:lnL>
+                    <a:lnR>
+                      <a:noFill/>
+                    </a:lnR>
+                    <a:lnT>
+                      <a:noFill/>
+                    </a:lnT>
+                    <a:lnB>
+                      <a:noFill/>
+                    </a:lnB>
+                    <a:solidFill>
+                      <a:srgbClr val="D9D9D9"/>
+                    </a:solidFill>
+                  </a:tcPr>
+                </a:tc>
+                <a:extLst>
+                  <a:ext uri="{0D108BD9-81ED-4DB2-BD59-A6C34878D82A}">
+                    <a16:rowId xmlns:a16="http://schemas.microsoft.com/office/drawing/2014/main" val="1775601454"/>
+                  </a:ext>
+                </a:extLst>
+              </a:tr>
+              <a:tr h="440397">
+                <a:tc>
+                  <a:txBody>
+                    <a:bodyPr/>
+                    <a:lstStyle/>
+                    <a:p>
+                      <a:pPr algn="ctr" fontAlgn="b"/>
+                      <a:r>
+                        <a:rPr lang="en-US" sz="1800" b="1" i="0" u="none" strike="noStrike">
+                          <a:solidFill>
+                            <a:srgbClr val="FFFFFF"/>
+                          </a:solidFill>
+                          <a:effectLst/>
+                          <a:latin typeface="Aptos Narrow" panose="020B0004020202020204" pitchFamily="34" charset="0"/>
+                        </a:rPr>
+                        <a:t>3.0</a:t>
+                      </a:r>
+                    </a:p>
+                  </a:txBody>
+                  <a:tcPr marL="7620" marR="7620" marT="7620" marB="0" anchor="b">
+                    <a:lnL>
+                      <a:noFill/>
+                    </a:lnL>
+                    <a:lnR>
+                      <a:noFill/>
+                    </a:lnR>
+                    <a:lnT>
+                      <a:noFill/>
+                    </a:lnT>
+                    <a:lnB>
+                      <a:noFill/>
+                    </a:lnB>
+                    <a:solidFill>
+                      <a:srgbClr val="A02B93"/>
+                    </a:solidFill>
+                  </a:tcPr>
+                </a:tc>
+                <a:tc>
+                  <a:txBody>
+                    <a:bodyPr/>
+                    <a:lstStyle/>
+                    <a:p>
+                      <a:pPr algn="l" fontAlgn="b"/>
+                      <a:r>
+                        <a:rPr lang="en-US" sz="1800" b="0" i="0" u="none" strike="noStrike">
+                          <a:solidFill>
+                            <a:srgbClr val="000000"/>
+                          </a:solidFill>
+                          <a:effectLst/>
+                          <a:latin typeface="Aptos Narrow" panose="020B0004020202020204" pitchFamily="34" charset="0"/>
+                        </a:rPr>
+                        <a:t>Size</a:t>
+                      </a:r>
+                    </a:p>
+                  </a:txBody>
+                  <a:tcPr marL="7620" marR="7620" marT="7620" marB="0" anchor="b">
+                    <a:lnL>
+                      <a:noFill/>
+                    </a:lnL>
+                    <a:lnR>
+                      <a:noFill/>
+                    </a:lnR>
+                    <a:lnT>
+                      <a:noFill/>
+                    </a:lnT>
+                    <a:lnB>
+                      <a:noFill/>
+                    </a:lnB>
+                    <a:noFill/>
+                  </a:tcPr>
+                </a:tc>
+                <a:tc>
+                  <a:txBody>
+                    <a:bodyPr/>
+                    <a:lstStyle/>
+                    <a:p>
+                      <a:pPr algn="l" fontAlgn="b"/>
+                      <a:r>
+                        <a:rPr lang="en-US" sz="1800" b="0" i="0" u="none" strike="noStrike" dirty="0">
+                          <a:solidFill>
+                            <a:srgbClr val="000000"/>
+                          </a:solidFill>
+                          <a:effectLst/>
+                          <a:latin typeface="Aptos Narrow" panose="020B0004020202020204" pitchFamily="34" charset="0"/>
+                        </a:rPr>
+                        <a:t>Maximum 3 in width, 4 in length</a:t>
+                      </a:r>
+                    </a:p>
+                  </a:txBody>
+                  <a:tcPr marL="7620" marR="7620" marT="7620" marB="0" anchor="b">
+                    <a:lnL>
+                      <a:noFill/>
+                    </a:lnL>
+                    <a:lnR>
+                      <a:noFill/>
+                    </a:lnR>
+                    <a:lnT>
+                      <a:noFill/>
+                    </a:lnT>
+                    <a:lnB>
+                      <a:noFill/>
+                    </a:lnB>
+                    <a:noFill/>
+                  </a:tcPr>
+                </a:tc>
+                <a:extLst>
+                  <a:ext uri="{0D108BD9-81ED-4DB2-BD59-A6C34878D82A}">
+                    <a16:rowId xmlns:a16="http://schemas.microsoft.com/office/drawing/2014/main" val="3372142622"/>
+                  </a:ext>
+                </a:extLst>
+              </a:tr>
+              <a:tr h="440397">
+                <a:tc>
+                  <a:txBody>
+                    <a:bodyPr/>
+                    <a:lstStyle/>
+                    <a:p>
+                      <a:pPr algn="ctr" fontAlgn="b"/>
+                      <a:r>
+                        <a:rPr lang="en-US" sz="1800" b="1" i="0" u="none" strike="noStrike">
+                          <a:solidFill>
+                            <a:srgbClr val="FFFFFF"/>
+                          </a:solidFill>
+                          <a:effectLst/>
+                          <a:latin typeface="Aptos Narrow" panose="020B0004020202020204" pitchFamily="34" charset="0"/>
+                        </a:rPr>
+                        <a:t>4.0</a:t>
+                      </a:r>
+                    </a:p>
+                  </a:txBody>
+                  <a:tcPr marL="7620" marR="7620" marT="7620" marB="0" anchor="b">
+                    <a:lnL>
+                      <a:noFill/>
+                    </a:lnL>
+                    <a:lnR>
+                      <a:noFill/>
+                    </a:lnR>
+                    <a:lnT>
+                      <a:noFill/>
+                    </a:lnT>
+                    <a:lnB>
+                      <a:noFill/>
+                    </a:lnB>
+                    <a:solidFill>
+                      <a:srgbClr val="A02B93"/>
+                    </a:solidFill>
+                  </a:tcPr>
+                </a:tc>
+                <a:tc>
+                  <a:txBody>
+                    <a:bodyPr/>
+                    <a:lstStyle/>
+                    <a:p>
+                      <a:pPr algn="l" fontAlgn="b"/>
+                      <a:r>
+                        <a:rPr lang="en-US" sz="1800" b="0" i="0" u="none" strike="noStrike">
+                          <a:solidFill>
+                            <a:srgbClr val="000000"/>
+                          </a:solidFill>
+                          <a:effectLst/>
+                          <a:latin typeface="Aptos Narrow" panose="020B0004020202020204" pitchFamily="34" charset="0"/>
+                        </a:rPr>
+                        <a:t>Cost</a:t>
+                      </a:r>
+                    </a:p>
+                  </a:txBody>
+                  <a:tcPr marL="7620" marR="7620" marT="7620" marB="0" anchor="b">
+                    <a:lnL>
+                      <a:noFill/>
+                    </a:lnL>
+                    <a:lnR>
+                      <a:noFill/>
+                    </a:lnR>
+                    <a:lnT>
+                      <a:noFill/>
+                    </a:lnT>
+                    <a:lnB>
+                      <a:noFill/>
+                    </a:lnB>
+                    <a:solidFill>
+                      <a:srgbClr val="D9D9D9"/>
+                    </a:solidFill>
+                  </a:tcPr>
+                </a:tc>
+                <a:tc>
+                  <a:txBody>
+                    <a:bodyPr/>
+                    <a:lstStyle/>
+                    <a:p>
+                      <a:pPr algn="l" fontAlgn="b"/>
+                      <a:r>
+                        <a:rPr lang="en-US" sz="1800" b="0" i="0" u="none" strike="noStrike" dirty="0">
+                          <a:solidFill>
+                            <a:srgbClr val="000000"/>
+                          </a:solidFill>
+                          <a:effectLst/>
+                          <a:latin typeface="Aptos Narrow" panose="020B0004020202020204" pitchFamily="34" charset="0"/>
+                        </a:rPr>
+                        <a:t>$200 or less</a:t>
+                      </a:r>
+                    </a:p>
+                  </a:txBody>
+                  <a:tcPr marL="7620" marR="7620" marT="7620" marB="0" anchor="b">
+                    <a:lnL>
+                      <a:noFill/>
+                    </a:lnL>
+                    <a:lnR>
+                      <a:noFill/>
+                    </a:lnR>
+                    <a:lnT>
+                      <a:noFill/>
+                    </a:lnT>
+                    <a:lnB>
+                      <a:noFill/>
+                    </a:lnB>
+                    <a:solidFill>
+                      <a:srgbClr val="D9D9D9"/>
+                    </a:solidFill>
+                  </a:tcPr>
+                </a:tc>
+                <a:extLst>
+                  <a:ext uri="{0D108BD9-81ED-4DB2-BD59-A6C34878D82A}">
+                    <a16:rowId xmlns:a16="http://schemas.microsoft.com/office/drawing/2014/main" val="2324875595"/>
+                  </a:ext>
+                </a:extLst>
+              </a:tr>
+              <a:tr h="440397">
+                <a:tc>
+                  <a:txBody>
+                    <a:bodyPr/>
+                    <a:lstStyle/>
+                    <a:p>
+                      <a:pPr algn="ctr" fontAlgn="b"/>
+                      <a:r>
+                        <a:rPr lang="en-US" sz="1800" b="1" i="0" u="none" strike="noStrike">
+                          <a:solidFill>
+                            <a:srgbClr val="FFFFFF"/>
+                          </a:solidFill>
+                          <a:effectLst/>
+                          <a:latin typeface="Aptos Narrow" panose="020B0004020202020204" pitchFamily="34" charset="0"/>
+                        </a:rPr>
+                        <a:t>5.0</a:t>
+                      </a:r>
+                    </a:p>
+                  </a:txBody>
+                  <a:tcPr marL="7620" marR="7620" marT="7620" marB="0" anchor="b">
+                    <a:lnL>
+                      <a:noFill/>
+                    </a:lnL>
+                    <a:lnR>
+                      <a:noFill/>
+                    </a:lnR>
+                    <a:lnT>
+                      <a:noFill/>
+                    </a:lnT>
+                    <a:lnB>
+                      <a:noFill/>
+                    </a:lnB>
+                    <a:solidFill>
+                      <a:srgbClr val="A02B93"/>
+                    </a:solidFill>
+                  </a:tcPr>
+                </a:tc>
+                <a:tc>
+                  <a:txBody>
+                    <a:bodyPr/>
+                    <a:lstStyle/>
+                    <a:p>
+                      <a:pPr algn="l" fontAlgn="b"/>
+                      <a:r>
+                        <a:rPr lang="en-US" sz="1800" b="0" i="0" u="none" strike="noStrike">
+                          <a:solidFill>
+                            <a:srgbClr val="000000"/>
+                          </a:solidFill>
+                          <a:effectLst/>
+                          <a:latin typeface="Aptos Narrow" panose="020B0004020202020204" pitchFamily="34" charset="0"/>
+                        </a:rPr>
+                        <a:t>Data Logging</a:t>
+                      </a:r>
+                    </a:p>
+                  </a:txBody>
+                  <a:tcPr marL="7620" marR="7620" marT="7620" marB="0" anchor="b">
+                    <a:lnL>
+                      <a:noFill/>
+                    </a:lnL>
+                    <a:lnR>
+                      <a:noFill/>
+                    </a:lnR>
+                    <a:lnT>
+                      <a:noFill/>
+                    </a:lnT>
+                    <a:lnB>
+                      <a:noFill/>
+                    </a:lnB>
+                    <a:noFill/>
+                  </a:tcPr>
+                </a:tc>
+                <a:tc>
+                  <a:txBody>
+                    <a:bodyPr/>
+                    <a:lstStyle/>
+                    <a:p>
+                      <a:pPr algn="l" fontAlgn="b"/>
+                      <a:r>
+                        <a:rPr lang="en-US" sz="1800" b="0" i="0" u="none" strike="noStrike" dirty="0">
+                          <a:solidFill>
+                            <a:srgbClr val="000000"/>
+                          </a:solidFill>
+                          <a:effectLst/>
+                          <a:latin typeface="Aptos Narrow" panose="020B0004020202020204" pitchFamily="34" charset="0"/>
+                        </a:rPr>
+                        <a:t>Store at least three flights worth of data </a:t>
+                      </a:r>
+                    </a:p>
+                  </a:txBody>
+                  <a:tcPr marL="7620" marR="7620" marT="7620" marB="0" anchor="b">
+                    <a:lnL>
+                      <a:noFill/>
+                    </a:lnL>
+                    <a:lnR>
+                      <a:noFill/>
+                    </a:lnR>
+                    <a:lnT>
+                      <a:noFill/>
+                    </a:lnT>
+                    <a:lnB>
+                      <a:noFill/>
+                    </a:lnB>
+                    <a:noFill/>
+                  </a:tcPr>
+                </a:tc>
+                <a:extLst>
+                  <a:ext uri="{0D108BD9-81ED-4DB2-BD59-A6C34878D82A}">
+                    <a16:rowId xmlns:a16="http://schemas.microsoft.com/office/drawing/2014/main" val="1744430614"/>
+                  </a:ext>
+                </a:extLst>
+              </a:tr>
+              <a:tr h="440397">
+                <a:tc>
+                  <a:txBody>
+                    <a:bodyPr/>
+                    <a:lstStyle/>
+                    <a:p>
+                      <a:pPr algn="ctr" fontAlgn="b"/>
+                      <a:r>
+                        <a:rPr lang="en-US" sz="1800" b="1" i="0" u="none" strike="noStrike">
+                          <a:solidFill>
+                            <a:srgbClr val="FFFFFF"/>
+                          </a:solidFill>
+                          <a:effectLst/>
+                          <a:latin typeface="Aptos Narrow" panose="020B0004020202020204" pitchFamily="34" charset="0"/>
+                        </a:rPr>
+                        <a:t>5.a</a:t>
+                      </a:r>
+                    </a:p>
+                  </a:txBody>
+                  <a:tcPr marL="7620" marR="7620" marT="7620" marB="0" anchor="b">
+                    <a:lnL>
+                      <a:noFill/>
+                    </a:lnL>
+                    <a:lnR>
+                      <a:noFill/>
+                    </a:lnR>
+                    <a:lnT>
+                      <a:noFill/>
+                    </a:lnT>
+                    <a:lnB>
+                      <a:noFill/>
+                    </a:lnB>
+                    <a:solidFill>
+                      <a:srgbClr val="A02B93"/>
+                    </a:solidFill>
+                  </a:tcPr>
+                </a:tc>
+                <a:tc>
+                  <a:txBody>
+                    <a:bodyPr/>
+                    <a:lstStyle/>
+                    <a:p>
+                      <a:pPr algn="l" fontAlgn="b"/>
+                      <a:r>
+                        <a:rPr lang="en-US" sz="1800" b="0" i="0" u="none" strike="noStrike">
+                          <a:solidFill>
+                            <a:srgbClr val="000000"/>
+                          </a:solidFill>
+                          <a:effectLst/>
+                          <a:latin typeface="Aptos Narrow" panose="020B0004020202020204" pitchFamily="34" charset="0"/>
+                        </a:rPr>
+                        <a:t>Data Processing</a:t>
+                      </a:r>
+                    </a:p>
+                  </a:txBody>
+                  <a:tcPr marL="7620" marR="7620" marT="7620" marB="0" anchor="b">
+                    <a:lnL>
+                      <a:noFill/>
+                    </a:lnL>
+                    <a:lnR>
+                      <a:noFill/>
+                    </a:lnR>
+                    <a:lnT>
+                      <a:noFill/>
+                    </a:lnT>
+                    <a:lnB>
+                      <a:noFill/>
+                    </a:lnB>
+                    <a:solidFill>
+                      <a:srgbClr val="D9D9D9"/>
+                    </a:solidFill>
+                  </a:tcPr>
+                </a:tc>
+                <a:tc>
+                  <a:txBody>
+                    <a:bodyPr/>
+                    <a:lstStyle/>
+                    <a:p>
+                      <a:pPr algn="l" fontAlgn="b"/>
+                      <a:r>
+                        <a:rPr lang="en-US" sz="1800" b="0" i="0" u="none" strike="noStrike" dirty="0">
+                          <a:solidFill>
+                            <a:srgbClr val="000000"/>
+                          </a:solidFill>
+                          <a:effectLst/>
+                          <a:latin typeface="Aptos Narrow" panose="020B0004020202020204" pitchFamily="34" charset="0"/>
+                        </a:rPr>
+                        <a:t>Be able to process data from sensors into readable flight data</a:t>
+                      </a:r>
+                    </a:p>
+                  </a:txBody>
+                  <a:tcPr marL="7620" marR="7620" marT="7620" marB="0" anchor="b">
+                    <a:lnL>
+                      <a:noFill/>
+                    </a:lnL>
+                    <a:lnR>
+                      <a:noFill/>
+                    </a:lnR>
+                    <a:lnT>
+                      <a:noFill/>
+                    </a:lnT>
+                    <a:lnB>
+                      <a:noFill/>
+                    </a:lnB>
+                    <a:solidFill>
+                      <a:srgbClr val="D9D9D9"/>
+                    </a:solidFill>
+                  </a:tcPr>
+                </a:tc>
+                <a:extLst>
+                  <a:ext uri="{0D108BD9-81ED-4DB2-BD59-A6C34878D82A}">
+                    <a16:rowId xmlns:a16="http://schemas.microsoft.com/office/drawing/2014/main" val="1350764296"/>
+                  </a:ext>
+                </a:extLst>
+              </a:tr>
+              <a:tr h="440397">
+                <a:tc>
+                  <a:txBody>
+                    <a:bodyPr/>
+                    <a:lstStyle/>
+                    <a:p>
+                      <a:pPr algn="ctr" fontAlgn="b"/>
+                      <a:r>
+                        <a:rPr lang="en-US" sz="1800" b="1" i="0" u="none" strike="noStrike">
+                          <a:solidFill>
+                            <a:srgbClr val="FFFFFF"/>
+                          </a:solidFill>
+                          <a:effectLst/>
+                          <a:latin typeface="Aptos Narrow" panose="020B0004020202020204" pitchFamily="34" charset="0"/>
+                        </a:rPr>
+                        <a:t>5.b</a:t>
+                      </a:r>
+                    </a:p>
+                  </a:txBody>
+                  <a:tcPr marL="7620" marR="7620" marT="7620" marB="0" anchor="b">
+                    <a:lnL>
+                      <a:noFill/>
+                    </a:lnL>
+                    <a:lnR>
+                      <a:noFill/>
+                    </a:lnR>
+                    <a:lnT>
+                      <a:noFill/>
+                    </a:lnT>
+                    <a:lnB w="12700" cap="flat" cmpd="sng" algn="ctr">
+                      <a:solidFill>
+                        <a:srgbClr val="000000"/>
+                      </a:solidFill>
+                      <a:prstDash val="solid"/>
+                      <a:round/>
+                      <a:headEnd type="none" w="med" len="med"/>
+                      <a:tailEnd type="none" w="med" len="med"/>
+                    </a:lnB>
+                    <a:solidFill>
+                      <a:srgbClr val="A02B93"/>
+                    </a:solidFill>
+                  </a:tcPr>
+                </a:tc>
+                <a:tc>
+                  <a:txBody>
+                    <a:bodyPr/>
+                    <a:lstStyle/>
+                    <a:p>
+                      <a:pPr algn="l" fontAlgn="b"/>
+                      <a:r>
+                        <a:rPr lang="en-US" sz="1800" b="0" i="0" u="none" strike="noStrike">
+                          <a:solidFill>
+                            <a:srgbClr val="000000"/>
+                          </a:solidFill>
+                          <a:effectLst/>
+                          <a:latin typeface="Aptos Narrow" panose="020B0004020202020204" pitchFamily="34" charset="0"/>
+                        </a:rPr>
+                        <a:t>Data Export</a:t>
+                      </a:r>
+                    </a:p>
+                  </a:txBody>
+                  <a:tcPr marL="7620" marR="7620" marT="7620" marB="0" anchor="b">
+                    <a:lnL>
+                      <a:noFill/>
+                    </a:lnL>
+                    <a:lnR>
+                      <a:noFill/>
+                    </a:lnR>
+                    <a:lnT>
+                      <a:noFill/>
+                    </a:lnT>
+                    <a:lnB w="12700" cap="flat" cmpd="sng" algn="ctr">
+                      <a:solidFill>
+                        <a:srgbClr val="000000"/>
+                      </a:solidFill>
+                      <a:prstDash val="solid"/>
+                      <a:round/>
+                      <a:headEnd type="none" w="med" len="med"/>
+                      <a:tailEnd type="none" w="med" len="med"/>
+                    </a:lnB>
+                    <a:noFill/>
+                  </a:tcPr>
+                </a:tc>
+                <a:tc>
+                  <a:txBody>
+                    <a:bodyPr/>
+                    <a:lstStyle/>
+                    <a:p>
+                      <a:pPr algn="l" fontAlgn="b"/>
+                      <a:r>
+                        <a:rPr lang="en-US" sz="1800" b="0" i="0" u="none" strike="noStrike" dirty="0">
+                          <a:solidFill>
+                            <a:srgbClr val="000000"/>
+                          </a:solidFill>
+                          <a:effectLst/>
+                          <a:latin typeface="Aptos Narrow" panose="020B0004020202020204" pitchFamily="34" charset="0"/>
+                        </a:rPr>
+                        <a:t>Be able to export that data over serial or visualize over </a:t>
+                      </a:r>
+                      <a:r>
+                        <a:rPr lang="en-US" sz="1800" b="0" i="0" u="none" strike="noStrike" dirty="0" err="1">
+                          <a:solidFill>
+                            <a:srgbClr val="000000"/>
+                          </a:solidFill>
+                          <a:effectLst/>
+                          <a:latin typeface="Aptos Narrow" panose="020B0004020202020204" pitchFamily="34" charset="0"/>
+                        </a:rPr>
+                        <a:t>WiFi</a:t>
+                      </a:r>
+                      <a:endParaRPr lang="en-US" sz="1800" b="0" i="0" u="none" strike="noStrike" dirty="0">
+                        <a:solidFill>
+                          <a:srgbClr val="000000"/>
+                        </a:solidFill>
+                        <a:effectLst/>
+                        <a:latin typeface="Aptos Narrow" panose="020B0004020202020204" pitchFamily="34" charset="0"/>
+                      </a:endParaRPr>
+                    </a:p>
+                  </a:txBody>
+                  <a:tcPr marL="7620" marR="7620" marT="7620" marB="0" anchor="b">
+                    <a:lnL>
+                      <a:noFill/>
+                    </a:lnL>
+                    <a:lnR>
+                      <a:noFill/>
+                    </a:lnR>
+                    <a:lnT>
+                      <a:noFill/>
+                    </a:lnT>
+                    <a:lnB w="12700" cap="flat" cmpd="sng" algn="ctr">
+                      <a:solidFill>
+                        <a:srgbClr val="000000"/>
+                      </a:solidFill>
+                      <a:prstDash val="solid"/>
+                      <a:round/>
+                      <a:headEnd type="none" w="med" len="med"/>
+                      <a:tailEnd type="none" w="med" len="med"/>
+                    </a:lnB>
+                    <a:noFill/>
+                  </a:tcPr>
+                </a:tc>
+                <a:extLst>
+                  <a:ext uri="{0D108BD9-81ED-4DB2-BD59-A6C34878D82A}">
+                    <a16:rowId xmlns:a16="http://schemas.microsoft.com/office/drawing/2014/main" val="176845988"/>
+                  </a:ext>
+                </a:extLst>
+              </a:tr>
+            </a:tbl>
+          </a:graphicData>
+        </a:graphic>
+      </p:graphicFrame>
     </p:spTree>
     <p:extLst>
       <p:ext uri="{BB962C8B-B14F-4D97-AF65-F5344CB8AC3E}">
@@ -20426,6 +21693,23 @@
 </file>
 
 <file path=customXml/item1.xml><?xml version="1.0" encoding="utf-8"?>
+<p:properties xmlns:p="http://schemas.microsoft.com/office/2006/metadata/properties" xmlns:xsi="http://www.w3.org/2001/XMLSchema-instance" xmlns:pc="http://schemas.microsoft.com/office/infopath/2007/PartnerControls">
+  <documentManagement>
+    <_activity xmlns="218cae68-0ddc-43bb-9a29-52a0402d6cb9" xsi:nil="true"/>
+  </documentManagement>
+</p:properties>
+</file>
+
+<file path=customXml/item2.xml><?xml version="1.0" encoding="utf-8"?>
+<?mso-contentType ?>
+<FormTemplates xmlns="http://schemas.microsoft.com/sharepoint/v3/contenttype/forms">
+  <Display>DocumentLibraryForm</Display>
+  <Edit>DocumentLibraryForm</Edit>
+  <New>DocumentLibraryForm</New>
+</FormTemplates>
+</file>
+
+<file path=customXml/item3.xml><?xml version="1.0" encoding="utf-8"?>
 <ct:contentTypeSchema xmlns:ct="http://schemas.microsoft.com/office/2006/metadata/contentType" xmlns:ma="http://schemas.microsoft.com/office/2006/metadata/properties/metaAttributes" ct:_="" ma:_="" ma:contentTypeName="Document" ma:contentTypeID="0x0101009ADC84C2C2689F418E5BAD3CA70F51C1" ma:contentTypeVersion="15" ma:contentTypeDescription="Create a new document." ma:contentTypeScope="" ma:versionID="dfa36a507fa972b0dae0ef5557aeb3eb">
   <xsd:schema xmlns:xsd="http://www.w3.org/2001/XMLSchema" xmlns:xs="http://www.w3.org/2001/XMLSchema" xmlns:p="http://schemas.microsoft.com/office/2006/metadata/properties" xmlns:ns3="218cae68-0ddc-43bb-9a29-52a0402d6cb9" xmlns:ns4="703aeb73-56ce-48f3-9277-f60cff690132" targetNamespace="http://schemas.microsoft.com/office/2006/metadata/properties" ma:root="true" ma:fieldsID="cb78c5b39430d5080de0e1d97c12cd45" ns3:_="" ns4:_="">
     <xsd:import namespace="218cae68-0ddc-43bb-9a29-52a0402d6cb9"/>
@@ -20658,24 +21942,32 @@
 </ct:contentTypeSchema>
 </file>
 
-<file path=customXml/item2.xml><?xml version="1.0" encoding="utf-8"?>
-<?mso-contentType ?>
-<FormTemplates xmlns="http://schemas.microsoft.com/sharepoint/v3/contenttype/forms">
-  <Display>DocumentLibraryForm</Display>
-  <Edit>DocumentLibraryForm</Edit>
-  <New>DocumentLibraryForm</New>
-</FormTemplates>
+<file path=customXml/itemProps1.xml><?xml version="1.0" encoding="utf-8"?>
+<ds:datastoreItem xmlns:ds="http://schemas.openxmlformats.org/officeDocument/2006/customXml" ds:itemID="{B218F515-3D1B-44A5-8439-DF0479902099}">
+  <ds:schemaRefs>
+    <ds:schemaRef ds:uri="http://purl.org/dc/dcmitype/"/>
+    <ds:schemaRef ds:uri="http://schemas.openxmlformats.org/package/2006/metadata/core-properties"/>
+    <ds:schemaRef ds:uri="http://purl.org/dc/terms/"/>
+    <ds:schemaRef ds:uri="http://www.w3.org/XML/1998/namespace"/>
+    <ds:schemaRef ds:uri="218cae68-0ddc-43bb-9a29-52a0402d6cb9"/>
+    <ds:schemaRef ds:uri="http://schemas.microsoft.com/office/2006/documentManagement/types"/>
+    <ds:schemaRef ds:uri="http://schemas.microsoft.com/office/infopath/2007/PartnerControls"/>
+    <ds:schemaRef ds:uri="703aeb73-56ce-48f3-9277-f60cff690132"/>
+    <ds:schemaRef ds:uri="http://schemas.microsoft.com/office/2006/metadata/properties"/>
+    <ds:schemaRef ds:uri="http://purl.org/dc/elements/1.1/"/>
+  </ds:schemaRefs>
+</ds:datastoreItem>
 </file>
 
-<file path=customXml/item3.xml><?xml version="1.0" encoding="utf-8"?>
-<p:properties xmlns:p="http://schemas.microsoft.com/office/2006/metadata/properties" xmlns:xsi="http://www.w3.org/2001/XMLSchema-instance" xmlns:pc="http://schemas.microsoft.com/office/infopath/2007/PartnerControls">
-  <documentManagement>
-    <_activity xmlns="218cae68-0ddc-43bb-9a29-52a0402d6cb9" xsi:nil="true"/>
-  </documentManagement>
-</p:properties>
+<file path=customXml/itemProps2.xml><?xml version="1.0" encoding="utf-8"?>
+<ds:datastoreItem xmlns:ds="http://schemas.openxmlformats.org/officeDocument/2006/customXml" ds:itemID="{3A69843A-82BD-41BC-9CFD-7A6BCBCF50D4}">
+  <ds:schemaRefs>
+    <ds:schemaRef ds:uri="http://schemas.microsoft.com/sharepoint/v3/contenttype/forms"/>
+  </ds:schemaRefs>
+</ds:datastoreItem>
 </file>
 
-<file path=customXml/itemProps1.xml><?xml version="1.0" encoding="utf-8"?>
+<file path=customXml/itemProps3.xml><?xml version="1.0" encoding="utf-8"?>
 <ds:datastoreItem xmlns:ds="http://schemas.openxmlformats.org/officeDocument/2006/customXml" ds:itemID="{0058B037-F10E-47D7-816C-415ABC0EB55F}">
   <ds:schemaRefs>
     <ds:schemaRef ds:uri="http://schemas.microsoft.com/office/2006/metadata/contentType"/>
@@ -20692,29 +21984,4 @@
     <ds:schemaRef ds:uri="http://schemas.microsoft.com/internal/obd"/>
   </ds:schemaRefs>
 </ds:datastoreItem>
-</file>
-
-<file path=customXml/itemProps2.xml><?xml version="1.0" encoding="utf-8"?>
-<ds:datastoreItem xmlns:ds="http://schemas.openxmlformats.org/officeDocument/2006/customXml" ds:itemID="{3A69843A-82BD-41BC-9CFD-7A6BCBCF50D4}">
-  <ds:schemaRefs>
-    <ds:schemaRef ds:uri="http://schemas.microsoft.com/sharepoint/v3/contenttype/forms"/>
-  </ds:schemaRefs>
-</ds:datastoreItem>
-</file>
-
-<file path=customXml/itemProps3.xml><?xml version="1.0" encoding="utf-8"?>
-<ds:datastoreItem xmlns:ds="http://schemas.openxmlformats.org/officeDocument/2006/customXml" ds:itemID="{B218F515-3D1B-44A5-8439-DF0479902099}">
-  <ds:schemaRefs>
-    <ds:schemaRef ds:uri="http://purl.org/dc/dcmitype/"/>
-    <ds:schemaRef ds:uri="http://schemas.openxmlformats.org/package/2006/metadata/core-properties"/>
-    <ds:schemaRef ds:uri="http://purl.org/dc/terms/"/>
-    <ds:schemaRef ds:uri="http://www.w3.org/XML/1998/namespace"/>
-    <ds:schemaRef ds:uri="218cae68-0ddc-43bb-9a29-52a0402d6cb9"/>
-    <ds:schemaRef ds:uri="http://schemas.microsoft.com/office/2006/documentManagement/types"/>
-    <ds:schemaRef ds:uri="http://schemas.microsoft.com/office/infopath/2007/PartnerControls"/>
-    <ds:schemaRef ds:uri="703aeb73-56ce-48f3-9277-f60cff690132"/>
-    <ds:schemaRef ds:uri="http://schemas.microsoft.com/office/2006/metadata/properties"/>
-    <ds:schemaRef ds:uri="http://purl.org/dc/elements/1.1/"/>
-  </ds:schemaRefs>
-</ds:datastoreItem>
 </file>
--- a/Documents/FInal Presentation/Final_Presentation.pptx
+++ b/Documents/FInal Presentation/Final_Presentation.pptx
@@ -5,7 +5,7 @@
     <p:sldMasterId id="2147483648" r:id="rId4"/>
   </p:sldMasterIdLst>
   <p:notesMasterIdLst>
-    <p:notesMasterId r:id="rId24"/>
+    <p:notesMasterId r:id="rId27"/>
   </p:notesMasterIdLst>
   <p:sldIdLst>
     <p:sldId id="256" r:id="rId5"/>
@@ -15,18 +15,21 @@
     <p:sldId id="260" r:id="rId9"/>
     <p:sldId id="261" r:id="rId10"/>
     <p:sldId id="273" r:id="rId11"/>
-    <p:sldId id="268" r:id="rId12"/>
-    <p:sldId id="269" r:id="rId13"/>
-    <p:sldId id="270" r:id="rId14"/>
-    <p:sldId id="274" r:id="rId15"/>
-    <p:sldId id="262" r:id="rId16"/>
-    <p:sldId id="271" r:id="rId17"/>
-    <p:sldId id="263" r:id="rId18"/>
-    <p:sldId id="272" r:id="rId19"/>
-    <p:sldId id="264" r:id="rId20"/>
-    <p:sldId id="265" r:id="rId21"/>
-    <p:sldId id="266" r:id="rId22"/>
-    <p:sldId id="275" r:id="rId23"/>
+    <p:sldId id="277" r:id="rId12"/>
+    <p:sldId id="268" r:id="rId13"/>
+    <p:sldId id="276" r:id="rId14"/>
+    <p:sldId id="269" r:id="rId15"/>
+    <p:sldId id="270" r:id="rId16"/>
+    <p:sldId id="274" r:id="rId17"/>
+    <p:sldId id="262" r:id="rId18"/>
+    <p:sldId id="271" r:id="rId19"/>
+    <p:sldId id="263" r:id="rId20"/>
+    <p:sldId id="272" r:id="rId21"/>
+    <p:sldId id="264" r:id="rId22"/>
+    <p:sldId id="265" r:id="rId23"/>
+    <p:sldId id="266" r:id="rId24"/>
+    <p:sldId id="279" r:id="rId25"/>
+    <p:sldId id="275" r:id="rId26"/>
   </p:sldIdLst>
   <p:sldSz cx="12192000" cy="6858000"/>
   <p:notesSz cx="6858000" cy="9144000"/>
@@ -133,14 +136,6 @@
 </p:presentation>
 </file>
 
-<file path=ppt/revisionInfo.xml><?xml version="1.0" encoding="utf-8"?>
-<p1510:revInfo xmlns:a="http://schemas.openxmlformats.org/drawingml/2006/main" xmlns:r="http://schemas.openxmlformats.org/officeDocument/2006/relationships" xmlns:p1510="http://schemas.microsoft.com/office/powerpoint/2015/10/main">
-  <p1510:revLst>
-    <p1510:client id="{36DA765A-6406-4451-AB9D-F4E704F36BB7}" v="24" dt="2024-09-27T16:26:04.071"/>
-  </p1510:revLst>
-</p1510:revInfo>
-</file>
-
 <file path=ppt/notesMasters/notesMaster1.xml><?xml version="1.0" encoding="utf-8"?>
 <p:notesMaster xmlns:a="http://schemas.openxmlformats.org/drawingml/2006/main" xmlns:r="http://schemas.openxmlformats.org/officeDocument/2006/relationships" xmlns:p="http://schemas.openxmlformats.org/presentationml/2006/main">
   <p:cSld>
@@ -223,7 +218,7 @@
           <a:p>
             <a:fld id="{C3DCE7EF-75D0-4DB7-BD1A-FC94188B4058}" type="datetimeFigureOut">
               <a:rPr lang="en-US" smtClean="0"/>
-              <a:t>11/19/2024</a:t>
+              <a:t>24-Nov-24</a:t>
             </a:fld>
             <a:endParaRPr lang="en-US"/>
           </a:p>
@@ -721,7 +716,7 @@
           <a:p>
             <a:fld id="{A749A21A-B890-4700-B57E-1CFFBFCC9631}" type="datetimeFigureOut">
               <a:rPr lang="en-US" smtClean="0"/>
-              <a:t>11/19/2024</a:t>
+              <a:t>24-Nov-24</a:t>
             </a:fld>
             <a:endParaRPr lang="en-US"/>
           </a:p>
@@ -919,7 +914,7 @@
           <a:p>
             <a:fld id="{A749A21A-B890-4700-B57E-1CFFBFCC9631}" type="datetimeFigureOut">
               <a:rPr lang="en-US" smtClean="0"/>
-              <a:t>11/19/2024</a:t>
+              <a:t>24-Nov-24</a:t>
             </a:fld>
             <a:endParaRPr lang="en-US"/>
           </a:p>
@@ -1127,7 +1122,7 @@
           <a:p>
             <a:fld id="{A749A21A-B890-4700-B57E-1CFFBFCC9631}" type="datetimeFigureOut">
               <a:rPr lang="en-US" smtClean="0"/>
-              <a:t>11/19/2024</a:t>
+              <a:t>24-Nov-24</a:t>
             </a:fld>
             <a:endParaRPr lang="en-US"/>
           </a:p>
@@ -1325,7 +1320,7 @@
           <a:p>
             <a:fld id="{A749A21A-B890-4700-B57E-1CFFBFCC9631}" type="datetimeFigureOut">
               <a:rPr lang="en-US" smtClean="0"/>
-              <a:t>11/19/2024</a:t>
+              <a:t>24-Nov-24</a:t>
             </a:fld>
             <a:endParaRPr lang="en-US"/>
           </a:p>
@@ -1600,7 +1595,7 @@
           <a:p>
             <a:fld id="{A749A21A-B890-4700-B57E-1CFFBFCC9631}" type="datetimeFigureOut">
               <a:rPr lang="en-US" smtClean="0"/>
-              <a:t>11/19/2024</a:t>
+              <a:t>24-Nov-24</a:t>
             </a:fld>
             <a:endParaRPr lang="en-US"/>
           </a:p>
@@ -1865,7 +1860,7 @@
           <a:p>
             <a:fld id="{A749A21A-B890-4700-B57E-1CFFBFCC9631}" type="datetimeFigureOut">
               <a:rPr lang="en-US" smtClean="0"/>
-              <a:t>11/19/2024</a:t>
+              <a:t>24-Nov-24</a:t>
             </a:fld>
             <a:endParaRPr lang="en-US"/>
           </a:p>
@@ -2277,7 +2272,7 @@
           <a:p>
             <a:fld id="{A749A21A-B890-4700-B57E-1CFFBFCC9631}" type="datetimeFigureOut">
               <a:rPr lang="en-US" smtClean="0"/>
-              <a:t>11/19/2024</a:t>
+              <a:t>24-Nov-24</a:t>
             </a:fld>
             <a:endParaRPr lang="en-US"/>
           </a:p>
@@ -2418,7 +2413,7 @@
           <a:p>
             <a:fld id="{A749A21A-B890-4700-B57E-1CFFBFCC9631}" type="datetimeFigureOut">
               <a:rPr lang="en-US" smtClean="0"/>
-              <a:t>11/19/2024</a:t>
+              <a:t>24-Nov-24</a:t>
             </a:fld>
             <a:endParaRPr lang="en-US"/>
           </a:p>
@@ -2531,7 +2526,7 @@
           <a:p>
             <a:fld id="{A749A21A-B890-4700-B57E-1CFFBFCC9631}" type="datetimeFigureOut">
               <a:rPr lang="en-US" smtClean="0"/>
-              <a:t>11/19/2024</a:t>
+              <a:t>24-Nov-24</a:t>
             </a:fld>
             <a:endParaRPr lang="en-US"/>
           </a:p>
@@ -2842,7 +2837,7 @@
           <a:p>
             <a:fld id="{A749A21A-B890-4700-B57E-1CFFBFCC9631}" type="datetimeFigureOut">
               <a:rPr lang="en-US" smtClean="0"/>
-              <a:t>11/19/2024</a:t>
+              <a:t>24-Nov-24</a:t>
             </a:fld>
             <a:endParaRPr lang="en-US"/>
           </a:p>
@@ -3130,7 +3125,7 @@
           <a:p>
             <a:fld id="{A749A21A-B890-4700-B57E-1CFFBFCC9631}" type="datetimeFigureOut">
               <a:rPr lang="en-US" smtClean="0"/>
-              <a:t>11/19/2024</a:t>
+              <a:t>24-Nov-24</a:t>
             </a:fld>
             <a:endParaRPr lang="en-US"/>
           </a:p>
@@ -3371,7 +3366,7 @@
           <a:p>
             <a:fld id="{A749A21A-B890-4700-B57E-1CFFBFCC9631}" type="datetimeFigureOut">
               <a:rPr lang="en-US" smtClean="0"/>
-              <a:t>11/19/2024</a:t>
+              <a:t>24-Nov-24</a:t>
             </a:fld>
             <a:endParaRPr lang="en-US"/>
           </a:p>
@@ -4424,6 +4419,308 @@
 <file path=ppt/slides/slide10.xml><?xml version="1.0" encoding="utf-8"?>
 <p:sld xmlns:a="http://schemas.openxmlformats.org/drawingml/2006/main" xmlns:r="http://schemas.openxmlformats.org/officeDocument/2006/relationships" xmlns:p="http://schemas.openxmlformats.org/presentationml/2006/main">
   <p:cSld>
+    <p:spTree>
+      <p:nvGrpSpPr>
+        <p:cNvPr id="1" name=""/>
+        <p:cNvGrpSpPr/>
+        <p:nvPr/>
+      </p:nvGrpSpPr>
+      <p:grpSpPr>
+        <a:xfrm>
+          <a:off x="0" y="0"/>
+          <a:ext cx="0" cy="0"/>
+          <a:chOff x="0" y="0"/>
+          <a:chExt cx="0" cy="0"/>
+        </a:xfrm>
+      </p:grpSpPr>
+      <p:sp>
+        <p:nvSpPr>
+          <p:cNvPr id="2" name="Title 1">
+            <a:extLst>
+              <a:ext uri="{FF2B5EF4-FFF2-40B4-BE49-F238E27FC236}">
+                <a16:creationId xmlns:a16="http://schemas.microsoft.com/office/drawing/2014/main" id="{C165C2DD-EDA6-8488-10F1-2395F52AFE71}"/>
+              </a:ext>
+            </a:extLst>
+          </p:cNvPr>
+          <p:cNvSpPr>
+            <a:spLocks noGrp="1"/>
+          </p:cNvSpPr>
+          <p:nvPr>
+            <p:ph type="title"/>
+          </p:nvPr>
+        </p:nvSpPr>
+        <p:spPr/>
+        <p:txBody>
+          <a:bodyPr/>
+          <a:lstStyle/>
+          <a:p>
+            <a:endParaRPr lang="en-US"/>
+          </a:p>
+        </p:txBody>
+      </p:sp>
+      <p:sp>
+        <p:nvSpPr>
+          <p:cNvPr id="3" name="Content Placeholder 2">
+            <a:extLst>
+              <a:ext uri="{FF2B5EF4-FFF2-40B4-BE49-F238E27FC236}">
+                <a16:creationId xmlns:a16="http://schemas.microsoft.com/office/drawing/2014/main" id="{3E9FD559-B073-D481-7628-51261A022A10}"/>
+              </a:ext>
+            </a:extLst>
+          </p:cNvPr>
+          <p:cNvSpPr>
+            <a:spLocks noGrp="1"/>
+          </p:cNvSpPr>
+          <p:nvPr>
+            <p:ph idx="1"/>
+          </p:nvPr>
+        </p:nvSpPr>
+        <p:spPr/>
+        <p:txBody>
+          <a:bodyPr/>
+          <a:lstStyle/>
+          <a:p>
+            <a:endParaRPr lang="en-US"/>
+          </a:p>
+        </p:txBody>
+      </p:sp>
+      <p:pic>
+        <p:nvPicPr>
+          <p:cNvPr id="4" name="Picture 3" descr="A computer screen shot of a diagram&#10;&#10;Description automatically generated">
+            <a:extLst>
+              <a:ext uri="{FF2B5EF4-FFF2-40B4-BE49-F238E27FC236}">
+                <a16:creationId xmlns:a16="http://schemas.microsoft.com/office/drawing/2014/main" id="{4711F19B-43F3-3C14-D1A9-EC610D06B88B}"/>
+              </a:ext>
+            </a:extLst>
+          </p:cNvPr>
+          <p:cNvPicPr>
+            <a:picLocks noChangeAspect="1"/>
+          </p:cNvPicPr>
+          <p:nvPr/>
+        </p:nvPicPr>
+        <p:blipFill>
+          <a:blip r:embed="rId2"/>
+          <a:stretch>
+            <a:fillRect/>
+          </a:stretch>
+        </p:blipFill>
+        <p:spPr>
+          <a:xfrm>
+            <a:off x="0" y="-1"/>
+            <a:ext cx="12192000" cy="6860521"/>
+          </a:xfrm>
+          <a:prstGeom prst="rect">
+            <a:avLst/>
+          </a:prstGeom>
+        </p:spPr>
+      </p:pic>
+    </p:spTree>
+    <p:extLst>
+      <p:ext uri="{BB962C8B-B14F-4D97-AF65-F5344CB8AC3E}">
+        <p14:creationId xmlns:p14="http://schemas.microsoft.com/office/powerpoint/2010/main" val="2762645782"/>
+      </p:ext>
+    </p:extLst>
+  </p:cSld>
+  <p:clrMapOvr>
+    <a:masterClrMapping/>
+  </p:clrMapOvr>
+</p:sld>
+</file>
+
+<file path=ppt/slides/slide11.xml><?xml version="1.0" encoding="utf-8"?>
+<p:sld xmlns:a="http://schemas.openxmlformats.org/drawingml/2006/main" xmlns:r="http://schemas.openxmlformats.org/officeDocument/2006/relationships" xmlns:p="http://schemas.openxmlformats.org/presentationml/2006/main">
+  <p:cSld>
+    <p:bg>
+      <p:bgPr>
+        <a:solidFill>
+          <a:schemeClr val="bg1"/>
+        </a:solidFill>
+        <a:effectLst/>
+      </p:bgPr>
+    </p:bg>
+    <p:spTree>
+      <p:nvGrpSpPr>
+        <p:cNvPr id="1" name="">
+          <a:extLst>
+            <a:ext uri="{FF2B5EF4-FFF2-40B4-BE49-F238E27FC236}">
+              <a16:creationId xmlns:a16="http://schemas.microsoft.com/office/drawing/2014/main" id="{91272F61-320A-7B2D-0418-6BE491B5CEA2}"/>
+            </a:ext>
+          </a:extLst>
+        </p:cNvPr>
+        <p:cNvGrpSpPr/>
+        <p:nvPr/>
+      </p:nvGrpSpPr>
+      <p:grpSpPr>
+        <a:xfrm>
+          <a:off x="0" y="0"/>
+          <a:ext cx="0" cy="0"/>
+          <a:chOff x="0" y="0"/>
+          <a:chExt cx="0" cy="0"/>
+        </a:xfrm>
+      </p:grpSpPr>
+      <p:sp>
+        <p:nvSpPr>
+          <p:cNvPr id="15" name="Down Arrow 7">
+            <a:extLst>
+              <a:ext uri="{FF2B5EF4-FFF2-40B4-BE49-F238E27FC236}">
+                <a16:creationId xmlns:a16="http://schemas.microsoft.com/office/drawing/2014/main" id="{D4771268-CB57-404A-9271-370EB28F6090}"/>
+              </a:ext>
+              <a:ext uri="{C183D7F6-B498-43B3-948B-1728B52AA6E4}">
+                <adec:decorative xmlns:adec="http://schemas.microsoft.com/office/drawing/2017/decorative" val="1"/>
+              </a:ext>
+            </a:extLst>
+          </p:cNvPr>
+          <p:cNvSpPr>
+            <a:spLocks noGrp="1" noRot="1" noChangeAspect="1" noMove="1" noResize="1" noEditPoints="1" noAdjustHandles="1" noChangeArrowheads="1" noChangeShapeType="1" noTextEdit="1"/>
+          </p:cNvSpPr>
+          <p:nvPr>
+            <p:extLst>
+              <p:ext uri="{386F3935-93C4-4BCD-93E2-E3B085C9AB24}">
+                <p16:designElem xmlns:p16="http://schemas.microsoft.com/office/powerpoint/2015/main" val="1"/>
+              </p:ext>
+            </p:extLst>
+          </p:nvPr>
+        </p:nvSpPr>
+        <p:spPr>
+          <a:xfrm rot="16200000">
+            <a:off x="800100" y="1491343"/>
+            <a:ext cx="3333749" cy="3499103"/>
+          </a:xfrm>
+          <a:prstGeom prst="downArrow">
+            <a:avLst>
+              <a:gd name="adj1" fmla="val 100000"/>
+              <a:gd name="adj2" fmla="val 15788"/>
+            </a:avLst>
+          </a:prstGeom>
+          <a:solidFill>
+            <a:srgbClr val="404040"/>
+          </a:solidFill>
+          <a:ln w="53975">
+            <a:noFill/>
+          </a:ln>
+        </p:spPr>
+        <p:style>
+          <a:lnRef idx="2">
+            <a:schemeClr val="accent1">
+              <a:shade val="50000"/>
+            </a:schemeClr>
+          </a:lnRef>
+          <a:fillRef idx="1">
+            <a:schemeClr val="accent1"/>
+          </a:fillRef>
+          <a:effectRef idx="0">
+            <a:schemeClr val="accent1"/>
+          </a:effectRef>
+          <a:fontRef idx="minor">
+            <a:schemeClr val="lt1"/>
+          </a:fontRef>
+        </p:style>
+        <p:txBody>
+          <a:bodyPr rtlCol="0" anchor="ctr"/>
+          <a:lstStyle/>
+          <a:p>
+            <a:pPr algn="ctr"/>
+            <a:endParaRPr lang="en-US"/>
+          </a:p>
+        </p:txBody>
+      </p:sp>
+      <p:sp>
+        <p:nvSpPr>
+          <p:cNvPr id="2" name="Title 1">
+            <a:extLst>
+              <a:ext uri="{FF2B5EF4-FFF2-40B4-BE49-F238E27FC236}">
+                <a16:creationId xmlns:a16="http://schemas.microsoft.com/office/drawing/2014/main" id="{B503C663-34EE-AD0C-3644-4A946BB57285}"/>
+              </a:ext>
+            </a:extLst>
+          </p:cNvPr>
+          <p:cNvSpPr>
+            <a:spLocks noGrp="1"/>
+          </p:cNvSpPr>
+          <p:nvPr>
+            <p:ph type="title"/>
+          </p:nvPr>
+        </p:nvSpPr>
+        <p:spPr>
+          <a:xfrm>
+            <a:off x="1028700" y="1967266"/>
+            <a:ext cx="2628900" cy="2547257"/>
+          </a:xfrm>
+          <a:noFill/>
+        </p:spPr>
+        <p:txBody>
+          <a:bodyPr vert="horz" lIns="91440" tIns="45720" rIns="91440" bIns="45720" rtlCol="0" anchor="ctr">
+            <a:normAutofit/>
+          </a:bodyPr>
+          <a:lstStyle/>
+          <a:p>
+            <a:pPr algn="ctr"/>
+            <a:r>
+              <a:rPr lang="en-US" sz="3600" kern="1200" dirty="0">
+                <a:solidFill>
+                  <a:srgbClr val="FFFFFF"/>
+                </a:solidFill>
+                <a:latin typeface="+mj-lt"/>
+                <a:ea typeface="+mj-ea"/>
+                <a:cs typeface="+mj-cs"/>
+              </a:rPr>
+              <a:t>Approach – Code Block Diagram </a:t>
+            </a:r>
+          </a:p>
+        </p:txBody>
+      </p:sp>
+      <p:pic>
+        <p:nvPicPr>
+          <p:cNvPr id="5" name="Content Placeholder 4">
+            <a:extLst>
+              <a:ext uri="{FF2B5EF4-FFF2-40B4-BE49-F238E27FC236}">
+                <a16:creationId xmlns:a16="http://schemas.microsoft.com/office/drawing/2014/main" id="{9BE5538A-12FB-7DE9-2D7F-81657C72626A}"/>
+              </a:ext>
+            </a:extLst>
+          </p:cNvPr>
+          <p:cNvPicPr>
+            <a:picLocks noGrp="1" noChangeAspect="1"/>
+          </p:cNvPicPr>
+          <p:nvPr>
+            <p:ph idx="1"/>
+          </p:nvPr>
+        </p:nvPicPr>
+        <p:blipFill>
+          <a:blip r:embed="rId2">
+            <a:extLst>
+              <a:ext uri="{28A0092B-C50C-407E-A947-70E740481C1C}">
+                <a14:useLocalDpi xmlns:a14="http://schemas.microsoft.com/office/drawing/2010/main" val="0"/>
+              </a:ext>
+            </a:extLst>
+          </a:blip>
+          <a:stretch>
+            <a:fillRect/>
+          </a:stretch>
+        </p:blipFill>
+        <p:spPr>
+          <a:xfrm>
+            <a:off x="4815192" y="372965"/>
+            <a:ext cx="6925856" cy="6112069"/>
+          </a:xfrm>
+          <a:prstGeom prst="rect">
+            <a:avLst/>
+          </a:prstGeom>
+        </p:spPr>
+      </p:pic>
+    </p:spTree>
+    <p:extLst>
+      <p:ext uri="{BB962C8B-B14F-4D97-AF65-F5344CB8AC3E}">
+        <p14:creationId xmlns:p14="http://schemas.microsoft.com/office/powerpoint/2010/main" val="236307831"/>
+      </p:ext>
+    </p:extLst>
+  </p:cSld>
+  <p:clrMapOvr>
+    <a:masterClrMapping/>
+  </p:clrMapOvr>
+</p:sld>
+</file>
+
+<file path=ppt/slides/slide12.xml><?xml version="1.0" encoding="utf-8"?>
+<p:sld xmlns:a="http://schemas.openxmlformats.org/drawingml/2006/main" xmlns:r="http://schemas.openxmlformats.org/officeDocument/2006/relationships" xmlns:p="http://schemas.openxmlformats.org/presentationml/2006/main">
+  <p:cSld>
     <p:bg>
       <p:bgPr>
         <a:solidFill>
@@ -5245,7 +5542,7 @@
 </p:sld>
 </file>
 
-<file path=ppt/slides/slide11.xml><?xml version="1.0" encoding="utf-8"?>
+<file path=ppt/slides/slide13.xml><?xml version="1.0" encoding="utf-8"?>
 <p:sld xmlns:a="http://schemas.openxmlformats.org/drawingml/2006/main" xmlns:r="http://schemas.openxmlformats.org/officeDocument/2006/relationships" xmlns:p="http://schemas.openxmlformats.org/presentationml/2006/main">
   <p:cSld>
     <p:bg>
@@ -6056,6 +6353,12 @@
             </a:r>
           </a:p>
           <a:p>
+            <a:r>
+              <a:rPr lang="en-US" sz="2200" dirty="0"/>
+              <a:t>C++ - “The current ISO C++ standard is officially known as ISO International Standard ISO/IEC 14882:2020(E) – Programming Language C++ (International Organization for Standardization).”</a:t>
+            </a:r>
+          </a:p>
+          <a:p>
             <a:endParaRPr lang="en-US" sz="2200" dirty="0"/>
           </a:p>
         </p:txBody>
@@ -6073,7 +6376,7 @@
 </p:sld>
 </file>
 
-<file path=ppt/slides/slide12.xml><?xml version="1.0" encoding="utf-8"?>
+<file path=ppt/slides/slide14.xml><?xml version="1.0" encoding="utf-8"?>
 <p:sld xmlns:a="http://schemas.openxmlformats.org/drawingml/2006/main" xmlns:r="http://schemas.openxmlformats.org/officeDocument/2006/relationships" xmlns:p="http://schemas.openxmlformats.org/presentationml/2006/main">
   <p:cSld>
     <p:bg>
@@ -6876,7 +7179,7 @@
 </p:sld>
 </file>
 
-<file path=ppt/slides/slide13.xml><?xml version="1.0" encoding="utf-8"?>
+<file path=ppt/slides/slide15.xml><?xml version="1.0" encoding="utf-8"?>
 <p:sld xmlns:a="http://schemas.openxmlformats.org/drawingml/2006/main" xmlns:r="http://schemas.openxmlformats.org/officeDocument/2006/relationships" xmlns:p="http://schemas.openxmlformats.org/presentationml/2006/main">
   <p:cSld>
     <p:bg>
@@ -7359,7 +7662,7 @@
 </p:sld>
 </file>
 
-<file path=ppt/slides/slide14.xml><?xml version="1.0" encoding="utf-8"?>
+<file path=ppt/slides/slide16.xml><?xml version="1.0" encoding="utf-8"?>
 <p:sld xmlns:a="http://schemas.openxmlformats.org/drawingml/2006/main" xmlns:r="http://schemas.openxmlformats.org/officeDocument/2006/relationships" xmlns:p="http://schemas.openxmlformats.org/presentationml/2006/main">
   <p:cSld>
     <p:bg>
@@ -7473,7 +7776,7 @@
           <a:lstStyle/>
           <a:p>
             <a:r>
-              <a:rPr lang="en-US" sz="5400"/>
+              <a:rPr lang="en-US" sz="5400" dirty="0"/>
               <a:t>Verification Plan</a:t>
             </a:r>
           </a:p>
@@ -8147,7 +8450,7 @@
           <a:p>
             <a:r>
               <a:rPr lang="en-US" sz="2200" dirty="0"/>
-              <a:t>Test that shit</a:t>
+              <a:t>Need to add numbers to verification chart.</a:t>
             </a:r>
           </a:p>
         </p:txBody>
@@ -8165,7 +8468,7 @@
 </p:sld>
 </file>
 
-<file path=ppt/slides/slide15.xml><?xml version="1.0" encoding="utf-8"?>
+<file path=ppt/slides/slide17.xml><?xml version="1.0" encoding="utf-8"?>
 <p:sld xmlns:a="http://schemas.openxmlformats.org/drawingml/2006/main" xmlns:r="http://schemas.openxmlformats.org/officeDocument/2006/relationships" xmlns:p="http://schemas.openxmlformats.org/presentationml/2006/main">
   <p:cSld>
     <p:bg>
@@ -9043,7 +9346,7 @@
 </p:sld>
 </file>
 
-<file path=ppt/slides/slide16.xml><?xml version="1.0" encoding="utf-8"?>
+<file path=ppt/slides/slide18.xml><?xml version="1.0" encoding="utf-8"?>
 <p:sld xmlns:a="http://schemas.openxmlformats.org/drawingml/2006/main" xmlns:r="http://schemas.openxmlformats.org/officeDocument/2006/relationships" xmlns:p="http://schemas.openxmlformats.org/presentationml/2006/main">
   <p:cSld>
     <p:bg>
@@ -9849,7 +10152,7 @@
 </p:sld>
 </file>
 
-<file path=ppt/slides/slide17.xml><?xml version="1.0" encoding="utf-8"?>
+<file path=ppt/slides/slide19.xml><?xml version="1.0" encoding="utf-8"?>
 <p:sld xmlns:a="http://schemas.openxmlformats.org/drawingml/2006/main" xmlns:r="http://schemas.openxmlformats.org/officeDocument/2006/relationships" xmlns:p="http://schemas.openxmlformats.org/presentationml/2006/main">
   <p:cSld>
     <p:bg>
@@ -13638,7 +13941,7 @@
 </p:sld>
 </file>
 
-<file path=ppt/slides/slide18.xml><?xml version="1.0" encoding="utf-8"?>
+<file path=ppt/slides/slide2.xml><?xml version="1.0" encoding="utf-8"?>
 <p:sld xmlns:a="http://schemas.openxmlformats.org/drawingml/2006/main" xmlns:r="http://schemas.openxmlformats.org/officeDocument/2006/relationships" xmlns:p="http://schemas.openxmlformats.org/presentationml/2006/main">
   <p:cSld>
     <p:bg>
@@ -13728,7 +14031,7 @@
           <p:cNvPr id="2" name="Title 1">
             <a:extLst>
               <a:ext uri="{FF2B5EF4-FFF2-40B4-BE49-F238E27FC236}">
-                <a16:creationId xmlns:a16="http://schemas.microsoft.com/office/drawing/2014/main" id="{4B1E27C4-F89D-CFE7-2F18-9B5E3A72550B}"/>
+                <a16:creationId xmlns:a16="http://schemas.microsoft.com/office/drawing/2014/main" id="{DBE75319-DCBD-C53A-118E-BF8F5E5AC2E3}"/>
               </a:ext>
             </a:extLst>
           </p:cNvPr>
@@ -13753,7 +14056,7 @@
           <a:p>
             <a:r>
               <a:rPr lang="en-US" sz="5400"/>
-              <a:t>Feasibility Assessment</a:t>
+              <a:t>Objectives</a:t>
             </a:r>
           </a:p>
         </p:txBody>
@@ -14401,6 +14704,841 @@
           <p:cNvPr id="3" name="Content Placeholder 2">
             <a:extLst>
               <a:ext uri="{FF2B5EF4-FFF2-40B4-BE49-F238E27FC236}">
+                <a16:creationId xmlns:a16="http://schemas.microsoft.com/office/drawing/2014/main" id="{21DACDEB-6882-22BF-55E9-76D9F9E5F7B9}"/>
+              </a:ext>
+            </a:extLst>
+          </p:cNvPr>
+          <p:cNvSpPr>
+            <a:spLocks noGrp="1"/>
+          </p:cNvSpPr>
+          <p:nvPr>
+            <p:ph idx="1"/>
+          </p:nvPr>
+        </p:nvSpPr>
+        <p:spPr>
+          <a:xfrm>
+            <a:off x="838200" y="1929384"/>
+            <a:ext cx="10515600" cy="4251960"/>
+          </a:xfrm>
+        </p:spPr>
+        <p:txBody>
+          <a:bodyPr>
+            <a:normAutofit/>
+          </a:bodyPr>
+          <a:lstStyle/>
+          <a:p>
+            <a:r>
+              <a:rPr lang="en-US" sz="2200" dirty="0"/>
+              <a:t>Design and build a traditional flight computer for Wildcat Rocketry</a:t>
+            </a:r>
+          </a:p>
+          <a:p>
+            <a:r>
+              <a:rPr lang="en-US" sz="2200" dirty="0"/>
+              <a:t>Be able to receive data during flight.</a:t>
+            </a:r>
+          </a:p>
+          <a:p>
+            <a:r>
+              <a:rPr lang="en-US" sz="2200" dirty="0"/>
+              <a:t>Accurately display flight data via </a:t>
+            </a:r>
+            <a:r>
+              <a:rPr lang="en-US" sz="2200" dirty="0" err="1"/>
+              <a:t>WiFi</a:t>
+            </a:r>
+            <a:r>
+              <a:rPr lang="en-US" sz="2200" dirty="0"/>
+              <a:t> or data export USB.</a:t>
+            </a:r>
+          </a:p>
+          <a:p>
+            <a:endParaRPr lang="en-US" sz="2200" dirty="0"/>
+          </a:p>
+          <a:p>
+            <a:r>
+              <a:rPr lang="en-US" sz="2200" dirty="0"/>
+              <a:t>POSSIBLY ADD PICTURE</a:t>
+            </a:r>
+          </a:p>
+        </p:txBody>
+      </p:sp>
+    </p:spTree>
+    <p:extLst>
+      <p:ext uri="{BB962C8B-B14F-4D97-AF65-F5344CB8AC3E}">
+        <p14:creationId xmlns:p14="http://schemas.microsoft.com/office/powerpoint/2010/main" val="1272993298"/>
+      </p:ext>
+    </p:extLst>
+  </p:cSld>
+  <p:clrMapOvr>
+    <a:masterClrMapping/>
+  </p:clrMapOvr>
+</p:sld>
+</file>
+
+<file path=ppt/slides/slide20.xml><?xml version="1.0" encoding="utf-8"?>
+<p:sld xmlns:a="http://schemas.openxmlformats.org/drawingml/2006/main" xmlns:r="http://schemas.openxmlformats.org/officeDocument/2006/relationships" xmlns:p="http://schemas.openxmlformats.org/presentationml/2006/main">
+  <p:cSld>
+    <p:bg>
+      <p:bgPr>
+        <a:solidFill>
+          <a:schemeClr val="bg1"/>
+        </a:solidFill>
+        <a:effectLst/>
+      </p:bgPr>
+    </p:bg>
+    <p:spTree>
+      <p:nvGrpSpPr>
+        <p:cNvPr id="1" name=""/>
+        <p:cNvGrpSpPr/>
+        <p:nvPr/>
+      </p:nvGrpSpPr>
+      <p:grpSpPr>
+        <a:xfrm>
+          <a:off x="0" y="0"/>
+          <a:ext cx="0" cy="0"/>
+          <a:chOff x="0" y="0"/>
+          <a:chExt cx="0" cy="0"/>
+        </a:xfrm>
+      </p:grpSpPr>
+      <p:sp useBgFill="1">
+        <p:nvSpPr>
+          <p:cNvPr id="8" name="Rectangle 7">
+            <a:extLst>
+              <a:ext uri="{FF2B5EF4-FFF2-40B4-BE49-F238E27FC236}">
+                <a16:creationId xmlns:a16="http://schemas.microsoft.com/office/drawing/2014/main" id="{100EDD19-6802-4EC3-95CE-CFFAB042CFD6}"/>
+              </a:ext>
+              <a:ext uri="{C183D7F6-B498-43B3-948B-1728B52AA6E4}">
+                <adec:decorative xmlns:adec="http://schemas.microsoft.com/office/drawing/2017/decorative" val="1"/>
+              </a:ext>
+            </a:extLst>
+          </p:cNvPr>
+          <p:cNvSpPr>
+            <a:spLocks noGrp="1" noRot="1" noChangeAspect="1" noMove="1" noResize="1" noEditPoints="1" noAdjustHandles="1" noChangeArrowheads="1" noChangeShapeType="1" noTextEdit="1"/>
+          </p:cNvSpPr>
+          <p:nvPr>
+            <p:extLst>
+              <p:ext uri="{386F3935-93C4-4BCD-93E2-E3B085C9AB24}">
+                <p16:designElem xmlns:p16="http://schemas.microsoft.com/office/powerpoint/2015/main" val="1"/>
+              </p:ext>
+            </p:extLst>
+          </p:nvPr>
+        </p:nvSpPr>
+        <p:spPr>
+          <a:xfrm>
+            <a:off x="0" y="0"/>
+            <a:ext cx="12188952" cy="6858000"/>
+          </a:xfrm>
+          <a:prstGeom prst="rect">
+            <a:avLst/>
+          </a:prstGeom>
+          <a:ln>
+            <a:noFill/>
+          </a:ln>
+        </p:spPr>
+        <p:style>
+          <a:lnRef idx="2">
+            <a:schemeClr val="accent1">
+              <a:shade val="50000"/>
+            </a:schemeClr>
+          </a:lnRef>
+          <a:fillRef idx="1">
+            <a:schemeClr val="accent1"/>
+          </a:fillRef>
+          <a:effectRef idx="0">
+            <a:schemeClr val="accent1"/>
+          </a:effectRef>
+          <a:fontRef idx="minor">
+            <a:schemeClr val="lt1"/>
+          </a:fontRef>
+        </p:style>
+        <p:txBody>
+          <a:bodyPr rtlCol="0" anchor="ctr"/>
+          <a:lstStyle/>
+          <a:p>
+            <a:pPr algn="ctr"/>
+            <a:endParaRPr lang="en-US"/>
+          </a:p>
+        </p:txBody>
+      </p:sp>
+      <p:sp>
+        <p:nvSpPr>
+          <p:cNvPr id="2" name="Title 1">
+            <a:extLst>
+              <a:ext uri="{FF2B5EF4-FFF2-40B4-BE49-F238E27FC236}">
+                <a16:creationId xmlns:a16="http://schemas.microsoft.com/office/drawing/2014/main" id="{4B1E27C4-F89D-CFE7-2F18-9B5E3A72550B}"/>
+              </a:ext>
+            </a:extLst>
+          </p:cNvPr>
+          <p:cNvSpPr>
+            <a:spLocks noGrp="1"/>
+          </p:cNvSpPr>
+          <p:nvPr>
+            <p:ph type="title"/>
+          </p:nvPr>
+        </p:nvSpPr>
+        <p:spPr>
+          <a:xfrm>
+            <a:off x="838200" y="365125"/>
+            <a:ext cx="10515600" cy="1325563"/>
+          </a:xfrm>
+        </p:spPr>
+        <p:txBody>
+          <a:bodyPr>
+            <a:normAutofit/>
+          </a:bodyPr>
+          <a:lstStyle/>
+          <a:p>
+            <a:r>
+              <a:rPr lang="en-US" sz="5400"/>
+              <a:t>Feasibility Assessment</a:t>
+            </a:r>
+          </a:p>
+        </p:txBody>
+      </p:sp>
+      <p:sp>
+        <p:nvSpPr>
+          <p:cNvPr id="10" name="sketch line">
+            <a:extLst>
+              <a:ext uri="{FF2B5EF4-FFF2-40B4-BE49-F238E27FC236}">
+                <a16:creationId xmlns:a16="http://schemas.microsoft.com/office/drawing/2014/main" id="{DB17E863-922E-4C26-BD64-E8FD41D28661}"/>
+              </a:ext>
+              <a:ext uri="{C183D7F6-B498-43B3-948B-1728B52AA6E4}">
+                <adec:decorative xmlns:adec="http://schemas.microsoft.com/office/drawing/2017/decorative" val="1"/>
+              </a:ext>
+            </a:extLst>
+          </p:cNvPr>
+          <p:cNvSpPr>
+            <a:spLocks noGrp="1" noRot="1" noChangeAspect="1" noMove="1" noResize="1" noEditPoints="1" noAdjustHandles="1" noChangeArrowheads="1" noChangeShapeType="1" noTextEdit="1"/>
+          </p:cNvSpPr>
+          <p:nvPr>
+            <p:extLst>
+              <p:ext uri="{386F3935-93C4-4BCD-93E2-E3B085C9AB24}">
+                <p16:designElem xmlns:p16="http://schemas.microsoft.com/office/powerpoint/2015/main" val="1"/>
+              </p:ext>
+            </p:extLst>
+          </p:nvPr>
+        </p:nvSpPr>
+        <p:spPr>
+          <a:xfrm>
+            <a:off x="669036" y="1677373"/>
+            <a:ext cx="10853928" cy="18288"/>
+          </a:xfrm>
+          <a:custGeom>
+            <a:avLst/>
+            <a:gdLst>
+              <a:gd name="connsiteX0" fmla="*/ 0 w 10853928"/>
+              <a:gd name="connsiteY0" fmla="*/ 0 h 18288"/>
+              <a:gd name="connsiteX1" fmla="*/ 461292 w 10853928"/>
+              <a:gd name="connsiteY1" fmla="*/ 0 h 18288"/>
+              <a:gd name="connsiteX2" fmla="*/ 1139662 w 10853928"/>
+              <a:gd name="connsiteY2" fmla="*/ 0 h 18288"/>
+              <a:gd name="connsiteX3" fmla="*/ 1926572 w 10853928"/>
+              <a:gd name="connsiteY3" fmla="*/ 0 h 18288"/>
+              <a:gd name="connsiteX4" fmla="*/ 2279325 w 10853928"/>
+              <a:gd name="connsiteY4" fmla="*/ 0 h 18288"/>
+              <a:gd name="connsiteX5" fmla="*/ 2632078 w 10853928"/>
+              <a:gd name="connsiteY5" fmla="*/ 0 h 18288"/>
+              <a:gd name="connsiteX6" fmla="*/ 3527527 w 10853928"/>
+              <a:gd name="connsiteY6" fmla="*/ 0 h 18288"/>
+              <a:gd name="connsiteX7" fmla="*/ 4205897 w 10853928"/>
+              <a:gd name="connsiteY7" fmla="*/ 0 h 18288"/>
+              <a:gd name="connsiteX8" fmla="*/ 4558650 w 10853928"/>
+              <a:gd name="connsiteY8" fmla="*/ 0 h 18288"/>
+              <a:gd name="connsiteX9" fmla="*/ 5237020 w 10853928"/>
+              <a:gd name="connsiteY9" fmla="*/ 0 h 18288"/>
+              <a:gd name="connsiteX10" fmla="*/ 6132469 w 10853928"/>
+              <a:gd name="connsiteY10" fmla="*/ 0 h 18288"/>
+              <a:gd name="connsiteX11" fmla="*/ 6702301 w 10853928"/>
+              <a:gd name="connsiteY11" fmla="*/ 0 h 18288"/>
+              <a:gd name="connsiteX12" fmla="*/ 7272132 w 10853928"/>
+              <a:gd name="connsiteY12" fmla="*/ 0 h 18288"/>
+              <a:gd name="connsiteX13" fmla="*/ 7950502 w 10853928"/>
+              <a:gd name="connsiteY13" fmla="*/ 0 h 18288"/>
+              <a:gd name="connsiteX14" fmla="*/ 8737412 w 10853928"/>
+              <a:gd name="connsiteY14" fmla="*/ 0 h 18288"/>
+              <a:gd name="connsiteX15" fmla="*/ 9524322 w 10853928"/>
+              <a:gd name="connsiteY15" fmla="*/ 0 h 18288"/>
+              <a:gd name="connsiteX16" fmla="*/ 10853928 w 10853928"/>
+              <a:gd name="connsiteY16" fmla="*/ 0 h 18288"/>
+              <a:gd name="connsiteX17" fmla="*/ 10853928 w 10853928"/>
+              <a:gd name="connsiteY17" fmla="*/ 18288 h 18288"/>
+              <a:gd name="connsiteX18" fmla="*/ 10392636 w 10853928"/>
+              <a:gd name="connsiteY18" fmla="*/ 18288 h 18288"/>
+              <a:gd name="connsiteX19" fmla="*/ 9497187 w 10853928"/>
+              <a:gd name="connsiteY19" fmla="*/ 18288 h 18288"/>
+              <a:gd name="connsiteX20" fmla="*/ 8818817 w 10853928"/>
+              <a:gd name="connsiteY20" fmla="*/ 18288 h 18288"/>
+              <a:gd name="connsiteX21" fmla="*/ 8466064 w 10853928"/>
+              <a:gd name="connsiteY21" fmla="*/ 18288 h 18288"/>
+              <a:gd name="connsiteX22" fmla="*/ 7787693 w 10853928"/>
+              <a:gd name="connsiteY22" fmla="*/ 18288 h 18288"/>
+              <a:gd name="connsiteX23" fmla="*/ 7217862 w 10853928"/>
+              <a:gd name="connsiteY23" fmla="*/ 18288 h 18288"/>
+              <a:gd name="connsiteX24" fmla="*/ 6648031 w 10853928"/>
+              <a:gd name="connsiteY24" fmla="*/ 18288 h 18288"/>
+              <a:gd name="connsiteX25" fmla="*/ 6078200 w 10853928"/>
+              <a:gd name="connsiteY25" fmla="*/ 18288 h 18288"/>
+              <a:gd name="connsiteX26" fmla="*/ 5508368 w 10853928"/>
+              <a:gd name="connsiteY26" fmla="*/ 18288 h 18288"/>
+              <a:gd name="connsiteX27" fmla="*/ 4721459 w 10853928"/>
+              <a:gd name="connsiteY27" fmla="*/ 18288 h 18288"/>
+              <a:gd name="connsiteX28" fmla="*/ 4043088 w 10853928"/>
+              <a:gd name="connsiteY28" fmla="*/ 18288 h 18288"/>
+              <a:gd name="connsiteX29" fmla="*/ 3690336 w 10853928"/>
+              <a:gd name="connsiteY29" fmla="*/ 18288 h 18288"/>
+              <a:gd name="connsiteX30" fmla="*/ 3120504 w 10853928"/>
+              <a:gd name="connsiteY30" fmla="*/ 18288 h 18288"/>
+              <a:gd name="connsiteX31" fmla="*/ 2333595 w 10853928"/>
+              <a:gd name="connsiteY31" fmla="*/ 18288 h 18288"/>
+              <a:gd name="connsiteX32" fmla="*/ 1872303 w 10853928"/>
+              <a:gd name="connsiteY32" fmla="*/ 18288 h 18288"/>
+              <a:gd name="connsiteX33" fmla="*/ 976854 w 10853928"/>
+              <a:gd name="connsiteY33" fmla="*/ 18288 h 18288"/>
+              <a:gd name="connsiteX34" fmla="*/ 0 w 10853928"/>
+              <a:gd name="connsiteY34" fmla="*/ 18288 h 18288"/>
+              <a:gd name="connsiteX35" fmla="*/ 0 w 10853928"/>
+              <a:gd name="connsiteY35" fmla="*/ 0 h 18288"/>
+            </a:gdLst>
+            <a:ahLst/>
+            <a:cxnLst>
+              <a:cxn ang="0">
+                <a:pos x="connsiteX0" y="connsiteY0"/>
+              </a:cxn>
+              <a:cxn ang="0">
+                <a:pos x="connsiteX1" y="connsiteY1"/>
+              </a:cxn>
+              <a:cxn ang="0">
+                <a:pos x="connsiteX2" y="connsiteY2"/>
+              </a:cxn>
+              <a:cxn ang="0">
+                <a:pos x="connsiteX3" y="connsiteY3"/>
+              </a:cxn>
+              <a:cxn ang="0">
+                <a:pos x="connsiteX4" y="connsiteY4"/>
+              </a:cxn>
+              <a:cxn ang="0">
+                <a:pos x="connsiteX5" y="connsiteY5"/>
+              </a:cxn>
+              <a:cxn ang="0">
+                <a:pos x="connsiteX6" y="connsiteY6"/>
+              </a:cxn>
+              <a:cxn ang="0">
+                <a:pos x="connsiteX7" y="connsiteY7"/>
+              </a:cxn>
+              <a:cxn ang="0">
+                <a:pos x="connsiteX8" y="connsiteY8"/>
+              </a:cxn>
+              <a:cxn ang="0">
+                <a:pos x="connsiteX9" y="connsiteY9"/>
+              </a:cxn>
+              <a:cxn ang="0">
+                <a:pos x="connsiteX10" y="connsiteY10"/>
+              </a:cxn>
+              <a:cxn ang="0">
+                <a:pos x="connsiteX11" y="connsiteY11"/>
+              </a:cxn>
+              <a:cxn ang="0">
+                <a:pos x="connsiteX12" y="connsiteY12"/>
+              </a:cxn>
+              <a:cxn ang="0">
+                <a:pos x="connsiteX13" y="connsiteY13"/>
+              </a:cxn>
+              <a:cxn ang="0">
+                <a:pos x="connsiteX14" y="connsiteY14"/>
+              </a:cxn>
+              <a:cxn ang="0">
+                <a:pos x="connsiteX15" y="connsiteY15"/>
+              </a:cxn>
+              <a:cxn ang="0">
+                <a:pos x="connsiteX16" y="connsiteY16"/>
+              </a:cxn>
+              <a:cxn ang="0">
+                <a:pos x="connsiteX17" y="connsiteY17"/>
+              </a:cxn>
+              <a:cxn ang="0">
+                <a:pos x="connsiteX18" y="connsiteY18"/>
+              </a:cxn>
+              <a:cxn ang="0">
+                <a:pos x="connsiteX19" y="connsiteY19"/>
+              </a:cxn>
+              <a:cxn ang="0">
+                <a:pos x="connsiteX20" y="connsiteY20"/>
+              </a:cxn>
+              <a:cxn ang="0">
+                <a:pos x="connsiteX21" y="connsiteY21"/>
+              </a:cxn>
+              <a:cxn ang="0">
+                <a:pos x="connsiteX22" y="connsiteY22"/>
+              </a:cxn>
+              <a:cxn ang="0">
+                <a:pos x="connsiteX23" y="connsiteY23"/>
+              </a:cxn>
+              <a:cxn ang="0">
+                <a:pos x="connsiteX24" y="connsiteY24"/>
+              </a:cxn>
+              <a:cxn ang="0">
+                <a:pos x="connsiteX25" y="connsiteY25"/>
+              </a:cxn>
+              <a:cxn ang="0">
+                <a:pos x="connsiteX26" y="connsiteY26"/>
+              </a:cxn>
+              <a:cxn ang="0">
+                <a:pos x="connsiteX27" y="connsiteY27"/>
+              </a:cxn>
+              <a:cxn ang="0">
+                <a:pos x="connsiteX28" y="connsiteY28"/>
+              </a:cxn>
+              <a:cxn ang="0">
+                <a:pos x="connsiteX29" y="connsiteY29"/>
+              </a:cxn>
+              <a:cxn ang="0">
+                <a:pos x="connsiteX30" y="connsiteY30"/>
+              </a:cxn>
+              <a:cxn ang="0">
+                <a:pos x="connsiteX31" y="connsiteY31"/>
+              </a:cxn>
+              <a:cxn ang="0">
+                <a:pos x="connsiteX32" y="connsiteY32"/>
+              </a:cxn>
+              <a:cxn ang="0">
+                <a:pos x="connsiteX33" y="connsiteY33"/>
+              </a:cxn>
+              <a:cxn ang="0">
+                <a:pos x="connsiteX34" y="connsiteY34"/>
+              </a:cxn>
+              <a:cxn ang="0">
+                <a:pos x="connsiteX35" y="connsiteY35"/>
+              </a:cxn>
+            </a:cxnLst>
+            <a:rect l="l" t="t" r="r" b="b"/>
+            <a:pathLst>
+              <a:path w="10853928" h="18288" fill="none" extrusionOk="0">
+                <a:moveTo>
+                  <a:pt x="0" y="0"/>
+                </a:moveTo>
+                <a:cubicBezTo>
+                  <a:pt x="146993" y="-19076"/>
+                  <a:pt x="347684" y="-4790"/>
+                  <a:pt x="461292" y="0"/>
+                </a:cubicBezTo>
+                <a:cubicBezTo>
+                  <a:pt x="574900" y="4790"/>
+                  <a:pt x="808367" y="19821"/>
+                  <a:pt x="1139662" y="0"/>
+                </a:cubicBezTo>
+                <a:cubicBezTo>
+                  <a:pt x="1470957" y="-19821"/>
+                  <a:pt x="1627405" y="5721"/>
+                  <a:pt x="1926572" y="0"/>
+                </a:cubicBezTo>
+                <a:cubicBezTo>
+                  <a:pt x="2225739" y="-5721"/>
+                  <a:pt x="2137730" y="-3235"/>
+                  <a:pt x="2279325" y="0"/>
+                </a:cubicBezTo>
+                <a:cubicBezTo>
+                  <a:pt x="2420920" y="3235"/>
+                  <a:pt x="2456518" y="9685"/>
+                  <a:pt x="2632078" y="0"/>
+                </a:cubicBezTo>
+                <a:cubicBezTo>
+                  <a:pt x="2807638" y="-9685"/>
+                  <a:pt x="3211516" y="-43007"/>
+                  <a:pt x="3527527" y="0"/>
+                </a:cubicBezTo>
+                <a:cubicBezTo>
+                  <a:pt x="3843538" y="43007"/>
+                  <a:pt x="4058833" y="22042"/>
+                  <a:pt x="4205897" y="0"/>
+                </a:cubicBezTo>
+                <a:cubicBezTo>
+                  <a:pt x="4352961" y="-22042"/>
+                  <a:pt x="4474805" y="-11846"/>
+                  <a:pt x="4558650" y="0"/>
+                </a:cubicBezTo>
+                <a:cubicBezTo>
+                  <a:pt x="4642495" y="11846"/>
+                  <a:pt x="5041928" y="-6069"/>
+                  <a:pt x="5237020" y="0"/>
+                </a:cubicBezTo>
+                <a:cubicBezTo>
+                  <a:pt x="5432112" y="6069"/>
+                  <a:pt x="5943266" y="-17479"/>
+                  <a:pt x="6132469" y="0"/>
+                </a:cubicBezTo>
+                <a:cubicBezTo>
+                  <a:pt x="6321672" y="17479"/>
+                  <a:pt x="6483872" y="26234"/>
+                  <a:pt x="6702301" y="0"/>
+                </a:cubicBezTo>
+                <a:cubicBezTo>
+                  <a:pt x="6920730" y="-26234"/>
+                  <a:pt x="6991194" y="-15156"/>
+                  <a:pt x="7272132" y="0"/>
+                </a:cubicBezTo>
+                <a:cubicBezTo>
+                  <a:pt x="7553070" y="15156"/>
+                  <a:pt x="7684444" y="-32961"/>
+                  <a:pt x="7950502" y="0"/>
+                </a:cubicBezTo>
+                <a:cubicBezTo>
+                  <a:pt x="8216560" y="32961"/>
+                  <a:pt x="8493290" y="-10491"/>
+                  <a:pt x="8737412" y="0"/>
+                </a:cubicBezTo>
+                <a:cubicBezTo>
+                  <a:pt x="8981534" y="10491"/>
+                  <a:pt x="9191586" y="-13899"/>
+                  <a:pt x="9524322" y="0"/>
+                </a:cubicBezTo>
+                <a:cubicBezTo>
+                  <a:pt x="9857058" y="13899"/>
+                  <a:pt x="10297509" y="7485"/>
+                  <a:pt x="10853928" y="0"/>
+                </a:cubicBezTo>
+                <a:cubicBezTo>
+                  <a:pt x="10854574" y="4451"/>
+                  <a:pt x="10854418" y="9226"/>
+                  <a:pt x="10853928" y="18288"/>
+                </a:cubicBezTo>
+                <a:cubicBezTo>
+                  <a:pt x="10691638" y="28522"/>
+                  <a:pt x="10574319" y="29578"/>
+                  <a:pt x="10392636" y="18288"/>
+                </a:cubicBezTo>
+                <a:cubicBezTo>
+                  <a:pt x="10210953" y="6998"/>
+                  <a:pt x="9836277" y="-16742"/>
+                  <a:pt x="9497187" y="18288"/>
+                </a:cubicBezTo>
+                <a:cubicBezTo>
+                  <a:pt x="9158097" y="53318"/>
+                  <a:pt x="9119479" y="30714"/>
+                  <a:pt x="8818817" y="18288"/>
+                </a:cubicBezTo>
+                <a:cubicBezTo>
+                  <a:pt x="8518155" y="5863"/>
+                  <a:pt x="8640037" y="6483"/>
+                  <a:pt x="8466064" y="18288"/>
+                </a:cubicBezTo>
+                <a:cubicBezTo>
+                  <a:pt x="8292091" y="30093"/>
+                  <a:pt x="7997656" y="18914"/>
+                  <a:pt x="7787693" y="18288"/>
+                </a:cubicBezTo>
+                <a:cubicBezTo>
+                  <a:pt x="7577730" y="17662"/>
+                  <a:pt x="7412468" y="21416"/>
+                  <a:pt x="7217862" y="18288"/>
+                </a:cubicBezTo>
+                <a:cubicBezTo>
+                  <a:pt x="7023256" y="15160"/>
+                  <a:pt x="6898018" y="14824"/>
+                  <a:pt x="6648031" y="18288"/>
+                </a:cubicBezTo>
+                <a:cubicBezTo>
+                  <a:pt x="6398044" y="21752"/>
+                  <a:pt x="6254402" y="38625"/>
+                  <a:pt x="6078200" y="18288"/>
+                </a:cubicBezTo>
+                <a:cubicBezTo>
+                  <a:pt x="5901998" y="-2049"/>
+                  <a:pt x="5622886" y="3213"/>
+                  <a:pt x="5508368" y="18288"/>
+                </a:cubicBezTo>
+                <a:cubicBezTo>
+                  <a:pt x="5393850" y="33363"/>
+                  <a:pt x="5036260" y="26830"/>
+                  <a:pt x="4721459" y="18288"/>
+                </a:cubicBezTo>
+                <a:cubicBezTo>
+                  <a:pt x="4406658" y="9746"/>
+                  <a:pt x="4239221" y="41551"/>
+                  <a:pt x="4043088" y="18288"/>
+                </a:cubicBezTo>
+                <a:cubicBezTo>
+                  <a:pt x="3846955" y="-4975"/>
+                  <a:pt x="3818802" y="34658"/>
+                  <a:pt x="3690336" y="18288"/>
+                </a:cubicBezTo>
+                <a:cubicBezTo>
+                  <a:pt x="3561870" y="1918"/>
+                  <a:pt x="3265491" y="42194"/>
+                  <a:pt x="3120504" y="18288"/>
+                </a:cubicBezTo>
+                <a:cubicBezTo>
+                  <a:pt x="2975517" y="-5618"/>
+                  <a:pt x="2720254" y="36673"/>
+                  <a:pt x="2333595" y="18288"/>
+                </a:cubicBezTo>
+                <a:cubicBezTo>
+                  <a:pt x="1946936" y="-97"/>
+                  <a:pt x="2097241" y="5776"/>
+                  <a:pt x="1872303" y="18288"/>
+                </a:cubicBezTo>
+                <a:cubicBezTo>
+                  <a:pt x="1647365" y="30800"/>
+                  <a:pt x="1282708" y="45380"/>
+                  <a:pt x="976854" y="18288"/>
+                </a:cubicBezTo>
+                <a:cubicBezTo>
+                  <a:pt x="671000" y="-8804"/>
+                  <a:pt x="408401" y="-12775"/>
+                  <a:pt x="0" y="18288"/>
+                </a:cubicBezTo>
+                <a:cubicBezTo>
+                  <a:pt x="-213" y="9468"/>
+                  <a:pt x="187" y="4459"/>
+                  <a:pt x="0" y="0"/>
+                </a:cubicBezTo>
+                <a:close/>
+              </a:path>
+              <a:path w="10853928" h="18288" stroke="0" extrusionOk="0">
+                <a:moveTo>
+                  <a:pt x="0" y="0"/>
+                </a:moveTo>
+                <a:cubicBezTo>
+                  <a:pt x="267322" y="15284"/>
+                  <a:pt x="415388" y="-21048"/>
+                  <a:pt x="569831" y="0"/>
+                </a:cubicBezTo>
+                <a:cubicBezTo>
+                  <a:pt x="724274" y="21048"/>
+                  <a:pt x="769333" y="-2353"/>
+                  <a:pt x="922584" y="0"/>
+                </a:cubicBezTo>
+                <a:cubicBezTo>
+                  <a:pt x="1075835" y="2353"/>
+                  <a:pt x="1399490" y="-145"/>
+                  <a:pt x="1818033" y="0"/>
+                </a:cubicBezTo>
+                <a:cubicBezTo>
+                  <a:pt x="2236576" y="145"/>
+                  <a:pt x="2145330" y="5482"/>
+                  <a:pt x="2387864" y="0"/>
+                </a:cubicBezTo>
+                <a:cubicBezTo>
+                  <a:pt x="2630398" y="-5482"/>
+                  <a:pt x="2793207" y="18487"/>
+                  <a:pt x="2957695" y="0"/>
+                </a:cubicBezTo>
+                <a:cubicBezTo>
+                  <a:pt x="3122183" y="-18487"/>
+                  <a:pt x="3579141" y="19003"/>
+                  <a:pt x="3853144" y="0"/>
+                </a:cubicBezTo>
+                <a:cubicBezTo>
+                  <a:pt x="4127147" y="-19003"/>
+                  <a:pt x="4209857" y="12211"/>
+                  <a:pt x="4314436" y="0"/>
+                </a:cubicBezTo>
+                <a:cubicBezTo>
+                  <a:pt x="4419015" y="-12211"/>
+                  <a:pt x="4762459" y="-17220"/>
+                  <a:pt x="5209885" y="0"/>
+                </a:cubicBezTo>
+                <a:cubicBezTo>
+                  <a:pt x="5657311" y="17220"/>
+                  <a:pt x="5692663" y="-3290"/>
+                  <a:pt x="6105335" y="0"/>
+                </a:cubicBezTo>
+                <a:cubicBezTo>
+                  <a:pt x="6518007" y="3290"/>
+                  <a:pt x="6455516" y="-5124"/>
+                  <a:pt x="6783705" y="0"/>
+                </a:cubicBezTo>
+                <a:cubicBezTo>
+                  <a:pt x="7111894" y="5124"/>
+                  <a:pt x="7441941" y="-17829"/>
+                  <a:pt x="7679154" y="0"/>
+                </a:cubicBezTo>
+                <a:cubicBezTo>
+                  <a:pt x="7916367" y="17829"/>
+                  <a:pt x="8102967" y="-24363"/>
+                  <a:pt x="8248985" y="0"/>
+                </a:cubicBezTo>
+                <a:cubicBezTo>
+                  <a:pt x="8395003" y="24363"/>
+                  <a:pt x="8552393" y="25505"/>
+                  <a:pt x="8818817" y="0"/>
+                </a:cubicBezTo>
+                <a:cubicBezTo>
+                  <a:pt x="9085241" y="-25505"/>
+                  <a:pt x="9411308" y="38000"/>
+                  <a:pt x="9605726" y="0"/>
+                </a:cubicBezTo>
+                <a:cubicBezTo>
+                  <a:pt x="9800144" y="-38000"/>
+                  <a:pt x="10006468" y="-25741"/>
+                  <a:pt x="10175558" y="0"/>
+                </a:cubicBezTo>
+                <a:cubicBezTo>
+                  <a:pt x="10344648" y="25741"/>
+                  <a:pt x="10696282" y="695"/>
+                  <a:pt x="10853928" y="0"/>
+                </a:cubicBezTo>
+                <a:cubicBezTo>
+                  <a:pt x="10853521" y="8690"/>
+                  <a:pt x="10853774" y="14141"/>
+                  <a:pt x="10853928" y="18288"/>
+                </a:cubicBezTo>
+                <a:cubicBezTo>
+                  <a:pt x="10608124" y="24255"/>
+                  <a:pt x="10343415" y="22307"/>
+                  <a:pt x="10067018" y="18288"/>
+                </a:cubicBezTo>
+                <a:cubicBezTo>
+                  <a:pt x="9790621" y="14270"/>
+                  <a:pt x="9843266" y="3564"/>
+                  <a:pt x="9714266" y="18288"/>
+                </a:cubicBezTo>
+                <a:cubicBezTo>
+                  <a:pt x="9585266" y="33012"/>
+                  <a:pt x="9379484" y="1875"/>
+                  <a:pt x="9252974" y="18288"/>
+                </a:cubicBezTo>
+                <a:cubicBezTo>
+                  <a:pt x="9126464" y="34701"/>
+                  <a:pt x="8580678" y="-4904"/>
+                  <a:pt x="8357525" y="18288"/>
+                </a:cubicBezTo>
+                <a:cubicBezTo>
+                  <a:pt x="8134372" y="41480"/>
+                  <a:pt x="7903199" y="26458"/>
+                  <a:pt x="7679154" y="18288"/>
+                </a:cubicBezTo>
+                <a:cubicBezTo>
+                  <a:pt x="7455109" y="10118"/>
+                  <a:pt x="7435944" y="27109"/>
+                  <a:pt x="7217862" y="18288"/>
+                </a:cubicBezTo>
+                <a:cubicBezTo>
+                  <a:pt x="6999780" y="9467"/>
+                  <a:pt x="6680409" y="18985"/>
+                  <a:pt x="6539492" y="18288"/>
+                </a:cubicBezTo>
+                <a:cubicBezTo>
+                  <a:pt x="6398575" y="17592"/>
+                  <a:pt x="6312077" y="33018"/>
+                  <a:pt x="6186739" y="18288"/>
+                </a:cubicBezTo>
+                <a:cubicBezTo>
+                  <a:pt x="6061401" y="3558"/>
+                  <a:pt x="5947033" y="12075"/>
+                  <a:pt x="5833986" y="18288"/>
+                </a:cubicBezTo>
+                <a:cubicBezTo>
+                  <a:pt x="5720939" y="24501"/>
+                  <a:pt x="5482226" y="8586"/>
+                  <a:pt x="5155616" y="18288"/>
+                </a:cubicBezTo>
+                <a:cubicBezTo>
+                  <a:pt x="4829006" y="27991"/>
+                  <a:pt x="4841274" y="29316"/>
+                  <a:pt x="4694324" y="18288"/>
+                </a:cubicBezTo>
+                <a:cubicBezTo>
+                  <a:pt x="4547374" y="7260"/>
+                  <a:pt x="4077675" y="7013"/>
+                  <a:pt x="3907414" y="18288"/>
+                </a:cubicBezTo>
+                <a:cubicBezTo>
+                  <a:pt x="3737153" y="29564"/>
+                  <a:pt x="3538393" y="21630"/>
+                  <a:pt x="3446122" y="18288"/>
+                </a:cubicBezTo>
+                <a:cubicBezTo>
+                  <a:pt x="3353851" y="14946"/>
+                  <a:pt x="2990320" y="-8091"/>
+                  <a:pt x="2659212" y="18288"/>
+                </a:cubicBezTo>
+                <a:cubicBezTo>
+                  <a:pt x="2328104" y="44667"/>
+                  <a:pt x="2427653" y="9607"/>
+                  <a:pt x="2306460" y="18288"/>
+                </a:cubicBezTo>
+                <a:cubicBezTo>
+                  <a:pt x="2185267" y="26969"/>
+                  <a:pt x="1719763" y="3717"/>
+                  <a:pt x="1519550" y="18288"/>
+                </a:cubicBezTo>
+                <a:cubicBezTo>
+                  <a:pt x="1319337" y="32860"/>
+                  <a:pt x="1167371" y="17040"/>
+                  <a:pt x="1058258" y="18288"/>
+                </a:cubicBezTo>
+                <a:cubicBezTo>
+                  <a:pt x="949145" y="19536"/>
+                  <a:pt x="780234" y="31447"/>
+                  <a:pt x="705505" y="18288"/>
+                </a:cubicBezTo>
+                <a:cubicBezTo>
+                  <a:pt x="630776" y="5129"/>
+                  <a:pt x="215796" y="30056"/>
+                  <a:pt x="0" y="18288"/>
+                </a:cubicBezTo>
+                <a:cubicBezTo>
+                  <a:pt x="-53" y="11301"/>
+                  <a:pt x="-649" y="7756"/>
+                  <a:pt x="0" y="0"/>
+                </a:cubicBezTo>
+                <a:close/>
+              </a:path>
+            </a:pathLst>
+          </a:custGeom>
+          <a:solidFill>
+            <a:schemeClr val="accent2"/>
+          </a:solidFill>
+          <a:ln w="41275" cap="rnd">
+            <a:solidFill>
+              <a:schemeClr val="accent2"/>
+            </a:solidFill>
+            <a:round/>
+            <a:extLst>
+              <a:ext uri="{C807C97D-BFC1-408E-A445-0C87EB9F89A2}">
+                <ask:lineSketchStyleProps xmlns:ask="http://schemas.microsoft.com/office/drawing/2018/sketchyshapes" sd="1219033472">
+                  <a:prstGeom prst="rect">
+                    <a:avLst/>
+                  </a:prstGeom>
+                  <ask:type>
+                    <ask:lineSketchFreehand/>
+                  </ask:type>
+                </ask:lineSketchStyleProps>
+              </a:ext>
+            </a:extLst>
+          </a:ln>
+        </p:spPr>
+        <p:style>
+          <a:lnRef idx="2">
+            <a:schemeClr val="accent1">
+              <a:shade val="50000"/>
+            </a:schemeClr>
+          </a:lnRef>
+          <a:fillRef idx="1">
+            <a:schemeClr val="accent1"/>
+          </a:fillRef>
+          <a:effectRef idx="0">
+            <a:schemeClr val="accent1"/>
+          </a:effectRef>
+          <a:fontRef idx="minor">
+            <a:schemeClr val="lt1"/>
+          </a:fontRef>
+        </p:style>
+        <p:txBody>
+          <a:bodyPr rtlCol="0" anchor="ctr"/>
+          <a:lstStyle/>
+          <a:p>
+            <a:pPr algn="ctr"/>
+            <a:endParaRPr lang="en-US"/>
+          </a:p>
+        </p:txBody>
+      </p:sp>
+      <p:sp>
+        <p:nvSpPr>
+          <p:cNvPr id="3" name="Content Placeholder 2">
+            <a:extLst>
+              <a:ext uri="{FF2B5EF4-FFF2-40B4-BE49-F238E27FC236}">
                 <a16:creationId xmlns:a16="http://schemas.microsoft.com/office/drawing/2014/main" id="{9F7AB586-525F-7119-210E-93808F4331F4}"/>
               </a:ext>
             </a:extLst>
@@ -14503,7 +15641,114 @@
 </p:sld>
 </file>
 
-<file path=ppt/slides/slide19.xml><?xml version="1.0" encoding="utf-8"?>
+<file path=ppt/slides/slide21.xml><?xml version="1.0" encoding="utf-8"?>
+<p:sld xmlns:a="http://schemas.openxmlformats.org/drawingml/2006/main" xmlns:r="http://schemas.openxmlformats.org/officeDocument/2006/relationships" xmlns:p="http://schemas.openxmlformats.org/presentationml/2006/main">
+  <p:cSld>
+    <p:spTree>
+      <p:nvGrpSpPr>
+        <p:cNvPr id="1" name="">
+          <a:extLst>
+            <a:ext uri="{FF2B5EF4-FFF2-40B4-BE49-F238E27FC236}">
+              <a16:creationId xmlns:a16="http://schemas.microsoft.com/office/drawing/2014/main" id="{7D655161-1E84-7CF0-EF01-A60208EF61BF}"/>
+            </a:ext>
+          </a:extLst>
+        </p:cNvPr>
+        <p:cNvGrpSpPr/>
+        <p:nvPr/>
+      </p:nvGrpSpPr>
+      <p:grpSpPr>
+        <a:xfrm>
+          <a:off x="0" y="0"/>
+          <a:ext cx="0" cy="0"/>
+          <a:chOff x="0" y="0"/>
+          <a:chExt cx="0" cy="0"/>
+        </a:xfrm>
+      </p:grpSpPr>
+      <p:sp>
+        <p:nvSpPr>
+          <p:cNvPr id="2" name="Title 1">
+            <a:extLst>
+              <a:ext uri="{FF2B5EF4-FFF2-40B4-BE49-F238E27FC236}">
+                <a16:creationId xmlns:a16="http://schemas.microsoft.com/office/drawing/2014/main" id="{2080D5DC-4C54-A299-6FBB-98861EB4409D}"/>
+              </a:ext>
+            </a:extLst>
+          </p:cNvPr>
+          <p:cNvSpPr>
+            <a:spLocks noGrp="1"/>
+          </p:cNvSpPr>
+          <p:nvPr>
+            <p:ph type="title"/>
+          </p:nvPr>
+        </p:nvSpPr>
+        <p:spPr>
+          <a:xfrm>
+            <a:off x="838200" y="365125"/>
+            <a:ext cx="10515600" cy="1325563"/>
+          </a:xfrm>
+        </p:spPr>
+        <p:txBody>
+          <a:bodyPr>
+            <a:normAutofit/>
+          </a:bodyPr>
+          <a:lstStyle/>
+          <a:p>
+            <a:r>
+              <a:rPr lang="en-US" sz="5400" dirty="0"/>
+              <a:t>References</a:t>
+            </a:r>
+          </a:p>
+        </p:txBody>
+      </p:sp>
+      <p:sp>
+        <p:nvSpPr>
+          <p:cNvPr id="3" name="Content Placeholder 2">
+            <a:extLst>
+              <a:ext uri="{FF2B5EF4-FFF2-40B4-BE49-F238E27FC236}">
+                <a16:creationId xmlns:a16="http://schemas.microsoft.com/office/drawing/2014/main" id="{1A4F51D5-6BC1-1274-8E2F-F3C8FF7076CB}"/>
+              </a:ext>
+            </a:extLst>
+          </p:cNvPr>
+          <p:cNvSpPr>
+            <a:spLocks noGrp="1"/>
+          </p:cNvSpPr>
+          <p:nvPr>
+            <p:ph idx="1"/>
+          </p:nvPr>
+        </p:nvSpPr>
+        <p:spPr>
+          <a:xfrm>
+            <a:off x="838200" y="1929384"/>
+            <a:ext cx="10515600" cy="4251960"/>
+          </a:xfrm>
+        </p:spPr>
+        <p:txBody>
+          <a:bodyPr>
+            <a:normAutofit/>
+          </a:bodyPr>
+          <a:lstStyle/>
+          <a:p>
+            <a:pPr lvl="1"/>
+            <a:r>
+              <a:rPr lang="en-US" sz="1800" dirty="0"/>
+              <a:t>Nathan will do this near the end c:</a:t>
+            </a:r>
+          </a:p>
+        </p:txBody>
+      </p:sp>
+    </p:spTree>
+    <p:extLst>
+      <p:ext uri="{BB962C8B-B14F-4D97-AF65-F5344CB8AC3E}">
+        <p14:creationId xmlns:p14="http://schemas.microsoft.com/office/powerpoint/2010/main" val="992601287"/>
+      </p:ext>
+    </p:extLst>
+  </p:cSld>
+  <p:clrMapOvr>
+    <a:masterClrMapping/>
+  </p:clrMapOvr>
+</p:sld>
+</file>
+
+<file path=ppt/slides/slide22.xml><?xml version="1.0" encoding="utf-8"?>
 <p:sld xmlns:a="http://schemas.openxmlformats.org/drawingml/2006/main" xmlns:r="http://schemas.openxmlformats.org/officeDocument/2006/relationships" xmlns:p="http://schemas.openxmlformats.org/presentationml/2006/main">
   <p:cSld>
     <p:spTree>
@@ -14728,841 +15973,6 @@
     <p:extLst>
       <p:ext uri="{BB962C8B-B14F-4D97-AF65-F5344CB8AC3E}">
         <p14:creationId xmlns:p14="http://schemas.microsoft.com/office/powerpoint/2010/main" val="3288662779"/>
-      </p:ext>
-    </p:extLst>
-  </p:cSld>
-  <p:clrMapOvr>
-    <a:masterClrMapping/>
-  </p:clrMapOvr>
-</p:sld>
-</file>
-
-<file path=ppt/slides/slide2.xml><?xml version="1.0" encoding="utf-8"?>
-<p:sld xmlns:a="http://schemas.openxmlformats.org/drawingml/2006/main" xmlns:r="http://schemas.openxmlformats.org/officeDocument/2006/relationships" xmlns:p="http://schemas.openxmlformats.org/presentationml/2006/main">
-  <p:cSld>
-    <p:bg>
-      <p:bgPr>
-        <a:solidFill>
-          <a:schemeClr val="bg1"/>
-        </a:solidFill>
-        <a:effectLst/>
-      </p:bgPr>
-    </p:bg>
-    <p:spTree>
-      <p:nvGrpSpPr>
-        <p:cNvPr id="1" name=""/>
-        <p:cNvGrpSpPr/>
-        <p:nvPr/>
-      </p:nvGrpSpPr>
-      <p:grpSpPr>
-        <a:xfrm>
-          <a:off x="0" y="0"/>
-          <a:ext cx="0" cy="0"/>
-          <a:chOff x="0" y="0"/>
-          <a:chExt cx="0" cy="0"/>
-        </a:xfrm>
-      </p:grpSpPr>
-      <p:sp useBgFill="1">
-        <p:nvSpPr>
-          <p:cNvPr id="8" name="Rectangle 7">
-            <a:extLst>
-              <a:ext uri="{FF2B5EF4-FFF2-40B4-BE49-F238E27FC236}">
-                <a16:creationId xmlns:a16="http://schemas.microsoft.com/office/drawing/2014/main" id="{100EDD19-6802-4EC3-95CE-CFFAB042CFD6}"/>
-              </a:ext>
-              <a:ext uri="{C183D7F6-B498-43B3-948B-1728B52AA6E4}">
-                <adec:decorative xmlns:adec="http://schemas.microsoft.com/office/drawing/2017/decorative" val="1"/>
-              </a:ext>
-            </a:extLst>
-          </p:cNvPr>
-          <p:cNvSpPr>
-            <a:spLocks noGrp="1" noRot="1" noChangeAspect="1" noMove="1" noResize="1" noEditPoints="1" noAdjustHandles="1" noChangeArrowheads="1" noChangeShapeType="1" noTextEdit="1"/>
-          </p:cNvSpPr>
-          <p:nvPr>
-            <p:extLst>
-              <p:ext uri="{386F3935-93C4-4BCD-93E2-E3B085C9AB24}">
-                <p16:designElem xmlns:p16="http://schemas.microsoft.com/office/powerpoint/2015/main" val="1"/>
-              </p:ext>
-            </p:extLst>
-          </p:nvPr>
-        </p:nvSpPr>
-        <p:spPr>
-          <a:xfrm>
-            <a:off x="0" y="0"/>
-            <a:ext cx="12188952" cy="6858000"/>
-          </a:xfrm>
-          <a:prstGeom prst="rect">
-            <a:avLst/>
-          </a:prstGeom>
-          <a:ln>
-            <a:noFill/>
-          </a:ln>
-        </p:spPr>
-        <p:style>
-          <a:lnRef idx="2">
-            <a:schemeClr val="accent1">
-              <a:shade val="50000"/>
-            </a:schemeClr>
-          </a:lnRef>
-          <a:fillRef idx="1">
-            <a:schemeClr val="accent1"/>
-          </a:fillRef>
-          <a:effectRef idx="0">
-            <a:schemeClr val="accent1"/>
-          </a:effectRef>
-          <a:fontRef idx="minor">
-            <a:schemeClr val="lt1"/>
-          </a:fontRef>
-        </p:style>
-        <p:txBody>
-          <a:bodyPr rtlCol="0" anchor="ctr"/>
-          <a:lstStyle/>
-          <a:p>
-            <a:pPr algn="ctr"/>
-            <a:endParaRPr lang="en-US"/>
-          </a:p>
-        </p:txBody>
-      </p:sp>
-      <p:sp>
-        <p:nvSpPr>
-          <p:cNvPr id="2" name="Title 1">
-            <a:extLst>
-              <a:ext uri="{FF2B5EF4-FFF2-40B4-BE49-F238E27FC236}">
-                <a16:creationId xmlns:a16="http://schemas.microsoft.com/office/drawing/2014/main" id="{DBE75319-DCBD-C53A-118E-BF8F5E5AC2E3}"/>
-              </a:ext>
-            </a:extLst>
-          </p:cNvPr>
-          <p:cNvSpPr>
-            <a:spLocks noGrp="1"/>
-          </p:cNvSpPr>
-          <p:nvPr>
-            <p:ph type="title"/>
-          </p:nvPr>
-        </p:nvSpPr>
-        <p:spPr>
-          <a:xfrm>
-            <a:off x="838200" y="365125"/>
-            <a:ext cx="10515600" cy="1325563"/>
-          </a:xfrm>
-        </p:spPr>
-        <p:txBody>
-          <a:bodyPr>
-            <a:normAutofit/>
-          </a:bodyPr>
-          <a:lstStyle/>
-          <a:p>
-            <a:r>
-              <a:rPr lang="en-US" sz="5400"/>
-              <a:t>Objectives</a:t>
-            </a:r>
-          </a:p>
-        </p:txBody>
-      </p:sp>
-      <p:sp>
-        <p:nvSpPr>
-          <p:cNvPr id="10" name="sketch line">
-            <a:extLst>
-              <a:ext uri="{FF2B5EF4-FFF2-40B4-BE49-F238E27FC236}">
-                <a16:creationId xmlns:a16="http://schemas.microsoft.com/office/drawing/2014/main" id="{DB17E863-922E-4C26-BD64-E8FD41D28661}"/>
-              </a:ext>
-              <a:ext uri="{C183D7F6-B498-43B3-948B-1728B52AA6E4}">
-                <adec:decorative xmlns:adec="http://schemas.microsoft.com/office/drawing/2017/decorative" val="1"/>
-              </a:ext>
-            </a:extLst>
-          </p:cNvPr>
-          <p:cNvSpPr>
-            <a:spLocks noGrp="1" noRot="1" noChangeAspect="1" noMove="1" noResize="1" noEditPoints="1" noAdjustHandles="1" noChangeArrowheads="1" noChangeShapeType="1" noTextEdit="1"/>
-          </p:cNvSpPr>
-          <p:nvPr>
-            <p:extLst>
-              <p:ext uri="{386F3935-93C4-4BCD-93E2-E3B085C9AB24}">
-                <p16:designElem xmlns:p16="http://schemas.microsoft.com/office/powerpoint/2015/main" val="1"/>
-              </p:ext>
-            </p:extLst>
-          </p:nvPr>
-        </p:nvSpPr>
-        <p:spPr>
-          <a:xfrm>
-            <a:off x="669036" y="1677373"/>
-            <a:ext cx="10853928" cy="18288"/>
-          </a:xfrm>
-          <a:custGeom>
-            <a:avLst/>
-            <a:gdLst>
-              <a:gd name="connsiteX0" fmla="*/ 0 w 10853928"/>
-              <a:gd name="connsiteY0" fmla="*/ 0 h 18288"/>
-              <a:gd name="connsiteX1" fmla="*/ 461292 w 10853928"/>
-              <a:gd name="connsiteY1" fmla="*/ 0 h 18288"/>
-              <a:gd name="connsiteX2" fmla="*/ 1139662 w 10853928"/>
-              <a:gd name="connsiteY2" fmla="*/ 0 h 18288"/>
-              <a:gd name="connsiteX3" fmla="*/ 1926572 w 10853928"/>
-              <a:gd name="connsiteY3" fmla="*/ 0 h 18288"/>
-              <a:gd name="connsiteX4" fmla="*/ 2279325 w 10853928"/>
-              <a:gd name="connsiteY4" fmla="*/ 0 h 18288"/>
-              <a:gd name="connsiteX5" fmla="*/ 2632078 w 10853928"/>
-              <a:gd name="connsiteY5" fmla="*/ 0 h 18288"/>
-              <a:gd name="connsiteX6" fmla="*/ 3527527 w 10853928"/>
-              <a:gd name="connsiteY6" fmla="*/ 0 h 18288"/>
-              <a:gd name="connsiteX7" fmla="*/ 4205897 w 10853928"/>
-              <a:gd name="connsiteY7" fmla="*/ 0 h 18288"/>
-              <a:gd name="connsiteX8" fmla="*/ 4558650 w 10853928"/>
-              <a:gd name="connsiteY8" fmla="*/ 0 h 18288"/>
-              <a:gd name="connsiteX9" fmla="*/ 5237020 w 10853928"/>
-              <a:gd name="connsiteY9" fmla="*/ 0 h 18288"/>
-              <a:gd name="connsiteX10" fmla="*/ 6132469 w 10853928"/>
-              <a:gd name="connsiteY10" fmla="*/ 0 h 18288"/>
-              <a:gd name="connsiteX11" fmla="*/ 6702301 w 10853928"/>
-              <a:gd name="connsiteY11" fmla="*/ 0 h 18288"/>
-              <a:gd name="connsiteX12" fmla="*/ 7272132 w 10853928"/>
-              <a:gd name="connsiteY12" fmla="*/ 0 h 18288"/>
-              <a:gd name="connsiteX13" fmla="*/ 7950502 w 10853928"/>
-              <a:gd name="connsiteY13" fmla="*/ 0 h 18288"/>
-              <a:gd name="connsiteX14" fmla="*/ 8737412 w 10853928"/>
-              <a:gd name="connsiteY14" fmla="*/ 0 h 18288"/>
-              <a:gd name="connsiteX15" fmla="*/ 9524322 w 10853928"/>
-              <a:gd name="connsiteY15" fmla="*/ 0 h 18288"/>
-              <a:gd name="connsiteX16" fmla="*/ 10853928 w 10853928"/>
-              <a:gd name="connsiteY16" fmla="*/ 0 h 18288"/>
-              <a:gd name="connsiteX17" fmla="*/ 10853928 w 10853928"/>
-              <a:gd name="connsiteY17" fmla="*/ 18288 h 18288"/>
-              <a:gd name="connsiteX18" fmla="*/ 10392636 w 10853928"/>
-              <a:gd name="connsiteY18" fmla="*/ 18288 h 18288"/>
-              <a:gd name="connsiteX19" fmla="*/ 9497187 w 10853928"/>
-              <a:gd name="connsiteY19" fmla="*/ 18288 h 18288"/>
-              <a:gd name="connsiteX20" fmla="*/ 8818817 w 10853928"/>
-              <a:gd name="connsiteY20" fmla="*/ 18288 h 18288"/>
-              <a:gd name="connsiteX21" fmla="*/ 8466064 w 10853928"/>
-              <a:gd name="connsiteY21" fmla="*/ 18288 h 18288"/>
-              <a:gd name="connsiteX22" fmla="*/ 7787693 w 10853928"/>
-              <a:gd name="connsiteY22" fmla="*/ 18288 h 18288"/>
-              <a:gd name="connsiteX23" fmla="*/ 7217862 w 10853928"/>
-              <a:gd name="connsiteY23" fmla="*/ 18288 h 18288"/>
-              <a:gd name="connsiteX24" fmla="*/ 6648031 w 10853928"/>
-              <a:gd name="connsiteY24" fmla="*/ 18288 h 18288"/>
-              <a:gd name="connsiteX25" fmla="*/ 6078200 w 10853928"/>
-              <a:gd name="connsiteY25" fmla="*/ 18288 h 18288"/>
-              <a:gd name="connsiteX26" fmla="*/ 5508368 w 10853928"/>
-              <a:gd name="connsiteY26" fmla="*/ 18288 h 18288"/>
-              <a:gd name="connsiteX27" fmla="*/ 4721459 w 10853928"/>
-              <a:gd name="connsiteY27" fmla="*/ 18288 h 18288"/>
-              <a:gd name="connsiteX28" fmla="*/ 4043088 w 10853928"/>
-              <a:gd name="connsiteY28" fmla="*/ 18288 h 18288"/>
-              <a:gd name="connsiteX29" fmla="*/ 3690336 w 10853928"/>
-              <a:gd name="connsiteY29" fmla="*/ 18288 h 18288"/>
-              <a:gd name="connsiteX30" fmla="*/ 3120504 w 10853928"/>
-              <a:gd name="connsiteY30" fmla="*/ 18288 h 18288"/>
-              <a:gd name="connsiteX31" fmla="*/ 2333595 w 10853928"/>
-              <a:gd name="connsiteY31" fmla="*/ 18288 h 18288"/>
-              <a:gd name="connsiteX32" fmla="*/ 1872303 w 10853928"/>
-              <a:gd name="connsiteY32" fmla="*/ 18288 h 18288"/>
-              <a:gd name="connsiteX33" fmla="*/ 976854 w 10853928"/>
-              <a:gd name="connsiteY33" fmla="*/ 18288 h 18288"/>
-              <a:gd name="connsiteX34" fmla="*/ 0 w 10853928"/>
-              <a:gd name="connsiteY34" fmla="*/ 18288 h 18288"/>
-              <a:gd name="connsiteX35" fmla="*/ 0 w 10853928"/>
-              <a:gd name="connsiteY35" fmla="*/ 0 h 18288"/>
-            </a:gdLst>
-            <a:ahLst/>
-            <a:cxnLst>
-              <a:cxn ang="0">
-                <a:pos x="connsiteX0" y="connsiteY0"/>
-              </a:cxn>
-              <a:cxn ang="0">
-                <a:pos x="connsiteX1" y="connsiteY1"/>
-              </a:cxn>
-              <a:cxn ang="0">
-                <a:pos x="connsiteX2" y="connsiteY2"/>
-              </a:cxn>
-              <a:cxn ang="0">
-                <a:pos x="connsiteX3" y="connsiteY3"/>
-              </a:cxn>
-              <a:cxn ang="0">
-                <a:pos x="connsiteX4" y="connsiteY4"/>
-              </a:cxn>
-              <a:cxn ang="0">
-                <a:pos x="connsiteX5" y="connsiteY5"/>
-              </a:cxn>
-              <a:cxn ang="0">
-                <a:pos x="connsiteX6" y="connsiteY6"/>
-              </a:cxn>
-              <a:cxn ang="0">
-                <a:pos x="connsiteX7" y="connsiteY7"/>
-              </a:cxn>
-              <a:cxn ang="0">
-                <a:pos x="connsiteX8" y="connsiteY8"/>
-              </a:cxn>
-              <a:cxn ang="0">
-                <a:pos x="connsiteX9" y="connsiteY9"/>
-              </a:cxn>
-              <a:cxn ang="0">
-                <a:pos x="connsiteX10" y="connsiteY10"/>
-              </a:cxn>
-              <a:cxn ang="0">
-                <a:pos x="connsiteX11" y="connsiteY11"/>
-              </a:cxn>
-              <a:cxn ang="0">
-                <a:pos x="connsiteX12" y="connsiteY12"/>
-              </a:cxn>
-              <a:cxn ang="0">
-                <a:pos x="connsiteX13" y="connsiteY13"/>
-              </a:cxn>
-              <a:cxn ang="0">
-                <a:pos x="connsiteX14" y="connsiteY14"/>
-              </a:cxn>
-              <a:cxn ang="0">
-                <a:pos x="connsiteX15" y="connsiteY15"/>
-              </a:cxn>
-              <a:cxn ang="0">
-                <a:pos x="connsiteX16" y="connsiteY16"/>
-              </a:cxn>
-              <a:cxn ang="0">
-                <a:pos x="connsiteX17" y="connsiteY17"/>
-              </a:cxn>
-              <a:cxn ang="0">
-                <a:pos x="connsiteX18" y="connsiteY18"/>
-              </a:cxn>
-              <a:cxn ang="0">
-                <a:pos x="connsiteX19" y="connsiteY19"/>
-              </a:cxn>
-              <a:cxn ang="0">
-                <a:pos x="connsiteX20" y="connsiteY20"/>
-              </a:cxn>
-              <a:cxn ang="0">
-                <a:pos x="connsiteX21" y="connsiteY21"/>
-              </a:cxn>
-              <a:cxn ang="0">
-                <a:pos x="connsiteX22" y="connsiteY22"/>
-              </a:cxn>
-              <a:cxn ang="0">
-                <a:pos x="connsiteX23" y="connsiteY23"/>
-              </a:cxn>
-              <a:cxn ang="0">
-                <a:pos x="connsiteX24" y="connsiteY24"/>
-              </a:cxn>
-              <a:cxn ang="0">
-                <a:pos x="connsiteX25" y="connsiteY25"/>
-              </a:cxn>
-              <a:cxn ang="0">
-                <a:pos x="connsiteX26" y="connsiteY26"/>
-              </a:cxn>
-              <a:cxn ang="0">
-                <a:pos x="connsiteX27" y="connsiteY27"/>
-              </a:cxn>
-              <a:cxn ang="0">
-                <a:pos x="connsiteX28" y="connsiteY28"/>
-              </a:cxn>
-              <a:cxn ang="0">
-                <a:pos x="connsiteX29" y="connsiteY29"/>
-              </a:cxn>
-              <a:cxn ang="0">
-                <a:pos x="connsiteX30" y="connsiteY30"/>
-              </a:cxn>
-              <a:cxn ang="0">
-                <a:pos x="connsiteX31" y="connsiteY31"/>
-              </a:cxn>
-              <a:cxn ang="0">
-                <a:pos x="connsiteX32" y="connsiteY32"/>
-              </a:cxn>
-              <a:cxn ang="0">
-                <a:pos x="connsiteX33" y="connsiteY33"/>
-              </a:cxn>
-              <a:cxn ang="0">
-                <a:pos x="connsiteX34" y="connsiteY34"/>
-              </a:cxn>
-              <a:cxn ang="0">
-                <a:pos x="connsiteX35" y="connsiteY35"/>
-              </a:cxn>
-            </a:cxnLst>
-            <a:rect l="l" t="t" r="r" b="b"/>
-            <a:pathLst>
-              <a:path w="10853928" h="18288" fill="none" extrusionOk="0">
-                <a:moveTo>
-                  <a:pt x="0" y="0"/>
-                </a:moveTo>
-                <a:cubicBezTo>
-                  <a:pt x="146993" y="-19076"/>
-                  <a:pt x="347684" y="-4790"/>
-                  <a:pt x="461292" y="0"/>
-                </a:cubicBezTo>
-                <a:cubicBezTo>
-                  <a:pt x="574900" y="4790"/>
-                  <a:pt x="808367" y="19821"/>
-                  <a:pt x="1139662" y="0"/>
-                </a:cubicBezTo>
-                <a:cubicBezTo>
-                  <a:pt x="1470957" y="-19821"/>
-                  <a:pt x="1627405" y="5721"/>
-                  <a:pt x="1926572" y="0"/>
-                </a:cubicBezTo>
-                <a:cubicBezTo>
-                  <a:pt x="2225739" y="-5721"/>
-                  <a:pt x="2137730" y="-3235"/>
-                  <a:pt x="2279325" y="0"/>
-                </a:cubicBezTo>
-                <a:cubicBezTo>
-                  <a:pt x="2420920" y="3235"/>
-                  <a:pt x="2456518" y="9685"/>
-                  <a:pt x="2632078" y="0"/>
-                </a:cubicBezTo>
-                <a:cubicBezTo>
-                  <a:pt x="2807638" y="-9685"/>
-                  <a:pt x="3211516" y="-43007"/>
-                  <a:pt x="3527527" y="0"/>
-                </a:cubicBezTo>
-                <a:cubicBezTo>
-                  <a:pt x="3843538" y="43007"/>
-                  <a:pt x="4058833" y="22042"/>
-                  <a:pt x="4205897" y="0"/>
-                </a:cubicBezTo>
-                <a:cubicBezTo>
-                  <a:pt x="4352961" y="-22042"/>
-                  <a:pt x="4474805" y="-11846"/>
-                  <a:pt x="4558650" y="0"/>
-                </a:cubicBezTo>
-                <a:cubicBezTo>
-                  <a:pt x="4642495" y="11846"/>
-                  <a:pt x="5041928" y="-6069"/>
-                  <a:pt x="5237020" y="0"/>
-                </a:cubicBezTo>
-                <a:cubicBezTo>
-                  <a:pt x="5432112" y="6069"/>
-                  <a:pt x="5943266" y="-17479"/>
-                  <a:pt x="6132469" y="0"/>
-                </a:cubicBezTo>
-                <a:cubicBezTo>
-                  <a:pt x="6321672" y="17479"/>
-                  <a:pt x="6483872" y="26234"/>
-                  <a:pt x="6702301" y="0"/>
-                </a:cubicBezTo>
-                <a:cubicBezTo>
-                  <a:pt x="6920730" y="-26234"/>
-                  <a:pt x="6991194" y="-15156"/>
-                  <a:pt x="7272132" y="0"/>
-                </a:cubicBezTo>
-                <a:cubicBezTo>
-                  <a:pt x="7553070" y="15156"/>
-                  <a:pt x="7684444" y="-32961"/>
-                  <a:pt x="7950502" y="0"/>
-                </a:cubicBezTo>
-                <a:cubicBezTo>
-                  <a:pt x="8216560" y="32961"/>
-                  <a:pt x="8493290" y="-10491"/>
-                  <a:pt x="8737412" y="0"/>
-                </a:cubicBezTo>
-                <a:cubicBezTo>
-                  <a:pt x="8981534" y="10491"/>
-                  <a:pt x="9191586" y="-13899"/>
-                  <a:pt x="9524322" y="0"/>
-                </a:cubicBezTo>
-                <a:cubicBezTo>
-                  <a:pt x="9857058" y="13899"/>
-                  <a:pt x="10297509" y="7485"/>
-                  <a:pt x="10853928" y="0"/>
-                </a:cubicBezTo>
-                <a:cubicBezTo>
-                  <a:pt x="10854574" y="4451"/>
-                  <a:pt x="10854418" y="9226"/>
-                  <a:pt x="10853928" y="18288"/>
-                </a:cubicBezTo>
-                <a:cubicBezTo>
-                  <a:pt x="10691638" y="28522"/>
-                  <a:pt x="10574319" y="29578"/>
-                  <a:pt x="10392636" y="18288"/>
-                </a:cubicBezTo>
-                <a:cubicBezTo>
-                  <a:pt x="10210953" y="6998"/>
-                  <a:pt x="9836277" y="-16742"/>
-                  <a:pt x="9497187" y="18288"/>
-                </a:cubicBezTo>
-                <a:cubicBezTo>
-                  <a:pt x="9158097" y="53318"/>
-                  <a:pt x="9119479" y="30714"/>
-                  <a:pt x="8818817" y="18288"/>
-                </a:cubicBezTo>
-                <a:cubicBezTo>
-                  <a:pt x="8518155" y="5863"/>
-                  <a:pt x="8640037" y="6483"/>
-                  <a:pt x="8466064" y="18288"/>
-                </a:cubicBezTo>
-                <a:cubicBezTo>
-                  <a:pt x="8292091" y="30093"/>
-                  <a:pt x="7997656" y="18914"/>
-                  <a:pt x="7787693" y="18288"/>
-                </a:cubicBezTo>
-                <a:cubicBezTo>
-                  <a:pt x="7577730" y="17662"/>
-                  <a:pt x="7412468" y="21416"/>
-                  <a:pt x="7217862" y="18288"/>
-                </a:cubicBezTo>
-                <a:cubicBezTo>
-                  <a:pt x="7023256" y="15160"/>
-                  <a:pt x="6898018" y="14824"/>
-                  <a:pt x="6648031" y="18288"/>
-                </a:cubicBezTo>
-                <a:cubicBezTo>
-                  <a:pt x="6398044" y="21752"/>
-                  <a:pt x="6254402" y="38625"/>
-                  <a:pt x="6078200" y="18288"/>
-                </a:cubicBezTo>
-                <a:cubicBezTo>
-                  <a:pt x="5901998" y="-2049"/>
-                  <a:pt x="5622886" y="3213"/>
-                  <a:pt x="5508368" y="18288"/>
-                </a:cubicBezTo>
-                <a:cubicBezTo>
-                  <a:pt x="5393850" y="33363"/>
-                  <a:pt x="5036260" y="26830"/>
-                  <a:pt x="4721459" y="18288"/>
-                </a:cubicBezTo>
-                <a:cubicBezTo>
-                  <a:pt x="4406658" y="9746"/>
-                  <a:pt x="4239221" y="41551"/>
-                  <a:pt x="4043088" y="18288"/>
-                </a:cubicBezTo>
-                <a:cubicBezTo>
-                  <a:pt x="3846955" y="-4975"/>
-                  <a:pt x="3818802" y="34658"/>
-                  <a:pt x="3690336" y="18288"/>
-                </a:cubicBezTo>
-                <a:cubicBezTo>
-                  <a:pt x="3561870" y="1918"/>
-                  <a:pt x="3265491" y="42194"/>
-                  <a:pt x="3120504" y="18288"/>
-                </a:cubicBezTo>
-                <a:cubicBezTo>
-                  <a:pt x="2975517" y="-5618"/>
-                  <a:pt x="2720254" y="36673"/>
-                  <a:pt x="2333595" y="18288"/>
-                </a:cubicBezTo>
-                <a:cubicBezTo>
-                  <a:pt x="1946936" y="-97"/>
-                  <a:pt x="2097241" y="5776"/>
-                  <a:pt x="1872303" y="18288"/>
-                </a:cubicBezTo>
-                <a:cubicBezTo>
-                  <a:pt x="1647365" y="30800"/>
-                  <a:pt x="1282708" y="45380"/>
-                  <a:pt x="976854" y="18288"/>
-                </a:cubicBezTo>
-                <a:cubicBezTo>
-                  <a:pt x="671000" y="-8804"/>
-                  <a:pt x="408401" y="-12775"/>
-                  <a:pt x="0" y="18288"/>
-                </a:cubicBezTo>
-                <a:cubicBezTo>
-                  <a:pt x="-213" y="9468"/>
-                  <a:pt x="187" y="4459"/>
-                  <a:pt x="0" y="0"/>
-                </a:cubicBezTo>
-                <a:close/>
-              </a:path>
-              <a:path w="10853928" h="18288" stroke="0" extrusionOk="0">
-                <a:moveTo>
-                  <a:pt x="0" y="0"/>
-                </a:moveTo>
-                <a:cubicBezTo>
-                  <a:pt x="267322" y="15284"/>
-                  <a:pt x="415388" y="-21048"/>
-                  <a:pt x="569831" y="0"/>
-                </a:cubicBezTo>
-                <a:cubicBezTo>
-                  <a:pt x="724274" y="21048"/>
-                  <a:pt x="769333" y="-2353"/>
-                  <a:pt x="922584" y="0"/>
-                </a:cubicBezTo>
-                <a:cubicBezTo>
-                  <a:pt x="1075835" y="2353"/>
-                  <a:pt x="1399490" y="-145"/>
-                  <a:pt x="1818033" y="0"/>
-                </a:cubicBezTo>
-                <a:cubicBezTo>
-                  <a:pt x="2236576" y="145"/>
-                  <a:pt x="2145330" y="5482"/>
-                  <a:pt x="2387864" y="0"/>
-                </a:cubicBezTo>
-                <a:cubicBezTo>
-                  <a:pt x="2630398" y="-5482"/>
-                  <a:pt x="2793207" y="18487"/>
-                  <a:pt x="2957695" y="0"/>
-                </a:cubicBezTo>
-                <a:cubicBezTo>
-                  <a:pt x="3122183" y="-18487"/>
-                  <a:pt x="3579141" y="19003"/>
-                  <a:pt x="3853144" y="0"/>
-                </a:cubicBezTo>
-                <a:cubicBezTo>
-                  <a:pt x="4127147" y="-19003"/>
-                  <a:pt x="4209857" y="12211"/>
-                  <a:pt x="4314436" y="0"/>
-                </a:cubicBezTo>
-                <a:cubicBezTo>
-                  <a:pt x="4419015" y="-12211"/>
-                  <a:pt x="4762459" y="-17220"/>
-                  <a:pt x="5209885" y="0"/>
-                </a:cubicBezTo>
-                <a:cubicBezTo>
-                  <a:pt x="5657311" y="17220"/>
-                  <a:pt x="5692663" y="-3290"/>
-                  <a:pt x="6105335" y="0"/>
-                </a:cubicBezTo>
-                <a:cubicBezTo>
-                  <a:pt x="6518007" y="3290"/>
-                  <a:pt x="6455516" y="-5124"/>
-                  <a:pt x="6783705" y="0"/>
-                </a:cubicBezTo>
-                <a:cubicBezTo>
-                  <a:pt x="7111894" y="5124"/>
-                  <a:pt x="7441941" y="-17829"/>
-                  <a:pt x="7679154" y="0"/>
-                </a:cubicBezTo>
-                <a:cubicBezTo>
-                  <a:pt x="7916367" y="17829"/>
-                  <a:pt x="8102967" y="-24363"/>
-                  <a:pt x="8248985" y="0"/>
-                </a:cubicBezTo>
-                <a:cubicBezTo>
-                  <a:pt x="8395003" y="24363"/>
-                  <a:pt x="8552393" y="25505"/>
-                  <a:pt x="8818817" y="0"/>
-                </a:cubicBezTo>
-                <a:cubicBezTo>
-                  <a:pt x="9085241" y="-25505"/>
-                  <a:pt x="9411308" y="38000"/>
-                  <a:pt x="9605726" y="0"/>
-                </a:cubicBezTo>
-                <a:cubicBezTo>
-                  <a:pt x="9800144" y="-38000"/>
-                  <a:pt x="10006468" y="-25741"/>
-                  <a:pt x="10175558" y="0"/>
-                </a:cubicBezTo>
-                <a:cubicBezTo>
-                  <a:pt x="10344648" y="25741"/>
-                  <a:pt x="10696282" y="695"/>
-                  <a:pt x="10853928" y="0"/>
-                </a:cubicBezTo>
-                <a:cubicBezTo>
-                  <a:pt x="10853521" y="8690"/>
-                  <a:pt x="10853774" y="14141"/>
-                  <a:pt x="10853928" y="18288"/>
-                </a:cubicBezTo>
-                <a:cubicBezTo>
-                  <a:pt x="10608124" y="24255"/>
-                  <a:pt x="10343415" y="22307"/>
-                  <a:pt x="10067018" y="18288"/>
-                </a:cubicBezTo>
-                <a:cubicBezTo>
-                  <a:pt x="9790621" y="14270"/>
-                  <a:pt x="9843266" y="3564"/>
-                  <a:pt x="9714266" y="18288"/>
-                </a:cubicBezTo>
-                <a:cubicBezTo>
-                  <a:pt x="9585266" y="33012"/>
-                  <a:pt x="9379484" y="1875"/>
-                  <a:pt x="9252974" y="18288"/>
-                </a:cubicBezTo>
-                <a:cubicBezTo>
-                  <a:pt x="9126464" y="34701"/>
-                  <a:pt x="8580678" y="-4904"/>
-                  <a:pt x="8357525" y="18288"/>
-                </a:cubicBezTo>
-                <a:cubicBezTo>
-                  <a:pt x="8134372" y="41480"/>
-                  <a:pt x="7903199" y="26458"/>
-                  <a:pt x="7679154" y="18288"/>
-                </a:cubicBezTo>
-                <a:cubicBezTo>
-                  <a:pt x="7455109" y="10118"/>
-                  <a:pt x="7435944" y="27109"/>
-                  <a:pt x="7217862" y="18288"/>
-                </a:cubicBezTo>
-                <a:cubicBezTo>
-                  <a:pt x="6999780" y="9467"/>
-                  <a:pt x="6680409" y="18985"/>
-                  <a:pt x="6539492" y="18288"/>
-                </a:cubicBezTo>
-                <a:cubicBezTo>
-                  <a:pt x="6398575" y="17592"/>
-                  <a:pt x="6312077" y="33018"/>
-                  <a:pt x="6186739" y="18288"/>
-                </a:cubicBezTo>
-                <a:cubicBezTo>
-                  <a:pt x="6061401" y="3558"/>
-                  <a:pt x="5947033" y="12075"/>
-                  <a:pt x="5833986" y="18288"/>
-                </a:cubicBezTo>
-                <a:cubicBezTo>
-                  <a:pt x="5720939" y="24501"/>
-                  <a:pt x="5482226" y="8586"/>
-                  <a:pt x="5155616" y="18288"/>
-                </a:cubicBezTo>
-                <a:cubicBezTo>
-                  <a:pt x="4829006" y="27991"/>
-                  <a:pt x="4841274" y="29316"/>
-                  <a:pt x="4694324" y="18288"/>
-                </a:cubicBezTo>
-                <a:cubicBezTo>
-                  <a:pt x="4547374" y="7260"/>
-                  <a:pt x="4077675" y="7013"/>
-                  <a:pt x="3907414" y="18288"/>
-                </a:cubicBezTo>
-                <a:cubicBezTo>
-                  <a:pt x="3737153" y="29564"/>
-                  <a:pt x="3538393" y="21630"/>
-                  <a:pt x="3446122" y="18288"/>
-                </a:cubicBezTo>
-                <a:cubicBezTo>
-                  <a:pt x="3353851" y="14946"/>
-                  <a:pt x="2990320" y="-8091"/>
-                  <a:pt x="2659212" y="18288"/>
-                </a:cubicBezTo>
-                <a:cubicBezTo>
-                  <a:pt x="2328104" y="44667"/>
-                  <a:pt x="2427653" y="9607"/>
-                  <a:pt x="2306460" y="18288"/>
-                </a:cubicBezTo>
-                <a:cubicBezTo>
-                  <a:pt x="2185267" y="26969"/>
-                  <a:pt x="1719763" y="3717"/>
-                  <a:pt x="1519550" y="18288"/>
-                </a:cubicBezTo>
-                <a:cubicBezTo>
-                  <a:pt x="1319337" y="32860"/>
-                  <a:pt x="1167371" y="17040"/>
-                  <a:pt x="1058258" y="18288"/>
-                </a:cubicBezTo>
-                <a:cubicBezTo>
-                  <a:pt x="949145" y="19536"/>
-                  <a:pt x="780234" y="31447"/>
-                  <a:pt x="705505" y="18288"/>
-                </a:cubicBezTo>
-                <a:cubicBezTo>
-                  <a:pt x="630776" y="5129"/>
-                  <a:pt x="215796" y="30056"/>
-                  <a:pt x="0" y="18288"/>
-                </a:cubicBezTo>
-                <a:cubicBezTo>
-                  <a:pt x="-53" y="11301"/>
-                  <a:pt x="-649" y="7756"/>
-                  <a:pt x="0" y="0"/>
-                </a:cubicBezTo>
-                <a:close/>
-              </a:path>
-            </a:pathLst>
-          </a:custGeom>
-          <a:solidFill>
-            <a:schemeClr val="accent2"/>
-          </a:solidFill>
-          <a:ln w="41275" cap="rnd">
-            <a:solidFill>
-              <a:schemeClr val="accent2"/>
-            </a:solidFill>
-            <a:round/>
-            <a:extLst>
-              <a:ext uri="{C807C97D-BFC1-408E-A445-0C87EB9F89A2}">
-                <ask:lineSketchStyleProps xmlns:ask="http://schemas.microsoft.com/office/drawing/2018/sketchyshapes" sd="1219033472">
-                  <a:prstGeom prst="rect">
-                    <a:avLst/>
-                  </a:prstGeom>
-                  <ask:type>
-                    <ask:lineSketchFreehand/>
-                  </ask:type>
-                </ask:lineSketchStyleProps>
-              </a:ext>
-            </a:extLst>
-          </a:ln>
-        </p:spPr>
-        <p:style>
-          <a:lnRef idx="2">
-            <a:schemeClr val="accent1">
-              <a:shade val="50000"/>
-            </a:schemeClr>
-          </a:lnRef>
-          <a:fillRef idx="1">
-            <a:schemeClr val="accent1"/>
-          </a:fillRef>
-          <a:effectRef idx="0">
-            <a:schemeClr val="accent1"/>
-          </a:effectRef>
-          <a:fontRef idx="minor">
-            <a:schemeClr val="lt1"/>
-          </a:fontRef>
-        </p:style>
-        <p:txBody>
-          <a:bodyPr rtlCol="0" anchor="ctr"/>
-          <a:lstStyle/>
-          <a:p>
-            <a:pPr algn="ctr"/>
-            <a:endParaRPr lang="en-US"/>
-          </a:p>
-        </p:txBody>
-      </p:sp>
-      <p:sp>
-        <p:nvSpPr>
-          <p:cNvPr id="3" name="Content Placeholder 2">
-            <a:extLst>
-              <a:ext uri="{FF2B5EF4-FFF2-40B4-BE49-F238E27FC236}">
-                <a16:creationId xmlns:a16="http://schemas.microsoft.com/office/drawing/2014/main" id="{21DACDEB-6882-22BF-55E9-76D9F9E5F7B9}"/>
-              </a:ext>
-            </a:extLst>
-          </p:cNvPr>
-          <p:cNvSpPr>
-            <a:spLocks noGrp="1"/>
-          </p:cNvSpPr>
-          <p:nvPr>
-            <p:ph idx="1"/>
-          </p:nvPr>
-        </p:nvSpPr>
-        <p:spPr>
-          <a:xfrm>
-            <a:off x="838200" y="1929384"/>
-            <a:ext cx="10515600" cy="4251960"/>
-          </a:xfrm>
-        </p:spPr>
-        <p:txBody>
-          <a:bodyPr>
-            <a:normAutofit/>
-          </a:bodyPr>
-          <a:lstStyle/>
-          <a:p>
-            <a:r>
-              <a:rPr lang="en-US" sz="2200" dirty="0"/>
-              <a:t>Design and build a traditional flight computer for Wildcat Rocketry</a:t>
-            </a:r>
-          </a:p>
-          <a:p>
-            <a:r>
-              <a:rPr lang="en-US" sz="2200" dirty="0"/>
-              <a:t>Be able to receive data during flight.</a:t>
-            </a:r>
-          </a:p>
-          <a:p>
-            <a:r>
-              <a:rPr lang="en-US" sz="2200" dirty="0"/>
-              <a:t>Accurately display flight data via </a:t>
-            </a:r>
-            <a:r>
-              <a:rPr lang="en-US" sz="2200" dirty="0" err="1"/>
-              <a:t>WiFi</a:t>
-            </a:r>
-            <a:r>
-              <a:rPr lang="en-US" sz="2200" dirty="0"/>
-              <a:t> or data export USB.</a:t>
-            </a:r>
-          </a:p>
-          <a:p>
-            <a:endParaRPr lang="en-US" sz="2200" dirty="0"/>
-          </a:p>
-          <a:p>
-            <a:r>
-              <a:rPr lang="en-US" sz="2200" dirty="0"/>
-              <a:t>POSSIBLY ADD PICTURE</a:t>
-            </a:r>
-          </a:p>
-        </p:txBody>
-      </p:sp>
-    </p:spTree>
-    <p:extLst>
-      <p:ext uri="{BB962C8B-B14F-4D97-AF65-F5344CB8AC3E}">
-        <p14:creationId xmlns:p14="http://schemas.microsoft.com/office/powerpoint/2010/main" val="1272993298"/>
       </p:ext>
     </p:extLst>
   </p:cSld>
@@ -20282,7 +20692,7 @@
           </a:p>
           <a:p>
             <a:r>
-              <a:rPr lang="en-US" sz="2200"/>
+              <a:rPr lang="en-US" sz="2200" dirty="0"/>
               <a:t>Used in application such as Tablets and VR/AR motion trackers</a:t>
             </a:r>
           </a:p>
@@ -20320,7 +20730,7 @@
         </p:blipFill>
         <p:spPr bwMode="auto">
           <a:xfrm>
-            <a:off x="8155963" y="329183"/>
+            <a:off x="8293608" y="1714015"/>
             <a:ext cx="3429969" cy="3429969"/>
           </a:xfrm>
           <a:prstGeom prst="rect">
@@ -20338,36 +20748,6 @@
           </a:extLst>
         </p:spPr>
       </p:pic>
-      <p:pic>
-        <p:nvPicPr>
-          <p:cNvPr id="5" name="Picture 4" descr="A computer screen shot of a circuit&#10;&#10;Description automatically generated">
-            <a:extLst>
-              <a:ext uri="{FF2B5EF4-FFF2-40B4-BE49-F238E27FC236}">
-                <a16:creationId xmlns:a16="http://schemas.microsoft.com/office/drawing/2014/main" id="{9F63B1EE-859C-7168-CB55-9529C9B78241}"/>
-              </a:ext>
-            </a:extLst>
-          </p:cNvPr>
-          <p:cNvPicPr>
-            <a:picLocks noChangeAspect="1"/>
-          </p:cNvPicPr>
-          <p:nvPr/>
-        </p:nvPicPr>
-        <p:blipFill>
-          <a:blip r:embed="rId4"/>
-          <a:stretch>
-            <a:fillRect/>
-          </a:stretch>
-        </p:blipFill>
-        <p:spPr>
-          <a:xfrm>
-            <a:off x="8092477" y="4079193"/>
-            <a:ext cx="3538653" cy="2176272"/>
-          </a:xfrm>
-          <a:prstGeom prst="rect">
-            <a:avLst/>
-          </a:prstGeom>
-        </p:spPr>
-      </p:pic>
     </p:spTree>
     <p:extLst>
       <p:ext uri="{BB962C8B-B14F-4D97-AF65-F5344CB8AC3E}">
@@ -20382,6 +20762,75 @@
 </file>
 
 <file path=ppt/slides/slide8.xml><?xml version="1.0" encoding="utf-8"?>
+<p:sld xmlns:a="http://schemas.openxmlformats.org/drawingml/2006/main" xmlns:r="http://schemas.openxmlformats.org/officeDocument/2006/relationships" xmlns:p="http://schemas.openxmlformats.org/presentationml/2006/main">
+  <p:cSld>
+    <p:bg>
+      <p:bgPr>
+        <a:solidFill>
+          <a:schemeClr val="bg1"/>
+        </a:solidFill>
+        <a:effectLst/>
+      </p:bgPr>
+    </p:bg>
+    <p:spTree>
+      <p:nvGrpSpPr>
+        <p:cNvPr id="1" name=""/>
+        <p:cNvGrpSpPr/>
+        <p:nvPr/>
+      </p:nvGrpSpPr>
+      <p:grpSpPr>
+        <a:xfrm>
+          <a:off x="0" y="0"/>
+          <a:ext cx="0" cy="0"/>
+          <a:chOff x="0" y="0"/>
+          <a:chExt cx="0" cy="0"/>
+        </a:xfrm>
+      </p:grpSpPr>
+      <p:pic>
+        <p:nvPicPr>
+          <p:cNvPr id="4" name="Content Placeholder 3" descr="A computer screen shot of a circuit&#10;&#10;Description automatically generated">
+            <a:extLst>
+              <a:ext uri="{FF2B5EF4-FFF2-40B4-BE49-F238E27FC236}">
+                <a16:creationId xmlns:a16="http://schemas.microsoft.com/office/drawing/2014/main" id="{F752718D-71AA-0A27-1F24-5862ED09A5E7}"/>
+              </a:ext>
+            </a:extLst>
+          </p:cNvPr>
+          <p:cNvPicPr>
+            <a:picLocks noGrp="1" noChangeAspect="1"/>
+          </p:cNvPicPr>
+          <p:nvPr>
+            <p:ph idx="1"/>
+          </p:nvPr>
+        </p:nvPicPr>
+        <p:blipFill>
+          <a:blip r:embed="rId2"/>
+          <a:srcRect t="5495" r="-2" b="3089"/>
+          <a:stretch/>
+        </p:blipFill>
+        <p:spPr>
+          <a:xfrm>
+            <a:off x="-6588" y="10"/>
+            <a:ext cx="12198588" cy="6857990"/>
+          </a:xfrm>
+          <a:prstGeom prst="rect">
+            <a:avLst/>
+          </a:prstGeom>
+        </p:spPr>
+      </p:pic>
+    </p:spTree>
+    <p:extLst>
+      <p:ext uri="{BB962C8B-B14F-4D97-AF65-F5344CB8AC3E}">
+        <p14:creationId xmlns:p14="http://schemas.microsoft.com/office/powerpoint/2010/main" val="2330902240"/>
+      </p:ext>
+    </p:extLst>
+  </p:cSld>
+  <p:clrMapOvr>
+    <a:masterClrMapping/>
+  </p:clrMapOvr>
+</p:sld>
+</file>
+
+<file path=ppt/slides/slide9.xml><?xml version="1.0" encoding="utf-8"?>
 <p:sld xmlns:a="http://schemas.openxmlformats.org/drawingml/2006/main" xmlns:r="http://schemas.openxmlformats.org/officeDocument/2006/relationships" xmlns:p="http://schemas.openxmlformats.org/presentationml/2006/main">
   <p:cSld>
     <p:bg>
@@ -20501,7 +20950,7 @@
           <a:lstStyle/>
           <a:p>
             <a:r>
-              <a:rPr lang="en-US" sz="5000"/>
+              <a:rPr lang="en-US" sz="5000" dirty="0"/>
               <a:t>Approach – PCB Design</a:t>
             </a:r>
           </a:p>
@@ -20827,232 +21276,72 @@
           </a:p>
         </p:txBody>
       </p:sp>
-      <p:pic>
-        <p:nvPicPr>
-          <p:cNvPr id="5" name="Picture 4" descr="A computer screen shot of a diagram&#10;&#10;Description automatically generated">
+      <p:sp>
+        <p:nvSpPr>
+          <p:cNvPr id="4" name="Title 1">
             <a:extLst>
               <a:ext uri="{FF2B5EF4-FFF2-40B4-BE49-F238E27FC236}">
-                <a16:creationId xmlns:a16="http://schemas.microsoft.com/office/drawing/2014/main" id="{D3012773-2183-4CA5-C708-D0CD447D1D8D}"/>
+                <a16:creationId xmlns:a16="http://schemas.microsoft.com/office/drawing/2014/main" id="{5627FFDC-0B3E-65D7-4216-A6867E2CD6E1}"/>
               </a:ext>
             </a:extLst>
           </p:cNvPr>
-          <p:cNvPicPr>
-            <a:picLocks noChangeAspect="1"/>
-          </p:cNvPicPr>
+          <p:cNvSpPr txBox="1">
+            <a:spLocks/>
+          </p:cNvSpPr>
           <p:nvPr/>
-        </p:nvPicPr>
-        <p:blipFill>
-          <a:blip r:embed="rId2"/>
-          <a:stretch>
-            <a:fillRect/>
-          </a:stretch>
-        </p:blipFill>
+        </p:nvSpPr>
         <p:spPr>
           <a:xfrm>
-            <a:off x="4654296" y="1047217"/>
-            <a:ext cx="6903720" cy="4763566"/>
+            <a:off x="6227694" y="1732508"/>
+            <a:ext cx="3429000" cy="1719072"/>
           </a:xfrm>
           <a:prstGeom prst="rect">
             <a:avLst/>
           </a:prstGeom>
         </p:spPr>
-      </p:pic>
+        <p:txBody>
+          <a:bodyPr vert="horz" lIns="91440" tIns="45720" rIns="91440" bIns="45720" rtlCol="0" anchor="b">
+            <a:normAutofit fontScale="47500" lnSpcReduction="20000"/>
+          </a:bodyPr>
+          <a:lstStyle>
+            <a:lvl1pPr algn="l" defTabSz="914400" rtl="0" eaLnBrk="1" latinLnBrk="0" hangingPunct="1">
+              <a:lnSpc>
+                <a:spcPct val="90000"/>
+              </a:lnSpc>
+              <a:spcBef>
+                <a:spcPct val="0"/>
+              </a:spcBef>
+              <a:buNone/>
+              <a:defRPr sz="4400" kern="1200">
+                <a:solidFill>
+                  <a:schemeClr val="tx1"/>
+                </a:solidFill>
+                <a:latin typeface="+mj-lt"/>
+                <a:ea typeface="+mj-ea"/>
+                <a:cs typeface="+mj-cs"/>
+              </a:defRPr>
+            </a:lvl1pPr>
+          </a:lstStyle>
+          <a:p>
+            <a:r>
+              <a:rPr lang="en-US" sz="5000" dirty="0"/>
+              <a:t>Picture or just make text across screen. Moved the schematic to its own slide to make it readable-</a:t>
+            </a:r>
+            <a:r>
+              <a:rPr lang="en-US" sz="5000" dirty="0" err="1"/>
+              <a:t>ish</a:t>
+            </a:r>
+            <a:r>
+              <a:rPr lang="en-US" sz="5000" dirty="0"/>
+              <a:t> during presentation.</a:t>
+            </a:r>
+          </a:p>
+        </p:txBody>
+      </p:sp>
     </p:spTree>
     <p:extLst>
       <p:ext uri="{BB962C8B-B14F-4D97-AF65-F5344CB8AC3E}">
         <p14:creationId xmlns:p14="http://schemas.microsoft.com/office/powerpoint/2010/main" val="885690854"/>
-      </p:ext>
-    </p:extLst>
-  </p:cSld>
-  <p:clrMapOvr>
-    <a:masterClrMapping/>
-  </p:clrMapOvr>
-</p:sld>
-</file>
-
-<file path=ppt/slides/slide9.xml><?xml version="1.0" encoding="utf-8"?>
-<p:sld xmlns:a="http://schemas.openxmlformats.org/drawingml/2006/main" xmlns:r="http://schemas.openxmlformats.org/officeDocument/2006/relationships" xmlns:p="http://schemas.openxmlformats.org/presentationml/2006/main">
-  <p:cSld>
-    <p:bg>
-      <p:bgPr>
-        <a:solidFill>
-          <a:schemeClr val="bg1"/>
-        </a:solidFill>
-        <a:effectLst/>
-      </p:bgPr>
-    </p:bg>
-    <p:spTree>
-      <p:nvGrpSpPr>
-        <p:cNvPr id="1" name="">
-          <a:extLst>
-            <a:ext uri="{FF2B5EF4-FFF2-40B4-BE49-F238E27FC236}">
-              <a16:creationId xmlns:a16="http://schemas.microsoft.com/office/drawing/2014/main" id="{91272F61-320A-7B2D-0418-6BE491B5CEA2}"/>
-            </a:ext>
-          </a:extLst>
-        </p:cNvPr>
-        <p:cNvGrpSpPr/>
-        <p:nvPr/>
-      </p:nvGrpSpPr>
-      <p:grpSpPr>
-        <a:xfrm>
-          <a:off x="0" y="0"/>
-          <a:ext cx="0" cy="0"/>
-          <a:chOff x="0" y="0"/>
-          <a:chExt cx="0" cy="0"/>
-        </a:xfrm>
-      </p:grpSpPr>
-      <p:sp>
-        <p:nvSpPr>
-          <p:cNvPr id="15" name="Down Arrow 7">
-            <a:extLst>
-              <a:ext uri="{FF2B5EF4-FFF2-40B4-BE49-F238E27FC236}">
-                <a16:creationId xmlns:a16="http://schemas.microsoft.com/office/drawing/2014/main" id="{D4771268-CB57-404A-9271-370EB28F6090}"/>
-              </a:ext>
-              <a:ext uri="{C183D7F6-B498-43B3-948B-1728B52AA6E4}">
-                <adec:decorative xmlns:adec="http://schemas.microsoft.com/office/drawing/2017/decorative" val="1"/>
-              </a:ext>
-            </a:extLst>
-          </p:cNvPr>
-          <p:cNvSpPr>
-            <a:spLocks noGrp="1" noRot="1" noChangeAspect="1" noMove="1" noResize="1" noEditPoints="1" noAdjustHandles="1" noChangeArrowheads="1" noChangeShapeType="1" noTextEdit="1"/>
-          </p:cNvSpPr>
-          <p:nvPr>
-            <p:extLst>
-              <p:ext uri="{386F3935-93C4-4BCD-93E2-E3B085C9AB24}">
-                <p16:designElem xmlns:p16="http://schemas.microsoft.com/office/powerpoint/2015/main" val="1"/>
-              </p:ext>
-            </p:extLst>
-          </p:nvPr>
-        </p:nvSpPr>
-        <p:spPr>
-          <a:xfrm rot="16200000">
-            <a:off x="800100" y="1491343"/>
-            <a:ext cx="3333749" cy="3499103"/>
-          </a:xfrm>
-          <a:prstGeom prst="downArrow">
-            <a:avLst>
-              <a:gd name="adj1" fmla="val 100000"/>
-              <a:gd name="adj2" fmla="val 15788"/>
-            </a:avLst>
-          </a:prstGeom>
-          <a:solidFill>
-            <a:srgbClr val="404040"/>
-          </a:solidFill>
-          <a:ln w="53975">
-            <a:noFill/>
-          </a:ln>
-        </p:spPr>
-        <p:style>
-          <a:lnRef idx="2">
-            <a:schemeClr val="accent1">
-              <a:shade val="50000"/>
-            </a:schemeClr>
-          </a:lnRef>
-          <a:fillRef idx="1">
-            <a:schemeClr val="accent1"/>
-          </a:fillRef>
-          <a:effectRef idx="0">
-            <a:schemeClr val="accent1"/>
-          </a:effectRef>
-          <a:fontRef idx="minor">
-            <a:schemeClr val="lt1"/>
-          </a:fontRef>
-        </p:style>
-        <p:txBody>
-          <a:bodyPr rtlCol="0" anchor="ctr"/>
-          <a:lstStyle/>
-          <a:p>
-            <a:pPr algn="ctr"/>
-            <a:endParaRPr lang="en-US"/>
-          </a:p>
-        </p:txBody>
-      </p:sp>
-      <p:sp>
-        <p:nvSpPr>
-          <p:cNvPr id="2" name="Title 1">
-            <a:extLst>
-              <a:ext uri="{FF2B5EF4-FFF2-40B4-BE49-F238E27FC236}">
-                <a16:creationId xmlns:a16="http://schemas.microsoft.com/office/drawing/2014/main" id="{B503C663-34EE-AD0C-3644-4A946BB57285}"/>
-              </a:ext>
-            </a:extLst>
-          </p:cNvPr>
-          <p:cNvSpPr>
-            <a:spLocks noGrp="1"/>
-          </p:cNvSpPr>
-          <p:nvPr>
-            <p:ph type="title"/>
-          </p:nvPr>
-        </p:nvSpPr>
-        <p:spPr>
-          <a:xfrm>
-            <a:off x="1028700" y="1967266"/>
-            <a:ext cx="2628900" cy="2547257"/>
-          </a:xfrm>
-          <a:noFill/>
-        </p:spPr>
-        <p:txBody>
-          <a:bodyPr vert="horz" lIns="91440" tIns="45720" rIns="91440" bIns="45720" rtlCol="0" anchor="ctr">
-            <a:normAutofit/>
-          </a:bodyPr>
-          <a:lstStyle/>
-          <a:p>
-            <a:pPr algn="ctr"/>
-            <a:r>
-              <a:rPr lang="en-US" sz="3600" kern="1200" dirty="0">
-                <a:solidFill>
-                  <a:srgbClr val="FFFFFF"/>
-                </a:solidFill>
-                <a:latin typeface="+mj-lt"/>
-                <a:ea typeface="+mj-ea"/>
-                <a:cs typeface="+mj-cs"/>
-              </a:rPr>
-              <a:t>Approach – Code Block Diagram </a:t>
-            </a:r>
-          </a:p>
-        </p:txBody>
-      </p:sp>
-      <p:pic>
-        <p:nvPicPr>
-          <p:cNvPr id="5" name="Content Placeholder 4">
-            <a:extLst>
-              <a:ext uri="{FF2B5EF4-FFF2-40B4-BE49-F238E27FC236}">
-                <a16:creationId xmlns:a16="http://schemas.microsoft.com/office/drawing/2014/main" id="{9BE5538A-12FB-7DE9-2D7F-81657C72626A}"/>
-              </a:ext>
-            </a:extLst>
-          </p:cNvPr>
-          <p:cNvPicPr>
-            <a:picLocks noGrp="1" noChangeAspect="1"/>
-          </p:cNvPicPr>
-          <p:nvPr>
-            <p:ph idx="1"/>
-          </p:nvPr>
-        </p:nvPicPr>
-        <p:blipFill>
-          <a:blip r:embed="rId2">
-            <a:extLst>
-              <a:ext uri="{28A0092B-C50C-407E-A947-70E740481C1C}">
-                <a14:useLocalDpi xmlns:a14="http://schemas.microsoft.com/office/drawing/2010/main" val="0"/>
-              </a:ext>
-            </a:extLst>
-          </a:blip>
-          <a:stretch>
-            <a:fillRect/>
-          </a:stretch>
-        </p:blipFill>
-        <p:spPr>
-          <a:xfrm>
-            <a:off x="4815192" y="372965"/>
-            <a:ext cx="6925856" cy="6112069"/>
-          </a:xfrm>
-          <a:prstGeom prst="rect">
-            <a:avLst/>
-          </a:prstGeom>
-        </p:spPr>
-      </p:pic>
-    </p:spTree>
-    <p:extLst>
-      <p:ext uri="{BB962C8B-B14F-4D97-AF65-F5344CB8AC3E}">
-        <p14:creationId xmlns:p14="http://schemas.microsoft.com/office/powerpoint/2010/main" val="236307831"/>
       </p:ext>
     </p:extLst>
   </p:cSld>

--- a/Documents/FInal Presentation/Final_Presentation.pptx
+++ b/Documents/FInal Presentation/Final_Presentation.pptx
@@ -136,6 +136,3032 @@
 </p:presentation>
 </file>
 
+<file path=ppt/diagrams/colors1.xml><?xml version="1.0" encoding="utf-8"?>
+<dgm:colorsDef xmlns:dgm="http://schemas.openxmlformats.org/drawingml/2006/diagram" xmlns:a="http://schemas.openxmlformats.org/drawingml/2006/main" uniqueId="urn:microsoft.com/office/officeart/2018/5/colors/Iconchunking_neutralbg_colorful1">
+  <dgm:title val=""/>
+  <dgm:desc val=""/>
+  <dgm:catLst>
+    <dgm:cat type="colorful" pri="10100"/>
+  </dgm:catLst>
+  <dgm:styleLbl name="node0">
+    <dgm:fillClrLst meth="repeat">
+      <a:schemeClr val="accent1"/>
+    </dgm:fillClrLst>
+    <dgm:linClrLst meth="repeat">
+      <a:schemeClr val="lt1"/>
+    </dgm:linClrLst>
+    <dgm:effectClrLst/>
+    <dgm:txLinClrLst/>
+    <dgm:txFillClrLst/>
+    <dgm:txEffectClrLst/>
+  </dgm:styleLbl>
+  <dgm:styleLbl name="node1">
+    <dgm:fillClrLst meth="repeat">
+      <a:schemeClr val="accent2"/>
+      <a:schemeClr val="accent3"/>
+      <a:schemeClr val="accent4"/>
+      <a:schemeClr val="accent5"/>
+      <a:schemeClr val="accent6"/>
+    </dgm:fillClrLst>
+    <dgm:linClrLst meth="repeat">
+      <a:schemeClr val="lt1">
+        <a:alpha val="0"/>
+      </a:schemeClr>
+    </dgm:linClrLst>
+    <dgm:effectClrLst/>
+    <dgm:txLinClrLst/>
+    <dgm:txFillClrLst/>
+    <dgm:txEffectClrLst/>
+  </dgm:styleLbl>
+  <dgm:styleLbl name="alignNode1">
+    <dgm:fillClrLst meth="repeat">
+      <a:schemeClr val="accent2"/>
+      <a:schemeClr val="accent3"/>
+      <a:schemeClr val="accent4"/>
+      <a:schemeClr val="accent5"/>
+      <a:schemeClr val="accent6"/>
+    </dgm:fillClrLst>
+    <dgm:linClrLst meth="repeat">
+      <a:schemeClr val="accent2"/>
+      <a:schemeClr val="accent3"/>
+      <a:schemeClr val="accent4"/>
+      <a:schemeClr val="accent5"/>
+      <a:schemeClr val="accent6"/>
+    </dgm:linClrLst>
+    <dgm:effectClrLst/>
+    <dgm:txLinClrLst/>
+    <dgm:txFillClrLst/>
+    <dgm:txEffectClrLst/>
+  </dgm:styleLbl>
+  <dgm:styleLbl name="lnNode1">
+    <dgm:fillClrLst meth="repeat">
+      <a:schemeClr val="accent2"/>
+      <a:schemeClr val="accent3"/>
+      <a:schemeClr val="accent4"/>
+      <a:schemeClr val="accent5"/>
+      <a:schemeClr val="accent6"/>
+    </dgm:fillClrLst>
+    <dgm:linClrLst meth="repeat">
+      <a:schemeClr val="lt1"/>
+    </dgm:linClrLst>
+    <dgm:effectClrLst/>
+    <dgm:txLinClrLst/>
+    <dgm:txFillClrLst/>
+    <dgm:txEffectClrLst/>
+  </dgm:styleLbl>
+  <dgm:styleLbl name="vennNode1">
+    <dgm:fillClrLst meth="repeat">
+      <a:schemeClr val="accent2">
+        <a:alpha val="50000"/>
+      </a:schemeClr>
+      <a:schemeClr val="accent3">
+        <a:alpha val="50000"/>
+      </a:schemeClr>
+      <a:schemeClr val="accent4">
+        <a:alpha val="50000"/>
+      </a:schemeClr>
+      <a:schemeClr val="accent5">
+        <a:alpha val="50000"/>
+      </a:schemeClr>
+      <a:schemeClr val="accent6">
+        <a:alpha val="50000"/>
+      </a:schemeClr>
+    </dgm:fillClrLst>
+    <dgm:linClrLst meth="repeat">
+      <a:schemeClr val="lt1"/>
+    </dgm:linClrLst>
+    <dgm:effectClrLst/>
+    <dgm:txLinClrLst/>
+    <dgm:txFillClrLst/>
+    <dgm:txEffectClrLst/>
+  </dgm:styleLbl>
+  <dgm:styleLbl name="node2">
+    <dgm:fillClrLst>
+      <a:schemeClr val="accent2"/>
+    </dgm:fillClrLst>
+    <dgm:linClrLst meth="repeat">
+      <a:schemeClr val="lt1"/>
+    </dgm:linClrLst>
+    <dgm:effectClrLst/>
+    <dgm:txLinClrLst/>
+    <dgm:txFillClrLst/>
+    <dgm:txEffectClrLst/>
+  </dgm:styleLbl>
+  <dgm:styleLbl name="node3">
+    <dgm:fillClrLst>
+      <a:schemeClr val="accent3"/>
+    </dgm:fillClrLst>
+    <dgm:linClrLst meth="repeat">
+      <a:schemeClr val="lt1"/>
+    </dgm:linClrLst>
+    <dgm:effectClrLst/>
+    <dgm:txLinClrLst/>
+    <dgm:txFillClrLst/>
+    <dgm:txEffectClrLst/>
+  </dgm:styleLbl>
+  <dgm:styleLbl name="node4">
+    <dgm:fillClrLst>
+      <a:schemeClr val="accent4"/>
+    </dgm:fillClrLst>
+    <dgm:linClrLst meth="repeat">
+      <a:schemeClr val="lt1"/>
+    </dgm:linClrLst>
+    <dgm:effectClrLst/>
+    <dgm:txLinClrLst/>
+    <dgm:txFillClrLst/>
+    <dgm:txEffectClrLst/>
+  </dgm:styleLbl>
+  <dgm:styleLbl name="fgImgPlace1">
+    <dgm:fillClrLst meth="repeat">
+      <a:schemeClr val="accent2">
+        <a:tint val="50000"/>
+      </a:schemeClr>
+      <a:schemeClr val="accent3">
+        <a:tint val="50000"/>
+      </a:schemeClr>
+      <a:schemeClr val="accent4">
+        <a:tint val="50000"/>
+      </a:schemeClr>
+      <a:schemeClr val="accent5">
+        <a:tint val="50000"/>
+      </a:schemeClr>
+      <a:schemeClr val="accent6">
+        <a:tint val="50000"/>
+      </a:schemeClr>
+    </dgm:fillClrLst>
+    <dgm:linClrLst meth="repeat">
+      <a:schemeClr val="lt1"/>
+    </dgm:linClrLst>
+    <dgm:effectClrLst/>
+    <dgm:txLinClrLst/>
+    <dgm:txFillClrLst meth="repeat">
+      <a:schemeClr val="lt1"/>
+    </dgm:txFillClrLst>
+    <dgm:txEffectClrLst/>
+  </dgm:styleLbl>
+  <dgm:styleLbl name="alignImgPlace1">
+    <dgm:fillClrLst>
+      <a:schemeClr val="accent1">
+        <a:tint val="50000"/>
+      </a:schemeClr>
+      <a:schemeClr val="accent2">
+        <a:tint val="20000"/>
+      </a:schemeClr>
+    </dgm:fillClrLst>
+    <dgm:linClrLst meth="repeat">
+      <a:schemeClr val="lt1"/>
+    </dgm:linClrLst>
+    <dgm:effectClrLst/>
+    <dgm:txLinClrLst/>
+    <dgm:txFillClrLst meth="repeat">
+      <a:schemeClr val="lt1"/>
+    </dgm:txFillClrLst>
+    <dgm:txEffectClrLst/>
+  </dgm:styleLbl>
+  <dgm:styleLbl name="bgImgPlace1">
+    <dgm:fillClrLst>
+      <a:schemeClr val="accent1">
+        <a:tint val="50000"/>
+      </a:schemeClr>
+      <a:schemeClr val="accent2">
+        <a:tint val="20000"/>
+      </a:schemeClr>
+    </dgm:fillClrLst>
+    <dgm:linClrLst meth="repeat">
+      <a:schemeClr val="lt1"/>
+    </dgm:linClrLst>
+    <dgm:effectClrLst/>
+    <dgm:txLinClrLst/>
+    <dgm:txFillClrLst meth="repeat">
+      <a:schemeClr val="lt1"/>
+    </dgm:txFillClrLst>
+    <dgm:txEffectClrLst/>
+  </dgm:styleLbl>
+  <dgm:styleLbl name="sibTrans2D1">
+    <dgm:fillClrLst meth="repeat">
+      <a:schemeClr val="accent2"/>
+      <a:schemeClr val="accent3"/>
+      <a:schemeClr val="accent4"/>
+      <a:schemeClr val="accent5"/>
+      <a:schemeClr val="accent6"/>
+    </dgm:fillClrLst>
+    <dgm:linClrLst meth="cycle">
+      <a:schemeClr val="lt1"/>
+    </dgm:linClrLst>
+    <dgm:effectClrLst/>
+    <dgm:txLinClrLst/>
+    <dgm:txFillClrLst/>
+    <dgm:txEffectClrLst/>
+  </dgm:styleLbl>
+  <dgm:styleLbl name="fgSibTrans2D1">
+    <dgm:fillClrLst meth="repeat">
+      <a:schemeClr val="accent2"/>
+      <a:schemeClr val="accent3"/>
+      <a:schemeClr val="accent4"/>
+      <a:schemeClr val="accent5"/>
+      <a:schemeClr val="accent6"/>
+    </dgm:fillClrLst>
+    <dgm:linClrLst meth="cycle">
+      <a:schemeClr val="lt1"/>
+    </dgm:linClrLst>
+    <dgm:effectClrLst/>
+    <dgm:txLinClrLst/>
+    <dgm:txFillClrLst meth="repeat">
+      <a:schemeClr val="lt1"/>
+    </dgm:txFillClrLst>
+    <dgm:txEffectClrLst/>
+  </dgm:styleLbl>
+  <dgm:styleLbl name="bgSibTrans2D1">
+    <dgm:fillClrLst meth="repeat">
+      <a:schemeClr val="accent2"/>
+      <a:schemeClr val="accent3"/>
+      <a:schemeClr val="accent4"/>
+      <a:schemeClr val="accent5"/>
+      <a:schemeClr val="accent6"/>
+    </dgm:fillClrLst>
+    <dgm:linClrLst meth="cycle">
+      <a:schemeClr val="lt1"/>
+    </dgm:linClrLst>
+    <dgm:effectClrLst/>
+    <dgm:txLinClrLst/>
+    <dgm:txFillClrLst meth="repeat">
+      <a:schemeClr val="lt1"/>
+    </dgm:txFillClrLst>
+    <dgm:txEffectClrLst/>
+  </dgm:styleLbl>
+  <dgm:styleLbl name="sibTrans1D1">
+    <dgm:fillClrLst meth="repeat">
+      <a:schemeClr val="accent2"/>
+      <a:schemeClr val="accent3"/>
+      <a:schemeClr val="accent4"/>
+      <a:schemeClr val="accent5"/>
+      <a:schemeClr val="accent6"/>
+    </dgm:fillClrLst>
+    <dgm:linClrLst meth="repeat">
+      <a:schemeClr val="accent2"/>
+      <a:schemeClr val="accent3"/>
+      <a:schemeClr val="accent4"/>
+      <a:schemeClr val="accent5"/>
+      <a:schemeClr val="accent6"/>
+    </dgm:linClrLst>
+    <dgm:effectClrLst/>
+    <dgm:txLinClrLst/>
+    <dgm:txFillClrLst meth="repeat">
+      <a:schemeClr val="tx1"/>
+    </dgm:txFillClrLst>
+    <dgm:txEffectClrLst/>
+  </dgm:styleLbl>
+  <dgm:styleLbl name="callout">
+    <dgm:fillClrLst meth="repeat">
+      <a:schemeClr val="accent2"/>
+    </dgm:fillClrLst>
+    <dgm:linClrLst meth="repeat">
+      <a:schemeClr val="accent2">
+        <a:tint val="50000"/>
+      </a:schemeClr>
+    </dgm:linClrLst>
+    <dgm:effectClrLst/>
+    <dgm:txLinClrLst/>
+    <dgm:txFillClrLst meth="repeat">
+      <a:schemeClr val="tx1"/>
+    </dgm:txFillClrLst>
+    <dgm:txEffectClrLst/>
+  </dgm:styleLbl>
+  <dgm:styleLbl name="asst0">
+    <dgm:fillClrLst meth="repeat">
+      <a:schemeClr val="accent1"/>
+    </dgm:fillClrLst>
+    <dgm:linClrLst meth="repeat">
+      <a:schemeClr val="lt1"/>
+    </dgm:linClrLst>
+    <dgm:effectClrLst/>
+    <dgm:txLinClrLst/>
+    <dgm:txFillClrLst/>
+    <dgm:txEffectClrLst/>
+  </dgm:styleLbl>
+  <dgm:styleLbl name="asst1">
+    <dgm:fillClrLst meth="repeat">
+      <a:schemeClr val="accent2"/>
+    </dgm:fillClrLst>
+    <dgm:linClrLst meth="repeat">
+      <a:schemeClr val="lt1"/>
+    </dgm:linClrLst>
+    <dgm:effectClrLst/>
+    <dgm:txLinClrLst/>
+    <dgm:txFillClrLst/>
+    <dgm:txEffectClrLst/>
+  </dgm:styleLbl>
+  <dgm:styleLbl name="asst2">
+    <dgm:fillClrLst>
+      <a:schemeClr val="accent3"/>
+    </dgm:fillClrLst>
+    <dgm:linClrLst meth="repeat">
+      <a:schemeClr val="lt1"/>
+    </dgm:linClrLst>
+    <dgm:effectClrLst/>
+    <dgm:txLinClrLst/>
+    <dgm:txFillClrLst/>
+    <dgm:txEffectClrLst/>
+  </dgm:styleLbl>
+  <dgm:styleLbl name="asst3">
+    <dgm:fillClrLst>
+      <a:schemeClr val="accent4"/>
+    </dgm:fillClrLst>
+    <dgm:linClrLst meth="repeat">
+      <a:schemeClr val="lt1"/>
+    </dgm:linClrLst>
+    <dgm:effectClrLst/>
+    <dgm:txLinClrLst/>
+    <dgm:txFillClrLst/>
+    <dgm:txEffectClrLst/>
+  </dgm:styleLbl>
+  <dgm:styleLbl name="asst4">
+    <dgm:fillClrLst>
+      <a:schemeClr val="accent5"/>
+    </dgm:fillClrLst>
+    <dgm:linClrLst meth="repeat">
+      <a:schemeClr val="lt1"/>
+    </dgm:linClrLst>
+    <dgm:effectClrLst/>
+    <dgm:txLinClrLst/>
+    <dgm:txFillClrLst/>
+    <dgm:txEffectClrLst/>
+  </dgm:styleLbl>
+  <dgm:styleLbl name="parChTrans2D1">
+    <dgm:fillClrLst meth="repeat">
+      <a:schemeClr val="accent2"/>
+    </dgm:fillClrLst>
+    <dgm:linClrLst meth="repeat">
+      <a:schemeClr val="lt1"/>
+    </dgm:linClrLst>
+    <dgm:effectClrLst/>
+    <dgm:txLinClrLst/>
+    <dgm:txFillClrLst meth="repeat">
+      <a:schemeClr val="lt1"/>
+    </dgm:txFillClrLst>
+    <dgm:txEffectClrLst/>
+  </dgm:styleLbl>
+  <dgm:styleLbl name="parChTrans2D2">
+    <dgm:fillClrLst meth="repeat">
+      <a:schemeClr val="accent3"/>
+    </dgm:fillClrLst>
+    <dgm:linClrLst meth="repeat">
+      <a:schemeClr val="lt1"/>
+    </dgm:linClrLst>
+    <dgm:effectClrLst/>
+    <dgm:txLinClrLst/>
+    <dgm:txFillClrLst/>
+    <dgm:txEffectClrLst/>
+  </dgm:styleLbl>
+  <dgm:styleLbl name="parChTrans2D3">
+    <dgm:fillClrLst meth="repeat">
+      <a:schemeClr val="accent4"/>
+    </dgm:fillClrLst>
+    <dgm:linClrLst meth="repeat">
+      <a:schemeClr val="lt1"/>
+    </dgm:linClrLst>
+    <dgm:effectClrLst/>
+    <dgm:txLinClrLst/>
+    <dgm:txFillClrLst/>
+    <dgm:txEffectClrLst/>
+  </dgm:styleLbl>
+  <dgm:styleLbl name="parChTrans2D4">
+    <dgm:fillClrLst meth="repeat">
+      <a:schemeClr val="accent5"/>
+    </dgm:fillClrLst>
+    <dgm:linClrLst meth="repeat">
+      <a:schemeClr val="lt1"/>
+    </dgm:linClrLst>
+    <dgm:effectClrLst/>
+    <dgm:txLinClrLst/>
+    <dgm:txFillClrLst meth="repeat">
+      <a:schemeClr val="lt1"/>
+    </dgm:txFillClrLst>
+    <dgm:txEffectClrLst/>
+  </dgm:styleLbl>
+  <dgm:styleLbl name="parChTrans1D1">
+    <dgm:fillClrLst meth="repeat">
+      <a:schemeClr val="accent2"/>
+    </dgm:fillClrLst>
+    <dgm:linClrLst meth="repeat">
+      <a:schemeClr val="accent1"/>
+    </dgm:linClrLst>
+    <dgm:effectClrLst/>
+    <dgm:txLinClrLst/>
+    <dgm:txFillClrLst meth="repeat">
+      <a:schemeClr val="tx1"/>
+    </dgm:txFillClrLst>
+    <dgm:txEffectClrLst/>
+  </dgm:styleLbl>
+  <dgm:styleLbl name="parChTrans1D2">
+    <dgm:fillClrLst meth="repeat">
+      <a:schemeClr val="accent3">
+        <a:tint val="90000"/>
+      </a:schemeClr>
+    </dgm:fillClrLst>
+    <dgm:linClrLst meth="repeat">
+      <a:schemeClr val="accent2"/>
+    </dgm:linClrLst>
+    <dgm:effectClrLst/>
+    <dgm:txLinClrLst/>
+    <dgm:txFillClrLst meth="repeat">
+      <a:schemeClr val="tx1"/>
+    </dgm:txFillClrLst>
+    <dgm:txEffectClrLst/>
+  </dgm:styleLbl>
+  <dgm:styleLbl name="parChTrans1D3">
+    <dgm:fillClrLst meth="repeat">
+      <a:schemeClr val="accent4">
+        <a:tint val="70000"/>
+      </a:schemeClr>
+    </dgm:fillClrLst>
+    <dgm:linClrLst meth="repeat">
+      <a:schemeClr val="accent3"/>
+    </dgm:linClrLst>
+    <dgm:effectClrLst/>
+    <dgm:txLinClrLst/>
+    <dgm:txFillClrLst meth="repeat">
+      <a:schemeClr val="tx1"/>
+    </dgm:txFillClrLst>
+    <dgm:txEffectClrLst/>
+  </dgm:styleLbl>
+  <dgm:styleLbl name="parChTrans1D4">
+    <dgm:fillClrLst meth="repeat">
+      <a:schemeClr val="accent5">
+        <a:tint val="50000"/>
+      </a:schemeClr>
+    </dgm:fillClrLst>
+    <dgm:linClrLst meth="repeat">
+      <a:schemeClr val="accent4"/>
+    </dgm:linClrLst>
+    <dgm:effectClrLst/>
+    <dgm:txLinClrLst/>
+    <dgm:txFillClrLst meth="repeat">
+      <a:schemeClr val="tx1"/>
+    </dgm:txFillClrLst>
+    <dgm:txEffectClrLst/>
+  </dgm:styleLbl>
+  <dgm:styleLbl name="fgAcc1">
+    <dgm:fillClrLst meth="repeat">
+      <a:schemeClr val="lt1">
+        <a:alpha val="90000"/>
+      </a:schemeClr>
+    </dgm:fillClrLst>
+    <dgm:linClrLst meth="repeat">
+      <a:schemeClr val="accent2"/>
+      <a:schemeClr val="accent3"/>
+      <a:schemeClr val="accent4"/>
+      <a:schemeClr val="accent5"/>
+      <a:schemeClr val="accent6"/>
+    </dgm:linClrLst>
+    <dgm:effectClrLst/>
+    <dgm:txLinClrLst/>
+    <dgm:txFillClrLst meth="repeat">
+      <a:schemeClr val="dk1"/>
+    </dgm:txFillClrLst>
+    <dgm:txEffectClrLst/>
+  </dgm:styleLbl>
+  <dgm:styleLbl name="conFgAcc1">
+    <dgm:fillClrLst meth="repeat">
+      <a:schemeClr val="lt1">
+        <a:alpha val="90000"/>
+      </a:schemeClr>
+    </dgm:fillClrLst>
+    <dgm:linClrLst meth="repeat">
+      <a:schemeClr val="accent2"/>
+      <a:schemeClr val="accent3"/>
+      <a:schemeClr val="accent4"/>
+      <a:schemeClr val="accent5"/>
+      <a:schemeClr val="accent6"/>
+    </dgm:linClrLst>
+    <dgm:effectClrLst/>
+    <dgm:txLinClrLst/>
+    <dgm:txFillClrLst meth="repeat">
+      <a:schemeClr val="dk1"/>
+    </dgm:txFillClrLst>
+    <dgm:txEffectClrLst/>
+  </dgm:styleLbl>
+  <dgm:styleLbl name="alignAcc1">
+    <dgm:fillClrLst meth="repeat">
+      <a:schemeClr val="lt1">
+        <a:alpha val="90000"/>
+      </a:schemeClr>
+    </dgm:fillClrLst>
+    <dgm:linClrLst meth="repeat">
+      <a:schemeClr val="accent2"/>
+      <a:schemeClr val="accent3"/>
+      <a:schemeClr val="accent4"/>
+      <a:schemeClr val="accent5"/>
+      <a:schemeClr val="accent6"/>
+    </dgm:linClrLst>
+    <dgm:effectClrLst/>
+    <dgm:txLinClrLst/>
+    <dgm:txFillClrLst meth="repeat">
+      <a:schemeClr val="dk1"/>
+    </dgm:txFillClrLst>
+    <dgm:txEffectClrLst/>
+  </dgm:styleLbl>
+  <dgm:styleLbl name="trAlignAcc1">
+    <dgm:fillClrLst meth="repeat">
+      <a:schemeClr val="lt1">
+        <a:alpha val="40000"/>
+      </a:schemeClr>
+    </dgm:fillClrLst>
+    <dgm:linClrLst meth="repeat">
+      <a:schemeClr val="accent1"/>
+    </dgm:linClrLst>
+    <dgm:effectClrLst/>
+    <dgm:txLinClrLst/>
+    <dgm:txFillClrLst meth="repeat">
+      <a:schemeClr val="dk1"/>
+    </dgm:txFillClrLst>
+    <dgm:txEffectClrLst/>
+  </dgm:styleLbl>
+  <dgm:styleLbl name="bgAcc1">
+    <dgm:fillClrLst meth="repeat">
+      <a:schemeClr val="lt1">
+        <a:alpha val="90000"/>
+      </a:schemeClr>
+    </dgm:fillClrLst>
+    <dgm:linClrLst meth="repeat">
+      <a:schemeClr val="accent2"/>
+      <a:schemeClr val="accent3"/>
+      <a:schemeClr val="accent4"/>
+      <a:schemeClr val="accent5"/>
+      <a:schemeClr val="accent6"/>
+    </dgm:linClrLst>
+    <dgm:effectClrLst/>
+    <dgm:txLinClrLst/>
+    <dgm:txFillClrLst meth="repeat">
+      <a:schemeClr val="dk1"/>
+    </dgm:txFillClrLst>
+    <dgm:txEffectClrLst/>
+  </dgm:styleLbl>
+  <dgm:styleLbl name="solidFgAcc1">
+    <dgm:fillClrLst meth="repeat">
+      <a:schemeClr val="lt1"/>
+    </dgm:fillClrLst>
+    <dgm:linClrLst meth="repeat">
+      <a:schemeClr val="accent2"/>
+      <a:schemeClr val="accent3"/>
+      <a:schemeClr val="accent4"/>
+      <a:schemeClr val="accent5"/>
+      <a:schemeClr val="accent6"/>
+    </dgm:linClrLst>
+    <dgm:effectClrLst/>
+    <dgm:txLinClrLst/>
+    <dgm:txFillClrLst meth="repeat">
+      <a:schemeClr val="dk1"/>
+    </dgm:txFillClrLst>
+    <dgm:txEffectClrLst/>
+  </dgm:styleLbl>
+  <dgm:styleLbl name="solidAlignAcc1">
+    <dgm:fillClrLst meth="repeat">
+      <a:schemeClr val="lt1"/>
+    </dgm:fillClrLst>
+    <dgm:linClrLst meth="repeat">
+      <a:schemeClr val="accent2"/>
+      <a:schemeClr val="accent3"/>
+      <a:schemeClr val="accent4"/>
+      <a:schemeClr val="accent5"/>
+      <a:schemeClr val="accent6"/>
+    </dgm:linClrLst>
+    <dgm:effectClrLst/>
+    <dgm:txLinClrLst/>
+    <dgm:txFillClrLst meth="repeat">
+      <a:schemeClr val="dk1"/>
+    </dgm:txFillClrLst>
+    <dgm:txEffectClrLst/>
+  </dgm:styleLbl>
+  <dgm:styleLbl name="solidBgAcc1">
+    <dgm:fillClrLst meth="repeat">
+      <a:schemeClr val="lt1"/>
+    </dgm:fillClrLst>
+    <dgm:linClrLst meth="repeat">
+      <a:schemeClr val="accent2"/>
+      <a:schemeClr val="accent3"/>
+      <a:schemeClr val="accent4"/>
+      <a:schemeClr val="accent5"/>
+      <a:schemeClr val="accent6"/>
+    </dgm:linClrLst>
+    <dgm:effectClrLst/>
+    <dgm:txLinClrLst/>
+    <dgm:txFillClrLst meth="repeat">
+      <a:schemeClr val="dk1"/>
+    </dgm:txFillClrLst>
+    <dgm:txEffectClrLst/>
+  </dgm:styleLbl>
+  <dgm:styleLbl name="fgAccFollowNode1">
+    <dgm:fillClrLst meth="repeat">
+      <a:schemeClr val="accent2">
+        <a:tint val="40000"/>
+        <a:alpha val="90000"/>
+      </a:schemeClr>
+      <a:schemeClr val="accent3">
+        <a:tint val="40000"/>
+        <a:alpha val="90000"/>
+      </a:schemeClr>
+      <a:schemeClr val="accent4">
+        <a:tint val="40000"/>
+        <a:alpha val="90000"/>
+      </a:schemeClr>
+      <a:schemeClr val="accent5">
+        <a:tint val="40000"/>
+        <a:alpha val="90000"/>
+      </a:schemeClr>
+      <a:schemeClr val="accent6">
+        <a:tint val="40000"/>
+        <a:alpha val="90000"/>
+      </a:schemeClr>
+    </dgm:fillClrLst>
+    <dgm:linClrLst meth="repeat">
+      <a:schemeClr val="accent2">
+        <a:tint val="40000"/>
+        <a:alpha val="90000"/>
+      </a:schemeClr>
+      <a:schemeClr val="accent3">
+        <a:tint val="40000"/>
+        <a:alpha val="90000"/>
+      </a:schemeClr>
+      <a:schemeClr val="accent4">
+        <a:tint val="40000"/>
+        <a:alpha val="90000"/>
+      </a:schemeClr>
+      <a:schemeClr val="accent5">
+        <a:tint val="40000"/>
+        <a:alpha val="90000"/>
+      </a:schemeClr>
+      <a:schemeClr val="accent6">
+        <a:tint val="40000"/>
+        <a:alpha val="90000"/>
+      </a:schemeClr>
+    </dgm:linClrLst>
+    <dgm:effectClrLst/>
+    <dgm:txLinClrLst/>
+    <dgm:txFillClrLst meth="repeat">
+      <a:schemeClr val="dk1"/>
+    </dgm:txFillClrLst>
+    <dgm:txEffectClrLst/>
+  </dgm:styleLbl>
+  <dgm:styleLbl name="alignAccFollowNode1">
+    <dgm:fillClrLst meth="repeat">
+      <a:schemeClr val="accent2">
+        <a:tint val="40000"/>
+        <a:alpha val="90000"/>
+      </a:schemeClr>
+      <a:schemeClr val="accent3">
+        <a:tint val="40000"/>
+        <a:alpha val="90000"/>
+      </a:schemeClr>
+      <a:schemeClr val="accent4">
+        <a:tint val="40000"/>
+        <a:alpha val="90000"/>
+      </a:schemeClr>
+      <a:schemeClr val="accent5">
+        <a:tint val="40000"/>
+        <a:alpha val="90000"/>
+      </a:schemeClr>
+      <a:schemeClr val="accent6">
+        <a:tint val="40000"/>
+        <a:alpha val="90000"/>
+      </a:schemeClr>
+    </dgm:fillClrLst>
+    <dgm:linClrLst meth="repeat">
+      <a:schemeClr val="accent2">
+        <a:tint val="40000"/>
+        <a:alpha val="90000"/>
+      </a:schemeClr>
+      <a:schemeClr val="accent3">
+        <a:tint val="40000"/>
+        <a:alpha val="90000"/>
+      </a:schemeClr>
+      <a:schemeClr val="accent4">
+        <a:tint val="40000"/>
+        <a:alpha val="90000"/>
+      </a:schemeClr>
+      <a:schemeClr val="accent5">
+        <a:tint val="40000"/>
+        <a:alpha val="90000"/>
+      </a:schemeClr>
+      <a:schemeClr val="accent6">
+        <a:tint val="40000"/>
+        <a:alpha val="90000"/>
+      </a:schemeClr>
+    </dgm:linClrLst>
+    <dgm:effectClrLst/>
+    <dgm:txLinClrLst/>
+    <dgm:txFillClrLst meth="repeat">
+      <a:schemeClr val="dk1"/>
+    </dgm:txFillClrLst>
+    <dgm:txEffectClrLst/>
+  </dgm:styleLbl>
+  <dgm:styleLbl name="bgAccFollowNode1">
+    <dgm:fillClrLst meth="repeat">
+      <a:schemeClr val="accent2">
+        <a:tint val="40000"/>
+        <a:alpha val="90000"/>
+      </a:schemeClr>
+      <a:schemeClr val="accent3">
+        <a:tint val="40000"/>
+        <a:alpha val="90000"/>
+      </a:schemeClr>
+      <a:schemeClr val="accent4">
+        <a:tint val="40000"/>
+        <a:alpha val="90000"/>
+      </a:schemeClr>
+      <a:schemeClr val="accent5">
+        <a:tint val="40000"/>
+        <a:alpha val="90000"/>
+      </a:schemeClr>
+      <a:schemeClr val="accent6">
+        <a:tint val="40000"/>
+        <a:alpha val="90000"/>
+      </a:schemeClr>
+    </dgm:fillClrLst>
+    <dgm:linClrLst meth="repeat">
+      <a:schemeClr val="accent2">
+        <a:tint val="40000"/>
+        <a:alpha val="90000"/>
+      </a:schemeClr>
+      <a:schemeClr val="accent3">
+        <a:tint val="40000"/>
+        <a:alpha val="90000"/>
+      </a:schemeClr>
+      <a:schemeClr val="accent4">
+        <a:tint val="40000"/>
+        <a:alpha val="90000"/>
+      </a:schemeClr>
+      <a:schemeClr val="accent5">
+        <a:tint val="40000"/>
+        <a:alpha val="90000"/>
+      </a:schemeClr>
+      <a:schemeClr val="accent6">
+        <a:tint val="40000"/>
+        <a:alpha val="90000"/>
+      </a:schemeClr>
+    </dgm:linClrLst>
+    <dgm:effectClrLst/>
+    <dgm:txLinClrLst/>
+    <dgm:txFillClrLst meth="repeat">
+      <a:schemeClr val="dk1"/>
+    </dgm:txFillClrLst>
+    <dgm:txEffectClrLst/>
+  </dgm:styleLbl>
+  <dgm:styleLbl name="fgAcc0">
+    <dgm:fillClrLst meth="repeat">
+      <a:schemeClr val="lt1">
+        <a:alpha val="90000"/>
+      </a:schemeClr>
+    </dgm:fillClrLst>
+    <dgm:linClrLst>
+      <a:schemeClr val="accent1"/>
+    </dgm:linClrLst>
+    <dgm:effectClrLst/>
+    <dgm:txLinClrLst/>
+    <dgm:txFillClrLst meth="repeat">
+      <a:schemeClr val="dk1"/>
+    </dgm:txFillClrLst>
+    <dgm:txEffectClrLst/>
+  </dgm:styleLbl>
+  <dgm:styleLbl name="fgAcc2">
+    <dgm:fillClrLst meth="repeat">
+      <a:schemeClr val="lt1">
+        <a:alpha val="90000"/>
+      </a:schemeClr>
+    </dgm:fillClrLst>
+    <dgm:linClrLst>
+      <a:schemeClr val="accent2"/>
+    </dgm:linClrLst>
+    <dgm:effectClrLst/>
+    <dgm:txLinClrLst/>
+    <dgm:txFillClrLst meth="repeat">
+      <a:schemeClr val="dk1"/>
+    </dgm:txFillClrLst>
+    <dgm:txEffectClrLst/>
+  </dgm:styleLbl>
+  <dgm:styleLbl name="fgAcc3">
+    <dgm:fillClrLst meth="repeat">
+      <a:schemeClr val="lt1">
+        <a:alpha val="90000"/>
+      </a:schemeClr>
+    </dgm:fillClrLst>
+    <dgm:linClrLst>
+      <a:schemeClr val="accent3"/>
+    </dgm:linClrLst>
+    <dgm:effectClrLst/>
+    <dgm:txLinClrLst/>
+    <dgm:txFillClrLst meth="repeat">
+      <a:schemeClr val="dk1"/>
+    </dgm:txFillClrLst>
+    <dgm:txEffectClrLst/>
+  </dgm:styleLbl>
+  <dgm:styleLbl name="fgAcc4">
+    <dgm:fillClrLst meth="repeat">
+      <a:schemeClr val="lt1">
+        <a:alpha val="90000"/>
+      </a:schemeClr>
+    </dgm:fillClrLst>
+    <dgm:linClrLst>
+      <a:schemeClr val="accent4"/>
+    </dgm:linClrLst>
+    <dgm:effectClrLst/>
+    <dgm:txLinClrLst/>
+    <dgm:txFillClrLst meth="repeat">
+      <a:schemeClr val="dk1"/>
+    </dgm:txFillClrLst>
+    <dgm:txEffectClrLst/>
+  </dgm:styleLbl>
+  <dgm:styleLbl name="bgShp">
+    <dgm:fillClrLst meth="repeat">
+      <a:schemeClr val="bg1">
+        <a:lumMod val="95000"/>
+      </a:schemeClr>
+    </dgm:fillClrLst>
+    <dgm:linClrLst meth="repeat">
+      <a:schemeClr val="dk1"/>
+    </dgm:linClrLst>
+    <dgm:effectClrLst/>
+    <dgm:txLinClrLst/>
+    <dgm:txFillClrLst meth="repeat">
+      <a:schemeClr val="dk1"/>
+    </dgm:txFillClrLst>
+    <dgm:txEffectClrLst/>
+  </dgm:styleLbl>
+  <dgm:styleLbl name="dkBgShp">
+    <dgm:fillClrLst meth="repeat">
+      <a:schemeClr val="accent2">
+        <a:shade val="90000"/>
+      </a:schemeClr>
+    </dgm:fillClrLst>
+    <dgm:linClrLst meth="repeat">
+      <a:schemeClr val="dk1"/>
+    </dgm:linClrLst>
+    <dgm:effectClrLst/>
+    <dgm:txLinClrLst/>
+    <dgm:txFillClrLst meth="repeat">
+      <a:schemeClr val="lt1"/>
+    </dgm:txFillClrLst>
+    <dgm:txEffectClrLst/>
+  </dgm:styleLbl>
+  <dgm:styleLbl name="trBgShp">
+    <dgm:fillClrLst meth="repeat">
+      <a:schemeClr val="accent1">
+        <a:tint val="50000"/>
+        <a:alpha val="40000"/>
+      </a:schemeClr>
+    </dgm:fillClrLst>
+    <dgm:linClrLst meth="repeat">
+      <a:schemeClr val="accent2"/>
+    </dgm:linClrLst>
+    <dgm:effectClrLst/>
+    <dgm:txLinClrLst/>
+    <dgm:txFillClrLst meth="repeat">
+      <a:schemeClr val="lt1"/>
+    </dgm:txFillClrLst>
+    <dgm:txEffectClrLst/>
+  </dgm:styleLbl>
+  <dgm:styleLbl name="fgShp">
+    <dgm:fillClrLst meth="repeat">
+      <a:schemeClr val="accent2">
+        <a:tint val="40000"/>
+      </a:schemeClr>
+    </dgm:fillClrLst>
+    <dgm:linClrLst meth="repeat">
+      <a:schemeClr val="lt1"/>
+    </dgm:linClrLst>
+    <dgm:effectClrLst/>
+    <dgm:txLinClrLst/>
+    <dgm:txFillClrLst meth="repeat">
+      <a:schemeClr val="dk1"/>
+    </dgm:txFillClrLst>
+    <dgm:txEffectClrLst/>
+  </dgm:styleLbl>
+  <dgm:styleLbl name="revTx">
+    <dgm:fillClrLst meth="repeat">
+      <a:schemeClr val="lt1">
+        <a:alpha val="0"/>
+      </a:schemeClr>
+    </dgm:fillClrLst>
+    <dgm:linClrLst meth="repeat">
+      <a:schemeClr val="dk1">
+        <a:alpha val="0"/>
+      </a:schemeClr>
+    </dgm:linClrLst>
+    <dgm:effectClrLst/>
+    <dgm:txLinClrLst/>
+    <dgm:txFillClrLst meth="repeat">
+      <a:schemeClr val="tx1"/>
+    </dgm:txFillClrLst>
+    <dgm:txEffectClrLst/>
+  </dgm:styleLbl>
+</dgm:colorsDef>
+</file>
+
+<file path=ppt/diagrams/data1.xml><?xml version="1.0" encoding="utf-8"?>
+<dgm:dataModel xmlns:dgm="http://schemas.openxmlformats.org/drawingml/2006/diagram" xmlns:a="http://schemas.openxmlformats.org/drawingml/2006/main">
+  <dgm:ptLst>
+    <dgm:pt modelId="{182DC8CE-6FBB-4A86-8E71-072136EBD5E5}" type="doc">
+      <dgm:prSet loTypeId="urn:microsoft.com/office/officeart/2018/2/layout/IconVerticalSolidList" loCatId="icon" qsTypeId="urn:microsoft.com/office/officeart/2005/8/quickstyle/simple1" qsCatId="simple" csTypeId="urn:microsoft.com/office/officeart/2018/5/colors/Iconchunking_neutralbg_colorful1" csCatId="colorful" phldr="1"/>
+      <dgm:spPr/>
+      <dgm:t>
+        <a:bodyPr/>
+        <a:lstStyle/>
+        <a:p>
+          <a:endParaRPr lang="en-US"/>
+        </a:p>
+      </dgm:t>
+    </dgm:pt>
+    <dgm:pt modelId="{BC5F6781-C372-4935-8EE1-82FF91D003DD}">
+      <dgm:prSet/>
+      <dgm:spPr/>
+      <dgm:t>
+        <a:bodyPr/>
+        <a:lstStyle/>
+        <a:p>
+          <a:r>
+            <a:rPr lang="en-US" dirty="0"/>
+            <a:t>Designed in KiCAD, board manufactured and populated by JLCPCB</a:t>
+          </a:r>
+        </a:p>
+      </dgm:t>
+    </dgm:pt>
+    <dgm:pt modelId="{A12177CD-3130-4544-8253-965C66D4DD25}" type="parTrans" cxnId="{399CAA4E-6020-4921-B5F4-98AB908830EB}">
+      <dgm:prSet/>
+      <dgm:spPr/>
+      <dgm:t>
+        <a:bodyPr/>
+        <a:lstStyle/>
+        <a:p>
+          <a:endParaRPr lang="en-US"/>
+        </a:p>
+      </dgm:t>
+    </dgm:pt>
+    <dgm:pt modelId="{2EE26E8E-3AF2-48D4-B0F9-34E738C5ECC3}" type="sibTrans" cxnId="{399CAA4E-6020-4921-B5F4-98AB908830EB}">
+      <dgm:prSet/>
+      <dgm:spPr/>
+      <dgm:t>
+        <a:bodyPr/>
+        <a:lstStyle/>
+        <a:p>
+          <a:endParaRPr lang="en-US"/>
+        </a:p>
+      </dgm:t>
+    </dgm:pt>
+    <dgm:pt modelId="{98B5E527-EBA8-4716-B5FE-85CFA8220D8C}">
+      <dgm:prSet/>
+      <dgm:spPr/>
+      <dgm:t>
+        <a:bodyPr/>
+        <a:lstStyle/>
+        <a:p>
+          <a:r>
+            <a:rPr lang="en-US"/>
+            <a:t>Hierarchical design, each member designed at least one schematic</a:t>
+          </a:r>
+        </a:p>
+      </dgm:t>
+    </dgm:pt>
+    <dgm:pt modelId="{D0D8C192-9729-4682-9FFC-858C47C2EFFA}" type="parTrans" cxnId="{928C7E01-CC18-4B99-8B10-137908BC5731}">
+      <dgm:prSet/>
+      <dgm:spPr/>
+      <dgm:t>
+        <a:bodyPr/>
+        <a:lstStyle/>
+        <a:p>
+          <a:endParaRPr lang="en-US"/>
+        </a:p>
+      </dgm:t>
+    </dgm:pt>
+    <dgm:pt modelId="{CDE79273-DC8D-44F0-BEA2-06BBCD4E977E}" type="sibTrans" cxnId="{928C7E01-CC18-4B99-8B10-137908BC5731}">
+      <dgm:prSet/>
+      <dgm:spPr/>
+      <dgm:t>
+        <a:bodyPr/>
+        <a:lstStyle/>
+        <a:p>
+          <a:endParaRPr lang="en-US"/>
+        </a:p>
+      </dgm:t>
+    </dgm:pt>
+    <dgm:pt modelId="{9DEA93E7-3F09-4E48-BB13-3D423ACD483C}">
+      <dgm:prSet/>
+      <dgm:spPr/>
+      <dgm:t>
+        <a:bodyPr/>
+        <a:lstStyle/>
+        <a:p>
+          <a:r>
+            <a:rPr lang="en-US" dirty="0"/>
+            <a:t>Switched from initial IMU pick to another to avoid level shifting data line</a:t>
+          </a:r>
+        </a:p>
+      </dgm:t>
+    </dgm:pt>
+    <dgm:pt modelId="{3F272765-12A1-4DD1-8C13-C16D5FE1E49C}" type="parTrans" cxnId="{61A2113C-B4DB-4504-90E3-E7BE52EF0F19}">
+      <dgm:prSet/>
+      <dgm:spPr/>
+      <dgm:t>
+        <a:bodyPr/>
+        <a:lstStyle/>
+        <a:p>
+          <a:endParaRPr lang="en-US"/>
+        </a:p>
+      </dgm:t>
+    </dgm:pt>
+    <dgm:pt modelId="{37E036D7-0DB2-4777-8479-2E8766520C09}" type="sibTrans" cxnId="{61A2113C-B4DB-4504-90E3-E7BE52EF0F19}">
+      <dgm:prSet/>
+      <dgm:spPr/>
+      <dgm:t>
+        <a:bodyPr/>
+        <a:lstStyle/>
+        <a:p>
+          <a:endParaRPr lang="en-US"/>
+        </a:p>
+      </dgm:t>
+    </dgm:pt>
+    <dgm:pt modelId="{C40648DD-1E8A-47FE-85A5-39596ED57A6A}" type="pres">
+      <dgm:prSet presAssocID="{182DC8CE-6FBB-4A86-8E71-072136EBD5E5}" presName="root" presStyleCnt="0">
+        <dgm:presLayoutVars>
+          <dgm:dir/>
+          <dgm:resizeHandles val="exact"/>
+        </dgm:presLayoutVars>
+      </dgm:prSet>
+      <dgm:spPr/>
+    </dgm:pt>
+    <dgm:pt modelId="{B13A203B-D377-42C6-B33B-96D1892EC98F}" type="pres">
+      <dgm:prSet presAssocID="{BC5F6781-C372-4935-8EE1-82FF91D003DD}" presName="compNode" presStyleCnt="0"/>
+      <dgm:spPr/>
+    </dgm:pt>
+    <dgm:pt modelId="{16DA4453-803C-4C3F-AF26-9485F056D932}" type="pres">
+      <dgm:prSet presAssocID="{BC5F6781-C372-4935-8EE1-82FF91D003DD}" presName="bgRect" presStyleLbl="bgShp" presStyleIdx="0" presStyleCnt="3" custLinFactNeighborX="472" custLinFactNeighborY="-43"/>
+      <dgm:spPr/>
+    </dgm:pt>
+    <dgm:pt modelId="{1071C88A-E4C7-4C93-B509-0834E0B23409}" type="pres">
+      <dgm:prSet presAssocID="{BC5F6781-C372-4935-8EE1-82FF91D003DD}" presName="iconRect" presStyleLbl="node1" presStyleIdx="0" presStyleCnt="3"/>
+      <dgm:spPr>
+        <a:blipFill>
+          <a:blip xmlns:r="http://schemas.openxmlformats.org/officeDocument/2006/relationships" r:embed="rId1">
+            <a:extLst>
+              <a:ext uri="{28A0092B-C50C-407E-A947-70E740481C1C}">
+                <a14:useLocalDpi xmlns:a14="http://schemas.microsoft.com/office/drawing/2010/main" val="0"/>
+              </a:ext>
+            </a:extLst>
+          </a:blip>
+          <a:srcRect/>
+          <a:stretch>
+            <a:fillRect/>
+          </a:stretch>
+        </a:blipFill>
+        <a:ln>
+          <a:noFill/>
+        </a:ln>
+      </dgm:spPr>
+    </dgm:pt>
+    <dgm:pt modelId="{1CEE86F4-CE94-4565-A23B-158A58BEF6ED}" type="pres">
+      <dgm:prSet presAssocID="{BC5F6781-C372-4935-8EE1-82FF91D003DD}" presName="spaceRect" presStyleCnt="0"/>
+      <dgm:spPr/>
+    </dgm:pt>
+    <dgm:pt modelId="{4CF5EDE7-CF1D-4A04-AF14-EA4F9092E42B}" type="pres">
+      <dgm:prSet presAssocID="{BC5F6781-C372-4935-8EE1-82FF91D003DD}" presName="parTx" presStyleLbl="revTx" presStyleIdx="0" presStyleCnt="3">
+        <dgm:presLayoutVars>
+          <dgm:chMax val="0"/>
+          <dgm:chPref val="0"/>
+        </dgm:presLayoutVars>
+      </dgm:prSet>
+      <dgm:spPr/>
+    </dgm:pt>
+    <dgm:pt modelId="{5C152134-1A7D-4EFD-89CF-F3077AA89782}" type="pres">
+      <dgm:prSet presAssocID="{2EE26E8E-3AF2-48D4-B0F9-34E738C5ECC3}" presName="sibTrans" presStyleCnt="0"/>
+      <dgm:spPr/>
+    </dgm:pt>
+    <dgm:pt modelId="{F2D8E517-E8D6-4D99-AD71-D29F04E37184}" type="pres">
+      <dgm:prSet presAssocID="{98B5E527-EBA8-4716-B5FE-85CFA8220D8C}" presName="compNode" presStyleCnt="0"/>
+      <dgm:spPr/>
+    </dgm:pt>
+    <dgm:pt modelId="{DB91EEAC-D320-4F5D-B1D1-C1ABBC606990}" type="pres">
+      <dgm:prSet presAssocID="{98B5E527-EBA8-4716-B5FE-85CFA8220D8C}" presName="bgRect" presStyleLbl="bgShp" presStyleIdx="1" presStyleCnt="3"/>
+      <dgm:spPr/>
+    </dgm:pt>
+    <dgm:pt modelId="{DB07D0AC-532C-4A76-B711-C8B567C9E1CD}" type="pres">
+      <dgm:prSet presAssocID="{98B5E527-EBA8-4716-B5FE-85CFA8220D8C}" presName="iconRect" presStyleLbl="node1" presStyleIdx="1" presStyleCnt="3"/>
+      <dgm:spPr>
+        <a:blipFill>
+          <a:blip xmlns:r="http://schemas.openxmlformats.org/officeDocument/2006/relationships" r:embed="rId2">
+            <a:extLst>
+              <a:ext uri="{28A0092B-C50C-407E-A947-70E740481C1C}">
+                <a14:useLocalDpi xmlns:a14="http://schemas.microsoft.com/office/drawing/2010/main" val="0"/>
+              </a:ext>
+              <a:ext uri="{96DAC541-7B7A-43D3-8B79-37D633B846F1}">
+                <asvg:svgBlip xmlns:asvg="http://schemas.microsoft.com/office/drawing/2016/SVG/main" r:embed="rId3"/>
+              </a:ext>
+            </a:extLst>
+          </a:blip>
+          <a:stretch>
+            <a:fillRect/>
+          </a:stretch>
+        </a:blipFill>
+        <a:ln>
+          <a:noFill/>
+        </a:ln>
+      </dgm:spPr>
+      <dgm:extLst>
+        <a:ext uri="{E40237B7-FDA0-4F09-8148-C483321AD2D9}">
+          <dgm14:cNvPr xmlns:dgm14="http://schemas.microsoft.com/office/drawing/2010/diagram" id="0" name="" descr="Hierarchy"/>
+        </a:ext>
+      </dgm:extLst>
+    </dgm:pt>
+    <dgm:pt modelId="{4E350978-942A-4F94-B937-8DAC5BCC713E}" type="pres">
+      <dgm:prSet presAssocID="{98B5E527-EBA8-4716-B5FE-85CFA8220D8C}" presName="spaceRect" presStyleCnt="0"/>
+      <dgm:spPr/>
+    </dgm:pt>
+    <dgm:pt modelId="{A3248316-44BC-4234-9F59-63B7310192F8}" type="pres">
+      <dgm:prSet presAssocID="{98B5E527-EBA8-4716-B5FE-85CFA8220D8C}" presName="parTx" presStyleLbl="revTx" presStyleIdx="1" presStyleCnt="3">
+        <dgm:presLayoutVars>
+          <dgm:chMax val="0"/>
+          <dgm:chPref val="0"/>
+        </dgm:presLayoutVars>
+      </dgm:prSet>
+      <dgm:spPr/>
+    </dgm:pt>
+    <dgm:pt modelId="{AFD09BA0-512C-42E6-8EA5-205F9D634FE1}" type="pres">
+      <dgm:prSet presAssocID="{CDE79273-DC8D-44F0-BEA2-06BBCD4E977E}" presName="sibTrans" presStyleCnt="0"/>
+      <dgm:spPr/>
+    </dgm:pt>
+    <dgm:pt modelId="{3A8EACCB-CE61-40DA-B56A-0E053EB05496}" type="pres">
+      <dgm:prSet presAssocID="{9DEA93E7-3F09-4E48-BB13-3D423ACD483C}" presName="compNode" presStyleCnt="0"/>
+      <dgm:spPr/>
+    </dgm:pt>
+    <dgm:pt modelId="{63C4640B-CF96-4906-B3F3-14FE3438C81E}" type="pres">
+      <dgm:prSet presAssocID="{9DEA93E7-3F09-4E48-BB13-3D423ACD483C}" presName="bgRect" presStyleLbl="bgShp" presStyleIdx="2" presStyleCnt="3"/>
+      <dgm:spPr/>
+    </dgm:pt>
+    <dgm:pt modelId="{C3EE8474-BCF8-44E6-A31A-37127FBF1E32}" type="pres">
+      <dgm:prSet presAssocID="{9DEA93E7-3F09-4E48-BB13-3D423ACD483C}" presName="iconRect" presStyleLbl="node1" presStyleIdx="2" presStyleCnt="3"/>
+      <dgm:spPr>
+        <a:blipFill>
+          <a:blip xmlns:r="http://schemas.openxmlformats.org/officeDocument/2006/relationships" r:embed="rId4">
+            <a:duotone>
+              <a:schemeClr val="accent2">
+                <a:shade val="45000"/>
+                <a:satMod val="135000"/>
+              </a:schemeClr>
+              <a:prstClr val="white"/>
+            </a:duotone>
+          </a:blip>
+          <a:srcRect/>
+          <a:stretch>
+            <a:fillRect/>
+          </a:stretch>
+        </a:blipFill>
+        <a:ln>
+          <a:noFill/>
+        </a:ln>
+      </dgm:spPr>
+    </dgm:pt>
+    <dgm:pt modelId="{3C9584B5-7794-417D-9A33-6CC02FCCEE97}" type="pres">
+      <dgm:prSet presAssocID="{9DEA93E7-3F09-4E48-BB13-3D423ACD483C}" presName="spaceRect" presStyleCnt="0"/>
+      <dgm:spPr/>
+    </dgm:pt>
+    <dgm:pt modelId="{F59DEA38-CACF-498D-B419-F31149405DE3}" type="pres">
+      <dgm:prSet presAssocID="{9DEA93E7-3F09-4E48-BB13-3D423ACD483C}" presName="parTx" presStyleLbl="revTx" presStyleIdx="2" presStyleCnt="3">
+        <dgm:presLayoutVars>
+          <dgm:chMax val="0"/>
+          <dgm:chPref val="0"/>
+        </dgm:presLayoutVars>
+      </dgm:prSet>
+      <dgm:spPr/>
+    </dgm:pt>
+  </dgm:ptLst>
+  <dgm:cxnLst>
+    <dgm:cxn modelId="{928C7E01-CC18-4B99-8B10-137908BC5731}" srcId="{182DC8CE-6FBB-4A86-8E71-072136EBD5E5}" destId="{98B5E527-EBA8-4716-B5FE-85CFA8220D8C}" srcOrd="1" destOrd="0" parTransId="{D0D8C192-9729-4682-9FFC-858C47C2EFFA}" sibTransId="{CDE79273-DC8D-44F0-BEA2-06BBCD4E977E}"/>
+    <dgm:cxn modelId="{4EF3D431-D2C8-4DFD-929E-3D6BAC56706F}" type="presOf" srcId="{182DC8CE-6FBB-4A86-8E71-072136EBD5E5}" destId="{C40648DD-1E8A-47FE-85A5-39596ED57A6A}" srcOrd="0" destOrd="0" presId="urn:microsoft.com/office/officeart/2018/2/layout/IconVerticalSolidList"/>
+    <dgm:cxn modelId="{61A2113C-B4DB-4504-90E3-E7BE52EF0F19}" srcId="{182DC8CE-6FBB-4A86-8E71-072136EBD5E5}" destId="{9DEA93E7-3F09-4E48-BB13-3D423ACD483C}" srcOrd="2" destOrd="0" parTransId="{3F272765-12A1-4DD1-8C13-C16D5FE1E49C}" sibTransId="{37E036D7-0DB2-4777-8479-2E8766520C09}"/>
+    <dgm:cxn modelId="{399CAA4E-6020-4921-B5F4-98AB908830EB}" srcId="{182DC8CE-6FBB-4A86-8E71-072136EBD5E5}" destId="{BC5F6781-C372-4935-8EE1-82FF91D003DD}" srcOrd="0" destOrd="0" parTransId="{A12177CD-3130-4544-8253-965C66D4DD25}" sibTransId="{2EE26E8E-3AF2-48D4-B0F9-34E738C5ECC3}"/>
+    <dgm:cxn modelId="{EDACE787-B56F-44D4-A6CF-CECEEA3D95ED}" type="presOf" srcId="{98B5E527-EBA8-4716-B5FE-85CFA8220D8C}" destId="{A3248316-44BC-4234-9F59-63B7310192F8}" srcOrd="0" destOrd="0" presId="urn:microsoft.com/office/officeart/2018/2/layout/IconVerticalSolidList"/>
+    <dgm:cxn modelId="{B784AC8E-C542-4C83-9E39-5043AC514AB8}" type="presOf" srcId="{BC5F6781-C372-4935-8EE1-82FF91D003DD}" destId="{4CF5EDE7-CF1D-4A04-AF14-EA4F9092E42B}" srcOrd="0" destOrd="0" presId="urn:microsoft.com/office/officeart/2018/2/layout/IconVerticalSolidList"/>
+    <dgm:cxn modelId="{0C035CD0-B8B8-4FBB-A588-2F4D4AABD835}" type="presOf" srcId="{9DEA93E7-3F09-4E48-BB13-3D423ACD483C}" destId="{F59DEA38-CACF-498D-B419-F31149405DE3}" srcOrd="0" destOrd="0" presId="urn:microsoft.com/office/officeart/2018/2/layout/IconVerticalSolidList"/>
+    <dgm:cxn modelId="{8967DE95-8023-421E-A171-945025B191FA}" type="presParOf" srcId="{C40648DD-1E8A-47FE-85A5-39596ED57A6A}" destId="{B13A203B-D377-42C6-B33B-96D1892EC98F}" srcOrd="0" destOrd="0" presId="urn:microsoft.com/office/officeart/2018/2/layout/IconVerticalSolidList"/>
+    <dgm:cxn modelId="{E4FE982A-27B0-4542-8128-C6164FEB331B}" type="presParOf" srcId="{B13A203B-D377-42C6-B33B-96D1892EC98F}" destId="{16DA4453-803C-4C3F-AF26-9485F056D932}" srcOrd="0" destOrd="0" presId="urn:microsoft.com/office/officeart/2018/2/layout/IconVerticalSolidList"/>
+    <dgm:cxn modelId="{21A4B138-FCBB-47A8-B01A-FCB7226B82FC}" type="presParOf" srcId="{B13A203B-D377-42C6-B33B-96D1892EC98F}" destId="{1071C88A-E4C7-4C93-B509-0834E0B23409}" srcOrd="1" destOrd="0" presId="urn:microsoft.com/office/officeart/2018/2/layout/IconVerticalSolidList"/>
+    <dgm:cxn modelId="{EAA485FA-2C94-431F-931A-996066D15C13}" type="presParOf" srcId="{B13A203B-D377-42C6-B33B-96D1892EC98F}" destId="{1CEE86F4-CE94-4565-A23B-158A58BEF6ED}" srcOrd="2" destOrd="0" presId="urn:microsoft.com/office/officeart/2018/2/layout/IconVerticalSolidList"/>
+    <dgm:cxn modelId="{3A272503-4420-43F6-A475-3C48EB847A5E}" type="presParOf" srcId="{B13A203B-D377-42C6-B33B-96D1892EC98F}" destId="{4CF5EDE7-CF1D-4A04-AF14-EA4F9092E42B}" srcOrd="3" destOrd="0" presId="urn:microsoft.com/office/officeart/2018/2/layout/IconVerticalSolidList"/>
+    <dgm:cxn modelId="{2A725423-49CE-49C2-ABCD-A8E22D2DA3F3}" type="presParOf" srcId="{C40648DD-1E8A-47FE-85A5-39596ED57A6A}" destId="{5C152134-1A7D-4EFD-89CF-F3077AA89782}" srcOrd="1" destOrd="0" presId="urn:microsoft.com/office/officeart/2018/2/layout/IconVerticalSolidList"/>
+    <dgm:cxn modelId="{DEB33825-AD11-49FC-A820-C7C512CF1E66}" type="presParOf" srcId="{C40648DD-1E8A-47FE-85A5-39596ED57A6A}" destId="{F2D8E517-E8D6-4D99-AD71-D29F04E37184}" srcOrd="2" destOrd="0" presId="urn:microsoft.com/office/officeart/2018/2/layout/IconVerticalSolidList"/>
+    <dgm:cxn modelId="{19AE23C8-FF3B-4DC6-9196-9C6A31C0D6A3}" type="presParOf" srcId="{F2D8E517-E8D6-4D99-AD71-D29F04E37184}" destId="{DB91EEAC-D320-4F5D-B1D1-C1ABBC606990}" srcOrd="0" destOrd="0" presId="urn:microsoft.com/office/officeart/2018/2/layout/IconVerticalSolidList"/>
+    <dgm:cxn modelId="{15419289-BB42-41D0-9A29-58C8446F0F7C}" type="presParOf" srcId="{F2D8E517-E8D6-4D99-AD71-D29F04E37184}" destId="{DB07D0AC-532C-4A76-B711-C8B567C9E1CD}" srcOrd="1" destOrd="0" presId="urn:microsoft.com/office/officeart/2018/2/layout/IconVerticalSolidList"/>
+    <dgm:cxn modelId="{ABAE6385-1B4A-4E34-B925-1066AACD9A87}" type="presParOf" srcId="{F2D8E517-E8D6-4D99-AD71-D29F04E37184}" destId="{4E350978-942A-4F94-B937-8DAC5BCC713E}" srcOrd="2" destOrd="0" presId="urn:microsoft.com/office/officeart/2018/2/layout/IconVerticalSolidList"/>
+    <dgm:cxn modelId="{58A4409C-02E9-4308-9B06-EAA8F14D1652}" type="presParOf" srcId="{F2D8E517-E8D6-4D99-AD71-D29F04E37184}" destId="{A3248316-44BC-4234-9F59-63B7310192F8}" srcOrd="3" destOrd="0" presId="urn:microsoft.com/office/officeart/2018/2/layout/IconVerticalSolidList"/>
+    <dgm:cxn modelId="{779D3877-92FD-40B8-BE58-C4DFE5BCDD1B}" type="presParOf" srcId="{C40648DD-1E8A-47FE-85A5-39596ED57A6A}" destId="{AFD09BA0-512C-42E6-8EA5-205F9D634FE1}" srcOrd="3" destOrd="0" presId="urn:microsoft.com/office/officeart/2018/2/layout/IconVerticalSolidList"/>
+    <dgm:cxn modelId="{41A1D198-C5F4-44CE-B512-2B9258376874}" type="presParOf" srcId="{C40648DD-1E8A-47FE-85A5-39596ED57A6A}" destId="{3A8EACCB-CE61-40DA-B56A-0E053EB05496}" srcOrd="4" destOrd="0" presId="urn:microsoft.com/office/officeart/2018/2/layout/IconVerticalSolidList"/>
+    <dgm:cxn modelId="{EC29FF78-9062-405F-B73D-EEB3DBF9926C}" type="presParOf" srcId="{3A8EACCB-CE61-40DA-B56A-0E053EB05496}" destId="{63C4640B-CF96-4906-B3F3-14FE3438C81E}" srcOrd="0" destOrd="0" presId="urn:microsoft.com/office/officeart/2018/2/layout/IconVerticalSolidList"/>
+    <dgm:cxn modelId="{5BF52FBE-60A2-413F-9F23-9BAA5BFC97EC}" type="presParOf" srcId="{3A8EACCB-CE61-40DA-B56A-0E053EB05496}" destId="{C3EE8474-BCF8-44E6-A31A-37127FBF1E32}" srcOrd="1" destOrd="0" presId="urn:microsoft.com/office/officeart/2018/2/layout/IconVerticalSolidList"/>
+    <dgm:cxn modelId="{A4913A6C-B2D7-4718-B379-8867BBFB0E4E}" type="presParOf" srcId="{3A8EACCB-CE61-40DA-B56A-0E053EB05496}" destId="{3C9584B5-7794-417D-9A33-6CC02FCCEE97}" srcOrd="2" destOrd="0" presId="urn:microsoft.com/office/officeart/2018/2/layout/IconVerticalSolidList"/>
+    <dgm:cxn modelId="{0827CD90-A036-4E74-A6FD-083C6DD63C8F}" type="presParOf" srcId="{3A8EACCB-CE61-40DA-B56A-0E053EB05496}" destId="{F59DEA38-CACF-498D-B419-F31149405DE3}" srcOrd="3" destOrd="0" presId="urn:microsoft.com/office/officeart/2018/2/layout/IconVerticalSolidList"/>
+  </dgm:cxnLst>
+  <dgm:bg/>
+  <dgm:whole/>
+  <dgm:extLst>
+    <a:ext uri="http://schemas.microsoft.com/office/drawing/2008/diagram">
+      <dsp:dataModelExt xmlns:dsp="http://schemas.microsoft.com/office/drawing/2008/diagram" relId="rId6" minVer="http://schemas.openxmlformats.org/drawingml/2006/diagram"/>
+    </a:ext>
+  </dgm:extLst>
+</dgm:dataModel>
+</file>
+
+<file path=ppt/diagrams/drawing1.xml><?xml version="1.0" encoding="utf-8"?>
+<dsp:drawing xmlns:dgm="http://schemas.openxmlformats.org/drawingml/2006/diagram" xmlns:dsp="http://schemas.microsoft.com/office/drawing/2008/diagram" xmlns:a="http://schemas.openxmlformats.org/drawingml/2006/main">
+  <dsp:spTree>
+    <dsp:nvGrpSpPr>
+      <dsp:cNvPr id="0" name=""/>
+      <dsp:cNvGrpSpPr/>
+    </dsp:nvGrpSpPr>
+    <dsp:grpSpPr/>
+    <dsp:sp modelId="{16DA4453-803C-4C3F-AF26-9485F056D932}">
+      <dsp:nvSpPr>
+        <dsp:cNvPr id="0" name=""/>
+        <dsp:cNvSpPr/>
+      </dsp:nvSpPr>
+      <dsp:spPr>
+        <a:xfrm>
+          <a:off x="0" y="0"/>
+          <a:ext cx="6245265" cy="1596566"/>
+        </a:xfrm>
+        <a:prstGeom prst="roundRect">
+          <a:avLst>
+            <a:gd name="adj" fmla="val 10000"/>
+          </a:avLst>
+        </a:prstGeom>
+        <a:solidFill>
+          <a:schemeClr val="bg1">
+            <a:lumMod val="95000"/>
+            <a:hueOff val="0"/>
+            <a:satOff val="0"/>
+            <a:lumOff val="0"/>
+            <a:alphaOff val="0"/>
+          </a:schemeClr>
+        </a:solidFill>
+        <a:ln>
+          <a:noFill/>
+        </a:ln>
+        <a:effectLst/>
+      </dsp:spPr>
+      <dsp:style>
+        <a:lnRef idx="0">
+          <a:scrgbClr r="0" g="0" b="0"/>
+        </a:lnRef>
+        <a:fillRef idx="1">
+          <a:scrgbClr r="0" g="0" b="0"/>
+        </a:fillRef>
+        <a:effectRef idx="0">
+          <a:scrgbClr r="0" g="0" b="0"/>
+        </a:effectRef>
+        <a:fontRef idx="minor"/>
+      </dsp:style>
+    </dsp:sp>
+    <dsp:sp modelId="{1071C88A-E4C7-4C93-B509-0834E0B23409}">
+      <dsp:nvSpPr>
+        <dsp:cNvPr id="0" name=""/>
+        <dsp:cNvSpPr/>
+      </dsp:nvSpPr>
+      <dsp:spPr>
+        <a:xfrm>
+          <a:off x="482961" y="359909"/>
+          <a:ext cx="878111" cy="878111"/>
+        </a:xfrm>
+        <a:prstGeom prst="rect">
+          <a:avLst/>
+        </a:prstGeom>
+        <a:blipFill>
+          <a:blip xmlns:r="http://schemas.openxmlformats.org/officeDocument/2006/relationships" r:embed="rId1">
+            <a:extLst>
+              <a:ext uri="{28A0092B-C50C-407E-A947-70E740481C1C}">
+                <a14:useLocalDpi xmlns:a14="http://schemas.microsoft.com/office/drawing/2010/main" val="0"/>
+              </a:ext>
+            </a:extLst>
+          </a:blip>
+          <a:srcRect/>
+          <a:stretch>
+            <a:fillRect/>
+          </a:stretch>
+        </a:blipFill>
+        <a:ln w="19050" cap="flat" cmpd="sng" algn="ctr">
+          <a:noFill/>
+          <a:prstDash val="solid"/>
+          <a:miter lim="800000"/>
+        </a:ln>
+        <a:effectLst/>
+      </dsp:spPr>
+      <dsp:style>
+        <a:lnRef idx="2">
+          <a:scrgbClr r="0" g="0" b="0"/>
+        </a:lnRef>
+        <a:fillRef idx="1">
+          <a:scrgbClr r="0" g="0" b="0"/>
+        </a:fillRef>
+        <a:effectRef idx="0">
+          <a:scrgbClr r="0" g="0" b="0"/>
+        </a:effectRef>
+        <a:fontRef idx="minor">
+          <a:schemeClr val="lt1"/>
+        </a:fontRef>
+      </dsp:style>
+    </dsp:sp>
+    <dsp:sp modelId="{4CF5EDE7-CF1D-4A04-AF14-EA4F9092E42B}">
+      <dsp:nvSpPr>
+        <dsp:cNvPr id="0" name=""/>
+        <dsp:cNvSpPr/>
+      </dsp:nvSpPr>
+      <dsp:spPr>
+        <a:xfrm>
+          <a:off x="1844034" y="682"/>
+          <a:ext cx="4401230" cy="1596566"/>
+        </a:xfrm>
+        <a:prstGeom prst="rect">
+          <a:avLst/>
+        </a:prstGeom>
+        <a:noFill/>
+        <a:ln>
+          <a:noFill/>
+        </a:ln>
+        <a:effectLst/>
+      </dsp:spPr>
+      <dsp:style>
+        <a:lnRef idx="0">
+          <a:scrgbClr r="0" g="0" b="0"/>
+        </a:lnRef>
+        <a:fillRef idx="0">
+          <a:scrgbClr r="0" g="0" b="0"/>
+        </a:fillRef>
+        <a:effectRef idx="0">
+          <a:scrgbClr r="0" g="0" b="0"/>
+        </a:effectRef>
+        <a:fontRef idx="minor"/>
+      </dsp:style>
+      <dsp:txBody>
+        <a:bodyPr spcFirstLastPara="0" vert="horz" wrap="square" lIns="168970" tIns="168970" rIns="168970" bIns="168970" numCol="1" spcCol="1270" anchor="ctr" anchorCtr="0">
+          <a:noAutofit/>
+        </a:bodyPr>
+        <a:lstStyle/>
+        <a:p>
+          <a:pPr marL="0" lvl="0" indent="0" algn="l" defTabSz="1111250">
+            <a:lnSpc>
+              <a:spcPct val="90000"/>
+            </a:lnSpc>
+            <a:spcBef>
+              <a:spcPct val="0"/>
+            </a:spcBef>
+            <a:spcAft>
+              <a:spcPct val="35000"/>
+            </a:spcAft>
+            <a:buNone/>
+          </a:pPr>
+          <a:r>
+            <a:rPr lang="en-US" sz="2500" kern="1200" dirty="0"/>
+            <a:t>Designed in KiCAD, board manufactured and populated by JLCPCB</a:t>
+          </a:r>
+        </a:p>
+      </dsp:txBody>
+      <dsp:txXfrm>
+        <a:off x="1844034" y="682"/>
+        <a:ext cx="4401230" cy="1596566"/>
+      </dsp:txXfrm>
+    </dsp:sp>
+    <dsp:sp modelId="{DB91EEAC-D320-4F5D-B1D1-C1ABBC606990}">
+      <dsp:nvSpPr>
+        <dsp:cNvPr id="0" name=""/>
+        <dsp:cNvSpPr/>
+      </dsp:nvSpPr>
+      <dsp:spPr>
+        <a:xfrm>
+          <a:off x="0" y="1996390"/>
+          <a:ext cx="6245265" cy="1596566"/>
+        </a:xfrm>
+        <a:prstGeom prst="roundRect">
+          <a:avLst>
+            <a:gd name="adj" fmla="val 10000"/>
+          </a:avLst>
+        </a:prstGeom>
+        <a:solidFill>
+          <a:schemeClr val="bg1">
+            <a:lumMod val="95000"/>
+            <a:hueOff val="0"/>
+            <a:satOff val="0"/>
+            <a:lumOff val="0"/>
+            <a:alphaOff val="0"/>
+          </a:schemeClr>
+        </a:solidFill>
+        <a:ln>
+          <a:noFill/>
+        </a:ln>
+        <a:effectLst/>
+      </dsp:spPr>
+      <dsp:style>
+        <a:lnRef idx="0">
+          <a:scrgbClr r="0" g="0" b="0"/>
+        </a:lnRef>
+        <a:fillRef idx="1">
+          <a:scrgbClr r="0" g="0" b="0"/>
+        </a:fillRef>
+        <a:effectRef idx="0">
+          <a:scrgbClr r="0" g="0" b="0"/>
+        </a:effectRef>
+        <a:fontRef idx="minor"/>
+      </dsp:style>
+    </dsp:sp>
+    <dsp:sp modelId="{DB07D0AC-532C-4A76-B711-C8B567C9E1CD}">
+      <dsp:nvSpPr>
+        <dsp:cNvPr id="0" name=""/>
+        <dsp:cNvSpPr/>
+      </dsp:nvSpPr>
+      <dsp:spPr>
+        <a:xfrm>
+          <a:off x="482961" y="2355617"/>
+          <a:ext cx="878111" cy="878111"/>
+        </a:xfrm>
+        <a:prstGeom prst="rect">
+          <a:avLst/>
+        </a:prstGeom>
+        <a:blipFill>
+          <a:blip xmlns:r="http://schemas.openxmlformats.org/officeDocument/2006/relationships" r:embed="rId2">
+            <a:extLst>
+              <a:ext uri="{28A0092B-C50C-407E-A947-70E740481C1C}">
+                <a14:useLocalDpi xmlns:a14="http://schemas.microsoft.com/office/drawing/2010/main" val="0"/>
+              </a:ext>
+              <a:ext uri="{96DAC541-7B7A-43D3-8B79-37D633B846F1}">
+                <asvg:svgBlip xmlns:asvg="http://schemas.microsoft.com/office/drawing/2016/SVG/main" r:embed="rId3"/>
+              </a:ext>
+            </a:extLst>
+          </a:blip>
+          <a:stretch>
+            <a:fillRect/>
+          </a:stretch>
+        </a:blipFill>
+        <a:ln w="19050" cap="flat" cmpd="sng" algn="ctr">
+          <a:noFill/>
+          <a:prstDash val="solid"/>
+          <a:miter lim="800000"/>
+        </a:ln>
+        <a:effectLst/>
+      </dsp:spPr>
+      <dsp:style>
+        <a:lnRef idx="2">
+          <a:scrgbClr r="0" g="0" b="0"/>
+        </a:lnRef>
+        <a:fillRef idx="1">
+          <a:scrgbClr r="0" g="0" b="0"/>
+        </a:fillRef>
+        <a:effectRef idx="0">
+          <a:scrgbClr r="0" g="0" b="0"/>
+        </a:effectRef>
+        <a:fontRef idx="minor">
+          <a:schemeClr val="lt1"/>
+        </a:fontRef>
+      </dsp:style>
+    </dsp:sp>
+    <dsp:sp modelId="{A3248316-44BC-4234-9F59-63B7310192F8}">
+      <dsp:nvSpPr>
+        <dsp:cNvPr id="0" name=""/>
+        <dsp:cNvSpPr/>
+      </dsp:nvSpPr>
+      <dsp:spPr>
+        <a:xfrm>
+          <a:off x="1844034" y="1996390"/>
+          <a:ext cx="4401230" cy="1596566"/>
+        </a:xfrm>
+        <a:prstGeom prst="rect">
+          <a:avLst/>
+        </a:prstGeom>
+        <a:noFill/>
+        <a:ln>
+          <a:noFill/>
+        </a:ln>
+        <a:effectLst/>
+      </dsp:spPr>
+      <dsp:style>
+        <a:lnRef idx="0">
+          <a:scrgbClr r="0" g="0" b="0"/>
+        </a:lnRef>
+        <a:fillRef idx="0">
+          <a:scrgbClr r="0" g="0" b="0"/>
+        </a:fillRef>
+        <a:effectRef idx="0">
+          <a:scrgbClr r="0" g="0" b="0"/>
+        </a:effectRef>
+        <a:fontRef idx="minor"/>
+      </dsp:style>
+      <dsp:txBody>
+        <a:bodyPr spcFirstLastPara="0" vert="horz" wrap="square" lIns="168970" tIns="168970" rIns="168970" bIns="168970" numCol="1" spcCol="1270" anchor="ctr" anchorCtr="0">
+          <a:noAutofit/>
+        </a:bodyPr>
+        <a:lstStyle/>
+        <a:p>
+          <a:pPr marL="0" lvl="0" indent="0" algn="l" defTabSz="1111250">
+            <a:lnSpc>
+              <a:spcPct val="90000"/>
+            </a:lnSpc>
+            <a:spcBef>
+              <a:spcPct val="0"/>
+            </a:spcBef>
+            <a:spcAft>
+              <a:spcPct val="35000"/>
+            </a:spcAft>
+            <a:buNone/>
+          </a:pPr>
+          <a:r>
+            <a:rPr lang="en-US" sz="2500" kern="1200"/>
+            <a:t>Hierarchical design, each member designed at least one schematic</a:t>
+          </a:r>
+        </a:p>
+      </dsp:txBody>
+      <dsp:txXfrm>
+        <a:off x="1844034" y="1996390"/>
+        <a:ext cx="4401230" cy="1596566"/>
+      </dsp:txXfrm>
+    </dsp:sp>
+    <dsp:sp modelId="{63C4640B-CF96-4906-B3F3-14FE3438C81E}">
+      <dsp:nvSpPr>
+        <dsp:cNvPr id="0" name=""/>
+        <dsp:cNvSpPr/>
+      </dsp:nvSpPr>
+      <dsp:spPr>
+        <a:xfrm>
+          <a:off x="0" y="3992098"/>
+          <a:ext cx="6245265" cy="1596566"/>
+        </a:xfrm>
+        <a:prstGeom prst="roundRect">
+          <a:avLst>
+            <a:gd name="adj" fmla="val 10000"/>
+          </a:avLst>
+        </a:prstGeom>
+        <a:solidFill>
+          <a:schemeClr val="bg1">
+            <a:lumMod val="95000"/>
+            <a:hueOff val="0"/>
+            <a:satOff val="0"/>
+            <a:lumOff val="0"/>
+            <a:alphaOff val="0"/>
+          </a:schemeClr>
+        </a:solidFill>
+        <a:ln>
+          <a:noFill/>
+        </a:ln>
+        <a:effectLst/>
+      </dsp:spPr>
+      <dsp:style>
+        <a:lnRef idx="0">
+          <a:scrgbClr r="0" g="0" b="0"/>
+        </a:lnRef>
+        <a:fillRef idx="1">
+          <a:scrgbClr r="0" g="0" b="0"/>
+        </a:fillRef>
+        <a:effectRef idx="0">
+          <a:scrgbClr r="0" g="0" b="0"/>
+        </a:effectRef>
+        <a:fontRef idx="minor"/>
+      </dsp:style>
+    </dsp:sp>
+    <dsp:sp modelId="{C3EE8474-BCF8-44E6-A31A-37127FBF1E32}">
+      <dsp:nvSpPr>
+        <dsp:cNvPr id="0" name=""/>
+        <dsp:cNvSpPr/>
+      </dsp:nvSpPr>
+      <dsp:spPr>
+        <a:xfrm>
+          <a:off x="482961" y="4351325"/>
+          <a:ext cx="878111" cy="878111"/>
+        </a:xfrm>
+        <a:prstGeom prst="rect">
+          <a:avLst/>
+        </a:prstGeom>
+        <a:blipFill>
+          <a:blip xmlns:r="http://schemas.openxmlformats.org/officeDocument/2006/relationships" r:embed="rId4">
+            <a:duotone>
+              <a:schemeClr val="accent2">
+                <a:shade val="45000"/>
+                <a:satMod val="135000"/>
+              </a:schemeClr>
+              <a:prstClr val="white"/>
+            </a:duotone>
+          </a:blip>
+          <a:srcRect/>
+          <a:stretch>
+            <a:fillRect/>
+          </a:stretch>
+        </a:blipFill>
+        <a:ln w="19050" cap="flat" cmpd="sng" algn="ctr">
+          <a:noFill/>
+          <a:prstDash val="solid"/>
+          <a:miter lim="800000"/>
+        </a:ln>
+        <a:effectLst/>
+      </dsp:spPr>
+      <dsp:style>
+        <a:lnRef idx="2">
+          <a:scrgbClr r="0" g="0" b="0"/>
+        </a:lnRef>
+        <a:fillRef idx="1">
+          <a:scrgbClr r="0" g="0" b="0"/>
+        </a:fillRef>
+        <a:effectRef idx="0">
+          <a:scrgbClr r="0" g="0" b="0"/>
+        </a:effectRef>
+        <a:fontRef idx="minor">
+          <a:schemeClr val="lt1"/>
+        </a:fontRef>
+      </dsp:style>
+    </dsp:sp>
+    <dsp:sp modelId="{F59DEA38-CACF-498D-B419-F31149405DE3}">
+      <dsp:nvSpPr>
+        <dsp:cNvPr id="0" name=""/>
+        <dsp:cNvSpPr/>
+      </dsp:nvSpPr>
+      <dsp:spPr>
+        <a:xfrm>
+          <a:off x="1844034" y="3992098"/>
+          <a:ext cx="4401230" cy="1596566"/>
+        </a:xfrm>
+        <a:prstGeom prst="rect">
+          <a:avLst/>
+        </a:prstGeom>
+        <a:noFill/>
+        <a:ln>
+          <a:noFill/>
+        </a:ln>
+        <a:effectLst/>
+      </dsp:spPr>
+      <dsp:style>
+        <a:lnRef idx="0">
+          <a:scrgbClr r="0" g="0" b="0"/>
+        </a:lnRef>
+        <a:fillRef idx="0">
+          <a:scrgbClr r="0" g="0" b="0"/>
+        </a:fillRef>
+        <a:effectRef idx="0">
+          <a:scrgbClr r="0" g="0" b="0"/>
+        </a:effectRef>
+        <a:fontRef idx="minor"/>
+      </dsp:style>
+      <dsp:txBody>
+        <a:bodyPr spcFirstLastPara="0" vert="horz" wrap="square" lIns="168970" tIns="168970" rIns="168970" bIns="168970" numCol="1" spcCol="1270" anchor="ctr" anchorCtr="0">
+          <a:noAutofit/>
+        </a:bodyPr>
+        <a:lstStyle/>
+        <a:p>
+          <a:pPr marL="0" lvl="0" indent="0" algn="l" defTabSz="1111250">
+            <a:lnSpc>
+              <a:spcPct val="90000"/>
+            </a:lnSpc>
+            <a:spcBef>
+              <a:spcPct val="0"/>
+            </a:spcBef>
+            <a:spcAft>
+              <a:spcPct val="35000"/>
+            </a:spcAft>
+            <a:buNone/>
+          </a:pPr>
+          <a:r>
+            <a:rPr lang="en-US" sz="2500" kern="1200" dirty="0"/>
+            <a:t>Switched from initial IMU pick to another to avoid level shifting data line</a:t>
+          </a:r>
+        </a:p>
+      </dsp:txBody>
+      <dsp:txXfrm>
+        <a:off x="1844034" y="3992098"/>
+        <a:ext cx="4401230" cy="1596566"/>
+      </dsp:txXfrm>
+    </dsp:sp>
+  </dsp:spTree>
+</dsp:drawing>
+</file>
+
+<file path=ppt/diagrams/layout1.xml><?xml version="1.0" encoding="utf-8"?>
+<dgm:layoutDef xmlns:dgm="http://schemas.openxmlformats.org/drawingml/2006/diagram" xmlns:a="http://schemas.openxmlformats.org/drawingml/2006/main" uniqueId="urn:microsoft.com/office/officeart/2018/2/layout/IconVerticalSolidList">
+  <dgm:title val="Icon Vertical Solid List"/>
+  <dgm:desc val="Use to show a series of visuals from top to bottom with Level 1 or Level 1 and Level 2 text grouped in a shape. Works best with icons or small pictures with lengthier descriptions."/>
+  <dgm:catLst>
+    <dgm:cat type="icon" pri="500"/>
+  </dgm:catLst>
+  <dgm:sampData useDef="1">
+    <dgm:dataModel>
+      <dgm:ptLst/>
+      <dgm:bg/>
+      <dgm:whole/>
+    </dgm:dataModel>
+  </dgm:sampData>
+  <dgm:styleData useDef="1">
+    <dgm:dataModel>
+      <dgm:ptLst/>
+      <dgm:bg/>
+      <dgm:whole/>
+    </dgm:dataModel>
+  </dgm:styleData>
+  <dgm:clrData useDef="1">
+    <dgm:dataModel>
+      <dgm:ptLst/>
+      <dgm:bg/>
+      <dgm:whole/>
+    </dgm:dataModel>
+  </dgm:clrData>
+  <dgm:layoutNode name="root">
+    <dgm:varLst>
+      <dgm:dir/>
+      <dgm:resizeHandles val="exact"/>
+    </dgm:varLst>
+    <dgm:choose name="Name0">
+      <dgm:if name="Name1" axis="self" func="var" arg="dir" op="equ" val="norm">
+        <dgm:alg type="lin">
+          <dgm:param type="linDir" val="fromT"/>
+          <dgm:param type="nodeHorzAlign" val="l"/>
+        </dgm:alg>
+      </dgm:if>
+      <dgm:else name="Name2">
+        <dgm:alg type="lin">
+          <dgm:param type="linDir" val="fromT"/>
+          <dgm:param type="nodeHorzAlign" val="r"/>
+        </dgm:alg>
+      </dgm:else>
+    </dgm:choose>
+    <dgm:shape xmlns:r="http://schemas.openxmlformats.org/officeDocument/2006/relationships" r:blip="">
+      <dgm:adjLst/>
+    </dgm:shape>
+    <dgm:presOf/>
+    <dgm:choose name="Name3">
+      <dgm:if name="Name4" axis="ch" ptType="node" func="cnt" op="lte" val="3">
+        <dgm:constrLst>
+          <dgm:constr type="h" for="ch" forName="compNode" refType="h" fact="0.3"/>
+          <dgm:constr type="w" for="ch" forName="compNode" refType="w"/>
+          <dgm:constr type="h" for="ch" forName="sibTrans" refType="h" refFor="ch" refForName="compNode" fact="0.25"/>
+          <dgm:constr type="primFontSz" for="des" forName="parTx" val="25"/>
+          <dgm:constr type="primFontSz" for="des" forName="desTx" refType="primFontSz" refFor="des" refForName="parTx" op="lte" fact="0.75"/>
+          <dgm:constr type="h" for="des" forName="compNode" op="equ"/>
+          <dgm:constr type="h" for="des" forName="bgRect" op="equ"/>
+          <dgm:constr type="h" for="des" forName="iconRect" op="equ"/>
+          <dgm:constr type="w" for="des" forName="iconRect" op="equ"/>
+          <dgm:constr type="h" for="des" forName="spaceRect" op="equ"/>
+          <dgm:constr type="h" for="des" forName="parTx" op="equ"/>
+          <dgm:constr type="h" for="des" forName="desTx" op="equ"/>
+        </dgm:constrLst>
+      </dgm:if>
+      <dgm:if name="Name5" axis="ch" ptType="node" func="cnt" op="lte" val="4">
+        <dgm:constrLst>
+          <dgm:constr type="h" for="ch" forName="compNode" refType="h" fact="0.3"/>
+          <dgm:constr type="w" for="ch" forName="compNode" refType="w"/>
+          <dgm:constr type="h" for="ch" forName="sibTrans" refType="h" refFor="ch" refForName="compNode" fact="0.25"/>
+          <dgm:constr type="primFontSz" for="des" forName="parTx" val="22"/>
+          <dgm:constr type="primFontSz" for="des" forName="desTx" refType="primFontSz" refFor="des" refForName="parTx" op="lte" fact="0.75"/>
+          <dgm:constr type="h" for="des" forName="compNode" op="equ"/>
+          <dgm:constr type="h" for="des" forName="bgRect" op="equ"/>
+          <dgm:constr type="h" for="des" forName="iconRect" op="equ"/>
+          <dgm:constr type="w" for="des" forName="iconRect" op="equ"/>
+          <dgm:constr type="h" for="des" forName="spaceRect" op="equ"/>
+          <dgm:constr type="h" for="des" forName="parTx" op="equ"/>
+          <dgm:constr type="h" for="des" forName="desTx" op="equ"/>
+        </dgm:constrLst>
+      </dgm:if>
+      <dgm:if name="Name6" axis="ch" ptType="node" func="cnt" op="lte" val="6">
+        <dgm:constrLst>
+          <dgm:constr type="h" for="ch" forName="compNode" refType="h" fact="0.3"/>
+          <dgm:constr type="w" for="ch" forName="compNode" refType="w"/>
+          <dgm:constr type="h" for="ch" forName="sibTrans" refType="h" refFor="ch" refForName="compNode" fact="0.25"/>
+          <dgm:constr type="primFontSz" for="des" forName="parTx" val="19"/>
+          <dgm:constr type="primFontSz" for="des" forName="desTx" refType="primFontSz" refFor="des" refForName="parTx" op="lte" fact="0.75"/>
+          <dgm:constr type="h" for="des" forName="compNode" op="equ"/>
+          <dgm:constr type="h" for="des" forName="bgRect" op="equ"/>
+          <dgm:constr type="h" for="des" forName="iconRect" op="equ"/>
+          <dgm:constr type="w" for="des" forName="iconRect" op="equ"/>
+          <dgm:constr type="h" for="des" forName="spaceRect" op="equ"/>
+          <dgm:constr type="h" for="des" forName="parTx" op="equ"/>
+          <dgm:constr type="h" for="des" forName="desTx" op="equ"/>
+        </dgm:constrLst>
+      </dgm:if>
+      <dgm:else name="Name7">
+        <dgm:constrLst>
+          <dgm:constr type="h" for="ch" forName="compNode" refType="h" fact="0.3"/>
+          <dgm:constr type="w" for="ch" forName="compNode" refType="w"/>
+          <dgm:constr type="h" for="ch" forName="sibTrans" refType="h" refFor="ch" refForName="compNode" fact="0.25"/>
+          <dgm:constr type="primFontSz" for="des" forName="parTx" val="16"/>
+          <dgm:constr type="primFontSz" for="des" forName="desTx" refType="primFontSz" refFor="des" refForName="parTx" op="lte" fact="0.75"/>
+          <dgm:constr type="h" for="des" forName="compNode" op="equ"/>
+          <dgm:constr type="h" for="des" forName="bgRect" op="equ"/>
+          <dgm:constr type="h" for="des" forName="iconRect" op="equ"/>
+          <dgm:constr type="w" for="des" forName="iconRect" op="equ"/>
+          <dgm:constr type="h" for="des" forName="spaceRect" op="equ"/>
+          <dgm:constr type="h" for="des" forName="parTx" op="equ"/>
+          <dgm:constr type="h" for="des" forName="desTx" op="equ"/>
+        </dgm:constrLst>
+      </dgm:else>
+    </dgm:choose>
+    <dgm:ruleLst>
+      <dgm:rule type="h" for="ch" forName="compNode" val="0" fact="NaN" max="NaN"/>
+    </dgm:ruleLst>
+    <dgm:forEach name="Name8" axis="ch" ptType="node">
+      <dgm:layoutNode name="compNode">
+        <dgm:alg type="composite"/>
+        <dgm:shape xmlns:r="http://schemas.openxmlformats.org/officeDocument/2006/relationships" r:blip="">
+          <dgm:adjLst/>
+        </dgm:shape>
+        <dgm:presOf axis="self"/>
+        <dgm:choose name="Name9">
+          <dgm:if name="Name10" axis="ch" ptType="node" func="cnt" op="gte" val="1">
+            <dgm:constrLst>
+              <dgm:constr type="w" for="ch" forName="bgRect" refType="w"/>
+              <dgm:constr type="h" for="ch" forName="bgRect" refType="h"/>
+              <dgm:constr type="l" for="ch" forName="bgRect"/>
+              <dgm:constr type="t" for="ch" forName="bgRect"/>
+              <dgm:constr type="h" for="ch" forName="iconRect" refType="h" fact="0.55"/>
+              <dgm:constr type="w" for="ch" forName="iconRect" refType="h" refFor="ch" refForName="iconRect"/>
+              <dgm:constr type="l" for="ch" forName="iconRect" refType="h" refFor="ch" refForName="iconRect" fact="0.55"/>
+              <dgm:constr type="ctrY" for="ch" forName="iconRect" refType="ctrY" refFor="ch" refForName="bgRect"/>
+              <dgm:constr type="w" for="ch" forName="spaceRect" refType="l" refFor="ch" refForName="iconRect"/>
+              <dgm:constr type="h" for="ch" forName="spaceRect" refType="h"/>
+              <dgm:constr type="l" for="ch" forName="spaceRect" refType="r" refFor="ch" refForName="iconRect"/>
+              <dgm:constr type="t" for="ch" forName="spaceRect"/>
+              <dgm:constr type="w" for="ch" forName="parTx" refType="w" fact="0.45"/>
+              <dgm:constr type="h" for="ch" forName="parTx" refType="h"/>
+              <dgm:constr type="l" for="ch" forName="parTx" refType="r" refFor="ch" refForName="spaceRect"/>
+              <dgm:constr type="t" for="ch" forName="parTx"/>
+              <dgm:constr type="h" for="ch" forName="desTx" refType="h"/>
+              <dgm:constr type="l" for="ch" forName="desTx" refType="r" refFor="ch" refForName="parTx"/>
+              <dgm:constr type="t" for="ch" forName="desTx"/>
+            </dgm:constrLst>
+          </dgm:if>
+          <dgm:else name="Name11">
+            <dgm:constrLst>
+              <dgm:constr type="w" for="ch" forName="bgRect" refType="w"/>
+              <dgm:constr type="h" for="ch" forName="bgRect" refType="h"/>
+              <dgm:constr type="l" for="ch" forName="bgRect"/>
+              <dgm:constr type="t" for="ch" forName="bgRect"/>
+              <dgm:constr type="h" for="ch" forName="iconRect" refType="h" fact="0.55"/>
+              <dgm:constr type="w" for="ch" forName="iconRect" refType="h" refFor="ch" refForName="iconRect"/>
+              <dgm:constr type="l" for="ch" forName="iconRect" refType="h" refFor="ch" refForName="iconRect" fact="0.55"/>
+              <dgm:constr type="ctrY" for="ch" forName="iconRect" refType="ctrY" refFor="ch" refForName="bgRect"/>
+              <dgm:constr type="w" for="ch" forName="spaceRect" refType="l" refFor="ch" refForName="iconRect"/>
+              <dgm:constr type="h" for="ch" forName="spaceRect" refType="h"/>
+              <dgm:constr type="l" for="ch" forName="spaceRect" refType="r" refFor="ch" refForName="iconRect"/>
+              <dgm:constr type="t" for="ch" forName="spaceRect"/>
+              <dgm:constr type="h" for="ch" forName="parTx" refType="h"/>
+              <dgm:constr type="l" for="ch" forName="parTx" refType="r" refFor="ch" refForName="spaceRect"/>
+              <dgm:constr type="t" for="ch" forName="parTx"/>
+            </dgm:constrLst>
+          </dgm:else>
+        </dgm:choose>
+        <dgm:ruleLst>
+          <dgm:rule type="h" val="INF" fact="NaN" max="NaN"/>
+        </dgm:ruleLst>
+        <dgm:layoutNode name="bgRect" styleLbl="bgShp">
+          <dgm:alg type="sp"/>
+          <dgm:shape xmlns:r="http://schemas.openxmlformats.org/officeDocument/2006/relationships" type="roundRect" r:blip="">
+            <dgm:adjLst>
+              <dgm:adj idx="1" val="0.1"/>
+            </dgm:adjLst>
+          </dgm:shape>
+          <dgm:presOf/>
+          <dgm:constrLst/>
+          <dgm:ruleLst/>
+        </dgm:layoutNode>
+        <dgm:layoutNode name="iconRect" styleLbl="node1">
+          <dgm:alg type="sp"/>
+          <dgm:shape xmlns:r="http://schemas.openxmlformats.org/officeDocument/2006/relationships" type="rect" r:blip="" blipPhldr="1">
+            <dgm:adjLst/>
+          </dgm:shape>
+          <dgm:presOf/>
+          <dgm:constrLst/>
+          <dgm:ruleLst/>
+        </dgm:layoutNode>
+        <dgm:layoutNode name="spaceRect">
+          <dgm:alg type="sp"/>
+          <dgm:shape xmlns:r="http://schemas.openxmlformats.org/officeDocument/2006/relationships" r:blip="">
+            <dgm:adjLst/>
+          </dgm:shape>
+          <dgm:presOf/>
+          <dgm:constrLst/>
+          <dgm:ruleLst/>
+        </dgm:layoutNode>
+        <dgm:layoutNode name="parTx" styleLbl="revTx">
+          <dgm:varLst>
+            <dgm:chMax val="0"/>
+            <dgm:chPref val="0"/>
+          </dgm:varLst>
+          <dgm:alg type="tx">
+            <dgm:param type="txAnchorVert" val="mid"/>
+            <dgm:param type="parTxLTRAlign" val="l"/>
+            <dgm:param type="shpTxLTRAlignCh" val="l"/>
+            <dgm:param type="parTxRTLAlign" val="r"/>
+            <dgm:param type="shpTxRTLAlignCh" val="r"/>
+          </dgm:alg>
+          <dgm:shape xmlns:r="http://schemas.openxmlformats.org/officeDocument/2006/relationships" type="rect" r:blip="">
+            <dgm:adjLst/>
+          </dgm:shape>
+          <dgm:presOf axis="self" ptType="node"/>
+          <dgm:constrLst>
+            <dgm:constr type="lMarg" refType="h" fact="0.3"/>
+            <dgm:constr type="rMarg" refType="h" fact="0.3"/>
+            <dgm:constr type="tMarg" refType="h" fact="0.3"/>
+            <dgm:constr type="bMarg" refType="h" fact="0.3"/>
+          </dgm:constrLst>
+          <dgm:ruleLst>
+            <dgm:rule type="primFontSz" val="14" fact="NaN" max="NaN"/>
+            <dgm:rule type="h" val="INF" fact="NaN" max="NaN"/>
+          </dgm:ruleLst>
+        </dgm:layoutNode>
+        <dgm:choose name="Name12">
+          <dgm:if name="Name13" axis="ch" ptType="node" func="cnt" op="gte" val="1">
+            <dgm:layoutNode name="desTx" styleLbl="revTx">
+              <dgm:varLst/>
+              <dgm:alg type="tx">
+                <dgm:param type="txAnchorVertCh" val="mid"/>
+                <dgm:param type="parTxLTRAlign" val="l"/>
+                <dgm:param type="shpTxLTRAlignCh" val="l"/>
+                <dgm:param type="parTxRTLAlign" val="r"/>
+                <dgm:param type="shpTxRTLAlignCh" val="r"/>
+                <dgm:param type="stBulletLvl" val="0"/>
+              </dgm:alg>
+              <dgm:shape xmlns:r="http://schemas.openxmlformats.org/officeDocument/2006/relationships" type="rect" r:blip="">
+                <dgm:adjLst/>
+              </dgm:shape>
+              <dgm:presOf axis="des" ptType="node"/>
+              <dgm:constrLst>
+                <dgm:constr type="primFontSz" val="18"/>
+                <dgm:constr type="secFontSz" refType="primFontSz"/>
+                <dgm:constr type="lMarg" refType="h" fact="0.3"/>
+                <dgm:constr type="rMarg" refType="h" fact="0.3"/>
+                <dgm:constr type="tMarg" refType="h" fact="0.3"/>
+                <dgm:constr type="bMarg" refType="h" fact="0.3"/>
+              </dgm:constrLst>
+              <dgm:ruleLst>
+                <dgm:rule type="primFontSz" val="11" fact="NaN" max="NaN"/>
+              </dgm:ruleLst>
+            </dgm:layoutNode>
+          </dgm:if>
+          <dgm:else name="Name14"/>
+        </dgm:choose>
+      </dgm:layoutNode>
+      <dgm:forEach name="Name15" axis="followSib" ptType="sibTrans" cnt="1">
+        <dgm:layoutNode name="sibTrans">
+          <dgm:alg type="sp"/>
+          <dgm:shape xmlns:r="http://schemas.openxmlformats.org/officeDocument/2006/relationships" r:blip="">
+            <dgm:adjLst/>
+          </dgm:shape>
+          <dgm:presOf axis="self"/>
+          <dgm:constrLst/>
+          <dgm:ruleLst/>
+        </dgm:layoutNode>
+      </dgm:forEach>
+    </dgm:forEach>
+  </dgm:layoutNode>
+  <dgm:extLst>
+    <a:ext uri="{68A01E43-0DF5-4B5B-8FA6-DAF915123BFB}">
+      <dgm1612:lstStyle xmlns:dgm1612="http://schemas.microsoft.com/office/drawing/2016/12/diagram">
+        <a:lvl1pPr>
+          <a:lnSpc>
+            <a:spcPct val="100000"/>
+          </a:lnSpc>
+        </a:lvl1pPr>
+        <a:lvl2pPr>
+          <a:lnSpc>
+            <a:spcPct val="100000"/>
+          </a:lnSpc>
+        </a:lvl2pPr>
+      </dgm1612:lstStyle>
+    </a:ext>
+  </dgm:extLst>
+</dgm:layoutDef>
+</file>
+
+<file path=ppt/diagrams/quickStyle1.xml><?xml version="1.0" encoding="utf-8"?>
+<dgm:styleDef xmlns:dgm="http://schemas.openxmlformats.org/drawingml/2006/diagram" xmlns:a="http://schemas.openxmlformats.org/drawingml/2006/main" uniqueId="urn:microsoft.com/office/officeart/2005/8/quickstyle/simple1">
+  <dgm:title val=""/>
+  <dgm:desc val=""/>
+  <dgm:catLst>
+    <dgm:cat type="simple" pri="10100"/>
+  </dgm:catLst>
+  <dgm:scene3d>
+    <a:camera prst="orthographicFront"/>
+    <a:lightRig rig="threePt" dir="t"/>
+  </dgm:scene3d>
+  <dgm:styleLbl name="node0">
+    <dgm:scene3d>
+      <a:camera prst="orthographicFront"/>
+      <a:lightRig rig="threePt" dir="t"/>
+    </dgm:scene3d>
+    <dgm:sp3d/>
+    <dgm:txPr/>
+    <dgm:style>
+      <a:lnRef idx="2">
+        <a:scrgbClr r="0" g="0" b="0"/>
+      </a:lnRef>
+      <a:fillRef idx="1">
+        <a:scrgbClr r="0" g="0" b="0"/>
+      </a:fillRef>
+      <a:effectRef idx="0">
+        <a:scrgbClr r="0" g="0" b="0"/>
+      </a:effectRef>
+      <a:fontRef idx="minor">
+        <a:schemeClr val="lt1"/>
+      </a:fontRef>
+    </dgm:style>
+  </dgm:styleLbl>
+  <dgm:styleLbl name="lnNode1">
+    <dgm:scene3d>
+      <a:camera prst="orthographicFront"/>
+      <a:lightRig rig="threePt" dir="t"/>
+    </dgm:scene3d>
+    <dgm:sp3d/>
+    <dgm:txPr/>
+    <dgm:style>
+      <a:lnRef idx="2">
+        <a:scrgbClr r="0" g="0" b="0"/>
+      </a:lnRef>
+      <a:fillRef idx="1">
+        <a:scrgbClr r="0" g="0" b="0"/>
+      </a:fillRef>
+      <a:effectRef idx="0">
+        <a:scrgbClr r="0" g="0" b="0"/>
+      </a:effectRef>
+      <a:fontRef idx="minor">
+        <a:schemeClr val="lt1"/>
+      </a:fontRef>
+    </dgm:style>
+  </dgm:styleLbl>
+  <dgm:styleLbl name="vennNode1">
+    <dgm:scene3d>
+      <a:camera prst="orthographicFront"/>
+      <a:lightRig rig="threePt" dir="t"/>
+    </dgm:scene3d>
+    <dgm:sp3d/>
+    <dgm:txPr/>
+    <dgm:style>
+      <a:lnRef idx="2">
+        <a:scrgbClr r="0" g="0" b="0"/>
+      </a:lnRef>
+      <a:fillRef idx="1">
+        <a:scrgbClr r="0" g="0" b="0"/>
+      </a:fillRef>
+      <a:effectRef idx="0">
+        <a:scrgbClr r="0" g="0" b="0"/>
+      </a:effectRef>
+      <a:fontRef idx="minor">
+        <a:schemeClr val="tx1"/>
+      </a:fontRef>
+    </dgm:style>
+  </dgm:styleLbl>
+  <dgm:styleLbl name="alignNode1">
+    <dgm:scene3d>
+      <a:camera prst="orthographicFront"/>
+      <a:lightRig rig="threePt" dir="t"/>
+    </dgm:scene3d>
+    <dgm:sp3d/>
+    <dgm:txPr/>
+    <dgm:style>
+      <a:lnRef idx="2">
+        <a:scrgbClr r="0" g="0" b="0"/>
+      </a:lnRef>
+      <a:fillRef idx="1">
+        <a:scrgbClr r="0" g="0" b="0"/>
+      </a:fillRef>
+      <a:effectRef idx="0">
+        <a:scrgbClr r="0" g="0" b="0"/>
+      </a:effectRef>
+      <a:fontRef idx="minor">
+        <a:schemeClr val="lt1"/>
+      </a:fontRef>
+    </dgm:style>
+  </dgm:styleLbl>
+  <dgm:styleLbl name="node1">
+    <dgm:scene3d>
+      <a:camera prst="orthographicFront"/>
+      <a:lightRig rig="threePt" dir="t"/>
+    </dgm:scene3d>
+    <dgm:sp3d/>
+    <dgm:txPr/>
+    <dgm:style>
+      <a:lnRef idx="2">
+        <a:scrgbClr r="0" g="0" b="0"/>
+      </a:lnRef>
+      <a:fillRef idx="1">
+        <a:scrgbClr r="0" g="0" b="0"/>
+      </a:fillRef>
+      <a:effectRef idx="0">
+        <a:scrgbClr r="0" g="0" b="0"/>
+      </a:effectRef>
+      <a:fontRef idx="minor">
+        <a:schemeClr val="lt1"/>
+      </a:fontRef>
+    </dgm:style>
+  </dgm:styleLbl>
+  <dgm:styleLbl name="node2">
+    <dgm:scene3d>
+      <a:camera prst="orthographicFront"/>
+      <a:lightRig rig="threePt" dir="t"/>
+    </dgm:scene3d>
+    <dgm:sp3d/>
+    <dgm:txPr/>
+    <dgm:style>
+      <a:lnRef idx="2">
+        <a:scrgbClr r="0" g="0" b="0"/>
+      </a:lnRef>
+      <a:fillRef idx="1">
+        <a:scrgbClr r="0" g="0" b="0"/>
+      </a:fillRef>
+      <a:effectRef idx="0">
+        <a:scrgbClr r="0" g="0" b="0"/>
+      </a:effectRef>
+      <a:fontRef idx="minor">
+        <a:schemeClr val="lt1"/>
+      </a:fontRef>
+    </dgm:style>
+  </dgm:styleLbl>
+  <dgm:styleLbl name="node3">
+    <dgm:scene3d>
+      <a:camera prst="orthographicFront"/>
+      <a:lightRig rig="threePt" dir="t"/>
+    </dgm:scene3d>
+    <dgm:sp3d/>
+    <dgm:txPr/>
+    <dgm:style>
+      <a:lnRef idx="2">
+        <a:scrgbClr r="0" g="0" b="0"/>
+      </a:lnRef>
+      <a:fillRef idx="1">
+        <a:scrgbClr r="0" g="0" b="0"/>
+      </a:fillRef>
+      <a:effectRef idx="0">
+        <a:scrgbClr r="0" g="0" b="0"/>
+      </a:effectRef>
+      <a:fontRef idx="minor">
+        <a:schemeClr val="lt1"/>
+      </a:fontRef>
+    </dgm:style>
+  </dgm:styleLbl>
+  <dgm:styleLbl name="node4">
+    <dgm:scene3d>
+      <a:camera prst="orthographicFront"/>
+      <a:lightRig rig="threePt" dir="t"/>
+    </dgm:scene3d>
+    <dgm:sp3d/>
+    <dgm:txPr/>
+    <dgm:style>
+      <a:lnRef idx="2">
+        <a:scrgbClr r="0" g="0" b="0"/>
+      </a:lnRef>
+      <a:fillRef idx="1">
+        <a:scrgbClr r="0" g="0" b="0"/>
+      </a:fillRef>
+      <a:effectRef idx="0">
+        <a:scrgbClr r="0" g="0" b="0"/>
+      </a:effectRef>
+      <a:fontRef idx="minor">
+        <a:schemeClr val="lt1"/>
+      </a:fontRef>
+    </dgm:style>
+  </dgm:styleLbl>
+  <dgm:styleLbl name="fgImgPlace1">
+    <dgm:scene3d>
+      <a:camera prst="orthographicFront"/>
+      <a:lightRig rig="threePt" dir="t"/>
+    </dgm:scene3d>
+    <dgm:sp3d/>
+    <dgm:txPr/>
+    <dgm:style>
+      <a:lnRef idx="2">
+        <a:scrgbClr r="0" g="0" b="0"/>
+      </a:lnRef>
+      <a:fillRef idx="1">
+        <a:scrgbClr r="0" g="0" b="0"/>
+      </a:fillRef>
+      <a:effectRef idx="0">
+        <a:scrgbClr r="0" g="0" b="0"/>
+      </a:effectRef>
+      <a:fontRef idx="minor"/>
+    </dgm:style>
+  </dgm:styleLbl>
+  <dgm:styleLbl name="alignImgPlace1">
+    <dgm:scene3d>
+      <a:camera prst="orthographicFront"/>
+      <a:lightRig rig="threePt" dir="t"/>
+    </dgm:scene3d>
+    <dgm:sp3d/>
+    <dgm:txPr/>
+    <dgm:style>
+      <a:lnRef idx="2">
+        <a:scrgbClr r="0" g="0" b="0"/>
+      </a:lnRef>
+      <a:fillRef idx="1">
+        <a:scrgbClr r="0" g="0" b="0"/>
+      </a:fillRef>
+      <a:effectRef idx="0">
+        <a:scrgbClr r="0" g="0" b="0"/>
+      </a:effectRef>
+      <a:fontRef idx="minor"/>
+    </dgm:style>
+  </dgm:styleLbl>
+  <dgm:styleLbl name="bgImgPlace1">
+    <dgm:scene3d>
+      <a:camera prst="orthographicFront"/>
+      <a:lightRig rig="threePt" dir="t"/>
+    </dgm:scene3d>
+    <dgm:sp3d/>
+    <dgm:txPr/>
+    <dgm:style>
+      <a:lnRef idx="2">
+        <a:scrgbClr r="0" g="0" b="0"/>
+      </a:lnRef>
+      <a:fillRef idx="1">
+        <a:scrgbClr r="0" g="0" b="0"/>
+      </a:fillRef>
+      <a:effectRef idx="0">
+        <a:scrgbClr r="0" g="0" b="0"/>
+      </a:effectRef>
+      <a:fontRef idx="minor"/>
+    </dgm:style>
+  </dgm:styleLbl>
+  <dgm:styleLbl name="sibTrans2D1">
+    <dgm:scene3d>
+      <a:camera prst="orthographicFront"/>
+      <a:lightRig rig="threePt" dir="t"/>
+    </dgm:scene3d>
+    <dgm:sp3d/>
+    <dgm:txPr/>
+    <dgm:style>
+      <a:lnRef idx="0">
+        <a:scrgbClr r="0" g="0" b="0"/>
+      </a:lnRef>
+      <a:fillRef idx="1">
+        <a:scrgbClr r="0" g="0" b="0"/>
+      </a:fillRef>
+      <a:effectRef idx="0">
+        <a:scrgbClr r="0" g="0" b="0"/>
+      </a:effectRef>
+      <a:fontRef idx="minor">
+        <a:schemeClr val="lt1"/>
+      </a:fontRef>
+    </dgm:style>
+  </dgm:styleLbl>
+  <dgm:styleLbl name="fgSibTrans2D1">
+    <dgm:scene3d>
+      <a:camera prst="orthographicFront"/>
+      <a:lightRig rig="threePt" dir="t"/>
+    </dgm:scene3d>
+    <dgm:sp3d/>
+    <dgm:txPr/>
+    <dgm:style>
+      <a:lnRef idx="0">
+        <a:scrgbClr r="0" g="0" b="0"/>
+      </a:lnRef>
+      <a:fillRef idx="1">
+        <a:scrgbClr r="0" g="0" b="0"/>
+      </a:fillRef>
+      <a:effectRef idx="0">
+        <a:scrgbClr r="0" g="0" b="0"/>
+      </a:effectRef>
+      <a:fontRef idx="minor">
+        <a:schemeClr val="lt1"/>
+      </a:fontRef>
+    </dgm:style>
+  </dgm:styleLbl>
+  <dgm:styleLbl name="bgSibTrans2D1">
+    <dgm:scene3d>
+      <a:camera prst="orthographicFront"/>
+      <a:lightRig rig="threePt" dir="t"/>
+    </dgm:scene3d>
+    <dgm:sp3d/>
+    <dgm:txPr/>
+    <dgm:style>
+      <a:lnRef idx="0">
+        <a:scrgbClr r="0" g="0" b="0"/>
+      </a:lnRef>
+      <a:fillRef idx="1">
+        <a:scrgbClr r="0" g="0" b="0"/>
+      </a:fillRef>
+      <a:effectRef idx="0">
+        <a:scrgbClr r="0" g="0" b="0"/>
+      </a:effectRef>
+      <a:fontRef idx="minor">
+        <a:schemeClr val="lt1"/>
+      </a:fontRef>
+    </dgm:style>
+  </dgm:styleLbl>
+  <dgm:styleLbl name="sibTrans1D1">
+    <dgm:scene3d>
+      <a:camera prst="orthographicFront"/>
+      <a:lightRig rig="threePt" dir="t"/>
+    </dgm:scene3d>
+    <dgm:sp3d/>
+    <dgm:txPr/>
+    <dgm:style>
+      <a:lnRef idx="1">
+        <a:scrgbClr r="0" g="0" b="0"/>
+      </a:lnRef>
+      <a:fillRef idx="0">
+        <a:scrgbClr r="0" g="0" b="0"/>
+      </a:fillRef>
+      <a:effectRef idx="0">
+        <a:scrgbClr r="0" g="0" b="0"/>
+      </a:effectRef>
+      <a:fontRef idx="minor"/>
+    </dgm:style>
+  </dgm:styleLbl>
+  <dgm:styleLbl name="callout">
+    <dgm:scene3d>
+      <a:camera prst="orthographicFront"/>
+      <a:lightRig rig="threePt" dir="t"/>
+    </dgm:scene3d>
+    <dgm:sp3d/>
+    <dgm:txPr/>
+    <dgm:style>
+      <a:lnRef idx="2">
+        <a:scrgbClr r="0" g="0" b="0"/>
+      </a:lnRef>
+      <a:fillRef idx="1">
+        <a:scrgbClr r="0" g="0" b="0"/>
+      </a:fillRef>
+      <a:effectRef idx="0">
+        <a:scrgbClr r="0" g="0" b="0"/>
+      </a:effectRef>
+      <a:fontRef idx="minor"/>
+    </dgm:style>
+  </dgm:styleLbl>
+  <dgm:styleLbl name="asst0">
+    <dgm:scene3d>
+      <a:camera prst="orthographicFront"/>
+      <a:lightRig rig="threePt" dir="t"/>
+    </dgm:scene3d>
+    <dgm:sp3d/>
+    <dgm:txPr/>
+    <dgm:style>
+      <a:lnRef idx="2">
+        <a:scrgbClr r="0" g="0" b="0"/>
+      </a:lnRef>
+      <a:fillRef idx="1">
+        <a:scrgbClr r="0" g="0" b="0"/>
+      </a:fillRef>
+      <a:effectRef idx="0">
+        <a:scrgbClr r="0" g="0" b="0"/>
+      </a:effectRef>
+      <a:fontRef idx="minor">
+        <a:schemeClr val="lt1"/>
+      </a:fontRef>
+    </dgm:style>
+  </dgm:styleLbl>
+  <dgm:styleLbl name="asst1">
+    <dgm:scene3d>
+      <a:camera prst="orthographicFront"/>
+      <a:lightRig rig="threePt" dir="t"/>
+    </dgm:scene3d>
+    <dgm:sp3d/>
+    <dgm:txPr/>
+    <dgm:style>
+      <a:lnRef idx="2">
+        <a:scrgbClr r="0" g="0" b="0"/>
+      </a:lnRef>
+      <a:fillRef idx="1">
+        <a:scrgbClr r="0" g="0" b="0"/>
+      </a:fillRef>
+      <a:effectRef idx="0">
+        <a:scrgbClr r="0" g="0" b="0"/>
+      </a:effectRef>
+      <a:fontRef idx="minor">
+        <a:schemeClr val="lt1"/>
+      </a:fontRef>
+    </dgm:style>
+  </dgm:styleLbl>
+  <dgm:styleLbl name="asst2">
+    <dgm:scene3d>
+      <a:camera prst="orthographicFront"/>
+      <a:lightRig rig="threePt" dir="t"/>
+    </dgm:scene3d>
+    <dgm:sp3d/>
+    <dgm:txPr/>
+    <dgm:style>
+      <a:lnRef idx="2">
+        <a:scrgbClr r="0" g="0" b="0"/>
+      </a:lnRef>
+      <a:fillRef idx="1">
+        <a:scrgbClr r="0" g="0" b="0"/>
+      </a:fillRef>
+      <a:effectRef idx="0">
+        <a:scrgbClr r="0" g="0" b="0"/>
+      </a:effectRef>
+      <a:fontRef idx="minor">
+        <a:schemeClr val="lt1"/>
+      </a:fontRef>
+    </dgm:style>
+  </dgm:styleLbl>
+  <dgm:styleLbl name="asst3">
+    <dgm:scene3d>
+      <a:camera prst="orthographicFront"/>
+      <a:lightRig rig="threePt" dir="t"/>
+    </dgm:scene3d>
+    <dgm:sp3d/>
+    <dgm:txPr/>
+    <dgm:style>
+      <a:lnRef idx="2">
+        <a:scrgbClr r="0" g="0" b="0"/>
+      </a:lnRef>
+      <a:fillRef idx="1">
+        <a:scrgbClr r="0" g="0" b="0"/>
+      </a:fillRef>
+      <a:effectRef idx="0">
+        <a:scrgbClr r="0" g="0" b="0"/>
+      </a:effectRef>
+      <a:fontRef idx="minor">
+        <a:schemeClr val="lt1"/>
+      </a:fontRef>
+    </dgm:style>
+  </dgm:styleLbl>
+  <dgm:styleLbl name="asst4">
+    <dgm:scene3d>
+      <a:camera prst="orthographicFront"/>
+      <a:lightRig rig="threePt" dir="t"/>
+    </dgm:scene3d>
+    <dgm:sp3d/>
+    <dgm:txPr/>
+    <dgm:style>
+      <a:lnRef idx="2">
+        <a:scrgbClr r="0" g="0" b="0"/>
+      </a:lnRef>
+      <a:fillRef idx="1">
+        <a:scrgbClr r="0" g="0" b="0"/>
+      </a:fillRef>
+      <a:effectRef idx="0">
+        <a:scrgbClr r="0" g="0" b="0"/>
+      </a:effectRef>
+      <a:fontRef idx="minor">
+        <a:schemeClr val="lt1"/>
+      </a:fontRef>
+    </dgm:style>
+  </dgm:styleLbl>
+  <dgm:styleLbl name="parChTrans2D1">
+    <dgm:scene3d>
+      <a:camera prst="orthographicFront"/>
+      <a:lightRig rig="threePt" dir="t"/>
+    </dgm:scene3d>
+    <dgm:sp3d/>
+    <dgm:txPr/>
+    <dgm:style>
+      <a:lnRef idx="2">
+        <a:scrgbClr r="0" g="0" b="0"/>
+      </a:lnRef>
+      <a:fillRef idx="1">
+        <a:scrgbClr r="0" g="0" b="0"/>
+      </a:fillRef>
+      <a:effectRef idx="0">
+        <a:scrgbClr r="0" g="0" b="0"/>
+      </a:effectRef>
+      <a:fontRef idx="minor">
+        <a:schemeClr val="lt1"/>
+      </a:fontRef>
+    </dgm:style>
+  </dgm:styleLbl>
+  <dgm:styleLbl name="parChTrans2D2">
+    <dgm:scene3d>
+      <a:camera prst="orthographicFront"/>
+      <a:lightRig rig="threePt" dir="t"/>
+    </dgm:scene3d>
+    <dgm:sp3d/>
+    <dgm:txPr/>
+    <dgm:style>
+      <a:lnRef idx="2">
+        <a:scrgbClr r="0" g="0" b="0"/>
+      </a:lnRef>
+      <a:fillRef idx="1">
+        <a:scrgbClr r="0" g="0" b="0"/>
+      </a:fillRef>
+      <a:effectRef idx="0">
+        <a:scrgbClr r="0" g="0" b="0"/>
+      </a:effectRef>
+      <a:fontRef idx="minor">
+        <a:schemeClr val="lt1"/>
+      </a:fontRef>
+    </dgm:style>
+  </dgm:styleLbl>
+  <dgm:styleLbl name="parChTrans2D3">
+    <dgm:scene3d>
+      <a:camera prst="orthographicFront"/>
+      <a:lightRig rig="threePt" dir="t"/>
+    </dgm:scene3d>
+    <dgm:sp3d/>
+    <dgm:txPr/>
+    <dgm:style>
+      <a:lnRef idx="2">
+        <a:scrgbClr r="0" g="0" b="0"/>
+      </a:lnRef>
+      <a:fillRef idx="1">
+        <a:scrgbClr r="0" g="0" b="0"/>
+      </a:fillRef>
+      <a:effectRef idx="0">
+        <a:scrgbClr r="0" g="0" b="0"/>
+      </a:effectRef>
+      <a:fontRef idx="minor">
+        <a:schemeClr val="lt1"/>
+      </a:fontRef>
+    </dgm:style>
+  </dgm:styleLbl>
+  <dgm:styleLbl name="parChTrans2D4">
+    <dgm:scene3d>
+      <a:camera prst="orthographicFront"/>
+      <a:lightRig rig="threePt" dir="t"/>
+    </dgm:scene3d>
+    <dgm:sp3d/>
+    <dgm:txPr/>
+    <dgm:style>
+      <a:lnRef idx="2">
+        <a:scrgbClr r="0" g="0" b="0"/>
+      </a:lnRef>
+      <a:fillRef idx="1">
+        <a:scrgbClr r="0" g="0" b="0"/>
+      </a:fillRef>
+      <a:effectRef idx="0">
+        <a:scrgbClr r="0" g="0" b="0"/>
+      </a:effectRef>
+      <a:fontRef idx="minor">
+        <a:schemeClr val="lt1"/>
+      </a:fontRef>
+    </dgm:style>
+  </dgm:styleLbl>
+  <dgm:styleLbl name="parChTrans1D1">
+    <dgm:scene3d>
+      <a:camera prst="orthographicFront"/>
+      <a:lightRig rig="threePt" dir="t"/>
+    </dgm:scene3d>
+    <dgm:sp3d/>
+    <dgm:txPr/>
+    <dgm:style>
+      <a:lnRef idx="2">
+        <a:scrgbClr r="0" g="0" b="0"/>
+      </a:lnRef>
+      <a:fillRef idx="0">
+        <a:scrgbClr r="0" g="0" b="0"/>
+      </a:fillRef>
+      <a:effectRef idx="0">
+        <a:scrgbClr r="0" g="0" b="0"/>
+      </a:effectRef>
+      <a:fontRef idx="minor"/>
+    </dgm:style>
+  </dgm:styleLbl>
+  <dgm:styleLbl name="parChTrans1D2">
+    <dgm:scene3d>
+      <a:camera prst="orthographicFront"/>
+      <a:lightRig rig="threePt" dir="t"/>
+    </dgm:scene3d>
+    <dgm:sp3d/>
+    <dgm:txPr/>
+    <dgm:style>
+      <a:lnRef idx="2">
+        <a:scrgbClr r="0" g="0" b="0"/>
+      </a:lnRef>
+      <a:fillRef idx="0">
+        <a:scrgbClr r="0" g="0" b="0"/>
+      </a:fillRef>
+      <a:effectRef idx="0">
+        <a:scrgbClr r="0" g="0" b="0"/>
+      </a:effectRef>
+      <a:fontRef idx="minor"/>
+    </dgm:style>
+  </dgm:styleLbl>
+  <dgm:styleLbl name="parChTrans1D3">
+    <dgm:scene3d>
+      <a:camera prst="orthographicFront"/>
+      <a:lightRig rig="threePt" dir="t"/>
+    </dgm:scene3d>
+    <dgm:sp3d/>
+    <dgm:txPr/>
+    <dgm:style>
+      <a:lnRef idx="2">
+        <a:scrgbClr r="0" g="0" b="0"/>
+      </a:lnRef>
+      <a:fillRef idx="0">
+        <a:scrgbClr r="0" g="0" b="0"/>
+      </a:fillRef>
+      <a:effectRef idx="0">
+        <a:scrgbClr r="0" g="0" b="0"/>
+      </a:effectRef>
+      <a:fontRef idx="minor"/>
+    </dgm:style>
+  </dgm:styleLbl>
+  <dgm:styleLbl name="parChTrans1D4">
+    <dgm:scene3d>
+      <a:camera prst="orthographicFront"/>
+      <a:lightRig rig="threePt" dir="t"/>
+    </dgm:scene3d>
+    <dgm:sp3d/>
+    <dgm:txPr/>
+    <dgm:style>
+      <a:lnRef idx="2">
+        <a:scrgbClr r="0" g="0" b="0"/>
+      </a:lnRef>
+      <a:fillRef idx="0">
+        <a:scrgbClr r="0" g="0" b="0"/>
+      </a:fillRef>
+      <a:effectRef idx="0">
+        <a:scrgbClr r="0" g="0" b="0"/>
+      </a:effectRef>
+      <a:fontRef idx="minor"/>
+    </dgm:style>
+  </dgm:styleLbl>
+  <dgm:styleLbl name="fgAcc1">
+    <dgm:scene3d>
+      <a:camera prst="orthographicFront"/>
+      <a:lightRig rig="threePt" dir="t"/>
+    </dgm:scene3d>
+    <dgm:sp3d/>
+    <dgm:txPr/>
+    <dgm:style>
+      <a:lnRef idx="2">
+        <a:scrgbClr r="0" g="0" b="0"/>
+      </a:lnRef>
+      <a:fillRef idx="1">
+        <a:scrgbClr r="0" g="0" b="0"/>
+      </a:fillRef>
+      <a:effectRef idx="0">
+        <a:scrgbClr r="0" g="0" b="0"/>
+      </a:effectRef>
+      <a:fontRef idx="minor"/>
+    </dgm:style>
+  </dgm:styleLbl>
+  <dgm:styleLbl name="conFgAcc1">
+    <dgm:scene3d>
+      <a:camera prst="orthographicFront"/>
+      <a:lightRig rig="threePt" dir="t"/>
+    </dgm:scene3d>
+    <dgm:sp3d/>
+    <dgm:txPr/>
+    <dgm:style>
+      <a:lnRef idx="2">
+        <a:scrgbClr r="0" g="0" b="0"/>
+      </a:lnRef>
+      <a:fillRef idx="1">
+        <a:scrgbClr r="0" g="0" b="0"/>
+      </a:fillRef>
+      <a:effectRef idx="0">
+        <a:scrgbClr r="0" g="0" b="0"/>
+      </a:effectRef>
+      <a:fontRef idx="minor"/>
+    </dgm:style>
+  </dgm:styleLbl>
+  <dgm:styleLbl name="alignAcc1">
+    <dgm:scene3d>
+      <a:camera prst="orthographicFront"/>
+      <a:lightRig rig="threePt" dir="t"/>
+    </dgm:scene3d>
+    <dgm:sp3d/>
+    <dgm:txPr/>
+    <dgm:style>
+      <a:lnRef idx="2">
+        <a:scrgbClr r="0" g="0" b="0"/>
+      </a:lnRef>
+      <a:fillRef idx="1">
+        <a:scrgbClr r="0" g="0" b="0"/>
+      </a:fillRef>
+      <a:effectRef idx="0">
+        <a:scrgbClr r="0" g="0" b="0"/>
+      </a:effectRef>
+      <a:fontRef idx="minor"/>
+    </dgm:style>
+  </dgm:styleLbl>
+  <dgm:styleLbl name="trAlignAcc1">
+    <dgm:scene3d>
+      <a:camera prst="orthographicFront"/>
+      <a:lightRig rig="threePt" dir="t"/>
+    </dgm:scene3d>
+    <dgm:sp3d/>
+    <dgm:txPr/>
+    <dgm:style>
+      <a:lnRef idx="1">
+        <a:scrgbClr r="0" g="0" b="0"/>
+      </a:lnRef>
+      <a:fillRef idx="1">
+        <a:scrgbClr r="0" g="0" b="0"/>
+      </a:fillRef>
+      <a:effectRef idx="0">
+        <a:scrgbClr r="0" g="0" b="0"/>
+      </a:effectRef>
+      <a:fontRef idx="minor"/>
+    </dgm:style>
+  </dgm:styleLbl>
+  <dgm:styleLbl name="bgAcc1">
+    <dgm:scene3d>
+      <a:camera prst="orthographicFront"/>
+      <a:lightRig rig="threePt" dir="t"/>
+    </dgm:scene3d>
+    <dgm:sp3d/>
+    <dgm:txPr/>
+    <dgm:style>
+      <a:lnRef idx="2">
+        <a:scrgbClr r="0" g="0" b="0"/>
+      </a:lnRef>
+      <a:fillRef idx="1">
+        <a:scrgbClr r="0" g="0" b="0"/>
+      </a:fillRef>
+      <a:effectRef idx="0">
+        <a:scrgbClr r="0" g="0" b="0"/>
+      </a:effectRef>
+      <a:fontRef idx="minor"/>
+    </dgm:style>
+  </dgm:styleLbl>
+  <dgm:styleLbl name="solidFgAcc1">
+    <dgm:scene3d>
+      <a:camera prst="orthographicFront"/>
+      <a:lightRig rig="threePt" dir="t"/>
+    </dgm:scene3d>
+    <dgm:sp3d/>
+    <dgm:txPr/>
+    <dgm:style>
+      <a:lnRef idx="2">
+        <a:scrgbClr r="0" g="0" b="0"/>
+      </a:lnRef>
+      <a:fillRef idx="1">
+        <a:scrgbClr r="0" g="0" b="0"/>
+      </a:fillRef>
+      <a:effectRef idx="0">
+        <a:scrgbClr r="0" g="0" b="0"/>
+      </a:effectRef>
+      <a:fontRef idx="minor"/>
+    </dgm:style>
+  </dgm:styleLbl>
+  <dgm:styleLbl name="solidAlignAcc1">
+    <dgm:scene3d>
+      <a:camera prst="orthographicFront"/>
+      <a:lightRig rig="threePt" dir="t"/>
+    </dgm:scene3d>
+    <dgm:sp3d/>
+    <dgm:txPr/>
+    <dgm:style>
+      <a:lnRef idx="2">
+        <a:scrgbClr r="0" g="0" b="0"/>
+      </a:lnRef>
+      <a:fillRef idx="1">
+        <a:scrgbClr r="0" g="0" b="0"/>
+      </a:fillRef>
+      <a:effectRef idx="0">
+        <a:scrgbClr r="0" g="0" b="0"/>
+      </a:effectRef>
+      <a:fontRef idx="minor"/>
+    </dgm:style>
+  </dgm:styleLbl>
+  <dgm:styleLbl name="solidBgAcc1">
+    <dgm:scene3d>
+      <a:camera prst="orthographicFront"/>
+      <a:lightRig rig="threePt" dir="t"/>
+    </dgm:scene3d>
+    <dgm:sp3d/>
+    <dgm:txPr/>
+    <dgm:style>
+      <a:lnRef idx="2">
+        <a:scrgbClr r="0" g="0" b="0"/>
+      </a:lnRef>
+      <a:fillRef idx="1">
+        <a:scrgbClr r="0" g="0" b="0"/>
+      </a:fillRef>
+      <a:effectRef idx="0">
+        <a:scrgbClr r="0" g="0" b="0"/>
+      </a:effectRef>
+      <a:fontRef idx="minor"/>
+    </dgm:style>
+  </dgm:styleLbl>
+  <dgm:styleLbl name="fgAccFollowNode1">
+    <dgm:scene3d>
+      <a:camera prst="orthographicFront"/>
+      <a:lightRig rig="threePt" dir="t"/>
+    </dgm:scene3d>
+    <dgm:sp3d/>
+    <dgm:txPr/>
+    <dgm:style>
+      <a:lnRef idx="2">
+        <a:scrgbClr r="0" g="0" b="0"/>
+      </a:lnRef>
+      <a:fillRef idx="1">
+        <a:scrgbClr r="0" g="0" b="0"/>
+      </a:fillRef>
+      <a:effectRef idx="0">
+        <a:scrgbClr r="0" g="0" b="0"/>
+      </a:effectRef>
+      <a:fontRef idx="minor"/>
+    </dgm:style>
+  </dgm:styleLbl>
+  <dgm:styleLbl name="alignAccFollowNode1">
+    <dgm:scene3d>
+      <a:camera prst="orthographicFront"/>
+      <a:lightRig rig="threePt" dir="t"/>
+    </dgm:scene3d>
+    <dgm:sp3d/>
+    <dgm:txPr/>
+    <dgm:style>
+      <a:lnRef idx="2">
+        <a:scrgbClr r="0" g="0" b="0"/>
+      </a:lnRef>
+      <a:fillRef idx="1">
+        <a:scrgbClr r="0" g="0" b="0"/>
+      </a:fillRef>
+      <a:effectRef idx="0">
+        <a:scrgbClr r="0" g="0" b="0"/>
+      </a:effectRef>
+      <a:fontRef idx="minor"/>
+    </dgm:style>
+  </dgm:styleLbl>
+  <dgm:styleLbl name="bgAccFollowNode1">
+    <dgm:scene3d>
+      <a:camera prst="orthographicFront"/>
+      <a:lightRig rig="threePt" dir="t"/>
+    </dgm:scene3d>
+    <dgm:sp3d/>
+    <dgm:txPr/>
+    <dgm:style>
+      <a:lnRef idx="2">
+        <a:scrgbClr r="0" g="0" b="0"/>
+      </a:lnRef>
+      <a:fillRef idx="1">
+        <a:scrgbClr r="0" g="0" b="0"/>
+      </a:fillRef>
+      <a:effectRef idx="0">
+        <a:scrgbClr r="0" g="0" b="0"/>
+      </a:effectRef>
+      <a:fontRef idx="minor"/>
+    </dgm:style>
+  </dgm:styleLbl>
+  <dgm:styleLbl name="fgAcc0">
+    <dgm:scene3d>
+      <a:camera prst="orthographicFront"/>
+      <a:lightRig rig="threePt" dir="t"/>
+    </dgm:scene3d>
+    <dgm:sp3d/>
+    <dgm:txPr/>
+    <dgm:style>
+      <a:lnRef idx="2">
+        <a:scrgbClr r="0" g="0" b="0"/>
+      </a:lnRef>
+      <a:fillRef idx="1">
+        <a:scrgbClr r="0" g="0" b="0"/>
+      </a:fillRef>
+      <a:effectRef idx="0">
+        <a:scrgbClr r="0" g="0" b="0"/>
+      </a:effectRef>
+      <a:fontRef idx="minor"/>
+    </dgm:style>
+  </dgm:styleLbl>
+  <dgm:styleLbl name="fgAcc2">
+    <dgm:scene3d>
+      <a:camera prst="orthographicFront"/>
+      <a:lightRig rig="threePt" dir="t"/>
+    </dgm:scene3d>
+    <dgm:sp3d/>
+    <dgm:txPr/>
+    <dgm:style>
+      <a:lnRef idx="2">
+        <a:scrgbClr r="0" g="0" b="0"/>
+      </a:lnRef>
+      <a:fillRef idx="1">
+        <a:scrgbClr r="0" g="0" b="0"/>
+      </a:fillRef>
+      <a:effectRef idx="0">
+        <a:scrgbClr r="0" g="0" b="0"/>
+      </a:effectRef>
+      <a:fontRef idx="minor"/>
+    </dgm:style>
+  </dgm:styleLbl>
+  <dgm:styleLbl name="fgAcc3">
+    <dgm:scene3d>
+      <a:camera prst="orthographicFront"/>
+      <a:lightRig rig="threePt" dir="t"/>
+    </dgm:scene3d>
+    <dgm:sp3d/>
+    <dgm:txPr/>
+    <dgm:style>
+      <a:lnRef idx="2">
+        <a:scrgbClr r="0" g="0" b="0"/>
+      </a:lnRef>
+      <a:fillRef idx="1">
+        <a:scrgbClr r="0" g="0" b="0"/>
+      </a:fillRef>
+      <a:effectRef idx="0">
+        <a:scrgbClr r="0" g="0" b="0"/>
+      </a:effectRef>
+      <a:fontRef idx="minor"/>
+    </dgm:style>
+  </dgm:styleLbl>
+  <dgm:styleLbl name="fgAcc4">
+    <dgm:scene3d>
+      <a:camera prst="orthographicFront"/>
+      <a:lightRig rig="threePt" dir="t"/>
+    </dgm:scene3d>
+    <dgm:sp3d/>
+    <dgm:txPr/>
+    <dgm:style>
+      <a:lnRef idx="2">
+        <a:scrgbClr r="0" g="0" b="0"/>
+      </a:lnRef>
+      <a:fillRef idx="1">
+        <a:scrgbClr r="0" g="0" b="0"/>
+      </a:fillRef>
+      <a:effectRef idx="0">
+        <a:scrgbClr r="0" g="0" b="0"/>
+      </a:effectRef>
+      <a:fontRef idx="minor"/>
+    </dgm:style>
+  </dgm:styleLbl>
+  <dgm:styleLbl name="bgShp">
+    <dgm:scene3d>
+      <a:camera prst="orthographicFront"/>
+      <a:lightRig rig="threePt" dir="t"/>
+    </dgm:scene3d>
+    <dgm:sp3d/>
+    <dgm:txPr/>
+    <dgm:style>
+      <a:lnRef idx="0">
+        <a:scrgbClr r="0" g="0" b="0"/>
+      </a:lnRef>
+      <a:fillRef idx="1">
+        <a:scrgbClr r="0" g="0" b="0"/>
+      </a:fillRef>
+      <a:effectRef idx="0">
+        <a:scrgbClr r="0" g="0" b="0"/>
+      </a:effectRef>
+      <a:fontRef idx="minor"/>
+    </dgm:style>
+  </dgm:styleLbl>
+  <dgm:styleLbl name="dkBgShp">
+    <dgm:scene3d>
+      <a:camera prst="orthographicFront"/>
+      <a:lightRig rig="threePt" dir="t"/>
+    </dgm:scene3d>
+    <dgm:sp3d/>
+    <dgm:txPr/>
+    <dgm:style>
+      <a:lnRef idx="0">
+        <a:scrgbClr r="0" g="0" b="0"/>
+      </a:lnRef>
+      <a:fillRef idx="1">
+        <a:scrgbClr r="0" g="0" b="0"/>
+      </a:fillRef>
+      <a:effectRef idx="0">
+        <a:scrgbClr r="0" g="0" b="0"/>
+      </a:effectRef>
+      <a:fontRef idx="minor"/>
+    </dgm:style>
+  </dgm:styleLbl>
+  <dgm:styleLbl name="trBgShp">
+    <dgm:scene3d>
+      <a:camera prst="orthographicFront"/>
+      <a:lightRig rig="threePt" dir="t"/>
+    </dgm:scene3d>
+    <dgm:sp3d/>
+    <dgm:txPr/>
+    <dgm:style>
+      <a:lnRef idx="0">
+        <a:scrgbClr r="0" g="0" b="0"/>
+      </a:lnRef>
+      <a:fillRef idx="1">
+        <a:scrgbClr r="0" g="0" b="0"/>
+      </a:fillRef>
+      <a:effectRef idx="0">
+        <a:scrgbClr r="0" g="0" b="0"/>
+      </a:effectRef>
+      <a:fontRef idx="minor"/>
+    </dgm:style>
+  </dgm:styleLbl>
+  <dgm:styleLbl name="fgShp">
+    <dgm:scene3d>
+      <a:camera prst="orthographicFront"/>
+      <a:lightRig rig="threePt" dir="t"/>
+    </dgm:scene3d>
+    <dgm:sp3d/>
+    <dgm:txPr/>
+    <dgm:style>
+      <a:lnRef idx="2">
+        <a:scrgbClr r="0" g="0" b="0"/>
+      </a:lnRef>
+      <a:fillRef idx="1">
+        <a:scrgbClr r="0" g="0" b="0"/>
+      </a:fillRef>
+      <a:effectRef idx="0">
+        <a:scrgbClr r="0" g="0" b="0"/>
+      </a:effectRef>
+      <a:fontRef idx="minor"/>
+    </dgm:style>
+  </dgm:styleLbl>
+  <dgm:styleLbl name="revTx">
+    <dgm:scene3d>
+      <a:camera prst="orthographicFront"/>
+      <a:lightRig rig="threePt" dir="t"/>
+    </dgm:scene3d>
+    <dgm:sp3d/>
+    <dgm:txPr/>
+    <dgm:style>
+      <a:lnRef idx="0">
+        <a:scrgbClr r="0" g="0" b="0"/>
+      </a:lnRef>
+      <a:fillRef idx="0">
+        <a:scrgbClr r="0" g="0" b="0"/>
+      </a:fillRef>
+      <a:effectRef idx="0">
+        <a:scrgbClr r="0" g="0" b="0"/>
+      </a:effectRef>
+      <a:fontRef idx="minor"/>
+    </dgm:style>
+  </dgm:styleLbl>
+</dgm:styleDef>
+</file>
+
 <file path=ppt/notesMasters/notesMaster1.xml><?xml version="1.0" encoding="utf-8"?>
 <p:notesMaster xmlns:a="http://schemas.openxmlformats.org/drawingml/2006/main" xmlns:r="http://schemas.openxmlformats.org/officeDocument/2006/relationships" xmlns:p="http://schemas.openxmlformats.org/presentationml/2006/main">
   <p:cSld>
@@ -218,7 +3244,7 @@
           <a:p>
             <a:fld id="{C3DCE7EF-75D0-4DB7-BD1A-FC94188B4058}" type="datetimeFigureOut">
               <a:rPr lang="en-US" smtClean="0"/>
-              <a:t>24-Nov-24</a:t>
+              <a:t>11/29/2024</a:t>
             </a:fld>
             <a:endParaRPr lang="en-US"/>
           </a:p>
@@ -550,6 +3576,90 @@
           <a:p>
             <a:fld id="{E30B86DD-1E4E-4BA9-90B9-02C65521F8DF}" type="slidenum">
               <a:rPr lang="en-US" smtClean="0"/>
+              <a:t>5</a:t>
+            </a:fld>
+            <a:endParaRPr lang="en-US"/>
+          </a:p>
+        </p:txBody>
+      </p:sp>
+    </p:spTree>
+    <p:extLst>
+      <p:ext uri="{BB962C8B-B14F-4D97-AF65-F5344CB8AC3E}">
+        <p14:creationId xmlns:p14="http://schemas.microsoft.com/office/powerpoint/2010/main" val="1883119255"/>
+      </p:ext>
+    </p:extLst>
+  </p:cSld>
+  <p:clrMapOvr>
+    <a:masterClrMapping/>
+  </p:clrMapOvr>
+</p:notes>
+</file>
+
+<file path=ppt/notesSlides/notesSlide2.xml><?xml version="1.0" encoding="utf-8"?>
+<p:notes xmlns:a="http://schemas.openxmlformats.org/drawingml/2006/main" xmlns:r="http://schemas.openxmlformats.org/officeDocument/2006/relationships" xmlns:p="http://schemas.openxmlformats.org/presentationml/2006/main">
+  <p:cSld>
+    <p:spTree>
+      <p:nvGrpSpPr>
+        <p:cNvPr id="1" name=""/>
+        <p:cNvGrpSpPr/>
+        <p:nvPr/>
+      </p:nvGrpSpPr>
+      <p:grpSpPr>
+        <a:xfrm>
+          <a:off x="0" y="0"/>
+          <a:ext cx="0" cy="0"/>
+          <a:chOff x="0" y="0"/>
+          <a:chExt cx="0" cy="0"/>
+        </a:xfrm>
+      </p:grpSpPr>
+      <p:sp>
+        <p:nvSpPr>
+          <p:cNvPr id="2" name="Slide Image Placeholder 1"/>
+          <p:cNvSpPr>
+            <a:spLocks noGrp="1" noRot="1" noChangeAspect="1"/>
+          </p:cNvSpPr>
+          <p:nvPr>
+            <p:ph type="sldImg"/>
+          </p:nvPr>
+        </p:nvSpPr>
+        <p:spPr/>
+      </p:sp>
+      <p:sp>
+        <p:nvSpPr>
+          <p:cNvPr id="3" name="Notes Placeholder 2"/>
+          <p:cNvSpPr>
+            <a:spLocks noGrp="1"/>
+          </p:cNvSpPr>
+          <p:nvPr>
+            <p:ph type="body" idx="1"/>
+          </p:nvPr>
+        </p:nvSpPr>
+        <p:spPr/>
+        <p:txBody>
+          <a:bodyPr/>
+          <a:lstStyle/>
+          <a:p>
+            <a:endParaRPr lang="en-US" dirty="0"/>
+          </a:p>
+        </p:txBody>
+      </p:sp>
+      <p:sp>
+        <p:nvSpPr>
+          <p:cNvPr id="4" name="Slide Number Placeholder 3"/>
+          <p:cNvSpPr>
+            <a:spLocks noGrp="1"/>
+          </p:cNvSpPr>
+          <p:nvPr>
+            <p:ph type="sldNum" sz="quarter" idx="5"/>
+          </p:nvPr>
+        </p:nvSpPr>
+        <p:spPr/>
+        <p:txBody>
+          <a:bodyPr/>
+          <a:lstStyle/>
+          <a:p>
+            <a:fld id="{E30B86DD-1E4E-4BA9-90B9-02C65521F8DF}" type="slidenum">
+              <a:rPr lang="en-US" smtClean="0"/>
               <a:t>7</a:t>
             </a:fld>
             <a:endParaRPr lang="en-US"/>
@@ -716,7 +3826,7 @@
           <a:p>
             <a:fld id="{A749A21A-B890-4700-B57E-1CFFBFCC9631}" type="datetimeFigureOut">
               <a:rPr lang="en-US" smtClean="0"/>
-              <a:t>24-Nov-24</a:t>
+              <a:t>11/29/2024</a:t>
             </a:fld>
             <a:endParaRPr lang="en-US"/>
           </a:p>
@@ -914,7 +4024,7 @@
           <a:p>
             <a:fld id="{A749A21A-B890-4700-B57E-1CFFBFCC9631}" type="datetimeFigureOut">
               <a:rPr lang="en-US" smtClean="0"/>
-              <a:t>24-Nov-24</a:t>
+              <a:t>11/29/2024</a:t>
             </a:fld>
             <a:endParaRPr lang="en-US"/>
           </a:p>
@@ -1122,7 +4232,7 @@
           <a:p>
             <a:fld id="{A749A21A-B890-4700-B57E-1CFFBFCC9631}" type="datetimeFigureOut">
               <a:rPr lang="en-US" smtClean="0"/>
-              <a:t>24-Nov-24</a:t>
+              <a:t>11/29/2024</a:t>
             </a:fld>
             <a:endParaRPr lang="en-US"/>
           </a:p>
@@ -1320,7 +4430,7 @@
           <a:p>
             <a:fld id="{A749A21A-B890-4700-B57E-1CFFBFCC9631}" type="datetimeFigureOut">
               <a:rPr lang="en-US" smtClean="0"/>
-              <a:t>24-Nov-24</a:t>
+              <a:t>11/29/2024</a:t>
             </a:fld>
             <a:endParaRPr lang="en-US"/>
           </a:p>
@@ -1595,7 +4705,7 @@
           <a:p>
             <a:fld id="{A749A21A-B890-4700-B57E-1CFFBFCC9631}" type="datetimeFigureOut">
               <a:rPr lang="en-US" smtClean="0"/>
-              <a:t>24-Nov-24</a:t>
+              <a:t>11/29/2024</a:t>
             </a:fld>
             <a:endParaRPr lang="en-US"/>
           </a:p>
@@ -1860,7 +4970,7 @@
           <a:p>
             <a:fld id="{A749A21A-B890-4700-B57E-1CFFBFCC9631}" type="datetimeFigureOut">
               <a:rPr lang="en-US" smtClean="0"/>
-              <a:t>24-Nov-24</a:t>
+              <a:t>11/29/2024</a:t>
             </a:fld>
             <a:endParaRPr lang="en-US"/>
           </a:p>
@@ -2272,7 +5382,7 @@
           <a:p>
             <a:fld id="{A749A21A-B890-4700-B57E-1CFFBFCC9631}" type="datetimeFigureOut">
               <a:rPr lang="en-US" smtClean="0"/>
-              <a:t>24-Nov-24</a:t>
+              <a:t>11/29/2024</a:t>
             </a:fld>
             <a:endParaRPr lang="en-US"/>
           </a:p>
@@ -2413,7 +5523,7 @@
           <a:p>
             <a:fld id="{A749A21A-B890-4700-B57E-1CFFBFCC9631}" type="datetimeFigureOut">
               <a:rPr lang="en-US" smtClean="0"/>
-              <a:t>24-Nov-24</a:t>
+              <a:t>11/29/2024</a:t>
             </a:fld>
             <a:endParaRPr lang="en-US"/>
           </a:p>
@@ -2526,7 +5636,7 @@
           <a:p>
             <a:fld id="{A749A21A-B890-4700-B57E-1CFFBFCC9631}" type="datetimeFigureOut">
               <a:rPr lang="en-US" smtClean="0"/>
-              <a:t>24-Nov-24</a:t>
+              <a:t>11/29/2024</a:t>
             </a:fld>
             <a:endParaRPr lang="en-US"/>
           </a:p>
@@ -2837,7 +5947,7 @@
           <a:p>
             <a:fld id="{A749A21A-B890-4700-B57E-1CFFBFCC9631}" type="datetimeFigureOut">
               <a:rPr lang="en-US" smtClean="0"/>
-              <a:t>24-Nov-24</a:t>
+              <a:t>11/29/2024</a:t>
             </a:fld>
             <a:endParaRPr lang="en-US"/>
           </a:p>
@@ -3125,7 +6235,7 @@
           <a:p>
             <a:fld id="{A749A21A-B890-4700-B57E-1CFFBFCC9631}" type="datetimeFigureOut">
               <a:rPr lang="en-US" smtClean="0"/>
-              <a:t>24-Nov-24</a:t>
+              <a:t>11/29/2024</a:t>
             </a:fld>
             <a:endParaRPr lang="en-US"/>
           </a:p>
@@ -3366,7 +6476,7 @@
           <a:p>
             <a:fld id="{A749A21A-B890-4700-B57E-1CFFBFCC9631}" type="datetimeFigureOut">
               <a:rPr lang="en-US" smtClean="0"/>
-              <a:t>24-Nov-24</a:t>
+              <a:t>11/29/2024</a:t>
             </a:fld>
             <a:endParaRPr lang="en-US"/>
           </a:p>
@@ -9290,18 +12400,7 @@
           <a:p>
             <a:r>
               <a:rPr lang="en-US" sz="2200" dirty="0"/>
-              <a:t>JLC Assembly: Total ~ $120</a:t>
-            </a:r>
-          </a:p>
-          <a:p>
-            <a:pPr lvl="1"/>
-            <a:r>
-              <a:rPr lang="en-US" sz="1800" dirty="0">
-                <a:highlight>
-                  <a:srgbClr val="FFFF00"/>
-                </a:highlight>
-              </a:rPr>
-              <a:t>Get from Mayumi</a:t>
+              <a:t>JLCPCB &amp; Assembly: $124.82</a:t>
             </a:r>
           </a:p>
           <a:p>
@@ -18806,10 +21905,10 @@
       </p:grpSpPr>
       <p:sp useBgFill="1">
         <p:nvSpPr>
-          <p:cNvPr id="8" name="Rectangle 7">
+          <p:cNvPr id="28" name="Rectangle 27">
             <a:extLst>
               <a:ext uri="{FF2B5EF4-FFF2-40B4-BE49-F238E27FC236}">
-                <a16:creationId xmlns:a16="http://schemas.microsoft.com/office/drawing/2014/main" id="{100EDD19-6802-4EC3-95CE-CFFAB042CFD6}"/>
+                <a16:creationId xmlns:a16="http://schemas.microsoft.com/office/drawing/2014/main" id="{A2679492-7988-4050-9056-542444452411}"/>
               </a:ext>
               <a:ext uri="{C183D7F6-B498-43B3-948B-1728B52AA6E4}">
                 <adec:decorative xmlns:adec="http://schemas.microsoft.com/office/drawing/2017/decorative" val="1"/>
@@ -18830,7 +21929,7 @@
         <p:spPr>
           <a:xfrm>
             <a:off x="0" y="0"/>
-            <a:ext cx="12188952" cy="6858000"/>
+            <a:ext cx="12192000" cy="6858000"/>
           </a:xfrm>
           <a:prstGeom prst="rect">
             <a:avLst/>
@@ -18882,18 +21981,18 @@
         </p:nvSpPr>
         <p:spPr>
           <a:xfrm>
-            <a:off x="838200" y="365125"/>
-            <a:ext cx="10515600" cy="1325563"/>
+            <a:off x="6412091" y="501651"/>
+            <a:ext cx="4395340" cy="1716255"/>
           </a:xfrm>
         </p:spPr>
         <p:txBody>
-          <a:bodyPr>
+          <a:bodyPr anchor="b">
             <a:normAutofit/>
           </a:bodyPr>
           <a:lstStyle/>
           <a:p>
             <a:r>
-              <a:rPr lang="en-US" sz="5400"/>
+              <a:rPr lang="en-US" sz="5200"/>
               <a:t>Approach - Microcontroller</a:t>
             </a:r>
           </a:p>
@@ -18901,10 +22000,10 @@
       </p:sp>
       <p:sp>
         <p:nvSpPr>
-          <p:cNvPr id="10" name="sketch line">
+          <p:cNvPr id="30" name="Rectangle 29">
             <a:extLst>
               <a:ext uri="{FF2B5EF4-FFF2-40B4-BE49-F238E27FC236}">
-                <a16:creationId xmlns:a16="http://schemas.microsoft.com/office/drawing/2014/main" id="{DB17E863-922E-4C26-BD64-E8FD41D28661}"/>
+                <a16:creationId xmlns:a16="http://schemas.microsoft.com/office/drawing/2014/main" id="{B091B163-7D61-4891-ABCF-5C13D9C418D0}"/>
               </a:ext>
               <a:ext uri="{C183D7F6-B498-43B3-948B-1728B52AA6E4}">
                 <adec:decorative xmlns:adec="http://schemas.microsoft.com/office/drawing/2017/decorative" val="1"/>
@@ -18924,592 +22023,26 @@
         </p:nvSpPr>
         <p:spPr>
           <a:xfrm>
-            <a:off x="669036" y="1677373"/>
-            <a:ext cx="10853928" cy="18288"/>
+            <a:off x="0" y="0"/>
+            <a:ext cx="5779911" cy="6858000"/>
           </a:xfrm>
-          <a:custGeom>
+          <a:prstGeom prst="rect">
             <a:avLst/>
-            <a:gdLst>
-              <a:gd name="connsiteX0" fmla="*/ 0 w 10853928"/>
-              <a:gd name="connsiteY0" fmla="*/ 0 h 18288"/>
-              <a:gd name="connsiteX1" fmla="*/ 461292 w 10853928"/>
-              <a:gd name="connsiteY1" fmla="*/ 0 h 18288"/>
-              <a:gd name="connsiteX2" fmla="*/ 1139662 w 10853928"/>
-              <a:gd name="connsiteY2" fmla="*/ 0 h 18288"/>
-              <a:gd name="connsiteX3" fmla="*/ 1926572 w 10853928"/>
-              <a:gd name="connsiteY3" fmla="*/ 0 h 18288"/>
-              <a:gd name="connsiteX4" fmla="*/ 2279325 w 10853928"/>
-              <a:gd name="connsiteY4" fmla="*/ 0 h 18288"/>
-              <a:gd name="connsiteX5" fmla="*/ 2632078 w 10853928"/>
-              <a:gd name="connsiteY5" fmla="*/ 0 h 18288"/>
-              <a:gd name="connsiteX6" fmla="*/ 3527527 w 10853928"/>
-              <a:gd name="connsiteY6" fmla="*/ 0 h 18288"/>
-              <a:gd name="connsiteX7" fmla="*/ 4205897 w 10853928"/>
-              <a:gd name="connsiteY7" fmla="*/ 0 h 18288"/>
-              <a:gd name="connsiteX8" fmla="*/ 4558650 w 10853928"/>
-              <a:gd name="connsiteY8" fmla="*/ 0 h 18288"/>
-              <a:gd name="connsiteX9" fmla="*/ 5237020 w 10853928"/>
-              <a:gd name="connsiteY9" fmla="*/ 0 h 18288"/>
-              <a:gd name="connsiteX10" fmla="*/ 6132469 w 10853928"/>
-              <a:gd name="connsiteY10" fmla="*/ 0 h 18288"/>
-              <a:gd name="connsiteX11" fmla="*/ 6702301 w 10853928"/>
-              <a:gd name="connsiteY11" fmla="*/ 0 h 18288"/>
-              <a:gd name="connsiteX12" fmla="*/ 7272132 w 10853928"/>
-              <a:gd name="connsiteY12" fmla="*/ 0 h 18288"/>
-              <a:gd name="connsiteX13" fmla="*/ 7950502 w 10853928"/>
-              <a:gd name="connsiteY13" fmla="*/ 0 h 18288"/>
-              <a:gd name="connsiteX14" fmla="*/ 8737412 w 10853928"/>
-              <a:gd name="connsiteY14" fmla="*/ 0 h 18288"/>
-              <a:gd name="connsiteX15" fmla="*/ 9524322 w 10853928"/>
-              <a:gd name="connsiteY15" fmla="*/ 0 h 18288"/>
-              <a:gd name="connsiteX16" fmla="*/ 10853928 w 10853928"/>
-              <a:gd name="connsiteY16" fmla="*/ 0 h 18288"/>
-              <a:gd name="connsiteX17" fmla="*/ 10853928 w 10853928"/>
-              <a:gd name="connsiteY17" fmla="*/ 18288 h 18288"/>
-              <a:gd name="connsiteX18" fmla="*/ 10392636 w 10853928"/>
-              <a:gd name="connsiteY18" fmla="*/ 18288 h 18288"/>
-              <a:gd name="connsiteX19" fmla="*/ 9497187 w 10853928"/>
-              <a:gd name="connsiteY19" fmla="*/ 18288 h 18288"/>
-              <a:gd name="connsiteX20" fmla="*/ 8818817 w 10853928"/>
-              <a:gd name="connsiteY20" fmla="*/ 18288 h 18288"/>
-              <a:gd name="connsiteX21" fmla="*/ 8466064 w 10853928"/>
-              <a:gd name="connsiteY21" fmla="*/ 18288 h 18288"/>
-              <a:gd name="connsiteX22" fmla="*/ 7787693 w 10853928"/>
-              <a:gd name="connsiteY22" fmla="*/ 18288 h 18288"/>
-              <a:gd name="connsiteX23" fmla="*/ 7217862 w 10853928"/>
-              <a:gd name="connsiteY23" fmla="*/ 18288 h 18288"/>
-              <a:gd name="connsiteX24" fmla="*/ 6648031 w 10853928"/>
-              <a:gd name="connsiteY24" fmla="*/ 18288 h 18288"/>
-              <a:gd name="connsiteX25" fmla="*/ 6078200 w 10853928"/>
-              <a:gd name="connsiteY25" fmla="*/ 18288 h 18288"/>
-              <a:gd name="connsiteX26" fmla="*/ 5508368 w 10853928"/>
-              <a:gd name="connsiteY26" fmla="*/ 18288 h 18288"/>
-              <a:gd name="connsiteX27" fmla="*/ 4721459 w 10853928"/>
-              <a:gd name="connsiteY27" fmla="*/ 18288 h 18288"/>
-              <a:gd name="connsiteX28" fmla="*/ 4043088 w 10853928"/>
-              <a:gd name="connsiteY28" fmla="*/ 18288 h 18288"/>
-              <a:gd name="connsiteX29" fmla="*/ 3690336 w 10853928"/>
-              <a:gd name="connsiteY29" fmla="*/ 18288 h 18288"/>
-              <a:gd name="connsiteX30" fmla="*/ 3120504 w 10853928"/>
-              <a:gd name="connsiteY30" fmla="*/ 18288 h 18288"/>
-              <a:gd name="connsiteX31" fmla="*/ 2333595 w 10853928"/>
-              <a:gd name="connsiteY31" fmla="*/ 18288 h 18288"/>
-              <a:gd name="connsiteX32" fmla="*/ 1872303 w 10853928"/>
-              <a:gd name="connsiteY32" fmla="*/ 18288 h 18288"/>
-              <a:gd name="connsiteX33" fmla="*/ 976854 w 10853928"/>
-              <a:gd name="connsiteY33" fmla="*/ 18288 h 18288"/>
-              <a:gd name="connsiteX34" fmla="*/ 0 w 10853928"/>
-              <a:gd name="connsiteY34" fmla="*/ 18288 h 18288"/>
-              <a:gd name="connsiteX35" fmla="*/ 0 w 10853928"/>
-              <a:gd name="connsiteY35" fmla="*/ 0 h 18288"/>
-            </a:gdLst>
-            <a:ahLst/>
-            <a:cxnLst>
-              <a:cxn ang="0">
-                <a:pos x="connsiteX0" y="connsiteY0"/>
-              </a:cxn>
-              <a:cxn ang="0">
-                <a:pos x="connsiteX1" y="connsiteY1"/>
-              </a:cxn>
-              <a:cxn ang="0">
-                <a:pos x="connsiteX2" y="connsiteY2"/>
-              </a:cxn>
-              <a:cxn ang="0">
-                <a:pos x="connsiteX3" y="connsiteY3"/>
-              </a:cxn>
-              <a:cxn ang="0">
-                <a:pos x="connsiteX4" y="connsiteY4"/>
-              </a:cxn>
-              <a:cxn ang="0">
-                <a:pos x="connsiteX5" y="connsiteY5"/>
-              </a:cxn>
-              <a:cxn ang="0">
-                <a:pos x="connsiteX6" y="connsiteY6"/>
-              </a:cxn>
-              <a:cxn ang="0">
-                <a:pos x="connsiteX7" y="connsiteY7"/>
-              </a:cxn>
-              <a:cxn ang="0">
-                <a:pos x="connsiteX8" y="connsiteY8"/>
-              </a:cxn>
-              <a:cxn ang="0">
-                <a:pos x="connsiteX9" y="connsiteY9"/>
-              </a:cxn>
-              <a:cxn ang="0">
-                <a:pos x="connsiteX10" y="connsiteY10"/>
-              </a:cxn>
-              <a:cxn ang="0">
-                <a:pos x="connsiteX11" y="connsiteY11"/>
-              </a:cxn>
-              <a:cxn ang="0">
-                <a:pos x="connsiteX12" y="connsiteY12"/>
-              </a:cxn>
-              <a:cxn ang="0">
-                <a:pos x="connsiteX13" y="connsiteY13"/>
-              </a:cxn>
-              <a:cxn ang="0">
-                <a:pos x="connsiteX14" y="connsiteY14"/>
-              </a:cxn>
-              <a:cxn ang="0">
-                <a:pos x="connsiteX15" y="connsiteY15"/>
-              </a:cxn>
-              <a:cxn ang="0">
-                <a:pos x="connsiteX16" y="connsiteY16"/>
-              </a:cxn>
-              <a:cxn ang="0">
-                <a:pos x="connsiteX17" y="connsiteY17"/>
-              </a:cxn>
-              <a:cxn ang="0">
-                <a:pos x="connsiteX18" y="connsiteY18"/>
-              </a:cxn>
-              <a:cxn ang="0">
-                <a:pos x="connsiteX19" y="connsiteY19"/>
-              </a:cxn>
-              <a:cxn ang="0">
-                <a:pos x="connsiteX20" y="connsiteY20"/>
-              </a:cxn>
-              <a:cxn ang="0">
-                <a:pos x="connsiteX21" y="connsiteY21"/>
-              </a:cxn>
-              <a:cxn ang="0">
-                <a:pos x="connsiteX22" y="connsiteY22"/>
-              </a:cxn>
-              <a:cxn ang="0">
-                <a:pos x="connsiteX23" y="connsiteY23"/>
-              </a:cxn>
-              <a:cxn ang="0">
-                <a:pos x="connsiteX24" y="connsiteY24"/>
-              </a:cxn>
-              <a:cxn ang="0">
-                <a:pos x="connsiteX25" y="connsiteY25"/>
-              </a:cxn>
-              <a:cxn ang="0">
-                <a:pos x="connsiteX26" y="connsiteY26"/>
-              </a:cxn>
-              <a:cxn ang="0">
-                <a:pos x="connsiteX27" y="connsiteY27"/>
-              </a:cxn>
-              <a:cxn ang="0">
-                <a:pos x="connsiteX28" y="connsiteY28"/>
-              </a:cxn>
-              <a:cxn ang="0">
-                <a:pos x="connsiteX29" y="connsiteY29"/>
-              </a:cxn>
-              <a:cxn ang="0">
-                <a:pos x="connsiteX30" y="connsiteY30"/>
-              </a:cxn>
-              <a:cxn ang="0">
-                <a:pos x="connsiteX31" y="connsiteY31"/>
-              </a:cxn>
-              <a:cxn ang="0">
-                <a:pos x="connsiteX32" y="connsiteY32"/>
-              </a:cxn>
-              <a:cxn ang="0">
-                <a:pos x="connsiteX33" y="connsiteY33"/>
-              </a:cxn>
-              <a:cxn ang="0">
-                <a:pos x="connsiteX34" y="connsiteY34"/>
-              </a:cxn>
-              <a:cxn ang="0">
-                <a:pos x="connsiteX35" y="connsiteY35"/>
-              </a:cxn>
-            </a:cxnLst>
-            <a:rect l="l" t="t" r="r" b="b"/>
-            <a:pathLst>
-              <a:path w="10853928" h="18288" fill="none" extrusionOk="0">
-                <a:moveTo>
-                  <a:pt x="0" y="0"/>
-                </a:moveTo>
-                <a:cubicBezTo>
-                  <a:pt x="146993" y="-19076"/>
-                  <a:pt x="347684" y="-4790"/>
-                  <a:pt x="461292" y="0"/>
-                </a:cubicBezTo>
-                <a:cubicBezTo>
-                  <a:pt x="574900" y="4790"/>
-                  <a:pt x="808367" y="19821"/>
-                  <a:pt x="1139662" y="0"/>
-                </a:cubicBezTo>
-                <a:cubicBezTo>
-                  <a:pt x="1470957" y="-19821"/>
-                  <a:pt x="1627405" y="5721"/>
-                  <a:pt x="1926572" y="0"/>
-                </a:cubicBezTo>
-                <a:cubicBezTo>
-                  <a:pt x="2225739" y="-5721"/>
-                  <a:pt x="2137730" y="-3235"/>
-                  <a:pt x="2279325" y="0"/>
-                </a:cubicBezTo>
-                <a:cubicBezTo>
-                  <a:pt x="2420920" y="3235"/>
-                  <a:pt x="2456518" y="9685"/>
-                  <a:pt x="2632078" y="0"/>
-                </a:cubicBezTo>
-                <a:cubicBezTo>
-                  <a:pt x="2807638" y="-9685"/>
-                  <a:pt x="3211516" y="-43007"/>
-                  <a:pt x="3527527" y="0"/>
-                </a:cubicBezTo>
-                <a:cubicBezTo>
-                  <a:pt x="3843538" y="43007"/>
-                  <a:pt x="4058833" y="22042"/>
-                  <a:pt x="4205897" y="0"/>
-                </a:cubicBezTo>
-                <a:cubicBezTo>
-                  <a:pt x="4352961" y="-22042"/>
-                  <a:pt x="4474805" y="-11846"/>
-                  <a:pt x="4558650" y="0"/>
-                </a:cubicBezTo>
-                <a:cubicBezTo>
-                  <a:pt x="4642495" y="11846"/>
-                  <a:pt x="5041928" y="-6069"/>
-                  <a:pt x="5237020" y="0"/>
-                </a:cubicBezTo>
-                <a:cubicBezTo>
-                  <a:pt x="5432112" y="6069"/>
-                  <a:pt x="5943266" y="-17479"/>
-                  <a:pt x="6132469" y="0"/>
-                </a:cubicBezTo>
-                <a:cubicBezTo>
-                  <a:pt x="6321672" y="17479"/>
-                  <a:pt x="6483872" y="26234"/>
-                  <a:pt x="6702301" y="0"/>
-                </a:cubicBezTo>
-                <a:cubicBezTo>
-                  <a:pt x="6920730" y="-26234"/>
-                  <a:pt x="6991194" y="-15156"/>
-                  <a:pt x="7272132" y="0"/>
-                </a:cubicBezTo>
-                <a:cubicBezTo>
-                  <a:pt x="7553070" y="15156"/>
-                  <a:pt x="7684444" y="-32961"/>
-                  <a:pt x="7950502" y="0"/>
-                </a:cubicBezTo>
-                <a:cubicBezTo>
-                  <a:pt x="8216560" y="32961"/>
-                  <a:pt x="8493290" y="-10491"/>
-                  <a:pt x="8737412" y="0"/>
-                </a:cubicBezTo>
-                <a:cubicBezTo>
-                  <a:pt x="8981534" y="10491"/>
-                  <a:pt x="9191586" y="-13899"/>
-                  <a:pt x="9524322" y="0"/>
-                </a:cubicBezTo>
-                <a:cubicBezTo>
-                  <a:pt x="9857058" y="13899"/>
-                  <a:pt x="10297509" y="7485"/>
-                  <a:pt x="10853928" y="0"/>
-                </a:cubicBezTo>
-                <a:cubicBezTo>
-                  <a:pt x="10854574" y="4451"/>
-                  <a:pt x="10854418" y="9226"/>
-                  <a:pt x="10853928" y="18288"/>
-                </a:cubicBezTo>
-                <a:cubicBezTo>
-                  <a:pt x="10691638" y="28522"/>
-                  <a:pt x="10574319" y="29578"/>
-                  <a:pt x="10392636" y="18288"/>
-                </a:cubicBezTo>
-                <a:cubicBezTo>
-                  <a:pt x="10210953" y="6998"/>
-                  <a:pt x="9836277" y="-16742"/>
-                  <a:pt x="9497187" y="18288"/>
-                </a:cubicBezTo>
-                <a:cubicBezTo>
-                  <a:pt x="9158097" y="53318"/>
-                  <a:pt x="9119479" y="30714"/>
-                  <a:pt x="8818817" y="18288"/>
-                </a:cubicBezTo>
-                <a:cubicBezTo>
-                  <a:pt x="8518155" y="5863"/>
-                  <a:pt x="8640037" y="6483"/>
-                  <a:pt x="8466064" y="18288"/>
-                </a:cubicBezTo>
-                <a:cubicBezTo>
-                  <a:pt x="8292091" y="30093"/>
-                  <a:pt x="7997656" y="18914"/>
-                  <a:pt x="7787693" y="18288"/>
-                </a:cubicBezTo>
-                <a:cubicBezTo>
-                  <a:pt x="7577730" y="17662"/>
-                  <a:pt x="7412468" y="21416"/>
-                  <a:pt x="7217862" y="18288"/>
-                </a:cubicBezTo>
-                <a:cubicBezTo>
-                  <a:pt x="7023256" y="15160"/>
-                  <a:pt x="6898018" y="14824"/>
-                  <a:pt x="6648031" y="18288"/>
-                </a:cubicBezTo>
-                <a:cubicBezTo>
-                  <a:pt x="6398044" y="21752"/>
-                  <a:pt x="6254402" y="38625"/>
-                  <a:pt x="6078200" y="18288"/>
-                </a:cubicBezTo>
-                <a:cubicBezTo>
-                  <a:pt x="5901998" y="-2049"/>
-                  <a:pt x="5622886" y="3213"/>
-                  <a:pt x="5508368" y="18288"/>
-                </a:cubicBezTo>
-                <a:cubicBezTo>
-                  <a:pt x="5393850" y="33363"/>
-                  <a:pt x="5036260" y="26830"/>
-                  <a:pt x="4721459" y="18288"/>
-                </a:cubicBezTo>
-                <a:cubicBezTo>
-                  <a:pt x="4406658" y="9746"/>
-                  <a:pt x="4239221" y="41551"/>
-                  <a:pt x="4043088" y="18288"/>
-                </a:cubicBezTo>
-                <a:cubicBezTo>
-                  <a:pt x="3846955" y="-4975"/>
-                  <a:pt x="3818802" y="34658"/>
-                  <a:pt x="3690336" y="18288"/>
-                </a:cubicBezTo>
-                <a:cubicBezTo>
-                  <a:pt x="3561870" y="1918"/>
-                  <a:pt x="3265491" y="42194"/>
-                  <a:pt x="3120504" y="18288"/>
-                </a:cubicBezTo>
-                <a:cubicBezTo>
-                  <a:pt x="2975517" y="-5618"/>
-                  <a:pt x="2720254" y="36673"/>
-                  <a:pt x="2333595" y="18288"/>
-                </a:cubicBezTo>
-                <a:cubicBezTo>
-                  <a:pt x="1946936" y="-97"/>
-                  <a:pt x="2097241" y="5776"/>
-                  <a:pt x="1872303" y="18288"/>
-                </a:cubicBezTo>
-                <a:cubicBezTo>
-                  <a:pt x="1647365" y="30800"/>
-                  <a:pt x="1282708" y="45380"/>
-                  <a:pt x="976854" y="18288"/>
-                </a:cubicBezTo>
-                <a:cubicBezTo>
-                  <a:pt x="671000" y="-8804"/>
-                  <a:pt x="408401" y="-12775"/>
-                  <a:pt x="0" y="18288"/>
-                </a:cubicBezTo>
-                <a:cubicBezTo>
-                  <a:pt x="-213" y="9468"/>
-                  <a:pt x="187" y="4459"/>
-                  <a:pt x="0" y="0"/>
-                </a:cubicBezTo>
-                <a:close/>
-              </a:path>
-              <a:path w="10853928" h="18288" stroke="0" extrusionOk="0">
-                <a:moveTo>
-                  <a:pt x="0" y="0"/>
-                </a:moveTo>
-                <a:cubicBezTo>
-                  <a:pt x="267322" y="15284"/>
-                  <a:pt x="415388" y="-21048"/>
-                  <a:pt x="569831" y="0"/>
-                </a:cubicBezTo>
-                <a:cubicBezTo>
-                  <a:pt x="724274" y="21048"/>
-                  <a:pt x="769333" y="-2353"/>
-                  <a:pt x="922584" y="0"/>
-                </a:cubicBezTo>
-                <a:cubicBezTo>
-                  <a:pt x="1075835" y="2353"/>
-                  <a:pt x="1399490" y="-145"/>
-                  <a:pt x="1818033" y="0"/>
-                </a:cubicBezTo>
-                <a:cubicBezTo>
-                  <a:pt x="2236576" y="145"/>
-                  <a:pt x="2145330" y="5482"/>
-                  <a:pt x="2387864" y="0"/>
-                </a:cubicBezTo>
-                <a:cubicBezTo>
-                  <a:pt x="2630398" y="-5482"/>
-                  <a:pt x="2793207" y="18487"/>
-                  <a:pt x="2957695" y="0"/>
-                </a:cubicBezTo>
-                <a:cubicBezTo>
-                  <a:pt x="3122183" y="-18487"/>
-                  <a:pt x="3579141" y="19003"/>
-                  <a:pt x="3853144" y="0"/>
-                </a:cubicBezTo>
-                <a:cubicBezTo>
-                  <a:pt x="4127147" y="-19003"/>
-                  <a:pt x="4209857" y="12211"/>
-                  <a:pt x="4314436" y="0"/>
-                </a:cubicBezTo>
-                <a:cubicBezTo>
-                  <a:pt x="4419015" y="-12211"/>
-                  <a:pt x="4762459" y="-17220"/>
-                  <a:pt x="5209885" y="0"/>
-                </a:cubicBezTo>
-                <a:cubicBezTo>
-                  <a:pt x="5657311" y="17220"/>
-                  <a:pt x="5692663" y="-3290"/>
-                  <a:pt x="6105335" y="0"/>
-                </a:cubicBezTo>
-                <a:cubicBezTo>
-                  <a:pt x="6518007" y="3290"/>
-                  <a:pt x="6455516" y="-5124"/>
-                  <a:pt x="6783705" y="0"/>
-                </a:cubicBezTo>
-                <a:cubicBezTo>
-                  <a:pt x="7111894" y="5124"/>
-                  <a:pt x="7441941" y="-17829"/>
-                  <a:pt x="7679154" y="0"/>
-                </a:cubicBezTo>
-                <a:cubicBezTo>
-                  <a:pt x="7916367" y="17829"/>
-                  <a:pt x="8102967" y="-24363"/>
-                  <a:pt x="8248985" y="0"/>
-                </a:cubicBezTo>
-                <a:cubicBezTo>
-                  <a:pt x="8395003" y="24363"/>
-                  <a:pt x="8552393" y="25505"/>
-                  <a:pt x="8818817" y="0"/>
-                </a:cubicBezTo>
-                <a:cubicBezTo>
-                  <a:pt x="9085241" y="-25505"/>
-                  <a:pt x="9411308" y="38000"/>
-                  <a:pt x="9605726" y="0"/>
-                </a:cubicBezTo>
-                <a:cubicBezTo>
-                  <a:pt x="9800144" y="-38000"/>
-                  <a:pt x="10006468" y="-25741"/>
-                  <a:pt x="10175558" y="0"/>
-                </a:cubicBezTo>
-                <a:cubicBezTo>
-                  <a:pt x="10344648" y="25741"/>
-                  <a:pt x="10696282" y="695"/>
-                  <a:pt x="10853928" y="0"/>
-                </a:cubicBezTo>
-                <a:cubicBezTo>
-                  <a:pt x="10853521" y="8690"/>
-                  <a:pt x="10853774" y="14141"/>
-                  <a:pt x="10853928" y="18288"/>
-                </a:cubicBezTo>
-                <a:cubicBezTo>
-                  <a:pt x="10608124" y="24255"/>
-                  <a:pt x="10343415" y="22307"/>
-                  <a:pt x="10067018" y="18288"/>
-                </a:cubicBezTo>
-                <a:cubicBezTo>
-                  <a:pt x="9790621" y="14270"/>
-                  <a:pt x="9843266" y="3564"/>
-                  <a:pt x="9714266" y="18288"/>
-                </a:cubicBezTo>
-                <a:cubicBezTo>
-                  <a:pt x="9585266" y="33012"/>
-                  <a:pt x="9379484" y="1875"/>
-                  <a:pt x="9252974" y="18288"/>
-                </a:cubicBezTo>
-                <a:cubicBezTo>
-                  <a:pt x="9126464" y="34701"/>
-                  <a:pt x="8580678" y="-4904"/>
-                  <a:pt x="8357525" y="18288"/>
-                </a:cubicBezTo>
-                <a:cubicBezTo>
-                  <a:pt x="8134372" y="41480"/>
-                  <a:pt x="7903199" y="26458"/>
-                  <a:pt x="7679154" y="18288"/>
-                </a:cubicBezTo>
-                <a:cubicBezTo>
-                  <a:pt x="7455109" y="10118"/>
-                  <a:pt x="7435944" y="27109"/>
-                  <a:pt x="7217862" y="18288"/>
-                </a:cubicBezTo>
-                <a:cubicBezTo>
-                  <a:pt x="6999780" y="9467"/>
-                  <a:pt x="6680409" y="18985"/>
-                  <a:pt x="6539492" y="18288"/>
-                </a:cubicBezTo>
-                <a:cubicBezTo>
-                  <a:pt x="6398575" y="17592"/>
-                  <a:pt x="6312077" y="33018"/>
-                  <a:pt x="6186739" y="18288"/>
-                </a:cubicBezTo>
-                <a:cubicBezTo>
-                  <a:pt x="6061401" y="3558"/>
-                  <a:pt x="5947033" y="12075"/>
-                  <a:pt x="5833986" y="18288"/>
-                </a:cubicBezTo>
-                <a:cubicBezTo>
-                  <a:pt x="5720939" y="24501"/>
-                  <a:pt x="5482226" y="8586"/>
-                  <a:pt x="5155616" y="18288"/>
-                </a:cubicBezTo>
-                <a:cubicBezTo>
-                  <a:pt x="4829006" y="27991"/>
-                  <a:pt x="4841274" y="29316"/>
-                  <a:pt x="4694324" y="18288"/>
-                </a:cubicBezTo>
-                <a:cubicBezTo>
-                  <a:pt x="4547374" y="7260"/>
-                  <a:pt x="4077675" y="7013"/>
-                  <a:pt x="3907414" y="18288"/>
-                </a:cubicBezTo>
-                <a:cubicBezTo>
-                  <a:pt x="3737153" y="29564"/>
-                  <a:pt x="3538393" y="21630"/>
-                  <a:pt x="3446122" y="18288"/>
-                </a:cubicBezTo>
-                <a:cubicBezTo>
-                  <a:pt x="3353851" y="14946"/>
-                  <a:pt x="2990320" y="-8091"/>
-                  <a:pt x="2659212" y="18288"/>
-                </a:cubicBezTo>
-                <a:cubicBezTo>
-                  <a:pt x="2328104" y="44667"/>
-                  <a:pt x="2427653" y="9607"/>
-                  <a:pt x="2306460" y="18288"/>
-                </a:cubicBezTo>
-                <a:cubicBezTo>
-                  <a:pt x="2185267" y="26969"/>
-                  <a:pt x="1719763" y="3717"/>
-                  <a:pt x="1519550" y="18288"/>
-                </a:cubicBezTo>
-                <a:cubicBezTo>
-                  <a:pt x="1319337" y="32860"/>
-                  <a:pt x="1167371" y="17040"/>
-                  <a:pt x="1058258" y="18288"/>
-                </a:cubicBezTo>
-                <a:cubicBezTo>
-                  <a:pt x="949145" y="19536"/>
-                  <a:pt x="780234" y="31447"/>
-                  <a:pt x="705505" y="18288"/>
-                </a:cubicBezTo>
-                <a:cubicBezTo>
-                  <a:pt x="630776" y="5129"/>
-                  <a:pt x="215796" y="30056"/>
-                  <a:pt x="0" y="18288"/>
-                </a:cubicBezTo>
-                <a:cubicBezTo>
-                  <a:pt x="-53" y="11301"/>
-                  <a:pt x="-649" y="7756"/>
-                  <a:pt x="0" y="0"/>
-                </a:cubicBezTo>
-                <a:close/>
-              </a:path>
-            </a:pathLst>
-          </a:custGeom>
-          <a:solidFill>
-            <a:schemeClr val="accent2"/>
-          </a:solidFill>
-          <a:ln w="41275" cap="rnd">
-            <a:solidFill>
-              <a:schemeClr val="accent2"/>
-            </a:solidFill>
-            <a:round/>
-            <a:extLst>
-              <a:ext uri="{C807C97D-BFC1-408E-A445-0C87EB9F89A2}">
-                <ask:lineSketchStyleProps xmlns:ask="http://schemas.microsoft.com/office/drawing/2018/sketchyshapes" sd="1219033472">
-                  <a:prstGeom prst="rect">
-                    <a:avLst/>
-                  </a:prstGeom>
-                  <ask:type>
-                    <ask:lineSketchFreehand/>
-                  </ask:type>
-                </ask:lineSketchStyleProps>
-              </a:ext>
-            </a:extLst>
+          </a:prstGeom>
+          <a:gradFill flip="none" rotWithShape="1">
+            <a:gsLst>
+              <a:gs pos="0">
+                <a:schemeClr val="accent1"/>
+              </a:gs>
+              <a:gs pos="100000">
+                <a:schemeClr val="accent2"/>
+              </a:gs>
+            </a:gsLst>
+            <a:lin ang="2700000" scaled="1"/>
+            <a:tileRect/>
+          </a:gradFill>
+          <a:ln>
+            <a:noFill/>
           </a:ln>
         </p:spPr>
         <p:style>
@@ -19537,6 +22070,89 @@
           </a:p>
         </p:txBody>
       </p:sp>
+      <p:pic>
+        <p:nvPicPr>
+          <p:cNvPr id="5" name="Picture 4" descr="A close up of a chip&#10;&#10;Description automatically generated">
+            <a:extLst>
+              <a:ext uri="{FF2B5EF4-FFF2-40B4-BE49-F238E27FC236}">
+                <a16:creationId xmlns:a16="http://schemas.microsoft.com/office/drawing/2014/main" id="{42933467-C06B-052A-8BB0-69BCD4C68F8E}"/>
+              </a:ext>
+            </a:extLst>
+          </p:cNvPr>
+          <p:cNvPicPr>
+            <a:picLocks noChangeAspect="1"/>
+          </p:cNvPicPr>
+          <p:nvPr/>
+        </p:nvPicPr>
+        <p:blipFill>
+          <a:blip r:embed="rId3">
+            <a:extLst>
+              <a:ext uri="{BEBA8EAE-BF5A-486C-A8C5-ECC9F3942E4B}">
+                <a14:imgProps xmlns:a14="http://schemas.microsoft.com/office/drawing/2010/main">
+                  <a14:imgLayer r:embed="rId4">
+                    <a14:imgEffect>
+                      <a14:backgroundRemoval t="8056" b="92500" l="9783" r="89493">
+                        <a14:foregroundMark x1="12319" y1="31667" x2="12319" y2="86111"/>
+                        <a14:foregroundMark x1="12319" y1="86111" x2="24638" y2="92500"/>
+                        <a14:foregroundMark x1="24638" y1="92500" x2="42029" y2="92222"/>
+                        <a14:foregroundMark x1="42029" y1="92222" x2="77536" y2="92778"/>
+                        <a14:foregroundMark x1="77536" y1="92778" x2="89493" y2="90278"/>
+                        <a14:foregroundMark x1="89493" y1="90278" x2="89493" y2="34444"/>
+                        <a14:foregroundMark x1="89493" y1="34444" x2="77174" y2="25833"/>
+                        <a14:foregroundMark x1="77174" y1="25833" x2="81159" y2="18611"/>
+                        <a14:foregroundMark x1="15217" y1="35000" x2="23188" y2="22500"/>
+                        <a14:foregroundMark x1="23188" y1="22500" x2="35507" y2="21667"/>
+                        <a14:foregroundMark x1="35507" y1="21667" x2="53986" y2="23889"/>
+                        <a14:foregroundMark x1="53986" y1="23889" x2="69565" y2="20556"/>
+                        <a14:foregroundMark x1="21014" y1="17222" x2="23913" y2="16111"/>
+                        <a14:foregroundMark x1="20652" y1="14167" x2="20652" y2="13889"/>
+                        <a14:foregroundMark x1="27536" y1="12500" x2="27536" y2="12500"/>
+                        <a14:foregroundMark x1="12681" y1="10000" x2="57246" y2="8333"/>
+                        <a14:foregroundMark x1="57246" y1="8333" x2="83696" y2="8889"/>
+                        <a14:foregroundMark x1="12681" y1="86944" x2="12681" y2="86944"/>
+                        <a14:foregroundMark x1="23188" y1="92500" x2="23188" y2="92500"/>
+                        <a14:foregroundMark x1="65942" y1="92500" x2="65942" y2="92500"/>
+                        <a14:foregroundMark x1="69203" y1="92500" x2="69203" y2="92500"/>
+                        <a14:foregroundMark x1="75362" y1="92500" x2="75362" y2="92500"/>
+                        <a14:foregroundMark x1="75362" y1="92500" x2="75362" y2="92500"/>
+                        <a14:foregroundMark x1="63043" y1="92500" x2="63043" y2="92500"/>
+                        <a14:foregroundMark x1="63043" y1="92222" x2="63043" y2="92222"/>
+                        <a14:foregroundMark x1="63043" y1="92222" x2="63043" y2="92222"/>
+                        <a14:foregroundMark x1="63406" y1="92222" x2="63768" y2="91944"/>
+                        <a14:foregroundMark x1="63768" y1="91944" x2="63406" y2="92500"/>
+                        <a14:foregroundMark x1="65942" y1="92222" x2="65942" y2="92222"/>
+                        <a14:foregroundMark x1="77536" y1="92500" x2="77174" y2="92500"/>
+                        <a14:foregroundMark x1="77174" y1="92500" x2="77174" y2="92500"/>
+                        <a14:foregroundMark x1="77174" y1="92500" x2="77174" y2="92500"/>
+                        <a14:backgroundMark x1="725" y1="20000" x2="725" y2="20000"/>
+                        <a14:backgroundMark x1="2899" y1="20000" x2="3986" y2="20278"/>
+                        <a14:backgroundMark x1="75362" y1="93333" x2="75362" y2="93333"/>
+                        <a14:backgroundMark x1="75725" y1="93056" x2="75725" y2="93056"/>
+                        <a14:backgroundMark x1="75000" y1="93056" x2="75000" y2="93056"/>
+                        <a14:backgroundMark x1="75000" y1="93056" x2="75000" y2="93056"/>
+                        <a14:backgroundMark x1="69928" y1="93056" x2="69928" y2="93056"/>
+                        <a14:backgroundMark x1="26812" y1="93056" x2="26812" y2="93056"/>
+                      </a14:backgroundRemoval>
+                    </a14:imgEffect>
+                  </a14:imgLayer>
+                </a14:imgProps>
+              </a:ext>
+            </a:extLst>
+          </a:blip>
+          <a:stretch>
+            <a:fillRect/>
+          </a:stretch>
+        </p:blipFill>
+        <p:spPr>
+          <a:xfrm>
+            <a:off x="490679" y="299509"/>
+            <a:ext cx="4798553" cy="6258983"/>
+          </a:xfrm>
+          <a:prstGeom prst="rect">
+            <a:avLst/>
+          </a:prstGeom>
+        </p:spPr>
+      </p:pic>
       <p:sp>
         <p:nvSpPr>
           <p:cNvPr id="3" name="Content Placeholder 2">
@@ -19555,23 +22171,153 @@
         </p:nvSpPr>
         <p:spPr>
           <a:xfrm>
-            <a:off x="838200" y="1929384"/>
-            <a:ext cx="10515600" cy="4251960"/>
+            <a:off x="6392583" y="2645922"/>
+            <a:ext cx="4434721" cy="3710427"/>
           </a:xfrm>
         </p:spPr>
         <p:txBody>
-          <a:bodyPr>
+          <a:bodyPr anchor="t">
             <a:normAutofit/>
           </a:bodyPr>
           <a:lstStyle/>
           <a:p>
             <a:r>
-              <a:rPr lang="en-US" sz="2200" dirty="0"/>
-              <a:t>Gannon and Ethan</a:t>
+              <a:rPr lang="en-US" sz="2000" dirty="0">
+                <a:solidFill>
+                  <a:schemeClr val="tx1">
+                    <a:alpha val="80000"/>
+                  </a:schemeClr>
+                </a:solidFill>
+              </a:rPr>
+              <a:t>ESP32-S3-WROOM-1 Module</a:t>
+            </a:r>
+          </a:p>
+          <a:p>
+            <a:pPr lvl="1"/>
+            <a:r>
+              <a:rPr lang="en-US" sz="2000" dirty="0">
+                <a:solidFill>
+                  <a:schemeClr val="tx1">
+                    <a:alpha val="80000"/>
+                  </a:schemeClr>
+                </a:solidFill>
+              </a:rPr>
+              <a:t>Contains ESP32-S3 dual core SOC </a:t>
+            </a:r>
+          </a:p>
+          <a:p>
+            <a:pPr lvl="1"/>
+            <a:r>
+              <a:rPr lang="en-US" sz="2000" dirty="0">
+                <a:solidFill>
+                  <a:schemeClr val="tx1">
+                    <a:alpha val="80000"/>
+                  </a:schemeClr>
+                </a:solidFill>
+              </a:rPr>
+              <a:t>Build in Antenna with Impedance matching</a:t>
+            </a:r>
+          </a:p>
+          <a:p>
+            <a:r>
+              <a:rPr lang="en-US" sz="2000" dirty="0">
+                <a:solidFill>
+                  <a:schemeClr val="tx1">
+                    <a:alpha val="80000"/>
+                  </a:schemeClr>
+                </a:solidFill>
+              </a:rPr>
+              <a:t>Makes dropping MCU onto board easier</a:t>
+            </a:r>
+          </a:p>
+          <a:p>
+            <a:r>
+              <a:rPr lang="en-US" sz="2000" dirty="0">
+                <a:solidFill>
+                  <a:schemeClr val="tx1">
+                    <a:alpha val="80000"/>
+                  </a:schemeClr>
+                </a:solidFill>
+              </a:rPr>
+              <a:t>Plethora of free and open SDK’s</a:t>
+            </a:r>
+          </a:p>
+          <a:p>
+            <a:r>
+              <a:rPr lang="en-US" sz="2000" dirty="0">
+                <a:solidFill>
+                  <a:schemeClr val="tx1">
+                    <a:alpha val="80000"/>
+                  </a:schemeClr>
+                </a:solidFill>
+              </a:rPr>
+              <a:t>Need for external flash to store flight data</a:t>
             </a:r>
           </a:p>
         </p:txBody>
       </p:sp>
+      <p:cxnSp>
+        <p:nvCxnSpPr>
+          <p:cNvPr id="32" name="Straight Connector 31">
+            <a:extLst>
+              <a:ext uri="{FF2B5EF4-FFF2-40B4-BE49-F238E27FC236}">
+                <a16:creationId xmlns:a16="http://schemas.microsoft.com/office/drawing/2014/main" id="{C49DA8F6-BCC1-4447-B54C-57856834B94B}"/>
+              </a:ext>
+              <a:ext uri="{C183D7F6-B498-43B3-948B-1728B52AA6E4}">
+                <adec:decorative xmlns:adec="http://schemas.microsoft.com/office/drawing/2017/decorative" val="1"/>
+              </a:ext>
+            </a:extLst>
+          </p:cNvPr>
+          <p:cNvCxnSpPr>
+            <a:cxnSpLocks noGrp="1" noRot="1" noChangeAspect="1" noMove="1" noResize="1" noEditPoints="1" noAdjustHandles="1" noChangeArrowheads="1" noChangeShapeType="1"/>
+          </p:cNvCxnSpPr>
+          <p:nvPr>
+            <p:extLst>
+              <p:ext uri="{386F3935-93C4-4BCD-93E2-E3B085C9AB24}">
+                <p16:designElem xmlns:p16="http://schemas.microsoft.com/office/powerpoint/2015/main" val="1"/>
+              </p:ext>
+            </p:extLst>
+          </p:nvPr>
+        </p:nvCxnSpPr>
+        <p:spPr>
+          <a:xfrm>
+            <a:off x="11586162" y="3610394"/>
+            <a:ext cx="0" cy="3238728"/>
+          </a:xfrm>
+          <a:prstGeom prst="line">
+            <a:avLst/>
+          </a:prstGeom>
+          <a:ln w="25400" cap="sq">
+            <a:gradFill flip="none" rotWithShape="1">
+              <a:gsLst>
+                <a:gs pos="0">
+                  <a:schemeClr val="accent1"/>
+                </a:gs>
+                <a:gs pos="100000">
+                  <a:schemeClr val="accent2"/>
+                </a:gs>
+              </a:gsLst>
+              <a:lin ang="16200000" scaled="1"/>
+              <a:tileRect/>
+            </a:gradFill>
+            <a:bevel/>
+          </a:ln>
+        </p:spPr>
+        <p:style>
+          <a:lnRef idx="1">
+            <a:schemeClr val="accent1"/>
+          </a:lnRef>
+          <a:fillRef idx="0">
+            <a:schemeClr val="accent1"/>
+          </a:fillRef>
+          <a:effectRef idx="0">
+            <a:schemeClr val="accent1"/>
+          </a:effectRef>
+          <a:fontRef idx="minor">
+            <a:schemeClr val="tx1"/>
+          </a:fontRef>
+        </p:style>
+      </p:cxnSp>
     </p:spTree>
     <p:extLst>
       <p:ext uri="{BB962C8B-B14F-4D97-AF65-F5344CB8AC3E}">
@@ -20863,10 +23609,10 @@
       </p:grpSpPr>
       <p:sp useBgFill="1">
         <p:nvSpPr>
-          <p:cNvPr id="22" name="Rectangle 21">
+          <p:cNvPr id="30" name="Rectangle 29">
             <a:extLst>
               <a:ext uri="{FF2B5EF4-FFF2-40B4-BE49-F238E27FC236}">
-                <a16:creationId xmlns:a16="http://schemas.microsoft.com/office/drawing/2014/main" id="{2B97F24A-32CE-4C1C-A50D-3016B394DCFB}"/>
+                <a16:creationId xmlns:a16="http://schemas.microsoft.com/office/drawing/2014/main" id="{2659FDB4-FCBE-4A89-B46D-43D4FA54464D}"/>
               </a:ext>
               <a:ext uri="{C183D7F6-B498-43B3-948B-1728B52AA6E4}">
                 <adec:decorative xmlns:adec="http://schemas.microsoft.com/office/drawing/2017/decorative" val="1"/>
@@ -20886,7 +23632,7 @@
         </p:nvSpPr>
         <p:spPr>
           <a:xfrm>
-            <a:off x="0" y="0"/>
+            <a:off x="0" y="8313"/>
             <a:ext cx="12192000" cy="6858000"/>
           </a:xfrm>
           <a:prstGeom prst="rect">
@@ -20917,7 +23663,11 @@
           <a:lstStyle/>
           <a:p>
             <a:pPr algn="ctr"/>
-            <a:endParaRPr lang="en-US"/>
+            <a:endParaRPr lang="en-US">
+              <a:solidFill>
+                <a:schemeClr val="bg1"/>
+              </a:solidFill>
+            </a:endParaRPr>
           </a:p>
         </p:txBody>
       </p:sp>
@@ -20939,38 +23689,39 @@
         </p:nvSpPr>
         <p:spPr>
           <a:xfrm>
-            <a:off x="630936" y="639520"/>
-            <a:ext cx="3429000" cy="1719072"/>
+            <a:off x="479394" y="1070800"/>
+            <a:ext cx="3939688" cy="5583126"/>
           </a:xfrm>
         </p:spPr>
         <p:txBody>
-          <a:bodyPr anchor="b">
+          <a:bodyPr>
             <a:normAutofit/>
           </a:bodyPr>
           <a:lstStyle/>
           <a:p>
+            <a:pPr algn="r"/>
             <a:r>
-              <a:rPr lang="en-US" sz="5000" dirty="0"/>
+              <a:rPr lang="en-US" sz="7400"/>
               <a:t>Approach – PCB Design</a:t>
             </a:r>
           </a:p>
         </p:txBody>
       </p:sp>
-      <p:sp>
-        <p:nvSpPr>
-          <p:cNvPr id="24" name="sketch line">
+      <p:cxnSp>
+        <p:nvCxnSpPr>
+          <p:cNvPr id="32" name="Straight Connector 31">
             <a:extLst>
               <a:ext uri="{FF2B5EF4-FFF2-40B4-BE49-F238E27FC236}">
-                <a16:creationId xmlns:a16="http://schemas.microsoft.com/office/drawing/2014/main" id="{CD8B4F24-440B-49E9-B85D-733523DC064B}"/>
+                <a16:creationId xmlns:a16="http://schemas.microsoft.com/office/drawing/2014/main" id="{C8F51B3F-8331-4E4A-AE96-D47B1006EEAD}"/>
               </a:ext>
               <a:ext uri="{C183D7F6-B498-43B3-948B-1728B52AA6E4}">
                 <adec:decorative xmlns:adec="http://schemas.microsoft.com/office/drawing/2017/decorative" val="1"/>
               </a:ext>
             </a:extLst>
           </p:cNvPr>
-          <p:cNvSpPr>
-            <a:spLocks noGrp="1" noRot="1" noChangeAspect="1" noMove="1" noResize="1" noEditPoints="1" noAdjustHandles="1" noChangeArrowheads="1" noChangeShapeType="1" noTextEdit="1"/>
-          </p:cNvSpPr>
+          <p:cNvCxnSpPr>
+            <a:cxnSpLocks noGrp="1" noRot="1" noChangeAspect="1" noMove="1" noResize="1" noEditPoints="1" noAdjustHandles="1" noChangeArrowheads="1" noChangeShapeType="1"/>
+          </p:cNvCxnSpPr>
           <p:nvPr>
             <p:extLst>
               <p:ext uri="{386F3935-93C4-4BCD-93E2-E3B085C9AB24}">
@@ -20978,366 +23729,77 @@
               </p:ext>
             </p:extLst>
           </p:nvPr>
-        </p:nvSpPr>
+        </p:nvCxnSpPr>
         <p:spPr>
           <a:xfrm>
-            <a:off x="643278" y="2573756"/>
-            <a:ext cx="3255095" cy="18288"/>
+            <a:off x="4728053" y="1132114"/>
+            <a:ext cx="0" cy="5717573"/>
           </a:xfrm>
-          <a:custGeom>
+          <a:prstGeom prst="line">
             <a:avLst/>
-            <a:gdLst>
-              <a:gd name="connsiteX0" fmla="*/ 0 w 3255095"/>
-              <a:gd name="connsiteY0" fmla="*/ 0 h 18288"/>
-              <a:gd name="connsiteX1" fmla="*/ 618468 w 3255095"/>
-              <a:gd name="connsiteY1" fmla="*/ 0 h 18288"/>
-              <a:gd name="connsiteX2" fmla="*/ 1269487 w 3255095"/>
-              <a:gd name="connsiteY2" fmla="*/ 0 h 18288"/>
-              <a:gd name="connsiteX3" fmla="*/ 1953057 w 3255095"/>
-              <a:gd name="connsiteY3" fmla="*/ 0 h 18288"/>
-              <a:gd name="connsiteX4" fmla="*/ 2636627 w 3255095"/>
-              <a:gd name="connsiteY4" fmla="*/ 0 h 18288"/>
-              <a:gd name="connsiteX5" fmla="*/ 3255095 w 3255095"/>
-              <a:gd name="connsiteY5" fmla="*/ 0 h 18288"/>
-              <a:gd name="connsiteX6" fmla="*/ 3255095 w 3255095"/>
-              <a:gd name="connsiteY6" fmla="*/ 18288 h 18288"/>
-              <a:gd name="connsiteX7" fmla="*/ 2538974 w 3255095"/>
-              <a:gd name="connsiteY7" fmla="*/ 18288 h 18288"/>
-              <a:gd name="connsiteX8" fmla="*/ 1822853 w 3255095"/>
-              <a:gd name="connsiteY8" fmla="*/ 18288 h 18288"/>
-              <a:gd name="connsiteX9" fmla="*/ 1171834 w 3255095"/>
-              <a:gd name="connsiteY9" fmla="*/ 18288 h 18288"/>
-              <a:gd name="connsiteX10" fmla="*/ 0 w 3255095"/>
-              <a:gd name="connsiteY10" fmla="*/ 18288 h 18288"/>
-              <a:gd name="connsiteX11" fmla="*/ 0 w 3255095"/>
-              <a:gd name="connsiteY11" fmla="*/ 0 h 18288"/>
-            </a:gdLst>
-            <a:ahLst/>
-            <a:cxnLst>
-              <a:cxn ang="0">
-                <a:pos x="connsiteX0" y="connsiteY0"/>
-              </a:cxn>
-              <a:cxn ang="0">
-                <a:pos x="connsiteX1" y="connsiteY1"/>
-              </a:cxn>
-              <a:cxn ang="0">
-                <a:pos x="connsiteX2" y="connsiteY2"/>
-              </a:cxn>
-              <a:cxn ang="0">
-                <a:pos x="connsiteX3" y="connsiteY3"/>
-              </a:cxn>
-              <a:cxn ang="0">
-                <a:pos x="connsiteX4" y="connsiteY4"/>
-              </a:cxn>
-              <a:cxn ang="0">
-                <a:pos x="connsiteX5" y="connsiteY5"/>
-              </a:cxn>
-              <a:cxn ang="0">
-                <a:pos x="connsiteX6" y="connsiteY6"/>
-              </a:cxn>
-              <a:cxn ang="0">
-                <a:pos x="connsiteX7" y="connsiteY7"/>
-              </a:cxn>
-              <a:cxn ang="0">
-                <a:pos x="connsiteX8" y="connsiteY8"/>
-              </a:cxn>
-              <a:cxn ang="0">
-                <a:pos x="connsiteX9" y="connsiteY9"/>
-              </a:cxn>
-              <a:cxn ang="0">
-                <a:pos x="connsiteX10" y="connsiteY10"/>
-              </a:cxn>
-              <a:cxn ang="0">
-                <a:pos x="connsiteX11" y="connsiteY11"/>
-              </a:cxn>
-            </a:cxnLst>
-            <a:rect l="l" t="t" r="r" b="b"/>
-            <a:pathLst>
-              <a:path w="3255095" h="18288" fill="none" extrusionOk="0">
-                <a:moveTo>
-                  <a:pt x="0" y="0"/>
-                </a:moveTo>
-                <a:cubicBezTo>
-                  <a:pt x="240201" y="-22123"/>
-                  <a:pt x="462021" y="-19623"/>
-                  <a:pt x="618468" y="0"/>
-                </a:cubicBezTo>
-                <a:cubicBezTo>
-                  <a:pt x="774915" y="19623"/>
-                  <a:pt x="974734" y="2035"/>
-                  <a:pt x="1269487" y="0"/>
-                </a:cubicBezTo>
-                <a:cubicBezTo>
-                  <a:pt x="1564240" y="-2035"/>
-                  <a:pt x="1733579" y="10639"/>
-                  <a:pt x="1953057" y="0"/>
-                </a:cubicBezTo>
-                <a:cubicBezTo>
-                  <a:pt x="2172535" y="-10639"/>
-                  <a:pt x="2453962" y="14018"/>
-                  <a:pt x="2636627" y="0"/>
-                </a:cubicBezTo>
-                <a:cubicBezTo>
-                  <a:pt x="2819292" y="-14018"/>
-                  <a:pt x="3121375" y="5399"/>
-                  <a:pt x="3255095" y="0"/>
-                </a:cubicBezTo>
-                <a:cubicBezTo>
-                  <a:pt x="3254386" y="8157"/>
-                  <a:pt x="3254682" y="12125"/>
-                  <a:pt x="3255095" y="18288"/>
-                </a:cubicBezTo>
-                <a:cubicBezTo>
-                  <a:pt x="3088545" y="23203"/>
-                  <a:pt x="2687475" y="7419"/>
-                  <a:pt x="2538974" y="18288"/>
-                </a:cubicBezTo>
-                <a:cubicBezTo>
-                  <a:pt x="2390473" y="29157"/>
-                  <a:pt x="2137381" y="-8959"/>
-                  <a:pt x="1822853" y="18288"/>
-                </a:cubicBezTo>
-                <a:cubicBezTo>
-                  <a:pt x="1508325" y="45535"/>
-                  <a:pt x="1466437" y="20385"/>
-                  <a:pt x="1171834" y="18288"/>
-                </a:cubicBezTo>
-                <a:cubicBezTo>
-                  <a:pt x="877231" y="16191"/>
-                  <a:pt x="561097" y="37643"/>
-                  <a:pt x="0" y="18288"/>
-                </a:cubicBezTo>
-                <a:cubicBezTo>
-                  <a:pt x="-46" y="12483"/>
-                  <a:pt x="-203" y="6491"/>
-                  <a:pt x="0" y="0"/>
-                </a:cubicBezTo>
-                <a:close/>
-              </a:path>
-              <a:path w="3255095" h="18288" stroke="0" extrusionOk="0">
-                <a:moveTo>
-                  <a:pt x="0" y="0"/>
-                </a:moveTo>
-                <a:cubicBezTo>
-                  <a:pt x="291965" y="19429"/>
-                  <a:pt x="363155" y="8568"/>
-                  <a:pt x="618468" y="0"/>
-                </a:cubicBezTo>
-                <a:cubicBezTo>
-                  <a:pt x="873781" y="-8568"/>
-                  <a:pt x="904459" y="-19505"/>
-                  <a:pt x="1171834" y="0"/>
-                </a:cubicBezTo>
-                <a:cubicBezTo>
-                  <a:pt x="1439209" y="19505"/>
-                  <a:pt x="1744369" y="9790"/>
-                  <a:pt x="1887955" y="0"/>
-                </a:cubicBezTo>
-                <a:cubicBezTo>
-                  <a:pt x="2031541" y="-9790"/>
-                  <a:pt x="2346378" y="21240"/>
-                  <a:pt x="2506423" y="0"/>
-                </a:cubicBezTo>
-                <a:cubicBezTo>
-                  <a:pt x="2666468" y="-21240"/>
-                  <a:pt x="2990257" y="30414"/>
-                  <a:pt x="3255095" y="0"/>
-                </a:cubicBezTo>
-                <a:cubicBezTo>
-                  <a:pt x="3254831" y="4493"/>
-                  <a:pt x="3255479" y="9472"/>
-                  <a:pt x="3255095" y="18288"/>
-                </a:cubicBezTo>
-                <a:cubicBezTo>
-                  <a:pt x="3120743" y="16690"/>
-                  <a:pt x="2759628" y="42462"/>
-                  <a:pt x="2604076" y="18288"/>
-                </a:cubicBezTo>
-                <a:cubicBezTo>
-                  <a:pt x="2448524" y="-5886"/>
-                  <a:pt x="2184336" y="19599"/>
-                  <a:pt x="1887955" y="18288"/>
-                </a:cubicBezTo>
-                <a:cubicBezTo>
-                  <a:pt x="1591574" y="16977"/>
-                  <a:pt x="1548845" y="6870"/>
-                  <a:pt x="1334589" y="18288"/>
-                </a:cubicBezTo>
-                <a:cubicBezTo>
-                  <a:pt x="1120333" y="29706"/>
-                  <a:pt x="996014" y="9662"/>
-                  <a:pt x="683570" y="18288"/>
-                </a:cubicBezTo>
-                <a:cubicBezTo>
-                  <a:pt x="371126" y="26914"/>
-                  <a:pt x="198687" y="16167"/>
-                  <a:pt x="0" y="18288"/>
-                </a:cubicBezTo>
-                <a:cubicBezTo>
-                  <a:pt x="843" y="9577"/>
-                  <a:pt x="371" y="6900"/>
-                  <a:pt x="0" y="0"/>
-                </a:cubicBezTo>
-                <a:close/>
-              </a:path>
-            </a:pathLst>
-          </a:custGeom>
-          <a:solidFill>
-            <a:schemeClr val="accent2"/>
-          </a:solidFill>
-          <a:ln w="38100" cap="rnd">
-            <a:solidFill>
-              <a:schemeClr val="accent2"/>
-            </a:solidFill>
-            <a:round/>
-            <a:extLst>
-              <a:ext uri="{C807C97D-BFC1-408E-A445-0C87EB9F89A2}">
-                <ask:lineSketchStyleProps xmlns:ask="http://schemas.microsoft.com/office/drawing/2018/sketchyshapes" sd="1219033472">
-                  <a:prstGeom prst="rect">
-                    <a:avLst/>
-                  </a:prstGeom>
-                  <ask:type>
-                    <ask:lineSketchFreehand/>
-                  </ask:type>
-                </ask:lineSketchStyleProps>
-              </a:ext>
-            </a:extLst>
+          </a:prstGeom>
+          <a:ln w="25400" cap="sq">
+            <a:gradFill flip="none" rotWithShape="1">
+              <a:gsLst>
+                <a:gs pos="0">
+                  <a:schemeClr val="accent1"/>
+                </a:gs>
+                <a:gs pos="100000">
+                  <a:schemeClr val="accent2"/>
+                </a:gs>
+              </a:gsLst>
+              <a:lin ang="16200000" scaled="1"/>
+              <a:tileRect/>
+            </a:gradFill>
+            <a:bevel/>
           </a:ln>
         </p:spPr>
         <p:style>
-          <a:lnRef idx="2">
-            <a:schemeClr val="accent1">
-              <a:shade val="50000"/>
-            </a:schemeClr>
+          <a:lnRef idx="1">
+            <a:schemeClr val="accent1"/>
           </a:lnRef>
-          <a:fillRef idx="1">
+          <a:fillRef idx="0">
             <a:schemeClr val="accent1"/>
           </a:fillRef>
           <a:effectRef idx="0">
             <a:schemeClr val="accent1"/>
           </a:effectRef>
           <a:fontRef idx="minor">
-            <a:schemeClr val="lt1"/>
+            <a:schemeClr val="tx1"/>
           </a:fontRef>
         </p:style>
-        <p:txBody>
-          <a:bodyPr rtlCol="0" anchor="ctr"/>
-          <a:lstStyle/>
-          <a:p>
-            <a:pPr algn="ctr"/>
-            <a:endParaRPr lang="en-US"/>
-          </a:p>
-        </p:txBody>
-      </p:sp>
-      <p:sp>
-        <p:nvSpPr>
-          <p:cNvPr id="3" name="Content Placeholder 2">
+      </p:cxnSp>
+      <p:graphicFrame>
+        <p:nvGraphicFramePr>
+          <p:cNvPr id="26" name="Content Placeholder 2">
             <a:extLst>
               <a:ext uri="{FF2B5EF4-FFF2-40B4-BE49-F238E27FC236}">
-                <a16:creationId xmlns:a16="http://schemas.microsoft.com/office/drawing/2014/main" id="{0E530206-C89A-547A-CF4C-4CA30390F5BC}"/>
+                <a16:creationId xmlns:a16="http://schemas.microsoft.com/office/drawing/2014/main" id="{0005DF20-3C7C-68EF-C906-065885064866}"/>
               </a:ext>
             </a:extLst>
           </p:cNvPr>
-          <p:cNvSpPr>
-            <a:spLocks noGrp="1"/>
-          </p:cNvSpPr>
+          <p:cNvGraphicFramePr>
+            <a:graphicFrameLocks noGrp="1"/>
+          </p:cNvGraphicFramePr>
           <p:nvPr>
             <p:ph idx="1"/>
+            <p:extLst>
+              <p:ext uri="{D42A27DB-BD31-4B8C-83A1-F6EECF244321}">
+                <p14:modId xmlns:p14="http://schemas.microsoft.com/office/powerpoint/2010/main" val="2941829953"/>
+              </p:ext>
+            </p:extLst>
           </p:nvPr>
-        </p:nvSpPr>
-        <p:spPr>
-          <a:xfrm>
-            <a:off x="630936" y="2807208"/>
-            <a:ext cx="3429000" cy="3410712"/>
-          </a:xfrm>
-        </p:spPr>
-        <p:txBody>
-          <a:bodyPr anchor="t">
-            <a:normAutofit/>
-          </a:bodyPr>
-          <a:lstStyle/>
-          <a:p>
-            <a:r>
-              <a:rPr lang="en-US" sz="2200" dirty="0"/>
-              <a:t>Designed in KiCAD, board manufactured and populated by JLCPCB</a:t>
-            </a:r>
-          </a:p>
-          <a:p>
-            <a:r>
-              <a:rPr lang="en-US" sz="2200" dirty="0"/>
-              <a:t>Hierarchical design, each member design at least one schematic</a:t>
-            </a:r>
-          </a:p>
-          <a:p>
-            <a:r>
-              <a:rPr lang="en-US" sz="2200" dirty="0"/>
-              <a:t>Switched from initial IMU pick to another to avoid level shifting data line</a:t>
-            </a:r>
-          </a:p>
-        </p:txBody>
-      </p:sp>
-      <p:sp>
-        <p:nvSpPr>
-          <p:cNvPr id="4" name="Title 1">
-            <a:extLst>
-              <a:ext uri="{FF2B5EF4-FFF2-40B4-BE49-F238E27FC236}">
-                <a16:creationId xmlns:a16="http://schemas.microsoft.com/office/drawing/2014/main" id="{5627FFDC-0B3E-65D7-4216-A6867E2CD6E1}"/>
-              </a:ext>
-            </a:extLst>
-          </p:cNvPr>
-          <p:cNvSpPr txBox="1">
-            <a:spLocks/>
-          </p:cNvSpPr>
-          <p:nvPr/>
-        </p:nvSpPr>
-        <p:spPr>
-          <a:xfrm>
-            <a:off x="6227694" y="1732508"/>
-            <a:ext cx="3429000" cy="1719072"/>
-          </a:xfrm>
-          <a:prstGeom prst="rect">
-            <a:avLst/>
-          </a:prstGeom>
-        </p:spPr>
-        <p:txBody>
-          <a:bodyPr vert="horz" lIns="91440" tIns="45720" rIns="91440" bIns="45720" rtlCol="0" anchor="b">
-            <a:normAutofit fontScale="47500" lnSpcReduction="20000"/>
-          </a:bodyPr>
-          <a:lstStyle>
-            <a:lvl1pPr algn="l" defTabSz="914400" rtl="0" eaLnBrk="1" latinLnBrk="0" hangingPunct="1">
-              <a:lnSpc>
-                <a:spcPct val="90000"/>
-              </a:lnSpc>
-              <a:spcBef>
-                <a:spcPct val="0"/>
-              </a:spcBef>
-              <a:buNone/>
-              <a:defRPr sz="4400" kern="1200">
-                <a:solidFill>
-                  <a:schemeClr val="tx1"/>
-                </a:solidFill>
-                <a:latin typeface="+mj-lt"/>
-                <a:ea typeface="+mj-ea"/>
-                <a:cs typeface="+mj-cs"/>
-              </a:defRPr>
-            </a:lvl1pPr>
-          </a:lstStyle>
-          <a:p>
-            <a:r>
-              <a:rPr lang="en-US" sz="5000" dirty="0"/>
-              <a:t>Picture or just make text across screen. Moved the schematic to its own slide to make it readable-</a:t>
-            </a:r>
-            <a:r>
-              <a:rPr lang="en-US" sz="5000" dirty="0" err="1"/>
-              <a:t>ish</a:t>
-            </a:r>
-            <a:r>
-              <a:rPr lang="en-US" sz="5000" dirty="0"/>
-              <a:t> during presentation.</a:t>
-            </a:r>
-          </a:p>
-        </p:txBody>
-      </p:sp>
+        </p:nvGraphicFramePr>
+        <p:xfrm>
+          <a:off x="5108535" y="1070800"/>
+          <a:ext cx="6245265" cy="5589347"/>
+        </p:xfrm>
+        <a:graphic>
+          <a:graphicData uri="http://schemas.openxmlformats.org/drawingml/2006/diagram">
+            <dgm:relIds xmlns:dgm="http://schemas.openxmlformats.org/drawingml/2006/diagram" xmlns:r="http://schemas.openxmlformats.org/officeDocument/2006/relationships" r:dm="rId2" r:lo="rId3" r:qs="rId4" r:cs="rId5"/>
+          </a:graphicData>
+        </a:graphic>
+      </p:graphicFrame>
     </p:spTree>
     <p:extLst>
       <p:ext uri="{BB962C8B-B14F-4D97-AF65-F5344CB8AC3E}">
@@ -21990,15 +24452,6 @@
 </file>
 
 <file path=customXml/item2.xml><?xml version="1.0" encoding="utf-8"?>
-<?mso-contentType ?>
-<FormTemplates xmlns="http://schemas.microsoft.com/sharepoint/v3/contenttype/forms">
-  <Display>DocumentLibraryForm</Display>
-  <Edit>DocumentLibraryForm</Edit>
-  <New>DocumentLibraryForm</New>
-</FormTemplates>
-</file>
-
-<file path=customXml/item3.xml><?xml version="1.0" encoding="utf-8"?>
 <ct:contentTypeSchema xmlns:ct="http://schemas.microsoft.com/office/2006/metadata/contentType" xmlns:ma="http://schemas.microsoft.com/office/2006/metadata/properties/metaAttributes" ct:_="" ma:_="" ma:contentTypeName="Document" ma:contentTypeID="0x0101009ADC84C2C2689F418E5BAD3CA70F51C1" ma:contentTypeVersion="15" ma:contentTypeDescription="Create a new document." ma:contentTypeScope="" ma:versionID="dfa36a507fa972b0dae0ef5557aeb3eb">
   <xsd:schema xmlns:xsd="http://www.w3.org/2001/XMLSchema" xmlns:xs="http://www.w3.org/2001/XMLSchema" xmlns:p="http://schemas.microsoft.com/office/2006/metadata/properties" xmlns:ns3="218cae68-0ddc-43bb-9a29-52a0402d6cb9" xmlns:ns4="703aeb73-56ce-48f3-9277-f60cff690132" targetNamespace="http://schemas.microsoft.com/office/2006/metadata/properties" ma:root="true" ma:fieldsID="cb78c5b39430d5080de0e1d97c12cd45" ns3:_="" ns4:_="">
     <xsd:import namespace="218cae68-0ddc-43bb-9a29-52a0402d6cb9"/>
@@ -22231,6 +24684,15 @@
 </ct:contentTypeSchema>
 </file>
 
+<file path=customXml/item3.xml><?xml version="1.0" encoding="utf-8"?>
+<?mso-contentType ?>
+<FormTemplates xmlns="http://schemas.microsoft.com/sharepoint/v3/contenttype/forms">
+  <Display>DocumentLibraryForm</Display>
+  <Edit>DocumentLibraryForm</Edit>
+  <New>DocumentLibraryForm</New>
+</FormTemplates>
+</file>
+
 <file path=customXml/itemProps1.xml><?xml version="1.0" encoding="utf-8"?>
 <ds:datastoreItem xmlns:ds="http://schemas.openxmlformats.org/officeDocument/2006/customXml" ds:itemID="{B218F515-3D1B-44A5-8439-DF0479902099}">
   <ds:schemaRefs>
@@ -22249,14 +24711,6 @@
 </file>
 
 <file path=customXml/itemProps2.xml><?xml version="1.0" encoding="utf-8"?>
-<ds:datastoreItem xmlns:ds="http://schemas.openxmlformats.org/officeDocument/2006/customXml" ds:itemID="{3A69843A-82BD-41BC-9CFD-7A6BCBCF50D4}">
-  <ds:schemaRefs>
-    <ds:schemaRef ds:uri="http://schemas.microsoft.com/sharepoint/v3/contenttype/forms"/>
-  </ds:schemaRefs>
-</ds:datastoreItem>
-</file>
-
-<file path=customXml/itemProps3.xml><?xml version="1.0" encoding="utf-8"?>
 <ds:datastoreItem xmlns:ds="http://schemas.openxmlformats.org/officeDocument/2006/customXml" ds:itemID="{0058B037-F10E-47D7-816C-415ABC0EB55F}">
   <ds:schemaRefs>
     <ds:schemaRef ds:uri="http://schemas.microsoft.com/office/2006/metadata/contentType"/>
@@ -22273,4 +24727,12 @@
     <ds:schemaRef ds:uri="http://schemas.microsoft.com/internal/obd"/>
   </ds:schemaRefs>
 </ds:datastoreItem>
+</file>
+
+<file path=customXml/itemProps3.xml><?xml version="1.0" encoding="utf-8"?>
+<ds:datastoreItem xmlns:ds="http://schemas.openxmlformats.org/officeDocument/2006/customXml" ds:itemID="{3A69843A-82BD-41BC-9CFD-7A6BCBCF50D4}">
+  <ds:schemaRefs>
+    <ds:schemaRef ds:uri="http://schemas.microsoft.com/sharepoint/v3/contenttype/forms"/>
+  </ds:schemaRefs>
+</ds:datastoreItem>
 </file>
--- a/Documents/FInal Presentation/Final_Presentation.pptx
+++ b/Documents/FInal Presentation/Final_Presentation.pptx
@@ -3244,7 +3244,7 @@
           <a:p>
             <a:fld id="{C3DCE7EF-75D0-4DB7-BD1A-FC94188B4058}" type="datetimeFigureOut">
               <a:rPr lang="en-US" smtClean="0"/>
-              <a:t>11/29/2024</a:t>
+              <a:t>11/30/2024</a:t>
             </a:fld>
             <a:endParaRPr lang="en-US"/>
           </a:p>
@@ -3826,7 +3826,7 @@
           <a:p>
             <a:fld id="{A749A21A-B890-4700-B57E-1CFFBFCC9631}" type="datetimeFigureOut">
               <a:rPr lang="en-US" smtClean="0"/>
-              <a:t>11/29/2024</a:t>
+              <a:t>11/30/2024</a:t>
             </a:fld>
             <a:endParaRPr lang="en-US"/>
           </a:p>
@@ -4024,7 +4024,7 @@
           <a:p>
             <a:fld id="{A749A21A-B890-4700-B57E-1CFFBFCC9631}" type="datetimeFigureOut">
               <a:rPr lang="en-US" smtClean="0"/>
-              <a:t>11/29/2024</a:t>
+              <a:t>11/30/2024</a:t>
             </a:fld>
             <a:endParaRPr lang="en-US"/>
           </a:p>
@@ -4232,7 +4232,7 @@
           <a:p>
             <a:fld id="{A749A21A-B890-4700-B57E-1CFFBFCC9631}" type="datetimeFigureOut">
               <a:rPr lang="en-US" smtClean="0"/>
-              <a:t>11/29/2024</a:t>
+              <a:t>11/30/2024</a:t>
             </a:fld>
             <a:endParaRPr lang="en-US"/>
           </a:p>
@@ -4430,7 +4430,7 @@
           <a:p>
             <a:fld id="{A749A21A-B890-4700-B57E-1CFFBFCC9631}" type="datetimeFigureOut">
               <a:rPr lang="en-US" smtClean="0"/>
-              <a:t>11/29/2024</a:t>
+              <a:t>11/30/2024</a:t>
             </a:fld>
             <a:endParaRPr lang="en-US"/>
           </a:p>
@@ -4705,7 +4705,7 @@
           <a:p>
             <a:fld id="{A749A21A-B890-4700-B57E-1CFFBFCC9631}" type="datetimeFigureOut">
               <a:rPr lang="en-US" smtClean="0"/>
-              <a:t>11/29/2024</a:t>
+              <a:t>11/30/2024</a:t>
             </a:fld>
             <a:endParaRPr lang="en-US"/>
           </a:p>
@@ -4970,7 +4970,7 @@
           <a:p>
             <a:fld id="{A749A21A-B890-4700-B57E-1CFFBFCC9631}" type="datetimeFigureOut">
               <a:rPr lang="en-US" smtClean="0"/>
-              <a:t>11/29/2024</a:t>
+              <a:t>11/30/2024</a:t>
             </a:fld>
             <a:endParaRPr lang="en-US"/>
           </a:p>
@@ -5382,7 +5382,7 @@
           <a:p>
             <a:fld id="{A749A21A-B890-4700-B57E-1CFFBFCC9631}" type="datetimeFigureOut">
               <a:rPr lang="en-US" smtClean="0"/>
-              <a:t>11/29/2024</a:t>
+              <a:t>11/30/2024</a:t>
             </a:fld>
             <a:endParaRPr lang="en-US"/>
           </a:p>
@@ -5523,7 +5523,7 @@
           <a:p>
             <a:fld id="{A749A21A-B890-4700-B57E-1CFFBFCC9631}" type="datetimeFigureOut">
               <a:rPr lang="en-US" smtClean="0"/>
-              <a:t>11/29/2024</a:t>
+              <a:t>11/30/2024</a:t>
             </a:fld>
             <a:endParaRPr lang="en-US"/>
           </a:p>
@@ -5636,7 +5636,7 @@
           <a:p>
             <a:fld id="{A749A21A-B890-4700-B57E-1CFFBFCC9631}" type="datetimeFigureOut">
               <a:rPr lang="en-US" smtClean="0"/>
-              <a:t>11/29/2024</a:t>
+              <a:t>11/30/2024</a:t>
             </a:fld>
             <a:endParaRPr lang="en-US"/>
           </a:p>
@@ -5947,7 +5947,7 @@
           <a:p>
             <a:fld id="{A749A21A-B890-4700-B57E-1CFFBFCC9631}" type="datetimeFigureOut">
               <a:rPr lang="en-US" smtClean="0"/>
-              <a:t>11/29/2024</a:t>
+              <a:t>11/30/2024</a:t>
             </a:fld>
             <a:endParaRPr lang="en-US"/>
           </a:p>
@@ -6235,7 +6235,7 @@
           <a:p>
             <a:fld id="{A749A21A-B890-4700-B57E-1CFFBFCC9631}" type="datetimeFigureOut">
               <a:rPr lang="en-US" smtClean="0"/>
-              <a:t>11/29/2024</a:t>
+              <a:t>11/30/2024</a:t>
             </a:fld>
             <a:endParaRPr lang="en-US"/>
           </a:p>
@@ -6476,7 +6476,7 @@
           <a:p>
             <a:fld id="{A749A21A-B890-4700-B57E-1CFFBFCC9631}" type="datetimeFigureOut">
               <a:rPr lang="en-US" smtClean="0"/>
-              <a:t>11/29/2024</a:t>
+              <a:t>11/30/2024</a:t>
             </a:fld>
             <a:endParaRPr lang="en-US"/>
           </a:p>
@@ -8637,6 +8637,24 @@
               <a:t>Still testing with ESP32-S3 development boards.</a:t>
             </a:r>
           </a:p>
+          <a:p>
+            <a:endParaRPr lang="en-US" sz="2200" dirty="0"/>
+          </a:p>
+          <a:p>
+            <a:pPr marL="0" indent="0">
+              <a:buNone/>
+            </a:pPr>
+            <a:endParaRPr lang="en-US" sz="2200" dirty="0"/>
+          </a:p>
+          <a:p>
+            <a:pPr marL="0" indent="0">
+              <a:buNone/>
+            </a:pPr>
+            <a:r>
+              <a:rPr lang="en-US" sz="2200" dirty="0"/>
+              <a:t>GANNON AND TANNYR ADD PICTURE</a:t>
+            </a:r>
+          </a:p>
         </p:txBody>
       </p:sp>
     </p:spTree>
@@ -10272,7 +10290,10 @@
           </a:bodyPr>
           <a:lstStyle/>
           <a:p>
-            <a:endParaRPr lang="en-US" sz="2200"/>
+            <a:r>
+              <a:rPr lang="en-US" sz="2200" dirty="0"/>
+              <a:t>Possibly Remove? Talk Over</a:t>
+            </a:r>
           </a:p>
         </p:txBody>
       </p:sp>
@@ -11559,8 +11580,74 @@
           <a:lstStyle/>
           <a:p>
             <a:r>
-              <a:rPr lang="en-US" sz="2200" dirty="0"/>
-              <a:t>Need to add numbers to verification chart.</a:t>
+              <a:rPr lang="en-US" sz="2400" dirty="0"/>
+              <a:t>Board Testing</a:t>
+            </a:r>
+          </a:p>
+          <a:p>
+            <a:pPr lvl="1"/>
+            <a:r>
+              <a:rPr lang="en-US" sz="2000" dirty="0"/>
+              <a:t>Power Testing</a:t>
+            </a:r>
+          </a:p>
+          <a:p>
+            <a:pPr lvl="2"/>
+            <a:r>
+              <a:rPr lang="en-US" sz="1600" dirty="0"/>
+              <a:t>Test how much power our board will take during load.</a:t>
+            </a:r>
+          </a:p>
+          <a:p>
+            <a:pPr lvl="1"/>
+            <a:r>
+              <a:rPr lang="en-US" sz="2000" dirty="0"/>
+              <a:t>Sensor Testing</a:t>
+            </a:r>
+          </a:p>
+          <a:p>
+            <a:pPr lvl="2"/>
+            <a:r>
+              <a:rPr lang="en-US" sz="1600" dirty="0"/>
+              <a:t>Make sure the sensors are talking appropriately to the ESP32.</a:t>
+            </a:r>
+          </a:p>
+          <a:p>
+            <a:r>
+              <a:rPr lang="en-US" sz="2400" dirty="0"/>
+              <a:t>Code Testing</a:t>
+            </a:r>
+          </a:p>
+          <a:p>
+            <a:pPr lvl="1"/>
+            <a:r>
+              <a:rPr lang="en-US" sz="2000" dirty="0"/>
+              <a:t>ESP-Dash Range Testing</a:t>
+            </a:r>
+          </a:p>
+          <a:p>
+            <a:pPr lvl="2"/>
+            <a:r>
+              <a:rPr lang="en-US" sz="1600" dirty="0"/>
+              <a:t>Test Range we can transmit to the ESP using ESP-Dash.</a:t>
+            </a:r>
+          </a:p>
+          <a:p>
+            <a:pPr lvl="1"/>
+            <a:r>
+              <a:rPr lang="en-US" sz="2000" dirty="0"/>
+              <a:t>Sensor Testing</a:t>
+            </a:r>
+          </a:p>
+          <a:p>
+            <a:pPr lvl="2"/>
+            <a:r>
+              <a:rPr lang="en-US" sz="1600" dirty="0"/>
+              <a:t>Import fake data into sensors to make sure they are processing data correctly</a:t>
+            </a:r>
+            <a:r>
+              <a:rPr lang="en-US" sz="1400" dirty="0"/>
+              <a:t>.</a:t>
             </a:r>
           </a:p>
         </p:txBody>
@@ -12366,7 +12453,7 @@
           <a:p>
             <a:r>
               <a:rPr lang="en-US" sz="2200" dirty="0"/>
-              <a:t>Digi-Key Order: Total = $42.49</a:t>
+              <a:t>Digi-Key Order: $42.49</a:t>
             </a:r>
           </a:p>
           <a:p>
@@ -12380,14 +12467,14 @@
             <a:pPr lvl="1"/>
             <a:r>
               <a:rPr lang="en-US" sz="1800" dirty="0"/>
-              <a:t>2 6-Pin Screw Terminal = $3.98</a:t>
+              <a:t>2 6-Pin Screw Terminal - $3.98</a:t>
             </a:r>
           </a:p>
           <a:p>
             <a:pPr lvl="1"/>
             <a:r>
               <a:rPr lang="en-US" sz="1800" dirty="0"/>
-              <a:t>2 2-Pin Screw Terminal = $2.06</a:t>
+              <a:t>2 2-Pin Screw Terminal - $2.06</a:t>
             </a:r>
           </a:p>
           <a:p>
@@ -13203,41 +13290,36 @@
           </a:p>
         </p:txBody>
       </p:sp>
-      <p:sp>
-        <p:nvSpPr>
-          <p:cNvPr id="3" name="Content Placeholder 2">
+      <p:pic>
+        <p:nvPicPr>
+          <p:cNvPr id="5" name="Picture 4">
             <a:extLst>
               <a:ext uri="{FF2B5EF4-FFF2-40B4-BE49-F238E27FC236}">
-                <a16:creationId xmlns:a16="http://schemas.microsoft.com/office/drawing/2014/main" id="{544CFAAD-8C64-DD5C-0908-8EA6B0B13FA2}"/>
+                <a16:creationId xmlns:a16="http://schemas.microsoft.com/office/drawing/2014/main" id="{B0116DFB-40EC-FEA7-B656-5788809C5EC6}"/>
               </a:ext>
             </a:extLst>
           </p:cNvPr>
-          <p:cNvSpPr>
-            <a:spLocks noGrp="1"/>
-          </p:cNvSpPr>
-          <p:nvPr>
-            <p:ph idx="1"/>
-          </p:nvPr>
-        </p:nvSpPr>
+          <p:cNvPicPr>
+            <a:picLocks noChangeAspect="1"/>
+          </p:cNvPicPr>
+          <p:nvPr/>
+        </p:nvPicPr>
+        <p:blipFill>
+          <a:blip r:embed="rId2"/>
+          <a:stretch>
+            <a:fillRect/>
+          </a:stretch>
+        </p:blipFill>
         <p:spPr>
           <a:xfrm>
-            <a:off x="838200" y="1929384"/>
-            <a:ext cx="10515600" cy="4251960"/>
+            <a:off x="115543" y="1695661"/>
+            <a:ext cx="11957865" cy="4627174"/>
           </a:xfrm>
+          <a:prstGeom prst="rect">
+            <a:avLst/>
+          </a:prstGeom>
         </p:spPr>
-        <p:txBody>
-          <a:bodyPr>
-            <a:normAutofit/>
-          </a:bodyPr>
-          <a:lstStyle/>
-          <a:p>
-            <a:r>
-              <a:rPr lang="en-US" sz="2200" dirty="0"/>
-              <a:t>Tannyr</a:t>
-            </a:r>
-          </a:p>
-        </p:txBody>
-      </p:sp>
+      </p:pic>
     </p:spTree>
     <p:extLst>
       <p:ext uri="{BB962C8B-B14F-4D97-AF65-F5344CB8AC3E}">
@@ -18832,6 +18914,13 @@
               <a:t>Nathan will do this near the end c:</a:t>
             </a:r>
           </a:p>
+          <a:p>
+            <a:pPr lvl="1"/>
+            <a:r>
+              <a:rPr lang="en-US" sz="1800" dirty="0"/>
+              <a:t>This will be mostly referencing data sheets, guides, stuff like that</a:t>
+            </a:r>
+          </a:p>
         </p:txBody>
       </p:sp>
     </p:spTree>
@@ -20707,7 +20796,7 @@
           <p:nvPr>
             <p:extLst>
               <p:ext uri="{D42A27DB-BD31-4B8C-83A1-F6EECF244321}">
-                <p14:modId xmlns:p14="http://schemas.microsoft.com/office/powerpoint/2010/main" val="3980159106"/>
+                <p14:modId xmlns:p14="http://schemas.microsoft.com/office/powerpoint/2010/main" val="2767000537"/>
               </p:ext>
             </p:extLst>
           </p:nvPr>
@@ -21105,16 +21194,6 @@
                     <a:p>
                       <a:pPr algn="l" fontAlgn="b"/>
                       <a:r>
-                        <a:rPr lang="en-US" sz="1800" b="0" i="0" u="none" strike="noStrike" dirty="0" err="1">
-                          <a:solidFill>
-                            <a:srgbClr val="000000"/>
-                          </a:solidFill>
-                          <a:effectLst/>
-                          <a:latin typeface="Aptos Narrow" panose="020B0004020202020204" pitchFamily="34" charset="0"/>
-                        </a:rPr>
-                        <a:t>Desgin</a:t>
-                      </a:r>
-                      <a:r>
                         <a:rPr lang="en-US" sz="1800" b="0" i="0" u="none" strike="noStrike" dirty="0">
                           <a:solidFill>
                             <a:srgbClr val="000000"/>
@@ -21122,7 +21201,7 @@
                           <a:effectLst/>
                           <a:latin typeface="Aptos Narrow" panose="020B0004020202020204" pitchFamily="34" charset="0"/>
                         </a:rPr>
-                        <a:t> Goal: The longer we can power the board the better. Minimum of 2  hours of battery life. Would like 3-4 hours</a:t>
+                        <a:t>Design Goal: The longer we can power the board the better. Minimum of 2  hours of battery life. Would like 3-4 hours</a:t>
                       </a:r>
                     </a:p>
                   </a:txBody>
@@ -24452,6 +24531,15 @@
 </file>
 
 <file path=customXml/item2.xml><?xml version="1.0" encoding="utf-8"?>
+<?mso-contentType ?>
+<FormTemplates xmlns="http://schemas.microsoft.com/sharepoint/v3/contenttype/forms">
+  <Display>DocumentLibraryForm</Display>
+  <Edit>DocumentLibraryForm</Edit>
+  <New>DocumentLibraryForm</New>
+</FormTemplates>
+</file>
+
+<file path=customXml/item3.xml><?xml version="1.0" encoding="utf-8"?>
 <ct:contentTypeSchema xmlns:ct="http://schemas.microsoft.com/office/2006/metadata/contentType" xmlns:ma="http://schemas.microsoft.com/office/2006/metadata/properties/metaAttributes" ct:_="" ma:_="" ma:contentTypeName="Document" ma:contentTypeID="0x0101009ADC84C2C2689F418E5BAD3CA70F51C1" ma:contentTypeVersion="15" ma:contentTypeDescription="Create a new document." ma:contentTypeScope="" ma:versionID="dfa36a507fa972b0dae0ef5557aeb3eb">
   <xsd:schema xmlns:xsd="http://www.w3.org/2001/XMLSchema" xmlns:xs="http://www.w3.org/2001/XMLSchema" xmlns:p="http://schemas.microsoft.com/office/2006/metadata/properties" xmlns:ns3="218cae68-0ddc-43bb-9a29-52a0402d6cb9" xmlns:ns4="703aeb73-56ce-48f3-9277-f60cff690132" targetNamespace="http://schemas.microsoft.com/office/2006/metadata/properties" ma:root="true" ma:fieldsID="cb78c5b39430d5080de0e1d97c12cd45" ns3:_="" ns4:_="">
     <xsd:import namespace="218cae68-0ddc-43bb-9a29-52a0402d6cb9"/>
@@ -24684,15 +24772,6 @@
 </ct:contentTypeSchema>
 </file>
 
-<file path=customXml/item3.xml><?xml version="1.0" encoding="utf-8"?>
-<?mso-contentType ?>
-<FormTemplates xmlns="http://schemas.microsoft.com/sharepoint/v3/contenttype/forms">
-  <Display>DocumentLibraryForm</Display>
-  <Edit>DocumentLibraryForm</Edit>
-  <New>DocumentLibraryForm</New>
-</FormTemplates>
-</file>
-
 <file path=customXml/itemProps1.xml><?xml version="1.0" encoding="utf-8"?>
 <ds:datastoreItem xmlns:ds="http://schemas.openxmlformats.org/officeDocument/2006/customXml" ds:itemID="{B218F515-3D1B-44A5-8439-DF0479902099}">
   <ds:schemaRefs>
@@ -24711,6 +24790,14 @@
 </file>
 
 <file path=customXml/itemProps2.xml><?xml version="1.0" encoding="utf-8"?>
+<ds:datastoreItem xmlns:ds="http://schemas.openxmlformats.org/officeDocument/2006/customXml" ds:itemID="{3A69843A-82BD-41BC-9CFD-7A6BCBCF50D4}">
+  <ds:schemaRefs>
+    <ds:schemaRef ds:uri="http://schemas.microsoft.com/sharepoint/v3/contenttype/forms"/>
+  </ds:schemaRefs>
+</ds:datastoreItem>
+</file>
+
+<file path=customXml/itemProps3.xml><?xml version="1.0" encoding="utf-8"?>
 <ds:datastoreItem xmlns:ds="http://schemas.openxmlformats.org/officeDocument/2006/customXml" ds:itemID="{0058B037-F10E-47D7-816C-415ABC0EB55F}">
   <ds:schemaRefs>
     <ds:schemaRef ds:uri="http://schemas.microsoft.com/office/2006/metadata/contentType"/>
@@ -24727,12 +24814,4 @@
     <ds:schemaRef ds:uri="http://schemas.microsoft.com/internal/obd"/>
   </ds:schemaRefs>
 </ds:datastoreItem>
-</file>
-
-<file path=customXml/itemProps3.xml><?xml version="1.0" encoding="utf-8"?>
-<ds:datastoreItem xmlns:ds="http://schemas.openxmlformats.org/officeDocument/2006/customXml" ds:itemID="{3A69843A-82BD-41BC-9CFD-7A6BCBCF50D4}">
-  <ds:schemaRefs>
-    <ds:schemaRef ds:uri="http://schemas.microsoft.com/sharepoint/v3/contenttype/forms"/>
-  </ds:schemaRefs>
-</ds:datastoreItem>
 </file>
--- a/Documents/FInal Presentation/Final_Presentation.pptx
+++ b/Documents/FInal Presentation/Final_Presentation.pptx
@@ -5,7 +5,7 @@
     <p:sldMasterId id="2147483648" r:id="rId4"/>
   </p:sldMasterIdLst>
   <p:notesMasterIdLst>
-    <p:notesMasterId r:id="rId27"/>
+    <p:notesMasterId r:id="rId26"/>
   </p:notesMasterIdLst>
   <p:sldIdLst>
     <p:sldId id="256" r:id="rId5"/>
@@ -21,15 +21,14 @@
     <p:sldId id="269" r:id="rId15"/>
     <p:sldId id="270" r:id="rId16"/>
     <p:sldId id="274" r:id="rId17"/>
-    <p:sldId id="262" r:id="rId18"/>
-    <p:sldId id="271" r:id="rId19"/>
-    <p:sldId id="263" r:id="rId20"/>
-    <p:sldId id="272" r:id="rId21"/>
-    <p:sldId id="264" r:id="rId22"/>
-    <p:sldId id="265" r:id="rId23"/>
-    <p:sldId id="266" r:id="rId24"/>
-    <p:sldId id="279" r:id="rId25"/>
-    <p:sldId id="275" r:id="rId26"/>
+    <p:sldId id="271" r:id="rId18"/>
+    <p:sldId id="263" r:id="rId19"/>
+    <p:sldId id="272" r:id="rId20"/>
+    <p:sldId id="264" r:id="rId21"/>
+    <p:sldId id="265" r:id="rId22"/>
+    <p:sldId id="266" r:id="rId23"/>
+    <p:sldId id="279" r:id="rId24"/>
+    <p:sldId id="275" r:id="rId25"/>
   </p:sldIdLst>
   <p:sldSz cx="12192000" cy="6858000"/>
   <p:notesSz cx="6858000" cy="9144000"/>
@@ -1362,7 +1361,7 @@
   <dgm:whole/>
   <dgm:extLst>
     <a:ext uri="http://schemas.microsoft.com/office/drawing/2008/diagram">
-      <dsp:dataModelExt xmlns:dsp="http://schemas.microsoft.com/office/drawing/2008/diagram" relId="rId6" minVer="http://schemas.openxmlformats.org/drawingml/2006/diagram"/>
+      <dsp:dataModelExt xmlns:dsp="http://schemas.microsoft.com/office/drawing/2008/diagram" relId="rId7" minVer="http://schemas.openxmlformats.org/drawingml/2006/diagram"/>
     </a:ext>
   </dgm:extLst>
 </dgm:dataModel>
@@ -3244,7 +3243,7 @@
           <a:p>
             <a:fld id="{C3DCE7EF-75D0-4DB7-BD1A-FC94188B4058}" type="datetimeFigureOut">
               <a:rPr lang="en-US" smtClean="0"/>
-              <a:t>11/30/2024</a:t>
+              <a:t>12/1/2024</a:t>
             </a:fld>
             <a:endParaRPr lang="en-US"/>
           </a:p>
@@ -3555,7 +3554,10 @@
           <a:bodyPr/>
           <a:lstStyle/>
           <a:p>
-            <a:endParaRPr lang="en-US" dirty="0"/>
+            <a:r>
+              <a:rPr lang="en-US" dirty="0"/>
+              <a:t>Tannyr</a:t>
+            </a:r>
           </a:p>
         </p:txBody>
       </p:sp>
@@ -3576,7 +3578,7 @@
           <a:p>
             <a:fld id="{E30B86DD-1E4E-4BA9-90B9-02C65521F8DF}" type="slidenum">
               <a:rPr lang="en-US" smtClean="0"/>
-              <a:t>5</a:t>
+              <a:t>1</a:t>
             </a:fld>
             <a:endParaRPr lang="en-US"/>
           </a:p>
@@ -3585,7 +3587,877 @@
     </p:spTree>
     <p:extLst>
       <p:ext uri="{BB962C8B-B14F-4D97-AF65-F5344CB8AC3E}">
-        <p14:creationId xmlns:p14="http://schemas.microsoft.com/office/powerpoint/2010/main" val="1883119255"/>
+        <p14:creationId xmlns:p14="http://schemas.microsoft.com/office/powerpoint/2010/main" val="1799833672"/>
+      </p:ext>
+    </p:extLst>
+  </p:cSld>
+  <p:clrMapOvr>
+    <a:masterClrMapping/>
+  </p:clrMapOvr>
+</p:notes>
+</file>
+
+<file path=ppt/notesSlides/notesSlide10.xml><?xml version="1.0" encoding="utf-8"?>
+<p:notes xmlns:a="http://schemas.openxmlformats.org/drawingml/2006/main" xmlns:r="http://schemas.openxmlformats.org/officeDocument/2006/relationships" xmlns:p="http://schemas.openxmlformats.org/presentationml/2006/main">
+  <p:cSld>
+    <p:spTree>
+      <p:nvGrpSpPr>
+        <p:cNvPr id="1" name=""/>
+        <p:cNvGrpSpPr/>
+        <p:nvPr/>
+      </p:nvGrpSpPr>
+      <p:grpSpPr>
+        <a:xfrm>
+          <a:off x="0" y="0"/>
+          <a:ext cx="0" cy="0"/>
+          <a:chOff x="0" y="0"/>
+          <a:chExt cx="0" cy="0"/>
+        </a:xfrm>
+      </p:grpSpPr>
+      <p:sp>
+        <p:nvSpPr>
+          <p:cNvPr id="2" name="Slide Image Placeholder 1"/>
+          <p:cNvSpPr>
+            <a:spLocks noGrp="1" noRot="1" noChangeAspect="1"/>
+          </p:cNvSpPr>
+          <p:nvPr>
+            <p:ph type="sldImg"/>
+          </p:nvPr>
+        </p:nvSpPr>
+        <p:spPr/>
+      </p:sp>
+      <p:sp>
+        <p:nvSpPr>
+          <p:cNvPr id="3" name="Notes Placeholder 2"/>
+          <p:cNvSpPr>
+            <a:spLocks noGrp="1"/>
+          </p:cNvSpPr>
+          <p:nvPr>
+            <p:ph type="body" idx="1"/>
+          </p:nvPr>
+        </p:nvSpPr>
+        <p:spPr/>
+        <p:txBody>
+          <a:bodyPr/>
+          <a:lstStyle/>
+          <a:p>
+            <a:r>
+              <a:rPr lang="en-US" dirty="0"/>
+              <a:t>Gannon</a:t>
+            </a:r>
+          </a:p>
+        </p:txBody>
+      </p:sp>
+      <p:sp>
+        <p:nvSpPr>
+          <p:cNvPr id="4" name="Slide Number Placeholder 3"/>
+          <p:cNvSpPr>
+            <a:spLocks noGrp="1"/>
+          </p:cNvSpPr>
+          <p:nvPr>
+            <p:ph type="sldNum" sz="quarter" idx="5"/>
+          </p:nvPr>
+        </p:nvSpPr>
+        <p:spPr/>
+        <p:txBody>
+          <a:bodyPr/>
+          <a:lstStyle/>
+          <a:p>
+            <a:fld id="{E30B86DD-1E4E-4BA9-90B9-02C65521F8DF}" type="slidenum">
+              <a:rPr lang="en-US" smtClean="0"/>
+              <a:t>10</a:t>
+            </a:fld>
+            <a:endParaRPr lang="en-US"/>
+          </a:p>
+        </p:txBody>
+      </p:sp>
+    </p:spTree>
+    <p:extLst>
+      <p:ext uri="{BB962C8B-B14F-4D97-AF65-F5344CB8AC3E}">
+        <p14:creationId xmlns:p14="http://schemas.microsoft.com/office/powerpoint/2010/main" val="2320828201"/>
+      </p:ext>
+    </p:extLst>
+  </p:cSld>
+  <p:clrMapOvr>
+    <a:masterClrMapping/>
+  </p:clrMapOvr>
+</p:notes>
+</file>
+
+<file path=ppt/notesSlides/notesSlide11.xml><?xml version="1.0" encoding="utf-8"?>
+<p:notes xmlns:a="http://schemas.openxmlformats.org/drawingml/2006/main" xmlns:r="http://schemas.openxmlformats.org/officeDocument/2006/relationships" xmlns:p="http://schemas.openxmlformats.org/presentationml/2006/main">
+  <p:cSld>
+    <p:spTree>
+      <p:nvGrpSpPr>
+        <p:cNvPr id="1" name=""/>
+        <p:cNvGrpSpPr/>
+        <p:nvPr/>
+      </p:nvGrpSpPr>
+      <p:grpSpPr>
+        <a:xfrm>
+          <a:off x="0" y="0"/>
+          <a:ext cx="0" cy="0"/>
+          <a:chOff x="0" y="0"/>
+          <a:chExt cx="0" cy="0"/>
+        </a:xfrm>
+      </p:grpSpPr>
+      <p:sp>
+        <p:nvSpPr>
+          <p:cNvPr id="2" name="Slide Image Placeholder 1"/>
+          <p:cNvSpPr>
+            <a:spLocks noGrp="1" noRot="1" noChangeAspect="1"/>
+          </p:cNvSpPr>
+          <p:nvPr>
+            <p:ph type="sldImg"/>
+          </p:nvPr>
+        </p:nvSpPr>
+        <p:spPr/>
+      </p:sp>
+      <p:sp>
+        <p:nvSpPr>
+          <p:cNvPr id="3" name="Notes Placeholder 2"/>
+          <p:cNvSpPr>
+            <a:spLocks noGrp="1"/>
+          </p:cNvSpPr>
+          <p:nvPr>
+            <p:ph type="body" idx="1"/>
+          </p:nvPr>
+        </p:nvSpPr>
+        <p:spPr/>
+        <p:txBody>
+          <a:bodyPr/>
+          <a:lstStyle/>
+          <a:p>
+            <a:r>
+              <a:rPr lang="en-US" dirty="0"/>
+              <a:t>Nathan</a:t>
+            </a:r>
+          </a:p>
+        </p:txBody>
+      </p:sp>
+      <p:sp>
+        <p:nvSpPr>
+          <p:cNvPr id="4" name="Slide Number Placeholder 3"/>
+          <p:cNvSpPr>
+            <a:spLocks noGrp="1"/>
+          </p:cNvSpPr>
+          <p:nvPr>
+            <p:ph type="sldNum" sz="quarter" idx="5"/>
+          </p:nvPr>
+        </p:nvSpPr>
+        <p:spPr/>
+        <p:txBody>
+          <a:bodyPr/>
+          <a:lstStyle/>
+          <a:p>
+            <a:fld id="{E30B86DD-1E4E-4BA9-90B9-02C65521F8DF}" type="slidenum">
+              <a:rPr lang="en-US" smtClean="0"/>
+              <a:t>11</a:t>
+            </a:fld>
+            <a:endParaRPr lang="en-US"/>
+          </a:p>
+        </p:txBody>
+      </p:sp>
+    </p:spTree>
+    <p:extLst>
+      <p:ext uri="{BB962C8B-B14F-4D97-AF65-F5344CB8AC3E}">
+        <p14:creationId xmlns:p14="http://schemas.microsoft.com/office/powerpoint/2010/main" val="738486810"/>
+      </p:ext>
+    </p:extLst>
+  </p:cSld>
+  <p:clrMapOvr>
+    <a:masterClrMapping/>
+  </p:clrMapOvr>
+</p:notes>
+</file>
+
+<file path=ppt/notesSlides/notesSlide12.xml><?xml version="1.0" encoding="utf-8"?>
+<p:notes xmlns:a="http://schemas.openxmlformats.org/drawingml/2006/main" xmlns:r="http://schemas.openxmlformats.org/officeDocument/2006/relationships" xmlns:p="http://schemas.openxmlformats.org/presentationml/2006/main">
+  <p:cSld>
+    <p:spTree>
+      <p:nvGrpSpPr>
+        <p:cNvPr id="1" name=""/>
+        <p:cNvGrpSpPr/>
+        <p:nvPr/>
+      </p:nvGrpSpPr>
+      <p:grpSpPr>
+        <a:xfrm>
+          <a:off x="0" y="0"/>
+          <a:ext cx="0" cy="0"/>
+          <a:chOff x="0" y="0"/>
+          <a:chExt cx="0" cy="0"/>
+        </a:xfrm>
+      </p:grpSpPr>
+      <p:sp>
+        <p:nvSpPr>
+          <p:cNvPr id="2" name="Slide Image Placeholder 1"/>
+          <p:cNvSpPr>
+            <a:spLocks noGrp="1" noRot="1" noChangeAspect="1"/>
+          </p:cNvSpPr>
+          <p:nvPr>
+            <p:ph type="sldImg"/>
+          </p:nvPr>
+        </p:nvSpPr>
+        <p:spPr/>
+      </p:sp>
+      <p:sp>
+        <p:nvSpPr>
+          <p:cNvPr id="3" name="Notes Placeholder 2"/>
+          <p:cNvSpPr>
+            <a:spLocks noGrp="1"/>
+          </p:cNvSpPr>
+          <p:nvPr>
+            <p:ph type="body" idx="1"/>
+          </p:nvPr>
+        </p:nvSpPr>
+        <p:spPr/>
+        <p:txBody>
+          <a:bodyPr/>
+          <a:lstStyle/>
+          <a:p>
+            <a:r>
+              <a:rPr lang="en-US" dirty="0"/>
+              <a:t>Nathan</a:t>
+            </a:r>
+          </a:p>
+        </p:txBody>
+      </p:sp>
+      <p:sp>
+        <p:nvSpPr>
+          <p:cNvPr id="4" name="Slide Number Placeholder 3"/>
+          <p:cNvSpPr>
+            <a:spLocks noGrp="1"/>
+          </p:cNvSpPr>
+          <p:nvPr>
+            <p:ph type="sldNum" sz="quarter" idx="5"/>
+          </p:nvPr>
+        </p:nvSpPr>
+        <p:spPr/>
+        <p:txBody>
+          <a:bodyPr/>
+          <a:lstStyle/>
+          <a:p>
+            <a:fld id="{E30B86DD-1E4E-4BA9-90B9-02C65521F8DF}" type="slidenum">
+              <a:rPr lang="en-US" smtClean="0"/>
+              <a:t>12</a:t>
+            </a:fld>
+            <a:endParaRPr lang="en-US"/>
+          </a:p>
+        </p:txBody>
+      </p:sp>
+    </p:spTree>
+    <p:extLst>
+      <p:ext uri="{BB962C8B-B14F-4D97-AF65-F5344CB8AC3E}">
+        <p14:creationId xmlns:p14="http://schemas.microsoft.com/office/powerpoint/2010/main" val="1806498536"/>
+      </p:ext>
+    </p:extLst>
+  </p:cSld>
+  <p:clrMapOvr>
+    <a:masterClrMapping/>
+  </p:clrMapOvr>
+</p:notes>
+</file>
+
+<file path=ppt/notesSlides/notesSlide13.xml><?xml version="1.0" encoding="utf-8"?>
+<p:notes xmlns:a="http://schemas.openxmlformats.org/drawingml/2006/main" xmlns:r="http://schemas.openxmlformats.org/officeDocument/2006/relationships" xmlns:p="http://schemas.openxmlformats.org/presentationml/2006/main">
+  <p:cSld>
+    <p:spTree>
+      <p:nvGrpSpPr>
+        <p:cNvPr id="1" name=""/>
+        <p:cNvGrpSpPr/>
+        <p:nvPr/>
+      </p:nvGrpSpPr>
+      <p:grpSpPr>
+        <a:xfrm>
+          <a:off x="0" y="0"/>
+          <a:ext cx="0" cy="0"/>
+          <a:chOff x="0" y="0"/>
+          <a:chExt cx="0" cy="0"/>
+        </a:xfrm>
+      </p:grpSpPr>
+      <p:sp>
+        <p:nvSpPr>
+          <p:cNvPr id="2" name="Slide Image Placeholder 1"/>
+          <p:cNvSpPr>
+            <a:spLocks noGrp="1" noRot="1" noChangeAspect="1"/>
+          </p:cNvSpPr>
+          <p:nvPr>
+            <p:ph type="sldImg"/>
+          </p:nvPr>
+        </p:nvSpPr>
+        <p:spPr/>
+      </p:sp>
+      <p:sp>
+        <p:nvSpPr>
+          <p:cNvPr id="3" name="Notes Placeholder 2"/>
+          <p:cNvSpPr>
+            <a:spLocks noGrp="1"/>
+          </p:cNvSpPr>
+          <p:nvPr>
+            <p:ph type="body" idx="1"/>
+          </p:nvPr>
+        </p:nvSpPr>
+        <p:spPr/>
+        <p:txBody>
+          <a:bodyPr/>
+          <a:lstStyle/>
+          <a:p>
+            <a:r>
+              <a:rPr lang="en-US" dirty="0"/>
+              <a:t>Nathan</a:t>
+            </a:r>
+          </a:p>
+        </p:txBody>
+      </p:sp>
+      <p:sp>
+        <p:nvSpPr>
+          <p:cNvPr id="4" name="Slide Number Placeholder 3"/>
+          <p:cNvSpPr>
+            <a:spLocks noGrp="1"/>
+          </p:cNvSpPr>
+          <p:nvPr>
+            <p:ph type="sldNum" sz="quarter" idx="5"/>
+          </p:nvPr>
+        </p:nvSpPr>
+        <p:spPr/>
+        <p:txBody>
+          <a:bodyPr/>
+          <a:lstStyle/>
+          <a:p>
+            <a:fld id="{E30B86DD-1E4E-4BA9-90B9-02C65521F8DF}" type="slidenum">
+              <a:rPr lang="en-US" smtClean="0"/>
+              <a:t>13</a:t>
+            </a:fld>
+            <a:endParaRPr lang="en-US"/>
+          </a:p>
+        </p:txBody>
+      </p:sp>
+    </p:spTree>
+    <p:extLst>
+      <p:ext uri="{BB962C8B-B14F-4D97-AF65-F5344CB8AC3E}">
+        <p14:creationId xmlns:p14="http://schemas.microsoft.com/office/powerpoint/2010/main" val="1604871340"/>
+      </p:ext>
+    </p:extLst>
+  </p:cSld>
+  <p:clrMapOvr>
+    <a:masterClrMapping/>
+  </p:clrMapOvr>
+</p:notes>
+</file>
+
+<file path=ppt/notesSlides/notesSlide14.xml><?xml version="1.0" encoding="utf-8"?>
+<p:notes xmlns:a="http://schemas.openxmlformats.org/drawingml/2006/main" xmlns:r="http://schemas.openxmlformats.org/officeDocument/2006/relationships" xmlns:p="http://schemas.openxmlformats.org/presentationml/2006/main">
+  <p:cSld>
+    <p:spTree>
+      <p:nvGrpSpPr>
+        <p:cNvPr id="1" name=""/>
+        <p:cNvGrpSpPr/>
+        <p:nvPr/>
+      </p:nvGrpSpPr>
+      <p:grpSpPr>
+        <a:xfrm>
+          <a:off x="0" y="0"/>
+          <a:ext cx="0" cy="0"/>
+          <a:chOff x="0" y="0"/>
+          <a:chExt cx="0" cy="0"/>
+        </a:xfrm>
+      </p:grpSpPr>
+      <p:sp>
+        <p:nvSpPr>
+          <p:cNvPr id="2" name="Slide Image Placeholder 1"/>
+          <p:cNvSpPr>
+            <a:spLocks noGrp="1" noRot="1" noChangeAspect="1"/>
+          </p:cNvSpPr>
+          <p:nvPr>
+            <p:ph type="sldImg"/>
+          </p:nvPr>
+        </p:nvSpPr>
+        <p:spPr/>
+      </p:sp>
+      <p:sp>
+        <p:nvSpPr>
+          <p:cNvPr id="3" name="Notes Placeholder 2"/>
+          <p:cNvSpPr>
+            <a:spLocks noGrp="1"/>
+          </p:cNvSpPr>
+          <p:nvPr>
+            <p:ph type="body" idx="1"/>
+          </p:nvPr>
+        </p:nvSpPr>
+        <p:spPr/>
+        <p:txBody>
+          <a:bodyPr/>
+          <a:lstStyle/>
+          <a:p>
+            <a:r>
+              <a:rPr lang="en-US" dirty="0"/>
+              <a:t>Ethan</a:t>
+            </a:r>
+          </a:p>
+        </p:txBody>
+      </p:sp>
+      <p:sp>
+        <p:nvSpPr>
+          <p:cNvPr id="4" name="Slide Number Placeholder 3"/>
+          <p:cNvSpPr>
+            <a:spLocks noGrp="1"/>
+          </p:cNvSpPr>
+          <p:nvPr>
+            <p:ph type="sldNum" sz="quarter" idx="5"/>
+          </p:nvPr>
+        </p:nvSpPr>
+        <p:spPr/>
+        <p:txBody>
+          <a:bodyPr/>
+          <a:lstStyle/>
+          <a:p>
+            <a:fld id="{E30B86DD-1E4E-4BA9-90B9-02C65521F8DF}" type="slidenum">
+              <a:rPr lang="en-US" smtClean="0"/>
+              <a:t>14</a:t>
+            </a:fld>
+            <a:endParaRPr lang="en-US"/>
+          </a:p>
+        </p:txBody>
+      </p:sp>
+    </p:spTree>
+    <p:extLst>
+      <p:ext uri="{BB962C8B-B14F-4D97-AF65-F5344CB8AC3E}">
+        <p14:creationId xmlns:p14="http://schemas.microsoft.com/office/powerpoint/2010/main" val="404455135"/>
+      </p:ext>
+    </p:extLst>
+  </p:cSld>
+  <p:clrMapOvr>
+    <a:masterClrMapping/>
+  </p:clrMapOvr>
+</p:notes>
+</file>
+
+<file path=ppt/notesSlides/notesSlide15.xml><?xml version="1.0" encoding="utf-8"?>
+<p:notes xmlns:a="http://schemas.openxmlformats.org/drawingml/2006/main" xmlns:r="http://schemas.openxmlformats.org/officeDocument/2006/relationships" xmlns:p="http://schemas.openxmlformats.org/presentationml/2006/main">
+  <p:cSld>
+    <p:spTree>
+      <p:nvGrpSpPr>
+        <p:cNvPr id="1" name=""/>
+        <p:cNvGrpSpPr/>
+        <p:nvPr/>
+      </p:nvGrpSpPr>
+      <p:grpSpPr>
+        <a:xfrm>
+          <a:off x="0" y="0"/>
+          <a:ext cx="0" cy="0"/>
+          <a:chOff x="0" y="0"/>
+          <a:chExt cx="0" cy="0"/>
+        </a:xfrm>
+      </p:grpSpPr>
+      <p:sp>
+        <p:nvSpPr>
+          <p:cNvPr id="2" name="Slide Image Placeholder 1"/>
+          <p:cNvSpPr>
+            <a:spLocks noGrp="1" noRot="1" noChangeAspect="1"/>
+          </p:cNvSpPr>
+          <p:nvPr>
+            <p:ph type="sldImg"/>
+          </p:nvPr>
+        </p:nvSpPr>
+        <p:spPr/>
+      </p:sp>
+      <p:sp>
+        <p:nvSpPr>
+          <p:cNvPr id="3" name="Notes Placeholder 2"/>
+          <p:cNvSpPr>
+            <a:spLocks noGrp="1"/>
+          </p:cNvSpPr>
+          <p:nvPr>
+            <p:ph type="body" idx="1"/>
+          </p:nvPr>
+        </p:nvSpPr>
+        <p:spPr/>
+        <p:txBody>
+          <a:bodyPr/>
+          <a:lstStyle/>
+          <a:p>
+            <a:r>
+              <a:rPr lang="en-US" dirty="0"/>
+              <a:t>Ethan</a:t>
+            </a:r>
+          </a:p>
+        </p:txBody>
+      </p:sp>
+      <p:sp>
+        <p:nvSpPr>
+          <p:cNvPr id="4" name="Slide Number Placeholder 3"/>
+          <p:cNvSpPr>
+            <a:spLocks noGrp="1"/>
+          </p:cNvSpPr>
+          <p:nvPr>
+            <p:ph type="sldNum" sz="quarter" idx="5"/>
+          </p:nvPr>
+        </p:nvSpPr>
+        <p:spPr/>
+        <p:txBody>
+          <a:bodyPr/>
+          <a:lstStyle/>
+          <a:p>
+            <a:fld id="{E30B86DD-1E4E-4BA9-90B9-02C65521F8DF}" type="slidenum">
+              <a:rPr lang="en-US" smtClean="0"/>
+              <a:t>15</a:t>
+            </a:fld>
+            <a:endParaRPr lang="en-US"/>
+          </a:p>
+        </p:txBody>
+      </p:sp>
+    </p:spTree>
+    <p:extLst>
+      <p:ext uri="{BB962C8B-B14F-4D97-AF65-F5344CB8AC3E}">
+        <p14:creationId xmlns:p14="http://schemas.microsoft.com/office/powerpoint/2010/main" val="1003203586"/>
+      </p:ext>
+    </p:extLst>
+  </p:cSld>
+  <p:clrMapOvr>
+    <a:masterClrMapping/>
+  </p:clrMapOvr>
+</p:notes>
+</file>
+
+<file path=ppt/notesSlides/notesSlide16.xml><?xml version="1.0" encoding="utf-8"?>
+<p:notes xmlns:a="http://schemas.openxmlformats.org/drawingml/2006/main" xmlns:r="http://schemas.openxmlformats.org/officeDocument/2006/relationships" xmlns:p="http://schemas.openxmlformats.org/presentationml/2006/main">
+  <p:cSld>
+    <p:spTree>
+      <p:nvGrpSpPr>
+        <p:cNvPr id="1" name=""/>
+        <p:cNvGrpSpPr/>
+        <p:nvPr/>
+      </p:nvGrpSpPr>
+      <p:grpSpPr>
+        <a:xfrm>
+          <a:off x="0" y="0"/>
+          <a:ext cx="0" cy="0"/>
+          <a:chOff x="0" y="0"/>
+          <a:chExt cx="0" cy="0"/>
+        </a:xfrm>
+      </p:grpSpPr>
+      <p:sp>
+        <p:nvSpPr>
+          <p:cNvPr id="2" name="Slide Image Placeholder 1"/>
+          <p:cNvSpPr>
+            <a:spLocks noGrp="1" noRot="1" noChangeAspect="1"/>
+          </p:cNvSpPr>
+          <p:nvPr>
+            <p:ph type="sldImg"/>
+          </p:nvPr>
+        </p:nvSpPr>
+        <p:spPr/>
+      </p:sp>
+      <p:sp>
+        <p:nvSpPr>
+          <p:cNvPr id="3" name="Notes Placeholder 2"/>
+          <p:cNvSpPr>
+            <a:spLocks noGrp="1"/>
+          </p:cNvSpPr>
+          <p:nvPr>
+            <p:ph type="body" idx="1"/>
+          </p:nvPr>
+        </p:nvSpPr>
+        <p:spPr/>
+        <p:txBody>
+          <a:bodyPr/>
+          <a:lstStyle/>
+          <a:p>
+            <a:r>
+              <a:rPr lang="en-US" dirty="0"/>
+              <a:t>Ethan</a:t>
+            </a:r>
+          </a:p>
+        </p:txBody>
+      </p:sp>
+      <p:sp>
+        <p:nvSpPr>
+          <p:cNvPr id="4" name="Slide Number Placeholder 3"/>
+          <p:cNvSpPr>
+            <a:spLocks noGrp="1"/>
+          </p:cNvSpPr>
+          <p:nvPr>
+            <p:ph type="sldNum" sz="quarter" idx="5"/>
+          </p:nvPr>
+        </p:nvSpPr>
+        <p:spPr/>
+        <p:txBody>
+          <a:bodyPr/>
+          <a:lstStyle/>
+          <a:p>
+            <a:fld id="{E30B86DD-1E4E-4BA9-90B9-02C65521F8DF}" type="slidenum">
+              <a:rPr lang="en-US" smtClean="0"/>
+              <a:t>16</a:t>
+            </a:fld>
+            <a:endParaRPr lang="en-US"/>
+          </a:p>
+        </p:txBody>
+      </p:sp>
+    </p:spTree>
+    <p:extLst>
+      <p:ext uri="{BB962C8B-B14F-4D97-AF65-F5344CB8AC3E}">
+        <p14:creationId xmlns:p14="http://schemas.microsoft.com/office/powerpoint/2010/main" val="4184089847"/>
+      </p:ext>
+    </p:extLst>
+  </p:cSld>
+  <p:clrMapOvr>
+    <a:masterClrMapping/>
+  </p:clrMapOvr>
+</p:notes>
+</file>
+
+<file path=ppt/notesSlides/notesSlide17.xml><?xml version="1.0" encoding="utf-8"?>
+<p:notes xmlns:a="http://schemas.openxmlformats.org/drawingml/2006/main" xmlns:r="http://schemas.openxmlformats.org/officeDocument/2006/relationships" xmlns:p="http://schemas.openxmlformats.org/presentationml/2006/main">
+  <p:cSld>
+    <p:spTree>
+      <p:nvGrpSpPr>
+        <p:cNvPr id="1" name=""/>
+        <p:cNvGrpSpPr/>
+        <p:nvPr/>
+      </p:nvGrpSpPr>
+      <p:grpSpPr>
+        <a:xfrm>
+          <a:off x="0" y="0"/>
+          <a:ext cx="0" cy="0"/>
+          <a:chOff x="0" y="0"/>
+          <a:chExt cx="0" cy="0"/>
+        </a:xfrm>
+      </p:grpSpPr>
+      <p:sp>
+        <p:nvSpPr>
+          <p:cNvPr id="2" name="Slide Image Placeholder 1"/>
+          <p:cNvSpPr>
+            <a:spLocks noGrp="1" noRot="1" noChangeAspect="1"/>
+          </p:cNvSpPr>
+          <p:nvPr>
+            <p:ph type="sldImg"/>
+          </p:nvPr>
+        </p:nvSpPr>
+        <p:spPr/>
+      </p:sp>
+      <p:sp>
+        <p:nvSpPr>
+          <p:cNvPr id="3" name="Notes Placeholder 2"/>
+          <p:cNvSpPr>
+            <a:spLocks noGrp="1"/>
+          </p:cNvSpPr>
+          <p:nvPr>
+            <p:ph type="body" idx="1"/>
+          </p:nvPr>
+        </p:nvSpPr>
+        <p:spPr/>
+        <p:txBody>
+          <a:bodyPr/>
+          <a:lstStyle/>
+          <a:p>
+            <a:r>
+              <a:rPr lang="en-US" dirty="0"/>
+              <a:t>Ethan</a:t>
+            </a:r>
+          </a:p>
+        </p:txBody>
+      </p:sp>
+      <p:sp>
+        <p:nvSpPr>
+          <p:cNvPr id="4" name="Slide Number Placeholder 3"/>
+          <p:cNvSpPr>
+            <a:spLocks noGrp="1"/>
+          </p:cNvSpPr>
+          <p:nvPr>
+            <p:ph type="sldNum" sz="quarter" idx="5"/>
+          </p:nvPr>
+        </p:nvSpPr>
+        <p:spPr/>
+        <p:txBody>
+          <a:bodyPr/>
+          <a:lstStyle/>
+          <a:p>
+            <a:fld id="{E30B86DD-1E4E-4BA9-90B9-02C65521F8DF}" type="slidenum">
+              <a:rPr lang="en-US" smtClean="0"/>
+              <a:t>17</a:t>
+            </a:fld>
+            <a:endParaRPr lang="en-US"/>
+          </a:p>
+        </p:txBody>
+      </p:sp>
+    </p:spTree>
+    <p:extLst>
+      <p:ext uri="{BB962C8B-B14F-4D97-AF65-F5344CB8AC3E}">
+        <p14:creationId xmlns:p14="http://schemas.microsoft.com/office/powerpoint/2010/main" val="601267721"/>
+      </p:ext>
+    </p:extLst>
+  </p:cSld>
+  <p:clrMapOvr>
+    <a:masterClrMapping/>
+  </p:clrMapOvr>
+</p:notes>
+</file>
+
+<file path=ppt/notesSlides/notesSlide18.xml><?xml version="1.0" encoding="utf-8"?>
+<p:notes xmlns:a="http://schemas.openxmlformats.org/drawingml/2006/main" xmlns:r="http://schemas.openxmlformats.org/officeDocument/2006/relationships" xmlns:p="http://schemas.openxmlformats.org/presentationml/2006/main">
+  <p:cSld>
+    <p:spTree>
+      <p:nvGrpSpPr>
+        <p:cNvPr id="1" name=""/>
+        <p:cNvGrpSpPr/>
+        <p:nvPr/>
+      </p:nvGrpSpPr>
+      <p:grpSpPr>
+        <a:xfrm>
+          <a:off x="0" y="0"/>
+          <a:ext cx="0" cy="0"/>
+          <a:chOff x="0" y="0"/>
+          <a:chExt cx="0" cy="0"/>
+        </a:xfrm>
+      </p:grpSpPr>
+      <p:sp>
+        <p:nvSpPr>
+          <p:cNvPr id="2" name="Slide Image Placeholder 1"/>
+          <p:cNvSpPr>
+            <a:spLocks noGrp="1" noRot="1" noChangeAspect="1"/>
+          </p:cNvSpPr>
+          <p:nvPr>
+            <p:ph type="sldImg"/>
+          </p:nvPr>
+        </p:nvSpPr>
+        <p:spPr/>
+      </p:sp>
+      <p:sp>
+        <p:nvSpPr>
+          <p:cNvPr id="3" name="Notes Placeholder 2"/>
+          <p:cNvSpPr>
+            <a:spLocks noGrp="1"/>
+          </p:cNvSpPr>
+          <p:nvPr>
+            <p:ph type="body" idx="1"/>
+          </p:nvPr>
+        </p:nvSpPr>
+        <p:spPr/>
+        <p:txBody>
+          <a:bodyPr/>
+          <a:lstStyle/>
+          <a:p>
+            <a:r>
+              <a:rPr lang="en-US" dirty="0"/>
+              <a:t>Tannyr</a:t>
+            </a:r>
+          </a:p>
+        </p:txBody>
+      </p:sp>
+      <p:sp>
+        <p:nvSpPr>
+          <p:cNvPr id="4" name="Slide Number Placeholder 3"/>
+          <p:cNvSpPr>
+            <a:spLocks noGrp="1"/>
+          </p:cNvSpPr>
+          <p:nvPr>
+            <p:ph type="sldNum" sz="quarter" idx="5"/>
+          </p:nvPr>
+        </p:nvSpPr>
+        <p:spPr/>
+        <p:txBody>
+          <a:bodyPr/>
+          <a:lstStyle/>
+          <a:p>
+            <a:fld id="{E30B86DD-1E4E-4BA9-90B9-02C65521F8DF}" type="slidenum">
+              <a:rPr lang="en-US" smtClean="0"/>
+              <a:t>18</a:t>
+            </a:fld>
+            <a:endParaRPr lang="en-US"/>
+          </a:p>
+        </p:txBody>
+      </p:sp>
+    </p:spTree>
+    <p:extLst>
+      <p:ext uri="{BB962C8B-B14F-4D97-AF65-F5344CB8AC3E}">
+        <p14:creationId xmlns:p14="http://schemas.microsoft.com/office/powerpoint/2010/main" val="3026261481"/>
+      </p:ext>
+    </p:extLst>
+  </p:cSld>
+  <p:clrMapOvr>
+    <a:masterClrMapping/>
+  </p:clrMapOvr>
+</p:notes>
+</file>
+
+<file path=ppt/notesSlides/notesSlide19.xml><?xml version="1.0" encoding="utf-8"?>
+<p:notes xmlns:a="http://schemas.openxmlformats.org/drawingml/2006/main" xmlns:r="http://schemas.openxmlformats.org/officeDocument/2006/relationships" xmlns:p="http://schemas.openxmlformats.org/presentationml/2006/main">
+  <p:cSld>
+    <p:spTree>
+      <p:nvGrpSpPr>
+        <p:cNvPr id="1" name=""/>
+        <p:cNvGrpSpPr/>
+        <p:nvPr/>
+      </p:nvGrpSpPr>
+      <p:grpSpPr>
+        <a:xfrm>
+          <a:off x="0" y="0"/>
+          <a:ext cx="0" cy="0"/>
+          <a:chOff x="0" y="0"/>
+          <a:chExt cx="0" cy="0"/>
+        </a:xfrm>
+      </p:grpSpPr>
+      <p:sp>
+        <p:nvSpPr>
+          <p:cNvPr id="2" name="Slide Image Placeholder 1"/>
+          <p:cNvSpPr>
+            <a:spLocks noGrp="1" noRot="1" noChangeAspect="1"/>
+          </p:cNvSpPr>
+          <p:nvPr>
+            <p:ph type="sldImg"/>
+          </p:nvPr>
+        </p:nvSpPr>
+        <p:spPr/>
+      </p:sp>
+      <p:sp>
+        <p:nvSpPr>
+          <p:cNvPr id="3" name="Notes Placeholder 2"/>
+          <p:cNvSpPr>
+            <a:spLocks noGrp="1"/>
+          </p:cNvSpPr>
+          <p:nvPr>
+            <p:ph type="body" idx="1"/>
+          </p:nvPr>
+        </p:nvSpPr>
+        <p:spPr/>
+        <p:txBody>
+          <a:bodyPr/>
+          <a:lstStyle/>
+          <a:p>
+            <a:r>
+              <a:rPr lang="en-US" dirty="0"/>
+              <a:t>Tannyr</a:t>
+            </a:r>
+          </a:p>
+        </p:txBody>
+      </p:sp>
+      <p:sp>
+        <p:nvSpPr>
+          <p:cNvPr id="4" name="Slide Number Placeholder 3"/>
+          <p:cNvSpPr>
+            <a:spLocks noGrp="1"/>
+          </p:cNvSpPr>
+          <p:nvPr>
+            <p:ph type="sldNum" sz="quarter" idx="5"/>
+          </p:nvPr>
+        </p:nvSpPr>
+        <p:spPr/>
+        <p:txBody>
+          <a:bodyPr/>
+          <a:lstStyle/>
+          <a:p>
+            <a:fld id="{E30B86DD-1E4E-4BA9-90B9-02C65521F8DF}" type="slidenum">
+              <a:rPr lang="en-US" smtClean="0"/>
+              <a:t>19</a:t>
+            </a:fld>
+            <a:endParaRPr lang="en-US"/>
+          </a:p>
+        </p:txBody>
+      </p:sp>
+    </p:spTree>
+    <p:extLst>
+      <p:ext uri="{BB962C8B-B14F-4D97-AF65-F5344CB8AC3E}">
+        <p14:creationId xmlns:p14="http://schemas.microsoft.com/office/powerpoint/2010/main" val="2824365860"/>
       </p:ext>
     </p:extLst>
   </p:cSld>
@@ -3639,7 +4511,10 @@
           <a:bodyPr/>
           <a:lstStyle/>
           <a:p>
-            <a:endParaRPr lang="en-US" dirty="0"/>
+            <a:r>
+              <a:rPr lang="en-US" dirty="0"/>
+              <a:t>Tannyr</a:t>
+            </a:r>
           </a:p>
         </p:txBody>
       </p:sp>
@@ -3660,6 +4535,528 @@
           <a:p>
             <a:fld id="{E30B86DD-1E4E-4BA9-90B9-02C65521F8DF}" type="slidenum">
               <a:rPr lang="en-US" smtClean="0"/>
+              <a:t>2</a:t>
+            </a:fld>
+            <a:endParaRPr lang="en-US"/>
+          </a:p>
+        </p:txBody>
+      </p:sp>
+    </p:spTree>
+    <p:extLst>
+      <p:ext uri="{BB962C8B-B14F-4D97-AF65-F5344CB8AC3E}">
+        <p14:creationId xmlns:p14="http://schemas.microsoft.com/office/powerpoint/2010/main" val="3698032886"/>
+      </p:ext>
+    </p:extLst>
+  </p:cSld>
+  <p:clrMapOvr>
+    <a:masterClrMapping/>
+  </p:clrMapOvr>
+</p:notes>
+</file>
+
+<file path=ppt/notesSlides/notesSlide20.xml><?xml version="1.0" encoding="utf-8"?>
+<p:notes xmlns:a="http://schemas.openxmlformats.org/drawingml/2006/main" xmlns:r="http://schemas.openxmlformats.org/officeDocument/2006/relationships" xmlns:p="http://schemas.openxmlformats.org/presentationml/2006/main">
+  <p:cSld>
+    <p:spTree>
+      <p:nvGrpSpPr>
+        <p:cNvPr id="1" name=""/>
+        <p:cNvGrpSpPr/>
+        <p:nvPr/>
+      </p:nvGrpSpPr>
+      <p:grpSpPr>
+        <a:xfrm>
+          <a:off x="0" y="0"/>
+          <a:ext cx="0" cy="0"/>
+          <a:chOff x="0" y="0"/>
+          <a:chExt cx="0" cy="0"/>
+        </a:xfrm>
+      </p:grpSpPr>
+      <p:sp>
+        <p:nvSpPr>
+          <p:cNvPr id="2" name="Slide Image Placeholder 1"/>
+          <p:cNvSpPr>
+            <a:spLocks noGrp="1" noRot="1" noChangeAspect="1"/>
+          </p:cNvSpPr>
+          <p:nvPr>
+            <p:ph type="sldImg"/>
+          </p:nvPr>
+        </p:nvSpPr>
+        <p:spPr/>
+      </p:sp>
+      <p:sp>
+        <p:nvSpPr>
+          <p:cNvPr id="3" name="Notes Placeholder 2"/>
+          <p:cNvSpPr>
+            <a:spLocks noGrp="1"/>
+          </p:cNvSpPr>
+          <p:nvPr>
+            <p:ph type="body" idx="1"/>
+          </p:nvPr>
+        </p:nvSpPr>
+        <p:spPr/>
+        <p:txBody>
+          <a:bodyPr/>
+          <a:lstStyle/>
+          <a:p>
+            <a:r>
+              <a:rPr lang="en-US" dirty="0"/>
+              <a:t>Tannyr</a:t>
+            </a:r>
+          </a:p>
+        </p:txBody>
+      </p:sp>
+      <p:sp>
+        <p:nvSpPr>
+          <p:cNvPr id="4" name="Slide Number Placeholder 3"/>
+          <p:cNvSpPr>
+            <a:spLocks noGrp="1"/>
+          </p:cNvSpPr>
+          <p:nvPr>
+            <p:ph type="sldNum" sz="quarter" idx="5"/>
+          </p:nvPr>
+        </p:nvSpPr>
+        <p:spPr/>
+        <p:txBody>
+          <a:bodyPr/>
+          <a:lstStyle/>
+          <a:p>
+            <a:fld id="{E30B86DD-1E4E-4BA9-90B9-02C65521F8DF}" type="slidenum">
+              <a:rPr lang="en-US" smtClean="0"/>
+              <a:t>20</a:t>
+            </a:fld>
+            <a:endParaRPr lang="en-US"/>
+          </a:p>
+        </p:txBody>
+      </p:sp>
+    </p:spTree>
+    <p:extLst>
+      <p:ext uri="{BB962C8B-B14F-4D97-AF65-F5344CB8AC3E}">
+        <p14:creationId xmlns:p14="http://schemas.microsoft.com/office/powerpoint/2010/main" val="519217237"/>
+      </p:ext>
+    </p:extLst>
+  </p:cSld>
+  <p:clrMapOvr>
+    <a:masterClrMapping/>
+  </p:clrMapOvr>
+</p:notes>
+</file>
+
+<file path=ppt/notesSlides/notesSlide3.xml><?xml version="1.0" encoding="utf-8"?>
+<p:notes xmlns:a="http://schemas.openxmlformats.org/drawingml/2006/main" xmlns:r="http://schemas.openxmlformats.org/officeDocument/2006/relationships" xmlns:p="http://schemas.openxmlformats.org/presentationml/2006/main">
+  <p:cSld>
+    <p:spTree>
+      <p:nvGrpSpPr>
+        <p:cNvPr id="1" name=""/>
+        <p:cNvGrpSpPr/>
+        <p:nvPr/>
+      </p:nvGrpSpPr>
+      <p:grpSpPr>
+        <a:xfrm>
+          <a:off x="0" y="0"/>
+          <a:ext cx="0" cy="0"/>
+          <a:chOff x="0" y="0"/>
+          <a:chExt cx="0" cy="0"/>
+        </a:xfrm>
+      </p:grpSpPr>
+      <p:sp>
+        <p:nvSpPr>
+          <p:cNvPr id="2" name="Slide Image Placeholder 1"/>
+          <p:cNvSpPr>
+            <a:spLocks noGrp="1" noRot="1" noChangeAspect="1"/>
+          </p:cNvSpPr>
+          <p:nvPr>
+            <p:ph type="sldImg"/>
+          </p:nvPr>
+        </p:nvSpPr>
+        <p:spPr/>
+      </p:sp>
+      <p:sp>
+        <p:nvSpPr>
+          <p:cNvPr id="3" name="Notes Placeholder 2"/>
+          <p:cNvSpPr>
+            <a:spLocks noGrp="1"/>
+          </p:cNvSpPr>
+          <p:nvPr>
+            <p:ph type="body" idx="1"/>
+          </p:nvPr>
+        </p:nvSpPr>
+        <p:spPr/>
+        <p:txBody>
+          <a:bodyPr/>
+          <a:lstStyle/>
+          <a:p>
+            <a:r>
+              <a:rPr lang="en-US" dirty="0"/>
+              <a:t>Tannyr</a:t>
+            </a:r>
+          </a:p>
+        </p:txBody>
+      </p:sp>
+      <p:sp>
+        <p:nvSpPr>
+          <p:cNvPr id="4" name="Slide Number Placeholder 3"/>
+          <p:cNvSpPr>
+            <a:spLocks noGrp="1"/>
+          </p:cNvSpPr>
+          <p:nvPr>
+            <p:ph type="sldNum" sz="quarter" idx="5"/>
+          </p:nvPr>
+        </p:nvSpPr>
+        <p:spPr/>
+        <p:txBody>
+          <a:bodyPr/>
+          <a:lstStyle/>
+          <a:p>
+            <a:fld id="{E30B86DD-1E4E-4BA9-90B9-02C65521F8DF}" type="slidenum">
+              <a:rPr lang="en-US" smtClean="0"/>
+              <a:t>3</a:t>
+            </a:fld>
+            <a:endParaRPr lang="en-US"/>
+          </a:p>
+        </p:txBody>
+      </p:sp>
+    </p:spTree>
+    <p:extLst>
+      <p:ext uri="{BB962C8B-B14F-4D97-AF65-F5344CB8AC3E}">
+        <p14:creationId xmlns:p14="http://schemas.microsoft.com/office/powerpoint/2010/main" val="628330311"/>
+      </p:ext>
+    </p:extLst>
+  </p:cSld>
+  <p:clrMapOvr>
+    <a:masterClrMapping/>
+  </p:clrMapOvr>
+</p:notes>
+</file>
+
+<file path=ppt/notesSlides/notesSlide4.xml><?xml version="1.0" encoding="utf-8"?>
+<p:notes xmlns:a="http://schemas.openxmlformats.org/drawingml/2006/main" xmlns:r="http://schemas.openxmlformats.org/officeDocument/2006/relationships" xmlns:p="http://schemas.openxmlformats.org/presentationml/2006/main">
+  <p:cSld>
+    <p:spTree>
+      <p:nvGrpSpPr>
+        <p:cNvPr id="1" name=""/>
+        <p:cNvGrpSpPr/>
+        <p:nvPr/>
+      </p:nvGrpSpPr>
+      <p:grpSpPr>
+        <a:xfrm>
+          <a:off x="0" y="0"/>
+          <a:ext cx="0" cy="0"/>
+          <a:chOff x="0" y="0"/>
+          <a:chExt cx="0" cy="0"/>
+        </a:xfrm>
+      </p:grpSpPr>
+      <p:sp>
+        <p:nvSpPr>
+          <p:cNvPr id="2" name="Slide Image Placeholder 1"/>
+          <p:cNvSpPr>
+            <a:spLocks noGrp="1" noRot="1" noChangeAspect="1"/>
+          </p:cNvSpPr>
+          <p:nvPr>
+            <p:ph type="sldImg"/>
+          </p:nvPr>
+        </p:nvSpPr>
+        <p:spPr/>
+      </p:sp>
+      <p:sp>
+        <p:nvSpPr>
+          <p:cNvPr id="3" name="Notes Placeholder 2"/>
+          <p:cNvSpPr>
+            <a:spLocks noGrp="1"/>
+          </p:cNvSpPr>
+          <p:nvPr>
+            <p:ph type="body" idx="1"/>
+          </p:nvPr>
+        </p:nvSpPr>
+        <p:spPr/>
+        <p:txBody>
+          <a:bodyPr/>
+          <a:lstStyle/>
+          <a:p>
+            <a:r>
+              <a:rPr lang="en-US" dirty="0"/>
+              <a:t>Tannyr</a:t>
+            </a:r>
+          </a:p>
+        </p:txBody>
+      </p:sp>
+      <p:sp>
+        <p:nvSpPr>
+          <p:cNvPr id="4" name="Slide Number Placeholder 3"/>
+          <p:cNvSpPr>
+            <a:spLocks noGrp="1"/>
+          </p:cNvSpPr>
+          <p:nvPr>
+            <p:ph type="sldNum" sz="quarter" idx="5"/>
+          </p:nvPr>
+        </p:nvSpPr>
+        <p:spPr/>
+        <p:txBody>
+          <a:bodyPr/>
+          <a:lstStyle/>
+          <a:p>
+            <a:fld id="{E30B86DD-1E4E-4BA9-90B9-02C65521F8DF}" type="slidenum">
+              <a:rPr lang="en-US" smtClean="0"/>
+              <a:t>4</a:t>
+            </a:fld>
+            <a:endParaRPr lang="en-US"/>
+          </a:p>
+        </p:txBody>
+      </p:sp>
+    </p:spTree>
+    <p:extLst>
+      <p:ext uri="{BB962C8B-B14F-4D97-AF65-F5344CB8AC3E}">
+        <p14:creationId xmlns:p14="http://schemas.microsoft.com/office/powerpoint/2010/main" val="4217044388"/>
+      </p:ext>
+    </p:extLst>
+  </p:cSld>
+  <p:clrMapOvr>
+    <a:masterClrMapping/>
+  </p:clrMapOvr>
+</p:notes>
+</file>
+
+<file path=ppt/notesSlides/notesSlide5.xml><?xml version="1.0" encoding="utf-8"?>
+<p:notes xmlns:a="http://schemas.openxmlformats.org/drawingml/2006/main" xmlns:r="http://schemas.openxmlformats.org/officeDocument/2006/relationships" xmlns:p="http://schemas.openxmlformats.org/presentationml/2006/main">
+  <p:cSld>
+    <p:spTree>
+      <p:nvGrpSpPr>
+        <p:cNvPr id="1" name=""/>
+        <p:cNvGrpSpPr/>
+        <p:nvPr/>
+      </p:nvGrpSpPr>
+      <p:grpSpPr>
+        <a:xfrm>
+          <a:off x="0" y="0"/>
+          <a:ext cx="0" cy="0"/>
+          <a:chOff x="0" y="0"/>
+          <a:chExt cx="0" cy="0"/>
+        </a:xfrm>
+      </p:grpSpPr>
+      <p:sp>
+        <p:nvSpPr>
+          <p:cNvPr id="2" name="Slide Image Placeholder 1"/>
+          <p:cNvSpPr>
+            <a:spLocks noGrp="1" noRot="1" noChangeAspect="1"/>
+          </p:cNvSpPr>
+          <p:nvPr>
+            <p:ph type="sldImg"/>
+          </p:nvPr>
+        </p:nvSpPr>
+        <p:spPr/>
+      </p:sp>
+      <p:sp>
+        <p:nvSpPr>
+          <p:cNvPr id="3" name="Notes Placeholder 2"/>
+          <p:cNvSpPr>
+            <a:spLocks noGrp="1"/>
+          </p:cNvSpPr>
+          <p:nvPr>
+            <p:ph type="body" idx="1"/>
+          </p:nvPr>
+        </p:nvSpPr>
+        <p:spPr/>
+        <p:txBody>
+          <a:bodyPr/>
+          <a:lstStyle/>
+          <a:p>
+            <a:r>
+              <a:rPr lang="en-US" dirty="0"/>
+              <a:t>Gannon</a:t>
+            </a:r>
+          </a:p>
+        </p:txBody>
+      </p:sp>
+      <p:sp>
+        <p:nvSpPr>
+          <p:cNvPr id="4" name="Slide Number Placeholder 3"/>
+          <p:cNvSpPr>
+            <a:spLocks noGrp="1"/>
+          </p:cNvSpPr>
+          <p:nvPr>
+            <p:ph type="sldNum" sz="quarter" idx="5"/>
+          </p:nvPr>
+        </p:nvSpPr>
+        <p:spPr/>
+        <p:txBody>
+          <a:bodyPr/>
+          <a:lstStyle/>
+          <a:p>
+            <a:fld id="{E30B86DD-1E4E-4BA9-90B9-02C65521F8DF}" type="slidenum">
+              <a:rPr lang="en-US" smtClean="0"/>
+              <a:t>5</a:t>
+            </a:fld>
+            <a:endParaRPr lang="en-US"/>
+          </a:p>
+        </p:txBody>
+      </p:sp>
+    </p:spTree>
+    <p:extLst>
+      <p:ext uri="{BB962C8B-B14F-4D97-AF65-F5344CB8AC3E}">
+        <p14:creationId xmlns:p14="http://schemas.microsoft.com/office/powerpoint/2010/main" val="1883119255"/>
+      </p:ext>
+    </p:extLst>
+  </p:cSld>
+  <p:clrMapOvr>
+    <a:masterClrMapping/>
+  </p:clrMapOvr>
+</p:notes>
+</file>
+
+<file path=ppt/notesSlides/notesSlide6.xml><?xml version="1.0" encoding="utf-8"?>
+<p:notes xmlns:a="http://schemas.openxmlformats.org/drawingml/2006/main" xmlns:r="http://schemas.openxmlformats.org/officeDocument/2006/relationships" xmlns:p="http://schemas.openxmlformats.org/presentationml/2006/main">
+  <p:cSld>
+    <p:spTree>
+      <p:nvGrpSpPr>
+        <p:cNvPr id="1" name=""/>
+        <p:cNvGrpSpPr/>
+        <p:nvPr/>
+      </p:nvGrpSpPr>
+      <p:grpSpPr>
+        <a:xfrm>
+          <a:off x="0" y="0"/>
+          <a:ext cx="0" cy="0"/>
+          <a:chOff x="0" y="0"/>
+          <a:chExt cx="0" cy="0"/>
+        </a:xfrm>
+      </p:grpSpPr>
+      <p:sp>
+        <p:nvSpPr>
+          <p:cNvPr id="2" name="Slide Image Placeholder 1"/>
+          <p:cNvSpPr>
+            <a:spLocks noGrp="1" noRot="1" noChangeAspect="1"/>
+          </p:cNvSpPr>
+          <p:nvPr>
+            <p:ph type="sldImg"/>
+          </p:nvPr>
+        </p:nvSpPr>
+        <p:spPr/>
+      </p:sp>
+      <p:sp>
+        <p:nvSpPr>
+          <p:cNvPr id="3" name="Notes Placeholder 2"/>
+          <p:cNvSpPr>
+            <a:spLocks noGrp="1"/>
+          </p:cNvSpPr>
+          <p:nvPr>
+            <p:ph type="body" idx="1"/>
+          </p:nvPr>
+        </p:nvSpPr>
+        <p:spPr/>
+        <p:txBody>
+          <a:bodyPr/>
+          <a:lstStyle/>
+          <a:p>
+            <a:r>
+              <a:rPr lang="en-US" dirty="0"/>
+              <a:t>Gannon</a:t>
+            </a:r>
+          </a:p>
+        </p:txBody>
+      </p:sp>
+      <p:sp>
+        <p:nvSpPr>
+          <p:cNvPr id="4" name="Slide Number Placeholder 3"/>
+          <p:cNvSpPr>
+            <a:spLocks noGrp="1"/>
+          </p:cNvSpPr>
+          <p:nvPr>
+            <p:ph type="sldNum" sz="quarter" idx="5"/>
+          </p:nvPr>
+        </p:nvSpPr>
+        <p:spPr/>
+        <p:txBody>
+          <a:bodyPr/>
+          <a:lstStyle/>
+          <a:p>
+            <a:fld id="{E30B86DD-1E4E-4BA9-90B9-02C65521F8DF}" type="slidenum">
+              <a:rPr lang="en-US" smtClean="0"/>
+              <a:t>6</a:t>
+            </a:fld>
+            <a:endParaRPr lang="en-US"/>
+          </a:p>
+        </p:txBody>
+      </p:sp>
+    </p:spTree>
+    <p:extLst>
+      <p:ext uri="{BB962C8B-B14F-4D97-AF65-F5344CB8AC3E}">
+        <p14:creationId xmlns:p14="http://schemas.microsoft.com/office/powerpoint/2010/main" val="1885764614"/>
+      </p:ext>
+    </p:extLst>
+  </p:cSld>
+  <p:clrMapOvr>
+    <a:masterClrMapping/>
+  </p:clrMapOvr>
+</p:notes>
+</file>
+
+<file path=ppt/notesSlides/notesSlide7.xml><?xml version="1.0" encoding="utf-8"?>
+<p:notes xmlns:a="http://schemas.openxmlformats.org/drawingml/2006/main" xmlns:r="http://schemas.openxmlformats.org/officeDocument/2006/relationships" xmlns:p="http://schemas.openxmlformats.org/presentationml/2006/main">
+  <p:cSld>
+    <p:spTree>
+      <p:nvGrpSpPr>
+        <p:cNvPr id="1" name=""/>
+        <p:cNvGrpSpPr/>
+        <p:nvPr/>
+      </p:nvGrpSpPr>
+      <p:grpSpPr>
+        <a:xfrm>
+          <a:off x="0" y="0"/>
+          <a:ext cx="0" cy="0"/>
+          <a:chOff x="0" y="0"/>
+          <a:chExt cx="0" cy="0"/>
+        </a:xfrm>
+      </p:grpSpPr>
+      <p:sp>
+        <p:nvSpPr>
+          <p:cNvPr id="2" name="Slide Image Placeholder 1"/>
+          <p:cNvSpPr>
+            <a:spLocks noGrp="1" noRot="1" noChangeAspect="1"/>
+          </p:cNvSpPr>
+          <p:nvPr>
+            <p:ph type="sldImg"/>
+          </p:nvPr>
+        </p:nvSpPr>
+        <p:spPr/>
+      </p:sp>
+      <p:sp>
+        <p:nvSpPr>
+          <p:cNvPr id="3" name="Notes Placeholder 2"/>
+          <p:cNvSpPr>
+            <a:spLocks noGrp="1"/>
+          </p:cNvSpPr>
+          <p:nvPr>
+            <p:ph type="body" idx="1"/>
+          </p:nvPr>
+        </p:nvSpPr>
+        <p:spPr/>
+        <p:txBody>
+          <a:bodyPr/>
+          <a:lstStyle/>
+          <a:p>
+            <a:r>
+              <a:rPr lang="en-US" dirty="0"/>
+              <a:t>Gannon</a:t>
+            </a:r>
+          </a:p>
+        </p:txBody>
+      </p:sp>
+      <p:sp>
+        <p:nvSpPr>
+          <p:cNvPr id="4" name="Slide Number Placeholder 3"/>
+          <p:cNvSpPr>
+            <a:spLocks noGrp="1"/>
+          </p:cNvSpPr>
+          <p:nvPr>
+            <p:ph type="sldNum" sz="quarter" idx="5"/>
+          </p:nvPr>
+        </p:nvSpPr>
+        <p:spPr/>
+        <p:txBody>
+          <a:bodyPr/>
+          <a:lstStyle/>
+          <a:p>
+            <a:fld id="{E30B86DD-1E4E-4BA9-90B9-02C65521F8DF}" type="slidenum">
+              <a:rPr lang="en-US" smtClean="0"/>
               <a:t>7</a:t>
             </a:fld>
             <a:endParaRPr lang="en-US"/>
@@ -3670,6 +5067,180 @@
     <p:extLst>
       <p:ext uri="{BB962C8B-B14F-4D97-AF65-F5344CB8AC3E}">
         <p14:creationId xmlns:p14="http://schemas.microsoft.com/office/powerpoint/2010/main" val="3998667000"/>
+      </p:ext>
+    </p:extLst>
+  </p:cSld>
+  <p:clrMapOvr>
+    <a:masterClrMapping/>
+  </p:clrMapOvr>
+</p:notes>
+</file>
+
+<file path=ppt/notesSlides/notesSlide8.xml><?xml version="1.0" encoding="utf-8"?>
+<p:notes xmlns:a="http://schemas.openxmlformats.org/drawingml/2006/main" xmlns:r="http://schemas.openxmlformats.org/officeDocument/2006/relationships" xmlns:p="http://schemas.openxmlformats.org/presentationml/2006/main">
+  <p:cSld>
+    <p:spTree>
+      <p:nvGrpSpPr>
+        <p:cNvPr id="1" name=""/>
+        <p:cNvGrpSpPr/>
+        <p:nvPr/>
+      </p:nvGrpSpPr>
+      <p:grpSpPr>
+        <a:xfrm>
+          <a:off x="0" y="0"/>
+          <a:ext cx="0" cy="0"/>
+          <a:chOff x="0" y="0"/>
+          <a:chExt cx="0" cy="0"/>
+        </a:xfrm>
+      </p:grpSpPr>
+      <p:sp>
+        <p:nvSpPr>
+          <p:cNvPr id="2" name="Slide Image Placeholder 1"/>
+          <p:cNvSpPr>
+            <a:spLocks noGrp="1" noRot="1" noChangeAspect="1"/>
+          </p:cNvSpPr>
+          <p:nvPr>
+            <p:ph type="sldImg"/>
+          </p:nvPr>
+        </p:nvSpPr>
+        <p:spPr/>
+      </p:sp>
+      <p:sp>
+        <p:nvSpPr>
+          <p:cNvPr id="3" name="Notes Placeholder 2"/>
+          <p:cNvSpPr>
+            <a:spLocks noGrp="1"/>
+          </p:cNvSpPr>
+          <p:nvPr>
+            <p:ph type="body" idx="1"/>
+          </p:nvPr>
+        </p:nvSpPr>
+        <p:spPr/>
+        <p:txBody>
+          <a:bodyPr/>
+          <a:lstStyle/>
+          <a:p>
+            <a:r>
+              <a:rPr lang="en-US" dirty="0"/>
+              <a:t>Gannon</a:t>
+            </a:r>
+          </a:p>
+        </p:txBody>
+      </p:sp>
+      <p:sp>
+        <p:nvSpPr>
+          <p:cNvPr id="4" name="Slide Number Placeholder 3"/>
+          <p:cNvSpPr>
+            <a:spLocks noGrp="1"/>
+          </p:cNvSpPr>
+          <p:nvPr>
+            <p:ph type="sldNum" sz="quarter" idx="5"/>
+          </p:nvPr>
+        </p:nvSpPr>
+        <p:spPr/>
+        <p:txBody>
+          <a:bodyPr/>
+          <a:lstStyle/>
+          <a:p>
+            <a:fld id="{E30B86DD-1E4E-4BA9-90B9-02C65521F8DF}" type="slidenum">
+              <a:rPr lang="en-US" smtClean="0"/>
+              <a:t>8</a:t>
+            </a:fld>
+            <a:endParaRPr lang="en-US"/>
+          </a:p>
+        </p:txBody>
+      </p:sp>
+    </p:spTree>
+    <p:extLst>
+      <p:ext uri="{BB962C8B-B14F-4D97-AF65-F5344CB8AC3E}">
+        <p14:creationId xmlns:p14="http://schemas.microsoft.com/office/powerpoint/2010/main" val="74830109"/>
+      </p:ext>
+    </p:extLst>
+  </p:cSld>
+  <p:clrMapOvr>
+    <a:masterClrMapping/>
+  </p:clrMapOvr>
+</p:notes>
+</file>
+
+<file path=ppt/notesSlides/notesSlide9.xml><?xml version="1.0" encoding="utf-8"?>
+<p:notes xmlns:a="http://schemas.openxmlformats.org/drawingml/2006/main" xmlns:r="http://schemas.openxmlformats.org/officeDocument/2006/relationships" xmlns:p="http://schemas.openxmlformats.org/presentationml/2006/main">
+  <p:cSld>
+    <p:spTree>
+      <p:nvGrpSpPr>
+        <p:cNvPr id="1" name=""/>
+        <p:cNvGrpSpPr/>
+        <p:nvPr/>
+      </p:nvGrpSpPr>
+      <p:grpSpPr>
+        <a:xfrm>
+          <a:off x="0" y="0"/>
+          <a:ext cx="0" cy="0"/>
+          <a:chOff x="0" y="0"/>
+          <a:chExt cx="0" cy="0"/>
+        </a:xfrm>
+      </p:grpSpPr>
+      <p:sp>
+        <p:nvSpPr>
+          <p:cNvPr id="2" name="Slide Image Placeholder 1"/>
+          <p:cNvSpPr>
+            <a:spLocks noGrp="1" noRot="1" noChangeAspect="1"/>
+          </p:cNvSpPr>
+          <p:nvPr>
+            <p:ph type="sldImg"/>
+          </p:nvPr>
+        </p:nvSpPr>
+        <p:spPr/>
+      </p:sp>
+      <p:sp>
+        <p:nvSpPr>
+          <p:cNvPr id="3" name="Notes Placeholder 2"/>
+          <p:cNvSpPr>
+            <a:spLocks noGrp="1"/>
+          </p:cNvSpPr>
+          <p:nvPr>
+            <p:ph type="body" idx="1"/>
+          </p:nvPr>
+        </p:nvSpPr>
+        <p:spPr/>
+        <p:txBody>
+          <a:bodyPr/>
+          <a:lstStyle/>
+          <a:p>
+            <a:r>
+              <a:rPr lang="en-US" dirty="0"/>
+              <a:t>Gannon</a:t>
+            </a:r>
+          </a:p>
+        </p:txBody>
+      </p:sp>
+      <p:sp>
+        <p:nvSpPr>
+          <p:cNvPr id="4" name="Slide Number Placeholder 3"/>
+          <p:cNvSpPr>
+            <a:spLocks noGrp="1"/>
+          </p:cNvSpPr>
+          <p:nvPr>
+            <p:ph type="sldNum" sz="quarter" idx="5"/>
+          </p:nvPr>
+        </p:nvSpPr>
+        <p:spPr/>
+        <p:txBody>
+          <a:bodyPr/>
+          <a:lstStyle/>
+          <a:p>
+            <a:fld id="{E30B86DD-1E4E-4BA9-90B9-02C65521F8DF}" type="slidenum">
+              <a:rPr lang="en-US" smtClean="0"/>
+              <a:t>9</a:t>
+            </a:fld>
+            <a:endParaRPr lang="en-US"/>
+          </a:p>
+        </p:txBody>
+      </p:sp>
+    </p:spTree>
+    <p:extLst>
+      <p:ext uri="{BB962C8B-B14F-4D97-AF65-F5344CB8AC3E}">
+        <p14:creationId xmlns:p14="http://schemas.microsoft.com/office/powerpoint/2010/main" val="1184418821"/>
       </p:ext>
     </p:extLst>
   </p:cSld>
@@ -3826,7 +5397,7 @@
           <a:p>
             <a:fld id="{A749A21A-B890-4700-B57E-1CFFBFCC9631}" type="datetimeFigureOut">
               <a:rPr lang="en-US" smtClean="0"/>
-              <a:t>11/30/2024</a:t>
+              <a:t>12/1/2024</a:t>
             </a:fld>
             <a:endParaRPr lang="en-US"/>
           </a:p>
@@ -4024,7 +5595,7 @@
           <a:p>
             <a:fld id="{A749A21A-B890-4700-B57E-1CFFBFCC9631}" type="datetimeFigureOut">
               <a:rPr lang="en-US" smtClean="0"/>
-              <a:t>11/30/2024</a:t>
+              <a:t>12/1/2024</a:t>
             </a:fld>
             <a:endParaRPr lang="en-US"/>
           </a:p>
@@ -4232,7 +5803,7 @@
           <a:p>
             <a:fld id="{A749A21A-B890-4700-B57E-1CFFBFCC9631}" type="datetimeFigureOut">
               <a:rPr lang="en-US" smtClean="0"/>
-              <a:t>11/30/2024</a:t>
+              <a:t>12/1/2024</a:t>
             </a:fld>
             <a:endParaRPr lang="en-US"/>
           </a:p>
@@ -4430,7 +6001,7 @@
           <a:p>
             <a:fld id="{A749A21A-B890-4700-B57E-1CFFBFCC9631}" type="datetimeFigureOut">
               <a:rPr lang="en-US" smtClean="0"/>
-              <a:t>11/30/2024</a:t>
+              <a:t>12/1/2024</a:t>
             </a:fld>
             <a:endParaRPr lang="en-US"/>
           </a:p>
@@ -4705,7 +6276,7 @@
           <a:p>
             <a:fld id="{A749A21A-B890-4700-B57E-1CFFBFCC9631}" type="datetimeFigureOut">
               <a:rPr lang="en-US" smtClean="0"/>
-              <a:t>11/30/2024</a:t>
+              <a:t>12/1/2024</a:t>
             </a:fld>
             <a:endParaRPr lang="en-US"/>
           </a:p>
@@ -4970,7 +6541,7 @@
           <a:p>
             <a:fld id="{A749A21A-B890-4700-B57E-1CFFBFCC9631}" type="datetimeFigureOut">
               <a:rPr lang="en-US" smtClean="0"/>
-              <a:t>11/30/2024</a:t>
+              <a:t>12/1/2024</a:t>
             </a:fld>
             <a:endParaRPr lang="en-US"/>
           </a:p>
@@ -5382,7 +6953,7 @@
           <a:p>
             <a:fld id="{A749A21A-B890-4700-B57E-1CFFBFCC9631}" type="datetimeFigureOut">
               <a:rPr lang="en-US" smtClean="0"/>
-              <a:t>11/30/2024</a:t>
+              <a:t>12/1/2024</a:t>
             </a:fld>
             <a:endParaRPr lang="en-US"/>
           </a:p>
@@ -5523,7 +7094,7 @@
           <a:p>
             <a:fld id="{A749A21A-B890-4700-B57E-1CFFBFCC9631}" type="datetimeFigureOut">
               <a:rPr lang="en-US" smtClean="0"/>
-              <a:t>11/30/2024</a:t>
+              <a:t>12/1/2024</a:t>
             </a:fld>
             <a:endParaRPr lang="en-US"/>
           </a:p>
@@ -5636,7 +7207,7 @@
           <a:p>
             <a:fld id="{A749A21A-B890-4700-B57E-1CFFBFCC9631}" type="datetimeFigureOut">
               <a:rPr lang="en-US" smtClean="0"/>
-              <a:t>11/30/2024</a:t>
+              <a:t>12/1/2024</a:t>
             </a:fld>
             <a:endParaRPr lang="en-US"/>
           </a:p>
@@ -5947,7 +7518,7 @@
           <a:p>
             <a:fld id="{A749A21A-B890-4700-B57E-1CFFBFCC9631}" type="datetimeFigureOut">
               <a:rPr lang="en-US" smtClean="0"/>
-              <a:t>11/30/2024</a:t>
+              <a:t>12/1/2024</a:t>
             </a:fld>
             <a:endParaRPr lang="en-US"/>
           </a:p>
@@ -6235,7 +7806,7 @@
           <a:p>
             <a:fld id="{A749A21A-B890-4700-B57E-1CFFBFCC9631}" type="datetimeFigureOut">
               <a:rPr lang="en-US" smtClean="0"/>
-              <a:t>11/30/2024</a:t>
+              <a:t>12/1/2024</a:t>
             </a:fld>
             <a:endParaRPr lang="en-US"/>
           </a:p>
@@ -6476,7 +8047,7 @@
           <a:p>
             <a:fld id="{A749A21A-B890-4700-B57E-1CFFBFCC9631}" type="datetimeFigureOut">
               <a:rPr lang="en-US" smtClean="0"/>
-              <a:t>11/30/2024</a:t>
+              <a:t>12/1/2024</a:t>
             </a:fld>
             <a:endParaRPr lang="en-US"/>
           </a:p>
@@ -7381,7 +8952,7 @@
           <p:nvPr/>
         </p:nvPicPr>
         <p:blipFill>
-          <a:blip r:embed="rId2">
+          <a:blip r:embed="rId3">
             <a:extLst>
               <a:ext uri="{28A0092B-C50C-407E-A947-70E740481C1C}">
                 <a14:useLocalDpi xmlns:a14="http://schemas.microsoft.com/office/drawing/2010/main" val="0"/>
@@ -7608,7 +9179,7 @@
           <p:nvPr/>
         </p:nvPicPr>
         <p:blipFill>
-          <a:blip r:embed="rId2"/>
+          <a:blip r:embed="rId3"/>
           <a:stretch>
             <a:fillRect/>
           </a:stretch>
@@ -7794,7 +9365,7 @@
           </p:nvPr>
         </p:nvPicPr>
         <p:blipFill>
-          <a:blip r:embed="rId2">
+          <a:blip r:embed="rId3">
             <a:extLst>
               <a:ext uri="{28A0092B-C50C-407E-A947-70E740481C1C}">
                 <a14:useLocalDpi xmlns:a14="http://schemas.microsoft.com/office/drawing/2010/main" val="0"/>
@@ -7848,6 +9419,373 @@
             </a:ext>
           </a:extLst>
         </p:cNvPr>
+        <p:cNvGrpSpPr/>
+        <p:nvPr/>
+      </p:nvGrpSpPr>
+      <p:grpSpPr>
+        <a:xfrm>
+          <a:off x="0" y="0"/>
+          <a:ext cx="0" cy="0"/>
+          <a:chOff x="0" y="0"/>
+          <a:chExt cx="0" cy="0"/>
+        </a:xfrm>
+      </p:grpSpPr>
+      <p:sp>
+        <p:nvSpPr>
+          <p:cNvPr id="2" name="Title 1">
+            <a:extLst>
+              <a:ext uri="{FF2B5EF4-FFF2-40B4-BE49-F238E27FC236}">
+                <a16:creationId xmlns:a16="http://schemas.microsoft.com/office/drawing/2014/main" id="{0E7E0E88-B439-C01F-99A1-A67E95DF57F2}"/>
+              </a:ext>
+            </a:extLst>
+          </p:cNvPr>
+          <p:cNvSpPr>
+            <a:spLocks noGrp="1"/>
+          </p:cNvSpPr>
+          <p:nvPr>
+            <p:ph type="title"/>
+          </p:nvPr>
+        </p:nvSpPr>
+        <p:spPr>
+          <a:xfrm>
+            <a:off x="876694" y="741391"/>
+            <a:ext cx="2833324" cy="1616203"/>
+          </a:xfrm>
+        </p:spPr>
+        <p:txBody>
+          <a:bodyPr anchor="b">
+            <a:normAutofit/>
+          </a:bodyPr>
+          <a:lstStyle/>
+          <a:p>
+            <a:r>
+              <a:rPr lang="en-US" sz="3200"/>
+              <a:t>Approach - Webpage</a:t>
+            </a:r>
+          </a:p>
+        </p:txBody>
+      </p:sp>
+      <p:sp>
+        <p:nvSpPr>
+          <p:cNvPr id="3" name="Content Placeholder 2">
+            <a:extLst>
+              <a:ext uri="{FF2B5EF4-FFF2-40B4-BE49-F238E27FC236}">
+                <a16:creationId xmlns:a16="http://schemas.microsoft.com/office/drawing/2014/main" id="{A284656F-DBDA-B539-9566-AE0A10B73A1F}"/>
+              </a:ext>
+            </a:extLst>
+          </p:cNvPr>
+          <p:cNvSpPr>
+            <a:spLocks noGrp="1"/>
+          </p:cNvSpPr>
+          <p:nvPr>
+            <p:ph idx="1"/>
+          </p:nvPr>
+        </p:nvSpPr>
+        <p:spPr>
+          <a:xfrm>
+            <a:off x="876694" y="2426471"/>
+            <a:ext cx="2833324" cy="3447832"/>
+          </a:xfrm>
+        </p:spPr>
+        <p:txBody>
+          <a:bodyPr anchor="ctr">
+            <a:normAutofit/>
+          </a:bodyPr>
+          <a:lstStyle/>
+          <a:p>
+            <a:r>
+              <a:rPr lang="en-US" sz="1700" dirty="0"/>
+              <a:t>Use ESP-Dash for fast and easy data visualization.</a:t>
+            </a:r>
+          </a:p>
+          <a:p>
+            <a:r>
+              <a:rPr lang="en-US" sz="1700" dirty="0"/>
+              <a:t>Pictures to the right is of the Purple Roller ESP-Dash.</a:t>
+            </a:r>
+          </a:p>
+          <a:p>
+            <a:r>
+              <a:rPr lang="en-US" sz="1700" dirty="0"/>
+              <a:t>Still testing with ESP32-S3 development boards.</a:t>
+            </a:r>
+          </a:p>
+        </p:txBody>
+      </p:sp>
+      <p:pic>
+        <p:nvPicPr>
+          <p:cNvPr id="11" name="Picture 10" descr="A screenshot of a device&#10;&#10;Description automatically generated">
+            <a:extLst>
+              <a:ext uri="{FF2B5EF4-FFF2-40B4-BE49-F238E27FC236}">
+                <a16:creationId xmlns:a16="http://schemas.microsoft.com/office/drawing/2014/main" id="{37C57BE4-529C-2A00-A343-D5EC19D862F6}"/>
+              </a:ext>
+            </a:extLst>
+          </p:cNvPr>
+          <p:cNvPicPr>
+            <a:picLocks noChangeAspect="1"/>
+          </p:cNvPicPr>
+          <p:nvPr/>
+        </p:nvPicPr>
+        <p:blipFill>
+          <a:blip r:embed="rId3">
+            <a:extLst>
+              <a:ext uri="{28A0092B-C50C-407E-A947-70E740481C1C}">
+                <a14:useLocalDpi xmlns:a14="http://schemas.microsoft.com/office/drawing/2010/main" val="0"/>
+              </a:ext>
+            </a:extLst>
+          </a:blip>
+          <a:stretch>
+            <a:fillRect/>
+          </a:stretch>
+        </p:blipFill>
+        <p:spPr>
+          <a:xfrm>
+            <a:off x="4294955" y="781537"/>
+            <a:ext cx="3602090" cy="5020333"/>
+          </a:xfrm>
+          <a:prstGeom prst="rect">
+            <a:avLst/>
+          </a:prstGeom>
+        </p:spPr>
+      </p:pic>
+      <p:pic>
+        <p:nvPicPr>
+          <p:cNvPr id="13" name="Picture 12" descr="A screenshot of a graph&#10;&#10;Description automatically generated">
+            <a:extLst>
+              <a:ext uri="{FF2B5EF4-FFF2-40B4-BE49-F238E27FC236}">
+                <a16:creationId xmlns:a16="http://schemas.microsoft.com/office/drawing/2014/main" id="{84AC9372-3E44-626C-3834-C12F228C47B5}"/>
+              </a:ext>
+            </a:extLst>
+          </p:cNvPr>
+          <p:cNvPicPr>
+            <a:picLocks noChangeAspect="1"/>
+          </p:cNvPicPr>
+          <p:nvPr/>
+        </p:nvPicPr>
+        <p:blipFill>
+          <a:blip r:embed="rId4">
+            <a:extLst>
+              <a:ext uri="{28A0092B-C50C-407E-A947-70E740481C1C}">
+                <a14:useLocalDpi xmlns:a14="http://schemas.microsoft.com/office/drawing/2010/main" val="0"/>
+              </a:ext>
+            </a:extLst>
+          </a:blip>
+          <a:stretch>
+            <a:fillRect/>
+          </a:stretch>
+        </p:blipFill>
+        <p:spPr>
+          <a:xfrm>
+            <a:off x="8098457" y="781537"/>
+            <a:ext cx="3654594" cy="4938639"/>
+          </a:xfrm>
+          <a:prstGeom prst="rect">
+            <a:avLst/>
+          </a:prstGeom>
+        </p:spPr>
+      </p:pic>
+      <p:grpSp>
+        <p:nvGrpSpPr>
+          <p:cNvPr id="18" name="Group 17">
+            <a:extLst>
+              <a:ext uri="{FF2B5EF4-FFF2-40B4-BE49-F238E27FC236}">
+                <a16:creationId xmlns:a16="http://schemas.microsoft.com/office/drawing/2014/main" id="{792AA144-DDFF-C43B-6866-516C9091D065}"/>
+              </a:ext>
+              <a:ext uri="{C183D7F6-B498-43B3-948B-1728B52AA6E4}">
+                <adec:decorative xmlns:adec="http://schemas.microsoft.com/office/drawing/2017/decorative" val="1"/>
+              </a:ext>
+            </a:extLst>
+          </p:cNvPr>
+          <p:cNvGrpSpPr>
+            <a:grpSpLocks noGrp="1" noUngrp="1" noRot="1" noChangeAspect="1" noMove="1" noResize="1"/>
+          </p:cNvGrpSpPr>
+          <p:nvPr>
+            <p:extLst>
+              <p:ext uri="{386F3935-93C4-4BCD-93E2-E3B085C9AB24}">
+                <p16:designElem xmlns:p16="http://schemas.microsoft.com/office/powerpoint/2015/main" val="1"/>
+              </p:ext>
+            </p:extLst>
+          </p:nvPr>
+        </p:nvGrpSpPr>
+        <p:grpSpPr>
+          <a:xfrm>
+            <a:off x="1" y="6737460"/>
+            <a:ext cx="12192000" cy="123364"/>
+            <a:chOff x="1" y="6737460"/>
+            <a:chExt cx="12192000" cy="123364"/>
+          </a:xfrm>
+        </p:grpSpPr>
+        <p:sp>
+          <p:nvSpPr>
+            <p:cNvPr id="19" name="Rectangle 18">
+              <a:extLst>
+                <a:ext uri="{FF2B5EF4-FFF2-40B4-BE49-F238E27FC236}">
+                  <a16:creationId xmlns:a16="http://schemas.microsoft.com/office/drawing/2014/main" id="{56557A69-9517-26A8-EF3F-E65057EEC1A1}"/>
+                </a:ext>
+                <a:ext uri="{C183D7F6-B498-43B3-948B-1728B52AA6E4}">
+                  <adec:decorative xmlns:adec="http://schemas.microsoft.com/office/drawing/2017/decorative" val="1"/>
+                </a:ext>
+              </a:extLst>
+            </p:cNvPr>
+            <p:cNvSpPr/>
+            <p:nvPr>
+              <p:extLst>
+                <p:ext uri="{386F3935-93C4-4BCD-93E2-E3B085C9AB24}">
+                  <p16:designElem xmlns:p16="http://schemas.microsoft.com/office/powerpoint/2015/main" val="1"/>
+                </p:ext>
+              </p:extLst>
+            </p:nvPr>
+          </p:nvSpPr>
+          <p:spPr>
+            <a:xfrm rot="16200000">
+              <a:off x="6034320" y="703141"/>
+              <a:ext cx="123362" cy="12192000"/>
+            </a:xfrm>
+            <a:prstGeom prst="rect">
+              <a:avLst/>
+            </a:prstGeom>
+            <a:gradFill>
+              <a:gsLst>
+                <a:gs pos="0">
+                  <a:schemeClr val="accent2"/>
+                </a:gs>
+                <a:gs pos="100000">
+                  <a:schemeClr val="accent5"/>
+                </a:gs>
+              </a:gsLst>
+              <a:lin ang="1800000" scaled="0"/>
+            </a:gradFill>
+            <a:ln>
+              <a:noFill/>
+            </a:ln>
+          </p:spPr>
+          <p:style>
+            <a:lnRef idx="2">
+              <a:schemeClr val="accent1">
+                <a:shade val="50000"/>
+              </a:schemeClr>
+            </a:lnRef>
+            <a:fillRef idx="1">
+              <a:schemeClr val="accent1"/>
+            </a:fillRef>
+            <a:effectRef idx="0">
+              <a:schemeClr val="accent1"/>
+            </a:effectRef>
+            <a:fontRef idx="minor">
+              <a:schemeClr val="lt1"/>
+            </a:fontRef>
+          </p:style>
+          <p:txBody>
+            <a:bodyPr rtlCol="0" anchor="ctr"/>
+            <a:lstStyle/>
+            <a:p>
+              <a:pPr algn="ctr"/>
+              <a:endParaRPr lang="en-US"/>
+            </a:p>
+          </p:txBody>
+        </p:sp>
+        <p:sp>
+          <p:nvSpPr>
+            <p:cNvPr id="20" name="Rectangle 19">
+              <a:extLst>
+                <a:ext uri="{FF2B5EF4-FFF2-40B4-BE49-F238E27FC236}">
+                  <a16:creationId xmlns:a16="http://schemas.microsoft.com/office/drawing/2014/main" id="{47C5987E-7AB5-0A21-D727-68B38B342CA8}"/>
+                </a:ext>
+                <a:ext uri="{C183D7F6-B498-43B3-948B-1728B52AA6E4}">
+                  <adec:decorative xmlns:adec="http://schemas.microsoft.com/office/drawing/2017/decorative" val="1"/>
+                </a:ext>
+              </a:extLst>
+            </p:cNvPr>
+            <p:cNvSpPr/>
+            <p:nvPr>
+              <p:extLst>
+                <p:ext uri="{386F3935-93C4-4BCD-93E2-E3B085C9AB24}">
+                  <p16:designElem xmlns:p16="http://schemas.microsoft.com/office/powerpoint/2015/main" val="1"/>
+                </p:ext>
+              </p:extLst>
+            </p:nvPr>
+          </p:nvSpPr>
+          <p:spPr>
+            <a:xfrm rot="16200000">
+              <a:off x="10240559" y="4909383"/>
+              <a:ext cx="123362" cy="3779520"/>
+            </a:xfrm>
+            <a:prstGeom prst="rect">
+              <a:avLst/>
+            </a:prstGeom>
+            <a:gradFill>
+              <a:gsLst>
+                <a:gs pos="19000">
+                  <a:schemeClr val="accent5">
+                    <a:alpha val="0"/>
+                  </a:schemeClr>
+                </a:gs>
+                <a:gs pos="100000">
+                  <a:schemeClr val="accent5">
+                    <a:lumMod val="60000"/>
+                    <a:lumOff val="40000"/>
+                  </a:schemeClr>
+                </a:gs>
+              </a:gsLst>
+              <a:lin ang="600000" scaled="0"/>
+            </a:gradFill>
+            <a:ln>
+              <a:noFill/>
+            </a:ln>
+          </p:spPr>
+          <p:style>
+            <a:lnRef idx="2">
+              <a:schemeClr val="accent1">
+                <a:shade val="50000"/>
+              </a:schemeClr>
+            </a:lnRef>
+            <a:fillRef idx="1">
+              <a:schemeClr val="accent1"/>
+            </a:fillRef>
+            <a:effectRef idx="0">
+              <a:schemeClr val="accent1"/>
+            </a:effectRef>
+            <a:fontRef idx="minor">
+              <a:schemeClr val="lt1"/>
+            </a:fontRef>
+          </p:style>
+          <p:txBody>
+            <a:bodyPr rtlCol="0" anchor="ctr"/>
+            <a:lstStyle/>
+            <a:p>
+              <a:pPr algn="ctr"/>
+              <a:endParaRPr lang="en-US"/>
+            </a:p>
+          </p:txBody>
+        </p:sp>
+      </p:grpSp>
+    </p:spTree>
+    <p:extLst>
+      <p:ext uri="{BB962C8B-B14F-4D97-AF65-F5344CB8AC3E}">
+        <p14:creationId xmlns:p14="http://schemas.microsoft.com/office/powerpoint/2010/main" val="2052239286"/>
+      </p:ext>
+    </p:extLst>
+  </p:cSld>
+  <p:clrMapOvr>
+    <a:masterClrMapping/>
+  </p:clrMapOvr>
+</p:sld>
+</file>
+
+<file path=ppt/slides/slide13.xml><?xml version="1.0" encoding="utf-8"?>
+<p:sld xmlns:a="http://schemas.openxmlformats.org/drawingml/2006/main" xmlns:r="http://schemas.openxmlformats.org/officeDocument/2006/relationships" xmlns:p="http://schemas.openxmlformats.org/presentationml/2006/main">
+  <p:cSld>
+    <p:bg>
+      <p:bgPr>
+        <a:solidFill>
+          <a:schemeClr val="bg1"/>
+        </a:solidFill>
+        <a:effectLst/>
+      </p:bgPr>
+    </p:bg>
+    <p:spTree>
+      <p:nvGrpSpPr>
+        <p:cNvPr id="1" name=""/>
         <p:cNvGrpSpPr/>
         <p:nvPr/>
       </p:nvGrpSpPr>
@@ -7924,7 +9862,7 @@
           <p:cNvPr id="2" name="Title 1">
             <a:extLst>
               <a:ext uri="{FF2B5EF4-FFF2-40B4-BE49-F238E27FC236}">
-                <a16:creationId xmlns:a16="http://schemas.microsoft.com/office/drawing/2014/main" id="{0E7E0E88-B439-C01F-99A1-A67E95DF57F2}"/>
+                <a16:creationId xmlns:a16="http://schemas.microsoft.com/office/drawing/2014/main" id="{D6F92D42-466E-0E4A-97E5-953C5488CD75}"/>
               </a:ext>
             </a:extLst>
           </p:cNvPr>
@@ -7949,7 +9887,7 @@
           <a:p>
             <a:r>
               <a:rPr lang="en-US" sz="5400"/>
-              <a:t>Approach - Webpage</a:t>
+              <a:t>Approach - Standards</a:t>
             </a:r>
           </a:p>
         </p:txBody>
@@ -8597,7 +10535,7 @@
           <p:cNvPr id="3" name="Content Placeholder 2">
             <a:extLst>
               <a:ext uri="{FF2B5EF4-FFF2-40B4-BE49-F238E27FC236}">
-                <a16:creationId xmlns:a16="http://schemas.microsoft.com/office/drawing/2014/main" id="{A284656F-DBDA-B539-9566-AE0A10B73A1F}"/>
+                <a16:creationId xmlns:a16="http://schemas.microsoft.com/office/drawing/2014/main" id="{9E17B53A-A252-C319-B23D-F3D4C51B90D2}"/>
               </a:ext>
             </a:extLst>
           </p:cNvPr>
@@ -8622,45 +10560,51 @@
           <a:p>
             <a:r>
               <a:rPr lang="en-US" sz="2200" dirty="0"/>
-              <a:t>Use ESP-Dash for fast and easy data visualization.</a:t>
+              <a:t>I2C – Use I2C for barometer.</a:t>
             </a:r>
           </a:p>
           <a:p>
             <a:r>
               <a:rPr lang="en-US" sz="2200" dirty="0"/>
-              <a:t>Picture to the right is of the Purple Roller ESP-Dash.</a:t>
+              <a:t>SPI – Use SPI for IMU, Flash, and High G Accelerometer .</a:t>
             </a:r>
+            <a:endParaRPr lang="en-US" sz="1800" dirty="0"/>
           </a:p>
           <a:p>
             <a:r>
               <a:rPr lang="en-US" sz="2200" dirty="0"/>
-              <a:t>Still testing with ESP32-S3 development boards.</a:t>
+              <a:t>ESP32-S3</a:t>
             </a:r>
           </a:p>
           <a:p>
-            <a:endParaRPr lang="en-US" sz="2200" dirty="0"/>
-          </a:p>
-          <a:p>
-            <a:pPr marL="0" indent="0">
-              <a:buNone/>
-            </a:pPr>
-            <a:endParaRPr lang="en-US" sz="2200" dirty="0"/>
-          </a:p>
-          <a:p>
-            <a:pPr marL="0" indent="0">
-              <a:buNone/>
-            </a:pPr>
+            <a:pPr lvl="1"/>
+            <a:r>
+              <a:rPr lang="en-US" sz="1800" dirty="0"/>
+              <a:t>Wi-Fi – 802.11b/g/n Handled by the ESP32-S3.</a:t>
+            </a:r>
+          </a:p>
+          <a:p>
+            <a:pPr lvl="1"/>
+            <a:r>
+              <a:rPr lang="en-US" sz="1800" dirty="0"/>
+              <a:t>No RF certification since ESP32-S3 is already certified. (NATHAN CHANGE)</a:t>
+            </a:r>
+          </a:p>
+          <a:p>
             <a:r>
               <a:rPr lang="en-US" sz="2200" dirty="0"/>
-              <a:t>GANNON AND TANNYR ADD PICTURE</a:t>
+              <a:t>C++ - “The current ISO C++ standard is officially known as ISO International Standard ISO/IEC 14882:2020(E) – Programming Language C++ (International Organization for Standardization).”</a:t>
             </a:r>
+          </a:p>
+          <a:p>
+            <a:endParaRPr lang="en-US" sz="2200" dirty="0"/>
           </a:p>
         </p:txBody>
       </p:sp>
     </p:spTree>
     <p:extLst>
       <p:ext uri="{BB962C8B-B14F-4D97-AF65-F5344CB8AC3E}">
-        <p14:creationId xmlns:p14="http://schemas.microsoft.com/office/powerpoint/2010/main" val="2052239286"/>
+        <p14:creationId xmlns:p14="http://schemas.microsoft.com/office/powerpoint/2010/main" val="2036426572"/>
       </p:ext>
     </p:extLst>
   </p:cSld>
@@ -8670,7 +10614,490 @@
 </p:sld>
 </file>
 
-<file path=ppt/slides/slide13.xml><?xml version="1.0" encoding="utf-8"?>
+<file path=ppt/slides/slide14.xml><?xml version="1.0" encoding="utf-8"?>
+<p:sld xmlns:a="http://schemas.openxmlformats.org/drawingml/2006/main" xmlns:r="http://schemas.openxmlformats.org/officeDocument/2006/relationships" xmlns:p="http://schemas.openxmlformats.org/presentationml/2006/main">
+  <p:cSld>
+    <p:bg>
+      <p:bgPr>
+        <a:solidFill>
+          <a:schemeClr val="bg1"/>
+        </a:solidFill>
+        <a:effectLst/>
+      </p:bgPr>
+    </p:bg>
+    <p:spTree>
+      <p:nvGrpSpPr>
+        <p:cNvPr id="1" name=""/>
+        <p:cNvGrpSpPr/>
+        <p:nvPr/>
+      </p:nvGrpSpPr>
+      <p:grpSpPr>
+        <a:xfrm>
+          <a:off x="0" y="0"/>
+          <a:ext cx="0" cy="0"/>
+          <a:chOff x="0" y="0"/>
+          <a:chExt cx="0" cy="0"/>
+        </a:xfrm>
+      </p:grpSpPr>
+      <p:sp useBgFill="1">
+        <p:nvSpPr>
+          <p:cNvPr id="19" name="Rectangle 18">
+            <a:extLst>
+              <a:ext uri="{FF2B5EF4-FFF2-40B4-BE49-F238E27FC236}">
+                <a16:creationId xmlns:a16="http://schemas.microsoft.com/office/drawing/2014/main" id="{2B97F24A-32CE-4C1C-A50D-3016B394DCFB}"/>
+              </a:ext>
+              <a:ext uri="{C183D7F6-B498-43B3-948B-1728B52AA6E4}">
+                <adec:decorative xmlns:adec="http://schemas.microsoft.com/office/drawing/2017/decorative" val="1"/>
+              </a:ext>
+            </a:extLst>
+          </p:cNvPr>
+          <p:cNvSpPr>
+            <a:spLocks noGrp="1" noRot="1" noChangeAspect="1" noMove="1" noResize="1" noEditPoints="1" noAdjustHandles="1" noChangeArrowheads="1" noChangeShapeType="1" noTextEdit="1"/>
+          </p:cNvSpPr>
+          <p:nvPr>
+            <p:extLst>
+              <p:ext uri="{386F3935-93C4-4BCD-93E2-E3B085C9AB24}">
+                <p16:designElem xmlns:p16="http://schemas.microsoft.com/office/powerpoint/2015/main" val="1"/>
+              </p:ext>
+            </p:extLst>
+          </p:nvPr>
+        </p:nvSpPr>
+        <p:spPr>
+          <a:xfrm>
+            <a:off x="0" y="0"/>
+            <a:ext cx="12192000" cy="6858000"/>
+          </a:xfrm>
+          <a:prstGeom prst="rect">
+            <a:avLst/>
+          </a:prstGeom>
+          <a:ln>
+            <a:noFill/>
+          </a:ln>
+        </p:spPr>
+        <p:style>
+          <a:lnRef idx="2">
+            <a:schemeClr val="accent1">
+              <a:shade val="50000"/>
+            </a:schemeClr>
+          </a:lnRef>
+          <a:fillRef idx="1">
+            <a:schemeClr val="accent1"/>
+          </a:fillRef>
+          <a:effectRef idx="0">
+            <a:schemeClr val="accent1"/>
+          </a:effectRef>
+          <a:fontRef idx="minor">
+            <a:schemeClr val="lt1"/>
+          </a:fontRef>
+        </p:style>
+        <p:txBody>
+          <a:bodyPr rtlCol="0" anchor="ctr"/>
+          <a:lstStyle/>
+          <a:p>
+            <a:pPr algn="ctr"/>
+            <a:endParaRPr lang="en-US"/>
+          </a:p>
+        </p:txBody>
+      </p:sp>
+      <p:sp>
+        <p:nvSpPr>
+          <p:cNvPr id="2" name="Title 1">
+            <a:extLst>
+              <a:ext uri="{FF2B5EF4-FFF2-40B4-BE49-F238E27FC236}">
+                <a16:creationId xmlns:a16="http://schemas.microsoft.com/office/drawing/2014/main" id="{EA6493CF-AA83-E5D3-C9E0-B7D3988E4628}"/>
+              </a:ext>
+            </a:extLst>
+          </p:cNvPr>
+          <p:cNvSpPr>
+            <a:spLocks noGrp="1"/>
+          </p:cNvSpPr>
+          <p:nvPr>
+            <p:ph type="title"/>
+          </p:nvPr>
+        </p:nvSpPr>
+        <p:spPr>
+          <a:xfrm>
+            <a:off x="630936" y="639520"/>
+            <a:ext cx="3429000" cy="1719072"/>
+          </a:xfrm>
+        </p:spPr>
+        <p:txBody>
+          <a:bodyPr anchor="b">
+            <a:normAutofit/>
+          </a:bodyPr>
+          <a:lstStyle/>
+          <a:p>
+            <a:r>
+              <a:rPr lang="en-US" sz="5400"/>
+              <a:t>Testing Board</a:t>
+            </a:r>
+          </a:p>
+        </p:txBody>
+      </p:sp>
+      <p:sp>
+        <p:nvSpPr>
+          <p:cNvPr id="20" name="sketch line">
+            <a:extLst>
+              <a:ext uri="{FF2B5EF4-FFF2-40B4-BE49-F238E27FC236}">
+                <a16:creationId xmlns:a16="http://schemas.microsoft.com/office/drawing/2014/main" id="{CD8B4F24-440B-49E9-B85D-733523DC064B}"/>
+              </a:ext>
+              <a:ext uri="{C183D7F6-B498-43B3-948B-1728B52AA6E4}">
+                <adec:decorative xmlns:adec="http://schemas.microsoft.com/office/drawing/2017/decorative" val="1"/>
+              </a:ext>
+            </a:extLst>
+          </p:cNvPr>
+          <p:cNvSpPr>
+            <a:spLocks noGrp="1" noRot="1" noChangeAspect="1" noMove="1" noResize="1" noEditPoints="1" noAdjustHandles="1" noChangeArrowheads="1" noChangeShapeType="1" noTextEdit="1"/>
+          </p:cNvSpPr>
+          <p:nvPr>
+            <p:extLst>
+              <p:ext uri="{386F3935-93C4-4BCD-93E2-E3B085C9AB24}">
+                <p16:designElem xmlns:p16="http://schemas.microsoft.com/office/powerpoint/2015/main" val="1"/>
+              </p:ext>
+            </p:extLst>
+          </p:nvPr>
+        </p:nvSpPr>
+        <p:spPr>
+          <a:xfrm>
+            <a:off x="643278" y="2573756"/>
+            <a:ext cx="3255095" cy="18288"/>
+          </a:xfrm>
+          <a:custGeom>
+            <a:avLst/>
+            <a:gdLst>
+              <a:gd name="connsiteX0" fmla="*/ 0 w 3255095"/>
+              <a:gd name="connsiteY0" fmla="*/ 0 h 18288"/>
+              <a:gd name="connsiteX1" fmla="*/ 618468 w 3255095"/>
+              <a:gd name="connsiteY1" fmla="*/ 0 h 18288"/>
+              <a:gd name="connsiteX2" fmla="*/ 1269487 w 3255095"/>
+              <a:gd name="connsiteY2" fmla="*/ 0 h 18288"/>
+              <a:gd name="connsiteX3" fmla="*/ 1953057 w 3255095"/>
+              <a:gd name="connsiteY3" fmla="*/ 0 h 18288"/>
+              <a:gd name="connsiteX4" fmla="*/ 2636627 w 3255095"/>
+              <a:gd name="connsiteY4" fmla="*/ 0 h 18288"/>
+              <a:gd name="connsiteX5" fmla="*/ 3255095 w 3255095"/>
+              <a:gd name="connsiteY5" fmla="*/ 0 h 18288"/>
+              <a:gd name="connsiteX6" fmla="*/ 3255095 w 3255095"/>
+              <a:gd name="connsiteY6" fmla="*/ 18288 h 18288"/>
+              <a:gd name="connsiteX7" fmla="*/ 2538974 w 3255095"/>
+              <a:gd name="connsiteY7" fmla="*/ 18288 h 18288"/>
+              <a:gd name="connsiteX8" fmla="*/ 1822853 w 3255095"/>
+              <a:gd name="connsiteY8" fmla="*/ 18288 h 18288"/>
+              <a:gd name="connsiteX9" fmla="*/ 1171834 w 3255095"/>
+              <a:gd name="connsiteY9" fmla="*/ 18288 h 18288"/>
+              <a:gd name="connsiteX10" fmla="*/ 0 w 3255095"/>
+              <a:gd name="connsiteY10" fmla="*/ 18288 h 18288"/>
+              <a:gd name="connsiteX11" fmla="*/ 0 w 3255095"/>
+              <a:gd name="connsiteY11" fmla="*/ 0 h 18288"/>
+            </a:gdLst>
+            <a:ahLst/>
+            <a:cxnLst>
+              <a:cxn ang="0">
+                <a:pos x="connsiteX0" y="connsiteY0"/>
+              </a:cxn>
+              <a:cxn ang="0">
+                <a:pos x="connsiteX1" y="connsiteY1"/>
+              </a:cxn>
+              <a:cxn ang="0">
+                <a:pos x="connsiteX2" y="connsiteY2"/>
+              </a:cxn>
+              <a:cxn ang="0">
+                <a:pos x="connsiteX3" y="connsiteY3"/>
+              </a:cxn>
+              <a:cxn ang="0">
+                <a:pos x="connsiteX4" y="connsiteY4"/>
+              </a:cxn>
+              <a:cxn ang="0">
+                <a:pos x="connsiteX5" y="connsiteY5"/>
+              </a:cxn>
+              <a:cxn ang="0">
+                <a:pos x="connsiteX6" y="connsiteY6"/>
+              </a:cxn>
+              <a:cxn ang="0">
+                <a:pos x="connsiteX7" y="connsiteY7"/>
+              </a:cxn>
+              <a:cxn ang="0">
+                <a:pos x="connsiteX8" y="connsiteY8"/>
+              </a:cxn>
+              <a:cxn ang="0">
+                <a:pos x="connsiteX9" y="connsiteY9"/>
+              </a:cxn>
+              <a:cxn ang="0">
+                <a:pos x="connsiteX10" y="connsiteY10"/>
+              </a:cxn>
+              <a:cxn ang="0">
+                <a:pos x="connsiteX11" y="connsiteY11"/>
+              </a:cxn>
+            </a:cxnLst>
+            <a:rect l="l" t="t" r="r" b="b"/>
+            <a:pathLst>
+              <a:path w="3255095" h="18288" fill="none" extrusionOk="0">
+                <a:moveTo>
+                  <a:pt x="0" y="0"/>
+                </a:moveTo>
+                <a:cubicBezTo>
+                  <a:pt x="240201" y="-22123"/>
+                  <a:pt x="462021" y="-19623"/>
+                  <a:pt x="618468" y="0"/>
+                </a:cubicBezTo>
+                <a:cubicBezTo>
+                  <a:pt x="774915" y="19623"/>
+                  <a:pt x="974734" y="2035"/>
+                  <a:pt x="1269487" y="0"/>
+                </a:cubicBezTo>
+                <a:cubicBezTo>
+                  <a:pt x="1564240" y="-2035"/>
+                  <a:pt x="1733579" y="10639"/>
+                  <a:pt x="1953057" y="0"/>
+                </a:cubicBezTo>
+                <a:cubicBezTo>
+                  <a:pt x="2172535" y="-10639"/>
+                  <a:pt x="2453962" y="14018"/>
+                  <a:pt x="2636627" y="0"/>
+                </a:cubicBezTo>
+                <a:cubicBezTo>
+                  <a:pt x="2819292" y="-14018"/>
+                  <a:pt x="3121375" y="5399"/>
+                  <a:pt x="3255095" y="0"/>
+                </a:cubicBezTo>
+                <a:cubicBezTo>
+                  <a:pt x="3254386" y="8157"/>
+                  <a:pt x="3254682" y="12125"/>
+                  <a:pt x="3255095" y="18288"/>
+                </a:cubicBezTo>
+                <a:cubicBezTo>
+                  <a:pt x="3088545" y="23203"/>
+                  <a:pt x="2687475" y="7419"/>
+                  <a:pt x="2538974" y="18288"/>
+                </a:cubicBezTo>
+                <a:cubicBezTo>
+                  <a:pt x="2390473" y="29157"/>
+                  <a:pt x="2137381" y="-8959"/>
+                  <a:pt x="1822853" y="18288"/>
+                </a:cubicBezTo>
+                <a:cubicBezTo>
+                  <a:pt x="1508325" y="45535"/>
+                  <a:pt x="1466437" y="20385"/>
+                  <a:pt x="1171834" y="18288"/>
+                </a:cubicBezTo>
+                <a:cubicBezTo>
+                  <a:pt x="877231" y="16191"/>
+                  <a:pt x="561097" y="37643"/>
+                  <a:pt x="0" y="18288"/>
+                </a:cubicBezTo>
+                <a:cubicBezTo>
+                  <a:pt x="-46" y="12483"/>
+                  <a:pt x="-203" y="6491"/>
+                  <a:pt x="0" y="0"/>
+                </a:cubicBezTo>
+                <a:close/>
+              </a:path>
+              <a:path w="3255095" h="18288" stroke="0" extrusionOk="0">
+                <a:moveTo>
+                  <a:pt x="0" y="0"/>
+                </a:moveTo>
+                <a:cubicBezTo>
+                  <a:pt x="291965" y="19429"/>
+                  <a:pt x="363155" y="8568"/>
+                  <a:pt x="618468" y="0"/>
+                </a:cubicBezTo>
+                <a:cubicBezTo>
+                  <a:pt x="873781" y="-8568"/>
+                  <a:pt x="904459" y="-19505"/>
+                  <a:pt x="1171834" y="0"/>
+                </a:cubicBezTo>
+                <a:cubicBezTo>
+                  <a:pt x="1439209" y="19505"/>
+                  <a:pt x="1744369" y="9790"/>
+                  <a:pt x="1887955" y="0"/>
+                </a:cubicBezTo>
+                <a:cubicBezTo>
+                  <a:pt x="2031541" y="-9790"/>
+                  <a:pt x="2346378" y="21240"/>
+                  <a:pt x="2506423" y="0"/>
+                </a:cubicBezTo>
+                <a:cubicBezTo>
+                  <a:pt x="2666468" y="-21240"/>
+                  <a:pt x="2990257" y="30414"/>
+                  <a:pt x="3255095" y="0"/>
+                </a:cubicBezTo>
+                <a:cubicBezTo>
+                  <a:pt x="3254831" y="4493"/>
+                  <a:pt x="3255479" y="9472"/>
+                  <a:pt x="3255095" y="18288"/>
+                </a:cubicBezTo>
+                <a:cubicBezTo>
+                  <a:pt x="3120743" y="16690"/>
+                  <a:pt x="2759628" y="42462"/>
+                  <a:pt x="2604076" y="18288"/>
+                </a:cubicBezTo>
+                <a:cubicBezTo>
+                  <a:pt x="2448524" y="-5886"/>
+                  <a:pt x="2184336" y="19599"/>
+                  <a:pt x="1887955" y="18288"/>
+                </a:cubicBezTo>
+                <a:cubicBezTo>
+                  <a:pt x="1591574" y="16977"/>
+                  <a:pt x="1548845" y="6870"/>
+                  <a:pt x="1334589" y="18288"/>
+                </a:cubicBezTo>
+                <a:cubicBezTo>
+                  <a:pt x="1120333" y="29706"/>
+                  <a:pt x="996014" y="9662"/>
+                  <a:pt x="683570" y="18288"/>
+                </a:cubicBezTo>
+                <a:cubicBezTo>
+                  <a:pt x="371126" y="26914"/>
+                  <a:pt x="198687" y="16167"/>
+                  <a:pt x="0" y="18288"/>
+                </a:cubicBezTo>
+                <a:cubicBezTo>
+                  <a:pt x="843" y="9577"/>
+                  <a:pt x="371" y="6900"/>
+                  <a:pt x="0" y="0"/>
+                </a:cubicBezTo>
+                <a:close/>
+              </a:path>
+            </a:pathLst>
+          </a:custGeom>
+          <a:solidFill>
+            <a:schemeClr val="accent2"/>
+          </a:solidFill>
+          <a:ln w="38100" cap="rnd">
+            <a:solidFill>
+              <a:schemeClr val="accent2"/>
+            </a:solidFill>
+            <a:round/>
+            <a:extLst>
+              <a:ext uri="{C807C97D-BFC1-408E-A445-0C87EB9F89A2}">
+                <ask:lineSketchStyleProps xmlns:ask="http://schemas.microsoft.com/office/drawing/2018/sketchyshapes" sd="1219033472">
+                  <a:prstGeom prst="rect">
+                    <a:avLst/>
+                  </a:prstGeom>
+                  <ask:type>
+                    <ask:lineSketchFreehand/>
+                  </ask:type>
+                </ask:lineSketchStyleProps>
+              </a:ext>
+            </a:extLst>
+          </a:ln>
+        </p:spPr>
+        <p:style>
+          <a:lnRef idx="2">
+            <a:schemeClr val="accent1">
+              <a:shade val="50000"/>
+            </a:schemeClr>
+          </a:lnRef>
+          <a:fillRef idx="1">
+            <a:schemeClr val="accent1"/>
+          </a:fillRef>
+          <a:effectRef idx="0">
+            <a:schemeClr val="accent1"/>
+          </a:effectRef>
+          <a:fontRef idx="minor">
+            <a:schemeClr val="lt1"/>
+          </a:fontRef>
+        </p:style>
+        <p:txBody>
+          <a:bodyPr rtlCol="0" anchor="ctr"/>
+          <a:lstStyle/>
+          <a:p>
+            <a:pPr algn="ctr"/>
+            <a:endParaRPr lang="en-US"/>
+          </a:p>
+        </p:txBody>
+      </p:sp>
+      <p:sp>
+        <p:nvSpPr>
+          <p:cNvPr id="3" name="Content Placeholder 2">
+            <a:extLst>
+              <a:ext uri="{FF2B5EF4-FFF2-40B4-BE49-F238E27FC236}">
+                <a16:creationId xmlns:a16="http://schemas.microsoft.com/office/drawing/2014/main" id="{2C73D345-D2BF-6E5E-484D-68E8E0B9872D}"/>
+              </a:ext>
+            </a:extLst>
+          </p:cNvPr>
+          <p:cNvSpPr>
+            <a:spLocks noGrp="1"/>
+          </p:cNvSpPr>
+          <p:nvPr>
+            <p:ph idx="1"/>
+          </p:nvPr>
+        </p:nvSpPr>
+        <p:spPr>
+          <a:xfrm>
+            <a:off x="630936" y="2807208"/>
+            <a:ext cx="3429000" cy="3410712"/>
+          </a:xfrm>
+        </p:spPr>
+        <p:txBody>
+          <a:bodyPr anchor="t">
+            <a:normAutofit/>
+          </a:bodyPr>
+          <a:lstStyle/>
+          <a:p>
+            <a:r>
+              <a:rPr lang="en-US" sz="2200" dirty="0"/>
+              <a:t>Large breakout of all sensors to allow for code development on hardware</a:t>
+            </a:r>
+          </a:p>
+          <a:p>
+            <a:r>
+              <a:rPr lang="en-US" sz="2200" dirty="0"/>
+              <a:t>Includes additional debug buttons, LEDs, and jumper configurable connections for testing</a:t>
+            </a:r>
+          </a:p>
+          <a:p>
+            <a:r>
+              <a:rPr lang="en-US" sz="2200" dirty="0"/>
+              <a:t>All extra µC pins expressed to Headers</a:t>
+            </a:r>
+          </a:p>
+        </p:txBody>
+      </p:sp>
+      <p:pic>
+        <p:nvPicPr>
+          <p:cNvPr id="5" name="Picture 4">
+            <a:extLst>
+              <a:ext uri="{FF2B5EF4-FFF2-40B4-BE49-F238E27FC236}">
+                <a16:creationId xmlns:a16="http://schemas.microsoft.com/office/drawing/2014/main" id="{877AEC40-AE84-18CF-D3C4-90FD7527106E}"/>
+              </a:ext>
+            </a:extLst>
+          </p:cNvPr>
+          <p:cNvPicPr>
+            <a:picLocks noChangeAspect="1"/>
+          </p:cNvPicPr>
+          <p:nvPr/>
+        </p:nvPicPr>
+        <p:blipFill>
+          <a:blip r:embed="rId3"/>
+          <a:stretch>
+            <a:fillRect/>
+          </a:stretch>
+        </p:blipFill>
+        <p:spPr>
+          <a:xfrm>
+            <a:off x="4654296" y="1608144"/>
+            <a:ext cx="6903720" cy="3641712"/>
+          </a:xfrm>
+          <a:prstGeom prst="rect">
+            <a:avLst/>
+          </a:prstGeom>
+        </p:spPr>
+      </p:pic>
+    </p:spTree>
+    <p:extLst>
+      <p:ext uri="{BB962C8B-B14F-4D97-AF65-F5344CB8AC3E}">
+        <p14:creationId xmlns:p14="http://schemas.microsoft.com/office/powerpoint/2010/main" val="1477455746"/>
+      </p:ext>
+    </p:extLst>
+  </p:cSld>
+  <p:clrMapOvr>
+    <a:masterClrMapping/>
+  </p:clrMapOvr>
+</p:sld>
+</file>
+
+<file path=ppt/slides/slide15.xml><?xml version="1.0" encoding="utf-8"?>
 <p:sld xmlns:a="http://schemas.openxmlformats.org/drawingml/2006/main" xmlns:r="http://schemas.openxmlformats.org/officeDocument/2006/relationships" xmlns:p="http://schemas.openxmlformats.org/presentationml/2006/main">
   <p:cSld>
     <p:bg>
@@ -8760,7 +11187,7 @@
           <p:cNvPr id="2" name="Title 1">
             <a:extLst>
               <a:ext uri="{FF2B5EF4-FFF2-40B4-BE49-F238E27FC236}">
-                <a16:creationId xmlns:a16="http://schemas.microsoft.com/office/drawing/2014/main" id="{D6F92D42-466E-0E4A-97E5-953C5488CD75}"/>
+                <a16:creationId xmlns:a16="http://schemas.microsoft.com/office/drawing/2014/main" id="{BC39229B-0F8D-F692-ABCF-791419D49A69}"/>
               </a:ext>
             </a:extLst>
           </p:cNvPr>
@@ -8784,8 +11211,8 @@
           <a:lstStyle/>
           <a:p>
             <a:r>
-              <a:rPr lang="en-US" sz="5400"/>
-              <a:t>Approach - Standards</a:t>
+              <a:rPr lang="en-US" sz="5400" dirty="0"/>
+              <a:t>Verification Plan</a:t>
             </a:r>
           </a:p>
         </p:txBody>
@@ -9433,7 +11860,7 @@
           <p:cNvPr id="3" name="Content Placeholder 2">
             <a:extLst>
               <a:ext uri="{FF2B5EF4-FFF2-40B4-BE49-F238E27FC236}">
-                <a16:creationId xmlns:a16="http://schemas.microsoft.com/office/drawing/2014/main" id="{9E17B53A-A252-C319-B23D-F3D4C51B90D2}"/>
+                <a16:creationId xmlns:a16="http://schemas.microsoft.com/office/drawing/2014/main" id="{3F6271E1-7B60-4352-8E96-48BDB05AAE09}"/>
               </a:ext>
             </a:extLst>
           </p:cNvPr>
@@ -9457,44 +11884,108 @@
           <a:lstStyle/>
           <a:p>
             <a:r>
-              <a:rPr lang="en-US" sz="2200" dirty="0"/>
-              <a:t>I2C – Use I2C for barometer</a:t>
+              <a:rPr lang="en-US" sz="2400" dirty="0"/>
+              <a:t>Board Testing</a:t>
             </a:r>
           </a:p>
           <a:p>
+            <a:pPr lvl="1"/>
             <a:r>
-              <a:rPr lang="en-US" sz="2200" dirty="0"/>
-              <a:t>SPI – Use SPI for IMU, Flash, and High G Accelerometer </a:t>
+              <a:rPr lang="en-US" sz="2000" dirty="0"/>
+              <a:t>Power Testing (&lt;250mA at 3.7V)</a:t>
             </a:r>
-            <a:endParaRPr lang="en-US" sz="1800" dirty="0"/>
-          </a:p>
-          <a:p>
+          </a:p>
+          <a:p>
+            <a:pPr lvl="2"/>
             <a:r>
-              <a:rPr lang="en-US" sz="2200" dirty="0"/>
-              <a:t>Wi-Fi – 802.11b/g/n Handled by the ESP32-S3</a:t>
+              <a:rPr lang="en-US" sz="1600" dirty="0"/>
+              <a:t>Test how much power our board will take during load.</a:t>
             </a:r>
           </a:p>
           <a:p>
+            <a:pPr lvl="1"/>
             <a:r>
-              <a:rPr lang="en-US" sz="2200" dirty="0"/>
-              <a:t>No RF certification since ESP32-S3 is already certified.</a:t>
+              <a:rPr lang="en-US" sz="2000" dirty="0"/>
+              <a:t>Sensor Testing</a:t>
             </a:r>
           </a:p>
           <a:p>
+            <a:pPr lvl="2"/>
             <a:r>
-              <a:rPr lang="en-US" sz="2200" dirty="0"/>
-              <a:t>C++ - “The current ISO C++ standard is officially known as ISO International Standard ISO/IEC 14882:2020(E) – Programming Language C++ (International Organization for Standardization).”</a:t>
+              <a:rPr lang="en-US" sz="1600" dirty="0"/>
+              <a:t>Make sure the sensors are talking appropriately to the ESP32.</a:t>
             </a:r>
           </a:p>
           <a:p>
-            <a:endParaRPr lang="en-US" sz="2200" dirty="0"/>
+            <a:r>
+              <a:rPr lang="en-US" sz="2400" dirty="0"/>
+              <a:t>Code Testing</a:t>
+            </a:r>
+          </a:p>
+          <a:p>
+            <a:pPr lvl="1"/>
+            <a:r>
+              <a:rPr lang="en-US" sz="2000" dirty="0" err="1"/>
+              <a:t>WiFi</a:t>
+            </a:r>
+            <a:r>
+              <a:rPr lang="en-US" sz="2000" dirty="0"/>
+              <a:t> Range Testing</a:t>
+            </a:r>
+          </a:p>
+          <a:p>
+            <a:pPr lvl="2"/>
+            <a:r>
+              <a:rPr lang="en-US" sz="1600" dirty="0"/>
+              <a:t>Test Range we can receive from the ESP using </a:t>
+            </a:r>
+            <a:r>
+              <a:rPr lang="en-US" sz="1600" dirty="0" err="1"/>
+              <a:t>WiFi</a:t>
+            </a:r>
+            <a:r>
+              <a:rPr lang="en-US" sz="1600" dirty="0"/>
+              <a:t>.</a:t>
+            </a:r>
+          </a:p>
+          <a:p>
+            <a:pPr lvl="1"/>
+            <a:r>
+              <a:rPr lang="en-US" sz="2000" dirty="0"/>
+              <a:t>Sensor Testing</a:t>
+            </a:r>
+          </a:p>
+          <a:p>
+            <a:pPr lvl="2"/>
+            <a:r>
+              <a:rPr lang="en-US" sz="1600" dirty="0"/>
+              <a:t>Import fake data into sensors to make sure they are processing data correctly</a:t>
+            </a:r>
+            <a:r>
+              <a:rPr lang="en-US" sz="1400" dirty="0"/>
+              <a:t>.</a:t>
+            </a:r>
+          </a:p>
+          <a:p>
+            <a:pPr lvl="1"/>
+            <a:r>
+              <a:rPr lang="en-US" sz="1800" dirty="0"/>
+              <a:t>USB Testing</a:t>
+            </a:r>
+          </a:p>
+          <a:p>
+            <a:pPr lvl="2"/>
+            <a:r>
+              <a:rPr lang="en-US" sz="1400" dirty="0"/>
+              <a:t>Make sure flight data can export via USB-C.</a:t>
+            </a:r>
           </a:p>
         </p:txBody>
       </p:sp>
     </p:spTree>
     <p:extLst>
       <p:ext uri="{BB962C8B-B14F-4D97-AF65-F5344CB8AC3E}">
-        <p14:creationId xmlns:p14="http://schemas.microsoft.com/office/powerpoint/2010/main" val="2036426572"/>
+        <p14:creationId xmlns:p14="http://schemas.microsoft.com/office/powerpoint/2010/main" val="498654753"/>
       </p:ext>
     </p:extLst>
   </p:cSld>
@@ -9504,7 +11995,874 @@
 </p:sld>
 </file>
 
-<file path=ppt/slides/slide14.xml><?xml version="1.0" encoding="utf-8"?>
+<file path=ppt/slides/slide16.xml><?xml version="1.0" encoding="utf-8"?>
+<p:sld xmlns:a="http://schemas.openxmlformats.org/drawingml/2006/main" xmlns:r="http://schemas.openxmlformats.org/officeDocument/2006/relationships" xmlns:p="http://schemas.openxmlformats.org/presentationml/2006/main">
+  <p:cSld>
+    <p:bg>
+      <p:bgPr>
+        <a:solidFill>
+          <a:schemeClr val="bg1"/>
+        </a:solidFill>
+        <a:effectLst/>
+      </p:bgPr>
+    </p:bg>
+    <p:spTree>
+      <p:nvGrpSpPr>
+        <p:cNvPr id="1" name=""/>
+        <p:cNvGrpSpPr/>
+        <p:nvPr/>
+      </p:nvGrpSpPr>
+      <p:grpSpPr>
+        <a:xfrm>
+          <a:off x="0" y="0"/>
+          <a:ext cx="0" cy="0"/>
+          <a:chOff x="0" y="0"/>
+          <a:chExt cx="0" cy="0"/>
+        </a:xfrm>
+      </p:grpSpPr>
+      <p:sp useBgFill="1">
+        <p:nvSpPr>
+          <p:cNvPr id="19" name="Rectangle 18">
+            <a:extLst>
+              <a:ext uri="{FF2B5EF4-FFF2-40B4-BE49-F238E27FC236}">
+                <a16:creationId xmlns:a16="http://schemas.microsoft.com/office/drawing/2014/main" id="{100EDD19-6802-4EC3-95CE-CFFAB042CFD6}"/>
+              </a:ext>
+              <a:ext uri="{C183D7F6-B498-43B3-948B-1728B52AA6E4}">
+                <adec:decorative xmlns:adec="http://schemas.microsoft.com/office/drawing/2017/decorative" val="1"/>
+              </a:ext>
+            </a:extLst>
+          </p:cNvPr>
+          <p:cNvSpPr>
+            <a:spLocks noGrp="1" noRot="1" noChangeAspect="1" noMove="1" noResize="1" noEditPoints="1" noAdjustHandles="1" noChangeArrowheads="1" noChangeShapeType="1" noTextEdit="1"/>
+          </p:cNvSpPr>
+          <p:nvPr>
+            <p:extLst>
+              <p:ext uri="{386F3935-93C4-4BCD-93E2-E3B085C9AB24}">
+                <p16:designElem xmlns:p16="http://schemas.microsoft.com/office/powerpoint/2015/main" val="1"/>
+              </p:ext>
+            </p:extLst>
+          </p:nvPr>
+        </p:nvSpPr>
+        <p:spPr>
+          <a:xfrm>
+            <a:off x="0" y="0"/>
+            <a:ext cx="12188952" cy="6858000"/>
+          </a:xfrm>
+          <a:prstGeom prst="rect">
+            <a:avLst/>
+          </a:prstGeom>
+          <a:ln>
+            <a:noFill/>
+          </a:ln>
+        </p:spPr>
+        <p:style>
+          <a:lnRef idx="2">
+            <a:schemeClr val="accent1">
+              <a:shade val="50000"/>
+            </a:schemeClr>
+          </a:lnRef>
+          <a:fillRef idx="1">
+            <a:schemeClr val="accent1"/>
+          </a:fillRef>
+          <a:effectRef idx="0">
+            <a:schemeClr val="accent1"/>
+          </a:effectRef>
+          <a:fontRef idx="minor">
+            <a:schemeClr val="lt1"/>
+          </a:fontRef>
+        </p:style>
+        <p:txBody>
+          <a:bodyPr rtlCol="0" anchor="ctr"/>
+          <a:lstStyle/>
+          <a:p>
+            <a:pPr algn="ctr"/>
+            <a:endParaRPr lang="en-US"/>
+          </a:p>
+        </p:txBody>
+      </p:sp>
+      <p:sp>
+        <p:nvSpPr>
+          <p:cNvPr id="2" name="Title 1">
+            <a:extLst>
+              <a:ext uri="{FF2B5EF4-FFF2-40B4-BE49-F238E27FC236}">
+                <a16:creationId xmlns:a16="http://schemas.microsoft.com/office/drawing/2014/main" id="{2C307065-32DC-739E-03E0-40E8F07AEDED}"/>
+              </a:ext>
+            </a:extLst>
+          </p:cNvPr>
+          <p:cNvSpPr>
+            <a:spLocks noGrp="1"/>
+          </p:cNvSpPr>
+          <p:nvPr>
+            <p:ph type="title"/>
+          </p:nvPr>
+        </p:nvSpPr>
+        <p:spPr>
+          <a:xfrm>
+            <a:off x="838200" y="365125"/>
+            <a:ext cx="10515600" cy="1325563"/>
+          </a:xfrm>
+        </p:spPr>
+        <p:txBody>
+          <a:bodyPr>
+            <a:normAutofit/>
+          </a:bodyPr>
+          <a:lstStyle/>
+          <a:p>
+            <a:r>
+              <a:rPr lang="en-US" sz="5400"/>
+              <a:t>Budget</a:t>
+            </a:r>
+          </a:p>
+        </p:txBody>
+      </p:sp>
+      <p:sp>
+        <p:nvSpPr>
+          <p:cNvPr id="20" name="sketch line">
+            <a:extLst>
+              <a:ext uri="{FF2B5EF4-FFF2-40B4-BE49-F238E27FC236}">
+                <a16:creationId xmlns:a16="http://schemas.microsoft.com/office/drawing/2014/main" id="{DB17E863-922E-4C26-BD64-E8FD41D28661}"/>
+              </a:ext>
+              <a:ext uri="{C183D7F6-B498-43B3-948B-1728B52AA6E4}">
+                <adec:decorative xmlns:adec="http://schemas.microsoft.com/office/drawing/2017/decorative" val="1"/>
+              </a:ext>
+            </a:extLst>
+          </p:cNvPr>
+          <p:cNvSpPr>
+            <a:spLocks noGrp="1" noRot="1" noChangeAspect="1" noMove="1" noResize="1" noEditPoints="1" noAdjustHandles="1" noChangeArrowheads="1" noChangeShapeType="1" noTextEdit="1"/>
+          </p:cNvSpPr>
+          <p:nvPr>
+            <p:extLst>
+              <p:ext uri="{386F3935-93C4-4BCD-93E2-E3B085C9AB24}">
+                <p16:designElem xmlns:p16="http://schemas.microsoft.com/office/powerpoint/2015/main" val="1"/>
+              </p:ext>
+            </p:extLst>
+          </p:nvPr>
+        </p:nvSpPr>
+        <p:spPr>
+          <a:xfrm>
+            <a:off x="669036" y="1677373"/>
+            <a:ext cx="10853928" cy="18288"/>
+          </a:xfrm>
+          <a:custGeom>
+            <a:avLst/>
+            <a:gdLst>
+              <a:gd name="connsiteX0" fmla="*/ 0 w 10853928"/>
+              <a:gd name="connsiteY0" fmla="*/ 0 h 18288"/>
+              <a:gd name="connsiteX1" fmla="*/ 461292 w 10853928"/>
+              <a:gd name="connsiteY1" fmla="*/ 0 h 18288"/>
+              <a:gd name="connsiteX2" fmla="*/ 1139662 w 10853928"/>
+              <a:gd name="connsiteY2" fmla="*/ 0 h 18288"/>
+              <a:gd name="connsiteX3" fmla="*/ 1926572 w 10853928"/>
+              <a:gd name="connsiteY3" fmla="*/ 0 h 18288"/>
+              <a:gd name="connsiteX4" fmla="*/ 2279325 w 10853928"/>
+              <a:gd name="connsiteY4" fmla="*/ 0 h 18288"/>
+              <a:gd name="connsiteX5" fmla="*/ 2632078 w 10853928"/>
+              <a:gd name="connsiteY5" fmla="*/ 0 h 18288"/>
+              <a:gd name="connsiteX6" fmla="*/ 3527527 w 10853928"/>
+              <a:gd name="connsiteY6" fmla="*/ 0 h 18288"/>
+              <a:gd name="connsiteX7" fmla="*/ 4205897 w 10853928"/>
+              <a:gd name="connsiteY7" fmla="*/ 0 h 18288"/>
+              <a:gd name="connsiteX8" fmla="*/ 4558650 w 10853928"/>
+              <a:gd name="connsiteY8" fmla="*/ 0 h 18288"/>
+              <a:gd name="connsiteX9" fmla="*/ 5237020 w 10853928"/>
+              <a:gd name="connsiteY9" fmla="*/ 0 h 18288"/>
+              <a:gd name="connsiteX10" fmla="*/ 6132469 w 10853928"/>
+              <a:gd name="connsiteY10" fmla="*/ 0 h 18288"/>
+              <a:gd name="connsiteX11" fmla="*/ 6702301 w 10853928"/>
+              <a:gd name="connsiteY11" fmla="*/ 0 h 18288"/>
+              <a:gd name="connsiteX12" fmla="*/ 7272132 w 10853928"/>
+              <a:gd name="connsiteY12" fmla="*/ 0 h 18288"/>
+              <a:gd name="connsiteX13" fmla="*/ 7950502 w 10853928"/>
+              <a:gd name="connsiteY13" fmla="*/ 0 h 18288"/>
+              <a:gd name="connsiteX14" fmla="*/ 8737412 w 10853928"/>
+              <a:gd name="connsiteY14" fmla="*/ 0 h 18288"/>
+              <a:gd name="connsiteX15" fmla="*/ 9524322 w 10853928"/>
+              <a:gd name="connsiteY15" fmla="*/ 0 h 18288"/>
+              <a:gd name="connsiteX16" fmla="*/ 10853928 w 10853928"/>
+              <a:gd name="connsiteY16" fmla="*/ 0 h 18288"/>
+              <a:gd name="connsiteX17" fmla="*/ 10853928 w 10853928"/>
+              <a:gd name="connsiteY17" fmla="*/ 18288 h 18288"/>
+              <a:gd name="connsiteX18" fmla="*/ 10392636 w 10853928"/>
+              <a:gd name="connsiteY18" fmla="*/ 18288 h 18288"/>
+              <a:gd name="connsiteX19" fmla="*/ 9497187 w 10853928"/>
+              <a:gd name="connsiteY19" fmla="*/ 18288 h 18288"/>
+              <a:gd name="connsiteX20" fmla="*/ 8818817 w 10853928"/>
+              <a:gd name="connsiteY20" fmla="*/ 18288 h 18288"/>
+              <a:gd name="connsiteX21" fmla="*/ 8466064 w 10853928"/>
+              <a:gd name="connsiteY21" fmla="*/ 18288 h 18288"/>
+              <a:gd name="connsiteX22" fmla="*/ 7787693 w 10853928"/>
+              <a:gd name="connsiteY22" fmla="*/ 18288 h 18288"/>
+              <a:gd name="connsiteX23" fmla="*/ 7217862 w 10853928"/>
+              <a:gd name="connsiteY23" fmla="*/ 18288 h 18288"/>
+              <a:gd name="connsiteX24" fmla="*/ 6648031 w 10853928"/>
+              <a:gd name="connsiteY24" fmla="*/ 18288 h 18288"/>
+              <a:gd name="connsiteX25" fmla="*/ 6078200 w 10853928"/>
+              <a:gd name="connsiteY25" fmla="*/ 18288 h 18288"/>
+              <a:gd name="connsiteX26" fmla="*/ 5508368 w 10853928"/>
+              <a:gd name="connsiteY26" fmla="*/ 18288 h 18288"/>
+              <a:gd name="connsiteX27" fmla="*/ 4721459 w 10853928"/>
+              <a:gd name="connsiteY27" fmla="*/ 18288 h 18288"/>
+              <a:gd name="connsiteX28" fmla="*/ 4043088 w 10853928"/>
+              <a:gd name="connsiteY28" fmla="*/ 18288 h 18288"/>
+              <a:gd name="connsiteX29" fmla="*/ 3690336 w 10853928"/>
+              <a:gd name="connsiteY29" fmla="*/ 18288 h 18288"/>
+              <a:gd name="connsiteX30" fmla="*/ 3120504 w 10853928"/>
+              <a:gd name="connsiteY30" fmla="*/ 18288 h 18288"/>
+              <a:gd name="connsiteX31" fmla="*/ 2333595 w 10853928"/>
+              <a:gd name="connsiteY31" fmla="*/ 18288 h 18288"/>
+              <a:gd name="connsiteX32" fmla="*/ 1872303 w 10853928"/>
+              <a:gd name="connsiteY32" fmla="*/ 18288 h 18288"/>
+              <a:gd name="connsiteX33" fmla="*/ 976854 w 10853928"/>
+              <a:gd name="connsiteY33" fmla="*/ 18288 h 18288"/>
+              <a:gd name="connsiteX34" fmla="*/ 0 w 10853928"/>
+              <a:gd name="connsiteY34" fmla="*/ 18288 h 18288"/>
+              <a:gd name="connsiteX35" fmla="*/ 0 w 10853928"/>
+              <a:gd name="connsiteY35" fmla="*/ 0 h 18288"/>
+            </a:gdLst>
+            <a:ahLst/>
+            <a:cxnLst>
+              <a:cxn ang="0">
+                <a:pos x="connsiteX0" y="connsiteY0"/>
+              </a:cxn>
+              <a:cxn ang="0">
+                <a:pos x="connsiteX1" y="connsiteY1"/>
+              </a:cxn>
+              <a:cxn ang="0">
+                <a:pos x="connsiteX2" y="connsiteY2"/>
+              </a:cxn>
+              <a:cxn ang="0">
+                <a:pos x="connsiteX3" y="connsiteY3"/>
+              </a:cxn>
+              <a:cxn ang="0">
+                <a:pos x="connsiteX4" y="connsiteY4"/>
+              </a:cxn>
+              <a:cxn ang="0">
+                <a:pos x="connsiteX5" y="connsiteY5"/>
+              </a:cxn>
+              <a:cxn ang="0">
+                <a:pos x="connsiteX6" y="connsiteY6"/>
+              </a:cxn>
+              <a:cxn ang="0">
+                <a:pos x="connsiteX7" y="connsiteY7"/>
+              </a:cxn>
+              <a:cxn ang="0">
+                <a:pos x="connsiteX8" y="connsiteY8"/>
+              </a:cxn>
+              <a:cxn ang="0">
+                <a:pos x="connsiteX9" y="connsiteY9"/>
+              </a:cxn>
+              <a:cxn ang="0">
+                <a:pos x="connsiteX10" y="connsiteY10"/>
+              </a:cxn>
+              <a:cxn ang="0">
+                <a:pos x="connsiteX11" y="connsiteY11"/>
+              </a:cxn>
+              <a:cxn ang="0">
+                <a:pos x="connsiteX12" y="connsiteY12"/>
+              </a:cxn>
+              <a:cxn ang="0">
+                <a:pos x="connsiteX13" y="connsiteY13"/>
+              </a:cxn>
+              <a:cxn ang="0">
+                <a:pos x="connsiteX14" y="connsiteY14"/>
+              </a:cxn>
+              <a:cxn ang="0">
+                <a:pos x="connsiteX15" y="connsiteY15"/>
+              </a:cxn>
+              <a:cxn ang="0">
+                <a:pos x="connsiteX16" y="connsiteY16"/>
+              </a:cxn>
+              <a:cxn ang="0">
+                <a:pos x="connsiteX17" y="connsiteY17"/>
+              </a:cxn>
+              <a:cxn ang="0">
+                <a:pos x="connsiteX18" y="connsiteY18"/>
+              </a:cxn>
+              <a:cxn ang="0">
+                <a:pos x="connsiteX19" y="connsiteY19"/>
+              </a:cxn>
+              <a:cxn ang="0">
+                <a:pos x="connsiteX20" y="connsiteY20"/>
+              </a:cxn>
+              <a:cxn ang="0">
+                <a:pos x="connsiteX21" y="connsiteY21"/>
+              </a:cxn>
+              <a:cxn ang="0">
+                <a:pos x="connsiteX22" y="connsiteY22"/>
+              </a:cxn>
+              <a:cxn ang="0">
+                <a:pos x="connsiteX23" y="connsiteY23"/>
+              </a:cxn>
+              <a:cxn ang="0">
+                <a:pos x="connsiteX24" y="connsiteY24"/>
+              </a:cxn>
+              <a:cxn ang="0">
+                <a:pos x="connsiteX25" y="connsiteY25"/>
+              </a:cxn>
+              <a:cxn ang="0">
+                <a:pos x="connsiteX26" y="connsiteY26"/>
+              </a:cxn>
+              <a:cxn ang="0">
+                <a:pos x="connsiteX27" y="connsiteY27"/>
+              </a:cxn>
+              <a:cxn ang="0">
+                <a:pos x="connsiteX28" y="connsiteY28"/>
+              </a:cxn>
+              <a:cxn ang="0">
+                <a:pos x="connsiteX29" y="connsiteY29"/>
+              </a:cxn>
+              <a:cxn ang="0">
+                <a:pos x="connsiteX30" y="connsiteY30"/>
+              </a:cxn>
+              <a:cxn ang="0">
+                <a:pos x="connsiteX31" y="connsiteY31"/>
+              </a:cxn>
+              <a:cxn ang="0">
+                <a:pos x="connsiteX32" y="connsiteY32"/>
+              </a:cxn>
+              <a:cxn ang="0">
+                <a:pos x="connsiteX33" y="connsiteY33"/>
+              </a:cxn>
+              <a:cxn ang="0">
+                <a:pos x="connsiteX34" y="connsiteY34"/>
+              </a:cxn>
+              <a:cxn ang="0">
+                <a:pos x="connsiteX35" y="connsiteY35"/>
+              </a:cxn>
+            </a:cxnLst>
+            <a:rect l="l" t="t" r="r" b="b"/>
+            <a:pathLst>
+              <a:path w="10853928" h="18288" fill="none" extrusionOk="0">
+                <a:moveTo>
+                  <a:pt x="0" y="0"/>
+                </a:moveTo>
+                <a:cubicBezTo>
+                  <a:pt x="146993" y="-19076"/>
+                  <a:pt x="347684" y="-4790"/>
+                  <a:pt x="461292" y="0"/>
+                </a:cubicBezTo>
+                <a:cubicBezTo>
+                  <a:pt x="574900" y="4790"/>
+                  <a:pt x="808367" y="19821"/>
+                  <a:pt x="1139662" y="0"/>
+                </a:cubicBezTo>
+                <a:cubicBezTo>
+                  <a:pt x="1470957" y="-19821"/>
+                  <a:pt x="1627405" y="5721"/>
+                  <a:pt x="1926572" y="0"/>
+                </a:cubicBezTo>
+                <a:cubicBezTo>
+                  <a:pt x="2225739" y="-5721"/>
+                  <a:pt x="2137730" y="-3235"/>
+                  <a:pt x="2279325" y="0"/>
+                </a:cubicBezTo>
+                <a:cubicBezTo>
+                  <a:pt x="2420920" y="3235"/>
+                  <a:pt x="2456518" y="9685"/>
+                  <a:pt x="2632078" y="0"/>
+                </a:cubicBezTo>
+                <a:cubicBezTo>
+                  <a:pt x="2807638" y="-9685"/>
+                  <a:pt x="3211516" y="-43007"/>
+                  <a:pt x="3527527" y="0"/>
+                </a:cubicBezTo>
+                <a:cubicBezTo>
+                  <a:pt x="3843538" y="43007"/>
+                  <a:pt x="4058833" y="22042"/>
+                  <a:pt x="4205897" y="0"/>
+                </a:cubicBezTo>
+                <a:cubicBezTo>
+                  <a:pt x="4352961" y="-22042"/>
+                  <a:pt x="4474805" y="-11846"/>
+                  <a:pt x="4558650" y="0"/>
+                </a:cubicBezTo>
+                <a:cubicBezTo>
+                  <a:pt x="4642495" y="11846"/>
+                  <a:pt x="5041928" y="-6069"/>
+                  <a:pt x="5237020" y="0"/>
+                </a:cubicBezTo>
+                <a:cubicBezTo>
+                  <a:pt x="5432112" y="6069"/>
+                  <a:pt x="5943266" y="-17479"/>
+                  <a:pt x="6132469" y="0"/>
+                </a:cubicBezTo>
+                <a:cubicBezTo>
+                  <a:pt x="6321672" y="17479"/>
+                  <a:pt x="6483872" y="26234"/>
+                  <a:pt x="6702301" y="0"/>
+                </a:cubicBezTo>
+                <a:cubicBezTo>
+                  <a:pt x="6920730" y="-26234"/>
+                  <a:pt x="6991194" y="-15156"/>
+                  <a:pt x="7272132" y="0"/>
+                </a:cubicBezTo>
+                <a:cubicBezTo>
+                  <a:pt x="7553070" y="15156"/>
+                  <a:pt x="7684444" y="-32961"/>
+                  <a:pt x="7950502" y="0"/>
+                </a:cubicBezTo>
+                <a:cubicBezTo>
+                  <a:pt x="8216560" y="32961"/>
+                  <a:pt x="8493290" y="-10491"/>
+                  <a:pt x="8737412" y="0"/>
+                </a:cubicBezTo>
+                <a:cubicBezTo>
+                  <a:pt x="8981534" y="10491"/>
+                  <a:pt x="9191586" y="-13899"/>
+                  <a:pt x="9524322" y="0"/>
+                </a:cubicBezTo>
+                <a:cubicBezTo>
+                  <a:pt x="9857058" y="13899"/>
+                  <a:pt x="10297509" y="7485"/>
+                  <a:pt x="10853928" y="0"/>
+                </a:cubicBezTo>
+                <a:cubicBezTo>
+                  <a:pt x="10854574" y="4451"/>
+                  <a:pt x="10854418" y="9226"/>
+                  <a:pt x="10853928" y="18288"/>
+                </a:cubicBezTo>
+                <a:cubicBezTo>
+                  <a:pt x="10691638" y="28522"/>
+                  <a:pt x="10574319" y="29578"/>
+                  <a:pt x="10392636" y="18288"/>
+                </a:cubicBezTo>
+                <a:cubicBezTo>
+                  <a:pt x="10210953" y="6998"/>
+                  <a:pt x="9836277" y="-16742"/>
+                  <a:pt x="9497187" y="18288"/>
+                </a:cubicBezTo>
+                <a:cubicBezTo>
+                  <a:pt x="9158097" y="53318"/>
+                  <a:pt x="9119479" y="30714"/>
+                  <a:pt x="8818817" y="18288"/>
+                </a:cubicBezTo>
+                <a:cubicBezTo>
+                  <a:pt x="8518155" y="5863"/>
+                  <a:pt x="8640037" y="6483"/>
+                  <a:pt x="8466064" y="18288"/>
+                </a:cubicBezTo>
+                <a:cubicBezTo>
+                  <a:pt x="8292091" y="30093"/>
+                  <a:pt x="7997656" y="18914"/>
+                  <a:pt x="7787693" y="18288"/>
+                </a:cubicBezTo>
+                <a:cubicBezTo>
+                  <a:pt x="7577730" y="17662"/>
+                  <a:pt x="7412468" y="21416"/>
+                  <a:pt x="7217862" y="18288"/>
+                </a:cubicBezTo>
+                <a:cubicBezTo>
+                  <a:pt x="7023256" y="15160"/>
+                  <a:pt x="6898018" y="14824"/>
+                  <a:pt x="6648031" y="18288"/>
+                </a:cubicBezTo>
+                <a:cubicBezTo>
+                  <a:pt x="6398044" y="21752"/>
+                  <a:pt x="6254402" y="38625"/>
+                  <a:pt x="6078200" y="18288"/>
+                </a:cubicBezTo>
+                <a:cubicBezTo>
+                  <a:pt x="5901998" y="-2049"/>
+                  <a:pt x="5622886" y="3213"/>
+                  <a:pt x="5508368" y="18288"/>
+                </a:cubicBezTo>
+                <a:cubicBezTo>
+                  <a:pt x="5393850" y="33363"/>
+                  <a:pt x="5036260" y="26830"/>
+                  <a:pt x="4721459" y="18288"/>
+                </a:cubicBezTo>
+                <a:cubicBezTo>
+                  <a:pt x="4406658" y="9746"/>
+                  <a:pt x="4239221" y="41551"/>
+                  <a:pt x="4043088" y="18288"/>
+                </a:cubicBezTo>
+                <a:cubicBezTo>
+                  <a:pt x="3846955" y="-4975"/>
+                  <a:pt x="3818802" y="34658"/>
+                  <a:pt x="3690336" y="18288"/>
+                </a:cubicBezTo>
+                <a:cubicBezTo>
+                  <a:pt x="3561870" y="1918"/>
+                  <a:pt x="3265491" y="42194"/>
+                  <a:pt x="3120504" y="18288"/>
+                </a:cubicBezTo>
+                <a:cubicBezTo>
+                  <a:pt x="2975517" y="-5618"/>
+                  <a:pt x="2720254" y="36673"/>
+                  <a:pt x="2333595" y="18288"/>
+                </a:cubicBezTo>
+                <a:cubicBezTo>
+                  <a:pt x="1946936" y="-97"/>
+                  <a:pt x="2097241" y="5776"/>
+                  <a:pt x="1872303" y="18288"/>
+                </a:cubicBezTo>
+                <a:cubicBezTo>
+                  <a:pt x="1647365" y="30800"/>
+                  <a:pt x="1282708" y="45380"/>
+                  <a:pt x="976854" y="18288"/>
+                </a:cubicBezTo>
+                <a:cubicBezTo>
+                  <a:pt x="671000" y="-8804"/>
+                  <a:pt x="408401" y="-12775"/>
+                  <a:pt x="0" y="18288"/>
+                </a:cubicBezTo>
+                <a:cubicBezTo>
+                  <a:pt x="-213" y="9468"/>
+                  <a:pt x="187" y="4459"/>
+                  <a:pt x="0" y="0"/>
+                </a:cubicBezTo>
+                <a:close/>
+              </a:path>
+              <a:path w="10853928" h="18288" stroke="0" extrusionOk="0">
+                <a:moveTo>
+                  <a:pt x="0" y="0"/>
+                </a:moveTo>
+                <a:cubicBezTo>
+                  <a:pt x="267322" y="15284"/>
+                  <a:pt x="415388" y="-21048"/>
+                  <a:pt x="569831" y="0"/>
+                </a:cubicBezTo>
+                <a:cubicBezTo>
+                  <a:pt x="724274" y="21048"/>
+                  <a:pt x="769333" y="-2353"/>
+                  <a:pt x="922584" y="0"/>
+                </a:cubicBezTo>
+                <a:cubicBezTo>
+                  <a:pt x="1075835" y="2353"/>
+                  <a:pt x="1399490" y="-145"/>
+                  <a:pt x="1818033" y="0"/>
+                </a:cubicBezTo>
+                <a:cubicBezTo>
+                  <a:pt x="2236576" y="145"/>
+                  <a:pt x="2145330" y="5482"/>
+                  <a:pt x="2387864" y="0"/>
+                </a:cubicBezTo>
+                <a:cubicBezTo>
+                  <a:pt x="2630398" y="-5482"/>
+                  <a:pt x="2793207" y="18487"/>
+                  <a:pt x="2957695" y="0"/>
+                </a:cubicBezTo>
+                <a:cubicBezTo>
+                  <a:pt x="3122183" y="-18487"/>
+                  <a:pt x="3579141" y="19003"/>
+                  <a:pt x="3853144" y="0"/>
+                </a:cubicBezTo>
+                <a:cubicBezTo>
+                  <a:pt x="4127147" y="-19003"/>
+                  <a:pt x="4209857" y="12211"/>
+                  <a:pt x="4314436" y="0"/>
+                </a:cubicBezTo>
+                <a:cubicBezTo>
+                  <a:pt x="4419015" y="-12211"/>
+                  <a:pt x="4762459" y="-17220"/>
+                  <a:pt x="5209885" y="0"/>
+                </a:cubicBezTo>
+                <a:cubicBezTo>
+                  <a:pt x="5657311" y="17220"/>
+                  <a:pt x="5692663" y="-3290"/>
+                  <a:pt x="6105335" y="0"/>
+                </a:cubicBezTo>
+                <a:cubicBezTo>
+                  <a:pt x="6518007" y="3290"/>
+                  <a:pt x="6455516" y="-5124"/>
+                  <a:pt x="6783705" y="0"/>
+                </a:cubicBezTo>
+                <a:cubicBezTo>
+                  <a:pt x="7111894" y="5124"/>
+                  <a:pt x="7441941" y="-17829"/>
+                  <a:pt x="7679154" y="0"/>
+                </a:cubicBezTo>
+                <a:cubicBezTo>
+                  <a:pt x="7916367" y="17829"/>
+                  <a:pt x="8102967" y="-24363"/>
+                  <a:pt x="8248985" y="0"/>
+                </a:cubicBezTo>
+                <a:cubicBezTo>
+                  <a:pt x="8395003" y="24363"/>
+                  <a:pt x="8552393" y="25505"/>
+                  <a:pt x="8818817" y="0"/>
+                </a:cubicBezTo>
+                <a:cubicBezTo>
+                  <a:pt x="9085241" y="-25505"/>
+                  <a:pt x="9411308" y="38000"/>
+                  <a:pt x="9605726" y="0"/>
+                </a:cubicBezTo>
+                <a:cubicBezTo>
+                  <a:pt x="9800144" y="-38000"/>
+                  <a:pt x="10006468" y="-25741"/>
+                  <a:pt x="10175558" y="0"/>
+                </a:cubicBezTo>
+                <a:cubicBezTo>
+                  <a:pt x="10344648" y="25741"/>
+                  <a:pt x="10696282" y="695"/>
+                  <a:pt x="10853928" y="0"/>
+                </a:cubicBezTo>
+                <a:cubicBezTo>
+                  <a:pt x="10853521" y="8690"/>
+                  <a:pt x="10853774" y="14141"/>
+                  <a:pt x="10853928" y="18288"/>
+                </a:cubicBezTo>
+                <a:cubicBezTo>
+                  <a:pt x="10608124" y="24255"/>
+                  <a:pt x="10343415" y="22307"/>
+                  <a:pt x="10067018" y="18288"/>
+                </a:cubicBezTo>
+                <a:cubicBezTo>
+                  <a:pt x="9790621" y="14270"/>
+                  <a:pt x="9843266" y="3564"/>
+                  <a:pt x="9714266" y="18288"/>
+                </a:cubicBezTo>
+                <a:cubicBezTo>
+                  <a:pt x="9585266" y="33012"/>
+                  <a:pt x="9379484" y="1875"/>
+                  <a:pt x="9252974" y="18288"/>
+                </a:cubicBezTo>
+                <a:cubicBezTo>
+                  <a:pt x="9126464" y="34701"/>
+                  <a:pt x="8580678" y="-4904"/>
+                  <a:pt x="8357525" y="18288"/>
+                </a:cubicBezTo>
+                <a:cubicBezTo>
+                  <a:pt x="8134372" y="41480"/>
+                  <a:pt x="7903199" y="26458"/>
+                  <a:pt x="7679154" y="18288"/>
+                </a:cubicBezTo>
+                <a:cubicBezTo>
+                  <a:pt x="7455109" y="10118"/>
+                  <a:pt x="7435944" y="27109"/>
+                  <a:pt x="7217862" y="18288"/>
+                </a:cubicBezTo>
+                <a:cubicBezTo>
+                  <a:pt x="6999780" y="9467"/>
+                  <a:pt x="6680409" y="18985"/>
+                  <a:pt x="6539492" y="18288"/>
+                </a:cubicBezTo>
+                <a:cubicBezTo>
+                  <a:pt x="6398575" y="17592"/>
+                  <a:pt x="6312077" y="33018"/>
+                  <a:pt x="6186739" y="18288"/>
+                </a:cubicBezTo>
+                <a:cubicBezTo>
+                  <a:pt x="6061401" y="3558"/>
+                  <a:pt x="5947033" y="12075"/>
+                  <a:pt x="5833986" y="18288"/>
+                </a:cubicBezTo>
+                <a:cubicBezTo>
+                  <a:pt x="5720939" y="24501"/>
+                  <a:pt x="5482226" y="8586"/>
+                  <a:pt x="5155616" y="18288"/>
+                </a:cubicBezTo>
+                <a:cubicBezTo>
+                  <a:pt x="4829006" y="27991"/>
+                  <a:pt x="4841274" y="29316"/>
+                  <a:pt x="4694324" y="18288"/>
+                </a:cubicBezTo>
+                <a:cubicBezTo>
+                  <a:pt x="4547374" y="7260"/>
+                  <a:pt x="4077675" y="7013"/>
+                  <a:pt x="3907414" y="18288"/>
+                </a:cubicBezTo>
+                <a:cubicBezTo>
+                  <a:pt x="3737153" y="29564"/>
+                  <a:pt x="3538393" y="21630"/>
+                  <a:pt x="3446122" y="18288"/>
+                </a:cubicBezTo>
+                <a:cubicBezTo>
+                  <a:pt x="3353851" y="14946"/>
+                  <a:pt x="2990320" y="-8091"/>
+                  <a:pt x="2659212" y="18288"/>
+                </a:cubicBezTo>
+                <a:cubicBezTo>
+                  <a:pt x="2328104" y="44667"/>
+                  <a:pt x="2427653" y="9607"/>
+                  <a:pt x="2306460" y="18288"/>
+                </a:cubicBezTo>
+                <a:cubicBezTo>
+                  <a:pt x="2185267" y="26969"/>
+                  <a:pt x="1719763" y="3717"/>
+                  <a:pt x="1519550" y="18288"/>
+                </a:cubicBezTo>
+                <a:cubicBezTo>
+                  <a:pt x="1319337" y="32860"/>
+                  <a:pt x="1167371" y="17040"/>
+                  <a:pt x="1058258" y="18288"/>
+                </a:cubicBezTo>
+                <a:cubicBezTo>
+                  <a:pt x="949145" y="19536"/>
+                  <a:pt x="780234" y="31447"/>
+                  <a:pt x="705505" y="18288"/>
+                </a:cubicBezTo>
+                <a:cubicBezTo>
+                  <a:pt x="630776" y="5129"/>
+                  <a:pt x="215796" y="30056"/>
+                  <a:pt x="0" y="18288"/>
+                </a:cubicBezTo>
+                <a:cubicBezTo>
+                  <a:pt x="-53" y="11301"/>
+                  <a:pt x="-649" y="7756"/>
+                  <a:pt x="0" y="0"/>
+                </a:cubicBezTo>
+                <a:close/>
+              </a:path>
+            </a:pathLst>
+          </a:custGeom>
+          <a:solidFill>
+            <a:schemeClr val="accent2"/>
+          </a:solidFill>
+          <a:ln w="41275" cap="rnd">
+            <a:solidFill>
+              <a:schemeClr val="accent2"/>
+            </a:solidFill>
+            <a:round/>
+            <a:extLst>
+              <a:ext uri="{C807C97D-BFC1-408E-A445-0C87EB9F89A2}">
+                <ask:lineSketchStyleProps xmlns:ask="http://schemas.microsoft.com/office/drawing/2018/sketchyshapes" sd="1219033472">
+                  <a:prstGeom prst="rect">
+                    <a:avLst/>
+                  </a:prstGeom>
+                  <ask:type>
+                    <ask:lineSketchFreehand/>
+                  </ask:type>
+                </ask:lineSketchStyleProps>
+              </a:ext>
+            </a:extLst>
+          </a:ln>
+        </p:spPr>
+        <p:style>
+          <a:lnRef idx="2">
+            <a:schemeClr val="accent1">
+              <a:shade val="50000"/>
+            </a:schemeClr>
+          </a:lnRef>
+          <a:fillRef idx="1">
+            <a:schemeClr val="accent1"/>
+          </a:fillRef>
+          <a:effectRef idx="0">
+            <a:schemeClr val="accent1"/>
+          </a:effectRef>
+          <a:fontRef idx="minor">
+            <a:schemeClr val="lt1"/>
+          </a:fontRef>
+        </p:style>
+        <p:txBody>
+          <a:bodyPr rtlCol="0" anchor="ctr"/>
+          <a:lstStyle/>
+          <a:p>
+            <a:pPr algn="ctr"/>
+            <a:endParaRPr lang="en-US"/>
+          </a:p>
+        </p:txBody>
+      </p:sp>
+      <p:sp>
+        <p:nvSpPr>
+          <p:cNvPr id="3" name="Content Placeholder 2">
+            <a:extLst>
+              <a:ext uri="{FF2B5EF4-FFF2-40B4-BE49-F238E27FC236}">
+                <a16:creationId xmlns:a16="http://schemas.microsoft.com/office/drawing/2014/main" id="{92294596-B68B-CE2F-E35F-9213150999E0}"/>
+              </a:ext>
+            </a:extLst>
+          </p:cNvPr>
+          <p:cNvSpPr>
+            <a:spLocks noGrp="1"/>
+          </p:cNvSpPr>
+          <p:nvPr>
+            <p:ph idx="1"/>
+          </p:nvPr>
+        </p:nvSpPr>
+        <p:spPr>
+          <a:xfrm>
+            <a:off x="838200" y="1929384"/>
+            <a:ext cx="10515600" cy="4251960"/>
+          </a:xfrm>
+        </p:spPr>
+        <p:txBody>
+          <a:bodyPr>
+            <a:normAutofit/>
+          </a:bodyPr>
+          <a:lstStyle/>
+          <a:p>
+            <a:r>
+              <a:rPr lang="en-US" sz="2200" dirty="0"/>
+              <a:t>Digi-Key Order: $42.49</a:t>
+            </a:r>
+          </a:p>
+          <a:p>
+            <a:pPr lvl="1"/>
+            <a:r>
+              <a:rPr lang="en-US" sz="1800" dirty="0"/>
+              <a:t>2 IMU – $29.46</a:t>
+            </a:r>
+          </a:p>
+          <a:p>
+            <a:pPr lvl="1"/>
+            <a:r>
+              <a:rPr lang="en-US" sz="1800" dirty="0"/>
+              <a:t>2 6-Pin Screw Terminal - $3.98</a:t>
+            </a:r>
+          </a:p>
+          <a:p>
+            <a:pPr lvl="1"/>
+            <a:r>
+              <a:rPr lang="en-US" sz="1800" dirty="0"/>
+              <a:t>2 2-Pin Screw Terminal - $2.06</a:t>
+            </a:r>
+          </a:p>
+          <a:p>
+            <a:pPr lvl="1"/>
+            <a:r>
+              <a:rPr lang="en-US" sz="1800" dirty="0"/>
+              <a:t>Shipping - $6.99</a:t>
+            </a:r>
+          </a:p>
+          <a:p>
+            <a:r>
+              <a:rPr lang="en-US" sz="2200" dirty="0"/>
+              <a:t>JLCPCB &amp; Assembly: $124.82</a:t>
+            </a:r>
+          </a:p>
+          <a:p>
+            <a:r>
+              <a:rPr lang="en-US" sz="2200" dirty="0"/>
+              <a:t>Parts on Hand</a:t>
+            </a:r>
+            <a:endParaRPr lang="en-US" sz="1800" dirty="0"/>
+          </a:p>
+          <a:p>
+            <a:pPr lvl="1"/>
+            <a:r>
+              <a:rPr lang="en-US" sz="1800" dirty="0"/>
+              <a:t>2 ESP32-S3-WROOM-1-N8</a:t>
+            </a:r>
+          </a:p>
+          <a:p>
+            <a:pPr lvl="1"/>
+            <a:r>
+              <a:rPr lang="en-US" sz="1800" dirty="0"/>
+              <a:t>2 USB-C Connectors</a:t>
+            </a:r>
+          </a:p>
+          <a:p>
+            <a:r>
+              <a:rPr lang="en-US" sz="2200" dirty="0"/>
+              <a:t>Price for 5 boards (2 assembled) ~ $165</a:t>
+            </a:r>
+          </a:p>
+        </p:txBody>
+      </p:sp>
+    </p:spTree>
+    <p:extLst>
+      <p:ext uri="{BB962C8B-B14F-4D97-AF65-F5344CB8AC3E}">
+        <p14:creationId xmlns:p14="http://schemas.microsoft.com/office/powerpoint/2010/main" val="756679770"/>
+      </p:ext>
+    </p:extLst>
+  </p:cSld>
+  <p:clrMapOvr>
+    <a:masterClrMapping/>
+  </p:clrMapOvr>
+</p:sld>
+</file>
+
+<file path=ppt/slides/slide17.xml><?xml version="1.0" encoding="utf-8"?>
 <p:sld xmlns:a="http://schemas.openxmlformats.org/drawingml/2006/main" xmlns:r="http://schemas.openxmlformats.org/officeDocument/2006/relationships" xmlns:p="http://schemas.openxmlformats.org/presentationml/2006/main">
   <p:cSld>
     <p:bg>
@@ -9594,7 +12952,7 @@
           <p:cNvPr id="2" name="Title 1">
             <a:extLst>
               <a:ext uri="{FF2B5EF4-FFF2-40B4-BE49-F238E27FC236}">
-                <a16:creationId xmlns:a16="http://schemas.microsoft.com/office/drawing/2014/main" id="{5C227009-FED7-C088-9561-02FF4F0381E5}"/>
+                <a16:creationId xmlns:a16="http://schemas.microsoft.com/office/drawing/2014/main" id="{B119264F-CC1A-0CE1-839C-3FB36B5A7D45}"/>
               </a:ext>
             </a:extLst>
           </p:cNvPr>
@@ -9619,7 +12977,7 @@
           <a:p>
             <a:r>
               <a:rPr lang="en-US" sz="5400"/>
-              <a:t>Procedure</a:t>
+              <a:t>Gantt Chart</a:t>
             </a:r>
           </a:p>
         </p:txBody>
@@ -10262,3034 +13620,6 @@
           </a:p>
         </p:txBody>
       </p:sp>
-      <p:sp>
-        <p:nvSpPr>
-          <p:cNvPr id="3" name="Content Placeholder 2">
-            <a:extLst>
-              <a:ext uri="{FF2B5EF4-FFF2-40B4-BE49-F238E27FC236}">
-                <a16:creationId xmlns:a16="http://schemas.microsoft.com/office/drawing/2014/main" id="{36E4A5FC-731E-2A72-BC74-745B3308B437}"/>
-              </a:ext>
-            </a:extLst>
-          </p:cNvPr>
-          <p:cNvSpPr>
-            <a:spLocks noGrp="1"/>
-          </p:cNvSpPr>
-          <p:nvPr>
-            <p:ph idx="1"/>
-          </p:nvPr>
-        </p:nvSpPr>
-        <p:spPr>
-          <a:xfrm>
-            <a:off x="838200" y="1929384"/>
-            <a:ext cx="10515600" cy="4251960"/>
-          </a:xfrm>
-        </p:spPr>
-        <p:txBody>
-          <a:bodyPr>
-            <a:normAutofit/>
-          </a:bodyPr>
-          <a:lstStyle/>
-          <a:p>
-            <a:r>
-              <a:rPr lang="en-US" sz="2200" dirty="0"/>
-              <a:t>Possibly Remove? Talk Over</a:t>
-            </a:r>
-          </a:p>
-        </p:txBody>
-      </p:sp>
-    </p:spTree>
-    <p:extLst>
-      <p:ext uri="{BB962C8B-B14F-4D97-AF65-F5344CB8AC3E}">
-        <p14:creationId xmlns:p14="http://schemas.microsoft.com/office/powerpoint/2010/main" val="1981300866"/>
-      </p:ext>
-    </p:extLst>
-  </p:cSld>
-  <p:clrMapOvr>
-    <a:masterClrMapping/>
-  </p:clrMapOvr>
-</p:sld>
-</file>
-
-<file path=ppt/slides/slide15.xml><?xml version="1.0" encoding="utf-8"?>
-<p:sld xmlns:a="http://schemas.openxmlformats.org/drawingml/2006/main" xmlns:r="http://schemas.openxmlformats.org/officeDocument/2006/relationships" xmlns:p="http://schemas.openxmlformats.org/presentationml/2006/main">
-  <p:cSld>
-    <p:bg>
-      <p:bgPr>
-        <a:solidFill>
-          <a:schemeClr val="bg1"/>
-        </a:solidFill>
-        <a:effectLst/>
-      </p:bgPr>
-    </p:bg>
-    <p:spTree>
-      <p:nvGrpSpPr>
-        <p:cNvPr id="1" name=""/>
-        <p:cNvGrpSpPr/>
-        <p:nvPr/>
-      </p:nvGrpSpPr>
-      <p:grpSpPr>
-        <a:xfrm>
-          <a:off x="0" y="0"/>
-          <a:ext cx="0" cy="0"/>
-          <a:chOff x="0" y="0"/>
-          <a:chExt cx="0" cy="0"/>
-        </a:xfrm>
-      </p:grpSpPr>
-      <p:sp useBgFill="1">
-        <p:nvSpPr>
-          <p:cNvPr id="19" name="Rectangle 18">
-            <a:extLst>
-              <a:ext uri="{FF2B5EF4-FFF2-40B4-BE49-F238E27FC236}">
-                <a16:creationId xmlns:a16="http://schemas.microsoft.com/office/drawing/2014/main" id="{2B97F24A-32CE-4C1C-A50D-3016B394DCFB}"/>
-              </a:ext>
-              <a:ext uri="{C183D7F6-B498-43B3-948B-1728B52AA6E4}">
-                <adec:decorative xmlns:adec="http://schemas.microsoft.com/office/drawing/2017/decorative" val="1"/>
-              </a:ext>
-            </a:extLst>
-          </p:cNvPr>
-          <p:cNvSpPr>
-            <a:spLocks noGrp="1" noRot="1" noChangeAspect="1" noMove="1" noResize="1" noEditPoints="1" noAdjustHandles="1" noChangeArrowheads="1" noChangeShapeType="1" noTextEdit="1"/>
-          </p:cNvSpPr>
-          <p:nvPr>
-            <p:extLst>
-              <p:ext uri="{386F3935-93C4-4BCD-93E2-E3B085C9AB24}">
-                <p16:designElem xmlns:p16="http://schemas.microsoft.com/office/powerpoint/2015/main" val="1"/>
-              </p:ext>
-            </p:extLst>
-          </p:nvPr>
-        </p:nvSpPr>
-        <p:spPr>
-          <a:xfrm>
-            <a:off x="0" y="0"/>
-            <a:ext cx="12192000" cy="6858000"/>
-          </a:xfrm>
-          <a:prstGeom prst="rect">
-            <a:avLst/>
-          </a:prstGeom>
-          <a:ln>
-            <a:noFill/>
-          </a:ln>
-        </p:spPr>
-        <p:style>
-          <a:lnRef idx="2">
-            <a:schemeClr val="accent1">
-              <a:shade val="50000"/>
-            </a:schemeClr>
-          </a:lnRef>
-          <a:fillRef idx="1">
-            <a:schemeClr val="accent1"/>
-          </a:fillRef>
-          <a:effectRef idx="0">
-            <a:schemeClr val="accent1"/>
-          </a:effectRef>
-          <a:fontRef idx="minor">
-            <a:schemeClr val="lt1"/>
-          </a:fontRef>
-        </p:style>
-        <p:txBody>
-          <a:bodyPr rtlCol="0" anchor="ctr"/>
-          <a:lstStyle/>
-          <a:p>
-            <a:pPr algn="ctr"/>
-            <a:endParaRPr lang="en-US"/>
-          </a:p>
-        </p:txBody>
-      </p:sp>
-      <p:sp>
-        <p:nvSpPr>
-          <p:cNvPr id="2" name="Title 1">
-            <a:extLst>
-              <a:ext uri="{FF2B5EF4-FFF2-40B4-BE49-F238E27FC236}">
-                <a16:creationId xmlns:a16="http://schemas.microsoft.com/office/drawing/2014/main" id="{EA6493CF-AA83-E5D3-C9E0-B7D3988E4628}"/>
-              </a:ext>
-            </a:extLst>
-          </p:cNvPr>
-          <p:cNvSpPr>
-            <a:spLocks noGrp="1"/>
-          </p:cNvSpPr>
-          <p:nvPr>
-            <p:ph type="title"/>
-          </p:nvPr>
-        </p:nvSpPr>
-        <p:spPr>
-          <a:xfrm>
-            <a:off x="630936" y="639520"/>
-            <a:ext cx="3429000" cy="1719072"/>
-          </a:xfrm>
-        </p:spPr>
-        <p:txBody>
-          <a:bodyPr anchor="b">
-            <a:normAutofit/>
-          </a:bodyPr>
-          <a:lstStyle/>
-          <a:p>
-            <a:r>
-              <a:rPr lang="en-US" sz="5400"/>
-              <a:t>Testing Board</a:t>
-            </a:r>
-          </a:p>
-        </p:txBody>
-      </p:sp>
-      <p:sp>
-        <p:nvSpPr>
-          <p:cNvPr id="20" name="sketch line">
-            <a:extLst>
-              <a:ext uri="{FF2B5EF4-FFF2-40B4-BE49-F238E27FC236}">
-                <a16:creationId xmlns:a16="http://schemas.microsoft.com/office/drawing/2014/main" id="{CD8B4F24-440B-49E9-B85D-733523DC064B}"/>
-              </a:ext>
-              <a:ext uri="{C183D7F6-B498-43B3-948B-1728B52AA6E4}">
-                <adec:decorative xmlns:adec="http://schemas.microsoft.com/office/drawing/2017/decorative" val="1"/>
-              </a:ext>
-            </a:extLst>
-          </p:cNvPr>
-          <p:cNvSpPr>
-            <a:spLocks noGrp="1" noRot="1" noChangeAspect="1" noMove="1" noResize="1" noEditPoints="1" noAdjustHandles="1" noChangeArrowheads="1" noChangeShapeType="1" noTextEdit="1"/>
-          </p:cNvSpPr>
-          <p:nvPr>
-            <p:extLst>
-              <p:ext uri="{386F3935-93C4-4BCD-93E2-E3B085C9AB24}">
-                <p16:designElem xmlns:p16="http://schemas.microsoft.com/office/powerpoint/2015/main" val="1"/>
-              </p:ext>
-            </p:extLst>
-          </p:nvPr>
-        </p:nvSpPr>
-        <p:spPr>
-          <a:xfrm>
-            <a:off x="643278" y="2573756"/>
-            <a:ext cx="3255095" cy="18288"/>
-          </a:xfrm>
-          <a:custGeom>
-            <a:avLst/>
-            <a:gdLst>
-              <a:gd name="connsiteX0" fmla="*/ 0 w 3255095"/>
-              <a:gd name="connsiteY0" fmla="*/ 0 h 18288"/>
-              <a:gd name="connsiteX1" fmla="*/ 618468 w 3255095"/>
-              <a:gd name="connsiteY1" fmla="*/ 0 h 18288"/>
-              <a:gd name="connsiteX2" fmla="*/ 1269487 w 3255095"/>
-              <a:gd name="connsiteY2" fmla="*/ 0 h 18288"/>
-              <a:gd name="connsiteX3" fmla="*/ 1953057 w 3255095"/>
-              <a:gd name="connsiteY3" fmla="*/ 0 h 18288"/>
-              <a:gd name="connsiteX4" fmla="*/ 2636627 w 3255095"/>
-              <a:gd name="connsiteY4" fmla="*/ 0 h 18288"/>
-              <a:gd name="connsiteX5" fmla="*/ 3255095 w 3255095"/>
-              <a:gd name="connsiteY5" fmla="*/ 0 h 18288"/>
-              <a:gd name="connsiteX6" fmla="*/ 3255095 w 3255095"/>
-              <a:gd name="connsiteY6" fmla="*/ 18288 h 18288"/>
-              <a:gd name="connsiteX7" fmla="*/ 2538974 w 3255095"/>
-              <a:gd name="connsiteY7" fmla="*/ 18288 h 18288"/>
-              <a:gd name="connsiteX8" fmla="*/ 1822853 w 3255095"/>
-              <a:gd name="connsiteY8" fmla="*/ 18288 h 18288"/>
-              <a:gd name="connsiteX9" fmla="*/ 1171834 w 3255095"/>
-              <a:gd name="connsiteY9" fmla="*/ 18288 h 18288"/>
-              <a:gd name="connsiteX10" fmla="*/ 0 w 3255095"/>
-              <a:gd name="connsiteY10" fmla="*/ 18288 h 18288"/>
-              <a:gd name="connsiteX11" fmla="*/ 0 w 3255095"/>
-              <a:gd name="connsiteY11" fmla="*/ 0 h 18288"/>
-            </a:gdLst>
-            <a:ahLst/>
-            <a:cxnLst>
-              <a:cxn ang="0">
-                <a:pos x="connsiteX0" y="connsiteY0"/>
-              </a:cxn>
-              <a:cxn ang="0">
-                <a:pos x="connsiteX1" y="connsiteY1"/>
-              </a:cxn>
-              <a:cxn ang="0">
-                <a:pos x="connsiteX2" y="connsiteY2"/>
-              </a:cxn>
-              <a:cxn ang="0">
-                <a:pos x="connsiteX3" y="connsiteY3"/>
-              </a:cxn>
-              <a:cxn ang="0">
-                <a:pos x="connsiteX4" y="connsiteY4"/>
-              </a:cxn>
-              <a:cxn ang="0">
-                <a:pos x="connsiteX5" y="connsiteY5"/>
-              </a:cxn>
-              <a:cxn ang="0">
-                <a:pos x="connsiteX6" y="connsiteY6"/>
-              </a:cxn>
-              <a:cxn ang="0">
-                <a:pos x="connsiteX7" y="connsiteY7"/>
-              </a:cxn>
-              <a:cxn ang="0">
-                <a:pos x="connsiteX8" y="connsiteY8"/>
-              </a:cxn>
-              <a:cxn ang="0">
-                <a:pos x="connsiteX9" y="connsiteY9"/>
-              </a:cxn>
-              <a:cxn ang="0">
-                <a:pos x="connsiteX10" y="connsiteY10"/>
-              </a:cxn>
-              <a:cxn ang="0">
-                <a:pos x="connsiteX11" y="connsiteY11"/>
-              </a:cxn>
-            </a:cxnLst>
-            <a:rect l="l" t="t" r="r" b="b"/>
-            <a:pathLst>
-              <a:path w="3255095" h="18288" fill="none" extrusionOk="0">
-                <a:moveTo>
-                  <a:pt x="0" y="0"/>
-                </a:moveTo>
-                <a:cubicBezTo>
-                  <a:pt x="240201" y="-22123"/>
-                  <a:pt x="462021" y="-19623"/>
-                  <a:pt x="618468" y="0"/>
-                </a:cubicBezTo>
-                <a:cubicBezTo>
-                  <a:pt x="774915" y="19623"/>
-                  <a:pt x="974734" y="2035"/>
-                  <a:pt x="1269487" y="0"/>
-                </a:cubicBezTo>
-                <a:cubicBezTo>
-                  <a:pt x="1564240" y="-2035"/>
-                  <a:pt x="1733579" y="10639"/>
-                  <a:pt x="1953057" y="0"/>
-                </a:cubicBezTo>
-                <a:cubicBezTo>
-                  <a:pt x="2172535" y="-10639"/>
-                  <a:pt x="2453962" y="14018"/>
-                  <a:pt x="2636627" y="0"/>
-                </a:cubicBezTo>
-                <a:cubicBezTo>
-                  <a:pt x="2819292" y="-14018"/>
-                  <a:pt x="3121375" y="5399"/>
-                  <a:pt x="3255095" y="0"/>
-                </a:cubicBezTo>
-                <a:cubicBezTo>
-                  <a:pt x="3254386" y="8157"/>
-                  <a:pt x="3254682" y="12125"/>
-                  <a:pt x="3255095" y="18288"/>
-                </a:cubicBezTo>
-                <a:cubicBezTo>
-                  <a:pt x="3088545" y="23203"/>
-                  <a:pt x="2687475" y="7419"/>
-                  <a:pt x="2538974" y="18288"/>
-                </a:cubicBezTo>
-                <a:cubicBezTo>
-                  <a:pt x="2390473" y="29157"/>
-                  <a:pt x="2137381" y="-8959"/>
-                  <a:pt x="1822853" y="18288"/>
-                </a:cubicBezTo>
-                <a:cubicBezTo>
-                  <a:pt x="1508325" y="45535"/>
-                  <a:pt x="1466437" y="20385"/>
-                  <a:pt x="1171834" y="18288"/>
-                </a:cubicBezTo>
-                <a:cubicBezTo>
-                  <a:pt x="877231" y="16191"/>
-                  <a:pt x="561097" y="37643"/>
-                  <a:pt x="0" y="18288"/>
-                </a:cubicBezTo>
-                <a:cubicBezTo>
-                  <a:pt x="-46" y="12483"/>
-                  <a:pt x="-203" y="6491"/>
-                  <a:pt x="0" y="0"/>
-                </a:cubicBezTo>
-                <a:close/>
-              </a:path>
-              <a:path w="3255095" h="18288" stroke="0" extrusionOk="0">
-                <a:moveTo>
-                  <a:pt x="0" y="0"/>
-                </a:moveTo>
-                <a:cubicBezTo>
-                  <a:pt x="291965" y="19429"/>
-                  <a:pt x="363155" y="8568"/>
-                  <a:pt x="618468" y="0"/>
-                </a:cubicBezTo>
-                <a:cubicBezTo>
-                  <a:pt x="873781" y="-8568"/>
-                  <a:pt x="904459" y="-19505"/>
-                  <a:pt x="1171834" y="0"/>
-                </a:cubicBezTo>
-                <a:cubicBezTo>
-                  <a:pt x="1439209" y="19505"/>
-                  <a:pt x="1744369" y="9790"/>
-                  <a:pt x="1887955" y="0"/>
-                </a:cubicBezTo>
-                <a:cubicBezTo>
-                  <a:pt x="2031541" y="-9790"/>
-                  <a:pt x="2346378" y="21240"/>
-                  <a:pt x="2506423" y="0"/>
-                </a:cubicBezTo>
-                <a:cubicBezTo>
-                  <a:pt x="2666468" y="-21240"/>
-                  <a:pt x="2990257" y="30414"/>
-                  <a:pt x="3255095" y="0"/>
-                </a:cubicBezTo>
-                <a:cubicBezTo>
-                  <a:pt x="3254831" y="4493"/>
-                  <a:pt x="3255479" y="9472"/>
-                  <a:pt x="3255095" y="18288"/>
-                </a:cubicBezTo>
-                <a:cubicBezTo>
-                  <a:pt x="3120743" y="16690"/>
-                  <a:pt x="2759628" y="42462"/>
-                  <a:pt x="2604076" y="18288"/>
-                </a:cubicBezTo>
-                <a:cubicBezTo>
-                  <a:pt x="2448524" y="-5886"/>
-                  <a:pt x="2184336" y="19599"/>
-                  <a:pt x="1887955" y="18288"/>
-                </a:cubicBezTo>
-                <a:cubicBezTo>
-                  <a:pt x="1591574" y="16977"/>
-                  <a:pt x="1548845" y="6870"/>
-                  <a:pt x="1334589" y="18288"/>
-                </a:cubicBezTo>
-                <a:cubicBezTo>
-                  <a:pt x="1120333" y="29706"/>
-                  <a:pt x="996014" y="9662"/>
-                  <a:pt x="683570" y="18288"/>
-                </a:cubicBezTo>
-                <a:cubicBezTo>
-                  <a:pt x="371126" y="26914"/>
-                  <a:pt x="198687" y="16167"/>
-                  <a:pt x="0" y="18288"/>
-                </a:cubicBezTo>
-                <a:cubicBezTo>
-                  <a:pt x="843" y="9577"/>
-                  <a:pt x="371" y="6900"/>
-                  <a:pt x="0" y="0"/>
-                </a:cubicBezTo>
-                <a:close/>
-              </a:path>
-            </a:pathLst>
-          </a:custGeom>
-          <a:solidFill>
-            <a:schemeClr val="accent2"/>
-          </a:solidFill>
-          <a:ln w="38100" cap="rnd">
-            <a:solidFill>
-              <a:schemeClr val="accent2"/>
-            </a:solidFill>
-            <a:round/>
-            <a:extLst>
-              <a:ext uri="{C807C97D-BFC1-408E-A445-0C87EB9F89A2}">
-                <ask:lineSketchStyleProps xmlns:ask="http://schemas.microsoft.com/office/drawing/2018/sketchyshapes" sd="1219033472">
-                  <a:prstGeom prst="rect">
-                    <a:avLst/>
-                  </a:prstGeom>
-                  <ask:type>
-                    <ask:lineSketchFreehand/>
-                  </ask:type>
-                </ask:lineSketchStyleProps>
-              </a:ext>
-            </a:extLst>
-          </a:ln>
-        </p:spPr>
-        <p:style>
-          <a:lnRef idx="2">
-            <a:schemeClr val="accent1">
-              <a:shade val="50000"/>
-            </a:schemeClr>
-          </a:lnRef>
-          <a:fillRef idx="1">
-            <a:schemeClr val="accent1"/>
-          </a:fillRef>
-          <a:effectRef idx="0">
-            <a:schemeClr val="accent1"/>
-          </a:effectRef>
-          <a:fontRef idx="minor">
-            <a:schemeClr val="lt1"/>
-          </a:fontRef>
-        </p:style>
-        <p:txBody>
-          <a:bodyPr rtlCol="0" anchor="ctr"/>
-          <a:lstStyle/>
-          <a:p>
-            <a:pPr algn="ctr"/>
-            <a:endParaRPr lang="en-US"/>
-          </a:p>
-        </p:txBody>
-      </p:sp>
-      <p:sp>
-        <p:nvSpPr>
-          <p:cNvPr id="3" name="Content Placeholder 2">
-            <a:extLst>
-              <a:ext uri="{FF2B5EF4-FFF2-40B4-BE49-F238E27FC236}">
-                <a16:creationId xmlns:a16="http://schemas.microsoft.com/office/drawing/2014/main" id="{2C73D345-D2BF-6E5E-484D-68E8E0B9872D}"/>
-              </a:ext>
-            </a:extLst>
-          </p:cNvPr>
-          <p:cNvSpPr>
-            <a:spLocks noGrp="1"/>
-          </p:cNvSpPr>
-          <p:nvPr>
-            <p:ph idx="1"/>
-          </p:nvPr>
-        </p:nvSpPr>
-        <p:spPr>
-          <a:xfrm>
-            <a:off x="630936" y="2807208"/>
-            <a:ext cx="3429000" cy="3410712"/>
-          </a:xfrm>
-        </p:spPr>
-        <p:txBody>
-          <a:bodyPr anchor="t">
-            <a:normAutofit/>
-          </a:bodyPr>
-          <a:lstStyle/>
-          <a:p>
-            <a:r>
-              <a:rPr lang="en-US" sz="2200" dirty="0"/>
-              <a:t>Large breakout of all sensors to allow for code development on hardware</a:t>
-            </a:r>
-          </a:p>
-          <a:p>
-            <a:r>
-              <a:rPr lang="en-US" sz="2200" dirty="0"/>
-              <a:t>Includes additional debug buttons, LEDs, and jumper configurable connections for testing</a:t>
-            </a:r>
-          </a:p>
-          <a:p>
-            <a:r>
-              <a:rPr lang="en-US" sz="2200" dirty="0"/>
-              <a:t>All extra µC pins expressed to Headers</a:t>
-            </a:r>
-          </a:p>
-        </p:txBody>
-      </p:sp>
-      <p:pic>
-        <p:nvPicPr>
-          <p:cNvPr id="5" name="Picture 4">
-            <a:extLst>
-              <a:ext uri="{FF2B5EF4-FFF2-40B4-BE49-F238E27FC236}">
-                <a16:creationId xmlns:a16="http://schemas.microsoft.com/office/drawing/2014/main" id="{877AEC40-AE84-18CF-D3C4-90FD7527106E}"/>
-              </a:ext>
-            </a:extLst>
-          </p:cNvPr>
-          <p:cNvPicPr>
-            <a:picLocks noChangeAspect="1"/>
-          </p:cNvPicPr>
-          <p:nvPr/>
-        </p:nvPicPr>
-        <p:blipFill>
-          <a:blip r:embed="rId2"/>
-          <a:stretch>
-            <a:fillRect/>
-          </a:stretch>
-        </p:blipFill>
-        <p:spPr>
-          <a:xfrm>
-            <a:off x="4654296" y="1608144"/>
-            <a:ext cx="6903720" cy="3641712"/>
-          </a:xfrm>
-          <a:prstGeom prst="rect">
-            <a:avLst/>
-          </a:prstGeom>
-        </p:spPr>
-      </p:pic>
-    </p:spTree>
-    <p:extLst>
-      <p:ext uri="{BB962C8B-B14F-4D97-AF65-F5344CB8AC3E}">
-        <p14:creationId xmlns:p14="http://schemas.microsoft.com/office/powerpoint/2010/main" val="1477455746"/>
-      </p:ext>
-    </p:extLst>
-  </p:cSld>
-  <p:clrMapOvr>
-    <a:masterClrMapping/>
-  </p:clrMapOvr>
-</p:sld>
-</file>
-
-<file path=ppt/slides/slide16.xml><?xml version="1.0" encoding="utf-8"?>
-<p:sld xmlns:a="http://schemas.openxmlformats.org/drawingml/2006/main" xmlns:r="http://schemas.openxmlformats.org/officeDocument/2006/relationships" xmlns:p="http://schemas.openxmlformats.org/presentationml/2006/main">
-  <p:cSld>
-    <p:bg>
-      <p:bgPr>
-        <a:solidFill>
-          <a:schemeClr val="bg1"/>
-        </a:solidFill>
-        <a:effectLst/>
-      </p:bgPr>
-    </p:bg>
-    <p:spTree>
-      <p:nvGrpSpPr>
-        <p:cNvPr id="1" name=""/>
-        <p:cNvGrpSpPr/>
-        <p:nvPr/>
-      </p:nvGrpSpPr>
-      <p:grpSpPr>
-        <a:xfrm>
-          <a:off x="0" y="0"/>
-          <a:ext cx="0" cy="0"/>
-          <a:chOff x="0" y="0"/>
-          <a:chExt cx="0" cy="0"/>
-        </a:xfrm>
-      </p:grpSpPr>
-      <p:sp useBgFill="1">
-        <p:nvSpPr>
-          <p:cNvPr id="8" name="Rectangle 7">
-            <a:extLst>
-              <a:ext uri="{FF2B5EF4-FFF2-40B4-BE49-F238E27FC236}">
-                <a16:creationId xmlns:a16="http://schemas.microsoft.com/office/drawing/2014/main" id="{100EDD19-6802-4EC3-95CE-CFFAB042CFD6}"/>
-              </a:ext>
-              <a:ext uri="{C183D7F6-B498-43B3-948B-1728B52AA6E4}">
-                <adec:decorative xmlns:adec="http://schemas.microsoft.com/office/drawing/2017/decorative" val="1"/>
-              </a:ext>
-            </a:extLst>
-          </p:cNvPr>
-          <p:cNvSpPr>
-            <a:spLocks noGrp="1" noRot="1" noChangeAspect="1" noMove="1" noResize="1" noEditPoints="1" noAdjustHandles="1" noChangeArrowheads="1" noChangeShapeType="1" noTextEdit="1"/>
-          </p:cNvSpPr>
-          <p:nvPr>
-            <p:extLst>
-              <p:ext uri="{386F3935-93C4-4BCD-93E2-E3B085C9AB24}">
-                <p16:designElem xmlns:p16="http://schemas.microsoft.com/office/powerpoint/2015/main" val="1"/>
-              </p:ext>
-            </p:extLst>
-          </p:nvPr>
-        </p:nvSpPr>
-        <p:spPr>
-          <a:xfrm>
-            <a:off x="0" y="0"/>
-            <a:ext cx="12188952" cy="6858000"/>
-          </a:xfrm>
-          <a:prstGeom prst="rect">
-            <a:avLst/>
-          </a:prstGeom>
-          <a:ln>
-            <a:noFill/>
-          </a:ln>
-        </p:spPr>
-        <p:style>
-          <a:lnRef idx="2">
-            <a:schemeClr val="accent1">
-              <a:shade val="50000"/>
-            </a:schemeClr>
-          </a:lnRef>
-          <a:fillRef idx="1">
-            <a:schemeClr val="accent1"/>
-          </a:fillRef>
-          <a:effectRef idx="0">
-            <a:schemeClr val="accent1"/>
-          </a:effectRef>
-          <a:fontRef idx="minor">
-            <a:schemeClr val="lt1"/>
-          </a:fontRef>
-        </p:style>
-        <p:txBody>
-          <a:bodyPr rtlCol="0" anchor="ctr"/>
-          <a:lstStyle/>
-          <a:p>
-            <a:pPr algn="ctr"/>
-            <a:endParaRPr lang="en-US"/>
-          </a:p>
-        </p:txBody>
-      </p:sp>
-      <p:sp>
-        <p:nvSpPr>
-          <p:cNvPr id="2" name="Title 1">
-            <a:extLst>
-              <a:ext uri="{FF2B5EF4-FFF2-40B4-BE49-F238E27FC236}">
-                <a16:creationId xmlns:a16="http://schemas.microsoft.com/office/drawing/2014/main" id="{BC39229B-0F8D-F692-ABCF-791419D49A69}"/>
-              </a:ext>
-            </a:extLst>
-          </p:cNvPr>
-          <p:cNvSpPr>
-            <a:spLocks noGrp="1"/>
-          </p:cNvSpPr>
-          <p:nvPr>
-            <p:ph type="title"/>
-          </p:nvPr>
-        </p:nvSpPr>
-        <p:spPr>
-          <a:xfrm>
-            <a:off x="838200" y="365125"/>
-            <a:ext cx="10515600" cy="1325563"/>
-          </a:xfrm>
-        </p:spPr>
-        <p:txBody>
-          <a:bodyPr>
-            <a:normAutofit/>
-          </a:bodyPr>
-          <a:lstStyle/>
-          <a:p>
-            <a:r>
-              <a:rPr lang="en-US" sz="5400" dirty="0"/>
-              <a:t>Verification Plan</a:t>
-            </a:r>
-          </a:p>
-        </p:txBody>
-      </p:sp>
-      <p:sp>
-        <p:nvSpPr>
-          <p:cNvPr id="10" name="sketch line">
-            <a:extLst>
-              <a:ext uri="{FF2B5EF4-FFF2-40B4-BE49-F238E27FC236}">
-                <a16:creationId xmlns:a16="http://schemas.microsoft.com/office/drawing/2014/main" id="{DB17E863-922E-4C26-BD64-E8FD41D28661}"/>
-              </a:ext>
-              <a:ext uri="{C183D7F6-B498-43B3-948B-1728B52AA6E4}">
-                <adec:decorative xmlns:adec="http://schemas.microsoft.com/office/drawing/2017/decorative" val="1"/>
-              </a:ext>
-            </a:extLst>
-          </p:cNvPr>
-          <p:cNvSpPr>
-            <a:spLocks noGrp="1" noRot="1" noChangeAspect="1" noMove="1" noResize="1" noEditPoints="1" noAdjustHandles="1" noChangeArrowheads="1" noChangeShapeType="1" noTextEdit="1"/>
-          </p:cNvSpPr>
-          <p:nvPr>
-            <p:extLst>
-              <p:ext uri="{386F3935-93C4-4BCD-93E2-E3B085C9AB24}">
-                <p16:designElem xmlns:p16="http://schemas.microsoft.com/office/powerpoint/2015/main" val="1"/>
-              </p:ext>
-            </p:extLst>
-          </p:nvPr>
-        </p:nvSpPr>
-        <p:spPr>
-          <a:xfrm>
-            <a:off x="669036" y="1677373"/>
-            <a:ext cx="10853928" cy="18288"/>
-          </a:xfrm>
-          <a:custGeom>
-            <a:avLst/>
-            <a:gdLst>
-              <a:gd name="connsiteX0" fmla="*/ 0 w 10853928"/>
-              <a:gd name="connsiteY0" fmla="*/ 0 h 18288"/>
-              <a:gd name="connsiteX1" fmla="*/ 461292 w 10853928"/>
-              <a:gd name="connsiteY1" fmla="*/ 0 h 18288"/>
-              <a:gd name="connsiteX2" fmla="*/ 1139662 w 10853928"/>
-              <a:gd name="connsiteY2" fmla="*/ 0 h 18288"/>
-              <a:gd name="connsiteX3" fmla="*/ 1926572 w 10853928"/>
-              <a:gd name="connsiteY3" fmla="*/ 0 h 18288"/>
-              <a:gd name="connsiteX4" fmla="*/ 2279325 w 10853928"/>
-              <a:gd name="connsiteY4" fmla="*/ 0 h 18288"/>
-              <a:gd name="connsiteX5" fmla="*/ 2632078 w 10853928"/>
-              <a:gd name="connsiteY5" fmla="*/ 0 h 18288"/>
-              <a:gd name="connsiteX6" fmla="*/ 3527527 w 10853928"/>
-              <a:gd name="connsiteY6" fmla="*/ 0 h 18288"/>
-              <a:gd name="connsiteX7" fmla="*/ 4205897 w 10853928"/>
-              <a:gd name="connsiteY7" fmla="*/ 0 h 18288"/>
-              <a:gd name="connsiteX8" fmla="*/ 4558650 w 10853928"/>
-              <a:gd name="connsiteY8" fmla="*/ 0 h 18288"/>
-              <a:gd name="connsiteX9" fmla="*/ 5237020 w 10853928"/>
-              <a:gd name="connsiteY9" fmla="*/ 0 h 18288"/>
-              <a:gd name="connsiteX10" fmla="*/ 6132469 w 10853928"/>
-              <a:gd name="connsiteY10" fmla="*/ 0 h 18288"/>
-              <a:gd name="connsiteX11" fmla="*/ 6702301 w 10853928"/>
-              <a:gd name="connsiteY11" fmla="*/ 0 h 18288"/>
-              <a:gd name="connsiteX12" fmla="*/ 7272132 w 10853928"/>
-              <a:gd name="connsiteY12" fmla="*/ 0 h 18288"/>
-              <a:gd name="connsiteX13" fmla="*/ 7950502 w 10853928"/>
-              <a:gd name="connsiteY13" fmla="*/ 0 h 18288"/>
-              <a:gd name="connsiteX14" fmla="*/ 8737412 w 10853928"/>
-              <a:gd name="connsiteY14" fmla="*/ 0 h 18288"/>
-              <a:gd name="connsiteX15" fmla="*/ 9524322 w 10853928"/>
-              <a:gd name="connsiteY15" fmla="*/ 0 h 18288"/>
-              <a:gd name="connsiteX16" fmla="*/ 10853928 w 10853928"/>
-              <a:gd name="connsiteY16" fmla="*/ 0 h 18288"/>
-              <a:gd name="connsiteX17" fmla="*/ 10853928 w 10853928"/>
-              <a:gd name="connsiteY17" fmla="*/ 18288 h 18288"/>
-              <a:gd name="connsiteX18" fmla="*/ 10392636 w 10853928"/>
-              <a:gd name="connsiteY18" fmla="*/ 18288 h 18288"/>
-              <a:gd name="connsiteX19" fmla="*/ 9497187 w 10853928"/>
-              <a:gd name="connsiteY19" fmla="*/ 18288 h 18288"/>
-              <a:gd name="connsiteX20" fmla="*/ 8818817 w 10853928"/>
-              <a:gd name="connsiteY20" fmla="*/ 18288 h 18288"/>
-              <a:gd name="connsiteX21" fmla="*/ 8466064 w 10853928"/>
-              <a:gd name="connsiteY21" fmla="*/ 18288 h 18288"/>
-              <a:gd name="connsiteX22" fmla="*/ 7787693 w 10853928"/>
-              <a:gd name="connsiteY22" fmla="*/ 18288 h 18288"/>
-              <a:gd name="connsiteX23" fmla="*/ 7217862 w 10853928"/>
-              <a:gd name="connsiteY23" fmla="*/ 18288 h 18288"/>
-              <a:gd name="connsiteX24" fmla="*/ 6648031 w 10853928"/>
-              <a:gd name="connsiteY24" fmla="*/ 18288 h 18288"/>
-              <a:gd name="connsiteX25" fmla="*/ 6078200 w 10853928"/>
-              <a:gd name="connsiteY25" fmla="*/ 18288 h 18288"/>
-              <a:gd name="connsiteX26" fmla="*/ 5508368 w 10853928"/>
-              <a:gd name="connsiteY26" fmla="*/ 18288 h 18288"/>
-              <a:gd name="connsiteX27" fmla="*/ 4721459 w 10853928"/>
-              <a:gd name="connsiteY27" fmla="*/ 18288 h 18288"/>
-              <a:gd name="connsiteX28" fmla="*/ 4043088 w 10853928"/>
-              <a:gd name="connsiteY28" fmla="*/ 18288 h 18288"/>
-              <a:gd name="connsiteX29" fmla="*/ 3690336 w 10853928"/>
-              <a:gd name="connsiteY29" fmla="*/ 18288 h 18288"/>
-              <a:gd name="connsiteX30" fmla="*/ 3120504 w 10853928"/>
-              <a:gd name="connsiteY30" fmla="*/ 18288 h 18288"/>
-              <a:gd name="connsiteX31" fmla="*/ 2333595 w 10853928"/>
-              <a:gd name="connsiteY31" fmla="*/ 18288 h 18288"/>
-              <a:gd name="connsiteX32" fmla="*/ 1872303 w 10853928"/>
-              <a:gd name="connsiteY32" fmla="*/ 18288 h 18288"/>
-              <a:gd name="connsiteX33" fmla="*/ 976854 w 10853928"/>
-              <a:gd name="connsiteY33" fmla="*/ 18288 h 18288"/>
-              <a:gd name="connsiteX34" fmla="*/ 0 w 10853928"/>
-              <a:gd name="connsiteY34" fmla="*/ 18288 h 18288"/>
-              <a:gd name="connsiteX35" fmla="*/ 0 w 10853928"/>
-              <a:gd name="connsiteY35" fmla="*/ 0 h 18288"/>
-            </a:gdLst>
-            <a:ahLst/>
-            <a:cxnLst>
-              <a:cxn ang="0">
-                <a:pos x="connsiteX0" y="connsiteY0"/>
-              </a:cxn>
-              <a:cxn ang="0">
-                <a:pos x="connsiteX1" y="connsiteY1"/>
-              </a:cxn>
-              <a:cxn ang="0">
-                <a:pos x="connsiteX2" y="connsiteY2"/>
-              </a:cxn>
-              <a:cxn ang="0">
-                <a:pos x="connsiteX3" y="connsiteY3"/>
-              </a:cxn>
-              <a:cxn ang="0">
-                <a:pos x="connsiteX4" y="connsiteY4"/>
-              </a:cxn>
-              <a:cxn ang="0">
-                <a:pos x="connsiteX5" y="connsiteY5"/>
-              </a:cxn>
-              <a:cxn ang="0">
-                <a:pos x="connsiteX6" y="connsiteY6"/>
-              </a:cxn>
-              <a:cxn ang="0">
-                <a:pos x="connsiteX7" y="connsiteY7"/>
-              </a:cxn>
-              <a:cxn ang="0">
-                <a:pos x="connsiteX8" y="connsiteY8"/>
-              </a:cxn>
-              <a:cxn ang="0">
-                <a:pos x="connsiteX9" y="connsiteY9"/>
-              </a:cxn>
-              <a:cxn ang="0">
-                <a:pos x="connsiteX10" y="connsiteY10"/>
-              </a:cxn>
-              <a:cxn ang="0">
-                <a:pos x="connsiteX11" y="connsiteY11"/>
-              </a:cxn>
-              <a:cxn ang="0">
-                <a:pos x="connsiteX12" y="connsiteY12"/>
-              </a:cxn>
-              <a:cxn ang="0">
-                <a:pos x="connsiteX13" y="connsiteY13"/>
-              </a:cxn>
-              <a:cxn ang="0">
-                <a:pos x="connsiteX14" y="connsiteY14"/>
-              </a:cxn>
-              <a:cxn ang="0">
-                <a:pos x="connsiteX15" y="connsiteY15"/>
-              </a:cxn>
-              <a:cxn ang="0">
-                <a:pos x="connsiteX16" y="connsiteY16"/>
-              </a:cxn>
-              <a:cxn ang="0">
-                <a:pos x="connsiteX17" y="connsiteY17"/>
-              </a:cxn>
-              <a:cxn ang="0">
-                <a:pos x="connsiteX18" y="connsiteY18"/>
-              </a:cxn>
-              <a:cxn ang="0">
-                <a:pos x="connsiteX19" y="connsiteY19"/>
-              </a:cxn>
-              <a:cxn ang="0">
-                <a:pos x="connsiteX20" y="connsiteY20"/>
-              </a:cxn>
-              <a:cxn ang="0">
-                <a:pos x="connsiteX21" y="connsiteY21"/>
-              </a:cxn>
-              <a:cxn ang="0">
-                <a:pos x="connsiteX22" y="connsiteY22"/>
-              </a:cxn>
-              <a:cxn ang="0">
-                <a:pos x="connsiteX23" y="connsiteY23"/>
-              </a:cxn>
-              <a:cxn ang="0">
-                <a:pos x="connsiteX24" y="connsiteY24"/>
-              </a:cxn>
-              <a:cxn ang="0">
-                <a:pos x="connsiteX25" y="connsiteY25"/>
-              </a:cxn>
-              <a:cxn ang="0">
-                <a:pos x="connsiteX26" y="connsiteY26"/>
-              </a:cxn>
-              <a:cxn ang="0">
-                <a:pos x="connsiteX27" y="connsiteY27"/>
-              </a:cxn>
-              <a:cxn ang="0">
-                <a:pos x="connsiteX28" y="connsiteY28"/>
-              </a:cxn>
-              <a:cxn ang="0">
-                <a:pos x="connsiteX29" y="connsiteY29"/>
-              </a:cxn>
-              <a:cxn ang="0">
-                <a:pos x="connsiteX30" y="connsiteY30"/>
-              </a:cxn>
-              <a:cxn ang="0">
-                <a:pos x="connsiteX31" y="connsiteY31"/>
-              </a:cxn>
-              <a:cxn ang="0">
-                <a:pos x="connsiteX32" y="connsiteY32"/>
-              </a:cxn>
-              <a:cxn ang="0">
-                <a:pos x="connsiteX33" y="connsiteY33"/>
-              </a:cxn>
-              <a:cxn ang="0">
-                <a:pos x="connsiteX34" y="connsiteY34"/>
-              </a:cxn>
-              <a:cxn ang="0">
-                <a:pos x="connsiteX35" y="connsiteY35"/>
-              </a:cxn>
-            </a:cxnLst>
-            <a:rect l="l" t="t" r="r" b="b"/>
-            <a:pathLst>
-              <a:path w="10853928" h="18288" fill="none" extrusionOk="0">
-                <a:moveTo>
-                  <a:pt x="0" y="0"/>
-                </a:moveTo>
-                <a:cubicBezTo>
-                  <a:pt x="146993" y="-19076"/>
-                  <a:pt x="347684" y="-4790"/>
-                  <a:pt x="461292" y="0"/>
-                </a:cubicBezTo>
-                <a:cubicBezTo>
-                  <a:pt x="574900" y="4790"/>
-                  <a:pt x="808367" y="19821"/>
-                  <a:pt x="1139662" y="0"/>
-                </a:cubicBezTo>
-                <a:cubicBezTo>
-                  <a:pt x="1470957" y="-19821"/>
-                  <a:pt x="1627405" y="5721"/>
-                  <a:pt x="1926572" y="0"/>
-                </a:cubicBezTo>
-                <a:cubicBezTo>
-                  <a:pt x="2225739" y="-5721"/>
-                  <a:pt x="2137730" y="-3235"/>
-                  <a:pt x="2279325" y="0"/>
-                </a:cubicBezTo>
-                <a:cubicBezTo>
-                  <a:pt x="2420920" y="3235"/>
-                  <a:pt x="2456518" y="9685"/>
-                  <a:pt x="2632078" y="0"/>
-                </a:cubicBezTo>
-                <a:cubicBezTo>
-                  <a:pt x="2807638" y="-9685"/>
-                  <a:pt x="3211516" y="-43007"/>
-                  <a:pt x="3527527" y="0"/>
-                </a:cubicBezTo>
-                <a:cubicBezTo>
-                  <a:pt x="3843538" y="43007"/>
-                  <a:pt x="4058833" y="22042"/>
-                  <a:pt x="4205897" y="0"/>
-                </a:cubicBezTo>
-                <a:cubicBezTo>
-                  <a:pt x="4352961" y="-22042"/>
-                  <a:pt x="4474805" y="-11846"/>
-                  <a:pt x="4558650" y="0"/>
-                </a:cubicBezTo>
-                <a:cubicBezTo>
-                  <a:pt x="4642495" y="11846"/>
-                  <a:pt x="5041928" y="-6069"/>
-                  <a:pt x="5237020" y="0"/>
-                </a:cubicBezTo>
-                <a:cubicBezTo>
-                  <a:pt x="5432112" y="6069"/>
-                  <a:pt x="5943266" y="-17479"/>
-                  <a:pt x="6132469" y="0"/>
-                </a:cubicBezTo>
-                <a:cubicBezTo>
-                  <a:pt x="6321672" y="17479"/>
-                  <a:pt x="6483872" y="26234"/>
-                  <a:pt x="6702301" y="0"/>
-                </a:cubicBezTo>
-                <a:cubicBezTo>
-                  <a:pt x="6920730" y="-26234"/>
-                  <a:pt x="6991194" y="-15156"/>
-                  <a:pt x="7272132" y="0"/>
-                </a:cubicBezTo>
-                <a:cubicBezTo>
-                  <a:pt x="7553070" y="15156"/>
-                  <a:pt x="7684444" y="-32961"/>
-                  <a:pt x="7950502" y="0"/>
-                </a:cubicBezTo>
-                <a:cubicBezTo>
-                  <a:pt x="8216560" y="32961"/>
-                  <a:pt x="8493290" y="-10491"/>
-                  <a:pt x="8737412" y="0"/>
-                </a:cubicBezTo>
-                <a:cubicBezTo>
-                  <a:pt x="8981534" y="10491"/>
-                  <a:pt x="9191586" y="-13899"/>
-                  <a:pt x="9524322" y="0"/>
-                </a:cubicBezTo>
-                <a:cubicBezTo>
-                  <a:pt x="9857058" y="13899"/>
-                  <a:pt x="10297509" y="7485"/>
-                  <a:pt x="10853928" y="0"/>
-                </a:cubicBezTo>
-                <a:cubicBezTo>
-                  <a:pt x="10854574" y="4451"/>
-                  <a:pt x="10854418" y="9226"/>
-                  <a:pt x="10853928" y="18288"/>
-                </a:cubicBezTo>
-                <a:cubicBezTo>
-                  <a:pt x="10691638" y="28522"/>
-                  <a:pt x="10574319" y="29578"/>
-                  <a:pt x="10392636" y="18288"/>
-                </a:cubicBezTo>
-                <a:cubicBezTo>
-                  <a:pt x="10210953" y="6998"/>
-                  <a:pt x="9836277" y="-16742"/>
-                  <a:pt x="9497187" y="18288"/>
-                </a:cubicBezTo>
-                <a:cubicBezTo>
-                  <a:pt x="9158097" y="53318"/>
-                  <a:pt x="9119479" y="30714"/>
-                  <a:pt x="8818817" y="18288"/>
-                </a:cubicBezTo>
-                <a:cubicBezTo>
-                  <a:pt x="8518155" y="5863"/>
-                  <a:pt x="8640037" y="6483"/>
-                  <a:pt x="8466064" y="18288"/>
-                </a:cubicBezTo>
-                <a:cubicBezTo>
-                  <a:pt x="8292091" y="30093"/>
-                  <a:pt x="7997656" y="18914"/>
-                  <a:pt x="7787693" y="18288"/>
-                </a:cubicBezTo>
-                <a:cubicBezTo>
-                  <a:pt x="7577730" y="17662"/>
-                  <a:pt x="7412468" y="21416"/>
-                  <a:pt x="7217862" y="18288"/>
-                </a:cubicBezTo>
-                <a:cubicBezTo>
-                  <a:pt x="7023256" y="15160"/>
-                  <a:pt x="6898018" y="14824"/>
-                  <a:pt x="6648031" y="18288"/>
-                </a:cubicBezTo>
-                <a:cubicBezTo>
-                  <a:pt x="6398044" y="21752"/>
-                  <a:pt x="6254402" y="38625"/>
-                  <a:pt x="6078200" y="18288"/>
-                </a:cubicBezTo>
-                <a:cubicBezTo>
-                  <a:pt x="5901998" y="-2049"/>
-                  <a:pt x="5622886" y="3213"/>
-                  <a:pt x="5508368" y="18288"/>
-                </a:cubicBezTo>
-                <a:cubicBezTo>
-                  <a:pt x="5393850" y="33363"/>
-                  <a:pt x="5036260" y="26830"/>
-                  <a:pt x="4721459" y="18288"/>
-                </a:cubicBezTo>
-                <a:cubicBezTo>
-                  <a:pt x="4406658" y="9746"/>
-                  <a:pt x="4239221" y="41551"/>
-                  <a:pt x="4043088" y="18288"/>
-                </a:cubicBezTo>
-                <a:cubicBezTo>
-                  <a:pt x="3846955" y="-4975"/>
-                  <a:pt x="3818802" y="34658"/>
-                  <a:pt x="3690336" y="18288"/>
-                </a:cubicBezTo>
-                <a:cubicBezTo>
-                  <a:pt x="3561870" y="1918"/>
-                  <a:pt x="3265491" y="42194"/>
-                  <a:pt x="3120504" y="18288"/>
-                </a:cubicBezTo>
-                <a:cubicBezTo>
-                  <a:pt x="2975517" y="-5618"/>
-                  <a:pt x="2720254" y="36673"/>
-                  <a:pt x="2333595" y="18288"/>
-                </a:cubicBezTo>
-                <a:cubicBezTo>
-                  <a:pt x="1946936" y="-97"/>
-                  <a:pt x="2097241" y="5776"/>
-                  <a:pt x="1872303" y="18288"/>
-                </a:cubicBezTo>
-                <a:cubicBezTo>
-                  <a:pt x="1647365" y="30800"/>
-                  <a:pt x="1282708" y="45380"/>
-                  <a:pt x="976854" y="18288"/>
-                </a:cubicBezTo>
-                <a:cubicBezTo>
-                  <a:pt x="671000" y="-8804"/>
-                  <a:pt x="408401" y="-12775"/>
-                  <a:pt x="0" y="18288"/>
-                </a:cubicBezTo>
-                <a:cubicBezTo>
-                  <a:pt x="-213" y="9468"/>
-                  <a:pt x="187" y="4459"/>
-                  <a:pt x="0" y="0"/>
-                </a:cubicBezTo>
-                <a:close/>
-              </a:path>
-              <a:path w="10853928" h="18288" stroke="0" extrusionOk="0">
-                <a:moveTo>
-                  <a:pt x="0" y="0"/>
-                </a:moveTo>
-                <a:cubicBezTo>
-                  <a:pt x="267322" y="15284"/>
-                  <a:pt x="415388" y="-21048"/>
-                  <a:pt x="569831" y="0"/>
-                </a:cubicBezTo>
-                <a:cubicBezTo>
-                  <a:pt x="724274" y="21048"/>
-                  <a:pt x="769333" y="-2353"/>
-                  <a:pt x="922584" y="0"/>
-                </a:cubicBezTo>
-                <a:cubicBezTo>
-                  <a:pt x="1075835" y="2353"/>
-                  <a:pt x="1399490" y="-145"/>
-                  <a:pt x="1818033" y="0"/>
-                </a:cubicBezTo>
-                <a:cubicBezTo>
-                  <a:pt x="2236576" y="145"/>
-                  <a:pt x="2145330" y="5482"/>
-                  <a:pt x="2387864" y="0"/>
-                </a:cubicBezTo>
-                <a:cubicBezTo>
-                  <a:pt x="2630398" y="-5482"/>
-                  <a:pt x="2793207" y="18487"/>
-                  <a:pt x="2957695" y="0"/>
-                </a:cubicBezTo>
-                <a:cubicBezTo>
-                  <a:pt x="3122183" y="-18487"/>
-                  <a:pt x="3579141" y="19003"/>
-                  <a:pt x="3853144" y="0"/>
-                </a:cubicBezTo>
-                <a:cubicBezTo>
-                  <a:pt x="4127147" y="-19003"/>
-                  <a:pt x="4209857" y="12211"/>
-                  <a:pt x="4314436" y="0"/>
-                </a:cubicBezTo>
-                <a:cubicBezTo>
-                  <a:pt x="4419015" y="-12211"/>
-                  <a:pt x="4762459" y="-17220"/>
-                  <a:pt x="5209885" y="0"/>
-                </a:cubicBezTo>
-                <a:cubicBezTo>
-                  <a:pt x="5657311" y="17220"/>
-                  <a:pt x="5692663" y="-3290"/>
-                  <a:pt x="6105335" y="0"/>
-                </a:cubicBezTo>
-                <a:cubicBezTo>
-                  <a:pt x="6518007" y="3290"/>
-                  <a:pt x="6455516" y="-5124"/>
-                  <a:pt x="6783705" y="0"/>
-                </a:cubicBezTo>
-                <a:cubicBezTo>
-                  <a:pt x="7111894" y="5124"/>
-                  <a:pt x="7441941" y="-17829"/>
-                  <a:pt x="7679154" y="0"/>
-                </a:cubicBezTo>
-                <a:cubicBezTo>
-                  <a:pt x="7916367" y="17829"/>
-                  <a:pt x="8102967" y="-24363"/>
-                  <a:pt x="8248985" y="0"/>
-                </a:cubicBezTo>
-                <a:cubicBezTo>
-                  <a:pt x="8395003" y="24363"/>
-                  <a:pt x="8552393" y="25505"/>
-                  <a:pt x="8818817" y="0"/>
-                </a:cubicBezTo>
-                <a:cubicBezTo>
-                  <a:pt x="9085241" y="-25505"/>
-                  <a:pt x="9411308" y="38000"/>
-                  <a:pt x="9605726" y="0"/>
-                </a:cubicBezTo>
-                <a:cubicBezTo>
-                  <a:pt x="9800144" y="-38000"/>
-                  <a:pt x="10006468" y="-25741"/>
-                  <a:pt x="10175558" y="0"/>
-                </a:cubicBezTo>
-                <a:cubicBezTo>
-                  <a:pt x="10344648" y="25741"/>
-                  <a:pt x="10696282" y="695"/>
-                  <a:pt x="10853928" y="0"/>
-                </a:cubicBezTo>
-                <a:cubicBezTo>
-                  <a:pt x="10853521" y="8690"/>
-                  <a:pt x="10853774" y="14141"/>
-                  <a:pt x="10853928" y="18288"/>
-                </a:cubicBezTo>
-                <a:cubicBezTo>
-                  <a:pt x="10608124" y="24255"/>
-                  <a:pt x="10343415" y="22307"/>
-                  <a:pt x="10067018" y="18288"/>
-                </a:cubicBezTo>
-                <a:cubicBezTo>
-                  <a:pt x="9790621" y="14270"/>
-                  <a:pt x="9843266" y="3564"/>
-                  <a:pt x="9714266" y="18288"/>
-                </a:cubicBezTo>
-                <a:cubicBezTo>
-                  <a:pt x="9585266" y="33012"/>
-                  <a:pt x="9379484" y="1875"/>
-                  <a:pt x="9252974" y="18288"/>
-                </a:cubicBezTo>
-                <a:cubicBezTo>
-                  <a:pt x="9126464" y="34701"/>
-                  <a:pt x="8580678" y="-4904"/>
-                  <a:pt x="8357525" y="18288"/>
-                </a:cubicBezTo>
-                <a:cubicBezTo>
-                  <a:pt x="8134372" y="41480"/>
-                  <a:pt x="7903199" y="26458"/>
-                  <a:pt x="7679154" y="18288"/>
-                </a:cubicBezTo>
-                <a:cubicBezTo>
-                  <a:pt x="7455109" y="10118"/>
-                  <a:pt x="7435944" y="27109"/>
-                  <a:pt x="7217862" y="18288"/>
-                </a:cubicBezTo>
-                <a:cubicBezTo>
-                  <a:pt x="6999780" y="9467"/>
-                  <a:pt x="6680409" y="18985"/>
-                  <a:pt x="6539492" y="18288"/>
-                </a:cubicBezTo>
-                <a:cubicBezTo>
-                  <a:pt x="6398575" y="17592"/>
-                  <a:pt x="6312077" y="33018"/>
-                  <a:pt x="6186739" y="18288"/>
-                </a:cubicBezTo>
-                <a:cubicBezTo>
-                  <a:pt x="6061401" y="3558"/>
-                  <a:pt x="5947033" y="12075"/>
-                  <a:pt x="5833986" y="18288"/>
-                </a:cubicBezTo>
-                <a:cubicBezTo>
-                  <a:pt x="5720939" y="24501"/>
-                  <a:pt x="5482226" y="8586"/>
-                  <a:pt x="5155616" y="18288"/>
-                </a:cubicBezTo>
-                <a:cubicBezTo>
-                  <a:pt x="4829006" y="27991"/>
-                  <a:pt x="4841274" y="29316"/>
-                  <a:pt x="4694324" y="18288"/>
-                </a:cubicBezTo>
-                <a:cubicBezTo>
-                  <a:pt x="4547374" y="7260"/>
-                  <a:pt x="4077675" y="7013"/>
-                  <a:pt x="3907414" y="18288"/>
-                </a:cubicBezTo>
-                <a:cubicBezTo>
-                  <a:pt x="3737153" y="29564"/>
-                  <a:pt x="3538393" y="21630"/>
-                  <a:pt x="3446122" y="18288"/>
-                </a:cubicBezTo>
-                <a:cubicBezTo>
-                  <a:pt x="3353851" y="14946"/>
-                  <a:pt x="2990320" y="-8091"/>
-                  <a:pt x="2659212" y="18288"/>
-                </a:cubicBezTo>
-                <a:cubicBezTo>
-                  <a:pt x="2328104" y="44667"/>
-                  <a:pt x="2427653" y="9607"/>
-                  <a:pt x="2306460" y="18288"/>
-                </a:cubicBezTo>
-                <a:cubicBezTo>
-                  <a:pt x="2185267" y="26969"/>
-                  <a:pt x="1719763" y="3717"/>
-                  <a:pt x="1519550" y="18288"/>
-                </a:cubicBezTo>
-                <a:cubicBezTo>
-                  <a:pt x="1319337" y="32860"/>
-                  <a:pt x="1167371" y="17040"/>
-                  <a:pt x="1058258" y="18288"/>
-                </a:cubicBezTo>
-                <a:cubicBezTo>
-                  <a:pt x="949145" y="19536"/>
-                  <a:pt x="780234" y="31447"/>
-                  <a:pt x="705505" y="18288"/>
-                </a:cubicBezTo>
-                <a:cubicBezTo>
-                  <a:pt x="630776" y="5129"/>
-                  <a:pt x="215796" y="30056"/>
-                  <a:pt x="0" y="18288"/>
-                </a:cubicBezTo>
-                <a:cubicBezTo>
-                  <a:pt x="-53" y="11301"/>
-                  <a:pt x="-649" y="7756"/>
-                  <a:pt x="0" y="0"/>
-                </a:cubicBezTo>
-                <a:close/>
-              </a:path>
-            </a:pathLst>
-          </a:custGeom>
-          <a:solidFill>
-            <a:schemeClr val="accent2"/>
-          </a:solidFill>
-          <a:ln w="41275" cap="rnd">
-            <a:solidFill>
-              <a:schemeClr val="accent2"/>
-            </a:solidFill>
-            <a:round/>
-            <a:extLst>
-              <a:ext uri="{C807C97D-BFC1-408E-A445-0C87EB9F89A2}">
-                <ask:lineSketchStyleProps xmlns:ask="http://schemas.microsoft.com/office/drawing/2018/sketchyshapes" sd="1219033472">
-                  <a:prstGeom prst="rect">
-                    <a:avLst/>
-                  </a:prstGeom>
-                  <ask:type>
-                    <ask:lineSketchFreehand/>
-                  </ask:type>
-                </ask:lineSketchStyleProps>
-              </a:ext>
-            </a:extLst>
-          </a:ln>
-        </p:spPr>
-        <p:style>
-          <a:lnRef idx="2">
-            <a:schemeClr val="accent1">
-              <a:shade val="50000"/>
-            </a:schemeClr>
-          </a:lnRef>
-          <a:fillRef idx="1">
-            <a:schemeClr val="accent1"/>
-          </a:fillRef>
-          <a:effectRef idx="0">
-            <a:schemeClr val="accent1"/>
-          </a:effectRef>
-          <a:fontRef idx="minor">
-            <a:schemeClr val="lt1"/>
-          </a:fontRef>
-        </p:style>
-        <p:txBody>
-          <a:bodyPr rtlCol="0" anchor="ctr"/>
-          <a:lstStyle/>
-          <a:p>
-            <a:pPr algn="ctr"/>
-            <a:endParaRPr lang="en-US"/>
-          </a:p>
-        </p:txBody>
-      </p:sp>
-      <p:sp>
-        <p:nvSpPr>
-          <p:cNvPr id="3" name="Content Placeholder 2">
-            <a:extLst>
-              <a:ext uri="{FF2B5EF4-FFF2-40B4-BE49-F238E27FC236}">
-                <a16:creationId xmlns:a16="http://schemas.microsoft.com/office/drawing/2014/main" id="{3F6271E1-7B60-4352-8E96-48BDB05AAE09}"/>
-              </a:ext>
-            </a:extLst>
-          </p:cNvPr>
-          <p:cNvSpPr>
-            <a:spLocks noGrp="1"/>
-          </p:cNvSpPr>
-          <p:nvPr>
-            <p:ph idx="1"/>
-          </p:nvPr>
-        </p:nvSpPr>
-        <p:spPr>
-          <a:xfrm>
-            <a:off x="838200" y="1929384"/>
-            <a:ext cx="10515600" cy="4251960"/>
-          </a:xfrm>
-        </p:spPr>
-        <p:txBody>
-          <a:bodyPr>
-            <a:normAutofit/>
-          </a:bodyPr>
-          <a:lstStyle/>
-          <a:p>
-            <a:r>
-              <a:rPr lang="en-US" sz="2400" dirty="0"/>
-              <a:t>Board Testing</a:t>
-            </a:r>
-          </a:p>
-          <a:p>
-            <a:pPr lvl="1"/>
-            <a:r>
-              <a:rPr lang="en-US" sz="2000" dirty="0"/>
-              <a:t>Power Testing</a:t>
-            </a:r>
-          </a:p>
-          <a:p>
-            <a:pPr lvl="2"/>
-            <a:r>
-              <a:rPr lang="en-US" sz="1600" dirty="0"/>
-              <a:t>Test how much power our board will take during load.</a:t>
-            </a:r>
-          </a:p>
-          <a:p>
-            <a:pPr lvl="1"/>
-            <a:r>
-              <a:rPr lang="en-US" sz="2000" dirty="0"/>
-              <a:t>Sensor Testing</a:t>
-            </a:r>
-          </a:p>
-          <a:p>
-            <a:pPr lvl="2"/>
-            <a:r>
-              <a:rPr lang="en-US" sz="1600" dirty="0"/>
-              <a:t>Make sure the sensors are talking appropriately to the ESP32.</a:t>
-            </a:r>
-          </a:p>
-          <a:p>
-            <a:r>
-              <a:rPr lang="en-US" sz="2400" dirty="0"/>
-              <a:t>Code Testing</a:t>
-            </a:r>
-          </a:p>
-          <a:p>
-            <a:pPr lvl="1"/>
-            <a:r>
-              <a:rPr lang="en-US" sz="2000" dirty="0"/>
-              <a:t>ESP-Dash Range Testing</a:t>
-            </a:r>
-          </a:p>
-          <a:p>
-            <a:pPr lvl="2"/>
-            <a:r>
-              <a:rPr lang="en-US" sz="1600" dirty="0"/>
-              <a:t>Test Range we can transmit to the ESP using ESP-Dash.</a:t>
-            </a:r>
-          </a:p>
-          <a:p>
-            <a:pPr lvl="1"/>
-            <a:r>
-              <a:rPr lang="en-US" sz="2000" dirty="0"/>
-              <a:t>Sensor Testing</a:t>
-            </a:r>
-          </a:p>
-          <a:p>
-            <a:pPr lvl="2"/>
-            <a:r>
-              <a:rPr lang="en-US" sz="1600" dirty="0"/>
-              <a:t>Import fake data into sensors to make sure they are processing data correctly</a:t>
-            </a:r>
-            <a:r>
-              <a:rPr lang="en-US" sz="1400" dirty="0"/>
-              <a:t>.</a:t>
-            </a:r>
-          </a:p>
-        </p:txBody>
-      </p:sp>
-    </p:spTree>
-    <p:extLst>
-      <p:ext uri="{BB962C8B-B14F-4D97-AF65-F5344CB8AC3E}">
-        <p14:creationId xmlns:p14="http://schemas.microsoft.com/office/powerpoint/2010/main" val="498654753"/>
-      </p:ext>
-    </p:extLst>
-  </p:cSld>
-  <p:clrMapOvr>
-    <a:masterClrMapping/>
-  </p:clrMapOvr>
-</p:sld>
-</file>
-
-<file path=ppt/slides/slide17.xml><?xml version="1.0" encoding="utf-8"?>
-<p:sld xmlns:a="http://schemas.openxmlformats.org/drawingml/2006/main" xmlns:r="http://schemas.openxmlformats.org/officeDocument/2006/relationships" xmlns:p="http://schemas.openxmlformats.org/presentationml/2006/main">
-  <p:cSld>
-    <p:bg>
-      <p:bgPr>
-        <a:solidFill>
-          <a:schemeClr val="bg1"/>
-        </a:solidFill>
-        <a:effectLst/>
-      </p:bgPr>
-    </p:bg>
-    <p:spTree>
-      <p:nvGrpSpPr>
-        <p:cNvPr id="1" name=""/>
-        <p:cNvGrpSpPr/>
-        <p:nvPr/>
-      </p:nvGrpSpPr>
-      <p:grpSpPr>
-        <a:xfrm>
-          <a:off x="0" y="0"/>
-          <a:ext cx="0" cy="0"/>
-          <a:chOff x="0" y="0"/>
-          <a:chExt cx="0" cy="0"/>
-        </a:xfrm>
-      </p:grpSpPr>
-      <p:sp useBgFill="1">
-        <p:nvSpPr>
-          <p:cNvPr id="19" name="Rectangle 18">
-            <a:extLst>
-              <a:ext uri="{FF2B5EF4-FFF2-40B4-BE49-F238E27FC236}">
-                <a16:creationId xmlns:a16="http://schemas.microsoft.com/office/drawing/2014/main" id="{100EDD19-6802-4EC3-95CE-CFFAB042CFD6}"/>
-              </a:ext>
-              <a:ext uri="{C183D7F6-B498-43B3-948B-1728B52AA6E4}">
-                <adec:decorative xmlns:adec="http://schemas.microsoft.com/office/drawing/2017/decorative" val="1"/>
-              </a:ext>
-            </a:extLst>
-          </p:cNvPr>
-          <p:cNvSpPr>
-            <a:spLocks noGrp="1" noRot="1" noChangeAspect="1" noMove="1" noResize="1" noEditPoints="1" noAdjustHandles="1" noChangeArrowheads="1" noChangeShapeType="1" noTextEdit="1"/>
-          </p:cNvSpPr>
-          <p:nvPr>
-            <p:extLst>
-              <p:ext uri="{386F3935-93C4-4BCD-93E2-E3B085C9AB24}">
-                <p16:designElem xmlns:p16="http://schemas.microsoft.com/office/powerpoint/2015/main" val="1"/>
-              </p:ext>
-            </p:extLst>
-          </p:nvPr>
-        </p:nvSpPr>
-        <p:spPr>
-          <a:xfrm>
-            <a:off x="0" y="0"/>
-            <a:ext cx="12188952" cy="6858000"/>
-          </a:xfrm>
-          <a:prstGeom prst="rect">
-            <a:avLst/>
-          </a:prstGeom>
-          <a:ln>
-            <a:noFill/>
-          </a:ln>
-        </p:spPr>
-        <p:style>
-          <a:lnRef idx="2">
-            <a:schemeClr val="accent1">
-              <a:shade val="50000"/>
-            </a:schemeClr>
-          </a:lnRef>
-          <a:fillRef idx="1">
-            <a:schemeClr val="accent1"/>
-          </a:fillRef>
-          <a:effectRef idx="0">
-            <a:schemeClr val="accent1"/>
-          </a:effectRef>
-          <a:fontRef idx="minor">
-            <a:schemeClr val="lt1"/>
-          </a:fontRef>
-        </p:style>
-        <p:txBody>
-          <a:bodyPr rtlCol="0" anchor="ctr"/>
-          <a:lstStyle/>
-          <a:p>
-            <a:pPr algn="ctr"/>
-            <a:endParaRPr lang="en-US"/>
-          </a:p>
-        </p:txBody>
-      </p:sp>
-      <p:sp>
-        <p:nvSpPr>
-          <p:cNvPr id="2" name="Title 1">
-            <a:extLst>
-              <a:ext uri="{FF2B5EF4-FFF2-40B4-BE49-F238E27FC236}">
-                <a16:creationId xmlns:a16="http://schemas.microsoft.com/office/drawing/2014/main" id="{2C307065-32DC-739E-03E0-40E8F07AEDED}"/>
-              </a:ext>
-            </a:extLst>
-          </p:cNvPr>
-          <p:cNvSpPr>
-            <a:spLocks noGrp="1"/>
-          </p:cNvSpPr>
-          <p:nvPr>
-            <p:ph type="title"/>
-          </p:nvPr>
-        </p:nvSpPr>
-        <p:spPr>
-          <a:xfrm>
-            <a:off x="838200" y="365125"/>
-            <a:ext cx="10515600" cy="1325563"/>
-          </a:xfrm>
-        </p:spPr>
-        <p:txBody>
-          <a:bodyPr>
-            <a:normAutofit/>
-          </a:bodyPr>
-          <a:lstStyle/>
-          <a:p>
-            <a:r>
-              <a:rPr lang="en-US" sz="5400"/>
-              <a:t>Budget</a:t>
-            </a:r>
-          </a:p>
-        </p:txBody>
-      </p:sp>
-      <p:sp>
-        <p:nvSpPr>
-          <p:cNvPr id="20" name="sketch line">
-            <a:extLst>
-              <a:ext uri="{FF2B5EF4-FFF2-40B4-BE49-F238E27FC236}">
-                <a16:creationId xmlns:a16="http://schemas.microsoft.com/office/drawing/2014/main" id="{DB17E863-922E-4C26-BD64-E8FD41D28661}"/>
-              </a:ext>
-              <a:ext uri="{C183D7F6-B498-43B3-948B-1728B52AA6E4}">
-                <adec:decorative xmlns:adec="http://schemas.microsoft.com/office/drawing/2017/decorative" val="1"/>
-              </a:ext>
-            </a:extLst>
-          </p:cNvPr>
-          <p:cNvSpPr>
-            <a:spLocks noGrp="1" noRot="1" noChangeAspect="1" noMove="1" noResize="1" noEditPoints="1" noAdjustHandles="1" noChangeArrowheads="1" noChangeShapeType="1" noTextEdit="1"/>
-          </p:cNvSpPr>
-          <p:nvPr>
-            <p:extLst>
-              <p:ext uri="{386F3935-93C4-4BCD-93E2-E3B085C9AB24}">
-                <p16:designElem xmlns:p16="http://schemas.microsoft.com/office/powerpoint/2015/main" val="1"/>
-              </p:ext>
-            </p:extLst>
-          </p:nvPr>
-        </p:nvSpPr>
-        <p:spPr>
-          <a:xfrm>
-            <a:off x="669036" y="1677373"/>
-            <a:ext cx="10853928" cy="18288"/>
-          </a:xfrm>
-          <a:custGeom>
-            <a:avLst/>
-            <a:gdLst>
-              <a:gd name="connsiteX0" fmla="*/ 0 w 10853928"/>
-              <a:gd name="connsiteY0" fmla="*/ 0 h 18288"/>
-              <a:gd name="connsiteX1" fmla="*/ 461292 w 10853928"/>
-              <a:gd name="connsiteY1" fmla="*/ 0 h 18288"/>
-              <a:gd name="connsiteX2" fmla="*/ 1139662 w 10853928"/>
-              <a:gd name="connsiteY2" fmla="*/ 0 h 18288"/>
-              <a:gd name="connsiteX3" fmla="*/ 1926572 w 10853928"/>
-              <a:gd name="connsiteY3" fmla="*/ 0 h 18288"/>
-              <a:gd name="connsiteX4" fmla="*/ 2279325 w 10853928"/>
-              <a:gd name="connsiteY4" fmla="*/ 0 h 18288"/>
-              <a:gd name="connsiteX5" fmla="*/ 2632078 w 10853928"/>
-              <a:gd name="connsiteY5" fmla="*/ 0 h 18288"/>
-              <a:gd name="connsiteX6" fmla="*/ 3527527 w 10853928"/>
-              <a:gd name="connsiteY6" fmla="*/ 0 h 18288"/>
-              <a:gd name="connsiteX7" fmla="*/ 4205897 w 10853928"/>
-              <a:gd name="connsiteY7" fmla="*/ 0 h 18288"/>
-              <a:gd name="connsiteX8" fmla="*/ 4558650 w 10853928"/>
-              <a:gd name="connsiteY8" fmla="*/ 0 h 18288"/>
-              <a:gd name="connsiteX9" fmla="*/ 5237020 w 10853928"/>
-              <a:gd name="connsiteY9" fmla="*/ 0 h 18288"/>
-              <a:gd name="connsiteX10" fmla="*/ 6132469 w 10853928"/>
-              <a:gd name="connsiteY10" fmla="*/ 0 h 18288"/>
-              <a:gd name="connsiteX11" fmla="*/ 6702301 w 10853928"/>
-              <a:gd name="connsiteY11" fmla="*/ 0 h 18288"/>
-              <a:gd name="connsiteX12" fmla="*/ 7272132 w 10853928"/>
-              <a:gd name="connsiteY12" fmla="*/ 0 h 18288"/>
-              <a:gd name="connsiteX13" fmla="*/ 7950502 w 10853928"/>
-              <a:gd name="connsiteY13" fmla="*/ 0 h 18288"/>
-              <a:gd name="connsiteX14" fmla="*/ 8737412 w 10853928"/>
-              <a:gd name="connsiteY14" fmla="*/ 0 h 18288"/>
-              <a:gd name="connsiteX15" fmla="*/ 9524322 w 10853928"/>
-              <a:gd name="connsiteY15" fmla="*/ 0 h 18288"/>
-              <a:gd name="connsiteX16" fmla="*/ 10853928 w 10853928"/>
-              <a:gd name="connsiteY16" fmla="*/ 0 h 18288"/>
-              <a:gd name="connsiteX17" fmla="*/ 10853928 w 10853928"/>
-              <a:gd name="connsiteY17" fmla="*/ 18288 h 18288"/>
-              <a:gd name="connsiteX18" fmla="*/ 10392636 w 10853928"/>
-              <a:gd name="connsiteY18" fmla="*/ 18288 h 18288"/>
-              <a:gd name="connsiteX19" fmla="*/ 9497187 w 10853928"/>
-              <a:gd name="connsiteY19" fmla="*/ 18288 h 18288"/>
-              <a:gd name="connsiteX20" fmla="*/ 8818817 w 10853928"/>
-              <a:gd name="connsiteY20" fmla="*/ 18288 h 18288"/>
-              <a:gd name="connsiteX21" fmla="*/ 8466064 w 10853928"/>
-              <a:gd name="connsiteY21" fmla="*/ 18288 h 18288"/>
-              <a:gd name="connsiteX22" fmla="*/ 7787693 w 10853928"/>
-              <a:gd name="connsiteY22" fmla="*/ 18288 h 18288"/>
-              <a:gd name="connsiteX23" fmla="*/ 7217862 w 10853928"/>
-              <a:gd name="connsiteY23" fmla="*/ 18288 h 18288"/>
-              <a:gd name="connsiteX24" fmla="*/ 6648031 w 10853928"/>
-              <a:gd name="connsiteY24" fmla="*/ 18288 h 18288"/>
-              <a:gd name="connsiteX25" fmla="*/ 6078200 w 10853928"/>
-              <a:gd name="connsiteY25" fmla="*/ 18288 h 18288"/>
-              <a:gd name="connsiteX26" fmla="*/ 5508368 w 10853928"/>
-              <a:gd name="connsiteY26" fmla="*/ 18288 h 18288"/>
-              <a:gd name="connsiteX27" fmla="*/ 4721459 w 10853928"/>
-              <a:gd name="connsiteY27" fmla="*/ 18288 h 18288"/>
-              <a:gd name="connsiteX28" fmla="*/ 4043088 w 10853928"/>
-              <a:gd name="connsiteY28" fmla="*/ 18288 h 18288"/>
-              <a:gd name="connsiteX29" fmla="*/ 3690336 w 10853928"/>
-              <a:gd name="connsiteY29" fmla="*/ 18288 h 18288"/>
-              <a:gd name="connsiteX30" fmla="*/ 3120504 w 10853928"/>
-              <a:gd name="connsiteY30" fmla="*/ 18288 h 18288"/>
-              <a:gd name="connsiteX31" fmla="*/ 2333595 w 10853928"/>
-              <a:gd name="connsiteY31" fmla="*/ 18288 h 18288"/>
-              <a:gd name="connsiteX32" fmla="*/ 1872303 w 10853928"/>
-              <a:gd name="connsiteY32" fmla="*/ 18288 h 18288"/>
-              <a:gd name="connsiteX33" fmla="*/ 976854 w 10853928"/>
-              <a:gd name="connsiteY33" fmla="*/ 18288 h 18288"/>
-              <a:gd name="connsiteX34" fmla="*/ 0 w 10853928"/>
-              <a:gd name="connsiteY34" fmla="*/ 18288 h 18288"/>
-              <a:gd name="connsiteX35" fmla="*/ 0 w 10853928"/>
-              <a:gd name="connsiteY35" fmla="*/ 0 h 18288"/>
-            </a:gdLst>
-            <a:ahLst/>
-            <a:cxnLst>
-              <a:cxn ang="0">
-                <a:pos x="connsiteX0" y="connsiteY0"/>
-              </a:cxn>
-              <a:cxn ang="0">
-                <a:pos x="connsiteX1" y="connsiteY1"/>
-              </a:cxn>
-              <a:cxn ang="0">
-                <a:pos x="connsiteX2" y="connsiteY2"/>
-              </a:cxn>
-              <a:cxn ang="0">
-                <a:pos x="connsiteX3" y="connsiteY3"/>
-              </a:cxn>
-              <a:cxn ang="0">
-                <a:pos x="connsiteX4" y="connsiteY4"/>
-              </a:cxn>
-              <a:cxn ang="0">
-                <a:pos x="connsiteX5" y="connsiteY5"/>
-              </a:cxn>
-              <a:cxn ang="0">
-                <a:pos x="connsiteX6" y="connsiteY6"/>
-              </a:cxn>
-              <a:cxn ang="0">
-                <a:pos x="connsiteX7" y="connsiteY7"/>
-              </a:cxn>
-              <a:cxn ang="0">
-                <a:pos x="connsiteX8" y="connsiteY8"/>
-              </a:cxn>
-              <a:cxn ang="0">
-                <a:pos x="connsiteX9" y="connsiteY9"/>
-              </a:cxn>
-              <a:cxn ang="0">
-                <a:pos x="connsiteX10" y="connsiteY10"/>
-              </a:cxn>
-              <a:cxn ang="0">
-                <a:pos x="connsiteX11" y="connsiteY11"/>
-              </a:cxn>
-              <a:cxn ang="0">
-                <a:pos x="connsiteX12" y="connsiteY12"/>
-              </a:cxn>
-              <a:cxn ang="0">
-                <a:pos x="connsiteX13" y="connsiteY13"/>
-              </a:cxn>
-              <a:cxn ang="0">
-                <a:pos x="connsiteX14" y="connsiteY14"/>
-              </a:cxn>
-              <a:cxn ang="0">
-                <a:pos x="connsiteX15" y="connsiteY15"/>
-              </a:cxn>
-              <a:cxn ang="0">
-                <a:pos x="connsiteX16" y="connsiteY16"/>
-              </a:cxn>
-              <a:cxn ang="0">
-                <a:pos x="connsiteX17" y="connsiteY17"/>
-              </a:cxn>
-              <a:cxn ang="0">
-                <a:pos x="connsiteX18" y="connsiteY18"/>
-              </a:cxn>
-              <a:cxn ang="0">
-                <a:pos x="connsiteX19" y="connsiteY19"/>
-              </a:cxn>
-              <a:cxn ang="0">
-                <a:pos x="connsiteX20" y="connsiteY20"/>
-              </a:cxn>
-              <a:cxn ang="0">
-                <a:pos x="connsiteX21" y="connsiteY21"/>
-              </a:cxn>
-              <a:cxn ang="0">
-                <a:pos x="connsiteX22" y="connsiteY22"/>
-              </a:cxn>
-              <a:cxn ang="0">
-                <a:pos x="connsiteX23" y="connsiteY23"/>
-              </a:cxn>
-              <a:cxn ang="0">
-                <a:pos x="connsiteX24" y="connsiteY24"/>
-              </a:cxn>
-              <a:cxn ang="0">
-                <a:pos x="connsiteX25" y="connsiteY25"/>
-              </a:cxn>
-              <a:cxn ang="0">
-                <a:pos x="connsiteX26" y="connsiteY26"/>
-              </a:cxn>
-              <a:cxn ang="0">
-                <a:pos x="connsiteX27" y="connsiteY27"/>
-              </a:cxn>
-              <a:cxn ang="0">
-                <a:pos x="connsiteX28" y="connsiteY28"/>
-              </a:cxn>
-              <a:cxn ang="0">
-                <a:pos x="connsiteX29" y="connsiteY29"/>
-              </a:cxn>
-              <a:cxn ang="0">
-                <a:pos x="connsiteX30" y="connsiteY30"/>
-              </a:cxn>
-              <a:cxn ang="0">
-                <a:pos x="connsiteX31" y="connsiteY31"/>
-              </a:cxn>
-              <a:cxn ang="0">
-                <a:pos x="connsiteX32" y="connsiteY32"/>
-              </a:cxn>
-              <a:cxn ang="0">
-                <a:pos x="connsiteX33" y="connsiteY33"/>
-              </a:cxn>
-              <a:cxn ang="0">
-                <a:pos x="connsiteX34" y="connsiteY34"/>
-              </a:cxn>
-              <a:cxn ang="0">
-                <a:pos x="connsiteX35" y="connsiteY35"/>
-              </a:cxn>
-            </a:cxnLst>
-            <a:rect l="l" t="t" r="r" b="b"/>
-            <a:pathLst>
-              <a:path w="10853928" h="18288" fill="none" extrusionOk="0">
-                <a:moveTo>
-                  <a:pt x="0" y="0"/>
-                </a:moveTo>
-                <a:cubicBezTo>
-                  <a:pt x="146993" y="-19076"/>
-                  <a:pt x="347684" y="-4790"/>
-                  <a:pt x="461292" y="0"/>
-                </a:cubicBezTo>
-                <a:cubicBezTo>
-                  <a:pt x="574900" y="4790"/>
-                  <a:pt x="808367" y="19821"/>
-                  <a:pt x="1139662" y="0"/>
-                </a:cubicBezTo>
-                <a:cubicBezTo>
-                  <a:pt x="1470957" y="-19821"/>
-                  <a:pt x="1627405" y="5721"/>
-                  <a:pt x="1926572" y="0"/>
-                </a:cubicBezTo>
-                <a:cubicBezTo>
-                  <a:pt x="2225739" y="-5721"/>
-                  <a:pt x="2137730" y="-3235"/>
-                  <a:pt x="2279325" y="0"/>
-                </a:cubicBezTo>
-                <a:cubicBezTo>
-                  <a:pt x="2420920" y="3235"/>
-                  <a:pt x="2456518" y="9685"/>
-                  <a:pt x="2632078" y="0"/>
-                </a:cubicBezTo>
-                <a:cubicBezTo>
-                  <a:pt x="2807638" y="-9685"/>
-                  <a:pt x="3211516" y="-43007"/>
-                  <a:pt x="3527527" y="0"/>
-                </a:cubicBezTo>
-                <a:cubicBezTo>
-                  <a:pt x="3843538" y="43007"/>
-                  <a:pt x="4058833" y="22042"/>
-                  <a:pt x="4205897" y="0"/>
-                </a:cubicBezTo>
-                <a:cubicBezTo>
-                  <a:pt x="4352961" y="-22042"/>
-                  <a:pt x="4474805" y="-11846"/>
-                  <a:pt x="4558650" y="0"/>
-                </a:cubicBezTo>
-                <a:cubicBezTo>
-                  <a:pt x="4642495" y="11846"/>
-                  <a:pt x="5041928" y="-6069"/>
-                  <a:pt x="5237020" y="0"/>
-                </a:cubicBezTo>
-                <a:cubicBezTo>
-                  <a:pt x="5432112" y="6069"/>
-                  <a:pt x="5943266" y="-17479"/>
-                  <a:pt x="6132469" y="0"/>
-                </a:cubicBezTo>
-                <a:cubicBezTo>
-                  <a:pt x="6321672" y="17479"/>
-                  <a:pt x="6483872" y="26234"/>
-                  <a:pt x="6702301" y="0"/>
-                </a:cubicBezTo>
-                <a:cubicBezTo>
-                  <a:pt x="6920730" y="-26234"/>
-                  <a:pt x="6991194" y="-15156"/>
-                  <a:pt x="7272132" y="0"/>
-                </a:cubicBezTo>
-                <a:cubicBezTo>
-                  <a:pt x="7553070" y="15156"/>
-                  <a:pt x="7684444" y="-32961"/>
-                  <a:pt x="7950502" y="0"/>
-                </a:cubicBezTo>
-                <a:cubicBezTo>
-                  <a:pt x="8216560" y="32961"/>
-                  <a:pt x="8493290" y="-10491"/>
-                  <a:pt x="8737412" y="0"/>
-                </a:cubicBezTo>
-                <a:cubicBezTo>
-                  <a:pt x="8981534" y="10491"/>
-                  <a:pt x="9191586" y="-13899"/>
-                  <a:pt x="9524322" y="0"/>
-                </a:cubicBezTo>
-                <a:cubicBezTo>
-                  <a:pt x="9857058" y="13899"/>
-                  <a:pt x="10297509" y="7485"/>
-                  <a:pt x="10853928" y="0"/>
-                </a:cubicBezTo>
-                <a:cubicBezTo>
-                  <a:pt x="10854574" y="4451"/>
-                  <a:pt x="10854418" y="9226"/>
-                  <a:pt x="10853928" y="18288"/>
-                </a:cubicBezTo>
-                <a:cubicBezTo>
-                  <a:pt x="10691638" y="28522"/>
-                  <a:pt x="10574319" y="29578"/>
-                  <a:pt x="10392636" y="18288"/>
-                </a:cubicBezTo>
-                <a:cubicBezTo>
-                  <a:pt x="10210953" y="6998"/>
-                  <a:pt x="9836277" y="-16742"/>
-                  <a:pt x="9497187" y="18288"/>
-                </a:cubicBezTo>
-                <a:cubicBezTo>
-                  <a:pt x="9158097" y="53318"/>
-                  <a:pt x="9119479" y="30714"/>
-                  <a:pt x="8818817" y="18288"/>
-                </a:cubicBezTo>
-                <a:cubicBezTo>
-                  <a:pt x="8518155" y="5863"/>
-                  <a:pt x="8640037" y="6483"/>
-                  <a:pt x="8466064" y="18288"/>
-                </a:cubicBezTo>
-                <a:cubicBezTo>
-                  <a:pt x="8292091" y="30093"/>
-                  <a:pt x="7997656" y="18914"/>
-                  <a:pt x="7787693" y="18288"/>
-                </a:cubicBezTo>
-                <a:cubicBezTo>
-                  <a:pt x="7577730" y="17662"/>
-                  <a:pt x="7412468" y="21416"/>
-                  <a:pt x="7217862" y="18288"/>
-                </a:cubicBezTo>
-                <a:cubicBezTo>
-                  <a:pt x="7023256" y="15160"/>
-                  <a:pt x="6898018" y="14824"/>
-                  <a:pt x="6648031" y="18288"/>
-                </a:cubicBezTo>
-                <a:cubicBezTo>
-                  <a:pt x="6398044" y="21752"/>
-                  <a:pt x="6254402" y="38625"/>
-                  <a:pt x="6078200" y="18288"/>
-                </a:cubicBezTo>
-                <a:cubicBezTo>
-                  <a:pt x="5901998" y="-2049"/>
-                  <a:pt x="5622886" y="3213"/>
-                  <a:pt x="5508368" y="18288"/>
-                </a:cubicBezTo>
-                <a:cubicBezTo>
-                  <a:pt x="5393850" y="33363"/>
-                  <a:pt x="5036260" y="26830"/>
-                  <a:pt x="4721459" y="18288"/>
-                </a:cubicBezTo>
-                <a:cubicBezTo>
-                  <a:pt x="4406658" y="9746"/>
-                  <a:pt x="4239221" y="41551"/>
-                  <a:pt x="4043088" y="18288"/>
-                </a:cubicBezTo>
-                <a:cubicBezTo>
-                  <a:pt x="3846955" y="-4975"/>
-                  <a:pt x="3818802" y="34658"/>
-                  <a:pt x="3690336" y="18288"/>
-                </a:cubicBezTo>
-                <a:cubicBezTo>
-                  <a:pt x="3561870" y="1918"/>
-                  <a:pt x="3265491" y="42194"/>
-                  <a:pt x="3120504" y="18288"/>
-                </a:cubicBezTo>
-                <a:cubicBezTo>
-                  <a:pt x="2975517" y="-5618"/>
-                  <a:pt x="2720254" y="36673"/>
-                  <a:pt x="2333595" y="18288"/>
-                </a:cubicBezTo>
-                <a:cubicBezTo>
-                  <a:pt x="1946936" y="-97"/>
-                  <a:pt x="2097241" y="5776"/>
-                  <a:pt x="1872303" y="18288"/>
-                </a:cubicBezTo>
-                <a:cubicBezTo>
-                  <a:pt x="1647365" y="30800"/>
-                  <a:pt x="1282708" y="45380"/>
-                  <a:pt x="976854" y="18288"/>
-                </a:cubicBezTo>
-                <a:cubicBezTo>
-                  <a:pt x="671000" y="-8804"/>
-                  <a:pt x="408401" y="-12775"/>
-                  <a:pt x="0" y="18288"/>
-                </a:cubicBezTo>
-                <a:cubicBezTo>
-                  <a:pt x="-213" y="9468"/>
-                  <a:pt x="187" y="4459"/>
-                  <a:pt x="0" y="0"/>
-                </a:cubicBezTo>
-                <a:close/>
-              </a:path>
-              <a:path w="10853928" h="18288" stroke="0" extrusionOk="0">
-                <a:moveTo>
-                  <a:pt x="0" y="0"/>
-                </a:moveTo>
-                <a:cubicBezTo>
-                  <a:pt x="267322" y="15284"/>
-                  <a:pt x="415388" y="-21048"/>
-                  <a:pt x="569831" y="0"/>
-                </a:cubicBezTo>
-                <a:cubicBezTo>
-                  <a:pt x="724274" y="21048"/>
-                  <a:pt x="769333" y="-2353"/>
-                  <a:pt x="922584" y="0"/>
-                </a:cubicBezTo>
-                <a:cubicBezTo>
-                  <a:pt x="1075835" y="2353"/>
-                  <a:pt x="1399490" y="-145"/>
-                  <a:pt x="1818033" y="0"/>
-                </a:cubicBezTo>
-                <a:cubicBezTo>
-                  <a:pt x="2236576" y="145"/>
-                  <a:pt x="2145330" y="5482"/>
-                  <a:pt x="2387864" y="0"/>
-                </a:cubicBezTo>
-                <a:cubicBezTo>
-                  <a:pt x="2630398" y="-5482"/>
-                  <a:pt x="2793207" y="18487"/>
-                  <a:pt x="2957695" y="0"/>
-                </a:cubicBezTo>
-                <a:cubicBezTo>
-                  <a:pt x="3122183" y="-18487"/>
-                  <a:pt x="3579141" y="19003"/>
-                  <a:pt x="3853144" y="0"/>
-                </a:cubicBezTo>
-                <a:cubicBezTo>
-                  <a:pt x="4127147" y="-19003"/>
-                  <a:pt x="4209857" y="12211"/>
-                  <a:pt x="4314436" y="0"/>
-                </a:cubicBezTo>
-                <a:cubicBezTo>
-                  <a:pt x="4419015" y="-12211"/>
-                  <a:pt x="4762459" y="-17220"/>
-                  <a:pt x="5209885" y="0"/>
-                </a:cubicBezTo>
-                <a:cubicBezTo>
-                  <a:pt x="5657311" y="17220"/>
-                  <a:pt x="5692663" y="-3290"/>
-                  <a:pt x="6105335" y="0"/>
-                </a:cubicBezTo>
-                <a:cubicBezTo>
-                  <a:pt x="6518007" y="3290"/>
-                  <a:pt x="6455516" y="-5124"/>
-                  <a:pt x="6783705" y="0"/>
-                </a:cubicBezTo>
-                <a:cubicBezTo>
-                  <a:pt x="7111894" y="5124"/>
-                  <a:pt x="7441941" y="-17829"/>
-                  <a:pt x="7679154" y="0"/>
-                </a:cubicBezTo>
-                <a:cubicBezTo>
-                  <a:pt x="7916367" y="17829"/>
-                  <a:pt x="8102967" y="-24363"/>
-                  <a:pt x="8248985" y="0"/>
-                </a:cubicBezTo>
-                <a:cubicBezTo>
-                  <a:pt x="8395003" y="24363"/>
-                  <a:pt x="8552393" y="25505"/>
-                  <a:pt x="8818817" y="0"/>
-                </a:cubicBezTo>
-                <a:cubicBezTo>
-                  <a:pt x="9085241" y="-25505"/>
-                  <a:pt x="9411308" y="38000"/>
-                  <a:pt x="9605726" y="0"/>
-                </a:cubicBezTo>
-                <a:cubicBezTo>
-                  <a:pt x="9800144" y="-38000"/>
-                  <a:pt x="10006468" y="-25741"/>
-                  <a:pt x="10175558" y="0"/>
-                </a:cubicBezTo>
-                <a:cubicBezTo>
-                  <a:pt x="10344648" y="25741"/>
-                  <a:pt x="10696282" y="695"/>
-                  <a:pt x="10853928" y="0"/>
-                </a:cubicBezTo>
-                <a:cubicBezTo>
-                  <a:pt x="10853521" y="8690"/>
-                  <a:pt x="10853774" y="14141"/>
-                  <a:pt x="10853928" y="18288"/>
-                </a:cubicBezTo>
-                <a:cubicBezTo>
-                  <a:pt x="10608124" y="24255"/>
-                  <a:pt x="10343415" y="22307"/>
-                  <a:pt x="10067018" y="18288"/>
-                </a:cubicBezTo>
-                <a:cubicBezTo>
-                  <a:pt x="9790621" y="14270"/>
-                  <a:pt x="9843266" y="3564"/>
-                  <a:pt x="9714266" y="18288"/>
-                </a:cubicBezTo>
-                <a:cubicBezTo>
-                  <a:pt x="9585266" y="33012"/>
-                  <a:pt x="9379484" y="1875"/>
-                  <a:pt x="9252974" y="18288"/>
-                </a:cubicBezTo>
-                <a:cubicBezTo>
-                  <a:pt x="9126464" y="34701"/>
-                  <a:pt x="8580678" y="-4904"/>
-                  <a:pt x="8357525" y="18288"/>
-                </a:cubicBezTo>
-                <a:cubicBezTo>
-                  <a:pt x="8134372" y="41480"/>
-                  <a:pt x="7903199" y="26458"/>
-                  <a:pt x="7679154" y="18288"/>
-                </a:cubicBezTo>
-                <a:cubicBezTo>
-                  <a:pt x="7455109" y="10118"/>
-                  <a:pt x="7435944" y="27109"/>
-                  <a:pt x="7217862" y="18288"/>
-                </a:cubicBezTo>
-                <a:cubicBezTo>
-                  <a:pt x="6999780" y="9467"/>
-                  <a:pt x="6680409" y="18985"/>
-                  <a:pt x="6539492" y="18288"/>
-                </a:cubicBezTo>
-                <a:cubicBezTo>
-                  <a:pt x="6398575" y="17592"/>
-                  <a:pt x="6312077" y="33018"/>
-                  <a:pt x="6186739" y="18288"/>
-                </a:cubicBezTo>
-                <a:cubicBezTo>
-                  <a:pt x="6061401" y="3558"/>
-                  <a:pt x="5947033" y="12075"/>
-                  <a:pt x="5833986" y="18288"/>
-                </a:cubicBezTo>
-                <a:cubicBezTo>
-                  <a:pt x="5720939" y="24501"/>
-                  <a:pt x="5482226" y="8586"/>
-                  <a:pt x="5155616" y="18288"/>
-                </a:cubicBezTo>
-                <a:cubicBezTo>
-                  <a:pt x="4829006" y="27991"/>
-                  <a:pt x="4841274" y="29316"/>
-                  <a:pt x="4694324" y="18288"/>
-                </a:cubicBezTo>
-                <a:cubicBezTo>
-                  <a:pt x="4547374" y="7260"/>
-                  <a:pt x="4077675" y="7013"/>
-                  <a:pt x="3907414" y="18288"/>
-                </a:cubicBezTo>
-                <a:cubicBezTo>
-                  <a:pt x="3737153" y="29564"/>
-                  <a:pt x="3538393" y="21630"/>
-                  <a:pt x="3446122" y="18288"/>
-                </a:cubicBezTo>
-                <a:cubicBezTo>
-                  <a:pt x="3353851" y="14946"/>
-                  <a:pt x="2990320" y="-8091"/>
-                  <a:pt x="2659212" y="18288"/>
-                </a:cubicBezTo>
-                <a:cubicBezTo>
-                  <a:pt x="2328104" y="44667"/>
-                  <a:pt x="2427653" y="9607"/>
-                  <a:pt x="2306460" y="18288"/>
-                </a:cubicBezTo>
-                <a:cubicBezTo>
-                  <a:pt x="2185267" y="26969"/>
-                  <a:pt x="1719763" y="3717"/>
-                  <a:pt x="1519550" y="18288"/>
-                </a:cubicBezTo>
-                <a:cubicBezTo>
-                  <a:pt x="1319337" y="32860"/>
-                  <a:pt x="1167371" y="17040"/>
-                  <a:pt x="1058258" y="18288"/>
-                </a:cubicBezTo>
-                <a:cubicBezTo>
-                  <a:pt x="949145" y="19536"/>
-                  <a:pt x="780234" y="31447"/>
-                  <a:pt x="705505" y="18288"/>
-                </a:cubicBezTo>
-                <a:cubicBezTo>
-                  <a:pt x="630776" y="5129"/>
-                  <a:pt x="215796" y="30056"/>
-                  <a:pt x="0" y="18288"/>
-                </a:cubicBezTo>
-                <a:cubicBezTo>
-                  <a:pt x="-53" y="11301"/>
-                  <a:pt x="-649" y="7756"/>
-                  <a:pt x="0" y="0"/>
-                </a:cubicBezTo>
-                <a:close/>
-              </a:path>
-            </a:pathLst>
-          </a:custGeom>
-          <a:solidFill>
-            <a:schemeClr val="accent2"/>
-          </a:solidFill>
-          <a:ln w="41275" cap="rnd">
-            <a:solidFill>
-              <a:schemeClr val="accent2"/>
-            </a:solidFill>
-            <a:round/>
-            <a:extLst>
-              <a:ext uri="{C807C97D-BFC1-408E-A445-0C87EB9F89A2}">
-                <ask:lineSketchStyleProps xmlns:ask="http://schemas.microsoft.com/office/drawing/2018/sketchyshapes" sd="1219033472">
-                  <a:prstGeom prst="rect">
-                    <a:avLst/>
-                  </a:prstGeom>
-                  <ask:type>
-                    <ask:lineSketchFreehand/>
-                  </ask:type>
-                </ask:lineSketchStyleProps>
-              </a:ext>
-            </a:extLst>
-          </a:ln>
-        </p:spPr>
-        <p:style>
-          <a:lnRef idx="2">
-            <a:schemeClr val="accent1">
-              <a:shade val="50000"/>
-            </a:schemeClr>
-          </a:lnRef>
-          <a:fillRef idx="1">
-            <a:schemeClr val="accent1"/>
-          </a:fillRef>
-          <a:effectRef idx="0">
-            <a:schemeClr val="accent1"/>
-          </a:effectRef>
-          <a:fontRef idx="minor">
-            <a:schemeClr val="lt1"/>
-          </a:fontRef>
-        </p:style>
-        <p:txBody>
-          <a:bodyPr rtlCol="0" anchor="ctr"/>
-          <a:lstStyle/>
-          <a:p>
-            <a:pPr algn="ctr"/>
-            <a:endParaRPr lang="en-US"/>
-          </a:p>
-        </p:txBody>
-      </p:sp>
-      <p:sp>
-        <p:nvSpPr>
-          <p:cNvPr id="3" name="Content Placeholder 2">
-            <a:extLst>
-              <a:ext uri="{FF2B5EF4-FFF2-40B4-BE49-F238E27FC236}">
-                <a16:creationId xmlns:a16="http://schemas.microsoft.com/office/drawing/2014/main" id="{92294596-B68B-CE2F-E35F-9213150999E0}"/>
-              </a:ext>
-            </a:extLst>
-          </p:cNvPr>
-          <p:cNvSpPr>
-            <a:spLocks noGrp="1"/>
-          </p:cNvSpPr>
-          <p:nvPr>
-            <p:ph idx="1"/>
-          </p:nvPr>
-        </p:nvSpPr>
-        <p:spPr>
-          <a:xfrm>
-            <a:off x="838200" y="1929384"/>
-            <a:ext cx="10515600" cy="4251960"/>
-          </a:xfrm>
-        </p:spPr>
-        <p:txBody>
-          <a:bodyPr>
-            <a:normAutofit/>
-          </a:bodyPr>
-          <a:lstStyle/>
-          <a:p>
-            <a:r>
-              <a:rPr lang="en-US" sz="2200" dirty="0"/>
-              <a:t>Digi-Key Order: $42.49</a:t>
-            </a:r>
-          </a:p>
-          <a:p>
-            <a:pPr lvl="1"/>
-            <a:r>
-              <a:rPr lang="en-US" sz="1800" dirty="0"/>
-              <a:t>2 IMU – $29.46</a:t>
-            </a:r>
-          </a:p>
-          <a:p>
-            <a:pPr lvl="1"/>
-            <a:r>
-              <a:rPr lang="en-US" sz="1800" dirty="0"/>
-              <a:t>2 6-Pin Screw Terminal - $3.98</a:t>
-            </a:r>
-          </a:p>
-          <a:p>
-            <a:pPr lvl="1"/>
-            <a:r>
-              <a:rPr lang="en-US" sz="1800" dirty="0"/>
-              <a:t>2 2-Pin Screw Terminal - $2.06</a:t>
-            </a:r>
-          </a:p>
-          <a:p>
-            <a:pPr lvl="1"/>
-            <a:r>
-              <a:rPr lang="en-US" sz="1800" dirty="0"/>
-              <a:t>Shipping - $6.99</a:t>
-            </a:r>
-          </a:p>
-          <a:p>
-            <a:r>
-              <a:rPr lang="en-US" sz="2200" dirty="0"/>
-              <a:t>JLCPCB &amp; Assembly: $124.82</a:t>
-            </a:r>
-          </a:p>
-          <a:p>
-            <a:r>
-              <a:rPr lang="en-US" sz="2200" dirty="0"/>
-              <a:t>Parts on Hand</a:t>
-            </a:r>
-            <a:endParaRPr lang="en-US" sz="1800" dirty="0"/>
-          </a:p>
-          <a:p>
-            <a:pPr lvl="1"/>
-            <a:r>
-              <a:rPr lang="en-US" sz="1800" dirty="0"/>
-              <a:t>2 ESP32-S3-WROOM-1-N8</a:t>
-            </a:r>
-          </a:p>
-          <a:p>
-            <a:pPr lvl="1"/>
-            <a:r>
-              <a:rPr lang="en-US" sz="1800" dirty="0"/>
-              <a:t>2 USB-C Connectors</a:t>
-            </a:r>
-          </a:p>
-          <a:p>
-            <a:r>
-              <a:rPr lang="en-US" sz="2200" dirty="0"/>
-              <a:t>Price for 5 boards (2 assembled) ~ $165</a:t>
-            </a:r>
-          </a:p>
-        </p:txBody>
-      </p:sp>
-    </p:spTree>
-    <p:extLst>
-      <p:ext uri="{BB962C8B-B14F-4D97-AF65-F5344CB8AC3E}">
-        <p14:creationId xmlns:p14="http://schemas.microsoft.com/office/powerpoint/2010/main" val="756679770"/>
-      </p:ext>
-    </p:extLst>
-  </p:cSld>
-  <p:clrMapOvr>
-    <a:masterClrMapping/>
-  </p:clrMapOvr>
-</p:sld>
-</file>
-
-<file path=ppt/slides/slide18.xml><?xml version="1.0" encoding="utf-8"?>
-<p:sld xmlns:a="http://schemas.openxmlformats.org/drawingml/2006/main" xmlns:r="http://schemas.openxmlformats.org/officeDocument/2006/relationships" xmlns:p="http://schemas.openxmlformats.org/presentationml/2006/main">
-  <p:cSld>
-    <p:bg>
-      <p:bgPr>
-        <a:solidFill>
-          <a:schemeClr val="bg1"/>
-        </a:solidFill>
-        <a:effectLst/>
-      </p:bgPr>
-    </p:bg>
-    <p:spTree>
-      <p:nvGrpSpPr>
-        <p:cNvPr id="1" name=""/>
-        <p:cNvGrpSpPr/>
-        <p:nvPr/>
-      </p:nvGrpSpPr>
-      <p:grpSpPr>
-        <a:xfrm>
-          <a:off x="0" y="0"/>
-          <a:ext cx="0" cy="0"/>
-          <a:chOff x="0" y="0"/>
-          <a:chExt cx="0" cy="0"/>
-        </a:xfrm>
-      </p:grpSpPr>
-      <p:sp useBgFill="1">
-        <p:nvSpPr>
-          <p:cNvPr id="8" name="Rectangle 7">
-            <a:extLst>
-              <a:ext uri="{FF2B5EF4-FFF2-40B4-BE49-F238E27FC236}">
-                <a16:creationId xmlns:a16="http://schemas.microsoft.com/office/drawing/2014/main" id="{100EDD19-6802-4EC3-95CE-CFFAB042CFD6}"/>
-              </a:ext>
-              <a:ext uri="{C183D7F6-B498-43B3-948B-1728B52AA6E4}">
-                <adec:decorative xmlns:adec="http://schemas.microsoft.com/office/drawing/2017/decorative" val="1"/>
-              </a:ext>
-            </a:extLst>
-          </p:cNvPr>
-          <p:cNvSpPr>
-            <a:spLocks noGrp="1" noRot="1" noChangeAspect="1" noMove="1" noResize="1" noEditPoints="1" noAdjustHandles="1" noChangeArrowheads="1" noChangeShapeType="1" noTextEdit="1"/>
-          </p:cNvSpPr>
-          <p:nvPr>
-            <p:extLst>
-              <p:ext uri="{386F3935-93C4-4BCD-93E2-E3B085C9AB24}">
-                <p16:designElem xmlns:p16="http://schemas.microsoft.com/office/powerpoint/2015/main" val="1"/>
-              </p:ext>
-            </p:extLst>
-          </p:nvPr>
-        </p:nvSpPr>
-        <p:spPr>
-          <a:xfrm>
-            <a:off x="0" y="0"/>
-            <a:ext cx="12188952" cy="6858000"/>
-          </a:xfrm>
-          <a:prstGeom prst="rect">
-            <a:avLst/>
-          </a:prstGeom>
-          <a:ln>
-            <a:noFill/>
-          </a:ln>
-        </p:spPr>
-        <p:style>
-          <a:lnRef idx="2">
-            <a:schemeClr val="accent1">
-              <a:shade val="50000"/>
-            </a:schemeClr>
-          </a:lnRef>
-          <a:fillRef idx="1">
-            <a:schemeClr val="accent1"/>
-          </a:fillRef>
-          <a:effectRef idx="0">
-            <a:schemeClr val="accent1"/>
-          </a:effectRef>
-          <a:fontRef idx="minor">
-            <a:schemeClr val="lt1"/>
-          </a:fontRef>
-        </p:style>
-        <p:txBody>
-          <a:bodyPr rtlCol="0" anchor="ctr"/>
-          <a:lstStyle/>
-          <a:p>
-            <a:pPr algn="ctr"/>
-            <a:endParaRPr lang="en-US"/>
-          </a:p>
-        </p:txBody>
-      </p:sp>
-      <p:sp>
-        <p:nvSpPr>
-          <p:cNvPr id="2" name="Title 1">
-            <a:extLst>
-              <a:ext uri="{FF2B5EF4-FFF2-40B4-BE49-F238E27FC236}">
-                <a16:creationId xmlns:a16="http://schemas.microsoft.com/office/drawing/2014/main" id="{B119264F-CC1A-0CE1-839C-3FB36B5A7D45}"/>
-              </a:ext>
-            </a:extLst>
-          </p:cNvPr>
-          <p:cNvSpPr>
-            <a:spLocks noGrp="1"/>
-          </p:cNvSpPr>
-          <p:nvPr>
-            <p:ph type="title"/>
-          </p:nvPr>
-        </p:nvSpPr>
-        <p:spPr>
-          <a:xfrm>
-            <a:off x="838200" y="365125"/>
-            <a:ext cx="10515600" cy="1325563"/>
-          </a:xfrm>
-        </p:spPr>
-        <p:txBody>
-          <a:bodyPr>
-            <a:normAutofit/>
-          </a:bodyPr>
-          <a:lstStyle/>
-          <a:p>
-            <a:r>
-              <a:rPr lang="en-US" sz="5400"/>
-              <a:t>Gantt Chart</a:t>
-            </a:r>
-          </a:p>
-        </p:txBody>
-      </p:sp>
-      <p:sp>
-        <p:nvSpPr>
-          <p:cNvPr id="10" name="sketch line">
-            <a:extLst>
-              <a:ext uri="{FF2B5EF4-FFF2-40B4-BE49-F238E27FC236}">
-                <a16:creationId xmlns:a16="http://schemas.microsoft.com/office/drawing/2014/main" id="{DB17E863-922E-4C26-BD64-E8FD41D28661}"/>
-              </a:ext>
-              <a:ext uri="{C183D7F6-B498-43B3-948B-1728B52AA6E4}">
-                <adec:decorative xmlns:adec="http://schemas.microsoft.com/office/drawing/2017/decorative" val="1"/>
-              </a:ext>
-            </a:extLst>
-          </p:cNvPr>
-          <p:cNvSpPr>
-            <a:spLocks noGrp="1" noRot="1" noChangeAspect="1" noMove="1" noResize="1" noEditPoints="1" noAdjustHandles="1" noChangeArrowheads="1" noChangeShapeType="1" noTextEdit="1"/>
-          </p:cNvSpPr>
-          <p:nvPr>
-            <p:extLst>
-              <p:ext uri="{386F3935-93C4-4BCD-93E2-E3B085C9AB24}">
-                <p16:designElem xmlns:p16="http://schemas.microsoft.com/office/powerpoint/2015/main" val="1"/>
-              </p:ext>
-            </p:extLst>
-          </p:nvPr>
-        </p:nvSpPr>
-        <p:spPr>
-          <a:xfrm>
-            <a:off x="669036" y="1677373"/>
-            <a:ext cx="10853928" cy="18288"/>
-          </a:xfrm>
-          <a:custGeom>
-            <a:avLst/>
-            <a:gdLst>
-              <a:gd name="connsiteX0" fmla="*/ 0 w 10853928"/>
-              <a:gd name="connsiteY0" fmla="*/ 0 h 18288"/>
-              <a:gd name="connsiteX1" fmla="*/ 461292 w 10853928"/>
-              <a:gd name="connsiteY1" fmla="*/ 0 h 18288"/>
-              <a:gd name="connsiteX2" fmla="*/ 1139662 w 10853928"/>
-              <a:gd name="connsiteY2" fmla="*/ 0 h 18288"/>
-              <a:gd name="connsiteX3" fmla="*/ 1926572 w 10853928"/>
-              <a:gd name="connsiteY3" fmla="*/ 0 h 18288"/>
-              <a:gd name="connsiteX4" fmla="*/ 2279325 w 10853928"/>
-              <a:gd name="connsiteY4" fmla="*/ 0 h 18288"/>
-              <a:gd name="connsiteX5" fmla="*/ 2632078 w 10853928"/>
-              <a:gd name="connsiteY5" fmla="*/ 0 h 18288"/>
-              <a:gd name="connsiteX6" fmla="*/ 3527527 w 10853928"/>
-              <a:gd name="connsiteY6" fmla="*/ 0 h 18288"/>
-              <a:gd name="connsiteX7" fmla="*/ 4205897 w 10853928"/>
-              <a:gd name="connsiteY7" fmla="*/ 0 h 18288"/>
-              <a:gd name="connsiteX8" fmla="*/ 4558650 w 10853928"/>
-              <a:gd name="connsiteY8" fmla="*/ 0 h 18288"/>
-              <a:gd name="connsiteX9" fmla="*/ 5237020 w 10853928"/>
-              <a:gd name="connsiteY9" fmla="*/ 0 h 18288"/>
-              <a:gd name="connsiteX10" fmla="*/ 6132469 w 10853928"/>
-              <a:gd name="connsiteY10" fmla="*/ 0 h 18288"/>
-              <a:gd name="connsiteX11" fmla="*/ 6702301 w 10853928"/>
-              <a:gd name="connsiteY11" fmla="*/ 0 h 18288"/>
-              <a:gd name="connsiteX12" fmla="*/ 7272132 w 10853928"/>
-              <a:gd name="connsiteY12" fmla="*/ 0 h 18288"/>
-              <a:gd name="connsiteX13" fmla="*/ 7950502 w 10853928"/>
-              <a:gd name="connsiteY13" fmla="*/ 0 h 18288"/>
-              <a:gd name="connsiteX14" fmla="*/ 8737412 w 10853928"/>
-              <a:gd name="connsiteY14" fmla="*/ 0 h 18288"/>
-              <a:gd name="connsiteX15" fmla="*/ 9524322 w 10853928"/>
-              <a:gd name="connsiteY15" fmla="*/ 0 h 18288"/>
-              <a:gd name="connsiteX16" fmla="*/ 10853928 w 10853928"/>
-              <a:gd name="connsiteY16" fmla="*/ 0 h 18288"/>
-              <a:gd name="connsiteX17" fmla="*/ 10853928 w 10853928"/>
-              <a:gd name="connsiteY17" fmla="*/ 18288 h 18288"/>
-              <a:gd name="connsiteX18" fmla="*/ 10392636 w 10853928"/>
-              <a:gd name="connsiteY18" fmla="*/ 18288 h 18288"/>
-              <a:gd name="connsiteX19" fmla="*/ 9497187 w 10853928"/>
-              <a:gd name="connsiteY19" fmla="*/ 18288 h 18288"/>
-              <a:gd name="connsiteX20" fmla="*/ 8818817 w 10853928"/>
-              <a:gd name="connsiteY20" fmla="*/ 18288 h 18288"/>
-              <a:gd name="connsiteX21" fmla="*/ 8466064 w 10853928"/>
-              <a:gd name="connsiteY21" fmla="*/ 18288 h 18288"/>
-              <a:gd name="connsiteX22" fmla="*/ 7787693 w 10853928"/>
-              <a:gd name="connsiteY22" fmla="*/ 18288 h 18288"/>
-              <a:gd name="connsiteX23" fmla="*/ 7217862 w 10853928"/>
-              <a:gd name="connsiteY23" fmla="*/ 18288 h 18288"/>
-              <a:gd name="connsiteX24" fmla="*/ 6648031 w 10853928"/>
-              <a:gd name="connsiteY24" fmla="*/ 18288 h 18288"/>
-              <a:gd name="connsiteX25" fmla="*/ 6078200 w 10853928"/>
-              <a:gd name="connsiteY25" fmla="*/ 18288 h 18288"/>
-              <a:gd name="connsiteX26" fmla="*/ 5508368 w 10853928"/>
-              <a:gd name="connsiteY26" fmla="*/ 18288 h 18288"/>
-              <a:gd name="connsiteX27" fmla="*/ 4721459 w 10853928"/>
-              <a:gd name="connsiteY27" fmla="*/ 18288 h 18288"/>
-              <a:gd name="connsiteX28" fmla="*/ 4043088 w 10853928"/>
-              <a:gd name="connsiteY28" fmla="*/ 18288 h 18288"/>
-              <a:gd name="connsiteX29" fmla="*/ 3690336 w 10853928"/>
-              <a:gd name="connsiteY29" fmla="*/ 18288 h 18288"/>
-              <a:gd name="connsiteX30" fmla="*/ 3120504 w 10853928"/>
-              <a:gd name="connsiteY30" fmla="*/ 18288 h 18288"/>
-              <a:gd name="connsiteX31" fmla="*/ 2333595 w 10853928"/>
-              <a:gd name="connsiteY31" fmla="*/ 18288 h 18288"/>
-              <a:gd name="connsiteX32" fmla="*/ 1872303 w 10853928"/>
-              <a:gd name="connsiteY32" fmla="*/ 18288 h 18288"/>
-              <a:gd name="connsiteX33" fmla="*/ 976854 w 10853928"/>
-              <a:gd name="connsiteY33" fmla="*/ 18288 h 18288"/>
-              <a:gd name="connsiteX34" fmla="*/ 0 w 10853928"/>
-              <a:gd name="connsiteY34" fmla="*/ 18288 h 18288"/>
-              <a:gd name="connsiteX35" fmla="*/ 0 w 10853928"/>
-              <a:gd name="connsiteY35" fmla="*/ 0 h 18288"/>
-            </a:gdLst>
-            <a:ahLst/>
-            <a:cxnLst>
-              <a:cxn ang="0">
-                <a:pos x="connsiteX0" y="connsiteY0"/>
-              </a:cxn>
-              <a:cxn ang="0">
-                <a:pos x="connsiteX1" y="connsiteY1"/>
-              </a:cxn>
-              <a:cxn ang="0">
-                <a:pos x="connsiteX2" y="connsiteY2"/>
-              </a:cxn>
-              <a:cxn ang="0">
-                <a:pos x="connsiteX3" y="connsiteY3"/>
-              </a:cxn>
-              <a:cxn ang="0">
-                <a:pos x="connsiteX4" y="connsiteY4"/>
-              </a:cxn>
-              <a:cxn ang="0">
-                <a:pos x="connsiteX5" y="connsiteY5"/>
-              </a:cxn>
-              <a:cxn ang="0">
-                <a:pos x="connsiteX6" y="connsiteY6"/>
-              </a:cxn>
-              <a:cxn ang="0">
-                <a:pos x="connsiteX7" y="connsiteY7"/>
-              </a:cxn>
-              <a:cxn ang="0">
-                <a:pos x="connsiteX8" y="connsiteY8"/>
-              </a:cxn>
-              <a:cxn ang="0">
-                <a:pos x="connsiteX9" y="connsiteY9"/>
-              </a:cxn>
-              <a:cxn ang="0">
-                <a:pos x="connsiteX10" y="connsiteY10"/>
-              </a:cxn>
-              <a:cxn ang="0">
-                <a:pos x="connsiteX11" y="connsiteY11"/>
-              </a:cxn>
-              <a:cxn ang="0">
-                <a:pos x="connsiteX12" y="connsiteY12"/>
-              </a:cxn>
-              <a:cxn ang="0">
-                <a:pos x="connsiteX13" y="connsiteY13"/>
-              </a:cxn>
-              <a:cxn ang="0">
-                <a:pos x="connsiteX14" y="connsiteY14"/>
-              </a:cxn>
-              <a:cxn ang="0">
-                <a:pos x="connsiteX15" y="connsiteY15"/>
-              </a:cxn>
-              <a:cxn ang="0">
-                <a:pos x="connsiteX16" y="connsiteY16"/>
-              </a:cxn>
-              <a:cxn ang="0">
-                <a:pos x="connsiteX17" y="connsiteY17"/>
-              </a:cxn>
-              <a:cxn ang="0">
-                <a:pos x="connsiteX18" y="connsiteY18"/>
-              </a:cxn>
-              <a:cxn ang="0">
-                <a:pos x="connsiteX19" y="connsiteY19"/>
-              </a:cxn>
-              <a:cxn ang="0">
-                <a:pos x="connsiteX20" y="connsiteY20"/>
-              </a:cxn>
-              <a:cxn ang="0">
-                <a:pos x="connsiteX21" y="connsiteY21"/>
-              </a:cxn>
-              <a:cxn ang="0">
-                <a:pos x="connsiteX22" y="connsiteY22"/>
-              </a:cxn>
-              <a:cxn ang="0">
-                <a:pos x="connsiteX23" y="connsiteY23"/>
-              </a:cxn>
-              <a:cxn ang="0">
-                <a:pos x="connsiteX24" y="connsiteY24"/>
-              </a:cxn>
-              <a:cxn ang="0">
-                <a:pos x="connsiteX25" y="connsiteY25"/>
-              </a:cxn>
-              <a:cxn ang="0">
-                <a:pos x="connsiteX26" y="connsiteY26"/>
-              </a:cxn>
-              <a:cxn ang="0">
-                <a:pos x="connsiteX27" y="connsiteY27"/>
-              </a:cxn>
-              <a:cxn ang="0">
-                <a:pos x="connsiteX28" y="connsiteY28"/>
-              </a:cxn>
-              <a:cxn ang="0">
-                <a:pos x="connsiteX29" y="connsiteY29"/>
-              </a:cxn>
-              <a:cxn ang="0">
-                <a:pos x="connsiteX30" y="connsiteY30"/>
-              </a:cxn>
-              <a:cxn ang="0">
-                <a:pos x="connsiteX31" y="connsiteY31"/>
-              </a:cxn>
-              <a:cxn ang="0">
-                <a:pos x="connsiteX32" y="connsiteY32"/>
-              </a:cxn>
-              <a:cxn ang="0">
-                <a:pos x="connsiteX33" y="connsiteY33"/>
-              </a:cxn>
-              <a:cxn ang="0">
-                <a:pos x="connsiteX34" y="connsiteY34"/>
-              </a:cxn>
-              <a:cxn ang="0">
-                <a:pos x="connsiteX35" y="connsiteY35"/>
-              </a:cxn>
-            </a:cxnLst>
-            <a:rect l="l" t="t" r="r" b="b"/>
-            <a:pathLst>
-              <a:path w="10853928" h="18288" fill="none" extrusionOk="0">
-                <a:moveTo>
-                  <a:pt x="0" y="0"/>
-                </a:moveTo>
-                <a:cubicBezTo>
-                  <a:pt x="146993" y="-19076"/>
-                  <a:pt x="347684" y="-4790"/>
-                  <a:pt x="461292" y="0"/>
-                </a:cubicBezTo>
-                <a:cubicBezTo>
-                  <a:pt x="574900" y="4790"/>
-                  <a:pt x="808367" y="19821"/>
-                  <a:pt x="1139662" y="0"/>
-                </a:cubicBezTo>
-                <a:cubicBezTo>
-                  <a:pt x="1470957" y="-19821"/>
-                  <a:pt x="1627405" y="5721"/>
-                  <a:pt x="1926572" y="0"/>
-                </a:cubicBezTo>
-                <a:cubicBezTo>
-                  <a:pt x="2225739" y="-5721"/>
-                  <a:pt x="2137730" y="-3235"/>
-                  <a:pt x="2279325" y="0"/>
-                </a:cubicBezTo>
-                <a:cubicBezTo>
-                  <a:pt x="2420920" y="3235"/>
-                  <a:pt x="2456518" y="9685"/>
-                  <a:pt x="2632078" y="0"/>
-                </a:cubicBezTo>
-                <a:cubicBezTo>
-                  <a:pt x="2807638" y="-9685"/>
-                  <a:pt x="3211516" y="-43007"/>
-                  <a:pt x="3527527" y="0"/>
-                </a:cubicBezTo>
-                <a:cubicBezTo>
-                  <a:pt x="3843538" y="43007"/>
-                  <a:pt x="4058833" y="22042"/>
-                  <a:pt x="4205897" y="0"/>
-                </a:cubicBezTo>
-                <a:cubicBezTo>
-                  <a:pt x="4352961" y="-22042"/>
-                  <a:pt x="4474805" y="-11846"/>
-                  <a:pt x="4558650" y="0"/>
-                </a:cubicBezTo>
-                <a:cubicBezTo>
-                  <a:pt x="4642495" y="11846"/>
-                  <a:pt x="5041928" y="-6069"/>
-                  <a:pt x="5237020" y="0"/>
-                </a:cubicBezTo>
-                <a:cubicBezTo>
-                  <a:pt x="5432112" y="6069"/>
-                  <a:pt x="5943266" y="-17479"/>
-                  <a:pt x="6132469" y="0"/>
-                </a:cubicBezTo>
-                <a:cubicBezTo>
-                  <a:pt x="6321672" y="17479"/>
-                  <a:pt x="6483872" y="26234"/>
-                  <a:pt x="6702301" y="0"/>
-                </a:cubicBezTo>
-                <a:cubicBezTo>
-                  <a:pt x="6920730" y="-26234"/>
-                  <a:pt x="6991194" y="-15156"/>
-                  <a:pt x="7272132" y="0"/>
-                </a:cubicBezTo>
-                <a:cubicBezTo>
-                  <a:pt x="7553070" y="15156"/>
-                  <a:pt x="7684444" y="-32961"/>
-                  <a:pt x="7950502" y="0"/>
-                </a:cubicBezTo>
-                <a:cubicBezTo>
-                  <a:pt x="8216560" y="32961"/>
-                  <a:pt x="8493290" y="-10491"/>
-                  <a:pt x="8737412" y="0"/>
-                </a:cubicBezTo>
-                <a:cubicBezTo>
-                  <a:pt x="8981534" y="10491"/>
-                  <a:pt x="9191586" y="-13899"/>
-                  <a:pt x="9524322" y="0"/>
-                </a:cubicBezTo>
-                <a:cubicBezTo>
-                  <a:pt x="9857058" y="13899"/>
-                  <a:pt x="10297509" y="7485"/>
-                  <a:pt x="10853928" y="0"/>
-                </a:cubicBezTo>
-                <a:cubicBezTo>
-                  <a:pt x="10854574" y="4451"/>
-                  <a:pt x="10854418" y="9226"/>
-                  <a:pt x="10853928" y="18288"/>
-                </a:cubicBezTo>
-                <a:cubicBezTo>
-                  <a:pt x="10691638" y="28522"/>
-                  <a:pt x="10574319" y="29578"/>
-                  <a:pt x="10392636" y="18288"/>
-                </a:cubicBezTo>
-                <a:cubicBezTo>
-                  <a:pt x="10210953" y="6998"/>
-                  <a:pt x="9836277" y="-16742"/>
-                  <a:pt x="9497187" y="18288"/>
-                </a:cubicBezTo>
-                <a:cubicBezTo>
-                  <a:pt x="9158097" y="53318"/>
-                  <a:pt x="9119479" y="30714"/>
-                  <a:pt x="8818817" y="18288"/>
-                </a:cubicBezTo>
-                <a:cubicBezTo>
-                  <a:pt x="8518155" y="5863"/>
-                  <a:pt x="8640037" y="6483"/>
-                  <a:pt x="8466064" y="18288"/>
-                </a:cubicBezTo>
-                <a:cubicBezTo>
-                  <a:pt x="8292091" y="30093"/>
-                  <a:pt x="7997656" y="18914"/>
-                  <a:pt x="7787693" y="18288"/>
-                </a:cubicBezTo>
-                <a:cubicBezTo>
-                  <a:pt x="7577730" y="17662"/>
-                  <a:pt x="7412468" y="21416"/>
-                  <a:pt x="7217862" y="18288"/>
-                </a:cubicBezTo>
-                <a:cubicBezTo>
-                  <a:pt x="7023256" y="15160"/>
-                  <a:pt x="6898018" y="14824"/>
-                  <a:pt x="6648031" y="18288"/>
-                </a:cubicBezTo>
-                <a:cubicBezTo>
-                  <a:pt x="6398044" y="21752"/>
-                  <a:pt x="6254402" y="38625"/>
-                  <a:pt x="6078200" y="18288"/>
-                </a:cubicBezTo>
-                <a:cubicBezTo>
-                  <a:pt x="5901998" y="-2049"/>
-                  <a:pt x="5622886" y="3213"/>
-                  <a:pt x="5508368" y="18288"/>
-                </a:cubicBezTo>
-                <a:cubicBezTo>
-                  <a:pt x="5393850" y="33363"/>
-                  <a:pt x="5036260" y="26830"/>
-                  <a:pt x="4721459" y="18288"/>
-                </a:cubicBezTo>
-                <a:cubicBezTo>
-                  <a:pt x="4406658" y="9746"/>
-                  <a:pt x="4239221" y="41551"/>
-                  <a:pt x="4043088" y="18288"/>
-                </a:cubicBezTo>
-                <a:cubicBezTo>
-                  <a:pt x="3846955" y="-4975"/>
-                  <a:pt x="3818802" y="34658"/>
-                  <a:pt x="3690336" y="18288"/>
-                </a:cubicBezTo>
-                <a:cubicBezTo>
-                  <a:pt x="3561870" y="1918"/>
-                  <a:pt x="3265491" y="42194"/>
-                  <a:pt x="3120504" y="18288"/>
-                </a:cubicBezTo>
-                <a:cubicBezTo>
-                  <a:pt x="2975517" y="-5618"/>
-                  <a:pt x="2720254" y="36673"/>
-                  <a:pt x="2333595" y="18288"/>
-                </a:cubicBezTo>
-                <a:cubicBezTo>
-                  <a:pt x="1946936" y="-97"/>
-                  <a:pt x="2097241" y="5776"/>
-                  <a:pt x="1872303" y="18288"/>
-                </a:cubicBezTo>
-                <a:cubicBezTo>
-                  <a:pt x="1647365" y="30800"/>
-                  <a:pt x="1282708" y="45380"/>
-                  <a:pt x="976854" y="18288"/>
-                </a:cubicBezTo>
-                <a:cubicBezTo>
-                  <a:pt x="671000" y="-8804"/>
-                  <a:pt x="408401" y="-12775"/>
-                  <a:pt x="0" y="18288"/>
-                </a:cubicBezTo>
-                <a:cubicBezTo>
-                  <a:pt x="-213" y="9468"/>
-                  <a:pt x="187" y="4459"/>
-                  <a:pt x="0" y="0"/>
-                </a:cubicBezTo>
-                <a:close/>
-              </a:path>
-              <a:path w="10853928" h="18288" stroke="0" extrusionOk="0">
-                <a:moveTo>
-                  <a:pt x="0" y="0"/>
-                </a:moveTo>
-                <a:cubicBezTo>
-                  <a:pt x="267322" y="15284"/>
-                  <a:pt x="415388" y="-21048"/>
-                  <a:pt x="569831" y="0"/>
-                </a:cubicBezTo>
-                <a:cubicBezTo>
-                  <a:pt x="724274" y="21048"/>
-                  <a:pt x="769333" y="-2353"/>
-                  <a:pt x="922584" y="0"/>
-                </a:cubicBezTo>
-                <a:cubicBezTo>
-                  <a:pt x="1075835" y="2353"/>
-                  <a:pt x="1399490" y="-145"/>
-                  <a:pt x="1818033" y="0"/>
-                </a:cubicBezTo>
-                <a:cubicBezTo>
-                  <a:pt x="2236576" y="145"/>
-                  <a:pt x="2145330" y="5482"/>
-                  <a:pt x="2387864" y="0"/>
-                </a:cubicBezTo>
-                <a:cubicBezTo>
-                  <a:pt x="2630398" y="-5482"/>
-                  <a:pt x="2793207" y="18487"/>
-                  <a:pt x="2957695" y="0"/>
-                </a:cubicBezTo>
-                <a:cubicBezTo>
-                  <a:pt x="3122183" y="-18487"/>
-                  <a:pt x="3579141" y="19003"/>
-                  <a:pt x="3853144" y="0"/>
-                </a:cubicBezTo>
-                <a:cubicBezTo>
-                  <a:pt x="4127147" y="-19003"/>
-                  <a:pt x="4209857" y="12211"/>
-                  <a:pt x="4314436" y="0"/>
-                </a:cubicBezTo>
-                <a:cubicBezTo>
-                  <a:pt x="4419015" y="-12211"/>
-                  <a:pt x="4762459" y="-17220"/>
-                  <a:pt x="5209885" y="0"/>
-                </a:cubicBezTo>
-                <a:cubicBezTo>
-                  <a:pt x="5657311" y="17220"/>
-                  <a:pt x="5692663" y="-3290"/>
-                  <a:pt x="6105335" y="0"/>
-                </a:cubicBezTo>
-                <a:cubicBezTo>
-                  <a:pt x="6518007" y="3290"/>
-                  <a:pt x="6455516" y="-5124"/>
-                  <a:pt x="6783705" y="0"/>
-                </a:cubicBezTo>
-                <a:cubicBezTo>
-                  <a:pt x="7111894" y="5124"/>
-                  <a:pt x="7441941" y="-17829"/>
-                  <a:pt x="7679154" y="0"/>
-                </a:cubicBezTo>
-                <a:cubicBezTo>
-                  <a:pt x="7916367" y="17829"/>
-                  <a:pt x="8102967" y="-24363"/>
-                  <a:pt x="8248985" y="0"/>
-                </a:cubicBezTo>
-                <a:cubicBezTo>
-                  <a:pt x="8395003" y="24363"/>
-                  <a:pt x="8552393" y="25505"/>
-                  <a:pt x="8818817" y="0"/>
-                </a:cubicBezTo>
-                <a:cubicBezTo>
-                  <a:pt x="9085241" y="-25505"/>
-                  <a:pt x="9411308" y="38000"/>
-                  <a:pt x="9605726" y="0"/>
-                </a:cubicBezTo>
-                <a:cubicBezTo>
-                  <a:pt x="9800144" y="-38000"/>
-                  <a:pt x="10006468" y="-25741"/>
-                  <a:pt x="10175558" y="0"/>
-                </a:cubicBezTo>
-                <a:cubicBezTo>
-                  <a:pt x="10344648" y="25741"/>
-                  <a:pt x="10696282" y="695"/>
-                  <a:pt x="10853928" y="0"/>
-                </a:cubicBezTo>
-                <a:cubicBezTo>
-                  <a:pt x="10853521" y="8690"/>
-                  <a:pt x="10853774" y="14141"/>
-                  <a:pt x="10853928" y="18288"/>
-                </a:cubicBezTo>
-                <a:cubicBezTo>
-                  <a:pt x="10608124" y="24255"/>
-                  <a:pt x="10343415" y="22307"/>
-                  <a:pt x="10067018" y="18288"/>
-                </a:cubicBezTo>
-                <a:cubicBezTo>
-                  <a:pt x="9790621" y="14270"/>
-                  <a:pt x="9843266" y="3564"/>
-                  <a:pt x="9714266" y="18288"/>
-                </a:cubicBezTo>
-                <a:cubicBezTo>
-                  <a:pt x="9585266" y="33012"/>
-                  <a:pt x="9379484" y="1875"/>
-                  <a:pt x="9252974" y="18288"/>
-                </a:cubicBezTo>
-                <a:cubicBezTo>
-                  <a:pt x="9126464" y="34701"/>
-                  <a:pt x="8580678" y="-4904"/>
-                  <a:pt x="8357525" y="18288"/>
-                </a:cubicBezTo>
-                <a:cubicBezTo>
-                  <a:pt x="8134372" y="41480"/>
-                  <a:pt x="7903199" y="26458"/>
-                  <a:pt x="7679154" y="18288"/>
-                </a:cubicBezTo>
-                <a:cubicBezTo>
-                  <a:pt x="7455109" y="10118"/>
-                  <a:pt x="7435944" y="27109"/>
-                  <a:pt x="7217862" y="18288"/>
-                </a:cubicBezTo>
-                <a:cubicBezTo>
-                  <a:pt x="6999780" y="9467"/>
-                  <a:pt x="6680409" y="18985"/>
-                  <a:pt x="6539492" y="18288"/>
-                </a:cubicBezTo>
-                <a:cubicBezTo>
-                  <a:pt x="6398575" y="17592"/>
-                  <a:pt x="6312077" y="33018"/>
-                  <a:pt x="6186739" y="18288"/>
-                </a:cubicBezTo>
-                <a:cubicBezTo>
-                  <a:pt x="6061401" y="3558"/>
-                  <a:pt x="5947033" y="12075"/>
-                  <a:pt x="5833986" y="18288"/>
-                </a:cubicBezTo>
-                <a:cubicBezTo>
-                  <a:pt x="5720939" y="24501"/>
-                  <a:pt x="5482226" y="8586"/>
-                  <a:pt x="5155616" y="18288"/>
-                </a:cubicBezTo>
-                <a:cubicBezTo>
-                  <a:pt x="4829006" y="27991"/>
-                  <a:pt x="4841274" y="29316"/>
-                  <a:pt x="4694324" y="18288"/>
-                </a:cubicBezTo>
-                <a:cubicBezTo>
-                  <a:pt x="4547374" y="7260"/>
-                  <a:pt x="4077675" y="7013"/>
-                  <a:pt x="3907414" y="18288"/>
-                </a:cubicBezTo>
-                <a:cubicBezTo>
-                  <a:pt x="3737153" y="29564"/>
-                  <a:pt x="3538393" y="21630"/>
-                  <a:pt x="3446122" y="18288"/>
-                </a:cubicBezTo>
-                <a:cubicBezTo>
-                  <a:pt x="3353851" y="14946"/>
-                  <a:pt x="2990320" y="-8091"/>
-                  <a:pt x="2659212" y="18288"/>
-                </a:cubicBezTo>
-                <a:cubicBezTo>
-                  <a:pt x="2328104" y="44667"/>
-                  <a:pt x="2427653" y="9607"/>
-                  <a:pt x="2306460" y="18288"/>
-                </a:cubicBezTo>
-                <a:cubicBezTo>
-                  <a:pt x="2185267" y="26969"/>
-                  <a:pt x="1719763" y="3717"/>
-                  <a:pt x="1519550" y="18288"/>
-                </a:cubicBezTo>
-                <a:cubicBezTo>
-                  <a:pt x="1319337" y="32860"/>
-                  <a:pt x="1167371" y="17040"/>
-                  <a:pt x="1058258" y="18288"/>
-                </a:cubicBezTo>
-                <a:cubicBezTo>
-                  <a:pt x="949145" y="19536"/>
-                  <a:pt x="780234" y="31447"/>
-                  <a:pt x="705505" y="18288"/>
-                </a:cubicBezTo>
-                <a:cubicBezTo>
-                  <a:pt x="630776" y="5129"/>
-                  <a:pt x="215796" y="30056"/>
-                  <a:pt x="0" y="18288"/>
-                </a:cubicBezTo>
-                <a:cubicBezTo>
-                  <a:pt x="-53" y="11301"/>
-                  <a:pt x="-649" y="7756"/>
-                  <a:pt x="0" y="0"/>
-                </a:cubicBezTo>
-                <a:close/>
-              </a:path>
-            </a:pathLst>
-          </a:custGeom>
-          <a:solidFill>
-            <a:schemeClr val="accent2"/>
-          </a:solidFill>
-          <a:ln w="41275" cap="rnd">
-            <a:solidFill>
-              <a:schemeClr val="accent2"/>
-            </a:solidFill>
-            <a:round/>
-            <a:extLst>
-              <a:ext uri="{C807C97D-BFC1-408E-A445-0C87EB9F89A2}">
-                <ask:lineSketchStyleProps xmlns:ask="http://schemas.microsoft.com/office/drawing/2018/sketchyshapes" sd="1219033472">
-                  <a:prstGeom prst="rect">
-                    <a:avLst/>
-                  </a:prstGeom>
-                  <ask:type>
-                    <ask:lineSketchFreehand/>
-                  </ask:type>
-                </ask:lineSketchStyleProps>
-              </a:ext>
-            </a:extLst>
-          </a:ln>
-        </p:spPr>
-        <p:style>
-          <a:lnRef idx="2">
-            <a:schemeClr val="accent1">
-              <a:shade val="50000"/>
-            </a:schemeClr>
-          </a:lnRef>
-          <a:fillRef idx="1">
-            <a:schemeClr val="accent1"/>
-          </a:fillRef>
-          <a:effectRef idx="0">
-            <a:schemeClr val="accent1"/>
-          </a:effectRef>
-          <a:fontRef idx="minor">
-            <a:schemeClr val="lt1"/>
-          </a:fontRef>
-        </p:style>
-        <p:txBody>
-          <a:bodyPr rtlCol="0" anchor="ctr"/>
-          <a:lstStyle/>
-          <a:p>
-            <a:pPr algn="ctr"/>
-            <a:endParaRPr lang="en-US"/>
-          </a:p>
-        </p:txBody>
-      </p:sp>
       <p:pic>
         <p:nvPicPr>
           <p:cNvPr id="5" name="Picture 4">
@@ -13305,7 +13635,7 @@
           <p:nvPr/>
         </p:nvPicPr>
         <p:blipFill>
-          <a:blip r:embed="rId2"/>
+          <a:blip r:embed="rId3"/>
           <a:stretch>
             <a:fillRect/>
           </a:stretch>
@@ -13333,7 +13663,7 @@
 </p:sld>
 </file>
 
-<file path=ppt/slides/slide19.xml><?xml version="1.0" encoding="utf-8"?>
+<file path=ppt/slides/slide18.xml><?xml version="1.0" encoding="utf-8"?>
 <p:sld xmlns:a="http://schemas.openxmlformats.org/drawingml/2006/main" xmlns:r="http://schemas.openxmlformats.org/officeDocument/2006/relationships" xmlns:p="http://schemas.openxmlformats.org/presentationml/2006/main">
   <p:cSld>
     <p:bg>
@@ -17122,7 +17452,7 @@
 </p:sld>
 </file>
 
-<file path=ppt/slides/slide2.xml><?xml version="1.0" encoding="utf-8"?>
+<file path=ppt/slides/slide19.xml><?xml version="1.0" encoding="utf-8"?>
 <p:sld xmlns:a="http://schemas.openxmlformats.org/drawingml/2006/main" xmlns:r="http://schemas.openxmlformats.org/officeDocument/2006/relationships" xmlns:p="http://schemas.openxmlformats.org/presentationml/2006/main">
   <p:cSld>
     <p:bg>
@@ -17212,7 +17542,7 @@
           <p:cNvPr id="2" name="Title 1">
             <a:extLst>
               <a:ext uri="{FF2B5EF4-FFF2-40B4-BE49-F238E27FC236}">
-                <a16:creationId xmlns:a16="http://schemas.microsoft.com/office/drawing/2014/main" id="{DBE75319-DCBD-C53A-118E-BF8F5E5AC2E3}"/>
+                <a16:creationId xmlns:a16="http://schemas.microsoft.com/office/drawing/2014/main" id="{4B1E27C4-F89D-CFE7-2F18-9B5E3A72550B}"/>
               </a:ext>
             </a:extLst>
           </p:cNvPr>
@@ -17237,7 +17567,7 @@
           <a:p>
             <a:r>
               <a:rPr lang="en-US" sz="5400"/>
-              <a:t>Objectives</a:t>
+              <a:t>Feasibility Assessment</a:t>
             </a:r>
           </a:p>
         </p:txBody>
@@ -17885,7 +18215,7 @@
           <p:cNvPr id="3" name="Content Placeholder 2">
             <a:extLst>
               <a:ext uri="{FF2B5EF4-FFF2-40B4-BE49-F238E27FC236}">
-                <a16:creationId xmlns:a16="http://schemas.microsoft.com/office/drawing/2014/main" id="{21DACDEB-6882-22BF-55E9-76D9F9E5F7B9}"/>
+                <a16:creationId xmlns:a16="http://schemas.microsoft.com/office/drawing/2014/main" id="{9F7AB586-525F-7119-210E-93808F4331F4}"/>
               </a:ext>
             </a:extLst>
           </p:cNvPr>
@@ -17909,45 +18239,75 @@
           <a:lstStyle/>
           <a:p>
             <a:r>
-              <a:rPr lang="en-US" sz="2200" dirty="0"/>
-              <a:t>Design and build a traditional flight computer for Wildcat Rocketry</a:t>
+              <a:rPr lang="en-US" dirty="0"/>
+              <a:t>Feasibility</a:t>
             </a:r>
           </a:p>
           <a:p>
+            <a:pPr lvl="1"/>
             <a:r>
-              <a:rPr lang="en-US" sz="2200" dirty="0"/>
-              <a:t>Be able to receive data during flight.</a:t>
+              <a:rPr lang="en-US" sz="2800" dirty="0"/>
+              <a:t>So far, this project has been doable.</a:t>
             </a:r>
           </a:p>
           <a:p>
+            <a:pPr lvl="1"/>
             <a:r>
-              <a:rPr lang="en-US" sz="2200" dirty="0"/>
-              <a:t>Accurately display flight data via </a:t>
+              <a:rPr lang="en-US" sz="2800" dirty="0"/>
+              <a:t>Team works well together to accomplish goals.</a:t>
             </a:r>
+          </a:p>
+          <a:p>
+            <a:pPr lvl="1"/>
             <a:r>
-              <a:rPr lang="en-US" sz="2200" dirty="0" err="1"/>
-              <a:t>WiFi</a:t>
+              <a:rPr lang="en-US" sz="2800" dirty="0"/>
+              <a:t>Only issue so far is being over budget.</a:t>
             </a:r>
+          </a:p>
+          <a:p>
             <a:r>
-              <a:rPr lang="en-US" sz="2200" dirty="0"/>
-              <a:t> or data export USB.</a:t>
+              <a:rPr lang="en-US" dirty="0"/>
+              <a:t>Risks</a:t>
             </a:r>
           </a:p>
           <a:p>
-            <a:endParaRPr lang="en-US" sz="2200" dirty="0"/>
-          </a:p>
-          <a:p>
+            <a:pPr lvl="1"/>
             <a:r>
-              <a:rPr lang="en-US" sz="2200" dirty="0"/>
-              <a:t>POSSIBLY ADD PICTURE</a:t>
+              <a:rPr lang="en-US" sz="2800" dirty="0"/>
+              <a:t>Drop in communication</a:t>
             </a:r>
+          </a:p>
+          <a:p>
+            <a:pPr lvl="2"/>
+            <a:r>
+              <a:rPr lang="en-US" sz="2800" dirty="0"/>
+              <a:t>We have communicated well so far with needs and issues.</a:t>
+            </a:r>
+          </a:p>
+          <a:p>
+            <a:pPr lvl="1"/>
+            <a:r>
+              <a:rPr lang="en-US" sz="2800" dirty="0"/>
+              <a:t>Watch for burnout</a:t>
+            </a:r>
+          </a:p>
+          <a:p>
+            <a:pPr lvl="2"/>
+            <a:r>
+              <a:rPr lang="en-US" sz="2800" dirty="0"/>
+              <a:t>We have shot out the gate fast, we want to keep it up.</a:t>
+            </a:r>
+          </a:p>
+          <a:p>
+            <a:pPr lvl="1"/>
+            <a:endParaRPr lang="en-US" sz="1800" dirty="0"/>
           </a:p>
         </p:txBody>
       </p:sp>
     </p:spTree>
     <p:extLst>
       <p:ext uri="{BB962C8B-B14F-4D97-AF65-F5344CB8AC3E}">
-        <p14:creationId xmlns:p14="http://schemas.microsoft.com/office/powerpoint/2010/main" val="1272993298"/>
+        <p14:creationId xmlns:p14="http://schemas.microsoft.com/office/powerpoint/2010/main" val="2947093418"/>
       </p:ext>
     </p:extLst>
   </p:cSld>
@@ -17957,7 +18317,7 @@
 </p:sld>
 </file>
 
-<file path=ppt/slides/slide20.xml><?xml version="1.0" encoding="utf-8"?>
+<file path=ppt/slides/slide2.xml><?xml version="1.0" encoding="utf-8"?>
 <p:sld xmlns:a="http://schemas.openxmlformats.org/drawingml/2006/main" xmlns:r="http://schemas.openxmlformats.org/officeDocument/2006/relationships" xmlns:p="http://schemas.openxmlformats.org/presentationml/2006/main">
   <p:cSld>
     <p:bg>
@@ -18047,7 +18407,7 @@
           <p:cNvPr id="2" name="Title 1">
             <a:extLst>
               <a:ext uri="{FF2B5EF4-FFF2-40B4-BE49-F238E27FC236}">
-                <a16:creationId xmlns:a16="http://schemas.microsoft.com/office/drawing/2014/main" id="{4B1E27C4-F89D-CFE7-2F18-9B5E3A72550B}"/>
+                <a16:creationId xmlns:a16="http://schemas.microsoft.com/office/drawing/2014/main" id="{DBE75319-DCBD-C53A-118E-BF8F5E5AC2E3}"/>
               </a:ext>
             </a:extLst>
           </p:cNvPr>
@@ -18072,7 +18432,7 @@
           <a:p>
             <a:r>
               <a:rPr lang="en-US" sz="5400"/>
-              <a:t>Feasibility Assessment</a:t>
+              <a:t>Objectives</a:t>
             </a:r>
           </a:p>
         </p:txBody>
@@ -18720,7 +19080,7 @@
           <p:cNvPr id="3" name="Content Placeholder 2">
             <a:extLst>
               <a:ext uri="{FF2B5EF4-FFF2-40B4-BE49-F238E27FC236}">
-                <a16:creationId xmlns:a16="http://schemas.microsoft.com/office/drawing/2014/main" id="{9F7AB586-525F-7119-210E-93808F4331F4}"/>
+                <a16:creationId xmlns:a16="http://schemas.microsoft.com/office/drawing/2014/main" id="{21DACDEB-6882-22BF-55E9-76D9F9E5F7B9}"/>
               </a:ext>
             </a:extLst>
           </p:cNvPr>
@@ -18744,75 +19104,45 @@
           <a:lstStyle/>
           <a:p>
             <a:r>
-              <a:rPr lang="en-US" dirty="0"/>
-              <a:t>Feasibility</a:t>
+              <a:rPr lang="en-US" sz="2200" dirty="0"/>
+              <a:t>Design and build a traditional flight computer for Wildcat Rocketry</a:t>
             </a:r>
           </a:p>
           <a:p>
-            <a:pPr lvl="1"/>
             <a:r>
-              <a:rPr lang="en-US" sz="2800" dirty="0"/>
-              <a:t>So far, this project has been doable.</a:t>
+              <a:rPr lang="en-US" sz="2200" dirty="0"/>
+              <a:t>Be able to receive data during flight.</a:t>
             </a:r>
           </a:p>
           <a:p>
-            <a:pPr lvl="1"/>
             <a:r>
-              <a:rPr lang="en-US" sz="2800" dirty="0"/>
-              <a:t>Team works well together to accomplish goals.</a:t>
+              <a:rPr lang="en-US" sz="2200" dirty="0"/>
+              <a:t>Accurately display flight data via </a:t>
             </a:r>
-          </a:p>
-          <a:p>
-            <a:pPr lvl="1"/>
             <a:r>
-              <a:rPr lang="en-US" sz="2800" dirty="0"/>
-              <a:t>Only issue so far is being over budget.</a:t>
+              <a:rPr lang="en-US" sz="2200" dirty="0" err="1"/>
+              <a:t>WiFi</a:t>
             </a:r>
-          </a:p>
-          <a:p>
             <a:r>
-              <a:rPr lang="en-US" dirty="0"/>
-              <a:t>Risks</a:t>
+              <a:rPr lang="en-US" sz="2200" dirty="0"/>
+              <a:t> or data export USB.</a:t>
             </a:r>
           </a:p>
           <a:p>
-            <a:pPr lvl="1"/>
+            <a:endParaRPr lang="en-US" sz="2200" dirty="0"/>
+          </a:p>
+          <a:p>
             <a:r>
-              <a:rPr lang="en-US" sz="2800" dirty="0"/>
-              <a:t>Drop in communication</a:t>
+              <a:rPr lang="en-US" sz="2200" dirty="0"/>
+              <a:t>POSSIBLY ADD PICTURE</a:t>
             </a:r>
-          </a:p>
-          <a:p>
-            <a:pPr lvl="2"/>
-            <a:r>
-              <a:rPr lang="en-US" sz="2800" dirty="0"/>
-              <a:t>We have communicated well so far with needs and issues.</a:t>
-            </a:r>
-          </a:p>
-          <a:p>
-            <a:pPr lvl="1"/>
-            <a:r>
-              <a:rPr lang="en-US" sz="2800" dirty="0"/>
-              <a:t>Watch for burnout</a:t>
-            </a:r>
-          </a:p>
-          <a:p>
-            <a:pPr lvl="2"/>
-            <a:r>
-              <a:rPr lang="en-US" sz="2800" dirty="0"/>
-              <a:t>We have shot out the gate fast, we want to keep it up.</a:t>
-            </a:r>
-          </a:p>
-          <a:p>
-            <a:pPr lvl="1"/>
-            <a:endParaRPr lang="en-US" sz="1800" dirty="0"/>
           </a:p>
         </p:txBody>
       </p:sp>
     </p:spTree>
     <p:extLst>
       <p:ext uri="{BB962C8B-B14F-4D97-AF65-F5344CB8AC3E}">
-        <p14:creationId xmlns:p14="http://schemas.microsoft.com/office/powerpoint/2010/main" val="2947093418"/>
+        <p14:creationId xmlns:p14="http://schemas.microsoft.com/office/powerpoint/2010/main" val="1272993298"/>
       </p:ext>
     </p:extLst>
   </p:cSld>
@@ -18822,7 +19152,7 @@
 </p:sld>
 </file>
 
-<file path=ppt/slides/slide21.xml><?xml version="1.0" encoding="utf-8"?>
+<file path=ppt/slides/slide20.xml><?xml version="1.0" encoding="utf-8"?>
 <p:sld xmlns:a="http://schemas.openxmlformats.org/drawingml/2006/main" xmlns:r="http://schemas.openxmlformats.org/officeDocument/2006/relationships" xmlns:p="http://schemas.openxmlformats.org/presentationml/2006/main">
   <p:cSld>
     <p:spTree>
@@ -18936,7 +19266,7 @@
 </p:sld>
 </file>
 
-<file path=ppt/slides/slide22.xml><?xml version="1.0" encoding="utf-8"?>
+<file path=ppt/slides/slide21.xml><?xml version="1.0" encoding="utf-8"?>
 <p:sld xmlns:a="http://schemas.openxmlformats.org/drawingml/2006/main" xmlns:r="http://schemas.openxmlformats.org/officeDocument/2006/relationships" xmlns:p="http://schemas.openxmlformats.org/presentationml/2006/main">
   <p:cSld>
     <p:spTree>
@@ -22923,7 +23253,7 @@
           <p:nvPr/>
         </p:nvPicPr>
         <p:blipFill>
-          <a:blip r:embed="rId2"/>
+          <a:blip r:embed="rId3"/>
           <a:stretch>
             <a:fillRect/>
           </a:stretch>
@@ -23628,7 +23958,7 @@
           </p:nvPr>
         </p:nvPicPr>
         <p:blipFill>
-          <a:blip r:embed="rId2"/>
+          <a:blip r:embed="rId3"/>
           <a:srcRect t="5495" r="-2" b="3089"/>
           <a:stretch/>
         </p:blipFill>
@@ -23875,7 +24205,7 @@
         </p:xfrm>
         <a:graphic>
           <a:graphicData uri="http://schemas.openxmlformats.org/drawingml/2006/diagram">
-            <dgm:relIds xmlns:dgm="http://schemas.openxmlformats.org/drawingml/2006/diagram" xmlns:r="http://schemas.openxmlformats.org/officeDocument/2006/relationships" r:dm="rId2" r:lo="rId3" r:qs="rId4" r:cs="rId5"/>
+            <dgm:relIds xmlns:dgm="http://schemas.openxmlformats.org/drawingml/2006/diagram" xmlns:r="http://schemas.openxmlformats.org/officeDocument/2006/relationships" r:dm="rId3" r:lo="rId4" r:qs="rId5" r:cs="rId6"/>
           </a:graphicData>
         </a:graphic>
       </p:graphicFrame>
@@ -24523,20 +24853,20 @@
 </file>
 
 <file path=customXml/item1.xml><?xml version="1.0" encoding="utf-8"?>
-<p:properties xmlns:p="http://schemas.microsoft.com/office/2006/metadata/properties" xmlns:xsi="http://www.w3.org/2001/XMLSchema-instance" xmlns:pc="http://schemas.microsoft.com/office/infopath/2007/PartnerControls">
-  <documentManagement>
-    <_activity xmlns="218cae68-0ddc-43bb-9a29-52a0402d6cb9" xsi:nil="true"/>
-  </documentManagement>
-</p:properties>
-</file>
-
-<file path=customXml/item2.xml><?xml version="1.0" encoding="utf-8"?>
 <?mso-contentType ?>
 <FormTemplates xmlns="http://schemas.microsoft.com/sharepoint/v3/contenttype/forms">
   <Display>DocumentLibraryForm</Display>
   <Edit>DocumentLibraryForm</Edit>
   <New>DocumentLibraryForm</New>
 </FormTemplates>
+</file>
+
+<file path=customXml/item2.xml><?xml version="1.0" encoding="utf-8"?>
+<p:properties xmlns:p="http://schemas.microsoft.com/office/2006/metadata/properties" xmlns:xsi="http://www.w3.org/2001/XMLSchema-instance" xmlns:pc="http://schemas.microsoft.com/office/infopath/2007/PartnerControls">
+  <documentManagement>
+    <_activity xmlns="218cae68-0ddc-43bb-9a29-52a0402d6cb9" xsi:nil="true"/>
+  </documentManagement>
+</p:properties>
 </file>
 
 <file path=customXml/item3.xml><?xml version="1.0" encoding="utf-8"?>
@@ -24773,6 +25103,14 @@
 </file>
 
 <file path=customXml/itemProps1.xml><?xml version="1.0" encoding="utf-8"?>
+<ds:datastoreItem xmlns:ds="http://schemas.openxmlformats.org/officeDocument/2006/customXml" ds:itemID="{3A69843A-82BD-41BC-9CFD-7A6BCBCF50D4}">
+  <ds:schemaRefs>
+    <ds:schemaRef ds:uri="http://schemas.microsoft.com/sharepoint/v3/contenttype/forms"/>
+  </ds:schemaRefs>
+</ds:datastoreItem>
+</file>
+
+<file path=customXml/itemProps2.xml><?xml version="1.0" encoding="utf-8"?>
 <ds:datastoreItem xmlns:ds="http://schemas.openxmlformats.org/officeDocument/2006/customXml" ds:itemID="{B218F515-3D1B-44A5-8439-DF0479902099}">
   <ds:schemaRefs>
     <ds:schemaRef ds:uri="http://purl.org/dc/dcmitype/"/>
@@ -24785,14 +25123,6 @@
     <ds:schemaRef ds:uri="703aeb73-56ce-48f3-9277-f60cff690132"/>
     <ds:schemaRef ds:uri="http://schemas.microsoft.com/office/2006/metadata/properties"/>
     <ds:schemaRef ds:uri="http://purl.org/dc/elements/1.1/"/>
-  </ds:schemaRefs>
-</ds:datastoreItem>
-</file>
-
-<file path=customXml/itemProps2.xml><?xml version="1.0" encoding="utf-8"?>
-<ds:datastoreItem xmlns:ds="http://schemas.openxmlformats.org/officeDocument/2006/customXml" ds:itemID="{3A69843A-82BD-41BC-9CFD-7A6BCBCF50D4}">
-  <ds:schemaRefs>
-    <ds:schemaRef ds:uri="http://schemas.microsoft.com/sharepoint/v3/contenttype/forms"/>
   </ds:schemaRefs>
 </ds:datastoreItem>
 </file>

--- a/Documents/FInal Presentation/Final_Presentation.pptx
+++ b/Documents/FInal Presentation/Final_Presentation.pptx
@@ -9501,7 +9501,15 @@
           <a:p>
             <a:r>
               <a:rPr lang="en-US" sz="1700" dirty="0"/>
-              <a:t>Pictures to the right is of the Purple Roller ESP-Dash.</a:t>
+              <a:t>Pictures to the right is of the Purple </a:t>
+            </a:r>
+            <a:r>
+              <a:rPr lang="en-US" sz="1700"/>
+              <a:t>Roller couch ESP-Dash</a:t>
+            </a:r>
+            <a:r>
+              <a:rPr lang="en-US" sz="1700" dirty="0"/>
+              <a:t>.</a:t>
             </a:r>
           </a:p>
           <a:p>
@@ -24853,20 +24861,20 @@
 </file>
 
 <file path=customXml/item1.xml><?xml version="1.0" encoding="utf-8"?>
+<p:properties xmlns:p="http://schemas.microsoft.com/office/2006/metadata/properties" xmlns:xsi="http://www.w3.org/2001/XMLSchema-instance" xmlns:pc="http://schemas.microsoft.com/office/infopath/2007/PartnerControls">
+  <documentManagement>
+    <_activity xmlns="218cae68-0ddc-43bb-9a29-52a0402d6cb9" xsi:nil="true"/>
+  </documentManagement>
+</p:properties>
+</file>
+
+<file path=customXml/item2.xml><?xml version="1.0" encoding="utf-8"?>
 <?mso-contentType ?>
 <FormTemplates xmlns="http://schemas.microsoft.com/sharepoint/v3/contenttype/forms">
   <Display>DocumentLibraryForm</Display>
   <Edit>DocumentLibraryForm</Edit>
   <New>DocumentLibraryForm</New>
 </FormTemplates>
-</file>
-
-<file path=customXml/item2.xml><?xml version="1.0" encoding="utf-8"?>
-<p:properties xmlns:p="http://schemas.microsoft.com/office/2006/metadata/properties" xmlns:xsi="http://www.w3.org/2001/XMLSchema-instance" xmlns:pc="http://schemas.microsoft.com/office/infopath/2007/PartnerControls">
-  <documentManagement>
-    <_activity xmlns="218cae68-0ddc-43bb-9a29-52a0402d6cb9" xsi:nil="true"/>
-  </documentManagement>
-</p:properties>
 </file>
 
 <file path=customXml/item3.xml><?xml version="1.0" encoding="utf-8"?>
@@ -25103,14 +25111,6 @@
 </file>
 
 <file path=customXml/itemProps1.xml><?xml version="1.0" encoding="utf-8"?>
-<ds:datastoreItem xmlns:ds="http://schemas.openxmlformats.org/officeDocument/2006/customXml" ds:itemID="{3A69843A-82BD-41BC-9CFD-7A6BCBCF50D4}">
-  <ds:schemaRefs>
-    <ds:schemaRef ds:uri="http://schemas.microsoft.com/sharepoint/v3/contenttype/forms"/>
-  </ds:schemaRefs>
-</ds:datastoreItem>
-</file>
-
-<file path=customXml/itemProps2.xml><?xml version="1.0" encoding="utf-8"?>
 <ds:datastoreItem xmlns:ds="http://schemas.openxmlformats.org/officeDocument/2006/customXml" ds:itemID="{B218F515-3D1B-44A5-8439-DF0479902099}">
   <ds:schemaRefs>
     <ds:schemaRef ds:uri="http://purl.org/dc/dcmitype/"/>
@@ -25123,6 +25123,14 @@
     <ds:schemaRef ds:uri="703aeb73-56ce-48f3-9277-f60cff690132"/>
     <ds:schemaRef ds:uri="http://schemas.microsoft.com/office/2006/metadata/properties"/>
     <ds:schemaRef ds:uri="http://purl.org/dc/elements/1.1/"/>
+  </ds:schemaRefs>
+</ds:datastoreItem>
+</file>
+
+<file path=customXml/itemProps2.xml><?xml version="1.0" encoding="utf-8"?>
+<ds:datastoreItem xmlns:ds="http://schemas.openxmlformats.org/officeDocument/2006/customXml" ds:itemID="{3A69843A-82BD-41BC-9CFD-7A6BCBCF50D4}">
+  <ds:schemaRefs>
+    <ds:schemaRef ds:uri="http://schemas.microsoft.com/sharepoint/v3/contenttype/forms"/>
   </ds:schemaRefs>
 </ds:datastoreItem>
 </file>

--- a/Documents/FInal Presentation/Final_Presentation.pptx
+++ b/Documents/FInal Presentation/Final_Presentation.pptx
@@ -3243,7 +3243,7 @@
           <a:p>
             <a:fld id="{C3DCE7EF-75D0-4DB7-BD1A-FC94188B4058}" type="datetimeFigureOut">
               <a:rPr lang="en-US" smtClean="0"/>
-              <a:t>12/1/2024</a:t>
+              <a:t>01-Dec-24</a:t>
             </a:fld>
             <a:endParaRPr lang="en-US"/>
           </a:p>
@@ -5397,7 +5397,7 @@
           <a:p>
             <a:fld id="{A749A21A-B890-4700-B57E-1CFFBFCC9631}" type="datetimeFigureOut">
               <a:rPr lang="en-US" smtClean="0"/>
-              <a:t>12/1/2024</a:t>
+              <a:t>01-Dec-24</a:t>
             </a:fld>
             <a:endParaRPr lang="en-US"/>
           </a:p>
@@ -5595,7 +5595,7 @@
           <a:p>
             <a:fld id="{A749A21A-B890-4700-B57E-1CFFBFCC9631}" type="datetimeFigureOut">
               <a:rPr lang="en-US" smtClean="0"/>
-              <a:t>12/1/2024</a:t>
+              <a:t>01-Dec-24</a:t>
             </a:fld>
             <a:endParaRPr lang="en-US"/>
           </a:p>
@@ -5803,7 +5803,7 @@
           <a:p>
             <a:fld id="{A749A21A-B890-4700-B57E-1CFFBFCC9631}" type="datetimeFigureOut">
               <a:rPr lang="en-US" smtClean="0"/>
-              <a:t>12/1/2024</a:t>
+              <a:t>01-Dec-24</a:t>
             </a:fld>
             <a:endParaRPr lang="en-US"/>
           </a:p>
@@ -6001,7 +6001,7 @@
           <a:p>
             <a:fld id="{A749A21A-B890-4700-B57E-1CFFBFCC9631}" type="datetimeFigureOut">
               <a:rPr lang="en-US" smtClean="0"/>
-              <a:t>12/1/2024</a:t>
+              <a:t>01-Dec-24</a:t>
             </a:fld>
             <a:endParaRPr lang="en-US"/>
           </a:p>
@@ -6276,7 +6276,7 @@
           <a:p>
             <a:fld id="{A749A21A-B890-4700-B57E-1CFFBFCC9631}" type="datetimeFigureOut">
               <a:rPr lang="en-US" smtClean="0"/>
-              <a:t>12/1/2024</a:t>
+              <a:t>01-Dec-24</a:t>
             </a:fld>
             <a:endParaRPr lang="en-US"/>
           </a:p>
@@ -6541,7 +6541,7 @@
           <a:p>
             <a:fld id="{A749A21A-B890-4700-B57E-1CFFBFCC9631}" type="datetimeFigureOut">
               <a:rPr lang="en-US" smtClean="0"/>
-              <a:t>12/1/2024</a:t>
+              <a:t>01-Dec-24</a:t>
             </a:fld>
             <a:endParaRPr lang="en-US"/>
           </a:p>
@@ -6953,7 +6953,7 @@
           <a:p>
             <a:fld id="{A749A21A-B890-4700-B57E-1CFFBFCC9631}" type="datetimeFigureOut">
               <a:rPr lang="en-US" smtClean="0"/>
-              <a:t>12/1/2024</a:t>
+              <a:t>01-Dec-24</a:t>
             </a:fld>
             <a:endParaRPr lang="en-US"/>
           </a:p>
@@ -7094,7 +7094,7 @@
           <a:p>
             <a:fld id="{A749A21A-B890-4700-B57E-1CFFBFCC9631}" type="datetimeFigureOut">
               <a:rPr lang="en-US" smtClean="0"/>
-              <a:t>12/1/2024</a:t>
+              <a:t>01-Dec-24</a:t>
             </a:fld>
             <a:endParaRPr lang="en-US"/>
           </a:p>
@@ -7207,7 +7207,7 @@
           <a:p>
             <a:fld id="{A749A21A-B890-4700-B57E-1CFFBFCC9631}" type="datetimeFigureOut">
               <a:rPr lang="en-US" smtClean="0"/>
-              <a:t>12/1/2024</a:t>
+              <a:t>01-Dec-24</a:t>
             </a:fld>
             <a:endParaRPr lang="en-US"/>
           </a:p>
@@ -7518,7 +7518,7 @@
           <a:p>
             <a:fld id="{A749A21A-B890-4700-B57E-1CFFBFCC9631}" type="datetimeFigureOut">
               <a:rPr lang="en-US" smtClean="0"/>
-              <a:t>12/1/2024</a:t>
+              <a:t>01-Dec-24</a:t>
             </a:fld>
             <a:endParaRPr lang="en-US"/>
           </a:p>
@@ -7806,7 +7806,7 @@
           <a:p>
             <a:fld id="{A749A21A-B890-4700-B57E-1CFFBFCC9631}" type="datetimeFigureOut">
               <a:rPr lang="en-US" smtClean="0"/>
-              <a:t>12/1/2024</a:t>
+              <a:t>01-Dec-24</a:t>
             </a:fld>
             <a:endParaRPr lang="en-US"/>
           </a:p>
@@ -8047,7 +8047,7 @@
           <a:p>
             <a:fld id="{A749A21A-B890-4700-B57E-1CFFBFCC9631}" type="datetimeFigureOut">
               <a:rPr lang="en-US" smtClean="0"/>
-              <a:t>12/1/2024</a:t>
+              <a:t>01-Dec-24</a:t>
             </a:fld>
             <a:endParaRPr lang="en-US"/>
           </a:p>
@@ -9448,18 +9448,18 @@
         </p:nvSpPr>
         <p:spPr>
           <a:xfrm>
-            <a:off x="876694" y="741391"/>
-            <a:ext cx="2833324" cy="1616203"/>
+            <a:off x="640144" y="755213"/>
+            <a:ext cx="3306423" cy="1616203"/>
           </a:xfrm>
         </p:spPr>
         <p:txBody>
           <a:bodyPr anchor="b">
-            <a:normAutofit/>
+            <a:noAutofit/>
           </a:bodyPr>
           <a:lstStyle/>
           <a:p>
             <a:r>
-              <a:rPr lang="en-US" sz="3200"/>
+              <a:rPr lang="en-US" sz="5400" dirty="0"/>
               <a:t>Approach - Webpage</a:t>
             </a:r>
           </a:p>
@@ -9483,38 +9483,30 @@
         </p:nvSpPr>
         <p:spPr>
           <a:xfrm>
-            <a:off x="876694" y="2426471"/>
+            <a:off x="640144" y="2552595"/>
             <a:ext cx="2833324" cy="3447832"/>
           </a:xfrm>
         </p:spPr>
         <p:txBody>
           <a:bodyPr anchor="ctr">
-            <a:normAutofit/>
+            <a:noAutofit/>
           </a:bodyPr>
           <a:lstStyle/>
           <a:p>
             <a:r>
-              <a:rPr lang="en-US" sz="1700" dirty="0"/>
+              <a:rPr lang="en-US" sz="2200" dirty="0"/>
               <a:t>Use ESP-Dash for fast and easy data visualization.</a:t>
             </a:r>
           </a:p>
           <a:p>
             <a:r>
-              <a:rPr lang="en-US" sz="1700" dirty="0"/>
-              <a:t>Pictures to the right is of the Purple </a:t>
+              <a:rPr lang="en-US" sz="2200" dirty="0"/>
+              <a:t>Pictures to the right is of the Purple Roller couch ESP-Dash.</a:t>
             </a:r>
+          </a:p>
+          <a:p>
             <a:r>
-              <a:rPr lang="en-US" sz="1700"/>
-              <a:t>Roller couch ESP-Dash</a:t>
-            </a:r>
-            <a:r>
-              <a:rPr lang="en-US" sz="1700" dirty="0"/>
-              <a:t>.</a:t>
-            </a:r>
-          </a:p>
-          <a:p>
-            <a:r>
-              <a:rPr lang="en-US" sz="1700" dirty="0"/>
+              <a:rPr lang="en-US" sz="2200" dirty="0"/>
               <a:t>Still testing with ESP32-S3 development boards.</a:t>
             </a:r>
           </a:p>
@@ -9894,7 +9886,7 @@
           <a:lstStyle/>
           <a:p>
             <a:r>
-              <a:rPr lang="en-US" sz="5400"/>
+              <a:rPr lang="en-US" sz="5400" dirty="0"/>
               <a:t>Approach - Standards</a:t>
             </a:r>
           </a:p>
@@ -10568,13 +10560,13 @@
           <a:p>
             <a:r>
               <a:rPr lang="en-US" sz="2200" dirty="0"/>
-              <a:t>I2C – Use I2C for barometer.</a:t>
+              <a:t>I2C – Use I2C for barometer. NXP Semiconductors: UM10204</a:t>
             </a:r>
           </a:p>
           <a:p>
             <a:r>
               <a:rPr lang="en-US" sz="2200" dirty="0"/>
-              <a:t>SPI – Use SPI for IMU, Flash, and High G Accelerometer .</a:t>
+              <a:t>SPI – Use SPI for IMU, Flash, and High G Accelerometer. An uncontrolled standard.</a:t>
             </a:r>
             <a:endParaRPr lang="en-US" sz="1800" dirty="0"/>
           </a:p>
@@ -10587,15 +10579,8 @@
           <a:p>
             <a:pPr lvl="1"/>
             <a:r>
-              <a:rPr lang="en-US" sz="1800" dirty="0"/>
-              <a:t>Wi-Fi – 802.11b/g/n Handled by the ESP32-S3.</a:t>
-            </a:r>
-          </a:p>
-          <a:p>
-            <a:pPr lvl="1"/>
-            <a:r>
-              <a:rPr lang="en-US" sz="1800" dirty="0"/>
-              <a:t>No RF certification since ESP32-S3 is already certified. (NATHAN CHANGE)</a:t>
+              <a:rPr lang="en-US" sz="2200" dirty="0"/>
+              <a:t>Wi-Fi – IEEE 802.11b/g/n </a:t>
             </a:r>
           </a:p>
           <a:p>
@@ -19259,6 +19244,21 @@
               <a:t>This will be mostly referencing data sheets, guides, stuff like that</a:t>
             </a:r>
           </a:p>
+          <a:p>
+            <a:pPr marL="457200" lvl="1" indent="0">
+              <a:buNone/>
+            </a:pPr>
+            <a:r>
+              <a:rPr lang="en-US" sz="1800" dirty="0"/>
+              <a:t>Standards:</a:t>
+            </a:r>
+          </a:p>
+          <a:p>
+            <a:pPr marL="457200" lvl="1" indent="0">
+              <a:buNone/>
+            </a:pPr>
+            <a:endParaRPr lang="en-US" sz="1800" dirty="0"/>
+          </a:p>
         </p:txBody>
       </p:sp>
     </p:spTree>
@@ -24861,20 +24861,20 @@
 </file>
 
 <file path=customXml/item1.xml><?xml version="1.0" encoding="utf-8"?>
-<p:properties xmlns:p="http://schemas.microsoft.com/office/2006/metadata/properties" xmlns:xsi="http://www.w3.org/2001/XMLSchema-instance" xmlns:pc="http://schemas.microsoft.com/office/infopath/2007/PartnerControls">
-  <documentManagement>
-    <_activity xmlns="218cae68-0ddc-43bb-9a29-52a0402d6cb9" xsi:nil="true"/>
-  </documentManagement>
-</p:properties>
-</file>
-
-<file path=customXml/item2.xml><?xml version="1.0" encoding="utf-8"?>
 <?mso-contentType ?>
 <FormTemplates xmlns="http://schemas.microsoft.com/sharepoint/v3/contenttype/forms">
   <Display>DocumentLibraryForm</Display>
   <Edit>DocumentLibraryForm</Edit>
   <New>DocumentLibraryForm</New>
 </FormTemplates>
+</file>
+
+<file path=customXml/item2.xml><?xml version="1.0" encoding="utf-8"?>
+<p:properties xmlns:p="http://schemas.microsoft.com/office/2006/metadata/properties" xmlns:xsi="http://www.w3.org/2001/XMLSchema-instance" xmlns:pc="http://schemas.microsoft.com/office/infopath/2007/PartnerControls">
+  <documentManagement>
+    <_activity xmlns="218cae68-0ddc-43bb-9a29-52a0402d6cb9" xsi:nil="true"/>
+  </documentManagement>
+</p:properties>
 </file>
 
 <file path=customXml/item3.xml><?xml version="1.0" encoding="utf-8"?>
@@ -25111,6 +25111,14 @@
 </file>
 
 <file path=customXml/itemProps1.xml><?xml version="1.0" encoding="utf-8"?>
+<ds:datastoreItem xmlns:ds="http://schemas.openxmlformats.org/officeDocument/2006/customXml" ds:itemID="{3A69843A-82BD-41BC-9CFD-7A6BCBCF50D4}">
+  <ds:schemaRefs>
+    <ds:schemaRef ds:uri="http://schemas.microsoft.com/sharepoint/v3/contenttype/forms"/>
+  </ds:schemaRefs>
+</ds:datastoreItem>
+</file>
+
+<file path=customXml/itemProps2.xml><?xml version="1.0" encoding="utf-8"?>
 <ds:datastoreItem xmlns:ds="http://schemas.openxmlformats.org/officeDocument/2006/customXml" ds:itemID="{B218F515-3D1B-44A5-8439-DF0479902099}">
   <ds:schemaRefs>
     <ds:schemaRef ds:uri="http://purl.org/dc/dcmitype/"/>
@@ -25123,14 +25131,6 @@
     <ds:schemaRef ds:uri="703aeb73-56ce-48f3-9277-f60cff690132"/>
     <ds:schemaRef ds:uri="http://schemas.microsoft.com/office/2006/metadata/properties"/>
     <ds:schemaRef ds:uri="http://purl.org/dc/elements/1.1/"/>
-  </ds:schemaRefs>
-</ds:datastoreItem>
-</file>
-
-<file path=customXml/itemProps2.xml><?xml version="1.0" encoding="utf-8"?>
-<ds:datastoreItem xmlns:ds="http://schemas.openxmlformats.org/officeDocument/2006/customXml" ds:itemID="{3A69843A-82BD-41BC-9CFD-7A6BCBCF50D4}">
-  <ds:schemaRefs>
-    <ds:schemaRef ds:uri="http://schemas.microsoft.com/sharepoint/v3/contenttype/forms"/>
   </ds:schemaRefs>
 </ds:datastoreItem>
 </file>

--- a/Documents/FInal Presentation/Final_Presentation.pptx
+++ b/Documents/FInal Presentation/Final_Presentation.pptx
@@ -3243,7 +3243,7 @@
           <a:p>
             <a:fld id="{C3DCE7EF-75D0-4DB7-BD1A-FC94188B4058}" type="datetimeFigureOut">
               <a:rPr lang="en-US" smtClean="0"/>
-              <a:t>01-Dec-24</a:t>
+              <a:t>03-Dec-24</a:t>
             </a:fld>
             <a:endParaRPr lang="en-US"/>
           </a:p>
@@ -5397,7 +5397,7 @@
           <a:p>
             <a:fld id="{A749A21A-B890-4700-B57E-1CFFBFCC9631}" type="datetimeFigureOut">
               <a:rPr lang="en-US" smtClean="0"/>
-              <a:t>01-Dec-24</a:t>
+              <a:t>03-Dec-24</a:t>
             </a:fld>
             <a:endParaRPr lang="en-US"/>
           </a:p>
@@ -5595,7 +5595,7 @@
           <a:p>
             <a:fld id="{A749A21A-B890-4700-B57E-1CFFBFCC9631}" type="datetimeFigureOut">
               <a:rPr lang="en-US" smtClean="0"/>
-              <a:t>01-Dec-24</a:t>
+              <a:t>03-Dec-24</a:t>
             </a:fld>
             <a:endParaRPr lang="en-US"/>
           </a:p>
@@ -5803,7 +5803,7 @@
           <a:p>
             <a:fld id="{A749A21A-B890-4700-B57E-1CFFBFCC9631}" type="datetimeFigureOut">
               <a:rPr lang="en-US" smtClean="0"/>
-              <a:t>01-Dec-24</a:t>
+              <a:t>03-Dec-24</a:t>
             </a:fld>
             <a:endParaRPr lang="en-US"/>
           </a:p>
@@ -6001,7 +6001,7 @@
           <a:p>
             <a:fld id="{A749A21A-B890-4700-B57E-1CFFBFCC9631}" type="datetimeFigureOut">
               <a:rPr lang="en-US" smtClean="0"/>
-              <a:t>01-Dec-24</a:t>
+              <a:t>03-Dec-24</a:t>
             </a:fld>
             <a:endParaRPr lang="en-US"/>
           </a:p>
@@ -6276,7 +6276,7 @@
           <a:p>
             <a:fld id="{A749A21A-B890-4700-B57E-1CFFBFCC9631}" type="datetimeFigureOut">
               <a:rPr lang="en-US" smtClean="0"/>
-              <a:t>01-Dec-24</a:t>
+              <a:t>03-Dec-24</a:t>
             </a:fld>
             <a:endParaRPr lang="en-US"/>
           </a:p>
@@ -6541,7 +6541,7 @@
           <a:p>
             <a:fld id="{A749A21A-B890-4700-B57E-1CFFBFCC9631}" type="datetimeFigureOut">
               <a:rPr lang="en-US" smtClean="0"/>
-              <a:t>01-Dec-24</a:t>
+              <a:t>03-Dec-24</a:t>
             </a:fld>
             <a:endParaRPr lang="en-US"/>
           </a:p>
@@ -6953,7 +6953,7 @@
           <a:p>
             <a:fld id="{A749A21A-B890-4700-B57E-1CFFBFCC9631}" type="datetimeFigureOut">
               <a:rPr lang="en-US" smtClean="0"/>
-              <a:t>01-Dec-24</a:t>
+              <a:t>03-Dec-24</a:t>
             </a:fld>
             <a:endParaRPr lang="en-US"/>
           </a:p>
@@ -7094,7 +7094,7 @@
           <a:p>
             <a:fld id="{A749A21A-B890-4700-B57E-1CFFBFCC9631}" type="datetimeFigureOut">
               <a:rPr lang="en-US" smtClean="0"/>
-              <a:t>01-Dec-24</a:t>
+              <a:t>03-Dec-24</a:t>
             </a:fld>
             <a:endParaRPr lang="en-US"/>
           </a:p>
@@ -7207,7 +7207,7 @@
           <a:p>
             <a:fld id="{A749A21A-B890-4700-B57E-1CFFBFCC9631}" type="datetimeFigureOut">
               <a:rPr lang="en-US" smtClean="0"/>
-              <a:t>01-Dec-24</a:t>
+              <a:t>03-Dec-24</a:t>
             </a:fld>
             <a:endParaRPr lang="en-US"/>
           </a:p>
@@ -7518,7 +7518,7 @@
           <a:p>
             <a:fld id="{A749A21A-B890-4700-B57E-1CFFBFCC9631}" type="datetimeFigureOut">
               <a:rPr lang="en-US" smtClean="0"/>
-              <a:t>01-Dec-24</a:t>
+              <a:t>03-Dec-24</a:t>
             </a:fld>
             <a:endParaRPr lang="en-US"/>
           </a:p>
@@ -7806,7 +7806,7 @@
           <a:p>
             <a:fld id="{A749A21A-B890-4700-B57E-1CFFBFCC9631}" type="datetimeFigureOut">
               <a:rPr lang="en-US" smtClean="0"/>
-              <a:t>01-Dec-24</a:t>
+              <a:t>03-Dec-24</a:t>
             </a:fld>
             <a:endParaRPr lang="en-US"/>
           </a:p>
@@ -8047,7 +8047,7 @@
           <a:p>
             <a:fld id="{A749A21A-B890-4700-B57E-1CFFBFCC9631}" type="datetimeFigureOut">
               <a:rPr lang="en-US" smtClean="0"/>
-              <a:t>01-Dec-24</a:t>
+              <a:t>03-Dec-24</a:t>
             </a:fld>
             <a:endParaRPr lang="en-US"/>
           </a:p>
@@ -19231,27 +19231,134 @@
           </a:bodyPr>
           <a:lstStyle/>
           <a:p>
-            <a:pPr lvl="1"/>
-            <a:r>
-              <a:rPr lang="en-US" sz="1800" dirty="0"/>
-              <a:t>Nathan will do this near the end c:</a:t>
-            </a:r>
-          </a:p>
-          <a:p>
-            <a:pPr lvl="1"/>
-            <a:r>
-              <a:rPr lang="en-US" sz="1800" dirty="0"/>
-              <a:t>This will be mostly referencing data sheets, guides, stuff like that</a:t>
-            </a:r>
-          </a:p>
-          <a:p>
-            <a:pPr marL="457200" lvl="1" indent="0">
+            <a:pPr marL="0" marR="0" indent="0">
+              <a:lnSpc>
+                <a:spcPct val="107000"/>
+              </a:lnSpc>
+              <a:spcAft>
+                <a:spcPts val="800"/>
+              </a:spcAft>
               <a:buNone/>
             </a:pPr>
             <a:r>
-              <a:rPr lang="en-US" sz="1800" dirty="0"/>
-              <a:t>Standards:</a:t>
+              <a:rPr lang="en-US" sz="1800" kern="0" dirty="0">
+                <a:effectLst/>
+                <a:latin typeface="Calibri" panose="020F0502020204030204" pitchFamily="34" charset="0"/>
+                <a:ea typeface="Calibri" panose="020F0502020204030204" pitchFamily="34" charset="0"/>
+                <a:cs typeface="Calibri" panose="020F0502020204030204" pitchFamily="34" charset="0"/>
+              </a:rPr>
+              <a:t>	“I2C-bus specification and user manual,” vol. 2021, 2021.</a:t>
             </a:r>
+            <a:endParaRPr lang="en-US" sz="1800" kern="100" dirty="0">
+              <a:effectLst/>
+              <a:latin typeface="Calibri" panose="020F0502020204030204" pitchFamily="34" charset="0"/>
+              <a:ea typeface="Calibri" panose="020F0502020204030204" pitchFamily="34" charset="0"/>
+              <a:cs typeface="Times New Roman" panose="02020603050405020304" pitchFamily="18" charset="0"/>
+            </a:endParaRPr>
+          </a:p>
+          <a:p>
+            <a:pPr marL="0" marR="0" indent="0">
+              <a:lnSpc>
+                <a:spcPct val="107000"/>
+              </a:lnSpc>
+              <a:spcAft>
+                <a:spcPts val="800"/>
+              </a:spcAft>
+              <a:buNone/>
+            </a:pPr>
+            <a:r>
+              <a:rPr lang="en-US" sz="1800" kern="0" dirty="0">
+                <a:effectLst/>
+                <a:latin typeface="Calibri" panose="020F0502020204030204" pitchFamily="34" charset="0"/>
+                <a:ea typeface="Calibri" panose="020F0502020204030204" pitchFamily="34" charset="0"/>
+                <a:cs typeface="Calibri" panose="020F0502020204030204" pitchFamily="34" charset="0"/>
+              </a:rPr>
+              <a:t>	“The Standard : Standard C++.” Accessed: Nov. 24, 2024. [Online]. Available: https://isocpp.org/std/the-standard</a:t>
+            </a:r>
+            <a:endParaRPr lang="en-US" sz="1800" kern="100" dirty="0">
+              <a:effectLst/>
+              <a:latin typeface="Calibri" panose="020F0502020204030204" pitchFamily="34" charset="0"/>
+              <a:ea typeface="Calibri" panose="020F0502020204030204" pitchFamily="34" charset="0"/>
+              <a:cs typeface="Times New Roman" panose="02020603050405020304" pitchFamily="18" charset="0"/>
+            </a:endParaRPr>
+          </a:p>
+          <a:p>
+            <a:pPr marL="0" marR="0" indent="0">
+              <a:lnSpc>
+                <a:spcPct val="107000"/>
+              </a:lnSpc>
+              <a:spcAft>
+                <a:spcPts val="800"/>
+              </a:spcAft>
+              <a:buNone/>
+            </a:pPr>
+            <a:r>
+              <a:rPr lang="en-US" sz="1800" kern="0" dirty="0">
+                <a:effectLst/>
+                <a:latin typeface="Calibri" panose="020F0502020204030204" pitchFamily="34" charset="0"/>
+                <a:ea typeface="Calibri" panose="020F0502020204030204" pitchFamily="34" charset="0"/>
+                <a:cs typeface="Calibri" panose="020F0502020204030204" pitchFamily="34" charset="0"/>
+              </a:rPr>
+              <a:t>	“IEEE Standards Association,” IEEE Standards Association. Accessed: Dec. 03, 2024. [Online]. Available: https://standards.ieee.org/ieee/802.11n/3952/</a:t>
+            </a:r>
+            <a:endParaRPr lang="en-US" sz="1800" kern="100" dirty="0">
+              <a:effectLst/>
+              <a:latin typeface="Calibri" panose="020F0502020204030204" pitchFamily="34" charset="0"/>
+              <a:ea typeface="Calibri" panose="020F0502020204030204" pitchFamily="34" charset="0"/>
+              <a:cs typeface="Times New Roman" panose="02020603050405020304" pitchFamily="18" charset="0"/>
+            </a:endParaRPr>
+          </a:p>
+          <a:p>
+            <a:pPr marL="0" marR="0" indent="0">
+              <a:lnSpc>
+                <a:spcPct val="107000"/>
+              </a:lnSpc>
+              <a:spcAft>
+                <a:spcPts val="800"/>
+              </a:spcAft>
+              <a:buNone/>
+            </a:pPr>
+            <a:r>
+              <a:rPr lang="en-US" sz="1800" kern="0" dirty="0">
+                <a:effectLst/>
+                <a:latin typeface="Calibri" panose="020F0502020204030204" pitchFamily="34" charset="0"/>
+                <a:ea typeface="Calibri" panose="020F0502020204030204" pitchFamily="34" charset="0"/>
+                <a:cs typeface="Calibri" panose="020F0502020204030204" pitchFamily="34" charset="0"/>
+              </a:rPr>
+              <a:t>	“ESP32-S3-WROOM-1  ESP32-S3-WROOM-1U  Datasheet Version 1.4.” Accessed: Dec. 03, 2024. [Online]. Available: https://www.espressif.com/sites/default/files/documentation/esp32-s3-wroom-1_wroom-1u_datasheet_en.pdf</a:t>
+            </a:r>
+            <a:endParaRPr lang="en-US" sz="1800" kern="100" dirty="0">
+              <a:effectLst/>
+              <a:latin typeface="Calibri" panose="020F0502020204030204" pitchFamily="34" charset="0"/>
+              <a:ea typeface="Calibri" panose="020F0502020204030204" pitchFamily="34" charset="0"/>
+              <a:cs typeface="Times New Roman" panose="02020603050405020304" pitchFamily="18" charset="0"/>
+            </a:endParaRPr>
+          </a:p>
+          <a:p>
+            <a:pPr marL="0" marR="0" indent="0">
+              <a:lnSpc>
+                <a:spcPct val="107000"/>
+              </a:lnSpc>
+              <a:spcAft>
+                <a:spcPts val="800"/>
+              </a:spcAft>
+              <a:buNone/>
+            </a:pPr>
+            <a:r>
+              <a:rPr lang="en-US" sz="1800" kern="0" dirty="0">
+                <a:effectLst/>
+                <a:latin typeface="Calibri" panose="020F0502020204030204" pitchFamily="34" charset="0"/>
+                <a:ea typeface="Calibri" panose="020F0502020204030204" pitchFamily="34" charset="0"/>
+                <a:cs typeface="Calibri" panose="020F0502020204030204" pitchFamily="34" charset="0"/>
+              </a:rPr>
+              <a:t>	“BNO08X Data Sheet.” 2023. Accessed: Dec. 03, 2024. [Online]. Available: https://www.mouser.com/datasheet/2/1480/BNO080_085_Datasheet-3196201.pdf</a:t>
+            </a:r>
+            <a:endParaRPr lang="en-US" sz="1800" kern="100" dirty="0">
+              <a:effectLst/>
+              <a:latin typeface="Calibri" panose="020F0502020204030204" pitchFamily="34" charset="0"/>
+              <a:ea typeface="Calibri" panose="020F0502020204030204" pitchFamily="34" charset="0"/>
+              <a:cs typeface="Times New Roman" panose="02020603050405020304" pitchFamily="18" charset="0"/>
+            </a:endParaRPr>
           </a:p>
           <a:p>
             <a:pPr marL="457200" lvl="1" indent="0">
@@ -24861,23 +24968,6 @@
 </file>
 
 <file path=customXml/item1.xml><?xml version="1.0" encoding="utf-8"?>
-<?mso-contentType ?>
-<FormTemplates xmlns="http://schemas.microsoft.com/sharepoint/v3/contenttype/forms">
-  <Display>DocumentLibraryForm</Display>
-  <Edit>DocumentLibraryForm</Edit>
-  <New>DocumentLibraryForm</New>
-</FormTemplates>
-</file>
-
-<file path=customXml/item2.xml><?xml version="1.0" encoding="utf-8"?>
-<p:properties xmlns:p="http://schemas.microsoft.com/office/2006/metadata/properties" xmlns:xsi="http://www.w3.org/2001/XMLSchema-instance" xmlns:pc="http://schemas.microsoft.com/office/infopath/2007/PartnerControls">
-  <documentManagement>
-    <_activity xmlns="218cae68-0ddc-43bb-9a29-52a0402d6cb9" xsi:nil="true"/>
-  </documentManagement>
-</p:properties>
-</file>
-
-<file path=customXml/item3.xml><?xml version="1.0" encoding="utf-8"?>
 <ct:contentTypeSchema xmlns:ct="http://schemas.microsoft.com/office/2006/metadata/contentType" xmlns:ma="http://schemas.microsoft.com/office/2006/metadata/properties/metaAttributes" ct:_="" ma:_="" ma:contentTypeName="Document" ma:contentTypeID="0x0101009ADC84C2C2689F418E5BAD3CA70F51C1" ma:contentTypeVersion="15" ma:contentTypeDescription="Create a new document." ma:contentTypeScope="" ma:versionID="dfa36a507fa972b0dae0ef5557aeb3eb">
   <xsd:schema xmlns:xsd="http://www.w3.org/2001/XMLSchema" xmlns:xs="http://www.w3.org/2001/XMLSchema" xmlns:p="http://schemas.microsoft.com/office/2006/metadata/properties" xmlns:ns3="218cae68-0ddc-43bb-9a29-52a0402d6cb9" xmlns:ns4="703aeb73-56ce-48f3-9277-f60cff690132" targetNamespace="http://schemas.microsoft.com/office/2006/metadata/properties" ma:root="true" ma:fieldsID="cb78c5b39430d5080de0e1d97c12cd45" ns3:_="" ns4:_="">
     <xsd:import namespace="218cae68-0ddc-43bb-9a29-52a0402d6cb9"/>
@@ -25110,10 +25200,38 @@
 </ct:contentTypeSchema>
 </file>
 
+<file path=customXml/item2.xml><?xml version="1.0" encoding="utf-8"?>
+<p:properties xmlns:p="http://schemas.microsoft.com/office/2006/metadata/properties" xmlns:xsi="http://www.w3.org/2001/XMLSchema-instance" xmlns:pc="http://schemas.microsoft.com/office/infopath/2007/PartnerControls">
+  <documentManagement>
+    <_activity xmlns="218cae68-0ddc-43bb-9a29-52a0402d6cb9" xsi:nil="true"/>
+  </documentManagement>
+</p:properties>
+</file>
+
+<file path=customXml/item3.xml><?xml version="1.0" encoding="utf-8"?>
+<?mso-contentType ?>
+<FormTemplates xmlns="http://schemas.microsoft.com/sharepoint/v3/contenttype/forms">
+  <Display>DocumentLibraryForm</Display>
+  <Edit>DocumentLibraryForm</Edit>
+  <New>DocumentLibraryForm</New>
+</FormTemplates>
+</file>
+
 <file path=customXml/itemProps1.xml><?xml version="1.0" encoding="utf-8"?>
-<ds:datastoreItem xmlns:ds="http://schemas.openxmlformats.org/officeDocument/2006/customXml" ds:itemID="{3A69843A-82BD-41BC-9CFD-7A6BCBCF50D4}">
+<ds:datastoreItem xmlns:ds="http://schemas.openxmlformats.org/officeDocument/2006/customXml" ds:itemID="{0058B037-F10E-47D7-816C-415ABC0EB55F}">
   <ds:schemaRefs>
-    <ds:schemaRef ds:uri="http://schemas.microsoft.com/sharepoint/v3/contenttype/forms"/>
+    <ds:schemaRef ds:uri="http://schemas.microsoft.com/office/2006/metadata/contentType"/>
+    <ds:schemaRef ds:uri="http://schemas.microsoft.com/office/2006/metadata/properties/metaAttributes"/>
+    <ds:schemaRef ds:uri="http://www.w3.org/2001/XMLSchema"/>
+    <ds:schemaRef ds:uri="http://schemas.microsoft.com/office/2006/metadata/properties"/>
+    <ds:schemaRef ds:uri="218cae68-0ddc-43bb-9a29-52a0402d6cb9"/>
+    <ds:schemaRef ds:uri="703aeb73-56ce-48f3-9277-f60cff690132"/>
+    <ds:schemaRef ds:uri="http://schemas.microsoft.com/office/2006/documentManagement/types"/>
+    <ds:schemaRef ds:uri="http://schemas.microsoft.com/office/infopath/2007/PartnerControls"/>
+    <ds:schemaRef ds:uri="http://schemas.openxmlformats.org/package/2006/metadata/core-properties"/>
+    <ds:schemaRef ds:uri="http://purl.org/dc/elements/1.1/"/>
+    <ds:schemaRef ds:uri="http://purl.org/dc/terms/"/>
+    <ds:schemaRef ds:uri="http://schemas.microsoft.com/internal/obd"/>
   </ds:schemaRefs>
 </ds:datastoreItem>
 </file>
@@ -25136,20 +25254,9 @@
 </file>
 
 <file path=customXml/itemProps3.xml><?xml version="1.0" encoding="utf-8"?>
-<ds:datastoreItem xmlns:ds="http://schemas.openxmlformats.org/officeDocument/2006/customXml" ds:itemID="{0058B037-F10E-47D7-816C-415ABC0EB55F}">
+<ds:datastoreItem xmlns:ds="http://schemas.openxmlformats.org/officeDocument/2006/customXml" ds:itemID="{3A69843A-82BD-41BC-9CFD-7A6BCBCF50D4}">
   <ds:schemaRefs>
-    <ds:schemaRef ds:uri="http://schemas.microsoft.com/office/2006/metadata/contentType"/>
-    <ds:schemaRef ds:uri="http://schemas.microsoft.com/office/2006/metadata/properties/metaAttributes"/>
-    <ds:schemaRef ds:uri="http://www.w3.org/2001/XMLSchema"/>
-    <ds:schemaRef ds:uri="http://schemas.microsoft.com/office/2006/metadata/properties"/>
-    <ds:schemaRef ds:uri="218cae68-0ddc-43bb-9a29-52a0402d6cb9"/>
-    <ds:schemaRef ds:uri="703aeb73-56ce-48f3-9277-f60cff690132"/>
-    <ds:schemaRef ds:uri="http://schemas.microsoft.com/office/2006/documentManagement/types"/>
-    <ds:schemaRef ds:uri="http://schemas.microsoft.com/office/infopath/2007/PartnerControls"/>
-    <ds:schemaRef ds:uri="http://schemas.openxmlformats.org/package/2006/metadata/core-properties"/>
-    <ds:schemaRef ds:uri="http://purl.org/dc/elements/1.1/"/>
-    <ds:schemaRef ds:uri="http://purl.org/dc/terms/"/>
-    <ds:schemaRef ds:uri="http://schemas.microsoft.com/internal/obd"/>
+    <ds:schemaRef ds:uri="http://schemas.microsoft.com/sharepoint/v3/contenttype/forms"/>
   </ds:schemaRefs>
 </ds:datastoreItem>
 </file>
--- a/Documents/FInal Presentation/Final_Presentation.pptx
+++ b/Documents/FInal Presentation/Final_Presentation.pptx
@@ -3243,7 +3243,7 @@
           <a:p>
             <a:fld id="{C3DCE7EF-75D0-4DB7-BD1A-FC94188B4058}" type="datetimeFigureOut">
               <a:rPr lang="en-US" smtClean="0"/>
-              <a:t>03-Dec-24</a:t>
+              <a:t>12/3/2024</a:t>
             </a:fld>
             <a:endParaRPr lang="en-US"/>
           </a:p>
@@ -5397,7 +5397,7 @@
           <a:p>
             <a:fld id="{A749A21A-B890-4700-B57E-1CFFBFCC9631}" type="datetimeFigureOut">
               <a:rPr lang="en-US" smtClean="0"/>
-              <a:t>03-Dec-24</a:t>
+              <a:t>12/3/2024</a:t>
             </a:fld>
             <a:endParaRPr lang="en-US"/>
           </a:p>
@@ -5595,7 +5595,7 @@
           <a:p>
             <a:fld id="{A749A21A-B890-4700-B57E-1CFFBFCC9631}" type="datetimeFigureOut">
               <a:rPr lang="en-US" smtClean="0"/>
-              <a:t>03-Dec-24</a:t>
+              <a:t>12/3/2024</a:t>
             </a:fld>
             <a:endParaRPr lang="en-US"/>
           </a:p>
@@ -5803,7 +5803,7 @@
           <a:p>
             <a:fld id="{A749A21A-B890-4700-B57E-1CFFBFCC9631}" type="datetimeFigureOut">
               <a:rPr lang="en-US" smtClean="0"/>
-              <a:t>03-Dec-24</a:t>
+              <a:t>12/3/2024</a:t>
             </a:fld>
             <a:endParaRPr lang="en-US"/>
           </a:p>
@@ -6001,7 +6001,7 @@
           <a:p>
             <a:fld id="{A749A21A-B890-4700-B57E-1CFFBFCC9631}" type="datetimeFigureOut">
               <a:rPr lang="en-US" smtClean="0"/>
-              <a:t>03-Dec-24</a:t>
+              <a:t>12/3/2024</a:t>
             </a:fld>
             <a:endParaRPr lang="en-US"/>
           </a:p>
@@ -6276,7 +6276,7 @@
           <a:p>
             <a:fld id="{A749A21A-B890-4700-B57E-1CFFBFCC9631}" type="datetimeFigureOut">
               <a:rPr lang="en-US" smtClean="0"/>
-              <a:t>03-Dec-24</a:t>
+              <a:t>12/3/2024</a:t>
             </a:fld>
             <a:endParaRPr lang="en-US"/>
           </a:p>
@@ -6541,7 +6541,7 @@
           <a:p>
             <a:fld id="{A749A21A-B890-4700-B57E-1CFFBFCC9631}" type="datetimeFigureOut">
               <a:rPr lang="en-US" smtClean="0"/>
-              <a:t>03-Dec-24</a:t>
+              <a:t>12/3/2024</a:t>
             </a:fld>
             <a:endParaRPr lang="en-US"/>
           </a:p>
@@ -6953,7 +6953,7 @@
           <a:p>
             <a:fld id="{A749A21A-B890-4700-B57E-1CFFBFCC9631}" type="datetimeFigureOut">
               <a:rPr lang="en-US" smtClean="0"/>
-              <a:t>03-Dec-24</a:t>
+              <a:t>12/3/2024</a:t>
             </a:fld>
             <a:endParaRPr lang="en-US"/>
           </a:p>
@@ -7094,7 +7094,7 @@
           <a:p>
             <a:fld id="{A749A21A-B890-4700-B57E-1CFFBFCC9631}" type="datetimeFigureOut">
               <a:rPr lang="en-US" smtClean="0"/>
-              <a:t>03-Dec-24</a:t>
+              <a:t>12/3/2024</a:t>
             </a:fld>
             <a:endParaRPr lang="en-US"/>
           </a:p>
@@ -7207,7 +7207,7 @@
           <a:p>
             <a:fld id="{A749A21A-B890-4700-B57E-1CFFBFCC9631}" type="datetimeFigureOut">
               <a:rPr lang="en-US" smtClean="0"/>
-              <a:t>03-Dec-24</a:t>
+              <a:t>12/3/2024</a:t>
             </a:fld>
             <a:endParaRPr lang="en-US"/>
           </a:p>
@@ -7518,7 +7518,7 @@
           <a:p>
             <a:fld id="{A749A21A-B890-4700-B57E-1CFFBFCC9631}" type="datetimeFigureOut">
               <a:rPr lang="en-US" smtClean="0"/>
-              <a:t>03-Dec-24</a:t>
+              <a:t>12/3/2024</a:t>
             </a:fld>
             <a:endParaRPr lang="en-US"/>
           </a:p>
@@ -7806,7 +7806,7 @@
           <a:p>
             <a:fld id="{A749A21A-B890-4700-B57E-1CFFBFCC9631}" type="datetimeFigureOut">
               <a:rPr lang="en-US" smtClean="0"/>
-              <a:t>03-Dec-24</a:t>
+              <a:t>12/3/2024</a:t>
             </a:fld>
             <a:endParaRPr lang="en-US"/>
           </a:p>
@@ -8047,7 +8047,7 @@
           <a:p>
             <a:fld id="{A749A21A-B890-4700-B57E-1CFFBFCC9631}" type="datetimeFigureOut">
               <a:rPr lang="en-US" smtClean="0"/>
-              <a:t>03-Dec-24</a:t>
+              <a:t>12/3/2024</a:t>
             </a:fld>
             <a:endParaRPr lang="en-US"/>
           </a:p>
@@ -18337,10 +18337,10 @@
       </p:grpSpPr>
       <p:sp useBgFill="1">
         <p:nvSpPr>
-          <p:cNvPr id="8" name="Rectangle 7">
+          <p:cNvPr id="34" name="Rectangle 33">
             <a:extLst>
               <a:ext uri="{FF2B5EF4-FFF2-40B4-BE49-F238E27FC236}">
-                <a16:creationId xmlns:a16="http://schemas.microsoft.com/office/drawing/2014/main" id="{100EDD19-6802-4EC3-95CE-CFFAB042CFD6}"/>
+                <a16:creationId xmlns:a16="http://schemas.microsoft.com/office/drawing/2014/main" id="{79477870-C64A-4E35-8F2F-05B7114F3C74}"/>
               </a:ext>
               <a:ext uri="{C183D7F6-B498-43B3-948B-1728B52AA6E4}">
                 <adec:decorative xmlns:adec="http://schemas.microsoft.com/office/drawing/2017/decorative" val="1"/>
@@ -18361,7 +18361,7 @@
         <p:spPr>
           <a:xfrm>
             <a:off x="0" y="0"/>
-            <a:ext cx="12188952" cy="6858000"/>
+            <a:ext cx="12192000" cy="6858000"/>
           </a:xfrm>
           <a:prstGeom prst="rect">
             <a:avLst/>
@@ -18413,18 +18413,18 @@
         </p:nvSpPr>
         <p:spPr>
           <a:xfrm>
-            <a:off x="838200" y="365125"/>
-            <a:ext cx="10515600" cy="1325563"/>
+            <a:off x="612648" y="1078992"/>
+            <a:ext cx="6268770" cy="1536192"/>
           </a:xfrm>
         </p:spPr>
         <p:txBody>
-          <a:bodyPr>
+          <a:bodyPr anchor="b">
             <a:normAutofit/>
           </a:bodyPr>
           <a:lstStyle/>
           <a:p>
             <a:r>
-              <a:rPr lang="en-US" sz="5400"/>
+              <a:rPr lang="en-US" sz="5200" dirty="0"/>
               <a:t>Objectives</a:t>
             </a:r>
           </a:p>
@@ -18432,10 +18432,10 @@
       </p:sp>
       <p:sp>
         <p:nvSpPr>
-          <p:cNvPr id="10" name="sketch line">
+          <p:cNvPr id="35" name="!!accent">
             <a:extLst>
               <a:ext uri="{FF2B5EF4-FFF2-40B4-BE49-F238E27FC236}">
-                <a16:creationId xmlns:a16="http://schemas.microsoft.com/office/drawing/2014/main" id="{DB17E863-922E-4C26-BD64-E8FD41D28661}"/>
+                <a16:creationId xmlns:a16="http://schemas.microsoft.com/office/drawing/2014/main" id="{8AEA628B-C8FF-4D0B-B111-F101F580B15D}"/>
               </a:ext>
               <a:ext uri="{C183D7F6-B498-43B3-948B-1728B52AA6E4}">
                 <adec:decorative xmlns:adec="http://schemas.microsoft.com/office/drawing/2017/decorative" val="1"/>
@@ -18454,593 +18454,18 @@
           </p:nvPr>
         </p:nvSpPr>
         <p:spPr>
-          <a:xfrm>
-            <a:off x="669036" y="1677373"/>
-            <a:ext cx="10853928" cy="18288"/>
+          <a:xfrm rot="5400000">
+            <a:off x="853202" y="363389"/>
+            <a:ext cx="73152" cy="548640"/>
           </a:xfrm>
-          <a:custGeom>
+          <a:prstGeom prst="rect">
             <a:avLst/>
-            <a:gdLst>
-              <a:gd name="connsiteX0" fmla="*/ 0 w 10853928"/>
-              <a:gd name="connsiteY0" fmla="*/ 0 h 18288"/>
-              <a:gd name="connsiteX1" fmla="*/ 461292 w 10853928"/>
-              <a:gd name="connsiteY1" fmla="*/ 0 h 18288"/>
-              <a:gd name="connsiteX2" fmla="*/ 1139662 w 10853928"/>
-              <a:gd name="connsiteY2" fmla="*/ 0 h 18288"/>
-              <a:gd name="connsiteX3" fmla="*/ 1926572 w 10853928"/>
-              <a:gd name="connsiteY3" fmla="*/ 0 h 18288"/>
-              <a:gd name="connsiteX4" fmla="*/ 2279325 w 10853928"/>
-              <a:gd name="connsiteY4" fmla="*/ 0 h 18288"/>
-              <a:gd name="connsiteX5" fmla="*/ 2632078 w 10853928"/>
-              <a:gd name="connsiteY5" fmla="*/ 0 h 18288"/>
-              <a:gd name="connsiteX6" fmla="*/ 3527527 w 10853928"/>
-              <a:gd name="connsiteY6" fmla="*/ 0 h 18288"/>
-              <a:gd name="connsiteX7" fmla="*/ 4205897 w 10853928"/>
-              <a:gd name="connsiteY7" fmla="*/ 0 h 18288"/>
-              <a:gd name="connsiteX8" fmla="*/ 4558650 w 10853928"/>
-              <a:gd name="connsiteY8" fmla="*/ 0 h 18288"/>
-              <a:gd name="connsiteX9" fmla="*/ 5237020 w 10853928"/>
-              <a:gd name="connsiteY9" fmla="*/ 0 h 18288"/>
-              <a:gd name="connsiteX10" fmla="*/ 6132469 w 10853928"/>
-              <a:gd name="connsiteY10" fmla="*/ 0 h 18288"/>
-              <a:gd name="connsiteX11" fmla="*/ 6702301 w 10853928"/>
-              <a:gd name="connsiteY11" fmla="*/ 0 h 18288"/>
-              <a:gd name="connsiteX12" fmla="*/ 7272132 w 10853928"/>
-              <a:gd name="connsiteY12" fmla="*/ 0 h 18288"/>
-              <a:gd name="connsiteX13" fmla="*/ 7950502 w 10853928"/>
-              <a:gd name="connsiteY13" fmla="*/ 0 h 18288"/>
-              <a:gd name="connsiteX14" fmla="*/ 8737412 w 10853928"/>
-              <a:gd name="connsiteY14" fmla="*/ 0 h 18288"/>
-              <a:gd name="connsiteX15" fmla="*/ 9524322 w 10853928"/>
-              <a:gd name="connsiteY15" fmla="*/ 0 h 18288"/>
-              <a:gd name="connsiteX16" fmla="*/ 10853928 w 10853928"/>
-              <a:gd name="connsiteY16" fmla="*/ 0 h 18288"/>
-              <a:gd name="connsiteX17" fmla="*/ 10853928 w 10853928"/>
-              <a:gd name="connsiteY17" fmla="*/ 18288 h 18288"/>
-              <a:gd name="connsiteX18" fmla="*/ 10392636 w 10853928"/>
-              <a:gd name="connsiteY18" fmla="*/ 18288 h 18288"/>
-              <a:gd name="connsiteX19" fmla="*/ 9497187 w 10853928"/>
-              <a:gd name="connsiteY19" fmla="*/ 18288 h 18288"/>
-              <a:gd name="connsiteX20" fmla="*/ 8818817 w 10853928"/>
-              <a:gd name="connsiteY20" fmla="*/ 18288 h 18288"/>
-              <a:gd name="connsiteX21" fmla="*/ 8466064 w 10853928"/>
-              <a:gd name="connsiteY21" fmla="*/ 18288 h 18288"/>
-              <a:gd name="connsiteX22" fmla="*/ 7787693 w 10853928"/>
-              <a:gd name="connsiteY22" fmla="*/ 18288 h 18288"/>
-              <a:gd name="connsiteX23" fmla="*/ 7217862 w 10853928"/>
-              <a:gd name="connsiteY23" fmla="*/ 18288 h 18288"/>
-              <a:gd name="connsiteX24" fmla="*/ 6648031 w 10853928"/>
-              <a:gd name="connsiteY24" fmla="*/ 18288 h 18288"/>
-              <a:gd name="connsiteX25" fmla="*/ 6078200 w 10853928"/>
-              <a:gd name="connsiteY25" fmla="*/ 18288 h 18288"/>
-              <a:gd name="connsiteX26" fmla="*/ 5508368 w 10853928"/>
-              <a:gd name="connsiteY26" fmla="*/ 18288 h 18288"/>
-              <a:gd name="connsiteX27" fmla="*/ 4721459 w 10853928"/>
-              <a:gd name="connsiteY27" fmla="*/ 18288 h 18288"/>
-              <a:gd name="connsiteX28" fmla="*/ 4043088 w 10853928"/>
-              <a:gd name="connsiteY28" fmla="*/ 18288 h 18288"/>
-              <a:gd name="connsiteX29" fmla="*/ 3690336 w 10853928"/>
-              <a:gd name="connsiteY29" fmla="*/ 18288 h 18288"/>
-              <a:gd name="connsiteX30" fmla="*/ 3120504 w 10853928"/>
-              <a:gd name="connsiteY30" fmla="*/ 18288 h 18288"/>
-              <a:gd name="connsiteX31" fmla="*/ 2333595 w 10853928"/>
-              <a:gd name="connsiteY31" fmla="*/ 18288 h 18288"/>
-              <a:gd name="connsiteX32" fmla="*/ 1872303 w 10853928"/>
-              <a:gd name="connsiteY32" fmla="*/ 18288 h 18288"/>
-              <a:gd name="connsiteX33" fmla="*/ 976854 w 10853928"/>
-              <a:gd name="connsiteY33" fmla="*/ 18288 h 18288"/>
-              <a:gd name="connsiteX34" fmla="*/ 0 w 10853928"/>
-              <a:gd name="connsiteY34" fmla="*/ 18288 h 18288"/>
-              <a:gd name="connsiteX35" fmla="*/ 0 w 10853928"/>
-              <a:gd name="connsiteY35" fmla="*/ 0 h 18288"/>
-            </a:gdLst>
-            <a:ahLst/>
-            <a:cxnLst>
-              <a:cxn ang="0">
-                <a:pos x="connsiteX0" y="connsiteY0"/>
-              </a:cxn>
-              <a:cxn ang="0">
-                <a:pos x="connsiteX1" y="connsiteY1"/>
-              </a:cxn>
-              <a:cxn ang="0">
-                <a:pos x="connsiteX2" y="connsiteY2"/>
-              </a:cxn>
-              <a:cxn ang="0">
-                <a:pos x="connsiteX3" y="connsiteY3"/>
-              </a:cxn>
-              <a:cxn ang="0">
-                <a:pos x="connsiteX4" y="connsiteY4"/>
-              </a:cxn>
-              <a:cxn ang="0">
-                <a:pos x="connsiteX5" y="connsiteY5"/>
-              </a:cxn>
-              <a:cxn ang="0">
-                <a:pos x="connsiteX6" y="connsiteY6"/>
-              </a:cxn>
-              <a:cxn ang="0">
-                <a:pos x="connsiteX7" y="connsiteY7"/>
-              </a:cxn>
-              <a:cxn ang="0">
-                <a:pos x="connsiteX8" y="connsiteY8"/>
-              </a:cxn>
-              <a:cxn ang="0">
-                <a:pos x="connsiteX9" y="connsiteY9"/>
-              </a:cxn>
-              <a:cxn ang="0">
-                <a:pos x="connsiteX10" y="connsiteY10"/>
-              </a:cxn>
-              <a:cxn ang="0">
-                <a:pos x="connsiteX11" y="connsiteY11"/>
-              </a:cxn>
-              <a:cxn ang="0">
-                <a:pos x="connsiteX12" y="connsiteY12"/>
-              </a:cxn>
-              <a:cxn ang="0">
-                <a:pos x="connsiteX13" y="connsiteY13"/>
-              </a:cxn>
-              <a:cxn ang="0">
-                <a:pos x="connsiteX14" y="connsiteY14"/>
-              </a:cxn>
-              <a:cxn ang="0">
-                <a:pos x="connsiteX15" y="connsiteY15"/>
-              </a:cxn>
-              <a:cxn ang="0">
-                <a:pos x="connsiteX16" y="connsiteY16"/>
-              </a:cxn>
-              <a:cxn ang="0">
-                <a:pos x="connsiteX17" y="connsiteY17"/>
-              </a:cxn>
-              <a:cxn ang="0">
-                <a:pos x="connsiteX18" y="connsiteY18"/>
-              </a:cxn>
-              <a:cxn ang="0">
-                <a:pos x="connsiteX19" y="connsiteY19"/>
-              </a:cxn>
-              <a:cxn ang="0">
-                <a:pos x="connsiteX20" y="connsiteY20"/>
-              </a:cxn>
-              <a:cxn ang="0">
-                <a:pos x="connsiteX21" y="connsiteY21"/>
-              </a:cxn>
-              <a:cxn ang="0">
-                <a:pos x="connsiteX22" y="connsiteY22"/>
-              </a:cxn>
-              <a:cxn ang="0">
-                <a:pos x="connsiteX23" y="connsiteY23"/>
-              </a:cxn>
-              <a:cxn ang="0">
-                <a:pos x="connsiteX24" y="connsiteY24"/>
-              </a:cxn>
-              <a:cxn ang="0">
-                <a:pos x="connsiteX25" y="connsiteY25"/>
-              </a:cxn>
-              <a:cxn ang="0">
-                <a:pos x="connsiteX26" y="connsiteY26"/>
-              </a:cxn>
-              <a:cxn ang="0">
-                <a:pos x="connsiteX27" y="connsiteY27"/>
-              </a:cxn>
-              <a:cxn ang="0">
-                <a:pos x="connsiteX28" y="connsiteY28"/>
-              </a:cxn>
-              <a:cxn ang="0">
-                <a:pos x="connsiteX29" y="connsiteY29"/>
-              </a:cxn>
-              <a:cxn ang="0">
-                <a:pos x="connsiteX30" y="connsiteY30"/>
-              </a:cxn>
-              <a:cxn ang="0">
-                <a:pos x="connsiteX31" y="connsiteY31"/>
-              </a:cxn>
-              <a:cxn ang="0">
-                <a:pos x="connsiteX32" y="connsiteY32"/>
-              </a:cxn>
-              <a:cxn ang="0">
-                <a:pos x="connsiteX33" y="connsiteY33"/>
-              </a:cxn>
-              <a:cxn ang="0">
-                <a:pos x="connsiteX34" y="connsiteY34"/>
-              </a:cxn>
-              <a:cxn ang="0">
-                <a:pos x="connsiteX35" y="connsiteY35"/>
-              </a:cxn>
-            </a:cxnLst>
-            <a:rect l="l" t="t" r="r" b="b"/>
-            <a:pathLst>
-              <a:path w="10853928" h="18288" fill="none" extrusionOk="0">
-                <a:moveTo>
-                  <a:pt x="0" y="0"/>
-                </a:moveTo>
-                <a:cubicBezTo>
-                  <a:pt x="146993" y="-19076"/>
-                  <a:pt x="347684" y="-4790"/>
-                  <a:pt x="461292" y="0"/>
-                </a:cubicBezTo>
-                <a:cubicBezTo>
-                  <a:pt x="574900" y="4790"/>
-                  <a:pt x="808367" y="19821"/>
-                  <a:pt x="1139662" y="0"/>
-                </a:cubicBezTo>
-                <a:cubicBezTo>
-                  <a:pt x="1470957" y="-19821"/>
-                  <a:pt x="1627405" y="5721"/>
-                  <a:pt x="1926572" y="0"/>
-                </a:cubicBezTo>
-                <a:cubicBezTo>
-                  <a:pt x="2225739" y="-5721"/>
-                  <a:pt x="2137730" y="-3235"/>
-                  <a:pt x="2279325" y="0"/>
-                </a:cubicBezTo>
-                <a:cubicBezTo>
-                  <a:pt x="2420920" y="3235"/>
-                  <a:pt x="2456518" y="9685"/>
-                  <a:pt x="2632078" y="0"/>
-                </a:cubicBezTo>
-                <a:cubicBezTo>
-                  <a:pt x="2807638" y="-9685"/>
-                  <a:pt x="3211516" y="-43007"/>
-                  <a:pt x="3527527" y="0"/>
-                </a:cubicBezTo>
-                <a:cubicBezTo>
-                  <a:pt x="3843538" y="43007"/>
-                  <a:pt x="4058833" y="22042"/>
-                  <a:pt x="4205897" y="0"/>
-                </a:cubicBezTo>
-                <a:cubicBezTo>
-                  <a:pt x="4352961" y="-22042"/>
-                  <a:pt x="4474805" y="-11846"/>
-                  <a:pt x="4558650" y="0"/>
-                </a:cubicBezTo>
-                <a:cubicBezTo>
-                  <a:pt x="4642495" y="11846"/>
-                  <a:pt x="5041928" y="-6069"/>
-                  <a:pt x="5237020" y="0"/>
-                </a:cubicBezTo>
-                <a:cubicBezTo>
-                  <a:pt x="5432112" y="6069"/>
-                  <a:pt x="5943266" y="-17479"/>
-                  <a:pt x="6132469" y="0"/>
-                </a:cubicBezTo>
-                <a:cubicBezTo>
-                  <a:pt x="6321672" y="17479"/>
-                  <a:pt x="6483872" y="26234"/>
-                  <a:pt x="6702301" y="0"/>
-                </a:cubicBezTo>
-                <a:cubicBezTo>
-                  <a:pt x="6920730" y="-26234"/>
-                  <a:pt x="6991194" y="-15156"/>
-                  <a:pt x="7272132" y="0"/>
-                </a:cubicBezTo>
-                <a:cubicBezTo>
-                  <a:pt x="7553070" y="15156"/>
-                  <a:pt x="7684444" y="-32961"/>
-                  <a:pt x="7950502" y="0"/>
-                </a:cubicBezTo>
-                <a:cubicBezTo>
-                  <a:pt x="8216560" y="32961"/>
-                  <a:pt x="8493290" y="-10491"/>
-                  <a:pt x="8737412" y="0"/>
-                </a:cubicBezTo>
-                <a:cubicBezTo>
-                  <a:pt x="8981534" y="10491"/>
-                  <a:pt x="9191586" y="-13899"/>
-                  <a:pt x="9524322" y="0"/>
-                </a:cubicBezTo>
-                <a:cubicBezTo>
-                  <a:pt x="9857058" y="13899"/>
-                  <a:pt x="10297509" y="7485"/>
-                  <a:pt x="10853928" y="0"/>
-                </a:cubicBezTo>
-                <a:cubicBezTo>
-                  <a:pt x="10854574" y="4451"/>
-                  <a:pt x="10854418" y="9226"/>
-                  <a:pt x="10853928" y="18288"/>
-                </a:cubicBezTo>
-                <a:cubicBezTo>
-                  <a:pt x="10691638" y="28522"/>
-                  <a:pt x="10574319" y="29578"/>
-                  <a:pt x="10392636" y="18288"/>
-                </a:cubicBezTo>
-                <a:cubicBezTo>
-                  <a:pt x="10210953" y="6998"/>
-                  <a:pt x="9836277" y="-16742"/>
-                  <a:pt x="9497187" y="18288"/>
-                </a:cubicBezTo>
-                <a:cubicBezTo>
-                  <a:pt x="9158097" y="53318"/>
-                  <a:pt x="9119479" y="30714"/>
-                  <a:pt x="8818817" y="18288"/>
-                </a:cubicBezTo>
-                <a:cubicBezTo>
-                  <a:pt x="8518155" y="5863"/>
-                  <a:pt x="8640037" y="6483"/>
-                  <a:pt x="8466064" y="18288"/>
-                </a:cubicBezTo>
-                <a:cubicBezTo>
-                  <a:pt x="8292091" y="30093"/>
-                  <a:pt x="7997656" y="18914"/>
-                  <a:pt x="7787693" y="18288"/>
-                </a:cubicBezTo>
-                <a:cubicBezTo>
-                  <a:pt x="7577730" y="17662"/>
-                  <a:pt x="7412468" y="21416"/>
-                  <a:pt x="7217862" y="18288"/>
-                </a:cubicBezTo>
-                <a:cubicBezTo>
-                  <a:pt x="7023256" y="15160"/>
-                  <a:pt x="6898018" y="14824"/>
-                  <a:pt x="6648031" y="18288"/>
-                </a:cubicBezTo>
-                <a:cubicBezTo>
-                  <a:pt x="6398044" y="21752"/>
-                  <a:pt x="6254402" y="38625"/>
-                  <a:pt x="6078200" y="18288"/>
-                </a:cubicBezTo>
-                <a:cubicBezTo>
-                  <a:pt x="5901998" y="-2049"/>
-                  <a:pt x="5622886" y="3213"/>
-                  <a:pt x="5508368" y="18288"/>
-                </a:cubicBezTo>
-                <a:cubicBezTo>
-                  <a:pt x="5393850" y="33363"/>
-                  <a:pt x="5036260" y="26830"/>
-                  <a:pt x="4721459" y="18288"/>
-                </a:cubicBezTo>
-                <a:cubicBezTo>
-                  <a:pt x="4406658" y="9746"/>
-                  <a:pt x="4239221" y="41551"/>
-                  <a:pt x="4043088" y="18288"/>
-                </a:cubicBezTo>
-                <a:cubicBezTo>
-                  <a:pt x="3846955" y="-4975"/>
-                  <a:pt x="3818802" y="34658"/>
-                  <a:pt x="3690336" y="18288"/>
-                </a:cubicBezTo>
-                <a:cubicBezTo>
-                  <a:pt x="3561870" y="1918"/>
-                  <a:pt x="3265491" y="42194"/>
-                  <a:pt x="3120504" y="18288"/>
-                </a:cubicBezTo>
-                <a:cubicBezTo>
-                  <a:pt x="2975517" y="-5618"/>
-                  <a:pt x="2720254" y="36673"/>
-                  <a:pt x="2333595" y="18288"/>
-                </a:cubicBezTo>
-                <a:cubicBezTo>
-                  <a:pt x="1946936" y="-97"/>
-                  <a:pt x="2097241" y="5776"/>
-                  <a:pt x="1872303" y="18288"/>
-                </a:cubicBezTo>
-                <a:cubicBezTo>
-                  <a:pt x="1647365" y="30800"/>
-                  <a:pt x="1282708" y="45380"/>
-                  <a:pt x="976854" y="18288"/>
-                </a:cubicBezTo>
-                <a:cubicBezTo>
-                  <a:pt x="671000" y="-8804"/>
-                  <a:pt x="408401" y="-12775"/>
-                  <a:pt x="0" y="18288"/>
-                </a:cubicBezTo>
-                <a:cubicBezTo>
-                  <a:pt x="-213" y="9468"/>
-                  <a:pt x="187" y="4459"/>
-                  <a:pt x="0" y="0"/>
-                </a:cubicBezTo>
-                <a:close/>
-              </a:path>
-              <a:path w="10853928" h="18288" stroke="0" extrusionOk="0">
-                <a:moveTo>
-                  <a:pt x="0" y="0"/>
-                </a:moveTo>
-                <a:cubicBezTo>
-                  <a:pt x="267322" y="15284"/>
-                  <a:pt x="415388" y="-21048"/>
-                  <a:pt x="569831" y="0"/>
-                </a:cubicBezTo>
-                <a:cubicBezTo>
-                  <a:pt x="724274" y="21048"/>
-                  <a:pt x="769333" y="-2353"/>
-                  <a:pt x="922584" y="0"/>
-                </a:cubicBezTo>
-                <a:cubicBezTo>
-                  <a:pt x="1075835" y="2353"/>
-                  <a:pt x="1399490" y="-145"/>
-                  <a:pt x="1818033" y="0"/>
-                </a:cubicBezTo>
-                <a:cubicBezTo>
-                  <a:pt x="2236576" y="145"/>
-                  <a:pt x="2145330" y="5482"/>
-                  <a:pt x="2387864" y="0"/>
-                </a:cubicBezTo>
-                <a:cubicBezTo>
-                  <a:pt x="2630398" y="-5482"/>
-                  <a:pt x="2793207" y="18487"/>
-                  <a:pt x="2957695" y="0"/>
-                </a:cubicBezTo>
-                <a:cubicBezTo>
-                  <a:pt x="3122183" y="-18487"/>
-                  <a:pt x="3579141" y="19003"/>
-                  <a:pt x="3853144" y="0"/>
-                </a:cubicBezTo>
-                <a:cubicBezTo>
-                  <a:pt x="4127147" y="-19003"/>
-                  <a:pt x="4209857" y="12211"/>
-                  <a:pt x="4314436" y="0"/>
-                </a:cubicBezTo>
-                <a:cubicBezTo>
-                  <a:pt x="4419015" y="-12211"/>
-                  <a:pt x="4762459" y="-17220"/>
-                  <a:pt x="5209885" y="0"/>
-                </a:cubicBezTo>
-                <a:cubicBezTo>
-                  <a:pt x="5657311" y="17220"/>
-                  <a:pt x="5692663" y="-3290"/>
-                  <a:pt x="6105335" y="0"/>
-                </a:cubicBezTo>
-                <a:cubicBezTo>
-                  <a:pt x="6518007" y="3290"/>
-                  <a:pt x="6455516" y="-5124"/>
-                  <a:pt x="6783705" y="0"/>
-                </a:cubicBezTo>
-                <a:cubicBezTo>
-                  <a:pt x="7111894" y="5124"/>
-                  <a:pt x="7441941" y="-17829"/>
-                  <a:pt x="7679154" y="0"/>
-                </a:cubicBezTo>
-                <a:cubicBezTo>
-                  <a:pt x="7916367" y="17829"/>
-                  <a:pt x="8102967" y="-24363"/>
-                  <a:pt x="8248985" y="0"/>
-                </a:cubicBezTo>
-                <a:cubicBezTo>
-                  <a:pt x="8395003" y="24363"/>
-                  <a:pt x="8552393" y="25505"/>
-                  <a:pt x="8818817" y="0"/>
-                </a:cubicBezTo>
-                <a:cubicBezTo>
-                  <a:pt x="9085241" y="-25505"/>
-                  <a:pt x="9411308" y="38000"/>
-                  <a:pt x="9605726" y="0"/>
-                </a:cubicBezTo>
-                <a:cubicBezTo>
-                  <a:pt x="9800144" y="-38000"/>
-                  <a:pt x="10006468" y="-25741"/>
-                  <a:pt x="10175558" y="0"/>
-                </a:cubicBezTo>
-                <a:cubicBezTo>
-                  <a:pt x="10344648" y="25741"/>
-                  <a:pt x="10696282" y="695"/>
-                  <a:pt x="10853928" y="0"/>
-                </a:cubicBezTo>
-                <a:cubicBezTo>
-                  <a:pt x="10853521" y="8690"/>
-                  <a:pt x="10853774" y="14141"/>
-                  <a:pt x="10853928" y="18288"/>
-                </a:cubicBezTo>
-                <a:cubicBezTo>
-                  <a:pt x="10608124" y="24255"/>
-                  <a:pt x="10343415" y="22307"/>
-                  <a:pt x="10067018" y="18288"/>
-                </a:cubicBezTo>
-                <a:cubicBezTo>
-                  <a:pt x="9790621" y="14270"/>
-                  <a:pt x="9843266" y="3564"/>
-                  <a:pt x="9714266" y="18288"/>
-                </a:cubicBezTo>
-                <a:cubicBezTo>
-                  <a:pt x="9585266" y="33012"/>
-                  <a:pt x="9379484" y="1875"/>
-                  <a:pt x="9252974" y="18288"/>
-                </a:cubicBezTo>
-                <a:cubicBezTo>
-                  <a:pt x="9126464" y="34701"/>
-                  <a:pt x="8580678" y="-4904"/>
-                  <a:pt x="8357525" y="18288"/>
-                </a:cubicBezTo>
-                <a:cubicBezTo>
-                  <a:pt x="8134372" y="41480"/>
-                  <a:pt x="7903199" y="26458"/>
-                  <a:pt x="7679154" y="18288"/>
-                </a:cubicBezTo>
-                <a:cubicBezTo>
-                  <a:pt x="7455109" y="10118"/>
-                  <a:pt x="7435944" y="27109"/>
-                  <a:pt x="7217862" y="18288"/>
-                </a:cubicBezTo>
-                <a:cubicBezTo>
-                  <a:pt x="6999780" y="9467"/>
-                  <a:pt x="6680409" y="18985"/>
-                  <a:pt x="6539492" y="18288"/>
-                </a:cubicBezTo>
-                <a:cubicBezTo>
-                  <a:pt x="6398575" y="17592"/>
-                  <a:pt x="6312077" y="33018"/>
-                  <a:pt x="6186739" y="18288"/>
-                </a:cubicBezTo>
-                <a:cubicBezTo>
-                  <a:pt x="6061401" y="3558"/>
-                  <a:pt x="5947033" y="12075"/>
-                  <a:pt x="5833986" y="18288"/>
-                </a:cubicBezTo>
-                <a:cubicBezTo>
-                  <a:pt x="5720939" y="24501"/>
-                  <a:pt x="5482226" y="8586"/>
-                  <a:pt x="5155616" y="18288"/>
-                </a:cubicBezTo>
-                <a:cubicBezTo>
-                  <a:pt x="4829006" y="27991"/>
-                  <a:pt x="4841274" y="29316"/>
-                  <a:pt x="4694324" y="18288"/>
-                </a:cubicBezTo>
-                <a:cubicBezTo>
-                  <a:pt x="4547374" y="7260"/>
-                  <a:pt x="4077675" y="7013"/>
-                  <a:pt x="3907414" y="18288"/>
-                </a:cubicBezTo>
-                <a:cubicBezTo>
-                  <a:pt x="3737153" y="29564"/>
-                  <a:pt x="3538393" y="21630"/>
-                  <a:pt x="3446122" y="18288"/>
-                </a:cubicBezTo>
-                <a:cubicBezTo>
-                  <a:pt x="3353851" y="14946"/>
-                  <a:pt x="2990320" y="-8091"/>
-                  <a:pt x="2659212" y="18288"/>
-                </a:cubicBezTo>
-                <a:cubicBezTo>
-                  <a:pt x="2328104" y="44667"/>
-                  <a:pt x="2427653" y="9607"/>
-                  <a:pt x="2306460" y="18288"/>
-                </a:cubicBezTo>
-                <a:cubicBezTo>
-                  <a:pt x="2185267" y="26969"/>
-                  <a:pt x="1719763" y="3717"/>
-                  <a:pt x="1519550" y="18288"/>
-                </a:cubicBezTo>
-                <a:cubicBezTo>
-                  <a:pt x="1319337" y="32860"/>
-                  <a:pt x="1167371" y="17040"/>
-                  <a:pt x="1058258" y="18288"/>
-                </a:cubicBezTo>
-                <a:cubicBezTo>
-                  <a:pt x="949145" y="19536"/>
-                  <a:pt x="780234" y="31447"/>
-                  <a:pt x="705505" y="18288"/>
-                </a:cubicBezTo>
-                <a:cubicBezTo>
-                  <a:pt x="630776" y="5129"/>
-                  <a:pt x="215796" y="30056"/>
-                  <a:pt x="0" y="18288"/>
-                </a:cubicBezTo>
-                <a:cubicBezTo>
-                  <a:pt x="-53" y="11301"/>
-                  <a:pt x="-649" y="7756"/>
-                  <a:pt x="0" y="0"/>
-                </a:cubicBezTo>
-                <a:close/>
-              </a:path>
-            </a:pathLst>
-          </a:custGeom>
+          </a:prstGeom>
           <a:solidFill>
             <a:schemeClr val="accent2"/>
           </a:solidFill>
-          <a:ln w="41275" cap="rnd">
-            <a:solidFill>
-              <a:schemeClr val="accent2"/>
-            </a:solidFill>
-            <a:round/>
-            <a:extLst>
-              <a:ext uri="{C807C97D-BFC1-408E-A445-0C87EB9F89A2}">
-                <ask:lineSketchStyleProps xmlns:ask="http://schemas.microsoft.com/office/drawing/2018/sketchyshapes" sd="1219033472">
-                  <a:prstGeom prst="rect">
-                    <a:avLst/>
-                  </a:prstGeom>
-                  <ask:type>
-                    <ask:lineSketchFreehand/>
-                  </ask:type>
-                </ask:lineSketchStyleProps>
-              </a:ext>
-            </a:extLst>
+          <a:ln>
+            <a:noFill/>
           </a:ln>
         </p:spPr>
         <p:style>
@@ -19063,8 +18488,106 @@
           <a:bodyPr rtlCol="0" anchor="ctr"/>
           <a:lstStyle/>
           <a:p>
+            <a:pPr marL="0" marR="0" lvl="0" indent="0" algn="ctr" defTabSz="914400" rtl="0" eaLnBrk="1" fontAlgn="auto" latinLnBrk="0" hangingPunct="1">
+              <a:lnSpc>
+                <a:spcPct val="100000"/>
+              </a:lnSpc>
+              <a:spcBef>
+                <a:spcPts val="0"/>
+              </a:spcBef>
+              <a:spcAft>
+                <a:spcPts val="0"/>
+              </a:spcAft>
+              <a:buClrTx/>
+              <a:buSzTx/>
+              <a:buFontTx/>
+              <a:buNone/>
+              <a:tabLst/>
+              <a:defRPr/>
+            </a:pPr>
+            <a:endParaRPr kumimoji="0" lang="en-US" sz="1800" b="0" i="0" u="none" strike="noStrike" kern="1200" cap="none" spc="0" normalizeH="0" baseline="0" noProof="0">
+              <a:ln>
+                <a:noFill/>
+              </a:ln>
+              <a:solidFill>
+                <a:prstClr val="white"/>
+              </a:solidFill>
+              <a:effectLst/>
+              <a:uLnTx/>
+              <a:uFillTx/>
+              <a:latin typeface="Calibri" panose="020F0502020204030204"/>
+              <a:ea typeface="+mn-ea"/>
+              <a:cs typeface="+mn-cs"/>
+            </a:endParaRPr>
+          </a:p>
+        </p:txBody>
+      </p:sp>
+      <p:sp>
+        <p:nvSpPr>
+          <p:cNvPr id="33" name="Rectangle 32">
+            <a:extLst>
+              <a:ext uri="{FF2B5EF4-FFF2-40B4-BE49-F238E27FC236}">
+                <a16:creationId xmlns:a16="http://schemas.microsoft.com/office/drawing/2014/main" id="{42663BD0-064C-40FC-A331-F49FCA9536AA}"/>
+              </a:ext>
+              <a:ext uri="{C183D7F6-B498-43B3-948B-1728B52AA6E4}">
+                <adec:decorative xmlns:adec="http://schemas.microsoft.com/office/drawing/2017/decorative" val="1"/>
+              </a:ext>
+            </a:extLst>
+          </p:cNvPr>
+          <p:cNvSpPr>
+            <a:spLocks noGrp="1" noRot="1" noChangeAspect="1" noMove="1" noResize="1" noEditPoints="1" noAdjustHandles="1" noChangeArrowheads="1" noChangeShapeType="1" noTextEdit="1"/>
+          </p:cNvSpPr>
+          <p:nvPr>
+            <p:extLst>
+              <p:ext uri="{386F3935-93C4-4BCD-93E2-E3B085C9AB24}">
+                <p16:designElem xmlns:p16="http://schemas.microsoft.com/office/powerpoint/2015/main" val="1"/>
+              </p:ext>
+            </p:extLst>
+          </p:nvPr>
+        </p:nvSpPr>
+        <p:spPr>
+          <a:xfrm>
+            <a:off x="618506" y="2935541"/>
+            <a:ext cx="6217920" cy="18288"/>
+          </a:xfrm>
+          <a:prstGeom prst="rect">
+            <a:avLst/>
+          </a:prstGeom>
+          <a:solidFill>
+            <a:srgbClr val="D5D5D5"/>
+          </a:solidFill>
+          <a:ln w="3175">
+            <a:noFill/>
+          </a:ln>
+          <a:effectLst/>
+        </p:spPr>
+        <p:style>
+          <a:lnRef idx="2">
+            <a:schemeClr val="accent1">
+              <a:shade val="50000"/>
+            </a:schemeClr>
+          </a:lnRef>
+          <a:fillRef idx="1">
+            <a:schemeClr val="accent1"/>
+          </a:fillRef>
+          <a:effectRef idx="0">
+            <a:schemeClr val="accent1"/>
+          </a:effectRef>
+          <a:fontRef idx="minor">
+            <a:schemeClr val="lt1"/>
+          </a:fontRef>
+        </p:style>
+        <p:txBody>
+          <a:bodyPr rtlCol="0" anchor="ctr"/>
+          <a:lstStyle/>
+          <a:p>
             <a:pPr algn="ctr"/>
-            <a:endParaRPr lang="en-US"/>
+            <a:endParaRPr lang="en-US">
+              <a:solidFill>
+                <a:prstClr val="white"/>
+              </a:solidFill>
+              <a:latin typeface="Calibri" panose="020F0502020204030204"/>
+            </a:endParaRPr>
           </a:p>
         </p:txBody>
       </p:sp>
@@ -19086,12 +18609,12 @@
         </p:nvSpPr>
         <p:spPr>
           <a:xfrm>
-            <a:off x="838200" y="1929384"/>
-            <a:ext cx="10515600" cy="4251960"/>
+            <a:off x="615458" y="3355848"/>
+            <a:ext cx="6268770" cy="2825496"/>
           </a:xfrm>
         </p:spPr>
         <p:txBody>
-          <a:bodyPr>
+          <a:bodyPr anchor="ctr">
             <a:normAutofit/>
           </a:bodyPr>
           <a:lstStyle/>
@@ -19121,17 +18644,43 @@
               <a:t> or data export USB.</a:t>
             </a:r>
           </a:p>
-          <a:p>
-            <a:endParaRPr lang="en-US" sz="2200" dirty="0"/>
-          </a:p>
-          <a:p>
-            <a:r>
-              <a:rPr lang="en-US" sz="2200" dirty="0"/>
-              <a:t>POSSIBLY ADD PICTURE</a:t>
-            </a:r>
-          </a:p>
         </p:txBody>
       </p:sp>
+      <p:pic>
+        <p:nvPicPr>
+          <p:cNvPr id="7" name="Picture 6" descr="A hand holding a small green device&#10;&#10;Description automatically generated">
+            <a:extLst>
+              <a:ext uri="{FF2B5EF4-FFF2-40B4-BE49-F238E27FC236}">
+                <a16:creationId xmlns:a16="http://schemas.microsoft.com/office/drawing/2014/main" id="{2129035C-56E2-B839-0E1F-57D66093211E}"/>
+              </a:ext>
+            </a:extLst>
+          </p:cNvPr>
+          <p:cNvPicPr>
+            <a:picLocks noChangeAspect="1"/>
+          </p:cNvPicPr>
+          <p:nvPr/>
+        </p:nvPicPr>
+        <p:blipFill>
+          <a:blip r:embed="rId3">
+            <a:extLst>
+              <a:ext uri="{28A0092B-C50C-407E-A947-70E740481C1C}">
+                <a14:useLocalDpi xmlns:a14="http://schemas.microsoft.com/office/drawing/2010/main" val="0"/>
+              </a:ext>
+            </a:extLst>
+          </a:blip>
+          <a:srcRect t="1523"/>
+          <a:stretch/>
+        </p:blipFill>
+        <p:spPr>
+          <a:xfrm rot="5400000">
+            <a:off x="6509002" y="1175003"/>
+            <a:ext cx="6858000" cy="4507993"/>
+          </a:xfrm>
+          <a:prstGeom prst="rect">
+            <a:avLst/>
+          </a:prstGeom>
+        </p:spPr>
+      </p:pic>
     </p:spTree>
     <p:extLst>
       <p:ext uri="{BB962C8B-B14F-4D97-AF65-F5344CB8AC3E}">
@@ -24968,6 +24517,14 @@
 </file>
 
 <file path=customXml/item1.xml><?xml version="1.0" encoding="utf-8"?>
+<p:properties xmlns:p="http://schemas.microsoft.com/office/2006/metadata/properties" xmlns:xsi="http://www.w3.org/2001/XMLSchema-instance" xmlns:pc="http://schemas.microsoft.com/office/infopath/2007/PartnerControls">
+  <documentManagement>
+    <_activity xmlns="218cae68-0ddc-43bb-9a29-52a0402d6cb9" xsi:nil="true"/>
+  </documentManagement>
+</p:properties>
+</file>
+
+<file path=customXml/item2.xml><?xml version="1.0" encoding="utf-8"?>
 <ct:contentTypeSchema xmlns:ct="http://schemas.microsoft.com/office/2006/metadata/contentType" xmlns:ma="http://schemas.microsoft.com/office/2006/metadata/properties/metaAttributes" ct:_="" ma:_="" ma:contentTypeName="Document" ma:contentTypeID="0x0101009ADC84C2C2689F418E5BAD3CA70F51C1" ma:contentTypeVersion="15" ma:contentTypeDescription="Create a new document." ma:contentTypeScope="" ma:versionID="dfa36a507fa972b0dae0ef5557aeb3eb">
   <xsd:schema xmlns:xsd="http://www.w3.org/2001/XMLSchema" xmlns:xs="http://www.w3.org/2001/XMLSchema" xmlns:p="http://schemas.microsoft.com/office/2006/metadata/properties" xmlns:ns3="218cae68-0ddc-43bb-9a29-52a0402d6cb9" xmlns:ns4="703aeb73-56ce-48f3-9277-f60cff690132" targetNamespace="http://schemas.microsoft.com/office/2006/metadata/properties" ma:root="true" ma:fieldsID="cb78c5b39430d5080de0e1d97c12cd45" ns3:_="" ns4:_="">
     <xsd:import namespace="218cae68-0ddc-43bb-9a29-52a0402d6cb9"/>
@@ -25200,14 +24757,6 @@
 </ct:contentTypeSchema>
 </file>
 
-<file path=customXml/item2.xml><?xml version="1.0" encoding="utf-8"?>
-<p:properties xmlns:p="http://schemas.microsoft.com/office/2006/metadata/properties" xmlns:xsi="http://www.w3.org/2001/XMLSchema-instance" xmlns:pc="http://schemas.microsoft.com/office/infopath/2007/PartnerControls">
-  <documentManagement>
-    <_activity xmlns="218cae68-0ddc-43bb-9a29-52a0402d6cb9" xsi:nil="true"/>
-  </documentManagement>
-</p:properties>
-</file>
-
 <file path=customXml/item3.xml><?xml version="1.0" encoding="utf-8"?>
 <?mso-contentType ?>
 <FormTemplates xmlns="http://schemas.microsoft.com/sharepoint/v3/contenttype/forms">
@@ -25218,6 +24767,23 @@
 </file>
 
 <file path=customXml/itemProps1.xml><?xml version="1.0" encoding="utf-8"?>
+<ds:datastoreItem xmlns:ds="http://schemas.openxmlformats.org/officeDocument/2006/customXml" ds:itemID="{B218F515-3D1B-44A5-8439-DF0479902099}">
+  <ds:schemaRefs>
+    <ds:schemaRef ds:uri="http://purl.org/dc/dcmitype/"/>
+    <ds:schemaRef ds:uri="http://schemas.openxmlformats.org/package/2006/metadata/core-properties"/>
+    <ds:schemaRef ds:uri="http://purl.org/dc/terms/"/>
+    <ds:schemaRef ds:uri="http://www.w3.org/XML/1998/namespace"/>
+    <ds:schemaRef ds:uri="218cae68-0ddc-43bb-9a29-52a0402d6cb9"/>
+    <ds:schemaRef ds:uri="http://schemas.microsoft.com/office/2006/documentManagement/types"/>
+    <ds:schemaRef ds:uri="http://schemas.microsoft.com/office/infopath/2007/PartnerControls"/>
+    <ds:schemaRef ds:uri="703aeb73-56ce-48f3-9277-f60cff690132"/>
+    <ds:schemaRef ds:uri="http://schemas.microsoft.com/office/2006/metadata/properties"/>
+    <ds:schemaRef ds:uri="http://purl.org/dc/elements/1.1/"/>
+  </ds:schemaRefs>
+</ds:datastoreItem>
+</file>
+
+<file path=customXml/itemProps2.xml><?xml version="1.0" encoding="utf-8"?>
 <ds:datastoreItem xmlns:ds="http://schemas.openxmlformats.org/officeDocument/2006/customXml" ds:itemID="{0058B037-F10E-47D7-816C-415ABC0EB55F}">
   <ds:schemaRefs>
     <ds:schemaRef ds:uri="http://schemas.microsoft.com/office/2006/metadata/contentType"/>
@@ -25236,23 +24802,6 @@
 </ds:datastoreItem>
 </file>
 
-<file path=customXml/itemProps2.xml><?xml version="1.0" encoding="utf-8"?>
-<ds:datastoreItem xmlns:ds="http://schemas.openxmlformats.org/officeDocument/2006/customXml" ds:itemID="{B218F515-3D1B-44A5-8439-DF0479902099}">
-  <ds:schemaRefs>
-    <ds:schemaRef ds:uri="http://purl.org/dc/dcmitype/"/>
-    <ds:schemaRef ds:uri="http://schemas.openxmlformats.org/package/2006/metadata/core-properties"/>
-    <ds:schemaRef ds:uri="http://purl.org/dc/terms/"/>
-    <ds:schemaRef ds:uri="http://www.w3.org/XML/1998/namespace"/>
-    <ds:schemaRef ds:uri="218cae68-0ddc-43bb-9a29-52a0402d6cb9"/>
-    <ds:schemaRef ds:uri="http://schemas.microsoft.com/office/2006/documentManagement/types"/>
-    <ds:schemaRef ds:uri="http://schemas.microsoft.com/office/infopath/2007/PartnerControls"/>
-    <ds:schemaRef ds:uri="703aeb73-56ce-48f3-9277-f60cff690132"/>
-    <ds:schemaRef ds:uri="http://schemas.microsoft.com/office/2006/metadata/properties"/>
-    <ds:schemaRef ds:uri="http://purl.org/dc/elements/1.1/"/>
-  </ds:schemaRefs>
-</ds:datastoreItem>
-</file>
-
 <file path=customXml/itemProps3.xml><?xml version="1.0" encoding="utf-8"?>
 <ds:datastoreItem xmlns:ds="http://schemas.openxmlformats.org/officeDocument/2006/customXml" ds:itemID="{3A69843A-82BD-41BC-9CFD-7A6BCBCF50D4}">
   <ds:schemaRefs>

--- a/Documents/FInal Presentation/Final_Presentation.pptx
+++ b/Documents/FInal Presentation/Final_Presentation.pptx
@@ -17472,875 +17472,10 @@
       </p:grpSpPr>
       <p:sp useBgFill="1">
         <p:nvSpPr>
-          <p:cNvPr id="8" name="Rectangle 7">
+          <p:cNvPr id="23" name="Rectangle 22">
             <a:extLst>
               <a:ext uri="{FF2B5EF4-FFF2-40B4-BE49-F238E27FC236}">
-                <a16:creationId xmlns:a16="http://schemas.microsoft.com/office/drawing/2014/main" id="{100EDD19-6802-4EC3-95CE-CFFAB042CFD6}"/>
-              </a:ext>
-              <a:ext uri="{C183D7F6-B498-43B3-948B-1728B52AA6E4}">
-                <adec:decorative xmlns:adec="http://schemas.microsoft.com/office/drawing/2017/decorative" val="1"/>
-              </a:ext>
-            </a:extLst>
-          </p:cNvPr>
-          <p:cNvSpPr>
-            <a:spLocks noGrp="1" noRot="1" noChangeAspect="1" noMove="1" noResize="1" noEditPoints="1" noAdjustHandles="1" noChangeArrowheads="1" noChangeShapeType="1" noTextEdit="1"/>
-          </p:cNvSpPr>
-          <p:nvPr>
-            <p:extLst>
-              <p:ext uri="{386F3935-93C4-4BCD-93E2-E3B085C9AB24}">
-                <p16:designElem xmlns:p16="http://schemas.microsoft.com/office/powerpoint/2015/main" val="1"/>
-              </p:ext>
-            </p:extLst>
-          </p:nvPr>
-        </p:nvSpPr>
-        <p:spPr>
-          <a:xfrm>
-            <a:off x="0" y="0"/>
-            <a:ext cx="12188952" cy="6858000"/>
-          </a:xfrm>
-          <a:prstGeom prst="rect">
-            <a:avLst/>
-          </a:prstGeom>
-          <a:ln>
-            <a:noFill/>
-          </a:ln>
-        </p:spPr>
-        <p:style>
-          <a:lnRef idx="2">
-            <a:schemeClr val="accent1">
-              <a:shade val="50000"/>
-            </a:schemeClr>
-          </a:lnRef>
-          <a:fillRef idx="1">
-            <a:schemeClr val="accent1"/>
-          </a:fillRef>
-          <a:effectRef idx="0">
-            <a:schemeClr val="accent1"/>
-          </a:effectRef>
-          <a:fontRef idx="minor">
-            <a:schemeClr val="lt1"/>
-          </a:fontRef>
-        </p:style>
-        <p:txBody>
-          <a:bodyPr rtlCol="0" anchor="ctr"/>
-          <a:lstStyle/>
-          <a:p>
-            <a:pPr algn="ctr"/>
-            <a:endParaRPr lang="en-US"/>
-          </a:p>
-        </p:txBody>
-      </p:sp>
-      <p:sp>
-        <p:nvSpPr>
-          <p:cNvPr id="2" name="Title 1">
-            <a:extLst>
-              <a:ext uri="{FF2B5EF4-FFF2-40B4-BE49-F238E27FC236}">
-                <a16:creationId xmlns:a16="http://schemas.microsoft.com/office/drawing/2014/main" id="{4B1E27C4-F89D-CFE7-2F18-9B5E3A72550B}"/>
-              </a:ext>
-            </a:extLst>
-          </p:cNvPr>
-          <p:cNvSpPr>
-            <a:spLocks noGrp="1"/>
-          </p:cNvSpPr>
-          <p:nvPr>
-            <p:ph type="title"/>
-          </p:nvPr>
-        </p:nvSpPr>
-        <p:spPr>
-          <a:xfrm>
-            <a:off x="838200" y="365125"/>
-            <a:ext cx="10515600" cy="1325563"/>
-          </a:xfrm>
-        </p:spPr>
-        <p:txBody>
-          <a:bodyPr>
-            <a:normAutofit/>
-          </a:bodyPr>
-          <a:lstStyle/>
-          <a:p>
-            <a:r>
-              <a:rPr lang="en-US" sz="5400"/>
-              <a:t>Feasibility Assessment</a:t>
-            </a:r>
-          </a:p>
-        </p:txBody>
-      </p:sp>
-      <p:sp>
-        <p:nvSpPr>
-          <p:cNvPr id="10" name="sketch line">
-            <a:extLst>
-              <a:ext uri="{FF2B5EF4-FFF2-40B4-BE49-F238E27FC236}">
-                <a16:creationId xmlns:a16="http://schemas.microsoft.com/office/drawing/2014/main" id="{DB17E863-922E-4C26-BD64-E8FD41D28661}"/>
-              </a:ext>
-              <a:ext uri="{C183D7F6-B498-43B3-948B-1728B52AA6E4}">
-                <adec:decorative xmlns:adec="http://schemas.microsoft.com/office/drawing/2017/decorative" val="1"/>
-              </a:ext>
-            </a:extLst>
-          </p:cNvPr>
-          <p:cNvSpPr>
-            <a:spLocks noGrp="1" noRot="1" noChangeAspect="1" noMove="1" noResize="1" noEditPoints="1" noAdjustHandles="1" noChangeArrowheads="1" noChangeShapeType="1" noTextEdit="1"/>
-          </p:cNvSpPr>
-          <p:nvPr>
-            <p:extLst>
-              <p:ext uri="{386F3935-93C4-4BCD-93E2-E3B085C9AB24}">
-                <p16:designElem xmlns:p16="http://schemas.microsoft.com/office/powerpoint/2015/main" val="1"/>
-              </p:ext>
-            </p:extLst>
-          </p:nvPr>
-        </p:nvSpPr>
-        <p:spPr>
-          <a:xfrm>
-            <a:off x="669036" y="1677373"/>
-            <a:ext cx="10853928" cy="18288"/>
-          </a:xfrm>
-          <a:custGeom>
-            <a:avLst/>
-            <a:gdLst>
-              <a:gd name="connsiteX0" fmla="*/ 0 w 10853928"/>
-              <a:gd name="connsiteY0" fmla="*/ 0 h 18288"/>
-              <a:gd name="connsiteX1" fmla="*/ 461292 w 10853928"/>
-              <a:gd name="connsiteY1" fmla="*/ 0 h 18288"/>
-              <a:gd name="connsiteX2" fmla="*/ 1139662 w 10853928"/>
-              <a:gd name="connsiteY2" fmla="*/ 0 h 18288"/>
-              <a:gd name="connsiteX3" fmla="*/ 1926572 w 10853928"/>
-              <a:gd name="connsiteY3" fmla="*/ 0 h 18288"/>
-              <a:gd name="connsiteX4" fmla="*/ 2279325 w 10853928"/>
-              <a:gd name="connsiteY4" fmla="*/ 0 h 18288"/>
-              <a:gd name="connsiteX5" fmla="*/ 2632078 w 10853928"/>
-              <a:gd name="connsiteY5" fmla="*/ 0 h 18288"/>
-              <a:gd name="connsiteX6" fmla="*/ 3527527 w 10853928"/>
-              <a:gd name="connsiteY6" fmla="*/ 0 h 18288"/>
-              <a:gd name="connsiteX7" fmla="*/ 4205897 w 10853928"/>
-              <a:gd name="connsiteY7" fmla="*/ 0 h 18288"/>
-              <a:gd name="connsiteX8" fmla="*/ 4558650 w 10853928"/>
-              <a:gd name="connsiteY8" fmla="*/ 0 h 18288"/>
-              <a:gd name="connsiteX9" fmla="*/ 5237020 w 10853928"/>
-              <a:gd name="connsiteY9" fmla="*/ 0 h 18288"/>
-              <a:gd name="connsiteX10" fmla="*/ 6132469 w 10853928"/>
-              <a:gd name="connsiteY10" fmla="*/ 0 h 18288"/>
-              <a:gd name="connsiteX11" fmla="*/ 6702301 w 10853928"/>
-              <a:gd name="connsiteY11" fmla="*/ 0 h 18288"/>
-              <a:gd name="connsiteX12" fmla="*/ 7272132 w 10853928"/>
-              <a:gd name="connsiteY12" fmla="*/ 0 h 18288"/>
-              <a:gd name="connsiteX13" fmla="*/ 7950502 w 10853928"/>
-              <a:gd name="connsiteY13" fmla="*/ 0 h 18288"/>
-              <a:gd name="connsiteX14" fmla="*/ 8737412 w 10853928"/>
-              <a:gd name="connsiteY14" fmla="*/ 0 h 18288"/>
-              <a:gd name="connsiteX15" fmla="*/ 9524322 w 10853928"/>
-              <a:gd name="connsiteY15" fmla="*/ 0 h 18288"/>
-              <a:gd name="connsiteX16" fmla="*/ 10853928 w 10853928"/>
-              <a:gd name="connsiteY16" fmla="*/ 0 h 18288"/>
-              <a:gd name="connsiteX17" fmla="*/ 10853928 w 10853928"/>
-              <a:gd name="connsiteY17" fmla="*/ 18288 h 18288"/>
-              <a:gd name="connsiteX18" fmla="*/ 10392636 w 10853928"/>
-              <a:gd name="connsiteY18" fmla="*/ 18288 h 18288"/>
-              <a:gd name="connsiteX19" fmla="*/ 9497187 w 10853928"/>
-              <a:gd name="connsiteY19" fmla="*/ 18288 h 18288"/>
-              <a:gd name="connsiteX20" fmla="*/ 8818817 w 10853928"/>
-              <a:gd name="connsiteY20" fmla="*/ 18288 h 18288"/>
-              <a:gd name="connsiteX21" fmla="*/ 8466064 w 10853928"/>
-              <a:gd name="connsiteY21" fmla="*/ 18288 h 18288"/>
-              <a:gd name="connsiteX22" fmla="*/ 7787693 w 10853928"/>
-              <a:gd name="connsiteY22" fmla="*/ 18288 h 18288"/>
-              <a:gd name="connsiteX23" fmla="*/ 7217862 w 10853928"/>
-              <a:gd name="connsiteY23" fmla="*/ 18288 h 18288"/>
-              <a:gd name="connsiteX24" fmla="*/ 6648031 w 10853928"/>
-              <a:gd name="connsiteY24" fmla="*/ 18288 h 18288"/>
-              <a:gd name="connsiteX25" fmla="*/ 6078200 w 10853928"/>
-              <a:gd name="connsiteY25" fmla="*/ 18288 h 18288"/>
-              <a:gd name="connsiteX26" fmla="*/ 5508368 w 10853928"/>
-              <a:gd name="connsiteY26" fmla="*/ 18288 h 18288"/>
-              <a:gd name="connsiteX27" fmla="*/ 4721459 w 10853928"/>
-              <a:gd name="connsiteY27" fmla="*/ 18288 h 18288"/>
-              <a:gd name="connsiteX28" fmla="*/ 4043088 w 10853928"/>
-              <a:gd name="connsiteY28" fmla="*/ 18288 h 18288"/>
-              <a:gd name="connsiteX29" fmla="*/ 3690336 w 10853928"/>
-              <a:gd name="connsiteY29" fmla="*/ 18288 h 18288"/>
-              <a:gd name="connsiteX30" fmla="*/ 3120504 w 10853928"/>
-              <a:gd name="connsiteY30" fmla="*/ 18288 h 18288"/>
-              <a:gd name="connsiteX31" fmla="*/ 2333595 w 10853928"/>
-              <a:gd name="connsiteY31" fmla="*/ 18288 h 18288"/>
-              <a:gd name="connsiteX32" fmla="*/ 1872303 w 10853928"/>
-              <a:gd name="connsiteY32" fmla="*/ 18288 h 18288"/>
-              <a:gd name="connsiteX33" fmla="*/ 976854 w 10853928"/>
-              <a:gd name="connsiteY33" fmla="*/ 18288 h 18288"/>
-              <a:gd name="connsiteX34" fmla="*/ 0 w 10853928"/>
-              <a:gd name="connsiteY34" fmla="*/ 18288 h 18288"/>
-              <a:gd name="connsiteX35" fmla="*/ 0 w 10853928"/>
-              <a:gd name="connsiteY35" fmla="*/ 0 h 18288"/>
-            </a:gdLst>
-            <a:ahLst/>
-            <a:cxnLst>
-              <a:cxn ang="0">
-                <a:pos x="connsiteX0" y="connsiteY0"/>
-              </a:cxn>
-              <a:cxn ang="0">
-                <a:pos x="connsiteX1" y="connsiteY1"/>
-              </a:cxn>
-              <a:cxn ang="0">
-                <a:pos x="connsiteX2" y="connsiteY2"/>
-              </a:cxn>
-              <a:cxn ang="0">
-                <a:pos x="connsiteX3" y="connsiteY3"/>
-              </a:cxn>
-              <a:cxn ang="0">
-                <a:pos x="connsiteX4" y="connsiteY4"/>
-              </a:cxn>
-              <a:cxn ang="0">
-                <a:pos x="connsiteX5" y="connsiteY5"/>
-              </a:cxn>
-              <a:cxn ang="0">
-                <a:pos x="connsiteX6" y="connsiteY6"/>
-              </a:cxn>
-              <a:cxn ang="0">
-                <a:pos x="connsiteX7" y="connsiteY7"/>
-              </a:cxn>
-              <a:cxn ang="0">
-                <a:pos x="connsiteX8" y="connsiteY8"/>
-              </a:cxn>
-              <a:cxn ang="0">
-                <a:pos x="connsiteX9" y="connsiteY9"/>
-              </a:cxn>
-              <a:cxn ang="0">
-                <a:pos x="connsiteX10" y="connsiteY10"/>
-              </a:cxn>
-              <a:cxn ang="0">
-                <a:pos x="connsiteX11" y="connsiteY11"/>
-              </a:cxn>
-              <a:cxn ang="0">
-                <a:pos x="connsiteX12" y="connsiteY12"/>
-              </a:cxn>
-              <a:cxn ang="0">
-                <a:pos x="connsiteX13" y="connsiteY13"/>
-              </a:cxn>
-              <a:cxn ang="0">
-                <a:pos x="connsiteX14" y="connsiteY14"/>
-              </a:cxn>
-              <a:cxn ang="0">
-                <a:pos x="connsiteX15" y="connsiteY15"/>
-              </a:cxn>
-              <a:cxn ang="0">
-                <a:pos x="connsiteX16" y="connsiteY16"/>
-              </a:cxn>
-              <a:cxn ang="0">
-                <a:pos x="connsiteX17" y="connsiteY17"/>
-              </a:cxn>
-              <a:cxn ang="0">
-                <a:pos x="connsiteX18" y="connsiteY18"/>
-              </a:cxn>
-              <a:cxn ang="0">
-                <a:pos x="connsiteX19" y="connsiteY19"/>
-              </a:cxn>
-              <a:cxn ang="0">
-                <a:pos x="connsiteX20" y="connsiteY20"/>
-              </a:cxn>
-              <a:cxn ang="0">
-                <a:pos x="connsiteX21" y="connsiteY21"/>
-              </a:cxn>
-              <a:cxn ang="0">
-                <a:pos x="connsiteX22" y="connsiteY22"/>
-              </a:cxn>
-              <a:cxn ang="0">
-                <a:pos x="connsiteX23" y="connsiteY23"/>
-              </a:cxn>
-              <a:cxn ang="0">
-                <a:pos x="connsiteX24" y="connsiteY24"/>
-              </a:cxn>
-              <a:cxn ang="0">
-                <a:pos x="connsiteX25" y="connsiteY25"/>
-              </a:cxn>
-              <a:cxn ang="0">
-                <a:pos x="connsiteX26" y="connsiteY26"/>
-              </a:cxn>
-              <a:cxn ang="0">
-                <a:pos x="connsiteX27" y="connsiteY27"/>
-              </a:cxn>
-              <a:cxn ang="0">
-                <a:pos x="connsiteX28" y="connsiteY28"/>
-              </a:cxn>
-              <a:cxn ang="0">
-                <a:pos x="connsiteX29" y="connsiteY29"/>
-              </a:cxn>
-              <a:cxn ang="0">
-                <a:pos x="connsiteX30" y="connsiteY30"/>
-              </a:cxn>
-              <a:cxn ang="0">
-                <a:pos x="connsiteX31" y="connsiteY31"/>
-              </a:cxn>
-              <a:cxn ang="0">
-                <a:pos x="connsiteX32" y="connsiteY32"/>
-              </a:cxn>
-              <a:cxn ang="0">
-                <a:pos x="connsiteX33" y="connsiteY33"/>
-              </a:cxn>
-              <a:cxn ang="0">
-                <a:pos x="connsiteX34" y="connsiteY34"/>
-              </a:cxn>
-              <a:cxn ang="0">
-                <a:pos x="connsiteX35" y="connsiteY35"/>
-              </a:cxn>
-            </a:cxnLst>
-            <a:rect l="l" t="t" r="r" b="b"/>
-            <a:pathLst>
-              <a:path w="10853928" h="18288" fill="none" extrusionOk="0">
-                <a:moveTo>
-                  <a:pt x="0" y="0"/>
-                </a:moveTo>
-                <a:cubicBezTo>
-                  <a:pt x="146993" y="-19076"/>
-                  <a:pt x="347684" y="-4790"/>
-                  <a:pt x="461292" y="0"/>
-                </a:cubicBezTo>
-                <a:cubicBezTo>
-                  <a:pt x="574900" y="4790"/>
-                  <a:pt x="808367" y="19821"/>
-                  <a:pt x="1139662" y="0"/>
-                </a:cubicBezTo>
-                <a:cubicBezTo>
-                  <a:pt x="1470957" y="-19821"/>
-                  <a:pt x="1627405" y="5721"/>
-                  <a:pt x="1926572" y="0"/>
-                </a:cubicBezTo>
-                <a:cubicBezTo>
-                  <a:pt x="2225739" y="-5721"/>
-                  <a:pt x="2137730" y="-3235"/>
-                  <a:pt x="2279325" y="0"/>
-                </a:cubicBezTo>
-                <a:cubicBezTo>
-                  <a:pt x="2420920" y="3235"/>
-                  <a:pt x="2456518" y="9685"/>
-                  <a:pt x="2632078" y="0"/>
-                </a:cubicBezTo>
-                <a:cubicBezTo>
-                  <a:pt x="2807638" y="-9685"/>
-                  <a:pt x="3211516" y="-43007"/>
-                  <a:pt x="3527527" y="0"/>
-                </a:cubicBezTo>
-                <a:cubicBezTo>
-                  <a:pt x="3843538" y="43007"/>
-                  <a:pt x="4058833" y="22042"/>
-                  <a:pt x="4205897" y="0"/>
-                </a:cubicBezTo>
-                <a:cubicBezTo>
-                  <a:pt x="4352961" y="-22042"/>
-                  <a:pt x="4474805" y="-11846"/>
-                  <a:pt x="4558650" y="0"/>
-                </a:cubicBezTo>
-                <a:cubicBezTo>
-                  <a:pt x="4642495" y="11846"/>
-                  <a:pt x="5041928" y="-6069"/>
-                  <a:pt x="5237020" y="0"/>
-                </a:cubicBezTo>
-                <a:cubicBezTo>
-                  <a:pt x="5432112" y="6069"/>
-                  <a:pt x="5943266" y="-17479"/>
-                  <a:pt x="6132469" y="0"/>
-                </a:cubicBezTo>
-                <a:cubicBezTo>
-                  <a:pt x="6321672" y="17479"/>
-                  <a:pt x="6483872" y="26234"/>
-                  <a:pt x="6702301" y="0"/>
-                </a:cubicBezTo>
-                <a:cubicBezTo>
-                  <a:pt x="6920730" y="-26234"/>
-                  <a:pt x="6991194" y="-15156"/>
-                  <a:pt x="7272132" y="0"/>
-                </a:cubicBezTo>
-                <a:cubicBezTo>
-                  <a:pt x="7553070" y="15156"/>
-                  <a:pt x="7684444" y="-32961"/>
-                  <a:pt x="7950502" y="0"/>
-                </a:cubicBezTo>
-                <a:cubicBezTo>
-                  <a:pt x="8216560" y="32961"/>
-                  <a:pt x="8493290" y="-10491"/>
-                  <a:pt x="8737412" y="0"/>
-                </a:cubicBezTo>
-                <a:cubicBezTo>
-                  <a:pt x="8981534" y="10491"/>
-                  <a:pt x="9191586" y="-13899"/>
-                  <a:pt x="9524322" y="0"/>
-                </a:cubicBezTo>
-                <a:cubicBezTo>
-                  <a:pt x="9857058" y="13899"/>
-                  <a:pt x="10297509" y="7485"/>
-                  <a:pt x="10853928" y="0"/>
-                </a:cubicBezTo>
-                <a:cubicBezTo>
-                  <a:pt x="10854574" y="4451"/>
-                  <a:pt x="10854418" y="9226"/>
-                  <a:pt x="10853928" y="18288"/>
-                </a:cubicBezTo>
-                <a:cubicBezTo>
-                  <a:pt x="10691638" y="28522"/>
-                  <a:pt x="10574319" y="29578"/>
-                  <a:pt x="10392636" y="18288"/>
-                </a:cubicBezTo>
-                <a:cubicBezTo>
-                  <a:pt x="10210953" y="6998"/>
-                  <a:pt x="9836277" y="-16742"/>
-                  <a:pt x="9497187" y="18288"/>
-                </a:cubicBezTo>
-                <a:cubicBezTo>
-                  <a:pt x="9158097" y="53318"/>
-                  <a:pt x="9119479" y="30714"/>
-                  <a:pt x="8818817" y="18288"/>
-                </a:cubicBezTo>
-                <a:cubicBezTo>
-                  <a:pt x="8518155" y="5863"/>
-                  <a:pt x="8640037" y="6483"/>
-                  <a:pt x="8466064" y="18288"/>
-                </a:cubicBezTo>
-                <a:cubicBezTo>
-                  <a:pt x="8292091" y="30093"/>
-                  <a:pt x="7997656" y="18914"/>
-                  <a:pt x="7787693" y="18288"/>
-                </a:cubicBezTo>
-                <a:cubicBezTo>
-                  <a:pt x="7577730" y="17662"/>
-                  <a:pt x="7412468" y="21416"/>
-                  <a:pt x="7217862" y="18288"/>
-                </a:cubicBezTo>
-                <a:cubicBezTo>
-                  <a:pt x="7023256" y="15160"/>
-                  <a:pt x="6898018" y="14824"/>
-                  <a:pt x="6648031" y="18288"/>
-                </a:cubicBezTo>
-                <a:cubicBezTo>
-                  <a:pt x="6398044" y="21752"/>
-                  <a:pt x="6254402" y="38625"/>
-                  <a:pt x="6078200" y="18288"/>
-                </a:cubicBezTo>
-                <a:cubicBezTo>
-                  <a:pt x="5901998" y="-2049"/>
-                  <a:pt x="5622886" y="3213"/>
-                  <a:pt x="5508368" y="18288"/>
-                </a:cubicBezTo>
-                <a:cubicBezTo>
-                  <a:pt x="5393850" y="33363"/>
-                  <a:pt x="5036260" y="26830"/>
-                  <a:pt x="4721459" y="18288"/>
-                </a:cubicBezTo>
-                <a:cubicBezTo>
-                  <a:pt x="4406658" y="9746"/>
-                  <a:pt x="4239221" y="41551"/>
-                  <a:pt x="4043088" y="18288"/>
-                </a:cubicBezTo>
-                <a:cubicBezTo>
-                  <a:pt x="3846955" y="-4975"/>
-                  <a:pt x="3818802" y="34658"/>
-                  <a:pt x="3690336" y="18288"/>
-                </a:cubicBezTo>
-                <a:cubicBezTo>
-                  <a:pt x="3561870" y="1918"/>
-                  <a:pt x="3265491" y="42194"/>
-                  <a:pt x="3120504" y="18288"/>
-                </a:cubicBezTo>
-                <a:cubicBezTo>
-                  <a:pt x="2975517" y="-5618"/>
-                  <a:pt x="2720254" y="36673"/>
-                  <a:pt x="2333595" y="18288"/>
-                </a:cubicBezTo>
-                <a:cubicBezTo>
-                  <a:pt x="1946936" y="-97"/>
-                  <a:pt x="2097241" y="5776"/>
-                  <a:pt x="1872303" y="18288"/>
-                </a:cubicBezTo>
-                <a:cubicBezTo>
-                  <a:pt x="1647365" y="30800"/>
-                  <a:pt x="1282708" y="45380"/>
-                  <a:pt x="976854" y="18288"/>
-                </a:cubicBezTo>
-                <a:cubicBezTo>
-                  <a:pt x="671000" y="-8804"/>
-                  <a:pt x="408401" y="-12775"/>
-                  <a:pt x="0" y="18288"/>
-                </a:cubicBezTo>
-                <a:cubicBezTo>
-                  <a:pt x="-213" y="9468"/>
-                  <a:pt x="187" y="4459"/>
-                  <a:pt x="0" y="0"/>
-                </a:cubicBezTo>
-                <a:close/>
-              </a:path>
-              <a:path w="10853928" h="18288" stroke="0" extrusionOk="0">
-                <a:moveTo>
-                  <a:pt x="0" y="0"/>
-                </a:moveTo>
-                <a:cubicBezTo>
-                  <a:pt x="267322" y="15284"/>
-                  <a:pt x="415388" y="-21048"/>
-                  <a:pt x="569831" y="0"/>
-                </a:cubicBezTo>
-                <a:cubicBezTo>
-                  <a:pt x="724274" y="21048"/>
-                  <a:pt x="769333" y="-2353"/>
-                  <a:pt x="922584" y="0"/>
-                </a:cubicBezTo>
-                <a:cubicBezTo>
-                  <a:pt x="1075835" y="2353"/>
-                  <a:pt x="1399490" y="-145"/>
-                  <a:pt x="1818033" y="0"/>
-                </a:cubicBezTo>
-                <a:cubicBezTo>
-                  <a:pt x="2236576" y="145"/>
-                  <a:pt x="2145330" y="5482"/>
-                  <a:pt x="2387864" y="0"/>
-                </a:cubicBezTo>
-                <a:cubicBezTo>
-                  <a:pt x="2630398" y="-5482"/>
-                  <a:pt x="2793207" y="18487"/>
-                  <a:pt x="2957695" y="0"/>
-                </a:cubicBezTo>
-                <a:cubicBezTo>
-                  <a:pt x="3122183" y="-18487"/>
-                  <a:pt x="3579141" y="19003"/>
-                  <a:pt x="3853144" y="0"/>
-                </a:cubicBezTo>
-                <a:cubicBezTo>
-                  <a:pt x="4127147" y="-19003"/>
-                  <a:pt x="4209857" y="12211"/>
-                  <a:pt x="4314436" y="0"/>
-                </a:cubicBezTo>
-                <a:cubicBezTo>
-                  <a:pt x="4419015" y="-12211"/>
-                  <a:pt x="4762459" y="-17220"/>
-                  <a:pt x="5209885" y="0"/>
-                </a:cubicBezTo>
-                <a:cubicBezTo>
-                  <a:pt x="5657311" y="17220"/>
-                  <a:pt x="5692663" y="-3290"/>
-                  <a:pt x="6105335" y="0"/>
-                </a:cubicBezTo>
-                <a:cubicBezTo>
-                  <a:pt x="6518007" y="3290"/>
-                  <a:pt x="6455516" y="-5124"/>
-                  <a:pt x="6783705" y="0"/>
-                </a:cubicBezTo>
-                <a:cubicBezTo>
-                  <a:pt x="7111894" y="5124"/>
-                  <a:pt x="7441941" y="-17829"/>
-                  <a:pt x="7679154" y="0"/>
-                </a:cubicBezTo>
-                <a:cubicBezTo>
-                  <a:pt x="7916367" y="17829"/>
-                  <a:pt x="8102967" y="-24363"/>
-                  <a:pt x="8248985" y="0"/>
-                </a:cubicBezTo>
-                <a:cubicBezTo>
-                  <a:pt x="8395003" y="24363"/>
-                  <a:pt x="8552393" y="25505"/>
-                  <a:pt x="8818817" y="0"/>
-                </a:cubicBezTo>
-                <a:cubicBezTo>
-                  <a:pt x="9085241" y="-25505"/>
-                  <a:pt x="9411308" y="38000"/>
-                  <a:pt x="9605726" y="0"/>
-                </a:cubicBezTo>
-                <a:cubicBezTo>
-                  <a:pt x="9800144" y="-38000"/>
-                  <a:pt x="10006468" y="-25741"/>
-                  <a:pt x="10175558" y="0"/>
-                </a:cubicBezTo>
-                <a:cubicBezTo>
-                  <a:pt x="10344648" y="25741"/>
-                  <a:pt x="10696282" y="695"/>
-                  <a:pt x="10853928" y="0"/>
-                </a:cubicBezTo>
-                <a:cubicBezTo>
-                  <a:pt x="10853521" y="8690"/>
-                  <a:pt x="10853774" y="14141"/>
-                  <a:pt x="10853928" y="18288"/>
-                </a:cubicBezTo>
-                <a:cubicBezTo>
-                  <a:pt x="10608124" y="24255"/>
-                  <a:pt x="10343415" y="22307"/>
-                  <a:pt x="10067018" y="18288"/>
-                </a:cubicBezTo>
-                <a:cubicBezTo>
-                  <a:pt x="9790621" y="14270"/>
-                  <a:pt x="9843266" y="3564"/>
-                  <a:pt x="9714266" y="18288"/>
-                </a:cubicBezTo>
-                <a:cubicBezTo>
-                  <a:pt x="9585266" y="33012"/>
-                  <a:pt x="9379484" y="1875"/>
-                  <a:pt x="9252974" y="18288"/>
-                </a:cubicBezTo>
-                <a:cubicBezTo>
-                  <a:pt x="9126464" y="34701"/>
-                  <a:pt x="8580678" y="-4904"/>
-                  <a:pt x="8357525" y="18288"/>
-                </a:cubicBezTo>
-                <a:cubicBezTo>
-                  <a:pt x="8134372" y="41480"/>
-                  <a:pt x="7903199" y="26458"/>
-                  <a:pt x="7679154" y="18288"/>
-                </a:cubicBezTo>
-                <a:cubicBezTo>
-                  <a:pt x="7455109" y="10118"/>
-                  <a:pt x="7435944" y="27109"/>
-                  <a:pt x="7217862" y="18288"/>
-                </a:cubicBezTo>
-                <a:cubicBezTo>
-                  <a:pt x="6999780" y="9467"/>
-                  <a:pt x="6680409" y="18985"/>
-                  <a:pt x="6539492" y="18288"/>
-                </a:cubicBezTo>
-                <a:cubicBezTo>
-                  <a:pt x="6398575" y="17592"/>
-                  <a:pt x="6312077" y="33018"/>
-                  <a:pt x="6186739" y="18288"/>
-                </a:cubicBezTo>
-                <a:cubicBezTo>
-                  <a:pt x="6061401" y="3558"/>
-                  <a:pt x="5947033" y="12075"/>
-                  <a:pt x="5833986" y="18288"/>
-                </a:cubicBezTo>
-                <a:cubicBezTo>
-                  <a:pt x="5720939" y="24501"/>
-                  <a:pt x="5482226" y="8586"/>
-                  <a:pt x="5155616" y="18288"/>
-                </a:cubicBezTo>
-                <a:cubicBezTo>
-                  <a:pt x="4829006" y="27991"/>
-                  <a:pt x="4841274" y="29316"/>
-                  <a:pt x="4694324" y="18288"/>
-                </a:cubicBezTo>
-                <a:cubicBezTo>
-                  <a:pt x="4547374" y="7260"/>
-                  <a:pt x="4077675" y="7013"/>
-                  <a:pt x="3907414" y="18288"/>
-                </a:cubicBezTo>
-                <a:cubicBezTo>
-                  <a:pt x="3737153" y="29564"/>
-                  <a:pt x="3538393" y="21630"/>
-                  <a:pt x="3446122" y="18288"/>
-                </a:cubicBezTo>
-                <a:cubicBezTo>
-                  <a:pt x="3353851" y="14946"/>
-                  <a:pt x="2990320" y="-8091"/>
-                  <a:pt x="2659212" y="18288"/>
-                </a:cubicBezTo>
-                <a:cubicBezTo>
-                  <a:pt x="2328104" y="44667"/>
-                  <a:pt x="2427653" y="9607"/>
-                  <a:pt x="2306460" y="18288"/>
-                </a:cubicBezTo>
-                <a:cubicBezTo>
-                  <a:pt x="2185267" y="26969"/>
-                  <a:pt x="1719763" y="3717"/>
-                  <a:pt x="1519550" y="18288"/>
-                </a:cubicBezTo>
-                <a:cubicBezTo>
-                  <a:pt x="1319337" y="32860"/>
-                  <a:pt x="1167371" y="17040"/>
-                  <a:pt x="1058258" y="18288"/>
-                </a:cubicBezTo>
-                <a:cubicBezTo>
-                  <a:pt x="949145" y="19536"/>
-                  <a:pt x="780234" y="31447"/>
-                  <a:pt x="705505" y="18288"/>
-                </a:cubicBezTo>
-                <a:cubicBezTo>
-                  <a:pt x="630776" y="5129"/>
-                  <a:pt x="215796" y="30056"/>
-                  <a:pt x="0" y="18288"/>
-                </a:cubicBezTo>
-                <a:cubicBezTo>
-                  <a:pt x="-53" y="11301"/>
-                  <a:pt x="-649" y="7756"/>
-                  <a:pt x="0" y="0"/>
-                </a:cubicBezTo>
-                <a:close/>
-              </a:path>
-            </a:pathLst>
-          </a:custGeom>
-          <a:solidFill>
-            <a:schemeClr val="accent2"/>
-          </a:solidFill>
-          <a:ln w="41275" cap="rnd">
-            <a:solidFill>
-              <a:schemeClr val="accent2"/>
-            </a:solidFill>
-            <a:round/>
-            <a:extLst>
-              <a:ext uri="{C807C97D-BFC1-408E-A445-0C87EB9F89A2}">
-                <ask:lineSketchStyleProps xmlns:ask="http://schemas.microsoft.com/office/drawing/2018/sketchyshapes" sd="1219033472">
-                  <a:prstGeom prst="rect">
-                    <a:avLst/>
-                  </a:prstGeom>
-                  <ask:type>
-                    <ask:lineSketchFreehand/>
-                  </ask:type>
-                </ask:lineSketchStyleProps>
-              </a:ext>
-            </a:extLst>
-          </a:ln>
-        </p:spPr>
-        <p:style>
-          <a:lnRef idx="2">
-            <a:schemeClr val="accent1">
-              <a:shade val="50000"/>
-            </a:schemeClr>
-          </a:lnRef>
-          <a:fillRef idx="1">
-            <a:schemeClr val="accent1"/>
-          </a:fillRef>
-          <a:effectRef idx="0">
-            <a:schemeClr val="accent1"/>
-          </a:effectRef>
-          <a:fontRef idx="minor">
-            <a:schemeClr val="lt1"/>
-          </a:fontRef>
-        </p:style>
-        <p:txBody>
-          <a:bodyPr rtlCol="0" anchor="ctr"/>
-          <a:lstStyle/>
-          <a:p>
-            <a:pPr algn="ctr"/>
-            <a:endParaRPr lang="en-US"/>
-          </a:p>
-        </p:txBody>
-      </p:sp>
-      <p:sp>
-        <p:nvSpPr>
-          <p:cNvPr id="3" name="Content Placeholder 2">
-            <a:extLst>
-              <a:ext uri="{FF2B5EF4-FFF2-40B4-BE49-F238E27FC236}">
-                <a16:creationId xmlns:a16="http://schemas.microsoft.com/office/drawing/2014/main" id="{9F7AB586-525F-7119-210E-93808F4331F4}"/>
-              </a:ext>
-            </a:extLst>
-          </p:cNvPr>
-          <p:cNvSpPr>
-            <a:spLocks noGrp="1"/>
-          </p:cNvSpPr>
-          <p:nvPr>
-            <p:ph idx="1"/>
-          </p:nvPr>
-        </p:nvSpPr>
-        <p:spPr>
-          <a:xfrm>
-            <a:off x="838200" y="1929384"/>
-            <a:ext cx="10515600" cy="4251960"/>
-          </a:xfrm>
-        </p:spPr>
-        <p:txBody>
-          <a:bodyPr>
-            <a:normAutofit/>
-          </a:bodyPr>
-          <a:lstStyle/>
-          <a:p>
-            <a:r>
-              <a:rPr lang="en-US" dirty="0"/>
-              <a:t>Feasibility</a:t>
-            </a:r>
-          </a:p>
-          <a:p>
-            <a:pPr lvl="1"/>
-            <a:r>
-              <a:rPr lang="en-US" sz="2800" dirty="0"/>
-              <a:t>So far, this project has been doable.</a:t>
-            </a:r>
-          </a:p>
-          <a:p>
-            <a:pPr lvl="1"/>
-            <a:r>
-              <a:rPr lang="en-US" sz="2800" dirty="0"/>
-              <a:t>Team works well together to accomplish goals.</a:t>
-            </a:r>
-          </a:p>
-          <a:p>
-            <a:pPr lvl="1"/>
-            <a:r>
-              <a:rPr lang="en-US" sz="2800" dirty="0"/>
-              <a:t>Only issue so far is being over budget.</a:t>
-            </a:r>
-          </a:p>
-          <a:p>
-            <a:r>
-              <a:rPr lang="en-US" dirty="0"/>
-              <a:t>Risks</a:t>
-            </a:r>
-          </a:p>
-          <a:p>
-            <a:pPr lvl="1"/>
-            <a:r>
-              <a:rPr lang="en-US" sz="2800" dirty="0"/>
-              <a:t>Drop in communication</a:t>
-            </a:r>
-          </a:p>
-          <a:p>
-            <a:pPr lvl="2"/>
-            <a:r>
-              <a:rPr lang="en-US" sz="2800" dirty="0"/>
-              <a:t>We have communicated well so far with needs and issues.</a:t>
-            </a:r>
-          </a:p>
-          <a:p>
-            <a:pPr lvl="1"/>
-            <a:r>
-              <a:rPr lang="en-US" sz="2800" dirty="0"/>
-              <a:t>Watch for burnout</a:t>
-            </a:r>
-          </a:p>
-          <a:p>
-            <a:pPr lvl="2"/>
-            <a:r>
-              <a:rPr lang="en-US" sz="2800" dirty="0"/>
-              <a:t>We have shot out the gate fast, we want to keep it up.</a:t>
-            </a:r>
-          </a:p>
-          <a:p>
-            <a:pPr lvl="1"/>
-            <a:endParaRPr lang="en-US" sz="1800" dirty="0"/>
-          </a:p>
-        </p:txBody>
-      </p:sp>
-    </p:spTree>
-    <p:extLst>
-      <p:ext uri="{BB962C8B-B14F-4D97-AF65-F5344CB8AC3E}">
-        <p14:creationId xmlns:p14="http://schemas.microsoft.com/office/powerpoint/2010/main" val="2947093418"/>
-      </p:ext>
-    </p:extLst>
-  </p:cSld>
-  <p:clrMapOvr>
-    <a:masterClrMapping/>
-  </p:clrMapOvr>
-</p:sld>
-</file>
-
-<file path=ppt/slides/slide2.xml><?xml version="1.0" encoding="utf-8"?>
-<p:sld xmlns:a="http://schemas.openxmlformats.org/drawingml/2006/main" xmlns:r="http://schemas.openxmlformats.org/officeDocument/2006/relationships" xmlns:p="http://schemas.openxmlformats.org/presentationml/2006/main">
-  <p:cSld>
-    <p:bg>
-      <p:bgPr>
-        <a:solidFill>
-          <a:schemeClr val="bg1"/>
-        </a:solidFill>
-        <a:effectLst/>
-      </p:bgPr>
-    </p:bg>
-    <p:spTree>
-      <p:nvGrpSpPr>
-        <p:cNvPr id="1" name=""/>
-        <p:cNvGrpSpPr/>
-        <p:nvPr/>
-      </p:nvGrpSpPr>
-      <p:grpSpPr>
-        <a:xfrm>
-          <a:off x="0" y="0"/>
-          <a:ext cx="0" cy="0"/>
-          <a:chOff x="0" y="0"/>
-          <a:chExt cx="0" cy="0"/>
-        </a:xfrm>
-      </p:grpSpPr>
-      <p:sp useBgFill="1">
-        <p:nvSpPr>
-          <p:cNvPr id="34" name="Rectangle 33">
-            <a:extLst>
-              <a:ext uri="{FF2B5EF4-FFF2-40B4-BE49-F238E27FC236}">
-                <a16:creationId xmlns:a16="http://schemas.microsoft.com/office/drawing/2014/main" id="{79477870-C64A-4E35-8F2F-05B7114F3C74}"/>
+                <a16:creationId xmlns:a16="http://schemas.microsoft.com/office/drawing/2014/main" id="{A8908DB7-C3A6-4FCB-9820-CEE02B398C4A}"/>
               </a:ext>
               <a:ext uri="{C183D7F6-B498-43B3-948B-1728B52AA6E4}">
                 <adec:decorative xmlns:adec="http://schemas.microsoft.com/office/drawing/2017/decorative" val="1"/>
@@ -18400,7 +17535,7 @@
           <p:cNvPr id="2" name="Title 1">
             <a:extLst>
               <a:ext uri="{FF2B5EF4-FFF2-40B4-BE49-F238E27FC236}">
-                <a16:creationId xmlns:a16="http://schemas.microsoft.com/office/drawing/2014/main" id="{DBE75319-DCBD-C53A-118E-BF8F5E5AC2E3}"/>
+                <a16:creationId xmlns:a16="http://schemas.microsoft.com/office/drawing/2014/main" id="{4B1E27C4-F89D-CFE7-2F18-9B5E3A72550B}"/>
               </a:ext>
             </a:extLst>
           </p:cNvPr>
@@ -18413,29 +17548,29 @@
         </p:nvSpPr>
         <p:spPr>
           <a:xfrm>
-            <a:off x="612648" y="1078992"/>
-            <a:ext cx="6268770" cy="1536192"/>
+            <a:off x="630936" y="640823"/>
+            <a:ext cx="3419856" cy="5583148"/>
           </a:xfrm>
         </p:spPr>
         <p:txBody>
-          <a:bodyPr anchor="b">
+          <a:bodyPr anchor="ctr">
             <a:normAutofit/>
           </a:bodyPr>
           <a:lstStyle/>
           <a:p>
             <a:r>
-              <a:rPr lang="en-US" sz="5200" dirty="0"/>
-              <a:t>Objectives</a:t>
+              <a:rPr lang="en-US" sz="5000"/>
+              <a:t>Feasibility Assessment</a:t>
             </a:r>
           </a:p>
         </p:txBody>
       </p:sp>
       <p:sp>
         <p:nvSpPr>
-          <p:cNvPr id="35" name="!!accent">
+          <p:cNvPr id="24" name="sketch line">
             <a:extLst>
               <a:ext uri="{FF2B5EF4-FFF2-40B4-BE49-F238E27FC236}">
-                <a16:creationId xmlns:a16="http://schemas.microsoft.com/office/drawing/2014/main" id="{8AEA628B-C8FF-4D0B-B111-F101F580B15D}"/>
+                <a16:creationId xmlns:a16="http://schemas.microsoft.com/office/drawing/2014/main" id="{535742DD-1B16-4E9D-B715-0D74B4574A68}"/>
               </a:ext>
               <a:ext uri="{C183D7F6-B498-43B3-948B-1728B52AA6E4}">
                 <adec:decorative xmlns:adec="http://schemas.microsoft.com/office/drawing/2017/decorative" val="1"/>
@@ -18454,16 +17589,553 @@
           </p:nvPr>
         </p:nvSpPr>
         <p:spPr>
-          <a:xfrm rot="5400000">
-            <a:off x="853202" y="363389"/>
-            <a:ext cx="73152" cy="548640"/>
+          <a:xfrm flipH="1">
+            <a:off x="4267200" y="630936"/>
+            <a:ext cx="18288" cy="5590381"/>
+          </a:xfrm>
+          <a:custGeom>
+            <a:avLst/>
+            <a:gdLst>
+              <a:gd name="connsiteX0" fmla="*/ 0 w 18288"/>
+              <a:gd name="connsiteY0" fmla="*/ 0 h 5590381"/>
+              <a:gd name="connsiteX1" fmla="*/ 18288 w 18288"/>
+              <a:gd name="connsiteY1" fmla="*/ 0 h 5590381"/>
+              <a:gd name="connsiteX2" fmla="*/ 18288 w 18288"/>
+              <a:gd name="connsiteY2" fmla="*/ 754701 h 5590381"/>
+              <a:gd name="connsiteX3" fmla="*/ 18288 w 18288"/>
+              <a:gd name="connsiteY3" fmla="*/ 1565307 h 5590381"/>
+              <a:gd name="connsiteX4" fmla="*/ 18288 w 18288"/>
+              <a:gd name="connsiteY4" fmla="*/ 2152297 h 5590381"/>
+              <a:gd name="connsiteX5" fmla="*/ 18288 w 18288"/>
+              <a:gd name="connsiteY5" fmla="*/ 2906998 h 5590381"/>
+              <a:gd name="connsiteX6" fmla="*/ 18288 w 18288"/>
+              <a:gd name="connsiteY6" fmla="*/ 3549892 h 5590381"/>
+              <a:gd name="connsiteX7" fmla="*/ 18288 w 18288"/>
+              <a:gd name="connsiteY7" fmla="*/ 4080978 h 5590381"/>
+              <a:gd name="connsiteX8" fmla="*/ 18288 w 18288"/>
+              <a:gd name="connsiteY8" fmla="*/ 4835680 h 5590381"/>
+              <a:gd name="connsiteX9" fmla="*/ 18288 w 18288"/>
+              <a:gd name="connsiteY9" fmla="*/ 5590381 h 5590381"/>
+              <a:gd name="connsiteX10" fmla="*/ 0 w 18288"/>
+              <a:gd name="connsiteY10" fmla="*/ 5590381 h 5590381"/>
+              <a:gd name="connsiteX11" fmla="*/ 0 w 18288"/>
+              <a:gd name="connsiteY11" fmla="*/ 4835680 h 5590381"/>
+              <a:gd name="connsiteX12" fmla="*/ 0 w 18288"/>
+              <a:gd name="connsiteY12" fmla="*/ 4304593 h 5590381"/>
+              <a:gd name="connsiteX13" fmla="*/ 0 w 18288"/>
+              <a:gd name="connsiteY13" fmla="*/ 3773507 h 5590381"/>
+              <a:gd name="connsiteX14" fmla="*/ 0 w 18288"/>
+              <a:gd name="connsiteY14" fmla="*/ 3186517 h 5590381"/>
+              <a:gd name="connsiteX15" fmla="*/ 0 w 18288"/>
+              <a:gd name="connsiteY15" fmla="*/ 2487720 h 5590381"/>
+              <a:gd name="connsiteX16" fmla="*/ 0 w 18288"/>
+              <a:gd name="connsiteY16" fmla="*/ 1956633 h 5590381"/>
+              <a:gd name="connsiteX17" fmla="*/ 0 w 18288"/>
+              <a:gd name="connsiteY17" fmla="*/ 1425547 h 5590381"/>
+              <a:gd name="connsiteX18" fmla="*/ 0 w 18288"/>
+              <a:gd name="connsiteY18" fmla="*/ 614942 h 5590381"/>
+              <a:gd name="connsiteX19" fmla="*/ 0 w 18288"/>
+              <a:gd name="connsiteY19" fmla="*/ 0 h 5590381"/>
+            </a:gdLst>
+            <a:ahLst/>
+            <a:cxnLst>
+              <a:cxn ang="0">
+                <a:pos x="connsiteX0" y="connsiteY0"/>
+              </a:cxn>
+              <a:cxn ang="0">
+                <a:pos x="connsiteX1" y="connsiteY1"/>
+              </a:cxn>
+              <a:cxn ang="0">
+                <a:pos x="connsiteX2" y="connsiteY2"/>
+              </a:cxn>
+              <a:cxn ang="0">
+                <a:pos x="connsiteX3" y="connsiteY3"/>
+              </a:cxn>
+              <a:cxn ang="0">
+                <a:pos x="connsiteX4" y="connsiteY4"/>
+              </a:cxn>
+              <a:cxn ang="0">
+                <a:pos x="connsiteX5" y="connsiteY5"/>
+              </a:cxn>
+              <a:cxn ang="0">
+                <a:pos x="connsiteX6" y="connsiteY6"/>
+              </a:cxn>
+              <a:cxn ang="0">
+                <a:pos x="connsiteX7" y="connsiteY7"/>
+              </a:cxn>
+              <a:cxn ang="0">
+                <a:pos x="connsiteX8" y="connsiteY8"/>
+              </a:cxn>
+              <a:cxn ang="0">
+                <a:pos x="connsiteX9" y="connsiteY9"/>
+              </a:cxn>
+              <a:cxn ang="0">
+                <a:pos x="connsiteX10" y="connsiteY10"/>
+              </a:cxn>
+              <a:cxn ang="0">
+                <a:pos x="connsiteX11" y="connsiteY11"/>
+              </a:cxn>
+              <a:cxn ang="0">
+                <a:pos x="connsiteX12" y="connsiteY12"/>
+              </a:cxn>
+              <a:cxn ang="0">
+                <a:pos x="connsiteX13" y="connsiteY13"/>
+              </a:cxn>
+              <a:cxn ang="0">
+                <a:pos x="connsiteX14" y="connsiteY14"/>
+              </a:cxn>
+              <a:cxn ang="0">
+                <a:pos x="connsiteX15" y="connsiteY15"/>
+              </a:cxn>
+              <a:cxn ang="0">
+                <a:pos x="connsiteX16" y="connsiteY16"/>
+              </a:cxn>
+              <a:cxn ang="0">
+                <a:pos x="connsiteX17" y="connsiteY17"/>
+              </a:cxn>
+              <a:cxn ang="0">
+                <a:pos x="connsiteX18" y="connsiteY18"/>
+              </a:cxn>
+              <a:cxn ang="0">
+                <a:pos x="connsiteX19" y="connsiteY19"/>
+              </a:cxn>
+            </a:cxnLst>
+            <a:rect l="l" t="t" r="r" b="b"/>
+            <a:pathLst>
+              <a:path w="18288" h="5590381" fill="none" extrusionOk="0">
+                <a:moveTo>
+                  <a:pt x="0" y="0"/>
+                </a:moveTo>
+                <a:cubicBezTo>
+                  <a:pt x="7726" y="-435"/>
+                  <a:pt x="14198" y="437"/>
+                  <a:pt x="18288" y="0"/>
+                </a:cubicBezTo>
+                <a:cubicBezTo>
+                  <a:pt x="-5226" y="225076"/>
+                  <a:pt x="46275" y="562283"/>
+                  <a:pt x="18288" y="754701"/>
+                </a:cubicBezTo>
+                <a:cubicBezTo>
+                  <a:pt x="-9699" y="947119"/>
+                  <a:pt x="30081" y="1239251"/>
+                  <a:pt x="18288" y="1565307"/>
+                </a:cubicBezTo>
+                <a:cubicBezTo>
+                  <a:pt x="6495" y="1891363"/>
+                  <a:pt x="7160" y="1999140"/>
+                  <a:pt x="18288" y="2152297"/>
+                </a:cubicBezTo>
+                <a:cubicBezTo>
+                  <a:pt x="29417" y="2305454"/>
+                  <a:pt x="28705" y="2598333"/>
+                  <a:pt x="18288" y="2906998"/>
+                </a:cubicBezTo>
+                <a:cubicBezTo>
+                  <a:pt x="7871" y="3215663"/>
+                  <a:pt x="35263" y="3327412"/>
+                  <a:pt x="18288" y="3549892"/>
+                </a:cubicBezTo>
+                <a:cubicBezTo>
+                  <a:pt x="1313" y="3772372"/>
+                  <a:pt x="38561" y="3843836"/>
+                  <a:pt x="18288" y="4080978"/>
+                </a:cubicBezTo>
+                <a:cubicBezTo>
+                  <a:pt x="-1985" y="4318120"/>
+                  <a:pt x="-3806" y="4511166"/>
+                  <a:pt x="18288" y="4835680"/>
+                </a:cubicBezTo>
+                <a:cubicBezTo>
+                  <a:pt x="40382" y="5160194"/>
+                  <a:pt x="-13070" y="5401748"/>
+                  <a:pt x="18288" y="5590381"/>
+                </a:cubicBezTo>
+                <a:cubicBezTo>
+                  <a:pt x="12010" y="5589863"/>
+                  <a:pt x="6799" y="5589982"/>
+                  <a:pt x="0" y="5590381"/>
+                </a:cubicBezTo>
+                <a:cubicBezTo>
+                  <a:pt x="-6480" y="5250523"/>
+                  <a:pt x="-32148" y="5052531"/>
+                  <a:pt x="0" y="4835680"/>
+                </a:cubicBezTo>
+                <a:cubicBezTo>
+                  <a:pt x="32148" y="4618829"/>
+                  <a:pt x="5352" y="4496374"/>
+                  <a:pt x="0" y="4304593"/>
+                </a:cubicBezTo>
+                <a:cubicBezTo>
+                  <a:pt x="-5352" y="4112812"/>
+                  <a:pt x="9645" y="3919423"/>
+                  <a:pt x="0" y="3773507"/>
+                </a:cubicBezTo>
+                <a:cubicBezTo>
+                  <a:pt x="-9645" y="3627591"/>
+                  <a:pt x="-10654" y="3330687"/>
+                  <a:pt x="0" y="3186517"/>
+                </a:cubicBezTo>
+                <a:cubicBezTo>
+                  <a:pt x="10654" y="3042347"/>
+                  <a:pt x="18181" y="2635923"/>
+                  <a:pt x="0" y="2487720"/>
+                </a:cubicBezTo>
+                <a:cubicBezTo>
+                  <a:pt x="-18181" y="2339517"/>
+                  <a:pt x="-7947" y="2113537"/>
+                  <a:pt x="0" y="1956633"/>
+                </a:cubicBezTo>
+                <a:cubicBezTo>
+                  <a:pt x="7947" y="1799729"/>
+                  <a:pt x="-15145" y="1657735"/>
+                  <a:pt x="0" y="1425547"/>
+                </a:cubicBezTo>
+                <a:cubicBezTo>
+                  <a:pt x="15145" y="1193359"/>
+                  <a:pt x="-23832" y="948054"/>
+                  <a:pt x="0" y="614942"/>
+                </a:cubicBezTo>
+                <a:cubicBezTo>
+                  <a:pt x="23832" y="281831"/>
+                  <a:pt x="2816" y="129878"/>
+                  <a:pt x="0" y="0"/>
+                </a:cubicBezTo>
+                <a:close/>
+              </a:path>
+              <a:path w="18288" h="5590381" stroke="0" extrusionOk="0">
+                <a:moveTo>
+                  <a:pt x="0" y="0"/>
+                </a:moveTo>
+                <a:cubicBezTo>
+                  <a:pt x="5871" y="848"/>
+                  <a:pt x="11713" y="-200"/>
+                  <a:pt x="18288" y="0"/>
+                </a:cubicBezTo>
+                <a:cubicBezTo>
+                  <a:pt x="41141" y="165299"/>
+                  <a:pt x="3613" y="427555"/>
+                  <a:pt x="18288" y="698798"/>
+                </a:cubicBezTo>
+                <a:cubicBezTo>
+                  <a:pt x="32963" y="970041"/>
+                  <a:pt x="19680" y="1226199"/>
+                  <a:pt x="18288" y="1397595"/>
+                </a:cubicBezTo>
+                <a:cubicBezTo>
+                  <a:pt x="16896" y="1568991"/>
+                  <a:pt x="38798" y="1794517"/>
+                  <a:pt x="18288" y="2152297"/>
+                </a:cubicBezTo>
+                <a:cubicBezTo>
+                  <a:pt x="-2222" y="2510077"/>
+                  <a:pt x="40846" y="2594424"/>
+                  <a:pt x="18288" y="2739287"/>
+                </a:cubicBezTo>
+                <a:cubicBezTo>
+                  <a:pt x="-4270" y="2884150"/>
+                  <a:pt x="27117" y="3129706"/>
+                  <a:pt x="18288" y="3493988"/>
+                </a:cubicBezTo>
+                <a:cubicBezTo>
+                  <a:pt x="9459" y="3858270"/>
+                  <a:pt x="54201" y="4041447"/>
+                  <a:pt x="18288" y="4304593"/>
+                </a:cubicBezTo>
+                <a:cubicBezTo>
+                  <a:pt x="-17625" y="4567740"/>
+                  <a:pt x="49627" y="5149125"/>
+                  <a:pt x="18288" y="5590381"/>
+                </a:cubicBezTo>
+                <a:cubicBezTo>
+                  <a:pt x="10860" y="5590744"/>
+                  <a:pt x="7568" y="5590157"/>
+                  <a:pt x="0" y="5590381"/>
+                </a:cubicBezTo>
+                <a:cubicBezTo>
+                  <a:pt x="36767" y="5266821"/>
+                  <a:pt x="-16223" y="5116146"/>
+                  <a:pt x="0" y="4835680"/>
+                </a:cubicBezTo>
+                <a:cubicBezTo>
+                  <a:pt x="16223" y="4555214"/>
+                  <a:pt x="-16316" y="4356490"/>
+                  <a:pt x="0" y="4136882"/>
+                </a:cubicBezTo>
+                <a:cubicBezTo>
+                  <a:pt x="16316" y="3917274"/>
+                  <a:pt x="8005" y="3773465"/>
+                  <a:pt x="0" y="3549892"/>
+                </a:cubicBezTo>
+                <a:cubicBezTo>
+                  <a:pt x="-8005" y="3326319"/>
+                  <a:pt x="27623" y="3052456"/>
+                  <a:pt x="0" y="2851094"/>
+                </a:cubicBezTo>
+                <a:cubicBezTo>
+                  <a:pt x="-27623" y="2649732"/>
+                  <a:pt x="5614" y="2455815"/>
+                  <a:pt x="0" y="2264104"/>
+                </a:cubicBezTo>
+                <a:cubicBezTo>
+                  <a:pt x="-5614" y="2072393"/>
+                  <a:pt x="22598" y="1990723"/>
+                  <a:pt x="0" y="1733018"/>
+                </a:cubicBezTo>
+                <a:cubicBezTo>
+                  <a:pt x="-22598" y="1475313"/>
+                  <a:pt x="-6965" y="1369123"/>
+                  <a:pt x="0" y="1090124"/>
+                </a:cubicBezTo>
+                <a:cubicBezTo>
+                  <a:pt x="6965" y="811125"/>
+                  <a:pt x="-19273" y="507044"/>
+                  <a:pt x="0" y="0"/>
+                </a:cubicBezTo>
+                <a:close/>
+              </a:path>
+            </a:pathLst>
+          </a:custGeom>
+          <a:solidFill>
+            <a:schemeClr val="accent2"/>
+          </a:solidFill>
+          <a:ln w="41275" cap="rnd">
+            <a:solidFill>
+              <a:schemeClr val="accent2"/>
+            </a:solidFill>
+            <a:round/>
+            <a:extLst>
+              <a:ext uri="{C807C97D-BFC1-408E-A445-0C87EB9F89A2}">
+                <ask:lineSketchStyleProps xmlns:ask="http://schemas.microsoft.com/office/drawing/2018/sketchyshapes" sd="3114097614">
+                  <a:prstGeom prst="rect">
+                    <a:avLst/>
+                  </a:prstGeom>
+                  <ask:type>
+                    <ask:lineSketchFreehand/>
+                  </ask:type>
+                </ask:lineSketchStyleProps>
+              </a:ext>
+            </a:extLst>
+          </a:ln>
+        </p:spPr>
+        <p:style>
+          <a:lnRef idx="2">
+            <a:schemeClr val="accent1">
+              <a:shade val="50000"/>
+            </a:schemeClr>
+          </a:lnRef>
+          <a:fillRef idx="1">
+            <a:schemeClr val="accent1"/>
+          </a:fillRef>
+          <a:effectRef idx="0">
+            <a:schemeClr val="accent1"/>
+          </a:effectRef>
+          <a:fontRef idx="minor">
+            <a:schemeClr val="lt1"/>
+          </a:fontRef>
+        </p:style>
+        <p:txBody>
+          <a:bodyPr rtlCol="0" anchor="ctr"/>
+          <a:lstStyle/>
+          <a:p>
+            <a:pPr algn="ctr"/>
+            <a:endParaRPr lang="en-US"/>
+          </a:p>
+        </p:txBody>
+      </p:sp>
+      <p:pic>
+        <p:nvPicPr>
+          <p:cNvPr id="5" name="Picture 4">
+            <a:extLst>
+              <a:ext uri="{FF2B5EF4-FFF2-40B4-BE49-F238E27FC236}">
+                <a16:creationId xmlns:a16="http://schemas.microsoft.com/office/drawing/2014/main" id="{2066E6CB-41E7-28A9-BCF8-1093A02CFDC8}"/>
+              </a:ext>
+            </a:extLst>
+          </p:cNvPr>
+          <p:cNvPicPr>
+            <a:picLocks noChangeAspect="1"/>
+          </p:cNvPicPr>
+          <p:nvPr/>
+        </p:nvPicPr>
+        <p:blipFill>
+          <a:blip r:embed="rId3"/>
+          <a:stretch>
+            <a:fillRect/>
+          </a:stretch>
+        </p:blipFill>
+        <p:spPr>
+          <a:xfrm>
+            <a:off x="4681728" y="692881"/>
+            <a:ext cx="6894576" cy="1706408"/>
           </a:xfrm>
           <a:prstGeom prst="rect">
             <a:avLst/>
           </a:prstGeom>
-          <a:solidFill>
-            <a:schemeClr val="accent2"/>
-          </a:solidFill>
+        </p:spPr>
+      </p:pic>
+      <p:sp>
+        <p:nvSpPr>
+          <p:cNvPr id="3" name="Content Placeholder 2">
+            <a:extLst>
+              <a:ext uri="{FF2B5EF4-FFF2-40B4-BE49-F238E27FC236}">
+                <a16:creationId xmlns:a16="http://schemas.microsoft.com/office/drawing/2014/main" id="{9F7AB586-525F-7119-210E-93808F4331F4}"/>
+              </a:ext>
+            </a:extLst>
+          </p:cNvPr>
+          <p:cNvSpPr>
+            <a:spLocks noGrp="1"/>
+          </p:cNvSpPr>
+          <p:nvPr>
+            <p:ph idx="1"/>
+          </p:nvPr>
+        </p:nvSpPr>
+        <p:spPr>
+          <a:xfrm>
+            <a:off x="4681728" y="2711882"/>
+            <a:ext cx="6894576" cy="3509435"/>
+          </a:xfrm>
+        </p:spPr>
+        <p:txBody>
+          <a:bodyPr anchor="t">
+            <a:normAutofit/>
+          </a:bodyPr>
+          <a:lstStyle/>
+          <a:p>
+            <a:r>
+              <a:rPr lang="en-US" sz="1800" dirty="0"/>
+              <a:t>Feasibility</a:t>
+            </a:r>
+          </a:p>
+          <a:p>
+            <a:pPr lvl="1"/>
+            <a:r>
+              <a:rPr lang="en-US" sz="1800" dirty="0"/>
+              <a:t>So far, this project has been doable.</a:t>
+            </a:r>
+          </a:p>
+          <a:p>
+            <a:pPr lvl="1"/>
+            <a:r>
+              <a:rPr lang="en-US" sz="1800" dirty="0"/>
+              <a:t>Team works well together to accomplish goals.</a:t>
+            </a:r>
+          </a:p>
+          <a:p>
+            <a:pPr lvl="1"/>
+            <a:r>
+              <a:rPr lang="en-US" sz="1800" dirty="0"/>
+              <a:t>Only issue so far is being over budget.</a:t>
+            </a:r>
+          </a:p>
+          <a:p>
+            <a:r>
+              <a:rPr lang="en-US" sz="1800" dirty="0"/>
+              <a:t>Risks</a:t>
+            </a:r>
+          </a:p>
+          <a:p>
+            <a:pPr lvl="1"/>
+            <a:r>
+              <a:rPr lang="en-US" sz="1800" dirty="0"/>
+              <a:t>Drop in communication</a:t>
+            </a:r>
+          </a:p>
+          <a:p>
+            <a:pPr lvl="2"/>
+            <a:r>
+              <a:rPr lang="en-US" sz="1800" dirty="0"/>
+              <a:t>We have communicated well so far with needs and issues.</a:t>
+            </a:r>
+          </a:p>
+          <a:p>
+            <a:pPr lvl="1"/>
+            <a:r>
+              <a:rPr lang="en-US" sz="1800" dirty="0"/>
+              <a:t>Watch for burnout</a:t>
+            </a:r>
+          </a:p>
+          <a:p>
+            <a:pPr lvl="2"/>
+            <a:r>
+              <a:rPr lang="en-US" sz="1800" dirty="0"/>
+              <a:t>We have shot out the gate fast, we want to keep it up.</a:t>
+            </a:r>
+          </a:p>
+          <a:p>
+            <a:pPr lvl="1"/>
+            <a:endParaRPr lang="en-US" sz="600" dirty="0"/>
+          </a:p>
+        </p:txBody>
+      </p:sp>
+    </p:spTree>
+    <p:extLst>
+      <p:ext uri="{BB962C8B-B14F-4D97-AF65-F5344CB8AC3E}">
+        <p14:creationId xmlns:p14="http://schemas.microsoft.com/office/powerpoint/2010/main" val="2947093418"/>
+      </p:ext>
+    </p:extLst>
+  </p:cSld>
+  <p:clrMapOvr>
+    <a:masterClrMapping/>
+  </p:clrMapOvr>
+</p:sld>
+</file>
+
+<file path=ppt/slides/slide2.xml><?xml version="1.0" encoding="utf-8"?>
+<p:sld xmlns:a="http://schemas.openxmlformats.org/drawingml/2006/main" xmlns:r="http://schemas.openxmlformats.org/officeDocument/2006/relationships" xmlns:p="http://schemas.openxmlformats.org/presentationml/2006/main">
+  <p:cSld>
+    <p:bg>
+      <p:bgPr>
+        <a:solidFill>
+          <a:schemeClr val="bg1"/>
+        </a:solidFill>
+        <a:effectLst/>
+      </p:bgPr>
+    </p:bg>
+    <p:spTree>
+      <p:nvGrpSpPr>
+        <p:cNvPr id="1" name=""/>
+        <p:cNvGrpSpPr/>
+        <p:nvPr/>
+      </p:nvGrpSpPr>
+      <p:grpSpPr>
+        <a:xfrm>
+          <a:off x="0" y="0"/>
+          <a:ext cx="0" cy="0"/>
+          <a:chOff x="0" y="0"/>
+          <a:chExt cx="0" cy="0"/>
+        </a:xfrm>
+      </p:grpSpPr>
+      <p:sp useBgFill="1">
+        <p:nvSpPr>
+          <p:cNvPr id="47" name="Rectangle 46">
+            <a:extLst>
+              <a:ext uri="{FF2B5EF4-FFF2-40B4-BE49-F238E27FC236}">
+                <a16:creationId xmlns:a16="http://schemas.microsoft.com/office/drawing/2014/main" id="{7B831B6F-405A-4B47-B9BB-5CA88F285844}"/>
+              </a:ext>
+              <a:ext uri="{C183D7F6-B498-43B3-948B-1728B52AA6E4}">
+                <adec:decorative xmlns:adec="http://schemas.microsoft.com/office/drawing/2017/decorative" val="1"/>
+              </a:ext>
+            </a:extLst>
+          </p:cNvPr>
+          <p:cNvSpPr>
+            <a:spLocks noGrp="1" noRot="1" noChangeAspect="1" noMove="1" noResize="1" noEditPoints="1" noAdjustHandles="1" noChangeArrowheads="1" noChangeShapeType="1" noTextEdit="1"/>
+          </p:cNvSpPr>
+          <p:nvPr>
+            <p:extLst>
+              <p:ext uri="{386F3935-93C4-4BCD-93E2-E3B085C9AB24}">
+                <p16:designElem xmlns:p16="http://schemas.microsoft.com/office/powerpoint/2015/main" val="1"/>
+              </p:ext>
+            </p:extLst>
+          </p:nvPr>
+        </p:nvSpPr>
+        <p:spPr>
+          <a:xfrm>
+            <a:off x="0" y="0"/>
+            <a:ext cx="12192000" cy="6858000"/>
+          </a:xfrm>
+          <a:prstGeom prst="rect">
+            <a:avLst/>
+          </a:prstGeom>
           <a:ln>
             <a:noFill/>
           </a:ln>
@@ -18488,115 +18160,17 @@
           <a:bodyPr rtlCol="0" anchor="ctr"/>
           <a:lstStyle/>
           <a:p>
-            <a:pPr marL="0" marR="0" lvl="0" indent="0" algn="ctr" defTabSz="914400" rtl="0" eaLnBrk="1" fontAlgn="auto" latinLnBrk="0" hangingPunct="1">
-              <a:lnSpc>
-                <a:spcPct val="100000"/>
-              </a:lnSpc>
-              <a:spcBef>
-                <a:spcPts val="0"/>
-              </a:spcBef>
-              <a:spcAft>
-                <a:spcPts val="0"/>
-              </a:spcAft>
-              <a:buClrTx/>
-              <a:buSzTx/>
-              <a:buFontTx/>
-              <a:buNone/>
-              <a:tabLst/>
-              <a:defRPr/>
-            </a:pPr>
-            <a:endParaRPr kumimoji="0" lang="en-US" sz="1800" b="0" i="0" u="none" strike="noStrike" kern="1200" cap="none" spc="0" normalizeH="0" baseline="0" noProof="0">
-              <a:ln>
-                <a:noFill/>
-              </a:ln>
-              <a:solidFill>
-                <a:prstClr val="white"/>
-              </a:solidFill>
-              <a:effectLst/>
-              <a:uLnTx/>
-              <a:uFillTx/>
-              <a:latin typeface="Calibri" panose="020F0502020204030204"/>
-              <a:ea typeface="+mn-ea"/>
-              <a:cs typeface="+mn-cs"/>
-            </a:endParaRPr>
+            <a:pPr algn="ctr"/>
+            <a:endParaRPr lang="en-US"/>
           </a:p>
         </p:txBody>
       </p:sp>
       <p:sp>
         <p:nvSpPr>
-          <p:cNvPr id="33" name="Rectangle 32">
+          <p:cNvPr id="2" name="Title 1">
             <a:extLst>
               <a:ext uri="{FF2B5EF4-FFF2-40B4-BE49-F238E27FC236}">
-                <a16:creationId xmlns:a16="http://schemas.microsoft.com/office/drawing/2014/main" id="{42663BD0-064C-40FC-A331-F49FCA9536AA}"/>
-              </a:ext>
-              <a:ext uri="{C183D7F6-B498-43B3-948B-1728B52AA6E4}">
-                <adec:decorative xmlns:adec="http://schemas.microsoft.com/office/drawing/2017/decorative" val="1"/>
-              </a:ext>
-            </a:extLst>
-          </p:cNvPr>
-          <p:cNvSpPr>
-            <a:spLocks noGrp="1" noRot="1" noChangeAspect="1" noMove="1" noResize="1" noEditPoints="1" noAdjustHandles="1" noChangeArrowheads="1" noChangeShapeType="1" noTextEdit="1"/>
-          </p:cNvSpPr>
-          <p:nvPr>
-            <p:extLst>
-              <p:ext uri="{386F3935-93C4-4BCD-93E2-E3B085C9AB24}">
-                <p16:designElem xmlns:p16="http://schemas.microsoft.com/office/powerpoint/2015/main" val="1"/>
-              </p:ext>
-            </p:extLst>
-          </p:nvPr>
-        </p:nvSpPr>
-        <p:spPr>
-          <a:xfrm>
-            <a:off x="618506" y="2935541"/>
-            <a:ext cx="6217920" cy="18288"/>
-          </a:xfrm>
-          <a:prstGeom prst="rect">
-            <a:avLst/>
-          </a:prstGeom>
-          <a:solidFill>
-            <a:srgbClr val="D5D5D5"/>
-          </a:solidFill>
-          <a:ln w="3175">
-            <a:noFill/>
-          </a:ln>
-          <a:effectLst/>
-        </p:spPr>
-        <p:style>
-          <a:lnRef idx="2">
-            <a:schemeClr val="accent1">
-              <a:shade val="50000"/>
-            </a:schemeClr>
-          </a:lnRef>
-          <a:fillRef idx="1">
-            <a:schemeClr val="accent1"/>
-          </a:fillRef>
-          <a:effectRef idx="0">
-            <a:schemeClr val="accent1"/>
-          </a:effectRef>
-          <a:fontRef idx="minor">
-            <a:schemeClr val="lt1"/>
-          </a:fontRef>
-        </p:style>
-        <p:txBody>
-          <a:bodyPr rtlCol="0" anchor="ctr"/>
-          <a:lstStyle/>
-          <a:p>
-            <a:pPr algn="ctr"/>
-            <a:endParaRPr lang="en-US">
-              <a:solidFill>
-                <a:prstClr val="white"/>
-              </a:solidFill>
-              <a:latin typeface="Calibri" panose="020F0502020204030204"/>
-            </a:endParaRPr>
-          </a:p>
-        </p:txBody>
-      </p:sp>
-      <p:sp>
-        <p:nvSpPr>
-          <p:cNvPr id="3" name="Content Placeholder 2">
-            <a:extLst>
-              <a:ext uri="{FF2B5EF4-FFF2-40B4-BE49-F238E27FC236}">
-                <a16:creationId xmlns:a16="http://schemas.microsoft.com/office/drawing/2014/main" id="{21DACDEB-6882-22BF-55E9-76D9F9E5F7B9}"/>
+                <a16:creationId xmlns:a16="http://schemas.microsoft.com/office/drawing/2014/main" id="{DBE75319-DCBD-C53A-118E-BF8F5E5AC2E3}"/>
               </a:ext>
             </a:extLst>
           </p:cNvPr>
@@ -18604,44 +18178,24 @@
             <a:spLocks noGrp="1"/>
           </p:cNvSpPr>
           <p:nvPr>
-            <p:ph idx="1"/>
+            <p:ph type="title"/>
           </p:nvPr>
         </p:nvSpPr>
         <p:spPr>
           <a:xfrm>
-            <a:off x="615458" y="3355848"/>
-            <a:ext cx="6268770" cy="2825496"/>
+            <a:off x="6739128" y="638089"/>
+            <a:ext cx="4818888" cy="1476801"/>
           </a:xfrm>
         </p:spPr>
         <p:txBody>
-          <a:bodyPr anchor="ctr">
+          <a:bodyPr anchor="b">
             <a:normAutofit/>
           </a:bodyPr>
           <a:lstStyle/>
           <a:p>
             <a:r>
-              <a:rPr lang="en-US" sz="2200" dirty="0"/>
-              <a:t>Design and build a traditional flight computer for Wildcat Rocketry</a:t>
-            </a:r>
-          </a:p>
-          <a:p>
-            <a:r>
-              <a:rPr lang="en-US" sz="2200" dirty="0"/>
-              <a:t>Be able to receive data during flight.</a:t>
-            </a:r>
-          </a:p>
-          <a:p>
-            <a:r>
-              <a:rPr lang="en-US" sz="2200" dirty="0"/>
-              <a:t>Accurately display flight data via </a:t>
-            </a:r>
-            <a:r>
-              <a:rPr lang="en-US" sz="2200" dirty="0" err="1"/>
-              <a:t>WiFi</a:t>
-            </a:r>
-            <a:r>
-              <a:rPr lang="en-US" sz="2200" dirty="0"/>
-              <a:t> or data export USB.</a:t>
+              <a:rPr lang="en-US" sz="5400" dirty="0"/>
+              <a:t>Objectives</a:t>
             </a:r>
           </a:p>
         </p:txBody>
@@ -18673,14 +18227,342 @@
         </p:blipFill>
         <p:spPr>
           <a:xfrm rot="5400000">
-            <a:off x="6509002" y="1175003"/>
-            <a:ext cx="6858000" cy="4507993"/>
+            <a:off x="571500" y="1595746"/>
+            <a:ext cx="5577840" cy="3666507"/>
           </a:xfrm>
           <a:prstGeom prst="rect">
             <a:avLst/>
           </a:prstGeom>
         </p:spPr>
       </p:pic>
+      <p:sp>
+        <p:nvSpPr>
+          <p:cNvPr id="49" name="sketch line">
+            <a:extLst>
+              <a:ext uri="{FF2B5EF4-FFF2-40B4-BE49-F238E27FC236}">
+                <a16:creationId xmlns:a16="http://schemas.microsoft.com/office/drawing/2014/main" id="{953EE71A-6488-4203-A7C4-77102FD0DCCA}"/>
+              </a:ext>
+              <a:ext uri="{C183D7F6-B498-43B3-948B-1728B52AA6E4}">
+                <adec:decorative xmlns:adec="http://schemas.microsoft.com/office/drawing/2017/decorative" val="1"/>
+              </a:ext>
+            </a:extLst>
+          </p:cNvPr>
+          <p:cNvSpPr>
+            <a:spLocks noGrp="1" noRot="1" noChangeAspect="1" noMove="1" noResize="1" noEditPoints="1" noAdjustHandles="1" noChangeArrowheads="1" noChangeShapeType="1" noTextEdit="1"/>
+          </p:cNvSpPr>
+          <p:nvPr>
+            <p:extLst>
+              <p:ext uri="{386F3935-93C4-4BCD-93E2-E3B085C9AB24}">
+                <p16:designElem xmlns:p16="http://schemas.microsoft.com/office/powerpoint/2015/main" val="1"/>
+              </p:ext>
+            </p:extLst>
+          </p:nvPr>
+        </p:nvSpPr>
+        <p:spPr>
+          <a:xfrm>
+            <a:off x="6739128" y="2372868"/>
+            <a:ext cx="3255095" cy="18288"/>
+          </a:xfrm>
+          <a:custGeom>
+            <a:avLst/>
+            <a:gdLst>
+              <a:gd name="connsiteX0" fmla="*/ 0 w 3255095"/>
+              <a:gd name="connsiteY0" fmla="*/ 0 h 18288"/>
+              <a:gd name="connsiteX1" fmla="*/ 618468 w 3255095"/>
+              <a:gd name="connsiteY1" fmla="*/ 0 h 18288"/>
+              <a:gd name="connsiteX2" fmla="*/ 1269487 w 3255095"/>
+              <a:gd name="connsiteY2" fmla="*/ 0 h 18288"/>
+              <a:gd name="connsiteX3" fmla="*/ 1953057 w 3255095"/>
+              <a:gd name="connsiteY3" fmla="*/ 0 h 18288"/>
+              <a:gd name="connsiteX4" fmla="*/ 2636627 w 3255095"/>
+              <a:gd name="connsiteY4" fmla="*/ 0 h 18288"/>
+              <a:gd name="connsiteX5" fmla="*/ 3255095 w 3255095"/>
+              <a:gd name="connsiteY5" fmla="*/ 0 h 18288"/>
+              <a:gd name="connsiteX6" fmla="*/ 3255095 w 3255095"/>
+              <a:gd name="connsiteY6" fmla="*/ 18288 h 18288"/>
+              <a:gd name="connsiteX7" fmla="*/ 2538974 w 3255095"/>
+              <a:gd name="connsiteY7" fmla="*/ 18288 h 18288"/>
+              <a:gd name="connsiteX8" fmla="*/ 1822853 w 3255095"/>
+              <a:gd name="connsiteY8" fmla="*/ 18288 h 18288"/>
+              <a:gd name="connsiteX9" fmla="*/ 1171834 w 3255095"/>
+              <a:gd name="connsiteY9" fmla="*/ 18288 h 18288"/>
+              <a:gd name="connsiteX10" fmla="*/ 0 w 3255095"/>
+              <a:gd name="connsiteY10" fmla="*/ 18288 h 18288"/>
+              <a:gd name="connsiteX11" fmla="*/ 0 w 3255095"/>
+              <a:gd name="connsiteY11" fmla="*/ 0 h 18288"/>
+            </a:gdLst>
+            <a:ahLst/>
+            <a:cxnLst>
+              <a:cxn ang="0">
+                <a:pos x="connsiteX0" y="connsiteY0"/>
+              </a:cxn>
+              <a:cxn ang="0">
+                <a:pos x="connsiteX1" y="connsiteY1"/>
+              </a:cxn>
+              <a:cxn ang="0">
+                <a:pos x="connsiteX2" y="connsiteY2"/>
+              </a:cxn>
+              <a:cxn ang="0">
+                <a:pos x="connsiteX3" y="connsiteY3"/>
+              </a:cxn>
+              <a:cxn ang="0">
+                <a:pos x="connsiteX4" y="connsiteY4"/>
+              </a:cxn>
+              <a:cxn ang="0">
+                <a:pos x="connsiteX5" y="connsiteY5"/>
+              </a:cxn>
+              <a:cxn ang="0">
+                <a:pos x="connsiteX6" y="connsiteY6"/>
+              </a:cxn>
+              <a:cxn ang="0">
+                <a:pos x="connsiteX7" y="connsiteY7"/>
+              </a:cxn>
+              <a:cxn ang="0">
+                <a:pos x="connsiteX8" y="connsiteY8"/>
+              </a:cxn>
+              <a:cxn ang="0">
+                <a:pos x="connsiteX9" y="connsiteY9"/>
+              </a:cxn>
+              <a:cxn ang="0">
+                <a:pos x="connsiteX10" y="connsiteY10"/>
+              </a:cxn>
+              <a:cxn ang="0">
+                <a:pos x="connsiteX11" y="connsiteY11"/>
+              </a:cxn>
+            </a:cxnLst>
+            <a:rect l="l" t="t" r="r" b="b"/>
+            <a:pathLst>
+              <a:path w="3255095" h="18288" fill="none" extrusionOk="0">
+                <a:moveTo>
+                  <a:pt x="0" y="0"/>
+                </a:moveTo>
+                <a:cubicBezTo>
+                  <a:pt x="240201" y="-22123"/>
+                  <a:pt x="462021" y="-19623"/>
+                  <a:pt x="618468" y="0"/>
+                </a:cubicBezTo>
+                <a:cubicBezTo>
+                  <a:pt x="774915" y="19623"/>
+                  <a:pt x="974734" y="2035"/>
+                  <a:pt x="1269487" y="0"/>
+                </a:cubicBezTo>
+                <a:cubicBezTo>
+                  <a:pt x="1564240" y="-2035"/>
+                  <a:pt x="1733579" y="10639"/>
+                  <a:pt x="1953057" y="0"/>
+                </a:cubicBezTo>
+                <a:cubicBezTo>
+                  <a:pt x="2172535" y="-10639"/>
+                  <a:pt x="2453962" y="14018"/>
+                  <a:pt x="2636627" y="0"/>
+                </a:cubicBezTo>
+                <a:cubicBezTo>
+                  <a:pt x="2819292" y="-14018"/>
+                  <a:pt x="3121375" y="5399"/>
+                  <a:pt x="3255095" y="0"/>
+                </a:cubicBezTo>
+                <a:cubicBezTo>
+                  <a:pt x="3254386" y="8157"/>
+                  <a:pt x="3254682" y="12125"/>
+                  <a:pt x="3255095" y="18288"/>
+                </a:cubicBezTo>
+                <a:cubicBezTo>
+                  <a:pt x="3088545" y="23203"/>
+                  <a:pt x="2687475" y="7419"/>
+                  <a:pt x="2538974" y="18288"/>
+                </a:cubicBezTo>
+                <a:cubicBezTo>
+                  <a:pt x="2390473" y="29157"/>
+                  <a:pt x="2137381" y="-8959"/>
+                  <a:pt x="1822853" y="18288"/>
+                </a:cubicBezTo>
+                <a:cubicBezTo>
+                  <a:pt x="1508325" y="45535"/>
+                  <a:pt x="1466437" y="20385"/>
+                  <a:pt x="1171834" y="18288"/>
+                </a:cubicBezTo>
+                <a:cubicBezTo>
+                  <a:pt x="877231" y="16191"/>
+                  <a:pt x="561097" y="37643"/>
+                  <a:pt x="0" y="18288"/>
+                </a:cubicBezTo>
+                <a:cubicBezTo>
+                  <a:pt x="-46" y="12483"/>
+                  <a:pt x="-203" y="6491"/>
+                  <a:pt x="0" y="0"/>
+                </a:cubicBezTo>
+                <a:close/>
+              </a:path>
+              <a:path w="3255095" h="18288" stroke="0" extrusionOk="0">
+                <a:moveTo>
+                  <a:pt x="0" y="0"/>
+                </a:moveTo>
+                <a:cubicBezTo>
+                  <a:pt x="291965" y="19429"/>
+                  <a:pt x="363155" y="8568"/>
+                  <a:pt x="618468" y="0"/>
+                </a:cubicBezTo>
+                <a:cubicBezTo>
+                  <a:pt x="873781" y="-8568"/>
+                  <a:pt x="904459" y="-19505"/>
+                  <a:pt x="1171834" y="0"/>
+                </a:cubicBezTo>
+                <a:cubicBezTo>
+                  <a:pt x="1439209" y="19505"/>
+                  <a:pt x="1744369" y="9790"/>
+                  <a:pt x="1887955" y="0"/>
+                </a:cubicBezTo>
+                <a:cubicBezTo>
+                  <a:pt x="2031541" y="-9790"/>
+                  <a:pt x="2346378" y="21240"/>
+                  <a:pt x="2506423" y="0"/>
+                </a:cubicBezTo>
+                <a:cubicBezTo>
+                  <a:pt x="2666468" y="-21240"/>
+                  <a:pt x="2990257" y="30414"/>
+                  <a:pt x="3255095" y="0"/>
+                </a:cubicBezTo>
+                <a:cubicBezTo>
+                  <a:pt x="3254831" y="4493"/>
+                  <a:pt x="3255479" y="9472"/>
+                  <a:pt x="3255095" y="18288"/>
+                </a:cubicBezTo>
+                <a:cubicBezTo>
+                  <a:pt x="3120743" y="16690"/>
+                  <a:pt x="2759628" y="42462"/>
+                  <a:pt x="2604076" y="18288"/>
+                </a:cubicBezTo>
+                <a:cubicBezTo>
+                  <a:pt x="2448524" y="-5886"/>
+                  <a:pt x="2184336" y="19599"/>
+                  <a:pt x="1887955" y="18288"/>
+                </a:cubicBezTo>
+                <a:cubicBezTo>
+                  <a:pt x="1591574" y="16977"/>
+                  <a:pt x="1548845" y="6870"/>
+                  <a:pt x="1334589" y="18288"/>
+                </a:cubicBezTo>
+                <a:cubicBezTo>
+                  <a:pt x="1120333" y="29706"/>
+                  <a:pt x="996014" y="9662"/>
+                  <a:pt x="683570" y="18288"/>
+                </a:cubicBezTo>
+                <a:cubicBezTo>
+                  <a:pt x="371126" y="26914"/>
+                  <a:pt x="198687" y="16167"/>
+                  <a:pt x="0" y="18288"/>
+                </a:cubicBezTo>
+                <a:cubicBezTo>
+                  <a:pt x="843" y="9577"/>
+                  <a:pt x="371" y="6900"/>
+                  <a:pt x="0" y="0"/>
+                </a:cubicBezTo>
+                <a:close/>
+              </a:path>
+            </a:pathLst>
+          </a:custGeom>
+          <a:solidFill>
+            <a:schemeClr val="accent2"/>
+          </a:solidFill>
+          <a:ln w="38100" cap="rnd">
+            <a:solidFill>
+              <a:schemeClr val="accent2"/>
+            </a:solidFill>
+            <a:round/>
+            <a:extLst>
+              <a:ext uri="{C807C97D-BFC1-408E-A445-0C87EB9F89A2}">
+                <ask:lineSketchStyleProps xmlns:ask="http://schemas.microsoft.com/office/drawing/2018/sketchyshapes" sd="1219033472">
+                  <a:prstGeom prst="rect">
+                    <a:avLst/>
+                  </a:prstGeom>
+                  <ask:type>
+                    <ask:lineSketchFreehand/>
+                  </ask:type>
+                </ask:lineSketchStyleProps>
+              </a:ext>
+            </a:extLst>
+          </a:ln>
+        </p:spPr>
+        <p:style>
+          <a:lnRef idx="2">
+            <a:schemeClr val="accent1">
+              <a:shade val="50000"/>
+            </a:schemeClr>
+          </a:lnRef>
+          <a:fillRef idx="1">
+            <a:schemeClr val="accent1"/>
+          </a:fillRef>
+          <a:effectRef idx="0">
+            <a:schemeClr val="accent1"/>
+          </a:effectRef>
+          <a:fontRef idx="minor">
+            <a:schemeClr val="lt1"/>
+          </a:fontRef>
+        </p:style>
+        <p:txBody>
+          <a:bodyPr rtlCol="0" anchor="ctr"/>
+          <a:lstStyle/>
+          <a:p>
+            <a:pPr algn="ctr"/>
+            <a:endParaRPr lang="en-US"/>
+          </a:p>
+        </p:txBody>
+      </p:sp>
+      <p:sp>
+        <p:nvSpPr>
+          <p:cNvPr id="3" name="Content Placeholder 2">
+            <a:extLst>
+              <a:ext uri="{FF2B5EF4-FFF2-40B4-BE49-F238E27FC236}">
+                <a16:creationId xmlns:a16="http://schemas.microsoft.com/office/drawing/2014/main" id="{21DACDEB-6882-22BF-55E9-76D9F9E5F7B9}"/>
+              </a:ext>
+            </a:extLst>
+          </p:cNvPr>
+          <p:cNvSpPr>
+            <a:spLocks noGrp="1"/>
+          </p:cNvSpPr>
+          <p:nvPr>
+            <p:ph idx="1"/>
+          </p:nvPr>
+        </p:nvSpPr>
+        <p:spPr>
+          <a:xfrm>
+            <a:off x="6739128" y="2664886"/>
+            <a:ext cx="4818888" cy="3550789"/>
+          </a:xfrm>
+        </p:spPr>
+        <p:txBody>
+          <a:bodyPr anchor="t">
+            <a:normAutofit/>
+          </a:bodyPr>
+          <a:lstStyle/>
+          <a:p>
+            <a:r>
+              <a:rPr lang="en-US" sz="2200" dirty="0"/>
+              <a:t>Design and build a traditional flight computer for Wildcat Rocketry</a:t>
+            </a:r>
+          </a:p>
+          <a:p>
+            <a:r>
+              <a:rPr lang="en-US" sz="2200" dirty="0"/>
+              <a:t>Be able to receive data during flight.</a:t>
+            </a:r>
+          </a:p>
+          <a:p>
+            <a:r>
+              <a:rPr lang="en-US" sz="2200" dirty="0"/>
+              <a:t>Accurately display flight data via </a:t>
+            </a:r>
+            <a:r>
+              <a:rPr lang="en-US" sz="2200" dirty="0" err="1"/>
+              <a:t>WiFi</a:t>
+            </a:r>
+            <a:r>
+              <a:rPr lang="en-US" sz="2200"/>
+              <a:t> or data export USB.</a:t>
+            </a:r>
+          </a:p>
+        </p:txBody>
+      </p:sp>
     </p:spTree>
     <p:extLst>
       <p:ext uri="{BB962C8B-B14F-4D97-AF65-F5344CB8AC3E}">
@@ -24517,14 +24399,6 @@
 </file>
 
 <file path=customXml/item1.xml><?xml version="1.0" encoding="utf-8"?>
-<p:properties xmlns:p="http://schemas.microsoft.com/office/2006/metadata/properties" xmlns:xsi="http://www.w3.org/2001/XMLSchema-instance" xmlns:pc="http://schemas.microsoft.com/office/infopath/2007/PartnerControls">
-  <documentManagement>
-    <_activity xmlns="218cae68-0ddc-43bb-9a29-52a0402d6cb9" xsi:nil="true"/>
-  </documentManagement>
-</p:properties>
-</file>
-
-<file path=customXml/item2.xml><?xml version="1.0" encoding="utf-8"?>
 <ct:contentTypeSchema xmlns:ct="http://schemas.microsoft.com/office/2006/metadata/contentType" xmlns:ma="http://schemas.microsoft.com/office/2006/metadata/properties/metaAttributes" ct:_="" ma:_="" ma:contentTypeName="Document" ma:contentTypeID="0x0101009ADC84C2C2689F418E5BAD3CA70F51C1" ma:contentTypeVersion="15" ma:contentTypeDescription="Create a new document." ma:contentTypeScope="" ma:versionID="dfa36a507fa972b0dae0ef5557aeb3eb">
   <xsd:schema xmlns:xsd="http://www.w3.org/2001/XMLSchema" xmlns:xs="http://www.w3.org/2001/XMLSchema" xmlns:p="http://schemas.microsoft.com/office/2006/metadata/properties" xmlns:ns3="218cae68-0ddc-43bb-9a29-52a0402d6cb9" xmlns:ns4="703aeb73-56ce-48f3-9277-f60cff690132" targetNamespace="http://schemas.microsoft.com/office/2006/metadata/properties" ma:root="true" ma:fieldsID="cb78c5b39430d5080de0e1d97c12cd45" ns3:_="" ns4:_="">
     <xsd:import namespace="218cae68-0ddc-43bb-9a29-52a0402d6cb9"/>
@@ -24757,6 +24631,14 @@
 </ct:contentTypeSchema>
 </file>
 
+<file path=customXml/item2.xml><?xml version="1.0" encoding="utf-8"?>
+<p:properties xmlns:p="http://schemas.microsoft.com/office/2006/metadata/properties" xmlns:xsi="http://www.w3.org/2001/XMLSchema-instance" xmlns:pc="http://schemas.microsoft.com/office/infopath/2007/PartnerControls">
+  <documentManagement>
+    <_activity xmlns="218cae68-0ddc-43bb-9a29-52a0402d6cb9" xsi:nil="true"/>
+  </documentManagement>
+</p:properties>
+</file>
+
 <file path=customXml/item3.xml><?xml version="1.0" encoding="utf-8"?>
 <?mso-contentType ?>
 <FormTemplates xmlns="http://schemas.microsoft.com/sharepoint/v3/contenttype/forms">
@@ -24767,23 +24649,6 @@
 </file>
 
 <file path=customXml/itemProps1.xml><?xml version="1.0" encoding="utf-8"?>
-<ds:datastoreItem xmlns:ds="http://schemas.openxmlformats.org/officeDocument/2006/customXml" ds:itemID="{B218F515-3D1B-44A5-8439-DF0479902099}">
-  <ds:schemaRefs>
-    <ds:schemaRef ds:uri="http://purl.org/dc/dcmitype/"/>
-    <ds:schemaRef ds:uri="http://schemas.openxmlformats.org/package/2006/metadata/core-properties"/>
-    <ds:schemaRef ds:uri="http://purl.org/dc/terms/"/>
-    <ds:schemaRef ds:uri="http://www.w3.org/XML/1998/namespace"/>
-    <ds:schemaRef ds:uri="218cae68-0ddc-43bb-9a29-52a0402d6cb9"/>
-    <ds:schemaRef ds:uri="http://schemas.microsoft.com/office/2006/documentManagement/types"/>
-    <ds:schemaRef ds:uri="http://schemas.microsoft.com/office/infopath/2007/PartnerControls"/>
-    <ds:schemaRef ds:uri="703aeb73-56ce-48f3-9277-f60cff690132"/>
-    <ds:schemaRef ds:uri="http://schemas.microsoft.com/office/2006/metadata/properties"/>
-    <ds:schemaRef ds:uri="http://purl.org/dc/elements/1.1/"/>
-  </ds:schemaRefs>
-</ds:datastoreItem>
-</file>
-
-<file path=customXml/itemProps2.xml><?xml version="1.0" encoding="utf-8"?>
 <ds:datastoreItem xmlns:ds="http://schemas.openxmlformats.org/officeDocument/2006/customXml" ds:itemID="{0058B037-F10E-47D7-816C-415ABC0EB55F}">
   <ds:schemaRefs>
     <ds:schemaRef ds:uri="http://schemas.microsoft.com/office/2006/metadata/contentType"/>
@@ -24802,6 +24667,23 @@
 </ds:datastoreItem>
 </file>
 
+<file path=customXml/itemProps2.xml><?xml version="1.0" encoding="utf-8"?>
+<ds:datastoreItem xmlns:ds="http://schemas.openxmlformats.org/officeDocument/2006/customXml" ds:itemID="{B218F515-3D1B-44A5-8439-DF0479902099}">
+  <ds:schemaRefs>
+    <ds:schemaRef ds:uri="http://purl.org/dc/dcmitype/"/>
+    <ds:schemaRef ds:uri="http://schemas.openxmlformats.org/package/2006/metadata/core-properties"/>
+    <ds:schemaRef ds:uri="http://purl.org/dc/terms/"/>
+    <ds:schemaRef ds:uri="http://www.w3.org/XML/1998/namespace"/>
+    <ds:schemaRef ds:uri="218cae68-0ddc-43bb-9a29-52a0402d6cb9"/>
+    <ds:schemaRef ds:uri="http://schemas.microsoft.com/office/2006/documentManagement/types"/>
+    <ds:schemaRef ds:uri="http://schemas.microsoft.com/office/infopath/2007/PartnerControls"/>
+    <ds:schemaRef ds:uri="703aeb73-56ce-48f3-9277-f60cff690132"/>
+    <ds:schemaRef ds:uri="http://schemas.microsoft.com/office/2006/metadata/properties"/>
+    <ds:schemaRef ds:uri="http://purl.org/dc/elements/1.1/"/>
+  </ds:schemaRefs>
+</ds:datastoreItem>
+</file>
+
 <file path=customXml/itemProps3.xml><?xml version="1.0" encoding="utf-8"?>
 <ds:datastoreItem xmlns:ds="http://schemas.openxmlformats.org/officeDocument/2006/customXml" ds:itemID="{3A69843A-82BD-41BC-9CFD-7A6BCBCF50D4}">
   <ds:schemaRefs>

--- a/Documents/FInal Presentation/Final_Presentation.pptx
+++ b/Documents/FInal Presentation/Final_Presentation.pptx
@@ -13,11 +13,11 @@
     <p:sldId id="258" r:id="rId7"/>
     <p:sldId id="259" r:id="rId8"/>
     <p:sldId id="260" r:id="rId9"/>
-    <p:sldId id="261" r:id="rId10"/>
-    <p:sldId id="273" r:id="rId11"/>
-    <p:sldId id="277" r:id="rId12"/>
-    <p:sldId id="268" r:id="rId13"/>
-    <p:sldId id="276" r:id="rId14"/>
+    <p:sldId id="268" r:id="rId10"/>
+    <p:sldId id="276" r:id="rId11"/>
+    <p:sldId id="261" r:id="rId12"/>
+    <p:sldId id="273" r:id="rId13"/>
+    <p:sldId id="277" r:id="rId14"/>
     <p:sldId id="269" r:id="rId15"/>
     <p:sldId id="270" r:id="rId16"/>
     <p:sldId id="274" r:id="rId17"/>
@@ -3243,7 +3243,7 @@
           <a:p>
             <a:fld id="{C3DCE7EF-75D0-4DB7-BD1A-FC94188B4058}" type="datetimeFigureOut">
               <a:rPr lang="en-US" smtClean="0"/>
-              <a:t>12/3/2024</a:t>
+              <a:t>04-Dec-24</a:t>
             </a:fld>
             <a:endParaRPr lang="en-US"/>
           </a:p>
@@ -3674,7 +3674,7 @@
     </p:spTree>
     <p:extLst>
       <p:ext uri="{BB962C8B-B14F-4D97-AF65-F5344CB8AC3E}">
-        <p14:creationId xmlns:p14="http://schemas.microsoft.com/office/powerpoint/2010/main" val="2320828201"/>
+        <p14:creationId xmlns:p14="http://schemas.microsoft.com/office/powerpoint/2010/main" val="74830109"/>
       </p:ext>
     </p:extLst>
   </p:cSld>
@@ -4979,7 +4979,7 @@
     </p:spTree>
     <p:extLst>
       <p:ext uri="{BB962C8B-B14F-4D97-AF65-F5344CB8AC3E}">
-        <p14:creationId xmlns:p14="http://schemas.microsoft.com/office/powerpoint/2010/main" val="1885764614"/>
+        <p14:creationId xmlns:p14="http://schemas.microsoft.com/office/powerpoint/2010/main" val="1184418821"/>
       </p:ext>
     </p:extLst>
   </p:cSld>
@@ -5066,7 +5066,7 @@
     </p:spTree>
     <p:extLst>
       <p:ext uri="{BB962C8B-B14F-4D97-AF65-F5344CB8AC3E}">
-        <p14:creationId xmlns:p14="http://schemas.microsoft.com/office/powerpoint/2010/main" val="3998667000"/>
+        <p14:creationId xmlns:p14="http://schemas.microsoft.com/office/powerpoint/2010/main" val="2320828201"/>
       </p:ext>
     </p:extLst>
   </p:cSld>
@@ -5153,7 +5153,7 @@
     </p:spTree>
     <p:extLst>
       <p:ext uri="{BB962C8B-B14F-4D97-AF65-F5344CB8AC3E}">
-        <p14:creationId xmlns:p14="http://schemas.microsoft.com/office/powerpoint/2010/main" val="74830109"/>
+        <p14:creationId xmlns:p14="http://schemas.microsoft.com/office/powerpoint/2010/main" val="1885764614"/>
       </p:ext>
     </p:extLst>
   </p:cSld>
@@ -5240,7 +5240,7 @@
     </p:spTree>
     <p:extLst>
       <p:ext uri="{BB962C8B-B14F-4D97-AF65-F5344CB8AC3E}">
-        <p14:creationId xmlns:p14="http://schemas.microsoft.com/office/powerpoint/2010/main" val="1184418821"/>
+        <p14:creationId xmlns:p14="http://schemas.microsoft.com/office/powerpoint/2010/main" val="3998667000"/>
       </p:ext>
     </p:extLst>
   </p:cSld>
@@ -5397,7 +5397,7 @@
           <a:p>
             <a:fld id="{A749A21A-B890-4700-B57E-1CFFBFCC9631}" type="datetimeFigureOut">
               <a:rPr lang="en-US" smtClean="0"/>
-              <a:t>12/3/2024</a:t>
+              <a:t>04-Dec-24</a:t>
             </a:fld>
             <a:endParaRPr lang="en-US"/>
           </a:p>
@@ -5595,7 +5595,7 @@
           <a:p>
             <a:fld id="{A749A21A-B890-4700-B57E-1CFFBFCC9631}" type="datetimeFigureOut">
               <a:rPr lang="en-US" smtClean="0"/>
-              <a:t>12/3/2024</a:t>
+              <a:t>04-Dec-24</a:t>
             </a:fld>
             <a:endParaRPr lang="en-US"/>
           </a:p>
@@ -5803,7 +5803,7 @@
           <a:p>
             <a:fld id="{A749A21A-B890-4700-B57E-1CFFBFCC9631}" type="datetimeFigureOut">
               <a:rPr lang="en-US" smtClean="0"/>
-              <a:t>12/3/2024</a:t>
+              <a:t>04-Dec-24</a:t>
             </a:fld>
             <a:endParaRPr lang="en-US"/>
           </a:p>
@@ -6001,7 +6001,7 @@
           <a:p>
             <a:fld id="{A749A21A-B890-4700-B57E-1CFFBFCC9631}" type="datetimeFigureOut">
               <a:rPr lang="en-US" smtClean="0"/>
-              <a:t>12/3/2024</a:t>
+              <a:t>04-Dec-24</a:t>
             </a:fld>
             <a:endParaRPr lang="en-US"/>
           </a:p>
@@ -6276,7 +6276,7 @@
           <a:p>
             <a:fld id="{A749A21A-B890-4700-B57E-1CFFBFCC9631}" type="datetimeFigureOut">
               <a:rPr lang="en-US" smtClean="0"/>
-              <a:t>12/3/2024</a:t>
+              <a:t>04-Dec-24</a:t>
             </a:fld>
             <a:endParaRPr lang="en-US"/>
           </a:p>
@@ -6541,7 +6541,7 @@
           <a:p>
             <a:fld id="{A749A21A-B890-4700-B57E-1CFFBFCC9631}" type="datetimeFigureOut">
               <a:rPr lang="en-US" smtClean="0"/>
-              <a:t>12/3/2024</a:t>
+              <a:t>04-Dec-24</a:t>
             </a:fld>
             <a:endParaRPr lang="en-US"/>
           </a:p>
@@ -6953,7 +6953,7 @@
           <a:p>
             <a:fld id="{A749A21A-B890-4700-B57E-1CFFBFCC9631}" type="datetimeFigureOut">
               <a:rPr lang="en-US" smtClean="0"/>
-              <a:t>12/3/2024</a:t>
+              <a:t>04-Dec-24</a:t>
             </a:fld>
             <a:endParaRPr lang="en-US"/>
           </a:p>
@@ -7094,7 +7094,7 @@
           <a:p>
             <a:fld id="{A749A21A-B890-4700-B57E-1CFFBFCC9631}" type="datetimeFigureOut">
               <a:rPr lang="en-US" smtClean="0"/>
-              <a:t>12/3/2024</a:t>
+              <a:t>04-Dec-24</a:t>
             </a:fld>
             <a:endParaRPr lang="en-US"/>
           </a:p>
@@ -7207,7 +7207,7 @@
           <a:p>
             <a:fld id="{A749A21A-B890-4700-B57E-1CFFBFCC9631}" type="datetimeFigureOut">
               <a:rPr lang="en-US" smtClean="0"/>
-              <a:t>12/3/2024</a:t>
+              <a:t>04-Dec-24</a:t>
             </a:fld>
             <a:endParaRPr lang="en-US"/>
           </a:p>
@@ -7518,7 +7518,7 @@
           <a:p>
             <a:fld id="{A749A21A-B890-4700-B57E-1CFFBFCC9631}" type="datetimeFigureOut">
               <a:rPr lang="en-US" smtClean="0"/>
-              <a:t>12/3/2024</a:t>
+              <a:t>04-Dec-24</a:t>
             </a:fld>
             <a:endParaRPr lang="en-US"/>
           </a:p>
@@ -7806,7 +7806,7 @@
           <a:p>
             <a:fld id="{A749A21A-B890-4700-B57E-1CFFBFCC9631}" type="datetimeFigureOut">
               <a:rPr lang="en-US" smtClean="0"/>
-              <a:t>12/3/2024</a:t>
+              <a:t>04-Dec-24</a:t>
             </a:fld>
             <a:endParaRPr lang="en-US"/>
           </a:p>
@@ -8047,7 +8047,7 @@
           <a:p>
             <a:fld id="{A749A21A-B890-4700-B57E-1CFFBFCC9631}" type="datetimeFigureOut">
               <a:rPr lang="en-US" smtClean="0"/>
-              <a:t>12/3/2024</a:t>
+              <a:t>04-Dec-24</a:t>
             </a:fld>
             <a:endParaRPr lang="en-US"/>
           </a:p>
@@ -9100,6 +9100,14 @@
 <file path=ppt/slides/slide10.xml><?xml version="1.0" encoding="utf-8"?>
 <p:sld xmlns:a="http://schemas.openxmlformats.org/drawingml/2006/main" xmlns:r="http://schemas.openxmlformats.org/officeDocument/2006/relationships" xmlns:p="http://schemas.openxmlformats.org/presentationml/2006/main">
   <p:cSld>
+    <p:bg>
+      <p:bgPr>
+        <a:solidFill>
+          <a:schemeClr val="bg1"/>
+        </a:solidFill>
+        <a:effectLst/>
+      </p:bgPr>
+    </p:bg>
     <p:spTree>
       <p:nvGrpSpPr>
         <p:cNvPr id="1" name=""/>
@@ -9114,80 +9122,31 @@
           <a:chExt cx="0" cy="0"/>
         </a:xfrm>
       </p:grpSpPr>
-      <p:sp>
-        <p:nvSpPr>
-          <p:cNvPr id="2" name="Title 1">
+      <p:pic>
+        <p:nvPicPr>
+          <p:cNvPr id="4" name="Content Placeholder 3" descr="A computer screen shot of a circuit&#10;&#10;Description automatically generated">
             <a:extLst>
               <a:ext uri="{FF2B5EF4-FFF2-40B4-BE49-F238E27FC236}">
-                <a16:creationId xmlns:a16="http://schemas.microsoft.com/office/drawing/2014/main" id="{C165C2DD-EDA6-8488-10F1-2395F52AFE71}"/>
-              </a:ext>
-            </a:extLst>
-          </p:cNvPr>
-          <p:cNvSpPr>
-            <a:spLocks noGrp="1"/>
-          </p:cNvSpPr>
-          <p:nvPr>
-            <p:ph type="title"/>
-          </p:nvPr>
-        </p:nvSpPr>
-        <p:spPr/>
-        <p:txBody>
-          <a:bodyPr/>
-          <a:lstStyle/>
-          <a:p>
-            <a:endParaRPr lang="en-US"/>
-          </a:p>
-        </p:txBody>
-      </p:sp>
-      <p:sp>
-        <p:nvSpPr>
-          <p:cNvPr id="3" name="Content Placeholder 2">
-            <a:extLst>
-              <a:ext uri="{FF2B5EF4-FFF2-40B4-BE49-F238E27FC236}">
-                <a16:creationId xmlns:a16="http://schemas.microsoft.com/office/drawing/2014/main" id="{3E9FD559-B073-D481-7628-51261A022A10}"/>
-              </a:ext>
-            </a:extLst>
-          </p:cNvPr>
-          <p:cNvSpPr>
-            <a:spLocks noGrp="1"/>
-          </p:cNvSpPr>
-          <p:nvPr>
-            <p:ph idx="1"/>
-          </p:nvPr>
-        </p:nvSpPr>
-        <p:spPr/>
-        <p:txBody>
-          <a:bodyPr/>
-          <a:lstStyle/>
-          <a:p>
-            <a:endParaRPr lang="en-US"/>
-          </a:p>
-        </p:txBody>
-      </p:sp>
-      <p:pic>
-        <p:nvPicPr>
-          <p:cNvPr id="4" name="Picture 3" descr="A computer screen shot of a diagram&#10;&#10;Description automatically generated">
-            <a:extLst>
-              <a:ext uri="{FF2B5EF4-FFF2-40B4-BE49-F238E27FC236}">
-                <a16:creationId xmlns:a16="http://schemas.microsoft.com/office/drawing/2014/main" id="{4711F19B-43F3-3C14-D1A9-EC610D06B88B}"/>
+                <a16:creationId xmlns:a16="http://schemas.microsoft.com/office/drawing/2014/main" id="{F752718D-71AA-0A27-1F24-5862ED09A5E7}"/>
               </a:ext>
             </a:extLst>
           </p:cNvPr>
           <p:cNvPicPr>
-            <a:picLocks noChangeAspect="1"/>
+            <a:picLocks noGrp="1" noChangeAspect="1"/>
           </p:cNvPicPr>
-          <p:nvPr/>
+          <p:nvPr>
+            <p:ph idx="1"/>
+          </p:nvPr>
         </p:nvPicPr>
         <p:blipFill>
           <a:blip r:embed="rId3"/>
-          <a:stretch>
-            <a:fillRect/>
-          </a:stretch>
+          <a:srcRect t="5495" r="-2" b="3089"/>
+          <a:stretch/>
         </p:blipFill>
         <p:spPr>
           <a:xfrm>
-            <a:off x="0" y="-1"/>
-            <a:ext cx="12192000" cy="6860521"/>
+            <a:off x="-6588" y="10"/>
+            <a:ext cx="12198588" cy="6857990"/>
           </a:xfrm>
           <a:prstGeom prst="rect">
             <a:avLst/>
@@ -9197,7 +9156,7 @@
     </p:spTree>
     <p:extLst>
       <p:ext uri="{BB962C8B-B14F-4D97-AF65-F5344CB8AC3E}">
-        <p14:creationId xmlns:p14="http://schemas.microsoft.com/office/powerpoint/2010/main" val="2762645782"/>
+        <p14:creationId xmlns:p14="http://schemas.microsoft.com/office/powerpoint/2010/main" val="2330902240"/>
       </p:ext>
     </p:extLst>
   </p:cSld>
@@ -20625,38 +20584,6 @@
           </a:p>
         </p:txBody>
       </p:sp>
-      <p:sp>
-        <p:nvSpPr>
-          <p:cNvPr id="3" name="Content Placeholder 2">
-            <a:extLst>
-              <a:ext uri="{FF2B5EF4-FFF2-40B4-BE49-F238E27FC236}">
-                <a16:creationId xmlns:a16="http://schemas.microsoft.com/office/drawing/2014/main" id="{59978E47-FDEB-3871-8686-CA2C98618F31}"/>
-              </a:ext>
-            </a:extLst>
-          </p:cNvPr>
-          <p:cNvSpPr>
-            <a:spLocks noGrp="1"/>
-          </p:cNvSpPr>
-          <p:nvPr>
-            <p:ph idx="1"/>
-          </p:nvPr>
-        </p:nvSpPr>
-        <p:spPr>
-          <a:xfrm>
-            <a:off x="838200" y="1929384"/>
-            <a:ext cx="10515600" cy="4251960"/>
-          </a:xfrm>
-        </p:spPr>
-        <p:txBody>
-          <a:bodyPr>
-            <a:normAutofit/>
-          </a:bodyPr>
-          <a:lstStyle/>
-          <a:p>
-            <a:endParaRPr lang="en-US" sz="2200" dirty="0"/>
-          </a:p>
-        </p:txBody>
-      </p:sp>
       <p:graphicFrame>
         <p:nvGraphicFramePr>
           <p:cNvPr id="4" name="Content Placeholder 11">
@@ -20672,13 +20599,13 @@
           <p:nvPr>
             <p:extLst>
               <p:ext uri="{D42A27DB-BD31-4B8C-83A1-F6EECF244321}">
-                <p14:modId xmlns:p14="http://schemas.microsoft.com/office/powerpoint/2010/main" val="2767000537"/>
+                <p14:modId xmlns:p14="http://schemas.microsoft.com/office/powerpoint/2010/main" val="2802832312"/>
               </p:ext>
             </p:extLst>
           </p:nvPr>
         </p:nvGraphicFramePr>
         <p:xfrm>
-          <a:off x="838200" y="1929384"/>
+          <a:off x="938944" y="1839542"/>
           <a:ext cx="10311063" cy="4403971"/>
         </p:xfrm>
         <a:graphic>
@@ -20951,14 +20878,14 @@
                     <a:p>
                       <a:pPr algn="l" fontAlgn="b"/>
                       <a:r>
-                        <a:rPr lang="en-US" sz="1800" b="0" i="0" u="none" strike="noStrike">
+                        <a:rPr lang="en-US" sz="1800" b="0" i="0" u="none" strike="noStrike" dirty="0">
                           <a:solidFill>
                             <a:srgbClr val="000000"/>
                           </a:solidFill>
                           <a:effectLst/>
                           <a:latin typeface="Aptos Narrow" panose="020B0004020202020204" pitchFamily="34" charset="0"/>
                         </a:rPr>
-                        <a:t>2S LiPo</a:t>
+                        <a:t>1S LiPo</a:t>
                       </a:r>
                     </a:p>
                   </a:txBody>
@@ -22299,1251 +22226,6 @@
     </p:bg>
     <p:spTree>
       <p:nvGrpSpPr>
-        <p:cNvPr id="1" name=""/>
-        <p:cNvGrpSpPr/>
-        <p:nvPr/>
-      </p:nvGrpSpPr>
-      <p:grpSpPr>
-        <a:xfrm>
-          <a:off x="0" y="0"/>
-          <a:ext cx="0" cy="0"/>
-          <a:chOff x="0" y="0"/>
-          <a:chExt cx="0" cy="0"/>
-        </a:xfrm>
-      </p:grpSpPr>
-      <p:sp useBgFill="1">
-        <p:nvSpPr>
-          <p:cNvPr id="22" name="Rectangle 21">
-            <a:extLst>
-              <a:ext uri="{FF2B5EF4-FFF2-40B4-BE49-F238E27FC236}">
-                <a16:creationId xmlns:a16="http://schemas.microsoft.com/office/drawing/2014/main" id="{A8908DB7-C3A6-4FCB-9820-CEE02B398C4A}"/>
-              </a:ext>
-              <a:ext uri="{C183D7F6-B498-43B3-948B-1728B52AA6E4}">
-                <adec:decorative xmlns:adec="http://schemas.microsoft.com/office/drawing/2017/decorative" val="1"/>
-              </a:ext>
-            </a:extLst>
-          </p:cNvPr>
-          <p:cNvSpPr>
-            <a:spLocks noGrp="1" noRot="1" noChangeAspect="1" noMove="1" noResize="1" noEditPoints="1" noAdjustHandles="1" noChangeArrowheads="1" noChangeShapeType="1" noTextEdit="1"/>
-          </p:cNvSpPr>
-          <p:nvPr>
-            <p:extLst>
-              <p:ext uri="{386F3935-93C4-4BCD-93E2-E3B085C9AB24}">
-                <p16:designElem xmlns:p16="http://schemas.microsoft.com/office/powerpoint/2015/main" val="1"/>
-              </p:ext>
-            </p:extLst>
-          </p:nvPr>
-        </p:nvSpPr>
-        <p:spPr>
-          <a:xfrm>
-            <a:off x="0" y="0"/>
-            <a:ext cx="12192000" cy="6858000"/>
-          </a:xfrm>
-          <a:prstGeom prst="rect">
-            <a:avLst/>
-          </a:prstGeom>
-          <a:ln>
-            <a:noFill/>
-          </a:ln>
-        </p:spPr>
-        <p:style>
-          <a:lnRef idx="2">
-            <a:schemeClr val="accent1">
-              <a:shade val="50000"/>
-            </a:schemeClr>
-          </a:lnRef>
-          <a:fillRef idx="1">
-            <a:schemeClr val="accent1"/>
-          </a:fillRef>
-          <a:effectRef idx="0">
-            <a:schemeClr val="accent1"/>
-          </a:effectRef>
-          <a:fontRef idx="minor">
-            <a:schemeClr val="lt1"/>
-          </a:fontRef>
-        </p:style>
-        <p:txBody>
-          <a:bodyPr rtlCol="0" anchor="ctr"/>
-          <a:lstStyle/>
-          <a:p>
-            <a:pPr algn="ctr"/>
-            <a:endParaRPr lang="en-US"/>
-          </a:p>
-        </p:txBody>
-      </p:sp>
-      <p:sp>
-        <p:nvSpPr>
-          <p:cNvPr id="2" name="Title 1">
-            <a:extLst>
-              <a:ext uri="{FF2B5EF4-FFF2-40B4-BE49-F238E27FC236}">
-                <a16:creationId xmlns:a16="http://schemas.microsoft.com/office/drawing/2014/main" id="{94FFAA24-6B9D-AC0B-D569-A5E35BB2F736}"/>
-              </a:ext>
-            </a:extLst>
-          </p:cNvPr>
-          <p:cNvSpPr>
-            <a:spLocks noGrp="1"/>
-          </p:cNvSpPr>
-          <p:nvPr>
-            <p:ph type="title"/>
-          </p:nvPr>
-        </p:nvSpPr>
-        <p:spPr>
-          <a:xfrm>
-            <a:off x="630936" y="640823"/>
-            <a:ext cx="3419856" cy="5583148"/>
-          </a:xfrm>
-        </p:spPr>
-        <p:txBody>
-          <a:bodyPr anchor="ctr">
-            <a:normAutofit/>
-          </a:bodyPr>
-          <a:lstStyle/>
-          <a:p>
-            <a:r>
-              <a:rPr lang="en-US" sz="5400"/>
-              <a:t>Approach - Power Efficiency </a:t>
-            </a:r>
-          </a:p>
-        </p:txBody>
-      </p:sp>
-      <p:sp>
-        <p:nvSpPr>
-          <p:cNvPr id="24" name="sketch line">
-            <a:extLst>
-              <a:ext uri="{FF2B5EF4-FFF2-40B4-BE49-F238E27FC236}">
-                <a16:creationId xmlns:a16="http://schemas.microsoft.com/office/drawing/2014/main" id="{535742DD-1B16-4E9D-B715-0D74B4574A68}"/>
-              </a:ext>
-              <a:ext uri="{C183D7F6-B498-43B3-948B-1728B52AA6E4}">
-                <adec:decorative xmlns:adec="http://schemas.microsoft.com/office/drawing/2017/decorative" val="1"/>
-              </a:ext>
-            </a:extLst>
-          </p:cNvPr>
-          <p:cNvSpPr>
-            <a:spLocks noGrp="1" noRot="1" noChangeAspect="1" noMove="1" noResize="1" noEditPoints="1" noAdjustHandles="1" noChangeArrowheads="1" noChangeShapeType="1" noTextEdit="1"/>
-          </p:cNvSpPr>
-          <p:nvPr>
-            <p:extLst>
-              <p:ext uri="{386F3935-93C4-4BCD-93E2-E3B085C9AB24}">
-                <p16:designElem xmlns:p16="http://schemas.microsoft.com/office/powerpoint/2015/main" val="1"/>
-              </p:ext>
-            </p:extLst>
-          </p:nvPr>
-        </p:nvSpPr>
-        <p:spPr>
-          <a:xfrm flipH="1">
-            <a:off x="4267200" y="630936"/>
-            <a:ext cx="18288" cy="5590381"/>
-          </a:xfrm>
-          <a:custGeom>
-            <a:avLst/>
-            <a:gdLst>
-              <a:gd name="connsiteX0" fmla="*/ 0 w 18288"/>
-              <a:gd name="connsiteY0" fmla="*/ 0 h 5590381"/>
-              <a:gd name="connsiteX1" fmla="*/ 18288 w 18288"/>
-              <a:gd name="connsiteY1" fmla="*/ 0 h 5590381"/>
-              <a:gd name="connsiteX2" fmla="*/ 18288 w 18288"/>
-              <a:gd name="connsiteY2" fmla="*/ 754701 h 5590381"/>
-              <a:gd name="connsiteX3" fmla="*/ 18288 w 18288"/>
-              <a:gd name="connsiteY3" fmla="*/ 1565307 h 5590381"/>
-              <a:gd name="connsiteX4" fmla="*/ 18288 w 18288"/>
-              <a:gd name="connsiteY4" fmla="*/ 2152297 h 5590381"/>
-              <a:gd name="connsiteX5" fmla="*/ 18288 w 18288"/>
-              <a:gd name="connsiteY5" fmla="*/ 2906998 h 5590381"/>
-              <a:gd name="connsiteX6" fmla="*/ 18288 w 18288"/>
-              <a:gd name="connsiteY6" fmla="*/ 3549892 h 5590381"/>
-              <a:gd name="connsiteX7" fmla="*/ 18288 w 18288"/>
-              <a:gd name="connsiteY7" fmla="*/ 4080978 h 5590381"/>
-              <a:gd name="connsiteX8" fmla="*/ 18288 w 18288"/>
-              <a:gd name="connsiteY8" fmla="*/ 4835680 h 5590381"/>
-              <a:gd name="connsiteX9" fmla="*/ 18288 w 18288"/>
-              <a:gd name="connsiteY9" fmla="*/ 5590381 h 5590381"/>
-              <a:gd name="connsiteX10" fmla="*/ 0 w 18288"/>
-              <a:gd name="connsiteY10" fmla="*/ 5590381 h 5590381"/>
-              <a:gd name="connsiteX11" fmla="*/ 0 w 18288"/>
-              <a:gd name="connsiteY11" fmla="*/ 4835680 h 5590381"/>
-              <a:gd name="connsiteX12" fmla="*/ 0 w 18288"/>
-              <a:gd name="connsiteY12" fmla="*/ 4304593 h 5590381"/>
-              <a:gd name="connsiteX13" fmla="*/ 0 w 18288"/>
-              <a:gd name="connsiteY13" fmla="*/ 3773507 h 5590381"/>
-              <a:gd name="connsiteX14" fmla="*/ 0 w 18288"/>
-              <a:gd name="connsiteY14" fmla="*/ 3186517 h 5590381"/>
-              <a:gd name="connsiteX15" fmla="*/ 0 w 18288"/>
-              <a:gd name="connsiteY15" fmla="*/ 2487720 h 5590381"/>
-              <a:gd name="connsiteX16" fmla="*/ 0 w 18288"/>
-              <a:gd name="connsiteY16" fmla="*/ 1956633 h 5590381"/>
-              <a:gd name="connsiteX17" fmla="*/ 0 w 18288"/>
-              <a:gd name="connsiteY17" fmla="*/ 1425547 h 5590381"/>
-              <a:gd name="connsiteX18" fmla="*/ 0 w 18288"/>
-              <a:gd name="connsiteY18" fmla="*/ 614942 h 5590381"/>
-              <a:gd name="connsiteX19" fmla="*/ 0 w 18288"/>
-              <a:gd name="connsiteY19" fmla="*/ 0 h 5590381"/>
-            </a:gdLst>
-            <a:ahLst/>
-            <a:cxnLst>
-              <a:cxn ang="0">
-                <a:pos x="connsiteX0" y="connsiteY0"/>
-              </a:cxn>
-              <a:cxn ang="0">
-                <a:pos x="connsiteX1" y="connsiteY1"/>
-              </a:cxn>
-              <a:cxn ang="0">
-                <a:pos x="connsiteX2" y="connsiteY2"/>
-              </a:cxn>
-              <a:cxn ang="0">
-                <a:pos x="connsiteX3" y="connsiteY3"/>
-              </a:cxn>
-              <a:cxn ang="0">
-                <a:pos x="connsiteX4" y="connsiteY4"/>
-              </a:cxn>
-              <a:cxn ang="0">
-                <a:pos x="connsiteX5" y="connsiteY5"/>
-              </a:cxn>
-              <a:cxn ang="0">
-                <a:pos x="connsiteX6" y="connsiteY6"/>
-              </a:cxn>
-              <a:cxn ang="0">
-                <a:pos x="connsiteX7" y="connsiteY7"/>
-              </a:cxn>
-              <a:cxn ang="0">
-                <a:pos x="connsiteX8" y="connsiteY8"/>
-              </a:cxn>
-              <a:cxn ang="0">
-                <a:pos x="connsiteX9" y="connsiteY9"/>
-              </a:cxn>
-              <a:cxn ang="0">
-                <a:pos x="connsiteX10" y="connsiteY10"/>
-              </a:cxn>
-              <a:cxn ang="0">
-                <a:pos x="connsiteX11" y="connsiteY11"/>
-              </a:cxn>
-              <a:cxn ang="0">
-                <a:pos x="connsiteX12" y="connsiteY12"/>
-              </a:cxn>
-              <a:cxn ang="0">
-                <a:pos x="connsiteX13" y="connsiteY13"/>
-              </a:cxn>
-              <a:cxn ang="0">
-                <a:pos x="connsiteX14" y="connsiteY14"/>
-              </a:cxn>
-              <a:cxn ang="0">
-                <a:pos x="connsiteX15" y="connsiteY15"/>
-              </a:cxn>
-              <a:cxn ang="0">
-                <a:pos x="connsiteX16" y="connsiteY16"/>
-              </a:cxn>
-              <a:cxn ang="0">
-                <a:pos x="connsiteX17" y="connsiteY17"/>
-              </a:cxn>
-              <a:cxn ang="0">
-                <a:pos x="connsiteX18" y="connsiteY18"/>
-              </a:cxn>
-              <a:cxn ang="0">
-                <a:pos x="connsiteX19" y="connsiteY19"/>
-              </a:cxn>
-            </a:cxnLst>
-            <a:rect l="l" t="t" r="r" b="b"/>
-            <a:pathLst>
-              <a:path w="18288" h="5590381" fill="none" extrusionOk="0">
-                <a:moveTo>
-                  <a:pt x="0" y="0"/>
-                </a:moveTo>
-                <a:cubicBezTo>
-                  <a:pt x="7726" y="-435"/>
-                  <a:pt x="14198" y="437"/>
-                  <a:pt x="18288" y="0"/>
-                </a:cubicBezTo>
-                <a:cubicBezTo>
-                  <a:pt x="-5226" y="225076"/>
-                  <a:pt x="46275" y="562283"/>
-                  <a:pt x="18288" y="754701"/>
-                </a:cubicBezTo>
-                <a:cubicBezTo>
-                  <a:pt x="-9699" y="947119"/>
-                  <a:pt x="30081" y="1239251"/>
-                  <a:pt x="18288" y="1565307"/>
-                </a:cubicBezTo>
-                <a:cubicBezTo>
-                  <a:pt x="6495" y="1891363"/>
-                  <a:pt x="7160" y="1999140"/>
-                  <a:pt x="18288" y="2152297"/>
-                </a:cubicBezTo>
-                <a:cubicBezTo>
-                  <a:pt x="29417" y="2305454"/>
-                  <a:pt x="28705" y="2598333"/>
-                  <a:pt x="18288" y="2906998"/>
-                </a:cubicBezTo>
-                <a:cubicBezTo>
-                  <a:pt x="7871" y="3215663"/>
-                  <a:pt x="35263" y="3327412"/>
-                  <a:pt x="18288" y="3549892"/>
-                </a:cubicBezTo>
-                <a:cubicBezTo>
-                  <a:pt x="1313" y="3772372"/>
-                  <a:pt x="38561" y="3843836"/>
-                  <a:pt x="18288" y="4080978"/>
-                </a:cubicBezTo>
-                <a:cubicBezTo>
-                  <a:pt x="-1985" y="4318120"/>
-                  <a:pt x="-3806" y="4511166"/>
-                  <a:pt x="18288" y="4835680"/>
-                </a:cubicBezTo>
-                <a:cubicBezTo>
-                  <a:pt x="40382" y="5160194"/>
-                  <a:pt x="-13070" y="5401748"/>
-                  <a:pt x="18288" y="5590381"/>
-                </a:cubicBezTo>
-                <a:cubicBezTo>
-                  <a:pt x="12010" y="5589863"/>
-                  <a:pt x="6799" y="5589982"/>
-                  <a:pt x="0" y="5590381"/>
-                </a:cubicBezTo>
-                <a:cubicBezTo>
-                  <a:pt x="-6480" y="5250523"/>
-                  <a:pt x="-32148" y="5052531"/>
-                  <a:pt x="0" y="4835680"/>
-                </a:cubicBezTo>
-                <a:cubicBezTo>
-                  <a:pt x="32148" y="4618829"/>
-                  <a:pt x="5352" y="4496374"/>
-                  <a:pt x="0" y="4304593"/>
-                </a:cubicBezTo>
-                <a:cubicBezTo>
-                  <a:pt x="-5352" y="4112812"/>
-                  <a:pt x="9645" y="3919423"/>
-                  <a:pt x="0" y="3773507"/>
-                </a:cubicBezTo>
-                <a:cubicBezTo>
-                  <a:pt x="-9645" y="3627591"/>
-                  <a:pt x="-10654" y="3330687"/>
-                  <a:pt x="0" y="3186517"/>
-                </a:cubicBezTo>
-                <a:cubicBezTo>
-                  <a:pt x="10654" y="3042347"/>
-                  <a:pt x="18181" y="2635923"/>
-                  <a:pt x="0" y="2487720"/>
-                </a:cubicBezTo>
-                <a:cubicBezTo>
-                  <a:pt x="-18181" y="2339517"/>
-                  <a:pt x="-7947" y="2113537"/>
-                  <a:pt x="0" y="1956633"/>
-                </a:cubicBezTo>
-                <a:cubicBezTo>
-                  <a:pt x="7947" y="1799729"/>
-                  <a:pt x="-15145" y="1657735"/>
-                  <a:pt x="0" y="1425547"/>
-                </a:cubicBezTo>
-                <a:cubicBezTo>
-                  <a:pt x="15145" y="1193359"/>
-                  <a:pt x="-23832" y="948054"/>
-                  <a:pt x="0" y="614942"/>
-                </a:cubicBezTo>
-                <a:cubicBezTo>
-                  <a:pt x="23832" y="281831"/>
-                  <a:pt x="2816" y="129878"/>
-                  <a:pt x="0" y="0"/>
-                </a:cubicBezTo>
-                <a:close/>
-              </a:path>
-              <a:path w="18288" h="5590381" stroke="0" extrusionOk="0">
-                <a:moveTo>
-                  <a:pt x="0" y="0"/>
-                </a:moveTo>
-                <a:cubicBezTo>
-                  <a:pt x="5871" y="848"/>
-                  <a:pt x="11713" y="-200"/>
-                  <a:pt x="18288" y="0"/>
-                </a:cubicBezTo>
-                <a:cubicBezTo>
-                  <a:pt x="41141" y="165299"/>
-                  <a:pt x="3613" y="427555"/>
-                  <a:pt x="18288" y="698798"/>
-                </a:cubicBezTo>
-                <a:cubicBezTo>
-                  <a:pt x="32963" y="970041"/>
-                  <a:pt x="19680" y="1226199"/>
-                  <a:pt x="18288" y="1397595"/>
-                </a:cubicBezTo>
-                <a:cubicBezTo>
-                  <a:pt x="16896" y="1568991"/>
-                  <a:pt x="38798" y="1794517"/>
-                  <a:pt x="18288" y="2152297"/>
-                </a:cubicBezTo>
-                <a:cubicBezTo>
-                  <a:pt x="-2222" y="2510077"/>
-                  <a:pt x="40846" y="2594424"/>
-                  <a:pt x="18288" y="2739287"/>
-                </a:cubicBezTo>
-                <a:cubicBezTo>
-                  <a:pt x="-4270" y="2884150"/>
-                  <a:pt x="27117" y="3129706"/>
-                  <a:pt x="18288" y="3493988"/>
-                </a:cubicBezTo>
-                <a:cubicBezTo>
-                  <a:pt x="9459" y="3858270"/>
-                  <a:pt x="54201" y="4041447"/>
-                  <a:pt x="18288" y="4304593"/>
-                </a:cubicBezTo>
-                <a:cubicBezTo>
-                  <a:pt x="-17625" y="4567740"/>
-                  <a:pt x="49627" y="5149125"/>
-                  <a:pt x="18288" y="5590381"/>
-                </a:cubicBezTo>
-                <a:cubicBezTo>
-                  <a:pt x="10860" y="5590744"/>
-                  <a:pt x="7568" y="5590157"/>
-                  <a:pt x="0" y="5590381"/>
-                </a:cubicBezTo>
-                <a:cubicBezTo>
-                  <a:pt x="36767" y="5266821"/>
-                  <a:pt x="-16223" y="5116146"/>
-                  <a:pt x="0" y="4835680"/>
-                </a:cubicBezTo>
-                <a:cubicBezTo>
-                  <a:pt x="16223" y="4555214"/>
-                  <a:pt x="-16316" y="4356490"/>
-                  <a:pt x="0" y="4136882"/>
-                </a:cubicBezTo>
-                <a:cubicBezTo>
-                  <a:pt x="16316" y="3917274"/>
-                  <a:pt x="8005" y="3773465"/>
-                  <a:pt x="0" y="3549892"/>
-                </a:cubicBezTo>
-                <a:cubicBezTo>
-                  <a:pt x="-8005" y="3326319"/>
-                  <a:pt x="27623" y="3052456"/>
-                  <a:pt x="0" y="2851094"/>
-                </a:cubicBezTo>
-                <a:cubicBezTo>
-                  <a:pt x="-27623" y="2649732"/>
-                  <a:pt x="5614" y="2455815"/>
-                  <a:pt x="0" y="2264104"/>
-                </a:cubicBezTo>
-                <a:cubicBezTo>
-                  <a:pt x="-5614" y="2072393"/>
-                  <a:pt x="22598" y="1990723"/>
-                  <a:pt x="0" y="1733018"/>
-                </a:cubicBezTo>
-                <a:cubicBezTo>
-                  <a:pt x="-22598" y="1475313"/>
-                  <a:pt x="-6965" y="1369123"/>
-                  <a:pt x="0" y="1090124"/>
-                </a:cubicBezTo>
-                <a:cubicBezTo>
-                  <a:pt x="6965" y="811125"/>
-                  <a:pt x="-19273" y="507044"/>
-                  <a:pt x="0" y="0"/>
-                </a:cubicBezTo>
-                <a:close/>
-              </a:path>
-            </a:pathLst>
-          </a:custGeom>
-          <a:solidFill>
-            <a:schemeClr val="accent2"/>
-          </a:solidFill>
-          <a:ln w="41275" cap="rnd">
-            <a:solidFill>
-              <a:schemeClr val="accent2"/>
-            </a:solidFill>
-            <a:round/>
-            <a:extLst>
-              <a:ext uri="{C807C97D-BFC1-408E-A445-0C87EB9F89A2}">
-                <ask:lineSketchStyleProps xmlns:ask="http://schemas.microsoft.com/office/drawing/2018/sketchyshapes" sd="3114097614">
-                  <a:prstGeom prst="rect">
-                    <a:avLst/>
-                  </a:prstGeom>
-                  <ask:type>
-                    <ask:lineSketchFreehand/>
-                  </ask:type>
-                </ask:lineSketchStyleProps>
-              </a:ext>
-            </a:extLst>
-          </a:ln>
-        </p:spPr>
-        <p:style>
-          <a:lnRef idx="2">
-            <a:schemeClr val="accent1">
-              <a:shade val="50000"/>
-            </a:schemeClr>
-          </a:lnRef>
-          <a:fillRef idx="1">
-            <a:schemeClr val="accent1"/>
-          </a:fillRef>
-          <a:effectRef idx="0">
-            <a:schemeClr val="accent1"/>
-          </a:effectRef>
-          <a:fontRef idx="minor">
-            <a:schemeClr val="lt1"/>
-          </a:fontRef>
-        </p:style>
-        <p:txBody>
-          <a:bodyPr rtlCol="0" anchor="ctr"/>
-          <a:lstStyle/>
-          <a:p>
-            <a:pPr algn="ctr"/>
-            <a:endParaRPr lang="en-US"/>
-          </a:p>
-        </p:txBody>
-      </p:sp>
-      <p:pic>
-        <p:nvPicPr>
-          <p:cNvPr id="7" name="Picture 6">
-            <a:extLst>
-              <a:ext uri="{FF2B5EF4-FFF2-40B4-BE49-F238E27FC236}">
-                <a16:creationId xmlns:a16="http://schemas.microsoft.com/office/drawing/2014/main" id="{CB7A0C0B-ECD3-ABAC-800E-86B4F6A9FD48}"/>
-              </a:ext>
-            </a:extLst>
-          </p:cNvPr>
-          <p:cNvPicPr>
-            <a:picLocks noChangeAspect="1"/>
-          </p:cNvPicPr>
-          <p:nvPr/>
-        </p:nvPicPr>
-        <p:blipFill>
-          <a:blip r:embed="rId3"/>
-          <a:stretch>
-            <a:fillRect/>
-          </a:stretch>
-        </p:blipFill>
-        <p:spPr>
-          <a:xfrm>
-            <a:off x="4654296" y="993381"/>
-            <a:ext cx="6894576" cy="3188741"/>
-          </a:xfrm>
-          <a:prstGeom prst="rect">
-            <a:avLst/>
-          </a:prstGeom>
-        </p:spPr>
-      </p:pic>
-      <p:sp>
-        <p:nvSpPr>
-          <p:cNvPr id="3" name="Content Placeholder 2">
-            <a:extLst>
-              <a:ext uri="{FF2B5EF4-FFF2-40B4-BE49-F238E27FC236}">
-                <a16:creationId xmlns:a16="http://schemas.microsoft.com/office/drawing/2014/main" id="{28BAEAAB-DF37-F36D-766F-8413B96803B1}"/>
-              </a:ext>
-            </a:extLst>
-          </p:cNvPr>
-          <p:cNvSpPr>
-            <a:spLocks noGrp="1"/>
-          </p:cNvSpPr>
-          <p:nvPr>
-            <p:ph idx="1"/>
-          </p:nvPr>
-        </p:nvSpPr>
-        <p:spPr>
-          <a:xfrm>
-            <a:off x="4654296" y="4798577"/>
-            <a:ext cx="6894576" cy="1428487"/>
-          </a:xfrm>
-        </p:spPr>
-        <p:txBody>
-          <a:bodyPr anchor="t">
-            <a:normAutofit/>
-          </a:bodyPr>
-          <a:lstStyle/>
-          <a:p>
-            <a:r>
-              <a:rPr lang="en-US" sz="1700"/>
-              <a:t>Limited consideration for Sensor Test Board</a:t>
-            </a:r>
-          </a:p>
-          <a:p>
-            <a:r>
-              <a:rPr lang="en-US" sz="1700"/>
-              <a:t>Currently using Ultra Low Dropout Linear Regulator </a:t>
-            </a:r>
-          </a:p>
-          <a:p>
-            <a:r>
-              <a:rPr lang="en-US" sz="1700"/>
-              <a:t>Once we have power consumption of sensor test board the need for a Switching Mode Power Supply (SMPS) Topology will be explored.</a:t>
-            </a:r>
-          </a:p>
-        </p:txBody>
-      </p:sp>
-    </p:spTree>
-    <p:extLst>
-      <p:ext uri="{BB962C8B-B14F-4D97-AF65-F5344CB8AC3E}">
-        <p14:creationId xmlns:p14="http://schemas.microsoft.com/office/powerpoint/2010/main" val="17445567"/>
-      </p:ext>
-    </p:extLst>
-  </p:cSld>
-  <p:clrMapOvr>
-    <a:masterClrMapping/>
-  </p:clrMapOvr>
-</p:sld>
-</file>
-
-<file path=ppt/slides/slide7.xml><?xml version="1.0" encoding="utf-8"?>
-<p:sld xmlns:a="http://schemas.openxmlformats.org/drawingml/2006/main" xmlns:r="http://schemas.openxmlformats.org/officeDocument/2006/relationships" xmlns:p="http://schemas.openxmlformats.org/presentationml/2006/main">
-  <p:cSld>
-    <p:bg>
-      <p:bgPr>
-        <a:solidFill>
-          <a:schemeClr val="bg1"/>
-        </a:solidFill>
-        <a:effectLst/>
-      </p:bgPr>
-    </p:bg>
-    <p:spTree>
-      <p:nvGrpSpPr>
-        <p:cNvPr id="1" name=""/>
-        <p:cNvGrpSpPr/>
-        <p:nvPr/>
-      </p:nvGrpSpPr>
-      <p:grpSpPr>
-        <a:xfrm>
-          <a:off x="0" y="0"/>
-          <a:ext cx="0" cy="0"/>
-          <a:chOff x="0" y="0"/>
-          <a:chExt cx="0" cy="0"/>
-        </a:xfrm>
-      </p:grpSpPr>
-      <p:sp useBgFill="1">
-        <p:nvSpPr>
-          <p:cNvPr id="1031" name="Rectangle 1030">
-            <a:extLst>
-              <a:ext uri="{FF2B5EF4-FFF2-40B4-BE49-F238E27FC236}">
-                <a16:creationId xmlns:a16="http://schemas.microsoft.com/office/drawing/2014/main" id="{352BEC0E-22F8-46D0-9632-375DB541B06C}"/>
-              </a:ext>
-              <a:ext uri="{C183D7F6-B498-43B3-948B-1728B52AA6E4}">
-                <adec:decorative xmlns:adec="http://schemas.microsoft.com/office/drawing/2017/decorative" val="1"/>
-              </a:ext>
-            </a:extLst>
-          </p:cNvPr>
-          <p:cNvSpPr>
-            <a:spLocks noGrp="1" noRot="1" noChangeAspect="1" noMove="1" noResize="1" noEditPoints="1" noAdjustHandles="1" noChangeArrowheads="1" noChangeShapeType="1" noTextEdit="1"/>
-          </p:cNvSpPr>
-          <p:nvPr>
-            <p:extLst>
-              <p:ext uri="{386F3935-93C4-4BCD-93E2-E3B085C9AB24}">
-                <p16:designElem xmlns:p16="http://schemas.microsoft.com/office/powerpoint/2015/main" val="1"/>
-              </p:ext>
-            </p:extLst>
-          </p:nvPr>
-        </p:nvSpPr>
-        <p:spPr>
-          <a:xfrm>
-            <a:off x="0" y="0"/>
-            <a:ext cx="12188952" cy="6858000"/>
-          </a:xfrm>
-          <a:prstGeom prst="rect">
-            <a:avLst/>
-          </a:prstGeom>
-          <a:ln>
-            <a:noFill/>
-          </a:ln>
-        </p:spPr>
-        <p:style>
-          <a:lnRef idx="2">
-            <a:schemeClr val="accent1">
-              <a:shade val="50000"/>
-            </a:schemeClr>
-          </a:lnRef>
-          <a:fillRef idx="1">
-            <a:schemeClr val="accent1"/>
-          </a:fillRef>
-          <a:effectRef idx="0">
-            <a:schemeClr val="accent1"/>
-          </a:effectRef>
-          <a:fontRef idx="minor">
-            <a:schemeClr val="lt1"/>
-          </a:fontRef>
-        </p:style>
-        <p:txBody>
-          <a:bodyPr rtlCol="0" anchor="ctr"/>
-          <a:lstStyle/>
-          <a:p>
-            <a:pPr algn="ctr"/>
-            <a:endParaRPr lang="en-US"/>
-          </a:p>
-        </p:txBody>
-      </p:sp>
-      <p:sp>
-        <p:nvSpPr>
-          <p:cNvPr id="2" name="Title 1">
-            <a:extLst>
-              <a:ext uri="{FF2B5EF4-FFF2-40B4-BE49-F238E27FC236}">
-                <a16:creationId xmlns:a16="http://schemas.microsoft.com/office/drawing/2014/main" id="{A03AD6F7-BC38-4892-3AFA-5698A84796D9}"/>
-              </a:ext>
-            </a:extLst>
-          </p:cNvPr>
-          <p:cNvSpPr>
-            <a:spLocks noGrp="1"/>
-          </p:cNvSpPr>
-          <p:nvPr>
-            <p:ph type="title"/>
-          </p:nvPr>
-        </p:nvSpPr>
-        <p:spPr>
-          <a:xfrm>
-            <a:off x="640080" y="329184"/>
-            <a:ext cx="6894576" cy="1783080"/>
-          </a:xfrm>
-        </p:spPr>
-        <p:txBody>
-          <a:bodyPr anchor="b">
-            <a:normAutofit/>
-          </a:bodyPr>
-          <a:lstStyle/>
-          <a:p>
-            <a:r>
-              <a:rPr lang="en-US" sz="5400"/>
-              <a:t>Approach - IMU</a:t>
-            </a:r>
-          </a:p>
-        </p:txBody>
-      </p:sp>
-      <p:sp>
-        <p:nvSpPr>
-          <p:cNvPr id="1033" name="sketch line">
-            <a:extLst>
-              <a:ext uri="{FF2B5EF4-FFF2-40B4-BE49-F238E27FC236}">
-                <a16:creationId xmlns:a16="http://schemas.microsoft.com/office/drawing/2014/main" id="{3FCFB1DE-0B7E-48CC-BA90-B2AB0889F9D6}"/>
-              </a:ext>
-              <a:ext uri="{C183D7F6-B498-43B3-948B-1728B52AA6E4}">
-                <adec:decorative xmlns:adec="http://schemas.microsoft.com/office/drawing/2017/decorative" val="1"/>
-              </a:ext>
-            </a:extLst>
-          </p:cNvPr>
-          <p:cNvSpPr>
-            <a:spLocks noGrp="1" noRot="1" noChangeAspect="1" noMove="1" noResize="1" noEditPoints="1" noAdjustHandles="1" noChangeArrowheads="1" noChangeShapeType="1" noTextEdit="1"/>
-          </p:cNvSpPr>
-          <p:nvPr>
-            <p:extLst>
-              <p:ext uri="{386F3935-93C4-4BCD-93E2-E3B085C9AB24}">
-                <p16:designElem xmlns:p16="http://schemas.microsoft.com/office/powerpoint/2015/main" val="1"/>
-              </p:ext>
-            </p:extLst>
-          </p:nvPr>
-        </p:nvSpPr>
-        <p:spPr>
-          <a:xfrm>
-            <a:off x="758952" y="2395728"/>
-            <a:ext cx="4243589" cy="18288"/>
-          </a:xfrm>
-          <a:custGeom>
-            <a:avLst/>
-            <a:gdLst>
-              <a:gd name="connsiteX0" fmla="*/ 0 w 4243589"/>
-              <a:gd name="connsiteY0" fmla="*/ 0 h 18288"/>
-              <a:gd name="connsiteX1" fmla="*/ 478919 w 4243589"/>
-              <a:gd name="connsiteY1" fmla="*/ 0 h 18288"/>
-              <a:gd name="connsiteX2" fmla="*/ 957839 w 4243589"/>
-              <a:gd name="connsiteY2" fmla="*/ 0 h 18288"/>
-              <a:gd name="connsiteX3" fmla="*/ 1521630 w 4243589"/>
-              <a:gd name="connsiteY3" fmla="*/ 0 h 18288"/>
-              <a:gd name="connsiteX4" fmla="*/ 2212729 w 4243589"/>
-              <a:gd name="connsiteY4" fmla="*/ 0 h 18288"/>
-              <a:gd name="connsiteX5" fmla="*/ 2734084 w 4243589"/>
-              <a:gd name="connsiteY5" fmla="*/ 0 h 18288"/>
-              <a:gd name="connsiteX6" fmla="*/ 3255439 w 4243589"/>
-              <a:gd name="connsiteY6" fmla="*/ 0 h 18288"/>
-              <a:gd name="connsiteX7" fmla="*/ 4243589 w 4243589"/>
-              <a:gd name="connsiteY7" fmla="*/ 0 h 18288"/>
-              <a:gd name="connsiteX8" fmla="*/ 4243589 w 4243589"/>
-              <a:gd name="connsiteY8" fmla="*/ 18288 h 18288"/>
-              <a:gd name="connsiteX9" fmla="*/ 3594926 w 4243589"/>
-              <a:gd name="connsiteY9" fmla="*/ 18288 h 18288"/>
-              <a:gd name="connsiteX10" fmla="*/ 3073571 w 4243589"/>
-              <a:gd name="connsiteY10" fmla="*/ 18288 h 18288"/>
-              <a:gd name="connsiteX11" fmla="*/ 2552216 w 4243589"/>
-              <a:gd name="connsiteY11" fmla="*/ 18288 h 18288"/>
-              <a:gd name="connsiteX12" fmla="*/ 1903553 w 4243589"/>
-              <a:gd name="connsiteY12" fmla="*/ 18288 h 18288"/>
-              <a:gd name="connsiteX13" fmla="*/ 1212454 w 4243589"/>
-              <a:gd name="connsiteY13" fmla="*/ 18288 h 18288"/>
-              <a:gd name="connsiteX14" fmla="*/ 733535 w 4243589"/>
-              <a:gd name="connsiteY14" fmla="*/ 18288 h 18288"/>
-              <a:gd name="connsiteX15" fmla="*/ 0 w 4243589"/>
-              <a:gd name="connsiteY15" fmla="*/ 18288 h 18288"/>
-              <a:gd name="connsiteX16" fmla="*/ 0 w 4243589"/>
-              <a:gd name="connsiteY16" fmla="*/ 0 h 18288"/>
-            </a:gdLst>
-            <a:ahLst/>
-            <a:cxnLst>
-              <a:cxn ang="0">
-                <a:pos x="connsiteX0" y="connsiteY0"/>
-              </a:cxn>
-              <a:cxn ang="0">
-                <a:pos x="connsiteX1" y="connsiteY1"/>
-              </a:cxn>
-              <a:cxn ang="0">
-                <a:pos x="connsiteX2" y="connsiteY2"/>
-              </a:cxn>
-              <a:cxn ang="0">
-                <a:pos x="connsiteX3" y="connsiteY3"/>
-              </a:cxn>
-              <a:cxn ang="0">
-                <a:pos x="connsiteX4" y="connsiteY4"/>
-              </a:cxn>
-              <a:cxn ang="0">
-                <a:pos x="connsiteX5" y="connsiteY5"/>
-              </a:cxn>
-              <a:cxn ang="0">
-                <a:pos x="connsiteX6" y="connsiteY6"/>
-              </a:cxn>
-              <a:cxn ang="0">
-                <a:pos x="connsiteX7" y="connsiteY7"/>
-              </a:cxn>
-              <a:cxn ang="0">
-                <a:pos x="connsiteX8" y="connsiteY8"/>
-              </a:cxn>
-              <a:cxn ang="0">
-                <a:pos x="connsiteX9" y="connsiteY9"/>
-              </a:cxn>
-              <a:cxn ang="0">
-                <a:pos x="connsiteX10" y="connsiteY10"/>
-              </a:cxn>
-              <a:cxn ang="0">
-                <a:pos x="connsiteX11" y="connsiteY11"/>
-              </a:cxn>
-              <a:cxn ang="0">
-                <a:pos x="connsiteX12" y="connsiteY12"/>
-              </a:cxn>
-              <a:cxn ang="0">
-                <a:pos x="connsiteX13" y="connsiteY13"/>
-              </a:cxn>
-              <a:cxn ang="0">
-                <a:pos x="connsiteX14" y="connsiteY14"/>
-              </a:cxn>
-              <a:cxn ang="0">
-                <a:pos x="connsiteX15" y="connsiteY15"/>
-              </a:cxn>
-              <a:cxn ang="0">
-                <a:pos x="connsiteX16" y="connsiteY16"/>
-              </a:cxn>
-            </a:cxnLst>
-            <a:rect l="l" t="t" r="r" b="b"/>
-            <a:pathLst>
-              <a:path w="4243589" h="18288" fill="none" extrusionOk="0">
-                <a:moveTo>
-                  <a:pt x="0" y="0"/>
-                </a:moveTo>
-                <a:cubicBezTo>
-                  <a:pt x="213395" y="-21006"/>
-                  <a:pt x="307421" y="-18116"/>
-                  <a:pt x="478919" y="0"/>
-                </a:cubicBezTo>
-                <a:cubicBezTo>
-                  <a:pt x="650417" y="18116"/>
-                  <a:pt x="831092" y="-21237"/>
-                  <a:pt x="957839" y="0"/>
-                </a:cubicBezTo>
-                <a:cubicBezTo>
-                  <a:pt x="1084586" y="21237"/>
-                  <a:pt x="1301682" y="25124"/>
-                  <a:pt x="1521630" y="0"/>
-                </a:cubicBezTo>
-                <a:cubicBezTo>
-                  <a:pt x="1741578" y="-25124"/>
-                  <a:pt x="1970269" y="-29139"/>
-                  <a:pt x="2212729" y="0"/>
-                </a:cubicBezTo>
-                <a:cubicBezTo>
-                  <a:pt x="2455189" y="29139"/>
-                  <a:pt x="2558847" y="-4796"/>
-                  <a:pt x="2734084" y="0"/>
-                </a:cubicBezTo>
-                <a:cubicBezTo>
-                  <a:pt x="2909321" y="4796"/>
-                  <a:pt x="3097217" y="-13409"/>
-                  <a:pt x="3255439" y="0"/>
-                </a:cubicBezTo>
-                <a:cubicBezTo>
-                  <a:pt x="3413662" y="13409"/>
-                  <a:pt x="3979999" y="-10121"/>
-                  <a:pt x="4243589" y="0"/>
-                </a:cubicBezTo>
-                <a:cubicBezTo>
-                  <a:pt x="4244484" y="8974"/>
-                  <a:pt x="4243043" y="9359"/>
-                  <a:pt x="4243589" y="18288"/>
-                </a:cubicBezTo>
-                <a:cubicBezTo>
-                  <a:pt x="4058777" y="31246"/>
-                  <a:pt x="3910348" y="3158"/>
-                  <a:pt x="3594926" y="18288"/>
-                </a:cubicBezTo>
-                <a:cubicBezTo>
-                  <a:pt x="3279504" y="33418"/>
-                  <a:pt x="3319955" y="-3977"/>
-                  <a:pt x="3073571" y="18288"/>
-                </a:cubicBezTo>
-                <a:cubicBezTo>
-                  <a:pt x="2827187" y="40553"/>
-                  <a:pt x="2767387" y="1863"/>
-                  <a:pt x="2552216" y="18288"/>
-                </a:cubicBezTo>
-                <a:cubicBezTo>
-                  <a:pt x="2337046" y="34713"/>
-                  <a:pt x="2181871" y="19527"/>
-                  <a:pt x="1903553" y="18288"/>
-                </a:cubicBezTo>
-                <a:cubicBezTo>
-                  <a:pt x="1625235" y="17049"/>
-                  <a:pt x="1557672" y="24174"/>
-                  <a:pt x="1212454" y="18288"/>
-                </a:cubicBezTo>
-                <a:cubicBezTo>
-                  <a:pt x="867236" y="12402"/>
-                  <a:pt x="874382" y="15627"/>
-                  <a:pt x="733535" y="18288"/>
-                </a:cubicBezTo>
-                <a:cubicBezTo>
-                  <a:pt x="592688" y="20949"/>
-                  <a:pt x="183477" y="14753"/>
-                  <a:pt x="0" y="18288"/>
-                </a:cubicBezTo>
-                <a:cubicBezTo>
-                  <a:pt x="-229" y="14222"/>
-                  <a:pt x="509" y="5816"/>
-                  <a:pt x="0" y="0"/>
-                </a:cubicBezTo>
-                <a:close/>
-              </a:path>
-              <a:path w="4243589" h="18288" stroke="0" extrusionOk="0">
-                <a:moveTo>
-                  <a:pt x="0" y="0"/>
-                </a:moveTo>
-                <a:cubicBezTo>
-                  <a:pt x="143690" y="16630"/>
-                  <a:pt x="266667" y="14847"/>
-                  <a:pt x="521355" y="0"/>
-                </a:cubicBezTo>
-                <a:cubicBezTo>
-                  <a:pt x="776043" y="-14847"/>
-                  <a:pt x="814491" y="-17363"/>
-                  <a:pt x="1000275" y="0"/>
-                </a:cubicBezTo>
-                <a:cubicBezTo>
-                  <a:pt x="1186059" y="17363"/>
-                  <a:pt x="1352504" y="-23507"/>
-                  <a:pt x="1521630" y="0"/>
-                </a:cubicBezTo>
-                <a:cubicBezTo>
-                  <a:pt x="1690756" y="23507"/>
-                  <a:pt x="1889525" y="5871"/>
-                  <a:pt x="2127857" y="0"/>
-                </a:cubicBezTo>
-                <a:cubicBezTo>
-                  <a:pt x="2366189" y="-5871"/>
-                  <a:pt x="2620628" y="-27997"/>
-                  <a:pt x="2776520" y="0"/>
-                </a:cubicBezTo>
-                <a:cubicBezTo>
-                  <a:pt x="2932412" y="27997"/>
-                  <a:pt x="3131683" y="-25073"/>
-                  <a:pt x="3467618" y="0"/>
-                </a:cubicBezTo>
-                <a:cubicBezTo>
-                  <a:pt x="3803553" y="25073"/>
-                  <a:pt x="4017371" y="3071"/>
-                  <a:pt x="4243589" y="0"/>
-                </a:cubicBezTo>
-                <a:cubicBezTo>
-                  <a:pt x="4243134" y="6162"/>
-                  <a:pt x="4243492" y="11775"/>
-                  <a:pt x="4243589" y="18288"/>
-                </a:cubicBezTo>
-                <a:cubicBezTo>
-                  <a:pt x="4017834" y="-5779"/>
-                  <a:pt x="3834586" y="13376"/>
-                  <a:pt x="3594926" y="18288"/>
-                </a:cubicBezTo>
-                <a:cubicBezTo>
-                  <a:pt x="3355266" y="23200"/>
-                  <a:pt x="3204179" y="2869"/>
-                  <a:pt x="2903827" y="18288"/>
-                </a:cubicBezTo>
-                <a:cubicBezTo>
-                  <a:pt x="2603475" y="33707"/>
-                  <a:pt x="2526187" y="46187"/>
-                  <a:pt x="2212729" y="18288"/>
-                </a:cubicBezTo>
-                <a:cubicBezTo>
-                  <a:pt x="1899271" y="-9611"/>
-                  <a:pt x="1966289" y="29692"/>
-                  <a:pt x="1733809" y="18288"/>
-                </a:cubicBezTo>
-                <a:cubicBezTo>
-                  <a:pt x="1501329" y="6884"/>
-                  <a:pt x="1343612" y="12492"/>
-                  <a:pt x="1085146" y="18288"/>
-                </a:cubicBezTo>
-                <a:cubicBezTo>
-                  <a:pt x="826680" y="24084"/>
-                  <a:pt x="778184" y="35607"/>
-                  <a:pt x="521355" y="18288"/>
-                </a:cubicBezTo>
-                <a:cubicBezTo>
-                  <a:pt x="264526" y="969"/>
-                  <a:pt x="120277" y="4268"/>
-                  <a:pt x="0" y="18288"/>
-                </a:cubicBezTo>
-                <a:cubicBezTo>
-                  <a:pt x="766" y="10800"/>
-                  <a:pt x="-457" y="8180"/>
-                  <a:pt x="0" y="0"/>
-                </a:cubicBezTo>
-                <a:close/>
-              </a:path>
-            </a:pathLst>
-          </a:custGeom>
-          <a:solidFill>
-            <a:schemeClr val="accent2"/>
-          </a:solidFill>
-          <a:ln w="41275" cap="rnd">
-            <a:solidFill>
-              <a:schemeClr val="accent2"/>
-            </a:solidFill>
-            <a:round/>
-            <a:extLst>
-              <a:ext uri="{C807C97D-BFC1-408E-A445-0C87EB9F89A2}">
-                <ask:lineSketchStyleProps xmlns:ask="http://schemas.microsoft.com/office/drawing/2018/sketchyshapes" sd="2727557108">
-                  <a:prstGeom prst="rect">
-                    <a:avLst/>
-                  </a:prstGeom>
-                  <ask:type>
-                    <ask:lineSketchFreehand/>
-                  </ask:type>
-                </ask:lineSketchStyleProps>
-              </a:ext>
-            </a:extLst>
-          </a:ln>
-        </p:spPr>
-        <p:style>
-          <a:lnRef idx="2">
-            <a:schemeClr val="accent1">
-              <a:shade val="50000"/>
-            </a:schemeClr>
-          </a:lnRef>
-          <a:fillRef idx="1">
-            <a:schemeClr val="accent1"/>
-          </a:fillRef>
-          <a:effectRef idx="0">
-            <a:schemeClr val="accent1"/>
-          </a:effectRef>
-          <a:fontRef idx="minor">
-            <a:schemeClr val="lt1"/>
-          </a:fontRef>
-        </p:style>
-        <p:txBody>
-          <a:bodyPr rtlCol="0" anchor="ctr"/>
-          <a:lstStyle/>
-          <a:p>
-            <a:pPr algn="ctr"/>
-            <a:endParaRPr lang="en-US"/>
-          </a:p>
-        </p:txBody>
-      </p:sp>
-      <p:sp>
-        <p:nvSpPr>
-          <p:cNvPr id="3" name="Content Placeholder 2">
-            <a:extLst>
-              <a:ext uri="{FF2B5EF4-FFF2-40B4-BE49-F238E27FC236}">
-                <a16:creationId xmlns:a16="http://schemas.microsoft.com/office/drawing/2014/main" id="{EFCA95B8-C627-F183-42FC-E37C168A8FE5}"/>
-              </a:ext>
-            </a:extLst>
-          </p:cNvPr>
-          <p:cNvSpPr>
-            <a:spLocks noGrp="1"/>
-          </p:cNvSpPr>
-          <p:nvPr>
-            <p:ph idx="1"/>
-          </p:nvPr>
-        </p:nvSpPr>
-        <p:spPr>
-          <a:xfrm>
-            <a:off x="640080" y="2706624"/>
-            <a:ext cx="6894576" cy="3483864"/>
-          </a:xfrm>
-        </p:spPr>
-        <p:txBody>
-          <a:bodyPr>
-            <a:normAutofit/>
-          </a:bodyPr>
-          <a:lstStyle/>
-          <a:p>
-            <a:r>
-              <a:rPr lang="en-US" sz="2200" dirty="0"/>
-              <a:t>BNO085 – Intelligent 9-axis Inertial Measurement Unit (IMU)</a:t>
-            </a:r>
-          </a:p>
-          <a:p>
-            <a:pPr lvl="1"/>
-            <a:r>
-              <a:rPr lang="en-US" sz="2200" dirty="0"/>
-              <a:t>Low G Accelerometer, Gyroscope, and Magnetometer</a:t>
-            </a:r>
-          </a:p>
-          <a:p>
-            <a:pPr lvl="1"/>
-            <a:r>
-              <a:rPr lang="en-US" sz="2200" dirty="0"/>
-              <a:t>Contains on chip signal processing and filtering for 3D orientation and position</a:t>
-            </a:r>
-          </a:p>
-          <a:p>
-            <a:pPr lvl="1"/>
-            <a:r>
-              <a:rPr lang="en-US" sz="2200" dirty="0"/>
-              <a:t>Supports additional sensors through secondary I2C bus connection</a:t>
-            </a:r>
-          </a:p>
-          <a:p>
-            <a:r>
-              <a:rPr lang="en-US" sz="2200" dirty="0"/>
-              <a:t>Used in application such as Tablets and VR/AR motion trackers</a:t>
-            </a:r>
-          </a:p>
-          <a:p>
-            <a:pPr lvl="1"/>
-            <a:endParaRPr lang="en-US" sz="2200" dirty="0"/>
-          </a:p>
-        </p:txBody>
-      </p:sp>
-      <p:pic>
-        <p:nvPicPr>
-          <p:cNvPr id="1026" name="Picture 2" descr="BNO085">
-            <a:extLst>
-              <a:ext uri="{FF2B5EF4-FFF2-40B4-BE49-F238E27FC236}">
-                <a16:creationId xmlns:a16="http://schemas.microsoft.com/office/drawing/2014/main" id="{CC4CE727-D079-FFFA-34FC-806C7F4D9947}"/>
-              </a:ext>
-            </a:extLst>
-          </p:cNvPr>
-          <p:cNvPicPr>
-            <a:picLocks noChangeAspect="1" noChangeArrowheads="1"/>
-          </p:cNvPicPr>
-          <p:nvPr/>
-        </p:nvPicPr>
-        <p:blipFill>
-          <a:blip r:embed="rId3">
-            <a:extLst>
-              <a:ext uri="{28A0092B-C50C-407E-A947-70E740481C1C}">
-                <a14:useLocalDpi xmlns:a14="http://schemas.microsoft.com/office/drawing/2010/main" val="0"/>
-              </a:ext>
-            </a:extLst>
-          </a:blip>
-          <a:stretch>
-            <a:fillRect/>
-          </a:stretch>
-        </p:blipFill>
-        <p:spPr bwMode="auto">
-          <a:xfrm>
-            <a:off x="8293608" y="1714015"/>
-            <a:ext cx="3429969" cy="3429969"/>
-          </a:xfrm>
-          <a:prstGeom prst="rect">
-            <a:avLst/>
-          </a:prstGeom>
-          <a:noFill/>
-          <a:extLst>
-            <a:ext uri="{909E8E84-426E-40DD-AFC4-6F175D3DCCD1}">
-              <a14:hiddenFill xmlns:a14="http://schemas.microsoft.com/office/drawing/2010/main">
-                <a:solidFill>
-                  <a:srgbClr val="FFFFFF"/>
-                </a:solidFill>
-              </a14:hiddenFill>
-            </a:ext>
-          </a:extLst>
-        </p:spPr>
-      </p:pic>
-    </p:spTree>
-    <p:extLst>
-      <p:ext uri="{BB962C8B-B14F-4D97-AF65-F5344CB8AC3E}">
-        <p14:creationId xmlns:p14="http://schemas.microsoft.com/office/powerpoint/2010/main" val="888796938"/>
-      </p:ext>
-    </p:extLst>
-  </p:cSld>
-  <p:clrMapOvr>
-    <a:masterClrMapping/>
-  </p:clrMapOvr>
-</p:sld>
-</file>
-
-<file path=ppt/slides/slide8.xml><?xml version="1.0" encoding="utf-8"?>
-<p:sld xmlns:a="http://schemas.openxmlformats.org/drawingml/2006/main" xmlns:r="http://schemas.openxmlformats.org/officeDocument/2006/relationships" xmlns:p="http://schemas.openxmlformats.org/presentationml/2006/main">
-  <p:cSld>
-    <p:bg>
-      <p:bgPr>
-        <a:solidFill>
-          <a:schemeClr val="bg1"/>
-        </a:solidFill>
-        <a:effectLst/>
-      </p:bgPr>
-    </p:bg>
-    <p:spTree>
-      <p:nvGrpSpPr>
-        <p:cNvPr id="1" name=""/>
-        <p:cNvGrpSpPr/>
-        <p:nvPr/>
-      </p:nvGrpSpPr>
-      <p:grpSpPr>
-        <a:xfrm>
-          <a:off x="0" y="0"/>
-          <a:ext cx="0" cy="0"/>
-          <a:chOff x="0" y="0"/>
-          <a:chExt cx="0" cy="0"/>
-        </a:xfrm>
-      </p:grpSpPr>
-      <p:pic>
-        <p:nvPicPr>
-          <p:cNvPr id="4" name="Content Placeholder 3" descr="A computer screen shot of a circuit&#10;&#10;Description automatically generated">
-            <a:extLst>
-              <a:ext uri="{FF2B5EF4-FFF2-40B4-BE49-F238E27FC236}">
-                <a16:creationId xmlns:a16="http://schemas.microsoft.com/office/drawing/2014/main" id="{F752718D-71AA-0A27-1F24-5862ED09A5E7}"/>
-              </a:ext>
-            </a:extLst>
-          </p:cNvPr>
-          <p:cNvPicPr>
-            <a:picLocks noGrp="1" noChangeAspect="1"/>
-          </p:cNvPicPr>
-          <p:nvPr>
-            <p:ph idx="1"/>
-          </p:nvPr>
-        </p:nvPicPr>
-        <p:blipFill>
-          <a:blip r:embed="rId3"/>
-          <a:srcRect t="5495" r="-2" b="3089"/>
-          <a:stretch/>
-        </p:blipFill>
-        <p:spPr>
-          <a:xfrm>
-            <a:off x="-6588" y="10"/>
-            <a:ext cx="12198588" cy="6857990"/>
-          </a:xfrm>
-          <a:prstGeom prst="rect">
-            <a:avLst/>
-          </a:prstGeom>
-        </p:spPr>
-      </p:pic>
-    </p:spTree>
-    <p:extLst>
-      <p:ext uri="{BB962C8B-B14F-4D97-AF65-F5344CB8AC3E}">
-        <p14:creationId xmlns:p14="http://schemas.microsoft.com/office/powerpoint/2010/main" val="2330902240"/>
-      </p:ext>
-    </p:extLst>
-  </p:cSld>
-  <p:clrMapOvr>
-    <a:masterClrMapping/>
-  </p:clrMapOvr>
-</p:sld>
-</file>
-
-<file path=ppt/slides/slide9.xml><?xml version="1.0" encoding="utf-8"?>
-<p:sld xmlns:a="http://schemas.openxmlformats.org/drawingml/2006/main" xmlns:r="http://schemas.openxmlformats.org/officeDocument/2006/relationships" xmlns:p="http://schemas.openxmlformats.org/presentationml/2006/main">
-  <p:cSld>
-    <p:bg>
-      <p:bgPr>
-        <a:solidFill>
-          <a:schemeClr val="bg1"/>
-        </a:solidFill>
-        <a:effectLst/>
-      </p:bgPr>
-    </p:bg>
-    <p:spTree>
-      <p:nvGrpSpPr>
         <p:cNvPr id="1" name="">
           <a:extLst>
             <a:ext uri="{FF2B5EF4-FFF2-40B4-BE49-F238E27FC236}">
@@ -23759,6 +22441,1292 @@
     <p:extLst>
       <p:ext uri="{BB962C8B-B14F-4D97-AF65-F5344CB8AC3E}">
         <p14:creationId xmlns:p14="http://schemas.microsoft.com/office/powerpoint/2010/main" val="885690854"/>
+      </p:ext>
+    </p:extLst>
+  </p:cSld>
+  <p:clrMapOvr>
+    <a:masterClrMapping/>
+  </p:clrMapOvr>
+</p:sld>
+</file>
+
+<file path=ppt/slides/slide7.xml><?xml version="1.0" encoding="utf-8"?>
+<p:sld xmlns:a="http://schemas.openxmlformats.org/drawingml/2006/main" xmlns:r="http://schemas.openxmlformats.org/officeDocument/2006/relationships" xmlns:p="http://schemas.openxmlformats.org/presentationml/2006/main">
+  <p:cSld>
+    <p:spTree>
+      <p:nvGrpSpPr>
+        <p:cNvPr id="1" name=""/>
+        <p:cNvGrpSpPr/>
+        <p:nvPr/>
+      </p:nvGrpSpPr>
+      <p:grpSpPr>
+        <a:xfrm>
+          <a:off x="0" y="0"/>
+          <a:ext cx="0" cy="0"/>
+          <a:chOff x="0" y="0"/>
+          <a:chExt cx="0" cy="0"/>
+        </a:xfrm>
+      </p:grpSpPr>
+      <p:sp>
+        <p:nvSpPr>
+          <p:cNvPr id="2" name="Title 1">
+            <a:extLst>
+              <a:ext uri="{FF2B5EF4-FFF2-40B4-BE49-F238E27FC236}">
+                <a16:creationId xmlns:a16="http://schemas.microsoft.com/office/drawing/2014/main" id="{C165C2DD-EDA6-8488-10F1-2395F52AFE71}"/>
+              </a:ext>
+            </a:extLst>
+          </p:cNvPr>
+          <p:cNvSpPr>
+            <a:spLocks noGrp="1"/>
+          </p:cNvSpPr>
+          <p:nvPr>
+            <p:ph type="title"/>
+          </p:nvPr>
+        </p:nvSpPr>
+        <p:spPr/>
+        <p:txBody>
+          <a:bodyPr/>
+          <a:lstStyle/>
+          <a:p>
+            <a:endParaRPr lang="en-US"/>
+          </a:p>
+        </p:txBody>
+      </p:sp>
+      <p:sp>
+        <p:nvSpPr>
+          <p:cNvPr id="3" name="Content Placeholder 2">
+            <a:extLst>
+              <a:ext uri="{FF2B5EF4-FFF2-40B4-BE49-F238E27FC236}">
+                <a16:creationId xmlns:a16="http://schemas.microsoft.com/office/drawing/2014/main" id="{3E9FD559-B073-D481-7628-51261A022A10}"/>
+              </a:ext>
+            </a:extLst>
+          </p:cNvPr>
+          <p:cNvSpPr>
+            <a:spLocks noGrp="1"/>
+          </p:cNvSpPr>
+          <p:nvPr>
+            <p:ph idx="1"/>
+          </p:nvPr>
+        </p:nvSpPr>
+        <p:spPr/>
+        <p:txBody>
+          <a:bodyPr/>
+          <a:lstStyle/>
+          <a:p>
+            <a:endParaRPr lang="en-US"/>
+          </a:p>
+        </p:txBody>
+      </p:sp>
+      <p:pic>
+        <p:nvPicPr>
+          <p:cNvPr id="4" name="Picture 3" descr="A computer screen shot of a diagram&#10;&#10;Description automatically generated">
+            <a:extLst>
+              <a:ext uri="{FF2B5EF4-FFF2-40B4-BE49-F238E27FC236}">
+                <a16:creationId xmlns:a16="http://schemas.microsoft.com/office/drawing/2014/main" id="{4711F19B-43F3-3C14-D1A9-EC610D06B88B}"/>
+              </a:ext>
+            </a:extLst>
+          </p:cNvPr>
+          <p:cNvPicPr>
+            <a:picLocks noChangeAspect="1"/>
+          </p:cNvPicPr>
+          <p:nvPr/>
+        </p:nvPicPr>
+        <p:blipFill>
+          <a:blip r:embed="rId3"/>
+          <a:stretch>
+            <a:fillRect/>
+          </a:stretch>
+        </p:blipFill>
+        <p:spPr>
+          <a:xfrm>
+            <a:off x="0" y="-1"/>
+            <a:ext cx="12192000" cy="6860521"/>
+          </a:xfrm>
+          <a:prstGeom prst="rect">
+            <a:avLst/>
+          </a:prstGeom>
+        </p:spPr>
+      </p:pic>
+    </p:spTree>
+    <p:extLst>
+      <p:ext uri="{BB962C8B-B14F-4D97-AF65-F5344CB8AC3E}">
+        <p14:creationId xmlns:p14="http://schemas.microsoft.com/office/powerpoint/2010/main" val="2762645782"/>
+      </p:ext>
+    </p:extLst>
+  </p:cSld>
+  <p:clrMapOvr>
+    <a:masterClrMapping/>
+  </p:clrMapOvr>
+</p:sld>
+</file>
+
+<file path=ppt/slides/slide8.xml><?xml version="1.0" encoding="utf-8"?>
+<p:sld xmlns:a="http://schemas.openxmlformats.org/drawingml/2006/main" xmlns:r="http://schemas.openxmlformats.org/officeDocument/2006/relationships" xmlns:p="http://schemas.openxmlformats.org/presentationml/2006/main">
+  <p:cSld>
+    <p:bg>
+      <p:bgPr>
+        <a:solidFill>
+          <a:schemeClr val="bg1"/>
+        </a:solidFill>
+        <a:effectLst/>
+      </p:bgPr>
+    </p:bg>
+    <p:spTree>
+      <p:nvGrpSpPr>
+        <p:cNvPr id="1" name=""/>
+        <p:cNvGrpSpPr/>
+        <p:nvPr/>
+      </p:nvGrpSpPr>
+      <p:grpSpPr>
+        <a:xfrm>
+          <a:off x="0" y="0"/>
+          <a:ext cx="0" cy="0"/>
+          <a:chOff x="0" y="0"/>
+          <a:chExt cx="0" cy="0"/>
+        </a:xfrm>
+      </p:grpSpPr>
+      <p:sp useBgFill="1">
+        <p:nvSpPr>
+          <p:cNvPr id="22" name="Rectangle 21">
+            <a:extLst>
+              <a:ext uri="{FF2B5EF4-FFF2-40B4-BE49-F238E27FC236}">
+                <a16:creationId xmlns:a16="http://schemas.microsoft.com/office/drawing/2014/main" id="{A8908DB7-C3A6-4FCB-9820-CEE02B398C4A}"/>
+              </a:ext>
+              <a:ext uri="{C183D7F6-B498-43B3-948B-1728B52AA6E4}">
+                <adec:decorative xmlns:adec="http://schemas.microsoft.com/office/drawing/2017/decorative" val="1"/>
+              </a:ext>
+            </a:extLst>
+          </p:cNvPr>
+          <p:cNvSpPr>
+            <a:spLocks noGrp="1" noRot="1" noChangeAspect="1" noMove="1" noResize="1" noEditPoints="1" noAdjustHandles="1" noChangeArrowheads="1" noChangeShapeType="1" noTextEdit="1"/>
+          </p:cNvSpPr>
+          <p:nvPr>
+            <p:extLst>
+              <p:ext uri="{386F3935-93C4-4BCD-93E2-E3B085C9AB24}">
+                <p16:designElem xmlns:p16="http://schemas.microsoft.com/office/powerpoint/2015/main" val="1"/>
+              </p:ext>
+            </p:extLst>
+          </p:nvPr>
+        </p:nvSpPr>
+        <p:spPr>
+          <a:xfrm>
+            <a:off x="0" y="0"/>
+            <a:ext cx="12192000" cy="6858000"/>
+          </a:xfrm>
+          <a:prstGeom prst="rect">
+            <a:avLst/>
+          </a:prstGeom>
+          <a:ln>
+            <a:noFill/>
+          </a:ln>
+        </p:spPr>
+        <p:style>
+          <a:lnRef idx="2">
+            <a:schemeClr val="accent1">
+              <a:shade val="50000"/>
+            </a:schemeClr>
+          </a:lnRef>
+          <a:fillRef idx="1">
+            <a:schemeClr val="accent1"/>
+          </a:fillRef>
+          <a:effectRef idx="0">
+            <a:schemeClr val="accent1"/>
+          </a:effectRef>
+          <a:fontRef idx="minor">
+            <a:schemeClr val="lt1"/>
+          </a:fontRef>
+        </p:style>
+        <p:txBody>
+          <a:bodyPr rtlCol="0" anchor="ctr"/>
+          <a:lstStyle/>
+          <a:p>
+            <a:pPr algn="ctr"/>
+            <a:endParaRPr lang="en-US"/>
+          </a:p>
+        </p:txBody>
+      </p:sp>
+      <p:sp>
+        <p:nvSpPr>
+          <p:cNvPr id="2" name="Title 1">
+            <a:extLst>
+              <a:ext uri="{FF2B5EF4-FFF2-40B4-BE49-F238E27FC236}">
+                <a16:creationId xmlns:a16="http://schemas.microsoft.com/office/drawing/2014/main" id="{94FFAA24-6B9D-AC0B-D569-A5E35BB2F736}"/>
+              </a:ext>
+            </a:extLst>
+          </p:cNvPr>
+          <p:cNvSpPr>
+            <a:spLocks noGrp="1"/>
+          </p:cNvSpPr>
+          <p:nvPr>
+            <p:ph type="title"/>
+          </p:nvPr>
+        </p:nvSpPr>
+        <p:spPr>
+          <a:xfrm>
+            <a:off x="630936" y="640823"/>
+            <a:ext cx="3419856" cy="5583148"/>
+          </a:xfrm>
+        </p:spPr>
+        <p:txBody>
+          <a:bodyPr anchor="ctr">
+            <a:normAutofit/>
+          </a:bodyPr>
+          <a:lstStyle/>
+          <a:p>
+            <a:r>
+              <a:rPr lang="en-US" sz="5400"/>
+              <a:t>Approach - Power Efficiency </a:t>
+            </a:r>
+          </a:p>
+        </p:txBody>
+      </p:sp>
+      <p:sp>
+        <p:nvSpPr>
+          <p:cNvPr id="24" name="sketch line">
+            <a:extLst>
+              <a:ext uri="{FF2B5EF4-FFF2-40B4-BE49-F238E27FC236}">
+                <a16:creationId xmlns:a16="http://schemas.microsoft.com/office/drawing/2014/main" id="{535742DD-1B16-4E9D-B715-0D74B4574A68}"/>
+              </a:ext>
+              <a:ext uri="{C183D7F6-B498-43B3-948B-1728B52AA6E4}">
+                <adec:decorative xmlns:adec="http://schemas.microsoft.com/office/drawing/2017/decorative" val="1"/>
+              </a:ext>
+            </a:extLst>
+          </p:cNvPr>
+          <p:cNvSpPr>
+            <a:spLocks noGrp="1" noRot="1" noChangeAspect="1" noMove="1" noResize="1" noEditPoints="1" noAdjustHandles="1" noChangeArrowheads="1" noChangeShapeType="1" noTextEdit="1"/>
+          </p:cNvSpPr>
+          <p:nvPr>
+            <p:extLst>
+              <p:ext uri="{386F3935-93C4-4BCD-93E2-E3B085C9AB24}">
+                <p16:designElem xmlns:p16="http://schemas.microsoft.com/office/powerpoint/2015/main" val="1"/>
+              </p:ext>
+            </p:extLst>
+          </p:nvPr>
+        </p:nvSpPr>
+        <p:spPr>
+          <a:xfrm flipH="1">
+            <a:off x="4267200" y="630936"/>
+            <a:ext cx="18288" cy="5590381"/>
+          </a:xfrm>
+          <a:custGeom>
+            <a:avLst/>
+            <a:gdLst>
+              <a:gd name="connsiteX0" fmla="*/ 0 w 18288"/>
+              <a:gd name="connsiteY0" fmla="*/ 0 h 5590381"/>
+              <a:gd name="connsiteX1" fmla="*/ 18288 w 18288"/>
+              <a:gd name="connsiteY1" fmla="*/ 0 h 5590381"/>
+              <a:gd name="connsiteX2" fmla="*/ 18288 w 18288"/>
+              <a:gd name="connsiteY2" fmla="*/ 754701 h 5590381"/>
+              <a:gd name="connsiteX3" fmla="*/ 18288 w 18288"/>
+              <a:gd name="connsiteY3" fmla="*/ 1565307 h 5590381"/>
+              <a:gd name="connsiteX4" fmla="*/ 18288 w 18288"/>
+              <a:gd name="connsiteY4" fmla="*/ 2152297 h 5590381"/>
+              <a:gd name="connsiteX5" fmla="*/ 18288 w 18288"/>
+              <a:gd name="connsiteY5" fmla="*/ 2906998 h 5590381"/>
+              <a:gd name="connsiteX6" fmla="*/ 18288 w 18288"/>
+              <a:gd name="connsiteY6" fmla="*/ 3549892 h 5590381"/>
+              <a:gd name="connsiteX7" fmla="*/ 18288 w 18288"/>
+              <a:gd name="connsiteY7" fmla="*/ 4080978 h 5590381"/>
+              <a:gd name="connsiteX8" fmla="*/ 18288 w 18288"/>
+              <a:gd name="connsiteY8" fmla="*/ 4835680 h 5590381"/>
+              <a:gd name="connsiteX9" fmla="*/ 18288 w 18288"/>
+              <a:gd name="connsiteY9" fmla="*/ 5590381 h 5590381"/>
+              <a:gd name="connsiteX10" fmla="*/ 0 w 18288"/>
+              <a:gd name="connsiteY10" fmla="*/ 5590381 h 5590381"/>
+              <a:gd name="connsiteX11" fmla="*/ 0 w 18288"/>
+              <a:gd name="connsiteY11" fmla="*/ 4835680 h 5590381"/>
+              <a:gd name="connsiteX12" fmla="*/ 0 w 18288"/>
+              <a:gd name="connsiteY12" fmla="*/ 4304593 h 5590381"/>
+              <a:gd name="connsiteX13" fmla="*/ 0 w 18288"/>
+              <a:gd name="connsiteY13" fmla="*/ 3773507 h 5590381"/>
+              <a:gd name="connsiteX14" fmla="*/ 0 w 18288"/>
+              <a:gd name="connsiteY14" fmla="*/ 3186517 h 5590381"/>
+              <a:gd name="connsiteX15" fmla="*/ 0 w 18288"/>
+              <a:gd name="connsiteY15" fmla="*/ 2487720 h 5590381"/>
+              <a:gd name="connsiteX16" fmla="*/ 0 w 18288"/>
+              <a:gd name="connsiteY16" fmla="*/ 1956633 h 5590381"/>
+              <a:gd name="connsiteX17" fmla="*/ 0 w 18288"/>
+              <a:gd name="connsiteY17" fmla="*/ 1425547 h 5590381"/>
+              <a:gd name="connsiteX18" fmla="*/ 0 w 18288"/>
+              <a:gd name="connsiteY18" fmla="*/ 614942 h 5590381"/>
+              <a:gd name="connsiteX19" fmla="*/ 0 w 18288"/>
+              <a:gd name="connsiteY19" fmla="*/ 0 h 5590381"/>
+            </a:gdLst>
+            <a:ahLst/>
+            <a:cxnLst>
+              <a:cxn ang="0">
+                <a:pos x="connsiteX0" y="connsiteY0"/>
+              </a:cxn>
+              <a:cxn ang="0">
+                <a:pos x="connsiteX1" y="connsiteY1"/>
+              </a:cxn>
+              <a:cxn ang="0">
+                <a:pos x="connsiteX2" y="connsiteY2"/>
+              </a:cxn>
+              <a:cxn ang="0">
+                <a:pos x="connsiteX3" y="connsiteY3"/>
+              </a:cxn>
+              <a:cxn ang="0">
+                <a:pos x="connsiteX4" y="connsiteY4"/>
+              </a:cxn>
+              <a:cxn ang="0">
+                <a:pos x="connsiteX5" y="connsiteY5"/>
+              </a:cxn>
+              <a:cxn ang="0">
+                <a:pos x="connsiteX6" y="connsiteY6"/>
+              </a:cxn>
+              <a:cxn ang="0">
+                <a:pos x="connsiteX7" y="connsiteY7"/>
+              </a:cxn>
+              <a:cxn ang="0">
+                <a:pos x="connsiteX8" y="connsiteY8"/>
+              </a:cxn>
+              <a:cxn ang="0">
+                <a:pos x="connsiteX9" y="connsiteY9"/>
+              </a:cxn>
+              <a:cxn ang="0">
+                <a:pos x="connsiteX10" y="connsiteY10"/>
+              </a:cxn>
+              <a:cxn ang="0">
+                <a:pos x="connsiteX11" y="connsiteY11"/>
+              </a:cxn>
+              <a:cxn ang="0">
+                <a:pos x="connsiteX12" y="connsiteY12"/>
+              </a:cxn>
+              <a:cxn ang="0">
+                <a:pos x="connsiteX13" y="connsiteY13"/>
+              </a:cxn>
+              <a:cxn ang="0">
+                <a:pos x="connsiteX14" y="connsiteY14"/>
+              </a:cxn>
+              <a:cxn ang="0">
+                <a:pos x="connsiteX15" y="connsiteY15"/>
+              </a:cxn>
+              <a:cxn ang="0">
+                <a:pos x="connsiteX16" y="connsiteY16"/>
+              </a:cxn>
+              <a:cxn ang="0">
+                <a:pos x="connsiteX17" y="connsiteY17"/>
+              </a:cxn>
+              <a:cxn ang="0">
+                <a:pos x="connsiteX18" y="connsiteY18"/>
+              </a:cxn>
+              <a:cxn ang="0">
+                <a:pos x="connsiteX19" y="connsiteY19"/>
+              </a:cxn>
+            </a:cxnLst>
+            <a:rect l="l" t="t" r="r" b="b"/>
+            <a:pathLst>
+              <a:path w="18288" h="5590381" fill="none" extrusionOk="0">
+                <a:moveTo>
+                  <a:pt x="0" y="0"/>
+                </a:moveTo>
+                <a:cubicBezTo>
+                  <a:pt x="7726" y="-435"/>
+                  <a:pt x="14198" y="437"/>
+                  <a:pt x="18288" y="0"/>
+                </a:cubicBezTo>
+                <a:cubicBezTo>
+                  <a:pt x="-5226" y="225076"/>
+                  <a:pt x="46275" y="562283"/>
+                  <a:pt x="18288" y="754701"/>
+                </a:cubicBezTo>
+                <a:cubicBezTo>
+                  <a:pt x="-9699" y="947119"/>
+                  <a:pt x="30081" y="1239251"/>
+                  <a:pt x="18288" y="1565307"/>
+                </a:cubicBezTo>
+                <a:cubicBezTo>
+                  <a:pt x="6495" y="1891363"/>
+                  <a:pt x="7160" y="1999140"/>
+                  <a:pt x="18288" y="2152297"/>
+                </a:cubicBezTo>
+                <a:cubicBezTo>
+                  <a:pt x="29417" y="2305454"/>
+                  <a:pt x="28705" y="2598333"/>
+                  <a:pt x="18288" y="2906998"/>
+                </a:cubicBezTo>
+                <a:cubicBezTo>
+                  <a:pt x="7871" y="3215663"/>
+                  <a:pt x="35263" y="3327412"/>
+                  <a:pt x="18288" y="3549892"/>
+                </a:cubicBezTo>
+                <a:cubicBezTo>
+                  <a:pt x="1313" y="3772372"/>
+                  <a:pt x="38561" y="3843836"/>
+                  <a:pt x="18288" y="4080978"/>
+                </a:cubicBezTo>
+                <a:cubicBezTo>
+                  <a:pt x="-1985" y="4318120"/>
+                  <a:pt x="-3806" y="4511166"/>
+                  <a:pt x="18288" y="4835680"/>
+                </a:cubicBezTo>
+                <a:cubicBezTo>
+                  <a:pt x="40382" y="5160194"/>
+                  <a:pt x="-13070" y="5401748"/>
+                  <a:pt x="18288" y="5590381"/>
+                </a:cubicBezTo>
+                <a:cubicBezTo>
+                  <a:pt x="12010" y="5589863"/>
+                  <a:pt x="6799" y="5589982"/>
+                  <a:pt x="0" y="5590381"/>
+                </a:cubicBezTo>
+                <a:cubicBezTo>
+                  <a:pt x="-6480" y="5250523"/>
+                  <a:pt x="-32148" y="5052531"/>
+                  <a:pt x="0" y="4835680"/>
+                </a:cubicBezTo>
+                <a:cubicBezTo>
+                  <a:pt x="32148" y="4618829"/>
+                  <a:pt x="5352" y="4496374"/>
+                  <a:pt x="0" y="4304593"/>
+                </a:cubicBezTo>
+                <a:cubicBezTo>
+                  <a:pt x="-5352" y="4112812"/>
+                  <a:pt x="9645" y="3919423"/>
+                  <a:pt x="0" y="3773507"/>
+                </a:cubicBezTo>
+                <a:cubicBezTo>
+                  <a:pt x="-9645" y="3627591"/>
+                  <a:pt x="-10654" y="3330687"/>
+                  <a:pt x="0" y="3186517"/>
+                </a:cubicBezTo>
+                <a:cubicBezTo>
+                  <a:pt x="10654" y="3042347"/>
+                  <a:pt x="18181" y="2635923"/>
+                  <a:pt x="0" y="2487720"/>
+                </a:cubicBezTo>
+                <a:cubicBezTo>
+                  <a:pt x="-18181" y="2339517"/>
+                  <a:pt x="-7947" y="2113537"/>
+                  <a:pt x="0" y="1956633"/>
+                </a:cubicBezTo>
+                <a:cubicBezTo>
+                  <a:pt x="7947" y="1799729"/>
+                  <a:pt x="-15145" y="1657735"/>
+                  <a:pt x="0" y="1425547"/>
+                </a:cubicBezTo>
+                <a:cubicBezTo>
+                  <a:pt x="15145" y="1193359"/>
+                  <a:pt x="-23832" y="948054"/>
+                  <a:pt x="0" y="614942"/>
+                </a:cubicBezTo>
+                <a:cubicBezTo>
+                  <a:pt x="23832" y="281831"/>
+                  <a:pt x="2816" y="129878"/>
+                  <a:pt x="0" y="0"/>
+                </a:cubicBezTo>
+                <a:close/>
+              </a:path>
+              <a:path w="18288" h="5590381" stroke="0" extrusionOk="0">
+                <a:moveTo>
+                  <a:pt x="0" y="0"/>
+                </a:moveTo>
+                <a:cubicBezTo>
+                  <a:pt x="5871" y="848"/>
+                  <a:pt x="11713" y="-200"/>
+                  <a:pt x="18288" y="0"/>
+                </a:cubicBezTo>
+                <a:cubicBezTo>
+                  <a:pt x="41141" y="165299"/>
+                  <a:pt x="3613" y="427555"/>
+                  <a:pt x="18288" y="698798"/>
+                </a:cubicBezTo>
+                <a:cubicBezTo>
+                  <a:pt x="32963" y="970041"/>
+                  <a:pt x="19680" y="1226199"/>
+                  <a:pt x="18288" y="1397595"/>
+                </a:cubicBezTo>
+                <a:cubicBezTo>
+                  <a:pt x="16896" y="1568991"/>
+                  <a:pt x="38798" y="1794517"/>
+                  <a:pt x="18288" y="2152297"/>
+                </a:cubicBezTo>
+                <a:cubicBezTo>
+                  <a:pt x="-2222" y="2510077"/>
+                  <a:pt x="40846" y="2594424"/>
+                  <a:pt x="18288" y="2739287"/>
+                </a:cubicBezTo>
+                <a:cubicBezTo>
+                  <a:pt x="-4270" y="2884150"/>
+                  <a:pt x="27117" y="3129706"/>
+                  <a:pt x="18288" y="3493988"/>
+                </a:cubicBezTo>
+                <a:cubicBezTo>
+                  <a:pt x="9459" y="3858270"/>
+                  <a:pt x="54201" y="4041447"/>
+                  <a:pt x="18288" y="4304593"/>
+                </a:cubicBezTo>
+                <a:cubicBezTo>
+                  <a:pt x="-17625" y="4567740"/>
+                  <a:pt x="49627" y="5149125"/>
+                  <a:pt x="18288" y="5590381"/>
+                </a:cubicBezTo>
+                <a:cubicBezTo>
+                  <a:pt x="10860" y="5590744"/>
+                  <a:pt x="7568" y="5590157"/>
+                  <a:pt x="0" y="5590381"/>
+                </a:cubicBezTo>
+                <a:cubicBezTo>
+                  <a:pt x="36767" y="5266821"/>
+                  <a:pt x="-16223" y="5116146"/>
+                  <a:pt x="0" y="4835680"/>
+                </a:cubicBezTo>
+                <a:cubicBezTo>
+                  <a:pt x="16223" y="4555214"/>
+                  <a:pt x="-16316" y="4356490"/>
+                  <a:pt x="0" y="4136882"/>
+                </a:cubicBezTo>
+                <a:cubicBezTo>
+                  <a:pt x="16316" y="3917274"/>
+                  <a:pt x="8005" y="3773465"/>
+                  <a:pt x="0" y="3549892"/>
+                </a:cubicBezTo>
+                <a:cubicBezTo>
+                  <a:pt x="-8005" y="3326319"/>
+                  <a:pt x="27623" y="3052456"/>
+                  <a:pt x="0" y="2851094"/>
+                </a:cubicBezTo>
+                <a:cubicBezTo>
+                  <a:pt x="-27623" y="2649732"/>
+                  <a:pt x="5614" y="2455815"/>
+                  <a:pt x="0" y="2264104"/>
+                </a:cubicBezTo>
+                <a:cubicBezTo>
+                  <a:pt x="-5614" y="2072393"/>
+                  <a:pt x="22598" y="1990723"/>
+                  <a:pt x="0" y="1733018"/>
+                </a:cubicBezTo>
+                <a:cubicBezTo>
+                  <a:pt x="-22598" y="1475313"/>
+                  <a:pt x="-6965" y="1369123"/>
+                  <a:pt x="0" y="1090124"/>
+                </a:cubicBezTo>
+                <a:cubicBezTo>
+                  <a:pt x="6965" y="811125"/>
+                  <a:pt x="-19273" y="507044"/>
+                  <a:pt x="0" y="0"/>
+                </a:cubicBezTo>
+                <a:close/>
+              </a:path>
+            </a:pathLst>
+          </a:custGeom>
+          <a:solidFill>
+            <a:schemeClr val="accent2"/>
+          </a:solidFill>
+          <a:ln w="41275" cap="rnd">
+            <a:solidFill>
+              <a:schemeClr val="accent2"/>
+            </a:solidFill>
+            <a:round/>
+            <a:extLst>
+              <a:ext uri="{C807C97D-BFC1-408E-A445-0C87EB9F89A2}">
+                <ask:lineSketchStyleProps xmlns:ask="http://schemas.microsoft.com/office/drawing/2018/sketchyshapes" sd="3114097614">
+                  <a:prstGeom prst="rect">
+                    <a:avLst/>
+                  </a:prstGeom>
+                  <ask:type>
+                    <ask:lineSketchFreehand/>
+                  </ask:type>
+                </ask:lineSketchStyleProps>
+              </a:ext>
+            </a:extLst>
+          </a:ln>
+        </p:spPr>
+        <p:style>
+          <a:lnRef idx="2">
+            <a:schemeClr val="accent1">
+              <a:shade val="50000"/>
+            </a:schemeClr>
+          </a:lnRef>
+          <a:fillRef idx="1">
+            <a:schemeClr val="accent1"/>
+          </a:fillRef>
+          <a:effectRef idx="0">
+            <a:schemeClr val="accent1"/>
+          </a:effectRef>
+          <a:fontRef idx="minor">
+            <a:schemeClr val="lt1"/>
+          </a:fontRef>
+        </p:style>
+        <p:txBody>
+          <a:bodyPr rtlCol="0" anchor="ctr"/>
+          <a:lstStyle/>
+          <a:p>
+            <a:pPr algn="ctr"/>
+            <a:endParaRPr lang="en-US"/>
+          </a:p>
+        </p:txBody>
+      </p:sp>
+      <p:pic>
+        <p:nvPicPr>
+          <p:cNvPr id="7" name="Picture 6">
+            <a:extLst>
+              <a:ext uri="{FF2B5EF4-FFF2-40B4-BE49-F238E27FC236}">
+                <a16:creationId xmlns:a16="http://schemas.microsoft.com/office/drawing/2014/main" id="{CB7A0C0B-ECD3-ABAC-800E-86B4F6A9FD48}"/>
+              </a:ext>
+            </a:extLst>
+          </p:cNvPr>
+          <p:cNvPicPr>
+            <a:picLocks noChangeAspect="1"/>
+          </p:cNvPicPr>
+          <p:nvPr/>
+        </p:nvPicPr>
+        <p:blipFill>
+          <a:blip r:embed="rId3"/>
+          <a:stretch>
+            <a:fillRect/>
+          </a:stretch>
+        </p:blipFill>
+        <p:spPr>
+          <a:xfrm>
+            <a:off x="4654296" y="993381"/>
+            <a:ext cx="6894576" cy="3188741"/>
+          </a:xfrm>
+          <a:prstGeom prst="rect">
+            <a:avLst/>
+          </a:prstGeom>
+        </p:spPr>
+      </p:pic>
+      <p:sp>
+        <p:nvSpPr>
+          <p:cNvPr id="3" name="Content Placeholder 2">
+            <a:extLst>
+              <a:ext uri="{FF2B5EF4-FFF2-40B4-BE49-F238E27FC236}">
+                <a16:creationId xmlns:a16="http://schemas.microsoft.com/office/drawing/2014/main" id="{28BAEAAB-DF37-F36D-766F-8413B96803B1}"/>
+              </a:ext>
+            </a:extLst>
+          </p:cNvPr>
+          <p:cNvSpPr>
+            <a:spLocks noGrp="1"/>
+          </p:cNvSpPr>
+          <p:nvPr>
+            <p:ph idx="1"/>
+          </p:nvPr>
+        </p:nvSpPr>
+        <p:spPr>
+          <a:xfrm>
+            <a:off x="4654296" y="4798577"/>
+            <a:ext cx="6894576" cy="1428487"/>
+          </a:xfrm>
+        </p:spPr>
+        <p:txBody>
+          <a:bodyPr anchor="t">
+            <a:normAutofit/>
+          </a:bodyPr>
+          <a:lstStyle/>
+          <a:p>
+            <a:r>
+              <a:rPr lang="en-US" sz="1700"/>
+              <a:t>Limited consideration for Sensor Test Board</a:t>
+            </a:r>
+          </a:p>
+          <a:p>
+            <a:r>
+              <a:rPr lang="en-US" sz="1700"/>
+              <a:t>Currently using Ultra Low Dropout Linear Regulator </a:t>
+            </a:r>
+          </a:p>
+          <a:p>
+            <a:r>
+              <a:rPr lang="en-US" sz="1700"/>
+              <a:t>Once we have power consumption of sensor test board the need for a Switching Mode Power Supply (SMPS) Topology will be explored.</a:t>
+            </a:r>
+          </a:p>
+        </p:txBody>
+      </p:sp>
+    </p:spTree>
+    <p:extLst>
+      <p:ext uri="{BB962C8B-B14F-4D97-AF65-F5344CB8AC3E}">
+        <p14:creationId xmlns:p14="http://schemas.microsoft.com/office/powerpoint/2010/main" val="17445567"/>
+      </p:ext>
+    </p:extLst>
+  </p:cSld>
+  <p:clrMapOvr>
+    <a:masterClrMapping/>
+  </p:clrMapOvr>
+</p:sld>
+</file>
+
+<file path=ppt/slides/slide9.xml><?xml version="1.0" encoding="utf-8"?>
+<p:sld xmlns:a="http://schemas.openxmlformats.org/drawingml/2006/main" xmlns:r="http://schemas.openxmlformats.org/officeDocument/2006/relationships" xmlns:p="http://schemas.openxmlformats.org/presentationml/2006/main">
+  <p:cSld>
+    <p:bg>
+      <p:bgPr>
+        <a:solidFill>
+          <a:schemeClr val="bg1"/>
+        </a:solidFill>
+        <a:effectLst/>
+      </p:bgPr>
+    </p:bg>
+    <p:spTree>
+      <p:nvGrpSpPr>
+        <p:cNvPr id="1" name=""/>
+        <p:cNvGrpSpPr/>
+        <p:nvPr/>
+      </p:nvGrpSpPr>
+      <p:grpSpPr>
+        <a:xfrm>
+          <a:off x="0" y="0"/>
+          <a:ext cx="0" cy="0"/>
+          <a:chOff x="0" y="0"/>
+          <a:chExt cx="0" cy="0"/>
+        </a:xfrm>
+      </p:grpSpPr>
+      <p:sp useBgFill="1">
+        <p:nvSpPr>
+          <p:cNvPr id="1031" name="Rectangle 1030">
+            <a:extLst>
+              <a:ext uri="{FF2B5EF4-FFF2-40B4-BE49-F238E27FC236}">
+                <a16:creationId xmlns:a16="http://schemas.microsoft.com/office/drawing/2014/main" id="{352BEC0E-22F8-46D0-9632-375DB541B06C}"/>
+              </a:ext>
+              <a:ext uri="{C183D7F6-B498-43B3-948B-1728B52AA6E4}">
+                <adec:decorative xmlns:adec="http://schemas.microsoft.com/office/drawing/2017/decorative" val="1"/>
+              </a:ext>
+            </a:extLst>
+          </p:cNvPr>
+          <p:cNvSpPr>
+            <a:spLocks noGrp="1" noRot="1" noChangeAspect="1" noMove="1" noResize="1" noEditPoints="1" noAdjustHandles="1" noChangeArrowheads="1" noChangeShapeType="1" noTextEdit="1"/>
+          </p:cNvSpPr>
+          <p:nvPr>
+            <p:extLst>
+              <p:ext uri="{386F3935-93C4-4BCD-93E2-E3B085C9AB24}">
+                <p16:designElem xmlns:p16="http://schemas.microsoft.com/office/powerpoint/2015/main" val="1"/>
+              </p:ext>
+            </p:extLst>
+          </p:nvPr>
+        </p:nvSpPr>
+        <p:spPr>
+          <a:xfrm>
+            <a:off x="0" y="0"/>
+            <a:ext cx="12188952" cy="6858000"/>
+          </a:xfrm>
+          <a:prstGeom prst="rect">
+            <a:avLst/>
+          </a:prstGeom>
+          <a:ln>
+            <a:noFill/>
+          </a:ln>
+        </p:spPr>
+        <p:style>
+          <a:lnRef idx="2">
+            <a:schemeClr val="accent1">
+              <a:shade val="50000"/>
+            </a:schemeClr>
+          </a:lnRef>
+          <a:fillRef idx="1">
+            <a:schemeClr val="accent1"/>
+          </a:fillRef>
+          <a:effectRef idx="0">
+            <a:schemeClr val="accent1"/>
+          </a:effectRef>
+          <a:fontRef idx="minor">
+            <a:schemeClr val="lt1"/>
+          </a:fontRef>
+        </p:style>
+        <p:txBody>
+          <a:bodyPr rtlCol="0" anchor="ctr"/>
+          <a:lstStyle/>
+          <a:p>
+            <a:pPr algn="ctr"/>
+            <a:endParaRPr lang="en-US"/>
+          </a:p>
+        </p:txBody>
+      </p:sp>
+      <p:sp>
+        <p:nvSpPr>
+          <p:cNvPr id="2" name="Title 1">
+            <a:extLst>
+              <a:ext uri="{FF2B5EF4-FFF2-40B4-BE49-F238E27FC236}">
+                <a16:creationId xmlns:a16="http://schemas.microsoft.com/office/drawing/2014/main" id="{A03AD6F7-BC38-4892-3AFA-5698A84796D9}"/>
+              </a:ext>
+            </a:extLst>
+          </p:cNvPr>
+          <p:cNvSpPr>
+            <a:spLocks noGrp="1"/>
+          </p:cNvSpPr>
+          <p:nvPr>
+            <p:ph type="title"/>
+          </p:nvPr>
+        </p:nvSpPr>
+        <p:spPr>
+          <a:xfrm>
+            <a:off x="640080" y="329184"/>
+            <a:ext cx="6894576" cy="1783080"/>
+          </a:xfrm>
+        </p:spPr>
+        <p:txBody>
+          <a:bodyPr anchor="b">
+            <a:normAutofit/>
+          </a:bodyPr>
+          <a:lstStyle/>
+          <a:p>
+            <a:r>
+              <a:rPr lang="en-US" sz="5400"/>
+              <a:t>Approach - IMU</a:t>
+            </a:r>
+          </a:p>
+        </p:txBody>
+      </p:sp>
+      <p:sp>
+        <p:nvSpPr>
+          <p:cNvPr id="1033" name="sketch line">
+            <a:extLst>
+              <a:ext uri="{FF2B5EF4-FFF2-40B4-BE49-F238E27FC236}">
+                <a16:creationId xmlns:a16="http://schemas.microsoft.com/office/drawing/2014/main" id="{3FCFB1DE-0B7E-48CC-BA90-B2AB0889F9D6}"/>
+              </a:ext>
+              <a:ext uri="{C183D7F6-B498-43B3-948B-1728B52AA6E4}">
+                <adec:decorative xmlns:adec="http://schemas.microsoft.com/office/drawing/2017/decorative" val="1"/>
+              </a:ext>
+            </a:extLst>
+          </p:cNvPr>
+          <p:cNvSpPr>
+            <a:spLocks noGrp="1" noRot="1" noChangeAspect="1" noMove="1" noResize="1" noEditPoints="1" noAdjustHandles="1" noChangeArrowheads="1" noChangeShapeType="1" noTextEdit="1"/>
+          </p:cNvSpPr>
+          <p:nvPr>
+            <p:extLst>
+              <p:ext uri="{386F3935-93C4-4BCD-93E2-E3B085C9AB24}">
+                <p16:designElem xmlns:p16="http://schemas.microsoft.com/office/powerpoint/2015/main" val="1"/>
+              </p:ext>
+            </p:extLst>
+          </p:nvPr>
+        </p:nvSpPr>
+        <p:spPr>
+          <a:xfrm>
+            <a:off x="758952" y="2395728"/>
+            <a:ext cx="4243589" cy="18288"/>
+          </a:xfrm>
+          <a:custGeom>
+            <a:avLst/>
+            <a:gdLst>
+              <a:gd name="connsiteX0" fmla="*/ 0 w 4243589"/>
+              <a:gd name="connsiteY0" fmla="*/ 0 h 18288"/>
+              <a:gd name="connsiteX1" fmla="*/ 478919 w 4243589"/>
+              <a:gd name="connsiteY1" fmla="*/ 0 h 18288"/>
+              <a:gd name="connsiteX2" fmla="*/ 957839 w 4243589"/>
+              <a:gd name="connsiteY2" fmla="*/ 0 h 18288"/>
+              <a:gd name="connsiteX3" fmla="*/ 1521630 w 4243589"/>
+              <a:gd name="connsiteY3" fmla="*/ 0 h 18288"/>
+              <a:gd name="connsiteX4" fmla="*/ 2212729 w 4243589"/>
+              <a:gd name="connsiteY4" fmla="*/ 0 h 18288"/>
+              <a:gd name="connsiteX5" fmla="*/ 2734084 w 4243589"/>
+              <a:gd name="connsiteY5" fmla="*/ 0 h 18288"/>
+              <a:gd name="connsiteX6" fmla="*/ 3255439 w 4243589"/>
+              <a:gd name="connsiteY6" fmla="*/ 0 h 18288"/>
+              <a:gd name="connsiteX7" fmla="*/ 4243589 w 4243589"/>
+              <a:gd name="connsiteY7" fmla="*/ 0 h 18288"/>
+              <a:gd name="connsiteX8" fmla="*/ 4243589 w 4243589"/>
+              <a:gd name="connsiteY8" fmla="*/ 18288 h 18288"/>
+              <a:gd name="connsiteX9" fmla="*/ 3594926 w 4243589"/>
+              <a:gd name="connsiteY9" fmla="*/ 18288 h 18288"/>
+              <a:gd name="connsiteX10" fmla="*/ 3073571 w 4243589"/>
+              <a:gd name="connsiteY10" fmla="*/ 18288 h 18288"/>
+              <a:gd name="connsiteX11" fmla="*/ 2552216 w 4243589"/>
+              <a:gd name="connsiteY11" fmla="*/ 18288 h 18288"/>
+              <a:gd name="connsiteX12" fmla="*/ 1903553 w 4243589"/>
+              <a:gd name="connsiteY12" fmla="*/ 18288 h 18288"/>
+              <a:gd name="connsiteX13" fmla="*/ 1212454 w 4243589"/>
+              <a:gd name="connsiteY13" fmla="*/ 18288 h 18288"/>
+              <a:gd name="connsiteX14" fmla="*/ 733535 w 4243589"/>
+              <a:gd name="connsiteY14" fmla="*/ 18288 h 18288"/>
+              <a:gd name="connsiteX15" fmla="*/ 0 w 4243589"/>
+              <a:gd name="connsiteY15" fmla="*/ 18288 h 18288"/>
+              <a:gd name="connsiteX16" fmla="*/ 0 w 4243589"/>
+              <a:gd name="connsiteY16" fmla="*/ 0 h 18288"/>
+            </a:gdLst>
+            <a:ahLst/>
+            <a:cxnLst>
+              <a:cxn ang="0">
+                <a:pos x="connsiteX0" y="connsiteY0"/>
+              </a:cxn>
+              <a:cxn ang="0">
+                <a:pos x="connsiteX1" y="connsiteY1"/>
+              </a:cxn>
+              <a:cxn ang="0">
+                <a:pos x="connsiteX2" y="connsiteY2"/>
+              </a:cxn>
+              <a:cxn ang="0">
+                <a:pos x="connsiteX3" y="connsiteY3"/>
+              </a:cxn>
+              <a:cxn ang="0">
+                <a:pos x="connsiteX4" y="connsiteY4"/>
+              </a:cxn>
+              <a:cxn ang="0">
+                <a:pos x="connsiteX5" y="connsiteY5"/>
+              </a:cxn>
+              <a:cxn ang="0">
+                <a:pos x="connsiteX6" y="connsiteY6"/>
+              </a:cxn>
+              <a:cxn ang="0">
+                <a:pos x="connsiteX7" y="connsiteY7"/>
+              </a:cxn>
+              <a:cxn ang="0">
+                <a:pos x="connsiteX8" y="connsiteY8"/>
+              </a:cxn>
+              <a:cxn ang="0">
+                <a:pos x="connsiteX9" y="connsiteY9"/>
+              </a:cxn>
+              <a:cxn ang="0">
+                <a:pos x="connsiteX10" y="connsiteY10"/>
+              </a:cxn>
+              <a:cxn ang="0">
+                <a:pos x="connsiteX11" y="connsiteY11"/>
+              </a:cxn>
+              <a:cxn ang="0">
+                <a:pos x="connsiteX12" y="connsiteY12"/>
+              </a:cxn>
+              <a:cxn ang="0">
+                <a:pos x="connsiteX13" y="connsiteY13"/>
+              </a:cxn>
+              <a:cxn ang="0">
+                <a:pos x="connsiteX14" y="connsiteY14"/>
+              </a:cxn>
+              <a:cxn ang="0">
+                <a:pos x="connsiteX15" y="connsiteY15"/>
+              </a:cxn>
+              <a:cxn ang="0">
+                <a:pos x="connsiteX16" y="connsiteY16"/>
+              </a:cxn>
+            </a:cxnLst>
+            <a:rect l="l" t="t" r="r" b="b"/>
+            <a:pathLst>
+              <a:path w="4243589" h="18288" fill="none" extrusionOk="0">
+                <a:moveTo>
+                  <a:pt x="0" y="0"/>
+                </a:moveTo>
+                <a:cubicBezTo>
+                  <a:pt x="213395" y="-21006"/>
+                  <a:pt x="307421" y="-18116"/>
+                  <a:pt x="478919" y="0"/>
+                </a:cubicBezTo>
+                <a:cubicBezTo>
+                  <a:pt x="650417" y="18116"/>
+                  <a:pt x="831092" y="-21237"/>
+                  <a:pt x="957839" y="0"/>
+                </a:cubicBezTo>
+                <a:cubicBezTo>
+                  <a:pt x="1084586" y="21237"/>
+                  <a:pt x="1301682" y="25124"/>
+                  <a:pt x="1521630" y="0"/>
+                </a:cubicBezTo>
+                <a:cubicBezTo>
+                  <a:pt x="1741578" y="-25124"/>
+                  <a:pt x="1970269" y="-29139"/>
+                  <a:pt x="2212729" y="0"/>
+                </a:cubicBezTo>
+                <a:cubicBezTo>
+                  <a:pt x="2455189" y="29139"/>
+                  <a:pt x="2558847" y="-4796"/>
+                  <a:pt x="2734084" y="0"/>
+                </a:cubicBezTo>
+                <a:cubicBezTo>
+                  <a:pt x="2909321" y="4796"/>
+                  <a:pt x="3097217" y="-13409"/>
+                  <a:pt x="3255439" y="0"/>
+                </a:cubicBezTo>
+                <a:cubicBezTo>
+                  <a:pt x="3413662" y="13409"/>
+                  <a:pt x="3979999" y="-10121"/>
+                  <a:pt x="4243589" y="0"/>
+                </a:cubicBezTo>
+                <a:cubicBezTo>
+                  <a:pt x="4244484" y="8974"/>
+                  <a:pt x="4243043" y="9359"/>
+                  <a:pt x="4243589" y="18288"/>
+                </a:cubicBezTo>
+                <a:cubicBezTo>
+                  <a:pt x="4058777" y="31246"/>
+                  <a:pt x="3910348" y="3158"/>
+                  <a:pt x="3594926" y="18288"/>
+                </a:cubicBezTo>
+                <a:cubicBezTo>
+                  <a:pt x="3279504" y="33418"/>
+                  <a:pt x="3319955" y="-3977"/>
+                  <a:pt x="3073571" y="18288"/>
+                </a:cubicBezTo>
+                <a:cubicBezTo>
+                  <a:pt x="2827187" y="40553"/>
+                  <a:pt x="2767387" y="1863"/>
+                  <a:pt x="2552216" y="18288"/>
+                </a:cubicBezTo>
+                <a:cubicBezTo>
+                  <a:pt x="2337046" y="34713"/>
+                  <a:pt x="2181871" y="19527"/>
+                  <a:pt x="1903553" y="18288"/>
+                </a:cubicBezTo>
+                <a:cubicBezTo>
+                  <a:pt x="1625235" y="17049"/>
+                  <a:pt x="1557672" y="24174"/>
+                  <a:pt x="1212454" y="18288"/>
+                </a:cubicBezTo>
+                <a:cubicBezTo>
+                  <a:pt x="867236" y="12402"/>
+                  <a:pt x="874382" y="15627"/>
+                  <a:pt x="733535" y="18288"/>
+                </a:cubicBezTo>
+                <a:cubicBezTo>
+                  <a:pt x="592688" y="20949"/>
+                  <a:pt x="183477" y="14753"/>
+                  <a:pt x="0" y="18288"/>
+                </a:cubicBezTo>
+                <a:cubicBezTo>
+                  <a:pt x="-229" y="14222"/>
+                  <a:pt x="509" y="5816"/>
+                  <a:pt x="0" y="0"/>
+                </a:cubicBezTo>
+                <a:close/>
+              </a:path>
+              <a:path w="4243589" h="18288" stroke="0" extrusionOk="0">
+                <a:moveTo>
+                  <a:pt x="0" y="0"/>
+                </a:moveTo>
+                <a:cubicBezTo>
+                  <a:pt x="143690" y="16630"/>
+                  <a:pt x="266667" y="14847"/>
+                  <a:pt x="521355" y="0"/>
+                </a:cubicBezTo>
+                <a:cubicBezTo>
+                  <a:pt x="776043" y="-14847"/>
+                  <a:pt x="814491" y="-17363"/>
+                  <a:pt x="1000275" y="0"/>
+                </a:cubicBezTo>
+                <a:cubicBezTo>
+                  <a:pt x="1186059" y="17363"/>
+                  <a:pt x="1352504" y="-23507"/>
+                  <a:pt x="1521630" y="0"/>
+                </a:cubicBezTo>
+                <a:cubicBezTo>
+                  <a:pt x="1690756" y="23507"/>
+                  <a:pt x="1889525" y="5871"/>
+                  <a:pt x="2127857" y="0"/>
+                </a:cubicBezTo>
+                <a:cubicBezTo>
+                  <a:pt x="2366189" y="-5871"/>
+                  <a:pt x="2620628" y="-27997"/>
+                  <a:pt x="2776520" y="0"/>
+                </a:cubicBezTo>
+                <a:cubicBezTo>
+                  <a:pt x="2932412" y="27997"/>
+                  <a:pt x="3131683" y="-25073"/>
+                  <a:pt x="3467618" y="0"/>
+                </a:cubicBezTo>
+                <a:cubicBezTo>
+                  <a:pt x="3803553" y="25073"/>
+                  <a:pt x="4017371" y="3071"/>
+                  <a:pt x="4243589" y="0"/>
+                </a:cubicBezTo>
+                <a:cubicBezTo>
+                  <a:pt x="4243134" y="6162"/>
+                  <a:pt x="4243492" y="11775"/>
+                  <a:pt x="4243589" y="18288"/>
+                </a:cubicBezTo>
+                <a:cubicBezTo>
+                  <a:pt x="4017834" y="-5779"/>
+                  <a:pt x="3834586" y="13376"/>
+                  <a:pt x="3594926" y="18288"/>
+                </a:cubicBezTo>
+                <a:cubicBezTo>
+                  <a:pt x="3355266" y="23200"/>
+                  <a:pt x="3204179" y="2869"/>
+                  <a:pt x="2903827" y="18288"/>
+                </a:cubicBezTo>
+                <a:cubicBezTo>
+                  <a:pt x="2603475" y="33707"/>
+                  <a:pt x="2526187" y="46187"/>
+                  <a:pt x="2212729" y="18288"/>
+                </a:cubicBezTo>
+                <a:cubicBezTo>
+                  <a:pt x="1899271" y="-9611"/>
+                  <a:pt x="1966289" y="29692"/>
+                  <a:pt x="1733809" y="18288"/>
+                </a:cubicBezTo>
+                <a:cubicBezTo>
+                  <a:pt x="1501329" y="6884"/>
+                  <a:pt x="1343612" y="12492"/>
+                  <a:pt x="1085146" y="18288"/>
+                </a:cubicBezTo>
+                <a:cubicBezTo>
+                  <a:pt x="826680" y="24084"/>
+                  <a:pt x="778184" y="35607"/>
+                  <a:pt x="521355" y="18288"/>
+                </a:cubicBezTo>
+                <a:cubicBezTo>
+                  <a:pt x="264526" y="969"/>
+                  <a:pt x="120277" y="4268"/>
+                  <a:pt x="0" y="18288"/>
+                </a:cubicBezTo>
+                <a:cubicBezTo>
+                  <a:pt x="766" y="10800"/>
+                  <a:pt x="-457" y="8180"/>
+                  <a:pt x="0" y="0"/>
+                </a:cubicBezTo>
+                <a:close/>
+              </a:path>
+            </a:pathLst>
+          </a:custGeom>
+          <a:solidFill>
+            <a:schemeClr val="accent2"/>
+          </a:solidFill>
+          <a:ln w="41275" cap="rnd">
+            <a:solidFill>
+              <a:schemeClr val="accent2"/>
+            </a:solidFill>
+            <a:round/>
+            <a:extLst>
+              <a:ext uri="{C807C97D-BFC1-408E-A445-0C87EB9F89A2}">
+                <ask:lineSketchStyleProps xmlns:ask="http://schemas.microsoft.com/office/drawing/2018/sketchyshapes" sd="2727557108">
+                  <a:prstGeom prst="rect">
+                    <a:avLst/>
+                  </a:prstGeom>
+                  <ask:type>
+                    <ask:lineSketchFreehand/>
+                  </ask:type>
+                </ask:lineSketchStyleProps>
+              </a:ext>
+            </a:extLst>
+          </a:ln>
+        </p:spPr>
+        <p:style>
+          <a:lnRef idx="2">
+            <a:schemeClr val="accent1">
+              <a:shade val="50000"/>
+            </a:schemeClr>
+          </a:lnRef>
+          <a:fillRef idx="1">
+            <a:schemeClr val="accent1"/>
+          </a:fillRef>
+          <a:effectRef idx="0">
+            <a:schemeClr val="accent1"/>
+          </a:effectRef>
+          <a:fontRef idx="minor">
+            <a:schemeClr val="lt1"/>
+          </a:fontRef>
+        </p:style>
+        <p:txBody>
+          <a:bodyPr rtlCol="0" anchor="ctr"/>
+          <a:lstStyle/>
+          <a:p>
+            <a:pPr algn="ctr"/>
+            <a:endParaRPr lang="en-US"/>
+          </a:p>
+        </p:txBody>
+      </p:sp>
+      <p:sp>
+        <p:nvSpPr>
+          <p:cNvPr id="3" name="Content Placeholder 2">
+            <a:extLst>
+              <a:ext uri="{FF2B5EF4-FFF2-40B4-BE49-F238E27FC236}">
+                <a16:creationId xmlns:a16="http://schemas.microsoft.com/office/drawing/2014/main" id="{EFCA95B8-C627-F183-42FC-E37C168A8FE5}"/>
+              </a:ext>
+            </a:extLst>
+          </p:cNvPr>
+          <p:cNvSpPr>
+            <a:spLocks noGrp="1"/>
+          </p:cNvSpPr>
+          <p:nvPr>
+            <p:ph idx="1"/>
+          </p:nvPr>
+        </p:nvSpPr>
+        <p:spPr>
+          <a:xfrm>
+            <a:off x="640080" y="2706624"/>
+            <a:ext cx="6894576" cy="3483864"/>
+          </a:xfrm>
+        </p:spPr>
+        <p:txBody>
+          <a:bodyPr>
+            <a:normAutofit/>
+          </a:bodyPr>
+          <a:lstStyle/>
+          <a:p>
+            <a:r>
+              <a:rPr lang="en-US" sz="2200" dirty="0"/>
+              <a:t>BNO085 – Intelligent 9-axis Inertial Measurement Unit (IMU)</a:t>
+            </a:r>
+          </a:p>
+          <a:p>
+            <a:pPr lvl="1"/>
+            <a:r>
+              <a:rPr lang="en-US" sz="2200" dirty="0"/>
+              <a:t>Low G Accelerometer, Gyroscope, and Magnetometer</a:t>
+            </a:r>
+          </a:p>
+          <a:p>
+            <a:pPr lvl="1"/>
+            <a:r>
+              <a:rPr lang="en-US" sz="2200" dirty="0"/>
+              <a:t>Contains on chip signal processing and filtering for 3D orientation and position</a:t>
+            </a:r>
+          </a:p>
+          <a:p>
+            <a:pPr lvl="1"/>
+            <a:r>
+              <a:rPr lang="en-US" sz="2200" dirty="0"/>
+              <a:t>Supports additional sensors through secondary I2C bus connection</a:t>
+            </a:r>
+          </a:p>
+          <a:p>
+            <a:r>
+              <a:rPr lang="en-US" sz="2200" dirty="0"/>
+              <a:t>Used in application such as Tablets and VR/AR motion trackers</a:t>
+            </a:r>
+          </a:p>
+          <a:p>
+            <a:pPr lvl="1"/>
+            <a:endParaRPr lang="en-US" sz="2200" dirty="0"/>
+          </a:p>
+        </p:txBody>
+      </p:sp>
+      <p:pic>
+        <p:nvPicPr>
+          <p:cNvPr id="1026" name="Picture 2" descr="BNO085">
+            <a:extLst>
+              <a:ext uri="{FF2B5EF4-FFF2-40B4-BE49-F238E27FC236}">
+                <a16:creationId xmlns:a16="http://schemas.microsoft.com/office/drawing/2014/main" id="{CC4CE727-D079-FFFA-34FC-806C7F4D9947}"/>
+              </a:ext>
+            </a:extLst>
+          </p:cNvPr>
+          <p:cNvPicPr>
+            <a:picLocks noChangeAspect="1" noChangeArrowheads="1"/>
+          </p:cNvPicPr>
+          <p:nvPr/>
+        </p:nvPicPr>
+        <p:blipFill>
+          <a:blip r:embed="rId3">
+            <a:extLst>
+              <a:ext uri="{28A0092B-C50C-407E-A947-70E740481C1C}">
+                <a14:useLocalDpi xmlns:a14="http://schemas.microsoft.com/office/drawing/2010/main" val="0"/>
+              </a:ext>
+            </a:extLst>
+          </a:blip>
+          <a:stretch>
+            <a:fillRect/>
+          </a:stretch>
+        </p:blipFill>
+        <p:spPr bwMode="auto">
+          <a:xfrm>
+            <a:off x="8293608" y="1714015"/>
+            <a:ext cx="3429969" cy="3429969"/>
+          </a:xfrm>
+          <a:prstGeom prst="rect">
+            <a:avLst/>
+          </a:prstGeom>
+          <a:noFill/>
+          <a:extLst>
+            <a:ext uri="{909E8E84-426E-40DD-AFC4-6F175D3DCCD1}">
+              <a14:hiddenFill xmlns:a14="http://schemas.microsoft.com/office/drawing/2010/main">
+                <a:solidFill>
+                  <a:srgbClr val="FFFFFF"/>
+                </a:solidFill>
+              </a14:hiddenFill>
+            </a:ext>
+          </a:extLst>
+        </p:spPr>
+      </p:pic>
+    </p:spTree>
+    <p:extLst>
+      <p:ext uri="{BB962C8B-B14F-4D97-AF65-F5344CB8AC3E}">
+        <p14:creationId xmlns:p14="http://schemas.microsoft.com/office/powerpoint/2010/main" val="888796938"/>
       </p:ext>
     </p:extLst>
   </p:cSld>
@@ -24399,6 +24367,23 @@
 </file>
 
 <file path=customXml/item1.xml><?xml version="1.0" encoding="utf-8"?>
+<?mso-contentType ?>
+<FormTemplates xmlns="http://schemas.microsoft.com/sharepoint/v3/contenttype/forms">
+  <Display>DocumentLibraryForm</Display>
+  <Edit>DocumentLibraryForm</Edit>
+  <New>DocumentLibraryForm</New>
+</FormTemplates>
+</file>
+
+<file path=customXml/item2.xml><?xml version="1.0" encoding="utf-8"?>
+<p:properties xmlns:p="http://schemas.microsoft.com/office/2006/metadata/properties" xmlns:xsi="http://www.w3.org/2001/XMLSchema-instance" xmlns:pc="http://schemas.microsoft.com/office/infopath/2007/PartnerControls">
+  <documentManagement>
+    <_activity xmlns="218cae68-0ddc-43bb-9a29-52a0402d6cb9" xsi:nil="true"/>
+  </documentManagement>
+</p:properties>
+</file>
+
+<file path=customXml/item3.xml><?xml version="1.0" encoding="utf-8"?>
 <ct:contentTypeSchema xmlns:ct="http://schemas.microsoft.com/office/2006/metadata/contentType" xmlns:ma="http://schemas.microsoft.com/office/2006/metadata/properties/metaAttributes" ct:_="" ma:_="" ma:contentTypeName="Document" ma:contentTypeID="0x0101009ADC84C2C2689F418E5BAD3CA70F51C1" ma:contentTypeVersion="15" ma:contentTypeDescription="Create a new document." ma:contentTypeScope="" ma:versionID="dfa36a507fa972b0dae0ef5557aeb3eb">
   <xsd:schema xmlns:xsd="http://www.w3.org/2001/XMLSchema" xmlns:xs="http://www.w3.org/2001/XMLSchema" xmlns:p="http://schemas.microsoft.com/office/2006/metadata/properties" xmlns:ns3="218cae68-0ddc-43bb-9a29-52a0402d6cb9" xmlns:ns4="703aeb73-56ce-48f3-9277-f60cff690132" targetNamespace="http://schemas.microsoft.com/office/2006/metadata/properties" ma:root="true" ma:fieldsID="cb78c5b39430d5080de0e1d97c12cd45" ns3:_="" ns4:_="">
     <xsd:import namespace="218cae68-0ddc-43bb-9a29-52a0402d6cb9"/>
@@ -24631,38 +24616,10 @@
 </ct:contentTypeSchema>
 </file>
 
-<file path=customXml/item2.xml><?xml version="1.0" encoding="utf-8"?>
-<p:properties xmlns:p="http://schemas.microsoft.com/office/2006/metadata/properties" xmlns:xsi="http://www.w3.org/2001/XMLSchema-instance" xmlns:pc="http://schemas.microsoft.com/office/infopath/2007/PartnerControls">
-  <documentManagement>
-    <_activity xmlns="218cae68-0ddc-43bb-9a29-52a0402d6cb9" xsi:nil="true"/>
-  </documentManagement>
-</p:properties>
-</file>
-
-<file path=customXml/item3.xml><?xml version="1.0" encoding="utf-8"?>
-<?mso-contentType ?>
-<FormTemplates xmlns="http://schemas.microsoft.com/sharepoint/v3/contenttype/forms">
-  <Display>DocumentLibraryForm</Display>
-  <Edit>DocumentLibraryForm</Edit>
-  <New>DocumentLibraryForm</New>
-</FormTemplates>
-</file>
-
 <file path=customXml/itemProps1.xml><?xml version="1.0" encoding="utf-8"?>
-<ds:datastoreItem xmlns:ds="http://schemas.openxmlformats.org/officeDocument/2006/customXml" ds:itemID="{0058B037-F10E-47D7-816C-415ABC0EB55F}">
+<ds:datastoreItem xmlns:ds="http://schemas.openxmlformats.org/officeDocument/2006/customXml" ds:itemID="{3A69843A-82BD-41BC-9CFD-7A6BCBCF50D4}">
   <ds:schemaRefs>
-    <ds:schemaRef ds:uri="http://schemas.microsoft.com/office/2006/metadata/contentType"/>
-    <ds:schemaRef ds:uri="http://schemas.microsoft.com/office/2006/metadata/properties/metaAttributes"/>
-    <ds:schemaRef ds:uri="http://www.w3.org/2001/XMLSchema"/>
-    <ds:schemaRef ds:uri="http://schemas.microsoft.com/office/2006/metadata/properties"/>
-    <ds:schemaRef ds:uri="218cae68-0ddc-43bb-9a29-52a0402d6cb9"/>
-    <ds:schemaRef ds:uri="703aeb73-56ce-48f3-9277-f60cff690132"/>
-    <ds:schemaRef ds:uri="http://schemas.microsoft.com/office/2006/documentManagement/types"/>
-    <ds:schemaRef ds:uri="http://schemas.microsoft.com/office/infopath/2007/PartnerControls"/>
-    <ds:schemaRef ds:uri="http://schemas.openxmlformats.org/package/2006/metadata/core-properties"/>
-    <ds:schemaRef ds:uri="http://purl.org/dc/elements/1.1/"/>
-    <ds:schemaRef ds:uri="http://purl.org/dc/terms/"/>
-    <ds:schemaRef ds:uri="http://schemas.microsoft.com/internal/obd"/>
+    <ds:schemaRef ds:uri="http://schemas.microsoft.com/sharepoint/v3/contenttype/forms"/>
   </ds:schemaRefs>
 </ds:datastoreItem>
 </file>
@@ -24685,9 +24642,20 @@
 </file>
 
 <file path=customXml/itemProps3.xml><?xml version="1.0" encoding="utf-8"?>
-<ds:datastoreItem xmlns:ds="http://schemas.openxmlformats.org/officeDocument/2006/customXml" ds:itemID="{3A69843A-82BD-41BC-9CFD-7A6BCBCF50D4}">
+<ds:datastoreItem xmlns:ds="http://schemas.openxmlformats.org/officeDocument/2006/customXml" ds:itemID="{0058B037-F10E-47D7-816C-415ABC0EB55F}">
   <ds:schemaRefs>
-    <ds:schemaRef ds:uri="http://schemas.microsoft.com/sharepoint/v3/contenttype/forms"/>
+    <ds:schemaRef ds:uri="http://schemas.microsoft.com/office/2006/metadata/contentType"/>
+    <ds:schemaRef ds:uri="http://schemas.microsoft.com/office/2006/metadata/properties/metaAttributes"/>
+    <ds:schemaRef ds:uri="http://www.w3.org/2001/XMLSchema"/>
+    <ds:schemaRef ds:uri="http://schemas.microsoft.com/office/2006/metadata/properties"/>
+    <ds:schemaRef ds:uri="218cae68-0ddc-43bb-9a29-52a0402d6cb9"/>
+    <ds:schemaRef ds:uri="703aeb73-56ce-48f3-9277-f60cff690132"/>
+    <ds:schemaRef ds:uri="http://schemas.microsoft.com/office/2006/documentManagement/types"/>
+    <ds:schemaRef ds:uri="http://schemas.microsoft.com/office/infopath/2007/PartnerControls"/>
+    <ds:schemaRef ds:uri="http://schemas.openxmlformats.org/package/2006/metadata/core-properties"/>
+    <ds:schemaRef ds:uri="http://purl.org/dc/elements/1.1/"/>
+    <ds:schemaRef ds:uri="http://purl.org/dc/terms/"/>
+    <ds:schemaRef ds:uri="http://schemas.microsoft.com/internal/obd"/>
   </ds:schemaRefs>
 </ds:datastoreItem>
 </file>
--- a/Documents/FInal Presentation/Final_Presentation.pptx
+++ b/Documents/FInal Presentation/Final_Presentation.pptx
@@ -21,8 +21,8 @@
     <p:sldId id="269" r:id="rId15"/>
     <p:sldId id="270" r:id="rId16"/>
     <p:sldId id="274" r:id="rId17"/>
-    <p:sldId id="271" r:id="rId18"/>
-    <p:sldId id="263" r:id="rId19"/>
+    <p:sldId id="263" r:id="rId18"/>
+    <p:sldId id="271" r:id="rId19"/>
     <p:sldId id="272" r:id="rId20"/>
     <p:sldId id="264" r:id="rId21"/>
     <p:sldId id="265" r:id="rId22"/>
@@ -3991,7 +3991,7 @@
           <a:p>
             <a:r>
               <a:rPr lang="en-US" dirty="0"/>
-              <a:t>Ethan</a:t>
+              <a:t>Nathan</a:t>
             </a:r>
           </a:p>
         </p:txBody>
@@ -4022,7 +4022,7 @@
     </p:spTree>
     <p:extLst>
       <p:ext uri="{BB962C8B-B14F-4D97-AF65-F5344CB8AC3E}">
-        <p14:creationId xmlns:p14="http://schemas.microsoft.com/office/powerpoint/2010/main" val="404455135"/>
+        <p14:creationId xmlns:p14="http://schemas.microsoft.com/office/powerpoint/2010/main" val="1003203586"/>
       </p:ext>
     </p:extLst>
   </p:cSld>
@@ -4109,7 +4109,7 @@
     </p:spTree>
     <p:extLst>
       <p:ext uri="{BB962C8B-B14F-4D97-AF65-F5344CB8AC3E}">
-        <p14:creationId xmlns:p14="http://schemas.microsoft.com/office/powerpoint/2010/main" val="1003203586"/>
+        <p14:creationId xmlns:p14="http://schemas.microsoft.com/office/powerpoint/2010/main" val="404455135"/>
       </p:ext>
     </p:extLst>
   </p:cSld>
@@ -10593,489 +10593,6 @@
       </p:grpSpPr>
       <p:sp useBgFill="1">
         <p:nvSpPr>
-          <p:cNvPr id="19" name="Rectangle 18">
-            <a:extLst>
-              <a:ext uri="{FF2B5EF4-FFF2-40B4-BE49-F238E27FC236}">
-                <a16:creationId xmlns:a16="http://schemas.microsoft.com/office/drawing/2014/main" id="{2B97F24A-32CE-4C1C-A50D-3016B394DCFB}"/>
-              </a:ext>
-              <a:ext uri="{C183D7F6-B498-43B3-948B-1728B52AA6E4}">
-                <adec:decorative xmlns:adec="http://schemas.microsoft.com/office/drawing/2017/decorative" val="1"/>
-              </a:ext>
-            </a:extLst>
-          </p:cNvPr>
-          <p:cNvSpPr>
-            <a:spLocks noGrp="1" noRot="1" noChangeAspect="1" noMove="1" noResize="1" noEditPoints="1" noAdjustHandles="1" noChangeArrowheads="1" noChangeShapeType="1" noTextEdit="1"/>
-          </p:cNvSpPr>
-          <p:nvPr>
-            <p:extLst>
-              <p:ext uri="{386F3935-93C4-4BCD-93E2-E3B085C9AB24}">
-                <p16:designElem xmlns:p16="http://schemas.microsoft.com/office/powerpoint/2015/main" val="1"/>
-              </p:ext>
-            </p:extLst>
-          </p:nvPr>
-        </p:nvSpPr>
-        <p:spPr>
-          <a:xfrm>
-            <a:off x="0" y="0"/>
-            <a:ext cx="12192000" cy="6858000"/>
-          </a:xfrm>
-          <a:prstGeom prst="rect">
-            <a:avLst/>
-          </a:prstGeom>
-          <a:ln>
-            <a:noFill/>
-          </a:ln>
-        </p:spPr>
-        <p:style>
-          <a:lnRef idx="2">
-            <a:schemeClr val="accent1">
-              <a:shade val="50000"/>
-            </a:schemeClr>
-          </a:lnRef>
-          <a:fillRef idx="1">
-            <a:schemeClr val="accent1"/>
-          </a:fillRef>
-          <a:effectRef idx="0">
-            <a:schemeClr val="accent1"/>
-          </a:effectRef>
-          <a:fontRef idx="minor">
-            <a:schemeClr val="lt1"/>
-          </a:fontRef>
-        </p:style>
-        <p:txBody>
-          <a:bodyPr rtlCol="0" anchor="ctr"/>
-          <a:lstStyle/>
-          <a:p>
-            <a:pPr algn="ctr"/>
-            <a:endParaRPr lang="en-US"/>
-          </a:p>
-        </p:txBody>
-      </p:sp>
-      <p:sp>
-        <p:nvSpPr>
-          <p:cNvPr id="2" name="Title 1">
-            <a:extLst>
-              <a:ext uri="{FF2B5EF4-FFF2-40B4-BE49-F238E27FC236}">
-                <a16:creationId xmlns:a16="http://schemas.microsoft.com/office/drawing/2014/main" id="{EA6493CF-AA83-E5D3-C9E0-B7D3988E4628}"/>
-              </a:ext>
-            </a:extLst>
-          </p:cNvPr>
-          <p:cNvSpPr>
-            <a:spLocks noGrp="1"/>
-          </p:cNvSpPr>
-          <p:nvPr>
-            <p:ph type="title"/>
-          </p:nvPr>
-        </p:nvSpPr>
-        <p:spPr>
-          <a:xfrm>
-            <a:off x="630936" y="639520"/>
-            <a:ext cx="3429000" cy="1719072"/>
-          </a:xfrm>
-        </p:spPr>
-        <p:txBody>
-          <a:bodyPr anchor="b">
-            <a:normAutofit/>
-          </a:bodyPr>
-          <a:lstStyle/>
-          <a:p>
-            <a:r>
-              <a:rPr lang="en-US" sz="5400"/>
-              <a:t>Testing Board</a:t>
-            </a:r>
-          </a:p>
-        </p:txBody>
-      </p:sp>
-      <p:sp>
-        <p:nvSpPr>
-          <p:cNvPr id="20" name="sketch line">
-            <a:extLst>
-              <a:ext uri="{FF2B5EF4-FFF2-40B4-BE49-F238E27FC236}">
-                <a16:creationId xmlns:a16="http://schemas.microsoft.com/office/drawing/2014/main" id="{CD8B4F24-440B-49E9-B85D-733523DC064B}"/>
-              </a:ext>
-              <a:ext uri="{C183D7F6-B498-43B3-948B-1728B52AA6E4}">
-                <adec:decorative xmlns:adec="http://schemas.microsoft.com/office/drawing/2017/decorative" val="1"/>
-              </a:ext>
-            </a:extLst>
-          </p:cNvPr>
-          <p:cNvSpPr>
-            <a:spLocks noGrp="1" noRot="1" noChangeAspect="1" noMove="1" noResize="1" noEditPoints="1" noAdjustHandles="1" noChangeArrowheads="1" noChangeShapeType="1" noTextEdit="1"/>
-          </p:cNvSpPr>
-          <p:nvPr>
-            <p:extLst>
-              <p:ext uri="{386F3935-93C4-4BCD-93E2-E3B085C9AB24}">
-                <p16:designElem xmlns:p16="http://schemas.microsoft.com/office/powerpoint/2015/main" val="1"/>
-              </p:ext>
-            </p:extLst>
-          </p:nvPr>
-        </p:nvSpPr>
-        <p:spPr>
-          <a:xfrm>
-            <a:off x="643278" y="2573756"/>
-            <a:ext cx="3255095" cy="18288"/>
-          </a:xfrm>
-          <a:custGeom>
-            <a:avLst/>
-            <a:gdLst>
-              <a:gd name="connsiteX0" fmla="*/ 0 w 3255095"/>
-              <a:gd name="connsiteY0" fmla="*/ 0 h 18288"/>
-              <a:gd name="connsiteX1" fmla="*/ 618468 w 3255095"/>
-              <a:gd name="connsiteY1" fmla="*/ 0 h 18288"/>
-              <a:gd name="connsiteX2" fmla="*/ 1269487 w 3255095"/>
-              <a:gd name="connsiteY2" fmla="*/ 0 h 18288"/>
-              <a:gd name="connsiteX3" fmla="*/ 1953057 w 3255095"/>
-              <a:gd name="connsiteY3" fmla="*/ 0 h 18288"/>
-              <a:gd name="connsiteX4" fmla="*/ 2636627 w 3255095"/>
-              <a:gd name="connsiteY4" fmla="*/ 0 h 18288"/>
-              <a:gd name="connsiteX5" fmla="*/ 3255095 w 3255095"/>
-              <a:gd name="connsiteY5" fmla="*/ 0 h 18288"/>
-              <a:gd name="connsiteX6" fmla="*/ 3255095 w 3255095"/>
-              <a:gd name="connsiteY6" fmla="*/ 18288 h 18288"/>
-              <a:gd name="connsiteX7" fmla="*/ 2538974 w 3255095"/>
-              <a:gd name="connsiteY7" fmla="*/ 18288 h 18288"/>
-              <a:gd name="connsiteX8" fmla="*/ 1822853 w 3255095"/>
-              <a:gd name="connsiteY8" fmla="*/ 18288 h 18288"/>
-              <a:gd name="connsiteX9" fmla="*/ 1171834 w 3255095"/>
-              <a:gd name="connsiteY9" fmla="*/ 18288 h 18288"/>
-              <a:gd name="connsiteX10" fmla="*/ 0 w 3255095"/>
-              <a:gd name="connsiteY10" fmla="*/ 18288 h 18288"/>
-              <a:gd name="connsiteX11" fmla="*/ 0 w 3255095"/>
-              <a:gd name="connsiteY11" fmla="*/ 0 h 18288"/>
-            </a:gdLst>
-            <a:ahLst/>
-            <a:cxnLst>
-              <a:cxn ang="0">
-                <a:pos x="connsiteX0" y="connsiteY0"/>
-              </a:cxn>
-              <a:cxn ang="0">
-                <a:pos x="connsiteX1" y="connsiteY1"/>
-              </a:cxn>
-              <a:cxn ang="0">
-                <a:pos x="connsiteX2" y="connsiteY2"/>
-              </a:cxn>
-              <a:cxn ang="0">
-                <a:pos x="connsiteX3" y="connsiteY3"/>
-              </a:cxn>
-              <a:cxn ang="0">
-                <a:pos x="connsiteX4" y="connsiteY4"/>
-              </a:cxn>
-              <a:cxn ang="0">
-                <a:pos x="connsiteX5" y="connsiteY5"/>
-              </a:cxn>
-              <a:cxn ang="0">
-                <a:pos x="connsiteX6" y="connsiteY6"/>
-              </a:cxn>
-              <a:cxn ang="0">
-                <a:pos x="connsiteX7" y="connsiteY7"/>
-              </a:cxn>
-              <a:cxn ang="0">
-                <a:pos x="connsiteX8" y="connsiteY8"/>
-              </a:cxn>
-              <a:cxn ang="0">
-                <a:pos x="connsiteX9" y="connsiteY9"/>
-              </a:cxn>
-              <a:cxn ang="0">
-                <a:pos x="connsiteX10" y="connsiteY10"/>
-              </a:cxn>
-              <a:cxn ang="0">
-                <a:pos x="connsiteX11" y="connsiteY11"/>
-              </a:cxn>
-            </a:cxnLst>
-            <a:rect l="l" t="t" r="r" b="b"/>
-            <a:pathLst>
-              <a:path w="3255095" h="18288" fill="none" extrusionOk="0">
-                <a:moveTo>
-                  <a:pt x="0" y="0"/>
-                </a:moveTo>
-                <a:cubicBezTo>
-                  <a:pt x="240201" y="-22123"/>
-                  <a:pt x="462021" y="-19623"/>
-                  <a:pt x="618468" y="0"/>
-                </a:cubicBezTo>
-                <a:cubicBezTo>
-                  <a:pt x="774915" y="19623"/>
-                  <a:pt x="974734" y="2035"/>
-                  <a:pt x="1269487" y="0"/>
-                </a:cubicBezTo>
-                <a:cubicBezTo>
-                  <a:pt x="1564240" y="-2035"/>
-                  <a:pt x="1733579" y="10639"/>
-                  <a:pt x="1953057" y="0"/>
-                </a:cubicBezTo>
-                <a:cubicBezTo>
-                  <a:pt x="2172535" y="-10639"/>
-                  <a:pt x="2453962" y="14018"/>
-                  <a:pt x="2636627" y="0"/>
-                </a:cubicBezTo>
-                <a:cubicBezTo>
-                  <a:pt x="2819292" y="-14018"/>
-                  <a:pt x="3121375" y="5399"/>
-                  <a:pt x="3255095" y="0"/>
-                </a:cubicBezTo>
-                <a:cubicBezTo>
-                  <a:pt x="3254386" y="8157"/>
-                  <a:pt x="3254682" y="12125"/>
-                  <a:pt x="3255095" y="18288"/>
-                </a:cubicBezTo>
-                <a:cubicBezTo>
-                  <a:pt x="3088545" y="23203"/>
-                  <a:pt x="2687475" y="7419"/>
-                  <a:pt x="2538974" y="18288"/>
-                </a:cubicBezTo>
-                <a:cubicBezTo>
-                  <a:pt x="2390473" y="29157"/>
-                  <a:pt x="2137381" y="-8959"/>
-                  <a:pt x="1822853" y="18288"/>
-                </a:cubicBezTo>
-                <a:cubicBezTo>
-                  <a:pt x="1508325" y="45535"/>
-                  <a:pt x="1466437" y="20385"/>
-                  <a:pt x="1171834" y="18288"/>
-                </a:cubicBezTo>
-                <a:cubicBezTo>
-                  <a:pt x="877231" y="16191"/>
-                  <a:pt x="561097" y="37643"/>
-                  <a:pt x="0" y="18288"/>
-                </a:cubicBezTo>
-                <a:cubicBezTo>
-                  <a:pt x="-46" y="12483"/>
-                  <a:pt x="-203" y="6491"/>
-                  <a:pt x="0" y="0"/>
-                </a:cubicBezTo>
-                <a:close/>
-              </a:path>
-              <a:path w="3255095" h="18288" stroke="0" extrusionOk="0">
-                <a:moveTo>
-                  <a:pt x="0" y="0"/>
-                </a:moveTo>
-                <a:cubicBezTo>
-                  <a:pt x="291965" y="19429"/>
-                  <a:pt x="363155" y="8568"/>
-                  <a:pt x="618468" y="0"/>
-                </a:cubicBezTo>
-                <a:cubicBezTo>
-                  <a:pt x="873781" y="-8568"/>
-                  <a:pt x="904459" y="-19505"/>
-                  <a:pt x="1171834" y="0"/>
-                </a:cubicBezTo>
-                <a:cubicBezTo>
-                  <a:pt x="1439209" y="19505"/>
-                  <a:pt x="1744369" y="9790"/>
-                  <a:pt x="1887955" y="0"/>
-                </a:cubicBezTo>
-                <a:cubicBezTo>
-                  <a:pt x="2031541" y="-9790"/>
-                  <a:pt x="2346378" y="21240"/>
-                  <a:pt x="2506423" y="0"/>
-                </a:cubicBezTo>
-                <a:cubicBezTo>
-                  <a:pt x="2666468" y="-21240"/>
-                  <a:pt x="2990257" y="30414"/>
-                  <a:pt x="3255095" y="0"/>
-                </a:cubicBezTo>
-                <a:cubicBezTo>
-                  <a:pt x="3254831" y="4493"/>
-                  <a:pt x="3255479" y="9472"/>
-                  <a:pt x="3255095" y="18288"/>
-                </a:cubicBezTo>
-                <a:cubicBezTo>
-                  <a:pt x="3120743" y="16690"/>
-                  <a:pt x="2759628" y="42462"/>
-                  <a:pt x="2604076" y="18288"/>
-                </a:cubicBezTo>
-                <a:cubicBezTo>
-                  <a:pt x="2448524" y="-5886"/>
-                  <a:pt x="2184336" y="19599"/>
-                  <a:pt x="1887955" y="18288"/>
-                </a:cubicBezTo>
-                <a:cubicBezTo>
-                  <a:pt x="1591574" y="16977"/>
-                  <a:pt x="1548845" y="6870"/>
-                  <a:pt x="1334589" y="18288"/>
-                </a:cubicBezTo>
-                <a:cubicBezTo>
-                  <a:pt x="1120333" y="29706"/>
-                  <a:pt x="996014" y="9662"/>
-                  <a:pt x="683570" y="18288"/>
-                </a:cubicBezTo>
-                <a:cubicBezTo>
-                  <a:pt x="371126" y="26914"/>
-                  <a:pt x="198687" y="16167"/>
-                  <a:pt x="0" y="18288"/>
-                </a:cubicBezTo>
-                <a:cubicBezTo>
-                  <a:pt x="843" y="9577"/>
-                  <a:pt x="371" y="6900"/>
-                  <a:pt x="0" y="0"/>
-                </a:cubicBezTo>
-                <a:close/>
-              </a:path>
-            </a:pathLst>
-          </a:custGeom>
-          <a:solidFill>
-            <a:schemeClr val="accent2"/>
-          </a:solidFill>
-          <a:ln w="38100" cap="rnd">
-            <a:solidFill>
-              <a:schemeClr val="accent2"/>
-            </a:solidFill>
-            <a:round/>
-            <a:extLst>
-              <a:ext uri="{C807C97D-BFC1-408E-A445-0C87EB9F89A2}">
-                <ask:lineSketchStyleProps xmlns:ask="http://schemas.microsoft.com/office/drawing/2018/sketchyshapes" sd="1219033472">
-                  <a:prstGeom prst="rect">
-                    <a:avLst/>
-                  </a:prstGeom>
-                  <ask:type>
-                    <ask:lineSketchFreehand/>
-                  </ask:type>
-                </ask:lineSketchStyleProps>
-              </a:ext>
-            </a:extLst>
-          </a:ln>
-        </p:spPr>
-        <p:style>
-          <a:lnRef idx="2">
-            <a:schemeClr val="accent1">
-              <a:shade val="50000"/>
-            </a:schemeClr>
-          </a:lnRef>
-          <a:fillRef idx="1">
-            <a:schemeClr val="accent1"/>
-          </a:fillRef>
-          <a:effectRef idx="0">
-            <a:schemeClr val="accent1"/>
-          </a:effectRef>
-          <a:fontRef idx="minor">
-            <a:schemeClr val="lt1"/>
-          </a:fontRef>
-        </p:style>
-        <p:txBody>
-          <a:bodyPr rtlCol="0" anchor="ctr"/>
-          <a:lstStyle/>
-          <a:p>
-            <a:pPr algn="ctr"/>
-            <a:endParaRPr lang="en-US"/>
-          </a:p>
-        </p:txBody>
-      </p:sp>
-      <p:sp>
-        <p:nvSpPr>
-          <p:cNvPr id="3" name="Content Placeholder 2">
-            <a:extLst>
-              <a:ext uri="{FF2B5EF4-FFF2-40B4-BE49-F238E27FC236}">
-                <a16:creationId xmlns:a16="http://schemas.microsoft.com/office/drawing/2014/main" id="{2C73D345-D2BF-6E5E-484D-68E8E0B9872D}"/>
-              </a:ext>
-            </a:extLst>
-          </p:cNvPr>
-          <p:cNvSpPr>
-            <a:spLocks noGrp="1"/>
-          </p:cNvSpPr>
-          <p:nvPr>
-            <p:ph idx="1"/>
-          </p:nvPr>
-        </p:nvSpPr>
-        <p:spPr>
-          <a:xfrm>
-            <a:off x="630936" y="2807208"/>
-            <a:ext cx="3429000" cy="3410712"/>
-          </a:xfrm>
-        </p:spPr>
-        <p:txBody>
-          <a:bodyPr anchor="t">
-            <a:normAutofit/>
-          </a:bodyPr>
-          <a:lstStyle/>
-          <a:p>
-            <a:r>
-              <a:rPr lang="en-US" sz="2200" dirty="0"/>
-              <a:t>Large breakout of all sensors to allow for code development on hardware</a:t>
-            </a:r>
-          </a:p>
-          <a:p>
-            <a:r>
-              <a:rPr lang="en-US" sz="2200" dirty="0"/>
-              <a:t>Includes additional debug buttons, LEDs, and jumper configurable connections for testing</a:t>
-            </a:r>
-          </a:p>
-          <a:p>
-            <a:r>
-              <a:rPr lang="en-US" sz="2200" dirty="0"/>
-              <a:t>All extra µC pins expressed to Headers</a:t>
-            </a:r>
-          </a:p>
-        </p:txBody>
-      </p:sp>
-      <p:pic>
-        <p:nvPicPr>
-          <p:cNvPr id="5" name="Picture 4">
-            <a:extLst>
-              <a:ext uri="{FF2B5EF4-FFF2-40B4-BE49-F238E27FC236}">
-                <a16:creationId xmlns:a16="http://schemas.microsoft.com/office/drawing/2014/main" id="{877AEC40-AE84-18CF-D3C4-90FD7527106E}"/>
-              </a:ext>
-            </a:extLst>
-          </p:cNvPr>
-          <p:cNvPicPr>
-            <a:picLocks noChangeAspect="1"/>
-          </p:cNvPicPr>
-          <p:nvPr/>
-        </p:nvPicPr>
-        <p:blipFill>
-          <a:blip r:embed="rId3"/>
-          <a:stretch>
-            <a:fillRect/>
-          </a:stretch>
-        </p:blipFill>
-        <p:spPr>
-          <a:xfrm>
-            <a:off x="4654296" y="1608144"/>
-            <a:ext cx="6903720" cy="3641712"/>
-          </a:xfrm>
-          <a:prstGeom prst="rect">
-            <a:avLst/>
-          </a:prstGeom>
-        </p:spPr>
-      </p:pic>
-    </p:spTree>
-    <p:extLst>
-      <p:ext uri="{BB962C8B-B14F-4D97-AF65-F5344CB8AC3E}">
-        <p14:creationId xmlns:p14="http://schemas.microsoft.com/office/powerpoint/2010/main" val="1477455746"/>
-      </p:ext>
-    </p:extLst>
-  </p:cSld>
-  <p:clrMapOvr>
-    <a:masterClrMapping/>
-  </p:clrMapOvr>
-</p:sld>
-</file>
-
-<file path=ppt/slides/slide15.xml><?xml version="1.0" encoding="utf-8"?>
-<p:sld xmlns:a="http://schemas.openxmlformats.org/drawingml/2006/main" xmlns:r="http://schemas.openxmlformats.org/officeDocument/2006/relationships" xmlns:p="http://schemas.openxmlformats.org/presentationml/2006/main">
-  <p:cSld>
-    <p:bg>
-      <p:bgPr>
-        <a:solidFill>
-          <a:schemeClr val="bg1"/>
-        </a:solidFill>
-        <a:effectLst/>
-      </p:bgPr>
-    </p:bg>
-    <p:spTree>
-      <p:nvGrpSpPr>
-        <p:cNvPr id="1" name=""/>
-        <p:cNvGrpSpPr/>
-        <p:nvPr/>
-      </p:nvGrpSpPr>
-      <p:grpSpPr>
-        <a:xfrm>
-          <a:off x="0" y="0"/>
-          <a:ext cx="0" cy="0"/>
-          <a:chOff x="0" y="0"/>
-          <a:chExt cx="0" cy="0"/>
-        </a:xfrm>
-      </p:grpSpPr>
-      <p:sp useBgFill="1">
-        <p:nvSpPr>
           <p:cNvPr id="8" name="Rectangle 7">
             <a:extLst>
               <a:ext uri="{FF2B5EF4-FFF2-40B4-BE49-F238E27FC236}">
@@ -11938,6 +11455,489 @@
     <p:extLst>
       <p:ext uri="{BB962C8B-B14F-4D97-AF65-F5344CB8AC3E}">
         <p14:creationId xmlns:p14="http://schemas.microsoft.com/office/powerpoint/2010/main" val="498654753"/>
+      </p:ext>
+    </p:extLst>
+  </p:cSld>
+  <p:clrMapOvr>
+    <a:masterClrMapping/>
+  </p:clrMapOvr>
+</p:sld>
+</file>
+
+<file path=ppt/slides/slide15.xml><?xml version="1.0" encoding="utf-8"?>
+<p:sld xmlns:a="http://schemas.openxmlformats.org/drawingml/2006/main" xmlns:r="http://schemas.openxmlformats.org/officeDocument/2006/relationships" xmlns:p="http://schemas.openxmlformats.org/presentationml/2006/main">
+  <p:cSld>
+    <p:bg>
+      <p:bgPr>
+        <a:solidFill>
+          <a:schemeClr val="bg1"/>
+        </a:solidFill>
+        <a:effectLst/>
+      </p:bgPr>
+    </p:bg>
+    <p:spTree>
+      <p:nvGrpSpPr>
+        <p:cNvPr id="1" name=""/>
+        <p:cNvGrpSpPr/>
+        <p:nvPr/>
+      </p:nvGrpSpPr>
+      <p:grpSpPr>
+        <a:xfrm>
+          <a:off x="0" y="0"/>
+          <a:ext cx="0" cy="0"/>
+          <a:chOff x="0" y="0"/>
+          <a:chExt cx="0" cy="0"/>
+        </a:xfrm>
+      </p:grpSpPr>
+      <p:sp useBgFill="1">
+        <p:nvSpPr>
+          <p:cNvPr id="19" name="Rectangle 18">
+            <a:extLst>
+              <a:ext uri="{FF2B5EF4-FFF2-40B4-BE49-F238E27FC236}">
+                <a16:creationId xmlns:a16="http://schemas.microsoft.com/office/drawing/2014/main" id="{2B97F24A-32CE-4C1C-A50D-3016B394DCFB}"/>
+              </a:ext>
+              <a:ext uri="{C183D7F6-B498-43B3-948B-1728B52AA6E4}">
+                <adec:decorative xmlns:adec="http://schemas.microsoft.com/office/drawing/2017/decorative" val="1"/>
+              </a:ext>
+            </a:extLst>
+          </p:cNvPr>
+          <p:cNvSpPr>
+            <a:spLocks noGrp="1" noRot="1" noChangeAspect="1" noMove="1" noResize="1" noEditPoints="1" noAdjustHandles="1" noChangeArrowheads="1" noChangeShapeType="1" noTextEdit="1"/>
+          </p:cNvSpPr>
+          <p:nvPr>
+            <p:extLst>
+              <p:ext uri="{386F3935-93C4-4BCD-93E2-E3B085C9AB24}">
+                <p16:designElem xmlns:p16="http://schemas.microsoft.com/office/powerpoint/2015/main" val="1"/>
+              </p:ext>
+            </p:extLst>
+          </p:nvPr>
+        </p:nvSpPr>
+        <p:spPr>
+          <a:xfrm>
+            <a:off x="0" y="0"/>
+            <a:ext cx="12192000" cy="6858000"/>
+          </a:xfrm>
+          <a:prstGeom prst="rect">
+            <a:avLst/>
+          </a:prstGeom>
+          <a:ln>
+            <a:noFill/>
+          </a:ln>
+        </p:spPr>
+        <p:style>
+          <a:lnRef idx="2">
+            <a:schemeClr val="accent1">
+              <a:shade val="50000"/>
+            </a:schemeClr>
+          </a:lnRef>
+          <a:fillRef idx="1">
+            <a:schemeClr val="accent1"/>
+          </a:fillRef>
+          <a:effectRef idx="0">
+            <a:schemeClr val="accent1"/>
+          </a:effectRef>
+          <a:fontRef idx="minor">
+            <a:schemeClr val="lt1"/>
+          </a:fontRef>
+        </p:style>
+        <p:txBody>
+          <a:bodyPr rtlCol="0" anchor="ctr"/>
+          <a:lstStyle/>
+          <a:p>
+            <a:pPr algn="ctr"/>
+            <a:endParaRPr lang="en-US"/>
+          </a:p>
+        </p:txBody>
+      </p:sp>
+      <p:sp>
+        <p:nvSpPr>
+          <p:cNvPr id="2" name="Title 1">
+            <a:extLst>
+              <a:ext uri="{FF2B5EF4-FFF2-40B4-BE49-F238E27FC236}">
+                <a16:creationId xmlns:a16="http://schemas.microsoft.com/office/drawing/2014/main" id="{EA6493CF-AA83-E5D3-C9E0-B7D3988E4628}"/>
+              </a:ext>
+            </a:extLst>
+          </p:cNvPr>
+          <p:cNvSpPr>
+            <a:spLocks noGrp="1"/>
+          </p:cNvSpPr>
+          <p:nvPr>
+            <p:ph type="title"/>
+          </p:nvPr>
+        </p:nvSpPr>
+        <p:spPr>
+          <a:xfrm>
+            <a:off x="630936" y="639520"/>
+            <a:ext cx="3429000" cy="1719072"/>
+          </a:xfrm>
+        </p:spPr>
+        <p:txBody>
+          <a:bodyPr anchor="b">
+            <a:normAutofit/>
+          </a:bodyPr>
+          <a:lstStyle/>
+          <a:p>
+            <a:r>
+              <a:rPr lang="en-US" sz="5400"/>
+              <a:t>Testing Board</a:t>
+            </a:r>
+          </a:p>
+        </p:txBody>
+      </p:sp>
+      <p:sp>
+        <p:nvSpPr>
+          <p:cNvPr id="20" name="sketch line">
+            <a:extLst>
+              <a:ext uri="{FF2B5EF4-FFF2-40B4-BE49-F238E27FC236}">
+                <a16:creationId xmlns:a16="http://schemas.microsoft.com/office/drawing/2014/main" id="{CD8B4F24-440B-49E9-B85D-733523DC064B}"/>
+              </a:ext>
+              <a:ext uri="{C183D7F6-B498-43B3-948B-1728B52AA6E4}">
+                <adec:decorative xmlns:adec="http://schemas.microsoft.com/office/drawing/2017/decorative" val="1"/>
+              </a:ext>
+            </a:extLst>
+          </p:cNvPr>
+          <p:cNvSpPr>
+            <a:spLocks noGrp="1" noRot="1" noChangeAspect="1" noMove="1" noResize="1" noEditPoints="1" noAdjustHandles="1" noChangeArrowheads="1" noChangeShapeType="1" noTextEdit="1"/>
+          </p:cNvSpPr>
+          <p:nvPr>
+            <p:extLst>
+              <p:ext uri="{386F3935-93C4-4BCD-93E2-E3B085C9AB24}">
+                <p16:designElem xmlns:p16="http://schemas.microsoft.com/office/powerpoint/2015/main" val="1"/>
+              </p:ext>
+            </p:extLst>
+          </p:nvPr>
+        </p:nvSpPr>
+        <p:spPr>
+          <a:xfrm>
+            <a:off x="643278" y="2573756"/>
+            <a:ext cx="3255095" cy="18288"/>
+          </a:xfrm>
+          <a:custGeom>
+            <a:avLst/>
+            <a:gdLst>
+              <a:gd name="connsiteX0" fmla="*/ 0 w 3255095"/>
+              <a:gd name="connsiteY0" fmla="*/ 0 h 18288"/>
+              <a:gd name="connsiteX1" fmla="*/ 618468 w 3255095"/>
+              <a:gd name="connsiteY1" fmla="*/ 0 h 18288"/>
+              <a:gd name="connsiteX2" fmla="*/ 1269487 w 3255095"/>
+              <a:gd name="connsiteY2" fmla="*/ 0 h 18288"/>
+              <a:gd name="connsiteX3" fmla="*/ 1953057 w 3255095"/>
+              <a:gd name="connsiteY3" fmla="*/ 0 h 18288"/>
+              <a:gd name="connsiteX4" fmla="*/ 2636627 w 3255095"/>
+              <a:gd name="connsiteY4" fmla="*/ 0 h 18288"/>
+              <a:gd name="connsiteX5" fmla="*/ 3255095 w 3255095"/>
+              <a:gd name="connsiteY5" fmla="*/ 0 h 18288"/>
+              <a:gd name="connsiteX6" fmla="*/ 3255095 w 3255095"/>
+              <a:gd name="connsiteY6" fmla="*/ 18288 h 18288"/>
+              <a:gd name="connsiteX7" fmla="*/ 2538974 w 3255095"/>
+              <a:gd name="connsiteY7" fmla="*/ 18288 h 18288"/>
+              <a:gd name="connsiteX8" fmla="*/ 1822853 w 3255095"/>
+              <a:gd name="connsiteY8" fmla="*/ 18288 h 18288"/>
+              <a:gd name="connsiteX9" fmla="*/ 1171834 w 3255095"/>
+              <a:gd name="connsiteY9" fmla="*/ 18288 h 18288"/>
+              <a:gd name="connsiteX10" fmla="*/ 0 w 3255095"/>
+              <a:gd name="connsiteY10" fmla="*/ 18288 h 18288"/>
+              <a:gd name="connsiteX11" fmla="*/ 0 w 3255095"/>
+              <a:gd name="connsiteY11" fmla="*/ 0 h 18288"/>
+            </a:gdLst>
+            <a:ahLst/>
+            <a:cxnLst>
+              <a:cxn ang="0">
+                <a:pos x="connsiteX0" y="connsiteY0"/>
+              </a:cxn>
+              <a:cxn ang="0">
+                <a:pos x="connsiteX1" y="connsiteY1"/>
+              </a:cxn>
+              <a:cxn ang="0">
+                <a:pos x="connsiteX2" y="connsiteY2"/>
+              </a:cxn>
+              <a:cxn ang="0">
+                <a:pos x="connsiteX3" y="connsiteY3"/>
+              </a:cxn>
+              <a:cxn ang="0">
+                <a:pos x="connsiteX4" y="connsiteY4"/>
+              </a:cxn>
+              <a:cxn ang="0">
+                <a:pos x="connsiteX5" y="connsiteY5"/>
+              </a:cxn>
+              <a:cxn ang="0">
+                <a:pos x="connsiteX6" y="connsiteY6"/>
+              </a:cxn>
+              <a:cxn ang="0">
+                <a:pos x="connsiteX7" y="connsiteY7"/>
+              </a:cxn>
+              <a:cxn ang="0">
+                <a:pos x="connsiteX8" y="connsiteY8"/>
+              </a:cxn>
+              <a:cxn ang="0">
+                <a:pos x="connsiteX9" y="connsiteY9"/>
+              </a:cxn>
+              <a:cxn ang="0">
+                <a:pos x="connsiteX10" y="connsiteY10"/>
+              </a:cxn>
+              <a:cxn ang="0">
+                <a:pos x="connsiteX11" y="connsiteY11"/>
+              </a:cxn>
+            </a:cxnLst>
+            <a:rect l="l" t="t" r="r" b="b"/>
+            <a:pathLst>
+              <a:path w="3255095" h="18288" fill="none" extrusionOk="0">
+                <a:moveTo>
+                  <a:pt x="0" y="0"/>
+                </a:moveTo>
+                <a:cubicBezTo>
+                  <a:pt x="240201" y="-22123"/>
+                  <a:pt x="462021" y="-19623"/>
+                  <a:pt x="618468" y="0"/>
+                </a:cubicBezTo>
+                <a:cubicBezTo>
+                  <a:pt x="774915" y="19623"/>
+                  <a:pt x="974734" y="2035"/>
+                  <a:pt x="1269487" y="0"/>
+                </a:cubicBezTo>
+                <a:cubicBezTo>
+                  <a:pt x="1564240" y="-2035"/>
+                  <a:pt x="1733579" y="10639"/>
+                  <a:pt x="1953057" y="0"/>
+                </a:cubicBezTo>
+                <a:cubicBezTo>
+                  <a:pt x="2172535" y="-10639"/>
+                  <a:pt x="2453962" y="14018"/>
+                  <a:pt x="2636627" y="0"/>
+                </a:cubicBezTo>
+                <a:cubicBezTo>
+                  <a:pt x="2819292" y="-14018"/>
+                  <a:pt x="3121375" y="5399"/>
+                  <a:pt x="3255095" y="0"/>
+                </a:cubicBezTo>
+                <a:cubicBezTo>
+                  <a:pt x="3254386" y="8157"/>
+                  <a:pt x="3254682" y="12125"/>
+                  <a:pt x="3255095" y="18288"/>
+                </a:cubicBezTo>
+                <a:cubicBezTo>
+                  <a:pt x="3088545" y="23203"/>
+                  <a:pt x="2687475" y="7419"/>
+                  <a:pt x="2538974" y="18288"/>
+                </a:cubicBezTo>
+                <a:cubicBezTo>
+                  <a:pt x="2390473" y="29157"/>
+                  <a:pt x="2137381" y="-8959"/>
+                  <a:pt x="1822853" y="18288"/>
+                </a:cubicBezTo>
+                <a:cubicBezTo>
+                  <a:pt x="1508325" y="45535"/>
+                  <a:pt x="1466437" y="20385"/>
+                  <a:pt x="1171834" y="18288"/>
+                </a:cubicBezTo>
+                <a:cubicBezTo>
+                  <a:pt x="877231" y="16191"/>
+                  <a:pt x="561097" y="37643"/>
+                  <a:pt x="0" y="18288"/>
+                </a:cubicBezTo>
+                <a:cubicBezTo>
+                  <a:pt x="-46" y="12483"/>
+                  <a:pt x="-203" y="6491"/>
+                  <a:pt x="0" y="0"/>
+                </a:cubicBezTo>
+                <a:close/>
+              </a:path>
+              <a:path w="3255095" h="18288" stroke="0" extrusionOk="0">
+                <a:moveTo>
+                  <a:pt x="0" y="0"/>
+                </a:moveTo>
+                <a:cubicBezTo>
+                  <a:pt x="291965" y="19429"/>
+                  <a:pt x="363155" y="8568"/>
+                  <a:pt x="618468" y="0"/>
+                </a:cubicBezTo>
+                <a:cubicBezTo>
+                  <a:pt x="873781" y="-8568"/>
+                  <a:pt x="904459" y="-19505"/>
+                  <a:pt x="1171834" y="0"/>
+                </a:cubicBezTo>
+                <a:cubicBezTo>
+                  <a:pt x="1439209" y="19505"/>
+                  <a:pt x="1744369" y="9790"/>
+                  <a:pt x="1887955" y="0"/>
+                </a:cubicBezTo>
+                <a:cubicBezTo>
+                  <a:pt x="2031541" y="-9790"/>
+                  <a:pt x="2346378" y="21240"/>
+                  <a:pt x="2506423" y="0"/>
+                </a:cubicBezTo>
+                <a:cubicBezTo>
+                  <a:pt x="2666468" y="-21240"/>
+                  <a:pt x="2990257" y="30414"/>
+                  <a:pt x="3255095" y="0"/>
+                </a:cubicBezTo>
+                <a:cubicBezTo>
+                  <a:pt x="3254831" y="4493"/>
+                  <a:pt x="3255479" y="9472"/>
+                  <a:pt x="3255095" y="18288"/>
+                </a:cubicBezTo>
+                <a:cubicBezTo>
+                  <a:pt x="3120743" y="16690"/>
+                  <a:pt x="2759628" y="42462"/>
+                  <a:pt x="2604076" y="18288"/>
+                </a:cubicBezTo>
+                <a:cubicBezTo>
+                  <a:pt x="2448524" y="-5886"/>
+                  <a:pt x="2184336" y="19599"/>
+                  <a:pt x="1887955" y="18288"/>
+                </a:cubicBezTo>
+                <a:cubicBezTo>
+                  <a:pt x="1591574" y="16977"/>
+                  <a:pt x="1548845" y="6870"/>
+                  <a:pt x="1334589" y="18288"/>
+                </a:cubicBezTo>
+                <a:cubicBezTo>
+                  <a:pt x="1120333" y="29706"/>
+                  <a:pt x="996014" y="9662"/>
+                  <a:pt x="683570" y="18288"/>
+                </a:cubicBezTo>
+                <a:cubicBezTo>
+                  <a:pt x="371126" y="26914"/>
+                  <a:pt x="198687" y="16167"/>
+                  <a:pt x="0" y="18288"/>
+                </a:cubicBezTo>
+                <a:cubicBezTo>
+                  <a:pt x="843" y="9577"/>
+                  <a:pt x="371" y="6900"/>
+                  <a:pt x="0" y="0"/>
+                </a:cubicBezTo>
+                <a:close/>
+              </a:path>
+            </a:pathLst>
+          </a:custGeom>
+          <a:solidFill>
+            <a:schemeClr val="accent2"/>
+          </a:solidFill>
+          <a:ln w="38100" cap="rnd">
+            <a:solidFill>
+              <a:schemeClr val="accent2"/>
+            </a:solidFill>
+            <a:round/>
+            <a:extLst>
+              <a:ext uri="{C807C97D-BFC1-408E-A445-0C87EB9F89A2}">
+                <ask:lineSketchStyleProps xmlns:ask="http://schemas.microsoft.com/office/drawing/2018/sketchyshapes" sd="1219033472">
+                  <a:prstGeom prst="rect">
+                    <a:avLst/>
+                  </a:prstGeom>
+                  <ask:type>
+                    <ask:lineSketchFreehand/>
+                  </ask:type>
+                </ask:lineSketchStyleProps>
+              </a:ext>
+            </a:extLst>
+          </a:ln>
+        </p:spPr>
+        <p:style>
+          <a:lnRef idx="2">
+            <a:schemeClr val="accent1">
+              <a:shade val="50000"/>
+            </a:schemeClr>
+          </a:lnRef>
+          <a:fillRef idx="1">
+            <a:schemeClr val="accent1"/>
+          </a:fillRef>
+          <a:effectRef idx="0">
+            <a:schemeClr val="accent1"/>
+          </a:effectRef>
+          <a:fontRef idx="minor">
+            <a:schemeClr val="lt1"/>
+          </a:fontRef>
+        </p:style>
+        <p:txBody>
+          <a:bodyPr rtlCol="0" anchor="ctr"/>
+          <a:lstStyle/>
+          <a:p>
+            <a:pPr algn="ctr"/>
+            <a:endParaRPr lang="en-US"/>
+          </a:p>
+        </p:txBody>
+      </p:sp>
+      <p:sp>
+        <p:nvSpPr>
+          <p:cNvPr id="3" name="Content Placeholder 2">
+            <a:extLst>
+              <a:ext uri="{FF2B5EF4-FFF2-40B4-BE49-F238E27FC236}">
+                <a16:creationId xmlns:a16="http://schemas.microsoft.com/office/drawing/2014/main" id="{2C73D345-D2BF-6E5E-484D-68E8E0B9872D}"/>
+              </a:ext>
+            </a:extLst>
+          </p:cNvPr>
+          <p:cNvSpPr>
+            <a:spLocks noGrp="1"/>
+          </p:cNvSpPr>
+          <p:nvPr>
+            <p:ph idx="1"/>
+          </p:nvPr>
+        </p:nvSpPr>
+        <p:spPr>
+          <a:xfrm>
+            <a:off x="630936" y="2807208"/>
+            <a:ext cx="3429000" cy="3410712"/>
+          </a:xfrm>
+        </p:spPr>
+        <p:txBody>
+          <a:bodyPr anchor="t">
+            <a:normAutofit/>
+          </a:bodyPr>
+          <a:lstStyle/>
+          <a:p>
+            <a:r>
+              <a:rPr lang="en-US" sz="2200" dirty="0"/>
+              <a:t>Large breakout of all sensors to allow for code development on hardware</a:t>
+            </a:r>
+          </a:p>
+          <a:p>
+            <a:r>
+              <a:rPr lang="en-US" sz="2200" dirty="0"/>
+              <a:t>Includes additional debug buttons, LEDs, and jumper configurable connections for testing</a:t>
+            </a:r>
+          </a:p>
+          <a:p>
+            <a:r>
+              <a:rPr lang="en-US" sz="2200" dirty="0"/>
+              <a:t>All extra µC pins expressed to Headers</a:t>
+            </a:r>
+          </a:p>
+        </p:txBody>
+      </p:sp>
+      <p:pic>
+        <p:nvPicPr>
+          <p:cNvPr id="5" name="Picture 4">
+            <a:extLst>
+              <a:ext uri="{FF2B5EF4-FFF2-40B4-BE49-F238E27FC236}">
+                <a16:creationId xmlns:a16="http://schemas.microsoft.com/office/drawing/2014/main" id="{877AEC40-AE84-18CF-D3C4-90FD7527106E}"/>
+              </a:ext>
+            </a:extLst>
+          </p:cNvPr>
+          <p:cNvPicPr>
+            <a:picLocks noChangeAspect="1"/>
+          </p:cNvPicPr>
+          <p:nvPr/>
+        </p:nvPicPr>
+        <p:blipFill>
+          <a:blip r:embed="rId3"/>
+          <a:stretch>
+            <a:fillRect/>
+          </a:stretch>
+        </p:blipFill>
+        <p:spPr>
+          <a:xfrm>
+            <a:off x="4654296" y="1608144"/>
+            <a:ext cx="6903720" cy="3641712"/>
+          </a:xfrm>
+          <a:prstGeom prst="rect">
+            <a:avLst/>
+          </a:prstGeom>
+        </p:spPr>
+      </p:pic>
+    </p:spTree>
+    <p:extLst>
+      <p:ext uri="{BB962C8B-B14F-4D97-AF65-F5344CB8AC3E}">
+        <p14:creationId xmlns:p14="http://schemas.microsoft.com/office/powerpoint/2010/main" val="1477455746"/>
       </p:ext>
     </p:extLst>
   </p:cSld>
@@ -24367,20 +24367,20 @@
 </file>
 
 <file path=customXml/item1.xml><?xml version="1.0" encoding="utf-8"?>
+<p:properties xmlns:p="http://schemas.microsoft.com/office/2006/metadata/properties" xmlns:xsi="http://www.w3.org/2001/XMLSchema-instance" xmlns:pc="http://schemas.microsoft.com/office/infopath/2007/PartnerControls">
+  <documentManagement>
+    <_activity xmlns="218cae68-0ddc-43bb-9a29-52a0402d6cb9" xsi:nil="true"/>
+  </documentManagement>
+</p:properties>
+</file>
+
+<file path=customXml/item2.xml><?xml version="1.0" encoding="utf-8"?>
 <?mso-contentType ?>
 <FormTemplates xmlns="http://schemas.microsoft.com/sharepoint/v3/contenttype/forms">
   <Display>DocumentLibraryForm</Display>
   <Edit>DocumentLibraryForm</Edit>
   <New>DocumentLibraryForm</New>
 </FormTemplates>
-</file>
-
-<file path=customXml/item2.xml><?xml version="1.0" encoding="utf-8"?>
-<p:properties xmlns:p="http://schemas.microsoft.com/office/2006/metadata/properties" xmlns:xsi="http://www.w3.org/2001/XMLSchema-instance" xmlns:pc="http://schemas.microsoft.com/office/infopath/2007/PartnerControls">
-  <documentManagement>
-    <_activity xmlns="218cae68-0ddc-43bb-9a29-52a0402d6cb9" xsi:nil="true"/>
-  </documentManagement>
-</p:properties>
 </file>
 
 <file path=customXml/item3.xml><?xml version="1.0" encoding="utf-8"?>
@@ -24617,14 +24617,6 @@
 </file>
 
 <file path=customXml/itemProps1.xml><?xml version="1.0" encoding="utf-8"?>
-<ds:datastoreItem xmlns:ds="http://schemas.openxmlformats.org/officeDocument/2006/customXml" ds:itemID="{3A69843A-82BD-41BC-9CFD-7A6BCBCF50D4}">
-  <ds:schemaRefs>
-    <ds:schemaRef ds:uri="http://schemas.microsoft.com/sharepoint/v3/contenttype/forms"/>
-  </ds:schemaRefs>
-</ds:datastoreItem>
-</file>
-
-<file path=customXml/itemProps2.xml><?xml version="1.0" encoding="utf-8"?>
 <ds:datastoreItem xmlns:ds="http://schemas.openxmlformats.org/officeDocument/2006/customXml" ds:itemID="{B218F515-3D1B-44A5-8439-DF0479902099}">
   <ds:schemaRefs>
     <ds:schemaRef ds:uri="http://purl.org/dc/dcmitype/"/>
@@ -24637,6 +24629,14 @@
     <ds:schemaRef ds:uri="703aeb73-56ce-48f3-9277-f60cff690132"/>
     <ds:schemaRef ds:uri="http://schemas.microsoft.com/office/2006/metadata/properties"/>
     <ds:schemaRef ds:uri="http://purl.org/dc/elements/1.1/"/>
+  </ds:schemaRefs>
+</ds:datastoreItem>
+</file>
+
+<file path=customXml/itemProps2.xml><?xml version="1.0" encoding="utf-8"?>
+<ds:datastoreItem xmlns:ds="http://schemas.openxmlformats.org/officeDocument/2006/customXml" ds:itemID="{3A69843A-82BD-41BC-9CFD-7A6BCBCF50D4}">
+  <ds:schemaRefs>
+    <ds:schemaRef ds:uri="http://schemas.microsoft.com/sharepoint/v3/contenttype/forms"/>
   </ds:schemaRefs>
 </ds:datastoreItem>
 </file>
